--- a/ISIE 2017/sunum/ISIE2017_OralPres_Mesut_Uğur.pptx
+++ b/ISIE 2017/sunum/ISIE2017_OralPres_Mesut_Uğur.pptx
@@ -5,7 +5,7 @@
     <p:sldMasterId id="2147483804" r:id="rId1"/>
   </p:sldMasterIdLst>
   <p:notesMasterIdLst>
-    <p:notesMasterId r:id="rId22"/>
+    <p:notesMasterId r:id="rId19"/>
   </p:notesMasterIdLst>
   <p:sldIdLst>
     <p:sldId id="290" r:id="rId2"/>
@@ -22,12 +22,9 @@
     <p:sldId id="516" r:id="rId13"/>
     <p:sldId id="507" r:id="rId14"/>
     <p:sldId id="509" r:id="rId15"/>
-    <p:sldId id="510" r:id="rId16"/>
-    <p:sldId id="502" r:id="rId17"/>
-    <p:sldId id="512" r:id="rId18"/>
-    <p:sldId id="513" r:id="rId19"/>
-    <p:sldId id="493" r:id="rId20"/>
-    <p:sldId id="388" r:id="rId21"/>
+    <p:sldId id="518" r:id="rId16"/>
+    <p:sldId id="513" r:id="rId17"/>
+    <p:sldId id="493" r:id="rId18"/>
   </p:sldIdLst>
   <p:sldSz cx="9144000" cy="6858000" type="screen4x3"/>
   <p:notesSz cx="6858000" cy="9144000"/>
@@ -227,7 +224,7 @@
           <a:p>
             <a:fld id="{D1C008C1-D970-43BD-9678-58985B84B3B0}" type="datetimeFigureOut">
               <a:rPr lang="tr-TR" smtClean="0"/>
-              <a:t>31.05.2017</a:t>
+              <a:t>01.06.2017</a:t>
             </a:fld>
             <a:endParaRPr lang="tr-TR"/>
           </a:p>
@@ -495,6 +492,174 @@
 </p:notesMaster>
 </file>
 
+<file path=ppt/notesSlides/notesSlide1.xml><?xml version="1.0" encoding="utf-8"?>
+<p:notes xmlns:a="http://schemas.openxmlformats.org/drawingml/2006/main" xmlns:r="http://schemas.openxmlformats.org/officeDocument/2006/relationships" xmlns:p="http://schemas.openxmlformats.org/presentationml/2006/main">
+  <p:cSld>
+    <p:spTree>
+      <p:nvGrpSpPr>
+        <p:cNvPr id="1" name=""/>
+        <p:cNvGrpSpPr/>
+        <p:nvPr/>
+      </p:nvGrpSpPr>
+      <p:grpSpPr>
+        <a:xfrm>
+          <a:off x="0" y="0"/>
+          <a:ext cx="0" cy="0"/>
+          <a:chOff x="0" y="0"/>
+          <a:chExt cx="0" cy="0"/>
+        </a:xfrm>
+      </p:grpSpPr>
+      <p:sp>
+        <p:nvSpPr>
+          <p:cNvPr id="2" name="Slide Image Placeholder 1"/>
+          <p:cNvSpPr>
+            <a:spLocks noGrp="1" noRot="1" noChangeAspect="1"/>
+          </p:cNvSpPr>
+          <p:nvPr>
+            <p:ph type="sldImg"/>
+          </p:nvPr>
+        </p:nvSpPr>
+        <p:spPr/>
+      </p:sp>
+      <p:sp>
+        <p:nvSpPr>
+          <p:cNvPr id="3" name="Notes Placeholder 2"/>
+          <p:cNvSpPr>
+            <a:spLocks noGrp="1"/>
+          </p:cNvSpPr>
+          <p:nvPr>
+            <p:ph type="body" idx="1"/>
+          </p:nvPr>
+        </p:nvSpPr>
+        <p:spPr/>
+        <p:txBody>
+          <a:bodyPr/>
+          <a:lstStyle/>
+          <a:p>
+            <a:endParaRPr lang="en-US"/>
+          </a:p>
+        </p:txBody>
+      </p:sp>
+      <p:sp>
+        <p:nvSpPr>
+          <p:cNvPr id="4" name="Slide Number Placeholder 3"/>
+          <p:cNvSpPr>
+            <a:spLocks noGrp="1"/>
+          </p:cNvSpPr>
+          <p:nvPr>
+            <p:ph type="sldNum" sz="quarter" idx="10"/>
+          </p:nvPr>
+        </p:nvSpPr>
+        <p:spPr/>
+        <p:txBody>
+          <a:bodyPr/>
+          <a:lstStyle/>
+          <a:p>
+            <a:fld id="{A891BBEF-D461-4390-BF4B-2B69E06247B2}" type="slidenum">
+              <a:rPr lang="tr-TR" smtClean="0"/>
+              <a:t>2</a:t>
+            </a:fld>
+            <a:endParaRPr lang="tr-TR"/>
+          </a:p>
+        </p:txBody>
+      </p:sp>
+    </p:spTree>
+    <p:extLst>
+      <p:ext uri="{BB962C8B-B14F-4D97-AF65-F5344CB8AC3E}">
+        <p14:creationId xmlns:p14="http://schemas.microsoft.com/office/powerpoint/2010/main" val="1826124975"/>
+      </p:ext>
+    </p:extLst>
+  </p:cSld>
+  <p:clrMapOvr>
+    <a:masterClrMapping/>
+  </p:clrMapOvr>
+</p:notes>
+</file>
+
+<file path=ppt/notesSlides/notesSlide2.xml><?xml version="1.0" encoding="utf-8"?>
+<p:notes xmlns:a="http://schemas.openxmlformats.org/drawingml/2006/main" xmlns:r="http://schemas.openxmlformats.org/officeDocument/2006/relationships" xmlns:p="http://schemas.openxmlformats.org/presentationml/2006/main">
+  <p:cSld>
+    <p:spTree>
+      <p:nvGrpSpPr>
+        <p:cNvPr id="1" name=""/>
+        <p:cNvGrpSpPr/>
+        <p:nvPr/>
+      </p:nvGrpSpPr>
+      <p:grpSpPr>
+        <a:xfrm>
+          <a:off x="0" y="0"/>
+          <a:ext cx="0" cy="0"/>
+          <a:chOff x="0" y="0"/>
+          <a:chExt cx="0" cy="0"/>
+        </a:xfrm>
+      </p:grpSpPr>
+      <p:sp>
+        <p:nvSpPr>
+          <p:cNvPr id="2" name="Slide Image Placeholder 1"/>
+          <p:cNvSpPr>
+            <a:spLocks noGrp="1" noRot="1" noChangeAspect="1"/>
+          </p:cNvSpPr>
+          <p:nvPr>
+            <p:ph type="sldImg"/>
+          </p:nvPr>
+        </p:nvSpPr>
+        <p:spPr/>
+      </p:sp>
+      <p:sp>
+        <p:nvSpPr>
+          <p:cNvPr id="3" name="Notes Placeholder 2"/>
+          <p:cNvSpPr>
+            <a:spLocks noGrp="1"/>
+          </p:cNvSpPr>
+          <p:nvPr>
+            <p:ph type="body" idx="1"/>
+          </p:nvPr>
+        </p:nvSpPr>
+        <p:spPr/>
+        <p:txBody>
+          <a:bodyPr/>
+          <a:lstStyle/>
+          <a:p>
+            <a:endParaRPr lang="en-US"/>
+          </a:p>
+        </p:txBody>
+      </p:sp>
+      <p:sp>
+        <p:nvSpPr>
+          <p:cNvPr id="4" name="Slide Number Placeholder 3"/>
+          <p:cNvSpPr>
+            <a:spLocks noGrp="1"/>
+          </p:cNvSpPr>
+          <p:nvPr>
+            <p:ph type="sldNum" sz="quarter" idx="10"/>
+          </p:nvPr>
+        </p:nvSpPr>
+        <p:spPr/>
+        <p:txBody>
+          <a:bodyPr/>
+          <a:lstStyle/>
+          <a:p>
+            <a:fld id="{A891BBEF-D461-4390-BF4B-2B69E06247B2}" type="slidenum">
+              <a:rPr lang="tr-TR" smtClean="0"/>
+              <a:t>3</a:t>
+            </a:fld>
+            <a:endParaRPr lang="tr-TR"/>
+          </a:p>
+        </p:txBody>
+      </p:sp>
+    </p:spTree>
+    <p:extLst>
+      <p:ext uri="{BB962C8B-B14F-4D97-AF65-F5344CB8AC3E}">
+        <p14:creationId xmlns:p14="http://schemas.microsoft.com/office/powerpoint/2010/main" val="2720925082"/>
+      </p:ext>
+    </p:extLst>
+  </p:cSld>
+  <p:clrMapOvr>
+    <a:masterClrMapping/>
+  </p:clrMapOvr>
+</p:notes>
+</file>
+
 <file path=ppt/slideLayouts/slideLayout1.xml><?xml version="1.0" encoding="utf-8"?>
 <p:sldLayout xmlns:a="http://schemas.openxmlformats.org/drawingml/2006/main" xmlns:r="http://schemas.openxmlformats.org/officeDocument/2006/relationships" xmlns:p="http://schemas.openxmlformats.org/presentationml/2006/main" type="title" preserve="1">
   <p:cSld name="Title Slide">
@@ -676,7 +841,7 @@
           <a:p>
             <a:fld id="{D275723C-A363-4114-BE18-3E9589C2B9C2}" type="datetime1">
               <a:rPr lang="en-US" smtClean="0"/>
-              <a:t>5/31/2017</a:t>
+              <a:t>6/1/2017</a:t>
             </a:fld>
             <a:endParaRPr lang="en-US" dirty="0"/>
           </a:p>
@@ -847,7 +1012,7 @@
           <a:p>
             <a:fld id="{C5592633-93A2-4DB7-B3D8-5F6714E7EFEC}" type="datetime1">
               <a:rPr lang="en-US" smtClean="0"/>
-              <a:t>5/31/2017</a:t>
+              <a:t>6/1/2017</a:t>
             </a:fld>
             <a:endParaRPr lang="en-US" dirty="0"/>
           </a:p>
@@ -1028,7 +1193,7 @@
           <a:p>
             <a:fld id="{6F760D8D-AE05-4AF5-8666-75C48EA7B609}" type="datetime1">
               <a:rPr lang="en-US" smtClean="0"/>
-              <a:t>5/31/2017</a:t>
+              <a:t>6/1/2017</a:t>
             </a:fld>
             <a:endParaRPr lang="en-US" dirty="0"/>
           </a:p>
@@ -1199,7 +1364,7 @@
           <a:p>
             <a:fld id="{6D87B8C0-62AE-47C8-A8EF-FC863B0F06E5}" type="datetime1">
               <a:rPr lang="en-US" smtClean="0"/>
-              <a:t>5/31/2017</a:t>
+              <a:t>6/1/2017</a:t>
             </a:fld>
             <a:endParaRPr lang="en-US" dirty="0"/>
           </a:p>
@@ -1446,7 +1611,7 @@
           <a:p>
             <a:fld id="{A76C8472-C309-40FA-8240-FF6234B7F0D0}" type="datetime1">
               <a:rPr lang="en-US" smtClean="0"/>
-              <a:t>5/31/2017</a:t>
+              <a:t>6/1/2017</a:t>
             </a:fld>
             <a:endParaRPr lang="en-US" dirty="0"/>
           </a:p>
@@ -1735,7 +1900,7 @@
           <a:p>
             <a:fld id="{33196F6B-6F2E-418E-A1A6-2F06576F6EF7}" type="datetime1">
               <a:rPr lang="en-US" smtClean="0"/>
-              <a:t>5/31/2017</a:t>
+              <a:t>6/1/2017</a:t>
             </a:fld>
             <a:endParaRPr lang="en-US" dirty="0"/>
           </a:p>
@@ -2158,7 +2323,7 @@
           <a:p>
             <a:fld id="{D09CD6EC-2E00-46F1-9BD2-E1865A200410}" type="datetime1">
               <a:rPr lang="en-US" smtClean="0"/>
-              <a:t>5/31/2017</a:t>
+              <a:t>6/1/2017</a:t>
             </a:fld>
             <a:endParaRPr lang="en-US" dirty="0"/>
           </a:p>
@@ -2277,7 +2442,7 @@
           <a:p>
             <a:fld id="{C40B9E5A-6330-4749-ACDB-FB892FCFE6A5}" type="datetime1">
               <a:rPr lang="en-US" smtClean="0"/>
-              <a:t>5/31/2017</a:t>
+              <a:t>6/1/2017</a:t>
             </a:fld>
             <a:endParaRPr lang="en-US" dirty="0"/>
           </a:p>
@@ -2373,7 +2538,7 @@
           <a:p>
             <a:fld id="{1C181CB3-A768-4AD8-A97F-12E47CC1200D}" type="datetime1">
               <a:rPr lang="en-US" smtClean="0"/>
-              <a:t>5/31/2017</a:t>
+              <a:t>6/1/2017</a:t>
             </a:fld>
             <a:endParaRPr lang="en-US" dirty="0"/>
           </a:p>
@@ -2651,7 +2816,7 @@
           <a:p>
             <a:fld id="{AF3D8106-484C-46C6-8BE9-348BFA7F2DCB}" type="datetime1">
               <a:rPr lang="en-US" smtClean="0"/>
-              <a:t>5/31/2017</a:t>
+              <a:t>6/1/2017</a:t>
             </a:fld>
             <a:endParaRPr lang="en-US" dirty="0"/>
           </a:p>
@@ -2905,7 +3070,7 @@
           <a:p>
             <a:fld id="{F2A57B0D-110E-4AAD-9411-DA6CB39E8776}" type="datetime1">
               <a:rPr lang="en-US" smtClean="0"/>
-              <a:t>5/31/2017</a:t>
+              <a:t>6/1/2017</a:t>
             </a:fld>
             <a:endParaRPr lang="en-US" dirty="0"/>
           </a:p>
@@ -2974,14 +3139,12 @@
       <p:bgPr>
         <a:gradFill flip="none" rotWithShape="1">
           <a:gsLst>
-            <a:gs pos="10000">
-              <a:schemeClr val="bg1">
-                <a:lumMod val="95000"/>
-              </a:schemeClr>
+            <a:gs pos="11000">
+              <a:schemeClr val="bg1"/>
             </a:gs>
             <a:gs pos="0">
               <a:schemeClr val="bg1">
-                <a:lumMod val="85000"/>
+                <a:lumMod val="95000"/>
               </a:schemeClr>
             </a:gs>
             <a:gs pos="100000">
@@ -3140,7 +3303,7 @@
           <a:p>
             <a:fld id="{FB4B5B0E-55D6-4DAA-879D-58BBFFC7379B}" type="datetime1">
               <a:rPr lang="en-US" smtClean="0"/>
-              <a:t>5/31/2017</a:t>
+              <a:t>6/1/2017</a:t>
             </a:fld>
             <a:endParaRPr lang="en-US" dirty="0"/>
           </a:p>
@@ -3503,14 +3666,6 @@
 <file path=ppt/slides/slide1.xml><?xml version="1.0" encoding="utf-8"?>
 <p:sld xmlns:a="http://schemas.openxmlformats.org/drawingml/2006/main" xmlns:r="http://schemas.openxmlformats.org/officeDocument/2006/relationships" xmlns:p="http://schemas.openxmlformats.org/presentationml/2006/main">
   <p:cSld>
-    <p:bg>
-      <p:bgPr>
-        <a:solidFill>
-          <a:schemeClr val="bg1"/>
-        </a:solidFill>
-        <a:effectLst/>
-      </p:bgPr>
-    </p:bg>
     <p:spTree>
       <p:nvGrpSpPr>
         <p:cNvPr id="1" name=""/>
@@ -3613,16 +3768,217 @@
           </a:p>
         </p:txBody>
       </p:sp>
+      <p:sp>
+        <p:nvSpPr>
+          <p:cNvPr id="10" name="TextBox 9"/>
+          <p:cNvSpPr txBox="1"/>
+          <p:nvPr/>
+        </p:nvSpPr>
+        <p:spPr>
+          <a:xfrm>
+            <a:off x="1252315" y="4436203"/>
+            <a:ext cx="7649282" cy="1477328"/>
+          </a:xfrm>
+          <a:prstGeom prst="rect">
+            <a:avLst/>
+          </a:prstGeom>
+          <a:noFill/>
+        </p:spPr>
+        <p:txBody>
+          <a:bodyPr wrap="square" rtlCol="0">
+            <a:spAutoFit/>
+          </a:bodyPr>
+          <a:lstStyle/>
+          <a:p>
+            <a:pPr algn="ctr"/>
+            <a:r>
+              <a:rPr lang="en-US" sz="3000" dirty="0" smtClean="0">
+                <a:latin typeface="Times New Roman" panose="02020603050405020304" pitchFamily="18" charset="0"/>
+                <a:cs typeface="Times New Roman" panose="02020603050405020304" pitchFamily="18" charset="0"/>
+              </a:rPr>
+              <a:t>Mesut Uğur</a:t>
+            </a:r>
+          </a:p>
+          <a:p>
+            <a:pPr algn="ctr"/>
+            <a:r>
+              <a:rPr lang="en-US" sz="2000" dirty="0" smtClean="0">
+                <a:latin typeface="Times New Roman" panose="02020603050405020304" pitchFamily="18" charset="0"/>
+                <a:cs typeface="Times New Roman" panose="02020603050405020304" pitchFamily="18" charset="0"/>
+                <a:hlinkClick r:id="rId2"/>
+              </a:rPr>
+              <a:t>ugurm@metu.edu.tr</a:t>
+            </a:r>
+            <a:endParaRPr lang="en-US" sz="2000" dirty="0" smtClean="0">
+              <a:latin typeface="Times New Roman" panose="02020603050405020304" pitchFamily="18" charset="0"/>
+              <a:cs typeface="Times New Roman" panose="02020603050405020304" pitchFamily="18" charset="0"/>
+            </a:endParaRPr>
+          </a:p>
+          <a:p>
+            <a:pPr algn="ctr"/>
+            <a:r>
+              <a:rPr lang="en-US" sz="2000" dirty="0" smtClean="0">
+                <a:latin typeface="Times New Roman" panose="02020603050405020304" pitchFamily="18" charset="0"/>
+                <a:cs typeface="Times New Roman" panose="02020603050405020304" pitchFamily="18" charset="0"/>
+              </a:rPr>
+              <a:t>Department of Electrical and Electronics Engineering</a:t>
+            </a:r>
+          </a:p>
+          <a:p>
+            <a:pPr algn="ctr"/>
+            <a:r>
+              <a:rPr lang="en-US" sz="2000" dirty="0" smtClean="0">
+                <a:latin typeface="Times New Roman" panose="02020603050405020304" pitchFamily="18" charset="0"/>
+                <a:cs typeface="Times New Roman" panose="02020603050405020304" pitchFamily="18" charset="0"/>
+              </a:rPr>
+              <a:t>Middle East Technical University</a:t>
+            </a:r>
+            <a:endParaRPr lang="en-US" sz="2000" dirty="0" smtClean="0">
+              <a:latin typeface="Times New Roman" panose="02020603050405020304" pitchFamily="18" charset="0"/>
+              <a:cs typeface="Times New Roman" panose="02020603050405020304" pitchFamily="18" charset="0"/>
+            </a:endParaRPr>
+          </a:p>
+        </p:txBody>
+      </p:sp>
+      <p:sp>
+        <p:nvSpPr>
+          <p:cNvPr id="15" name="Text Box 14"/>
+          <p:cNvSpPr txBox="1">
+            <a:spLocks noChangeArrowheads="1"/>
+          </p:cNvSpPr>
+          <p:nvPr/>
+        </p:nvSpPr>
+        <p:spPr bwMode="auto">
+          <a:xfrm>
+            <a:off x="982634" y="2759690"/>
+            <a:ext cx="8104629" cy="1200329"/>
+          </a:xfrm>
+          <a:prstGeom prst="rect">
+            <a:avLst/>
+          </a:prstGeom>
+          <a:noFill/>
+          <a:ln w="9525">
+            <a:noFill/>
+            <a:miter lim="800000"/>
+            <a:headEnd/>
+            <a:tailEnd/>
+          </a:ln>
+          <a:effectLst/>
+        </p:spPr>
+        <p:txBody>
+          <a:bodyPr wrap="square">
+            <a:spAutoFit/>
+          </a:bodyPr>
+          <a:lstStyle/>
+          <a:p>
+            <a:pPr algn="ctr" defTabSz="4389438">
+              <a:spcBef>
+                <a:spcPct val="50000"/>
+              </a:spcBef>
+            </a:pPr>
+            <a:r>
+              <a:rPr lang="en-US" sz="3600" dirty="0">
+                <a:latin typeface="Times New Roman" panose="02020603050405020304" pitchFamily="18" charset="0"/>
+                <a:cs typeface="Times New Roman" panose="02020603050405020304" pitchFamily="18" charset="0"/>
+              </a:rPr>
+              <a:t>DC Link Capacitor Optimization for </a:t>
+            </a:r>
+            <a:r>
+              <a:rPr lang="en-US" sz="3600" dirty="0" smtClean="0">
+                <a:latin typeface="Times New Roman" panose="02020603050405020304" pitchFamily="18" charset="0"/>
+                <a:cs typeface="Times New Roman" panose="02020603050405020304" pitchFamily="18" charset="0"/>
+              </a:rPr>
+              <a:t>Integrated</a:t>
+            </a:r>
+            <a:r>
+              <a:rPr lang="tr-TR" sz="3600" dirty="0" smtClean="0">
+                <a:latin typeface="Times New Roman" panose="02020603050405020304" pitchFamily="18" charset="0"/>
+                <a:cs typeface="Times New Roman" panose="02020603050405020304" pitchFamily="18" charset="0"/>
+              </a:rPr>
+              <a:t> </a:t>
+            </a:r>
+            <a:r>
+              <a:rPr lang="en-US" sz="3600" dirty="0" smtClean="0">
+                <a:latin typeface="Times New Roman" panose="02020603050405020304" pitchFamily="18" charset="0"/>
+                <a:cs typeface="Times New Roman" panose="02020603050405020304" pitchFamily="18" charset="0"/>
+              </a:rPr>
+              <a:t>Modular </a:t>
+            </a:r>
+            <a:r>
+              <a:rPr lang="en-US" sz="3600" dirty="0">
+                <a:latin typeface="Times New Roman" panose="02020603050405020304" pitchFamily="18" charset="0"/>
+                <a:cs typeface="Times New Roman" panose="02020603050405020304" pitchFamily="18" charset="0"/>
+              </a:rPr>
+              <a:t>Motor Drives</a:t>
+            </a:r>
+            <a:r>
+              <a:rPr lang="en-US" sz="3600" dirty="0">
+                <a:latin typeface="Times New Roman" panose="02020603050405020304" pitchFamily="18" charset="0"/>
+                <a:cs typeface="Times New Roman" panose="02020603050405020304" pitchFamily="18" charset="0"/>
+              </a:rPr>
+              <a:t> </a:t>
+            </a:r>
+            <a:endParaRPr lang="en-US" sz="3600" b="1" dirty="0" smtClean="0">
+              <a:latin typeface="Times New Roman" panose="02020603050405020304" pitchFamily="18" charset="0"/>
+              <a:cs typeface="Times New Roman" panose="02020603050405020304" pitchFamily="18" charset="0"/>
+            </a:endParaRPr>
+          </a:p>
+        </p:txBody>
+      </p:sp>
+      <p:sp>
+        <p:nvSpPr>
+          <p:cNvPr id="16" name="TextBox 15"/>
+          <p:cNvSpPr txBox="1"/>
+          <p:nvPr/>
+        </p:nvSpPr>
+        <p:spPr>
+          <a:xfrm>
+            <a:off x="1039371" y="5991344"/>
+            <a:ext cx="8104629" cy="461665"/>
+          </a:xfrm>
+          <a:prstGeom prst="rect">
+            <a:avLst/>
+          </a:prstGeom>
+          <a:noFill/>
+        </p:spPr>
+        <p:txBody>
+          <a:bodyPr wrap="square" rtlCol="0">
+            <a:spAutoFit/>
+          </a:bodyPr>
+          <a:lstStyle/>
+          <a:p>
+            <a:pPr algn="ctr"/>
+            <a:r>
+              <a:rPr lang="tr-TR" sz="2400" dirty="0" smtClean="0">
+                <a:latin typeface="Times New Roman" panose="02020603050405020304" pitchFamily="18" charset="0"/>
+                <a:cs typeface="Times New Roman" panose="02020603050405020304" pitchFamily="18" charset="0"/>
+              </a:rPr>
+              <a:t>20/</a:t>
+            </a:r>
+            <a:r>
+              <a:rPr lang="tr-TR" sz="2400" dirty="0" smtClean="0">
+                <a:latin typeface="Times New Roman" panose="02020603050405020304" pitchFamily="18" charset="0"/>
+                <a:cs typeface="Times New Roman" panose="02020603050405020304" pitchFamily="18" charset="0"/>
+              </a:rPr>
+              <a:t>06/2017</a:t>
+            </a:r>
+            <a:endParaRPr lang="tr-TR" sz="2400" dirty="0" smtClean="0">
+              <a:latin typeface="Times New Roman" panose="02020603050405020304" pitchFamily="18" charset="0"/>
+              <a:cs typeface="Times New Roman" panose="02020603050405020304" pitchFamily="18" charset="0"/>
+            </a:endParaRPr>
+          </a:p>
+        </p:txBody>
+      </p:sp>
       <p:pic>
         <p:nvPicPr>
-          <p:cNvPr id="6" name="Picture 2" descr="C:\Users\Mesut\Desktop\aselsan sunum\aselsan sunum 10 ekim\aselsan sunum\cezmi bey\ODTU.png"/>
+          <p:cNvPr id="11" name="Picture 2" descr="C:\Users\Mesut\Desktop\aselsan sunum\aselsan sunum 10 ekim\aselsan sunum\cezmi bey\ODTU.png"/>
           <p:cNvPicPr>
             <a:picLocks noChangeAspect="1" noChangeArrowheads="1"/>
           </p:cNvPicPr>
           <p:nvPr/>
         </p:nvPicPr>
         <p:blipFill>
-          <a:blip r:embed="rId2" cstate="print">
+          <a:blip r:embed="rId3" cstate="print">
             <a:extLst>
               <a:ext uri="{28A0092B-C50C-407E-A947-70E740481C1C}">
                 <a14:useLocalDpi xmlns:a14="http://schemas.microsoft.com/office/drawing/2010/main" val="0"/>
@@ -3636,8 +3992,8 @@
         </p:blipFill>
         <p:spPr bwMode="auto">
           <a:xfrm>
-            <a:off x="163507" y="266700"/>
-            <a:ext cx="684927" cy="571500"/>
+            <a:off x="7633803" y="556935"/>
+            <a:ext cx="1052997" cy="878616"/>
           </a:xfrm>
           <a:prstGeom prst="rect">
             <a:avLst/>
@@ -3654,160 +4010,78 @@
           </a:extLst>
         </p:spPr>
       </p:pic>
-      <p:sp>
-        <p:nvSpPr>
-          <p:cNvPr id="9" name="TextBox 8"/>
-          <p:cNvSpPr txBox="1"/>
-          <p:nvPr/>
-        </p:nvSpPr>
-        <p:spPr>
-          <a:xfrm>
-            <a:off x="1353712" y="266700"/>
-            <a:ext cx="7649282" cy="2492990"/>
-          </a:xfrm>
-          <a:prstGeom prst="rect">
-            <a:avLst/>
-          </a:prstGeom>
-          <a:noFill/>
-        </p:spPr>
-        <p:txBody>
-          <a:bodyPr wrap="square" rtlCol="0">
-            <a:spAutoFit/>
-          </a:bodyPr>
-          <a:lstStyle/>
-          <a:p>
-            <a:pPr algn="ctr"/>
-            <a:r>
-              <a:rPr lang="tr-TR" sz="2400" dirty="0" smtClean="0">
-                <a:latin typeface="Times New Roman" panose="02020603050405020304" pitchFamily="18" charset="0"/>
-                <a:cs typeface="Times New Roman" panose="02020603050405020304" pitchFamily="18" charset="0"/>
-              </a:rPr>
-              <a:t>Middle East Technical University</a:t>
-            </a:r>
-          </a:p>
-          <a:p>
-            <a:pPr algn="ctr"/>
-            <a:r>
-              <a:rPr lang="tr-TR" sz="2400" dirty="0" smtClean="0">
-                <a:latin typeface="Times New Roman" panose="02020603050405020304" pitchFamily="18" charset="0"/>
-                <a:cs typeface="Times New Roman" panose="02020603050405020304" pitchFamily="18" charset="0"/>
-              </a:rPr>
-              <a:t>Department of Electrical and Electronics Engineering</a:t>
-            </a:r>
-          </a:p>
-          <a:p>
-            <a:pPr algn="ctr"/>
-            <a:endParaRPr lang="tr-TR" dirty="0" smtClean="0">
-              <a:latin typeface="Times New Roman" panose="02020603050405020304" pitchFamily="18" charset="0"/>
-              <a:cs typeface="Times New Roman" panose="02020603050405020304" pitchFamily="18" charset="0"/>
-            </a:endParaRPr>
-          </a:p>
-          <a:p>
-            <a:pPr algn="ctr"/>
-            <a:endParaRPr lang="tr-TR" dirty="0">
-              <a:latin typeface="Times New Roman" panose="02020603050405020304" pitchFamily="18" charset="0"/>
-              <a:cs typeface="Times New Roman" panose="02020603050405020304" pitchFamily="18" charset="0"/>
-            </a:endParaRPr>
-          </a:p>
-          <a:p>
-            <a:pPr algn="ctr"/>
-            <a:endParaRPr lang="tr-TR" dirty="0" smtClean="0">
-              <a:latin typeface="Times New Roman" panose="02020603050405020304" pitchFamily="18" charset="0"/>
-              <a:cs typeface="Times New Roman" panose="02020603050405020304" pitchFamily="18" charset="0"/>
-            </a:endParaRPr>
-          </a:p>
-          <a:p>
-            <a:pPr algn="ctr"/>
-            <a:endParaRPr lang="tr-TR" dirty="0">
-              <a:latin typeface="Times New Roman" panose="02020603050405020304" pitchFamily="18" charset="0"/>
-              <a:cs typeface="Times New Roman" panose="02020603050405020304" pitchFamily="18" charset="0"/>
-            </a:endParaRPr>
-          </a:p>
-          <a:p>
-            <a:pPr algn="ctr"/>
-            <a:endParaRPr lang="tr-TR" dirty="0" smtClean="0">
-              <a:latin typeface="Times New Roman" panose="02020603050405020304" pitchFamily="18" charset="0"/>
-              <a:cs typeface="Times New Roman" panose="02020603050405020304" pitchFamily="18" charset="0"/>
-            </a:endParaRPr>
-          </a:p>
-          <a:p>
-            <a:pPr algn="ctr"/>
-            <a:endParaRPr lang="tr-TR" dirty="0" smtClean="0">
-              <a:latin typeface="Times New Roman" panose="02020603050405020304" pitchFamily="18" charset="0"/>
-              <a:cs typeface="Times New Roman" panose="02020603050405020304" pitchFamily="18" charset="0"/>
-            </a:endParaRPr>
-          </a:p>
-        </p:txBody>
-      </p:sp>
-      <p:sp>
-        <p:nvSpPr>
-          <p:cNvPr id="10" name="TextBox 9"/>
-          <p:cNvSpPr txBox="1"/>
-          <p:nvPr/>
-        </p:nvSpPr>
-        <p:spPr>
-          <a:xfrm>
-            <a:off x="1282761" y="5017599"/>
-            <a:ext cx="7649282" cy="553998"/>
-          </a:xfrm>
-          <a:prstGeom prst="rect">
-            <a:avLst/>
-          </a:prstGeom>
-          <a:noFill/>
-        </p:spPr>
-        <p:txBody>
-          <a:bodyPr wrap="square" rtlCol="0">
-            <a:spAutoFit/>
-          </a:bodyPr>
-          <a:lstStyle/>
-          <a:p>
-            <a:pPr algn="ctr"/>
-            <a:r>
-              <a:rPr lang="tr-TR" sz="3000" dirty="0" smtClean="0">
-                <a:latin typeface="Times New Roman" panose="02020603050405020304" pitchFamily="18" charset="0"/>
-                <a:cs typeface="Times New Roman" panose="02020603050405020304" pitchFamily="18" charset="0"/>
-              </a:rPr>
-              <a:t>Mesut Uğur</a:t>
-            </a:r>
-          </a:p>
-        </p:txBody>
-      </p:sp>
       <p:pic>
         <p:nvPicPr>
-          <p:cNvPr id="5" name="Picture 4"/>
+          <p:cNvPr id="3" name="Picture 2"/>
           <p:cNvPicPr>
             <a:picLocks noChangeAspect="1"/>
           </p:cNvPicPr>
           <p:nvPr/>
         </p:nvPicPr>
         <p:blipFill>
-          <a:blip r:embed="rId3"/>
+          <a:blip r:embed="rId4" cstate="print">
+            <a:extLst>
+              <a:ext uri="{28A0092B-C50C-407E-A947-70E740481C1C}">
+                <a14:useLocalDpi xmlns:a14="http://schemas.microsoft.com/office/drawing/2010/main" val="0"/>
+              </a:ext>
+            </a:extLst>
+          </a:blip>
           <a:stretch>
             <a:fillRect/>
           </a:stretch>
         </p:blipFill>
         <p:spPr>
           <a:xfrm>
-            <a:off x="2926816" y="1335920"/>
-            <a:ext cx="4503074" cy="1653540"/>
+            <a:off x="1700531" y="216933"/>
+            <a:ext cx="2347098" cy="779310"/>
           </a:xfrm>
           <a:prstGeom prst="rect">
             <a:avLst/>
           </a:prstGeom>
         </p:spPr>
       </p:pic>
+      <p:pic>
+        <p:nvPicPr>
+          <p:cNvPr id="4" name="Picture 3"/>
+          <p:cNvPicPr>
+            <a:picLocks noChangeAspect="1"/>
+          </p:cNvPicPr>
+          <p:nvPr/>
+        </p:nvPicPr>
+        <p:blipFill>
+          <a:blip r:embed="rId5" cstate="print">
+            <a:extLst>
+              <a:ext uri="{28A0092B-C50C-407E-A947-70E740481C1C}">
+                <a14:useLocalDpi xmlns:a14="http://schemas.microsoft.com/office/drawing/2010/main" val="0"/>
+              </a:ext>
+            </a:extLst>
+          </a:blip>
+          <a:stretch>
+            <a:fillRect/>
+          </a:stretch>
+        </p:blipFill>
+        <p:spPr>
+          <a:xfrm>
+            <a:off x="1277715" y="1019918"/>
+            <a:ext cx="3192730" cy="635840"/>
+          </a:xfrm>
+          <a:prstGeom prst="rect">
+            <a:avLst/>
+          </a:prstGeom>
+        </p:spPr>
+      </p:pic>
       <p:sp>
         <p:nvSpPr>
-          <p:cNvPr id="15" name="Text Box 14"/>
+          <p:cNvPr id="13" name="Text Box 14"/>
           <p:cNvSpPr txBox="1">
             <a:spLocks noChangeArrowheads="1"/>
           </p:cNvSpPr>
           <p:nvPr/>
         </p:nvSpPr>
         <p:spPr bwMode="auto">
-          <a:xfrm>
-            <a:off x="1039371" y="3403365"/>
-            <a:ext cx="8104629" cy="1200329"/>
+          <a:xfrm rot="16200000">
+            <a:off x="-2959807" y="2985846"/>
+            <a:ext cx="6840032" cy="892552"/>
           </a:xfrm>
           <a:prstGeom prst="rect">
             <a:avLst/>
@@ -3833,58 +4107,98 @@
               </a:spcBef>
             </a:pPr>
             <a:r>
-              <a:rPr lang="en-US" sz="3600" b="1" dirty="0" smtClean="0">
-                <a:latin typeface="Times New Roman" panose="02020603050405020304" pitchFamily="18" charset="0"/>
-                <a:cs typeface="Times New Roman" panose="02020603050405020304" pitchFamily="18" charset="0"/>
-              </a:rPr>
-              <a:t>Development of an Integrated Modular</a:t>
-            </a:r>
-            <a:br>
-              <a:rPr lang="en-US" sz="3600" b="1" dirty="0" smtClean="0">
-                <a:latin typeface="Times New Roman" panose="02020603050405020304" pitchFamily="18" charset="0"/>
-                <a:cs typeface="Times New Roman" panose="02020603050405020304" pitchFamily="18" charset="0"/>
-              </a:rPr>
-            </a:br>
-            <a:r>
-              <a:rPr lang="en-US" sz="3600" b="1" dirty="0" smtClean="0">
-                <a:latin typeface="Times New Roman" panose="02020603050405020304" pitchFamily="18" charset="0"/>
-                <a:cs typeface="Times New Roman" panose="02020603050405020304" pitchFamily="18" charset="0"/>
-              </a:rPr>
-              <a:t>Motor Drive (IMMD) System</a:t>
-            </a:r>
-          </a:p>
-        </p:txBody>
-      </p:sp>
-      <p:sp>
-        <p:nvSpPr>
-          <p:cNvPr id="16" name="TextBox 15"/>
-          <p:cNvSpPr txBox="1"/>
-          <p:nvPr/>
-        </p:nvSpPr>
-        <p:spPr>
-          <a:xfrm>
-            <a:off x="1039371" y="6356350"/>
-            <a:ext cx="1828800" cy="461665"/>
-          </a:xfrm>
-          <a:prstGeom prst="rect">
-            <a:avLst/>
-          </a:prstGeom>
-          <a:noFill/>
-        </p:spPr>
-        <p:txBody>
-          <a:bodyPr wrap="square" rtlCol="0">
-            <a:spAutoFit/>
-          </a:bodyPr>
-          <a:lstStyle/>
-          <a:p>
-            <a:pPr algn="ctr"/>
-            <a:r>
-              <a:rPr lang="tr-TR" sz="2400" dirty="0" smtClean="0">
-                <a:latin typeface="Times New Roman" panose="02020603050405020304" pitchFamily="18" charset="0"/>
-                <a:cs typeface="Times New Roman" panose="02020603050405020304" pitchFamily="18" charset="0"/>
-              </a:rPr>
-              <a:t>31.05.2017</a:t>
-            </a:r>
+              <a:rPr lang="tr-TR" sz="2600" dirty="0" err="1" smtClean="0">
+                <a:solidFill>
+                  <a:schemeClr val="bg2">
+                    <a:lumMod val="90000"/>
+                  </a:schemeClr>
+                </a:solidFill>
+                <a:latin typeface="Times New Roman" panose="02020603050405020304" pitchFamily="18" charset="0"/>
+                <a:cs typeface="Times New Roman" panose="02020603050405020304" pitchFamily="18" charset="0"/>
+              </a:rPr>
+              <a:t>The</a:t>
+            </a:r>
+            <a:r>
+              <a:rPr lang="tr-TR" sz="2600" dirty="0" smtClean="0">
+                <a:solidFill>
+                  <a:schemeClr val="bg2">
+                    <a:lumMod val="90000"/>
+                  </a:schemeClr>
+                </a:solidFill>
+                <a:latin typeface="Times New Roman" panose="02020603050405020304" pitchFamily="18" charset="0"/>
+                <a:cs typeface="Times New Roman" panose="02020603050405020304" pitchFamily="18" charset="0"/>
+              </a:rPr>
+              <a:t> 26th IEEE International </a:t>
+            </a:r>
+            <a:r>
+              <a:rPr lang="tr-TR" sz="2600" dirty="0" err="1" smtClean="0">
+                <a:solidFill>
+                  <a:schemeClr val="bg2">
+                    <a:lumMod val="90000"/>
+                  </a:schemeClr>
+                </a:solidFill>
+                <a:latin typeface="Times New Roman" panose="02020603050405020304" pitchFamily="18" charset="0"/>
+                <a:cs typeface="Times New Roman" panose="02020603050405020304" pitchFamily="18" charset="0"/>
+              </a:rPr>
+              <a:t>Symposium</a:t>
+            </a:r>
+            <a:r>
+              <a:rPr lang="tr-TR" sz="2600" dirty="0" smtClean="0">
+                <a:solidFill>
+                  <a:schemeClr val="bg2">
+                    <a:lumMod val="90000"/>
+                  </a:schemeClr>
+                </a:solidFill>
+                <a:latin typeface="Times New Roman" panose="02020603050405020304" pitchFamily="18" charset="0"/>
+                <a:cs typeface="Times New Roman" panose="02020603050405020304" pitchFamily="18" charset="0"/>
+              </a:rPr>
+              <a:t> on </a:t>
+            </a:r>
+            <a:r>
+              <a:rPr lang="tr-TR" sz="2600" dirty="0" err="1" smtClean="0">
+                <a:solidFill>
+                  <a:schemeClr val="bg2">
+                    <a:lumMod val="90000"/>
+                  </a:schemeClr>
+                </a:solidFill>
+                <a:latin typeface="Times New Roman" panose="02020603050405020304" pitchFamily="18" charset="0"/>
+                <a:cs typeface="Times New Roman" panose="02020603050405020304" pitchFamily="18" charset="0"/>
+              </a:rPr>
+              <a:t>Industrial</a:t>
+            </a:r>
+            <a:r>
+              <a:rPr lang="tr-TR" sz="2600" dirty="0" smtClean="0">
+                <a:solidFill>
+                  <a:schemeClr val="bg2">
+                    <a:lumMod val="90000"/>
+                  </a:schemeClr>
+                </a:solidFill>
+                <a:latin typeface="Times New Roman" panose="02020603050405020304" pitchFamily="18" charset="0"/>
+                <a:cs typeface="Times New Roman" panose="02020603050405020304" pitchFamily="18" charset="0"/>
+              </a:rPr>
+              <a:t> </a:t>
+            </a:r>
+            <a:r>
+              <a:rPr lang="tr-TR" sz="2600" dirty="0" err="1" smtClean="0">
+                <a:solidFill>
+                  <a:schemeClr val="bg2">
+                    <a:lumMod val="90000"/>
+                  </a:schemeClr>
+                </a:solidFill>
+                <a:latin typeface="Times New Roman" panose="02020603050405020304" pitchFamily="18" charset="0"/>
+                <a:cs typeface="Times New Roman" panose="02020603050405020304" pitchFamily="18" charset="0"/>
+              </a:rPr>
+              <a:t>Electronics</a:t>
+            </a:r>
+            <a:endParaRPr lang="en-US" sz="2600" b="1" dirty="0" smtClean="0">
+              <a:solidFill>
+                <a:schemeClr val="bg2">
+                  <a:lumMod val="90000"/>
+                </a:schemeClr>
+              </a:solidFill>
+              <a:latin typeface="Times New Roman" panose="02020603050405020304" pitchFamily="18" charset="0"/>
+              <a:cs typeface="Times New Roman" panose="02020603050405020304" pitchFamily="18" charset="0"/>
+            </a:endParaRPr>
           </a:p>
         </p:txBody>
       </p:sp>
@@ -4083,16 +4397,217 @@
           </a:p>
         </p:txBody>
       </p:sp>
+      <p:sp>
+        <p:nvSpPr>
+          <p:cNvPr id="18" name="Text Box 9"/>
+          <p:cNvSpPr txBox="1">
+            <a:spLocks noChangeArrowheads="1"/>
+          </p:cNvSpPr>
+          <p:nvPr/>
+        </p:nvSpPr>
+        <p:spPr bwMode="auto">
+          <a:xfrm>
+            <a:off x="1189918" y="1143000"/>
+            <a:ext cx="7649282" cy="461665"/>
+          </a:xfrm>
+          <a:prstGeom prst="rect">
+            <a:avLst/>
+          </a:prstGeom>
+          <a:noFill/>
+          <a:ln w="9525">
+            <a:noFill/>
+            <a:miter lim="800000"/>
+            <a:headEnd/>
+            <a:tailEnd/>
+          </a:ln>
+          <a:effectLst/>
+        </p:spPr>
+        <p:txBody>
+          <a:bodyPr wrap="square">
+            <a:spAutoFit/>
+          </a:bodyPr>
+          <a:lstStyle/>
+          <a:p>
+            <a:pPr algn="ctr"/>
+            <a:r>
+              <a:rPr lang="tr-TR" sz="2400" dirty="0" err="1" smtClean="0">
+                <a:latin typeface="Times New Roman" panose="02020603050405020304" pitchFamily="18" charset="0"/>
+                <a:cs typeface="Times New Roman" panose="02020603050405020304" pitchFamily="18" charset="0"/>
+              </a:rPr>
+              <a:t>Effect</a:t>
+            </a:r>
+            <a:r>
+              <a:rPr lang="tr-TR" sz="2400" dirty="0" smtClean="0">
+                <a:latin typeface="Times New Roman" panose="02020603050405020304" pitchFamily="18" charset="0"/>
+                <a:cs typeface="Times New Roman" panose="02020603050405020304" pitchFamily="18" charset="0"/>
+              </a:rPr>
+              <a:t> of </a:t>
+            </a:r>
+            <a:r>
+              <a:rPr lang="tr-TR" sz="2400" dirty="0" err="1" smtClean="0">
+                <a:latin typeface="Times New Roman" panose="02020603050405020304" pitchFamily="18" charset="0"/>
+                <a:cs typeface="Times New Roman" panose="02020603050405020304" pitchFamily="18" charset="0"/>
+              </a:rPr>
+              <a:t>interleaving</a:t>
+            </a:r>
+            <a:endParaRPr lang="en-US" sz="2400" dirty="0" smtClean="0">
+              <a:latin typeface="Times New Roman" panose="02020603050405020304" pitchFamily="18" charset="0"/>
+              <a:cs typeface="Times New Roman" panose="02020603050405020304" pitchFamily="18" charset="0"/>
+            </a:endParaRPr>
+          </a:p>
+        </p:txBody>
+      </p:sp>
+      <p:sp>
+        <p:nvSpPr>
+          <p:cNvPr id="9" name="TextBox 8"/>
+          <p:cNvSpPr txBox="1"/>
+          <p:nvPr/>
+        </p:nvSpPr>
+        <p:spPr>
+          <a:xfrm>
+            <a:off x="1386291" y="224135"/>
+            <a:ext cx="7315200" cy="553998"/>
+          </a:xfrm>
+          <a:prstGeom prst="rect">
+            <a:avLst/>
+          </a:prstGeom>
+          <a:noFill/>
+        </p:spPr>
+        <p:txBody>
+          <a:bodyPr wrap="square" rtlCol="0">
+            <a:spAutoFit/>
+          </a:bodyPr>
+          <a:lstStyle/>
+          <a:p>
+            <a:pPr algn="ctr"/>
+            <a:r>
+              <a:rPr lang="tr-TR" sz="3000" dirty="0" smtClean="0">
+                <a:latin typeface="Times New Roman" panose="02020603050405020304" pitchFamily="18" charset="0"/>
+                <a:cs typeface="Times New Roman" panose="02020603050405020304" pitchFamily="18" charset="0"/>
+              </a:rPr>
+              <a:t>DC Link </a:t>
+            </a:r>
+            <a:r>
+              <a:rPr lang="tr-TR" sz="3000" dirty="0" err="1" smtClean="0">
+                <a:latin typeface="Times New Roman" panose="02020603050405020304" pitchFamily="18" charset="0"/>
+                <a:cs typeface="Times New Roman" panose="02020603050405020304" pitchFamily="18" charset="0"/>
+              </a:rPr>
+              <a:t>Capacitor</a:t>
+            </a:r>
+            <a:r>
+              <a:rPr lang="tr-TR" sz="3000" dirty="0" smtClean="0">
+                <a:latin typeface="Times New Roman" panose="02020603050405020304" pitchFamily="18" charset="0"/>
+                <a:cs typeface="Times New Roman" panose="02020603050405020304" pitchFamily="18" charset="0"/>
+              </a:rPr>
+              <a:t> </a:t>
+            </a:r>
+            <a:r>
+              <a:rPr lang="tr-TR" sz="3000" dirty="0" err="1" smtClean="0">
+                <a:latin typeface="Times New Roman" panose="02020603050405020304" pitchFamily="18" charset="0"/>
+                <a:cs typeface="Times New Roman" panose="02020603050405020304" pitchFamily="18" charset="0"/>
+              </a:rPr>
+              <a:t>Selection</a:t>
+            </a:r>
+            <a:endParaRPr lang="tr-TR" sz="3000" dirty="0">
+              <a:latin typeface="Times New Roman" panose="02020603050405020304" pitchFamily="18" charset="0"/>
+              <a:cs typeface="Times New Roman" panose="02020603050405020304" pitchFamily="18" charset="0"/>
+            </a:endParaRPr>
+          </a:p>
+        </p:txBody>
+      </p:sp>
       <p:pic>
         <p:nvPicPr>
-          <p:cNvPr id="14" name="Picture 2" descr="C:\Users\Mesut\Desktop\aselsan sunum\aselsan sunum 10 ekim\aselsan sunum\cezmi bey\ODTU.png"/>
+          <p:cNvPr id="3" name="Picture 2"/>
+          <p:cNvPicPr>
+            <a:picLocks noChangeAspect="1"/>
+          </p:cNvPicPr>
+          <p:nvPr/>
+        </p:nvPicPr>
+        <p:blipFill rotWithShape="1">
+          <a:blip r:embed="rId2">
+            <a:extLst>
+              <a:ext uri="{28A0092B-C50C-407E-A947-70E740481C1C}">
+                <a14:useLocalDpi xmlns:a14="http://schemas.microsoft.com/office/drawing/2010/main" val="0"/>
+              </a:ext>
+            </a:extLst>
+          </a:blip>
+          <a:srcRect l="3894" t="47420"/>
+          <a:stretch/>
+        </p:blipFill>
+        <p:spPr>
+          <a:xfrm>
+            <a:off x="1151818" y="2207792"/>
+            <a:ext cx="5142683" cy="2462710"/>
+          </a:xfrm>
+          <a:prstGeom prst="rect">
+            <a:avLst/>
+          </a:prstGeom>
+        </p:spPr>
+      </p:pic>
+      <p:pic>
+        <p:nvPicPr>
+          <p:cNvPr id="13" name="Picture 12"/>
+          <p:cNvPicPr>
+            <a:picLocks noChangeAspect="1"/>
+          </p:cNvPicPr>
+          <p:nvPr/>
+        </p:nvPicPr>
+        <p:blipFill>
+          <a:blip r:embed="rId3"/>
+          <a:stretch>
+            <a:fillRect/>
+          </a:stretch>
+        </p:blipFill>
+        <p:spPr>
+          <a:xfrm>
+            <a:off x="6255919" y="1904415"/>
+            <a:ext cx="2728161" cy="3761671"/>
+          </a:xfrm>
+          <a:prstGeom prst="rect">
+            <a:avLst/>
+          </a:prstGeom>
+        </p:spPr>
+      </p:pic>
+      <p:pic>
+        <p:nvPicPr>
+          <p:cNvPr id="12" name="Picture 11"/>
+          <p:cNvPicPr>
+            <a:picLocks noChangeAspect="1"/>
+          </p:cNvPicPr>
+          <p:nvPr/>
+        </p:nvPicPr>
+        <p:blipFill>
+          <a:blip r:embed="rId4" cstate="print">
+            <a:extLst>
+              <a:ext uri="{28A0092B-C50C-407E-A947-70E740481C1C}">
+                <a14:useLocalDpi xmlns:a14="http://schemas.microsoft.com/office/drawing/2010/main" val="0"/>
+              </a:ext>
+            </a:extLst>
+          </a:blip>
+          <a:stretch>
+            <a:fillRect/>
+          </a:stretch>
+        </p:blipFill>
+        <p:spPr>
+          <a:xfrm rot="16200000">
+            <a:off x="-876200" y="5067199"/>
+            <a:ext cx="2759076" cy="549476"/>
+          </a:xfrm>
+          <a:prstGeom prst="rect">
+            <a:avLst/>
+          </a:prstGeom>
+        </p:spPr>
+      </p:pic>
+      <p:pic>
+        <p:nvPicPr>
+          <p:cNvPr id="16" name="Picture 2" descr="C:\Users\Mesut\Desktop\aselsan sunum\aselsan sunum 10 ekim\aselsan sunum\cezmi bey\ODTU.png"/>
           <p:cNvPicPr>
             <a:picLocks noChangeAspect="1" noChangeArrowheads="1"/>
           </p:cNvPicPr>
           <p:nvPr/>
         </p:nvPicPr>
         <p:blipFill>
-          <a:blip r:embed="rId2" cstate="print">
+          <a:blip r:embed="rId5" cstate="print">
             <a:extLst>
               <a:ext uri="{28A0092B-C50C-407E-A947-70E740481C1C}">
                 <a14:useLocalDpi xmlns:a14="http://schemas.microsoft.com/office/drawing/2010/main" val="0"/>
@@ -4106,8 +4621,8 @@
         </p:blipFill>
         <p:spPr bwMode="auto">
           <a:xfrm>
-            <a:off x="163507" y="266700"/>
-            <a:ext cx="684927" cy="571500"/>
+            <a:off x="116458" y="163788"/>
+            <a:ext cx="779026" cy="650016"/>
           </a:xfrm>
           <a:prstGeom prst="rect">
             <a:avLst/>
@@ -4122,177 +4637,6 @@
               </a14:hiddenFill>
             </a:ext>
           </a:extLst>
-        </p:spPr>
-      </p:pic>
-      <p:sp>
-        <p:nvSpPr>
-          <p:cNvPr id="18" name="Text Box 9"/>
-          <p:cNvSpPr txBox="1">
-            <a:spLocks noChangeArrowheads="1"/>
-          </p:cNvSpPr>
-          <p:nvPr/>
-        </p:nvSpPr>
-        <p:spPr bwMode="auto">
-          <a:xfrm>
-            <a:off x="1189918" y="1143000"/>
-            <a:ext cx="7649282" cy="461665"/>
-          </a:xfrm>
-          <a:prstGeom prst="rect">
-            <a:avLst/>
-          </a:prstGeom>
-          <a:noFill/>
-          <a:ln w="9525">
-            <a:noFill/>
-            <a:miter lim="800000"/>
-            <a:headEnd/>
-            <a:tailEnd/>
-          </a:ln>
-          <a:effectLst/>
-        </p:spPr>
-        <p:txBody>
-          <a:bodyPr wrap="square">
-            <a:spAutoFit/>
-          </a:bodyPr>
-          <a:lstStyle/>
-          <a:p>
-            <a:pPr algn="ctr"/>
-            <a:r>
-              <a:rPr lang="tr-TR" sz="2400" dirty="0" err="1" smtClean="0">
-                <a:latin typeface="Times New Roman" panose="02020603050405020304" pitchFamily="18" charset="0"/>
-                <a:cs typeface="Times New Roman" panose="02020603050405020304" pitchFamily="18" charset="0"/>
-              </a:rPr>
-              <a:t>Effect</a:t>
-            </a:r>
-            <a:r>
-              <a:rPr lang="tr-TR" sz="2400" dirty="0" smtClean="0">
-                <a:latin typeface="Times New Roman" panose="02020603050405020304" pitchFamily="18" charset="0"/>
-                <a:cs typeface="Times New Roman" panose="02020603050405020304" pitchFamily="18" charset="0"/>
-              </a:rPr>
-              <a:t> of </a:t>
-            </a:r>
-            <a:r>
-              <a:rPr lang="tr-TR" sz="2400" dirty="0" err="1" smtClean="0">
-                <a:latin typeface="Times New Roman" panose="02020603050405020304" pitchFamily="18" charset="0"/>
-                <a:cs typeface="Times New Roman" panose="02020603050405020304" pitchFamily="18" charset="0"/>
-              </a:rPr>
-              <a:t>interleaving</a:t>
-            </a:r>
-            <a:endParaRPr lang="en-US" sz="2400" dirty="0" smtClean="0">
-              <a:latin typeface="Times New Roman" panose="02020603050405020304" pitchFamily="18" charset="0"/>
-              <a:cs typeface="Times New Roman" panose="02020603050405020304" pitchFamily="18" charset="0"/>
-            </a:endParaRPr>
-          </a:p>
-        </p:txBody>
-      </p:sp>
-      <p:sp>
-        <p:nvSpPr>
-          <p:cNvPr id="9" name="TextBox 8"/>
-          <p:cNvSpPr txBox="1"/>
-          <p:nvPr/>
-        </p:nvSpPr>
-        <p:spPr>
-          <a:xfrm>
-            <a:off x="1386291" y="224135"/>
-            <a:ext cx="7315200" cy="553998"/>
-          </a:xfrm>
-          <a:prstGeom prst="rect">
-            <a:avLst/>
-          </a:prstGeom>
-          <a:noFill/>
-        </p:spPr>
-        <p:txBody>
-          <a:bodyPr wrap="square" rtlCol="0">
-            <a:spAutoFit/>
-          </a:bodyPr>
-          <a:lstStyle/>
-          <a:p>
-            <a:pPr algn="ctr"/>
-            <a:r>
-              <a:rPr lang="tr-TR" sz="3000" dirty="0" smtClean="0">
-                <a:latin typeface="Times New Roman" panose="02020603050405020304" pitchFamily="18" charset="0"/>
-                <a:cs typeface="Times New Roman" panose="02020603050405020304" pitchFamily="18" charset="0"/>
-              </a:rPr>
-              <a:t>DC Link </a:t>
-            </a:r>
-            <a:r>
-              <a:rPr lang="tr-TR" sz="3000" dirty="0" err="1" smtClean="0">
-                <a:latin typeface="Times New Roman" panose="02020603050405020304" pitchFamily="18" charset="0"/>
-                <a:cs typeface="Times New Roman" panose="02020603050405020304" pitchFamily="18" charset="0"/>
-              </a:rPr>
-              <a:t>Capacitor</a:t>
-            </a:r>
-            <a:r>
-              <a:rPr lang="tr-TR" sz="3000" dirty="0" smtClean="0">
-                <a:latin typeface="Times New Roman" panose="02020603050405020304" pitchFamily="18" charset="0"/>
-                <a:cs typeface="Times New Roman" panose="02020603050405020304" pitchFamily="18" charset="0"/>
-              </a:rPr>
-              <a:t> </a:t>
-            </a:r>
-            <a:r>
-              <a:rPr lang="tr-TR" sz="3000" dirty="0" err="1" smtClean="0">
-                <a:latin typeface="Times New Roman" panose="02020603050405020304" pitchFamily="18" charset="0"/>
-                <a:cs typeface="Times New Roman" panose="02020603050405020304" pitchFamily="18" charset="0"/>
-              </a:rPr>
-              <a:t>Selection</a:t>
-            </a:r>
-            <a:endParaRPr lang="tr-TR" sz="3000" dirty="0">
-              <a:latin typeface="Times New Roman" panose="02020603050405020304" pitchFamily="18" charset="0"/>
-              <a:cs typeface="Times New Roman" panose="02020603050405020304" pitchFamily="18" charset="0"/>
-            </a:endParaRPr>
-          </a:p>
-        </p:txBody>
-      </p:sp>
-      <p:pic>
-        <p:nvPicPr>
-          <p:cNvPr id="3" name="Picture 2"/>
-          <p:cNvPicPr>
-            <a:picLocks noChangeAspect="1"/>
-          </p:cNvPicPr>
-          <p:nvPr/>
-        </p:nvPicPr>
-        <p:blipFill rotWithShape="1">
-          <a:blip r:embed="rId3">
-            <a:extLst>
-              <a:ext uri="{28A0092B-C50C-407E-A947-70E740481C1C}">
-                <a14:useLocalDpi xmlns:a14="http://schemas.microsoft.com/office/drawing/2010/main" val="0"/>
-              </a:ext>
-            </a:extLst>
-          </a:blip>
-          <a:srcRect l="3894" t="47420"/>
-          <a:stretch/>
-        </p:blipFill>
-        <p:spPr>
-          <a:xfrm>
-            <a:off x="1151818" y="2207792"/>
-            <a:ext cx="5142683" cy="2462710"/>
-          </a:xfrm>
-          <a:prstGeom prst="rect">
-            <a:avLst/>
-          </a:prstGeom>
-        </p:spPr>
-      </p:pic>
-      <p:pic>
-        <p:nvPicPr>
-          <p:cNvPr id="13" name="Picture 12"/>
-          <p:cNvPicPr>
-            <a:picLocks noChangeAspect="1"/>
-          </p:cNvPicPr>
-          <p:nvPr/>
-        </p:nvPicPr>
-        <p:blipFill>
-          <a:blip r:embed="rId4"/>
-          <a:stretch>
-            <a:fillRect/>
-          </a:stretch>
-        </p:blipFill>
-        <p:spPr>
-          <a:xfrm>
-            <a:off x="6255919" y="1904415"/>
-            <a:ext cx="2728161" cy="3761671"/>
-          </a:xfrm>
-          <a:prstGeom prst="rect">
-            <a:avLst/>
-          </a:prstGeom>
         </p:spPr>
       </p:pic>
     </p:spTree>
@@ -4611,16 +4955,198 @@
           </a:p>
         </p:txBody>
       </p:sp>
+      <p:sp>
+        <p:nvSpPr>
+          <p:cNvPr id="18" name="Text Box 9"/>
+          <p:cNvSpPr txBox="1">
+            <a:spLocks noChangeArrowheads="1"/>
+          </p:cNvSpPr>
+          <p:nvPr/>
+        </p:nvSpPr>
+        <p:spPr bwMode="auto">
+          <a:xfrm>
+            <a:off x="1189918" y="1143000"/>
+            <a:ext cx="7649282" cy="769441"/>
+          </a:xfrm>
+          <a:prstGeom prst="rect">
+            <a:avLst/>
+          </a:prstGeom>
+          <a:noFill/>
+          <a:ln w="9525">
+            <a:noFill/>
+            <a:miter lim="800000"/>
+            <a:headEnd/>
+            <a:tailEnd/>
+          </a:ln>
+          <a:effectLst/>
+        </p:spPr>
+        <p:txBody>
+          <a:bodyPr wrap="square">
+            <a:spAutoFit/>
+          </a:bodyPr>
+          <a:lstStyle/>
+          <a:p>
+            <a:pPr algn="ctr"/>
+            <a:r>
+              <a:rPr lang="tr-TR" sz="2400" dirty="0" err="1" smtClean="0">
+                <a:latin typeface="Times New Roman" panose="02020603050405020304" pitchFamily="18" charset="0"/>
+                <a:cs typeface="Times New Roman" panose="02020603050405020304" pitchFamily="18" charset="0"/>
+              </a:rPr>
+              <a:t>Effect</a:t>
+            </a:r>
+            <a:r>
+              <a:rPr lang="tr-TR" sz="2400" dirty="0" smtClean="0">
+                <a:latin typeface="Times New Roman" panose="02020603050405020304" pitchFamily="18" charset="0"/>
+                <a:cs typeface="Times New Roman" panose="02020603050405020304" pitchFamily="18" charset="0"/>
+              </a:rPr>
+              <a:t> of </a:t>
+            </a:r>
+            <a:r>
+              <a:rPr lang="tr-TR" sz="2400" dirty="0" err="1" smtClean="0">
+                <a:latin typeface="Times New Roman" panose="02020603050405020304" pitchFamily="18" charset="0"/>
+                <a:cs typeface="Times New Roman" panose="02020603050405020304" pitchFamily="18" charset="0"/>
+              </a:rPr>
+              <a:t>interleaving</a:t>
+            </a:r>
+            <a:endParaRPr lang="en-US" sz="2400" dirty="0" smtClean="0">
+              <a:latin typeface="Times New Roman" panose="02020603050405020304" pitchFamily="18" charset="0"/>
+              <a:cs typeface="Times New Roman" panose="02020603050405020304" pitchFamily="18" charset="0"/>
+            </a:endParaRPr>
+          </a:p>
+          <a:p>
+            <a:pPr marL="800100" lvl="1" indent="-342900" algn="ctr">
+              <a:buFont typeface="Wingdings" panose="05000000000000000000" pitchFamily="2" charset="2"/>
+              <a:buChar char="ü"/>
+            </a:pPr>
+            <a:endParaRPr lang="en-US" sz="2000" b="1" dirty="0">
+              <a:latin typeface="Times New Roman" panose="02020603050405020304" pitchFamily="18" charset="0"/>
+              <a:cs typeface="Times New Roman" panose="02020603050405020304" pitchFamily="18" charset="0"/>
+            </a:endParaRPr>
+          </a:p>
+        </p:txBody>
+      </p:sp>
+      <p:sp>
+        <p:nvSpPr>
+          <p:cNvPr id="9" name="TextBox 8"/>
+          <p:cNvSpPr txBox="1"/>
+          <p:nvPr/>
+        </p:nvSpPr>
+        <p:spPr>
+          <a:xfrm>
+            <a:off x="1386291" y="224135"/>
+            <a:ext cx="7315200" cy="553998"/>
+          </a:xfrm>
+          <a:prstGeom prst="rect">
+            <a:avLst/>
+          </a:prstGeom>
+          <a:noFill/>
+        </p:spPr>
+        <p:txBody>
+          <a:bodyPr wrap="square" rtlCol="0">
+            <a:spAutoFit/>
+          </a:bodyPr>
+          <a:lstStyle/>
+          <a:p>
+            <a:pPr algn="ctr"/>
+            <a:r>
+              <a:rPr lang="tr-TR" sz="3000" dirty="0" smtClean="0">
+                <a:latin typeface="Times New Roman" panose="02020603050405020304" pitchFamily="18" charset="0"/>
+                <a:cs typeface="Times New Roman" panose="02020603050405020304" pitchFamily="18" charset="0"/>
+              </a:rPr>
+              <a:t>DC Link </a:t>
+            </a:r>
+            <a:r>
+              <a:rPr lang="tr-TR" sz="3000" dirty="0" err="1" smtClean="0">
+                <a:latin typeface="Times New Roman" panose="02020603050405020304" pitchFamily="18" charset="0"/>
+                <a:cs typeface="Times New Roman" panose="02020603050405020304" pitchFamily="18" charset="0"/>
+              </a:rPr>
+              <a:t>Capacitor</a:t>
+            </a:r>
+            <a:r>
+              <a:rPr lang="tr-TR" sz="3000" dirty="0" smtClean="0">
+                <a:latin typeface="Times New Roman" panose="02020603050405020304" pitchFamily="18" charset="0"/>
+                <a:cs typeface="Times New Roman" panose="02020603050405020304" pitchFamily="18" charset="0"/>
+              </a:rPr>
+              <a:t> </a:t>
+            </a:r>
+            <a:r>
+              <a:rPr lang="tr-TR" sz="3000" dirty="0" err="1" smtClean="0">
+                <a:latin typeface="Times New Roman" panose="02020603050405020304" pitchFamily="18" charset="0"/>
+                <a:cs typeface="Times New Roman" panose="02020603050405020304" pitchFamily="18" charset="0"/>
+              </a:rPr>
+              <a:t>Selection</a:t>
+            </a:r>
+            <a:endParaRPr lang="tr-TR" sz="3000" dirty="0">
+              <a:latin typeface="Times New Roman" panose="02020603050405020304" pitchFamily="18" charset="0"/>
+              <a:cs typeface="Times New Roman" panose="02020603050405020304" pitchFamily="18" charset="0"/>
+            </a:endParaRPr>
+          </a:p>
+        </p:txBody>
+      </p:sp>
       <p:pic>
         <p:nvPicPr>
-          <p:cNvPr id="14" name="Picture 2" descr="C:\Users\Mesut\Desktop\aselsan sunum\aselsan sunum 10 ekim\aselsan sunum\cezmi bey\ODTU.png"/>
+          <p:cNvPr id="16" name="Picture 15"/>
+          <p:cNvPicPr>
+            <a:picLocks noChangeAspect="1"/>
+          </p:cNvPicPr>
+          <p:nvPr/>
+        </p:nvPicPr>
+        <p:blipFill>
+          <a:blip r:embed="rId2"/>
+          <a:stretch>
+            <a:fillRect/>
+          </a:stretch>
+        </p:blipFill>
+        <p:spPr>
+          <a:xfrm>
+            <a:off x="2071007" y="1752600"/>
+            <a:ext cx="5945768" cy="4400550"/>
+          </a:xfrm>
+          <a:prstGeom prst="rect">
+            <a:avLst/>
+          </a:prstGeom>
+        </p:spPr>
+      </p:pic>
+      <p:pic>
+        <p:nvPicPr>
+          <p:cNvPr id="12" name="Picture 11"/>
+          <p:cNvPicPr>
+            <a:picLocks noChangeAspect="1"/>
+          </p:cNvPicPr>
+          <p:nvPr/>
+        </p:nvPicPr>
+        <p:blipFill>
+          <a:blip r:embed="rId3" cstate="print">
+            <a:extLst>
+              <a:ext uri="{28A0092B-C50C-407E-A947-70E740481C1C}">
+                <a14:useLocalDpi xmlns:a14="http://schemas.microsoft.com/office/drawing/2010/main" val="0"/>
+              </a:ext>
+            </a:extLst>
+          </a:blip>
+          <a:stretch>
+            <a:fillRect/>
+          </a:stretch>
+        </p:blipFill>
+        <p:spPr>
+          <a:xfrm rot="16200000">
+            <a:off x="-876200" y="5067199"/>
+            <a:ext cx="2759076" cy="549476"/>
+          </a:xfrm>
+          <a:prstGeom prst="rect">
+            <a:avLst/>
+          </a:prstGeom>
+        </p:spPr>
+      </p:pic>
+      <p:pic>
+        <p:nvPicPr>
+          <p:cNvPr id="13" name="Picture 2" descr="C:\Users\Mesut\Desktop\aselsan sunum\aselsan sunum 10 ekim\aselsan sunum\cezmi bey\ODTU.png"/>
           <p:cNvPicPr>
             <a:picLocks noChangeAspect="1" noChangeArrowheads="1"/>
           </p:cNvPicPr>
           <p:nvPr/>
         </p:nvPicPr>
         <p:blipFill>
-          <a:blip r:embed="rId2" cstate="print">
+          <a:blip r:embed="rId4" cstate="print">
             <a:extLst>
               <a:ext uri="{28A0092B-C50C-407E-A947-70E740481C1C}">
                 <a14:useLocalDpi xmlns:a14="http://schemas.microsoft.com/office/drawing/2010/main" val="0"/>
@@ -4634,8 +5160,8 @@
         </p:blipFill>
         <p:spPr bwMode="auto">
           <a:xfrm>
-            <a:off x="163507" y="266700"/>
-            <a:ext cx="684927" cy="571500"/>
+            <a:off x="116458" y="163788"/>
+            <a:ext cx="779026" cy="650016"/>
           </a:xfrm>
           <a:prstGeom prst="rect">
             <a:avLst/>
@@ -4650,158 +5176,6 @@
               </a14:hiddenFill>
             </a:ext>
           </a:extLst>
-        </p:spPr>
-      </p:pic>
-      <p:sp>
-        <p:nvSpPr>
-          <p:cNvPr id="18" name="Text Box 9"/>
-          <p:cNvSpPr txBox="1">
-            <a:spLocks noChangeArrowheads="1"/>
-          </p:cNvSpPr>
-          <p:nvPr/>
-        </p:nvSpPr>
-        <p:spPr bwMode="auto">
-          <a:xfrm>
-            <a:off x="1189918" y="1143000"/>
-            <a:ext cx="7649282" cy="769441"/>
-          </a:xfrm>
-          <a:prstGeom prst="rect">
-            <a:avLst/>
-          </a:prstGeom>
-          <a:noFill/>
-          <a:ln w="9525">
-            <a:noFill/>
-            <a:miter lim="800000"/>
-            <a:headEnd/>
-            <a:tailEnd/>
-          </a:ln>
-          <a:effectLst/>
-        </p:spPr>
-        <p:txBody>
-          <a:bodyPr wrap="square">
-            <a:spAutoFit/>
-          </a:bodyPr>
-          <a:lstStyle/>
-          <a:p>
-            <a:pPr algn="ctr"/>
-            <a:r>
-              <a:rPr lang="tr-TR" sz="2400" dirty="0" err="1" smtClean="0">
-                <a:latin typeface="Times New Roman" panose="02020603050405020304" pitchFamily="18" charset="0"/>
-                <a:cs typeface="Times New Roman" panose="02020603050405020304" pitchFamily="18" charset="0"/>
-              </a:rPr>
-              <a:t>Effect</a:t>
-            </a:r>
-            <a:r>
-              <a:rPr lang="tr-TR" sz="2400" dirty="0" smtClean="0">
-                <a:latin typeface="Times New Roman" panose="02020603050405020304" pitchFamily="18" charset="0"/>
-                <a:cs typeface="Times New Roman" panose="02020603050405020304" pitchFamily="18" charset="0"/>
-              </a:rPr>
-              <a:t> of </a:t>
-            </a:r>
-            <a:r>
-              <a:rPr lang="tr-TR" sz="2400" dirty="0" err="1" smtClean="0">
-                <a:latin typeface="Times New Roman" panose="02020603050405020304" pitchFamily="18" charset="0"/>
-                <a:cs typeface="Times New Roman" panose="02020603050405020304" pitchFamily="18" charset="0"/>
-              </a:rPr>
-              <a:t>interleaving</a:t>
-            </a:r>
-            <a:endParaRPr lang="en-US" sz="2400" dirty="0" smtClean="0">
-              <a:latin typeface="Times New Roman" panose="02020603050405020304" pitchFamily="18" charset="0"/>
-              <a:cs typeface="Times New Roman" panose="02020603050405020304" pitchFamily="18" charset="0"/>
-            </a:endParaRPr>
-          </a:p>
-          <a:p>
-            <a:pPr marL="800100" lvl="1" indent="-342900" algn="ctr">
-              <a:buFont typeface="Wingdings" panose="05000000000000000000" pitchFamily="2" charset="2"/>
-              <a:buChar char="ü"/>
-            </a:pPr>
-            <a:endParaRPr lang="en-US" sz="2000" b="1" dirty="0">
-              <a:latin typeface="Times New Roman" panose="02020603050405020304" pitchFamily="18" charset="0"/>
-              <a:cs typeface="Times New Roman" panose="02020603050405020304" pitchFamily="18" charset="0"/>
-            </a:endParaRPr>
-          </a:p>
-        </p:txBody>
-      </p:sp>
-      <p:sp>
-        <p:nvSpPr>
-          <p:cNvPr id="9" name="TextBox 8"/>
-          <p:cNvSpPr txBox="1"/>
-          <p:nvPr/>
-        </p:nvSpPr>
-        <p:spPr>
-          <a:xfrm>
-            <a:off x="1386291" y="224135"/>
-            <a:ext cx="7315200" cy="553998"/>
-          </a:xfrm>
-          <a:prstGeom prst="rect">
-            <a:avLst/>
-          </a:prstGeom>
-          <a:noFill/>
-        </p:spPr>
-        <p:txBody>
-          <a:bodyPr wrap="square" rtlCol="0">
-            <a:spAutoFit/>
-          </a:bodyPr>
-          <a:lstStyle/>
-          <a:p>
-            <a:pPr algn="ctr"/>
-            <a:r>
-              <a:rPr lang="tr-TR" sz="3000" dirty="0" smtClean="0">
-                <a:latin typeface="Times New Roman" panose="02020603050405020304" pitchFamily="18" charset="0"/>
-                <a:cs typeface="Times New Roman" panose="02020603050405020304" pitchFamily="18" charset="0"/>
-              </a:rPr>
-              <a:t>DC Link </a:t>
-            </a:r>
-            <a:r>
-              <a:rPr lang="tr-TR" sz="3000" dirty="0" err="1" smtClean="0">
-                <a:latin typeface="Times New Roman" panose="02020603050405020304" pitchFamily="18" charset="0"/>
-                <a:cs typeface="Times New Roman" panose="02020603050405020304" pitchFamily="18" charset="0"/>
-              </a:rPr>
-              <a:t>Capacitor</a:t>
-            </a:r>
-            <a:r>
-              <a:rPr lang="tr-TR" sz="3000" dirty="0" smtClean="0">
-                <a:latin typeface="Times New Roman" panose="02020603050405020304" pitchFamily="18" charset="0"/>
-                <a:cs typeface="Times New Roman" panose="02020603050405020304" pitchFamily="18" charset="0"/>
-              </a:rPr>
-              <a:t> </a:t>
-            </a:r>
-            <a:r>
-              <a:rPr lang="tr-TR" sz="3000" dirty="0" err="1" smtClean="0">
-                <a:latin typeface="Times New Roman" panose="02020603050405020304" pitchFamily="18" charset="0"/>
-                <a:cs typeface="Times New Roman" panose="02020603050405020304" pitchFamily="18" charset="0"/>
-              </a:rPr>
-              <a:t>Selection</a:t>
-            </a:r>
-            <a:endParaRPr lang="tr-TR" sz="3000" dirty="0">
-              <a:latin typeface="Times New Roman" panose="02020603050405020304" pitchFamily="18" charset="0"/>
-              <a:cs typeface="Times New Roman" panose="02020603050405020304" pitchFamily="18" charset="0"/>
-            </a:endParaRPr>
-          </a:p>
-        </p:txBody>
-      </p:sp>
-      <p:pic>
-        <p:nvPicPr>
-          <p:cNvPr id="16" name="Picture 15"/>
-          <p:cNvPicPr>
-            <a:picLocks noChangeAspect="1"/>
-          </p:cNvPicPr>
-          <p:nvPr/>
-        </p:nvPicPr>
-        <p:blipFill>
-          <a:blip r:embed="rId3"/>
-          <a:stretch>
-            <a:fillRect/>
-          </a:stretch>
-        </p:blipFill>
-        <p:spPr>
-          <a:xfrm>
-            <a:off x="2071007" y="1752600"/>
-            <a:ext cx="5945768" cy="4400550"/>
-          </a:xfrm>
-          <a:prstGeom prst="rect">
-            <a:avLst/>
-          </a:prstGeom>
         </p:spPr>
       </p:pic>
     </p:spTree>
@@ -5067,16 +5441,265 @@
           </a:p>
         </p:txBody>
       </p:sp>
+      <p:sp>
+        <p:nvSpPr>
+          <p:cNvPr id="18" name="Text Box 9"/>
+          <p:cNvSpPr txBox="1">
+            <a:spLocks noChangeArrowheads="1"/>
+          </p:cNvSpPr>
+          <p:nvPr/>
+        </p:nvSpPr>
+        <p:spPr bwMode="auto">
+          <a:xfrm>
+            <a:off x="1189918" y="1143000"/>
+            <a:ext cx="7954082" cy="461665"/>
+          </a:xfrm>
+          <a:prstGeom prst="rect">
+            <a:avLst/>
+          </a:prstGeom>
+          <a:noFill/>
+          <a:ln w="9525">
+            <a:noFill/>
+            <a:miter lim="800000"/>
+            <a:headEnd/>
+            <a:tailEnd/>
+          </a:ln>
+          <a:effectLst/>
+        </p:spPr>
+        <p:txBody>
+          <a:bodyPr wrap="square">
+            <a:spAutoFit/>
+          </a:bodyPr>
+          <a:lstStyle/>
+          <a:p>
+            <a:pPr algn="ctr"/>
+            <a:r>
+              <a:rPr lang="tr-TR" sz="2400" dirty="0" smtClean="0">
+                <a:latin typeface="Times New Roman" panose="02020603050405020304" pitchFamily="18" charset="0"/>
+                <a:cs typeface="Times New Roman" panose="02020603050405020304" pitchFamily="18" charset="0"/>
+              </a:rPr>
+              <a:t>Optimum </a:t>
+            </a:r>
+            <a:r>
+              <a:rPr lang="tr-TR" sz="2400" dirty="0" err="1" smtClean="0">
+                <a:latin typeface="Times New Roman" panose="02020603050405020304" pitchFamily="18" charset="0"/>
+                <a:cs typeface="Times New Roman" panose="02020603050405020304" pitchFamily="18" charset="0"/>
+              </a:rPr>
+              <a:t>phase</a:t>
+            </a:r>
+            <a:r>
+              <a:rPr lang="tr-TR" sz="2400" dirty="0" smtClean="0">
+                <a:latin typeface="Times New Roman" panose="02020603050405020304" pitchFamily="18" charset="0"/>
+                <a:cs typeface="Times New Roman" panose="02020603050405020304" pitchFamily="18" charset="0"/>
+              </a:rPr>
+              <a:t> </a:t>
+            </a:r>
+            <a:r>
+              <a:rPr lang="tr-TR" sz="2400" dirty="0" err="1" smtClean="0">
+                <a:latin typeface="Times New Roman" panose="02020603050405020304" pitchFamily="18" charset="0"/>
+                <a:cs typeface="Times New Roman" panose="02020603050405020304" pitchFamily="18" charset="0"/>
+              </a:rPr>
+              <a:t>shift</a:t>
+            </a:r>
+            <a:r>
+              <a:rPr lang="tr-TR" sz="2400" dirty="0" smtClean="0">
+                <a:latin typeface="Times New Roman" panose="02020603050405020304" pitchFamily="18" charset="0"/>
+                <a:cs typeface="Times New Roman" panose="02020603050405020304" pitchFamily="18" charset="0"/>
+              </a:rPr>
+              <a:t> </a:t>
+            </a:r>
+            <a:r>
+              <a:rPr lang="tr-TR" sz="2400" dirty="0" err="1" smtClean="0">
+                <a:latin typeface="Times New Roman" panose="02020603050405020304" pitchFamily="18" charset="0"/>
+                <a:cs typeface="Times New Roman" panose="02020603050405020304" pitchFamily="18" charset="0"/>
+              </a:rPr>
+              <a:t>angle</a:t>
+            </a:r>
+            <a:r>
+              <a:rPr lang="tr-TR" sz="2400" dirty="0" smtClean="0">
+                <a:latin typeface="Times New Roman" panose="02020603050405020304" pitchFamily="18" charset="0"/>
+                <a:cs typeface="Times New Roman" panose="02020603050405020304" pitchFamily="18" charset="0"/>
+              </a:rPr>
+              <a:t> </a:t>
+            </a:r>
+            <a:r>
+              <a:rPr lang="tr-TR" sz="2400" dirty="0" err="1" smtClean="0">
+                <a:latin typeface="Times New Roman" panose="02020603050405020304" pitchFamily="18" charset="0"/>
+                <a:cs typeface="Times New Roman" panose="02020603050405020304" pitchFamily="18" charset="0"/>
+              </a:rPr>
+              <a:t>for</a:t>
+            </a:r>
+            <a:r>
+              <a:rPr lang="tr-TR" sz="2400" dirty="0" smtClean="0">
+                <a:latin typeface="Times New Roman" panose="02020603050405020304" pitchFamily="18" charset="0"/>
+                <a:cs typeface="Times New Roman" panose="02020603050405020304" pitchFamily="18" charset="0"/>
+              </a:rPr>
+              <a:t> </a:t>
+            </a:r>
+            <a:r>
+              <a:rPr lang="tr-TR" sz="2400" dirty="0" err="1" smtClean="0">
+                <a:latin typeface="Times New Roman" panose="02020603050405020304" pitchFamily="18" charset="0"/>
+                <a:cs typeface="Times New Roman" panose="02020603050405020304" pitchFamily="18" charset="0"/>
+              </a:rPr>
+              <a:t>different</a:t>
+            </a:r>
+            <a:r>
+              <a:rPr lang="tr-TR" sz="2400" dirty="0" smtClean="0">
+                <a:latin typeface="Times New Roman" panose="02020603050405020304" pitchFamily="18" charset="0"/>
+                <a:cs typeface="Times New Roman" panose="02020603050405020304" pitchFamily="18" charset="0"/>
+              </a:rPr>
+              <a:t> </a:t>
+            </a:r>
+            <a:r>
+              <a:rPr lang="tr-TR" sz="2400" dirty="0" err="1" smtClean="0">
+                <a:latin typeface="Times New Roman" panose="02020603050405020304" pitchFamily="18" charset="0"/>
+                <a:cs typeface="Times New Roman" panose="02020603050405020304" pitchFamily="18" charset="0"/>
+              </a:rPr>
+              <a:t>number</a:t>
+            </a:r>
+            <a:r>
+              <a:rPr lang="tr-TR" sz="2400" dirty="0" smtClean="0">
+                <a:latin typeface="Times New Roman" panose="02020603050405020304" pitchFamily="18" charset="0"/>
+                <a:cs typeface="Times New Roman" panose="02020603050405020304" pitchFamily="18" charset="0"/>
+              </a:rPr>
+              <a:t> of </a:t>
+            </a:r>
+            <a:r>
+              <a:rPr lang="tr-TR" sz="2400" dirty="0" err="1" smtClean="0">
+                <a:latin typeface="Times New Roman" panose="02020603050405020304" pitchFamily="18" charset="0"/>
+                <a:cs typeface="Times New Roman" panose="02020603050405020304" pitchFamily="18" charset="0"/>
+              </a:rPr>
+              <a:t>modules</a:t>
+            </a:r>
+            <a:endParaRPr lang="en-US" sz="2400" dirty="0" smtClean="0">
+              <a:latin typeface="Times New Roman" panose="02020603050405020304" pitchFamily="18" charset="0"/>
+              <a:cs typeface="Times New Roman" panose="02020603050405020304" pitchFamily="18" charset="0"/>
+            </a:endParaRPr>
+          </a:p>
+        </p:txBody>
+      </p:sp>
+      <p:sp>
+        <p:nvSpPr>
+          <p:cNvPr id="9" name="TextBox 8"/>
+          <p:cNvSpPr txBox="1"/>
+          <p:nvPr/>
+        </p:nvSpPr>
+        <p:spPr>
+          <a:xfrm>
+            <a:off x="1386291" y="224135"/>
+            <a:ext cx="7315200" cy="553998"/>
+          </a:xfrm>
+          <a:prstGeom prst="rect">
+            <a:avLst/>
+          </a:prstGeom>
+          <a:noFill/>
+        </p:spPr>
+        <p:txBody>
+          <a:bodyPr wrap="square" rtlCol="0">
+            <a:spAutoFit/>
+          </a:bodyPr>
+          <a:lstStyle/>
+          <a:p>
+            <a:pPr algn="ctr"/>
+            <a:r>
+              <a:rPr lang="tr-TR" sz="3000" dirty="0" smtClean="0">
+                <a:latin typeface="Times New Roman" panose="02020603050405020304" pitchFamily="18" charset="0"/>
+                <a:cs typeface="Times New Roman" panose="02020603050405020304" pitchFamily="18" charset="0"/>
+              </a:rPr>
+              <a:t>DC Link </a:t>
+            </a:r>
+            <a:r>
+              <a:rPr lang="tr-TR" sz="3000" dirty="0" err="1" smtClean="0">
+                <a:latin typeface="Times New Roman" panose="02020603050405020304" pitchFamily="18" charset="0"/>
+                <a:cs typeface="Times New Roman" panose="02020603050405020304" pitchFamily="18" charset="0"/>
+              </a:rPr>
+              <a:t>Capacitor</a:t>
+            </a:r>
+            <a:r>
+              <a:rPr lang="tr-TR" sz="3000" dirty="0" smtClean="0">
+                <a:latin typeface="Times New Roman" panose="02020603050405020304" pitchFamily="18" charset="0"/>
+                <a:cs typeface="Times New Roman" panose="02020603050405020304" pitchFamily="18" charset="0"/>
+              </a:rPr>
+              <a:t> </a:t>
+            </a:r>
+            <a:r>
+              <a:rPr lang="tr-TR" sz="3000" dirty="0" err="1" smtClean="0">
+                <a:latin typeface="Times New Roman" panose="02020603050405020304" pitchFamily="18" charset="0"/>
+                <a:cs typeface="Times New Roman" panose="02020603050405020304" pitchFamily="18" charset="0"/>
+              </a:rPr>
+              <a:t>Selection</a:t>
+            </a:r>
+            <a:endParaRPr lang="tr-TR" sz="3000" dirty="0">
+              <a:latin typeface="Times New Roman" panose="02020603050405020304" pitchFamily="18" charset="0"/>
+              <a:cs typeface="Times New Roman" panose="02020603050405020304" pitchFamily="18" charset="0"/>
+            </a:endParaRPr>
+          </a:p>
+        </p:txBody>
+      </p:sp>
       <p:pic>
         <p:nvPicPr>
-          <p:cNvPr id="14" name="Picture 2" descr="C:\Users\Mesut\Desktop\aselsan sunum\aselsan sunum 10 ekim\aselsan sunum\cezmi bey\ODTU.png"/>
+          <p:cNvPr id="12" name="Picture 11"/>
+          <p:cNvPicPr>
+            <a:picLocks noChangeAspect="1"/>
+          </p:cNvPicPr>
+          <p:nvPr/>
+        </p:nvPicPr>
+        <p:blipFill>
+          <a:blip r:embed="rId2"/>
+          <a:stretch>
+            <a:fillRect/>
+          </a:stretch>
+        </p:blipFill>
+        <p:spPr>
+          <a:xfrm>
+            <a:off x="1600250" y="1606163"/>
+            <a:ext cx="6887282" cy="4932749"/>
+          </a:xfrm>
+          <a:prstGeom prst="rect">
+            <a:avLst/>
+          </a:prstGeom>
+        </p:spPr>
+      </p:pic>
+      <p:pic>
+        <p:nvPicPr>
+          <p:cNvPr id="13" name="Picture 12"/>
+          <p:cNvPicPr>
+            <a:picLocks noChangeAspect="1"/>
+          </p:cNvPicPr>
+          <p:nvPr/>
+        </p:nvPicPr>
+        <p:blipFill>
+          <a:blip r:embed="rId3" cstate="print">
+            <a:extLst>
+              <a:ext uri="{28A0092B-C50C-407E-A947-70E740481C1C}">
+                <a14:useLocalDpi xmlns:a14="http://schemas.microsoft.com/office/drawing/2010/main" val="0"/>
+              </a:ext>
+            </a:extLst>
+          </a:blip>
+          <a:stretch>
+            <a:fillRect/>
+          </a:stretch>
+        </p:blipFill>
+        <p:spPr>
+          <a:xfrm rot="16200000">
+            <a:off x="-876200" y="5067199"/>
+            <a:ext cx="2759076" cy="549476"/>
+          </a:xfrm>
+          <a:prstGeom prst="rect">
+            <a:avLst/>
+          </a:prstGeom>
+        </p:spPr>
+      </p:pic>
+      <p:pic>
+        <p:nvPicPr>
+          <p:cNvPr id="16" name="Picture 2" descr="C:\Users\Mesut\Desktop\aselsan sunum\aselsan sunum 10 ekim\aselsan sunum\cezmi bey\ODTU.png"/>
           <p:cNvPicPr>
             <a:picLocks noChangeAspect="1" noChangeArrowheads="1"/>
           </p:cNvPicPr>
           <p:nvPr/>
         </p:nvPicPr>
         <p:blipFill>
-          <a:blip r:embed="rId2" cstate="print">
+          <a:blip r:embed="rId4" cstate="print">
             <a:extLst>
               <a:ext uri="{28A0092B-C50C-407E-A947-70E740481C1C}">
                 <a14:useLocalDpi xmlns:a14="http://schemas.microsoft.com/office/drawing/2010/main" val="0"/>
@@ -5090,8 +5713,8 @@
         </p:blipFill>
         <p:spPr bwMode="auto">
           <a:xfrm>
-            <a:off x="163507" y="266700"/>
-            <a:ext cx="684927" cy="571500"/>
+            <a:off x="116458" y="163788"/>
+            <a:ext cx="779026" cy="650016"/>
           </a:xfrm>
           <a:prstGeom prst="rect">
             <a:avLst/>
@@ -5106,225 +5729,6 @@
               </a14:hiddenFill>
             </a:ext>
           </a:extLst>
-        </p:spPr>
-      </p:pic>
-      <p:sp>
-        <p:nvSpPr>
-          <p:cNvPr id="18" name="Text Box 9"/>
-          <p:cNvSpPr txBox="1">
-            <a:spLocks noChangeArrowheads="1"/>
-          </p:cNvSpPr>
-          <p:nvPr/>
-        </p:nvSpPr>
-        <p:spPr bwMode="auto">
-          <a:xfrm>
-            <a:off x="1189918" y="1143000"/>
-            <a:ext cx="7954082" cy="461665"/>
-          </a:xfrm>
-          <a:prstGeom prst="rect">
-            <a:avLst/>
-          </a:prstGeom>
-          <a:noFill/>
-          <a:ln w="9525">
-            <a:noFill/>
-            <a:miter lim="800000"/>
-            <a:headEnd/>
-            <a:tailEnd/>
-          </a:ln>
-          <a:effectLst/>
-        </p:spPr>
-        <p:txBody>
-          <a:bodyPr wrap="square">
-            <a:spAutoFit/>
-          </a:bodyPr>
-          <a:lstStyle/>
-          <a:p>
-            <a:pPr algn="ctr"/>
-            <a:r>
-              <a:rPr lang="tr-TR" sz="2400" dirty="0" smtClean="0">
-                <a:latin typeface="Times New Roman" panose="02020603050405020304" pitchFamily="18" charset="0"/>
-                <a:cs typeface="Times New Roman" panose="02020603050405020304" pitchFamily="18" charset="0"/>
-              </a:rPr>
-              <a:t>Optimum </a:t>
-            </a:r>
-            <a:r>
-              <a:rPr lang="tr-TR" sz="2400" dirty="0" err="1" smtClean="0">
-                <a:latin typeface="Times New Roman" panose="02020603050405020304" pitchFamily="18" charset="0"/>
-                <a:cs typeface="Times New Roman" panose="02020603050405020304" pitchFamily="18" charset="0"/>
-              </a:rPr>
-              <a:t>phase</a:t>
-            </a:r>
-            <a:r>
-              <a:rPr lang="tr-TR" sz="2400" dirty="0" smtClean="0">
-                <a:latin typeface="Times New Roman" panose="02020603050405020304" pitchFamily="18" charset="0"/>
-                <a:cs typeface="Times New Roman" panose="02020603050405020304" pitchFamily="18" charset="0"/>
-              </a:rPr>
-              <a:t> </a:t>
-            </a:r>
-            <a:r>
-              <a:rPr lang="tr-TR" sz="2400" dirty="0" err="1" smtClean="0">
-                <a:latin typeface="Times New Roman" panose="02020603050405020304" pitchFamily="18" charset="0"/>
-                <a:cs typeface="Times New Roman" panose="02020603050405020304" pitchFamily="18" charset="0"/>
-              </a:rPr>
-              <a:t>shift</a:t>
-            </a:r>
-            <a:r>
-              <a:rPr lang="tr-TR" sz="2400" dirty="0" smtClean="0">
-                <a:latin typeface="Times New Roman" panose="02020603050405020304" pitchFamily="18" charset="0"/>
-                <a:cs typeface="Times New Roman" panose="02020603050405020304" pitchFamily="18" charset="0"/>
-              </a:rPr>
-              <a:t> </a:t>
-            </a:r>
-            <a:r>
-              <a:rPr lang="tr-TR" sz="2400" dirty="0" err="1" smtClean="0">
-                <a:latin typeface="Times New Roman" panose="02020603050405020304" pitchFamily="18" charset="0"/>
-                <a:cs typeface="Times New Roman" panose="02020603050405020304" pitchFamily="18" charset="0"/>
-              </a:rPr>
-              <a:t>angle</a:t>
-            </a:r>
-            <a:r>
-              <a:rPr lang="tr-TR" sz="2400" dirty="0" smtClean="0">
-                <a:latin typeface="Times New Roman" panose="02020603050405020304" pitchFamily="18" charset="0"/>
-                <a:cs typeface="Times New Roman" panose="02020603050405020304" pitchFamily="18" charset="0"/>
-              </a:rPr>
-              <a:t> </a:t>
-            </a:r>
-            <a:r>
-              <a:rPr lang="tr-TR" sz="2400" dirty="0" err="1" smtClean="0">
-                <a:latin typeface="Times New Roman" panose="02020603050405020304" pitchFamily="18" charset="0"/>
-                <a:cs typeface="Times New Roman" panose="02020603050405020304" pitchFamily="18" charset="0"/>
-              </a:rPr>
-              <a:t>for</a:t>
-            </a:r>
-            <a:r>
-              <a:rPr lang="tr-TR" sz="2400" dirty="0" smtClean="0">
-                <a:latin typeface="Times New Roman" panose="02020603050405020304" pitchFamily="18" charset="0"/>
-                <a:cs typeface="Times New Roman" panose="02020603050405020304" pitchFamily="18" charset="0"/>
-              </a:rPr>
-              <a:t> </a:t>
-            </a:r>
-            <a:r>
-              <a:rPr lang="tr-TR" sz="2400" dirty="0" err="1" smtClean="0">
-                <a:latin typeface="Times New Roman" panose="02020603050405020304" pitchFamily="18" charset="0"/>
-                <a:cs typeface="Times New Roman" panose="02020603050405020304" pitchFamily="18" charset="0"/>
-              </a:rPr>
-              <a:t>different</a:t>
-            </a:r>
-            <a:r>
-              <a:rPr lang="tr-TR" sz="2400" dirty="0" smtClean="0">
-                <a:latin typeface="Times New Roman" panose="02020603050405020304" pitchFamily="18" charset="0"/>
-                <a:cs typeface="Times New Roman" panose="02020603050405020304" pitchFamily="18" charset="0"/>
-              </a:rPr>
-              <a:t> </a:t>
-            </a:r>
-            <a:r>
-              <a:rPr lang="tr-TR" sz="2400" dirty="0" err="1" smtClean="0">
-                <a:latin typeface="Times New Roman" panose="02020603050405020304" pitchFamily="18" charset="0"/>
-                <a:cs typeface="Times New Roman" panose="02020603050405020304" pitchFamily="18" charset="0"/>
-              </a:rPr>
-              <a:t>number</a:t>
-            </a:r>
-            <a:r>
-              <a:rPr lang="tr-TR" sz="2400" dirty="0" smtClean="0">
-                <a:latin typeface="Times New Roman" panose="02020603050405020304" pitchFamily="18" charset="0"/>
-                <a:cs typeface="Times New Roman" panose="02020603050405020304" pitchFamily="18" charset="0"/>
-              </a:rPr>
-              <a:t> of </a:t>
-            </a:r>
-            <a:r>
-              <a:rPr lang="tr-TR" sz="2400" dirty="0" err="1" smtClean="0">
-                <a:latin typeface="Times New Roman" panose="02020603050405020304" pitchFamily="18" charset="0"/>
-                <a:cs typeface="Times New Roman" panose="02020603050405020304" pitchFamily="18" charset="0"/>
-              </a:rPr>
-              <a:t>modules</a:t>
-            </a:r>
-            <a:endParaRPr lang="en-US" sz="2400" dirty="0" smtClean="0">
-              <a:latin typeface="Times New Roman" panose="02020603050405020304" pitchFamily="18" charset="0"/>
-              <a:cs typeface="Times New Roman" panose="02020603050405020304" pitchFamily="18" charset="0"/>
-            </a:endParaRPr>
-          </a:p>
-        </p:txBody>
-      </p:sp>
-      <p:sp>
-        <p:nvSpPr>
-          <p:cNvPr id="9" name="TextBox 8"/>
-          <p:cNvSpPr txBox="1"/>
-          <p:nvPr/>
-        </p:nvSpPr>
-        <p:spPr>
-          <a:xfrm>
-            <a:off x="1386291" y="224135"/>
-            <a:ext cx="7315200" cy="553998"/>
-          </a:xfrm>
-          <a:prstGeom prst="rect">
-            <a:avLst/>
-          </a:prstGeom>
-          <a:noFill/>
-        </p:spPr>
-        <p:txBody>
-          <a:bodyPr wrap="square" rtlCol="0">
-            <a:spAutoFit/>
-          </a:bodyPr>
-          <a:lstStyle/>
-          <a:p>
-            <a:pPr algn="ctr"/>
-            <a:r>
-              <a:rPr lang="tr-TR" sz="3000" dirty="0" smtClean="0">
-                <a:latin typeface="Times New Roman" panose="02020603050405020304" pitchFamily="18" charset="0"/>
-                <a:cs typeface="Times New Roman" panose="02020603050405020304" pitchFamily="18" charset="0"/>
-              </a:rPr>
-              <a:t>DC Link </a:t>
-            </a:r>
-            <a:r>
-              <a:rPr lang="tr-TR" sz="3000" dirty="0" err="1" smtClean="0">
-                <a:latin typeface="Times New Roman" panose="02020603050405020304" pitchFamily="18" charset="0"/>
-                <a:cs typeface="Times New Roman" panose="02020603050405020304" pitchFamily="18" charset="0"/>
-              </a:rPr>
-              <a:t>Capacitor</a:t>
-            </a:r>
-            <a:r>
-              <a:rPr lang="tr-TR" sz="3000" dirty="0" smtClean="0">
-                <a:latin typeface="Times New Roman" panose="02020603050405020304" pitchFamily="18" charset="0"/>
-                <a:cs typeface="Times New Roman" panose="02020603050405020304" pitchFamily="18" charset="0"/>
-              </a:rPr>
-              <a:t> </a:t>
-            </a:r>
-            <a:r>
-              <a:rPr lang="tr-TR" sz="3000" dirty="0" err="1" smtClean="0">
-                <a:latin typeface="Times New Roman" panose="02020603050405020304" pitchFamily="18" charset="0"/>
-                <a:cs typeface="Times New Roman" panose="02020603050405020304" pitchFamily="18" charset="0"/>
-              </a:rPr>
-              <a:t>Selection</a:t>
-            </a:r>
-            <a:endParaRPr lang="tr-TR" sz="3000" dirty="0">
-              <a:latin typeface="Times New Roman" panose="02020603050405020304" pitchFamily="18" charset="0"/>
-              <a:cs typeface="Times New Roman" panose="02020603050405020304" pitchFamily="18" charset="0"/>
-            </a:endParaRPr>
-          </a:p>
-        </p:txBody>
-      </p:sp>
-      <p:pic>
-        <p:nvPicPr>
-          <p:cNvPr id="12" name="Picture 11"/>
-          <p:cNvPicPr>
-            <a:picLocks noChangeAspect="1"/>
-          </p:cNvPicPr>
-          <p:nvPr/>
-        </p:nvPicPr>
-        <p:blipFill>
-          <a:blip r:embed="rId3"/>
-          <a:stretch>
-            <a:fillRect/>
-          </a:stretch>
-        </p:blipFill>
-        <p:spPr>
-          <a:xfrm>
-            <a:off x="1600250" y="1606163"/>
-            <a:ext cx="6887282" cy="4932749"/>
-          </a:xfrm>
-          <a:prstGeom prst="rect">
-            <a:avLst/>
-          </a:prstGeom>
         </p:spPr>
       </p:pic>
     </p:spTree>
@@ -5590,16 +5994,128 @@
           </a:p>
         </p:txBody>
       </p:sp>
+      <p:sp>
+        <p:nvSpPr>
+          <p:cNvPr id="12" name="TextBox 11"/>
+          <p:cNvSpPr txBox="1"/>
+          <p:nvPr/>
+        </p:nvSpPr>
+        <p:spPr>
+          <a:xfrm>
+            <a:off x="1386291" y="224135"/>
+            <a:ext cx="7315200" cy="553998"/>
+          </a:xfrm>
+          <a:prstGeom prst="rect">
+            <a:avLst/>
+          </a:prstGeom>
+          <a:noFill/>
+        </p:spPr>
+        <p:txBody>
+          <a:bodyPr wrap="square" rtlCol="0">
+            <a:spAutoFit/>
+          </a:bodyPr>
+          <a:lstStyle/>
+          <a:p>
+            <a:pPr algn="ctr"/>
+            <a:r>
+              <a:rPr lang="tr-TR" sz="3000" dirty="0" smtClean="0">
+                <a:latin typeface="Times New Roman" panose="02020603050405020304" pitchFamily="18" charset="0"/>
+                <a:cs typeface="Times New Roman" panose="02020603050405020304" pitchFamily="18" charset="0"/>
+              </a:rPr>
+              <a:t>DC Link </a:t>
+            </a:r>
+            <a:r>
+              <a:rPr lang="tr-TR" sz="3000" dirty="0" err="1" smtClean="0">
+                <a:latin typeface="Times New Roman" panose="02020603050405020304" pitchFamily="18" charset="0"/>
+                <a:cs typeface="Times New Roman" panose="02020603050405020304" pitchFamily="18" charset="0"/>
+              </a:rPr>
+              <a:t>Capacitor</a:t>
+            </a:r>
+            <a:r>
+              <a:rPr lang="tr-TR" sz="3000" dirty="0" smtClean="0">
+                <a:latin typeface="Times New Roman" panose="02020603050405020304" pitchFamily="18" charset="0"/>
+                <a:cs typeface="Times New Roman" panose="02020603050405020304" pitchFamily="18" charset="0"/>
+              </a:rPr>
+              <a:t> </a:t>
+            </a:r>
+            <a:r>
+              <a:rPr lang="tr-TR" sz="3000" dirty="0" err="1" smtClean="0">
+                <a:latin typeface="Times New Roman" panose="02020603050405020304" pitchFamily="18" charset="0"/>
+                <a:cs typeface="Times New Roman" panose="02020603050405020304" pitchFamily="18" charset="0"/>
+              </a:rPr>
+              <a:t>Selection</a:t>
+            </a:r>
+            <a:endParaRPr lang="tr-TR" sz="3000" dirty="0">
+              <a:latin typeface="Times New Roman" panose="02020603050405020304" pitchFamily="18" charset="0"/>
+              <a:cs typeface="Times New Roman" panose="02020603050405020304" pitchFamily="18" charset="0"/>
+            </a:endParaRPr>
+          </a:p>
+        </p:txBody>
+      </p:sp>
       <p:pic>
         <p:nvPicPr>
-          <p:cNvPr id="14" name="Picture 2" descr="C:\Users\Mesut\Desktop\aselsan sunum\aselsan sunum 10 ekim\aselsan sunum\cezmi bey\ODTU.png"/>
+          <p:cNvPr id="19" name="Picture 18"/>
+          <p:cNvPicPr>
+            <a:picLocks noChangeAspect="1"/>
+          </p:cNvPicPr>
+          <p:nvPr/>
+        </p:nvPicPr>
+        <p:blipFill>
+          <a:blip r:embed="rId2"/>
+          <a:stretch>
+            <a:fillRect/>
+          </a:stretch>
+        </p:blipFill>
+        <p:spPr>
+          <a:xfrm>
+            <a:off x="2275361" y="1249362"/>
+            <a:ext cx="5478396" cy="5289550"/>
+          </a:xfrm>
+          <a:prstGeom prst="rect">
+            <a:avLst/>
+          </a:prstGeom>
+        </p:spPr>
+      </p:pic>
+      <p:pic>
+        <p:nvPicPr>
+          <p:cNvPr id="9" name="Picture 8"/>
+          <p:cNvPicPr>
+            <a:picLocks noChangeAspect="1"/>
+          </p:cNvPicPr>
+          <p:nvPr/>
+        </p:nvPicPr>
+        <p:blipFill>
+          <a:blip r:embed="rId3" cstate="print">
+            <a:extLst>
+              <a:ext uri="{28A0092B-C50C-407E-A947-70E740481C1C}">
+                <a14:useLocalDpi xmlns:a14="http://schemas.microsoft.com/office/drawing/2010/main" val="0"/>
+              </a:ext>
+            </a:extLst>
+          </a:blip>
+          <a:stretch>
+            <a:fillRect/>
+          </a:stretch>
+        </p:blipFill>
+        <p:spPr>
+          <a:xfrm rot="16200000">
+            <a:off x="-876200" y="5067199"/>
+            <a:ext cx="2759076" cy="549476"/>
+          </a:xfrm>
+          <a:prstGeom prst="rect">
+            <a:avLst/>
+          </a:prstGeom>
+        </p:spPr>
+      </p:pic>
+      <p:pic>
+        <p:nvPicPr>
+          <p:cNvPr id="13" name="Picture 2" descr="C:\Users\Mesut\Desktop\aselsan sunum\aselsan sunum 10 ekim\aselsan sunum\cezmi bey\ODTU.png"/>
           <p:cNvPicPr>
             <a:picLocks noChangeAspect="1" noChangeArrowheads="1"/>
           </p:cNvPicPr>
           <p:nvPr/>
         </p:nvPicPr>
         <p:blipFill>
-          <a:blip r:embed="rId2" cstate="print">
+          <a:blip r:embed="rId4" cstate="print">
             <a:extLst>
               <a:ext uri="{28A0092B-C50C-407E-A947-70E740481C1C}">
                 <a14:useLocalDpi xmlns:a14="http://schemas.microsoft.com/office/drawing/2010/main" val="0"/>
@@ -5613,8 +6129,8 @@
         </p:blipFill>
         <p:spPr bwMode="auto">
           <a:xfrm>
-            <a:off x="163507" y="266700"/>
-            <a:ext cx="684927" cy="571500"/>
+            <a:off x="116458" y="163788"/>
+            <a:ext cx="779026" cy="650016"/>
           </a:xfrm>
           <a:prstGeom prst="rect">
             <a:avLst/>
@@ -5629,88 +6145,6 @@
               </a14:hiddenFill>
             </a:ext>
           </a:extLst>
-        </p:spPr>
-      </p:pic>
-      <p:sp>
-        <p:nvSpPr>
-          <p:cNvPr id="12" name="TextBox 11"/>
-          <p:cNvSpPr txBox="1"/>
-          <p:nvPr/>
-        </p:nvSpPr>
-        <p:spPr>
-          <a:xfrm>
-            <a:off x="1386291" y="224135"/>
-            <a:ext cx="7315200" cy="553998"/>
-          </a:xfrm>
-          <a:prstGeom prst="rect">
-            <a:avLst/>
-          </a:prstGeom>
-          <a:noFill/>
-        </p:spPr>
-        <p:txBody>
-          <a:bodyPr wrap="square" rtlCol="0">
-            <a:spAutoFit/>
-          </a:bodyPr>
-          <a:lstStyle/>
-          <a:p>
-            <a:pPr algn="ctr"/>
-            <a:r>
-              <a:rPr lang="tr-TR" sz="3000" dirty="0" smtClean="0">
-                <a:latin typeface="Times New Roman" panose="02020603050405020304" pitchFamily="18" charset="0"/>
-                <a:cs typeface="Times New Roman" panose="02020603050405020304" pitchFamily="18" charset="0"/>
-              </a:rPr>
-              <a:t>DC Link </a:t>
-            </a:r>
-            <a:r>
-              <a:rPr lang="tr-TR" sz="3000" dirty="0" err="1" smtClean="0">
-                <a:latin typeface="Times New Roman" panose="02020603050405020304" pitchFamily="18" charset="0"/>
-                <a:cs typeface="Times New Roman" panose="02020603050405020304" pitchFamily="18" charset="0"/>
-              </a:rPr>
-              <a:t>Capacitor</a:t>
-            </a:r>
-            <a:r>
-              <a:rPr lang="tr-TR" sz="3000" dirty="0" smtClean="0">
-                <a:latin typeface="Times New Roman" panose="02020603050405020304" pitchFamily="18" charset="0"/>
-                <a:cs typeface="Times New Roman" panose="02020603050405020304" pitchFamily="18" charset="0"/>
-              </a:rPr>
-              <a:t> </a:t>
-            </a:r>
-            <a:r>
-              <a:rPr lang="tr-TR" sz="3000" dirty="0" err="1" smtClean="0">
-                <a:latin typeface="Times New Roman" panose="02020603050405020304" pitchFamily="18" charset="0"/>
-                <a:cs typeface="Times New Roman" panose="02020603050405020304" pitchFamily="18" charset="0"/>
-              </a:rPr>
-              <a:t>Selection</a:t>
-            </a:r>
-            <a:endParaRPr lang="tr-TR" sz="3000" dirty="0">
-              <a:latin typeface="Times New Roman" panose="02020603050405020304" pitchFamily="18" charset="0"/>
-              <a:cs typeface="Times New Roman" panose="02020603050405020304" pitchFamily="18" charset="0"/>
-            </a:endParaRPr>
-          </a:p>
-        </p:txBody>
-      </p:sp>
-      <p:pic>
-        <p:nvPicPr>
-          <p:cNvPr id="19" name="Picture 18"/>
-          <p:cNvPicPr>
-            <a:picLocks noChangeAspect="1"/>
-          </p:cNvPicPr>
-          <p:nvPr/>
-        </p:nvPicPr>
-        <p:blipFill>
-          <a:blip r:embed="rId3"/>
-          <a:stretch>
-            <a:fillRect/>
-          </a:stretch>
-        </p:blipFill>
-        <p:spPr>
-          <a:xfrm>
-            <a:off x="2275361" y="1249362"/>
-            <a:ext cx="5478396" cy="5289550"/>
-          </a:xfrm>
-          <a:prstGeom prst="rect">
-            <a:avLst/>
-          </a:prstGeom>
         </p:spPr>
       </p:pic>
     </p:spTree>
@@ -5984,47 +6418,6 @@
           </a:p>
         </p:txBody>
       </p:sp>
-      <p:pic>
-        <p:nvPicPr>
-          <p:cNvPr id="14" name="Picture 2" descr="C:\Users\Mesut\Desktop\aselsan sunum\aselsan sunum 10 ekim\aselsan sunum\cezmi bey\ODTU.png"/>
-          <p:cNvPicPr>
-            <a:picLocks noChangeAspect="1" noChangeArrowheads="1"/>
-          </p:cNvPicPr>
-          <p:nvPr/>
-        </p:nvPicPr>
-        <p:blipFill>
-          <a:blip r:embed="rId2" cstate="print">
-            <a:extLst>
-              <a:ext uri="{28A0092B-C50C-407E-A947-70E740481C1C}">
-                <a14:useLocalDpi xmlns:a14="http://schemas.microsoft.com/office/drawing/2010/main" val="0"/>
-              </a:ext>
-            </a:extLst>
-          </a:blip>
-          <a:srcRect/>
-          <a:stretch>
-            <a:fillRect/>
-          </a:stretch>
-        </p:blipFill>
-        <p:spPr bwMode="auto">
-          <a:xfrm>
-            <a:off x="163507" y="266700"/>
-            <a:ext cx="684927" cy="571500"/>
-          </a:xfrm>
-          <a:prstGeom prst="rect">
-            <a:avLst/>
-          </a:prstGeom>
-          <a:noFill/>
-          <a:extLst>
-            <a:ext uri="{909E8E84-426E-40DD-AFC4-6F175D3DCCD1}">
-              <a14:hiddenFill xmlns:a14="http://schemas.microsoft.com/office/drawing/2010/main">
-                <a:solidFill>
-                  <a:srgbClr val="FFFFFF"/>
-                </a:solidFill>
-              </a14:hiddenFill>
-            </a:ext>
-          </a:extLst>
-        </p:spPr>
-      </p:pic>
       <p:sp>
         <p:nvSpPr>
           <p:cNvPr id="9" name="TextBox 8"/>
@@ -6071,7 +6464,7 @@
           <p:nvPr/>
         </p:nvPicPr>
         <p:blipFill>
-          <a:blip r:embed="rId3"/>
+          <a:blip r:embed="rId2"/>
           <a:stretch>
             <a:fillRect/>
           </a:stretch>
@@ -6095,7 +6488,7 @@
           <p:nvPr/>
         </p:nvPicPr>
         <p:blipFill>
-          <a:blip r:embed="rId4"/>
+          <a:blip r:embed="rId3"/>
           <a:stretch>
             <a:fillRect/>
           </a:stretch>
@@ -6431,6 +6824,77 @@
           </a:p>
         </p:txBody>
       </p:sp>
+      <p:pic>
+        <p:nvPicPr>
+          <p:cNvPr id="13" name="Picture 12"/>
+          <p:cNvPicPr>
+            <a:picLocks noChangeAspect="1"/>
+          </p:cNvPicPr>
+          <p:nvPr/>
+        </p:nvPicPr>
+        <p:blipFill>
+          <a:blip r:embed="rId4" cstate="print">
+            <a:extLst>
+              <a:ext uri="{28A0092B-C50C-407E-A947-70E740481C1C}">
+                <a14:useLocalDpi xmlns:a14="http://schemas.microsoft.com/office/drawing/2010/main" val="0"/>
+              </a:ext>
+            </a:extLst>
+          </a:blip>
+          <a:stretch>
+            <a:fillRect/>
+          </a:stretch>
+        </p:blipFill>
+        <p:spPr>
+          <a:xfrm rot="16200000">
+            <a:off x="-876200" y="5067199"/>
+            <a:ext cx="2759076" cy="549476"/>
+          </a:xfrm>
+          <a:prstGeom prst="rect">
+            <a:avLst/>
+          </a:prstGeom>
+        </p:spPr>
+      </p:pic>
+      <p:pic>
+        <p:nvPicPr>
+          <p:cNvPr id="19" name="Picture 2" descr="C:\Users\Mesut\Desktop\aselsan sunum\aselsan sunum 10 ekim\aselsan sunum\cezmi bey\ODTU.png"/>
+          <p:cNvPicPr>
+            <a:picLocks noChangeAspect="1" noChangeArrowheads="1"/>
+          </p:cNvPicPr>
+          <p:nvPr/>
+        </p:nvPicPr>
+        <p:blipFill>
+          <a:blip r:embed="rId5" cstate="print">
+            <a:extLst>
+              <a:ext uri="{28A0092B-C50C-407E-A947-70E740481C1C}">
+                <a14:useLocalDpi xmlns:a14="http://schemas.microsoft.com/office/drawing/2010/main" val="0"/>
+              </a:ext>
+            </a:extLst>
+          </a:blip>
+          <a:srcRect/>
+          <a:stretch>
+            <a:fillRect/>
+          </a:stretch>
+        </p:blipFill>
+        <p:spPr bwMode="auto">
+          <a:xfrm>
+            <a:off x="116458" y="163788"/>
+            <a:ext cx="779026" cy="650016"/>
+          </a:xfrm>
+          <a:prstGeom prst="rect">
+            <a:avLst/>
+          </a:prstGeom>
+          <a:noFill/>
+          <a:extLst>
+            <a:ext uri="{909E8E84-426E-40DD-AFC4-6F175D3DCCD1}">
+              <a14:hiddenFill xmlns:a14="http://schemas.microsoft.com/office/drawing/2010/main">
+                <a:solidFill>
+                  <a:srgbClr val="FFFFFF"/>
+                </a:solidFill>
+              </a14:hiddenFill>
+            </a:ext>
+          </a:extLst>
+        </p:spPr>
+      </p:pic>
     </p:spTree>
     <p:extLst>
       <p:ext uri="{BB962C8B-B14F-4D97-AF65-F5344CB8AC3E}">
@@ -7125,43 +7589,6 @@
           </a:fontRef>
         </p:style>
       </p:cxnSp>
-      <p:sp>
-        <p:nvSpPr>
-          <p:cNvPr id="13" name="TextBox 12"/>
-          <p:cNvSpPr txBox="1"/>
-          <p:nvPr/>
-        </p:nvSpPr>
-        <p:spPr>
-          <a:xfrm>
-            <a:off x="1386291" y="224135"/>
-            <a:ext cx="7315200" cy="553998"/>
-          </a:xfrm>
-          <a:prstGeom prst="rect">
-            <a:avLst/>
-          </a:prstGeom>
-          <a:noFill/>
-        </p:spPr>
-        <p:txBody>
-          <a:bodyPr wrap="square" rtlCol="0">
-            <a:spAutoFit/>
-          </a:bodyPr>
-          <a:lstStyle/>
-          <a:p>
-            <a:pPr algn="ctr"/>
-            <a:r>
-              <a:rPr lang="tr-TR" sz="3000" dirty="0" smtClean="0">
-                <a:latin typeface="Times New Roman" panose="02020603050405020304" pitchFamily="18" charset="0"/>
-                <a:cs typeface="Times New Roman" panose="02020603050405020304" pitchFamily="18" charset="0"/>
-              </a:rPr>
-              <a:t>IMMD Design</a:t>
-            </a:r>
-            <a:endParaRPr lang="tr-TR" sz="3000" dirty="0">
-              <a:latin typeface="Times New Roman" panose="02020603050405020304" pitchFamily="18" charset="0"/>
-              <a:cs typeface="Times New Roman" panose="02020603050405020304" pitchFamily="18" charset="0"/>
-            </a:endParaRPr>
-          </a:p>
-        </p:txBody>
-      </p:sp>
       <p:cxnSp>
         <p:nvCxnSpPr>
           <p:cNvPr id="15" name="Straight Connector 14"/>
@@ -7221,6 +7648,388 @@
           </a:p>
         </p:txBody>
       </p:sp>
+      <p:sp>
+        <p:nvSpPr>
+          <p:cNvPr id="9" name="TextBox 8"/>
+          <p:cNvSpPr txBox="1"/>
+          <p:nvPr/>
+        </p:nvSpPr>
+        <p:spPr>
+          <a:xfrm>
+            <a:off x="1386291" y="224135"/>
+            <a:ext cx="7315200" cy="553998"/>
+          </a:xfrm>
+          <a:prstGeom prst="rect">
+            <a:avLst/>
+          </a:prstGeom>
+          <a:noFill/>
+        </p:spPr>
+        <p:txBody>
+          <a:bodyPr wrap="square" rtlCol="0">
+            <a:spAutoFit/>
+          </a:bodyPr>
+          <a:lstStyle/>
+          <a:p>
+            <a:pPr algn="ctr"/>
+            <a:r>
+              <a:rPr lang="tr-TR" sz="3000" dirty="0" err="1" smtClean="0">
+                <a:latin typeface="Times New Roman" panose="02020603050405020304" pitchFamily="18" charset="0"/>
+                <a:cs typeface="Times New Roman" panose="02020603050405020304" pitchFamily="18" charset="0"/>
+              </a:rPr>
+              <a:t>Conclusions</a:t>
+            </a:r>
+            <a:endParaRPr lang="tr-TR" sz="3000" dirty="0">
+              <a:latin typeface="Times New Roman" panose="02020603050405020304" pitchFamily="18" charset="0"/>
+              <a:cs typeface="Times New Roman" panose="02020603050405020304" pitchFamily="18" charset="0"/>
+            </a:endParaRPr>
+          </a:p>
+        </p:txBody>
+      </p:sp>
+      <p:sp>
+        <p:nvSpPr>
+          <p:cNvPr id="12" name="Text Box 9"/>
+          <p:cNvSpPr txBox="1">
+            <a:spLocks noChangeArrowheads="1"/>
+          </p:cNvSpPr>
+          <p:nvPr/>
+        </p:nvSpPr>
+        <p:spPr bwMode="auto">
+          <a:xfrm>
+            <a:off x="1189918" y="1447800"/>
+            <a:ext cx="7954082" cy="3093154"/>
+          </a:xfrm>
+          <a:prstGeom prst="rect">
+            <a:avLst/>
+          </a:prstGeom>
+          <a:noFill/>
+          <a:ln w="9525">
+            <a:noFill/>
+            <a:miter lim="800000"/>
+            <a:headEnd/>
+            <a:tailEnd/>
+          </a:ln>
+          <a:effectLst/>
+        </p:spPr>
+        <p:txBody>
+          <a:bodyPr wrap="square">
+            <a:spAutoFit/>
+          </a:bodyPr>
+          <a:lstStyle/>
+          <a:p>
+            <a:pPr marL="342900" indent="-342900" algn="l">
+              <a:lnSpc>
+                <a:spcPct val="150000"/>
+              </a:lnSpc>
+              <a:spcAft>
+                <a:spcPts val="600"/>
+              </a:spcAft>
+              <a:buFont typeface="Wingdings" panose="05000000000000000000" pitchFamily="2" charset="2"/>
+              <a:buChar char="q"/>
+            </a:pPr>
+            <a:r>
+              <a:rPr lang="tr-TR" sz="2000" b="1" dirty="0" smtClean="0">
+                <a:solidFill>
+                  <a:srgbClr val="F20000"/>
+                </a:solidFill>
+                <a:latin typeface="Times New Roman" panose="02020603050405020304" pitchFamily="18" charset="0"/>
+                <a:cs typeface="Times New Roman" panose="02020603050405020304" pitchFamily="18" charset="0"/>
+              </a:rPr>
+              <a:t> </a:t>
+            </a:r>
+            <a:r>
+              <a:rPr lang="tr-TR" sz="2000" b="1" dirty="0" smtClean="0">
+                <a:latin typeface="Times New Roman" panose="02020603050405020304" pitchFamily="18" charset="0"/>
+                <a:cs typeface="Times New Roman" panose="02020603050405020304" pitchFamily="18" charset="0"/>
+              </a:rPr>
+              <a:t>IMMD </a:t>
+            </a:r>
+            <a:r>
+              <a:rPr lang="tr-TR" sz="2000" b="1" dirty="0" err="1" smtClean="0">
+                <a:latin typeface="Times New Roman" panose="02020603050405020304" pitchFamily="18" charset="0"/>
+                <a:cs typeface="Times New Roman" panose="02020603050405020304" pitchFamily="18" charset="0"/>
+              </a:rPr>
+              <a:t>bla</a:t>
+            </a:r>
+            <a:r>
+              <a:rPr lang="tr-TR" sz="2000" b="1" dirty="0" smtClean="0">
+                <a:latin typeface="Times New Roman" panose="02020603050405020304" pitchFamily="18" charset="0"/>
+                <a:cs typeface="Times New Roman" panose="02020603050405020304" pitchFamily="18" charset="0"/>
+              </a:rPr>
+              <a:t> </a:t>
+            </a:r>
+            <a:r>
+              <a:rPr lang="tr-TR" sz="2000" b="1" dirty="0" err="1" smtClean="0">
+                <a:latin typeface="Times New Roman" panose="02020603050405020304" pitchFamily="18" charset="0"/>
+                <a:cs typeface="Times New Roman" panose="02020603050405020304" pitchFamily="18" charset="0"/>
+              </a:rPr>
+              <a:t>bla</a:t>
+            </a:r>
+            <a:endParaRPr lang="tr-TR" sz="2000" b="1" dirty="0" smtClean="0">
+              <a:latin typeface="Times New Roman" panose="02020603050405020304" pitchFamily="18" charset="0"/>
+              <a:cs typeface="Times New Roman" panose="02020603050405020304" pitchFamily="18" charset="0"/>
+            </a:endParaRPr>
+          </a:p>
+          <a:p>
+            <a:pPr marL="342900" indent="-342900">
+              <a:lnSpc>
+                <a:spcPct val="150000"/>
+              </a:lnSpc>
+              <a:spcAft>
+                <a:spcPts val="600"/>
+              </a:spcAft>
+              <a:buFont typeface="Wingdings" panose="05000000000000000000" pitchFamily="2" charset="2"/>
+              <a:buChar char="q"/>
+            </a:pPr>
+            <a:r>
+              <a:rPr lang="tr-TR" sz="2000" b="1" dirty="0">
+                <a:solidFill>
+                  <a:srgbClr val="F20000"/>
+                </a:solidFill>
+                <a:latin typeface="Times New Roman" panose="02020603050405020304" pitchFamily="18" charset="0"/>
+                <a:cs typeface="Times New Roman" panose="02020603050405020304" pitchFamily="18" charset="0"/>
+              </a:rPr>
+              <a:t> </a:t>
+            </a:r>
+            <a:r>
+              <a:rPr lang="tr-TR" sz="2000" b="1" dirty="0">
+                <a:latin typeface="Times New Roman" panose="02020603050405020304" pitchFamily="18" charset="0"/>
+                <a:cs typeface="Times New Roman" panose="02020603050405020304" pitchFamily="18" charset="0"/>
+              </a:rPr>
+              <a:t>IMMD </a:t>
+            </a:r>
+            <a:r>
+              <a:rPr lang="tr-TR" sz="2000" b="1" dirty="0" err="1">
+                <a:latin typeface="Times New Roman" panose="02020603050405020304" pitchFamily="18" charset="0"/>
+                <a:cs typeface="Times New Roman" panose="02020603050405020304" pitchFamily="18" charset="0"/>
+              </a:rPr>
+              <a:t>bla</a:t>
+            </a:r>
+            <a:r>
+              <a:rPr lang="tr-TR" sz="2000" b="1" dirty="0">
+                <a:latin typeface="Times New Roman" panose="02020603050405020304" pitchFamily="18" charset="0"/>
+                <a:cs typeface="Times New Roman" panose="02020603050405020304" pitchFamily="18" charset="0"/>
+              </a:rPr>
+              <a:t> </a:t>
+            </a:r>
+            <a:r>
+              <a:rPr lang="tr-TR" sz="2000" b="1" dirty="0" err="1">
+                <a:latin typeface="Times New Roman" panose="02020603050405020304" pitchFamily="18" charset="0"/>
+                <a:cs typeface="Times New Roman" panose="02020603050405020304" pitchFamily="18" charset="0"/>
+              </a:rPr>
+              <a:t>bla</a:t>
+            </a:r>
+            <a:endParaRPr lang="tr-TR" sz="2000" b="1" dirty="0">
+              <a:latin typeface="Times New Roman" panose="02020603050405020304" pitchFamily="18" charset="0"/>
+              <a:cs typeface="Times New Roman" panose="02020603050405020304" pitchFamily="18" charset="0"/>
+            </a:endParaRPr>
+          </a:p>
+          <a:p>
+            <a:pPr marL="342900" indent="-342900">
+              <a:lnSpc>
+                <a:spcPct val="150000"/>
+              </a:lnSpc>
+              <a:spcAft>
+                <a:spcPts val="600"/>
+              </a:spcAft>
+              <a:buFont typeface="Wingdings" panose="05000000000000000000" pitchFamily="2" charset="2"/>
+              <a:buChar char="q"/>
+            </a:pPr>
+            <a:r>
+              <a:rPr lang="tr-TR" sz="2000" b="1" dirty="0">
+                <a:solidFill>
+                  <a:srgbClr val="F20000"/>
+                </a:solidFill>
+                <a:latin typeface="Times New Roman" panose="02020603050405020304" pitchFamily="18" charset="0"/>
+                <a:cs typeface="Times New Roman" panose="02020603050405020304" pitchFamily="18" charset="0"/>
+              </a:rPr>
+              <a:t> </a:t>
+            </a:r>
+            <a:r>
+              <a:rPr lang="tr-TR" sz="2000" b="1" dirty="0">
+                <a:latin typeface="Times New Roman" panose="02020603050405020304" pitchFamily="18" charset="0"/>
+                <a:cs typeface="Times New Roman" panose="02020603050405020304" pitchFamily="18" charset="0"/>
+              </a:rPr>
+              <a:t>IMMD </a:t>
+            </a:r>
+            <a:r>
+              <a:rPr lang="tr-TR" sz="2000" b="1" dirty="0" err="1">
+                <a:latin typeface="Times New Roman" panose="02020603050405020304" pitchFamily="18" charset="0"/>
+                <a:cs typeface="Times New Roman" panose="02020603050405020304" pitchFamily="18" charset="0"/>
+              </a:rPr>
+              <a:t>bla</a:t>
+            </a:r>
+            <a:r>
+              <a:rPr lang="tr-TR" sz="2000" b="1" dirty="0">
+                <a:latin typeface="Times New Roman" panose="02020603050405020304" pitchFamily="18" charset="0"/>
+                <a:cs typeface="Times New Roman" panose="02020603050405020304" pitchFamily="18" charset="0"/>
+              </a:rPr>
+              <a:t> </a:t>
+            </a:r>
+            <a:r>
+              <a:rPr lang="tr-TR" sz="2000" b="1" dirty="0" err="1">
+                <a:latin typeface="Times New Roman" panose="02020603050405020304" pitchFamily="18" charset="0"/>
+                <a:cs typeface="Times New Roman" panose="02020603050405020304" pitchFamily="18" charset="0"/>
+              </a:rPr>
+              <a:t>bla</a:t>
+            </a:r>
+            <a:endParaRPr lang="tr-TR" sz="2000" b="1" dirty="0">
+              <a:latin typeface="Times New Roman" panose="02020603050405020304" pitchFamily="18" charset="0"/>
+              <a:cs typeface="Times New Roman" panose="02020603050405020304" pitchFamily="18" charset="0"/>
+            </a:endParaRPr>
+          </a:p>
+          <a:p>
+            <a:pPr marL="342900" indent="-342900">
+              <a:lnSpc>
+                <a:spcPct val="150000"/>
+              </a:lnSpc>
+              <a:spcAft>
+                <a:spcPts val="600"/>
+              </a:spcAft>
+              <a:buFont typeface="Wingdings" panose="05000000000000000000" pitchFamily="2" charset="2"/>
+              <a:buChar char="q"/>
+            </a:pPr>
+            <a:r>
+              <a:rPr lang="tr-TR" sz="2000" b="1" dirty="0">
+                <a:solidFill>
+                  <a:srgbClr val="F20000"/>
+                </a:solidFill>
+                <a:latin typeface="Times New Roman" panose="02020603050405020304" pitchFamily="18" charset="0"/>
+                <a:cs typeface="Times New Roman" panose="02020603050405020304" pitchFamily="18" charset="0"/>
+              </a:rPr>
+              <a:t> </a:t>
+            </a:r>
+            <a:r>
+              <a:rPr lang="tr-TR" sz="2000" b="1" dirty="0">
+                <a:latin typeface="Times New Roman" panose="02020603050405020304" pitchFamily="18" charset="0"/>
+                <a:cs typeface="Times New Roman" panose="02020603050405020304" pitchFamily="18" charset="0"/>
+              </a:rPr>
+              <a:t>IMMD </a:t>
+            </a:r>
+            <a:r>
+              <a:rPr lang="tr-TR" sz="2000" b="1" dirty="0" err="1">
+                <a:latin typeface="Times New Roman" panose="02020603050405020304" pitchFamily="18" charset="0"/>
+                <a:cs typeface="Times New Roman" panose="02020603050405020304" pitchFamily="18" charset="0"/>
+              </a:rPr>
+              <a:t>bla</a:t>
+            </a:r>
+            <a:r>
+              <a:rPr lang="tr-TR" sz="2000" b="1" dirty="0">
+                <a:latin typeface="Times New Roman" panose="02020603050405020304" pitchFamily="18" charset="0"/>
+                <a:cs typeface="Times New Roman" panose="02020603050405020304" pitchFamily="18" charset="0"/>
+              </a:rPr>
+              <a:t> </a:t>
+            </a:r>
+            <a:r>
+              <a:rPr lang="tr-TR" sz="2000" b="1" dirty="0" err="1">
+                <a:latin typeface="Times New Roman" panose="02020603050405020304" pitchFamily="18" charset="0"/>
+                <a:cs typeface="Times New Roman" panose="02020603050405020304" pitchFamily="18" charset="0"/>
+              </a:rPr>
+              <a:t>bla</a:t>
+            </a:r>
+            <a:endParaRPr lang="tr-TR" sz="2000" b="1" dirty="0">
+              <a:latin typeface="Times New Roman" panose="02020603050405020304" pitchFamily="18" charset="0"/>
+              <a:cs typeface="Times New Roman" panose="02020603050405020304" pitchFamily="18" charset="0"/>
+            </a:endParaRPr>
+          </a:p>
+          <a:p>
+            <a:pPr marL="342900" indent="-342900">
+              <a:lnSpc>
+                <a:spcPct val="150000"/>
+              </a:lnSpc>
+              <a:spcAft>
+                <a:spcPts val="600"/>
+              </a:spcAft>
+              <a:buFont typeface="Wingdings" panose="05000000000000000000" pitchFamily="2" charset="2"/>
+              <a:buChar char="q"/>
+            </a:pPr>
+            <a:r>
+              <a:rPr lang="tr-TR" sz="2000" b="1" dirty="0">
+                <a:solidFill>
+                  <a:srgbClr val="F20000"/>
+                </a:solidFill>
+                <a:latin typeface="Times New Roman" panose="02020603050405020304" pitchFamily="18" charset="0"/>
+                <a:cs typeface="Times New Roman" panose="02020603050405020304" pitchFamily="18" charset="0"/>
+              </a:rPr>
+              <a:t> </a:t>
+            </a:r>
+            <a:r>
+              <a:rPr lang="tr-TR" sz="2000" b="1" dirty="0">
+                <a:latin typeface="Times New Roman" panose="02020603050405020304" pitchFamily="18" charset="0"/>
+                <a:cs typeface="Times New Roman" panose="02020603050405020304" pitchFamily="18" charset="0"/>
+              </a:rPr>
+              <a:t>IMMD </a:t>
+            </a:r>
+            <a:r>
+              <a:rPr lang="tr-TR" sz="2000" b="1" dirty="0" err="1">
+                <a:latin typeface="Times New Roman" panose="02020603050405020304" pitchFamily="18" charset="0"/>
+                <a:cs typeface="Times New Roman" panose="02020603050405020304" pitchFamily="18" charset="0"/>
+              </a:rPr>
+              <a:t>bla</a:t>
+            </a:r>
+            <a:r>
+              <a:rPr lang="tr-TR" sz="2000" b="1" dirty="0">
+                <a:latin typeface="Times New Roman" panose="02020603050405020304" pitchFamily="18" charset="0"/>
+                <a:cs typeface="Times New Roman" panose="02020603050405020304" pitchFamily="18" charset="0"/>
+              </a:rPr>
+              <a:t> </a:t>
+            </a:r>
+            <a:r>
+              <a:rPr lang="tr-TR" sz="2000" b="1" dirty="0" err="1">
+                <a:latin typeface="Times New Roman" panose="02020603050405020304" pitchFamily="18" charset="0"/>
+                <a:cs typeface="Times New Roman" panose="02020603050405020304" pitchFamily="18" charset="0"/>
+              </a:rPr>
+              <a:t>bla</a:t>
+            </a:r>
+            <a:endParaRPr lang="tr-TR" sz="2000" b="1" dirty="0">
+              <a:latin typeface="Times New Roman" panose="02020603050405020304" pitchFamily="18" charset="0"/>
+              <a:cs typeface="Times New Roman" panose="02020603050405020304" pitchFamily="18" charset="0"/>
+            </a:endParaRPr>
+          </a:p>
+          <a:p>
+            <a:pPr marL="342900" indent="-342900" algn="l">
+              <a:spcAft>
+                <a:spcPts val="600"/>
+              </a:spcAft>
+              <a:buFont typeface="Wingdings" panose="05000000000000000000" pitchFamily="2" charset="2"/>
+              <a:buChar char="q"/>
+            </a:pPr>
+            <a:endParaRPr lang="tr-TR" sz="2000" b="1" dirty="0" smtClean="0">
+              <a:latin typeface="Times New Roman" panose="02020603050405020304" pitchFamily="18" charset="0"/>
+              <a:cs typeface="Times New Roman" panose="02020603050405020304" pitchFamily="18" charset="0"/>
+            </a:endParaRPr>
+          </a:p>
+        </p:txBody>
+      </p:sp>
+      <p:pic>
+        <p:nvPicPr>
+          <p:cNvPr id="13" name="Picture 12"/>
+          <p:cNvPicPr>
+            <a:picLocks noChangeAspect="1"/>
+          </p:cNvPicPr>
+          <p:nvPr/>
+        </p:nvPicPr>
+        <p:blipFill>
+          <a:blip r:embed="rId2" cstate="print">
+            <a:extLst>
+              <a:ext uri="{28A0092B-C50C-407E-A947-70E740481C1C}">
+                <a14:useLocalDpi xmlns:a14="http://schemas.microsoft.com/office/drawing/2010/main" val="0"/>
+              </a:ext>
+            </a:extLst>
+          </a:blip>
+          <a:stretch>
+            <a:fillRect/>
+          </a:stretch>
+        </p:blipFill>
+        <p:spPr>
+          <a:xfrm rot="16200000">
+            <a:off x="-876200" y="5067199"/>
+            <a:ext cx="2759076" cy="549476"/>
+          </a:xfrm>
+          <a:prstGeom prst="rect">
+            <a:avLst/>
+          </a:prstGeom>
+        </p:spPr>
+      </p:pic>
       <p:pic>
         <p:nvPicPr>
           <p:cNvPr id="14" name="Picture 2" descr="C:\Users\Mesut\Desktop\aselsan sunum\aselsan sunum 10 ekim\aselsan sunum\cezmi bey\ODTU.png"/>
@@ -7230,7 +8039,7 @@
           <p:nvPr/>
         </p:nvPicPr>
         <p:blipFill>
-          <a:blip r:embed="rId2" cstate="print">
+          <a:blip r:embed="rId3" cstate="print">
             <a:extLst>
               <a:ext uri="{28A0092B-C50C-407E-A947-70E740481C1C}">
                 <a14:useLocalDpi xmlns:a14="http://schemas.microsoft.com/office/drawing/2010/main" val="0"/>
@@ -7244,8 +8053,8 @@
         </p:blipFill>
         <p:spPr bwMode="auto">
           <a:xfrm>
-            <a:off x="163507" y="266700"/>
-            <a:ext cx="684927" cy="571500"/>
+            <a:off x="116458" y="163788"/>
+            <a:ext cx="779026" cy="650016"/>
           </a:xfrm>
           <a:prstGeom prst="rect">
             <a:avLst/>
@@ -7262,2422 +8071,10 @@
           </a:extLst>
         </p:spPr>
       </p:pic>
-      <p:sp>
-        <p:nvSpPr>
-          <p:cNvPr id="8" name="Text Box 9"/>
-          <p:cNvSpPr txBox="1">
-            <a:spLocks noChangeArrowheads="1"/>
-          </p:cNvSpPr>
-          <p:nvPr/>
-        </p:nvSpPr>
-        <p:spPr bwMode="auto">
-          <a:xfrm>
-            <a:off x="1264185" y="1152201"/>
-            <a:ext cx="5687708" cy="1554272"/>
-          </a:xfrm>
-          <a:prstGeom prst="rect">
-            <a:avLst/>
-          </a:prstGeom>
-          <a:noFill/>
-          <a:ln w="9525">
-            <a:noFill/>
-            <a:miter lim="800000"/>
-            <a:headEnd/>
-            <a:tailEnd/>
-          </a:ln>
-          <a:effectLst/>
-        </p:spPr>
-        <p:txBody>
-          <a:bodyPr wrap="square">
-            <a:spAutoFit/>
-          </a:bodyPr>
-          <a:lstStyle/>
-          <a:p>
-            <a:pPr algn="l">
-              <a:spcAft>
-                <a:spcPts val="600"/>
-              </a:spcAft>
-            </a:pPr>
-            <a:r>
-              <a:rPr lang="en-US" sz="2000" dirty="0" smtClean="0">
-                <a:latin typeface="Times New Roman" panose="02020603050405020304" pitchFamily="18" charset="0"/>
-                <a:cs typeface="Times New Roman" panose="02020603050405020304" pitchFamily="18" charset="0"/>
-              </a:rPr>
-              <a:t>Four three-phase inverter modules</a:t>
-            </a:r>
-            <a:endParaRPr lang="tr-TR" sz="2000" dirty="0" smtClean="0">
-              <a:latin typeface="Times New Roman" panose="02020603050405020304" pitchFamily="18" charset="0"/>
-              <a:cs typeface="Times New Roman" panose="02020603050405020304" pitchFamily="18" charset="0"/>
-            </a:endParaRPr>
-          </a:p>
-          <a:p>
-            <a:pPr algn="l">
-              <a:spcAft>
-                <a:spcPts val="600"/>
-              </a:spcAft>
-            </a:pPr>
-            <a:r>
-              <a:rPr lang="tr-TR" sz="2000" dirty="0" err="1" smtClean="0">
-                <a:latin typeface="Times New Roman" panose="02020603050405020304" pitchFamily="18" charset="0"/>
-                <a:cs typeface="Times New Roman" panose="02020603050405020304" pitchFamily="18" charset="0"/>
-              </a:rPr>
-              <a:t>Power</a:t>
-            </a:r>
-            <a:r>
-              <a:rPr lang="tr-TR" sz="2000" dirty="0" smtClean="0">
-                <a:latin typeface="Times New Roman" panose="02020603050405020304" pitchFamily="18" charset="0"/>
-                <a:cs typeface="Times New Roman" panose="02020603050405020304" pitchFamily="18" charset="0"/>
-              </a:rPr>
-              <a:t> stage with cascode GaN FETs</a:t>
-            </a:r>
-          </a:p>
-          <a:p>
-            <a:pPr algn="l">
-              <a:spcAft>
-                <a:spcPts val="600"/>
-              </a:spcAft>
-            </a:pPr>
-            <a:r>
-              <a:rPr lang="en-US" sz="2000" dirty="0">
-                <a:latin typeface="Times New Roman" panose="02020603050405020304" pitchFamily="18" charset="0"/>
-                <a:cs typeface="Times New Roman" panose="02020603050405020304" pitchFamily="18" charset="0"/>
-              </a:rPr>
-              <a:t>Permanent Magnet Brushless DC </a:t>
-            </a:r>
-            <a:r>
-              <a:rPr lang="en-US" sz="2000" dirty="0" smtClean="0">
-                <a:latin typeface="Times New Roman" panose="02020603050405020304" pitchFamily="18" charset="0"/>
-                <a:cs typeface="Times New Roman" panose="02020603050405020304" pitchFamily="18" charset="0"/>
-              </a:rPr>
-              <a:t>motor</a:t>
-            </a:r>
-          </a:p>
-          <a:p>
-            <a:pPr algn="l">
-              <a:spcAft>
-                <a:spcPts val="600"/>
-              </a:spcAft>
-            </a:pPr>
-            <a:r>
-              <a:rPr lang="en-US" sz="2000" dirty="0" smtClean="0">
-                <a:latin typeface="Times New Roman" panose="02020603050405020304" pitchFamily="18" charset="0"/>
-                <a:cs typeface="Times New Roman" panose="02020603050405020304" pitchFamily="18" charset="0"/>
-              </a:rPr>
-              <a:t>Fractional Slot Concentrated Winding</a:t>
-            </a:r>
-          </a:p>
-        </p:txBody>
-      </p:sp>
-      <p:pic>
-        <p:nvPicPr>
-          <p:cNvPr id="3" name="Picture 2"/>
-          <p:cNvPicPr>
-            <a:picLocks noChangeAspect="1"/>
-          </p:cNvPicPr>
-          <p:nvPr/>
-        </p:nvPicPr>
-        <p:blipFill>
-          <a:blip r:embed="rId3"/>
-          <a:stretch>
-            <a:fillRect/>
-          </a:stretch>
-        </p:blipFill>
-        <p:spPr>
-          <a:xfrm>
-            <a:off x="4752681" y="3772678"/>
-            <a:ext cx="2199212" cy="1723707"/>
-          </a:xfrm>
-          <a:prstGeom prst="rect">
-            <a:avLst/>
-          </a:prstGeom>
-        </p:spPr>
-      </p:pic>
-      <p:pic>
-        <p:nvPicPr>
-          <p:cNvPr id="4" name="Picture 3"/>
-          <p:cNvPicPr>
-            <a:picLocks noChangeAspect="1"/>
-          </p:cNvPicPr>
-          <p:nvPr/>
-        </p:nvPicPr>
-        <p:blipFill>
-          <a:blip r:embed="rId4"/>
-          <a:stretch>
-            <a:fillRect/>
-          </a:stretch>
-        </p:blipFill>
-        <p:spPr>
-          <a:xfrm>
-            <a:off x="7055338" y="3637966"/>
-            <a:ext cx="2067164" cy="1893027"/>
-          </a:xfrm>
-          <a:prstGeom prst="rect">
-            <a:avLst/>
-          </a:prstGeom>
-        </p:spPr>
-      </p:pic>
-      <p:pic>
-        <p:nvPicPr>
-          <p:cNvPr id="23" name="Picture 22"/>
-          <p:cNvPicPr>
-            <a:picLocks noChangeAspect="1"/>
-          </p:cNvPicPr>
-          <p:nvPr/>
-        </p:nvPicPr>
-        <p:blipFill>
-          <a:blip r:embed="rId5"/>
-          <a:stretch>
-            <a:fillRect/>
-          </a:stretch>
-        </p:blipFill>
-        <p:spPr>
-          <a:xfrm>
-            <a:off x="6619636" y="1182397"/>
-            <a:ext cx="2053280" cy="2033818"/>
-          </a:xfrm>
-          <a:prstGeom prst="rect">
-            <a:avLst/>
-          </a:prstGeom>
-        </p:spPr>
-      </p:pic>
-      <p:sp>
-        <p:nvSpPr>
-          <p:cNvPr id="16" name="Text Box 9"/>
-          <p:cNvSpPr txBox="1">
-            <a:spLocks noChangeArrowheads="1"/>
-          </p:cNvSpPr>
-          <p:nvPr/>
-        </p:nvSpPr>
-        <p:spPr bwMode="auto">
-          <a:xfrm>
-            <a:off x="1110941" y="4002976"/>
-            <a:ext cx="4740748" cy="1938992"/>
-          </a:xfrm>
-          <a:prstGeom prst="rect">
-            <a:avLst/>
-          </a:prstGeom>
-          <a:noFill/>
-          <a:ln w="9525">
-            <a:noFill/>
-            <a:miter lim="800000"/>
-            <a:headEnd/>
-            <a:tailEnd/>
-          </a:ln>
-          <a:effectLst/>
-        </p:spPr>
-        <p:txBody>
-          <a:bodyPr wrap="square">
-            <a:spAutoFit/>
-          </a:bodyPr>
-          <a:lstStyle/>
-          <a:p>
-            <a:pPr marL="457200" indent="-457200" algn="l">
-              <a:buFont typeface="Arial" panose="020B0604020202020204" pitchFamily="34" charset="0"/>
-              <a:buChar char="•"/>
-            </a:pPr>
-            <a:r>
-              <a:rPr lang="tr-TR" sz="2000" dirty="0" smtClean="0">
-                <a:latin typeface="Times New Roman" panose="02020603050405020304" pitchFamily="18" charset="0"/>
-                <a:cs typeface="Times New Roman" panose="02020603050405020304" pitchFamily="18" charset="0"/>
-              </a:rPr>
-              <a:t>Four</a:t>
-            </a:r>
-            <a:r>
-              <a:rPr lang="en-US" sz="2000" dirty="0" smtClean="0">
-                <a:latin typeface="Times New Roman" panose="02020603050405020304" pitchFamily="18" charset="0"/>
-                <a:cs typeface="Times New Roman" panose="02020603050405020304" pitchFamily="18" charset="0"/>
-              </a:rPr>
-              <a:t> three-phase modules</a:t>
-            </a:r>
-          </a:p>
-          <a:p>
-            <a:pPr marL="457200" indent="-457200" algn="l">
-              <a:buFont typeface="Arial" panose="020B0604020202020204" pitchFamily="34" charset="0"/>
-              <a:buChar char="•"/>
-            </a:pPr>
-            <a:r>
-              <a:rPr lang="tr-TR" sz="2000" dirty="0" smtClean="0">
-                <a:latin typeface="Times New Roman" panose="02020603050405020304" pitchFamily="18" charset="0"/>
-                <a:cs typeface="Times New Roman" panose="02020603050405020304" pitchFamily="18" charset="0"/>
-              </a:rPr>
-              <a:t>6 </a:t>
-            </a:r>
-            <a:r>
-              <a:rPr lang="en-US" sz="2000" dirty="0" smtClean="0">
-                <a:latin typeface="Times New Roman" panose="02020603050405020304" pitchFamily="18" charset="0"/>
-                <a:cs typeface="Times New Roman" panose="02020603050405020304" pitchFamily="18" charset="0"/>
-              </a:rPr>
-              <a:t>kW total output power</a:t>
-            </a:r>
-          </a:p>
-          <a:p>
-            <a:pPr marL="457200" indent="-457200" algn="l">
-              <a:buFont typeface="Arial" panose="020B0604020202020204" pitchFamily="34" charset="0"/>
-              <a:buChar char="•"/>
-            </a:pPr>
-            <a:r>
-              <a:rPr lang="en-US" sz="2000" dirty="0" smtClean="0">
-                <a:latin typeface="Times New Roman" panose="02020603050405020304" pitchFamily="18" charset="0"/>
-                <a:cs typeface="Times New Roman" panose="02020603050405020304" pitchFamily="18" charset="0"/>
-              </a:rPr>
-              <a:t>24 slot double layer stator</a:t>
-            </a:r>
-          </a:p>
-          <a:p>
-            <a:pPr marL="457200" indent="-457200" algn="l">
-              <a:buFont typeface="Arial" panose="020B0604020202020204" pitchFamily="34" charset="0"/>
-              <a:buChar char="•"/>
-            </a:pPr>
-            <a:r>
-              <a:rPr lang="en-US" sz="2000" dirty="0" smtClean="0">
-                <a:latin typeface="Times New Roman" panose="02020603050405020304" pitchFamily="18" charset="0"/>
-                <a:cs typeface="Times New Roman" panose="02020603050405020304" pitchFamily="18" charset="0"/>
-              </a:rPr>
-              <a:t>20 pole </a:t>
-            </a:r>
-            <a:r>
-              <a:rPr lang="tr-TR" sz="2000" dirty="0" smtClean="0">
-                <a:latin typeface="Times New Roman" panose="02020603050405020304" pitchFamily="18" charset="0"/>
-                <a:cs typeface="Times New Roman" panose="02020603050405020304" pitchFamily="18" charset="0"/>
-              </a:rPr>
-              <a:t>PM </a:t>
-            </a:r>
-            <a:r>
-              <a:rPr lang="en-US" sz="2000" dirty="0" smtClean="0">
-                <a:latin typeface="Times New Roman" panose="02020603050405020304" pitchFamily="18" charset="0"/>
-                <a:cs typeface="Times New Roman" panose="02020603050405020304" pitchFamily="18" charset="0"/>
-              </a:rPr>
-              <a:t>rotor</a:t>
-            </a:r>
-          </a:p>
-          <a:p>
-            <a:pPr marL="457200" indent="-457200" algn="l">
-              <a:buFont typeface="Arial" panose="020B0604020202020204" pitchFamily="34" charset="0"/>
-              <a:buChar char="•"/>
-            </a:pPr>
-            <a:r>
-              <a:rPr lang="en-US" sz="2000" dirty="0" smtClean="0">
-                <a:latin typeface="Times New Roman" panose="02020603050405020304" pitchFamily="18" charset="0"/>
-                <a:cs typeface="Times New Roman" panose="02020603050405020304" pitchFamily="18" charset="0"/>
-              </a:rPr>
-              <a:t>600V – 20A GaN FETs</a:t>
-            </a:r>
-          </a:p>
-          <a:p>
-            <a:pPr marL="457200" indent="-457200" algn="l">
-              <a:buFont typeface="Arial" panose="020B0604020202020204" pitchFamily="34" charset="0"/>
-              <a:buChar char="•"/>
-            </a:pPr>
-            <a:r>
-              <a:rPr lang="tr-TR" sz="2000" dirty="0" smtClean="0">
-                <a:latin typeface="Times New Roman" panose="02020603050405020304" pitchFamily="18" charset="0"/>
-                <a:cs typeface="Times New Roman" panose="02020603050405020304" pitchFamily="18" charset="0"/>
-              </a:rPr>
-              <a:t>Four</a:t>
-            </a:r>
-            <a:r>
-              <a:rPr lang="en-US" sz="2000" dirty="0" smtClean="0">
-                <a:latin typeface="Times New Roman" panose="02020603050405020304" pitchFamily="18" charset="0"/>
-                <a:cs typeface="Times New Roman" panose="02020603050405020304" pitchFamily="18" charset="0"/>
-              </a:rPr>
-              <a:t> 20</a:t>
-            </a:r>
-            <a:r>
-              <a:rPr lang="el-GR" sz="2000" dirty="0" smtClean="0">
-                <a:latin typeface="Times New Roman" panose="02020603050405020304" pitchFamily="18" charset="0"/>
-                <a:cs typeface="Times New Roman" panose="02020603050405020304" pitchFamily="18" charset="0"/>
-              </a:rPr>
-              <a:t>μ</a:t>
-            </a:r>
-            <a:r>
-              <a:rPr lang="en-US" sz="2000" dirty="0" smtClean="0">
-                <a:latin typeface="Times New Roman" panose="02020603050405020304" pitchFamily="18" charset="0"/>
-                <a:cs typeface="Times New Roman" panose="02020603050405020304" pitchFamily="18" charset="0"/>
-              </a:rPr>
-              <a:t>F, 450V capacitors</a:t>
-            </a:r>
-          </a:p>
-        </p:txBody>
-      </p:sp>
-      <p:sp>
-        <p:nvSpPr>
-          <p:cNvPr id="17" name="Text Box 9"/>
-          <p:cNvSpPr txBox="1">
-            <a:spLocks noChangeArrowheads="1"/>
-          </p:cNvSpPr>
-          <p:nvPr/>
-        </p:nvSpPr>
-        <p:spPr bwMode="auto">
-          <a:xfrm>
-            <a:off x="1124912" y="3582195"/>
-            <a:ext cx="6514138" cy="400110"/>
-          </a:xfrm>
-          <a:prstGeom prst="rect">
-            <a:avLst/>
-          </a:prstGeom>
-          <a:noFill/>
-          <a:ln w="9525">
-            <a:noFill/>
-            <a:miter lim="800000"/>
-            <a:headEnd/>
-            <a:tailEnd/>
-          </a:ln>
-          <a:effectLst/>
-        </p:spPr>
-        <p:txBody>
-          <a:bodyPr wrap="square">
-            <a:spAutoFit/>
-          </a:bodyPr>
-          <a:lstStyle/>
-          <a:p>
-            <a:r>
-              <a:rPr lang="en-US" sz="2000" b="1" dirty="0" smtClean="0">
-                <a:latin typeface="Times New Roman" panose="02020603050405020304" pitchFamily="18" charset="0"/>
-                <a:cs typeface="Times New Roman" panose="02020603050405020304" pitchFamily="18" charset="0"/>
-              </a:rPr>
-              <a:t>Specifications</a:t>
-            </a:r>
-            <a:endParaRPr lang="en-US" sz="2000" dirty="0" smtClean="0">
-              <a:latin typeface="Times New Roman" panose="02020603050405020304" pitchFamily="18" charset="0"/>
-              <a:cs typeface="Times New Roman" panose="02020603050405020304" pitchFamily="18" charset="0"/>
-            </a:endParaRPr>
-          </a:p>
-        </p:txBody>
-      </p:sp>
     </p:spTree>
     <p:extLst>
       <p:ext uri="{BB962C8B-B14F-4D97-AF65-F5344CB8AC3E}">
-        <p14:creationId xmlns:p14="http://schemas.microsoft.com/office/powerpoint/2010/main" val="2349354778"/>
-      </p:ext>
-    </p:extLst>
-  </p:cSld>
-  <p:clrMapOvr>
-    <a:masterClrMapping/>
-  </p:clrMapOvr>
-  <p:timing>
-    <p:tnLst>
-      <p:par>
-        <p:cTn id="1" dur="indefinite" restart="never" nodeType="tmRoot">
-          <p:childTnLst>
-            <p:seq concurrent="1" nextAc="seek">
-              <p:cTn id="2" dur="indefinite" nodeType="mainSeq">
-                <p:childTnLst>
-                  <p:par>
-                    <p:cTn id="3" fill="hold">
-                      <p:stCondLst>
-                        <p:cond delay="indefinite"/>
-                      </p:stCondLst>
-                      <p:childTnLst>
-                        <p:par>
-                          <p:cTn id="4" fill="hold">
-                            <p:stCondLst>
-                              <p:cond delay="0"/>
-                            </p:stCondLst>
-                            <p:childTnLst>
-                              <p:par>
-                                <p:cTn id="5" presetID="1" presetClass="entr" presetSubtype="0" fill="hold" nodeType="clickEffect">
-                                  <p:stCondLst>
-                                    <p:cond delay="0"/>
-                                  </p:stCondLst>
-                                  <p:childTnLst>
-                                    <p:set>
-                                      <p:cBhvr>
-                                        <p:cTn id="6" dur="1" fill="hold">
-                                          <p:stCondLst>
-                                            <p:cond delay="0"/>
-                                          </p:stCondLst>
-                                        </p:cTn>
-                                        <p:tgtEl>
-                                          <p:spTgt spid="8">
-                                            <p:txEl>
-                                              <p:pRg st="0" end="0"/>
-                                            </p:txEl>
-                                          </p:spTgt>
-                                        </p:tgtEl>
-                                        <p:attrNameLst>
-                                          <p:attrName>style.visibility</p:attrName>
-                                        </p:attrNameLst>
-                                      </p:cBhvr>
-                                      <p:to>
-                                        <p:strVal val="visible"/>
-                                      </p:to>
-                                    </p:set>
-                                  </p:childTnLst>
-                                </p:cTn>
-                              </p:par>
-                            </p:childTnLst>
-                          </p:cTn>
-                        </p:par>
-                      </p:childTnLst>
-                    </p:cTn>
-                  </p:par>
-                  <p:par>
-                    <p:cTn id="7" fill="hold">
-                      <p:stCondLst>
-                        <p:cond delay="indefinite"/>
-                      </p:stCondLst>
-                      <p:childTnLst>
-                        <p:par>
-                          <p:cTn id="8" fill="hold">
-                            <p:stCondLst>
-                              <p:cond delay="0"/>
-                            </p:stCondLst>
-                            <p:childTnLst>
-                              <p:par>
-                                <p:cTn id="9" presetID="10" presetClass="entr" presetSubtype="0" fill="hold" nodeType="clickEffect">
-                                  <p:stCondLst>
-                                    <p:cond delay="0"/>
-                                  </p:stCondLst>
-                                  <p:childTnLst>
-                                    <p:set>
-                                      <p:cBhvr>
-                                        <p:cTn id="10" dur="1" fill="hold">
-                                          <p:stCondLst>
-                                            <p:cond delay="0"/>
-                                          </p:stCondLst>
-                                        </p:cTn>
-                                        <p:tgtEl>
-                                          <p:spTgt spid="8">
-                                            <p:txEl>
-                                              <p:pRg st="1" end="1"/>
-                                            </p:txEl>
-                                          </p:spTgt>
-                                        </p:tgtEl>
-                                        <p:attrNameLst>
-                                          <p:attrName>style.visibility</p:attrName>
-                                        </p:attrNameLst>
-                                      </p:cBhvr>
-                                      <p:to>
-                                        <p:strVal val="visible"/>
-                                      </p:to>
-                                    </p:set>
-                                    <p:animEffect transition="in" filter="fade">
-                                      <p:cBhvr>
-                                        <p:cTn id="11" dur="500"/>
-                                        <p:tgtEl>
-                                          <p:spTgt spid="8">
-                                            <p:txEl>
-                                              <p:pRg st="1" end="1"/>
-                                            </p:txEl>
-                                          </p:spTgt>
-                                        </p:tgtEl>
-                                      </p:cBhvr>
-                                    </p:animEffect>
-                                  </p:childTnLst>
-                                </p:cTn>
-                              </p:par>
-                            </p:childTnLst>
-                          </p:cTn>
-                        </p:par>
-                      </p:childTnLst>
-                    </p:cTn>
-                  </p:par>
-                  <p:par>
-                    <p:cTn id="12" fill="hold">
-                      <p:stCondLst>
-                        <p:cond delay="indefinite"/>
-                      </p:stCondLst>
-                      <p:childTnLst>
-                        <p:par>
-                          <p:cTn id="13" fill="hold">
-                            <p:stCondLst>
-                              <p:cond delay="0"/>
-                            </p:stCondLst>
-                            <p:childTnLst>
-                              <p:par>
-                                <p:cTn id="14" presetID="10" presetClass="entr" presetSubtype="0" fill="hold" nodeType="clickEffect">
-                                  <p:stCondLst>
-                                    <p:cond delay="0"/>
-                                  </p:stCondLst>
-                                  <p:childTnLst>
-                                    <p:set>
-                                      <p:cBhvr>
-                                        <p:cTn id="15" dur="1" fill="hold">
-                                          <p:stCondLst>
-                                            <p:cond delay="0"/>
-                                          </p:stCondLst>
-                                        </p:cTn>
-                                        <p:tgtEl>
-                                          <p:spTgt spid="23"/>
-                                        </p:tgtEl>
-                                        <p:attrNameLst>
-                                          <p:attrName>style.visibility</p:attrName>
-                                        </p:attrNameLst>
-                                      </p:cBhvr>
-                                      <p:to>
-                                        <p:strVal val="visible"/>
-                                      </p:to>
-                                    </p:set>
-                                    <p:animEffect transition="in" filter="fade">
-                                      <p:cBhvr>
-                                        <p:cTn id="16" dur="500"/>
-                                        <p:tgtEl>
-                                          <p:spTgt spid="23"/>
-                                        </p:tgtEl>
-                                      </p:cBhvr>
-                                    </p:animEffect>
-                                  </p:childTnLst>
-                                </p:cTn>
-                              </p:par>
-                            </p:childTnLst>
-                          </p:cTn>
-                        </p:par>
-                      </p:childTnLst>
-                    </p:cTn>
-                  </p:par>
-                  <p:par>
-                    <p:cTn id="17" fill="hold">
-                      <p:stCondLst>
-                        <p:cond delay="indefinite"/>
-                      </p:stCondLst>
-                      <p:childTnLst>
-                        <p:par>
-                          <p:cTn id="18" fill="hold">
-                            <p:stCondLst>
-                              <p:cond delay="0"/>
-                            </p:stCondLst>
-                            <p:childTnLst>
-                              <p:par>
-                                <p:cTn id="19" presetID="10" presetClass="entr" presetSubtype="0" fill="hold" nodeType="clickEffect">
-                                  <p:stCondLst>
-                                    <p:cond delay="0"/>
-                                  </p:stCondLst>
-                                  <p:childTnLst>
-                                    <p:set>
-                                      <p:cBhvr>
-                                        <p:cTn id="20" dur="1" fill="hold">
-                                          <p:stCondLst>
-                                            <p:cond delay="0"/>
-                                          </p:stCondLst>
-                                        </p:cTn>
-                                        <p:tgtEl>
-                                          <p:spTgt spid="8">
-                                            <p:txEl>
-                                              <p:pRg st="2" end="2"/>
-                                            </p:txEl>
-                                          </p:spTgt>
-                                        </p:tgtEl>
-                                        <p:attrNameLst>
-                                          <p:attrName>style.visibility</p:attrName>
-                                        </p:attrNameLst>
-                                      </p:cBhvr>
-                                      <p:to>
-                                        <p:strVal val="visible"/>
-                                      </p:to>
-                                    </p:set>
-                                    <p:animEffect transition="in" filter="fade">
-                                      <p:cBhvr>
-                                        <p:cTn id="21" dur="500"/>
-                                        <p:tgtEl>
-                                          <p:spTgt spid="8">
-                                            <p:txEl>
-                                              <p:pRg st="2" end="2"/>
-                                            </p:txEl>
-                                          </p:spTgt>
-                                        </p:tgtEl>
-                                      </p:cBhvr>
-                                    </p:animEffect>
-                                  </p:childTnLst>
-                                </p:cTn>
-                              </p:par>
-                            </p:childTnLst>
-                          </p:cTn>
-                        </p:par>
-                      </p:childTnLst>
-                    </p:cTn>
-                  </p:par>
-                  <p:par>
-                    <p:cTn id="22" fill="hold">
-                      <p:stCondLst>
-                        <p:cond delay="indefinite"/>
-                      </p:stCondLst>
-                      <p:childTnLst>
-                        <p:par>
-                          <p:cTn id="23" fill="hold">
-                            <p:stCondLst>
-                              <p:cond delay="0"/>
-                            </p:stCondLst>
-                            <p:childTnLst>
-                              <p:par>
-                                <p:cTn id="24" presetID="10" presetClass="entr" presetSubtype="0" fill="hold" nodeType="clickEffect">
-                                  <p:stCondLst>
-                                    <p:cond delay="0"/>
-                                  </p:stCondLst>
-                                  <p:childTnLst>
-                                    <p:set>
-                                      <p:cBhvr>
-                                        <p:cTn id="25" dur="1" fill="hold">
-                                          <p:stCondLst>
-                                            <p:cond delay="0"/>
-                                          </p:stCondLst>
-                                        </p:cTn>
-                                        <p:tgtEl>
-                                          <p:spTgt spid="8">
-                                            <p:txEl>
-                                              <p:pRg st="3" end="3"/>
-                                            </p:txEl>
-                                          </p:spTgt>
-                                        </p:tgtEl>
-                                        <p:attrNameLst>
-                                          <p:attrName>style.visibility</p:attrName>
-                                        </p:attrNameLst>
-                                      </p:cBhvr>
-                                      <p:to>
-                                        <p:strVal val="visible"/>
-                                      </p:to>
-                                    </p:set>
-                                    <p:animEffect transition="in" filter="fade">
-                                      <p:cBhvr>
-                                        <p:cTn id="26" dur="500"/>
-                                        <p:tgtEl>
-                                          <p:spTgt spid="8">
-                                            <p:txEl>
-                                              <p:pRg st="3" end="3"/>
-                                            </p:txEl>
-                                          </p:spTgt>
-                                        </p:tgtEl>
-                                      </p:cBhvr>
-                                    </p:animEffect>
-                                  </p:childTnLst>
-                                </p:cTn>
-                              </p:par>
-                            </p:childTnLst>
-                          </p:cTn>
-                        </p:par>
-                      </p:childTnLst>
-                    </p:cTn>
-                  </p:par>
-                  <p:par>
-                    <p:cTn id="27" fill="hold">
-                      <p:stCondLst>
-                        <p:cond delay="indefinite"/>
-                      </p:stCondLst>
-                      <p:childTnLst>
-                        <p:par>
-                          <p:cTn id="28" fill="hold">
-                            <p:stCondLst>
-                              <p:cond delay="0"/>
-                            </p:stCondLst>
-                            <p:childTnLst>
-                              <p:par>
-                                <p:cTn id="29" presetID="10" presetClass="entr" presetSubtype="0" fill="hold" nodeType="clickEffect">
-                                  <p:stCondLst>
-                                    <p:cond delay="0"/>
-                                  </p:stCondLst>
-                                  <p:childTnLst>
-                                    <p:set>
-                                      <p:cBhvr>
-                                        <p:cTn id="30" dur="1" fill="hold">
-                                          <p:stCondLst>
-                                            <p:cond delay="0"/>
-                                          </p:stCondLst>
-                                        </p:cTn>
-                                        <p:tgtEl>
-                                          <p:spTgt spid="3"/>
-                                        </p:tgtEl>
-                                        <p:attrNameLst>
-                                          <p:attrName>style.visibility</p:attrName>
-                                        </p:attrNameLst>
-                                      </p:cBhvr>
-                                      <p:to>
-                                        <p:strVal val="visible"/>
-                                      </p:to>
-                                    </p:set>
-                                    <p:animEffect transition="in" filter="fade">
-                                      <p:cBhvr>
-                                        <p:cTn id="31" dur="500"/>
-                                        <p:tgtEl>
-                                          <p:spTgt spid="3"/>
-                                        </p:tgtEl>
-                                      </p:cBhvr>
-                                    </p:animEffect>
-                                  </p:childTnLst>
-                                </p:cTn>
-                              </p:par>
-                              <p:par>
-                                <p:cTn id="32" presetID="10" presetClass="entr" presetSubtype="0" fill="hold" nodeType="withEffect">
-                                  <p:stCondLst>
-                                    <p:cond delay="0"/>
-                                  </p:stCondLst>
-                                  <p:childTnLst>
-                                    <p:set>
-                                      <p:cBhvr>
-                                        <p:cTn id="33" dur="1" fill="hold">
-                                          <p:stCondLst>
-                                            <p:cond delay="0"/>
-                                          </p:stCondLst>
-                                        </p:cTn>
-                                        <p:tgtEl>
-                                          <p:spTgt spid="4"/>
-                                        </p:tgtEl>
-                                        <p:attrNameLst>
-                                          <p:attrName>style.visibility</p:attrName>
-                                        </p:attrNameLst>
-                                      </p:cBhvr>
-                                      <p:to>
-                                        <p:strVal val="visible"/>
-                                      </p:to>
-                                    </p:set>
-                                    <p:animEffect transition="in" filter="fade">
-                                      <p:cBhvr>
-                                        <p:cTn id="34" dur="500"/>
-                                        <p:tgtEl>
-                                          <p:spTgt spid="4"/>
-                                        </p:tgtEl>
-                                      </p:cBhvr>
-                                    </p:animEffect>
-                                  </p:childTnLst>
-                                </p:cTn>
-                              </p:par>
-                            </p:childTnLst>
-                          </p:cTn>
-                        </p:par>
-                      </p:childTnLst>
-                    </p:cTn>
-                  </p:par>
-                  <p:par>
-                    <p:cTn id="35" fill="hold">
-                      <p:stCondLst>
-                        <p:cond delay="indefinite"/>
-                      </p:stCondLst>
-                      <p:childTnLst>
-                        <p:par>
-                          <p:cTn id="36" fill="hold">
-                            <p:stCondLst>
-                              <p:cond delay="0"/>
-                            </p:stCondLst>
-                            <p:childTnLst>
-                              <p:par>
-                                <p:cTn id="37" presetID="1" presetClass="entr" presetSubtype="0" fill="hold" grpId="0" nodeType="clickEffect">
-                                  <p:stCondLst>
-                                    <p:cond delay="0"/>
-                                  </p:stCondLst>
-                                  <p:childTnLst>
-                                    <p:set>
-                                      <p:cBhvr>
-                                        <p:cTn id="38" dur="1" fill="hold">
-                                          <p:stCondLst>
-                                            <p:cond delay="0"/>
-                                          </p:stCondLst>
-                                        </p:cTn>
-                                        <p:tgtEl>
-                                          <p:spTgt spid="16"/>
-                                        </p:tgtEl>
-                                        <p:attrNameLst>
-                                          <p:attrName>style.visibility</p:attrName>
-                                        </p:attrNameLst>
-                                      </p:cBhvr>
-                                      <p:to>
-                                        <p:strVal val="visible"/>
-                                      </p:to>
-                                    </p:set>
-                                  </p:childTnLst>
-                                </p:cTn>
-                              </p:par>
-                              <p:par>
-                                <p:cTn id="39" presetID="1" presetClass="entr" presetSubtype="0" fill="hold" grpId="0" nodeType="withEffect">
-                                  <p:stCondLst>
-                                    <p:cond delay="0"/>
-                                  </p:stCondLst>
-                                  <p:childTnLst>
-                                    <p:set>
-                                      <p:cBhvr>
-                                        <p:cTn id="40" dur="1" fill="hold">
-                                          <p:stCondLst>
-                                            <p:cond delay="0"/>
-                                          </p:stCondLst>
-                                        </p:cTn>
-                                        <p:tgtEl>
-                                          <p:spTgt spid="17"/>
-                                        </p:tgtEl>
-                                        <p:attrNameLst>
-                                          <p:attrName>style.visibility</p:attrName>
-                                        </p:attrNameLst>
-                                      </p:cBhvr>
-                                      <p:to>
-                                        <p:strVal val="visible"/>
-                                      </p:to>
-                                    </p:set>
-                                  </p:childTnLst>
-                                </p:cTn>
-                              </p:par>
-                            </p:childTnLst>
-                          </p:cTn>
-                        </p:par>
-                      </p:childTnLst>
-                    </p:cTn>
-                  </p:par>
-                </p:childTnLst>
-              </p:cTn>
-              <p:prevCondLst>
-                <p:cond evt="onPrev" delay="0">
-                  <p:tgtEl>
-                    <p:sldTgt/>
-                  </p:tgtEl>
-                </p:cond>
-              </p:prevCondLst>
-              <p:nextCondLst>
-                <p:cond evt="onNext" delay="0">
-                  <p:tgtEl>
-                    <p:sldTgt/>
-                  </p:tgtEl>
-                </p:cond>
-              </p:nextCondLst>
-            </p:seq>
-          </p:childTnLst>
-        </p:cTn>
-      </p:par>
-    </p:tnLst>
-    <p:bldLst>
-      <p:bldP spid="16" grpId="0"/>
-      <p:bldP spid="17" grpId="0"/>
-    </p:bldLst>
-  </p:timing>
-</p:sld>
-</file>
-
-<file path=ppt/slides/slide16.xml><?xml version="1.0" encoding="utf-8"?>
-<p:sld xmlns:a="http://schemas.openxmlformats.org/drawingml/2006/main" xmlns:r="http://schemas.openxmlformats.org/officeDocument/2006/relationships" xmlns:p="http://schemas.openxmlformats.org/presentationml/2006/main">
-  <p:cSld>
-    <p:spTree>
-      <p:nvGrpSpPr>
-        <p:cNvPr id="1" name=""/>
-        <p:cNvGrpSpPr/>
-        <p:nvPr/>
-      </p:nvGrpSpPr>
-      <p:grpSpPr>
-        <a:xfrm>
-          <a:off x="0" y="0"/>
-          <a:ext cx="0" cy="0"/>
-          <a:chOff x="0" y="0"/>
-          <a:chExt cx="0" cy="0"/>
-        </a:xfrm>
-      </p:grpSpPr>
-      <p:sp>
-        <p:nvSpPr>
-          <p:cNvPr id="10" name="Rectangle 9"/>
-          <p:cNvSpPr/>
-          <p:nvPr/>
-        </p:nvSpPr>
-        <p:spPr>
-          <a:xfrm>
-            <a:off x="0" y="12106"/>
-            <a:ext cx="1011942" cy="6854083"/>
-          </a:xfrm>
-          <a:prstGeom prst="rect">
-            <a:avLst/>
-          </a:prstGeom>
-          <a:gradFill flip="none" rotWithShape="1">
-            <a:gsLst>
-              <a:gs pos="50000">
-                <a:srgbClr val="D00000"/>
-              </a:gs>
-              <a:gs pos="0">
-                <a:srgbClr val="FF0000">
-                  <a:shade val="30000"/>
-                  <a:satMod val="115000"/>
-                </a:srgbClr>
-              </a:gs>
-              <a:gs pos="100000">
-                <a:schemeClr val="accent2">
-                  <a:lumMod val="60000"/>
-                  <a:lumOff val="40000"/>
-                </a:schemeClr>
-              </a:gs>
-            </a:gsLst>
-            <a:lin ang="5400000" scaled="1"/>
-            <a:tileRect/>
-          </a:gradFill>
-          <a:ln>
-            <a:noFill/>
-          </a:ln>
-        </p:spPr>
-        <p:style>
-          <a:lnRef idx="2">
-            <a:schemeClr val="accent1">
-              <a:shade val="50000"/>
-            </a:schemeClr>
-          </a:lnRef>
-          <a:fillRef idx="1">
-            <a:schemeClr val="accent1"/>
-          </a:fillRef>
-          <a:effectRef idx="0">
-            <a:schemeClr val="accent1"/>
-          </a:effectRef>
-          <a:fontRef idx="minor">
-            <a:schemeClr val="lt1"/>
-          </a:fontRef>
-        </p:style>
-        <p:txBody>
-          <a:bodyPr rtlCol="0" anchor="ctr"/>
-          <a:lstStyle/>
-          <a:p>
-            <a:pPr algn="ctr"/>
-            <a:endParaRPr lang="tr-TR"/>
-          </a:p>
-        </p:txBody>
-      </p:sp>
-      <p:cxnSp>
-        <p:nvCxnSpPr>
-          <p:cNvPr id="11" name="Straight Connector 10"/>
-          <p:cNvCxnSpPr/>
-          <p:nvPr/>
-        </p:nvCxnSpPr>
-        <p:spPr>
-          <a:xfrm>
-            <a:off x="1189918" y="838200"/>
-            <a:ext cx="7649282" cy="0"/>
-          </a:xfrm>
-          <a:prstGeom prst="line">
-            <a:avLst/>
-          </a:prstGeom>
-          <a:ln w="50800">
-            <a:solidFill>
-              <a:srgbClr val="F20000"/>
-            </a:solidFill>
-          </a:ln>
-        </p:spPr>
-        <p:style>
-          <a:lnRef idx="1">
-            <a:schemeClr val="accent1"/>
-          </a:lnRef>
-          <a:fillRef idx="0">
-            <a:schemeClr val="accent1"/>
-          </a:fillRef>
-          <a:effectRef idx="0">
-            <a:schemeClr val="accent1"/>
-          </a:effectRef>
-          <a:fontRef idx="minor">
-            <a:schemeClr val="tx1"/>
-          </a:fontRef>
-        </p:style>
-      </p:cxnSp>
-      <p:sp>
-        <p:nvSpPr>
-          <p:cNvPr id="13" name="TextBox 12"/>
-          <p:cNvSpPr txBox="1"/>
-          <p:nvPr/>
-        </p:nvSpPr>
-        <p:spPr>
-          <a:xfrm>
-            <a:off x="1386291" y="224135"/>
-            <a:ext cx="7315200" cy="553998"/>
-          </a:xfrm>
-          <a:prstGeom prst="rect">
-            <a:avLst/>
-          </a:prstGeom>
-          <a:noFill/>
-        </p:spPr>
-        <p:txBody>
-          <a:bodyPr wrap="square" rtlCol="0">
-            <a:spAutoFit/>
-          </a:bodyPr>
-          <a:lstStyle/>
-          <a:p>
-            <a:pPr algn="ctr"/>
-            <a:r>
-              <a:rPr lang="en-US" sz="3000" dirty="0" smtClean="0">
-                <a:latin typeface="Times New Roman" panose="02020603050405020304" pitchFamily="18" charset="0"/>
-                <a:cs typeface="Times New Roman" panose="02020603050405020304" pitchFamily="18" charset="0"/>
-              </a:rPr>
-              <a:t>How efficient?</a:t>
-            </a:r>
-            <a:endParaRPr lang="en-US" sz="3000" dirty="0">
-              <a:latin typeface="Times New Roman" panose="02020603050405020304" pitchFamily="18" charset="0"/>
-              <a:cs typeface="Times New Roman" panose="02020603050405020304" pitchFamily="18" charset="0"/>
-            </a:endParaRPr>
-          </a:p>
-        </p:txBody>
-      </p:sp>
-      <p:cxnSp>
-        <p:nvCxnSpPr>
-          <p:cNvPr id="15" name="Straight Connector 14"/>
-          <p:cNvCxnSpPr/>
-          <p:nvPr/>
-        </p:nvCxnSpPr>
-        <p:spPr>
-          <a:xfrm>
-            <a:off x="1189918" y="914400"/>
-            <a:ext cx="7649282" cy="0"/>
-          </a:xfrm>
-          <a:prstGeom prst="line">
-            <a:avLst/>
-          </a:prstGeom>
-          <a:ln w="19050">
-            <a:solidFill>
-              <a:srgbClr val="F20000"/>
-            </a:solidFill>
-          </a:ln>
-        </p:spPr>
-        <p:style>
-          <a:lnRef idx="1">
-            <a:schemeClr val="accent1"/>
-          </a:lnRef>
-          <a:fillRef idx="0">
-            <a:schemeClr val="accent1"/>
-          </a:fillRef>
-          <a:effectRef idx="0">
-            <a:schemeClr val="accent1"/>
-          </a:effectRef>
-          <a:fontRef idx="minor">
-            <a:schemeClr val="tx1"/>
-          </a:fontRef>
-        </p:style>
-      </p:cxnSp>
-      <p:sp>
-        <p:nvSpPr>
-          <p:cNvPr id="2" name="Slide Number Placeholder 1"/>
-          <p:cNvSpPr>
-            <a:spLocks noGrp="1"/>
-          </p:cNvSpPr>
-          <p:nvPr>
-            <p:ph type="sldNum" sz="quarter" idx="12"/>
-          </p:nvPr>
-        </p:nvSpPr>
-        <p:spPr/>
-        <p:txBody>
-          <a:bodyPr/>
-          <a:lstStyle/>
-          <a:p>
-            <a:fld id="{B6F15528-21DE-4FAA-801E-634DDDAF4B2B}" type="slidenum">
-              <a:rPr lang="en-US" smtClean="0"/>
-              <a:pPr/>
-              <a:t>16</a:t>
-            </a:fld>
-            <a:endParaRPr lang="en-US" dirty="0"/>
-          </a:p>
-        </p:txBody>
-      </p:sp>
-      <p:pic>
-        <p:nvPicPr>
-          <p:cNvPr id="14" name="Picture 2" descr="C:\Users\Mesut\Desktop\aselsan sunum\aselsan sunum 10 ekim\aselsan sunum\cezmi bey\ODTU.png"/>
-          <p:cNvPicPr>
-            <a:picLocks noChangeAspect="1" noChangeArrowheads="1"/>
-          </p:cNvPicPr>
-          <p:nvPr/>
-        </p:nvPicPr>
-        <p:blipFill>
-          <a:blip r:embed="rId2" cstate="print">
-            <a:extLst>
-              <a:ext uri="{28A0092B-C50C-407E-A947-70E740481C1C}">
-                <a14:useLocalDpi xmlns:a14="http://schemas.microsoft.com/office/drawing/2010/main" val="0"/>
-              </a:ext>
-            </a:extLst>
-          </a:blip>
-          <a:srcRect/>
-          <a:stretch>
-            <a:fillRect/>
-          </a:stretch>
-        </p:blipFill>
-        <p:spPr bwMode="auto">
-          <a:xfrm>
-            <a:off x="163507" y="266700"/>
-            <a:ext cx="684927" cy="571500"/>
-          </a:xfrm>
-          <a:prstGeom prst="rect">
-            <a:avLst/>
-          </a:prstGeom>
-          <a:noFill/>
-          <a:extLst>
-            <a:ext uri="{909E8E84-426E-40DD-AFC4-6F175D3DCCD1}">
-              <a14:hiddenFill xmlns:a14="http://schemas.microsoft.com/office/drawing/2010/main">
-                <a:solidFill>
-                  <a:srgbClr val="FFFFFF"/>
-                </a:solidFill>
-              </a14:hiddenFill>
-            </a:ext>
-          </a:extLst>
-        </p:spPr>
-      </p:pic>
-      <p:sp>
-        <p:nvSpPr>
-          <p:cNvPr id="9" name="Text Box 9"/>
-          <p:cNvSpPr txBox="1">
-            <a:spLocks noChangeArrowheads="1"/>
-          </p:cNvSpPr>
-          <p:nvPr/>
-        </p:nvSpPr>
-        <p:spPr bwMode="auto">
-          <a:xfrm>
-            <a:off x="1348190" y="952500"/>
-            <a:ext cx="7491009" cy="461665"/>
-          </a:xfrm>
-          <a:prstGeom prst="rect">
-            <a:avLst/>
-          </a:prstGeom>
-          <a:noFill/>
-          <a:ln w="9525">
-            <a:noFill/>
-            <a:miter lim="800000"/>
-            <a:headEnd/>
-            <a:tailEnd/>
-          </a:ln>
-          <a:effectLst/>
-        </p:spPr>
-        <p:txBody>
-          <a:bodyPr wrap="square">
-            <a:spAutoFit/>
-          </a:bodyPr>
-          <a:lstStyle/>
-          <a:p>
-            <a:pPr algn="ctr"/>
-            <a:r>
-              <a:rPr lang="en-US" sz="2400" dirty="0" smtClean="0">
-                <a:latin typeface="Times New Roman" panose="02020603050405020304" pitchFamily="18" charset="0"/>
-                <a:cs typeface="Times New Roman" panose="02020603050405020304" pitchFamily="18" charset="0"/>
-              </a:rPr>
-              <a:t>Loss Characterization</a:t>
-            </a:r>
-          </a:p>
-        </p:txBody>
-      </p:sp>
-      <p:sp>
-        <p:nvSpPr>
-          <p:cNvPr id="16" name="Text Box 9"/>
-          <p:cNvSpPr txBox="1">
-            <a:spLocks noChangeArrowheads="1"/>
-          </p:cNvSpPr>
-          <p:nvPr/>
-        </p:nvSpPr>
-        <p:spPr bwMode="auto">
-          <a:xfrm>
-            <a:off x="1218493" y="5454218"/>
-            <a:ext cx="4791782" cy="400110"/>
-          </a:xfrm>
-          <a:prstGeom prst="rect">
-            <a:avLst/>
-          </a:prstGeom>
-          <a:noFill/>
-          <a:ln w="9525">
-            <a:noFill/>
-            <a:miter lim="800000"/>
-            <a:headEnd/>
-            <a:tailEnd/>
-          </a:ln>
-          <a:effectLst/>
-        </p:spPr>
-        <p:txBody>
-          <a:bodyPr wrap="square">
-            <a:spAutoFit/>
-          </a:bodyPr>
-          <a:lstStyle/>
-          <a:p>
-            <a:r>
-              <a:rPr lang="tr-TR" sz="2000" b="1" dirty="0" smtClean="0">
-                <a:latin typeface="Times New Roman" panose="02020603050405020304" pitchFamily="18" charset="0"/>
-                <a:cs typeface="Times New Roman" panose="02020603050405020304" pitchFamily="18" charset="0"/>
-              </a:rPr>
-              <a:t>IGBT: </a:t>
-            </a:r>
-            <a:r>
-              <a:rPr lang="en-US" sz="2000" dirty="0" smtClean="0">
-                <a:latin typeface="Times New Roman" panose="02020603050405020304" pitchFamily="18" charset="0"/>
-                <a:cs typeface="Times New Roman" panose="02020603050405020304" pitchFamily="18" charset="0"/>
-              </a:rPr>
-              <a:t>SKB15N60HS</a:t>
-            </a:r>
-            <a:r>
-              <a:rPr lang="tr-TR" sz="2000" dirty="0" smtClean="0">
-                <a:latin typeface="Times New Roman" panose="02020603050405020304" pitchFamily="18" charset="0"/>
-                <a:cs typeface="Times New Roman" panose="02020603050405020304" pitchFamily="18" charset="0"/>
-              </a:rPr>
-              <a:t>, 600V, 27A</a:t>
-            </a:r>
-          </a:p>
-        </p:txBody>
-      </p:sp>
-      <p:sp>
-        <p:nvSpPr>
-          <p:cNvPr id="17" name="Text Box 9"/>
-          <p:cNvSpPr txBox="1">
-            <a:spLocks noChangeArrowheads="1"/>
-          </p:cNvSpPr>
-          <p:nvPr/>
-        </p:nvSpPr>
-        <p:spPr bwMode="auto">
-          <a:xfrm>
-            <a:off x="1218493" y="2533159"/>
-            <a:ext cx="1829507" cy="830997"/>
-          </a:xfrm>
-          <a:prstGeom prst="rect">
-            <a:avLst/>
-          </a:prstGeom>
-          <a:noFill/>
-          <a:ln w="9525">
-            <a:noFill/>
-            <a:miter lim="800000"/>
-            <a:headEnd/>
-            <a:tailEnd/>
-          </a:ln>
-          <a:effectLst/>
-        </p:spPr>
-        <p:txBody>
-          <a:bodyPr wrap="square">
-            <a:spAutoFit/>
-          </a:bodyPr>
-          <a:lstStyle/>
-          <a:p>
-            <a:r>
-              <a:rPr lang="tr-TR" sz="2400" dirty="0" smtClean="0">
-                <a:latin typeface="Times New Roman" panose="02020603050405020304" pitchFamily="18" charset="0"/>
-                <a:cs typeface="Times New Roman" panose="02020603050405020304" pitchFamily="18" charset="0"/>
-              </a:rPr>
-              <a:t>4 </a:t>
-            </a:r>
-            <a:r>
-              <a:rPr lang="tr-TR" sz="2400" dirty="0" err="1" smtClean="0">
-                <a:latin typeface="Times New Roman" panose="02020603050405020304" pitchFamily="18" charset="0"/>
-                <a:cs typeface="Times New Roman" panose="02020603050405020304" pitchFamily="18" charset="0"/>
-              </a:rPr>
-              <a:t>modules</a:t>
-            </a:r>
-            <a:endParaRPr lang="tr-TR" sz="2400" dirty="0" smtClean="0">
-              <a:latin typeface="Times New Roman" panose="02020603050405020304" pitchFamily="18" charset="0"/>
-              <a:cs typeface="Times New Roman" panose="02020603050405020304" pitchFamily="18" charset="0"/>
-            </a:endParaRPr>
-          </a:p>
-          <a:p>
-            <a:r>
-              <a:rPr lang="tr-TR" sz="2400" dirty="0" err="1" smtClean="0">
-                <a:latin typeface="Times New Roman" panose="02020603050405020304" pitchFamily="18" charset="0"/>
-                <a:cs typeface="Times New Roman" panose="02020603050405020304" pitchFamily="18" charset="0"/>
-              </a:rPr>
-              <a:t>P</a:t>
-            </a:r>
-            <a:r>
-              <a:rPr lang="tr-TR" sz="2400" baseline="-25000" dirty="0" err="1" smtClean="0">
-                <a:latin typeface="Times New Roman" panose="02020603050405020304" pitchFamily="18" charset="0"/>
-                <a:cs typeface="Times New Roman" panose="02020603050405020304" pitchFamily="18" charset="0"/>
-              </a:rPr>
-              <a:t>out</a:t>
-            </a:r>
-            <a:r>
-              <a:rPr lang="tr-TR" sz="2400" dirty="0" smtClean="0">
-                <a:latin typeface="Times New Roman" panose="02020603050405020304" pitchFamily="18" charset="0"/>
-                <a:cs typeface="Times New Roman" panose="02020603050405020304" pitchFamily="18" charset="0"/>
-              </a:rPr>
-              <a:t> =  6 kW </a:t>
-            </a:r>
-          </a:p>
-        </p:txBody>
-      </p:sp>
-      <p:pic>
-        <p:nvPicPr>
-          <p:cNvPr id="4" name="Picture 3"/>
-          <p:cNvPicPr>
-            <a:picLocks noChangeAspect="1"/>
-          </p:cNvPicPr>
-          <p:nvPr/>
-        </p:nvPicPr>
-        <p:blipFill rotWithShape="1">
-          <a:blip r:embed="rId3"/>
-          <a:srcRect t="26085"/>
-          <a:stretch/>
-        </p:blipFill>
-        <p:spPr>
-          <a:xfrm>
-            <a:off x="7086599" y="5871767"/>
-            <a:ext cx="636336" cy="724668"/>
-          </a:xfrm>
-          <a:prstGeom prst="rect">
-            <a:avLst/>
-          </a:prstGeom>
-        </p:spPr>
-      </p:pic>
-      <p:pic>
-        <p:nvPicPr>
-          <p:cNvPr id="5" name="Picture 4"/>
-          <p:cNvPicPr>
-            <a:picLocks noChangeAspect="1"/>
-          </p:cNvPicPr>
-          <p:nvPr/>
-        </p:nvPicPr>
-        <p:blipFill rotWithShape="1">
-          <a:blip r:embed="rId4"/>
-          <a:srcRect l="26766" b="48048"/>
-          <a:stretch/>
-        </p:blipFill>
-        <p:spPr>
-          <a:xfrm>
-            <a:off x="2060750" y="5887959"/>
-            <a:ext cx="702154" cy="705867"/>
-          </a:xfrm>
-          <a:prstGeom prst="rect">
-            <a:avLst/>
-          </a:prstGeom>
-        </p:spPr>
-      </p:pic>
-      <p:pic>
-        <p:nvPicPr>
-          <p:cNvPr id="6" name="Picture 5"/>
-          <p:cNvPicPr>
-            <a:picLocks noChangeAspect="1"/>
-          </p:cNvPicPr>
-          <p:nvPr/>
-        </p:nvPicPr>
-        <p:blipFill>
-          <a:blip r:embed="rId5"/>
-          <a:stretch>
-            <a:fillRect/>
-          </a:stretch>
-        </p:blipFill>
-        <p:spPr>
-          <a:xfrm>
-            <a:off x="6122734" y="5916534"/>
-            <a:ext cx="621800" cy="666707"/>
-          </a:xfrm>
-          <a:prstGeom prst="rect">
-            <a:avLst/>
-          </a:prstGeom>
-        </p:spPr>
-      </p:pic>
-      <p:sp>
-        <p:nvSpPr>
-          <p:cNvPr id="21" name="Text Box 9"/>
-          <p:cNvSpPr txBox="1">
-            <a:spLocks noChangeArrowheads="1"/>
-          </p:cNvSpPr>
-          <p:nvPr/>
-        </p:nvSpPr>
-        <p:spPr bwMode="auto">
-          <a:xfrm>
-            <a:off x="5333999" y="5451901"/>
-            <a:ext cx="3505200" cy="400110"/>
-          </a:xfrm>
-          <a:prstGeom prst="rect">
-            <a:avLst/>
-          </a:prstGeom>
-          <a:noFill/>
-          <a:ln w="9525">
-            <a:noFill/>
-            <a:miter lim="800000"/>
-            <a:headEnd/>
-            <a:tailEnd/>
-          </a:ln>
-          <a:effectLst/>
-        </p:spPr>
-        <p:txBody>
-          <a:bodyPr wrap="square">
-            <a:spAutoFit/>
-          </a:bodyPr>
-          <a:lstStyle/>
-          <a:p>
-            <a:r>
-              <a:rPr lang="tr-TR" sz="2000" b="1" dirty="0" smtClean="0">
-                <a:latin typeface="Times New Roman" panose="02020603050405020304" pitchFamily="18" charset="0"/>
-                <a:cs typeface="Times New Roman" panose="02020603050405020304" pitchFamily="18" charset="0"/>
-              </a:rPr>
-              <a:t>GaN: </a:t>
-            </a:r>
-            <a:r>
-              <a:rPr lang="en-US" sz="2000" dirty="0" smtClean="0">
-                <a:latin typeface="Times New Roman" panose="02020603050405020304" pitchFamily="18" charset="0"/>
-                <a:cs typeface="Times New Roman" panose="02020603050405020304" pitchFamily="18" charset="0"/>
-              </a:rPr>
-              <a:t>TPH3212PS</a:t>
-            </a:r>
-            <a:r>
-              <a:rPr lang="tr-TR" sz="2000" dirty="0" smtClean="0">
-                <a:latin typeface="Times New Roman" panose="02020603050405020304" pitchFamily="18" charset="0"/>
-                <a:cs typeface="Times New Roman" panose="02020603050405020304" pitchFamily="18" charset="0"/>
-              </a:rPr>
-              <a:t>, 650V, 26A</a:t>
-            </a:r>
-          </a:p>
-        </p:txBody>
-      </p:sp>
-      <p:sp>
-        <p:nvSpPr>
-          <p:cNvPr id="7" name="Rectangle 6"/>
-          <p:cNvSpPr/>
-          <p:nvPr/>
-        </p:nvSpPr>
-        <p:spPr>
-          <a:xfrm>
-            <a:off x="1120316" y="6613753"/>
-            <a:ext cx="6716966" cy="246221"/>
-          </a:xfrm>
-          <a:prstGeom prst="rect">
-            <a:avLst/>
-          </a:prstGeom>
-        </p:spPr>
-        <p:txBody>
-          <a:bodyPr wrap="square">
-            <a:spAutoFit/>
-          </a:bodyPr>
-          <a:lstStyle/>
-          <a:p>
-            <a:r>
-              <a:rPr lang="en-US" sz="1000" dirty="0"/>
-              <a:t>http://www.transphormusa.com/product/tph3212ps/http://www.transphormusa.com/product/tph3212ps</a:t>
-            </a:r>
-            <a:r>
-              <a:rPr lang="en-US" sz="1000" dirty="0" smtClean="0"/>
-              <a:t>/</a:t>
-            </a:r>
-            <a:endParaRPr lang="en-US" sz="1000" dirty="0"/>
-          </a:p>
-        </p:txBody>
-      </p:sp>
-      <p:pic>
-        <p:nvPicPr>
-          <p:cNvPr id="22" name="Picture 21"/>
-          <p:cNvPicPr>
-            <a:picLocks noChangeAspect="1"/>
-          </p:cNvPicPr>
-          <p:nvPr/>
-        </p:nvPicPr>
-        <p:blipFill rotWithShape="1">
-          <a:blip r:embed="rId4"/>
-          <a:srcRect l="10871" t="57560" r="9653" b="8790"/>
-          <a:stretch/>
-        </p:blipFill>
-        <p:spPr>
-          <a:xfrm>
-            <a:off x="3134872" y="5919293"/>
-            <a:ext cx="929510" cy="557707"/>
-          </a:xfrm>
-          <a:prstGeom prst="rect">
-            <a:avLst/>
-          </a:prstGeom>
-        </p:spPr>
-      </p:pic>
-      <p:pic>
-        <p:nvPicPr>
-          <p:cNvPr id="23" name="Picture 22"/>
-          <p:cNvPicPr>
-            <a:picLocks noChangeAspect="1"/>
-          </p:cNvPicPr>
-          <p:nvPr/>
-        </p:nvPicPr>
-        <p:blipFill>
-          <a:blip r:embed="rId6"/>
-          <a:stretch>
-            <a:fillRect/>
-          </a:stretch>
-        </p:blipFill>
-        <p:spPr>
-          <a:xfrm>
-            <a:off x="3642959" y="1478688"/>
-            <a:ext cx="4988645" cy="3695700"/>
-          </a:xfrm>
-          <a:prstGeom prst="rect">
-            <a:avLst/>
-          </a:prstGeom>
-        </p:spPr>
-      </p:pic>
-    </p:spTree>
-    <p:extLst>
-      <p:ext uri="{BB962C8B-B14F-4D97-AF65-F5344CB8AC3E}">
-        <p14:creationId xmlns:p14="http://schemas.microsoft.com/office/powerpoint/2010/main" val="471846561"/>
-      </p:ext>
-    </p:extLst>
-  </p:cSld>
-  <p:clrMapOvr>
-    <a:masterClrMapping/>
-  </p:clrMapOvr>
-  <p:timing>
-    <p:tnLst>
-      <p:par>
-        <p:cTn id="1" dur="indefinite" restart="never" nodeType="tmRoot">
-          <p:childTnLst>
-            <p:seq concurrent="1" nextAc="seek">
-              <p:cTn id="2" dur="indefinite" nodeType="mainSeq">
-                <p:childTnLst>
-                  <p:par>
-                    <p:cTn id="3" fill="hold">
-                      <p:stCondLst>
-                        <p:cond delay="indefinite"/>
-                      </p:stCondLst>
-                      <p:childTnLst>
-                        <p:par>
-                          <p:cTn id="4" fill="hold">
-                            <p:stCondLst>
-                              <p:cond delay="0"/>
-                            </p:stCondLst>
-                            <p:childTnLst>
-                              <p:par>
-                                <p:cTn id="5" presetID="1" presetClass="entr" presetSubtype="0" fill="hold" grpId="0" nodeType="clickEffect">
-                                  <p:stCondLst>
-                                    <p:cond delay="0"/>
-                                  </p:stCondLst>
-                                  <p:childTnLst>
-                                    <p:set>
-                                      <p:cBhvr>
-                                        <p:cTn id="6" dur="1" fill="hold">
-                                          <p:stCondLst>
-                                            <p:cond delay="0"/>
-                                          </p:stCondLst>
-                                        </p:cTn>
-                                        <p:tgtEl>
-                                          <p:spTgt spid="9"/>
-                                        </p:tgtEl>
-                                        <p:attrNameLst>
-                                          <p:attrName>style.visibility</p:attrName>
-                                        </p:attrNameLst>
-                                      </p:cBhvr>
-                                      <p:to>
-                                        <p:strVal val="visible"/>
-                                      </p:to>
-                                    </p:set>
-                                  </p:childTnLst>
-                                </p:cTn>
-                              </p:par>
-                              <p:par>
-                                <p:cTn id="7" presetID="1" presetClass="entr" presetSubtype="0" fill="hold" grpId="0" nodeType="withEffect">
-                                  <p:stCondLst>
-                                    <p:cond delay="0"/>
-                                  </p:stCondLst>
-                                  <p:childTnLst>
-                                    <p:set>
-                                      <p:cBhvr>
-                                        <p:cTn id="8" dur="1" fill="hold">
-                                          <p:stCondLst>
-                                            <p:cond delay="0"/>
-                                          </p:stCondLst>
-                                        </p:cTn>
-                                        <p:tgtEl>
-                                          <p:spTgt spid="17"/>
-                                        </p:tgtEl>
-                                        <p:attrNameLst>
-                                          <p:attrName>style.visibility</p:attrName>
-                                        </p:attrNameLst>
-                                      </p:cBhvr>
-                                      <p:to>
-                                        <p:strVal val="visible"/>
-                                      </p:to>
-                                    </p:set>
-                                  </p:childTnLst>
-                                </p:cTn>
-                              </p:par>
-                            </p:childTnLst>
-                          </p:cTn>
-                        </p:par>
-                      </p:childTnLst>
-                    </p:cTn>
-                  </p:par>
-                  <p:par>
-                    <p:cTn id="9" fill="hold">
-                      <p:stCondLst>
-                        <p:cond delay="indefinite"/>
-                      </p:stCondLst>
-                      <p:childTnLst>
-                        <p:par>
-                          <p:cTn id="10" fill="hold">
-                            <p:stCondLst>
-                              <p:cond delay="0"/>
-                            </p:stCondLst>
-                            <p:childTnLst>
-                              <p:par>
-                                <p:cTn id="11" presetID="10" presetClass="entr" presetSubtype="0" fill="hold" grpId="0" nodeType="clickEffect">
-                                  <p:stCondLst>
-                                    <p:cond delay="0"/>
-                                  </p:stCondLst>
-                                  <p:childTnLst>
-                                    <p:set>
-                                      <p:cBhvr>
-                                        <p:cTn id="12" dur="1" fill="hold">
-                                          <p:stCondLst>
-                                            <p:cond delay="0"/>
-                                          </p:stCondLst>
-                                        </p:cTn>
-                                        <p:tgtEl>
-                                          <p:spTgt spid="21"/>
-                                        </p:tgtEl>
-                                        <p:attrNameLst>
-                                          <p:attrName>style.visibility</p:attrName>
-                                        </p:attrNameLst>
-                                      </p:cBhvr>
-                                      <p:to>
-                                        <p:strVal val="visible"/>
-                                      </p:to>
-                                    </p:set>
-                                    <p:animEffect transition="in" filter="fade">
-                                      <p:cBhvr>
-                                        <p:cTn id="13" dur="500"/>
-                                        <p:tgtEl>
-                                          <p:spTgt spid="21"/>
-                                        </p:tgtEl>
-                                      </p:cBhvr>
-                                    </p:animEffect>
-                                  </p:childTnLst>
-                                </p:cTn>
-                              </p:par>
-                              <p:par>
-                                <p:cTn id="14" presetID="10" presetClass="entr" presetSubtype="0" fill="hold" grpId="0" nodeType="withEffect">
-                                  <p:stCondLst>
-                                    <p:cond delay="0"/>
-                                  </p:stCondLst>
-                                  <p:childTnLst>
-                                    <p:set>
-                                      <p:cBhvr>
-                                        <p:cTn id="15" dur="1" fill="hold">
-                                          <p:stCondLst>
-                                            <p:cond delay="0"/>
-                                          </p:stCondLst>
-                                        </p:cTn>
-                                        <p:tgtEl>
-                                          <p:spTgt spid="16"/>
-                                        </p:tgtEl>
-                                        <p:attrNameLst>
-                                          <p:attrName>style.visibility</p:attrName>
-                                        </p:attrNameLst>
-                                      </p:cBhvr>
-                                      <p:to>
-                                        <p:strVal val="visible"/>
-                                      </p:to>
-                                    </p:set>
-                                    <p:animEffect transition="in" filter="fade">
-                                      <p:cBhvr>
-                                        <p:cTn id="16" dur="500"/>
-                                        <p:tgtEl>
-                                          <p:spTgt spid="16"/>
-                                        </p:tgtEl>
-                                      </p:cBhvr>
-                                    </p:animEffect>
-                                  </p:childTnLst>
-                                </p:cTn>
-                              </p:par>
-                              <p:par>
-                                <p:cTn id="17" presetID="10" presetClass="entr" presetSubtype="0" fill="hold" nodeType="withEffect">
-                                  <p:stCondLst>
-                                    <p:cond delay="0"/>
-                                  </p:stCondLst>
-                                  <p:childTnLst>
-                                    <p:set>
-                                      <p:cBhvr>
-                                        <p:cTn id="18" dur="1" fill="hold">
-                                          <p:stCondLst>
-                                            <p:cond delay="0"/>
-                                          </p:stCondLst>
-                                        </p:cTn>
-                                        <p:tgtEl>
-                                          <p:spTgt spid="5"/>
-                                        </p:tgtEl>
-                                        <p:attrNameLst>
-                                          <p:attrName>style.visibility</p:attrName>
-                                        </p:attrNameLst>
-                                      </p:cBhvr>
-                                      <p:to>
-                                        <p:strVal val="visible"/>
-                                      </p:to>
-                                    </p:set>
-                                    <p:animEffect transition="in" filter="fade">
-                                      <p:cBhvr>
-                                        <p:cTn id="19" dur="500"/>
-                                        <p:tgtEl>
-                                          <p:spTgt spid="5"/>
-                                        </p:tgtEl>
-                                      </p:cBhvr>
-                                    </p:animEffect>
-                                  </p:childTnLst>
-                                </p:cTn>
-                              </p:par>
-                              <p:par>
-                                <p:cTn id="20" presetID="10" presetClass="entr" presetSubtype="0" fill="hold" nodeType="withEffect">
-                                  <p:stCondLst>
-                                    <p:cond delay="0"/>
-                                  </p:stCondLst>
-                                  <p:childTnLst>
-                                    <p:set>
-                                      <p:cBhvr>
-                                        <p:cTn id="21" dur="1" fill="hold">
-                                          <p:stCondLst>
-                                            <p:cond delay="0"/>
-                                          </p:stCondLst>
-                                        </p:cTn>
-                                        <p:tgtEl>
-                                          <p:spTgt spid="22"/>
-                                        </p:tgtEl>
-                                        <p:attrNameLst>
-                                          <p:attrName>style.visibility</p:attrName>
-                                        </p:attrNameLst>
-                                      </p:cBhvr>
-                                      <p:to>
-                                        <p:strVal val="visible"/>
-                                      </p:to>
-                                    </p:set>
-                                    <p:animEffect transition="in" filter="fade">
-                                      <p:cBhvr>
-                                        <p:cTn id="22" dur="500"/>
-                                        <p:tgtEl>
-                                          <p:spTgt spid="22"/>
-                                        </p:tgtEl>
-                                      </p:cBhvr>
-                                    </p:animEffect>
-                                  </p:childTnLst>
-                                </p:cTn>
-                              </p:par>
-                              <p:par>
-                                <p:cTn id="23" presetID="10" presetClass="entr" presetSubtype="0" fill="hold" grpId="0" nodeType="withEffect">
-                                  <p:stCondLst>
-                                    <p:cond delay="0"/>
-                                  </p:stCondLst>
-                                  <p:childTnLst>
-                                    <p:set>
-                                      <p:cBhvr>
-                                        <p:cTn id="24" dur="1" fill="hold">
-                                          <p:stCondLst>
-                                            <p:cond delay="0"/>
-                                          </p:stCondLst>
-                                        </p:cTn>
-                                        <p:tgtEl>
-                                          <p:spTgt spid="7"/>
-                                        </p:tgtEl>
-                                        <p:attrNameLst>
-                                          <p:attrName>style.visibility</p:attrName>
-                                        </p:attrNameLst>
-                                      </p:cBhvr>
-                                      <p:to>
-                                        <p:strVal val="visible"/>
-                                      </p:to>
-                                    </p:set>
-                                    <p:animEffect transition="in" filter="fade">
-                                      <p:cBhvr>
-                                        <p:cTn id="25" dur="500"/>
-                                        <p:tgtEl>
-                                          <p:spTgt spid="7"/>
-                                        </p:tgtEl>
-                                      </p:cBhvr>
-                                    </p:animEffect>
-                                  </p:childTnLst>
-                                </p:cTn>
-                              </p:par>
-                              <p:par>
-                                <p:cTn id="26" presetID="10" presetClass="entr" presetSubtype="0" fill="hold" nodeType="withEffect">
-                                  <p:stCondLst>
-                                    <p:cond delay="0"/>
-                                  </p:stCondLst>
-                                  <p:childTnLst>
-                                    <p:set>
-                                      <p:cBhvr>
-                                        <p:cTn id="27" dur="1" fill="hold">
-                                          <p:stCondLst>
-                                            <p:cond delay="0"/>
-                                          </p:stCondLst>
-                                        </p:cTn>
-                                        <p:tgtEl>
-                                          <p:spTgt spid="6"/>
-                                        </p:tgtEl>
-                                        <p:attrNameLst>
-                                          <p:attrName>style.visibility</p:attrName>
-                                        </p:attrNameLst>
-                                      </p:cBhvr>
-                                      <p:to>
-                                        <p:strVal val="visible"/>
-                                      </p:to>
-                                    </p:set>
-                                    <p:animEffect transition="in" filter="fade">
-                                      <p:cBhvr>
-                                        <p:cTn id="28" dur="500"/>
-                                        <p:tgtEl>
-                                          <p:spTgt spid="6"/>
-                                        </p:tgtEl>
-                                      </p:cBhvr>
-                                    </p:animEffect>
-                                  </p:childTnLst>
-                                </p:cTn>
-                              </p:par>
-                              <p:par>
-                                <p:cTn id="29" presetID="10" presetClass="entr" presetSubtype="0" fill="hold" nodeType="withEffect">
-                                  <p:stCondLst>
-                                    <p:cond delay="0"/>
-                                  </p:stCondLst>
-                                  <p:childTnLst>
-                                    <p:set>
-                                      <p:cBhvr>
-                                        <p:cTn id="30" dur="1" fill="hold">
-                                          <p:stCondLst>
-                                            <p:cond delay="0"/>
-                                          </p:stCondLst>
-                                        </p:cTn>
-                                        <p:tgtEl>
-                                          <p:spTgt spid="4"/>
-                                        </p:tgtEl>
-                                        <p:attrNameLst>
-                                          <p:attrName>style.visibility</p:attrName>
-                                        </p:attrNameLst>
-                                      </p:cBhvr>
-                                      <p:to>
-                                        <p:strVal val="visible"/>
-                                      </p:to>
-                                    </p:set>
-                                    <p:animEffect transition="in" filter="fade">
-                                      <p:cBhvr>
-                                        <p:cTn id="31" dur="500"/>
-                                        <p:tgtEl>
-                                          <p:spTgt spid="4"/>
-                                        </p:tgtEl>
-                                      </p:cBhvr>
-                                    </p:animEffect>
-                                  </p:childTnLst>
-                                </p:cTn>
-                              </p:par>
-                            </p:childTnLst>
-                          </p:cTn>
-                        </p:par>
-                      </p:childTnLst>
-                    </p:cTn>
-                  </p:par>
-                  <p:par>
-                    <p:cTn id="32" fill="hold">
-                      <p:stCondLst>
-                        <p:cond delay="indefinite"/>
-                      </p:stCondLst>
-                      <p:childTnLst>
-                        <p:par>
-                          <p:cTn id="33" fill="hold">
-                            <p:stCondLst>
-                              <p:cond delay="0"/>
-                            </p:stCondLst>
-                            <p:childTnLst>
-                              <p:par>
-                                <p:cTn id="34" presetID="1" presetClass="entr" presetSubtype="0" fill="hold" nodeType="clickEffect">
-                                  <p:stCondLst>
-                                    <p:cond delay="0"/>
-                                  </p:stCondLst>
-                                  <p:childTnLst>
-                                    <p:set>
-                                      <p:cBhvr>
-                                        <p:cTn id="35" dur="1" fill="hold">
-                                          <p:stCondLst>
-                                            <p:cond delay="0"/>
-                                          </p:stCondLst>
-                                        </p:cTn>
-                                        <p:tgtEl>
-                                          <p:spTgt spid="23"/>
-                                        </p:tgtEl>
-                                        <p:attrNameLst>
-                                          <p:attrName>style.visibility</p:attrName>
-                                        </p:attrNameLst>
-                                      </p:cBhvr>
-                                      <p:to>
-                                        <p:strVal val="visible"/>
-                                      </p:to>
-                                    </p:set>
-                                  </p:childTnLst>
-                                </p:cTn>
-                              </p:par>
-                            </p:childTnLst>
-                          </p:cTn>
-                        </p:par>
-                      </p:childTnLst>
-                    </p:cTn>
-                  </p:par>
-                </p:childTnLst>
-              </p:cTn>
-              <p:prevCondLst>
-                <p:cond evt="onPrev" delay="0">
-                  <p:tgtEl>
-                    <p:sldTgt/>
-                  </p:tgtEl>
-                </p:cond>
-              </p:prevCondLst>
-              <p:nextCondLst>
-                <p:cond evt="onNext" delay="0">
-                  <p:tgtEl>
-                    <p:sldTgt/>
-                  </p:tgtEl>
-                </p:cond>
-              </p:nextCondLst>
-            </p:seq>
-          </p:childTnLst>
-        </p:cTn>
-      </p:par>
-    </p:tnLst>
-    <p:bldLst>
-      <p:bldP spid="9" grpId="0"/>
-      <p:bldP spid="16" grpId="0"/>
-      <p:bldP spid="17" grpId="0"/>
-      <p:bldP spid="21" grpId="0"/>
-      <p:bldP spid="7" grpId="0"/>
-    </p:bldLst>
-  </p:timing>
-</p:sld>
-</file>
-
-<file path=ppt/slides/slide17.xml><?xml version="1.0" encoding="utf-8"?>
-<p:sld xmlns:a="http://schemas.openxmlformats.org/drawingml/2006/main" xmlns:r="http://schemas.openxmlformats.org/officeDocument/2006/relationships" xmlns:p="http://schemas.openxmlformats.org/presentationml/2006/main">
-  <p:cSld>
-    <p:spTree>
-      <p:nvGrpSpPr>
-        <p:cNvPr id="1" name=""/>
-        <p:cNvGrpSpPr/>
-        <p:nvPr/>
-      </p:nvGrpSpPr>
-      <p:grpSpPr>
-        <a:xfrm>
-          <a:off x="0" y="0"/>
-          <a:ext cx="0" cy="0"/>
-          <a:chOff x="0" y="0"/>
-          <a:chExt cx="0" cy="0"/>
-        </a:xfrm>
-      </p:grpSpPr>
-      <p:sp>
-        <p:nvSpPr>
-          <p:cNvPr id="10" name="Rectangle 9"/>
-          <p:cNvSpPr/>
-          <p:nvPr/>
-        </p:nvSpPr>
-        <p:spPr>
-          <a:xfrm>
-            <a:off x="0" y="12106"/>
-            <a:ext cx="1011942" cy="6854083"/>
-          </a:xfrm>
-          <a:prstGeom prst="rect">
-            <a:avLst/>
-          </a:prstGeom>
-          <a:gradFill flip="none" rotWithShape="1">
-            <a:gsLst>
-              <a:gs pos="50000">
-                <a:srgbClr val="D00000"/>
-              </a:gs>
-              <a:gs pos="0">
-                <a:srgbClr val="FF0000">
-                  <a:shade val="30000"/>
-                  <a:satMod val="115000"/>
-                </a:srgbClr>
-              </a:gs>
-              <a:gs pos="100000">
-                <a:schemeClr val="accent2">
-                  <a:lumMod val="60000"/>
-                  <a:lumOff val="40000"/>
-                </a:schemeClr>
-              </a:gs>
-            </a:gsLst>
-            <a:lin ang="5400000" scaled="1"/>
-            <a:tileRect/>
-          </a:gradFill>
-          <a:ln>
-            <a:noFill/>
-          </a:ln>
-        </p:spPr>
-        <p:style>
-          <a:lnRef idx="2">
-            <a:schemeClr val="accent1">
-              <a:shade val="50000"/>
-            </a:schemeClr>
-          </a:lnRef>
-          <a:fillRef idx="1">
-            <a:schemeClr val="accent1"/>
-          </a:fillRef>
-          <a:effectRef idx="0">
-            <a:schemeClr val="accent1"/>
-          </a:effectRef>
-          <a:fontRef idx="minor">
-            <a:schemeClr val="lt1"/>
-          </a:fontRef>
-        </p:style>
-        <p:txBody>
-          <a:bodyPr rtlCol="0" anchor="ctr"/>
-          <a:lstStyle/>
-          <a:p>
-            <a:pPr algn="ctr"/>
-            <a:endParaRPr lang="tr-TR"/>
-          </a:p>
-        </p:txBody>
-      </p:sp>
-      <p:cxnSp>
-        <p:nvCxnSpPr>
-          <p:cNvPr id="11" name="Straight Connector 10"/>
-          <p:cNvCxnSpPr/>
-          <p:nvPr/>
-        </p:nvCxnSpPr>
-        <p:spPr>
-          <a:xfrm>
-            <a:off x="1189918" y="838200"/>
-            <a:ext cx="7649282" cy="0"/>
-          </a:xfrm>
-          <a:prstGeom prst="line">
-            <a:avLst/>
-          </a:prstGeom>
-          <a:ln w="50800">
-            <a:solidFill>
-              <a:srgbClr val="F20000"/>
-            </a:solidFill>
-          </a:ln>
-        </p:spPr>
-        <p:style>
-          <a:lnRef idx="1">
-            <a:schemeClr val="accent1"/>
-          </a:lnRef>
-          <a:fillRef idx="0">
-            <a:schemeClr val="accent1"/>
-          </a:fillRef>
-          <a:effectRef idx="0">
-            <a:schemeClr val="accent1"/>
-          </a:effectRef>
-          <a:fontRef idx="minor">
-            <a:schemeClr val="tx1"/>
-          </a:fontRef>
-        </p:style>
-      </p:cxnSp>
-      <p:sp>
-        <p:nvSpPr>
-          <p:cNvPr id="13" name="TextBox 12"/>
-          <p:cNvSpPr txBox="1"/>
-          <p:nvPr/>
-        </p:nvSpPr>
-        <p:spPr>
-          <a:xfrm>
-            <a:off x="1386291" y="224135"/>
-            <a:ext cx="7315200" cy="553998"/>
-          </a:xfrm>
-          <a:prstGeom prst="rect">
-            <a:avLst/>
-          </a:prstGeom>
-          <a:noFill/>
-        </p:spPr>
-        <p:txBody>
-          <a:bodyPr wrap="square" rtlCol="0">
-            <a:spAutoFit/>
-          </a:bodyPr>
-          <a:lstStyle/>
-          <a:p>
-            <a:pPr algn="ctr"/>
-            <a:r>
-              <a:rPr lang="tr-TR" sz="3000" dirty="0" err="1" smtClean="0">
-                <a:latin typeface="Times New Roman" panose="02020603050405020304" pitchFamily="18" charset="0"/>
-                <a:cs typeface="Times New Roman" panose="02020603050405020304" pitchFamily="18" charset="0"/>
-              </a:rPr>
-              <a:t>Future</a:t>
-            </a:r>
-            <a:r>
-              <a:rPr lang="tr-TR" sz="3000" dirty="0" smtClean="0">
-                <a:latin typeface="Times New Roman" panose="02020603050405020304" pitchFamily="18" charset="0"/>
-                <a:cs typeface="Times New Roman" panose="02020603050405020304" pitchFamily="18" charset="0"/>
-              </a:rPr>
-              <a:t> </a:t>
-            </a:r>
-            <a:r>
-              <a:rPr lang="tr-TR" sz="3000" dirty="0" err="1" smtClean="0">
-                <a:latin typeface="Times New Roman" panose="02020603050405020304" pitchFamily="18" charset="0"/>
-                <a:cs typeface="Times New Roman" panose="02020603050405020304" pitchFamily="18" charset="0"/>
-              </a:rPr>
-              <a:t>Work</a:t>
-            </a:r>
-            <a:endParaRPr lang="en-US" sz="3000" dirty="0">
-              <a:latin typeface="Times New Roman" panose="02020603050405020304" pitchFamily="18" charset="0"/>
-              <a:cs typeface="Times New Roman" panose="02020603050405020304" pitchFamily="18" charset="0"/>
-            </a:endParaRPr>
-          </a:p>
-        </p:txBody>
-      </p:sp>
-      <p:cxnSp>
-        <p:nvCxnSpPr>
-          <p:cNvPr id="15" name="Straight Connector 14"/>
-          <p:cNvCxnSpPr/>
-          <p:nvPr/>
-        </p:nvCxnSpPr>
-        <p:spPr>
-          <a:xfrm>
-            <a:off x="1189918" y="914400"/>
-            <a:ext cx="7649282" cy="0"/>
-          </a:xfrm>
-          <a:prstGeom prst="line">
-            <a:avLst/>
-          </a:prstGeom>
-          <a:ln w="19050">
-            <a:solidFill>
-              <a:srgbClr val="F20000"/>
-            </a:solidFill>
-          </a:ln>
-        </p:spPr>
-        <p:style>
-          <a:lnRef idx="1">
-            <a:schemeClr val="accent1"/>
-          </a:lnRef>
-          <a:fillRef idx="0">
-            <a:schemeClr val="accent1"/>
-          </a:fillRef>
-          <a:effectRef idx="0">
-            <a:schemeClr val="accent1"/>
-          </a:effectRef>
-          <a:fontRef idx="minor">
-            <a:schemeClr val="tx1"/>
-          </a:fontRef>
-        </p:style>
-      </p:cxnSp>
-      <p:sp>
-        <p:nvSpPr>
-          <p:cNvPr id="2" name="Slide Number Placeholder 1"/>
-          <p:cNvSpPr>
-            <a:spLocks noGrp="1"/>
-          </p:cNvSpPr>
-          <p:nvPr>
-            <p:ph type="sldNum" sz="quarter" idx="12"/>
-          </p:nvPr>
-        </p:nvSpPr>
-        <p:spPr/>
-        <p:txBody>
-          <a:bodyPr/>
-          <a:lstStyle/>
-          <a:p>
-            <a:fld id="{B6F15528-21DE-4FAA-801E-634DDDAF4B2B}" type="slidenum">
-              <a:rPr lang="en-US" smtClean="0"/>
-              <a:pPr/>
-              <a:t>17</a:t>
-            </a:fld>
-            <a:endParaRPr lang="en-US" dirty="0"/>
-          </a:p>
-        </p:txBody>
-      </p:sp>
-      <p:pic>
-        <p:nvPicPr>
-          <p:cNvPr id="14" name="Picture 2" descr="C:\Users\Mesut\Desktop\aselsan sunum\aselsan sunum 10 ekim\aselsan sunum\cezmi bey\ODTU.png"/>
-          <p:cNvPicPr>
-            <a:picLocks noChangeAspect="1" noChangeArrowheads="1"/>
-          </p:cNvPicPr>
-          <p:nvPr/>
-        </p:nvPicPr>
-        <p:blipFill>
-          <a:blip r:embed="rId2" cstate="print">
-            <a:extLst>
-              <a:ext uri="{28A0092B-C50C-407E-A947-70E740481C1C}">
-                <a14:useLocalDpi xmlns:a14="http://schemas.microsoft.com/office/drawing/2010/main" val="0"/>
-              </a:ext>
-            </a:extLst>
-          </a:blip>
-          <a:srcRect/>
-          <a:stretch>
-            <a:fillRect/>
-          </a:stretch>
-        </p:blipFill>
-        <p:spPr bwMode="auto">
-          <a:xfrm>
-            <a:off x="163507" y="266700"/>
-            <a:ext cx="684927" cy="571500"/>
-          </a:xfrm>
-          <a:prstGeom prst="rect">
-            <a:avLst/>
-          </a:prstGeom>
-          <a:noFill/>
-          <a:extLst>
-            <a:ext uri="{909E8E84-426E-40DD-AFC4-6F175D3DCCD1}">
-              <a14:hiddenFill xmlns:a14="http://schemas.microsoft.com/office/drawing/2010/main">
-                <a:solidFill>
-                  <a:srgbClr val="FFFFFF"/>
-                </a:solidFill>
-              </a14:hiddenFill>
-            </a:ext>
-          </a:extLst>
-        </p:spPr>
-      </p:pic>
-      <p:sp>
-        <p:nvSpPr>
-          <p:cNvPr id="16" name="Text Box 9"/>
-          <p:cNvSpPr txBox="1">
-            <a:spLocks noChangeArrowheads="1"/>
-          </p:cNvSpPr>
-          <p:nvPr/>
-        </p:nvSpPr>
-        <p:spPr bwMode="auto">
-          <a:xfrm>
-            <a:off x="1386291" y="1600200"/>
-            <a:ext cx="7643409" cy="2554545"/>
-          </a:xfrm>
-          <a:prstGeom prst="rect">
-            <a:avLst/>
-          </a:prstGeom>
-          <a:noFill/>
-          <a:ln w="9525">
-            <a:noFill/>
-            <a:miter lim="800000"/>
-            <a:headEnd/>
-            <a:tailEnd/>
-          </a:ln>
-          <a:effectLst/>
-        </p:spPr>
-        <p:txBody>
-          <a:bodyPr wrap="square">
-            <a:spAutoFit/>
-          </a:bodyPr>
-          <a:lstStyle/>
-          <a:p>
-            <a:pPr algn="l"/>
-            <a:r>
-              <a:rPr lang="en-US" sz="2000" dirty="0" smtClean="0">
-                <a:latin typeface="Times New Roman" panose="02020603050405020304" pitchFamily="18" charset="0"/>
-                <a:cs typeface="Times New Roman" panose="02020603050405020304" pitchFamily="18" charset="0"/>
-              </a:rPr>
-              <a:t>Build a </a:t>
-            </a:r>
-            <a:r>
-              <a:rPr lang="tr-TR" sz="2000" b="1" dirty="0" smtClean="0">
-                <a:latin typeface="Times New Roman" panose="02020603050405020304" pitchFamily="18" charset="0"/>
-                <a:cs typeface="Times New Roman" panose="02020603050405020304" pitchFamily="18" charset="0"/>
-              </a:rPr>
-              <a:t>6</a:t>
-            </a:r>
-            <a:r>
-              <a:rPr lang="en-US" sz="2000" b="1" dirty="0" smtClean="0">
-                <a:latin typeface="Times New Roman" panose="02020603050405020304" pitchFamily="18" charset="0"/>
-                <a:cs typeface="Times New Roman" panose="02020603050405020304" pitchFamily="18" charset="0"/>
-              </a:rPr>
-              <a:t> kW </a:t>
-            </a:r>
-            <a:r>
-              <a:rPr lang="en-US" sz="2000" dirty="0" smtClean="0">
-                <a:latin typeface="Times New Roman" panose="02020603050405020304" pitchFamily="18" charset="0"/>
-                <a:cs typeface="Times New Roman" panose="02020603050405020304" pitchFamily="18" charset="0"/>
-              </a:rPr>
-              <a:t>laboratory </a:t>
-            </a:r>
-            <a:r>
-              <a:rPr lang="en-US" sz="2000" b="1" dirty="0" smtClean="0">
-                <a:latin typeface="Times New Roman" panose="02020603050405020304" pitchFamily="18" charset="0"/>
-                <a:cs typeface="Times New Roman" panose="02020603050405020304" pitchFamily="18" charset="0"/>
-              </a:rPr>
-              <a:t>prototype</a:t>
-            </a:r>
-            <a:endParaRPr lang="tr-TR" sz="2000" dirty="0" smtClean="0">
-              <a:latin typeface="Times New Roman" panose="02020603050405020304" pitchFamily="18" charset="0"/>
-              <a:cs typeface="Times New Roman" panose="02020603050405020304" pitchFamily="18" charset="0"/>
-            </a:endParaRPr>
-          </a:p>
-          <a:p>
-            <a:pPr algn="l"/>
-            <a:endParaRPr lang="en-US" sz="2000" dirty="0" smtClean="0">
-              <a:latin typeface="Times New Roman" panose="02020603050405020304" pitchFamily="18" charset="0"/>
-              <a:cs typeface="Times New Roman" panose="02020603050405020304" pitchFamily="18" charset="0"/>
-            </a:endParaRPr>
-          </a:p>
-          <a:p>
-            <a:pPr marL="457200" indent="-457200" algn="l">
-              <a:spcAft>
-                <a:spcPts val="600"/>
-              </a:spcAft>
-              <a:buFont typeface="Wingdings" panose="05000000000000000000" pitchFamily="2" charset="2"/>
-              <a:buChar char="ü"/>
-            </a:pPr>
-            <a:r>
-              <a:rPr lang="en-US" sz="2000" dirty="0" smtClean="0">
-                <a:latin typeface="Times New Roman" panose="02020603050405020304" pitchFamily="18" charset="0"/>
-                <a:cs typeface="Times New Roman" panose="02020603050405020304" pitchFamily="18" charset="0"/>
-              </a:rPr>
-              <a:t>Proof of concept</a:t>
-            </a:r>
-          </a:p>
-          <a:p>
-            <a:pPr marL="457200" indent="-457200" algn="l">
-              <a:spcAft>
-                <a:spcPts val="600"/>
-              </a:spcAft>
-              <a:buFont typeface="Wingdings" panose="05000000000000000000" pitchFamily="2" charset="2"/>
-              <a:buChar char="ü"/>
-            </a:pPr>
-            <a:r>
-              <a:rPr lang="en-US" sz="2000" dirty="0" smtClean="0">
-                <a:latin typeface="Times New Roman" panose="02020603050405020304" pitchFamily="18" charset="0"/>
-                <a:cs typeface="Times New Roman" panose="02020603050405020304" pitchFamily="18" charset="0"/>
-              </a:rPr>
-              <a:t>Drive efficiency</a:t>
-            </a:r>
-            <a:r>
-              <a:rPr lang="en-US" sz="2000" b="1" dirty="0" smtClean="0">
-                <a:latin typeface="Times New Roman" panose="02020603050405020304" pitchFamily="18" charset="0"/>
-                <a:cs typeface="Times New Roman" panose="02020603050405020304" pitchFamily="18" charset="0"/>
-              </a:rPr>
-              <a:t>: 98.5%</a:t>
-            </a:r>
-          </a:p>
-          <a:p>
-            <a:pPr marL="457200" indent="-457200" algn="l">
-              <a:spcAft>
-                <a:spcPts val="600"/>
-              </a:spcAft>
-              <a:buFont typeface="Wingdings" panose="05000000000000000000" pitchFamily="2" charset="2"/>
-              <a:buChar char="ü"/>
-            </a:pPr>
-            <a:r>
-              <a:rPr lang="en-US" sz="2000" dirty="0" smtClean="0">
-                <a:latin typeface="Times New Roman" panose="02020603050405020304" pitchFamily="18" charset="0"/>
-                <a:cs typeface="Times New Roman" panose="02020603050405020304" pitchFamily="18" charset="0"/>
-              </a:rPr>
-              <a:t>Drive power density</a:t>
-            </a:r>
-            <a:r>
-              <a:rPr lang="en-US" sz="2000" b="1" dirty="0" smtClean="0">
-                <a:latin typeface="Times New Roman" panose="02020603050405020304" pitchFamily="18" charset="0"/>
-                <a:cs typeface="Times New Roman" panose="02020603050405020304" pitchFamily="18" charset="0"/>
-              </a:rPr>
-              <a:t>: 15 W/cm</a:t>
-            </a:r>
-            <a:r>
-              <a:rPr lang="en-US" sz="2000" b="1" baseline="30000" dirty="0" smtClean="0">
-                <a:latin typeface="Times New Roman" panose="02020603050405020304" pitchFamily="18" charset="0"/>
-                <a:cs typeface="Times New Roman" panose="02020603050405020304" pitchFamily="18" charset="0"/>
-              </a:rPr>
-              <a:t>3</a:t>
-            </a:r>
-          </a:p>
-          <a:p>
-            <a:pPr marL="457200" indent="-457200" algn="l">
-              <a:spcAft>
-                <a:spcPts val="600"/>
-              </a:spcAft>
-              <a:buFont typeface="Wingdings" panose="05000000000000000000" pitchFamily="2" charset="2"/>
-              <a:buChar char="ü"/>
-            </a:pPr>
-            <a:r>
-              <a:rPr lang="en-US" sz="2000" dirty="0" smtClean="0">
-                <a:latin typeface="Times New Roman" panose="02020603050405020304" pitchFamily="18" charset="0"/>
-                <a:cs typeface="Times New Roman" panose="02020603050405020304" pitchFamily="18" charset="0"/>
-              </a:rPr>
-              <a:t>Motor housing for cooling (</a:t>
-            </a:r>
-            <a:r>
-              <a:rPr lang="en-US" sz="2000" b="1" dirty="0" smtClean="0">
-                <a:latin typeface="Times New Roman" panose="02020603050405020304" pitchFamily="18" charset="0"/>
-                <a:cs typeface="Times New Roman" panose="02020603050405020304" pitchFamily="18" charset="0"/>
-              </a:rPr>
-              <a:t>no heatsink</a:t>
-            </a:r>
-            <a:r>
-              <a:rPr lang="en-US" sz="2000" dirty="0" smtClean="0">
-                <a:latin typeface="Times New Roman" panose="02020603050405020304" pitchFamily="18" charset="0"/>
-                <a:cs typeface="Times New Roman" panose="02020603050405020304" pitchFamily="18" charset="0"/>
-              </a:rPr>
-              <a:t>)</a:t>
-            </a:r>
-            <a:endParaRPr lang="tr-TR" sz="2000" dirty="0" smtClean="0">
-              <a:latin typeface="Times New Roman" panose="02020603050405020304" pitchFamily="18" charset="0"/>
-              <a:cs typeface="Times New Roman" panose="02020603050405020304" pitchFamily="18" charset="0"/>
-            </a:endParaRPr>
-          </a:p>
-          <a:p>
-            <a:pPr marL="457200" indent="-457200">
-              <a:spcAft>
-                <a:spcPts val="600"/>
-              </a:spcAft>
-              <a:buFont typeface="Wingdings" panose="05000000000000000000" pitchFamily="2" charset="2"/>
-              <a:buChar char="ü"/>
-            </a:pPr>
-            <a:r>
-              <a:rPr lang="en-US" sz="2000" b="1" dirty="0">
-                <a:latin typeface="Times New Roman" panose="02020603050405020304" pitchFamily="18" charset="0"/>
-                <a:cs typeface="Times New Roman" panose="02020603050405020304" pitchFamily="18" charset="0"/>
-              </a:rPr>
-              <a:t>Fault tolerance </a:t>
-            </a:r>
-            <a:r>
-              <a:rPr lang="en-US" sz="2000" dirty="0" smtClean="0">
-                <a:latin typeface="Times New Roman" panose="02020603050405020304" pitchFamily="18" charset="0"/>
-                <a:cs typeface="Times New Roman" panose="02020603050405020304" pitchFamily="18" charset="0"/>
-              </a:rPr>
-              <a:t>tests</a:t>
-            </a:r>
-            <a:endParaRPr lang="en-US" sz="2000" dirty="0">
-              <a:latin typeface="Times New Roman" panose="02020603050405020304" pitchFamily="18" charset="0"/>
-              <a:cs typeface="Times New Roman" panose="02020603050405020304" pitchFamily="18" charset="0"/>
-            </a:endParaRPr>
-          </a:p>
-        </p:txBody>
-      </p:sp>
-    </p:spTree>
-    <p:extLst>
-      <p:ext uri="{BB962C8B-B14F-4D97-AF65-F5344CB8AC3E}">
-        <p14:creationId xmlns:p14="http://schemas.microsoft.com/office/powerpoint/2010/main" val="3007486762"/>
+        <p14:creationId xmlns:p14="http://schemas.microsoft.com/office/powerpoint/2010/main" val="2260828903"/>
       </p:ext>
     </p:extLst>
   </p:cSld>
@@ -9718,9 +8115,9 @@
                                           </p:stCondLst>
                                         </p:cTn>
                                         <p:tgtEl>
-                                          <p:spTgt spid="16">
+                                          <p:spTgt spid="12">
                                             <p:txEl>
-                                              <p:pRg st="2" end="2"/>
+                                              <p:pRg st="0" end="0"/>
                                             </p:txEl>
                                           </p:spTgt>
                                         </p:tgtEl>
@@ -9736,9 +8133,9 @@
                                       <p:cBhvr>
                                         <p:cTn id="7" dur="500"/>
                                         <p:tgtEl>
-                                          <p:spTgt spid="16">
+                                          <p:spTgt spid="12">
                                             <p:txEl>
-                                              <p:pRg st="2" end="2"/>
+                                              <p:pRg st="0" end="0"/>
                                             </p:txEl>
                                           </p:spTgt>
                                         </p:tgtEl>
@@ -9779,9 +8176,9 @@
                                           </p:stCondLst>
                                         </p:cTn>
                                         <p:tgtEl>
-                                          <p:spTgt spid="16">
+                                          <p:spTgt spid="12">
                                             <p:txEl>
-                                              <p:pRg st="3" end="3"/>
+                                              <p:pRg st="1" end="1"/>
                                             </p:txEl>
                                           </p:spTgt>
                                         </p:tgtEl>
@@ -9797,9 +8194,9 @@
                                       <p:cBhvr>
                                         <p:cTn id="12" dur="500"/>
                                         <p:tgtEl>
-                                          <p:spTgt spid="16">
+                                          <p:spTgt spid="12">
                                             <p:txEl>
-                                              <p:pRg st="3" end="3"/>
+                                              <p:pRg st="1" end="1"/>
                                             </p:txEl>
                                           </p:spTgt>
                                         </p:tgtEl>
@@ -9840,9 +8237,9 @@
                                           </p:stCondLst>
                                         </p:cTn>
                                         <p:tgtEl>
-                                          <p:spTgt spid="16">
+                                          <p:spTgt spid="12">
                                             <p:txEl>
-                                              <p:pRg st="4" end="4"/>
+                                              <p:pRg st="2" end="2"/>
                                             </p:txEl>
                                           </p:spTgt>
                                         </p:tgtEl>
@@ -9858,9 +8255,9 @@
                                       <p:cBhvr>
                                         <p:cTn id="17" dur="500"/>
                                         <p:tgtEl>
-                                          <p:spTgt spid="16">
+                                          <p:spTgt spid="12">
                                             <p:txEl>
-                                              <p:pRg st="4" end="4"/>
+                                              <p:pRg st="2" end="2"/>
                                             </p:txEl>
                                           </p:spTgt>
                                         </p:tgtEl>
@@ -9901,9 +8298,9 @@
                                           </p:stCondLst>
                                         </p:cTn>
                                         <p:tgtEl>
-                                          <p:spTgt spid="16">
+                                          <p:spTgt spid="12">
                                             <p:txEl>
-                                              <p:pRg st="5" end="5"/>
+                                              <p:pRg st="3" end="3"/>
                                             </p:txEl>
                                           </p:spTgt>
                                         </p:tgtEl>
@@ -9919,9 +8316,9 @@
                                       <p:cBhvr>
                                         <p:cTn id="22" dur="500"/>
                                         <p:tgtEl>
-                                          <p:spTgt spid="16">
+                                          <p:spTgt spid="12">
                                             <p:txEl>
-                                              <p:pRg st="5" end="5"/>
+                                              <p:pRg st="3" end="3"/>
                                             </p:txEl>
                                           </p:spTgt>
                                         </p:tgtEl>
@@ -9962,9 +8359,9 @@
                                           </p:stCondLst>
                                         </p:cTn>
                                         <p:tgtEl>
-                                          <p:spTgt spid="16">
+                                          <p:spTgt spid="12">
                                             <p:txEl>
-                                              <p:pRg st="6" end="6"/>
+                                              <p:pRg st="4" end="4"/>
                                             </p:txEl>
                                           </p:spTgt>
                                         </p:tgtEl>
@@ -9980,9 +8377,9 @@
                                       <p:cBhvr>
                                         <p:cTn id="27" dur="500"/>
                                         <p:tgtEl>
-                                          <p:spTgt spid="16">
+                                          <p:spTgt spid="12">
                                             <p:txEl>
-                                              <p:pRg st="6" end="6"/>
+                                              <p:pRg st="4" end="4"/>
                                             </p:txEl>
                                           </p:spTgt>
                                         </p:tgtEl>
@@ -10022,7 +8419,7 @@
 </p:sld>
 </file>
 
-<file path=ppt/slides/slide18.xml><?xml version="1.0" encoding="utf-8"?>
+<file path=ppt/slides/slide16.xml><?xml version="1.0" encoding="utf-8"?>
 <p:sld xmlns:a="http://schemas.openxmlformats.org/drawingml/2006/main" xmlns:r="http://schemas.openxmlformats.org/officeDocument/2006/relationships" xmlns:p="http://schemas.openxmlformats.org/presentationml/2006/main">
   <p:cSld>
     <p:spTree>
@@ -10228,22 +8625,448 @@
             <a:fld id="{B6F15528-21DE-4FAA-801E-634DDDAF4B2B}" type="slidenum">
               <a:rPr lang="en-US" smtClean="0"/>
               <a:pPr/>
-              <a:t>18</a:t>
+              <a:t>16</a:t>
             </a:fld>
             <a:endParaRPr lang="en-US" dirty="0"/>
+          </a:p>
+        </p:txBody>
+      </p:sp>
+      <p:sp>
+        <p:nvSpPr>
+          <p:cNvPr id="12" name="Text Box 42"/>
+          <p:cNvSpPr txBox="1">
+            <a:spLocks noChangeArrowheads="1"/>
+          </p:cNvSpPr>
+          <p:nvPr/>
+        </p:nvSpPr>
+        <p:spPr bwMode="auto">
+          <a:xfrm>
+            <a:off x="1164518" y="1371600"/>
+            <a:ext cx="7300509" cy="5047536"/>
+          </a:xfrm>
+          <a:prstGeom prst="rect">
+            <a:avLst/>
+          </a:prstGeom>
+          <a:noFill/>
+          <a:ln w="9525">
+            <a:noFill/>
+            <a:miter lim="800000"/>
+            <a:headEnd/>
+            <a:tailEnd/>
+          </a:ln>
+          <a:effectLst/>
+        </p:spPr>
+        <p:txBody>
+          <a:bodyPr wrap="square">
+            <a:spAutoFit/>
+          </a:bodyPr>
+          <a:lstStyle/>
+          <a:p>
+            <a:pPr marL="514350" indent="-514350" algn="l" defTabSz="4389438">
+              <a:spcAft>
+                <a:spcPts val="1200"/>
+              </a:spcAft>
+              <a:buFont typeface="+mj-lt"/>
+              <a:buAutoNum type="arabicPeriod"/>
+            </a:pPr>
+            <a:r>
+              <a:rPr lang="en-US" sz="1600" dirty="0" smtClean="0"/>
+              <a:t>G</a:t>
+            </a:r>
+            <a:r>
+              <a:rPr lang="en-US" sz="1600" dirty="0"/>
+              <a:t>. Lo </a:t>
+            </a:r>
+            <a:r>
+              <a:rPr lang="en-US" sz="1600" dirty="0" err="1"/>
+              <a:t>Calzo</a:t>
+            </a:r>
+            <a:r>
+              <a:rPr lang="en-US" sz="1600" dirty="0"/>
+              <a:t> </a:t>
+            </a:r>
+            <a:r>
+              <a:rPr lang="en-US" sz="1600" i="1" dirty="0"/>
+              <a:t>et al.</a:t>
+            </a:r>
+            <a:r>
+              <a:rPr lang="en-US" sz="1600" dirty="0"/>
+              <a:t>, “</a:t>
+            </a:r>
+            <a:r>
+              <a:rPr lang="en-US" sz="1600" b="1" dirty="0"/>
+              <a:t>Integrated motor drives: state of the art and future trends</a:t>
+            </a:r>
+            <a:r>
+              <a:rPr lang="en-US" sz="1600" dirty="0"/>
+              <a:t>,” </a:t>
+            </a:r>
+            <a:r>
+              <a:rPr lang="en-US" sz="1600" i="1" dirty="0"/>
+              <a:t>IET </a:t>
+            </a:r>
+            <a:r>
+              <a:rPr lang="en-US" sz="1600" i="1" dirty="0" err="1"/>
+              <a:t>Electr</a:t>
+            </a:r>
+            <a:r>
+              <a:rPr lang="en-US" sz="1600" i="1" dirty="0"/>
+              <a:t>. Power Appl.</a:t>
+            </a:r>
+            <a:r>
+              <a:rPr lang="en-US" sz="1600" dirty="0"/>
+              <a:t>, vol. 10, no. 8, pp. 757–771, Sep. 2016</a:t>
+            </a:r>
+            <a:r>
+              <a:rPr lang="en-US" sz="1600" dirty="0" smtClean="0"/>
+              <a:t>.</a:t>
+            </a:r>
+            <a:endParaRPr lang="tr-TR" sz="1600" dirty="0" smtClean="0"/>
+          </a:p>
+          <a:p>
+            <a:pPr marL="514350" indent="-514350" algn="l" defTabSz="4389438">
+              <a:spcAft>
+                <a:spcPts val="1200"/>
+              </a:spcAft>
+              <a:buFont typeface="+mj-lt"/>
+              <a:buAutoNum type="arabicPeriod"/>
+            </a:pPr>
+            <a:r>
+              <a:rPr lang="en-US" sz="1600" dirty="0" smtClean="0"/>
+              <a:t>J</a:t>
+            </a:r>
+            <a:r>
+              <a:rPr lang="en-US" sz="1600" dirty="0"/>
+              <a:t>. Wang, Y. Li, and Y. Han, “</a:t>
+            </a:r>
+            <a:r>
+              <a:rPr lang="en-US" sz="1600" b="1" dirty="0"/>
+              <a:t>Integrated Modular Motor Drive Design With GaN Power FETs</a:t>
+            </a:r>
+            <a:r>
+              <a:rPr lang="en-US" sz="1600" dirty="0"/>
+              <a:t>,” </a:t>
+            </a:r>
+            <a:r>
+              <a:rPr lang="en-US" sz="1600" i="1" dirty="0"/>
+              <a:t>IEEE Trans. Ind. Appl.</a:t>
+            </a:r>
+            <a:r>
+              <a:rPr lang="en-US" sz="1600" dirty="0"/>
+              <a:t>, vol. 51, no. c, pp. 3198–3207, 2015</a:t>
+            </a:r>
+            <a:r>
+              <a:rPr lang="en-US" sz="1600" dirty="0" smtClean="0"/>
+              <a:t>.</a:t>
+            </a:r>
+            <a:endParaRPr lang="tr-TR" sz="1600" dirty="0" smtClean="0"/>
+          </a:p>
+          <a:p>
+            <a:pPr marL="514350" indent="-514350" algn="l" defTabSz="4389438">
+              <a:spcAft>
+                <a:spcPts val="1200"/>
+              </a:spcAft>
+              <a:buFont typeface="+mj-lt"/>
+              <a:buAutoNum type="arabicPeriod"/>
+            </a:pPr>
+            <a:r>
+              <a:rPr lang="en-US" sz="1600" dirty="0" smtClean="0"/>
+              <a:t>J</a:t>
+            </a:r>
+            <a:r>
+              <a:rPr lang="en-US" sz="1600" dirty="0"/>
+              <a:t>. J. </a:t>
+            </a:r>
+            <a:r>
+              <a:rPr lang="en-US" sz="1600" dirty="0" err="1"/>
+              <a:t>Wolmarans</a:t>
+            </a:r>
+            <a:r>
+              <a:rPr lang="en-US" sz="1600" dirty="0"/>
+              <a:t>, M. B. Gerber, H. </a:t>
+            </a:r>
+            <a:r>
+              <a:rPr lang="en-US" sz="1600" dirty="0" err="1"/>
+              <a:t>Polinder</a:t>
+            </a:r>
+            <a:r>
+              <a:rPr lang="en-US" sz="1600" dirty="0"/>
+              <a:t>, S. W. H. De </a:t>
+            </a:r>
+            <a:r>
+              <a:rPr lang="en-US" sz="1600" dirty="0" err="1"/>
+              <a:t>Haan</a:t>
+            </a:r>
+            <a:r>
+              <a:rPr lang="en-US" sz="1600" dirty="0"/>
+              <a:t>, J. A. Ferreira, and D. </a:t>
+            </a:r>
+            <a:r>
+              <a:rPr lang="en-US" sz="1600" dirty="0" err="1"/>
+              <a:t>Clarenbach</a:t>
+            </a:r>
+            <a:r>
+              <a:rPr lang="en-US" sz="1600" dirty="0"/>
+              <a:t>, “</a:t>
+            </a:r>
+            <a:r>
+              <a:rPr lang="en-US" sz="1600" b="1" dirty="0"/>
+              <a:t>A 50kW integrated fault tolerant permanent magnet machine and motor drive</a:t>
+            </a:r>
+            <a:r>
+              <a:rPr lang="en-US" sz="1600" dirty="0"/>
+              <a:t>,” </a:t>
+            </a:r>
+            <a:r>
+              <a:rPr lang="en-US" sz="1600" i="1" dirty="0"/>
+              <a:t>PESC Rec. - IEEE </a:t>
+            </a:r>
+            <a:r>
+              <a:rPr lang="en-US" sz="1600" i="1" dirty="0" err="1"/>
+              <a:t>Annu</a:t>
+            </a:r>
+            <a:r>
+              <a:rPr lang="en-US" sz="1600" i="1" dirty="0"/>
+              <a:t>. Power Electron. Spec. Conf.</a:t>
+            </a:r>
+            <a:r>
+              <a:rPr lang="en-US" sz="1600" dirty="0"/>
+              <a:t>, pp. 345–351, 2008</a:t>
+            </a:r>
+            <a:r>
+              <a:rPr lang="en-US" sz="1600" dirty="0" smtClean="0"/>
+              <a:t>.</a:t>
+            </a:r>
+            <a:endParaRPr lang="tr-TR" sz="1600" dirty="0" smtClean="0"/>
+          </a:p>
+          <a:p>
+            <a:pPr marL="514350" indent="-514350" defTabSz="4389438">
+              <a:spcAft>
+                <a:spcPts val="1200"/>
+              </a:spcAft>
+              <a:buFont typeface="+mj-lt"/>
+              <a:buAutoNum type="arabicPeriod"/>
+            </a:pPr>
+            <a:r>
+              <a:rPr lang="en-US" sz="1600" dirty="0" smtClean="0"/>
+              <a:t>N</a:t>
+            </a:r>
+            <a:r>
+              <a:rPr lang="en-US" sz="1600" dirty="0"/>
+              <a:t>. R. Brown, T. M. </a:t>
+            </a:r>
+            <a:r>
+              <a:rPr lang="en-US" sz="1600" dirty="0" err="1"/>
+              <a:t>Jahns</a:t>
+            </a:r>
+            <a:r>
+              <a:rPr lang="en-US" sz="1600" dirty="0"/>
+              <a:t>, and R. D. Lorenz, “</a:t>
+            </a:r>
+            <a:r>
+              <a:rPr lang="en-US" sz="1600" b="1" dirty="0"/>
+              <a:t>Power Converter Design for an Integrated Modular Motor Drive</a:t>
+            </a:r>
+            <a:r>
+              <a:rPr lang="en-US" sz="1600" dirty="0"/>
+              <a:t>,” </a:t>
+            </a:r>
+            <a:r>
+              <a:rPr lang="en-US" sz="1600" i="1" dirty="0"/>
+              <a:t>Ind. Appl. Conf. 2007. 42nd IAS </a:t>
+            </a:r>
+            <a:r>
+              <a:rPr lang="en-US" sz="1600" i="1" dirty="0" err="1"/>
+              <a:t>Annu</a:t>
+            </a:r>
+            <a:r>
+              <a:rPr lang="en-US" sz="1600" i="1" dirty="0"/>
+              <a:t>. Meet. Conf. Rec. 2007 IEEE</a:t>
+            </a:r>
+            <a:r>
+              <a:rPr lang="en-US" sz="1600" dirty="0"/>
+              <a:t>, pp. 1322–1328, 2007</a:t>
+            </a:r>
+            <a:r>
+              <a:rPr lang="en-US" sz="1600" dirty="0" smtClean="0"/>
+              <a:t>.</a:t>
+            </a:r>
+            <a:endParaRPr lang="tr-TR" sz="1600" dirty="0" smtClean="0"/>
+          </a:p>
+          <a:p>
+            <a:pPr marL="514350" indent="-514350" defTabSz="4389438">
+              <a:spcAft>
+                <a:spcPts val="1200"/>
+              </a:spcAft>
+              <a:buFont typeface="+mj-lt"/>
+              <a:buAutoNum type="arabicPeriod"/>
+            </a:pPr>
+            <a:r>
+              <a:rPr lang="en-US" sz="1600" dirty="0" smtClean="0"/>
+              <a:t>S</a:t>
+            </a:r>
+            <a:r>
+              <a:rPr lang="en-US" sz="1600" dirty="0"/>
+              <a:t>. M. Lambert, B. C. </a:t>
+            </a:r>
+            <a:r>
+              <a:rPr lang="en-US" sz="1600" dirty="0" err="1"/>
+              <a:t>Mecrow</a:t>
+            </a:r>
+            <a:r>
+              <a:rPr lang="en-US" sz="1600" dirty="0"/>
+              <a:t>, R. </a:t>
+            </a:r>
+            <a:r>
+              <a:rPr lang="en-US" sz="1600" dirty="0" err="1"/>
+              <a:t>Abebe</a:t>
+            </a:r>
+            <a:r>
+              <a:rPr lang="en-US" sz="1600" dirty="0"/>
+              <a:t>, G. </a:t>
+            </a:r>
+            <a:r>
+              <a:rPr lang="en-US" sz="1600" dirty="0" err="1"/>
+              <a:t>Vakil</a:t>
+            </a:r>
+            <a:r>
+              <a:rPr lang="en-US" sz="1600" dirty="0"/>
+              <a:t>, and C. M. Johnson, “</a:t>
+            </a:r>
+            <a:r>
+              <a:rPr lang="en-US" sz="1600" b="1" dirty="0"/>
+              <a:t>Integrated Drives for Transport - A Review of the Enabling Electronics Technology</a:t>
+            </a:r>
+            <a:r>
+              <a:rPr lang="en-US" sz="1600" dirty="0"/>
+              <a:t>,” </a:t>
+            </a:r>
+            <a:r>
+              <a:rPr lang="en-US" sz="1600" i="1" dirty="0"/>
+              <a:t>IEEE </a:t>
+            </a:r>
+            <a:r>
+              <a:rPr lang="en-US" sz="1600" i="1" dirty="0" err="1"/>
+              <a:t>Veh</a:t>
+            </a:r>
+            <a:r>
+              <a:rPr lang="en-US" sz="1600" i="1" dirty="0"/>
+              <a:t>. Power </a:t>
+            </a:r>
+            <a:r>
+              <a:rPr lang="en-US" sz="1600" i="1" dirty="0" err="1"/>
+              <a:t>Propuls</a:t>
+            </a:r>
+            <a:r>
+              <a:rPr lang="en-US" sz="1600" i="1" dirty="0"/>
+              <a:t>. Conf.</a:t>
+            </a:r>
+            <a:r>
+              <a:rPr lang="en-US" sz="1600" dirty="0"/>
+              <a:t>, pp. 1–6, 2015</a:t>
+            </a:r>
+            <a:r>
+              <a:rPr lang="en-US" sz="1600" dirty="0" smtClean="0"/>
+              <a:t>.</a:t>
+            </a:r>
+            <a:endParaRPr lang="tr-TR" sz="1600" dirty="0" smtClean="0"/>
+          </a:p>
+          <a:p>
+            <a:pPr marL="514350" indent="-514350" defTabSz="4389438">
+              <a:spcAft>
+                <a:spcPts val="1200"/>
+              </a:spcAft>
+              <a:buFont typeface="+mj-lt"/>
+              <a:buAutoNum type="arabicPeriod"/>
+            </a:pPr>
+            <a:r>
+              <a:rPr lang="en-US" sz="1600" dirty="0" smtClean="0"/>
+              <a:t>A</a:t>
+            </a:r>
+            <a:r>
+              <a:rPr lang="en-US" sz="1600" dirty="0"/>
+              <a:t>. </a:t>
+            </a:r>
+            <a:r>
+              <a:rPr lang="en-US" sz="1600" dirty="0" err="1"/>
+              <a:t>Shea</a:t>
+            </a:r>
+            <a:r>
+              <a:rPr lang="en-US" sz="1600" dirty="0"/>
+              <a:t> and T. M. </a:t>
+            </a:r>
+            <a:r>
+              <a:rPr lang="en-US" sz="1600" dirty="0" err="1"/>
+              <a:t>Jahns</a:t>
+            </a:r>
+            <a:r>
+              <a:rPr lang="en-US" sz="1600" dirty="0"/>
+              <a:t>, “</a:t>
+            </a:r>
+            <a:r>
+              <a:rPr lang="en-US" sz="1600" b="1" dirty="0"/>
+              <a:t>Hardware integration for an integrated modular motor drive including distributed control</a:t>
+            </a:r>
+            <a:r>
+              <a:rPr lang="en-US" sz="1600" dirty="0"/>
+              <a:t>,” in </a:t>
+            </a:r>
+            <a:r>
+              <a:rPr lang="en-US" sz="1600" i="1" dirty="0"/>
+              <a:t>2014 IEEE Energy Conversion Congress and Exposition (ECCE)</a:t>
+            </a:r>
+            <a:r>
+              <a:rPr lang="en-US" sz="1600" dirty="0"/>
+              <a:t>, 2014, pp. 4881–4887</a:t>
+            </a:r>
+            <a:r>
+              <a:rPr lang="en-US" sz="1600" dirty="0" smtClean="0"/>
+              <a:t>.</a:t>
+            </a:r>
+            <a:endParaRPr lang="tr-TR" sz="1600" dirty="0" smtClean="0"/>
           </a:p>
         </p:txBody>
       </p:sp>
       <p:pic>
         <p:nvPicPr>
-          <p:cNvPr id="14" name="Picture 2" descr="C:\Users\Mesut\Desktop\aselsan sunum\aselsan sunum 10 ekim\aselsan sunum\cezmi bey\ODTU.png"/>
+          <p:cNvPr id="9" name="Picture 8"/>
+          <p:cNvPicPr>
+            <a:picLocks noChangeAspect="1"/>
+          </p:cNvPicPr>
+          <p:nvPr/>
+        </p:nvPicPr>
+        <p:blipFill>
+          <a:blip r:embed="rId2" cstate="print">
+            <a:extLst>
+              <a:ext uri="{28A0092B-C50C-407E-A947-70E740481C1C}">
+                <a14:useLocalDpi xmlns:a14="http://schemas.microsoft.com/office/drawing/2010/main" val="0"/>
+              </a:ext>
+            </a:extLst>
+          </a:blip>
+          <a:stretch>
+            <a:fillRect/>
+          </a:stretch>
+        </p:blipFill>
+        <p:spPr>
+          <a:xfrm rot="16200000">
+            <a:off x="-876200" y="5067199"/>
+            <a:ext cx="2759076" cy="549476"/>
+          </a:xfrm>
+          <a:prstGeom prst="rect">
+            <a:avLst/>
+          </a:prstGeom>
+        </p:spPr>
+      </p:pic>
+      <p:pic>
+        <p:nvPicPr>
+          <p:cNvPr id="16" name="Picture 2" descr="C:\Users\Mesut\Desktop\aselsan sunum\aselsan sunum 10 ekim\aselsan sunum\cezmi bey\ODTU.png"/>
           <p:cNvPicPr>
             <a:picLocks noChangeAspect="1" noChangeArrowheads="1"/>
           </p:cNvPicPr>
           <p:nvPr/>
         </p:nvPicPr>
         <p:blipFill>
-          <a:blip r:embed="rId2" cstate="print">
+          <a:blip r:embed="rId3" cstate="print">
             <a:extLst>
               <a:ext uri="{28A0092B-C50C-407E-A947-70E740481C1C}">
                 <a14:useLocalDpi xmlns:a14="http://schemas.microsoft.com/office/drawing/2010/main" val="0"/>
@@ -10257,8 +9080,8 @@
         </p:blipFill>
         <p:spPr bwMode="auto">
           <a:xfrm>
-            <a:off x="163507" y="266700"/>
-            <a:ext cx="684927" cy="571500"/>
+            <a:off x="116458" y="163788"/>
+            <a:ext cx="779026" cy="650016"/>
           </a:xfrm>
           <a:prstGeom prst="rect">
             <a:avLst/>
@@ -10275,402 +9098,6 @@
           </a:extLst>
         </p:spPr>
       </p:pic>
-      <p:sp>
-        <p:nvSpPr>
-          <p:cNvPr id="12" name="Text Box 42"/>
-          <p:cNvSpPr txBox="1">
-            <a:spLocks noChangeArrowheads="1"/>
-          </p:cNvSpPr>
-          <p:nvPr/>
-        </p:nvSpPr>
-        <p:spPr bwMode="auto">
-          <a:xfrm>
-            <a:off x="1164518" y="1371600"/>
-            <a:ext cx="7300509" cy="5047536"/>
-          </a:xfrm>
-          <a:prstGeom prst="rect">
-            <a:avLst/>
-          </a:prstGeom>
-          <a:noFill/>
-          <a:ln w="9525">
-            <a:noFill/>
-            <a:miter lim="800000"/>
-            <a:headEnd/>
-            <a:tailEnd/>
-          </a:ln>
-          <a:effectLst/>
-        </p:spPr>
-        <p:txBody>
-          <a:bodyPr wrap="square">
-            <a:spAutoFit/>
-          </a:bodyPr>
-          <a:lstStyle/>
-          <a:p>
-            <a:pPr marL="514350" indent="-514350" algn="l" defTabSz="4389438">
-              <a:spcAft>
-                <a:spcPts val="1200"/>
-              </a:spcAft>
-              <a:buFont typeface="+mj-lt"/>
-              <a:buAutoNum type="arabicPeriod"/>
-            </a:pPr>
-            <a:r>
-              <a:rPr lang="en-US" sz="1600" dirty="0" smtClean="0"/>
-              <a:t>G</a:t>
-            </a:r>
-            <a:r>
-              <a:rPr lang="en-US" sz="1600" dirty="0"/>
-              <a:t>. Lo </a:t>
-            </a:r>
-            <a:r>
-              <a:rPr lang="en-US" sz="1600" dirty="0" err="1"/>
-              <a:t>Calzo</a:t>
-            </a:r>
-            <a:r>
-              <a:rPr lang="en-US" sz="1600" dirty="0"/>
-              <a:t> </a:t>
-            </a:r>
-            <a:r>
-              <a:rPr lang="en-US" sz="1600" i="1" dirty="0"/>
-              <a:t>et al.</a:t>
-            </a:r>
-            <a:r>
-              <a:rPr lang="en-US" sz="1600" dirty="0"/>
-              <a:t>, “</a:t>
-            </a:r>
-            <a:r>
-              <a:rPr lang="en-US" sz="1600" b="1" dirty="0"/>
-              <a:t>Integrated motor drives: state of the art and future trends</a:t>
-            </a:r>
-            <a:r>
-              <a:rPr lang="en-US" sz="1600" dirty="0"/>
-              <a:t>,” </a:t>
-            </a:r>
-            <a:r>
-              <a:rPr lang="en-US" sz="1600" i="1" dirty="0"/>
-              <a:t>IET </a:t>
-            </a:r>
-            <a:r>
-              <a:rPr lang="en-US" sz="1600" i="1" dirty="0" err="1"/>
-              <a:t>Electr</a:t>
-            </a:r>
-            <a:r>
-              <a:rPr lang="en-US" sz="1600" i="1" dirty="0"/>
-              <a:t>. Power Appl.</a:t>
-            </a:r>
-            <a:r>
-              <a:rPr lang="en-US" sz="1600" dirty="0"/>
-              <a:t>, vol. 10, no. 8, pp. 757–771, Sep. 2016</a:t>
-            </a:r>
-            <a:r>
-              <a:rPr lang="en-US" sz="1600" dirty="0" smtClean="0"/>
-              <a:t>.</a:t>
-            </a:r>
-            <a:endParaRPr lang="tr-TR" sz="1600" dirty="0" smtClean="0"/>
-          </a:p>
-          <a:p>
-            <a:pPr marL="514350" indent="-514350" algn="l" defTabSz="4389438">
-              <a:spcAft>
-                <a:spcPts val="1200"/>
-              </a:spcAft>
-              <a:buFont typeface="+mj-lt"/>
-              <a:buAutoNum type="arabicPeriod"/>
-            </a:pPr>
-            <a:r>
-              <a:rPr lang="en-US" sz="1600" dirty="0" smtClean="0"/>
-              <a:t>J</a:t>
-            </a:r>
-            <a:r>
-              <a:rPr lang="en-US" sz="1600" dirty="0"/>
-              <a:t>. Wang, Y. Li, and Y. Han, “</a:t>
-            </a:r>
-            <a:r>
-              <a:rPr lang="en-US" sz="1600" b="1" dirty="0"/>
-              <a:t>Integrated Modular Motor Drive Design With GaN Power FETs</a:t>
-            </a:r>
-            <a:r>
-              <a:rPr lang="en-US" sz="1600" dirty="0"/>
-              <a:t>,” </a:t>
-            </a:r>
-            <a:r>
-              <a:rPr lang="en-US" sz="1600" i="1" dirty="0"/>
-              <a:t>IEEE Trans. Ind. Appl.</a:t>
-            </a:r>
-            <a:r>
-              <a:rPr lang="en-US" sz="1600" dirty="0"/>
-              <a:t>, vol. 51, no. c, pp. 3198–3207, 2015</a:t>
-            </a:r>
-            <a:r>
-              <a:rPr lang="en-US" sz="1600" dirty="0" smtClean="0"/>
-              <a:t>.</a:t>
-            </a:r>
-            <a:endParaRPr lang="tr-TR" sz="1600" dirty="0" smtClean="0"/>
-          </a:p>
-          <a:p>
-            <a:pPr marL="514350" indent="-514350" algn="l" defTabSz="4389438">
-              <a:spcAft>
-                <a:spcPts val="1200"/>
-              </a:spcAft>
-              <a:buFont typeface="+mj-lt"/>
-              <a:buAutoNum type="arabicPeriod"/>
-            </a:pPr>
-            <a:r>
-              <a:rPr lang="en-US" sz="1600" dirty="0" smtClean="0"/>
-              <a:t>J</a:t>
-            </a:r>
-            <a:r>
-              <a:rPr lang="en-US" sz="1600" dirty="0"/>
-              <a:t>. J. </a:t>
-            </a:r>
-            <a:r>
-              <a:rPr lang="en-US" sz="1600" dirty="0" err="1"/>
-              <a:t>Wolmarans</a:t>
-            </a:r>
-            <a:r>
-              <a:rPr lang="en-US" sz="1600" dirty="0"/>
-              <a:t>, M. B. Gerber, H. </a:t>
-            </a:r>
-            <a:r>
-              <a:rPr lang="en-US" sz="1600" dirty="0" err="1"/>
-              <a:t>Polinder</a:t>
-            </a:r>
-            <a:r>
-              <a:rPr lang="en-US" sz="1600" dirty="0"/>
-              <a:t>, S. W. H. De </a:t>
-            </a:r>
-            <a:r>
-              <a:rPr lang="en-US" sz="1600" dirty="0" err="1"/>
-              <a:t>Haan</a:t>
-            </a:r>
-            <a:r>
-              <a:rPr lang="en-US" sz="1600" dirty="0"/>
-              <a:t>, J. A. Ferreira, and D. </a:t>
-            </a:r>
-            <a:r>
-              <a:rPr lang="en-US" sz="1600" dirty="0" err="1"/>
-              <a:t>Clarenbach</a:t>
-            </a:r>
-            <a:r>
-              <a:rPr lang="en-US" sz="1600" dirty="0"/>
-              <a:t>, “</a:t>
-            </a:r>
-            <a:r>
-              <a:rPr lang="en-US" sz="1600" b="1" dirty="0"/>
-              <a:t>A 50kW integrated fault tolerant permanent magnet machine and motor drive</a:t>
-            </a:r>
-            <a:r>
-              <a:rPr lang="en-US" sz="1600" dirty="0"/>
-              <a:t>,” </a:t>
-            </a:r>
-            <a:r>
-              <a:rPr lang="en-US" sz="1600" i="1" dirty="0"/>
-              <a:t>PESC Rec. - IEEE </a:t>
-            </a:r>
-            <a:r>
-              <a:rPr lang="en-US" sz="1600" i="1" dirty="0" err="1"/>
-              <a:t>Annu</a:t>
-            </a:r>
-            <a:r>
-              <a:rPr lang="en-US" sz="1600" i="1" dirty="0"/>
-              <a:t>. Power Electron. Spec. Conf.</a:t>
-            </a:r>
-            <a:r>
-              <a:rPr lang="en-US" sz="1600" dirty="0"/>
-              <a:t>, pp. 345–351, 2008</a:t>
-            </a:r>
-            <a:r>
-              <a:rPr lang="en-US" sz="1600" dirty="0" smtClean="0"/>
-              <a:t>.</a:t>
-            </a:r>
-            <a:endParaRPr lang="tr-TR" sz="1600" dirty="0" smtClean="0"/>
-          </a:p>
-          <a:p>
-            <a:pPr marL="514350" indent="-514350" defTabSz="4389438">
-              <a:spcAft>
-                <a:spcPts val="1200"/>
-              </a:spcAft>
-              <a:buFont typeface="+mj-lt"/>
-              <a:buAutoNum type="arabicPeriod"/>
-            </a:pPr>
-            <a:r>
-              <a:rPr lang="en-US" sz="1600" dirty="0" smtClean="0"/>
-              <a:t>N</a:t>
-            </a:r>
-            <a:r>
-              <a:rPr lang="en-US" sz="1600" dirty="0"/>
-              <a:t>. R. Brown, T. M. </a:t>
-            </a:r>
-            <a:r>
-              <a:rPr lang="en-US" sz="1600" dirty="0" err="1"/>
-              <a:t>Jahns</a:t>
-            </a:r>
-            <a:r>
-              <a:rPr lang="en-US" sz="1600" dirty="0"/>
-              <a:t>, and R. D. Lorenz, “</a:t>
-            </a:r>
-            <a:r>
-              <a:rPr lang="en-US" sz="1600" b="1" dirty="0"/>
-              <a:t>Power Converter Design for an Integrated Modular Motor Drive</a:t>
-            </a:r>
-            <a:r>
-              <a:rPr lang="en-US" sz="1600" dirty="0"/>
-              <a:t>,” </a:t>
-            </a:r>
-            <a:r>
-              <a:rPr lang="en-US" sz="1600" i="1" dirty="0"/>
-              <a:t>Ind. Appl. Conf. 2007. 42nd IAS </a:t>
-            </a:r>
-            <a:r>
-              <a:rPr lang="en-US" sz="1600" i="1" dirty="0" err="1"/>
-              <a:t>Annu</a:t>
-            </a:r>
-            <a:r>
-              <a:rPr lang="en-US" sz="1600" i="1" dirty="0"/>
-              <a:t>. Meet. Conf. Rec. 2007 IEEE</a:t>
-            </a:r>
-            <a:r>
-              <a:rPr lang="en-US" sz="1600" dirty="0"/>
-              <a:t>, pp. 1322–1328, 2007</a:t>
-            </a:r>
-            <a:r>
-              <a:rPr lang="en-US" sz="1600" dirty="0" smtClean="0"/>
-              <a:t>.</a:t>
-            </a:r>
-            <a:endParaRPr lang="tr-TR" sz="1600" dirty="0" smtClean="0"/>
-          </a:p>
-          <a:p>
-            <a:pPr marL="514350" indent="-514350" defTabSz="4389438">
-              <a:spcAft>
-                <a:spcPts val="1200"/>
-              </a:spcAft>
-              <a:buFont typeface="+mj-lt"/>
-              <a:buAutoNum type="arabicPeriod"/>
-            </a:pPr>
-            <a:r>
-              <a:rPr lang="en-US" sz="1600" dirty="0" smtClean="0"/>
-              <a:t>S</a:t>
-            </a:r>
-            <a:r>
-              <a:rPr lang="en-US" sz="1600" dirty="0"/>
-              <a:t>. M. Lambert, B. C. </a:t>
-            </a:r>
-            <a:r>
-              <a:rPr lang="en-US" sz="1600" dirty="0" err="1"/>
-              <a:t>Mecrow</a:t>
-            </a:r>
-            <a:r>
-              <a:rPr lang="en-US" sz="1600" dirty="0"/>
-              <a:t>, R. </a:t>
-            </a:r>
-            <a:r>
-              <a:rPr lang="en-US" sz="1600" dirty="0" err="1"/>
-              <a:t>Abebe</a:t>
-            </a:r>
-            <a:r>
-              <a:rPr lang="en-US" sz="1600" dirty="0"/>
-              <a:t>, G. </a:t>
-            </a:r>
-            <a:r>
-              <a:rPr lang="en-US" sz="1600" dirty="0" err="1"/>
-              <a:t>Vakil</a:t>
-            </a:r>
-            <a:r>
-              <a:rPr lang="en-US" sz="1600" dirty="0"/>
-              <a:t>, and C. M. Johnson, “</a:t>
-            </a:r>
-            <a:r>
-              <a:rPr lang="en-US" sz="1600" b="1" dirty="0"/>
-              <a:t>Integrated Drives for Transport - A Review of the Enabling Electronics Technology</a:t>
-            </a:r>
-            <a:r>
-              <a:rPr lang="en-US" sz="1600" dirty="0"/>
-              <a:t>,” </a:t>
-            </a:r>
-            <a:r>
-              <a:rPr lang="en-US" sz="1600" i="1" dirty="0"/>
-              <a:t>IEEE </a:t>
-            </a:r>
-            <a:r>
-              <a:rPr lang="en-US" sz="1600" i="1" dirty="0" err="1"/>
-              <a:t>Veh</a:t>
-            </a:r>
-            <a:r>
-              <a:rPr lang="en-US" sz="1600" i="1" dirty="0"/>
-              <a:t>. Power </a:t>
-            </a:r>
-            <a:r>
-              <a:rPr lang="en-US" sz="1600" i="1" dirty="0" err="1"/>
-              <a:t>Propuls</a:t>
-            </a:r>
-            <a:r>
-              <a:rPr lang="en-US" sz="1600" i="1" dirty="0"/>
-              <a:t>. Conf.</a:t>
-            </a:r>
-            <a:r>
-              <a:rPr lang="en-US" sz="1600" dirty="0"/>
-              <a:t>, pp. 1–6, 2015</a:t>
-            </a:r>
-            <a:r>
-              <a:rPr lang="en-US" sz="1600" dirty="0" smtClean="0"/>
-              <a:t>.</a:t>
-            </a:r>
-            <a:endParaRPr lang="tr-TR" sz="1600" dirty="0" smtClean="0"/>
-          </a:p>
-          <a:p>
-            <a:pPr marL="514350" indent="-514350" defTabSz="4389438">
-              <a:spcAft>
-                <a:spcPts val="1200"/>
-              </a:spcAft>
-              <a:buFont typeface="+mj-lt"/>
-              <a:buAutoNum type="arabicPeriod"/>
-            </a:pPr>
-            <a:r>
-              <a:rPr lang="en-US" sz="1600" dirty="0" smtClean="0"/>
-              <a:t>A</a:t>
-            </a:r>
-            <a:r>
-              <a:rPr lang="en-US" sz="1600" dirty="0"/>
-              <a:t>. </a:t>
-            </a:r>
-            <a:r>
-              <a:rPr lang="en-US" sz="1600" dirty="0" err="1"/>
-              <a:t>Shea</a:t>
-            </a:r>
-            <a:r>
-              <a:rPr lang="en-US" sz="1600" dirty="0"/>
-              <a:t> and T. M. </a:t>
-            </a:r>
-            <a:r>
-              <a:rPr lang="en-US" sz="1600" dirty="0" err="1"/>
-              <a:t>Jahns</a:t>
-            </a:r>
-            <a:r>
-              <a:rPr lang="en-US" sz="1600" dirty="0"/>
-              <a:t>, “</a:t>
-            </a:r>
-            <a:r>
-              <a:rPr lang="en-US" sz="1600" b="1" dirty="0"/>
-              <a:t>Hardware integration for an integrated modular motor drive including distributed control</a:t>
-            </a:r>
-            <a:r>
-              <a:rPr lang="en-US" sz="1600" dirty="0"/>
-              <a:t>,” in </a:t>
-            </a:r>
-            <a:r>
-              <a:rPr lang="en-US" sz="1600" i="1" dirty="0"/>
-              <a:t>2014 IEEE Energy Conversion Congress and Exposition (ECCE)</a:t>
-            </a:r>
-            <a:r>
-              <a:rPr lang="en-US" sz="1600" dirty="0"/>
-              <a:t>, 2014, pp. 4881–4887</a:t>
-            </a:r>
-            <a:r>
-              <a:rPr lang="en-US" sz="1600" dirty="0" smtClean="0"/>
-              <a:t>.</a:t>
-            </a:r>
-            <a:endParaRPr lang="tr-TR" sz="1600" dirty="0" smtClean="0"/>
-          </a:p>
-        </p:txBody>
-      </p:sp>
     </p:spTree>
     <p:extLst>
       <p:ext uri="{BB962C8B-B14F-4D97-AF65-F5344CB8AC3E}">
@@ -10691,7 +9118,7 @@
 </p:sld>
 </file>
 
-<file path=ppt/slides/slide19.xml><?xml version="1.0" encoding="utf-8"?>
+<file path=ppt/slides/slide17.xml><?xml version="1.0" encoding="utf-8"?>
 <p:sld xmlns:a="http://schemas.openxmlformats.org/drawingml/2006/main" xmlns:r="http://schemas.openxmlformats.org/officeDocument/2006/relationships" xmlns:p="http://schemas.openxmlformats.org/presentationml/2006/main">
   <p:cSld>
     <p:spTree>
@@ -10860,113 +9287,9 @@
             <a:fld id="{B6F15528-21DE-4FAA-801E-634DDDAF4B2B}" type="slidenum">
               <a:rPr lang="en-US" smtClean="0"/>
               <a:pPr/>
-              <a:t>19</a:t>
+              <a:t>17</a:t>
             </a:fld>
             <a:endParaRPr lang="en-US" dirty="0"/>
-          </a:p>
-        </p:txBody>
-      </p:sp>
-      <p:pic>
-        <p:nvPicPr>
-          <p:cNvPr id="14" name="Picture 2" descr="C:\Users\Mesut\Desktop\aselsan sunum\aselsan sunum 10 ekim\aselsan sunum\cezmi bey\ODTU.png"/>
-          <p:cNvPicPr>
-            <a:picLocks noChangeAspect="1" noChangeArrowheads="1"/>
-          </p:cNvPicPr>
-          <p:nvPr/>
-        </p:nvPicPr>
-        <p:blipFill>
-          <a:blip r:embed="rId2" cstate="print">
-            <a:extLst>
-              <a:ext uri="{28A0092B-C50C-407E-A947-70E740481C1C}">
-                <a14:useLocalDpi xmlns:a14="http://schemas.microsoft.com/office/drawing/2010/main" val="0"/>
-              </a:ext>
-            </a:extLst>
-          </a:blip>
-          <a:srcRect/>
-          <a:stretch>
-            <a:fillRect/>
-          </a:stretch>
-        </p:blipFill>
-        <p:spPr bwMode="auto">
-          <a:xfrm>
-            <a:off x="163507" y="266700"/>
-            <a:ext cx="684927" cy="571500"/>
-          </a:xfrm>
-          <a:prstGeom prst="rect">
-            <a:avLst/>
-          </a:prstGeom>
-          <a:noFill/>
-          <a:extLst>
-            <a:ext uri="{909E8E84-426E-40DD-AFC4-6F175D3DCCD1}">
-              <a14:hiddenFill xmlns:a14="http://schemas.microsoft.com/office/drawing/2010/main">
-                <a:solidFill>
-                  <a:srgbClr val="FFFFFF"/>
-                </a:solidFill>
-              </a14:hiddenFill>
-            </a:ext>
-          </a:extLst>
-        </p:spPr>
-      </p:pic>
-      <p:sp>
-        <p:nvSpPr>
-          <p:cNvPr id="3" name="Rectangle 2"/>
-          <p:cNvSpPr>
-            <a:spLocks noChangeArrowheads="1"/>
-          </p:cNvSpPr>
-          <p:nvPr/>
-        </p:nvSpPr>
-        <p:spPr bwMode="auto">
-          <a:xfrm>
-            <a:off x="2057400" y="2438400"/>
-            <a:ext cx="9144000" cy="0"/>
-          </a:xfrm>
-          <a:prstGeom prst="rect">
-            <a:avLst/>
-          </a:prstGeom>
-          <a:noFill/>
-          <a:ln>
-            <a:noFill/>
-          </a:ln>
-          <a:effectLst/>
-          <a:extLst>
-            <a:ext uri="{909E8E84-426E-40DD-AFC4-6F175D3DCCD1}">
-              <a14:hiddenFill xmlns:a14="http://schemas.microsoft.com/office/drawing/2010/main">
-                <a:solidFill>
-                  <a:schemeClr val="accent1"/>
-                </a:solidFill>
-              </a14:hiddenFill>
-            </a:ext>
-            <a:ext uri="{91240B29-F687-4F45-9708-019B960494DF}">
-              <a14:hiddenLine xmlns:a14="http://schemas.microsoft.com/office/drawing/2010/main" w="9525">
-                <a:solidFill>
-                  <a:schemeClr val="tx1"/>
-                </a:solidFill>
-                <a:miter lim="800000"/>
-                <a:headEnd/>
-                <a:tailEnd/>
-              </a14:hiddenLine>
-            </a:ext>
-            <a:ext uri="{AF507438-7753-43E0-B8FC-AC1667EBCBE1}">
-              <a14:hiddenEffects xmlns:a14="http://schemas.microsoft.com/office/drawing/2010/main">
-                <a:effectLst>
-                  <a:outerShdw dist="35921" dir="2700000" algn="ctr" rotWithShape="0">
-                    <a:schemeClr val="bg2"/>
-                  </a:outerShdw>
-                </a:effectLst>
-              </a14:hiddenEffects>
-            </a:ext>
-          </a:extLst>
-        </p:spPr>
-        <p:txBody>
-          <a:bodyPr vert="horz" wrap="none" lIns="91440" tIns="45720" rIns="91440" bIns="45720" numCol="1" anchor="ctr" anchorCtr="0" compatLnSpc="1">
-            <a:prstTxWarp prst="textNoShape">
-              <a:avLst/>
-            </a:prstTxWarp>
-            <a:spAutoFit/>
-          </a:bodyPr>
-          <a:lstStyle/>
-          <a:p>
-            <a:endParaRPr lang="en-US"/>
           </a:p>
         </p:txBody>
       </p:sp>
@@ -11014,7 +9337,7 @@
         </p:nvSpPr>
         <p:spPr>
           <a:xfrm>
-            <a:off x="1356959" y="1323201"/>
+            <a:off x="1295400" y="1066800"/>
             <a:ext cx="7315200" cy="646331"/>
           </a:xfrm>
           <a:prstGeom prst="rect">
@@ -11046,6 +9369,36 @@
       <p:pic>
         <p:nvPicPr>
           <p:cNvPr id="17" name="Picture 16"/>
+          <p:cNvPicPr>
+            <a:picLocks noChangeAspect="1"/>
+          </p:cNvPicPr>
+          <p:nvPr/>
+        </p:nvPicPr>
+        <p:blipFill>
+          <a:blip r:embed="rId2" cstate="print">
+            <a:extLst>
+              <a:ext uri="{28A0092B-C50C-407E-A947-70E740481C1C}">
+                <a14:useLocalDpi xmlns:a14="http://schemas.microsoft.com/office/drawing/2010/main" val="0"/>
+              </a:ext>
+            </a:extLst>
+          </a:blip>
+          <a:stretch>
+            <a:fillRect/>
+          </a:stretch>
+        </p:blipFill>
+        <p:spPr>
+          <a:xfrm>
+            <a:off x="3980082" y="2175764"/>
+            <a:ext cx="2068954" cy="2068954"/>
+          </a:xfrm>
+          <a:prstGeom prst="rect">
+            <a:avLst/>
+          </a:prstGeom>
+        </p:spPr>
+      </p:pic>
+      <p:pic>
+        <p:nvPicPr>
+          <p:cNvPr id="13" name="Picture 12"/>
           <p:cNvPicPr>
             <a:picLocks noChangeAspect="1"/>
           </p:cNvPicPr>
@@ -11064,13 +9417,162 @@
           </a:stretch>
         </p:blipFill>
         <p:spPr>
-          <a:xfrm>
-            <a:off x="3584120" y="2907269"/>
-            <a:ext cx="2942492" cy="2942492"/>
+          <a:xfrm rot="16200000">
+            <a:off x="-876200" y="5067199"/>
+            <a:ext cx="2759076" cy="549476"/>
           </a:xfrm>
           <a:prstGeom prst="rect">
             <a:avLst/>
           </a:prstGeom>
+        </p:spPr>
+      </p:pic>
+      <p:pic>
+        <p:nvPicPr>
+          <p:cNvPr id="18" name="Picture 2" descr="C:\Users\Mesut\Desktop\aselsan sunum\aselsan sunum 10 ekim\aselsan sunum\cezmi bey\ODTU.png"/>
+          <p:cNvPicPr>
+            <a:picLocks noChangeAspect="1" noChangeArrowheads="1"/>
+          </p:cNvPicPr>
+          <p:nvPr/>
+        </p:nvPicPr>
+        <p:blipFill>
+          <a:blip r:embed="rId4" cstate="print">
+            <a:extLst>
+              <a:ext uri="{28A0092B-C50C-407E-A947-70E740481C1C}">
+                <a14:useLocalDpi xmlns:a14="http://schemas.microsoft.com/office/drawing/2010/main" val="0"/>
+              </a:ext>
+            </a:extLst>
+          </a:blip>
+          <a:srcRect/>
+          <a:stretch>
+            <a:fillRect/>
+          </a:stretch>
+        </p:blipFill>
+        <p:spPr bwMode="auto">
+          <a:xfrm>
+            <a:off x="116458" y="163788"/>
+            <a:ext cx="779026" cy="650016"/>
+          </a:xfrm>
+          <a:prstGeom prst="rect">
+            <a:avLst/>
+          </a:prstGeom>
+          <a:noFill/>
+          <a:extLst>
+            <a:ext uri="{909E8E84-426E-40DD-AFC4-6F175D3DCCD1}">
+              <a14:hiddenFill xmlns:a14="http://schemas.microsoft.com/office/drawing/2010/main">
+                <a:solidFill>
+                  <a:srgbClr val="FFFFFF"/>
+                </a:solidFill>
+              </a14:hiddenFill>
+            </a:ext>
+          </a:extLst>
+        </p:spPr>
+      </p:pic>
+      <p:sp>
+        <p:nvSpPr>
+          <p:cNvPr id="19" name="TextBox 18"/>
+          <p:cNvSpPr txBox="1"/>
+          <p:nvPr/>
+        </p:nvSpPr>
+        <p:spPr>
+          <a:xfrm>
+            <a:off x="1047216" y="4742756"/>
+            <a:ext cx="8096784" cy="1477328"/>
+          </a:xfrm>
+          <a:prstGeom prst="rect">
+            <a:avLst/>
+          </a:prstGeom>
+          <a:noFill/>
+        </p:spPr>
+        <p:txBody>
+          <a:bodyPr wrap="square" rtlCol="0">
+            <a:spAutoFit/>
+          </a:bodyPr>
+          <a:lstStyle/>
+          <a:p>
+            <a:pPr algn="ctr"/>
+            <a:r>
+              <a:rPr lang="en-US" sz="3000" dirty="0" smtClean="0">
+                <a:latin typeface="Times New Roman" panose="02020603050405020304" pitchFamily="18" charset="0"/>
+                <a:cs typeface="Times New Roman" panose="02020603050405020304" pitchFamily="18" charset="0"/>
+              </a:rPr>
+              <a:t>Mesut Uğur</a:t>
+            </a:r>
+          </a:p>
+          <a:p>
+            <a:pPr algn="ctr"/>
+            <a:r>
+              <a:rPr lang="en-US" sz="2000" dirty="0" smtClean="0">
+                <a:latin typeface="Times New Roman" panose="02020603050405020304" pitchFamily="18" charset="0"/>
+                <a:cs typeface="Times New Roman" panose="02020603050405020304" pitchFamily="18" charset="0"/>
+                <a:hlinkClick r:id="rId5"/>
+              </a:rPr>
+              <a:t>ugurm@metu.edu.tr</a:t>
+            </a:r>
+            <a:endParaRPr lang="en-US" sz="2000" dirty="0" smtClean="0">
+              <a:latin typeface="Times New Roman" panose="02020603050405020304" pitchFamily="18" charset="0"/>
+              <a:cs typeface="Times New Roman" panose="02020603050405020304" pitchFamily="18" charset="0"/>
+            </a:endParaRPr>
+          </a:p>
+          <a:p>
+            <a:pPr algn="ctr"/>
+            <a:r>
+              <a:rPr lang="en-US" sz="2000" dirty="0" smtClean="0">
+                <a:latin typeface="Times New Roman" panose="02020603050405020304" pitchFamily="18" charset="0"/>
+                <a:cs typeface="Times New Roman" panose="02020603050405020304" pitchFamily="18" charset="0"/>
+              </a:rPr>
+              <a:t>Department of Electrical and Electronics Engineering</a:t>
+            </a:r>
+          </a:p>
+          <a:p>
+            <a:pPr algn="ctr"/>
+            <a:r>
+              <a:rPr lang="en-US" sz="2000" dirty="0" smtClean="0">
+                <a:latin typeface="Times New Roman" panose="02020603050405020304" pitchFamily="18" charset="0"/>
+                <a:cs typeface="Times New Roman" panose="02020603050405020304" pitchFamily="18" charset="0"/>
+              </a:rPr>
+              <a:t>Middle East Technical University</a:t>
+            </a:r>
+            <a:endParaRPr lang="en-US" sz="2000" dirty="0" smtClean="0">
+              <a:latin typeface="Times New Roman" panose="02020603050405020304" pitchFamily="18" charset="0"/>
+              <a:cs typeface="Times New Roman" panose="02020603050405020304" pitchFamily="18" charset="0"/>
+            </a:endParaRPr>
+          </a:p>
+        </p:txBody>
+      </p:sp>
+      <p:pic>
+        <p:nvPicPr>
+          <p:cNvPr id="20" name="Picture 19" descr="C:\Users\ugurm\Desktop\gitthub\IMMD\GRW2017\Metu5.png"/>
+          <p:cNvPicPr/>
+          <p:nvPr/>
+        </p:nvPicPr>
+        <p:blipFill rotWithShape="1">
+          <a:blip r:embed="rId6" cstate="print">
+            <a:extLst>
+              <a:ext uri="{28A0092B-C50C-407E-A947-70E740481C1C}">
+                <a14:useLocalDpi xmlns:a14="http://schemas.microsoft.com/office/drawing/2010/main" val="0"/>
+              </a:ext>
+            </a:extLst>
+          </a:blip>
+          <a:srcRect l="14652" t="39667" r="15041" b="41051"/>
+          <a:stretch/>
+        </p:blipFill>
+        <p:spPr bwMode="auto">
+          <a:xfrm>
+            <a:off x="3382022" y="6097904"/>
+            <a:ext cx="3427172" cy="760096"/>
+          </a:xfrm>
+          <a:prstGeom prst="rect">
+            <a:avLst/>
+          </a:prstGeom>
+          <a:noFill/>
+          <a:ln>
+            <a:noFill/>
+          </a:ln>
+          <a:extLst>
+            <a:ext uri="{53640926-AAD7-44D8-BBD7-CCE9431645EC}">
+              <a14:shadowObscured xmlns:a14="http://schemas.microsoft.com/office/drawing/2010/main"/>
+            </a:ext>
+          </a:extLst>
         </p:spPr>
       </p:pic>
     </p:spTree>
@@ -11355,13 +9857,13 @@
           <a:p>
             <a:pPr algn="ctr"/>
             <a:r>
-              <a:rPr lang="tr-TR" sz="3000" dirty="0" err="1" smtClean="0">
+              <a:rPr lang="en-US" sz="3000" dirty="0" smtClean="0">
                 <a:latin typeface="Times New Roman" panose="02020603050405020304" pitchFamily="18" charset="0"/>
                 <a:cs typeface="Times New Roman" panose="02020603050405020304" pitchFamily="18" charset="0"/>
               </a:rPr>
               <a:t>Outline</a:t>
             </a:r>
-            <a:endParaRPr lang="tr-TR" sz="3000" dirty="0">
+            <a:endParaRPr lang="en-US" sz="3000" dirty="0">
               <a:latin typeface="Times New Roman" panose="02020603050405020304" pitchFamily="18" charset="0"/>
               <a:cs typeface="Times New Roman" panose="02020603050405020304" pitchFamily="18" charset="0"/>
             </a:endParaRPr>
@@ -11427,16 +9929,251 @@
           </a:p>
         </p:txBody>
       </p:sp>
+      <p:sp>
+        <p:nvSpPr>
+          <p:cNvPr id="18" name="TextBox 17"/>
+          <p:cNvSpPr txBox="1"/>
+          <p:nvPr/>
+        </p:nvSpPr>
+        <p:spPr>
+          <a:xfrm>
+            <a:off x="1373427" y="1447800"/>
+            <a:ext cx="7282263" cy="3600986"/>
+          </a:xfrm>
+          <a:prstGeom prst="rect">
+            <a:avLst/>
+          </a:prstGeom>
+          <a:noFill/>
+        </p:spPr>
+        <p:txBody>
+          <a:bodyPr wrap="square" rtlCol="0">
+            <a:spAutoFit/>
+          </a:bodyPr>
+          <a:lstStyle/>
+          <a:p>
+            <a:pPr marL="342900" indent="-342900">
+              <a:spcAft>
+                <a:spcPts val="1200"/>
+              </a:spcAft>
+              <a:buFont typeface="Wingdings" panose="05000000000000000000" pitchFamily="2" charset="2"/>
+              <a:buChar char="ü"/>
+            </a:pPr>
+            <a:r>
+              <a:rPr lang="en-US" sz="2400" dirty="0" smtClean="0">
+                <a:latin typeface="Times New Roman" panose="02020603050405020304" pitchFamily="18" charset="0"/>
+                <a:cs typeface="Times New Roman" panose="02020603050405020304" pitchFamily="18" charset="0"/>
+              </a:rPr>
+              <a:t>Introduction</a:t>
+            </a:r>
+            <a:r>
+              <a:rPr lang="tr-TR" sz="2400" dirty="0" smtClean="0">
+                <a:latin typeface="Times New Roman" panose="02020603050405020304" pitchFamily="18" charset="0"/>
+                <a:cs typeface="Times New Roman" panose="02020603050405020304" pitchFamily="18" charset="0"/>
+              </a:rPr>
+              <a:t> (1’) =&gt; 1 slayt</a:t>
+            </a:r>
+            <a:endParaRPr lang="en-US" sz="2400" dirty="0" smtClean="0">
+              <a:latin typeface="Times New Roman" panose="02020603050405020304" pitchFamily="18" charset="0"/>
+              <a:cs typeface="Times New Roman" panose="02020603050405020304" pitchFamily="18" charset="0"/>
+            </a:endParaRPr>
+          </a:p>
+          <a:p>
+            <a:pPr marL="342900" indent="-342900">
+              <a:spcAft>
+                <a:spcPts val="1200"/>
+              </a:spcAft>
+              <a:buFont typeface="Wingdings" panose="05000000000000000000" pitchFamily="2" charset="2"/>
+              <a:buChar char="ü"/>
+            </a:pPr>
+            <a:r>
+              <a:rPr lang="en-US" sz="2400" dirty="0" smtClean="0">
+                <a:latin typeface="Times New Roman" panose="02020603050405020304" pitchFamily="18" charset="0"/>
+                <a:cs typeface="Times New Roman" panose="02020603050405020304" pitchFamily="18" charset="0"/>
+              </a:rPr>
+              <a:t>IMMD Technology Review</a:t>
+            </a:r>
+            <a:r>
+              <a:rPr lang="tr-TR" sz="2400" dirty="0" smtClean="0">
+                <a:latin typeface="Times New Roman" panose="02020603050405020304" pitchFamily="18" charset="0"/>
+                <a:cs typeface="Times New Roman" panose="02020603050405020304" pitchFamily="18" charset="0"/>
+              </a:rPr>
+              <a:t> (2’) =&gt; 3 slayt</a:t>
+            </a:r>
+            <a:endParaRPr lang="en-US" sz="2400" dirty="0" smtClean="0">
+              <a:latin typeface="Times New Roman" panose="02020603050405020304" pitchFamily="18" charset="0"/>
+              <a:cs typeface="Times New Roman" panose="02020603050405020304" pitchFamily="18" charset="0"/>
+            </a:endParaRPr>
+          </a:p>
+          <a:p>
+            <a:pPr marL="342900" indent="-342900">
+              <a:spcAft>
+                <a:spcPts val="1200"/>
+              </a:spcAft>
+              <a:buFont typeface="Wingdings" panose="05000000000000000000" pitchFamily="2" charset="2"/>
+              <a:buChar char="ü"/>
+            </a:pPr>
+            <a:r>
+              <a:rPr lang="en-US" sz="2400" dirty="0" smtClean="0">
+                <a:latin typeface="Times New Roman" panose="02020603050405020304" pitchFamily="18" charset="0"/>
+                <a:cs typeface="Times New Roman" panose="02020603050405020304" pitchFamily="18" charset="0"/>
+              </a:rPr>
+              <a:t>DC Link Modeling</a:t>
+            </a:r>
+            <a:r>
+              <a:rPr lang="tr-TR" sz="2400" dirty="0" smtClean="0">
+                <a:latin typeface="Times New Roman" panose="02020603050405020304" pitchFamily="18" charset="0"/>
+                <a:cs typeface="Times New Roman" panose="02020603050405020304" pitchFamily="18" charset="0"/>
+              </a:rPr>
+              <a:t> (2’) =&gt; 2 slayt</a:t>
+            </a:r>
+            <a:endParaRPr lang="en-US" sz="2400" dirty="0" smtClean="0">
+              <a:latin typeface="Times New Roman" panose="02020603050405020304" pitchFamily="18" charset="0"/>
+              <a:cs typeface="Times New Roman" panose="02020603050405020304" pitchFamily="18" charset="0"/>
+            </a:endParaRPr>
+          </a:p>
+          <a:p>
+            <a:pPr marL="342900" indent="-342900">
+              <a:spcAft>
+                <a:spcPts val="1200"/>
+              </a:spcAft>
+              <a:buFont typeface="Wingdings" panose="05000000000000000000" pitchFamily="2" charset="2"/>
+              <a:buChar char="ü"/>
+            </a:pPr>
+            <a:r>
+              <a:rPr lang="en-US" sz="2400" dirty="0" smtClean="0">
+                <a:latin typeface="Times New Roman" panose="02020603050405020304" pitchFamily="18" charset="0"/>
+                <a:cs typeface="Times New Roman" panose="02020603050405020304" pitchFamily="18" charset="0"/>
+              </a:rPr>
+              <a:t>DC Link Capacitor Evaluation</a:t>
+            </a:r>
+            <a:r>
+              <a:rPr lang="tr-TR" sz="2400" dirty="0" smtClean="0">
+                <a:latin typeface="Times New Roman" panose="02020603050405020304" pitchFamily="18" charset="0"/>
+                <a:cs typeface="Times New Roman" panose="02020603050405020304" pitchFamily="18" charset="0"/>
+              </a:rPr>
+              <a:t> (2’) =&gt; 3 slayt</a:t>
+            </a:r>
+            <a:endParaRPr lang="en-US" sz="2400" dirty="0" smtClean="0">
+              <a:latin typeface="Times New Roman" panose="02020603050405020304" pitchFamily="18" charset="0"/>
+              <a:cs typeface="Times New Roman" panose="02020603050405020304" pitchFamily="18" charset="0"/>
+            </a:endParaRPr>
+          </a:p>
+          <a:p>
+            <a:pPr marL="342900" indent="-342900">
+              <a:spcAft>
+                <a:spcPts val="1200"/>
+              </a:spcAft>
+              <a:buFont typeface="Wingdings" panose="05000000000000000000" pitchFamily="2" charset="2"/>
+              <a:buChar char="ü"/>
+            </a:pPr>
+            <a:r>
+              <a:rPr lang="en-US" sz="2400" dirty="0" smtClean="0">
+                <a:latin typeface="Times New Roman" panose="02020603050405020304" pitchFamily="18" charset="0"/>
+                <a:cs typeface="Times New Roman" panose="02020603050405020304" pitchFamily="18" charset="0"/>
+              </a:rPr>
+              <a:t>Results</a:t>
+            </a:r>
+            <a:r>
+              <a:rPr lang="tr-TR" sz="2400" dirty="0" smtClean="0">
+                <a:latin typeface="Times New Roman" panose="02020603050405020304" pitchFamily="18" charset="0"/>
+                <a:cs typeface="Times New Roman" panose="02020603050405020304" pitchFamily="18" charset="0"/>
+              </a:rPr>
+              <a:t> (2’) =&gt; 2 slayt</a:t>
+            </a:r>
+            <a:endParaRPr lang="en-US" sz="2400" dirty="0" smtClean="0">
+              <a:latin typeface="Times New Roman" panose="02020603050405020304" pitchFamily="18" charset="0"/>
+              <a:cs typeface="Times New Roman" panose="02020603050405020304" pitchFamily="18" charset="0"/>
+            </a:endParaRPr>
+          </a:p>
+          <a:p>
+            <a:pPr marL="342900" indent="-342900">
+              <a:spcAft>
+                <a:spcPts val="1200"/>
+              </a:spcAft>
+              <a:buFont typeface="Wingdings" panose="05000000000000000000" pitchFamily="2" charset="2"/>
+              <a:buChar char="ü"/>
+            </a:pPr>
+            <a:r>
+              <a:rPr lang="en-US" sz="2400" dirty="0" smtClean="0">
+                <a:latin typeface="Times New Roman" panose="02020603050405020304" pitchFamily="18" charset="0"/>
+                <a:cs typeface="Times New Roman" panose="02020603050405020304" pitchFamily="18" charset="0"/>
+              </a:rPr>
+              <a:t>Conclusions</a:t>
+            </a:r>
+            <a:r>
+              <a:rPr lang="tr-TR" sz="2400" dirty="0" smtClean="0">
+                <a:latin typeface="Times New Roman" panose="02020603050405020304" pitchFamily="18" charset="0"/>
+                <a:cs typeface="Times New Roman" panose="02020603050405020304" pitchFamily="18" charset="0"/>
+              </a:rPr>
+              <a:t> (1’) =&gt; 1 slayt</a:t>
+            </a:r>
+            <a:endParaRPr lang="en-US" sz="2400" dirty="0" smtClean="0">
+              <a:latin typeface="Times New Roman" panose="02020603050405020304" pitchFamily="18" charset="0"/>
+              <a:cs typeface="Times New Roman" panose="02020603050405020304" pitchFamily="18" charset="0"/>
+            </a:endParaRPr>
+          </a:p>
+          <a:p>
+            <a:pPr marL="342900" indent="-342900">
+              <a:spcAft>
+                <a:spcPts val="1200"/>
+              </a:spcAft>
+              <a:buFont typeface="Wingdings" panose="05000000000000000000" pitchFamily="2" charset="2"/>
+              <a:buChar char="ü"/>
+            </a:pPr>
+            <a:r>
+              <a:rPr lang="en-US" sz="2400" dirty="0" smtClean="0">
+                <a:latin typeface="Times New Roman" panose="02020603050405020304" pitchFamily="18" charset="0"/>
+                <a:cs typeface="Times New Roman" panose="02020603050405020304" pitchFamily="18" charset="0"/>
+              </a:rPr>
+              <a:t>References</a:t>
+            </a:r>
+            <a:endParaRPr lang="en-US" sz="2400" dirty="0" smtClean="0">
+              <a:latin typeface="Times New Roman" panose="02020603050405020304" pitchFamily="18" charset="0"/>
+              <a:cs typeface="Times New Roman" panose="02020603050405020304" pitchFamily="18" charset="0"/>
+            </a:endParaRPr>
+          </a:p>
+        </p:txBody>
+      </p:sp>
       <p:pic>
         <p:nvPicPr>
-          <p:cNvPr id="14" name="Picture 2" descr="C:\Users\Mesut\Desktop\aselsan sunum\aselsan sunum 10 ekim\aselsan sunum\cezmi bey\ODTU.png"/>
+          <p:cNvPr id="9" name="Picture 8"/>
+          <p:cNvPicPr>
+            <a:picLocks noChangeAspect="1"/>
+          </p:cNvPicPr>
+          <p:nvPr/>
+        </p:nvPicPr>
+        <p:blipFill>
+          <a:blip r:embed="rId3" cstate="print">
+            <a:extLst>
+              <a:ext uri="{28A0092B-C50C-407E-A947-70E740481C1C}">
+                <a14:useLocalDpi xmlns:a14="http://schemas.microsoft.com/office/drawing/2010/main" val="0"/>
+              </a:ext>
+            </a:extLst>
+          </a:blip>
+          <a:stretch>
+            <a:fillRect/>
+          </a:stretch>
+        </p:blipFill>
+        <p:spPr>
+          <a:xfrm rot="16200000">
+            <a:off x="-876200" y="5067199"/>
+            <a:ext cx="2759076" cy="549476"/>
+          </a:xfrm>
+          <a:prstGeom prst="rect">
+            <a:avLst/>
+          </a:prstGeom>
+        </p:spPr>
+      </p:pic>
+      <p:pic>
+        <p:nvPicPr>
+          <p:cNvPr id="12" name="Picture 2" descr="C:\Users\Mesut\Desktop\aselsan sunum\aselsan sunum 10 ekim\aselsan sunum\cezmi bey\ODTU.png"/>
           <p:cNvPicPr>
             <a:picLocks noChangeAspect="1" noChangeArrowheads="1"/>
           </p:cNvPicPr>
           <p:nvPr/>
         </p:nvPicPr>
         <p:blipFill>
-          <a:blip r:embed="rId2" cstate="print">
+          <a:blip r:embed="rId4" cstate="print">
             <a:extLst>
               <a:ext uri="{28A0092B-C50C-407E-A947-70E740481C1C}">
                 <a14:useLocalDpi xmlns:a14="http://schemas.microsoft.com/office/drawing/2010/main" val="0"/>
@@ -11450,8 +10187,8 @@
         </p:blipFill>
         <p:spPr bwMode="auto">
           <a:xfrm>
-            <a:off x="163507" y="266700"/>
-            <a:ext cx="684927" cy="571500"/>
+            <a:off x="116458" y="163788"/>
+            <a:ext cx="779026" cy="650016"/>
           </a:xfrm>
           <a:prstGeom prst="rect">
             <a:avLst/>
@@ -11468,738 +10205,10 @@
           </a:extLst>
         </p:spPr>
       </p:pic>
-      <p:sp>
-        <p:nvSpPr>
-          <p:cNvPr id="18" name="TextBox 17"/>
-          <p:cNvSpPr txBox="1"/>
-          <p:nvPr/>
-        </p:nvSpPr>
-        <p:spPr>
-          <a:xfrm>
-            <a:off x="1358937" y="1828800"/>
-            <a:ext cx="7282263" cy="3077766"/>
-          </a:xfrm>
-          <a:prstGeom prst="rect">
-            <a:avLst/>
-          </a:prstGeom>
-          <a:noFill/>
-        </p:spPr>
-        <p:txBody>
-          <a:bodyPr wrap="square" rtlCol="0">
-            <a:spAutoFit/>
-          </a:bodyPr>
-          <a:lstStyle/>
-          <a:p>
-            <a:pPr marL="342900" indent="-342900">
-              <a:spcAft>
-                <a:spcPts val="1200"/>
-              </a:spcAft>
-              <a:buFont typeface="Wingdings" panose="05000000000000000000" pitchFamily="2" charset="2"/>
-              <a:buChar char="ü"/>
-            </a:pPr>
-            <a:r>
-              <a:rPr lang="en-US" sz="2400" dirty="0" smtClean="0">
-                <a:latin typeface="Times New Roman" panose="02020603050405020304" pitchFamily="18" charset="0"/>
-                <a:cs typeface="Times New Roman" panose="02020603050405020304" pitchFamily="18" charset="0"/>
-              </a:rPr>
-              <a:t>What is IMMD?</a:t>
-            </a:r>
-          </a:p>
-          <a:p>
-            <a:pPr marL="342900" indent="-342900">
-              <a:spcAft>
-                <a:spcPts val="1200"/>
-              </a:spcAft>
-              <a:buFont typeface="Wingdings" panose="05000000000000000000" pitchFamily="2" charset="2"/>
-              <a:buChar char="ü"/>
-            </a:pPr>
-            <a:r>
-              <a:rPr lang="en-US" sz="2400" dirty="0" smtClean="0">
-                <a:latin typeface="Times New Roman" panose="02020603050405020304" pitchFamily="18" charset="0"/>
-                <a:cs typeface="Times New Roman" panose="02020603050405020304" pitchFamily="18" charset="0"/>
-              </a:rPr>
-              <a:t>Why IMMD?</a:t>
-            </a:r>
-          </a:p>
-          <a:p>
-            <a:pPr marL="342900" indent="-342900">
-              <a:spcAft>
-                <a:spcPts val="1200"/>
-              </a:spcAft>
-              <a:buFont typeface="Wingdings" panose="05000000000000000000" pitchFamily="2" charset="2"/>
-              <a:buChar char="ü"/>
-            </a:pPr>
-            <a:r>
-              <a:rPr lang="en-US" sz="2400" dirty="0" smtClean="0">
-                <a:latin typeface="Times New Roman" panose="02020603050405020304" pitchFamily="18" charset="0"/>
-                <a:cs typeface="Times New Roman" panose="02020603050405020304" pitchFamily="18" charset="0"/>
-              </a:rPr>
-              <a:t>Challenges</a:t>
-            </a:r>
-          </a:p>
-          <a:p>
-            <a:pPr marL="342900" indent="-342900">
-              <a:spcAft>
-                <a:spcPts val="1200"/>
-              </a:spcAft>
-              <a:buFont typeface="Wingdings" panose="05000000000000000000" pitchFamily="2" charset="2"/>
-              <a:buChar char="ü"/>
-            </a:pPr>
-            <a:r>
-              <a:rPr lang="en-US" sz="2400" dirty="0" smtClean="0">
-                <a:latin typeface="Times New Roman" panose="02020603050405020304" pitchFamily="18" charset="0"/>
-                <a:cs typeface="Times New Roman" panose="02020603050405020304" pitchFamily="18" charset="0"/>
-              </a:rPr>
-              <a:t>DC Link Capacitor Optimization</a:t>
-            </a:r>
-          </a:p>
-          <a:p>
-            <a:pPr marL="342900" indent="-342900">
-              <a:spcAft>
-                <a:spcPts val="1200"/>
-              </a:spcAft>
-              <a:buFont typeface="Wingdings" panose="05000000000000000000" pitchFamily="2" charset="2"/>
-              <a:buChar char="ü"/>
-            </a:pPr>
-            <a:r>
-              <a:rPr lang="en-US" sz="2400" dirty="0" smtClean="0">
-                <a:latin typeface="Times New Roman" panose="02020603050405020304" pitchFamily="18" charset="0"/>
-                <a:cs typeface="Times New Roman" panose="02020603050405020304" pitchFamily="18" charset="0"/>
-              </a:rPr>
-              <a:t>IMMD Design</a:t>
-            </a:r>
-          </a:p>
-          <a:p>
-            <a:pPr marL="342900" indent="-342900">
-              <a:spcAft>
-                <a:spcPts val="1200"/>
-              </a:spcAft>
-              <a:buFont typeface="Wingdings" panose="05000000000000000000" pitchFamily="2" charset="2"/>
-              <a:buChar char="ü"/>
-            </a:pPr>
-            <a:r>
-              <a:rPr lang="en-US" sz="2400" dirty="0" smtClean="0">
-                <a:latin typeface="Times New Roman" panose="02020603050405020304" pitchFamily="18" charset="0"/>
-                <a:cs typeface="Times New Roman" panose="02020603050405020304" pitchFamily="18" charset="0"/>
-              </a:rPr>
-              <a:t>Future Work</a:t>
-            </a:r>
-          </a:p>
-        </p:txBody>
-      </p:sp>
     </p:spTree>
     <p:extLst>
       <p:ext uri="{BB962C8B-B14F-4D97-AF65-F5344CB8AC3E}">
         <p14:creationId xmlns:p14="http://schemas.microsoft.com/office/powerpoint/2010/main" val="3062397190"/>
-      </p:ext>
-    </p:extLst>
-  </p:cSld>
-  <p:clrMapOvr>
-    <a:masterClrMapping/>
-  </p:clrMapOvr>
-  <p:timing>
-    <p:tnLst>
-      <p:par>
-        <p:cTn id="1" dur="indefinite" restart="never" nodeType="tmRoot"/>
-      </p:par>
-    </p:tnLst>
-  </p:timing>
-</p:sld>
-</file>
-
-<file path=ppt/slides/slide20.xml><?xml version="1.0" encoding="utf-8"?>
-<p:sld xmlns:a="http://schemas.openxmlformats.org/drawingml/2006/main" xmlns:r="http://schemas.openxmlformats.org/officeDocument/2006/relationships" xmlns:p="http://schemas.openxmlformats.org/presentationml/2006/main">
-  <p:cSld>
-    <p:spTree>
-      <p:nvGrpSpPr>
-        <p:cNvPr id="1" name=""/>
-        <p:cNvGrpSpPr/>
-        <p:nvPr/>
-      </p:nvGrpSpPr>
-      <p:grpSpPr>
-        <a:xfrm>
-          <a:off x="0" y="0"/>
-          <a:ext cx="0" cy="0"/>
-          <a:chOff x="0" y="0"/>
-          <a:chExt cx="0" cy="0"/>
-        </a:xfrm>
-      </p:grpSpPr>
-      <p:sp>
-        <p:nvSpPr>
-          <p:cNvPr id="10" name="Rectangle 9"/>
-          <p:cNvSpPr/>
-          <p:nvPr/>
-        </p:nvSpPr>
-        <p:spPr>
-          <a:xfrm>
-            <a:off x="0" y="12106"/>
-            <a:ext cx="1011942" cy="6854083"/>
-          </a:xfrm>
-          <a:prstGeom prst="rect">
-            <a:avLst/>
-          </a:prstGeom>
-          <a:gradFill flip="none" rotWithShape="1">
-            <a:gsLst>
-              <a:gs pos="50000">
-                <a:srgbClr val="D00000"/>
-              </a:gs>
-              <a:gs pos="0">
-                <a:srgbClr val="FF0000">
-                  <a:shade val="30000"/>
-                  <a:satMod val="115000"/>
-                </a:srgbClr>
-              </a:gs>
-              <a:gs pos="100000">
-                <a:schemeClr val="accent2">
-                  <a:lumMod val="60000"/>
-                  <a:lumOff val="40000"/>
-                </a:schemeClr>
-              </a:gs>
-            </a:gsLst>
-            <a:lin ang="5400000" scaled="1"/>
-            <a:tileRect/>
-          </a:gradFill>
-          <a:ln>
-            <a:noFill/>
-          </a:ln>
-        </p:spPr>
-        <p:style>
-          <a:lnRef idx="2">
-            <a:schemeClr val="accent1">
-              <a:shade val="50000"/>
-            </a:schemeClr>
-          </a:lnRef>
-          <a:fillRef idx="1">
-            <a:schemeClr val="accent1"/>
-          </a:fillRef>
-          <a:effectRef idx="0">
-            <a:schemeClr val="accent1"/>
-          </a:effectRef>
-          <a:fontRef idx="minor">
-            <a:schemeClr val="lt1"/>
-          </a:fontRef>
-        </p:style>
-        <p:txBody>
-          <a:bodyPr rtlCol="0" anchor="ctr"/>
-          <a:lstStyle/>
-          <a:p>
-            <a:pPr algn="ctr"/>
-            <a:endParaRPr lang="tr-TR" dirty="0"/>
-          </a:p>
-        </p:txBody>
-      </p:sp>
-      <p:cxnSp>
-        <p:nvCxnSpPr>
-          <p:cNvPr id="11" name="Straight Connector 10"/>
-          <p:cNvCxnSpPr/>
-          <p:nvPr/>
-        </p:nvCxnSpPr>
-        <p:spPr>
-          <a:xfrm>
-            <a:off x="1189918" y="838200"/>
-            <a:ext cx="7649282" cy="0"/>
-          </a:xfrm>
-          <a:prstGeom prst="line">
-            <a:avLst/>
-          </a:prstGeom>
-          <a:ln w="50800">
-            <a:solidFill>
-              <a:srgbClr val="F20000"/>
-            </a:solidFill>
-          </a:ln>
-        </p:spPr>
-        <p:style>
-          <a:lnRef idx="1">
-            <a:schemeClr val="accent1"/>
-          </a:lnRef>
-          <a:fillRef idx="0">
-            <a:schemeClr val="accent1"/>
-          </a:fillRef>
-          <a:effectRef idx="0">
-            <a:schemeClr val="accent1"/>
-          </a:effectRef>
-          <a:fontRef idx="minor">
-            <a:schemeClr val="tx1"/>
-          </a:fontRef>
-        </p:style>
-      </p:cxnSp>
-      <p:sp>
-        <p:nvSpPr>
-          <p:cNvPr id="13" name="TextBox 12"/>
-          <p:cNvSpPr txBox="1"/>
-          <p:nvPr/>
-        </p:nvSpPr>
-        <p:spPr>
-          <a:xfrm>
-            <a:off x="1386291" y="224135"/>
-            <a:ext cx="7315200" cy="553998"/>
-          </a:xfrm>
-          <a:prstGeom prst="rect">
-            <a:avLst/>
-          </a:prstGeom>
-          <a:noFill/>
-        </p:spPr>
-        <p:txBody>
-          <a:bodyPr wrap="square" rtlCol="0">
-            <a:spAutoFit/>
-          </a:bodyPr>
-          <a:lstStyle/>
-          <a:p>
-            <a:pPr algn="ctr"/>
-            <a:r>
-              <a:rPr lang="en-US" sz="3000" dirty="0" smtClean="0">
-                <a:latin typeface="Times New Roman" panose="02020603050405020304" pitchFamily="18" charset="0"/>
-                <a:cs typeface="Times New Roman" panose="02020603050405020304" pitchFamily="18" charset="0"/>
-              </a:rPr>
-              <a:t>Research Group</a:t>
-            </a:r>
-            <a:endParaRPr lang="en-US" sz="3000" dirty="0">
-              <a:latin typeface="Times New Roman" panose="02020603050405020304" pitchFamily="18" charset="0"/>
-              <a:cs typeface="Times New Roman" panose="02020603050405020304" pitchFamily="18" charset="0"/>
-            </a:endParaRPr>
-          </a:p>
-        </p:txBody>
-      </p:sp>
-      <p:cxnSp>
-        <p:nvCxnSpPr>
-          <p:cNvPr id="15" name="Straight Connector 14"/>
-          <p:cNvCxnSpPr/>
-          <p:nvPr/>
-        </p:nvCxnSpPr>
-        <p:spPr>
-          <a:xfrm>
-            <a:off x="1189918" y="914400"/>
-            <a:ext cx="7649282" cy="0"/>
-          </a:xfrm>
-          <a:prstGeom prst="line">
-            <a:avLst/>
-          </a:prstGeom>
-          <a:ln w="19050">
-            <a:solidFill>
-              <a:srgbClr val="F20000"/>
-            </a:solidFill>
-          </a:ln>
-        </p:spPr>
-        <p:style>
-          <a:lnRef idx="1">
-            <a:schemeClr val="accent1"/>
-          </a:lnRef>
-          <a:fillRef idx="0">
-            <a:schemeClr val="accent1"/>
-          </a:fillRef>
-          <a:effectRef idx="0">
-            <a:schemeClr val="accent1"/>
-          </a:effectRef>
-          <a:fontRef idx="minor">
-            <a:schemeClr val="tx1"/>
-          </a:fontRef>
-        </p:style>
-      </p:cxnSp>
-      <p:sp>
-        <p:nvSpPr>
-          <p:cNvPr id="2" name="Slide Number Placeholder 1"/>
-          <p:cNvSpPr>
-            <a:spLocks noGrp="1"/>
-          </p:cNvSpPr>
-          <p:nvPr>
-            <p:ph type="sldNum" sz="quarter" idx="12"/>
-          </p:nvPr>
-        </p:nvSpPr>
-        <p:spPr/>
-        <p:txBody>
-          <a:bodyPr/>
-          <a:lstStyle/>
-          <a:p>
-            <a:fld id="{B6F15528-21DE-4FAA-801E-634DDDAF4B2B}" type="slidenum">
-              <a:rPr lang="en-US" smtClean="0"/>
-              <a:pPr/>
-              <a:t>20</a:t>
-            </a:fld>
-            <a:endParaRPr lang="en-US" dirty="0"/>
-          </a:p>
-        </p:txBody>
-      </p:sp>
-      <p:pic>
-        <p:nvPicPr>
-          <p:cNvPr id="14" name="Picture 2" descr="C:\Users\Mesut\Desktop\aselsan sunum\aselsan sunum 10 ekim\aselsan sunum\cezmi bey\ODTU.png"/>
-          <p:cNvPicPr>
-            <a:picLocks noChangeAspect="1" noChangeArrowheads="1"/>
-          </p:cNvPicPr>
-          <p:nvPr/>
-        </p:nvPicPr>
-        <p:blipFill>
-          <a:blip r:embed="rId2" cstate="print">
-            <a:extLst>
-              <a:ext uri="{28A0092B-C50C-407E-A947-70E740481C1C}">
-                <a14:useLocalDpi xmlns:a14="http://schemas.microsoft.com/office/drawing/2010/main" val="0"/>
-              </a:ext>
-            </a:extLst>
-          </a:blip>
-          <a:srcRect/>
-          <a:stretch>
-            <a:fillRect/>
-          </a:stretch>
-        </p:blipFill>
-        <p:spPr bwMode="auto">
-          <a:xfrm>
-            <a:off x="163507" y="266700"/>
-            <a:ext cx="684927" cy="571500"/>
-          </a:xfrm>
-          <a:prstGeom prst="rect">
-            <a:avLst/>
-          </a:prstGeom>
-          <a:noFill/>
-          <a:extLst>
-            <a:ext uri="{909E8E84-426E-40DD-AFC4-6F175D3DCCD1}">
-              <a14:hiddenFill xmlns:a14="http://schemas.microsoft.com/office/drawing/2010/main">
-                <a:solidFill>
-                  <a:srgbClr val="FFFFFF"/>
-                </a:solidFill>
-              </a14:hiddenFill>
-            </a:ext>
-          </a:extLst>
-        </p:spPr>
-      </p:pic>
-      <p:pic>
-        <p:nvPicPr>
-          <p:cNvPr id="17" name="Picture 16" descr="C:\Users\ugurm\Desktop\gitthub\IMMD\GRW2017\Metu5.png"/>
-          <p:cNvPicPr/>
-          <p:nvPr/>
-        </p:nvPicPr>
-        <p:blipFill rotWithShape="1">
-          <a:blip r:embed="rId3" cstate="print">
-            <a:extLst>
-              <a:ext uri="{28A0092B-C50C-407E-A947-70E740481C1C}">
-                <a14:useLocalDpi xmlns:a14="http://schemas.microsoft.com/office/drawing/2010/main" val="0"/>
-              </a:ext>
-            </a:extLst>
-          </a:blip>
-          <a:srcRect l="14652" t="39667" r="15041" b="41051"/>
-          <a:stretch/>
-        </p:blipFill>
-        <p:spPr bwMode="auto">
-          <a:xfrm>
-            <a:off x="5143249" y="1559391"/>
-            <a:ext cx="3427172" cy="760096"/>
-          </a:xfrm>
-          <a:prstGeom prst="rect">
-            <a:avLst/>
-          </a:prstGeom>
-          <a:noFill/>
-          <a:ln>
-            <a:noFill/>
-          </a:ln>
-          <a:extLst>
-            <a:ext uri="{53640926-AAD7-44D8-BBD7-CCE9431645EC}">
-              <a14:shadowObscured xmlns:a14="http://schemas.microsoft.com/office/drawing/2010/main"/>
-            </a:ext>
-          </a:extLst>
-        </p:spPr>
-      </p:pic>
-      <p:sp>
-        <p:nvSpPr>
-          <p:cNvPr id="18" name="TextBox 17"/>
-          <p:cNvSpPr txBox="1"/>
-          <p:nvPr/>
-        </p:nvSpPr>
-        <p:spPr>
-          <a:xfrm>
-            <a:off x="1212086" y="1166784"/>
-            <a:ext cx="3742742" cy="1938992"/>
-          </a:xfrm>
-          <a:prstGeom prst="rect">
-            <a:avLst/>
-          </a:prstGeom>
-          <a:noFill/>
-        </p:spPr>
-        <p:txBody>
-          <a:bodyPr wrap="square" rtlCol="0">
-            <a:spAutoFit/>
-          </a:bodyPr>
-          <a:lstStyle/>
-          <a:p>
-            <a:r>
-              <a:rPr lang="en-US" sz="2000" b="1" dirty="0" smtClean="0">
-                <a:latin typeface="Times New Roman" panose="02020603050405020304" pitchFamily="18" charset="0"/>
-                <a:cs typeface="Times New Roman" panose="02020603050405020304" pitchFamily="18" charset="0"/>
-              </a:rPr>
-              <a:t>Research Fields</a:t>
-            </a:r>
-          </a:p>
-          <a:p>
-            <a:pPr marL="342900" indent="-342900">
-              <a:buFont typeface="Wingdings" panose="05000000000000000000" pitchFamily="2" charset="2"/>
-              <a:buChar char="v"/>
-            </a:pPr>
-            <a:r>
-              <a:rPr lang="en-US" sz="2000" dirty="0" smtClean="0">
-                <a:latin typeface="Times New Roman" panose="02020603050405020304" pitchFamily="18" charset="0"/>
-                <a:cs typeface="Times New Roman" panose="02020603050405020304" pitchFamily="18" charset="0"/>
-              </a:rPr>
-              <a:t>Renewable Energy</a:t>
-            </a:r>
-          </a:p>
-          <a:p>
-            <a:pPr marL="342900" indent="-342900">
-              <a:buFont typeface="Wingdings" panose="05000000000000000000" pitchFamily="2" charset="2"/>
-              <a:buChar char="v"/>
-            </a:pPr>
-            <a:r>
-              <a:rPr lang="en-US" sz="2000" dirty="0" smtClean="0">
-                <a:latin typeface="Times New Roman" panose="02020603050405020304" pitchFamily="18" charset="0"/>
-                <a:cs typeface="Times New Roman" panose="02020603050405020304" pitchFamily="18" charset="0"/>
-              </a:rPr>
-              <a:t>Power Quality</a:t>
-            </a:r>
-          </a:p>
-          <a:p>
-            <a:pPr marL="342900" indent="-342900">
-              <a:buFont typeface="Wingdings" panose="05000000000000000000" pitchFamily="2" charset="2"/>
-              <a:buChar char="v"/>
-            </a:pPr>
-            <a:r>
-              <a:rPr lang="en-US" sz="2000" dirty="0" smtClean="0">
-                <a:latin typeface="Times New Roman" panose="02020603050405020304" pitchFamily="18" charset="0"/>
-                <a:cs typeface="Times New Roman" panose="02020603050405020304" pitchFamily="18" charset="0"/>
-              </a:rPr>
-              <a:t>Smart Grids</a:t>
-            </a:r>
-          </a:p>
-          <a:p>
-            <a:pPr marL="342900" indent="-342900">
-              <a:buFont typeface="Wingdings" panose="05000000000000000000" pitchFamily="2" charset="2"/>
-              <a:buChar char="v"/>
-            </a:pPr>
-            <a:r>
-              <a:rPr lang="en-US" sz="2000" dirty="0" smtClean="0">
-                <a:latin typeface="Times New Roman" panose="02020603050405020304" pitchFamily="18" charset="0"/>
-                <a:cs typeface="Times New Roman" panose="02020603050405020304" pitchFamily="18" charset="0"/>
-              </a:rPr>
-              <a:t>Power Electronics</a:t>
-            </a:r>
-          </a:p>
-          <a:p>
-            <a:pPr marL="342900" indent="-342900">
-              <a:buFont typeface="Wingdings" panose="05000000000000000000" pitchFamily="2" charset="2"/>
-              <a:buChar char="v"/>
-            </a:pPr>
-            <a:r>
-              <a:rPr lang="en-US" sz="2000" dirty="0" smtClean="0">
-                <a:latin typeface="Times New Roman" panose="02020603050405020304" pitchFamily="18" charset="0"/>
-                <a:cs typeface="Times New Roman" panose="02020603050405020304" pitchFamily="18" charset="0"/>
-              </a:rPr>
-              <a:t>Electrical Machines</a:t>
-            </a:r>
-          </a:p>
-        </p:txBody>
-      </p:sp>
-      <p:sp>
-        <p:nvSpPr>
-          <p:cNvPr id="19" name="TextBox 18"/>
-          <p:cNvSpPr txBox="1"/>
-          <p:nvPr/>
-        </p:nvSpPr>
-        <p:spPr>
-          <a:xfrm>
-            <a:off x="5143249" y="2471167"/>
-            <a:ext cx="3884373" cy="461665"/>
-          </a:xfrm>
-          <a:prstGeom prst="rect">
-            <a:avLst/>
-          </a:prstGeom>
-          <a:noFill/>
-        </p:spPr>
-        <p:txBody>
-          <a:bodyPr wrap="square" rtlCol="0">
-            <a:spAutoFit/>
-          </a:bodyPr>
-          <a:lstStyle/>
-          <a:p>
-            <a:r>
-              <a:rPr lang="tr-TR" sz="2400" dirty="0" smtClean="0">
-                <a:latin typeface="Times New Roman" panose="02020603050405020304" pitchFamily="18" charset="0"/>
-                <a:cs typeface="Times New Roman" panose="02020603050405020304" pitchFamily="18" charset="0"/>
-                <a:hlinkClick r:id="rId4"/>
-              </a:rPr>
-              <a:t>http</a:t>
-            </a:r>
-            <a:r>
-              <a:rPr lang="tr-TR" sz="2400" dirty="0">
-                <a:latin typeface="Times New Roman" panose="02020603050405020304" pitchFamily="18" charset="0"/>
-                <a:cs typeface="Times New Roman" panose="02020603050405020304" pitchFamily="18" charset="0"/>
-                <a:hlinkClick r:id="rId4"/>
-              </a:rPr>
-              <a:t>://</a:t>
-            </a:r>
-            <a:r>
-              <a:rPr lang="tr-TR" sz="2400" dirty="0" smtClean="0">
-                <a:latin typeface="Times New Roman" panose="02020603050405020304" pitchFamily="18" charset="0"/>
-                <a:cs typeface="Times New Roman" panose="02020603050405020304" pitchFamily="18" charset="0"/>
-                <a:hlinkClick r:id="rId4"/>
-              </a:rPr>
-              <a:t>power.eee.metu.edu.tr</a:t>
-            </a:r>
-            <a:endParaRPr lang="tr-TR" sz="2400" dirty="0">
-              <a:latin typeface="Times New Roman" panose="02020603050405020304" pitchFamily="18" charset="0"/>
-              <a:cs typeface="Times New Roman" panose="02020603050405020304" pitchFamily="18" charset="0"/>
-            </a:endParaRPr>
-          </a:p>
-        </p:txBody>
-      </p:sp>
-      <p:sp>
-        <p:nvSpPr>
-          <p:cNvPr id="12" name="TextBox 11"/>
-          <p:cNvSpPr txBox="1"/>
-          <p:nvPr/>
-        </p:nvSpPr>
-        <p:spPr>
-          <a:xfrm>
-            <a:off x="5174511" y="3810000"/>
-            <a:ext cx="3742742" cy="2246769"/>
-          </a:xfrm>
-          <a:prstGeom prst="rect">
-            <a:avLst/>
-          </a:prstGeom>
-          <a:noFill/>
-        </p:spPr>
-        <p:txBody>
-          <a:bodyPr wrap="square" rtlCol="0">
-            <a:spAutoFit/>
-          </a:bodyPr>
-          <a:lstStyle/>
-          <a:p>
-            <a:r>
-              <a:rPr lang="en-US" sz="2000" b="1" dirty="0" smtClean="0">
-                <a:latin typeface="Times New Roman" panose="02020603050405020304" pitchFamily="18" charset="0"/>
-                <a:cs typeface="Times New Roman" panose="02020603050405020304" pitchFamily="18" charset="0"/>
-              </a:rPr>
-              <a:t>Events</a:t>
-            </a:r>
-          </a:p>
-          <a:p>
-            <a:pPr marL="342900" indent="-342900">
-              <a:buFont typeface="Wingdings" panose="05000000000000000000" pitchFamily="2" charset="2"/>
-              <a:buChar char="v"/>
-            </a:pPr>
-            <a:r>
-              <a:rPr lang="en-US" sz="2000" dirty="0" smtClean="0">
-                <a:latin typeface="Times New Roman" panose="02020603050405020304" pitchFamily="18" charset="0"/>
-                <a:cs typeface="Times New Roman" panose="02020603050405020304" pitchFamily="18" charset="0"/>
-              </a:rPr>
-              <a:t>Weekly seminars</a:t>
-            </a:r>
-          </a:p>
-          <a:p>
-            <a:pPr marL="342900" indent="-342900">
-              <a:buFont typeface="Wingdings" panose="05000000000000000000" pitchFamily="2" charset="2"/>
-              <a:buChar char="v"/>
-            </a:pPr>
-            <a:r>
-              <a:rPr lang="en-US" sz="2000" dirty="0" smtClean="0">
-                <a:latin typeface="Times New Roman" panose="02020603050405020304" pitchFamily="18" charset="0"/>
-                <a:cs typeface="Times New Roman" panose="02020603050405020304" pitchFamily="18" charset="0"/>
-              </a:rPr>
-              <a:t>Journal </a:t>
-            </a:r>
-            <a:r>
-              <a:rPr lang="tr-TR" sz="2000" dirty="0" smtClean="0">
-                <a:latin typeface="Times New Roman" panose="02020603050405020304" pitchFamily="18" charset="0"/>
-                <a:cs typeface="Times New Roman" panose="02020603050405020304" pitchFamily="18" charset="0"/>
-              </a:rPr>
-              <a:t>c</a:t>
-            </a:r>
-            <a:r>
-              <a:rPr lang="en-US" sz="2000" dirty="0" err="1" smtClean="0">
-                <a:latin typeface="Times New Roman" panose="02020603050405020304" pitchFamily="18" charset="0"/>
-                <a:cs typeface="Times New Roman" panose="02020603050405020304" pitchFamily="18" charset="0"/>
-              </a:rPr>
-              <a:t>lub</a:t>
-            </a:r>
-            <a:endParaRPr lang="en-US" sz="2000" dirty="0" smtClean="0">
-              <a:latin typeface="Times New Roman" panose="02020603050405020304" pitchFamily="18" charset="0"/>
-              <a:cs typeface="Times New Roman" panose="02020603050405020304" pitchFamily="18" charset="0"/>
-            </a:endParaRPr>
-          </a:p>
-          <a:p>
-            <a:endParaRPr lang="en-US" sz="2000" dirty="0" smtClean="0">
-              <a:latin typeface="Times New Roman" panose="02020603050405020304" pitchFamily="18" charset="0"/>
-              <a:cs typeface="Times New Roman" panose="02020603050405020304" pitchFamily="18" charset="0"/>
-            </a:endParaRPr>
-          </a:p>
-          <a:p>
-            <a:r>
-              <a:rPr lang="en-US" sz="2000" b="1" dirty="0" smtClean="0">
-                <a:latin typeface="Times New Roman" panose="02020603050405020304" pitchFamily="18" charset="0"/>
-                <a:cs typeface="Times New Roman" panose="02020603050405020304" pitchFamily="18" charset="0"/>
-              </a:rPr>
-              <a:t>Research League</a:t>
-            </a:r>
-          </a:p>
-          <a:p>
-            <a:pPr marL="342900" indent="-342900">
-              <a:buFont typeface="Wingdings" panose="05000000000000000000" pitchFamily="2" charset="2"/>
-              <a:buChar char="v"/>
-            </a:pPr>
-            <a:r>
-              <a:rPr lang="tr-TR" sz="2000" dirty="0" smtClean="0">
-                <a:latin typeface="Times New Roman" panose="02020603050405020304" pitchFamily="18" charset="0"/>
-                <a:cs typeface="Times New Roman" panose="02020603050405020304" pitchFamily="18" charset="0"/>
-              </a:rPr>
-              <a:t>EEE Star program</a:t>
-            </a:r>
-            <a:endParaRPr lang="en-US" sz="2000" dirty="0" smtClean="0">
-              <a:latin typeface="Times New Roman" panose="02020603050405020304" pitchFamily="18" charset="0"/>
-              <a:cs typeface="Times New Roman" panose="02020603050405020304" pitchFamily="18" charset="0"/>
-            </a:endParaRPr>
-          </a:p>
-          <a:p>
-            <a:pPr marL="342900" indent="-342900">
-              <a:buFont typeface="Wingdings" panose="05000000000000000000" pitchFamily="2" charset="2"/>
-              <a:buChar char="v"/>
-            </a:pPr>
-            <a:r>
-              <a:rPr lang="en-US" sz="2000" dirty="0" smtClean="0">
-                <a:latin typeface="Times New Roman" panose="02020603050405020304" pitchFamily="18" charset="0"/>
-                <a:cs typeface="Times New Roman" panose="02020603050405020304" pitchFamily="18" charset="0"/>
-              </a:rPr>
-              <a:t>Undergraduate students</a:t>
-            </a:r>
-          </a:p>
-        </p:txBody>
-      </p:sp>
-      <p:pic>
-        <p:nvPicPr>
-          <p:cNvPr id="3" name="Picture 2"/>
-          <p:cNvPicPr>
-            <a:picLocks noChangeAspect="1"/>
-          </p:cNvPicPr>
-          <p:nvPr/>
-        </p:nvPicPr>
-        <p:blipFill rotWithShape="1">
-          <a:blip r:embed="rId5" cstate="print">
-            <a:extLst>
-              <a:ext uri="{28A0092B-C50C-407E-A947-70E740481C1C}">
-                <a14:useLocalDpi xmlns:a14="http://schemas.microsoft.com/office/drawing/2010/main" val="0"/>
-              </a:ext>
-            </a:extLst>
-          </a:blip>
-          <a:srcRect l="13851" t="16052"/>
-          <a:stretch/>
-        </p:blipFill>
-        <p:spPr>
-          <a:xfrm>
-            <a:off x="1360891" y="3810000"/>
-            <a:ext cx="3336416" cy="2438399"/>
-          </a:xfrm>
-          <a:prstGeom prst="rect">
-            <a:avLst/>
-          </a:prstGeom>
-        </p:spPr>
-      </p:pic>
-    </p:spTree>
-    <p:extLst>
-      <p:ext uri="{BB962C8B-B14F-4D97-AF65-F5344CB8AC3E}">
-        <p14:creationId xmlns:p14="http://schemas.microsoft.com/office/powerpoint/2010/main" val="439095538"/>
       </p:ext>
     </p:extLst>
   </p:cSld>
@@ -12356,32 +10365,11 @@
           <a:p>
             <a:pPr algn="ctr"/>
             <a:r>
-              <a:rPr lang="en-US" sz="3000" dirty="0" smtClean="0">
-                <a:latin typeface="Times New Roman" panose="02020603050405020304" pitchFamily="18" charset="0"/>
-                <a:cs typeface="Times New Roman" panose="02020603050405020304" pitchFamily="18" charset="0"/>
-              </a:rPr>
-              <a:t>Conventional Motor Drives</a:t>
-            </a:r>
-            <a:r>
-              <a:rPr lang="tr-TR" sz="3000" dirty="0" smtClean="0">
-                <a:latin typeface="Times New Roman" panose="02020603050405020304" pitchFamily="18" charset="0"/>
-                <a:cs typeface="Times New Roman" panose="02020603050405020304" pitchFamily="18" charset="0"/>
-              </a:rPr>
-              <a:t> </a:t>
-            </a:r>
-            <a:r>
               <a:rPr lang="tr-TR" sz="3000" dirty="0" err="1" smtClean="0">
                 <a:latin typeface="Times New Roman" panose="02020603050405020304" pitchFamily="18" charset="0"/>
                 <a:cs typeface="Times New Roman" panose="02020603050405020304" pitchFamily="18" charset="0"/>
               </a:rPr>
-              <a:t>vs</a:t>
-            </a:r>
-            <a:r>
-              <a:rPr lang="tr-TR" sz="3000" dirty="0" smtClean="0">
-                <a:latin typeface="Times New Roman" panose="02020603050405020304" pitchFamily="18" charset="0"/>
-                <a:cs typeface="Times New Roman" panose="02020603050405020304" pitchFamily="18" charset="0"/>
-              </a:rPr>
-              <a:t> IMMD</a:t>
+              <a:t>Introduction</a:t>
             </a:r>
             <a:endParaRPr lang="en-US" sz="3000" dirty="0">
               <a:latin typeface="Times New Roman" panose="02020603050405020304" pitchFamily="18" charset="0"/>
@@ -12449,47 +10437,6 @@
           </a:p>
         </p:txBody>
       </p:sp>
-      <p:pic>
-        <p:nvPicPr>
-          <p:cNvPr id="14" name="Picture 2" descr="C:\Users\Mesut\Desktop\aselsan sunum\aselsan sunum 10 ekim\aselsan sunum\cezmi bey\ODTU.png"/>
-          <p:cNvPicPr>
-            <a:picLocks noChangeAspect="1" noChangeArrowheads="1"/>
-          </p:cNvPicPr>
-          <p:nvPr/>
-        </p:nvPicPr>
-        <p:blipFill>
-          <a:blip r:embed="rId2" cstate="print">
-            <a:extLst>
-              <a:ext uri="{28A0092B-C50C-407E-A947-70E740481C1C}">
-                <a14:useLocalDpi xmlns:a14="http://schemas.microsoft.com/office/drawing/2010/main" val="0"/>
-              </a:ext>
-            </a:extLst>
-          </a:blip>
-          <a:srcRect/>
-          <a:stretch>
-            <a:fillRect/>
-          </a:stretch>
-        </p:blipFill>
-        <p:spPr bwMode="auto">
-          <a:xfrm>
-            <a:off x="163507" y="266700"/>
-            <a:ext cx="684927" cy="571500"/>
-          </a:xfrm>
-          <a:prstGeom prst="rect">
-            <a:avLst/>
-          </a:prstGeom>
-          <a:noFill/>
-          <a:extLst>
-            <a:ext uri="{909E8E84-426E-40DD-AFC4-6F175D3DCCD1}">
-              <a14:hiddenFill xmlns:a14="http://schemas.microsoft.com/office/drawing/2010/main">
-                <a:solidFill>
-                  <a:srgbClr val="FFFFFF"/>
-                </a:solidFill>
-              </a14:hiddenFill>
-            </a:ext>
-          </a:extLst>
-        </p:spPr>
-      </p:pic>
       <p:sp>
         <p:nvSpPr>
           <p:cNvPr id="18" name="TextBox 17"/>
@@ -12729,6 +10676,77 @@
           </a:p>
         </p:txBody>
       </p:sp>
+      <p:pic>
+        <p:nvPicPr>
+          <p:cNvPr id="19" name="Picture 18"/>
+          <p:cNvPicPr>
+            <a:picLocks noChangeAspect="1"/>
+          </p:cNvPicPr>
+          <p:nvPr/>
+        </p:nvPicPr>
+        <p:blipFill>
+          <a:blip r:embed="rId6" cstate="print">
+            <a:extLst>
+              <a:ext uri="{28A0092B-C50C-407E-A947-70E740481C1C}">
+                <a14:useLocalDpi xmlns:a14="http://schemas.microsoft.com/office/drawing/2010/main" val="0"/>
+              </a:ext>
+            </a:extLst>
+          </a:blip>
+          <a:stretch>
+            <a:fillRect/>
+          </a:stretch>
+        </p:blipFill>
+        <p:spPr>
+          <a:xfrm rot="16200000">
+            <a:off x="-876200" y="5067199"/>
+            <a:ext cx="2759076" cy="549476"/>
+          </a:xfrm>
+          <a:prstGeom prst="rect">
+            <a:avLst/>
+          </a:prstGeom>
+        </p:spPr>
+      </p:pic>
+      <p:pic>
+        <p:nvPicPr>
+          <p:cNvPr id="20" name="Picture 2" descr="C:\Users\Mesut\Desktop\aselsan sunum\aselsan sunum 10 ekim\aselsan sunum\cezmi bey\ODTU.png"/>
+          <p:cNvPicPr>
+            <a:picLocks noChangeAspect="1" noChangeArrowheads="1"/>
+          </p:cNvPicPr>
+          <p:nvPr/>
+        </p:nvPicPr>
+        <p:blipFill>
+          <a:blip r:embed="rId7" cstate="print">
+            <a:extLst>
+              <a:ext uri="{28A0092B-C50C-407E-A947-70E740481C1C}">
+                <a14:useLocalDpi xmlns:a14="http://schemas.microsoft.com/office/drawing/2010/main" val="0"/>
+              </a:ext>
+            </a:extLst>
+          </a:blip>
+          <a:srcRect/>
+          <a:stretch>
+            <a:fillRect/>
+          </a:stretch>
+        </p:blipFill>
+        <p:spPr bwMode="auto">
+          <a:xfrm>
+            <a:off x="116458" y="163788"/>
+            <a:ext cx="779026" cy="650016"/>
+          </a:xfrm>
+          <a:prstGeom prst="rect">
+            <a:avLst/>
+          </a:prstGeom>
+          <a:noFill/>
+          <a:extLst>
+            <a:ext uri="{909E8E84-426E-40DD-AFC4-6F175D3DCCD1}">
+              <a14:hiddenFill xmlns:a14="http://schemas.microsoft.com/office/drawing/2010/main">
+                <a:solidFill>
+                  <a:srgbClr val="FFFFFF"/>
+                </a:solidFill>
+              </a14:hiddenFill>
+            </a:ext>
+          </a:extLst>
+        </p:spPr>
+      </p:pic>
     </p:spTree>
     <p:extLst>
       <p:ext uri="{BB962C8B-B14F-4D97-AF65-F5344CB8AC3E}">
@@ -13285,11 +11303,32 @@
           <a:p>
             <a:pPr algn="ctr"/>
             <a:r>
+              <a:rPr lang="tr-TR" sz="3000" dirty="0" smtClean="0">
+                <a:latin typeface="Times New Roman" panose="02020603050405020304" pitchFamily="18" charset="0"/>
+                <a:cs typeface="Times New Roman" panose="02020603050405020304" pitchFamily="18" charset="0"/>
+              </a:rPr>
+              <a:t>IMMD </a:t>
+            </a:r>
+            <a:r>
               <a:rPr lang="tr-TR" sz="3000" dirty="0" err="1" smtClean="0">
                 <a:latin typeface="Times New Roman" panose="02020603050405020304" pitchFamily="18" charset="0"/>
                 <a:cs typeface="Times New Roman" panose="02020603050405020304" pitchFamily="18" charset="0"/>
               </a:rPr>
-              <a:t>Motivation</a:t>
+              <a:t>Technology</a:t>
+            </a:r>
+            <a:r>
+              <a:rPr lang="tr-TR" sz="3000" dirty="0" smtClean="0">
+                <a:latin typeface="Times New Roman" panose="02020603050405020304" pitchFamily="18" charset="0"/>
+                <a:cs typeface="Times New Roman" panose="02020603050405020304" pitchFamily="18" charset="0"/>
+              </a:rPr>
+              <a:t> </a:t>
+            </a:r>
+            <a:r>
+              <a:rPr lang="tr-TR" sz="3000" dirty="0" err="1" smtClean="0">
+                <a:latin typeface="Times New Roman" panose="02020603050405020304" pitchFamily="18" charset="0"/>
+                <a:cs typeface="Times New Roman" panose="02020603050405020304" pitchFamily="18" charset="0"/>
+              </a:rPr>
+              <a:t>Review</a:t>
             </a:r>
             <a:endParaRPr lang="tr-TR" sz="3000" dirty="0">
               <a:latin typeface="Times New Roman" panose="02020603050405020304" pitchFamily="18" charset="0"/>
@@ -13359,14 +11398,206 @@
       </p:sp>
       <p:pic>
         <p:nvPicPr>
-          <p:cNvPr id="14" name="Picture 2" descr="C:\Users\Mesut\Desktop\aselsan sunum\aselsan sunum 10 ekim\aselsan sunum\cezmi bey\ODTU.png"/>
+          <p:cNvPr id="18" name="Picture 17"/>
+          <p:cNvPicPr>
+            <a:picLocks noChangeAspect="1"/>
+          </p:cNvPicPr>
+          <p:nvPr/>
+        </p:nvPicPr>
+        <p:blipFill>
+          <a:blip r:embed="rId2"/>
+          <a:stretch>
+            <a:fillRect/>
+          </a:stretch>
+        </p:blipFill>
+        <p:spPr>
+          <a:xfrm>
+            <a:off x="5434143" y="1176858"/>
+            <a:ext cx="3245602" cy="1155364"/>
+          </a:xfrm>
+          <a:prstGeom prst="rect">
+            <a:avLst/>
+          </a:prstGeom>
+        </p:spPr>
+      </p:pic>
+      <p:sp>
+        <p:nvSpPr>
+          <p:cNvPr id="4" name="Rectangle 3"/>
+          <p:cNvSpPr/>
+          <p:nvPr/>
+        </p:nvSpPr>
+        <p:spPr>
+          <a:xfrm>
+            <a:off x="1189918" y="1255851"/>
+            <a:ext cx="4312127" cy="2677656"/>
+          </a:xfrm>
+          <a:prstGeom prst="rect">
+            <a:avLst/>
+          </a:prstGeom>
+        </p:spPr>
+        <p:txBody>
+          <a:bodyPr wrap="square">
+            <a:spAutoFit/>
+          </a:bodyPr>
+          <a:lstStyle/>
+          <a:p>
+            <a:pPr marL="342900" indent="-342900">
+              <a:buFont typeface="Wingdings" panose="05000000000000000000" pitchFamily="2" charset="2"/>
+              <a:buChar char="ü"/>
+            </a:pPr>
+            <a:r>
+              <a:rPr lang="en-US" sz="2400" dirty="0" smtClean="0">
+                <a:latin typeface="Times New Roman" panose="02020603050405020304" pitchFamily="18" charset="0"/>
+                <a:cs typeface="Times New Roman" panose="02020603050405020304" pitchFamily="18" charset="0"/>
+              </a:rPr>
+              <a:t>Power density</a:t>
+            </a:r>
+          </a:p>
+          <a:p>
+            <a:pPr marL="342900" indent="-342900">
+              <a:buFont typeface="Wingdings" panose="05000000000000000000" pitchFamily="2" charset="2"/>
+              <a:buChar char="ü"/>
+            </a:pPr>
+            <a:r>
+              <a:rPr lang="en-US" sz="2400" dirty="0" smtClean="0">
+                <a:latin typeface="Times New Roman" panose="02020603050405020304" pitchFamily="18" charset="0"/>
+                <a:cs typeface="Times New Roman" panose="02020603050405020304" pitchFamily="18" charset="0"/>
+              </a:rPr>
+              <a:t>Voltage overshoots</a:t>
+            </a:r>
+          </a:p>
+          <a:p>
+            <a:pPr marL="342900" indent="-342900">
+              <a:buFont typeface="Wingdings" panose="05000000000000000000" pitchFamily="2" charset="2"/>
+              <a:buChar char="ü"/>
+            </a:pPr>
+            <a:r>
+              <a:rPr lang="en-US" sz="2400" dirty="0" smtClean="0">
+                <a:latin typeface="Times New Roman" panose="02020603050405020304" pitchFamily="18" charset="0"/>
+                <a:cs typeface="Times New Roman" panose="02020603050405020304" pitchFamily="18" charset="0"/>
+              </a:rPr>
+              <a:t>Motor lifetime</a:t>
+            </a:r>
+          </a:p>
+          <a:p>
+            <a:pPr marL="342900" indent="-342900">
+              <a:buFont typeface="Wingdings" panose="05000000000000000000" pitchFamily="2" charset="2"/>
+              <a:buChar char="ü"/>
+            </a:pPr>
+            <a:endParaRPr lang="en-US" sz="2400" dirty="0" smtClean="0">
+              <a:latin typeface="Times New Roman" panose="02020603050405020304" pitchFamily="18" charset="0"/>
+              <a:cs typeface="Times New Roman" panose="02020603050405020304" pitchFamily="18" charset="0"/>
+            </a:endParaRPr>
+          </a:p>
+          <a:p>
+            <a:pPr marL="342900" indent="-342900">
+              <a:buFont typeface="Wingdings" panose="05000000000000000000" pitchFamily="2" charset="2"/>
+              <a:buChar char="ü"/>
+            </a:pPr>
+            <a:r>
+              <a:rPr lang="en-US" sz="2400" dirty="0" smtClean="0">
+                <a:latin typeface="Times New Roman" panose="02020603050405020304" pitchFamily="18" charset="0"/>
+                <a:cs typeface="Times New Roman" panose="02020603050405020304" pitchFamily="18" charset="0"/>
+              </a:rPr>
+              <a:t>Increased fault tolerance</a:t>
+            </a:r>
+          </a:p>
+          <a:p>
+            <a:pPr marL="342900" indent="-342900">
+              <a:buFont typeface="Wingdings" panose="05000000000000000000" pitchFamily="2" charset="2"/>
+              <a:buChar char="ü"/>
+            </a:pPr>
+            <a:r>
+              <a:rPr lang="en-US" sz="2400" dirty="0" smtClean="0">
+                <a:latin typeface="Times New Roman" panose="02020603050405020304" pitchFamily="18" charset="0"/>
+                <a:cs typeface="Times New Roman" panose="02020603050405020304" pitchFamily="18" charset="0"/>
+              </a:rPr>
+              <a:t>Distributed heat dissipation</a:t>
+            </a:r>
+          </a:p>
+          <a:p>
+            <a:pPr marL="342900" indent="-342900">
+              <a:buFont typeface="Wingdings" panose="05000000000000000000" pitchFamily="2" charset="2"/>
+              <a:buChar char="ü"/>
+            </a:pPr>
+            <a:r>
+              <a:rPr lang="en-US" sz="2400" dirty="0" smtClean="0">
+                <a:latin typeface="Times New Roman" panose="02020603050405020304" pitchFamily="18" charset="0"/>
+                <a:cs typeface="Times New Roman" panose="02020603050405020304" pitchFamily="18" charset="0"/>
+              </a:rPr>
+              <a:t>Reduced voltage stress</a:t>
+            </a:r>
+            <a:endParaRPr lang="en-US" sz="2400" dirty="0">
+              <a:latin typeface="Times New Roman" panose="02020603050405020304" pitchFamily="18" charset="0"/>
+              <a:cs typeface="Times New Roman" panose="02020603050405020304" pitchFamily="18" charset="0"/>
+            </a:endParaRPr>
+          </a:p>
+        </p:txBody>
+      </p:sp>
+      <p:pic>
+        <p:nvPicPr>
+          <p:cNvPr id="22" name="Picture 21"/>
+          <p:cNvPicPr>
+            <a:picLocks noChangeAspect="1"/>
+          </p:cNvPicPr>
+          <p:nvPr/>
+        </p:nvPicPr>
+        <p:blipFill>
+          <a:blip r:embed="rId3"/>
+          <a:stretch>
+            <a:fillRect/>
+          </a:stretch>
+        </p:blipFill>
+        <p:spPr>
+          <a:xfrm>
+            <a:off x="5951584" y="2594679"/>
+            <a:ext cx="2728161" cy="3761671"/>
+          </a:xfrm>
+          <a:prstGeom prst="rect">
+            <a:avLst/>
+          </a:prstGeom>
+        </p:spPr>
+      </p:pic>
+      <p:pic>
+        <p:nvPicPr>
+          <p:cNvPr id="12" name="Picture 11"/>
+          <p:cNvPicPr>
+            <a:picLocks noChangeAspect="1"/>
+          </p:cNvPicPr>
+          <p:nvPr/>
+        </p:nvPicPr>
+        <p:blipFill>
+          <a:blip r:embed="rId4" cstate="print">
+            <a:extLst>
+              <a:ext uri="{28A0092B-C50C-407E-A947-70E740481C1C}">
+                <a14:useLocalDpi xmlns:a14="http://schemas.microsoft.com/office/drawing/2010/main" val="0"/>
+              </a:ext>
+            </a:extLst>
+          </a:blip>
+          <a:stretch>
+            <a:fillRect/>
+          </a:stretch>
+        </p:blipFill>
+        <p:spPr>
+          <a:xfrm rot="16200000">
+            <a:off x="-876200" y="5067199"/>
+            <a:ext cx="2759076" cy="549476"/>
+          </a:xfrm>
+          <a:prstGeom prst="rect">
+            <a:avLst/>
+          </a:prstGeom>
+        </p:spPr>
+      </p:pic>
+      <p:pic>
+        <p:nvPicPr>
+          <p:cNvPr id="16" name="Picture 2" descr="C:\Users\Mesut\Desktop\aselsan sunum\aselsan sunum 10 ekim\aselsan sunum\cezmi bey\ODTU.png"/>
           <p:cNvPicPr>
             <a:picLocks noChangeAspect="1" noChangeArrowheads="1"/>
           </p:cNvPicPr>
           <p:nvPr/>
         </p:nvPicPr>
         <p:blipFill>
-          <a:blip r:embed="rId2" cstate="print">
+          <a:blip r:embed="rId5" cstate="print">
             <a:extLst>
               <a:ext uri="{28A0092B-C50C-407E-A947-70E740481C1C}">
                 <a14:useLocalDpi xmlns:a14="http://schemas.microsoft.com/office/drawing/2010/main" val="0"/>
@@ -13380,8 +11611,8 @@
         </p:blipFill>
         <p:spPr bwMode="auto">
           <a:xfrm>
-            <a:off x="163507" y="266700"/>
-            <a:ext cx="684927" cy="571500"/>
+            <a:off x="116458" y="163788"/>
+            <a:ext cx="779026" cy="650016"/>
           </a:xfrm>
           <a:prstGeom prst="rect">
             <a:avLst/>
@@ -13396,168 +11627,6 @@
               </a14:hiddenFill>
             </a:ext>
           </a:extLst>
-        </p:spPr>
-      </p:pic>
-      <p:pic>
-        <p:nvPicPr>
-          <p:cNvPr id="18" name="Picture 17"/>
-          <p:cNvPicPr>
-            <a:picLocks noChangeAspect="1"/>
-          </p:cNvPicPr>
-          <p:nvPr/>
-        </p:nvPicPr>
-        <p:blipFill>
-          <a:blip r:embed="rId3"/>
-          <a:stretch>
-            <a:fillRect/>
-          </a:stretch>
-        </p:blipFill>
-        <p:spPr>
-          <a:xfrm>
-            <a:off x="5434143" y="1176858"/>
-            <a:ext cx="3245602" cy="1155364"/>
-          </a:xfrm>
-          <a:prstGeom prst="rect">
-            <a:avLst/>
-          </a:prstGeom>
-        </p:spPr>
-      </p:pic>
-      <p:sp>
-        <p:nvSpPr>
-          <p:cNvPr id="4" name="Rectangle 3"/>
-          <p:cNvSpPr/>
-          <p:nvPr/>
-        </p:nvSpPr>
-        <p:spPr>
-          <a:xfrm>
-            <a:off x="1189918" y="1255851"/>
-            <a:ext cx="4312127" cy="2677656"/>
-          </a:xfrm>
-          <a:prstGeom prst="rect">
-            <a:avLst/>
-          </a:prstGeom>
-        </p:spPr>
-        <p:txBody>
-          <a:bodyPr wrap="square">
-            <a:spAutoFit/>
-          </a:bodyPr>
-          <a:lstStyle/>
-          <a:p>
-            <a:pPr marL="342900" indent="-342900">
-              <a:buFont typeface="Wingdings" panose="05000000000000000000" pitchFamily="2" charset="2"/>
-              <a:buChar char="ü"/>
-            </a:pPr>
-            <a:r>
-              <a:rPr lang="en-US" sz="2400" dirty="0" smtClean="0">
-                <a:latin typeface="Times New Roman" panose="02020603050405020304" pitchFamily="18" charset="0"/>
-                <a:cs typeface="Times New Roman" panose="02020603050405020304" pitchFamily="18" charset="0"/>
-              </a:rPr>
-              <a:t>Power density</a:t>
-            </a:r>
-          </a:p>
-          <a:p>
-            <a:pPr marL="342900" indent="-342900">
-              <a:buFont typeface="Wingdings" panose="05000000000000000000" pitchFamily="2" charset="2"/>
-              <a:buChar char="ü"/>
-            </a:pPr>
-            <a:r>
-              <a:rPr lang="en-US" sz="2400" dirty="0" smtClean="0">
-                <a:latin typeface="Times New Roman" panose="02020603050405020304" pitchFamily="18" charset="0"/>
-                <a:cs typeface="Times New Roman" panose="02020603050405020304" pitchFamily="18" charset="0"/>
-              </a:rPr>
-              <a:t>Voltage overshoots</a:t>
-            </a:r>
-          </a:p>
-          <a:p>
-            <a:pPr marL="342900" indent="-342900">
-              <a:buFont typeface="Wingdings" panose="05000000000000000000" pitchFamily="2" charset="2"/>
-              <a:buChar char="ü"/>
-            </a:pPr>
-            <a:r>
-              <a:rPr lang="en-US" sz="2400" dirty="0" smtClean="0">
-                <a:latin typeface="Times New Roman" panose="02020603050405020304" pitchFamily="18" charset="0"/>
-                <a:cs typeface="Times New Roman" panose="02020603050405020304" pitchFamily="18" charset="0"/>
-              </a:rPr>
-              <a:t>Motor lifetime</a:t>
-            </a:r>
-          </a:p>
-          <a:p>
-            <a:pPr marL="342900" indent="-342900">
-              <a:buFont typeface="Wingdings" panose="05000000000000000000" pitchFamily="2" charset="2"/>
-              <a:buChar char="ü"/>
-            </a:pPr>
-            <a:endParaRPr lang="en-US" sz="2400" dirty="0" smtClean="0">
-              <a:latin typeface="Times New Roman" panose="02020603050405020304" pitchFamily="18" charset="0"/>
-              <a:cs typeface="Times New Roman" panose="02020603050405020304" pitchFamily="18" charset="0"/>
-            </a:endParaRPr>
-          </a:p>
-          <a:p>
-            <a:pPr marL="342900" indent="-342900">
-              <a:buFont typeface="Wingdings" panose="05000000000000000000" pitchFamily="2" charset="2"/>
-              <a:buChar char="ü"/>
-            </a:pPr>
-            <a:r>
-              <a:rPr lang="en-US" sz="2400" dirty="0" smtClean="0">
-                <a:latin typeface="Times New Roman" panose="02020603050405020304" pitchFamily="18" charset="0"/>
-                <a:cs typeface="Times New Roman" panose="02020603050405020304" pitchFamily="18" charset="0"/>
-              </a:rPr>
-              <a:t>Increased fault tolerance</a:t>
-            </a:r>
-          </a:p>
-          <a:p>
-            <a:pPr marL="342900" indent="-342900">
-              <a:buFont typeface="Wingdings" panose="05000000000000000000" pitchFamily="2" charset="2"/>
-              <a:buChar char="ü"/>
-            </a:pPr>
-            <a:r>
-              <a:rPr lang="en-US" sz="2400" dirty="0" smtClean="0">
-                <a:latin typeface="Times New Roman" panose="02020603050405020304" pitchFamily="18" charset="0"/>
-                <a:cs typeface="Times New Roman" panose="02020603050405020304" pitchFamily="18" charset="0"/>
-              </a:rPr>
-              <a:t>Distributed heat dissipation</a:t>
-            </a:r>
-          </a:p>
-          <a:p>
-            <a:pPr marL="342900" indent="-342900">
-              <a:buFont typeface="Wingdings" panose="05000000000000000000" pitchFamily="2" charset="2"/>
-              <a:buChar char="ü"/>
-            </a:pPr>
-            <a:r>
-              <a:rPr lang="en-US" sz="2400" dirty="0" smtClean="0">
-                <a:latin typeface="Times New Roman" panose="02020603050405020304" pitchFamily="18" charset="0"/>
-                <a:cs typeface="Times New Roman" panose="02020603050405020304" pitchFamily="18" charset="0"/>
-              </a:rPr>
-              <a:t>Reduced voltage stress</a:t>
-            </a:r>
-            <a:endParaRPr lang="en-US" sz="2400" dirty="0">
-              <a:latin typeface="Times New Roman" panose="02020603050405020304" pitchFamily="18" charset="0"/>
-              <a:cs typeface="Times New Roman" panose="02020603050405020304" pitchFamily="18" charset="0"/>
-            </a:endParaRPr>
-          </a:p>
-        </p:txBody>
-      </p:sp>
-      <p:pic>
-        <p:nvPicPr>
-          <p:cNvPr id="22" name="Picture 21"/>
-          <p:cNvPicPr>
-            <a:picLocks noChangeAspect="1"/>
-          </p:cNvPicPr>
-          <p:nvPr/>
-        </p:nvPicPr>
-        <p:blipFill>
-          <a:blip r:embed="rId4"/>
-          <a:stretch>
-            <a:fillRect/>
-          </a:stretch>
-        </p:blipFill>
-        <p:spPr>
-          <a:xfrm>
-            <a:off x="5951584" y="2594679"/>
-            <a:ext cx="2728161" cy="3761671"/>
-          </a:xfrm>
-          <a:prstGeom prst="rect">
-            <a:avLst/>
-          </a:prstGeom>
         </p:spPr>
       </p:pic>
     </p:spTree>
@@ -14199,11 +12268,32 @@
           <a:p>
             <a:pPr algn="ctr"/>
             <a:r>
-              <a:rPr lang="tr-TR" sz="3000" dirty="0" smtClean="0">
-                <a:latin typeface="Times New Roman" panose="02020603050405020304" pitchFamily="18" charset="0"/>
-                <a:cs typeface="Times New Roman" panose="02020603050405020304" pitchFamily="18" charset="0"/>
-              </a:rPr>
-              <a:t>Critical Applications</a:t>
+              <a:rPr lang="tr-TR" sz="3000" dirty="0">
+                <a:latin typeface="Times New Roman" panose="02020603050405020304" pitchFamily="18" charset="0"/>
+                <a:cs typeface="Times New Roman" panose="02020603050405020304" pitchFamily="18" charset="0"/>
+              </a:rPr>
+              <a:t>IMMD </a:t>
+            </a:r>
+            <a:r>
+              <a:rPr lang="tr-TR" sz="3000" dirty="0" err="1">
+                <a:latin typeface="Times New Roman" panose="02020603050405020304" pitchFamily="18" charset="0"/>
+                <a:cs typeface="Times New Roman" panose="02020603050405020304" pitchFamily="18" charset="0"/>
+              </a:rPr>
+              <a:t>Technology</a:t>
+            </a:r>
+            <a:r>
+              <a:rPr lang="tr-TR" sz="3000" dirty="0">
+                <a:latin typeface="Times New Roman" panose="02020603050405020304" pitchFamily="18" charset="0"/>
+                <a:cs typeface="Times New Roman" panose="02020603050405020304" pitchFamily="18" charset="0"/>
+              </a:rPr>
+              <a:t> </a:t>
+            </a:r>
+            <a:r>
+              <a:rPr lang="tr-TR" sz="3000" dirty="0" err="1">
+                <a:latin typeface="Times New Roman" panose="02020603050405020304" pitchFamily="18" charset="0"/>
+                <a:cs typeface="Times New Roman" panose="02020603050405020304" pitchFamily="18" charset="0"/>
+              </a:rPr>
+              <a:t>Review</a:t>
             </a:r>
             <a:endParaRPr lang="tr-TR" sz="3000" dirty="0">
               <a:latin typeface="Times New Roman" panose="02020603050405020304" pitchFamily="18" charset="0"/>
@@ -14271,47 +12361,6 @@
           </a:p>
         </p:txBody>
       </p:sp>
-      <p:pic>
-        <p:nvPicPr>
-          <p:cNvPr id="14" name="Picture 2" descr="C:\Users\Mesut\Desktop\aselsan sunum\aselsan sunum 10 ekim\aselsan sunum\cezmi bey\ODTU.png"/>
-          <p:cNvPicPr>
-            <a:picLocks noChangeAspect="1" noChangeArrowheads="1"/>
-          </p:cNvPicPr>
-          <p:nvPr/>
-        </p:nvPicPr>
-        <p:blipFill>
-          <a:blip r:embed="rId2" cstate="print">
-            <a:extLst>
-              <a:ext uri="{28A0092B-C50C-407E-A947-70E740481C1C}">
-                <a14:useLocalDpi xmlns:a14="http://schemas.microsoft.com/office/drawing/2010/main" val="0"/>
-              </a:ext>
-            </a:extLst>
-          </a:blip>
-          <a:srcRect/>
-          <a:stretch>
-            <a:fillRect/>
-          </a:stretch>
-        </p:blipFill>
-        <p:spPr bwMode="auto">
-          <a:xfrm>
-            <a:off x="163507" y="266700"/>
-            <a:ext cx="684927" cy="571500"/>
-          </a:xfrm>
-          <a:prstGeom prst="rect">
-            <a:avLst/>
-          </a:prstGeom>
-          <a:noFill/>
-          <a:extLst>
-            <a:ext uri="{909E8E84-426E-40DD-AFC4-6F175D3DCCD1}">
-              <a14:hiddenFill xmlns:a14="http://schemas.microsoft.com/office/drawing/2010/main">
-                <a:solidFill>
-                  <a:srgbClr val="FFFFFF"/>
-                </a:solidFill>
-              </a14:hiddenFill>
-            </a:ext>
-          </a:extLst>
-        </p:spPr>
-      </p:pic>
       <p:sp>
         <p:nvSpPr>
           <p:cNvPr id="17" name="Text Box 9"/>
@@ -14500,7 +12549,7 @@
           <p:nvPr/>
         </p:nvPicPr>
         <p:blipFill rotWithShape="1">
-          <a:blip r:embed="rId3">
+          <a:blip r:embed="rId2">
             <a:extLst>
               <a:ext uri="{28A0092B-C50C-407E-A947-70E740481C1C}">
                 <a14:useLocalDpi xmlns:a14="http://schemas.microsoft.com/office/drawing/2010/main" val="0"/>
@@ -14529,7 +12578,7 @@
           <p:nvPr/>
         </p:nvPicPr>
         <p:blipFill rotWithShape="1">
-          <a:blip r:embed="rId4">
+          <a:blip r:embed="rId3">
             <a:extLst>
               <a:ext uri="{28A0092B-C50C-407E-A947-70E740481C1C}">
                 <a14:useLocalDpi xmlns:a14="http://schemas.microsoft.com/office/drawing/2010/main" val="0"/>
@@ -14606,6 +12655,77 @@
           </a:p>
         </p:txBody>
       </p:sp>
+      <p:pic>
+        <p:nvPicPr>
+          <p:cNvPr id="16" name="Picture 15"/>
+          <p:cNvPicPr>
+            <a:picLocks noChangeAspect="1"/>
+          </p:cNvPicPr>
+          <p:nvPr/>
+        </p:nvPicPr>
+        <p:blipFill>
+          <a:blip r:embed="rId4" cstate="print">
+            <a:extLst>
+              <a:ext uri="{28A0092B-C50C-407E-A947-70E740481C1C}">
+                <a14:useLocalDpi xmlns:a14="http://schemas.microsoft.com/office/drawing/2010/main" val="0"/>
+              </a:ext>
+            </a:extLst>
+          </a:blip>
+          <a:stretch>
+            <a:fillRect/>
+          </a:stretch>
+        </p:blipFill>
+        <p:spPr>
+          <a:xfrm rot="16200000">
+            <a:off x="-876200" y="5067199"/>
+            <a:ext cx="2759076" cy="549476"/>
+          </a:xfrm>
+          <a:prstGeom prst="rect">
+            <a:avLst/>
+          </a:prstGeom>
+        </p:spPr>
+      </p:pic>
+      <p:pic>
+        <p:nvPicPr>
+          <p:cNvPr id="18" name="Picture 2" descr="C:\Users\Mesut\Desktop\aselsan sunum\aselsan sunum 10 ekim\aselsan sunum\cezmi bey\ODTU.png"/>
+          <p:cNvPicPr>
+            <a:picLocks noChangeAspect="1" noChangeArrowheads="1"/>
+          </p:cNvPicPr>
+          <p:nvPr/>
+        </p:nvPicPr>
+        <p:blipFill>
+          <a:blip r:embed="rId5" cstate="print">
+            <a:extLst>
+              <a:ext uri="{28A0092B-C50C-407E-A947-70E740481C1C}">
+                <a14:useLocalDpi xmlns:a14="http://schemas.microsoft.com/office/drawing/2010/main" val="0"/>
+              </a:ext>
+            </a:extLst>
+          </a:blip>
+          <a:srcRect/>
+          <a:stretch>
+            <a:fillRect/>
+          </a:stretch>
+        </p:blipFill>
+        <p:spPr bwMode="auto">
+          <a:xfrm>
+            <a:off x="116458" y="163788"/>
+            <a:ext cx="779026" cy="650016"/>
+          </a:xfrm>
+          <a:prstGeom prst="rect">
+            <a:avLst/>
+          </a:prstGeom>
+          <a:noFill/>
+          <a:extLst>
+            <a:ext uri="{909E8E84-426E-40DD-AFC4-6F175D3DCCD1}">
+              <a14:hiddenFill xmlns:a14="http://schemas.microsoft.com/office/drawing/2010/main">
+                <a:solidFill>
+                  <a:srgbClr val="FFFFFF"/>
+                </a:solidFill>
+              </a14:hiddenFill>
+            </a:ext>
+          </a:extLst>
+        </p:spPr>
+      </p:pic>
     </p:spTree>
     <p:extLst>
       <p:ext uri="{BB962C8B-B14F-4D97-AF65-F5344CB8AC3E}">
@@ -14956,7 +13076,7 @@
         <p:spPr>
           <a:xfrm>
             <a:off x="1386291" y="224135"/>
-            <a:ext cx="7315200" cy="553998"/>
+            <a:ext cx="7315200" cy="1015663"/>
           </a:xfrm>
           <a:prstGeom prst="rect">
             <a:avLst/>
@@ -14971,12 +13091,40 @@
           <a:p>
             <a:pPr algn="ctr"/>
             <a:r>
-              <a:rPr lang="tr-TR" sz="3000" dirty="0" err="1" smtClean="0">
-                <a:latin typeface="Times New Roman" panose="02020603050405020304" pitchFamily="18" charset="0"/>
-                <a:cs typeface="Times New Roman" panose="02020603050405020304" pitchFamily="18" charset="0"/>
-              </a:rPr>
-              <a:t>Challenges</a:t>
-            </a:r>
+              <a:rPr lang="tr-TR" sz="3000" dirty="0">
+                <a:latin typeface="Times New Roman" panose="02020603050405020304" pitchFamily="18" charset="0"/>
+                <a:cs typeface="Times New Roman" panose="02020603050405020304" pitchFamily="18" charset="0"/>
+              </a:rPr>
+              <a:t>IMMD </a:t>
+            </a:r>
+            <a:r>
+              <a:rPr lang="tr-TR" sz="3000" dirty="0" err="1">
+                <a:latin typeface="Times New Roman" panose="02020603050405020304" pitchFamily="18" charset="0"/>
+                <a:cs typeface="Times New Roman" panose="02020603050405020304" pitchFamily="18" charset="0"/>
+              </a:rPr>
+              <a:t>Technology</a:t>
+            </a:r>
+            <a:r>
+              <a:rPr lang="tr-TR" sz="3000" dirty="0">
+                <a:latin typeface="Times New Roman" panose="02020603050405020304" pitchFamily="18" charset="0"/>
+                <a:cs typeface="Times New Roman" panose="02020603050405020304" pitchFamily="18" charset="0"/>
+              </a:rPr>
+              <a:t> </a:t>
+            </a:r>
+            <a:r>
+              <a:rPr lang="tr-TR" sz="3000" dirty="0" err="1">
+                <a:latin typeface="Times New Roman" panose="02020603050405020304" pitchFamily="18" charset="0"/>
+                <a:cs typeface="Times New Roman" panose="02020603050405020304" pitchFamily="18" charset="0"/>
+              </a:rPr>
+              <a:t>Review</a:t>
+            </a:r>
+            <a:endParaRPr lang="tr-TR" sz="3000" dirty="0">
+              <a:latin typeface="Times New Roman" panose="02020603050405020304" pitchFamily="18" charset="0"/>
+              <a:cs typeface="Times New Roman" panose="02020603050405020304" pitchFamily="18" charset="0"/>
+            </a:endParaRPr>
+          </a:p>
+          <a:p>
+            <a:pPr algn="ctr"/>
             <a:endParaRPr lang="tr-TR" sz="3000" dirty="0">
               <a:latin typeface="Times New Roman" panose="02020603050405020304" pitchFamily="18" charset="0"/>
               <a:cs typeface="Times New Roman" panose="02020603050405020304" pitchFamily="18" charset="0"/>
@@ -15043,16 +13191,248 @@
           </a:p>
         </p:txBody>
       </p:sp>
+      <p:sp>
+        <p:nvSpPr>
+          <p:cNvPr id="17" name="Text Box 9"/>
+          <p:cNvSpPr txBox="1">
+            <a:spLocks noChangeArrowheads="1"/>
+          </p:cNvSpPr>
+          <p:nvPr/>
+        </p:nvSpPr>
+        <p:spPr bwMode="auto">
+          <a:xfrm>
+            <a:off x="1295399" y="1084656"/>
+            <a:ext cx="7672691" cy="1938992"/>
+          </a:xfrm>
+          <a:prstGeom prst="rect">
+            <a:avLst/>
+          </a:prstGeom>
+          <a:noFill/>
+          <a:ln w="9525">
+            <a:noFill/>
+            <a:miter lim="800000"/>
+            <a:headEnd/>
+            <a:tailEnd/>
+          </a:ln>
+          <a:effectLst/>
+        </p:spPr>
+        <p:txBody>
+          <a:bodyPr wrap="square">
+            <a:spAutoFit/>
+          </a:bodyPr>
+          <a:lstStyle/>
+          <a:p>
+            <a:r>
+              <a:rPr lang="tr-TR" sz="2400" b="1" dirty="0" smtClean="0">
+                <a:latin typeface="Times New Roman" panose="02020603050405020304" pitchFamily="18" charset="0"/>
+                <a:cs typeface="Times New Roman" panose="02020603050405020304" pitchFamily="18" charset="0"/>
+              </a:rPr>
+              <a:t>S</a:t>
+            </a:r>
+            <a:r>
+              <a:rPr lang="en-US" sz="2400" b="1" dirty="0" smtClean="0">
+                <a:latin typeface="Times New Roman" panose="02020603050405020304" pitchFamily="18" charset="0"/>
+                <a:cs typeface="Times New Roman" panose="02020603050405020304" pitchFamily="18" charset="0"/>
+              </a:rPr>
+              <a:t>mall volume </a:t>
+            </a:r>
+            <a:r>
+              <a:rPr lang="tr-TR" sz="2400" b="1" dirty="0" smtClean="0">
+                <a:latin typeface="Times New Roman" panose="02020603050405020304" pitchFamily="18" charset="0"/>
+                <a:cs typeface="Times New Roman" panose="02020603050405020304" pitchFamily="18" charset="0"/>
+              </a:rPr>
+              <a:t>?</a:t>
+            </a:r>
+          </a:p>
+          <a:p>
+            <a:endParaRPr lang="tr-TR" sz="2400" b="1" dirty="0">
+              <a:latin typeface="Times New Roman" panose="02020603050405020304" pitchFamily="18" charset="0"/>
+              <a:cs typeface="Times New Roman" panose="02020603050405020304" pitchFamily="18" charset="0"/>
+            </a:endParaRPr>
+          </a:p>
+          <a:p>
+            <a:r>
+              <a:rPr lang="tr-TR" sz="2400" b="1" dirty="0" err="1" smtClean="0">
+                <a:latin typeface="Times New Roman" panose="02020603050405020304" pitchFamily="18" charset="0"/>
+                <a:cs typeface="Times New Roman" panose="02020603050405020304" pitchFamily="18" charset="0"/>
+              </a:rPr>
+              <a:t>Cooling</a:t>
+            </a:r>
+            <a:r>
+              <a:rPr lang="tr-TR" sz="2400" b="1" dirty="0" smtClean="0">
+                <a:latin typeface="Times New Roman" panose="02020603050405020304" pitchFamily="18" charset="0"/>
+                <a:cs typeface="Times New Roman" panose="02020603050405020304" pitchFamily="18" charset="0"/>
+              </a:rPr>
+              <a:t> ?</a:t>
+            </a:r>
+          </a:p>
+          <a:p>
+            <a:endParaRPr lang="tr-TR" sz="2400" b="1" dirty="0">
+              <a:latin typeface="Times New Roman" panose="02020603050405020304" pitchFamily="18" charset="0"/>
+              <a:cs typeface="Times New Roman" panose="02020603050405020304" pitchFamily="18" charset="0"/>
+            </a:endParaRPr>
+          </a:p>
+          <a:p>
+            <a:r>
+              <a:rPr lang="tr-TR" sz="2400" b="1" dirty="0" err="1" smtClean="0">
+                <a:latin typeface="Times New Roman" panose="02020603050405020304" pitchFamily="18" charset="0"/>
+                <a:cs typeface="Times New Roman" panose="02020603050405020304" pitchFamily="18" charset="0"/>
+              </a:rPr>
+              <a:t>Vibration</a:t>
+            </a:r>
+            <a:r>
+              <a:rPr lang="tr-TR" sz="2400" b="1" dirty="0" smtClean="0">
+                <a:latin typeface="Times New Roman" panose="02020603050405020304" pitchFamily="18" charset="0"/>
+                <a:cs typeface="Times New Roman" panose="02020603050405020304" pitchFamily="18" charset="0"/>
+              </a:rPr>
+              <a:t> ?</a:t>
+            </a:r>
+          </a:p>
+        </p:txBody>
+      </p:sp>
       <p:pic>
         <p:nvPicPr>
-          <p:cNvPr id="14" name="Picture 2" descr="C:\Users\Mesut\Desktop\aselsan sunum\aselsan sunum 10 ekim\aselsan sunum\cezmi bey\ODTU.png"/>
+          <p:cNvPr id="9" name="Picture 8"/>
+          <p:cNvPicPr>
+            <a:picLocks noChangeAspect="1"/>
+          </p:cNvPicPr>
+          <p:nvPr/>
+        </p:nvPicPr>
+        <p:blipFill rotWithShape="1">
+          <a:blip r:embed="rId2"/>
+          <a:srcRect/>
+          <a:stretch/>
+        </p:blipFill>
+        <p:spPr>
+          <a:xfrm>
+            <a:off x="1658898" y="3505200"/>
+            <a:ext cx="6711322" cy="2689835"/>
+          </a:xfrm>
+          <a:prstGeom prst="rect">
+            <a:avLst/>
+          </a:prstGeom>
+        </p:spPr>
+      </p:pic>
+      <p:sp>
+        <p:nvSpPr>
+          <p:cNvPr id="12" name="Text Box 9"/>
+          <p:cNvSpPr txBox="1">
+            <a:spLocks noChangeArrowheads="1"/>
+          </p:cNvSpPr>
+          <p:nvPr/>
+        </p:nvSpPr>
+        <p:spPr bwMode="auto">
+          <a:xfrm>
+            <a:off x="3869591" y="1096379"/>
+            <a:ext cx="4991101" cy="1569660"/>
+          </a:xfrm>
+          <a:prstGeom prst="rect">
+            <a:avLst/>
+          </a:prstGeom>
+          <a:noFill/>
+          <a:ln w="9525">
+            <a:noFill/>
+            <a:miter lim="800000"/>
+            <a:headEnd/>
+            <a:tailEnd/>
+          </a:ln>
+          <a:effectLst/>
+        </p:spPr>
+        <p:txBody>
+          <a:bodyPr wrap="square">
+            <a:spAutoFit/>
+          </a:bodyPr>
+          <a:lstStyle/>
+          <a:p>
+            <a:pPr lvl="1"/>
+            <a:r>
+              <a:rPr lang="en-US" sz="2400" dirty="0" smtClean="0">
+                <a:latin typeface="Times New Roman" panose="02020603050405020304" pitchFamily="18" charset="0"/>
+                <a:cs typeface="Times New Roman" panose="02020603050405020304" pitchFamily="18" charset="0"/>
+              </a:rPr>
+              <a:t>Passive component size reduction</a:t>
+            </a:r>
+          </a:p>
+          <a:p>
+            <a:pPr lvl="1"/>
+            <a:r>
+              <a:rPr lang="en-US" sz="2400" dirty="0" smtClean="0">
+                <a:latin typeface="Times New Roman" panose="02020603050405020304" pitchFamily="18" charset="0"/>
+                <a:cs typeface="Times New Roman" panose="02020603050405020304" pitchFamily="18" charset="0"/>
+              </a:rPr>
+              <a:t>Heat sink size reduction</a:t>
+            </a:r>
+            <a:endParaRPr lang="tr-TR" sz="2400" dirty="0" smtClean="0">
+              <a:latin typeface="Times New Roman" panose="02020603050405020304" pitchFamily="18" charset="0"/>
+              <a:cs typeface="Times New Roman" panose="02020603050405020304" pitchFamily="18" charset="0"/>
+            </a:endParaRPr>
+          </a:p>
+          <a:p>
+            <a:pPr lvl="1"/>
+            <a:r>
+              <a:rPr lang="en-US" sz="2400" dirty="0" smtClean="0">
+                <a:latin typeface="Times New Roman" panose="02020603050405020304" pitchFamily="18" charset="0"/>
+                <a:cs typeface="Times New Roman" panose="02020603050405020304" pitchFamily="18" charset="0"/>
+              </a:rPr>
+              <a:t>Achieve superior drive efficiency</a:t>
+            </a:r>
+          </a:p>
+          <a:p>
+            <a:pPr lvl="1"/>
+            <a:r>
+              <a:rPr lang="en-US" sz="2400" dirty="0" smtClean="0">
+                <a:latin typeface="Times New Roman" panose="02020603050405020304" pitchFamily="18" charset="0"/>
+                <a:cs typeface="Times New Roman" panose="02020603050405020304" pitchFamily="18" charset="0"/>
+              </a:rPr>
+              <a:t>Heat distribution</a:t>
+            </a:r>
+            <a:endParaRPr lang="tr-TR" sz="2400" dirty="0" smtClean="0">
+              <a:latin typeface="Times New Roman" panose="02020603050405020304" pitchFamily="18" charset="0"/>
+              <a:cs typeface="Times New Roman" panose="02020603050405020304" pitchFamily="18" charset="0"/>
+            </a:endParaRPr>
+          </a:p>
+        </p:txBody>
+      </p:sp>
+      <p:pic>
+        <p:nvPicPr>
+          <p:cNvPr id="16" name="Picture 15"/>
+          <p:cNvPicPr>
+            <a:picLocks noChangeAspect="1"/>
+          </p:cNvPicPr>
+          <p:nvPr/>
+        </p:nvPicPr>
+        <p:blipFill>
+          <a:blip r:embed="rId3" cstate="print">
+            <a:extLst>
+              <a:ext uri="{28A0092B-C50C-407E-A947-70E740481C1C}">
+                <a14:useLocalDpi xmlns:a14="http://schemas.microsoft.com/office/drawing/2010/main" val="0"/>
+              </a:ext>
+            </a:extLst>
+          </a:blip>
+          <a:stretch>
+            <a:fillRect/>
+          </a:stretch>
+        </p:blipFill>
+        <p:spPr>
+          <a:xfrm rot="16200000">
+            <a:off x="-876200" y="5067199"/>
+            <a:ext cx="2759076" cy="549476"/>
+          </a:xfrm>
+          <a:prstGeom prst="rect">
+            <a:avLst/>
+          </a:prstGeom>
+        </p:spPr>
+      </p:pic>
+      <p:pic>
+        <p:nvPicPr>
+          <p:cNvPr id="18" name="Picture 2" descr="C:\Users\Mesut\Desktop\aselsan sunum\aselsan sunum 10 ekim\aselsan sunum\cezmi bey\ODTU.png"/>
           <p:cNvPicPr>
             <a:picLocks noChangeAspect="1" noChangeArrowheads="1"/>
           </p:cNvPicPr>
           <p:nvPr/>
         </p:nvPicPr>
         <p:blipFill>
-          <a:blip r:embed="rId2" cstate="print">
+          <a:blip r:embed="rId4" cstate="print">
             <a:extLst>
               <a:ext uri="{28A0092B-C50C-407E-A947-70E740481C1C}">
                 <a14:useLocalDpi xmlns:a14="http://schemas.microsoft.com/office/drawing/2010/main" val="0"/>
@@ -15066,8 +13446,8 @@
         </p:blipFill>
         <p:spPr bwMode="auto">
           <a:xfrm>
-            <a:off x="163507" y="266700"/>
-            <a:ext cx="684927" cy="571500"/>
+            <a:off x="116458" y="163788"/>
+            <a:ext cx="779026" cy="650016"/>
           </a:xfrm>
           <a:prstGeom prst="rect">
             <a:avLst/>
@@ -15084,208 +13464,6 @@
           </a:extLst>
         </p:spPr>
       </p:pic>
-      <p:sp>
-        <p:nvSpPr>
-          <p:cNvPr id="17" name="Text Box 9"/>
-          <p:cNvSpPr txBox="1">
-            <a:spLocks noChangeArrowheads="1"/>
-          </p:cNvSpPr>
-          <p:nvPr/>
-        </p:nvSpPr>
-        <p:spPr bwMode="auto">
-          <a:xfrm>
-            <a:off x="1295399" y="1084656"/>
-            <a:ext cx="7672691" cy="1938992"/>
-          </a:xfrm>
-          <a:prstGeom prst="rect">
-            <a:avLst/>
-          </a:prstGeom>
-          <a:noFill/>
-          <a:ln w="9525">
-            <a:noFill/>
-            <a:miter lim="800000"/>
-            <a:headEnd/>
-            <a:tailEnd/>
-          </a:ln>
-          <a:effectLst/>
-        </p:spPr>
-        <p:txBody>
-          <a:bodyPr wrap="square">
-            <a:spAutoFit/>
-          </a:bodyPr>
-          <a:lstStyle/>
-          <a:p>
-            <a:r>
-              <a:rPr lang="tr-TR" sz="2400" b="1" dirty="0" smtClean="0">
-                <a:latin typeface="Times New Roman" panose="02020603050405020304" pitchFamily="18" charset="0"/>
-                <a:cs typeface="Times New Roman" panose="02020603050405020304" pitchFamily="18" charset="0"/>
-              </a:rPr>
-              <a:t>S</a:t>
-            </a:r>
-            <a:r>
-              <a:rPr lang="en-US" sz="2400" b="1" dirty="0" smtClean="0">
-                <a:latin typeface="Times New Roman" panose="02020603050405020304" pitchFamily="18" charset="0"/>
-                <a:cs typeface="Times New Roman" panose="02020603050405020304" pitchFamily="18" charset="0"/>
-              </a:rPr>
-              <a:t>mall volume </a:t>
-            </a:r>
-            <a:r>
-              <a:rPr lang="tr-TR" sz="2400" b="1" dirty="0" smtClean="0">
-                <a:latin typeface="Times New Roman" panose="02020603050405020304" pitchFamily="18" charset="0"/>
-                <a:cs typeface="Times New Roman" panose="02020603050405020304" pitchFamily="18" charset="0"/>
-              </a:rPr>
-              <a:t>?</a:t>
-            </a:r>
-          </a:p>
-          <a:p>
-            <a:endParaRPr lang="tr-TR" sz="2400" b="1" dirty="0">
-              <a:latin typeface="Times New Roman" panose="02020603050405020304" pitchFamily="18" charset="0"/>
-              <a:cs typeface="Times New Roman" panose="02020603050405020304" pitchFamily="18" charset="0"/>
-            </a:endParaRPr>
-          </a:p>
-          <a:p>
-            <a:r>
-              <a:rPr lang="tr-TR" sz="2400" b="1" dirty="0" err="1" smtClean="0">
-                <a:latin typeface="Times New Roman" panose="02020603050405020304" pitchFamily="18" charset="0"/>
-                <a:cs typeface="Times New Roman" panose="02020603050405020304" pitchFamily="18" charset="0"/>
-              </a:rPr>
-              <a:t>Cooling</a:t>
-            </a:r>
-            <a:r>
-              <a:rPr lang="tr-TR" sz="2400" b="1" dirty="0" smtClean="0">
-                <a:latin typeface="Times New Roman" panose="02020603050405020304" pitchFamily="18" charset="0"/>
-                <a:cs typeface="Times New Roman" panose="02020603050405020304" pitchFamily="18" charset="0"/>
-              </a:rPr>
-              <a:t> ?</a:t>
-            </a:r>
-          </a:p>
-          <a:p>
-            <a:endParaRPr lang="tr-TR" sz="2400" b="1" dirty="0">
-              <a:latin typeface="Times New Roman" panose="02020603050405020304" pitchFamily="18" charset="0"/>
-              <a:cs typeface="Times New Roman" panose="02020603050405020304" pitchFamily="18" charset="0"/>
-            </a:endParaRPr>
-          </a:p>
-          <a:p>
-            <a:r>
-              <a:rPr lang="tr-TR" sz="2400" b="1" dirty="0" err="1" smtClean="0">
-                <a:latin typeface="Times New Roman" panose="02020603050405020304" pitchFamily="18" charset="0"/>
-                <a:cs typeface="Times New Roman" panose="02020603050405020304" pitchFamily="18" charset="0"/>
-              </a:rPr>
-              <a:t>Vibration</a:t>
-            </a:r>
-            <a:r>
-              <a:rPr lang="tr-TR" sz="2400" b="1" dirty="0" smtClean="0">
-                <a:latin typeface="Times New Roman" panose="02020603050405020304" pitchFamily="18" charset="0"/>
-                <a:cs typeface="Times New Roman" panose="02020603050405020304" pitchFamily="18" charset="0"/>
-              </a:rPr>
-              <a:t> ?</a:t>
-            </a:r>
-          </a:p>
-        </p:txBody>
-      </p:sp>
-      <p:pic>
-        <p:nvPicPr>
-          <p:cNvPr id="9" name="Picture 8"/>
-          <p:cNvPicPr>
-            <a:picLocks noChangeAspect="1"/>
-          </p:cNvPicPr>
-          <p:nvPr/>
-        </p:nvPicPr>
-        <p:blipFill rotWithShape="1">
-          <a:blip r:embed="rId3"/>
-          <a:srcRect/>
-          <a:stretch/>
-        </p:blipFill>
-        <p:spPr>
-          <a:xfrm>
-            <a:off x="1658898" y="3505200"/>
-            <a:ext cx="6711322" cy="2689835"/>
-          </a:xfrm>
-          <a:prstGeom prst="rect">
-            <a:avLst/>
-          </a:prstGeom>
-        </p:spPr>
-      </p:pic>
-      <p:sp>
-        <p:nvSpPr>
-          <p:cNvPr id="12" name="Text Box 9"/>
-          <p:cNvSpPr txBox="1">
-            <a:spLocks noChangeArrowheads="1"/>
-          </p:cNvSpPr>
-          <p:nvPr/>
-        </p:nvSpPr>
-        <p:spPr bwMode="auto">
-          <a:xfrm>
-            <a:off x="3869591" y="1096379"/>
-            <a:ext cx="4991101" cy="1569660"/>
-          </a:xfrm>
-          <a:prstGeom prst="rect">
-            <a:avLst/>
-          </a:prstGeom>
-          <a:noFill/>
-          <a:ln w="9525">
-            <a:noFill/>
-            <a:miter lim="800000"/>
-            <a:headEnd/>
-            <a:tailEnd/>
-          </a:ln>
-          <a:effectLst/>
-        </p:spPr>
-        <p:txBody>
-          <a:bodyPr wrap="square">
-            <a:spAutoFit/>
-          </a:bodyPr>
-          <a:lstStyle/>
-          <a:p>
-            <a:pPr lvl="1"/>
-            <a:r>
-              <a:rPr lang="en-US" sz="2400" dirty="0" smtClean="0">
-                <a:latin typeface="Times New Roman" panose="02020603050405020304" pitchFamily="18" charset="0"/>
-                <a:cs typeface="Times New Roman" panose="02020603050405020304" pitchFamily="18" charset="0"/>
-              </a:rPr>
-              <a:t>Passive component size reduction</a:t>
-            </a:r>
-          </a:p>
-          <a:p>
-            <a:pPr lvl="1"/>
-            <a:r>
-              <a:rPr lang="en-US" sz="2400" dirty="0" smtClean="0">
-                <a:latin typeface="Times New Roman" panose="02020603050405020304" pitchFamily="18" charset="0"/>
-                <a:cs typeface="Times New Roman" panose="02020603050405020304" pitchFamily="18" charset="0"/>
-              </a:rPr>
-              <a:t>Heat sink size reduction</a:t>
-            </a:r>
-            <a:endParaRPr lang="tr-TR" sz="2400" dirty="0" smtClean="0">
-              <a:latin typeface="Times New Roman" panose="02020603050405020304" pitchFamily="18" charset="0"/>
-              <a:cs typeface="Times New Roman" panose="02020603050405020304" pitchFamily="18" charset="0"/>
-            </a:endParaRPr>
-          </a:p>
-          <a:p>
-            <a:pPr lvl="1"/>
-            <a:r>
-              <a:rPr lang="en-US" sz="2400" dirty="0" smtClean="0">
-                <a:latin typeface="Times New Roman" panose="02020603050405020304" pitchFamily="18" charset="0"/>
-                <a:cs typeface="Times New Roman" panose="02020603050405020304" pitchFamily="18" charset="0"/>
-              </a:rPr>
-              <a:t>Achieve superior drive efficiency</a:t>
-            </a:r>
-          </a:p>
-          <a:p>
-            <a:pPr lvl="1"/>
-            <a:r>
-              <a:rPr lang="en-US" sz="2400" dirty="0" smtClean="0">
-                <a:latin typeface="Times New Roman" panose="02020603050405020304" pitchFamily="18" charset="0"/>
-                <a:cs typeface="Times New Roman" panose="02020603050405020304" pitchFamily="18" charset="0"/>
-              </a:rPr>
-              <a:t>Heat distribution</a:t>
-            </a:r>
-            <a:endParaRPr lang="tr-TR" sz="2400" dirty="0" smtClean="0">
-              <a:latin typeface="Times New Roman" panose="02020603050405020304" pitchFamily="18" charset="0"/>
-              <a:cs typeface="Times New Roman" panose="02020603050405020304" pitchFamily="18" charset="0"/>
-            </a:endParaRPr>
-          </a:p>
-        </p:txBody>
-      </p:sp>
     </p:spTree>
     <p:extLst>
       <p:ext uri="{BB962C8B-B14F-4D97-AF65-F5344CB8AC3E}">
@@ -16023,47 +14201,6 @@
           </a:p>
         </p:txBody>
       </p:sp>
-      <p:pic>
-        <p:nvPicPr>
-          <p:cNvPr id="14" name="Picture 2" descr="C:\Users\Mesut\Desktop\aselsan sunum\aselsan sunum 10 ekim\aselsan sunum\cezmi bey\ODTU.png"/>
-          <p:cNvPicPr>
-            <a:picLocks noChangeAspect="1" noChangeArrowheads="1"/>
-          </p:cNvPicPr>
-          <p:nvPr/>
-        </p:nvPicPr>
-        <p:blipFill>
-          <a:blip r:embed="rId2" cstate="print">
-            <a:extLst>
-              <a:ext uri="{28A0092B-C50C-407E-A947-70E740481C1C}">
-                <a14:useLocalDpi xmlns:a14="http://schemas.microsoft.com/office/drawing/2010/main" val="0"/>
-              </a:ext>
-            </a:extLst>
-          </a:blip>
-          <a:srcRect/>
-          <a:stretch>
-            <a:fillRect/>
-          </a:stretch>
-        </p:blipFill>
-        <p:spPr bwMode="auto">
-          <a:xfrm>
-            <a:off x="163507" y="266700"/>
-            <a:ext cx="684927" cy="571500"/>
-          </a:xfrm>
-          <a:prstGeom prst="rect">
-            <a:avLst/>
-          </a:prstGeom>
-          <a:noFill/>
-          <a:extLst>
-            <a:ext uri="{909E8E84-426E-40DD-AFC4-6F175D3DCCD1}">
-              <a14:hiddenFill xmlns:a14="http://schemas.microsoft.com/office/drawing/2010/main">
-                <a:solidFill>
-                  <a:srgbClr val="FFFFFF"/>
-                </a:solidFill>
-              </a14:hiddenFill>
-            </a:ext>
-          </a:extLst>
-        </p:spPr>
-      </p:pic>
       <p:sp>
         <p:nvSpPr>
           <p:cNvPr id="16" name="Text Box 9"/>
@@ -16198,7 +14335,7 @@
           <p:nvPr/>
         </p:nvPicPr>
         <p:blipFill>
-          <a:blip r:embed="rId3">
+          <a:blip r:embed="rId2">
             <a:extLst>
               <a:ext uri="{28A0092B-C50C-407E-A947-70E740481C1C}">
                 <a14:useLocalDpi xmlns:a14="http://schemas.microsoft.com/office/drawing/2010/main" val="0"/>
@@ -16346,6 +14483,77 @@
           </a:p>
         </p:txBody>
       </p:sp>
+      <p:pic>
+        <p:nvPicPr>
+          <p:cNvPr id="12" name="Picture 11"/>
+          <p:cNvPicPr>
+            <a:picLocks noChangeAspect="1"/>
+          </p:cNvPicPr>
+          <p:nvPr/>
+        </p:nvPicPr>
+        <p:blipFill>
+          <a:blip r:embed="rId3" cstate="print">
+            <a:extLst>
+              <a:ext uri="{28A0092B-C50C-407E-A947-70E740481C1C}">
+                <a14:useLocalDpi xmlns:a14="http://schemas.microsoft.com/office/drawing/2010/main" val="0"/>
+              </a:ext>
+            </a:extLst>
+          </a:blip>
+          <a:stretch>
+            <a:fillRect/>
+          </a:stretch>
+        </p:blipFill>
+        <p:spPr>
+          <a:xfrm rot="16200000">
+            <a:off x="-876200" y="5067199"/>
+            <a:ext cx="2759076" cy="549476"/>
+          </a:xfrm>
+          <a:prstGeom prst="rect">
+            <a:avLst/>
+          </a:prstGeom>
+        </p:spPr>
+      </p:pic>
+      <p:pic>
+        <p:nvPicPr>
+          <p:cNvPr id="17" name="Picture 2" descr="C:\Users\Mesut\Desktop\aselsan sunum\aselsan sunum 10 ekim\aselsan sunum\cezmi bey\ODTU.png"/>
+          <p:cNvPicPr>
+            <a:picLocks noChangeAspect="1" noChangeArrowheads="1"/>
+          </p:cNvPicPr>
+          <p:nvPr/>
+        </p:nvPicPr>
+        <p:blipFill>
+          <a:blip r:embed="rId4" cstate="print">
+            <a:extLst>
+              <a:ext uri="{28A0092B-C50C-407E-A947-70E740481C1C}">
+                <a14:useLocalDpi xmlns:a14="http://schemas.microsoft.com/office/drawing/2010/main" val="0"/>
+              </a:ext>
+            </a:extLst>
+          </a:blip>
+          <a:srcRect/>
+          <a:stretch>
+            <a:fillRect/>
+          </a:stretch>
+        </p:blipFill>
+        <p:spPr bwMode="auto">
+          <a:xfrm>
+            <a:off x="116458" y="163788"/>
+            <a:ext cx="779026" cy="650016"/>
+          </a:xfrm>
+          <a:prstGeom prst="rect">
+            <a:avLst/>
+          </a:prstGeom>
+          <a:noFill/>
+          <a:extLst>
+            <a:ext uri="{909E8E84-426E-40DD-AFC4-6F175D3DCCD1}">
+              <a14:hiddenFill xmlns:a14="http://schemas.microsoft.com/office/drawing/2010/main">
+                <a:solidFill>
+                  <a:srgbClr val="FFFFFF"/>
+                </a:solidFill>
+              </a14:hiddenFill>
+            </a:ext>
+          </a:extLst>
+        </p:spPr>
+      </p:pic>
     </p:spTree>
     <p:extLst>
       <p:ext uri="{BB962C8B-B14F-4D97-AF65-F5344CB8AC3E}">
@@ -17022,16 +15230,184 @@
           </a:p>
         </p:txBody>
       </p:sp>
+      <p:sp>
+        <p:nvSpPr>
+          <p:cNvPr id="16" name="Text Box 9"/>
+          <p:cNvSpPr txBox="1">
+            <a:spLocks noChangeArrowheads="1"/>
+          </p:cNvSpPr>
+          <p:nvPr/>
+        </p:nvSpPr>
+        <p:spPr bwMode="auto">
+          <a:xfrm>
+            <a:off x="3450504" y="1304324"/>
+            <a:ext cx="3864695" cy="1015663"/>
+          </a:xfrm>
+          <a:prstGeom prst="rect">
+            <a:avLst/>
+          </a:prstGeom>
+          <a:noFill/>
+          <a:ln w="9525">
+            <a:noFill/>
+            <a:miter lim="800000"/>
+            <a:headEnd/>
+            <a:tailEnd/>
+          </a:ln>
+          <a:effectLst/>
+        </p:spPr>
+        <p:txBody>
+          <a:bodyPr wrap="square">
+            <a:spAutoFit/>
+          </a:bodyPr>
+          <a:lstStyle/>
+          <a:p>
+            <a:r>
+              <a:rPr lang="en-US" sz="2000" dirty="0">
+                <a:latin typeface="Times New Roman" panose="02020603050405020304" pitchFamily="18" charset="0"/>
+                <a:cs typeface="Times New Roman" panose="02020603050405020304" pitchFamily="18" charset="0"/>
+              </a:rPr>
+              <a:t>DC link capacitors </a:t>
+            </a:r>
+            <a:r>
+              <a:rPr lang="en-US" sz="2000" dirty="0" smtClean="0">
+                <a:latin typeface="Times New Roman" panose="02020603050405020304" pitchFamily="18" charset="0"/>
+                <a:cs typeface="Times New Roman" panose="02020603050405020304" pitchFamily="18" charset="0"/>
+              </a:rPr>
+              <a:t>constitute</a:t>
+            </a:r>
+            <a:endParaRPr lang="tr-TR" sz="2000" dirty="0">
+              <a:latin typeface="Times New Roman" panose="02020603050405020304" pitchFamily="18" charset="0"/>
+              <a:cs typeface="Times New Roman" panose="02020603050405020304" pitchFamily="18" charset="0"/>
+            </a:endParaRPr>
+          </a:p>
+          <a:p>
+            <a:pPr marL="457200" indent="-457200">
+              <a:buFont typeface="Arial" panose="020B0604020202020204" pitchFamily="34" charset="0"/>
+              <a:buChar char="•"/>
+            </a:pPr>
+            <a:r>
+              <a:rPr lang="en-US" sz="2000" dirty="0">
+                <a:latin typeface="Times New Roman" panose="02020603050405020304" pitchFamily="18" charset="0"/>
+                <a:cs typeface="Times New Roman" panose="02020603050405020304" pitchFamily="18" charset="0"/>
+              </a:rPr>
+              <a:t>20% of </a:t>
+            </a:r>
+            <a:r>
+              <a:rPr lang="en-US" sz="2000" b="1" dirty="0">
+                <a:latin typeface="Times New Roman" panose="02020603050405020304" pitchFamily="18" charset="0"/>
+                <a:cs typeface="Times New Roman" panose="02020603050405020304" pitchFamily="18" charset="0"/>
+              </a:rPr>
+              <a:t>cost</a:t>
+            </a:r>
+            <a:r>
+              <a:rPr lang="en-US" sz="2000" dirty="0">
+                <a:latin typeface="Times New Roman" panose="02020603050405020304" pitchFamily="18" charset="0"/>
+                <a:cs typeface="Times New Roman" panose="02020603050405020304" pitchFamily="18" charset="0"/>
+              </a:rPr>
+              <a:t> and </a:t>
+            </a:r>
+            <a:r>
+              <a:rPr lang="en-US" sz="2000" b="1" dirty="0" smtClean="0">
+                <a:latin typeface="Times New Roman" panose="02020603050405020304" pitchFamily="18" charset="0"/>
+                <a:cs typeface="Times New Roman" panose="02020603050405020304" pitchFamily="18" charset="0"/>
+              </a:rPr>
+              <a:t>weight</a:t>
+            </a:r>
+            <a:endParaRPr lang="tr-TR" sz="2000" dirty="0">
+              <a:latin typeface="Times New Roman" panose="02020603050405020304" pitchFamily="18" charset="0"/>
+              <a:cs typeface="Times New Roman" panose="02020603050405020304" pitchFamily="18" charset="0"/>
+            </a:endParaRPr>
+          </a:p>
+          <a:p>
+            <a:pPr marL="457200" indent="-457200">
+              <a:buFont typeface="Arial" panose="020B0604020202020204" pitchFamily="34" charset="0"/>
+              <a:buChar char="•"/>
+            </a:pPr>
+            <a:r>
+              <a:rPr lang="en-US" sz="2000" dirty="0">
+                <a:latin typeface="Times New Roman" panose="02020603050405020304" pitchFamily="18" charset="0"/>
+                <a:cs typeface="Times New Roman" panose="02020603050405020304" pitchFamily="18" charset="0"/>
+              </a:rPr>
+              <a:t>30% of </a:t>
+            </a:r>
+            <a:r>
+              <a:rPr lang="en-US" sz="2000" b="1" dirty="0" smtClean="0">
+                <a:latin typeface="Times New Roman" panose="02020603050405020304" pitchFamily="18" charset="0"/>
+                <a:cs typeface="Times New Roman" panose="02020603050405020304" pitchFamily="18" charset="0"/>
+              </a:rPr>
+              <a:t>volume</a:t>
+            </a:r>
+            <a:endParaRPr lang="en-US" sz="2000" b="1" dirty="0">
+              <a:latin typeface="Times New Roman" panose="02020603050405020304" pitchFamily="18" charset="0"/>
+              <a:cs typeface="Times New Roman" panose="02020603050405020304" pitchFamily="18" charset="0"/>
+            </a:endParaRPr>
+          </a:p>
+        </p:txBody>
+      </p:sp>
       <p:pic>
         <p:nvPicPr>
-          <p:cNvPr id="14" name="Picture 2" descr="C:\Users\Mesut\Desktop\aselsan sunum\aselsan sunum 10 ekim\aselsan sunum\cezmi bey\ODTU.png"/>
+          <p:cNvPr id="17" name="Picture 16"/>
+          <p:cNvPicPr>
+            <a:picLocks noChangeAspect="1"/>
+          </p:cNvPicPr>
+          <p:nvPr/>
+        </p:nvPicPr>
+        <p:blipFill>
+          <a:blip r:embed="rId2"/>
+          <a:stretch>
+            <a:fillRect/>
+          </a:stretch>
+        </p:blipFill>
+        <p:spPr>
+          <a:xfrm>
+            <a:off x="2108971" y="2895600"/>
+            <a:ext cx="5869840" cy="2352578"/>
+          </a:xfrm>
+          <a:prstGeom prst="rect">
+            <a:avLst/>
+          </a:prstGeom>
+        </p:spPr>
+      </p:pic>
+      <p:pic>
+        <p:nvPicPr>
+          <p:cNvPr id="12" name="Picture 11"/>
+          <p:cNvPicPr>
+            <a:picLocks noChangeAspect="1"/>
+          </p:cNvPicPr>
+          <p:nvPr/>
+        </p:nvPicPr>
+        <p:blipFill>
+          <a:blip r:embed="rId3" cstate="print">
+            <a:extLst>
+              <a:ext uri="{28A0092B-C50C-407E-A947-70E740481C1C}">
+                <a14:useLocalDpi xmlns:a14="http://schemas.microsoft.com/office/drawing/2010/main" val="0"/>
+              </a:ext>
+            </a:extLst>
+          </a:blip>
+          <a:stretch>
+            <a:fillRect/>
+          </a:stretch>
+        </p:blipFill>
+        <p:spPr>
+          <a:xfrm rot="16200000">
+            <a:off x="-876200" y="5067199"/>
+            <a:ext cx="2759076" cy="549476"/>
+          </a:xfrm>
+          <a:prstGeom prst="rect">
+            <a:avLst/>
+          </a:prstGeom>
+        </p:spPr>
+      </p:pic>
+      <p:pic>
+        <p:nvPicPr>
+          <p:cNvPr id="18" name="Picture 2" descr="C:\Users\Mesut\Desktop\aselsan sunum\aselsan sunum 10 ekim\aselsan sunum\cezmi bey\ODTU.png"/>
           <p:cNvPicPr>
             <a:picLocks noChangeAspect="1" noChangeArrowheads="1"/>
           </p:cNvPicPr>
           <p:nvPr/>
         </p:nvPicPr>
         <p:blipFill>
-          <a:blip r:embed="rId2" cstate="print">
+          <a:blip r:embed="rId4" cstate="print">
             <a:extLst>
               <a:ext uri="{28A0092B-C50C-407E-A947-70E740481C1C}">
                 <a14:useLocalDpi xmlns:a14="http://schemas.microsoft.com/office/drawing/2010/main" val="0"/>
@@ -17045,8 +15421,8 @@
         </p:blipFill>
         <p:spPr bwMode="auto">
           <a:xfrm>
-            <a:off x="163507" y="266700"/>
-            <a:ext cx="684927" cy="571500"/>
+            <a:off x="116458" y="163788"/>
+            <a:ext cx="779026" cy="650016"/>
           </a:xfrm>
           <a:prstGeom prst="rect">
             <a:avLst/>
@@ -17061,144 +15437,6 @@
               </a14:hiddenFill>
             </a:ext>
           </a:extLst>
-        </p:spPr>
-      </p:pic>
-      <p:sp>
-        <p:nvSpPr>
-          <p:cNvPr id="16" name="Text Box 9"/>
-          <p:cNvSpPr txBox="1">
-            <a:spLocks noChangeArrowheads="1"/>
-          </p:cNvSpPr>
-          <p:nvPr/>
-        </p:nvSpPr>
-        <p:spPr bwMode="auto">
-          <a:xfrm>
-            <a:off x="3450504" y="1304324"/>
-            <a:ext cx="3864695" cy="1015663"/>
-          </a:xfrm>
-          <a:prstGeom prst="rect">
-            <a:avLst/>
-          </a:prstGeom>
-          <a:noFill/>
-          <a:ln w="9525">
-            <a:noFill/>
-            <a:miter lim="800000"/>
-            <a:headEnd/>
-            <a:tailEnd/>
-          </a:ln>
-          <a:effectLst/>
-        </p:spPr>
-        <p:txBody>
-          <a:bodyPr wrap="square">
-            <a:spAutoFit/>
-          </a:bodyPr>
-          <a:lstStyle/>
-          <a:p>
-            <a:r>
-              <a:rPr lang="en-US" sz="2000" dirty="0">
-                <a:latin typeface="Times New Roman" panose="02020603050405020304" pitchFamily="18" charset="0"/>
-                <a:cs typeface="Times New Roman" panose="02020603050405020304" pitchFamily="18" charset="0"/>
-              </a:rPr>
-              <a:t>DC link capacitors </a:t>
-            </a:r>
-            <a:r>
-              <a:rPr lang="en-US" sz="2000" dirty="0" smtClean="0">
-                <a:latin typeface="Times New Roman" panose="02020603050405020304" pitchFamily="18" charset="0"/>
-                <a:cs typeface="Times New Roman" panose="02020603050405020304" pitchFamily="18" charset="0"/>
-              </a:rPr>
-              <a:t>constitute</a:t>
-            </a:r>
-            <a:endParaRPr lang="tr-TR" sz="2000" dirty="0">
-              <a:latin typeface="Times New Roman" panose="02020603050405020304" pitchFamily="18" charset="0"/>
-              <a:cs typeface="Times New Roman" panose="02020603050405020304" pitchFamily="18" charset="0"/>
-            </a:endParaRPr>
-          </a:p>
-          <a:p>
-            <a:pPr marL="457200" indent="-457200">
-              <a:buFont typeface="Arial" panose="020B0604020202020204" pitchFamily="34" charset="0"/>
-              <a:buChar char="•"/>
-            </a:pPr>
-            <a:r>
-              <a:rPr lang="en-US" sz="2000" dirty="0">
-                <a:latin typeface="Times New Roman" panose="02020603050405020304" pitchFamily="18" charset="0"/>
-                <a:cs typeface="Times New Roman" panose="02020603050405020304" pitchFamily="18" charset="0"/>
-              </a:rPr>
-              <a:t>20% of </a:t>
-            </a:r>
-            <a:r>
-              <a:rPr lang="en-US" sz="2000" b="1" dirty="0">
-                <a:latin typeface="Times New Roman" panose="02020603050405020304" pitchFamily="18" charset="0"/>
-                <a:cs typeface="Times New Roman" panose="02020603050405020304" pitchFamily="18" charset="0"/>
-              </a:rPr>
-              <a:t>cost</a:t>
-            </a:r>
-            <a:r>
-              <a:rPr lang="en-US" sz="2000" dirty="0">
-                <a:latin typeface="Times New Roman" panose="02020603050405020304" pitchFamily="18" charset="0"/>
-                <a:cs typeface="Times New Roman" panose="02020603050405020304" pitchFamily="18" charset="0"/>
-              </a:rPr>
-              <a:t> and </a:t>
-            </a:r>
-            <a:r>
-              <a:rPr lang="en-US" sz="2000" b="1" dirty="0" smtClean="0">
-                <a:latin typeface="Times New Roman" panose="02020603050405020304" pitchFamily="18" charset="0"/>
-                <a:cs typeface="Times New Roman" panose="02020603050405020304" pitchFamily="18" charset="0"/>
-              </a:rPr>
-              <a:t>weight</a:t>
-            </a:r>
-            <a:endParaRPr lang="tr-TR" sz="2000" dirty="0">
-              <a:latin typeface="Times New Roman" panose="02020603050405020304" pitchFamily="18" charset="0"/>
-              <a:cs typeface="Times New Roman" panose="02020603050405020304" pitchFamily="18" charset="0"/>
-            </a:endParaRPr>
-          </a:p>
-          <a:p>
-            <a:pPr marL="457200" indent="-457200">
-              <a:buFont typeface="Arial" panose="020B0604020202020204" pitchFamily="34" charset="0"/>
-              <a:buChar char="•"/>
-            </a:pPr>
-            <a:r>
-              <a:rPr lang="en-US" sz="2000" dirty="0">
-                <a:latin typeface="Times New Roman" panose="02020603050405020304" pitchFamily="18" charset="0"/>
-                <a:cs typeface="Times New Roman" panose="02020603050405020304" pitchFamily="18" charset="0"/>
-              </a:rPr>
-              <a:t>30% of </a:t>
-            </a:r>
-            <a:r>
-              <a:rPr lang="en-US" sz="2000" b="1" dirty="0" smtClean="0">
-                <a:latin typeface="Times New Roman" panose="02020603050405020304" pitchFamily="18" charset="0"/>
-                <a:cs typeface="Times New Roman" panose="02020603050405020304" pitchFamily="18" charset="0"/>
-              </a:rPr>
-              <a:t>volume</a:t>
-            </a:r>
-            <a:endParaRPr lang="en-US" sz="2000" b="1" dirty="0">
-              <a:latin typeface="Times New Roman" panose="02020603050405020304" pitchFamily="18" charset="0"/>
-              <a:cs typeface="Times New Roman" panose="02020603050405020304" pitchFamily="18" charset="0"/>
-            </a:endParaRPr>
-          </a:p>
-        </p:txBody>
-      </p:sp>
-      <p:pic>
-        <p:nvPicPr>
-          <p:cNvPr id="17" name="Picture 16"/>
-          <p:cNvPicPr>
-            <a:picLocks noChangeAspect="1"/>
-          </p:cNvPicPr>
-          <p:nvPr/>
-        </p:nvPicPr>
-        <p:blipFill>
-          <a:blip r:embed="rId3"/>
-          <a:stretch>
-            <a:fillRect/>
-          </a:stretch>
-        </p:blipFill>
-        <p:spPr>
-          <a:xfrm>
-            <a:off x="2108971" y="2895600"/>
-            <a:ext cx="5869840" cy="2352578"/>
-          </a:xfrm>
-          <a:prstGeom prst="rect">
-            <a:avLst/>
-          </a:prstGeom>
         </p:spPr>
       </p:pic>
     </p:spTree>
@@ -17683,47 +15921,6 @@
           </a:p>
         </p:txBody>
       </p:sp>
-      <p:pic>
-        <p:nvPicPr>
-          <p:cNvPr id="14" name="Picture 2" descr="C:\Users\Mesut\Desktop\aselsan sunum\aselsan sunum 10 ekim\aselsan sunum\cezmi bey\ODTU.png"/>
-          <p:cNvPicPr>
-            <a:picLocks noChangeAspect="1" noChangeArrowheads="1"/>
-          </p:cNvPicPr>
-          <p:nvPr/>
-        </p:nvPicPr>
-        <p:blipFill>
-          <a:blip r:embed="rId2" cstate="print">
-            <a:extLst>
-              <a:ext uri="{28A0092B-C50C-407E-A947-70E740481C1C}">
-                <a14:useLocalDpi xmlns:a14="http://schemas.microsoft.com/office/drawing/2010/main" val="0"/>
-              </a:ext>
-            </a:extLst>
-          </a:blip>
-          <a:srcRect/>
-          <a:stretch>
-            <a:fillRect/>
-          </a:stretch>
-        </p:blipFill>
-        <p:spPr bwMode="auto">
-          <a:xfrm>
-            <a:off x="163507" y="266700"/>
-            <a:ext cx="684927" cy="571500"/>
-          </a:xfrm>
-          <a:prstGeom prst="rect">
-            <a:avLst/>
-          </a:prstGeom>
-          <a:noFill/>
-          <a:extLst>
-            <a:ext uri="{909E8E84-426E-40DD-AFC4-6F175D3DCCD1}">
-              <a14:hiddenFill xmlns:a14="http://schemas.microsoft.com/office/drawing/2010/main">
-                <a:solidFill>
-                  <a:srgbClr val="FFFFFF"/>
-                </a:solidFill>
-              </a14:hiddenFill>
-            </a:ext>
-          </a:extLst>
-        </p:spPr>
-      </p:pic>
       <p:sp>
         <p:nvSpPr>
           <p:cNvPr id="9" name="TextBox 8"/>
@@ -17771,6 +15968,30 @@
       <p:pic>
         <p:nvPicPr>
           <p:cNvPr id="3" name="Picture 2"/>
+          <p:cNvPicPr>
+            <a:picLocks noChangeAspect="1"/>
+          </p:cNvPicPr>
+          <p:nvPr/>
+        </p:nvPicPr>
+        <p:blipFill>
+          <a:blip r:embed="rId2"/>
+          <a:stretch>
+            <a:fillRect/>
+          </a:stretch>
+        </p:blipFill>
+        <p:spPr>
+          <a:xfrm>
+            <a:off x="6017587" y="1456042"/>
+            <a:ext cx="2242093" cy="613565"/>
+          </a:xfrm>
+          <a:prstGeom prst="rect">
+            <a:avLst/>
+          </a:prstGeom>
+        </p:spPr>
+      </p:pic>
+      <p:pic>
+        <p:nvPicPr>
+          <p:cNvPr id="4" name="Picture 3"/>
           <p:cNvPicPr>
             <a:picLocks noChangeAspect="1"/>
           </p:cNvPicPr>
@@ -17784,8 +16005,8 @@
         </p:blipFill>
         <p:spPr>
           <a:xfrm>
-            <a:off x="6017587" y="1456042"/>
-            <a:ext cx="2242093" cy="613565"/>
+            <a:off x="4867275" y="2593737"/>
+            <a:ext cx="4267200" cy="635745"/>
           </a:xfrm>
           <a:prstGeom prst="rect">
             <a:avLst/>
@@ -17794,7 +16015,7 @@
       </p:pic>
       <p:pic>
         <p:nvPicPr>
-          <p:cNvPr id="4" name="Picture 3"/>
+          <p:cNvPr id="5" name="Picture 4"/>
           <p:cNvPicPr>
             <a:picLocks noChangeAspect="1"/>
           </p:cNvPicPr>
@@ -17808,8 +16029,8 @@
         </p:blipFill>
         <p:spPr>
           <a:xfrm>
-            <a:off x="4867275" y="2593737"/>
-            <a:ext cx="4267200" cy="635745"/>
+            <a:off x="5804826" y="1971660"/>
+            <a:ext cx="2688179" cy="666669"/>
           </a:xfrm>
           <a:prstGeom prst="rect">
             <a:avLst/>
@@ -17818,7 +16039,7 @@
       </p:pic>
       <p:pic>
         <p:nvPicPr>
-          <p:cNvPr id="5" name="Picture 4"/>
+          <p:cNvPr id="7" name="Picture 6"/>
           <p:cNvPicPr>
             <a:picLocks noChangeAspect="1"/>
           </p:cNvPicPr>
@@ -17832,30 +16053,6 @@
         </p:blipFill>
         <p:spPr>
           <a:xfrm>
-            <a:off x="5804826" y="1971660"/>
-            <a:ext cx="2688179" cy="666669"/>
-          </a:xfrm>
-          <a:prstGeom prst="rect">
-            <a:avLst/>
-          </a:prstGeom>
-        </p:spPr>
-      </p:pic>
-      <p:pic>
-        <p:nvPicPr>
-          <p:cNvPr id="7" name="Picture 6"/>
-          <p:cNvPicPr>
-            <a:picLocks noChangeAspect="1"/>
-          </p:cNvPicPr>
-          <p:nvPr/>
-        </p:nvPicPr>
-        <p:blipFill>
-          <a:blip r:embed="rId6"/>
-          <a:stretch>
-            <a:fillRect/>
-          </a:stretch>
-        </p:blipFill>
-        <p:spPr>
-          <a:xfrm>
             <a:off x="1096941" y="1540859"/>
             <a:ext cx="3823094" cy="2232117"/>
           </a:xfrm>
@@ -17873,7 +16070,7 @@
           <p:nvPr/>
         </p:nvPicPr>
         <p:blipFill>
-          <a:blip r:embed="rId7"/>
+          <a:blip r:embed="rId6"/>
           <a:stretch>
             <a:fillRect/>
           </a:stretch>
@@ -18153,6 +16350,77 @@
           </a:p>
         </p:txBody>
       </p:sp>
+      <p:pic>
+        <p:nvPicPr>
+          <p:cNvPr id="19" name="Picture 18"/>
+          <p:cNvPicPr>
+            <a:picLocks noChangeAspect="1"/>
+          </p:cNvPicPr>
+          <p:nvPr/>
+        </p:nvPicPr>
+        <p:blipFill>
+          <a:blip r:embed="rId7" cstate="print">
+            <a:extLst>
+              <a:ext uri="{28A0092B-C50C-407E-A947-70E740481C1C}">
+                <a14:useLocalDpi xmlns:a14="http://schemas.microsoft.com/office/drawing/2010/main" val="0"/>
+              </a:ext>
+            </a:extLst>
+          </a:blip>
+          <a:stretch>
+            <a:fillRect/>
+          </a:stretch>
+        </p:blipFill>
+        <p:spPr>
+          <a:xfrm rot="16200000">
+            <a:off x="-876200" y="5067199"/>
+            <a:ext cx="2759076" cy="549476"/>
+          </a:xfrm>
+          <a:prstGeom prst="rect">
+            <a:avLst/>
+          </a:prstGeom>
+        </p:spPr>
+      </p:pic>
+      <p:pic>
+        <p:nvPicPr>
+          <p:cNvPr id="20" name="Picture 2" descr="C:\Users\Mesut\Desktop\aselsan sunum\aselsan sunum 10 ekim\aselsan sunum\cezmi bey\ODTU.png"/>
+          <p:cNvPicPr>
+            <a:picLocks noChangeAspect="1" noChangeArrowheads="1"/>
+          </p:cNvPicPr>
+          <p:nvPr/>
+        </p:nvPicPr>
+        <p:blipFill>
+          <a:blip r:embed="rId8" cstate="print">
+            <a:extLst>
+              <a:ext uri="{28A0092B-C50C-407E-A947-70E740481C1C}">
+                <a14:useLocalDpi xmlns:a14="http://schemas.microsoft.com/office/drawing/2010/main" val="0"/>
+              </a:ext>
+            </a:extLst>
+          </a:blip>
+          <a:srcRect/>
+          <a:stretch>
+            <a:fillRect/>
+          </a:stretch>
+        </p:blipFill>
+        <p:spPr bwMode="auto">
+          <a:xfrm>
+            <a:off x="116458" y="163788"/>
+            <a:ext cx="779026" cy="650016"/>
+          </a:xfrm>
+          <a:prstGeom prst="rect">
+            <a:avLst/>
+          </a:prstGeom>
+          <a:noFill/>
+          <a:extLst>
+            <a:ext uri="{909E8E84-426E-40DD-AFC4-6F175D3DCCD1}">
+              <a14:hiddenFill xmlns:a14="http://schemas.microsoft.com/office/drawing/2010/main">
+                <a:solidFill>
+                  <a:srgbClr val="FFFFFF"/>
+                </a:solidFill>
+              </a14:hiddenFill>
+            </a:ext>
+          </a:extLst>
+        </p:spPr>
+      </p:pic>
     </p:spTree>
     <p:extLst>
       <p:ext uri="{BB962C8B-B14F-4D97-AF65-F5344CB8AC3E}">

--- a/ISIE 2017/sunum/ISIE2017_OralPres_Mesut_Uğur.pptx
+++ b/ISIE 2017/sunum/ISIE2017_OralPres_Mesut_Uğur.pptx
@@ -5,26 +5,24 @@
     <p:sldMasterId id="2147483804" r:id="rId1"/>
   </p:sldMasterIdLst>
   <p:notesMasterIdLst>
-    <p:notesMasterId r:id="rId19"/>
+    <p:notesMasterId r:id="rId17"/>
   </p:notesMasterIdLst>
   <p:sldIdLst>
     <p:sldId id="290" r:id="rId2"/>
     <p:sldId id="494" r:id="rId3"/>
     <p:sldId id="515" r:id="rId4"/>
     <p:sldId id="497" r:id="rId5"/>
-    <p:sldId id="498" r:id="rId6"/>
-    <p:sldId id="504" r:id="rId7"/>
-    <p:sldId id="501" r:id="rId8"/>
-    <p:sldId id="506" r:id="rId9"/>
-    <p:sldId id="508" r:id="rId10"/>
-    <p:sldId id="514" r:id="rId11"/>
-    <p:sldId id="517" r:id="rId12"/>
-    <p:sldId id="516" r:id="rId13"/>
-    <p:sldId id="507" r:id="rId14"/>
-    <p:sldId id="509" r:id="rId15"/>
-    <p:sldId id="518" r:id="rId16"/>
-    <p:sldId id="513" r:id="rId17"/>
-    <p:sldId id="493" r:id="rId18"/>
+    <p:sldId id="504" r:id="rId6"/>
+    <p:sldId id="506" r:id="rId7"/>
+    <p:sldId id="508" r:id="rId8"/>
+    <p:sldId id="514" r:id="rId9"/>
+    <p:sldId id="517" r:id="rId10"/>
+    <p:sldId id="516" r:id="rId11"/>
+    <p:sldId id="507" r:id="rId12"/>
+    <p:sldId id="509" r:id="rId13"/>
+    <p:sldId id="518" r:id="rId14"/>
+    <p:sldId id="513" r:id="rId15"/>
+    <p:sldId id="493" r:id="rId16"/>
   </p:sldIdLst>
   <p:sldSz cx="9144000" cy="6858000" type="screen4x3"/>
   <p:notesSz cx="6858000" cy="9144000"/>
@@ -3833,10 +3831,6 @@
               </a:rPr>
               <a:t>Middle East Technical University</a:t>
             </a:r>
-            <a:endParaRPr lang="en-US" sz="2000" dirty="0" smtClean="0">
-              <a:latin typeface="Times New Roman" panose="02020603050405020304" pitchFamily="18" charset="0"/>
-              <a:cs typeface="Times New Roman" panose="02020603050405020304" pitchFamily="18" charset="0"/>
-            </a:endParaRPr>
           </a:p>
         </p:txBody>
       </p:sp>
@@ -3909,14 +3903,7 @@
                 <a:latin typeface="Times New Roman" panose="02020603050405020304" pitchFamily="18" charset="0"/>
                 <a:cs typeface="Times New Roman" panose="02020603050405020304" pitchFamily="18" charset="0"/>
               </a:rPr>
-              <a:t>Motor Drives</a:t>
-            </a:r>
-            <a:r>
-              <a:rPr lang="en-US" sz="3600" dirty="0">
-                <a:latin typeface="Times New Roman" panose="02020603050405020304" pitchFamily="18" charset="0"/>
-                <a:cs typeface="Times New Roman" panose="02020603050405020304" pitchFamily="18" charset="0"/>
-              </a:rPr>
-              <a:t> </a:t>
+              <a:t>Motor Drives </a:t>
             </a:r>
             <a:endParaRPr lang="en-US" sz="3600" b="1" dirty="0" smtClean="0">
               <a:latin typeface="Times New Roman" panose="02020603050405020304" pitchFamily="18" charset="0"/>
@@ -3953,19 +3940,8 @@
                 <a:latin typeface="Times New Roman" panose="02020603050405020304" pitchFamily="18" charset="0"/>
                 <a:cs typeface="Times New Roman" panose="02020603050405020304" pitchFamily="18" charset="0"/>
               </a:rPr>
-              <a:t>20/</a:t>
-            </a:r>
-            <a:r>
-              <a:rPr lang="tr-TR" sz="2400" dirty="0" smtClean="0">
-                <a:latin typeface="Times New Roman" panose="02020603050405020304" pitchFamily="18" charset="0"/>
-                <a:cs typeface="Times New Roman" panose="02020603050405020304" pitchFamily="18" charset="0"/>
-              </a:rPr>
-              <a:t>06/2017</a:t>
-            </a:r>
-            <a:endParaRPr lang="tr-TR" sz="2400" dirty="0" smtClean="0">
-              <a:latin typeface="Times New Roman" panose="02020603050405020304" pitchFamily="18" charset="0"/>
-              <a:cs typeface="Times New Roman" panose="02020603050405020304" pitchFamily="18" charset="0"/>
-            </a:endParaRPr>
+              <a:t>20/06/2017</a:t>
+            </a:r>
           </a:p>
         </p:txBody>
       </p:sp>
@@ -4107,93 +4083,23 @@
               </a:spcBef>
             </a:pPr>
             <a:r>
-              <a:rPr lang="tr-TR" sz="2600" dirty="0" err="1" smtClean="0">
+              <a:rPr lang="en-US" sz="2600" dirty="0" smtClean="0">
                 <a:solidFill>
-                  <a:schemeClr val="bg2">
-                    <a:lumMod val="90000"/>
+                  <a:schemeClr val="accent1">
+                    <a:lumMod val="40000"/>
+                    <a:lumOff val="60000"/>
                   </a:schemeClr>
                 </a:solidFill>
                 <a:latin typeface="Times New Roman" panose="02020603050405020304" pitchFamily="18" charset="0"/>
                 <a:cs typeface="Times New Roman" panose="02020603050405020304" pitchFamily="18" charset="0"/>
               </a:rPr>
-              <a:t>The</a:t>
-            </a:r>
-            <a:r>
-              <a:rPr lang="tr-TR" sz="2600" dirty="0" smtClean="0">
-                <a:solidFill>
-                  <a:schemeClr val="bg2">
-                    <a:lumMod val="90000"/>
-                  </a:schemeClr>
-                </a:solidFill>
-                <a:latin typeface="Times New Roman" panose="02020603050405020304" pitchFamily="18" charset="0"/>
-                <a:cs typeface="Times New Roman" panose="02020603050405020304" pitchFamily="18" charset="0"/>
-              </a:rPr>
-              <a:t> 26th IEEE International </a:t>
-            </a:r>
-            <a:r>
-              <a:rPr lang="tr-TR" sz="2600" dirty="0" err="1" smtClean="0">
-                <a:solidFill>
-                  <a:schemeClr val="bg2">
-                    <a:lumMod val="90000"/>
-                  </a:schemeClr>
-                </a:solidFill>
-                <a:latin typeface="Times New Roman" panose="02020603050405020304" pitchFamily="18" charset="0"/>
-                <a:cs typeface="Times New Roman" panose="02020603050405020304" pitchFamily="18" charset="0"/>
-              </a:rPr>
-              <a:t>Symposium</a:t>
-            </a:r>
-            <a:r>
-              <a:rPr lang="tr-TR" sz="2600" dirty="0" smtClean="0">
-                <a:solidFill>
-                  <a:schemeClr val="bg2">
-                    <a:lumMod val="90000"/>
-                  </a:schemeClr>
-                </a:solidFill>
-                <a:latin typeface="Times New Roman" panose="02020603050405020304" pitchFamily="18" charset="0"/>
-                <a:cs typeface="Times New Roman" panose="02020603050405020304" pitchFamily="18" charset="0"/>
-              </a:rPr>
-              <a:t> on </a:t>
-            </a:r>
-            <a:r>
-              <a:rPr lang="tr-TR" sz="2600" dirty="0" err="1" smtClean="0">
-                <a:solidFill>
-                  <a:schemeClr val="bg2">
-                    <a:lumMod val="90000"/>
-                  </a:schemeClr>
-                </a:solidFill>
-                <a:latin typeface="Times New Roman" panose="02020603050405020304" pitchFamily="18" charset="0"/>
-                <a:cs typeface="Times New Roman" panose="02020603050405020304" pitchFamily="18" charset="0"/>
-              </a:rPr>
-              <a:t>Industrial</a:t>
-            </a:r>
-            <a:r>
-              <a:rPr lang="tr-TR" sz="2600" dirty="0" smtClean="0">
-                <a:solidFill>
-                  <a:schemeClr val="bg2">
-                    <a:lumMod val="90000"/>
-                  </a:schemeClr>
-                </a:solidFill>
-                <a:latin typeface="Times New Roman" panose="02020603050405020304" pitchFamily="18" charset="0"/>
-                <a:cs typeface="Times New Roman" panose="02020603050405020304" pitchFamily="18" charset="0"/>
-              </a:rPr>
-              <a:t> </a:t>
-            </a:r>
-            <a:r>
-              <a:rPr lang="tr-TR" sz="2600" dirty="0" err="1" smtClean="0">
-                <a:solidFill>
-                  <a:schemeClr val="bg2">
-                    <a:lumMod val="90000"/>
-                  </a:schemeClr>
-                </a:solidFill>
-                <a:latin typeface="Times New Roman" panose="02020603050405020304" pitchFamily="18" charset="0"/>
-                <a:cs typeface="Times New Roman" panose="02020603050405020304" pitchFamily="18" charset="0"/>
-              </a:rPr>
-              <a:t>Electronics</a:t>
+              <a:t>The 26th IEEE International Symposium on Industrial Electronics</a:t>
             </a:r>
             <a:endParaRPr lang="en-US" sz="2600" b="1" dirty="0" smtClean="0">
               <a:solidFill>
-                <a:schemeClr val="bg2">
-                  <a:lumMod val="90000"/>
+                <a:schemeClr val="accent1">
+                  <a:lumMod val="40000"/>
+                  <a:lumOff val="60000"/>
                 </a:schemeClr>
               </a:solidFill>
               <a:latin typeface="Times New Roman" panose="02020603050405020304" pitchFamily="18" charset="0"/>
@@ -4392,1050 +4298,6 @@
               <a:rPr lang="en-US" smtClean="0"/>
               <a:pPr/>
               <a:t>10</a:t>
-            </a:fld>
-            <a:endParaRPr lang="en-US" dirty="0"/>
-          </a:p>
-        </p:txBody>
-      </p:sp>
-      <p:sp>
-        <p:nvSpPr>
-          <p:cNvPr id="18" name="Text Box 9"/>
-          <p:cNvSpPr txBox="1">
-            <a:spLocks noChangeArrowheads="1"/>
-          </p:cNvSpPr>
-          <p:nvPr/>
-        </p:nvSpPr>
-        <p:spPr bwMode="auto">
-          <a:xfrm>
-            <a:off x="1189918" y="1143000"/>
-            <a:ext cx="7649282" cy="461665"/>
-          </a:xfrm>
-          <a:prstGeom prst="rect">
-            <a:avLst/>
-          </a:prstGeom>
-          <a:noFill/>
-          <a:ln w="9525">
-            <a:noFill/>
-            <a:miter lim="800000"/>
-            <a:headEnd/>
-            <a:tailEnd/>
-          </a:ln>
-          <a:effectLst/>
-        </p:spPr>
-        <p:txBody>
-          <a:bodyPr wrap="square">
-            <a:spAutoFit/>
-          </a:bodyPr>
-          <a:lstStyle/>
-          <a:p>
-            <a:pPr algn="ctr"/>
-            <a:r>
-              <a:rPr lang="tr-TR" sz="2400" dirty="0" err="1" smtClean="0">
-                <a:latin typeface="Times New Roman" panose="02020603050405020304" pitchFamily="18" charset="0"/>
-                <a:cs typeface="Times New Roman" panose="02020603050405020304" pitchFamily="18" charset="0"/>
-              </a:rPr>
-              <a:t>Effect</a:t>
-            </a:r>
-            <a:r>
-              <a:rPr lang="tr-TR" sz="2400" dirty="0" smtClean="0">
-                <a:latin typeface="Times New Roman" panose="02020603050405020304" pitchFamily="18" charset="0"/>
-                <a:cs typeface="Times New Roman" panose="02020603050405020304" pitchFamily="18" charset="0"/>
-              </a:rPr>
-              <a:t> of </a:t>
-            </a:r>
-            <a:r>
-              <a:rPr lang="tr-TR" sz="2400" dirty="0" err="1" smtClean="0">
-                <a:latin typeface="Times New Roman" panose="02020603050405020304" pitchFamily="18" charset="0"/>
-                <a:cs typeface="Times New Roman" panose="02020603050405020304" pitchFamily="18" charset="0"/>
-              </a:rPr>
-              <a:t>interleaving</a:t>
-            </a:r>
-            <a:endParaRPr lang="en-US" sz="2400" dirty="0" smtClean="0">
-              <a:latin typeface="Times New Roman" panose="02020603050405020304" pitchFamily="18" charset="0"/>
-              <a:cs typeface="Times New Roman" panose="02020603050405020304" pitchFamily="18" charset="0"/>
-            </a:endParaRPr>
-          </a:p>
-        </p:txBody>
-      </p:sp>
-      <p:sp>
-        <p:nvSpPr>
-          <p:cNvPr id="9" name="TextBox 8"/>
-          <p:cNvSpPr txBox="1"/>
-          <p:nvPr/>
-        </p:nvSpPr>
-        <p:spPr>
-          <a:xfrm>
-            <a:off x="1386291" y="224135"/>
-            <a:ext cx="7315200" cy="553998"/>
-          </a:xfrm>
-          <a:prstGeom prst="rect">
-            <a:avLst/>
-          </a:prstGeom>
-          <a:noFill/>
-        </p:spPr>
-        <p:txBody>
-          <a:bodyPr wrap="square" rtlCol="0">
-            <a:spAutoFit/>
-          </a:bodyPr>
-          <a:lstStyle/>
-          <a:p>
-            <a:pPr algn="ctr"/>
-            <a:r>
-              <a:rPr lang="tr-TR" sz="3000" dirty="0" smtClean="0">
-                <a:latin typeface="Times New Roman" panose="02020603050405020304" pitchFamily="18" charset="0"/>
-                <a:cs typeface="Times New Roman" panose="02020603050405020304" pitchFamily="18" charset="0"/>
-              </a:rPr>
-              <a:t>DC Link </a:t>
-            </a:r>
-            <a:r>
-              <a:rPr lang="tr-TR" sz="3000" dirty="0" err="1" smtClean="0">
-                <a:latin typeface="Times New Roman" panose="02020603050405020304" pitchFamily="18" charset="0"/>
-                <a:cs typeface="Times New Roman" panose="02020603050405020304" pitchFamily="18" charset="0"/>
-              </a:rPr>
-              <a:t>Capacitor</a:t>
-            </a:r>
-            <a:r>
-              <a:rPr lang="tr-TR" sz="3000" dirty="0" smtClean="0">
-                <a:latin typeface="Times New Roman" panose="02020603050405020304" pitchFamily="18" charset="0"/>
-                <a:cs typeface="Times New Roman" panose="02020603050405020304" pitchFamily="18" charset="0"/>
-              </a:rPr>
-              <a:t> </a:t>
-            </a:r>
-            <a:r>
-              <a:rPr lang="tr-TR" sz="3000" dirty="0" err="1" smtClean="0">
-                <a:latin typeface="Times New Roman" panose="02020603050405020304" pitchFamily="18" charset="0"/>
-                <a:cs typeface="Times New Roman" panose="02020603050405020304" pitchFamily="18" charset="0"/>
-              </a:rPr>
-              <a:t>Selection</a:t>
-            </a:r>
-            <a:endParaRPr lang="tr-TR" sz="3000" dirty="0">
-              <a:latin typeface="Times New Roman" panose="02020603050405020304" pitchFamily="18" charset="0"/>
-              <a:cs typeface="Times New Roman" panose="02020603050405020304" pitchFamily="18" charset="0"/>
-            </a:endParaRPr>
-          </a:p>
-        </p:txBody>
-      </p:sp>
-      <p:pic>
-        <p:nvPicPr>
-          <p:cNvPr id="3" name="Picture 2"/>
-          <p:cNvPicPr>
-            <a:picLocks noChangeAspect="1"/>
-          </p:cNvPicPr>
-          <p:nvPr/>
-        </p:nvPicPr>
-        <p:blipFill rotWithShape="1">
-          <a:blip r:embed="rId2">
-            <a:extLst>
-              <a:ext uri="{28A0092B-C50C-407E-A947-70E740481C1C}">
-                <a14:useLocalDpi xmlns:a14="http://schemas.microsoft.com/office/drawing/2010/main" val="0"/>
-              </a:ext>
-            </a:extLst>
-          </a:blip>
-          <a:srcRect l="3894" t="47420"/>
-          <a:stretch/>
-        </p:blipFill>
-        <p:spPr>
-          <a:xfrm>
-            <a:off x="1151818" y="2207792"/>
-            <a:ext cx="5142683" cy="2462710"/>
-          </a:xfrm>
-          <a:prstGeom prst="rect">
-            <a:avLst/>
-          </a:prstGeom>
-        </p:spPr>
-      </p:pic>
-      <p:pic>
-        <p:nvPicPr>
-          <p:cNvPr id="13" name="Picture 12"/>
-          <p:cNvPicPr>
-            <a:picLocks noChangeAspect="1"/>
-          </p:cNvPicPr>
-          <p:nvPr/>
-        </p:nvPicPr>
-        <p:blipFill>
-          <a:blip r:embed="rId3"/>
-          <a:stretch>
-            <a:fillRect/>
-          </a:stretch>
-        </p:blipFill>
-        <p:spPr>
-          <a:xfrm>
-            <a:off x="6255919" y="1904415"/>
-            <a:ext cx="2728161" cy="3761671"/>
-          </a:xfrm>
-          <a:prstGeom prst="rect">
-            <a:avLst/>
-          </a:prstGeom>
-        </p:spPr>
-      </p:pic>
-      <p:pic>
-        <p:nvPicPr>
-          <p:cNvPr id="12" name="Picture 11"/>
-          <p:cNvPicPr>
-            <a:picLocks noChangeAspect="1"/>
-          </p:cNvPicPr>
-          <p:nvPr/>
-        </p:nvPicPr>
-        <p:blipFill>
-          <a:blip r:embed="rId4" cstate="print">
-            <a:extLst>
-              <a:ext uri="{28A0092B-C50C-407E-A947-70E740481C1C}">
-                <a14:useLocalDpi xmlns:a14="http://schemas.microsoft.com/office/drawing/2010/main" val="0"/>
-              </a:ext>
-            </a:extLst>
-          </a:blip>
-          <a:stretch>
-            <a:fillRect/>
-          </a:stretch>
-        </p:blipFill>
-        <p:spPr>
-          <a:xfrm rot="16200000">
-            <a:off x="-876200" y="5067199"/>
-            <a:ext cx="2759076" cy="549476"/>
-          </a:xfrm>
-          <a:prstGeom prst="rect">
-            <a:avLst/>
-          </a:prstGeom>
-        </p:spPr>
-      </p:pic>
-      <p:pic>
-        <p:nvPicPr>
-          <p:cNvPr id="16" name="Picture 2" descr="C:\Users\Mesut\Desktop\aselsan sunum\aselsan sunum 10 ekim\aselsan sunum\cezmi bey\ODTU.png"/>
-          <p:cNvPicPr>
-            <a:picLocks noChangeAspect="1" noChangeArrowheads="1"/>
-          </p:cNvPicPr>
-          <p:nvPr/>
-        </p:nvPicPr>
-        <p:blipFill>
-          <a:blip r:embed="rId5" cstate="print">
-            <a:extLst>
-              <a:ext uri="{28A0092B-C50C-407E-A947-70E740481C1C}">
-                <a14:useLocalDpi xmlns:a14="http://schemas.microsoft.com/office/drawing/2010/main" val="0"/>
-              </a:ext>
-            </a:extLst>
-          </a:blip>
-          <a:srcRect/>
-          <a:stretch>
-            <a:fillRect/>
-          </a:stretch>
-        </p:blipFill>
-        <p:spPr bwMode="auto">
-          <a:xfrm>
-            <a:off x="116458" y="163788"/>
-            <a:ext cx="779026" cy="650016"/>
-          </a:xfrm>
-          <a:prstGeom prst="rect">
-            <a:avLst/>
-          </a:prstGeom>
-          <a:noFill/>
-          <a:extLst>
-            <a:ext uri="{909E8E84-426E-40DD-AFC4-6F175D3DCCD1}">
-              <a14:hiddenFill xmlns:a14="http://schemas.microsoft.com/office/drawing/2010/main">
-                <a:solidFill>
-                  <a:srgbClr val="FFFFFF"/>
-                </a:solidFill>
-              </a14:hiddenFill>
-            </a:ext>
-          </a:extLst>
-        </p:spPr>
-      </p:pic>
-    </p:spTree>
-    <p:extLst>
-      <p:ext uri="{BB962C8B-B14F-4D97-AF65-F5344CB8AC3E}">
-        <p14:creationId xmlns:p14="http://schemas.microsoft.com/office/powerpoint/2010/main" val="3170489505"/>
-      </p:ext>
-    </p:extLst>
-  </p:cSld>
-  <p:clrMapOvr>
-    <a:masterClrMapping/>
-  </p:clrMapOvr>
-  <p:timing>
-    <p:tnLst>
-      <p:par>
-        <p:cTn id="1" dur="indefinite" restart="never" nodeType="tmRoot">
-          <p:childTnLst>
-            <p:seq concurrent="1" nextAc="seek">
-              <p:cTn id="2" dur="indefinite" nodeType="mainSeq">
-                <p:childTnLst>
-                  <p:par>
-                    <p:cTn id="3" fill="hold">
-                      <p:stCondLst>
-                        <p:cond delay="indefinite"/>
-                      </p:stCondLst>
-                      <p:childTnLst>
-                        <p:par>
-                          <p:cTn id="4" fill="hold">
-                            <p:stCondLst>
-                              <p:cond delay="0"/>
-                            </p:stCondLst>
-                            <p:childTnLst>
-                              <p:par>
-                                <p:cTn id="5" presetID="10" presetClass="entr" presetSubtype="0" fill="hold" nodeType="clickEffect">
-                                  <p:stCondLst>
-                                    <p:cond delay="0"/>
-                                  </p:stCondLst>
-                                  <p:childTnLst>
-                                    <p:set>
-                                      <p:cBhvr>
-                                        <p:cTn id="6" dur="1" fill="hold">
-                                          <p:stCondLst>
-                                            <p:cond delay="0"/>
-                                          </p:stCondLst>
-                                        </p:cTn>
-                                        <p:tgtEl>
-                                          <p:spTgt spid="13"/>
-                                        </p:tgtEl>
-                                        <p:attrNameLst>
-                                          <p:attrName>style.visibility</p:attrName>
-                                        </p:attrNameLst>
-                                      </p:cBhvr>
-                                      <p:to>
-                                        <p:strVal val="visible"/>
-                                      </p:to>
-                                    </p:set>
-                                    <p:animEffect transition="in" filter="fade">
-                                      <p:cBhvr>
-                                        <p:cTn id="7" dur="500"/>
-                                        <p:tgtEl>
-                                          <p:spTgt spid="13"/>
-                                        </p:tgtEl>
-                                      </p:cBhvr>
-                                    </p:animEffect>
-                                  </p:childTnLst>
-                                </p:cTn>
-                              </p:par>
-                            </p:childTnLst>
-                          </p:cTn>
-                        </p:par>
-                      </p:childTnLst>
-                    </p:cTn>
-                  </p:par>
-                  <p:par>
-                    <p:cTn id="8" fill="hold">
-                      <p:stCondLst>
-                        <p:cond delay="indefinite"/>
-                      </p:stCondLst>
-                      <p:childTnLst>
-                        <p:par>
-                          <p:cTn id="9" fill="hold">
-                            <p:stCondLst>
-                              <p:cond delay="0"/>
-                            </p:stCondLst>
-                            <p:childTnLst>
-                              <p:par>
-                                <p:cTn id="10" presetID="1" presetClass="entr" presetSubtype="0" fill="hold" nodeType="clickEffect">
-                                  <p:stCondLst>
-                                    <p:cond delay="0"/>
-                                  </p:stCondLst>
-                                  <p:childTnLst>
-                                    <p:set>
-                                      <p:cBhvr>
-                                        <p:cTn id="11" dur="1" fill="hold">
-                                          <p:stCondLst>
-                                            <p:cond delay="0"/>
-                                          </p:stCondLst>
-                                        </p:cTn>
-                                        <p:tgtEl>
-                                          <p:spTgt spid="3"/>
-                                        </p:tgtEl>
-                                        <p:attrNameLst>
-                                          <p:attrName>style.visibility</p:attrName>
-                                        </p:attrNameLst>
-                                      </p:cBhvr>
-                                      <p:to>
-                                        <p:strVal val="visible"/>
-                                      </p:to>
-                                    </p:set>
-                                  </p:childTnLst>
-                                </p:cTn>
-                              </p:par>
-                            </p:childTnLst>
-                          </p:cTn>
-                        </p:par>
-                      </p:childTnLst>
-                    </p:cTn>
-                  </p:par>
-                </p:childTnLst>
-              </p:cTn>
-              <p:prevCondLst>
-                <p:cond evt="onPrev" delay="0">
-                  <p:tgtEl>
-                    <p:sldTgt/>
-                  </p:tgtEl>
-                </p:cond>
-              </p:prevCondLst>
-              <p:nextCondLst>
-                <p:cond evt="onNext" delay="0">
-                  <p:tgtEl>
-                    <p:sldTgt/>
-                  </p:tgtEl>
-                </p:cond>
-              </p:nextCondLst>
-            </p:seq>
-          </p:childTnLst>
-        </p:cTn>
-      </p:par>
-    </p:tnLst>
-  </p:timing>
-</p:sld>
-</file>
-
-<file path=ppt/slides/slide11.xml><?xml version="1.0" encoding="utf-8"?>
-<p:sld xmlns:a="http://schemas.openxmlformats.org/drawingml/2006/main" xmlns:r="http://schemas.openxmlformats.org/officeDocument/2006/relationships" xmlns:p="http://schemas.openxmlformats.org/presentationml/2006/main">
-  <p:cSld>
-    <p:spTree>
-      <p:nvGrpSpPr>
-        <p:cNvPr id="1" name=""/>
-        <p:cNvGrpSpPr/>
-        <p:nvPr/>
-      </p:nvGrpSpPr>
-      <p:grpSpPr>
-        <a:xfrm>
-          <a:off x="0" y="0"/>
-          <a:ext cx="0" cy="0"/>
-          <a:chOff x="0" y="0"/>
-          <a:chExt cx="0" cy="0"/>
-        </a:xfrm>
-      </p:grpSpPr>
-      <p:sp>
-        <p:nvSpPr>
-          <p:cNvPr id="10" name="Rectangle 9"/>
-          <p:cNvSpPr/>
-          <p:nvPr/>
-        </p:nvSpPr>
-        <p:spPr>
-          <a:xfrm>
-            <a:off x="0" y="12106"/>
-            <a:ext cx="1011942" cy="6854083"/>
-          </a:xfrm>
-          <a:prstGeom prst="rect">
-            <a:avLst/>
-          </a:prstGeom>
-          <a:gradFill flip="none" rotWithShape="1">
-            <a:gsLst>
-              <a:gs pos="50000">
-                <a:srgbClr val="D00000"/>
-              </a:gs>
-              <a:gs pos="0">
-                <a:srgbClr val="FF0000">
-                  <a:shade val="30000"/>
-                  <a:satMod val="115000"/>
-                </a:srgbClr>
-              </a:gs>
-              <a:gs pos="100000">
-                <a:schemeClr val="accent2">
-                  <a:lumMod val="60000"/>
-                  <a:lumOff val="40000"/>
-                </a:schemeClr>
-              </a:gs>
-            </a:gsLst>
-            <a:lin ang="5400000" scaled="1"/>
-            <a:tileRect/>
-          </a:gradFill>
-          <a:ln>
-            <a:noFill/>
-          </a:ln>
-        </p:spPr>
-        <p:style>
-          <a:lnRef idx="2">
-            <a:schemeClr val="accent1">
-              <a:shade val="50000"/>
-            </a:schemeClr>
-          </a:lnRef>
-          <a:fillRef idx="1">
-            <a:schemeClr val="accent1"/>
-          </a:fillRef>
-          <a:effectRef idx="0">
-            <a:schemeClr val="accent1"/>
-          </a:effectRef>
-          <a:fontRef idx="minor">
-            <a:schemeClr val="lt1"/>
-          </a:fontRef>
-        </p:style>
-        <p:txBody>
-          <a:bodyPr rtlCol="0" anchor="ctr"/>
-          <a:lstStyle/>
-          <a:p>
-            <a:pPr algn="ctr"/>
-            <a:endParaRPr lang="tr-TR"/>
-          </a:p>
-        </p:txBody>
-      </p:sp>
-      <p:cxnSp>
-        <p:nvCxnSpPr>
-          <p:cNvPr id="11" name="Straight Connector 10"/>
-          <p:cNvCxnSpPr/>
-          <p:nvPr/>
-        </p:nvCxnSpPr>
-        <p:spPr>
-          <a:xfrm>
-            <a:off x="1189918" y="838200"/>
-            <a:ext cx="7649282" cy="0"/>
-          </a:xfrm>
-          <a:prstGeom prst="line">
-            <a:avLst/>
-          </a:prstGeom>
-          <a:ln w="50800">
-            <a:solidFill>
-              <a:srgbClr val="F20000"/>
-            </a:solidFill>
-          </a:ln>
-        </p:spPr>
-        <p:style>
-          <a:lnRef idx="1">
-            <a:schemeClr val="accent1"/>
-          </a:lnRef>
-          <a:fillRef idx="0">
-            <a:schemeClr val="accent1"/>
-          </a:fillRef>
-          <a:effectRef idx="0">
-            <a:schemeClr val="accent1"/>
-          </a:effectRef>
-          <a:fontRef idx="minor">
-            <a:schemeClr val="tx1"/>
-          </a:fontRef>
-        </p:style>
-      </p:cxnSp>
-      <p:cxnSp>
-        <p:nvCxnSpPr>
-          <p:cNvPr id="15" name="Straight Connector 14"/>
-          <p:cNvCxnSpPr/>
-          <p:nvPr/>
-        </p:nvCxnSpPr>
-        <p:spPr>
-          <a:xfrm>
-            <a:off x="1189918" y="914400"/>
-            <a:ext cx="7649282" cy="0"/>
-          </a:xfrm>
-          <a:prstGeom prst="line">
-            <a:avLst/>
-          </a:prstGeom>
-          <a:ln w="19050">
-            <a:solidFill>
-              <a:srgbClr val="F20000"/>
-            </a:solidFill>
-          </a:ln>
-        </p:spPr>
-        <p:style>
-          <a:lnRef idx="1">
-            <a:schemeClr val="accent1"/>
-          </a:lnRef>
-          <a:fillRef idx="0">
-            <a:schemeClr val="accent1"/>
-          </a:fillRef>
-          <a:effectRef idx="0">
-            <a:schemeClr val="accent1"/>
-          </a:effectRef>
-          <a:fontRef idx="minor">
-            <a:schemeClr val="tx1"/>
-          </a:fontRef>
-        </p:style>
-      </p:cxnSp>
-      <p:sp>
-        <p:nvSpPr>
-          <p:cNvPr id="2" name="Slide Number Placeholder 1"/>
-          <p:cNvSpPr>
-            <a:spLocks noGrp="1"/>
-          </p:cNvSpPr>
-          <p:nvPr>
-            <p:ph type="sldNum" sz="quarter" idx="12"/>
-          </p:nvPr>
-        </p:nvSpPr>
-        <p:spPr/>
-        <p:txBody>
-          <a:bodyPr/>
-          <a:lstStyle/>
-          <a:p>
-            <a:fld id="{B6F15528-21DE-4FAA-801E-634DDDAF4B2B}" type="slidenum">
-              <a:rPr lang="en-US" smtClean="0"/>
-              <a:pPr/>
-              <a:t>11</a:t>
-            </a:fld>
-            <a:endParaRPr lang="en-US" dirty="0"/>
-          </a:p>
-        </p:txBody>
-      </p:sp>
-      <p:sp>
-        <p:nvSpPr>
-          <p:cNvPr id="18" name="Text Box 9"/>
-          <p:cNvSpPr txBox="1">
-            <a:spLocks noChangeArrowheads="1"/>
-          </p:cNvSpPr>
-          <p:nvPr/>
-        </p:nvSpPr>
-        <p:spPr bwMode="auto">
-          <a:xfrm>
-            <a:off x="1189918" y="1143000"/>
-            <a:ext cx="7649282" cy="769441"/>
-          </a:xfrm>
-          <a:prstGeom prst="rect">
-            <a:avLst/>
-          </a:prstGeom>
-          <a:noFill/>
-          <a:ln w="9525">
-            <a:noFill/>
-            <a:miter lim="800000"/>
-            <a:headEnd/>
-            <a:tailEnd/>
-          </a:ln>
-          <a:effectLst/>
-        </p:spPr>
-        <p:txBody>
-          <a:bodyPr wrap="square">
-            <a:spAutoFit/>
-          </a:bodyPr>
-          <a:lstStyle/>
-          <a:p>
-            <a:pPr algn="ctr"/>
-            <a:r>
-              <a:rPr lang="tr-TR" sz="2400" dirty="0" err="1" smtClean="0">
-                <a:latin typeface="Times New Roman" panose="02020603050405020304" pitchFamily="18" charset="0"/>
-                <a:cs typeface="Times New Roman" panose="02020603050405020304" pitchFamily="18" charset="0"/>
-              </a:rPr>
-              <a:t>Effect</a:t>
-            </a:r>
-            <a:r>
-              <a:rPr lang="tr-TR" sz="2400" dirty="0" smtClean="0">
-                <a:latin typeface="Times New Roman" panose="02020603050405020304" pitchFamily="18" charset="0"/>
-                <a:cs typeface="Times New Roman" panose="02020603050405020304" pitchFamily="18" charset="0"/>
-              </a:rPr>
-              <a:t> of </a:t>
-            </a:r>
-            <a:r>
-              <a:rPr lang="tr-TR" sz="2400" dirty="0" err="1" smtClean="0">
-                <a:latin typeface="Times New Roman" panose="02020603050405020304" pitchFamily="18" charset="0"/>
-                <a:cs typeface="Times New Roman" panose="02020603050405020304" pitchFamily="18" charset="0"/>
-              </a:rPr>
-              <a:t>interleaving</a:t>
-            </a:r>
-            <a:endParaRPr lang="en-US" sz="2400" dirty="0" smtClean="0">
-              <a:latin typeface="Times New Roman" panose="02020603050405020304" pitchFamily="18" charset="0"/>
-              <a:cs typeface="Times New Roman" panose="02020603050405020304" pitchFamily="18" charset="0"/>
-            </a:endParaRPr>
-          </a:p>
-          <a:p>
-            <a:pPr marL="800100" lvl="1" indent="-342900" algn="ctr">
-              <a:buFont typeface="Wingdings" panose="05000000000000000000" pitchFamily="2" charset="2"/>
-              <a:buChar char="ü"/>
-            </a:pPr>
-            <a:endParaRPr lang="en-US" sz="2000" b="1" dirty="0">
-              <a:latin typeface="Times New Roman" panose="02020603050405020304" pitchFamily="18" charset="0"/>
-              <a:cs typeface="Times New Roman" panose="02020603050405020304" pitchFamily="18" charset="0"/>
-            </a:endParaRPr>
-          </a:p>
-        </p:txBody>
-      </p:sp>
-      <p:sp>
-        <p:nvSpPr>
-          <p:cNvPr id="9" name="TextBox 8"/>
-          <p:cNvSpPr txBox="1"/>
-          <p:nvPr/>
-        </p:nvSpPr>
-        <p:spPr>
-          <a:xfrm>
-            <a:off x="1386291" y="224135"/>
-            <a:ext cx="7315200" cy="553998"/>
-          </a:xfrm>
-          <a:prstGeom prst="rect">
-            <a:avLst/>
-          </a:prstGeom>
-          <a:noFill/>
-        </p:spPr>
-        <p:txBody>
-          <a:bodyPr wrap="square" rtlCol="0">
-            <a:spAutoFit/>
-          </a:bodyPr>
-          <a:lstStyle/>
-          <a:p>
-            <a:pPr algn="ctr"/>
-            <a:r>
-              <a:rPr lang="tr-TR" sz="3000" dirty="0" smtClean="0">
-                <a:latin typeface="Times New Roman" panose="02020603050405020304" pitchFamily="18" charset="0"/>
-                <a:cs typeface="Times New Roman" panose="02020603050405020304" pitchFamily="18" charset="0"/>
-              </a:rPr>
-              <a:t>DC Link </a:t>
-            </a:r>
-            <a:r>
-              <a:rPr lang="tr-TR" sz="3000" dirty="0" err="1" smtClean="0">
-                <a:latin typeface="Times New Roman" panose="02020603050405020304" pitchFamily="18" charset="0"/>
-                <a:cs typeface="Times New Roman" panose="02020603050405020304" pitchFamily="18" charset="0"/>
-              </a:rPr>
-              <a:t>Capacitor</a:t>
-            </a:r>
-            <a:r>
-              <a:rPr lang="tr-TR" sz="3000" dirty="0" smtClean="0">
-                <a:latin typeface="Times New Roman" panose="02020603050405020304" pitchFamily="18" charset="0"/>
-                <a:cs typeface="Times New Roman" panose="02020603050405020304" pitchFamily="18" charset="0"/>
-              </a:rPr>
-              <a:t> </a:t>
-            </a:r>
-            <a:r>
-              <a:rPr lang="tr-TR" sz="3000" dirty="0" err="1" smtClean="0">
-                <a:latin typeface="Times New Roman" panose="02020603050405020304" pitchFamily="18" charset="0"/>
-                <a:cs typeface="Times New Roman" panose="02020603050405020304" pitchFamily="18" charset="0"/>
-              </a:rPr>
-              <a:t>Selection</a:t>
-            </a:r>
-            <a:endParaRPr lang="tr-TR" sz="3000" dirty="0">
-              <a:latin typeface="Times New Roman" panose="02020603050405020304" pitchFamily="18" charset="0"/>
-              <a:cs typeface="Times New Roman" panose="02020603050405020304" pitchFamily="18" charset="0"/>
-            </a:endParaRPr>
-          </a:p>
-        </p:txBody>
-      </p:sp>
-      <p:pic>
-        <p:nvPicPr>
-          <p:cNvPr id="16" name="Picture 15"/>
-          <p:cNvPicPr>
-            <a:picLocks noChangeAspect="1"/>
-          </p:cNvPicPr>
-          <p:nvPr/>
-        </p:nvPicPr>
-        <p:blipFill>
-          <a:blip r:embed="rId2"/>
-          <a:stretch>
-            <a:fillRect/>
-          </a:stretch>
-        </p:blipFill>
-        <p:spPr>
-          <a:xfrm>
-            <a:off x="2071007" y="1752600"/>
-            <a:ext cx="5945768" cy="4400550"/>
-          </a:xfrm>
-          <a:prstGeom prst="rect">
-            <a:avLst/>
-          </a:prstGeom>
-        </p:spPr>
-      </p:pic>
-      <p:pic>
-        <p:nvPicPr>
-          <p:cNvPr id="12" name="Picture 11"/>
-          <p:cNvPicPr>
-            <a:picLocks noChangeAspect="1"/>
-          </p:cNvPicPr>
-          <p:nvPr/>
-        </p:nvPicPr>
-        <p:blipFill>
-          <a:blip r:embed="rId3" cstate="print">
-            <a:extLst>
-              <a:ext uri="{28A0092B-C50C-407E-A947-70E740481C1C}">
-                <a14:useLocalDpi xmlns:a14="http://schemas.microsoft.com/office/drawing/2010/main" val="0"/>
-              </a:ext>
-            </a:extLst>
-          </a:blip>
-          <a:stretch>
-            <a:fillRect/>
-          </a:stretch>
-        </p:blipFill>
-        <p:spPr>
-          <a:xfrm rot="16200000">
-            <a:off x="-876200" y="5067199"/>
-            <a:ext cx="2759076" cy="549476"/>
-          </a:xfrm>
-          <a:prstGeom prst="rect">
-            <a:avLst/>
-          </a:prstGeom>
-        </p:spPr>
-      </p:pic>
-      <p:pic>
-        <p:nvPicPr>
-          <p:cNvPr id="13" name="Picture 2" descr="C:\Users\Mesut\Desktop\aselsan sunum\aselsan sunum 10 ekim\aselsan sunum\cezmi bey\ODTU.png"/>
-          <p:cNvPicPr>
-            <a:picLocks noChangeAspect="1" noChangeArrowheads="1"/>
-          </p:cNvPicPr>
-          <p:nvPr/>
-        </p:nvPicPr>
-        <p:blipFill>
-          <a:blip r:embed="rId4" cstate="print">
-            <a:extLst>
-              <a:ext uri="{28A0092B-C50C-407E-A947-70E740481C1C}">
-                <a14:useLocalDpi xmlns:a14="http://schemas.microsoft.com/office/drawing/2010/main" val="0"/>
-              </a:ext>
-            </a:extLst>
-          </a:blip>
-          <a:srcRect/>
-          <a:stretch>
-            <a:fillRect/>
-          </a:stretch>
-        </p:blipFill>
-        <p:spPr bwMode="auto">
-          <a:xfrm>
-            <a:off x="116458" y="163788"/>
-            <a:ext cx="779026" cy="650016"/>
-          </a:xfrm>
-          <a:prstGeom prst="rect">
-            <a:avLst/>
-          </a:prstGeom>
-          <a:noFill/>
-          <a:extLst>
-            <a:ext uri="{909E8E84-426E-40DD-AFC4-6F175D3DCCD1}">
-              <a14:hiddenFill xmlns:a14="http://schemas.microsoft.com/office/drawing/2010/main">
-                <a:solidFill>
-                  <a:srgbClr val="FFFFFF"/>
-                </a:solidFill>
-              </a14:hiddenFill>
-            </a:ext>
-          </a:extLst>
-        </p:spPr>
-      </p:pic>
-    </p:spTree>
-    <p:extLst>
-      <p:ext uri="{BB962C8B-B14F-4D97-AF65-F5344CB8AC3E}">
-        <p14:creationId xmlns:p14="http://schemas.microsoft.com/office/powerpoint/2010/main" val="897898180"/>
-      </p:ext>
-    </p:extLst>
-  </p:cSld>
-  <p:clrMapOvr>
-    <a:masterClrMapping/>
-  </p:clrMapOvr>
-  <p:timing>
-    <p:tnLst>
-      <p:par>
-        <p:cTn id="1" dur="indefinite" restart="never" nodeType="tmRoot">
-          <p:childTnLst>
-            <p:seq concurrent="1" nextAc="seek">
-              <p:cTn id="2" dur="indefinite" nodeType="mainSeq">
-                <p:childTnLst>
-                  <p:par>
-                    <p:cTn id="3" fill="hold">
-                      <p:stCondLst>
-                        <p:cond delay="indefinite"/>
-                      </p:stCondLst>
-                      <p:childTnLst>
-                        <p:par>
-                          <p:cTn id="4" fill="hold">
-                            <p:stCondLst>
-                              <p:cond delay="0"/>
-                            </p:stCondLst>
-                            <p:childTnLst>
-                              <p:par>
-                                <p:cTn id="5" presetID="1" presetClass="entr" presetSubtype="0" fill="hold" nodeType="clickEffect">
-                                  <p:stCondLst>
-                                    <p:cond delay="0"/>
-                                  </p:stCondLst>
-                                  <p:childTnLst>
-                                    <p:set>
-                                      <p:cBhvr>
-                                        <p:cTn id="6" dur="1" fill="hold">
-                                          <p:stCondLst>
-                                            <p:cond delay="0"/>
-                                          </p:stCondLst>
-                                        </p:cTn>
-                                        <p:tgtEl>
-                                          <p:spTgt spid="16"/>
-                                        </p:tgtEl>
-                                        <p:attrNameLst>
-                                          <p:attrName>style.visibility</p:attrName>
-                                        </p:attrNameLst>
-                                      </p:cBhvr>
-                                      <p:to>
-                                        <p:strVal val="visible"/>
-                                      </p:to>
-                                    </p:set>
-                                  </p:childTnLst>
-                                </p:cTn>
-                              </p:par>
-                            </p:childTnLst>
-                          </p:cTn>
-                        </p:par>
-                      </p:childTnLst>
-                    </p:cTn>
-                  </p:par>
-                </p:childTnLst>
-              </p:cTn>
-              <p:prevCondLst>
-                <p:cond evt="onPrev" delay="0">
-                  <p:tgtEl>
-                    <p:sldTgt/>
-                  </p:tgtEl>
-                </p:cond>
-              </p:prevCondLst>
-              <p:nextCondLst>
-                <p:cond evt="onNext" delay="0">
-                  <p:tgtEl>
-                    <p:sldTgt/>
-                  </p:tgtEl>
-                </p:cond>
-              </p:nextCondLst>
-            </p:seq>
-          </p:childTnLst>
-        </p:cTn>
-      </p:par>
-    </p:tnLst>
-  </p:timing>
-</p:sld>
-</file>
-
-<file path=ppt/slides/slide12.xml><?xml version="1.0" encoding="utf-8"?>
-<p:sld xmlns:a="http://schemas.openxmlformats.org/drawingml/2006/main" xmlns:r="http://schemas.openxmlformats.org/officeDocument/2006/relationships" xmlns:p="http://schemas.openxmlformats.org/presentationml/2006/main">
-  <p:cSld>
-    <p:spTree>
-      <p:nvGrpSpPr>
-        <p:cNvPr id="1" name=""/>
-        <p:cNvGrpSpPr/>
-        <p:nvPr/>
-      </p:nvGrpSpPr>
-      <p:grpSpPr>
-        <a:xfrm>
-          <a:off x="0" y="0"/>
-          <a:ext cx="0" cy="0"/>
-          <a:chOff x="0" y="0"/>
-          <a:chExt cx="0" cy="0"/>
-        </a:xfrm>
-      </p:grpSpPr>
-      <p:sp>
-        <p:nvSpPr>
-          <p:cNvPr id="10" name="Rectangle 9"/>
-          <p:cNvSpPr/>
-          <p:nvPr/>
-        </p:nvSpPr>
-        <p:spPr>
-          <a:xfrm>
-            <a:off x="0" y="12106"/>
-            <a:ext cx="1011942" cy="6854083"/>
-          </a:xfrm>
-          <a:prstGeom prst="rect">
-            <a:avLst/>
-          </a:prstGeom>
-          <a:gradFill flip="none" rotWithShape="1">
-            <a:gsLst>
-              <a:gs pos="50000">
-                <a:srgbClr val="D00000"/>
-              </a:gs>
-              <a:gs pos="0">
-                <a:srgbClr val="FF0000">
-                  <a:shade val="30000"/>
-                  <a:satMod val="115000"/>
-                </a:srgbClr>
-              </a:gs>
-              <a:gs pos="100000">
-                <a:schemeClr val="accent2">
-                  <a:lumMod val="60000"/>
-                  <a:lumOff val="40000"/>
-                </a:schemeClr>
-              </a:gs>
-            </a:gsLst>
-            <a:lin ang="5400000" scaled="1"/>
-            <a:tileRect/>
-          </a:gradFill>
-          <a:ln>
-            <a:noFill/>
-          </a:ln>
-        </p:spPr>
-        <p:style>
-          <a:lnRef idx="2">
-            <a:schemeClr val="accent1">
-              <a:shade val="50000"/>
-            </a:schemeClr>
-          </a:lnRef>
-          <a:fillRef idx="1">
-            <a:schemeClr val="accent1"/>
-          </a:fillRef>
-          <a:effectRef idx="0">
-            <a:schemeClr val="accent1"/>
-          </a:effectRef>
-          <a:fontRef idx="minor">
-            <a:schemeClr val="lt1"/>
-          </a:fontRef>
-        </p:style>
-        <p:txBody>
-          <a:bodyPr rtlCol="0" anchor="ctr"/>
-          <a:lstStyle/>
-          <a:p>
-            <a:pPr algn="ctr"/>
-            <a:endParaRPr lang="tr-TR"/>
-          </a:p>
-        </p:txBody>
-      </p:sp>
-      <p:cxnSp>
-        <p:nvCxnSpPr>
-          <p:cNvPr id="11" name="Straight Connector 10"/>
-          <p:cNvCxnSpPr/>
-          <p:nvPr/>
-        </p:nvCxnSpPr>
-        <p:spPr>
-          <a:xfrm>
-            <a:off x="1189918" y="838200"/>
-            <a:ext cx="7649282" cy="0"/>
-          </a:xfrm>
-          <a:prstGeom prst="line">
-            <a:avLst/>
-          </a:prstGeom>
-          <a:ln w="50800">
-            <a:solidFill>
-              <a:srgbClr val="F20000"/>
-            </a:solidFill>
-          </a:ln>
-        </p:spPr>
-        <p:style>
-          <a:lnRef idx="1">
-            <a:schemeClr val="accent1"/>
-          </a:lnRef>
-          <a:fillRef idx="0">
-            <a:schemeClr val="accent1"/>
-          </a:fillRef>
-          <a:effectRef idx="0">
-            <a:schemeClr val="accent1"/>
-          </a:effectRef>
-          <a:fontRef idx="minor">
-            <a:schemeClr val="tx1"/>
-          </a:fontRef>
-        </p:style>
-      </p:cxnSp>
-      <p:cxnSp>
-        <p:nvCxnSpPr>
-          <p:cNvPr id="15" name="Straight Connector 14"/>
-          <p:cNvCxnSpPr/>
-          <p:nvPr/>
-        </p:nvCxnSpPr>
-        <p:spPr>
-          <a:xfrm>
-            <a:off x="1189918" y="914400"/>
-            <a:ext cx="7649282" cy="0"/>
-          </a:xfrm>
-          <a:prstGeom prst="line">
-            <a:avLst/>
-          </a:prstGeom>
-          <a:ln w="19050">
-            <a:solidFill>
-              <a:srgbClr val="F20000"/>
-            </a:solidFill>
-          </a:ln>
-        </p:spPr>
-        <p:style>
-          <a:lnRef idx="1">
-            <a:schemeClr val="accent1"/>
-          </a:lnRef>
-          <a:fillRef idx="0">
-            <a:schemeClr val="accent1"/>
-          </a:fillRef>
-          <a:effectRef idx="0">
-            <a:schemeClr val="accent1"/>
-          </a:effectRef>
-          <a:fontRef idx="minor">
-            <a:schemeClr val="tx1"/>
-          </a:fontRef>
-        </p:style>
-      </p:cxnSp>
-      <p:sp>
-        <p:nvSpPr>
-          <p:cNvPr id="2" name="Slide Number Placeholder 1"/>
-          <p:cNvSpPr>
-            <a:spLocks noGrp="1"/>
-          </p:cNvSpPr>
-          <p:nvPr>
-            <p:ph type="sldNum" sz="quarter" idx="12"/>
-          </p:nvPr>
-        </p:nvSpPr>
-        <p:spPr/>
-        <p:txBody>
-          <a:bodyPr/>
-          <a:lstStyle/>
-          <a:p>
-            <a:fld id="{B6F15528-21DE-4FAA-801E-634DDDAF4B2B}" type="slidenum">
-              <a:rPr lang="en-US" smtClean="0"/>
-              <a:pPr/>
-              <a:t>12</a:t>
             </a:fld>
             <a:endParaRPr lang="en-US" dirty="0"/>
           </a:p>
@@ -5819,7 +4681,7 @@
 </p:sld>
 </file>
 
-<file path=ppt/slides/slide13.xml><?xml version="1.0" encoding="utf-8"?>
+<file path=ppt/slides/slide11.xml><?xml version="1.0" encoding="utf-8"?>
 <p:sld xmlns:a="http://schemas.openxmlformats.org/drawingml/2006/main" xmlns:r="http://schemas.openxmlformats.org/officeDocument/2006/relationships" xmlns:p="http://schemas.openxmlformats.org/presentationml/2006/main">
   <p:cSld>
     <p:spTree>
@@ -5988,7 +4850,7 @@
             <a:fld id="{B6F15528-21DE-4FAA-801E-634DDDAF4B2B}" type="slidenum">
               <a:rPr lang="en-US" smtClean="0"/>
               <a:pPr/>
-              <a:t>13</a:t>
+              <a:t>11</a:t>
             </a:fld>
             <a:endParaRPr lang="en-US" dirty="0"/>
           </a:p>
@@ -6243,7 +5105,7 @@
 </p:sld>
 </file>
 
-<file path=ppt/slides/slide14.xml><?xml version="1.0" encoding="utf-8"?>
+<file path=ppt/slides/slide12.xml><?xml version="1.0" encoding="utf-8"?>
 <p:sld xmlns:a="http://schemas.openxmlformats.org/drawingml/2006/main" xmlns:r="http://schemas.openxmlformats.org/officeDocument/2006/relationships" xmlns:p="http://schemas.openxmlformats.org/presentationml/2006/main">
   <p:cSld>
     <p:spTree>
@@ -6412,7 +5274,7 @@
             <a:fld id="{B6F15528-21DE-4FAA-801E-634DDDAF4B2B}" type="slidenum">
               <a:rPr lang="en-US" smtClean="0"/>
               <a:pPr/>
-              <a:t>14</a:t>
+              <a:t>12</a:t>
             </a:fld>
             <a:endParaRPr lang="en-US" dirty="0"/>
           </a:p>
@@ -7473,7 +6335,7 @@
 </p:sld>
 </file>
 
-<file path=ppt/slides/slide15.xml><?xml version="1.0" encoding="utf-8"?>
+<file path=ppt/slides/slide13.xml><?xml version="1.0" encoding="utf-8"?>
 <p:sld xmlns:a="http://schemas.openxmlformats.org/drawingml/2006/main" xmlns:r="http://schemas.openxmlformats.org/officeDocument/2006/relationships" xmlns:p="http://schemas.openxmlformats.org/presentationml/2006/main">
   <p:cSld>
     <p:spTree>
@@ -7642,7 +6504,7 @@
             <a:fld id="{B6F15528-21DE-4FAA-801E-634DDDAF4B2B}" type="slidenum">
               <a:rPr lang="en-US" smtClean="0"/>
               <a:pPr/>
-              <a:t>15</a:t>
+              <a:t>13</a:t>
             </a:fld>
             <a:endParaRPr lang="en-US" dirty="0"/>
           </a:p>
@@ -8419,7 +7281,7 @@
 </p:sld>
 </file>
 
-<file path=ppt/slides/slide16.xml><?xml version="1.0" encoding="utf-8"?>
+<file path=ppt/slides/slide14.xml><?xml version="1.0" encoding="utf-8"?>
 <p:sld xmlns:a="http://schemas.openxmlformats.org/drawingml/2006/main" xmlns:r="http://schemas.openxmlformats.org/officeDocument/2006/relationships" xmlns:p="http://schemas.openxmlformats.org/presentationml/2006/main">
   <p:cSld>
     <p:spTree>
@@ -8625,7 +7487,7 @@
             <a:fld id="{B6F15528-21DE-4FAA-801E-634DDDAF4B2B}" type="slidenum">
               <a:rPr lang="en-US" smtClean="0"/>
               <a:pPr/>
-              <a:t>16</a:t>
+              <a:t>14</a:t>
             </a:fld>
             <a:endParaRPr lang="en-US" dirty="0"/>
           </a:p>
@@ -9118,7 +7980,7 @@
 </p:sld>
 </file>
 
-<file path=ppt/slides/slide17.xml><?xml version="1.0" encoding="utf-8"?>
+<file path=ppt/slides/slide15.xml><?xml version="1.0" encoding="utf-8"?>
 <p:sld xmlns:a="http://schemas.openxmlformats.org/drawingml/2006/main" xmlns:r="http://schemas.openxmlformats.org/officeDocument/2006/relationships" xmlns:p="http://schemas.openxmlformats.org/presentationml/2006/main">
   <p:cSld>
     <p:spTree>
@@ -9287,7 +8149,7 @@
             <a:fld id="{B6F15528-21DE-4FAA-801E-634DDDAF4B2B}" type="slidenum">
               <a:rPr lang="en-US" smtClean="0"/>
               <a:pPr/>
-              <a:t>17</a:t>
+              <a:t>15</a:t>
             </a:fld>
             <a:endParaRPr lang="en-US" dirty="0"/>
           </a:p>
@@ -9532,10 +8394,6 @@
               </a:rPr>
               <a:t>Middle East Technical University</a:t>
             </a:r>
-            <a:endParaRPr lang="en-US" sz="2000" dirty="0" smtClean="0">
-              <a:latin typeface="Times New Roman" panose="02020603050405020304" pitchFamily="18" charset="0"/>
-              <a:cs typeface="Times New Roman" panose="02020603050405020304" pitchFamily="18" charset="0"/>
-            </a:endParaRPr>
           </a:p>
         </p:txBody>
       </p:sp>
@@ -9997,7 +8855,14 @@
                 <a:latin typeface="Times New Roman" panose="02020603050405020304" pitchFamily="18" charset="0"/>
                 <a:cs typeface="Times New Roman" panose="02020603050405020304" pitchFamily="18" charset="0"/>
               </a:rPr>
-              <a:t> (2’) =&gt; 3 slayt</a:t>
+              <a:t> (2’) =&gt; </a:t>
+            </a:r>
+            <a:r>
+              <a:rPr lang="tr-TR" sz="2400" dirty="0" smtClean="0">
+                <a:latin typeface="Times New Roman" panose="02020603050405020304" pitchFamily="18" charset="0"/>
+                <a:cs typeface="Times New Roman" panose="02020603050405020304" pitchFamily="18" charset="0"/>
+              </a:rPr>
+              <a:t>2 slayt</a:t>
             </a:r>
             <a:endParaRPr lang="en-US" sz="2400" dirty="0" smtClean="0">
               <a:latin typeface="Times New Roman" panose="02020603050405020304" pitchFamily="18" charset="0"/>
@@ -10024,7 +8889,21 @@
                 <a:latin typeface="Times New Roman" panose="02020603050405020304" pitchFamily="18" charset="0"/>
                 <a:cs typeface="Times New Roman" panose="02020603050405020304" pitchFamily="18" charset="0"/>
               </a:rPr>
-              <a:t> (2’) =&gt; 2 slayt</a:t>
+              <a:t> (2’) =&gt; </a:t>
+            </a:r>
+            <a:r>
+              <a:rPr lang="tr-TR" sz="2400" dirty="0" smtClean="0">
+                <a:latin typeface="Times New Roman" panose="02020603050405020304" pitchFamily="18" charset="0"/>
+                <a:cs typeface="Times New Roman" panose="02020603050405020304" pitchFamily="18" charset="0"/>
+              </a:rPr>
+              <a:t>3 </a:t>
+            </a:r>
+            <a:r>
+              <a:rPr lang="tr-TR" sz="2400" dirty="0" smtClean="0">
+                <a:latin typeface="Times New Roman" panose="02020603050405020304" pitchFamily="18" charset="0"/>
+                <a:cs typeface="Times New Roman" panose="02020603050405020304" pitchFamily="18" charset="0"/>
+              </a:rPr>
+              <a:t>slayt</a:t>
             </a:r>
             <a:endParaRPr lang="en-US" sz="2400" dirty="0" smtClean="0">
               <a:latin typeface="Times New Roman" panose="02020603050405020304" pitchFamily="18" charset="0"/>
@@ -10127,10 +9006,6 @@
               </a:rPr>
               <a:t>References</a:t>
             </a:r>
-            <a:endParaRPr lang="en-US" sz="2400" dirty="0" smtClean="0">
-              <a:latin typeface="Times New Roman" panose="02020603050405020304" pitchFamily="18" charset="0"/>
-              <a:cs typeface="Times New Roman" panose="02020603050405020304" pitchFamily="18" charset="0"/>
-            </a:endParaRPr>
           </a:p>
         </p:txBody>
       </p:sp>
@@ -10445,8 +9320,8 @@
         </p:nvSpPr>
         <p:spPr>
           <a:xfrm>
-            <a:off x="4335300" y="1208758"/>
-            <a:ext cx="4503900" cy="1631216"/>
+            <a:off x="4554978" y="1524624"/>
+            <a:ext cx="4572000" cy="1631216"/>
           </a:xfrm>
           <a:prstGeom prst="rect">
             <a:avLst/>
@@ -10521,14 +9396,121 @@
       </p:sp>
       <p:pic>
         <p:nvPicPr>
-          <p:cNvPr id="4" name="Picture 3"/>
+          <p:cNvPr id="16" name="Picture 15"/>
           <p:cNvPicPr>
             <a:picLocks noChangeAspect="1"/>
           </p:cNvPicPr>
           <p:nvPr/>
         </p:nvPicPr>
         <p:blipFill>
-          <a:blip r:embed="rId3" cstate="print">
+          <a:blip r:embed="rId3"/>
+          <a:stretch>
+            <a:fillRect/>
+          </a:stretch>
+        </p:blipFill>
+        <p:spPr>
+          <a:xfrm>
+            <a:off x="1125088" y="3921351"/>
+            <a:ext cx="3365060" cy="2682875"/>
+          </a:xfrm>
+          <a:prstGeom prst="rect">
+            <a:avLst/>
+          </a:prstGeom>
+        </p:spPr>
+      </p:pic>
+      <p:sp>
+        <p:nvSpPr>
+          <p:cNvPr id="17" name="TextBox 16"/>
+          <p:cNvSpPr txBox="1"/>
+          <p:nvPr/>
+        </p:nvSpPr>
+        <p:spPr>
+          <a:xfrm>
+            <a:off x="4572000" y="4377931"/>
+            <a:ext cx="4571999" cy="1323439"/>
+          </a:xfrm>
+          <a:prstGeom prst="rect">
+            <a:avLst/>
+          </a:prstGeom>
+          <a:noFill/>
+        </p:spPr>
+        <p:txBody>
+          <a:bodyPr wrap="square" rtlCol="0">
+            <a:spAutoFit/>
+          </a:bodyPr>
+          <a:lstStyle/>
+          <a:p>
+            <a:r>
+              <a:rPr lang="en-US" sz="2000" dirty="0" smtClean="0">
+                <a:latin typeface="Times New Roman" panose="02020603050405020304" pitchFamily="18" charset="0"/>
+                <a:cs typeface="Times New Roman" panose="02020603050405020304" pitchFamily="18" charset="0"/>
+              </a:rPr>
+              <a:t>The motor drive is </a:t>
+            </a:r>
+            <a:r>
+              <a:rPr lang="en-US" sz="2000" b="1" dirty="0" smtClean="0">
+                <a:latin typeface="Times New Roman" panose="02020603050405020304" pitchFamily="18" charset="0"/>
+                <a:cs typeface="Times New Roman" panose="02020603050405020304" pitchFamily="18" charset="0"/>
+              </a:rPr>
+              <a:t>integrated</a:t>
+            </a:r>
+            <a:r>
+              <a:rPr lang="en-US" sz="2000" dirty="0" smtClean="0">
+                <a:latin typeface="Times New Roman" panose="02020603050405020304" pitchFamily="18" charset="0"/>
+                <a:cs typeface="Times New Roman" panose="02020603050405020304" pitchFamily="18" charset="0"/>
+              </a:rPr>
+              <a:t> to the </a:t>
+            </a:r>
+            <a:r>
+              <a:rPr lang="en-US" sz="2000" dirty="0" smtClean="0">
+                <a:latin typeface="Times New Roman" panose="02020603050405020304" pitchFamily="18" charset="0"/>
+                <a:cs typeface="Times New Roman" panose="02020603050405020304" pitchFamily="18" charset="0"/>
+              </a:rPr>
+              <a:t>motor</a:t>
+            </a:r>
+            <a:endParaRPr lang="tr-TR" sz="2000" dirty="0" smtClean="0">
+              <a:latin typeface="Times New Roman" panose="02020603050405020304" pitchFamily="18" charset="0"/>
+              <a:cs typeface="Times New Roman" panose="02020603050405020304" pitchFamily="18" charset="0"/>
+            </a:endParaRPr>
+          </a:p>
+          <a:p>
+            <a:endParaRPr lang="en-US" sz="2000" dirty="0" smtClean="0">
+              <a:latin typeface="Times New Roman" panose="02020603050405020304" pitchFamily="18" charset="0"/>
+              <a:cs typeface="Times New Roman" panose="02020603050405020304" pitchFamily="18" charset="0"/>
+            </a:endParaRPr>
+          </a:p>
+          <a:p>
+            <a:r>
+              <a:rPr lang="en-US" sz="2000" dirty="0" smtClean="0">
+                <a:latin typeface="Times New Roman" panose="02020603050405020304" pitchFamily="18" charset="0"/>
+                <a:cs typeface="Times New Roman" panose="02020603050405020304" pitchFamily="18" charset="0"/>
+              </a:rPr>
+              <a:t>Both the motor and the drive are </a:t>
+            </a:r>
+            <a:r>
+              <a:rPr lang="en-US" sz="2000" b="1" dirty="0" smtClean="0">
+                <a:latin typeface="Times New Roman" panose="02020603050405020304" pitchFamily="18" charset="0"/>
+                <a:cs typeface="Times New Roman" panose="02020603050405020304" pitchFamily="18" charset="0"/>
+              </a:rPr>
+              <a:t>modularized</a:t>
+            </a:r>
+            <a:endParaRPr lang="en-US" sz="2000" dirty="0" smtClean="0">
+              <a:latin typeface="Times New Roman" panose="02020603050405020304" pitchFamily="18" charset="0"/>
+              <a:cs typeface="Times New Roman" panose="02020603050405020304" pitchFamily="18" charset="0"/>
+            </a:endParaRPr>
+          </a:p>
+        </p:txBody>
+      </p:sp>
+      <p:pic>
+        <p:nvPicPr>
+          <p:cNvPr id="19" name="Picture 18"/>
+          <p:cNvPicPr>
+            <a:picLocks noChangeAspect="1"/>
+          </p:cNvPicPr>
+          <p:nvPr/>
+        </p:nvPicPr>
+        <p:blipFill>
+          <a:blip r:embed="rId4" cstate="print">
             <a:extLst>
               <a:ext uri="{28A0092B-C50C-407E-A947-70E740481C1C}">
                 <a14:useLocalDpi xmlns:a14="http://schemas.microsoft.com/office/drawing/2010/main" val="0"/>
@@ -10540,9 +9522,9 @@
           </a:stretch>
         </p:blipFill>
         <p:spPr>
-          <a:xfrm>
-            <a:off x="2455828" y="1287018"/>
-            <a:ext cx="1772524" cy="1477104"/>
+          <a:xfrm rot="16200000">
+            <a:off x="-876200" y="5067199"/>
+            <a:ext cx="2759076" cy="549476"/>
           </a:xfrm>
           <a:prstGeom prst="rect">
             <a:avLst/>
@@ -10551,134 +9533,48 @@
       </p:pic>
       <p:pic>
         <p:nvPicPr>
-          <p:cNvPr id="5" name="Picture 4"/>
+          <p:cNvPr id="20" name="Picture 2" descr="C:\Users\Mesut\Desktop\aselsan sunum\aselsan sunum 10 ekim\aselsan sunum\cezmi bey\ODTU.png"/>
           <p:cNvPicPr>
-            <a:picLocks noChangeAspect="1"/>
+            <a:picLocks noChangeAspect="1" noChangeArrowheads="1"/>
           </p:cNvPicPr>
           <p:nvPr/>
         </p:nvPicPr>
         <p:blipFill>
-          <a:blip r:embed="rId4">
+          <a:blip r:embed="rId5" cstate="print">
             <a:extLst>
               <a:ext uri="{28A0092B-C50C-407E-A947-70E740481C1C}">
                 <a14:useLocalDpi xmlns:a14="http://schemas.microsoft.com/office/drawing/2010/main" val="0"/>
               </a:ext>
             </a:extLst>
           </a:blip>
+          <a:srcRect/>
           <a:stretch>
             <a:fillRect/>
           </a:stretch>
         </p:blipFill>
-        <p:spPr>
+        <p:spPr bwMode="auto">
           <a:xfrm>
-            <a:off x="1219679" y="1320754"/>
-            <a:ext cx="1066321" cy="1485233"/>
-          </a:xfrm>
-          <a:prstGeom prst="rect">
-            <a:avLst/>
-          </a:prstGeom>
-        </p:spPr>
-      </p:pic>
-      <p:pic>
-        <p:nvPicPr>
-          <p:cNvPr id="16" name="Picture 15"/>
-          <p:cNvPicPr>
-            <a:picLocks noChangeAspect="1"/>
-          </p:cNvPicPr>
-          <p:nvPr/>
-        </p:nvPicPr>
-        <p:blipFill>
-          <a:blip r:embed="rId5"/>
-          <a:stretch>
-            <a:fillRect/>
-          </a:stretch>
-        </p:blipFill>
-        <p:spPr>
-          <a:xfrm>
-            <a:off x="1386291" y="3508061"/>
-            <a:ext cx="3058421" cy="2438400"/>
-          </a:xfrm>
-          <a:prstGeom prst="rect">
-            <a:avLst/>
-          </a:prstGeom>
-        </p:spPr>
-      </p:pic>
-      <p:sp>
-        <p:nvSpPr>
-          <p:cNvPr id="17" name="TextBox 16"/>
-          <p:cNvSpPr txBox="1"/>
-          <p:nvPr/>
-        </p:nvSpPr>
-        <p:spPr>
-          <a:xfrm>
-            <a:off x="4819061" y="3782554"/>
-            <a:ext cx="3733800" cy="1631216"/>
+            <a:off x="116458" y="163788"/>
+            <a:ext cx="779026" cy="650016"/>
           </a:xfrm>
           <a:prstGeom prst="rect">
             <a:avLst/>
           </a:prstGeom>
           <a:noFill/>
-        </p:spPr>
-        <p:txBody>
-          <a:bodyPr wrap="square" rtlCol="0">
-            <a:spAutoFit/>
-          </a:bodyPr>
-          <a:lstStyle/>
-          <a:p>
-            <a:r>
-              <a:rPr lang="en-US" sz="2000" dirty="0" smtClean="0">
-                <a:latin typeface="Times New Roman" panose="02020603050405020304" pitchFamily="18" charset="0"/>
-                <a:cs typeface="Times New Roman" panose="02020603050405020304" pitchFamily="18" charset="0"/>
-              </a:rPr>
-              <a:t>The motor drive is </a:t>
-            </a:r>
-            <a:r>
-              <a:rPr lang="en-US" sz="2000" b="1" dirty="0" smtClean="0">
-                <a:latin typeface="Times New Roman" panose="02020603050405020304" pitchFamily="18" charset="0"/>
-                <a:cs typeface="Times New Roman" panose="02020603050405020304" pitchFamily="18" charset="0"/>
-              </a:rPr>
-              <a:t>integrated</a:t>
-            </a:r>
-            <a:r>
-              <a:rPr lang="en-US" sz="2000" dirty="0" smtClean="0">
-                <a:latin typeface="Times New Roman" panose="02020603050405020304" pitchFamily="18" charset="0"/>
-                <a:cs typeface="Times New Roman" panose="02020603050405020304" pitchFamily="18" charset="0"/>
-              </a:rPr>
-              <a:t> to the motor back-end</a:t>
-            </a:r>
-          </a:p>
-          <a:p>
-            <a:pPr lvl="1"/>
-            <a:endParaRPr lang="en-US" sz="2000" dirty="0" smtClean="0">
-              <a:latin typeface="Times New Roman" panose="02020603050405020304" pitchFamily="18" charset="0"/>
-              <a:cs typeface="Times New Roman" panose="02020603050405020304" pitchFamily="18" charset="0"/>
-            </a:endParaRPr>
-          </a:p>
-          <a:p>
-            <a:r>
-              <a:rPr lang="en-US" sz="2000" dirty="0" smtClean="0">
-                <a:latin typeface="Times New Roman" panose="02020603050405020304" pitchFamily="18" charset="0"/>
-                <a:cs typeface="Times New Roman" panose="02020603050405020304" pitchFamily="18" charset="0"/>
-              </a:rPr>
-              <a:t>Both the motor and the drive are </a:t>
-            </a:r>
-            <a:r>
-              <a:rPr lang="en-US" sz="2000" b="1" dirty="0" smtClean="0">
-                <a:latin typeface="Times New Roman" panose="02020603050405020304" pitchFamily="18" charset="0"/>
-                <a:cs typeface="Times New Roman" panose="02020603050405020304" pitchFamily="18" charset="0"/>
-              </a:rPr>
-              <a:t>modularized</a:t>
-            </a:r>
-            <a:endParaRPr lang="en-US" sz="2000" dirty="0" smtClean="0">
-              <a:latin typeface="Times New Roman" panose="02020603050405020304" pitchFamily="18" charset="0"/>
-              <a:cs typeface="Times New Roman" panose="02020603050405020304" pitchFamily="18" charset="0"/>
-            </a:endParaRPr>
-          </a:p>
-        </p:txBody>
-      </p:sp>
+          <a:extLst>
+            <a:ext uri="{909E8E84-426E-40DD-AFC4-6F175D3DCCD1}">
+              <a14:hiddenFill xmlns:a14="http://schemas.microsoft.com/office/drawing/2010/main">
+                <a:solidFill>
+                  <a:srgbClr val="FFFFFF"/>
+                </a:solidFill>
+              </a14:hiddenFill>
+            </a:ext>
+          </a:extLst>
+        </p:spPr>
+      </p:pic>
       <p:pic>
         <p:nvPicPr>
-          <p:cNvPr id="19" name="Picture 18"/>
+          <p:cNvPr id="3" name="Picture 2"/>
           <p:cNvPicPr>
             <a:picLocks noChangeAspect="1"/>
           </p:cNvPicPr>
@@ -10697,56 +9593,43 @@
           </a:stretch>
         </p:blipFill>
         <p:spPr>
-          <a:xfrm rot="16200000">
-            <a:off x="-876200" y="5067199"/>
-            <a:ext cx="2759076" cy="549476"/>
+          <a:xfrm>
+            <a:off x="1125088" y="998415"/>
+            <a:ext cx="3351559" cy="2784139"/>
           </a:xfrm>
           <a:prstGeom prst="rect">
             <a:avLst/>
           </a:prstGeom>
         </p:spPr>
       </p:pic>
-      <p:pic>
-        <p:nvPicPr>
-          <p:cNvPr id="20" name="Picture 2" descr="C:\Users\Mesut\Desktop\aselsan sunum\aselsan sunum 10 ekim\aselsan sunum\cezmi bey\ODTU.png"/>
-          <p:cNvPicPr>
-            <a:picLocks noChangeAspect="1" noChangeArrowheads="1"/>
-          </p:cNvPicPr>
+      <p:sp>
+        <p:nvSpPr>
+          <p:cNvPr id="6" name="Rectangle 5"/>
+          <p:cNvSpPr/>
           <p:nvPr/>
-        </p:nvPicPr>
-        <p:blipFill>
-          <a:blip r:embed="rId7" cstate="print">
-            <a:extLst>
-              <a:ext uri="{28A0092B-C50C-407E-A947-70E740481C1C}">
-                <a14:useLocalDpi xmlns:a14="http://schemas.microsoft.com/office/drawing/2010/main" val="0"/>
-              </a:ext>
-            </a:extLst>
-          </a:blip>
-          <a:srcRect/>
-          <a:stretch>
-            <a:fillRect/>
-          </a:stretch>
-        </p:blipFill>
-        <p:spPr bwMode="auto">
+        </p:nvSpPr>
+        <p:spPr>
           <a:xfrm>
-            <a:off x="116458" y="163788"/>
-            <a:ext cx="779026" cy="650016"/>
+            <a:off x="1050650" y="6619968"/>
+            <a:ext cx="2048959" cy="246221"/>
           </a:xfrm>
           <a:prstGeom prst="rect">
             <a:avLst/>
           </a:prstGeom>
-          <a:noFill/>
-          <a:extLst>
-            <a:ext uri="{909E8E84-426E-40DD-AFC4-6F175D3DCCD1}">
-              <a14:hiddenFill xmlns:a14="http://schemas.microsoft.com/office/drawing/2010/main">
-                <a:solidFill>
-                  <a:srgbClr val="FFFFFF"/>
-                </a:solidFill>
-              </a14:hiddenFill>
-            </a:ext>
-          </a:extLst>
-        </p:spPr>
-      </p:pic>
+        </p:spPr>
+        <p:txBody>
+          <a:bodyPr wrap="none">
+            <a:spAutoFit/>
+          </a:bodyPr>
+          <a:lstStyle/>
+          <a:p>
+            <a:r>
+              <a:rPr lang="en-US" sz="1000" dirty="0"/>
+              <a:t>http://www.emersonindustrial.com</a:t>
+            </a:r>
+          </a:p>
+        </p:txBody>
+      </p:sp>
     </p:spTree>
     <p:extLst>
       <p:ext uri="{BB962C8B-B14F-4D97-AF65-F5344CB8AC3E}">
@@ -10791,7 +9674,7 @@
                                           </p:stCondLst>
                                         </p:cTn>
                                         <p:tgtEl>
-                                          <p:spTgt spid="4"/>
+                                          <p:spTgt spid="3"/>
                                         </p:tgtEl>
                                         <p:attrNameLst>
                                           <p:attrName>style.visibility</p:attrName>
@@ -10805,7 +9688,7 @@
                                       <p:cBhvr>
                                         <p:cTn id="7" dur="1000"/>
                                         <p:tgtEl>
-                                          <p:spTgt spid="4"/>
+                                          <p:spTgt spid="3"/>
                                         </p:tgtEl>
                                       </p:cBhvr>
                                     </p:animEffect>
@@ -10813,7 +9696,7 @@
                                       <p:cBhvr>
                                         <p:cTn id="8" dur="1000" fill="hold"/>
                                         <p:tgtEl>
-                                          <p:spTgt spid="4"/>
+                                          <p:spTgt spid="3"/>
                                         </p:tgtEl>
                                         <p:attrNameLst>
                                           <p:attrName>ppt_x</p:attrName>
@@ -10836,88 +9719,7 @@
                                       <p:cBhvr>
                                         <p:cTn id="9" dur="1000" fill="hold"/>
                                         <p:tgtEl>
-                                          <p:spTgt spid="4"/>
-                                        </p:tgtEl>
-                                        <p:attrNameLst>
-                                          <p:attrName>ppt_y</p:attrName>
-                                        </p:attrNameLst>
-                                      </p:cBhvr>
-                                      <p:tavLst>
-                                        <p:tav tm="0">
-                                          <p:val>
-                                            <p:strVal val="#ppt_y+.1"/>
-                                          </p:val>
-                                        </p:tav>
-                                        <p:tav tm="100000">
-                                          <p:val>
-                                            <p:strVal val="#ppt_y"/>
-                                          </p:val>
-                                        </p:tav>
-                                      </p:tavLst>
-                                    </p:anim>
-                                  </p:childTnLst>
-                                </p:cTn>
-                              </p:par>
-                              <p:par>
-                                <p:cTn id="10" presetID="42" presetClass="entr" presetSubtype="0" fill="hold" nodeType="withEffect">
-                                  <p:stCondLst>
-                                    <p:cond delay="0"/>
-                                  </p:stCondLst>
-                                  <p:childTnLst>
-                                    <p:set>
-                                      <p:cBhvr>
-                                        <p:cTn id="11" dur="1" fill="hold">
-                                          <p:stCondLst>
-                                            <p:cond delay="0"/>
-                                          </p:stCondLst>
-                                        </p:cTn>
-                                        <p:tgtEl>
-                                          <p:spTgt spid="5"/>
-                                        </p:tgtEl>
-                                        <p:attrNameLst>
-                                          <p:attrName>style.visibility</p:attrName>
-                                        </p:attrNameLst>
-                                      </p:cBhvr>
-                                      <p:to>
-                                        <p:strVal val="visible"/>
-                                      </p:to>
-                                    </p:set>
-                                    <p:animEffect transition="in" filter="fade">
-                                      <p:cBhvr>
-                                        <p:cTn id="12" dur="1000"/>
-                                        <p:tgtEl>
-                                          <p:spTgt spid="5"/>
-                                        </p:tgtEl>
-                                      </p:cBhvr>
-                                    </p:animEffect>
-                                    <p:anim calcmode="lin" valueType="num">
-                                      <p:cBhvr>
-                                        <p:cTn id="13" dur="1000" fill="hold"/>
-                                        <p:tgtEl>
-                                          <p:spTgt spid="5"/>
-                                        </p:tgtEl>
-                                        <p:attrNameLst>
-                                          <p:attrName>ppt_x</p:attrName>
-                                        </p:attrNameLst>
-                                      </p:cBhvr>
-                                      <p:tavLst>
-                                        <p:tav tm="0">
-                                          <p:val>
-                                            <p:strVal val="#ppt_x"/>
-                                          </p:val>
-                                        </p:tav>
-                                        <p:tav tm="100000">
-                                          <p:val>
-                                            <p:strVal val="#ppt_x"/>
-                                          </p:val>
-                                        </p:tav>
-                                      </p:tavLst>
-                                    </p:anim>
-                                    <p:anim calcmode="lin" valueType="num">
-                                      <p:cBhvr>
-                                        <p:cTn id="14" dur="1000" fill="hold"/>
-                                        <p:tgtEl>
-                                          <p:spTgt spid="5"/>
+                                          <p:spTgt spid="3"/>
                                         </p:tgtEl>
                                         <p:attrNameLst>
                                           <p:attrName>ppt_y</p:attrName>
@@ -10946,26 +9748,26 @@
                     </p:cTn>
                   </p:par>
                   <p:par>
-                    <p:cTn id="15" fill="hold">
+                    <p:cTn id="10" fill="hold">
                       <p:stCondLst>
                         <p:cond delay="indefinite"/>
                       </p:stCondLst>
                       <p:childTnLst>
                         <p:par>
-                          <p:cTn id="16" fill="hold">
+                          <p:cTn id="11" fill="hold">
                             <p:stCondLst>
                               <p:cond delay="0"/>
                             </p:stCondLst>
                             <p:childTnLst>
                               <p:par>
-                                <p:cTn id="17" presetID="1" presetClass="entr" presetSubtype="0" fill="hold" grpId="0" nodeType="clickEffect">
+                                <p:cTn id="12" presetID="1" presetClass="entr" presetSubtype="0" fill="hold" grpId="0" nodeType="clickEffect">
                                   <p:stCondLst>
                                     <p:cond delay="0"/>
                                   </p:stCondLst>
                                   <p:childTnLst>
                                     <p:set>
                                       <p:cBhvr>
-                                        <p:cTn id="18" dur="1" fill="hold">
+                                        <p:cTn id="13" dur="1" fill="hold">
                                           <p:stCondLst>
                                             <p:cond delay="0"/>
                                           </p:stCondLst>
@@ -10991,26 +9793,26 @@
                     </p:cTn>
                   </p:par>
                   <p:par>
-                    <p:cTn id="19" fill="hold">
+                    <p:cTn id="14" fill="hold">
                       <p:stCondLst>
                         <p:cond delay="indefinite"/>
                       </p:stCondLst>
                       <p:childTnLst>
                         <p:par>
-                          <p:cTn id="20" fill="hold">
+                          <p:cTn id="15" fill="hold">
                             <p:stCondLst>
                               <p:cond delay="0"/>
                             </p:stCondLst>
                             <p:childTnLst>
                               <p:par>
-                                <p:cTn id="21" presetID="42" presetClass="entr" presetSubtype="0" fill="hold" nodeType="clickEffect">
+                                <p:cTn id="16" presetID="42" presetClass="entr" presetSubtype="0" fill="hold" nodeType="clickEffect">
                                   <p:stCondLst>
                                     <p:cond delay="0"/>
                                   </p:stCondLst>
                                   <p:childTnLst>
                                     <p:set>
                                       <p:cBhvr>
-                                        <p:cTn id="22" dur="1" fill="hold">
+                                        <p:cTn id="17" dur="1" fill="hold">
                                           <p:stCondLst>
                                             <p:cond delay="0"/>
                                           </p:stCondLst>
@@ -11028,7 +9830,7 @@
                                     </p:set>
                                     <p:animEffect transition="in" filter="fade">
                                       <p:cBhvr>
-                                        <p:cTn id="23" dur="1000"/>
+                                        <p:cTn id="18" dur="1000"/>
                                         <p:tgtEl>
                                           <p:spTgt spid="16"/>
                                         </p:tgtEl>
@@ -11036,7 +9838,7 @@
                                     </p:animEffect>
                                     <p:anim calcmode="lin" valueType="num">
                                       <p:cBhvr>
-                                        <p:cTn id="24" dur="1000" fill="hold"/>
+                                        <p:cTn id="19" dur="1000" fill="hold"/>
                                         <p:tgtEl>
                                           <p:spTgt spid="16"/>
                                         </p:tgtEl>
@@ -11059,7 +9861,7 @@
                                     </p:anim>
                                     <p:anim calcmode="lin" valueType="num">
                                       <p:cBhvr>
-                                        <p:cTn id="25" dur="1000" fill="hold"/>
+                                        <p:cTn id="20" dur="1000" fill="hold"/>
                                         <p:tgtEl>
                                           <p:spTgt spid="16"/>
                                         </p:tgtEl>
@@ -11090,26 +9892,26 @@
                     </p:cTn>
                   </p:par>
                   <p:par>
-                    <p:cTn id="26" fill="hold">
+                    <p:cTn id="21" fill="hold">
                       <p:stCondLst>
                         <p:cond delay="indefinite"/>
                       </p:stCondLst>
                       <p:childTnLst>
                         <p:par>
-                          <p:cTn id="27" fill="hold">
+                          <p:cTn id="22" fill="hold">
                             <p:stCondLst>
                               <p:cond delay="0"/>
                             </p:stCondLst>
                             <p:childTnLst>
                               <p:par>
-                                <p:cTn id="28" presetID="1" presetClass="entr" presetSubtype="0" fill="hold" grpId="0" nodeType="clickEffect">
+                                <p:cTn id="23" presetID="1" presetClass="entr" presetSubtype="0" fill="hold" grpId="0" nodeType="clickEffect">
                                   <p:stCondLst>
                                     <p:cond delay="0"/>
                                   </p:stCondLst>
                                   <p:childTnLst>
                                     <p:set>
                                       <p:cBhvr>
-                                        <p:cTn id="29" dur="1" fill="hold">
+                                        <p:cTn id="24" dur="1" fill="hold">
                                           <p:stCondLst>
                                             <p:cond delay="0"/>
                                           </p:stCondLst>
@@ -11412,7 +10214,7 @@
         </p:blipFill>
         <p:spPr>
           <a:xfrm>
-            <a:off x="5434143" y="1176858"/>
+            <a:off x="5393946" y="1396354"/>
             <a:ext cx="3245602" cy="1155364"/>
           </a:xfrm>
           <a:prstGeom prst="rect">
@@ -11428,7 +10230,7 @@
         </p:nvSpPr>
         <p:spPr>
           <a:xfrm>
-            <a:off x="1189918" y="1255851"/>
+            <a:off x="1081819" y="1388491"/>
             <a:ext cx="4312127" cy="2677656"/>
           </a:xfrm>
           <a:prstGeom prst="rect">
@@ -11550,7 +10352,7 @@
         </p:blipFill>
         <p:spPr>
           <a:xfrm>
-            <a:off x="5951584" y="2594679"/>
+            <a:off x="5589331" y="2551718"/>
             <a:ext cx="2728161" cy="3761671"/>
           </a:xfrm>
           <a:prstGeom prst="rect">
@@ -11629,6 +10431,315 @@
           </a:extLst>
         </p:spPr>
       </p:pic>
+      <p:sp>
+        <p:nvSpPr>
+          <p:cNvPr id="14" name="Rectangle 13"/>
+          <p:cNvSpPr/>
+          <p:nvPr/>
+        </p:nvSpPr>
+        <p:spPr>
+          <a:xfrm>
+            <a:off x="1211410" y="941757"/>
+            <a:ext cx="7725482" cy="523220"/>
+          </a:xfrm>
+          <a:prstGeom prst="rect">
+            <a:avLst/>
+          </a:prstGeom>
+        </p:spPr>
+        <p:txBody>
+          <a:bodyPr wrap="square">
+            <a:spAutoFit/>
+          </a:bodyPr>
+          <a:lstStyle/>
+          <a:p>
+            <a:pPr algn="ctr"/>
+            <a:r>
+              <a:rPr lang="tr-TR" sz="2800" u="sng" dirty="0" err="1" smtClean="0">
+                <a:latin typeface="Times New Roman" panose="02020603050405020304" pitchFamily="18" charset="0"/>
+                <a:cs typeface="Times New Roman" panose="02020603050405020304" pitchFamily="18" charset="0"/>
+              </a:rPr>
+              <a:t>Motivation</a:t>
+            </a:r>
+            <a:endParaRPr lang="en-US" sz="2800" u="sng" dirty="0">
+              <a:latin typeface="Times New Roman" panose="02020603050405020304" pitchFamily="18" charset="0"/>
+              <a:cs typeface="Times New Roman" panose="02020603050405020304" pitchFamily="18" charset="0"/>
+            </a:endParaRPr>
+          </a:p>
+        </p:txBody>
+      </p:sp>
+      <p:sp>
+        <p:nvSpPr>
+          <p:cNvPr id="17" name="Rectangle 16"/>
+          <p:cNvSpPr/>
+          <p:nvPr/>
+        </p:nvSpPr>
+        <p:spPr>
+          <a:xfrm>
+            <a:off x="1081819" y="4149461"/>
+            <a:ext cx="4387270" cy="523220"/>
+          </a:xfrm>
+          <a:prstGeom prst="rect">
+            <a:avLst/>
+          </a:prstGeom>
+        </p:spPr>
+        <p:txBody>
+          <a:bodyPr wrap="square">
+            <a:spAutoFit/>
+          </a:bodyPr>
+          <a:lstStyle/>
+          <a:p>
+            <a:pPr algn="ctr"/>
+            <a:r>
+              <a:rPr lang="tr-TR" sz="2800" u="sng" dirty="0" smtClean="0">
+                <a:latin typeface="Times New Roman" panose="02020603050405020304" pitchFamily="18" charset="0"/>
+                <a:cs typeface="Times New Roman" panose="02020603050405020304" pitchFamily="18" charset="0"/>
+              </a:rPr>
+              <a:t>Critical Applications</a:t>
+            </a:r>
+            <a:endParaRPr lang="en-US" sz="2800" u="sng" dirty="0">
+              <a:latin typeface="Times New Roman" panose="02020603050405020304" pitchFamily="18" charset="0"/>
+              <a:cs typeface="Times New Roman" panose="02020603050405020304" pitchFamily="18" charset="0"/>
+            </a:endParaRPr>
+          </a:p>
+        </p:txBody>
+      </p:sp>
+      <p:sp>
+        <p:nvSpPr>
+          <p:cNvPr id="19" name="Text Box 9"/>
+          <p:cNvSpPr txBox="1">
+            <a:spLocks noChangeArrowheads="1"/>
+          </p:cNvSpPr>
+          <p:nvPr/>
+        </p:nvSpPr>
+        <p:spPr bwMode="auto">
+          <a:xfrm>
+            <a:off x="1270923" y="4684861"/>
+            <a:ext cx="4234993" cy="400110"/>
+          </a:xfrm>
+          <a:prstGeom prst="rect">
+            <a:avLst/>
+          </a:prstGeom>
+          <a:noFill/>
+          <a:ln w="9525">
+            <a:noFill/>
+            <a:miter lim="800000"/>
+            <a:headEnd/>
+            <a:tailEnd/>
+          </a:ln>
+          <a:effectLst/>
+        </p:spPr>
+        <p:txBody>
+          <a:bodyPr wrap="square">
+            <a:spAutoFit/>
+          </a:bodyPr>
+          <a:lstStyle/>
+          <a:p>
+            <a:pPr algn="ctr"/>
+            <a:r>
+              <a:rPr lang="en-US" sz="2000" b="1" dirty="0" smtClean="0">
+                <a:latin typeface="Times New Roman" panose="02020603050405020304" pitchFamily="18" charset="0"/>
+                <a:cs typeface="Times New Roman" panose="02020603050405020304" pitchFamily="18" charset="0"/>
+              </a:rPr>
+              <a:t>Electric </a:t>
+            </a:r>
+            <a:r>
+              <a:rPr lang="en-US" sz="2000" b="1" dirty="0">
+                <a:latin typeface="Times New Roman" panose="02020603050405020304" pitchFamily="18" charset="0"/>
+                <a:cs typeface="Times New Roman" panose="02020603050405020304" pitchFamily="18" charset="0"/>
+              </a:rPr>
+              <a:t>traction</a:t>
+            </a:r>
+            <a:r>
+              <a:rPr lang="tr-TR" sz="2000" dirty="0">
+                <a:latin typeface="Times New Roman" panose="02020603050405020304" pitchFamily="18" charset="0"/>
+                <a:cs typeface="Times New Roman" panose="02020603050405020304" pitchFamily="18" charset="0"/>
+              </a:rPr>
+              <a:t>:</a:t>
+            </a:r>
+            <a:r>
+              <a:rPr lang="en-US" sz="2000" dirty="0">
+                <a:latin typeface="Times New Roman" panose="02020603050405020304" pitchFamily="18" charset="0"/>
+                <a:cs typeface="Times New Roman" panose="02020603050405020304" pitchFamily="18" charset="0"/>
+              </a:rPr>
+              <a:t> </a:t>
+            </a:r>
+            <a:r>
+              <a:rPr lang="tr-TR" sz="2000" dirty="0" smtClean="0">
+                <a:latin typeface="Times New Roman" panose="02020603050405020304" pitchFamily="18" charset="0"/>
+                <a:cs typeface="Times New Roman" panose="02020603050405020304" pitchFamily="18" charset="0"/>
+              </a:rPr>
+              <a:t>EVs</a:t>
+            </a:r>
+            <a:r>
+              <a:rPr lang="en-US" sz="2000" dirty="0" smtClean="0">
+                <a:latin typeface="Times New Roman" panose="02020603050405020304" pitchFamily="18" charset="0"/>
+                <a:cs typeface="Times New Roman" panose="02020603050405020304" pitchFamily="18" charset="0"/>
+              </a:rPr>
+              <a:t>,</a:t>
+            </a:r>
+            <a:r>
+              <a:rPr lang="tr-TR" sz="2000" dirty="0" smtClean="0">
+                <a:latin typeface="Times New Roman" panose="02020603050405020304" pitchFamily="18" charset="0"/>
+                <a:cs typeface="Times New Roman" panose="02020603050405020304" pitchFamily="18" charset="0"/>
+              </a:rPr>
+              <a:t> HEVs,</a:t>
+            </a:r>
+            <a:r>
+              <a:rPr lang="en-US" sz="2000" dirty="0" smtClean="0">
+                <a:latin typeface="Times New Roman" panose="02020603050405020304" pitchFamily="18" charset="0"/>
+                <a:cs typeface="Times New Roman" panose="02020603050405020304" pitchFamily="18" charset="0"/>
+              </a:rPr>
+              <a:t> </a:t>
+            </a:r>
+            <a:r>
+              <a:rPr lang="tr-TR" sz="2000" dirty="0" smtClean="0">
+                <a:latin typeface="Times New Roman" panose="02020603050405020304" pitchFamily="18" charset="0"/>
+                <a:cs typeface="Times New Roman" panose="02020603050405020304" pitchFamily="18" charset="0"/>
+              </a:rPr>
+              <a:t>T</a:t>
+            </a:r>
+            <a:r>
+              <a:rPr lang="en-US" sz="2000" dirty="0" smtClean="0">
+                <a:latin typeface="Times New Roman" panose="02020603050405020304" pitchFamily="18" charset="0"/>
+                <a:cs typeface="Times New Roman" panose="02020603050405020304" pitchFamily="18" charset="0"/>
+              </a:rPr>
+              <a:t>rain</a:t>
+            </a:r>
+            <a:r>
+              <a:rPr lang="tr-TR" sz="2000" dirty="0" smtClean="0">
+                <a:latin typeface="Times New Roman" panose="02020603050405020304" pitchFamily="18" charset="0"/>
+                <a:cs typeface="Times New Roman" panose="02020603050405020304" pitchFamily="18" charset="0"/>
+              </a:rPr>
+              <a:t>s</a:t>
+            </a:r>
+          </a:p>
+        </p:txBody>
+      </p:sp>
+      <p:sp>
+        <p:nvSpPr>
+          <p:cNvPr id="20" name="Text Box 9"/>
+          <p:cNvSpPr txBox="1">
+            <a:spLocks noChangeArrowheads="1"/>
+          </p:cNvSpPr>
+          <p:nvPr/>
+        </p:nvSpPr>
+        <p:spPr bwMode="auto">
+          <a:xfrm>
+            <a:off x="1260617" y="5097151"/>
+            <a:ext cx="4225932" cy="400110"/>
+          </a:xfrm>
+          <a:prstGeom prst="rect">
+            <a:avLst/>
+          </a:prstGeom>
+          <a:noFill/>
+          <a:ln w="9525">
+            <a:noFill/>
+            <a:miter lim="800000"/>
+            <a:headEnd/>
+            <a:tailEnd/>
+          </a:ln>
+          <a:effectLst/>
+        </p:spPr>
+        <p:txBody>
+          <a:bodyPr wrap="square">
+            <a:spAutoFit/>
+          </a:bodyPr>
+          <a:lstStyle/>
+          <a:p>
+            <a:pPr algn="ctr"/>
+            <a:r>
+              <a:rPr lang="en-US" sz="2000" b="1" dirty="0" smtClean="0">
+                <a:latin typeface="Times New Roman" panose="02020603050405020304" pitchFamily="18" charset="0"/>
+                <a:cs typeface="Times New Roman" panose="02020603050405020304" pitchFamily="18" charset="0"/>
+              </a:rPr>
+              <a:t>Aerospace: </a:t>
+            </a:r>
+            <a:r>
+              <a:rPr lang="en-US" sz="2000" dirty="0" smtClean="0">
+                <a:latin typeface="Times New Roman" panose="02020603050405020304" pitchFamily="18" charset="0"/>
+                <a:cs typeface="Times New Roman" panose="02020603050405020304" pitchFamily="18" charset="0"/>
+              </a:rPr>
+              <a:t>Aircrafts, Space</a:t>
+            </a:r>
+            <a:r>
+              <a:rPr lang="tr-TR" sz="2000" dirty="0" smtClean="0">
+                <a:latin typeface="Times New Roman" panose="02020603050405020304" pitchFamily="18" charset="0"/>
+                <a:cs typeface="Times New Roman" panose="02020603050405020304" pitchFamily="18" charset="0"/>
+              </a:rPr>
+              <a:t> </a:t>
+            </a:r>
+            <a:r>
+              <a:rPr lang="en-US" sz="2000" dirty="0" smtClean="0">
+                <a:latin typeface="Times New Roman" panose="02020603050405020304" pitchFamily="18" charset="0"/>
+                <a:cs typeface="Times New Roman" panose="02020603050405020304" pitchFamily="18" charset="0"/>
+              </a:rPr>
+              <a:t>crafts</a:t>
+            </a:r>
+            <a:endParaRPr lang="en-US" sz="2000" dirty="0">
+              <a:latin typeface="Times New Roman" panose="02020603050405020304" pitchFamily="18" charset="0"/>
+              <a:cs typeface="Times New Roman" panose="02020603050405020304" pitchFamily="18" charset="0"/>
+            </a:endParaRPr>
+          </a:p>
+        </p:txBody>
+      </p:sp>
+      <p:pic>
+        <p:nvPicPr>
+          <p:cNvPr id="21" name="Picture 20"/>
+          <p:cNvPicPr>
+            <a:picLocks noChangeAspect="1"/>
+          </p:cNvPicPr>
+          <p:nvPr/>
+        </p:nvPicPr>
+        <p:blipFill rotWithShape="1">
+          <a:blip r:embed="rId6" cstate="print">
+            <a:extLst>
+              <a:ext uri="{28A0092B-C50C-407E-A947-70E740481C1C}">
+                <a14:useLocalDpi xmlns:a14="http://schemas.microsoft.com/office/drawing/2010/main" val="0"/>
+              </a:ext>
+            </a:extLst>
+          </a:blip>
+          <a:srcRect t="9649"/>
+          <a:stretch/>
+        </p:blipFill>
+        <p:spPr>
+          <a:xfrm>
+            <a:off x="1828800" y="5509441"/>
+            <a:ext cx="2453496" cy="1338913"/>
+          </a:xfrm>
+          <a:prstGeom prst="rect">
+            <a:avLst/>
+          </a:prstGeom>
+        </p:spPr>
+      </p:pic>
+      <p:sp>
+        <p:nvSpPr>
+          <p:cNvPr id="23" name="Rectangle 22"/>
+          <p:cNvSpPr/>
+          <p:nvPr/>
+        </p:nvSpPr>
+        <p:spPr>
+          <a:xfrm>
+            <a:off x="4572000" y="6598364"/>
+            <a:ext cx="4067548" cy="246221"/>
+          </a:xfrm>
+          <a:prstGeom prst="rect">
+            <a:avLst/>
+          </a:prstGeom>
+        </p:spPr>
+        <p:txBody>
+          <a:bodyPr wrap="square">
+            <a:spAutoFit/>
+          </a:bodyPr>
+          <a:lstStyle/>
+          <a:p>
+            <a:r>
+              <a:rPr lang="en-US" sz="1000" smtClean="0"/>
+              <a:t>https://www.afdc.energy.gov/vehicles/how-do-hybrid-electric-cars-work</a:t>
+            </a:r>
+            <a:endParaRPr lang="en-US" sz="1000" dirty="0"/>
+          </a:p>
+        </p:txBody>
+      </p:sp>
     </p:spTree>
     <p:extLst>
       <p:ext uri="{BB962C8B-B14F-4D97-AF65-F5344CB8AC3E}">
@@ -12103,668 +11214,27 @@
                       </p:childTnLst>
                     </p:cTn>
                   </p:par>
-                </p:childTnLst>
-              </p:cTn>
-              <p:prevCondLst>
-                <p:cond evt="onPrev" delay="0">
-                  <p:tgtEl>
-                    <p:sldTgt/>
-                  </p:tgtEl>
-                </p:cond>
-              </p:prevCondLst>
-              <p:nextCondLst>
-                <p:cond evt="onNext" delay="0">
-                  <p:tgtEl>
-                    <p:sldTgt/>
-                  </p:tgtEl>
-                </p:cond>
-              </p:nextCondLst>
-            </p:seq>
-          </p:childTnLst>
-        </p:cTn>
-      </p:par>
-    </p:tnLst>
-  </p:timing>
-</p:sld>
-</file>
-
-<file path=ppt/slides/slide5.xml><?xml version="1.0" encoding="utf-8"?>
-<p:sld xmlns:a="http://schemas.openxmlformats.org/drawingml/2006/main" xmlns:r="http://schemas.openxmlformats.org/officeDocument/2006/relationships" xmlns:p="http://schemas.openxmlformats.org/presentationml/2006/main">
-  <p:cSld>
-    <p:spTree>
-      <p:nvGrpSpPr>
-        <p:cNvPr id="1" name=""/>
-        <p:cNvGrpSpPr/>
-        <p:nvPr/>
-      </p:nvGrpSpPr>
-      <p:grpSpPr>
-        <a:xfrm>
-          <a:off x="0" y="0"/>
-          <a:ext cx="0" cy="0"/>
-          <a:chOff x="0" y="0"/>
-          <a:chExt cx="0" cy="0"/>
-        </a:xfrm>
-      </p:grpSpPr>
-      <p:sp>
-        <p:nvSpPr>
-          <p:cNvPr id="10" name="Rectangle 9"/>
-          <p:cNvSpPr/>
-          <p:nvPr/>
-        </p:nvSpPr>
-        <p:spPr>
-          <a:xfrm>
-            <a:off x="0" y="12106"/>
-            <a:ext cx="1011942" cy="6854083"/>
-          </a:xfrm>
-          <a:prstGeom prst="rect">
-            <a:avLst/>
-          </a:prstGeom>
-          <a:gradFill flip="none" rotWithShape="1">
-            <a:gsLst>
-              <a:gs pos="50000">
-                <a:srgbClr val="D00000"/>
-              </a:gs>
-              <a:gs pos="0">
-                <a:srgbClr val="FF0000">
-                  <a:shade val="30000"/>
-                  <a:satMod val="115000"/>
-                </a:srgbClr>
-              </a:gs>
-              <a:gs pos="100000">
-                <a:schemeClr val="accent2">
-                  <a:lumMod val="60000"/>
-                  <a:lumOff val="40000"/>
-                </a:schemeClr>
-              </a:gs>
-            </a:gsLst>
-            <a:lin ang="5400000" scaled="1"/>
-            <a:tileRect/>
-          </a:gradFill>
-          <a:ln>
-            <a:noFill/>
-          </a:ln>
-        </p:spPr>
-        <p:style>
-          <a:lnRef idx="2">
-            <a:schemeClr val="accent1">
-              <a:shade val="50000"/>
-            </a:schemeClr>
-          </a:lnRef>
-          <a:fillRef idx="1">
-            <a:schemeClr val="accent1"/>
-          </a:fillRef>
-          <a:effectRef idx="0">
-            <a:schemeClr val="accent1"/>
-          </a:effectRef>
-          <a:fontRef idx="minor">
-            <a:schemeClr val="lt1"/>
-          </a:fontRef>
-        </p:style>
-        <p:txBody>
-          <a:bodyPr rtlCol="0" anchor="ctr"/>
-          <a:lstStyle/>
-          <a:p>
-            <a:pPr algn="ctr"/>
-            <a:endParaRPr lang="tr-TR"/>
-          </a:p>
-        </p:txBody>
-      </p:sp>
-      <p:cxnSp>
-        <p:nvCxnSpPr>
-          <p:cNvPr id="11" name="Straight Connector 10"/>
-          <p:cNvCxnSpPr/>
-          <p:nvPr/>
-        </p:nvCxnSpPr>
-        <p:spPr>
-          <a:xfrm>
-            <a:off x="1189918" y="838200"/>
-            <a:ext cx="7649282" cy="0"/>
-          </a:xfrm>
-          <a:prstGeom prst="line">
-            <a:avLst/>
-          </a:prstGeom>
-          <a:ln w="50800">
-            <a:solidFill>
-              <a:srgbClr val="F20000"/>
-            </a:solidFill>
-          </a:ln>
-        </p:spPr>
-        <p:style>
-          <a:lnRef idx="1">
-            <a:schemeClr val="accent1"/>
-          </a:lnRef>
-          <a:fillRef idx="0">
-            <a:schemeClr val="accent1"/>
-          </a:fillRef>
-          <a:effectRef idx="0">
-            <a:schemeClr val="accent1"/>
-          </a:effectRef>
-          <a:fontRef idx="minor">
-            <a:schemeClr val="tx1"/>
-          </a:fontRef>
-        </p:style>
-      </p:cxnSp>
-      <p:sp>
-        <p:nvSpPr>
-          <p:cNvPr id="13" name="TextBox 12"/>
-          <p:cNvSpPr txBox="1"/>
-          <p:nvPr/>
-        </p:nvSpPr>
-        <p:spPr>
-          <a:xfrm>
-            <a:off x="1386291" y="224135"/>
-            <a:ext cx="7315200" cy="553998"/>
-          </a:xfrm>
-          <a:prstGeom prst="rect">
-            <a:avLst/>
-          </a:prstGeom>
-          <a:noFill/>
-        </p:spPr>
-        <p:txBody>
-          <a:bodyPr wrap="square" rtlCol="0">
-            <a:spAutoFit/>
-          </a:bodyPr>
-          <a:lstStyle/>
-          <a:p>
-            <a:pPr algn="ctr"/>
-            <a:r>
-              <a:rPr lang="tr-TR" sz="3000" dirty="0">
-                <a:latin typeface="Times New Roman" panose="02020603050405020304" pitchFamily="18" charset="0"/>
-                <a:cs typeface="Times New Roman" panose="02020603050405020304" pitchFamily="18" charset="0"/>
-              </a:rPr>
-              <a:t>IMMD </a:t>
-            </a:r>
-            <a:r>
-              <a:rPr lang="tr-TR" sz="3000" dirty="0" err="1">
-                <a:latin typeface="Times New Roman" panose="02020603050405020304" pitchFamily="18" charset="0"/>
-                <a:cs typeface="Times New Roman" panose="02020603050405020304" pitchFamily="18" charset="0"/>
-              </a:rPr>
-              <a:t>Technology</a:t>
-            </a:r>
-            <a:r>
-              <a:rPr lang="tr-TR" sz="3000" dirty="0">
-                <a:latin typeface="Times New Roman" panose="02020603050405020304" pitchFamily="18" charset="0"/>
-                <a:cs typeface="Times New Roman" panose="02020603050405020304" pitchFamily="18" charset="0"/>
-              </a:rPr>
-              <a:t> </a:t>
-            </a:r>
-            <a:r>
-              <a:rPr lang="tr-TR" sz="3000" dirty="0" err="1">
-                <a:latin typeface="Times New Roman" panose="02020603050405020304" pitchFamily="18" charset="0"/>
-                <a:cs typeface="Times New Roman" panose="02020603050405020304" pitchFamily="18" charset="0"/>
-              </a:rPr>
-              <a:t>Review</a:t>
-            </a:r>
-            <a:endParaRPr lang="tr-TR" sz="3000" dirty="0">
-              <a:latin typeface="Times New Roman" panose="02020603050405020304" pitchFamily="18" charset="0"/>
-              <a:cs typeface="Times New Roman" panose="02020603050405020304" pitchFamily="18" charset="0"/>
-            </a:endParaRPr>
-          </a:p>
-        </p:txBody>
-      </p:sp>
-      <p:cxnSp>
-        <p:nvCxnSpPr>
-          <p:cNvPr id="15" name="Straight Connector 14"/>
-          <p:cNvCxnSpPr/>
-          <p:nvPr/>
-        </p:nvCxnSpPr>
-        <p:spPr>
-          <a:xfrm>
-            <a:off x="1189918" y="914400"/>
-            <a:ext cx="7649282" cy="0"/>
-          </a:xfrm>
-          <a:prstGeom prst="line">
-            <a:avLst/>
-          </a:prstGeom>
-          <a:ln w="19050">
-            <a:solidFill>
-              <a:srgbClr val="F20000"/>
-            </a:solidFill>
-          </a:ln>
-        </p:spPr>
-        <p:style>
-          <a:lnRef idx="1">
-            <a:schemeClr val="accent1"/>
-          </a:lnRef>
-          <a:fillRef idx="0">
-            <a:schemeClr val="accent1"/>
-          </a:fillRef>
-          <a:effectRef idx="0">
-            <a:schemeClr val="accent1"/>
-          </a:effectRef>
-          <a:fontRef idx="minor">
-            <a:schemeClr val="tx1"/>
-          </a:fontRef>
-        </p:style>
-      </p:cxnSp>
-      <p:sp>
-        <p:nvSpPr>
-          <p:cNvPr id="2" name="Slide Number Placeholder 1"/>
-          <p:cNvSpPr>
-            <a:spLocks noGrp="1"/>
-          </p:cNvSpPr>
-          <p:nvPr>
-            <p:ph type="sldNum" sz="quarter" idx="12"/>
-          </p:nvPr>
-        </p:nvSpPr>
-        <p:spPr/>
-        <p:txBody>
-          <a:bodyPr/>
-          <a:lstStyle/>
-          <a:p>
-            <a:fld id="{B6F15528-21DE-4FAA-801E-634DDDAF4B2B}" type="slidenum">
-              <a:rPr lang="en-US" smtClean="0"/>
-              <a:pPr/>
-              <a:t>5</a:t>
-            </a:fld>
-            <a:endParaRPr lang="en-US" dirty="0"/>
-          </a:p>
-        </p:txBody>
-      </p:sp>
-      <p:sp>
-        <p:nvSpPr>
-          <p:cNvPr id="17" name="Text Box 9"/>
-          <p:cNvSpPr txBox="1">
-            <a:spLocks noChangeArrowheads="1"/>
-          </p:cNvSpPr>
-          <p:nvPr/>
-        </p:nvSpPr>
-        <p:spPr bwMode="auto">
-          <a:xfrm>
-            <a:off x="1213407" y="1069400"/>
-            <a:ext cx="7672691" cy="461665"/>
-          </a:xfrm>
-          <a:prstGeom prst="rect">
-            <a:avLst/>
-          </a:prstGeom>
-          <a:noFill/>
-          <a:ln w="9525">
-            <a:noFill/>
-            <a:miter lim="800000"/>
-            <a:headEnd/>
-            <a:tailEnd/>
-          </a:ln>
-          <a:effectLst/>
-        </p:spPr>
-        <p:txBody>
-          <a:bodyPr wrap="square">
-            <a:spAutoFit/>
-          </a:bodyPr>
-          <a:lstStyle/>
-          <a:p>
-            <a:pPr algn="ctr"/>
-            <a:r>
-              <a:rPr lang="en-US" sz="2400" b="1" dirty="0" smtClean="0">
-                <a:latin typeface="Times New Roman" panose="02020603050405020304" pitchFamily="18" charset="0"/>
-                <a:cs typeface="Times New Roman" panose="02020603050405020304" pitchFamily="18" charset="0"/>
-              </a:rPr>
-              <a:t>Electric </a:t>
-            </a:r>
-            <a:r>
-              <a:rPr lang="en-US" sz="2400" b="1" dirty="0">
-                <a:latin typeface="Times New Roman" panose="02020603050405020304" pitchFamily="18" charset="0"/>
-                <a:cs typeface="Times New Roman" panose="02020603050405020304" pitchFamily="18" charset="0"/>
-              </a:rPr>
-              <a:t>traction</a:t>
-            </a:r>
-            <a:r>
-              <a:rPr lang="tr-TR" sz="2400" dirty="0">
-                <a:latin typeface="Times New Roman" panose="02020603050405020304" pitchFamily="18" charset="0"/>
-                <a:cs typeface="Times New Roman" panose="02020603050405020304" pitchFamily="18" charset="0"/>
-              </a:rPr>
-              <a:t>:</a:t>
-            </a:r>
-            <a:r>
-              <a:rPr lang="en-US" sz="2400" dirty="0">
-                <a:latin typeface="Times New Roman" panose="02020603050405020304" pitchFamily="18" charset="0"/>
-                <a:cs typeface="Times New Roman" panose="02020603050405020304" pitchFamily="18" charset="0"/>
-              </a:rPr>
-              <a:t> </a:t>
-            </a:r>
-            <a:r>
-              <a:rPr lang="tr-TR" sz="2400" dirty="0" smtClean="0">
-                <a:latin typeface="Times New Roman" panose="02020603050405020304" pitchFamily="18" charset="0"/>
-                <a:cs typeface="Times New Roman" panose="02020603050405020304" pitchFamily="18" charset="0"/>
-              </a:rPr>
-              <a:t>EVs</a:t>
-            </a:r>
-            <a:r>
-              <a:rPr lang="en-US" sz="2400" dirty="0" smtClean="0">
-                <a:latin typeface="Times New Roman" panose="02020603050405020304" pitchFamily="18" charset="0"/>
-                <a:cs typeface="Times New Roman" panose="02020603050405020304" pitchFamily="18" charset="0"/>
-              </a:rPr>
-              <a:t>,</a:t>
-            </a:r>
-            <a:r>
-              <a:rPr lang="tr-TR" sz="2400" dirty="0" smtClean="0">
-                <a:latin typeface="Times New Roman" panose="02020603050405020304" pitchFamily="18" charset="0"/>
-                <a:cs typeface="Times New Roman" panose="02020603050405020304" pitchFamily="18" charset="0"/>
-              </a:rPr>
-              <a:t> HEVs,</a:t>
-            </a:r>
-            <a:r>
-              <a:rPr lang="en-US" sz="2400" dirty="0" smtClean="0">
-                <a:latin typeface="Times New Roman" panose="02020603050405020304" pitchFamily="18" charset="0"/>
-                <a:cs typeface="Times New Roman" panose="02020603050405020304" pitchFamily="18" charset="0"/>
-              </a:rPr>
-              <a:t> </a:t>
-            </a:r>
-            <a:r>
-              <a:rPr lang="tr-TR" sz="2400" dirty="0" smtClean="0">
-                <a:latin typeface="Times New Roman" panose="02020603050405020304" pitchFamily="18" charset="0"/>
-                <a:cs typeface="Times New Roman" panose="02020603050405020304" pitchFamily="18" charset="0"/>
-              </a:rPr>
-              <a:t>T</a:t>
-            </a:r>
-            <a:r>
-              <a:rPr lang="en-US" sz="2400" dirty="0" smtClean="0">
-                <a:latin typeface="Times New Roman" panose="02020603050405020304" pitchFamily="18" charset="0"/>
-                <a:cs typeface="Times New Roman" panose="02020603050405020304" pitchFamily="18" charset="0"/>
-              </a:rPr>
-              <a:t>rain</a:t>
-            </a:r>
-            <a:r>
-              <a:rPr lang="tr-TR" sz="2400" dirty="0" smtClean="0">
-                <a:latin typeface="Times New Roman" panose="02020603050405020304" pitchFamily="18" charset="0"/>
-                <a:cs typeface="Times New Roman" panose="02020603050405020304" pitchFamily="18" charset="0"/>
-              </a:rPr>
-              <a:t>s</a:t>
-            </a:r>
-          </a:p>
-        </p:txBody>
-      </p:sp>
-      <p:sp>
-        <p:nvSpPr>
-          <p:cNvPr id="12" name="Text Box 9"/>
-          <p:cNvSpPr txBox="1">
-            <a:spLocks noChangeArrowheads="1"/>
-          </p:cNvSpPr>
-          <p:nvPr/>
-        </p:nvSpPr>
-        <p:spPr bwMode="auto">
-          <a:xfrm>
-            <a:off x="1028800" y="1568815"/>
-            <a:ext cx="7672691" cy="461665"/>
-          </a:xfrm>
-          <a:prstGeom prst="rect">
-            <a:avLst/>
-          </a:prstGeom>
-          <a:noFill/>
-          <a:ln w="9525">
-            <a:noFill/>
-            <a:miter lim="800000"/>
-            <a:headEnd/>
-            <a:tailEnd/>
-          </a:ln>
-          <a:effectLst/>
-        </p:spPr>
-        <p:txBody>
-          <a:bodyPr wrap="square">
-            <a:spAutoFit/>
-          </a:bodyPr>
-          <a:lstStyle/>
-          <a:p>
-            <a:pPr algn="ctr"/>
-            <a:r>
-              <a:rPr lang="en-US" sz="2400" b="1" dirty="0" smtClean="0">
-                <a:latin typeface="Times New Roman" panose="02020603050405020304" pitchFamily="18" charset="0"/>
-                <a:cs typeface="Times New Roman" panose="02020603050405020304" pitchFamily="18" charset="0"/>
-              </a:rPr>
-              <a:t>Aerospace: </a:t>
-            </a:r>
-            <a:r>
-              <a:rPr lang="en-US" sz="2400" dirty="0" smtClean="0">
-                <a:latin typeface="Times New Roman" panose="02020603050405020304" pitchFamily="18" charset="0"/>
-                <a:cs typeface="Times New Roman" panose="02020603050405020304" pitchFamily="18" charset="0"/>
-              </a:rPr>
-              <a:t>Aircrafts, Space</a:t>
-            </a:r>
-            <a:r>
-              <a:rPr lang="tr-TR" sz="2400" dirty="0" smtClean="0">
-                <a:latin typeface="Times New Roman" panose="02020603050405020304" pitchFamily="18" charset="0"/>
-                <a:cs typeface="Times New Roman" panose="02020603050405020304" pitchFamily="18" charset="0"/>
-              </a:rPr>
-              <a:t> </a:t>
-            </a:r>
-            <a:r>
-              <a:rPr lang="en-US" sz="2400" dirty="0" smtClean="0">
-                <a:latin typeface="Times New Roman" panose="02020603050405020304" pitchFamily="18" charset="0"/>
-                <a:cs typeface="Times New Roman" panose="02020603050405020304" pitchFamily="18" charset="0"/>
-              </a:rPr>
-              <a:t>crafts</a:t>
-            </a:r>
-            <a:endParaRPr lang="en-US" sz="2400" dirty="0">
-              <a:latin typeface="Times New Roman" panose="02020603050405020304" pitchFamily="18" charset="0"/>
-              <a:cs typeface="Times New Roman" panose="02020603050405020304" pitchFamily="18" charset="0"/>
-            </a:endParaRPr>
-          </a:p>
-        </p:txBody>
-      </p:sp>
-      <p:pic>
-        <p:nvPicPr>
-          <p:cNvPr id="4" name="Picture 3"/>
-          <p:cNvPicPr>
-            <a:picLocks noChangeAspect="1"/>
-          </p:cNvPicPr>
-          <p:nvPr/>
-        </p:nvPicPr>
-        <p:blipFill rotWithShape="1">
-          <a:blip r:embed="rId2">
-            <a:extLst>
-              <a:ext uri="{28A0092B-C50C-407E-A947-70E740481C1C}">
-                <a14:useLocalDpi xmlns:a14="http://schemas.microsoft.com/office/drawing/2010/main" val="0"/>
-              </a:ext>
-            </a:extLst>
-          </a:blip>
-          <a:srcRect l="12500" t="9091" r="9091" b="2273"/>
-          <a:stretch/>
-        </p:blipFill>
-        <p:spPr>
-          <a:xfrm>
-            <a:off x="1056732" y="2684894"/>
-            <a:ext cx="2950958" cy="2501900"/>
-          </a:xfrm>
-          <a:prstGeom prst="rect">
-            <a:avLst/>
-          </a:prstGeom>
-        </p:spPr>
-      </p:pic>
-      <p:pic>
-        <p:nvPicPr>
-          <p:cNvPr id="5" name="Picture 4"/>
-          <p:cNvPicPr>
-            <a:picLocks noChangeAspect="1"/>
-          </p:cNvPicPr>
-          <p:nvPr/>
-        </p:nvPicPr>
-        <p:blipFill rotWithShape="1">
-          <a:blip r:embed="rId3">
-            <a:extLst>
-              <a:ext uri="{28A0092B-C50C-407E-A947-70E740481C1C}">
-                <a14:useLocalDpi xmlns:a14="http://schemas.microsoft.com/office/drawing/2010/main" val="0"/>
-              </a:ext>
-            </a:extLst>
-          </a:blip>
-          <a:srcRect t="9649"/>
-          <a:stretch/>
-        </p:blipFill>
-        <p:spPr>
-          <a:xfrm>
-            <a:off x="4009644" y="2536903"/>
-            <a:ext cx="5087112" cy="2776120"/>
-          </a:xfrm>
-          <a:prstGeom prst="rect">
-            <a:avLst/>
-          </a:prstGeom>
-        </p:spPr>
-      </p:pic>
-      <p:sp>
-        <p:nvSpPr>
-          <p:cNvPr id="6" name="Rectangle 5"/>
-          <p:cNvSpPr/>
-          <p:nvPr/>
-        </p:nvSpPr>
-        <p:spPr>
-          <a:xfrm>
-            <a:off x="1011942" y="6565370"/>
-            <a:ext cx="5410200" cy="246221"/>
-          </a:xfrm>
-          <a:prstGeom prst="rect">
-            <a:avLst/>
-          </a:prstGeom>
-        </p:spPr>
-        <p:txBody>
-          <a:bodyPr wrap="square">
-            <a:spAutoFit/>
-          </a:bodyPr>
-          <a:lstStyle/>
-          <a:p>
-            <a:r>
-              <a:rPr lang="en-US" sz="1000" smtClean="0"/>
-              <a:t>https://www.afdc.energy.gov/vehicles/how-do-hybrid-electric-cars-work</a:t>
-            </a:r>
-            <a:endParaRPr lang="en-US" sz="1000" dirty="0"/>
-          </a:p>
-        </p:txBody>
-      </p:sp>
-      <p:sp>
-        <p:nvSpPr>
-          <p:cNvPr id="8" name="Rectangle 7"/>
-          <p:cNvSpPr/>
-          <p:nvPr/>
-        </p:nvSpPr>
-        <p:spPr>
-          <a:xfrm>
-            <a:off x="1011942" y="6334422"/>
-            <a:ext cx="4572000" cy="246221"/>
-          </a:xfrm>
-          <a:prstGeom prst="rect">
-            <a:avLst/>
-          </a:prstGeom>
-        </p:spPr>
-        <p:txBody>
-          <a:bodyPr>
-            <a:spAutoFit/>
-          </a:bodyPr>
-          <a:lstStyle/>
-          <a:p>
-            <a:r>
-              <a:rPr lang="en-US" sz="1000" dirty="0"/>
-              <a:t>http://www.carparts.com/classroom/alternativepowersystems.htm</a:t>
-            </a:r>
-          </a:p>
-        </p:txBody>
-      </p:sp>
-      <p:pic>
-        <p:nvPicPr>
-          <p:cNvPr id="16" name="Picture 15"/>
-          <p:cNvPicPr>
-            <a:picLocks noChangeAspect="1"/>
-          </p:cNvPicPr>
-          <p:nvPr/>
-        </p:nvPicPr>
-        <p:blipFill>
-          <a:blip r:embed="rId4" cstate="print">
-            <a:extLst>
-              <a:ext uri="{28A0092B-C50C-407E-A947-70E740481C1C}">
-                <a14:useLocalDpi xmlns:a14="http://schemas.microsoft.com/office/drawing/2010/main" val="0"/>
-              </a:ext>
-            </a:extLst>
-          </a:blip>
-          <a:stretch>
-            <a:fillRect/>
-          </a:stretch>
-        </p:blipFill>
-        <p:spPr>
-          <a:xfrm rot="16200000">
-            <a:off x="-876200" y="5067199"/>
-            <a:ext cx="2759076" cy="549476"/>
-          </a:xfrm>
-          <a:prstGeom prst="rect">
-            <a:avLst/>
-          </a:prstGeom>
-        </p:spPr>
-      </p:pic>
-      <p:pic>
-        <p:nvPicPr>
-          <p:cNvPr id="18" name="Picture 2" descr="C:\Users\Mesut\Desktop\aselsan sunum\aselsan sunum 10 ekim\aselsan sunum\cezmi bey\ODTU.png"/>
-          <p:cNvPicPr>
-            <a:picLocks noChangeAspect="1" noChangeArrowheads="1"/>
-          </p:cNvPicPr>
-          <p:nvPr/>
-        </p:nvPicPr>
-        <p:blipFill>
-          <a:blip r:embed="rId5" cstate="print">
-            <a:extLst>
-              <a:ext uri="{28A0092B-C50C-407E-A947-70E740481C1C}">
-                <a14:useLocalDpi xmlns:a14="http://schemas.microsoft.com/office/drawing/2010/main" val="0"/>
-              </a:ext>
-            </a:extLst>
-          </a:blip>
-          <a:srcRect/>
-          <a:stretch>
-            <a:fillRect/>
-          </a:stretch>
-        </p:blipFill>
-        <p:spPr bwMode="auto">
-          <a:xfrm>
-            <a:off x="116458" y="163788"/>
-            <a:ext cx="779026" cy="650016"/>
-          </a:xfrm>
-          <a:prstGeom prst="rect">
-            <a:avLst/>
-          </a:prstGeom>
-          <a:noFill/>
-          <a:extLst>
-            <a:ext uri="{909E8E84-426E-40DD-AFC4-6F175D3DCCD1}">
-              <a14:hiddenFill xmlns:a14="http://schemas.microsoft.com/office/drawing/2010/main">
-                <a:solidFill>
-                  <a:srgbClr val="FFFFFF"/>
-                </a:solidFill>
-              </a14:hiddenFill>
-            </a:ext>
-          </a:extLst>
-        </p:spPr>
-      </p:pic>
-    </p:spTree>
-    <p:extLst>
-      <p:ext uri="{BB962C8B-B14F-4D97-AF65-F5344CB8AC3E}">
-        <p14:creationId xmlns:p14="http://schemas.microsoft.com/office/powerpoint/2010/main" val="1828716564"/>
-      </p:ext>
-    </p:extLst>
-  </p:cSld>
-  <p:clrMapOvr>
-    <a:masterClrMapping/>
-  </p:clrMapOvr>
-  <p:timing>
-    <p:tnLst>
-      <p:par>
-        <p:cTn id="1" dur="indefinite" restart="never" nodeType="tmRoot">
-          <p:childTnLst>
-            <p:seq concurrent="1" nextAc="seek">
-              <p:cTn id="2" dur="indefinite" nodeType="mainSeq">
-                <p:childTnLst>
                   <p:par>
-                    <p:cTn id="3" fill="hold">
+                    <p:cTn id="41" fill="hold">
                       <p:stCondLst>
                         <p:cond delay="indefinite"/>
                       </p:stCondLst>
                       <p:childTnLst>
                         <p:par>
-                          <p:cTn id="4" fill="hold">
+                          <p:cTn id="42" fill="hold">
                             <p:stCondLst>
                               <p:cond delay="0"/>
                             </p:stCondLst>
                             <p:childTnLst>
                               <p:par>
-                                <p:cTn id="5" presetID="10" presetClass="entr" presetSubtype="0" fill="hold" grpId="0" nodeType="clickEffect">
+                                <p:cTn id="43" presetID="2" presetClass="entr" presetSubtype="4" fill="hold" grpId="0" nodeType="clickEffect">
                                   <p:stCondLst>
                                     <p:cond delay="0"/>
                                   </p:stCondLst>
                                   <p:childTnLst>
                                     <p:set>
                                       <p:cBhvr>
-                                        <p:cTn id="6" dur="1" fill="hold">
+                                        <p:cTn id="44" dur="1" fill="hold">
                                           <p:stCondLst>
                                             <p:cond delay="0"/>
                                           </p:stCondLst>
@@ -12780,50 +11250,70 @@
                                         <p:strVal val="visible"/>
                                       </p:to>
                                     </p:set>
-                                    <p:animEffect transition="in" filter="fade">
-                                      <p:cBhvr>
-                                        <p:cTn id="7" dur="500"/>
+                                    <p:anim calcmode="lin" valueType="num">
+                                      <p:cBhvr additive="base">
+                                        <p:cTn id="45" dur="500" fill="hold"/>
                                         <p:tgtEl>
                                           <p:spTgt spid="17"/>
                                         </p:tgtEl>
+                                        <p:attrNameLst>
+                                          <p:attrName>ppt_x</p:attrName>
+                                        </p:attrNameLst>
                                       </p:cBhvr>
-                                    </p:animEffect>
+                                      <p:tavLst>
+                                        <p:tav tm="0">
+                                          <p:val>
+                                            <p:strVal val="#ppt_x"/>
+                                          </p:val>
+                                        </p:tav>
+                                        <p:tav tm="100000">
+                                          <p:val>
+                                            <p:strVal val="#ppt_x"/>
+                                          </p:val>
+                                        </p:tav>
+                                      </p:tavLst>
+                                    </p:anim>
+                                    <p:anim calcmode="lin" valueType="num">
+                                      <p:cBhvr additive="base">
+                                        <p:cTn id="46" dur="500" fill="hold"/>
+                                        <p:tgtEl>
+                                          <p:spTgt spid="17"/>
+                                        </p:tgtEl>
+                                        <p:attrNameLst>
+                                          <p:attrName>ppt_y</p:attrName>
+                                        </p:attrNameLst>
+                                      </p:cBhvr>
+                                      <p:tavLst>
+                                        <p:tav tm="0">
+                                          <p:val>
+                                            <p:strVal val="1+#ppt_h/2"/>
+                                          </p:val>
+                                        </p:tav>
+                                        <p:tav tm="100000">
+                                          <p:val>
+                                            <p:strVal val="#ppt_y"/>
+                                          </p:val>
+                                        </p:tav>
+                                      </p:tavLst>
+                                    </p:anim>
                                   </p:childTnLst>
                                 </p:cTn>
                               </p:par>
-                            </p:childTnLst>
-                          </p:cTn>
-                        </p:par>
-                      </p:childTnLst>
-                    </p:cTn>
-                  </p:par>
-                  <p:par>
-                    <p:cTn id="8" fill="hold">
-                      <p:stCondLst>
-                        <p:cond delay="indefinite"/>
-                      </p:stCondLst>
-                      <p:childTnLst>
-                        <p:par>
-                          <p:cTn id="9" fill="hold">
-                            <p:stCondLst>
-                              <p:cond delay="0"/>
-                            </p:stCondLst>
-                            <p:childTnLst>
                               <p:par>
-                                <p:cTn id="10" presetID="10" presetClass="entr" presetSubtype="0" fill="hold" grpId="0" nodeType="clickEffect">
+                                <p:cTn id="47" presetID="2" presetClass="entr" presetSubtype="4" fill="hold" grpId="0" nodeType="withEffect">
                                   <p:stCondLst>
                                     <p:cond delay="0"/>
                                   </p:stCondLst>
                                   <p:childTnLst>
                                     <p:set>
                                       <p:cBhvr>
-                                        <p:cTn id="11" dur="1" fill="hold">
+                                        <p:cTn id="48" dur="1" fill="hold">
                                           <p:stCondLst>
                                             <p:cond delay="0"/>
                                           </p:stCondLst>
                                         </p:cTn>
                                         <p:tgtEl>
-                                          <p:spTgt spid="12"/>
+                                          <p:spTgt spid="19"/>
                                         </p:tgtEl>
                                         <p:attrNameLst>
                                           <p:attrName>style.visibility</p:attrName>
@@ -12833,50 +11323,70 @@
                                         <p:strVal val="visible"/>
                                       </p:to>
                                     </p:set>
-                                    <p:animEffect transition="in" filter="fade">
-                                      <p:cBhvr>
-                                        <p:cTn id="12" dur="500"/>
+                                    <p:anim calcmode="lin" valueType="num">
+                                      <p:cBhvr additive="base">
+                                        <p:cTn id="49" dur="500" fill="hold"/>
                                         <p:tgtEl>
-                                          <p:spTgt spid="12"/>
+                                          <p:spTgt spid="19"/>
                                         </p:tgtEl>
+                                        <p:attrNameLst>
+                                          <p:attrName>ppt_x</p:attrName>
+                                        </p:attrNameLst>
                                       </p:cBhvr>
-                                    </p:animEffect>
+                                      <p:tavLst>
+                                        <p:tav tm="0">
+                                          <p:val>
+                                            <p:strVal val="#ppt_x"/>
+                                          </p:val>
+                                        </p:tav>
+                                        <p:tav tm="100000">
+                                          <p:val>
+                                            <p:strVal val="#ppt_x"/>
+                                          </p:val>
+                                        </p:tav>
+                                      </p:tavLst>
+                                    </p:anim>
+                                    <p:anim calcmode="lin" valueType="num">
+                                      <p:cBhvr additive="base">
+                                        <p:cTn id="50" dur="500" fill="hold"/>
+                                        <p:tgtEl>
+                                          <p:spTgt spid="19"/>
+                                        </p:tgtEl>
+                                        <p:attrNameLst>
+                                          <p:attrName>ppt_y</p:attrName>
+                                        </p:attrNameLst>
+                                      </p:cBhvr>
+                                      <p:tavLst>
+                                        <p:tav tm="0">
+                                          <p:val>
+                                            <p:strVal val="1+#ppt_h/2"/>
+                                          </p:val>
+                                        </p:tav>
+                                        <p:tav tm="100000">
+                                          <p:val>
+                                            <p:strVal val="#ppt_y"/>
+                                          </p:val>
+                                        </p:tav>
+                                      </p:tavLst>
+                                    </p:anim>
                                   </p:childTnLst>
                                 </p:cTn>
                               </p:par>
-                            </p:childTnLst>
-                          </p:cTn>
-                        </p:par>
-                      </p:childTnLst>
-                    </p:cTn>
-                  </p:par>
-                  <p:par>
-                    <p:cTn id="13" fill="hold">
-                      <p:stCondLst>
-                        <p:cond delay="indefinite"/>
-                      </p:stCondLst>
-                      <p:childTnLst>
-                        <p:par>
-                          <p:cTn id="14" fill="hold">
-                            <p:stCondLst>
-                              <p:cond delay="0"/>
-                            </p:stCondLst>
-                            <p:childTnLst>
                               <p:par>
-                                <p:cTn id="15" presetID="1" presetClass="entr" presetSubtype="0" fill="hold" nodeType="clickEffect">
+                                <p:cTn id="51" presetID="2" presetClass="entr" presetSubtype="4" fill="hold" grpId="0" nodeType="withEffect">
                                   <p:stCondLst>
                                     <p:cond delay="0"/>
                                   </p:stCondLst>
                                   <p:childTnLst>
                                     <p:set>
                                       <p:cBhvr>
-                                        <p:cTn id="16" dur="1" fill="hold">
+                                        <p:cTn id="52" dur="1" fill="hold">
                                           <p:stCondLst>
                                             <p:cond delay="0"/>
                                           </p:stCondLst>
                                         </p:cTn>
                                         <p:tgtEl>
-                                          <p:spTgt spid="5"/>
+                                          <p:spTgt spid="20"/>
                                         </p:tgtEl>
                                         <p:attrNameLst>
                                           <p:attrName>style.visibility</p:attrName>
@@ -12886,24 +11396,70 @@
                                         <p:strVal val="visible"/>
                                       </p:to>
                                     </p:set>
+                                    <p:anim calcmode="lin" valueType="num">
+                                      <p:cBhvr additive="base">
+                                        <p:cTn id="53" dur="500" fill="hold"/>
+                                        <p:tgtEl>
+                                          <p:spTgt spid="20"/>
+                                        </p:tgtEl>
+                                        <p:attrNameLst>
+                                          <p:attrName>ppt_x</p:attrName>
+                                        </p:attrNameLst>
+                                      </p:cBhvr>
+                                      <p:tavLst>
+                                        <p:tav tm="0">
+                                          <p:val>
+                                            <p:strVal val="#ppt_x"/>
+                                          </p:val>
+                                        </p:tav>
+                                        <p:tav tm="100000">
+                                          <p:val>
+                                            <p:strVal val="#ppt_x"/>
+                                          </p:val>
+                                        </p:tav>
+                                      </p:tavLst>
+                                    </p:anim>
+                                    <p:anim calcmode="lin" valueType="num">
+                                      <p:cBhvr additive="base">
+                                        <p:cTn id="54" dur="500" fill="hold"/>
+                                        <p:tgtEl>
+                                          <p:spTgt spid="20"/>
+                                        </p:tgtEl>
+                                        <p:attrNameLst>
+                                          <p:attrName>ppt_y</p:attrName>
+                                        </p:attrNameLst>
+                                      </p:cBhvr>
+                                      <p:tavLst>
+                                        <p:tav tm="0">
+                                          <p:val>
+                                            <p:strVal val="1+#ppt_h/2"/>
+                                          </p:val>
+                                        </p:tav>
+                                        <p:tav tm="100000">
+                                          <p:val>
+                                            <p:strVal val="#ppt_y"/>
+                                          </p:val>
+                                        </p:tav>
+                                      </p:tavLst>
+                                    </p:anim>
                                   </p:childTnLst>
                                 </p:cTn>
                               </p:par>
                               <p:par>
-                                <p:cTn id="17" presetID="1" presetClass="entr" presetSubtype="0" fill="hold" nodeType="withEffect">
+                                <p:cTn id="55" presetID="2" presetClass="entr" presetSubtype="4" fill="hold" nodeType="withEffect">
                                   <p:stCondLst>
                                     <p:cond delay="0"/>
                                   </p:stCondLst>
                                   <p:childTnLst>
                                     <p:set>
                                       <p:cBhvr>
-                                        <p:cTn id="18" dur="1" fill="hold">
+                                        <p:cTn id="56" dur="1" fill="hold">
                                           <p:stCondLst>
                                             <p:cond delay="0"/>
                                           </p:stCondLst>
                                         </p:cTn>
                                         <p:tgtEl>
-                                          <p:spTgt spid="4"/>
+                                          <p:spTgt spid="21"/>
                                         </p:tgtEl>
                                         <p:attrNameLst>
                                           <p:attrName>style.visibility</p:attrName>
@@ -12913,6 +11469,52 @@
                                         <p:strVal val="visible"/>
                                       </p:to>
                                     </p:set>
+                                    <p:anim calcmode="lin" valueType="num">
+                                      <p:cBhvr additive="base">
+                                        <p:cTn id="57" dur="500" fill="hold"/>
+                                        <p:tgtEl>
+                                          <p:spTgt spid="21"/>
+                                        </p:tgtEl>
+                                        <p:attrNameLst>
+                                          <p:attrName>ppt_x</p:attrName>
+                                        </p:attrNameLst>
+                                      </p:cBhvr>
+                                      <p:tavLst>
+                                        <p:tav tm="0">
+                                          <p:val>
+                                            <p:strVal val="#ppt_x"/>
+                                          </p:val>
+                                        </p:tav>
+                                        <p:tav tm="100000">
+                                          <p:val>
+                                            <p:strVal val="#ppt_x"/>
+                                          </p:val>
+                                        </p:tav>
+                                      </p:tavLst>
+                                    </p:anim>
+                                    <p:anim calcmode="lin" valueType="num">
+                                      <p:cBhvr additive="base">
+                                        <p:cTn id="58" dur="500" fill="hold"/>
+                                        <p:tgtEl>
+                                          <p:spTgt spid="21"/>
+                                        </p:tgtEl>
+                                        <p:attrNameLst>
+                                          <p:attrName>ppt_y</p:attrName>
+                                        </p:attrNameLst>
+                                      </p:cBhvr>
+                                      <p:tavLst>
+                                        <p:tav tm="0">
+                                          <p:val>
+                                            <p:strVal val="1+#ppt_h/2"/>
+                                          </p:val>
+                                        </p:tav>
+                                        <p:tav tm="100000">
+                                          <p:val>
+                                            <p:strVal val="#ppt_y"/>
+                                          </p:val>
+                                        </p:tav>
+                                      </p:tavLst>
+                                    </p:anim>
                                   </p:childTnLst>
                                 </p:cTn>
                               </p:par>
@@ -12945,13 +11547,14 @@
     </p:tnLst>
     <p:bldLst>
       <p:bldP spid="17" grpId="0"/>
-      <p:bldP spid="12" grpId="0"/>
+      <p:bldP spid="19" grpId="0"/>
+      <p:bldP spid="20" grpId="0"/>
     </p:bldLst>
   </p:timing>
 </p:sld>
 </file>
 
-<file path=ppt/slides/slide6.xml><?xml version="1.0" encoding="utf-8"?>
+<file path=ppt/slides/slide5.xml><?xml version="1.0" encoding="utf-8"?>
 <p:sld xmlns:a="http://schemas.openxmlformats.org/drawingml/2006/main" xmlns:r="http://schemas.openxmlformats.org/officeDocument/2006/relationships" xmlns:p="http://schemas.openxmlformats.org/presentationml/2006/main">
   <p:cSld>
     <p:spTree>
@@ -13185,7 +11788,7 @@
             <a:fld id="{B6F15528-21DE-4FAA-801E-634DDDAF4B2B}" type="slidenum">
               <a:rPr lang="en-US" smtClean="0"/>
               <a:pPr/>
-              <a:t>6</a:t>
+              <a:t>5</a:t>
             </a:fld>
             <a:endParaRPr lang="en-US" dirty="0"/>
           </a:p>
@@ -13201,7 +11804,7 @@
         </p:nvSpPr>
         <p:spPr bwMode="auto">
           <a:xfrm>
-            <a:off x="1295399" y="1084656"/>
+            <a:off x="1295400" y="1510098"/>
             <a:ext cx="7672691" cy="1938992"/>
           </a:xfrm>
           <a:prstGeom prst="rect">
@@ -13305,94 +11908,14 @@
         </p:blipFill>
         <p:spPr>
           <a:xfrm>
-            <a:off x="1658898" y="3505200"/>
-            <a:ext cx="6711322" cy="2689835"/>
+            <a:off x="3822580" y="1558764"/>
+            <a:ext cx="5331189" cy="2136691"/>
           </a:xfrm>
           <a:prstGeom prst="rect">
             <a:avLst/>
           </a:prstGeom>
         </p:spPr>
       </p:pic>
-      <p:sp>
-        <p:nvSpPr>
-          <p:cNvPr id="12" name="Text Box 9"/>
-          <p:cNvSpPr txBox="1">
-            <a:spLocks noChangeArrowheads="1"/>
-          </p:cNvSpPr>
-          <p:nvPr/>
-        </p:nvSpPr>
-        <p:spPr bwMode="auto">
-          <a:xfrm>
-            <a:off x="3869591" y="1096379"/>
-            <a:ext cx="4991101" cy="1569660"/>
-          </a:xfrm>
-          <a:prstGeom prst="rect">
-            <a:avLst/>
-          </a:prstGeom>
-          <a:noFill/>
-          <a:ln w="9525">
-            <a:noFill/>
-            <a:miter lim="800000"/>
-            <a:headEnd/>
-            <a:tailEnd/>
-          </a:ln>
-          <a:effectLst/>
-        </p:spPr>
-        <p:txBody>
-          <a:bodyPr wrap="square">
-            <a:spAutoFit/>
-          </a:bodyPr>
-          <a:lstStyle/>
-          <a:p>
-            <a:pPr lvl="1"/>
-            <a:r>
-              <a:rPr lang="en-US" sz="2400" dirty="0" smtClean="0">
-                <a:latin typeface="Times New Roman" panose="02020603050405020304" pitchFamily="18" charset="0"/>
-                <a:cs typeface="Times New Roman" panose="02020603050405020304" pitchFamily="18" charset="0"/>
-              </a:rPr>
-              <a:t>Passive component size reduction</a:t>
-            </a:r>
-          </a:p>
-          <a:p>
-            <a:pPr lvl="1"/>
-            <a:r>
-              <a:rPr lang="en-US" sz="2400" dirty="0" smtClean="0">
-                <a:latin typeface="Times New Roman" panose="02020603050405020304" pitchFamily="18" charset="0"/>
-                <a:cs typeface="Times New Roman" panose="02020603050405020304" pitchFamily="18" charset="0"/>
-              </a:rPr>
-              <a:t>Heat sink size reduction</a:t>
-            </a:r>
-            <a:endParaRPr lang="tr-TR" sz="2400" dirty="0" smtClean="0">
-              <a:latin typeface="Times New Roman" panose="02020603050405020304" pitchFamily="18" charset="0"/>
-              <a:cs typeface="Times New Roman" panose="02020603050405020304" pitchFamily="18" charset="0"/>
-            </a:endParaRPr>
-          </a:p>
-          <a:p>
-            <a:pPr lvl="1"/>
-            <a:r>
-              <a:rPr lang="en-US" sz="2400" dirty="0" smtClean="0">
-                <a:latin typeface="Times New Roman" panose="02020603050405020304" pitchFamily="18" charset="0"/>
-                <a:cs typeface="Times New Roman" panose="02020603050405020304" pitchFamily="18" charset="0"/>
-              </a:rPr>
-              <a:t>Achieve superior drive efficiency</a:t>
-            </a:r>
-          </a:p>
-          <a:p>
-            <a:pPr lvl="1"/>
-            <a:r>
-              <a:rPr lang="en-US" sz="2400" dirty="0" smtClean="0">
-                <a:latin typeface="Times New Roman" panose="02020603050405020304" pitchFamily="18" charset="0"/>
-                <a:cs typeface="Times New Roman" panose="02020603050405020304" pitchFamily="18" charset="0"/>
-              </a:rPr>
-              <a:t>Heat distribution</a:t>
-            </a:r>
-            <a:endParaRPr lang="tr-TR" sz="2400" dirty="0" smtClean="0">
-              <a:latin typeface="Times New Roman" panose="02020603050405020304" pitchFamily="18" charset="0"/>
-              <a:cs typeface="Times New Roman" panose="02020603050405020304" pitchFamily="18" charset="0"/>
-            </a:endParaRPr>
-          </a:p>
-        </p:txBody>
-      </p:sp>
       <p:pic>
         <p:nvPicPr>
           <p:cNvPr id="16" name="Picture 15"/>
@@ -13464,6 +11987,269 @@
           </a:extLst>
         </p:spPr>
       </p:pic>
+      <p:sp>
+        <p:nvSpPr>
+          <p:cNvPr id="14" name="Rectangle 13"/>
+          <p:cNvSpPr/>
+          <p:nvPr/>
+        </p:nvSpPr>
+        <p:spPr>
+          <a:xfrm>
+            <a:off x="1211410" y="941757"/>
+            <a:ext cx="7725482" cy="523220"/>
+          </a:xfrm>
+          <a:prstGeom prst="rect">
+            <a:avLst/>
+          </a:prstGeom>
+        </p:spPr>
+        <p:txBody>
+          <a:bodyPr wrap="square">
+            <a:spAutoFit/>
+          </a:bodyPr>
+          <a:lstStyle/>
+          <a:p>
+            <a:pPr algn="ctr"/>
+            <a:r>
+              <a:rPr lang="tr-TR" sz="2800" u="sng" dirty="0" err="1" smtClean="0">
+                <a:latin typeface="Times New Roman" panose="02020603050405020304" pitchFamily="18" charset="0"/>
+                <a:cs typeface="Times New Roman" panose="02020603050405020304" pitchFamily="18" charset="0"/>
+              </a:rPr>
+              <a:t>Challenges</a:t>
+            </a:r>
+            <a:endParaRPr lang="en-US" sz="2800" u="sng" dirty="0">
+              <a:latin typeface="Times New Roman" panose="02020603050405020304" pitchFamily="18" charset="0"/>
+              <a:cs typeface="Times New Roman" panose="02020603050405020304" pitchFamily="18" charset="0"/>
+            </a:endParaRPr>
+          </a:p>
+        </p:txBody>
+      </p:sp>
+      <p:pic>
+        <p:nvPicPr>
+          <p:cNvPr id="19" name="Picture 18"/>
+          <p:cNvPicPr>
+            <a:picLocks noChangeAspect="1"/>
+          </p:cNvPicPr>
+          <p:nvPr/>
+        </p:nvPicPr>
+        <p:blipFill>
+          <a:blip r:embed="rId5">
+            <a:extLst>
+              <a:ext uri="{28A0092B-C50C-407E-A947-70E740481C1C}">
+                <a14:useLocalDpi xmlns:a14="http://schemas.microsoft.com/office/drawing/2010/main" val="0"/>
+              </a:ext>
+            </a:extLst>
+          </a:blip>
+          <a:stretch>
+            <a:fillRect/>
+          </a:stretch>
+        </p:blipFill>
+        <p:spPr>
+          <a:xfrm>
+            <a:off x="5533725" y="4226510"/>
+            <a:ext cx="3535770" cy="2517897"/>
+          </a:xfrm>
+          <a:prstGeom prst="rect">
+            <a:avLst/>
+          </a:prstGeom>
+        </p:spPr>
+      </p:pic>
+      <p:sp>
+        <p:nvSpPr>
+          <p:cNvPr id="20" name="Text Box 9"/>
+          <p:cNvSpPr txBox="1">
+            <a:spLocks noChangeArrowheads="1"/>
+          </p:cNvSpPr>
+          <p:nvPr/>
+        </p:nvSpPr>
+        <p:spPr bwMode="auto">
+          <a:xfrm>
+            <a:off x="1006676" y="4800600"/>
+            <a:ext cx="4298449" cy="1631216"/>
+          </a:xfrm>
+          <a:prstGeom prst="rect">
+            <a:avLst/>
+          </a:prstGeom>
+          <a:noFill/>
+          <a:ln w="9525">
+            <a:noFill/>
+            <a:miter lim="800000"/>
+            <a:headEnd/>
+            <a:tailEnd/>
+          </a:ln>
+          <a:effectLst/>
+        </p:spPr>
+        <p:txBody>
+          <a:bodyPr wrap="square">
+            <a:spAutoFit/>
+          </a:bodyPr>
+          <a:lstStyle/>
+          <a:p>
+            <a:pPr marL="342900" indent="-342900" algn="just">
+              <a:buFont typeface="Wingdings" panose="05000000000000000000" pitchFamily="2" charset="2"/>
+              <a:buChar char="ü"/>
+            </a:pPr>
+            <a:r>
+              <a:rPr lang="tr-TR" sz="2000" b="1" dirty="0" smtClean="0">
+                <a:latin typeface="Times New Roman" panose="02020603050405020304" pitchFamily="18" charset="0"/>
+                <a:cs typeface="Times New Roman" panose="02020603050405020304" pitchFamily="18" charset="0"/>
+              </a:rPr>
+              <a:t>W</a:t>
+            </a:r>
+            <a:r>
+              <a:rPr lang="en-US" sz="2000" b="1" dirty="0" smtClean="0">
+                <a:latin typeface="Times New Roman" panose="02020603050405020304" pitchFamily="18" charset="0"/>
+                <a:cs typeface="Times New Roman" panose="02020603050405020304" pitchFamily="18" charset="0"/>
+              </a:rPr>
+              <a:t>ide band-gap (WBG) </a:t>
+            </a:r>
+            <a:r>
+              <a:rPr lang="en-US" sz="2000" dirty="0" smtClean="0">
+                <a:latin typeface="Times New Roman" panose="02020603050405020304" pitchFamily="18" charset="0"/>
+                <a:cs typeface="Times New Roman" panose="02020603050405020304" pitchFamily="18" charset="0"/>
+              </a:rPr>
+              <a:t>power semiconductor devices</a:t>
+            </a:r>
+            <a:endParaRPr lang="tr-TR" sz="2000" dirty="0" smtClean="0">
+              <a:latin typeface="Times New Roman" panose="02020603050405020304" pitchFamily="18" charset="0"/>
+              <a:cs typeface="Times New Roman" panose="02020603050405020304" pitchFamily="18" charset="0"/>
+            </a:endParaRPr>
+          </a:p>
+          <a:p>
+            <a:pPr marL="342900" indent="-342900" algn="l">
+              <a:buFont typeface="Wingdings" panose="05000000000000000000" pitchFamily="2" charset="2"/>
+              <a:buChar char="ü"/>
+            </a:pPr>
+            <a:r>
+              <a:rPr lang="en-US" sz="2000" dirty="0" smtClean="0">
+                <a:latin typeface="Times New Roman" panose="02020603050405020304" pitchFamily="18" charset="0"/>
+                <a:cs typeface="Times New Roman" panose="02020603050405020304" pitchFamily="18" charset="0"/>
+              </a:rPr>
+              <a:t>Low </a:t>
+            </a:r>
+            <a:r>
+              <a:rPr lang="en-US" sz="2000" dirty="0" smtClean="0">
+                <a:latin typeface="Times New Roman" panose="02020603050405020304" pitchFamily="18" charset="0"/>
+                <a:cs typeface="Times New Roman" panose="02020603050405020304" pitchFamily="18" charset="0"/>
+              </a:rPr>
+              <a:t>loss</a:t>
+            </a:r>
+            <a:r>
+              <a:rPr lang="en-US" sz="2000" dirty="0" smtClean="0">
+                <a:latin typeface="Times New Roman" panose="02020603050405020304" pitchFamily="18" charset="0"/>
+                <a:cs typeface="Times New Roman" panose="02020603050405020304" pitchFamily="18" charset="0"/>
+              </a:rPr>
+              <a:t>: </a:t>
+            </a:r>
+            <a:r>
+              <a:rPr lang="en-US" sz="2000" b="1" dirty="0" smtClean="0">
+                <a:latin typeface="Times New Roman" panose="02020603050405020304" pitchFamily="18" charset="0"/>
+                <a:cs typeface="Times New Roman" panose="02020603050405020304" pitchFamily="18" charset="0"/>
+              </a:rPr>
+              <a:t>heat sink </a:t>
+            </a:r>
+            <a:r>
+              <a:rPr lang="en-US" sz="2000" dirty="0" smtClean="0">
+                <a:latin typeface="Times New Roman" panose="02020603050405020304" pitchFamily="18" charset="0"/>
+                <a:cs typeface="Times New Roman" panose="02020603050405020304" pitchFamily="18" charset="0"/>
+              </a:rPr>
+              <a:t>size is reduced</a:t>
+            </a:r>
+            <a:endParaRPr lang="tr-TR" sz="2000" dirty="0">
+              <a:latin typeface="Times New Roman" panose="02020603050405020304" pitchFamily="18" charset="0"/>
+              <a:cs typeface="Times New Roman" panose="02020603050405020304" pitchFamily="18" charset="0"/>
+            </a:endParaRPr>
+          </a:p>
+          <a:p>
+            <a:pPr marL="342900" indent="-342900" algn="l">
+              <a:buFont typeface="Wingdings" panose="05000000000000000000" pitchFamily="2" charset="2"/>
+              <a:buChar char="ü"/>
+            </a:pPr>
+            <a:r>
+              <a:rPr lang="en-US" sz="2000" dirty="0" smtClean="0">
+                <a:latin typeface="Times New Roman" panose="02020603050405020304" pitchFamily="18" charset="0"/>
+                <a:cs typeface="Times New Roman" panose="02020603050405020304" pitchFamily="18" charset="0"/>
+              </a:rPr>
+              <a:t>High </a:t>
+            </a:r>
+            <a:r>
+              <a:rPr lang="tr-TR" sz="2000" dirty="0" err="1" smtClean="0">
+                <a:latin typeface="Times New Roman" panose="02020603050405020304" pitchFamily="18" charset="0"/>
+                <a:cs typeface="Times New Roman" panose="02020603050405020304" pitchFamily="18" charset="0"/>
+              </a:rPr>
+              <a:t>speed</a:t>
+            </a:r>
+            <a:r>
+              <a:rPr lang="en-US" sz="2000" dirty="0" smtClean="0">
+                <a:latin typeface="Times New Roman" panose="02020603050405020304" pitchFamily="18" charset="0"/>
+                <a:cs typeface="Times New Roman" panose="02020603050405020304" pitchFamily="18" charset="0"/>
+              </a:rPr>
+              <a:t>: </a:t>
+            </a:r>
+            <a:r>
+              <a:rPr lang="en-US" sz="2000" b="1" dirty="0" smtClean="0">
+                <a:latin typeface="Times New Roman" panose="02020603050405020304" pitchFamily="18" charset="0"/>
+                <a:cs typeface="Times New Roman" panose="02020603050405020304" pitchFamily="18" charset="0"/>
+              </a:rPr>
+              <a:t>passive component </a:t>
+            </a:r>
+            <a:r>
+              <a:rPr lang="en-US" sz="2000" dirty="0" smtClean="0">
+                <a:latin typeface="Times New Roman" panose="02020603050405020304" pitchFamily="18" charset="0"/>
+                <a:cs typeface="Times New Roman" panose="02020603050405020304" pitchFamily="18" charset="0"/>
+              </a:rPr>
+              <a:t>size is reduced</a:t>
+            </a:r>
+            <a:endParaRPr lang="en-US" sz="2000" dirty="0">
+              <a:latin typeface="Times New Roman" panose="02020603050405020304" pitchFamily="18" charset="0"/>
+              <a:cs typeface="Times New Roman" panose="02020603050405020304" pitchFamily="18" charset="0"/>
+            </a:endParaRPr>
+          </a:p>
+        </p:txBody>
+      </p:sp>
+      <p:sp>
+        <p:nvSpPr>
+          <p:cNvPr id="21" name="TextBox 20"/>
+          <p:cNvSpPr txBox="1"/>
+          <p:nvPr/>
+        </p:nvSpPr>
+        <p:spPr>
+          <a:xfrm>
+            <a:off x="930395" y="3988414"/>
+            <a:ext cx="4456278" cy="523220"/>
+          </a:xfrm>
+          <a:prstGeom prst="rect">
+            <a:avLst/>
+          </a:prstGeom>
+          <a:noFill/>
+        </p:spPr>
+        <p:txBody>
+          <a:bodyPr wrap="square" rtlCol="0">
+            <a:spAutoFit/>
+          </a:bodyPr>
+          <a:lstStyle/>
+          <a:p>
+            <a:pPr algn="ctr"/>
+            <a:r>
+              <a:rPr lang="en-US" sz="2800" u="sng" dirty="0" smtClean="0">
+                <a:latin typeface="Times New Roman" panose="02020603050405020304" pitchFamily="18" charset="0"/>
+                <a:cs typeface="Times New Roman" panose="02020603050405020304" pitchFamily="18" charset="0"/>
+              </a:rPr>
+              <a:t>Gallium Nitride (GaN</a:t>
+            </a:r>
+            <a:r>
+              <a:rPr lang="en-US" sz="2800" u="sng" dirty="0" smtClean="0">
+                <a:latin typeface="Times New Roman" panose="02020603050405020304" pitchFamily="18" charset="0"/>
+                <a:cs typeface="Times New Roman" panose="02020603050405020304" pitchFamily="18" charset="0"/>
+              </a:rPr>
+              <a:t>)</a:t>
+            </a:r>
+            <a:endParaRPr lang="en-US" sz="2800" u="sng" dirty="0">
+              <a:latin typeface="Times New Roman" panose="02020603050405020304" pitchFamily="18" charset="0"/>
+              <a:cs typeface="Times New Roman" panose="02020603050405020304" pitchFamily="18" charset="0"/>
+            </a:endParaRPr>
+          </a:p>
+        </p:txBody>
+      </p:sp>
     </p:spTree>
     <p:extLst>
       <p:ext uri="{BB962C8B-B14F-4D97-AF65-F5344CB8AC3E}">
@@ -13537,33 +12323,15 @@
                                   </p:childTnLst>
                                 </p:cTn>
                               </p:par>
-                            </p:childTnLst>
-                          </p:cTn>
-                        </p:par>
-                      </p:childTnLst>
-                    </p:cTn>
-                  </p:par>
-                  <p:par>
-                    <p:cTn id="8" fill="hold">
-                      <p:stCondLst>
-                        <p:cond delay="indefinite"/>
-                      </p:stCondLst>
-                      <p:childTnLst>
-                        <p:par>
-                          <p:cTn id="9" fill="hold">
-                            <p:stCondLst>
-                              <p:cond delay="0"/>
-                            </p:stCondLst>
-                            <p:childTnLst>
                               <p:par>
-                                <p:cTn id="10" presetID="10" presetClass="entr" presetSubtype="0" fill="hold" nodeType="clickEffect">
+                                <p:cTn id="8" presetID="10" presetClass="entr" presetSubtype="0" fill="hold" nodeType="withEffect">
                                   <p:stCondLst>
                                     <p:cond delay="0"/>
                                   </p:stCondLst>
                                   <p:childTnLst>
                                     <p:set>
                                       <p:cBhvr>
-                                        <p:cTn id="11" dur="1" fill="hold">
+                                        <p:cTn id="9" dur="1" fill="hold">
                                           <p:stCondLst>
                                             <p:cond delay="0"/>
                                           </p:stCondLst>
@@ -13585,7 +12353,7 @@
                                     </p:set>
                                     <p:animEffect transition="in" filter="fade">
                                       <p:cBhvr>
-                                        <p:cTn id="12" dur="500"/>
+                                        <p:cTn id="10" dur="500"/>
                                         <p:tgtEl>
                                           <p:spTgt spid="17">
                                             <p:txEl>
@@ -13598,33 +12366,15 @@
                                   </p:childTnLst>
                                 </p:cTn>
                               </p:par>
-                            </p:childTnLst>
-                          </p:cTn>
-                        </p:par>
-                      </p:childTnLst>
-                    </p:cTn>
-                  </p:par>
-                  <p:par>
-                    <p:cTn id="13" fill="hold">
-                      <p:stCondLst>
-                        <p:cond delay="indefinite"/>
-                      </p:stCondLst>
-                      <p:childTnLst>
-                        <p:par>
-                          <p:cTn id="14" fill="hold">
-                            <p:stCondLst>
-                              <p:cond delay="0"/>
-                            </p:stCondLst>
-                            <p:childTnLst>
                               <p:par>
-                                <p:cTn id="15" presetID="10" presetClass="entr" presetSubtype="0" fill="hold" nodeType="clickEffect">
+                                <p:cTn id="11" presetID="10" presetClass="entr" presetSubtype="0" fill="hold" nodeType="withEffect">
                                   <p:stCondLst>
                                     <p:cond delay="0"/>
                                   </p:stCondLst>
                                   <p:childTnLst>
                                     <p:set>
                                       <p:cBhvr>
-                                        <p:cTn id="16" dur="1" fill="hold">
+                                        <p:cTn id="12" dur="1" fill="hold">
                                           <p:stCondLst>
                                             <p:cond delay="0"/>
                                           </p:stCondLst>
@@ -13646,7 +12396,7 @@
                                     </p:set>
                                     <p:animEffect transition="in" filter="fade">
                                       <p:cBhvr>
-                                        <p:cTn id="17" dur="500"/>
+                                        <p:cTn id="13" dur="500"/>
                                         <p:tgtEl>
                                           <p:spTgt spid="17">
                                             <p:txEl>
@@ -13666,26 +12416,26 @@
                     </p:cTn>
                   </p:par>
                   <p:par>
-                    <p:cTn id="18" fill="hold">
+                    <p:cTn id="14" fill="hold">
                       <p:stCondLst>
                         <p:cond delay="indefinite"/>
                       </p:stCondLst>
                       <p:childTnLst>
                         <p:par>
-                          <p:cTn id="19" fill="hold">
+                          <p:cTn id="15" fill="hold">
                             <p:stCondLst>
                               <p:cond delay="0"/>
                             </p:stCondLst>
                             <p:childTnLst>
                               <p:par>
-                                <p:cTn id="20" presetID="2" presetClass="entr" presetSubtype="4" fill="hold" nodeType="clickEffect">
+                                <p:cTn id="16" presetID="2" presetClass="entr" presetSubtype="4" fill="hold" nodeType="clickEffect">
                                   <p:stCondLst>
                                     <p:cond delay="0"/>
                                   </p:stCondLst>
                                   <p:childTnLst>
                                     <p:set>
                                       <p:cBhvr>
-                                        <p:cTn id="21" dur="1" fill="hold">
+                                        <p:cTn id="17" dur="1" fill="hold">
                                           <p:stCondLst>
                                             <p:cond delay="0"/>
                                           </p:stCondLst>
@@ -13703,7 +12453,7 @@
                                     </p:set>
                                     <p:anim calcmode="lin" valueType="num">
                                       <p:cBhvr additive="base">
-                                        <p:cTn id="22" dur="500" fill="hold"/>
+                                        <p:cTn id="18" dur="500" fill="hold"/>
                                         <p:tgtEl>
                                           <p:spTgt spid="9"/>
                                         </p:tgtEl>
@@ -13726,7 +12476,7 @@
                                     </p:anim>
                                     <p:anim calcmode="lin" valueType="num">
                                       <p:cBhvr additive="base">
-                                        <p:cTn id="23" dur="500" fill="hold"/>
+                                        <p:cTn id="19" dur="500" fill="hold"/>
                                         <p:tgtEl>
                                           <p:spTgt spid="9"/>
                                         </p:tgtEl>
@@ -13757,19 +12507,92 @@
                     </p:cTn>
                   </p:par>
                   <p:par>
-                    <p:cTn id="24" fill="hold">
+                    <p:cTn id="20" fill="hold">
                       <p:stCondLst>
                         <p:cond delay="indefinite"/>
                       </p:stCondLst>
                       <p:childTnLst>
                         <p:par>
-                          <p:cTn id="25" fill="hold">
+                          <p:cTn id="21" fill="hold">
                             <p:stCondLst>
                               <p:cond delay="0"/>
                             </p:stCondLst>
                             <p:childTnLst>
                               <p:par>
-                                <p:cTn id="26" presetID="10" presetClass="entr" presetSubtype="0" fill="hold" nodeType="clickEffect">
+                                <p:cTn id="22" presetID="2" presetClass="entr" presetSubtype="4" fill="hold" grpId="0" nodeType="clickEffect">
+                                  <p:stCondLst>
+                                    <p:cond delay="0"/>
+                                  </p:stCondLst>
+                                  <p:childTnLst>
+                                    <p:set>
+                                      <p:cBhvr>
+                                        <p:cTn id="23" dur="1" fill="hold">
+                                          <p:stCondLst>
+                                            <p:cond delay="0"/>
+                                          </p:stCondLst>
+                                        </p:cTn>
+                                        <p:tgtEl>
+                                          <p:spTgt spid="21"/>
+                                        </p:tgtEl>
+                                        <p:attrNameLst>
+                                          <p:attrName>style.visibility</p:attrName>
+                                        </p:attrNameLst>
+                                      </p:cBhvr>
+                                      <p:to>
+                                        <p:strVal val="visible"/>
+                                      </p:to>
+                                    </p:set>
+                                    <p:anim calcmode="lin" valueType="num">
+                                      <p:cBhvr additive="base">
+                                        <p:cTn id="24" dur="500" fill="hold"/>
+                                        <p:tgtEl>
+                                          <p:spTgt spid="21"/>
+                                        </p:tgtEl>
+                                        <p:attrNameLst>
+                                          <p:attrName>ppt_x</p:attrName>
+                                        </p:attrNameLst>
+                                      </p:cBhvr>
+                                      <p:tavLst>
+                                        <p:tav tm="0">
+                                          <p:val>
+                                            <p:strVal val="#ppt_x"/>
+                                          </p:val>
+                                        </p:tav>
+                                        <p:tav tm="100000">
+                                          <p:val>
+                                            <p:strVal val="#ppt_x"/>
+                                          </p:val>
+                                        </p:tav>
+                                      </p:tavLst>
+                                    </p:anim>
+                                    <p:anim calcmode="lin" valueType="num">
+                                      <p:cBhvr additive="base">
+                                        <p:cTn id="25" dur="500" fill="hold"/>
+                                        <p:tgtEl>
+                                          <p:spTgt spid="21"/>
+                                        </p:tgtEl>
+                                        <p:attrNameLst>
+                                          <p:attrName>ppt_y</p:attrName>
+                                        </p:attrNameLst>
+                                      </p:cBhvr>
+                                      <p:tavLst>
+                                        <p:tav tm="0">
+                                          <p:val>
+                                            <p:strVal val="1+#ppt_h/2"/>
+                                          </p:val>
+                                        </p:tav>
+                                        <p:tav tm="100000">
+                                          <p:val>
+                                            <p:strVal val="#ppt_y"/>
+                                          </p:val>
+                                        </p:tav>
+                                      </p:tavLst>
+                                    </p:anim>
+                                  </p:childTnLst>
+                                </p:cTn>
+                              </p:par>
+                              <p:par>
+                                <p:cTn id="26" presetID="10" presetClass="entr" presetSubtype="0" fill="hold" nodeType="withEffect">
                                   <p:stCondLst>
                                     <p:cond delay="0"/>
                                   </p:stCondLst>
@@ -13782,11 +12605,7 @@
                                           </p:stCondLst>
                                         </p:cTn>
                                         <p:tgtEl>
-                                          <p:spTgt spid="12">
-                                            <p:txEl>
-                                              <p:pRg st="0" end="0"/>
-                                            </p:txEl>
-                                          </p:spTgt>
+                                          <p:spTgt spid="19"/>
                                         </p:tgtEl>
                                         <p:attrNameLst>
                                           <p:attrName>style.visibility</p:attrName>
@@ -13800,54 +12619,7 @@
                                       <p:cBhvr>
                                         <p:cTn id="28" dur="500"/>
                                         <p:tgtEl>
-                                          <p:spTgt spid="12">
-                                            <p:txEl>
-                                              <p:pRg st="0" end="0"/>
-                                            </p:txEl>
-                                          </p:spTgt>
-                                        </p:tgtEl>
-                                      </p:cBhvr>
-                                    </p:animEffect>
-                                  </p:childTnLst>
-                                </p:cTn>
-                              </p:par>
-                              <p:par>
-                                <p:cTn id="29" presetID="10" presetClass="entr" presetSubtype="0" fill="hold" nodeType="withEffect">
-                                  <p:stCondLst>
-                                    <p:cond delay="0"/>
-                                  </p:stCondLst>
-                                  <p:childTnLst>
-                                    <p:set>
-                                      <p:cBhvr>
-                                        <p:cTn id="30" dur="1" fill="hold">
-                                          <p:stCondLst>
-                                            <p:cond delay="0"/>
-                                          </p:stCondLst>
-                                        </p:cTn>
-                                        <p:tgtEl>
-                                          <p:spTgt spid="12">
-                                            <p:txEl>
-                                              <p:pRg st="1" end="1"/>
-                                            </p:txEl>
-                                          </p:spTgt>
-                                        </p:tgtEl>
-                                        <p:attrNameLst>
-                                          <p:attrName>style.visibility</p:attrName>
-                                        </p:attrNameLst>
-                                      </p:cBhvr>
-                                      <p:to>
-                                        <p:strVal val="visible"/>
-                                      </p:to>
-                                    </p:set>
-                                    <p:animEffect transition="in" filter="fade">
-                                      <p:cBhvr>
-                                        <p:cTn id="31" dur="500"/>
-                                        <p:tgtEl>
-                                          <p:spTgt spid="12">
-                                            <p:txEl>
-                                              <p:pRg st="1" end="1"/>
-                                            </p:txEl>
-                                          </p:spTgt>
+                                          <p:spTgt spid="19"/>
                                         </p:tgtEl>
                                       </p:cBhvr>
                                     </p:animEffect>
@@ -13861,36 +12633,32 @@
                     </p:cTn>
                   </p:par>
                   <p:par>
-                    <p:cTn id="32" fill="hold">
+                    <p:cTn id="29" fill="hold">
                       <p:stCondLst>
                         <p:cond delay="indefinite"/>
                       </p:stCondLst>
                       <p:childTnLst>
                         <p:par>
-                          <p:cTn id="33" fill="hold">
+                          <p:cTn id="30" fill="hold">
                             <p:stCondLst>
                               <p:cond delay="0"/>
                             </p:stCondLst>
                             <p:childTnLst>
                               <p:par>
-                                <p:cTn id="34" presetID="10" presetClass="entr" presetSubtype="0" fill="hold" nodeType="clickEffect">
+                                <p:cTn id="31" presetID="2" presetClass="entr" presetSubtype="4" fill="hold" grpId="0" nodeType="clickEffect">
                                   <p:stCondLst>
                                     <p:cond delay="0"/>
                                   </p:stCondLst>
                                   <p:childTnLst>
                                     <p:set>
                                       <p:cBhvr>
-                                        <p:cTn id="35" dur="1" fill="hold">
+                                        <p:cTn id="32" dur="1" fill="hold">
                                           <p:stCondLst>
                                             <p:cond delay="0"/>
                                           </p:stCondLst>
                                         </p:cTn>
                                         <p:tgtEl>
-                                          <p:spTgt spid="12">
-                                            <p:txEl>
-                                              <p:pRg st="2" end="2"/>
-                                            </p:txEl>
-                                          </p:spTgt>
+                                          <p:spTgt spid="20"/>
                                         </p:tgtEl>
                                         <p:attrNameLst>
                                           <p:attrName>style.visibility</p:attrName>
@@ -13900,61 +12668,52 @@
                                         <p:strVal val="visible"/>
                                       </p:to>
                                     </p:set>
-                                    <p:animEffect transition="in" filter="fade">
-                                      <p:cBhvr>
-                                        <p:cTn id="36" dur="500"/>
+                                    <p:anim calcmode="lin" valueType="num">
+                                      <p:cBhvr additive="base">
+                                        <p:cTn id="33" dur="500" fill="hold"/>
                                         <p:tgtEl>
-                                          <p:spTgt spid="12">
-                                            <p:txEl>
-                                              <p:pRg st="2" end="2"/>
-                                            </p:txEl>
-                                          </p:spTgt>
-                                        </p:tgtEl>
-                                      </p:cBhvr>
-                                    </p:animEffect>
-                                  </p:childTnLst>
-                                </p:cTn>
-                              </p:par>
-                              <p:par>
-                                <p:cTn id="37" presetID="10" presetClass="entr" presetSubtype="0" fill="hold" nodeType="withEffect">
-                                  <p:stCondLst>
-                                    <p:cond delay="0"/>
-                                  </p:stCondLst>
-                                  <p:childTnLst>
-                                    <p:set>
-                                      <p:cBhvr>
-                                        <p:cTn id="38" dur="1" fill="hold">
-                                          <p:stCondLst>
-                                            <p:cond delay="0"/>
-                                          </p:stCondLst>
-                                        </p:cTn>
-                                        <p:tgtEl>
-                                          <p:spTgt spid="12">
-                                            <p:txEl>
-                                              <p:pRg st="3" end="3"/>
-                                            </p:txEl>
-                                          </p:spTgt>
+                                          <p:spTgt spid="20"/>
                                         </p:tgtEl>
                                         <p:attrNameLst>
-                                          <p:attrName>style.visibility</p:attrName>
+                                          <p:attrName>ppt_x</p:attrName>
                                         </p:attrNameLst>
                                       </p:cBhvr>
-                                      <p:to>
-                                        <p:strVal val="visible"/>
-                                      </p:to>
-                                    </p:set>
-                                    <p:animEffect transition="in" filter="fade">
-                                      <p:cBhvr>
-                                        <p:cTn id="39" dur="500"/>
+                                      <p:tavLst>
+                                        <p:tav tm="0">
+                                          <p:val>
+                                            <p:strVal val="#ppt_x"/>
+                                          </p:val>
+                                        </p:tav>
+                                        <p:tav tm="100000">
+                                          <p:val>
+                                            <p:strVal val="#ppt_x"/>
+                                          </p:val>
+                                        </p:tav>
+                                      </p:tavLst>
+                                    </p:anim>
+                                    <p:anim calcmode="lin" valueType="num">
+                                      <p:cBhvr additive="base">
+                                        <p:cTn id="34" dur="500" fill="hold"/>
                                         <p:tgtEl>
-                                          <p:spTgt spid="12">
-                                            <p:txEl>
-                                              <p:pRg st="3" end="3"/>
-                                            </p:txEl>
-                                          </p:spTgt>
+                                          <p:spTgt spid="20"/>
                                         </p:tgtEl>
+                                        <p:attrNameLst>
+                                          <p:attrName>ppt_y</p:attrName>
+                                        </p:attrNameLst>
                                       </p:cBhvr>
-                                    </p:animEffect>
+                                      <p:tavLst>
+                                        <p:tav tm="0">
+                                          <p:val>
+                                            <p:strVal val="1+#ppt_h/2"/>
+                                          </p:val>
+                                        </p:tav>
+                                        <p:tav tm="100000">
+                                          <p:val>
+                                            <p:strVal val="#ppt_y"/>
+                                          </p:val>
+                                        </p:tav>
+                                      </p:tavLst>
+                                    </p:anim>
                                   </p:childTnLst>
                                 </p:cTn>
                               </p:par>
@@ -13985,11 +12744,15 @@
         </p:cTn>
       </p:par>
     </p:tnLst>
+    <p:bldLst>
+      <p:bldP spid="20" grpId="0"/>
+      <p:bldP spid="21" grpId="0"/>
+    </p:bldLst>
   </p:timing>
 </p:sld>
 </file>
 
-<file path=ppt/slides/slide7.xml><?xml version="1.0" encoding="utf-8"?>
+<file path=ppt/slides/slide6.xml><?xml version="1.0" encoding="utf-8"?>
 <p:sld xmlns:a="http://schemas.openxmlformats.org/drawingml/2006/main" xmlns:r="http://schemas.openxmlformats.org/officeDocument/2006/relationships" xmlns:p="http://schemas.openxmlformats.org/presentationml/2006/main">
   <p:cSld>
     <p:spTree>
@@ -14129,13 +12892,34 @@
           <a:p>
             <a:pPr algn="ctr"/>
             <a:r>
-              <a:rPr lang="en-US" sz="3000" dirty="0" smtClean="0">
-                <a:latin typeface="Times New Roman" panose="02020603050405020304" pitchFamily="18" charset="0"/>
-                <a:cs typeface="Times New Roman" panose="02020603050405020304" pitchFamily="18" charset="0"/>
-              </a:rPr>
-              <a:t>Gallium Nitride (GaN) Power Semiconductors</a:t>
-            </a:r>
-            <a:endParaRPr lang="en-US" sz="3000" dirty="0">
+              <a:rPr lang="tr-TR" sz="3000" dirty="0" smtClean="0">
+                <a:latin typeface="Times New Roman" panose="02020603050405020304" pitchFamily="18" charset="0"/>
+                <a:cs typeface="Times New Roman" panose="02020603050405020304" pitchFamily="18" charset="0"/>
+              </a:rPr>
+              <a:t>DC Link </a:t>
+            </a:r>
+            <a:r>
+              <a:rPr lang="tr-TR" sz="3000" dirty="0" err="1" smtClean="0">
+                <a:latin typeface="Times New Roman" panose="02020603050405020304" pitchFamily="18" charset="0"/>
+                <a:cs typeface="Times New Roman" panose="02020603050405020304" pitchFamily="18" charset="0"/>
+              </a:rPr>
+              <a:t>Capacitor</a:t>
+            </a:r>
+            <a:r>
+              <a:rPr lang="tr-TR" sz="3000" dirty="0" smtClean="0">
+                <a:latin typeface="Times New Roman" panose="02020603050405020304" pitchFamily="18" charset="0"/>
+                <a:cs typeface="Times New Roman" panose="02020603050405020304" pitchFamily="18" charset="0"/>
+              </a:rPr>
+              <a:t> </a:t>
+            </a:r>
+            <a:r>
+              <a:rPr lang="tr-TR" sz="3000" dirty="0" err="1" smtClean="0">
+                <a:latin typeface="Times New Roman" panose="02020603050405020304" pitchFamily="18" charset="0"/>
+                <a:cs typeface="Times New Roman" panose="02020603050405020304" pitchFamily="18" charset="0"/>
+              </a:rPr>
+              <a:t>Selection</a:t>
+            </a:r>
+            <a:endParaRPr lang="tr-TR" sz="3000" dirty="0">
               <a:latin typeface="Times New Roman" panose="02020603050405020304" pitchFamily="18" charset="0"/>
               <a:cs typeface="Times New Roman" panose="02020603050405020304" pitchFamily="18" charset="0"/>
             </a:endParaRPr>
@@ -14195,7 +12979,7 @@
             <a:fld id="{B6F15528-21DE-4FAA-801E-634DDDAF4B2B}" type="slidenum">
               <a:rPr lang="en-US" smtClean="0"/>
               <a:pPr/>
-              <a:t>7</a:t>
+              <a:t>6</a:t>
             </a:fld>
             <a:endParaRPr lang="en-US" dirty="0"/>
           </a:p>
@@ -14211,8 +12995,8 @@
         </p:nvSpPr>
         <p:spPr bwMode="auto">
           <a:xfrm>
-            <a:off x="1386291" y="1130061"/>
-            <a:ext cx="7035213" cy="1015663"/>
+            <a:off x="1111236" y="1595560"/>
+            <a:ext cx="3879877" cy="1200329"/>
           </a:xfrm>
           <a:prstGeom prst="rect">
             <a:avLst/>
@@ -14232,94 +13016,83 @@
           </a:bodyPr>
           <a:lstStyle/>
           <a:p>
-            <a:pPr marL="342900" indent="-342900" algn="just">
-              <a:buFont typeface="Wingdings" panose="05000000000000000000" pitchFamily="2" charset="2"/>
-              <a:buChar char="ü"/>
-            </a:pPr>
-            <a:r>
-              <a:rPr lang="tr-TR" sz="2000" b="1" dirty="0" smtClean="0">
-                <a:latin typeface="Times New Roman" panose="02020603050405020304" pitchFamily="18" charset="0"/>
-                <a:cs typeface="Times New Roman" panose="02020603050405020304" pitchFamily="18" charset="0"/>
-              </a:rPr>
-              <a:t>W</a:t>
-            </a:r>
-            <a:r>
-              <a:rPr lang="en-US" sz="2000" b="1" dirty="0" smtClean="0">
-                <a:latin typeface="Times New Roman" panose="02020603050405020304" pitchFamily="18" charset="0"/>
-                <a:cs typeface="Times New Roman" panose="02020603050405020304" pitchFamily="18" charset="0"/>
-              </a:rPr>
-              <a:t>ide band-gap (WBG) </a:t>
-            </a:r>
-            <a:r>
-              <a:rPr lang="en-US" sz="2000" dirty="0" smtClean="0">
-                <a:latin typeface="Times New Roman" panose="02020603050405020304" pitchFamily="18" charset="0"/>
-                <a:cs typeface="Times New Roman" panose="02020603050405020304" pitchFamily="18" charset="0"/>
-              </a:rPr>
-              <a:t>power semiconductor devices</a:t>
-            </a:r>
-            <a:endParaRPr lang="tr-TR" sz="2000" dirty="0" smtClean="0">
+            <a:r>
+              <a:rPr lang="en-US" sz="2400" dirty="0">
+                <a:latin typeface="Times New Roman" panose="02020603050405020304" pitchFamily="18" charset="0"/>
+                <a:cs typeface="Times New Roman" panose="02020603050405020304" pitchFamily="18" charset="0"/>
+              </a:rPr>
+              <a:t>DC link capacitors </a:t>
+            </a:r>
+            <a:r>
+              <a:rPr lang="en-US" sz="2400" dirty="0" smtClean="0">
+                <a:latin typeface="Times New Roman" panose="02020603050405020304" pitchFamily="18" charset="0"/>
+                <a:cs typeface="Times New Roman" panose="02020603050405020304" pitchFamily="18" charset="0"/>
+              </a:rPr>
+              <a:t>constitute</a:t>
+            </a:r>
+            <a:endParaRPr lang="tr-TR" sz="2400" dirty="0">
               <a:latin typeface="Times New Roman" panose="02020603050405020304" pitchFamily="18" charset="0"/>
               <a:cs typeface="Times New Roman" panose="02020603050405020304" pitchFamily="18" charset="0"/>
             </a:endParaRPr>
           </a:p>
           <a:p>
-            <a:pPr marL="342900" indent="-342900" algn="l">
-              <a:buFont typeface="Wingdings" panose="05000000000000000000" pitchFamily="2" charset="2"/>
-              <a:buChar char="ü"/>
+            <a:pPr marL="457200" indent="-457200">
+              <a:buFont typeface="Arial" panose="020B0604020202020204" pitchFamily="34" charset="0"/>
+              <a:buChar char="•"/>
             </a:pPr>
             <a:r>
-              <a:rPr lang="en-US" sz="2000" dirty="0" smtClean="0">
-                <a:latin typeface="Times New Roman" panose="02020603050405020304" pitchFamily="18" charset="0"/>
-                <a:cs typeface="Times New Roman" panose="02020603050405020304" pitchFamily="18" charset="0"/>
-              </a:rPr>
-              <a:t>Low semiconductor loss: </a:t>
-            </a:r>
-            <a:r>
-              <a:rPr lang="en-US" sz="2000" b="1" dirty="0" smtClean="0">
-                <a:latin typeface="Times New Roman" panose="02020603050405020304" pitchFamily="18" charset="0"/>
-                <a:cs typeface="Times New Roman" panose="02020603050405020304" pitchFamily="18" charset="0"/>
-              </a:rPr>
-              <a:t>heat sink </a:t>
-            </a:r>
-            <a:r>
-              <a:rPr lang="en-US" sz="2000" dirty="0" smtClean="0">
-                <a:latin typeface="Times New Roman" panose="02020603050405020304" pitchFamily="18" charset="0"/>
-                <a:cs typeface="Times New Roman" panose="02020603050405020304" pitchFamily="18" charset="0"/>
-              </a:rPr>
-              <a:t>size is reduced</a:t>
-            </a:r>
-            <a:endParaRPr lang="tr-TR" sz="2000" dirty="0">
+              <a:rPr lang="en-US" sz="2400" dirty="0">
+                <a:latin typeface="Times New Roman" panose="02020603050405020304" pitchFamily="18" charset="0"/>
+                <a:cs typeface="Times New Roman" panose="02020603050405020304" pitchFamily="18" charset="0"/>
+              </a:rPr>
+              <a:t>20% of </a:t>
+            </a:r>
+            <a:r>
+              <a:rPr lang="en-US" sz="2400" b="1" dirty="0">
+                <a:latin typeface="Times New Roman" panose="02020603050405020304" pitchFamily="18" charset="0"/>
+                <a:cs typeface="Times New Roman" panose="02020603050405020304" pitchFamily="18" charset="0"/>
+              </a:rPr>
+              <a:t>cost</a:t>
+            </a:r>
+            <a:r>
+              <a:rPr lang="en-US" sz="2400" dirty="0">
+                <a:latin typeface="Times New Roman" panose="02020603050405020304" pitchFamily="18" charset="0"/>
+                <a:cs typeface="Times New Roman" panose="02020603050405020304" pitchFamily="18" charset="0"/>
+              </a:rPr>
+              <a:t> and </a:t>
+            </a:r>
+            <a:r>
+              <a:rPr lang="en-US" sz="2400" b="1" dirty="0" smtClean="0">
+                <a:latin typeface="Times New Roman" panose="02020603050405020304" pitchFamily="18" charset="0"/>
+                <a:cs typeface="Times New Roman" panose="02020603050405020304" pitchFamily="18" charset="0"/>
+              </a:rPr>
+              <a:t>weight</a:t>
+            </a:r>
+            <a:endParaRPr lang="tr-TR" sz="2400" dirty="0">
               <a:latin typeface="Times New Roman" panose="02020603050405020304" pitchFamily="18" charset="0"/>
               <a:cs typeface="Times New Roman" panose="02020603050405020304" pitchFamily="18" charset="0"/>
             </a:endParaRPr>
           </a:p>
           <a:p>
-            <a:pPr marL="342900" indent="-342900" algn="l">
-              <a:buFont typeface="Wingdings" panose="05000000000000000000" pitchFamily="2" charset="2"/>
-              <a:buChar char="ü"/>
+            <a:pPr marL="457200" indent="-457200">
+              <a:buFont typeface="Arial" panose="020B0604020202020204" pitchFamily="34" charset="0"/>
+              <a:buChar char="•"/>
             </a:pPr>
             <a:r>
-              <a:rPr lang="en-US" sz="2000" dirty="0" smtClean="0">
-                <a:latin typeface="Times New Roman" panose="02020603050405020304" pitchFamily="18" charset="0"/>
-                <a:cs typeface="Times New Roman" panose="02020603050405020304" pitchFamily="18" charset="0"/>
-              </a:rPr>
-              <a:t>High operation frequency: </a:t>
-            </a:r>
-            <a:r>
-              <a:rPr lang="en-US" sz="2000" b="1" dirty="0" smtClean="0">
-                <a:latin typeface="Times New Roman" panose="02020603050405020304" pitchFamily="18" charset="0"/>
-                <a:cs typeface="Times New Roman" panose="02020603050405020304" pitchFamily="18" charset="0"/>
-              </a:rPr>
-              <a:t>passive component </a:t>
-            </a:r>
-            <a:r>
-              <a:rPr lang="en-US" sz="2000" dirty="0" smtClean="0">
-                <a:latin typeface="Times New Roman" panose="02020603050405020304" pitchFamily="18" charset="0"/>
-                <a:cs typeface="Times New Roman" panose="02020603050405020304" pitchFamily="18" charset="0"/>
-              </a:rPr>
-              <a:t>size is reduced</a:t>
-            </a:r>
-            <a:endParaRPr lang="en-US" sz="2000" dirty="0">
+              <a:rPr lang="en-US" sz="2400" dirty="0">
+                <a:latin typeface="Times New Roman" panose="02020603050405020304" pitchFamily="18" charset="0"/>
+                <a:cs typeface="Times New Roman" panose="02020603050405020304" pitchFamily="18" charset="0"/>
+              </a:rPr>
+              <a:t>30% of </a:t>
+            </a:r>
+            <a:r>
+              <a:rPr lang="en-US" sz="2400" b="1" dirty="0" smtClean="0">
+                <a:latin typeface="Times New Roman" panose="02020603050405020304" pitchFamily="18" charset="0"/>
+                <a:cs typeface="Times New Roman" panose="02020603050405020304" pitchFamily="18" charset="0"/>
+              </a:rPr>
+              <a:t>volume</a:t>
+            </a:r>
+            <a:endParaRPr lang="en-US" sz="2400" b="1" dirty="0">
               <a:latin typeface="Times New Roman" panose="02020603050405020304" pitchFamily="18" charset="0"/>
               <a:cs typeface="Times New Roman" panose="02020603050405020304" pitchFamily="18" charset="0"/>
             </a:endParaRPr>
@@ -14328,161 +13101,28 @@
       </p:sp>
       <p:pic>
         <p:nvPicPr>
-          <p:cNvPr id="3" name="Picture 2"/>
+          <p:cNvPr id="17" name="Picture 16"/>
           <p:cNvPicPr>
             <a:picLocks noChangeAspect="1"/>
           </p:cNvPicPr>
           <p:nvPr/>
         </p:nvPicPr>
         <p:blipFill>
-          <a:blip r:embed="rId2">
-            <a:extLst>
-              <a:ext uri="{28A0092B-C50C-407E-A947-70E740481C1C}">
-                <a14:useLocalDpi xmlns:a14="http://schemas.microsoft.com/office/drawing/2010/main" val="0"/>
-              </a:ext>
-            </a:extLst>
-          </a:blip>
+          <a:blip r:embed="rId2"/>
           <a:stretch>
             <a:fillRect/>
           </a:stretch>
         </p:blipFill>
         <p:spPr>
           <a:xfrm>
-            <a:off x="2521896" y="2274312"/>
-            <a:ext cx="4985326" cy="3550156"/>
+            <a:off x="4822520" y="1276238"/>
+            <a:ext cx="4296349" cy="1721937"/>
           </a:xfrm>
           <a:prstGeom prst="rect">
             <a:avLst/>
           </a:prstGeom>
         </p:spPr>
       </p:pic>
-      <p:sp>
-        <p:nvSpPr>
-          <p:cNvPr id="5" name="TextBox 4"/>
-          <p:cNvSpPr txBox="1"/>
-          <p:nvPr/>
-        </p:nvSpPr>
-        <p:spPr>
-          <a:xfrm>
-            <a:off x="1189918" y="5896342"/>
-            <a:ext cx="7649282" cy="338554"/>
-          </a:xfrm>
-          <a:prstGeom prst="rect">
-            <a:avLst/>
-          </a:prstGeom>
-          <a:noFill/>
-        </p:spPr>
-        <p:txBody>
-          <a:bodyPr wrap="square" rtlCol="0">
-            <a:spAutoFit/>
-          </a:bodyPr>
-          <a:lstStyle/>
-          <a:p>
-            <a:r>
-              <a:rPr lang="tr-TR" sz="1600" dirty="0" err="1" smtClean="0">
-                <a:latin typeface="Times New Roman" panose="02020603050405020304" pitchFamily="18" charset="0"/>
-                <a:cs typeface="Times New Roman" panose="02020603050405020304" pitchFamily="18" charset="0"/>
-              </a:rPr>
-              <a:t>The</a:t>
-            </a:r>
-            <a:r>
-              <a:rPr lang="tr-TR" sz="1600" dirty="0" smtClean="0">
-                <a:latin typeface="Times New Roman" panose="02020603050405020304" pitchFamily="18" charset="0"/>
-                <a:cs typeface="Times New Roman" panose="02020603050405020304" pitchFamily="18" charset="0"/>
-              </a:rPr>
-              <a:t> total WBG </a:t>
-            </a:r>
-            <a:r>
-              <a:rPr lang="tr-TR" sz="1600" dirty="0" err="1" smtClean="0">
-                <a:latin typeface="Times New Roman" panose="02020603050405020304" pitchFamily="18" charset="0"/>
-                <a:cs typeface="Times New Roman" panose="02020603050405020304" pitchFamily="18" charset="0"/>
-              </a:rPr>
-              <a:t>device</a:t>
-            </a:r>
-            <a:r>
-              <a:rPr lang="tr-TR" sz="1600" dirty="0" smtClean="0">
-                <a:latin typeface="Times New Roman" panose="02020603050405020304" pitchFamily="18" charset="0"/>
-                <a:cs typeface="Times New Roman" panose="02020603050405020304" pitchFamily="18" charset="0"/>
-              </a:rPr>
-              <a:t> market is </a:t>
-            </a:r>
-            <a:r>
-              <a:rPr lang="tr-TR" sz="1600" dirty="0" err="1" smtClean="0">
-                <a:latin typeface="Times New Roman" panose="02020603050405020304" pitchFamily="18" charset="0"/>
-                <a:cs typeface="Times New Roman" panose="02020603050405020304" pitchFamily="18" charset="0"/>
-              </a:rPr>
-              <a:t>expected</a:t>
-            </a:r>
-            <a:r>
-              <a:rPr lang="tr-TR" sz="1600" dirty="0" smtClean="0">
-                <a:latin typeface="Times New Roman" panose="02020603050405020304" pitchFamily="18" charset="0"/>
-                <a:cs typeface="Times New Roman" panose="02020603050405020304" pitchFamily="18" charset="0"/>
-              </a:rPr>
-              <a:t> </a:t>
-            </a:r>
-            <a:r>
-              <a:rPr lang="tr-TR" sz="1600" dirty="0" err="1" smtClean="0">
-                <a:latin typeface="Times New Roman" panose="02020603050405020304" pitchFamily="18" charset="0"/>
-                <a:cs typeface="Times New Roman" panose="02020603050405020304" pitchFamily="18" charset="0"/>
-              </a:rPr>
-              <a:t>to</a:t>
-            </a:r>
-            <a:r>
-              <a:rPr lang="tr-TR" sz="1600" dirty="0" smtClean="0">
-                <a:latin typeface="Times New Roman" panose="02020603050405020304" pitchFamily="18" charset="0"/>
-                <a:cs typeface="Times New Roman" panose="02020603050405020304" pitchFamily="18" charset="0"/>
-              </a:rPr>
-              <a:t> be $743M in 2020 in a $12.7B </a:t>
-            </a:r>
-            <a:r>
-              <a:rPr lang="tr-TR" sz="1600" dirty="0" err="1" smtClean="0">
-                <a:latin typeface="Times New Roman" panose="02020603050405020304" pitchFamily="18" charset="0"/>
-                <a:cs typeface="Times New Roman" panose="02020603050405020304" pitchFamily="18" charset="0"/>
-              </a:rPr>
-              <a:t>overall</a:t>
-            </a:r>
-            <a:r>
-              <a:rPr lang="tr-TR" sz="1600" dirty="0" smtClean="0">
-                <a:latin typeface="Times New Roman" panose="02020603050405020304" pitchFamily="18" charset="0"/>
-                <a:cs typeface="Times New Roman" panose="02020603050405020304" pitchFamily="18" charset="0"/>
-              </a:rPr>
-              <a:t> market.</a:t>
-            </a:r>
-            <a:endParaRPr lang="en-US" sz="1600" dirty="0">
-              <a:latin typeface="Times New Roman" panose="02020603050405020304" pitchFamily="18" charset="0"/>
-              <a:cs typeface="Times New Roman" panose="02020603050405020304" pitchFamily="18" charset="0"/>
-            </a:endParaRPr>
-          </a:p>
-        </p:txBody>
-      </p:sp>
-      <p:sp>
-        <p:nvSpPr>
-          <p:cNvPr id="6" name="Rectangle 5"/>
-          <p:cNvSpPr/>
-          <p:nvPr/>
-        </p:nvSpPr>
-        <p:spPr>
-          <a:xfrm>
-            <a:off x="1386290" y="6490642"/>
-            <a:ext cx="7035213" cy="338554"/>
-          </a:xfrm>
-          <a:prstGeom prst="rect">
-            <a:avLst/>
-          </a:prstGeom>
-        </p:spPr>
-        <p:txBody>
-          <a:bodyPr wrap="square">
-            <a:spAutoFit/>
-          </a:bodyPr>
-          <a:lstStyle/>
-          <a:p>
-            <a:r>
-              <a:rPr lang="en-US" sz="800" dirty="0"/>
-              <a:t>https://www.slideshare.net/Yole_Developpement/sic-sapphire-gan-what-is-the-business-evolution-of-the-nonsilicon-based-semiconductor-industry-presentation-held-by-on-semicon-west-2017-by-pierric-gueguen-from-yole-dveloppement</a:t>
-            </a:r>
-          </a:p>
-        </p:txBody>
-      </p:sp>
       <p:pic>
         <p:nvPicPr>
           <p:cNvPr id="12" name="Picture 11"/>
@@ -14515,7 +13155,7 @@
       </p:pic>
       <p:pic>
         <p:nvPicPr>
-          <p:cNvPr id="17" name="Picture 2" descr="C:\Users\Mesut\Desktop\aselsan sunum\aselsan sunum 10 ekim\aselsan sunum\cezmi bey\ODTU.png"/>
+          <p:cNvPr id="18" name="Picture 2" descr="C:\Users\Mesut\Desktop\aselsan sunum\aselsan sunum 10 ekim\aselsan sunum\cezmi bey\ODTU.png"/>
           <p:cNvPicPr>
             <a:picLocks noChangeAspect="1" noChangeArrowheads="1"/>
           </p:cNvPicPr>
@@ -14554,10 +13194,325 @@
           </a:extLst>
         </p:spPr>
       </p:pic>
+      <p:pic>
+        <p:nvPicPr>
+          <p:cNvPr id="14" name="Picture 13"/>
+          <p:cNvPicPr>
+            <a:picLocks noChangeAspect="1"/>
+          </p:cNvPicPr>
+          <p:nvPr/>
+        </p:nvPicPr>
+        <p:blipFill>
+          <a:blip r:embed="rId5"/>
+          <a:stretch>
+            <a:fillRect/>
+          </a:stretch>
+        </p:blipFill>
+        <p:spPr>
+          <a:xfrm>
+            <a:off x="1099675" y="3707871"/>
+            <a:ext cx="4090306" cy="2388129"/>
+          </a:xfrm>
+          <a:prstGeom prst="rect">
+            <a:avLst/>
+          </a:prstGeom>
+        </p:spPr>
+      </p:pic>
+      <p:sp>
+        <p:nvSpPr>
+          <p:cNvPr id="19" name="Text Box 9"/>
+          <p:cNvSpPr txBox="1">
+            <a:spLocks noChangeArrowheads="1"/>
+          </p:cNvSpPr>
+          <p:nvPr/>
+        </p:nvSpPr>
+        <p:spPr bwMode="auto">
+          <a:xfrm>
+            <a:off x="1287509" y="3136125"/>
+            <a:ext cx="3048000" cy="523220"/>
+          </a:xfrm>
+          <a:prstGeom prst="rect">
+            <a:avLst/>
+          </a:prstGeom>
+          <a:noFill/>
+          <a:ln w="9525">
+            <a:noFill/>
+            <a:miter lim="800000"/>
+            <a:headEnd/>
+            <a:tailEnd/>
+          </a:ln>
+          <a:effectLst/>
+        </p:spPr>
+        <p:txBody>
+          <a:bodyPr wrap="square">
+            <a:spAutoFit/>
+          </a:bodyPr>
+          <a:lstStyle/>
+          <a:p>
+            <a:pPr algn="ctr">
+              <a:spcAft>
+                <a:spcPts val="600"/>
+              </a:spcAft>
+            </a:pPr>
+            <a:r>
+              <a:rPr lang="tr-TR" sz="2800" u="sng" dirty="0" smtClean="0">
+                <a:latin typeface="Times New Roman" panose="02020603050405020304" pitchFamily="18" charset="0"/>
+                <a:cs typeface="Times New Roman" panose="02020603050405020304" pitchFamily="18" charset="0"/>
+              </a:rPr>
+              <a:t>DC Link model</a:t>
+            </a:r>
+            <a:endParaRPr lang="en-US" sz="2800" u="sng" dirty="0" smtClean="0">
+              <a:latin typeface="Times New Roman" panose="02020603050405020304" pitchFamily="18" charset="0"/>
+              <a:cs typeface="Times New Roman" panose="02020603050405020304" pitchFamily="18" charset="0"/>
+            </a:endParaRPr>
+          </a:p>
+        </p:txBody>
+      </p:sp>
+      <p:sp>
+        <p:nvSpPr>
+          <p:cNvPr id="20" name="Text Box 9"/>
+          <p:cNvSpPr txBox="1">
+            <a:spLocks noChangeArrowheads="1"/>
+          </p:cNvSpPr>
+          <p:nvPr/>
+        </p:nvSpPr>
+        <p:spPr bwMode="auto">
+          <a:xfrm>
+            <a:off x="5606128" y="3134443"/>
+            <a:ext cx="3109509" cy="523220"/>
+          </a:xfrm>
+          <a:prstGeom prst="rect">
+            <a:avLst/>
+          </a:prstGeom>
+          <a:noFill/>
+          <a:ln w="9525">
+            <a:noFill/>
+            <a:miter lim="800000"/>
+            <a:headEnd/>
+            <a:tailEnd/>
+          </a:ln>
+          <a:effectLst/>
+        </p:spPr>
+        <p:txBody>
+          <a:bodyPr wrap="square">
+            <a:spAutoFit/>
+          </a:bodyPr>
+          <a:lstStyle/>
+          <a:p>
+            <a:pPr algn="ctr"/>
+            <a:r>
+              <a:rPr lang="en-US" sz="2800" u="sng" dirty="0" smtClean="0">
+                <a:latin typeface="Times New Roman" panose="02020603050405020304" pitchFamily="18" charset="0"/>
+                <a:cs typeface="Times New Roman" panose="02020603050405020304" pitchFamily="18" charset="0"/>
+              </a:rPr>
+              <a:t>Critical parameters</a:t>
+            </a:r>
+          </a:p>
+        </p:txBody>
+      </p:sp>
+      <p:sp>
+        <p:nvSpPr>
+          <p:cNvPr id="21" name="Text Box 9"/>
+          <p:cNvSpPr txBox="1">
+            <a:spLocks noChangeArrowheads="1"/>
+          </p:cNvSpPr>
+          <p:nvPr/>
+        </p:nvSpPr>
+        <p:spPr bwMode="auto">
+          <a:xfrm>
+            <a:off x="5598782" y="3840075"/>
+            <a:ext cx="3486872" cy="2246769"/>
+          </a:xfrm>
+          <a:prstGeom prst="rect">
+            <a:avLst/>
+          </a:prstGeom>
+          <a:noFill/>
+          <a:ln w="9525">
+            <a:noFill/>
+            <a:miter lim="800000"/>
+            <a:headEnd/>
+            <a:tailEnd/>
+          </a:ln>
+          <a:effectLst/>
+        </p:spPr>
+        <p:txBody>
+          <a:bodyPr wrap="square">
+            <a:spAutoFit/>
+          </a:bodyPr>
+          <a:lstStyle/>
+          <a:p>
+            <a:pPr>
+              <a:spcAft>
+                <a:spcPts val="600"/>
+              </a:spcAft>
+            </a:pPr>
+            <a:r>
+              <a:rPr lang="en-US" sz="2400" dirty="0" smtClean="0">
+                <a:latin typeface="Times New Roman" panose="02020603050405020304" pitchFamily="18" charset="0"/>
+                <a:cs typeface="Times New Roman" panose="02020603050405020304" pitchFamily="18" charset="0"/>
+              </a:rPr>
+              <a:t>Capacitance </a:t>
+            </a:r>
+            <a:r>
+              <a:rPr lang="tr-TR" sz="2400" dirty="0" err="1" smtClean="0">
+                <a:latin typeface="Times New Roman" panose="02020603050405020304" pitchFamily="18" charset="0"/>
+                <a:cs typeface="Times New Roman" panose="02020603050405020304" pitchFamily="18" charset="0"/>
+              </a:rPr>
+              <a:t>requirement</a:t>
+            </a:r>
+            <a:endParaRPr lang="en-US" sz="2400" dirty="0" smtClean="0">
+              <a:latin typeface="Times New Roman" panose="02020603050405020304" pitchFamily="18" charset="0"/>
+              <a:cs typeface="Times New Roman" panose="02020603050405020304" pitchFamily="18" charset="0"/>
+            </a:endParaRPr>
+          </a:p>
+          <a:p>
+            <a:pPr>
+              <a:spcAft>
+                <a:spcPts val="600"/>
+              </a:spcAft>
+            </a:pPr>
+            <a:r>
+              <a:rPr lang="en-US" sz="2400" dirty="0" smtClean="0">
+                <a:latin typeface="Times New Roman" panose="02020603050405020304" pitchFamily="18" charset="0"/>
+                <a:cs typeface="Times New Roman" panose="02020603050405020304" pitchFamily="18" charset="0"/>
+              </a:rPr>
+              <a:t>RMS </a:t>
+            </a:r>
+            <a:r>
+              <a:rPr lang="en-US" sz="2400" dirty="0" smtClean="0">
+                <a:latin typeface="Times New Roman" panose="02020603050405020304" pitchFamily="18" charset="0"/>
+                <a:cs typeface="Times New Roman" panose="02020603050405020304" pitchFamily="18" charset="0"/>
+              </a:rPr>
+              <a:t>current</a:t>
+            </a:r>
+            <a:endParaRPr lang="tr-TR" sz="2400" dirty="0" smtClean="0">
+              <a:latin typeface="Times New Roman" panose="02020603050405020304" pitchFamily="18" charset="0"/>
+              <a:cs typeface="Times New Roman" panose="02020603050405020304" pitchFamily="18" charset="0"/>
+            </a:endParaRPr>
+          </a:p>
+          <a:p>
+            <a:pPr>
+              <a:spcAft>
+                <a:spcPts val="600"/>
+              </a:spcAft>
+            </a:pPr>
+            <a:r>
+              <a:rPr lang="tr-TR" sz="2400" dirty="0" err="1" smtClean="0">
+                <a:latin typeface="Times New Roman" panose="02020603050405020304" pitchFamily="18" charset="0"/>
+                <a:cs typeface="Times New Roman" panose="02020603050405020304" pitchFamily="18" charset="0"/>
+              </a:rPr>
+              <a:t>Thermal</a:t>
+            </a:r>
+            <a:r>
+              <a:rPr lang="tr-TR" sz="2400" dirty="0" smtClean="0">
+                <a:latin typeface="Times New Roman" panose="02020603050405020304" pitchFamily="18" charset="0"/>
+                <a:cs typeface="Times New Roman" panose="02020603050405020304" pitchFamily="18" charset="0"/>
+              </a:rPr>
+              <a:t> </a:t>
+            </a:r>
+            <a:r>
+              <a:rPr lang="tr-TR" sz="2400" dirty="0" err="1" smtClean="0">
+                <a:latin typeface="Times New Roman" panose="02020603050405020304" pitchFamily="18" charset="0"/>
+                <a:cs typeface="Times New Roman" panose="02020603050405020304" pitchFamily="18" charset="0"/>
+              </a:rPr>
+              <a:t>characteristics</a:t>
+            </a:r>
+            <a:endParaRPr lang="en-US" sz="2400" dirty="0" smtClean="0">
+              <a:latin typeface="Times New Roman" panose="02020603050405020304" pitchFamily="18" charset="0"/>
+              <a:cs typeface="Times New Roman" panose="02020603050405020304" pitchFamily="18" charset="0"/>
+            </a:endParaRPr>
+          </a:p>
+          <a:p>
+            <a:pPr>
+              <a:spcAft>
+                <a:spcPts val="600"/>
+              </a:spcAft>
+            </a:pPr>
+            <a:r>
+              <a:rPr lang="en-US" sz="2400" dirty="0" smtClean="0">
+                <a:latin typeface="Times New Roman" panose="02020603050405020304" pitchFamily="18" charset="0"/>
+                <a:cs typeface="Times New Roman" panose="02020603050405020304" pitchFamily="18" charset="0"/>
+              </a:rPr>
+              <a:t>Reliability </a:t>
+            </a:r>
+            <a:r>
+              <a:rPr lang="en-US" sz="2400" dirty="0" smtClean="0">
+                <a:latin typeface="Times New Roman" panose="02020603050405020304" pitchFamily="18" charset="0"/>
+                <a:cs typeface="Times New Roman" panose="02020603050405020304" pitchFamily="18" charset="0"/>
+              </a:rPr>
+              <a:t>&amp; lifetime</a:t>
+            </a:r>
+          </a:p>
+          <a:p>
+            <a:pPr>
+              <a:spcAft>
+                <a:spcPts val="600"/>
+              </a:spcAft>
+            </a:pPr>
+            <a:r>
+              <a:rPr lang="en-US" sz="2400" dirty="0" smtClean="0">
+                <a:latin typeface="Times New Roman" panose="02020603050405020304" pitchFamily="18" charset="0"/>
+                <a:cs typeface="Times New Roman" panose="02020603050405020304" pitchFamily="18" charset="0"/>
+              </a:rPr>
+              <a:t>Mechanical durability</a:t>
+            </a:r>
+          </a:p>
+        </p:txBody>
+      </p:sp>
+      <p:sp>
+        <p:nvSpPr>
+          <p:cNvPr id="22" name="Text Box 9"/>
+          <p:cNvSpPr txBox="1">
+            <a:spLocks noChangeArrowheads="1"/>
+          </p:cNvSpPr>
+          <p:nvPr/>
+        </p:nvSpPr>
+        <p:spPr bwMode="auto">
+          <a:xfrm>
+            <a:off x="1245026" y="1081775"/>
+            <a:ext cx="3048000" cy="523220"/>
+          </a:xfrm>
+          <a:prstGeom prst="rect">
+            <a:avLst/>
+          </a:prstGeom>
+          <a:noFill/>
+          <a:ln w="9525">
+            <a:noFill/>
+            <a:miter lim="800000"/>
+            <a:headEnd/>
+            <a:tailEnd/>
+          </a:ln>
+          <a:effectLst/>
+        </p:spPr>
+        <p:txBody>
+          <a:bodyPr wrap="square">
+            <a:spAutoFit/>
+          </a:bodyPr>
+          <a:lstStyle/>
+          <a:p>
+            <a:pPr algn="ctr">
+              <a:spcAft>
+                <a:spcPts val="600"/>
+              </a:spcAft>
+            </a:pPr>
+            <a:r>
+              <a:rPr lang="tr-TR" sz="2800" u="sng" dirty="0" err="1" smtClean="0">
+                <a:latin typeface="Times New Roman" panose="02020603050405020304" pitchFamily="18" charset="0"/>
+                <a:cs typeface="Times New Roman" panose="02020603050405020304" pitchFamily="18" charset="0"/>
+              </a:rPr>
+              <a:t>Motivation</a:t>
+            </a:r>
+            <a:endParaRPr lang="en-US" sz="2800" u="sng" dirty="0" smtClean="0">
+              <a:latin typeface="Times New Roman" panose="02020603050405020304" pitchFamily="18" charset="0"/>
+              <a:cs typeface="Times New Roman" panose="02020603050405020304" pitchFamily="18" charset="0"/>
+            </a:endParaRPr>
+          </a:p>
+        </p:txBody>
+      </p:sp>
     </p:spTree>
     <p:extLst>
       <p:ext uri="{BB962C8B-B14F-4D97-AF65-F5344CB8AC3E}">
-        <p14:creationId xmlns:p14="http://schemas.microsoft.com/office/powerpoint/2010/main" val="3899661638"/>
+        <p14:creationId xmlns:p14="http://schemas.microsoft.com/office/powerpoint/2010/main" val="2100869910"/>
       </p:ext>
     </p:extLst>
   </p:cSld>
@@ -14598,6 +13553,76 @@
                                           </p:stCondLst>
                                         </p:cTn>
                                         <p:tgtEl>
+                                          <p:spTgt spid="17"/>
+                                        </p:tgtEl>
+                                        <p:attrNameLst>
+                                          <p:attrName>style.visibility</p:attrName>
+                                        </p:attrNameLst>
+                                      </p:cBhvr>
+                                      <p:to>
+                                        <p:strVal val="visible"/>
+                                      </p:to>
+                                    </p:set>
+                                    <p:animEffect transition="in" filter="fade">
+                                      <p:cBhvr>
+                                        <p:cTn id="7" dur="500"/>
+                                        <p:tgtEl>
+                                          <p:spTgt spid="17"/>
+                                        </p:tgtEl>
+                                      </p:cBhvr>
+                                    </p:animEffect>
+                                  </p:childTnLst>
+                                </p:cTn>
+                              </p:par>
+                              <p:par>
+                                <p:cTn id="8" presetID="10" presetClass="entr" presetSubtype="0" fill="hold" grpId="0" nodeType="withEffect">
+                                  <p:stCondLst>
+                                    <p:cond delay="0"/>
+                                  </p:stCondLst>
+                                  <p:childTnLst>
+                                    <p:set>
+                                      <p:cBhvr>
+                                        <p:cTn id="9" dur="1" fill="hold">
+                                          <p:stCondLst>
+                                            <p:cond delay="0"/>
+                                          </p:stCondLst>
+                                        </p:cTn>
+                                        <p:tgtEl>
+                                          <p:spTgt spid="22"/>
+                                        </p:tgtEl>
+                                        <p:attrNameLst>
+                                          <p:attrName>style.visibility</p:attrName>
+                                        </p:attrNameLst>
+                                      </p:cBhvr>
+                                      <p:to>
+                                        <p:strVal val="visible"/>
+                                      </p:to>
+                                    </p:set>
+                                    <p:animEffect transition="in" filter="fade">
+                                      <p:cBhvr>
+                                        <p:cTn id="10" dur="500"/>
+                                        <p:tgtEl>
+                                          <p:spTgt spid="22"/>
+                                        </p:tgtEl>
+                                      </p:cBhvr>
+                                    </p:animEffect>
+                                  </p:childTnLst>
+                                </p:cTn>
+                              </p:par>
+                              <p:par>
+                                <p:cTn id="11" presetID="10" presetClass="entr" presetSubtype="0" fill="hold" nodeType="withEffect">
+                                  <p:stCondLst>
+                                    <p:cond delay="0"/>
+                                  </p:stCondLst>
+                                  <p:childTnLst>
+                                    <p:set>
+                                      <p:cBhvr>
+                                        <p:cTn id="12" dur="1" fill="hold">
+                                          <p:stCondLst>
+                                            <p:cond delay="0"/>
+                                          </p:stCondLst>
+                                        </p:cTn>
+                                        <p:tgtEl>
                                           <p:spTgt spid="16">
                                             <p:txEl>
                                               <p:pRg st="0" end="0"/>
@@ -14614,7 +13639,7 @@
                                     </p:set>
                                     <p:animEffect transition="in" filter="fade">
                                       <p:cBhvr>
-                                        <p:cTn id="7" dur="500"/>
+                                        <p:cTn id="13" dur="500"/>
                                         <p:tgtEl>
                                           <p:spTgt spid="16">
                                             <p:txEl>
@@ -14634,132 +13659,26 @@
                     </p:cTn>
                   </p:par>
                   <p:par>
-                    <p:cTn id="8" fill="hold">
+                    <p:cTn id="14" fill="hold">
                       <p:stCondLst>
                         <p:cond delay="indefinite"/>
                       </p:stCondLst>
                       <p:childTnLst>
                         <p:par>
-                          <p:cTn id="9" fill="hold">
+                          <p:cTn id="15" fill="hold">
                             <p:stCondLst>
                               <p:cond delay="0"/>
                             </p:stCondLst>
                             <p:childTnLst>
                               <p:par>
-                                <p:cTn id="10" presetID="10" presetClass="entr" presetSubtype="0" fill="hold" nodeType="clickEffect">
+                                <p:cTn id="16" presetID="22" presetClass="entr" presetSubtype="4" fill="hold" nodeType="clickEffect">
                                   <p:stCondLst>
                                     <p:cond delay="0"/>
                                   </p:stCondLst>
                                   <p:childTnLst>
                                     <p:set>
                                       <p:cBhvr>
-                                        <p:cTn id="11" dur="1" fill="hold">
-                                          <p:stCondLst>
-                                            <p:cond delay="0"/>
-                                          </p:stCondLst>
-                                        </p:cTn>
-                                        <p:tgtEl>
-                                          <p:spTgt spid="3"/>
-                                        </p:tgtEl>
-                                        <p:attrNameLst>
-                                          <p:attrName>style.visibility</p:attrName>
-                                        </p:attrNameLst>
-                                      </p:cBhvr>
-                                      <p:to>
-                                        <p:strVal val="visible"/>
-                                      </p:to>
-                                    </p:set>
-                                    <p:animEffect transition="in" filter="fade">
-                                      <p:cBhvr>
-                                        <p:cTn id="12" dur="500"/>
-                                        <p:tgtEl>
-                                          <p:spTgt spid="3"/>
-                                        </p:tgtEl>
-                                      </p:cBhvr>
-                                    </p:animEffect>
-                                  </p:childTnLst>
-                                </p:cTn>
-                              </p:par>
-                            </p:childTnLst>
-                          </p:cTn>
-                        </p:par>
-                      </p:childTnLst>
-                    </p:cTn>
-                  </p:par>
-                  <p:par>
-                    <p:cTn id="13" fill="hold">
-                      <p:stCondLst>
-                        <p:cond delay="indefinite"/>
-                      </p:stCondLst>
-                      <p:childTnLst>
-                        <p:par>
-                          <p:cTn id="14" fill="hold">
-                            <p:stCondLst>
-                              <p:cond delay="0"/>
-                            </p:stCondLst>
-                            <p:childTnLst>
-                              <p:par>
-                                <p:cTn id="15" presetID="10" presetClass="entr" presetSubtype="0" fill="hold" grpId="0" nodeType="clickEffect">
-                                  <p:stCondLst>
-                                    <p:cond delay="0"/>
-                                  </p:stCondLst>
-                                  <p:childTnLst>
-                                    <p:set>
-                                      <p:cBhvr>
-                                        <p:cTn id="16" dur="1" fill="hold">
-                                          <p:stCondLst>
-                                            <p:cond delay="0"/>
-                                          </p:stCondLst>
-                                        </p:cTn>
-                                        <p:tgtEl>
-                                          <p:spTgt spid="5"/>
-                                        </p:tgtEl>
-                                        <p:attrNameLst>
-                                          <p:attrName>style.visibility</p:attrName>
-                                        </p:attrNameLst>
-                                      </p:cBhvr>
-                                      <p:to>
-                                        <p:strVal val="visible"/>
-                                      </p:to>
-                                    </p:set>
-                                    <p:animEffect transition="in" filter="fade">
-                                      <p:cBhvr>
-                                        <p:cTn id="17" dur="500"/>
-                                        <p:tgtEl>
-                                          <p:spTgt spid="5"/>
-                                        </p:tgtEl>
-                                      </p:cBhvr>
-                                    </p:animEffect>
-                                  </p:childTnLst>
-                                </p:cTn>
-                              </p:par>
-                            </p:childTnLst>
-                          </p:cTn>
-                        </p:par>
-                      </p:childTnLst>
-                    </p:cTn>
-                  </p:par>
-                  <p:par>
-                    <p:cTn id="18" fill="hold">
-                      <p:stCondLst>
-                        <p:cond delay="indefinite"/>
-                      </p:stCondLst>
-                      <p:childTnLst>
-                        <p:par>
-                          <p:cTn id="19" fill="hold">
-                            <p:stCondLst>
-                              <p:cond delay="0"/>
-                            </p:stCondLst>
-                            <p:childTnLst>
-                              <p:par>
-                                <p:cTn id="20" presetID="42" presetClass="entr" presetSubtype="0" fill="hold" nodeType="clickEffect">
-                                  <p:stCondLst>
-                                    <p:cond delay="0"/>
-                                  </p:stCondLst>
-                                  <p:childTnLst>
-                                    <p:set>
-                                      <p:cBhvr>
-                                        <p:cTn id="21" dur="1" fill="hold">
+                                        <p:cTn id="17" dur="1" fill="hold">
                                           <p:stCondLst>
                                             <p:cond delay="0"/>
                                           </p:stCondLst>
@@ -14779,9 +13698,9 @@
                                         <p:strVal val="visible"/>
                                       </p:to>
                                     </p:set>
-                                    <p:animEffect transition="in" filter="fade">
+                                    <p:animEffect transition="in" filter="wipe(down)">
                                       <p:cBhvr>
-                                        <p:cTn id="22" dur="1000"/>
+                                        <p:cTn id="18" dur="500"/>
                                         <p:tgtEl>
                                           <p:spTgt spid="16">
                                             <p:txEl>
@@ -14791,60 +13710,6 @@
                                         </p:tgtEl>
                                       </p:cBhvr>
                                     </p:animEffect>
-                                    <p:anim calcmode="lin" valueType="num">
-                                      <p:cBhvr>
-                                        <p:cTn id="23" dur="1000" fill="hold"/>
-                                        <p:tgtEl>
-                                          <p:spTgt spid="16">
-                                            <p:txEl>
-                                              <p:pRg st="1" end="1"/>
-                                            </p:txEl>
-                                          </p:spTgt>
-                                        </p:tgtEl>
-                                        <p:attrNameLst>
-                                          <p:attrName>ppt_x</p:attrName>
-                                        </p:attrNameLst>
-                                      </p:cBhvr>
-                                      <p:tavLst>
-                                        <p:tav tm="0">
-                                          <p:val>
-                                            <p:strVal val="#ppt_x"/>
-                                          </p:val>
-                                        </p:tav>
-                                        <p:tav tm="100000">
-                                          <p:val>
-                                            <p:strVal val="#ppt_x"/>
-                                          </p:val>
-                                        </p:tav>
-                                      </p:tavLst>
-                                    </p:anim>
-                                    <p:anim calcmode="lin" valueType="num">
-                                      <p:cBhvr>
-                                        <p:cTn id="24" dur="1000" fill="hold"/>
-                                        <p:tgtEl>
-                                          <p:spTgt spid="16">
-                                            <p:txEl>
-                                              <p:pRg st="1" end="1"/>
-                                            </p:txEl>
-                                          </p:spTgt>
-                                        </p:tgtEl>
-                                        <p:attrNameLst>
-                                          <p:attrName>ppt_y</p:attrName>
-                                        </p:attrNameLst>
-                                      </p:cBhvr>
-                                      <p:tavLst>
-                                        <p:tav tm="0">
-                                          <p:val>
-                                            <p:strVal val="#ppt_y+.1"/>
-                                          </p:val>
-                                        </p:tav>
-                                        <p:tav tm="100000">
-                                          <p:val>
-                                            <p:strVal val="#ppt_y"/>
-                                          </p:val>
-                                        </p:tav>
-                                      </p:tavLst>
-                                    </p:anim>
                                   </p:childTnLst>
                                 </p:cTn>
                               </p:par>
@@ -14855,26 +13720,26 @@
                     </p:cTn>
                   </p:par>
                   <p:par>
-                    <p:cTn id="25" fill="hold">
+                    <p:cTn id="19" fill="hold">
                       <p:stCondLst>
                         <p:cond delay="indefinite"/>
                       </p:stCondLst>
                       <p:childTnLst>
                         <p:par>
-                          <p:cTn id="26" fill="hold">
+                          <p:cTn id="20" fill="hold">
                             <p:stCondLst>
                               <p:cond delay="0"/>
                             </p:stCondLst>
                             <p:childTnLst>
                               <p:par>
-                                <p:cTn id="27" presetID="42" presetClass="entr" presetSubtype="0" fill="hold" nodeType="clickEffect">
+                                <p:cTn id="21" presetID="22" presetClass="entr" presetSubtype="4" fill="hold" nodeType="clickEffect">
                                   <p:stCondLst>
                                     <p:cond delay="0"/>
                                   </p:stCondLst>
                                   <p:childTnLst>
                                     <p:set>
                                       <p:cBhvr>
-                                        <p:cTn id="28" dur="1" fill="hold">
+                                        <p:cTn id="22" dur="1" fill="hold">
                                           <p:stCondLst>
                                             <p:cond delay="0"/>
                                           </p:stCondLst>
@@ -14894,9 +13759,9 @@
                                         <p:strVal val="visible"/>
                                       </p:to>
                                     </p:set>
-                                    <p:animEffect transition="in" filter="fade">
+                                    <p:animEffect transition="in" filter="wipe(down)">
                                       <p:cBhvr>
-                                        <p:cTn id="29" dur="1000"/>
+                                        <p:cTn id="23" dur="500"/>
                                         <p:tgtEl>
                                           <p:spTgt spid="16">
                                             <p:txEl>
@@ -14906,60 +13771,428 @@
                                         </p:tgtEl>
                                       </p:cBhvr>
                                     </p:animEffect>
-                                    <p:anim calcmode="lin" valueType="num">
+                                  </p:childTnLst>
+                                </p:cTn>
+                              </p:par>
+                            </p:childTnLst>
+                          </p:cTn>
+                        </p:par>
+                      </p:childTnLst>
+                    </p:cTn>
+                  </p:par>
+                  <p:par>
+                    <p:cTn id="24" fill="hold">
+                      <p:stCondLst>
+                        <p:cond delay="indefinite"/>
+                      </p:stCondLst>
+                      <p:childTnLst>
+                        <p:par>
+                          <p:cTn id="25" fill="hold">
+                            <p:stCondLst>
+                              <p:cond delay="0"/>
+                            </p:stCondLst>
+                            <p:childTnLst>
+                              <p:par>
+                                <p:cTn id="26" presetID="1" presetClass="entr" presetSubtype="0" fill="hold" grpId="0" nodeType="clickEffect">
+                                  <p:stCondLst>
+                                    <p:cond delay="0"/>
+                                  </p:stCondLst>
+                                  <p:childTnLst>
+                                    <p:set>
                                       <p:cBhvr>
-                                        <p:cTn id="30" dur="1000" fill="hold"/>
+                                        <p:cTn id="27" dur="1" fill="hold">
+                                          <p:stCondLst>
+                                            <p:cond delay="0"/>
+                                          </p:stCondLst>
+                                        </p:cTn>
                                         <p:tgtEl>
-                                          <p:spTgt spid="16">
+                                          <p:spTgt spid="19"/>
+                                        </p:tgtEl>
+                                        <p:attrNameLst>
+                                          <p:attrName>style.visibility</p:attrName>
+                                        </p:attrNameLst>
+                                      </p:cBhvr>
+                                      <p:to>
+                                        <p:strVal val="visible"/>
+                                      </p:to>
+                                    </p:set>
+                                  </p:childTnLst>
+                                </p:cTn>
+                              </p:par>
+                              <p:par>
+                                <p:cTn id="28" presetID="1" presetClass="entr" presetSubtype="0" fill="hold" nodeType="withEffect">
+                                  <p:stCondLst>
+                                    <p:cond delay="0"/>
+                                  </p:stCondLst>
+                                  <p:childTnLst>
+                                    <p:set>
+                                      <p:cBhvr>
+                                        <p:cTn id="29" dur="1" fill="hold">
+                                          <p:stCondLst>
+                                            <p:cond delay="0"/>
+                                          </p:stCondLst>
+                                        </p:cTn>
+                                        <p:tgtEl>
+                                          <p:spTgt spid="14"/>
+                                        </p:tgtEl>
+                                        <p:attrNameLst>
+                                          <p:attrName>style.visibility</p:attrName>
+                                        </p:attrNameLst>
+                                      </p:cBhvr>
+                                      <p:to>
+                                        <p:strVal val="visible"/>
+                                      </p:to>
+                                    </p:set>
+                                  </p:childTnLst>
+                                </p:cTn>
+                              </p:par>
+                            </p:childTnLst>
+                          </p:cTn>
+                        </p:par>
+                      </p:childTnLst>
+                    </p:cTn>
+                  </p:par>
+                  <p:par>
+                    <p:cTn id="30" fill="hold">
+                      <p:stCondLst>
+                        <p:cond delay="indefinite"/>
+                      </p:stCondLst>
+                      <p:childTnLst>
+                        <p:par>
+                          <p:cTn id="31" fill="hold">
+                            <p:stCondLst>
+                              <p:cond delay="0"/>
+                            </p:stCondLst>
+                            <p:childTnLst>
+                              <p:par>
+                                <p:cTn id="32" presetID="1" presetClass="entr" presetSubtype="0" fill="hold" grpId="0" nodeType="clickEffect">
+                                  <p:stCondLst>
+                                    <p:cond delay="0"/>
+                                  </p:stCondLst>
+                                  <p:childTnLst>
+                                    <p:set>
+                                      <p:cBhvr>
+                                        <p:cTn id="33" dur="1" fill="hold">
+                                          <p:stCondLst>
+                                            <p:cond delay="0"/>
+                                          </p:stCondLst>
+                                        </p:cTn>
+                                        <p:tgtEl>
+                                          <p:spTgt spid="20"/>
+                                        </p:tgtEl>
+                                        <p:attrNameLst>
+                                          <p:attrName>style.visibility</p:attrName>
+                                        </p:attrNameLst>
+                                      </p:cBhvr>
+                                      <p:to>
+                                        <p:strVal val="visible"/>
+                                      </p:to>
+                                    </p:set>
+                                  </p:childTnLst>
+                                </p:cTn>
+                              </p:par>
+                            </p:childTnLst>
+                          </p:cTn>
+                        </p:par>
+                      </p:childTnLst>
+                    </p:cTn>
+                  </p:par>
+                  <p:par>
+                    <p:cTn id="34" fill="hold">
+                      <p:stCondLst>
+                        <p:cond delay="indefinite"/>
+                      </p:stCondLst>
+                      <p:childTnLst>
+                        <p:par>
+                          <p:cTn id="35" fill="hold">
+                            <p:stCondLst>
+                              <p:cond delay="0"/>
+                            </p:stCondLst>
+                            <p:childTnLst>
+                              <p:par>
+                                <p:cTn id="36" presetID="10" presetClass="entr" presetSubtype="0" fill="hold" nodeType="clickEffect">
+                                  <p:stCondLst>
+                                    <p:cond delay="0"/>
+                                  </p:stCondLst>
+                                  <p:childTnLst>
+                                    <p:set>
+                                      <p:cBhvr>
+                                        <p:cTn id="37" dur="1" fill="hold">
+                                          <p:stCondLst>
+                                            <p:cond delay="0"/>
+                                          </p:stCondLst>
+                                        </p:cTn>
+                                        <p:tgtEl>
+                                          <p:spTgt spid="21">
+                                            <p:txEl>
+                                              <p:pRg st="0" end="0"/>
+                                            </p:txEl>
+                                          </p:spTgt>
+                                        </p:tgtEl>
+                                        <p:attrNameLst>
+                                          <p:attrName>style.visibility</p:attrName>
+                                        </p:attrNameLst>
+                                      </p:cBhvr>
+                                      <p:to>
+                                        <p:strVal val="visible"/>
+                                      </p:to>
+                                    </p:set>
+                                    <p:animEffect transition="in" filter="fade">
+                                      <p:cBhvr>
+                                        <p:cTn id="38" dur="500"/>
+                                        <p:tgtEl>
+                                          <p:spTgt spid="21">
+                                            <p:txEl>
+                                              <p:pRg st="0" end="0"/>
+                                            </p:txEl>
+                                          </p:spTgt>
+                                        </p:tgtEl>
+                                      </p:cBhvr>
+                                    </p:animEffect>
+                                  </p:childTnLst>
+                                </p:cTn>
+                              </p:par>
+                            </p:childTnLst>
+                          </p:cTn>
+                        </p:par>
+                      </p:childTnLst>
+                    </p:cTn>
+                  </p:par>
+                  <p:par>
+                    <p:cTn id="39" fill="hold">
+                      <p:stCondLst>
+                        <p:cond delay="indefinite"/>
+                      </p:stCondLst>
+                      <p:childTnLst>
+                        <p:par>
+                          <p:cTn id="40" fill="hold">
+                            <p:stCondLst>
+                              <p:cond delay="0"/>
+                            </p:stCondLst>
+                            <p:childTnLst>
+                              <p:par>
+                                <p:cTn id="41" presetID="10" presetClass="entr" presetSubtype="0" fill="hold" nodeType="clickEffect">
+                                  <p:stCondLst>
+                                    <p:cond delay="0"/>
+                                  </p:stCondLst>
+                                  <p:childTnLst>
+                                    <p:set>
+                                      <p:cBhvr>
+                                        <p:cTn id="42" dur="1" fill="hold">
+                                          <p:stCondLst>
+                                            <p:cond delay="0"/>
+                                          </p:stCondLst>
+                                        </p:cTn>
+                                        <p:tgtEl>
+                                          <p:spTgt spid="21">
+                                            <p:txEl>
+                                              <p:pRg st="1" end="1"/>
+                                            </p:txEl>
+                                          </p:spTgt>
+                                        </p:tgtEl>
+                                        <p:attrNameLst>
+                                          <p:attrName>style.visibility</p:attrName>
+                                        </p:attrNameLst>
+                                      </p:cBhvr>
+                                      <p:to>
+                                        <p:strVal val="visible"/>
+                                      </p:to>
+                                    </p:set>
+                                    <p:animEffect transition="in" filter="fade">
+                                      <p:cBhvr>
+                                        <p:cTn id="43" dur="500"/>
+                                        <p:tgtEl>
+                                          <p:spTgt spid="21">
+                                            <p:txEl>
+                                              <p:pRg st="1" end="1"/>
+                                            </p:txEl>
+                                          </p:spTgt>
+                                        </p:tgtEl>
+                                      </p:cBhvr>
+                                    </p:animEffect>
+                                  </p:childTnLst>
+                                </p:cTn>
+                              </p:par>
+                            </p:childTnLst>
+                          </p:cTn>
+                        </p:par>
+                      </p:childTnLst>
+                    </p:cTn>
+                  </p:par>
+                  <p:par>
+                    <p:cTn id="44" fill="hold">
+                      <p:stCondLst>
+                        <p:cond delay="indefinite"/>
+                      </p:stCondLst>
+                      <p:childTnLst>
+                        <p:par>
+                          <p:cTn id="45" fill="hold">
+                            <p:stCondLst>
+                              <p:cond delay="0"/>
+                            </p:stCondLst>
+                            <p:childTnLst>
+                              <p:par>
+                                <p:cTn id="46" presetID="10" presetClass="entr" presetSubtype="0" fill="hold" nodeType="clickEffect">
+                                  <p:stCondLst>
+                                    <p:cond delay="0"/>
+                                  </p:stCondLst>
+                                  <p:childTnLst>
+                                    <p:set>
+                                      <p:cBhvr>
+                                        <p:cTn id="47" dur="1" fill="hold">
+                                          <p:stCondLst>
+                                            <p:cond delay="0"/>
+                                          </p:stCondLst>
+                                        </p:cTn>
+                                        <p:tgtEl>
+                                          <p:spTgt spid="21">
                                             <p:txEl>
                                               <p:pRg st="2" end="2"/>
                                             </p:txEl>
                                           </p:spTgt>
                                         </p:tgtEl>
                                         <p:attrNameLst>
-                                          <p:attrName>ppt_x</p:attrName>
+                                          <p:attrName>style.visibility</p:attrName>
                                         </p:attrNameLst>
                                       </p:cBhvr>
-                                      <p:tavLst>
-                                        <p:tav tm="0">
-                                          <p:val>
-                                            <p:strVal val="#ppt_x"/>
-                                          </p:val>
-                                        </p:tav>
-                                        <p:tav tm="100000">
-                                          <p:val>
-                                            <p:strVal val="#ppt_x"/>
-                                          </p:val>
-                                        </p:tav>
-                                      </p:tavLst>
-                                    </p:anim>
-                                    <p:anim calcmode="lin" valueType="num">
+                                      <p:to>
+                                        <p:strVal val="visible"/>
+                                      </p:to>
+                                    </p:set>
+                                    <p:animEffect transition="in" filter="fade">
                                       <p:cBhvr>
-                                        <p:cTn id="31" dur="1000" fill="hold"/>
+                                        <p:cTn id="48" dur="500"/>
                                         <p:tgtEl>
-                                          <p:spTgt spid="16">
+                                          <p:spTgt spid="21">
                                             <p:txEl>
                                               <p:pRg st="2" end="2"/>
                                             </p:txEl>
                                           </p:spTgt>
                                         </p:tgtEl>
+                                      </p:cBhvr>
+                                    </p:animEffect>
+                                  </p:childTnLst>
+                                </p:cTn>
+                              </p:par>
+                            </p:childTnLst>
+                          </p:cTn>
+                        </p:par>
+                      </p:childTnLst>
+                    </p:cTn>
+                  </p:par>
+                  <p:par>
+                    <p:cTn id="49" fill="hold">
+                      <p:stCondLst>
+                        <p:cond delay="indefinite"/>
+                      </p:stCondLst>
+                      <p:childTnLst>
+                        <p:par>
+                          <p:cTn id="50" fill="hold">
+                            <p:stCondLst>
+                              <p:cond delay="0"/>
+                            </p:stCondLst>
+                            <p:childTnLst>
+                              <p:par>
+                                <p:cTn id="51" presetID="10" presetClass="entr" presetSubtype="0" fill="hold" nodeType="clickEffect">
+                                  <p:stCondLst>
+                                    <p:cond delay="0"/>
+                                  </p:stCondLst>
+                                  <p:childTnLst>
+                                    <p:set>
+                                      <p:cBhvr>
+                                        <p:cTn id="52" dur="1" fill="hold">
+                                          <p:stCondLst>
+                                            <p:cond delay="0"/>
+                                          </p:stCondLst>
+                                        </p:cTn>
+                                        <p:tgtEl>
+                                          <p:spTgt spid="21">
+                                            <p:txEl>
+                                              <p:pRg st="3" end="3"/>
+                                            </p:txEl>
+                                          </p:spTgt>
+                                        </p:tgtEl>
                                         <p:attrNameLst>
-                                          <p:attrName>ppt_y</p:attrName>
+                                          <p:attrName>style.visibility</p:attrName>
                                         </p:attrNameLst>
                                       </p:cBhvr>
-                                      <p:tavLst>
-                                        <p:tav tm="0">
-                                          <p:val>
-                                            <p:strVal val="#ppt_y+.1"/>
-                                          </p:val>
-                                        </p:tav>
-                                        <p:tav tm="100000">
-                                          <p:val>
-                                            <p:strVal val="#ppt_y"/>
-                                          </p:val>
-                                        </p:tav>
-                                      </p:tavLst>
-                                    </p:anim>
+                                      <p:to>
+                                        <p:strVal val="visible"/>
+                                      </p:to>
+                                    </p:set>
+                                    <p:animEffect transition="in" filter="fade">
+                                      <p:cBhvr>
+                                        <p:cTn id="53" dur="500"/>
+                                        <p:tgtEl>
+                                          <p:spTgt spid="21">
+                                            <p:txEl>
+                                              <p:pRg st="3" end="3"/>
+                                            </p:txEl>
+                                          </p:spTgt>
+                                        </p:tgtEl>
+                                      </p:cBhvr>
+                                    </p:animEffect>
+                                  </p:childTnLst>
+                                </p:cTn>
+                              </p:par>
+                            </p:childTnLst>
+                          </p:cTn>
+                        </p:par>
+                      </p:childTnLst>
+                    </p:cTn>
+                  </p:par>
+                  <p:par>
+                    <p:cTn id="54" fill="hold">
+                      <p:stCondLst>
+                        <p:cond delay="indefinite"/>
+                      </p:stCondLst>
+                      <p:childTnLst>
+                        <p:par>
+                          <p:cTn id="55" fill="hold">
+                            <p:stCondLst>
+                              <p:cond delay="0"/>
+                            </p:stCondLst>
+                            <p:childTnLst>
+                              <p:par>
+                                <p:cTn id="56" presetID="10" presetClass="entr" presetSubtype="0" fill="hold" nodeType="clickEffect">
+                                  <p:stCondLst>
+                                    <p:cond delay="0"/>
+                                  </p:stCondLst>
+                                  <p:childTnLst>
+                                    <p:set>
+                                      <p:cBhvr>
+                                        <p:cTn id="57" dur="1" fill="hold">
+                                          <p:stCondLst>
+                                            <p:cond delay="0"/>
+                                          </p:stCondLst>
+                                        </p:cTn>
+                                        <p:tgtEl>
+                                          <p:spTgt spid="21">
+                                            <p:txEl>
+                                              <p:pRg st="4" end="4"/>
+                                            </p:txEl>
+                                          </p:spTgt>
+                                        </p:tgtEl>
+                                        <p:attrNameLst>
+                                          <p:attrName>style.visibility</p:attrName>
+                                        </p:attrNameLst>
+                                      </p:cBhvr>
+                                      <p:to>
+                                        <p:strVal val="visible"/>
+                                      </p:to>
+                                    </p:set>
+                                    <p:animEffect transition="in" filter="fade">
+                                      <p:cBhvr>
+                                        <p:cTn id="58" dur="500"/>
+                                        <p:tgtEl>
+                                          <p:spTgt spid="21">
+                                            <p:txEl>
+                                              <p:pRg st="4" end="4"/>
+                                            </p:txEl>
+                                          </p:spTgt>
+                                        </p:tgtEl>
+                                      </p:cBhvr>
+                                    </p:animEffect>
                                   </p:childTnLst>
                                 </p:cTn>
                               </p:par>
@@ -14991,8 +14224,545 @@
       </p:par>
     </p:tnLst>
     <p:bldLst>
-      <p:bldP spid="5" grpId="0"/>
+      <p:bldP spid="19" grpId="0"/>
+      <p:bldP spid="20" grpId="0"/>
+      <p:bldP spid="22" grpId="0"/>
     </p:bldLst>
+  </p:timing>
+</p:sld>
+</file>
+
+<file path=ppt/slides/slide7.xml><?xml version="1.0" encoding="utf-8"?>
+<p:sld xmlns:a="http://schemas.openxmlformats.org/drawingml/2006/main" xmlns:r="http://schemas.openxmlformats.org/officeDocument/2006/relationships" xmlns:p="http://schemas.openxmlformats.org/presentationml/2006/main">
+  <p:cSld>
+    <p:spTree>
+      <p:nvGrpSpPr>
+        <p:cNvPr id="1" name=""/>
+        <p:cNvGrpSpPr/>
+        <p:nvPr/>
+      </p:nvGrpSpPr>
+      <p:grpSpPr>
+        <a:xfrm>
+          <a:off x="0" y="0"/>
+          <a:ext cx="0" cy="0"/>
+          <a:chOff x="0" y="0"/>
+          <a:chExt cx="0" cy="0"/>
+        </a:xfrm>
+      </p:grpSpPr>
+      <p:sp>
+        <p:nvSpPr>
+          <p:cNvPr id="10" name="Rectangle 9"/>
+          <p:cNvSpPr/>
+          <p:nvPr/>
+        </p:nvSpPr>
+        <p:spPr>
+          <a:xfrm>
+            <a:off x="0" y="12106"/>
+            <a:ext cx="1011942" cy="6854083"/>
+          </a:xfrm>
+          <a:prstGeom prst="rect">
+            <a:avLst/>
+          </a:prstGeom>
+          <a:gradFill flip="none" rotWithShape="1">
+            <a:gsLst>
+              <a:gs pos="50000">
+                <a:srgbClr val="D00000"/>
+              </a:gs>
+              <a:gs pos="0">
+                <a:srgbClr val="FF0000">
+                  <a:shade val="30000"/>
+                  <a:satMod val="115000"/>
+                </a:srgbClr>
+              </a:gs>
+              <a:gs pos="100000">
+                <a:schemeClr val="accent2">
+                  <a:lumMod val="60000"/>
+                  <a:lumOff val="40000"/>
+                </a:schemeClr>
+              </a:gs>
+            </a:gsLst>
+            <a:lin ang="5400000" scaled="1"/>
+            <a:tileRect/>
+          </a:gradFill>
+          <a:ln>
+            <a:noFill/>
+          </a:ln>
+        </p:spPr>
+        <p:style>
+          <a:lnRef idx="2">
+            <a:schemeClr val="accent1">
+              <a:shade val="50000"/>
+            </a:schemeClr>
+          </a:lnRef>
+          <a:fillRef idx="1">
+            <a:schemeClr val="accent1"/>
+          </a:fillRef>
+          <a:effectRef idx="0">
+            <a:schemeClr val="accent1"/>
+          </a:effectRef>
+          <a:fontRef idx="minor">
+            <a:schemeClr val="lt1"/>
+          </a:fontRef>
+        </p:style>
+        <p:txBody>
+          <a:bodyPr rtlCol="0" anchor="ctr"/>
+          <a:lstStyle/>
+          <a:p>
+            <a:pPr algn="ctr"/>
+            <a:endParaRPr lang="tr-TR"/>
+          </a:p>
+        </p:txBody>
+      </p:sp>
+      <p:cxnSp>
+        <p:nvCxnSpPr>
+          <p:cNvPr id="11" name="Straight Connector 10"/>
+          <p:cNvCxnSpPr/>
+          <p:nvPr/>
+        </p:nvCxnSpPr>
+        <p:spPr>
+          <a:xfrm>
+            <a:off x="1189918" y="838200"/>
+            <a:ext cx="7649282" cy="0"/>
+          </a:xfrm>
+          <a:prstGeom prst="line">
+            <a:avLst/>
+          </a:prstGeom>
+          <a:ln w="50800">
+            <a:solidFill>
+              <a:srgbClr val="F20000"/>
+            </a:solidFill>
+          </a:ln>
+        </p:spPr>
+        <p:style>
+          <a:lnRef idx="1">
+            <a:schemeClr val="accent1"/>
+          </a:lnRef>
+          <a:fillRef idx="0">
+            <a:schemeClr val="accent1"/>
+          </a:fillRef>
+          <a:effectRef idx="0">
+            <a:schemeClr val="accent1"/>
+          </a:effectRef>
+          <a:fontRef idx="minor">
+            <a:schemeClr val="tx1"/>
+          </a:fontRef>
+        </p:style>
+      </p:cxnSp>
+      <p:cxnSp>
+        <p:nvCxnSpPr>
+          <p:cNvPr id="15" name="Straight Connector 14"/>
+          <p:cNvCxnSpPr/>
+          <p:nvPr/>
+        </p:nvCxnSpPr>
+        <p:spPr>
+          <a:xfrm>
+            <a:off x="1189918" y="914400"/>
+            <a:ext cx="7649282" cy="0"/>
+          </a:xfrm>
+          <a:prstGeom prst="line">
+            <a:avLst/>
+          </a:prstGeom>
+          <a:ln w="19050">
+            <a:solidFill>
+              <a:srgbClr val="F20000"/>
+            </a:solidFill>
+          </a:ln>
+        </p:spPr>
+        <p:style>
+          <a:lnRef idx="1">
+            <a:schemeClr val="accent1"/>
+          </a:lnRef>
+          <a:fillRef idx="0">
+            <a:schemeClr val="accent1"/>
+          </a:fillRef>
+          <a:effectRef idx="0">
+            <a:schemeClr val="accent1"/>
+          </a:effectRef>
+          <a:fontRef idx="minor">
+            <a:schemeClr val="tx1"/>
+          </a:fontRef>
+        </p:style>
+      </p:cxnSp>
+      <p:sp>
+        <p:nvSpPr>
+          <p:cNvPr id="2" name="Slide Number Placeholder 1"/>
+          <p:cNvSpPr>
+            <a:spLocks noGrp="1"/>
+          </p:cNvSpPr>
+          <p:nvPr>
+            <p:ph type="sldNum" sz="quarter" idx="12"/>
+          </p:nvPr>
+        </p:nvSpPr>
+        <p:spPr/>
+        <p:txBody>
+          <a:bodyPr/>
+          <a:lstStyle/>
+          <a:p>
+            <a:fld id="{B6F15528-21DE-4FAA-801E-634DDDAF4B2B}" type="slidenum">
+              <a:rPr lang="en-US" smtClean="0"/>
+              <a:pPr/>
+              <a:t>7</a:t>
+            </a:fld>
+            <a:endParaRPr lang="en-US" dirty="0"/>
+          </a:p>
+        </p:txBody>
+      </p:sp>
+      <p:sp>
+        <p:nvSpPr>
+          <p:cNvPr id="9" name="TextBox 8"/>
+          <p:cNvSpPr txBox="1"/>
+          <p:nvPr/>
+        </p:nvSpPr>
+        <p:spPr>
+          <a:xfrm>
+            <a:off x="1386291" y="224135"/>
+            <a:ext cx="7315200" cy="553998"/>
+          </a:xfrm>
+          <a:prstGeom prst="rect">
+            <a:avLst/>
+          </a:prstGeom>
+          <a:noFill/>
+        </p:spPr>
+        <p:txBody>
+          <a:bodyPr wrap="square" rtlCol="0">
+            <a:spAutoFit/>
+          </a:bodyPr>
+          <a:lstStyle/>
+          <a:p>
+            <a:pPr algn="ctr"/>
+            <a:r>
+              <a:rPr lang="en-US" sz="3000" dirty="0" smtClean="0">
+                <a:latin typeface="Times New Roman" panose="02020603050405020304" pitchFamily="18" charset="0"/>
+                <a:cs typeface="Times New Roman" panose="02020603050405020304" pitchFamily="18" charset="0"/>
+              </a:rPr>
+              <a:t>DC Link </a:t>
+            </a:r>
+            <a:r>
+              <a:rPr lang="tr-TR" sz="3000" dirty="0" err="1" smtClean="0">
+                <a:latin typeface="Times New Roman" panose="02020603050405020304" pitchFamily="18" charset="0"/>
+                <a:cs typeface="Times New Roman" panose="02020603050405020304" pitchFamily="18" charset="0"/>
+              </a:rPr>
+              <a:t>Modeling</a:t>
+            </a:r>
+            <a:endParaRPr lang="en-US" sz="3000" dirty="0">
+              <a:latin typeface="Times New Roman" panose="02020603050405020304" pitchFamily="18" charset="0"/>
+              <a:cs typeface="Times New Roman" panose="02020603050405020304" pitchFamily="18" charset="0"/>
+            </a:endParaRPr>
+          </a:p>
+        </p:txBody>
+      </p:sp>
+      <p:pic>
+        <p:nvPicPr>
+          <p:cNvPr id="3" name="Picture 2"/>
+          <p:cNvPicPr>
+            <a:picLocks noChangeAspect="1"/>
+          </p:cNvPicPr>
+          <p:nvPr/>
+        </p:nvPicPr>
+        <p:blipFill>
+          <a:blip r:embed="rId2"/>
+          <a:stretch>
+            <a:fillRect/>
+          </a:stretch>
+        </p:blipFill>
+        <p:spPr>
+          <a:xfrm>
+            <a:off x="1089794" y="2438400"/>
+            <a:ext cx="2608400" cy="713807"/>
+          </a:xfrm>
+          <a:prstGeom prst="rect">
+            <a:avLst/>
+          </a:prstGeom>
+          <a:ln>
+            <a:solidFill>
+              <a:schemeClr val="tx1"/>
+            </a:solidFill>
+          </a:ln>
+        </p:spPr>
+      </p:pic>
+      <p:pic>
+        <p:nvPicPr>
+          <p:cNvPr id="4" name="Picture 3"/>
+          <p:cNvPicPr>
+            <a:picLocks noChangeAspect="1"/>
+          </p:cNvPicPr>
+          <p:nvPr/>
+        </p:nvPicPr>
+        <p:blipFill>
+          <a:blip r:embed="rId3"/>
+          <a:stretch>
+            <a:fillRect/>
+          </a:stretch>
+        </p:blipFill>
+        <p:spPr>
+          <a:xfrm>
+            <a:off x="1074035" y="3377237"/>
+            <a:ext cx="5479165" cy="816309"/>
+          </a:xfrm>
+          <a:prstGeom prst="rect">
+            <a:avLst/>
+          </a:prstGeom>
+          <a:ln>
+            <a:solidFill>
+              <a:schemeClr val="tx1"/>
+            </a:solidFill>
+          </a:ln>
+        </p:spPr>
+      </p:pic>
+      <p:pic>
+        <p:nvPicPr>
+          <p:cNvPr id="5" name="Picture 4"/>
+          <p:cNvPicPr>
+            <a:picLocks noChangeAspect="1"/>
+          </p:cNvPicPr>
+          <p:nvPr/>
+        </p:nvPicPr>
+        <p:blipFill>
+          <a:blip r:embed="rId4"/>
+          <a:stretch>
+            <a:fillRect/>
+          </a:stretch>
+        </p:blipFill>
+        <p:spPr>
+          <a:xfrm>
+            <a:off x="1089794" y="4381453"/>
+            <a:ext cx="3248248" cy="805566"/>
+          </a:xfrm>
+          <a:prstGeom prst="rect">
+            <a:avLst/>
+          </a:prstGeom>
+          <a:ln>
+            <a:solidFill>
+              <a:schemeClr val="tx1"/>
+            </a:solidFill>
+          </a:ln>
+        </p:spPr>
+      </p:pic>
+      <p:pic>
+        <p:nvPicPr>
+          <p:cNvPr id="8" name="Picture 7"/>
+          <p:cNvPicPr>
+            <a:picLocks noChangeAspect="1"/>
+          </p:cNvPicPr>
+          <p:nvPr/>
+        </p:nvPicPr>
+        <p:blipFill>
+          <a:blip r:embed="rId5"/>
+          <a:stretch>
+            <a:fillRect/>
+          </a:stretch>
+        </p:blipFill>
+        <p:spPr>
+          <a:xfrm>
+            <a:off x="1089794" y="5374926"/>
+            <a:ext cx="2716964" cy="1098997"/>
+          </a:xfrm>
+          <a:prstGeom prst="rect">
+            <a:avLst/>
+          </a:prstGeom>
+          <a:ln>
+            <a:solidFill>
+              <a:schemeClr val="tx1"/>
+            </a:solidFill>
+          </a:ln>
+        </p:spPr>
+      </p:pic>
+      <p:sp>
+        <p:nvSpPr>
+          <p:cNvPr id="18" name="Text Box 9"/>
+          <p:cNvSpPr txBox="1">
+            <a:spLocks noChangeArrowheads="1"/>
+          </p:cNvSpPr>
+          <p:nvPr/>
+        </p:nvSpPr>
+        <p:spPr bwMode="auto">
+          <a:xfrm>
+            <a:off x="1599341" y="1559617"/>
+            <a:ext cx="3048000" cy="523220"/>
+          </a:xfrm>
+          <a:prstGeom prst="rect">
+            <a:avLst/>
+          </a:prstGeom>
+          <a:noFill/>
+          <a:ln w="9525">
+            <a:noFill/>
+            <a:miter lim="800000"/>
+            <a:headEnd/>
+            <a:tailEnd/>
+          </a:ln>
+          <a:effectLst/>
+        </p:spPr>
+        <p:txBody>
+          <a:bodyPr wrap="square">
+            <a:spAutoFit/>
+          </a:bodyPr>
+          <a:lstStyle/>
+          <a:p>
+            <a:pPr algn="ctr">
+              <a:spcAft>
+                <a:spcPts val="600"/>
+              </a:spcAft>
+            </a:pPr>
+            <a:r>
+              <a:rPr lang="tr-TR" sz="2800" u="sng" dirty="0" err="1" smtClean="0">
+                <a:latin typeface="Times New Roman" panose="02020603050405020304" pitchFamily="18" charset="0"/>
+                <a:cs typeface="Times New Roman" panose="02020603050405020304" pitchFamily="18" charset="0"/>
+              </a:rPr>
+              <a:t>Analytical</a:t>
+            </a:r>
+            <a:r>
+              <a:rPr lang="tr-TR" sz="2800" u="sng" dirty="0" smtClean="0">
+                <a:latin typeface="Times New Roman" panose="02020603050405020304" pitchFamily="18" charset="0"/>
+                <a:cs typeface="Times New Roman" panose="02020603050405020304" pitchFamily="18" charset="0"/>
+              </a:rPr>
+              <a:t> model</a:t>
+            </a:r>
+            <a:endParaRPr lang="en-US" sz="2800" u="sng" dirty="0" smtClean="0">
+              <a:latin typeface="Times New Roman" panose="02020603050405020304" pitchFamily="18" charset="0"/>
+              <a:cs typeface="Times New Roman" panose="02020603050405020304" pitchFamily="18" charset="0"/>
+            </a:endParaRPr>
+          </a:p>
+        </p:txBody>
+      </p:sp>
+      <p:pic>
+        <p:nvPicPr>
+          <p:cNvPr id="19" name="Picture 18"/>
+          <p:cNvPicPr>
+            <a:picLocks noChangeAspect="1"/>
+          </p:cNvPicPr>
+          <p:nvPr/>
+        </p:nvPicPr>
+        <p:blipFill>
+          <a:blip r:embed="rId6" cstate="print">
+            <a:extLst>
+              <a:ext uri="{28A0092B-C50C-407E-A947-70E740481C1C}">
+                <a14:useLocalDpi xmlns:a14="http://schemas.microsoft.com/office/drawing/2010/main" val="0"/>
+              </a:ext>
+            </a:extLst>
+          </a:blip>
+          <a:stretch>
+            <a:fillRect/>
+          </a:stretch>
+        </p:blipFill>
+        <p:spPr>
+          <a:xfrm rot="16200000">
+            <a:off x="-876200" y="5067199"/>
+            <a:ext cx="2759076" cy="549476"/>
+          </a:xfrm>
+          <a:prstGeom prst="rect">
+            <a:avLst/>
+          </a:prstGeom>
+        </p:spPr>
+      </p:pic>
+      <p:pic>
+        <p:nvPicPr>
+          <p:cNvPr id="20" name="Picture 2" descr="C:\Users\Mesut\Desktop\aselsan sunum\aselsan sunum 10 ekim\aselsan sunum\cezmi bey\ODTU.png"/>
+          <p:cNvPicPr>
+            <a:picLocks noChangeAspect="1" noChangeArrowheads="1"/>
+          </p:cNvPicPr>
+          <p:nvPr/>
+        </p:nvPicPr>
+        <p:blipFill>
+          <a:blip r:embed="rId7" cstate="print">
+            <a:extLst>
+              <a:ext uri="{28A0092B-C50C-407E-A947-70E740481C1C}">
+                <a14:useLocalDpi xmlns:a14="http://schemas.microsoft.com/office/drawing/2010/main" val="0"/>
+              </a:ext>
+            </a:extLst>
+          </a:blip>
+          <a:srcRect/>
+          <a:stretch>
+            <a:fillRect/>
+          </a:stretch>
+        </p:blipFill>
+        <p:spPr bwMode="auto">
+          <a:xfrm>
+            <a:off x="116458" y="163788"/>
+            <a:ext cx="779026" cy="650016"/>
+          </a:xfrm>
+          <a:prstGeom prst="rect">
+            <a:avLst/>
+          </a:prstGeom>
+          <a:noFill/>
+          <a:extLst>
+            <a:ext uri="{909E8E84-426E-40DD-AFC4-6F175D3DCCD1}">
+              <a14:hiddenFill xmlns:a14="http://schemas.microsoft.com/office/drawing/2010/main">
+                <a:solidFill>
+                  <a:srgbClr val="FFFFFF"/>
+                </a:solidFill>
+              </a14:hiddenFill>
+            </a:ext>
+          </a:extLst>
+        </p:spPr>
+      </p:pic>
+      <p:pic>
+        <p:nvPicPr>
+          <p:cNvPr id="22" name="Picture 21"/>
+          <p:cNvPicPr>
+            <a:picLocks noChangeAspect="1"/>
+          </p:cNvPicPr>
+          <p:nvPr/>
+        </p:nvPicPr>
+        <p:blipFill rotWithShape="1">
+          <a:blip r:embed="rId8"/>
+          <a:srcRect b="7061"/>
+          <a:stretch/>
+        </p:blipFill>
+        <p:spPr>
+          <a:xfrm>
+            <a:off x="4770748" y="990601"/>
+            <a:ext cx="4212879" cy="2286000"/>
+          </a:xfrm>
+          <a:prstGeom prst="rect">
+            <a:avLst/>
+          </a:prstGeom>
+        </p:spPr>
+      </p:pic>
+      <p:pic>
+        <p:nvPicPr>
+          <p:cNvPr id="12" name="Picture 11"/>
+          <p:cNvPicPr>
+            <a:picLocks noChangeAspect="1"/>
+          </p:cNvPicPr>
+          <p:nvPr/>
+        </p:nvPicPr>
+        <p:blipFill rotWithShape="1">
+          <a:blip r:embed="rId9" cstate="print">
+            <a:extLst>
+              <a:ext uri="{28A0092B-C50C-407E-A947-70E740481C1C}">
+                <a14:useLocalDpi xmlns:a14="http://schemas.microsoft.com/office/drawing/2010/main" val="0"/>
+              </a:ext>
+            </a:extLst>
+          </a:blip>
+          <a:srcRect l="1682" t="6871" r="50657" b="8208"/>
+          <a:stretch/>
+        </p:blipFill>
+        <p:spPr>
+          <a:xfrm>
+            <a:off x="5234740" y="4220169"/>
+            <a:ext cx="3598598" cy="2570427"/>
+          </a:xfrm>
+          <a:prstGeom prst="rect">
+            <a:avLst/>
+          </a:prstGeom>
+        </p:spPr>
+      </p:pic>
+    </p:spTree>
+    <p:extLst>
+      <p:ext uri="{BB962C8B-B14F-4D97-AF65-F5344CB8AC3E}">
+        <p14:creationId xmlns:p14="http://schemas.microsoft.com/office/powerpoint/2010/main" val="2406531876"/>
+      </p:ext>
+    </p:extLst>
+  </p:cSld>
+  <p:clrMapOvr>
+    <a:masterClrMapping/>
+  </p:clrMapOvr>
+  <p:timing>
+    <p:tnLst>
+      <p:par>
+        <p:cTn id="1" dur="indefinite" restart="never" nodeType="tmRoot"/>
+      </p:par>
+    </p:tnLst>
   </p:timing>
 </p:sld>
 </file>
@@ -15113,64 +14883,6 @@
           </a:fontRef>
         </p:style>
       </p:cxnSp>
-      <p:sp>
-        <p:nvSpPr>
-          <p:cNvPr id="13" name="TextBox 12"/>
-          <p:cNvSpPr txBox="1"/>
-          <p:nvPr/>
-        </p:nvSpPr>
-        <p:spPr>
-          <a:xfrm>
-            <a:off x="1386291" y="224135"/>
-            <a:ext cx="7315200" cy="553998"/>
-          </a:xfrm>
-          <a:prstGeom prst="rect">
-            <a:avLst/>
-          </a:prstGeom>
-          <a:noFill/>
-        </p:spPr>
-        <p:txBody>
-          <a:bodyPr wrap="square" rtlCol="0">
-            <a:spAutoFit/>
-          </a:bodyPr>
-          <a:lstStyle/>
-          <a:p>
-            <a:pPr algn="ctr"/>
-            <a:r>
-              <a:rPr lang="tr-TR" sz="3000" dirty="0" smtClean="0">
-                <a:latin typeface="Times New Roman" panose="02020603050405020304" pitchFamily="18" charset="0"/>
-                <a:cs typeface="Times New Roman" panose="02020603050405020304" pitchFamily="18" charset="0"/>
-              </a:rPr>
-              <a:t>DC Link </a:t>
-            </a:r>
-            <a:r>
-              <a:rPr lang="tr-TR" sz="3000" dirty="0" err="1" smtClean="0">
-                <a:latin typeface="Times New Roman" panose="02020603050405020304" pitchFamily="18" charset="0"/>
-                <a:cs typeface="Times New Roman" panose="02020603050405020304" pitchFamily="18" charset="0"/>
-              </a:rPr>
-              <a:t>Capacitor</a:t>
-            </a:r>
-            <a:r>
-              <a:rPr lang="tr-TR" sz="3000" dirty="0" smtClean="0">
-                <a:latin typeface="Times New Roman" panose="02020603050405020304" pitchFamily="18" charset="0"/>
-                <a:cs typeface="Times New Roman" panose="02020603050405020304" pitchFamily="18" charset="0"/>
-              </a:rPr>
-              <a:t> </a:t>
-            </a:r>
-            <a:r>
-              <a:rPr lang="tr-TR" sz="3000" dirty="0" err="1" smtClean="0">
-                <a:latin typeface="Times New Roman" panose="02020603050405020304" pitchFamily="18" charset="0"/>
-                <a:cs typeface="Times New Roman" panose="02020603050405020304" pitchFamily="18" charset="0"/>
-              </a:rPr>
-              <a:t>Selection</a:t>
-            </a:r>
-            <a:endParaRPr lang="tr-TR" sz="3000" dirty="0">
-              <a:latin typeface="Times New Roman" panose="02020603050405020304" pitchFamily="18" charset="0"/>
-              <a:cs typeface="Times New Roman" panose="02020603050405020304" pitchFamily="18" charset="0"/>
-            </a:endParaRPr>
-          </a:p>
-        </p:txBody>
-      </p:sp>
       <p:cxnSp>
         <p:nvCxnSpPr>
           <p:cNvPr id="15" name="Straight Connector 14"/>
@@ -15232,7 +14944,7 @@
       </p:sp>
       <p:sp>
         <p:nvSpPr>
-          <p:cNvPr id="16" name="Text Box 9"/>
+          <p:cNvPr id="18" name="Text Box 9"/>
           <p:cNvSpPr txBox="1">
             <a:spLocks noChangeArrowheads="1"/>
           </p:cNvSpPr>
@@ -15240,8 +14952,8 @@
         </p:nvSpPr>
         <p:spPr bwMode="auto">
           <a:xfrm>
-            <a:off x="3450504" y="1304324"/>
-            <a:ext cx="3864695" cy="1015663"/>
+            <a:off x="1189918" y="1143000"/>
+            <a:ext cx="7649282" cy="461665"/>
           </a:xfrm>
           <a:prstGeom prst="rect">
             <a:avLst/>
@@ -15261,83 +14973,87 @@
           </a:bodyPr>
           <a:lstStyle/>
           <a:p>
-            <a:r>
-              <a:rPr lang="en-US" sz="2000" dirty="0">
-                <a:latin typeface="Times New Roman" panose="02020603050405020304" pitchFamily="18" charset="0"/>
-                <a:cs typeface="Times New Roman" panose="02020603050405020304" pitchFamily="18" charset="0"/>
-              </a:rPr>
-              <a:t>DC link capacitors </a:t>
-            </a:r>
-            <a:r>
-              <a:rPr lang="en-US" sz="2000" dirty="0" smtClean="0">
-                <a:latin typeface="Times New Roman" panose="02020603050405020304" pitchFamily="18" charset="0"/>
-                <a:cs typeface="Times New Roman" panose="02020603050405020304" pitchFamily="18" charset="0"/>
-              </a:rPr>
-              <a:t>constitute</a:t>
-            </a:r>
-            <a:endParaRPr lang="tr-TR" sz="2000" dirty="0">
+            <a:pPr algn="ctr"/>
+            <a:r>
+              <a:rPr lang="tr-TR" sz="2400" dirty="0" err="1" smtClean="0">
+                <a:latin typeface="Times New Roman" panose="02020603050405020304" pitchFamily="18" charset="0"/>
+                <a:cs typeface="Times New Roman" panose="02020603050405020304" pitchFamily="18" charset="0"/>
+              </a:rPr>
+              <a:t>Effect</a:t>
+            </a:r>
+            <a:r>
+              <a:rPr lang="tr-TR" sz="2400" dirty="0" smtClean="0">
+                <a:latin typeface="Times New Roman" panose="02020603050405020304" pitchFamily="18" charset="0"/>
+                <a:cs typeface="Times New Roman" panose="02020603050405020304" pitchFamily="18" charset="0"/>
+              </a:rPr>
+              <a:t> of </a:t>
+            </a:r>
+            <a:r>
+              <a:rPr lang="tr-TR" sz="2400" dirty="0" err="1" smtClean="0">
+                <a:latin typeface="Times New Roman" panose="02020603050405020304" pitchFamily="18" charset="0"/>
+                <a:cs typeface="Times New Roman" panose="02020603050405020304" pitchFamily="18" charset="0"/>
+              </a:rPr>
+              <a:t>interleaving</a:t>
+            </a:r>
+            <a:endParaRPr lang="en-US" sz="2400" dirty="0" smtClean="0">
               <a:latin typeface="Times New Roman" panose="02020603050405020304" pitchFamily="18" charset="0"/>
               <a:cs typeface="Times New Roman" panose="02020603050405020304" pitchFamily="18" charset="0"/>
             </a:endParaRPr>
           </a:p>
-          <a:p>
-            <a:pPr marL="457200" indent="-457200">
-              <a:buFont typeface="Arial" panose="020B0604020202020204" pitchFamily="34" charset="0"/>
-              <a:buChar char="•"/>
-            </a:pPr>
-            <a:r>
-              <a:rPr lang="en-US" sz="2000" dirty="0">
-                <a:latin typeface="Times New Roman" panose="02020603050405020304" pitchFamily="18" charset="0"/>
-                <a:cs typeface="Times New Roman" panose="02020603050405020304" pitchFamily="18" charset="0"/>
-              </a:rPr>
-              <a:t>20% of </a:t>
-            </a:r>
-            <a:r>
-              <a:rPr lang="en-US" sz="2000" b="1" dirty="0">
-                <a:latin typeface="Times New Roman" panose="02020603050405020304" pitchFamily="18" charset="0"/>
-                <a:cs typeface="Times New Roman" panose="02020603050405020304" pitchFamily="18" charset="0"/>
-              </a:rPr>
-              <a:t>cost</a:t>
-            </a:r>
-            <a:r>
-              <a:rPr lang="en-US" sz="2000" dirty="0">
-                <a:latin typeface="Times New Roman" panose="02020603050405020304" pitchFamily="18" charset="0"/>
-                <a:cs typeface="Times New Roman" panose="02020603050405020304" pitchFamily="18" charset="0"/>
-              </a:rPr>
-              <a:t> and </a:t>
-            </a:r>
-            <a:r>
-              <a:rPr lang="en-US" sz="2000" b="1" dirty="0" smtClean="0">
-                <a:latin typeface="Times New Roman" panose="02020603050405020304" pitchFamily="18" charset="0"/>
-                <a:cs typeface="Times New Roman" panose="02020603050405020304" pitchFamily="18" charset="0"/>
-              </a:rPr>
-              <a:t>weight</a:t>
-            </a:r>
-            <a:endParaRPr lang="tr-TR" sz="2000" dirty="0">
-              <a:latin typeface="Times New Roman" panose="02020603050405020304" pitchFamily="18" charset="0"/>
-              <a:cs typeface="Times New Roman" panose="02020603050405020304" pitchFamily="18" charset="0"/>
-            </a:endParaRPr>
-          </a:p>
-          <a:p>
-            <a:pPr marL="457200" indent="-457200">
-              <a:buFont typeface="Arial" panose="020B0604020202020204" pitchFamily="34" charset="0"/>
-              <a:buChar char="•"/>
-            </a:pPr>
-            <a:r>
-              <a:rPr lang="en-US" sz="2000" dirty="0">
-                <a:latin typeface="Times New Roman" panose="02020603050405020304" pitchFamily="18" charset="0"/>
-                <a:cs typeface="Times New Roman" panose="02020603050405020304" pitchFamily="18" charset="0"/>
-              </a:rPr>
-              <a:t>30% of </a:t>
-            </a:r>
-            <a:r>
-              <a:rPr lang="en-US" sz="2000" b="1" dirty="0" smtClean="0">
-                <a:latin typeface="Times New Roman" panose="02020603050405020304" pitchFamily="18" charset="0"/>
-                <a:cs typeface="Times New Roman" panose="02020603050405020304" pitchFamily="18" charset="0"/>
-              </a:rPr>
-              <a:t>volume</a:t>
-            </a:r>
-            <a:endParaRPr lang="en-US" sz="2000" b="1" dirty="0">
+        </p:txBody>
+      </p:sp>
+      <p:sp>
+        <p:nvSpPr>
+          <p:cNvPr id="9" name="TextBox 8"/>
+          <p:cNvSpPr txBox="1"/>
+          <p:nvPr/>
+        </p:nvSpPr>
+        <p:spPr>
+          <a:xfrm>
+            <a:off x="1386291" y="224135"/>
+            <a:ext cx="7315200" cy="553998"/>
+          </a:xfrm>
+          <a:prstGeom prst="rect">
+            <a:avLst/>
+          </a:prstGeom>
+          <a:noFill/>
+        </p:spPr>
+        <p:txBody>
+          <a:bodyPr wrap="square" rtlCol="0">
+            <a:spAutoFit/>
+          </a:bodyPr>
+          <a:lstStyle/>
+          <a:p>
+            <a:pPr algn="ctr"/>
+            <a:r>
+              <a:rPr lang="tr-TR" sz="3000" dirty="0" smtClean="0">
+                <a:latin typeface="Times New Roman" panose="02020603050405020304" pitchFamily="18" charset="0"/>
+                <a:cs typeface="Times New Roman" panose="02020603050405020304" pitchFamily="18" charset="0"/>
+              </a:rPr>
+              <a:t>DC Link </a:t>
+            </a:r>
+            <a:r>
+              <a:rPr lang="tr-TR" sz="3000" dirty="0" err="1" smtClean="0">
+                <a:latin typeface="Times New Roman" panose="02020603050405020304" pitchFamily="18" charset="0"/>
+                <a:cs typeface="Times New Roman" panose="02020603050405020304" pitchFamily="18" charset="0"/>
+              </a:rPr>
+              <a:t>Capacitor</a:t>
+            </a:r>
+            <a:r>
+              <a:rPr lang="tr-TR" sz="3000" dirty="0" smtClean="0">
+                <a:latin typeface="Times New Roman" panose="02020603050405020304" pitchFamily="18" charset="0"/>
+                <a:cs typeface="Times New Roman" panose="02020603050405020304" pitchFamily="18" charset="0"/>
+              </a:rPr>
+              <a:t> </a:t>
+            </a:r>
+            <a:r>
+              <a:rPr lang="tr-TR" sz="3000" dirty="0" err="1" smtClean="0">
+                <a:latin typeface="Times New Roman" panose="02020603050405020304" pitchFamily="18" charset="0"/>
+                <a:cs typeface="Times New Roman" panose="02020603050405020304" pitchFamily="18" charset="0"/>
+              </a:rPr>
+              <a:t>Selection</a:t>
+            </a:r>
+            <a:endParaRPr lang="tr-TR" sz="3000" dirty="0">
               <a:latin typeface="Times New Roman" panose="02020603050405020304" pitchFamily="18" charset="0"/>
               <a:cs typeface="Times New Roman" panose="02020603050405020304" pitchFamily="18" charset="0"/>
             </a:endParaRPr>
@@ -15346,22 +15062,51 @@
       </p:sp>
       <p:pic>
         <p:nvPicPr>
-          <p:cNvPr id="17" name="Picture 16"/>
+          <p:cNvPr id="3" name="Picture 2"/>
+          <p:cNvPicPr>
+            <a:picLocks noChangeAspect="1"/>
+          </p:cNvPicPr>
+          <p:nvPr/>
+        </p:nvPicPr>
+        <p:blipFill rotWithShape="1">
+          <a:blip r:embed="rId2">
+            <a:extLst>
+              <a:ext uri="{28A0092B-C50C-407E-A947-70E740481C1C}">
+                <a14:useLocalDpi xmlns:a14="http://schemas.microsoft.com/office/drawing/2010/main" val="0"/>
+              </a:ext>
+            </a:extLst>
+          </a:blip>
+          <a:srcRect l="3894" t="47420"/>
+          <a:stretch/>
+        </p:blipFill>
+        <p:spPr>
+          <a:xfrm>
+            <a:off x="1151818" y="2207792"/>
+            <a:ext cx="5142683" cy="2462710"/>
+          </a:xfrm>
+          <a:prstGeom prst="rect">
+            <a:avLst/>
+          </a:prstGeom>
+        </p:spPr>
+      </p:pic>
+      <p:pic>
+        <p:nvPicPr>
+          <p:cNvPr id="13" name="Picture 12"/>
           <p:cNvPicPr>
             <a:picLocks noChangeAspect="1"/>
           </p:cNvPicPr>
           <p:nvPr/>
         </p:nvPicPr>
         <p:blipFill>
-          <a:blip r:embed="rId2"/>
+          <a:blip r:embed="rId3"/>
           <a:stretch>
             <a:fillRect/>
           </a:stretch>
         </p:blipFill>
         <p:spPr>
           <a:xfrm>
-            <a:off x="2108971" y="2895600"/>
-            <a:ext cx="5869840" cy="2352578"/>
+            <a:off x="6255919" y="1904415"/>
+            <a:ext cx="2728161" cy="3761671"/>
           </a:xfrm>
           <a:prstGeom prst="rect">
             <a:avLst/>
@@ -15377,7 +15122,7 @@
           <p:nvPr/>
         </p:nvPicPr>
         <p:blipFill>
-          <a:blip r:embed="rId3" cstate="print">
+          <a:blip r:embed="rId4" cstate="print">
             <a:extLst>
               <a:ext uri="{28A0092B-C50C-407E-A947-70E740481C1C}">
                 <a14:useLocalDpi xmlns:a14="http://schemas.microsoft.com/office/drawing/2010/main" val="0"/>
@@ -15400,14 +15145,14 @@
       </p:pic>
       <p:pic>
         <p:nvPicPr>
-          <p:cNvPr id="18" name="Picture 2" descr="C:\Users\Mesut\Desktop\aselsan sunum\aselsan sunum 10 ekim\aselsan sunum\cezmi bey\ODTU.png"/>
+          <p:cNvPr id="16" name="Picture 2" descr="C:\Users\Mesut\Desktop\aselsan sunum\aselsan sunum 10 ekim\aselsan sunum\cezmi bey\ODTU.png"/>
           <p:cNvPicPr>
             <a:picLocks noChangeAspect="1" noChangeArrowheads="1"/>
           </p:cNvPicPr>
           <p:nvPr/>
         </p:nvPicPr>
         <p:blipFill>
-          <a:blip r:embed="rId4" cstate="print">
+          <a:blip r:embed="rId5" cstate="print">
             <a:extLst>
               <a:ext uri="{28A0092B-C50C-407E-A947-70E740481C1C}">
                 <a14:useLocalDpi xmlns:a14="http://schemas.microsoft.com/office/drawing/2010/main" val="0"/>
@@ -15442,7 +15187,7 @@
     </p:spTree>
     <p:extLst>
       <p:ext uri="{BB962C8B-B14F-4D97-AF65-F5344CB8AC3E}">
-        <p14:creationId xmlns:p14="http://schemas.microsoft.com/office/powerpoint/2010/main" val="2100869910"/>
+        <p14:creationId xmlns:p14="http://schemas.microsoft.com/office/powerpoint/2010/main" val="3170489505"/>
       </p:ext>
     </p:extLst>
   </p:cSld>
@@ -15470,7 +15215,7 @@
                             </p:stCondLst>
                             <p:childTnLst>
                               <p:par>
-                                <p:cTn id="5" presetID="1" presetClass="entr" presetSubtype="0" fill="hold" nodeType="clickEffect">
+                                <p:cTn id="5" presetID="10" presetClass="entr" presetSubtype="0" fill="hold" nodeType="clickEffect">
                                   <p:stCondLst>
                                     <p:cond delay="0"/>
                                   </p:stCondLst>
@@ -15483,7 +15228,7 @@
                                           </p:stCondLst>
                                         </p:cTn>
                                         <p:tgtEl>
-                                          <p:spTgt spid="17"/>
+                                          <p:spTgt spid="13"/>
                                         </p:tgtEl>
                                         <p:attrNameLst>
                                           <p:attrName>style.visibility</p:attrName>
@@ -15493,113 +15238,11 @@
                                         <p:strVal val="visible"/>
                                       </p:to>
                                     </p:set>
-                                  </p:childTnLst>
-                                </p:cTn>
-                              </p:par>
-                            </p:childTnLst>
-                          </p:cTn>
-                        </p:par>
-                      </p:childTnLst>
-                    </p:cTn>
-                  </p:par>
-                  <p:par>
-                    <p:cTn id="7" fill="hold">
-                      <p:stCondLst>
-                        <p:cond delay="indefinite"/>
-                      </p:stCondLst>
-                      <p:childTnLst>
-                        <p:par>
-                          <p:cTn id="8" fill="hold">
-                            <p:stCondLst>
-                              <p:cond delay="0"/>
-                            </p:stCondLst>
-                            <p:childTnLst>
-                              <p:par>
-                                <p:cTn id="9" presetID="1" presetClass="entr" presetSubtype="0" fill="hold" nodeType="clickEffect">
-                                  <p:stCondLst>
-                                    <p:cond delay="0"/>
-                                  </p:stCondLst>
-                                  <p:childTnLst>
-                                    <p:set>
+                                    <p:animEffect transition="in" filter="fade">
                                       <p:cBhvr>
-                                        <p:cTn id="10" dur="1" fill="hold">
-                                          <p:stCondLst>
-                                            <p:cond delay="0"/>
-                                          </p:stCondLst>
-                                        </p:cTn>
+                                        <p:cTn id="7" dur="500"/>
                                         <p:tgtEl>
-                                          <p:spTgt spid="16">
-                                            <p:txEl>
-                                              <p:pRg st="0" end="0"/>
-                                            </p:txEl>
-                                          </p:spTgt>
-                                        </p:tgtEl>
-                                        <p:attrNameLst>
-                                          <p:attrName>style.visibility</p:attrName>
-                                        </p:attrNameLst>
-                                      </p:cBhvr>
-                                      <p:to>
-                                        <p:strVal val="visible"/>
-                                      </p:to>
-                                    </p:set>
-                                  </p:childTnLst>
-                                </p:cTn>
-                              </p:par>
-                            </p:childTnLst>
-                          </p:cTn>
-                        </p:par>
-                      </p:childTnLst>
-                    </p:cTn>
-                  </p:par>
-                  <p:par>
-                    <p:cTn id="11" fill="hold">
-                      <p:stCondLst>
-                        <p:cond delay="indefinite"/>
-                      </p:stCondLst>
-                      <p:childTnLst>
-                        <p:par>
-                          <p:cTn id="12" fill="hold">
-                            <p:stCondLst>
-                              <p:cond delay="0"/>
-                            </p:stCondLst>
-                            <p:childTnLst>
-                              <p:par>
-                                <p:cTn id="13" presetID="22" presetClass="entr" presetSubtype="4" fill="hold" nodeType="clickEffect">
-                                  <p:stCondLst>
-                                    <p:cond delay="0"/>
-                                  </p:stCondLst>
-                                  <p:childTnLst>
-                                    <p:set>
-                                      <p:cBhvr>
-                                        <p:cTn id="14" dur="1" fill="hold">
-                                          <p:stCondLst>
-                                            <p:cond delay="0"/>
-                                          </p:stCondLst>
-                                        </p:cTn>
-                                        <p:tgtEl>
-                                          <p:spTgt spid="16">
-                                            <p:txEl>
-                                              <p:pRg st="1" end="1"/>
-                                            </p:txEl>
-                                          </p:spTgt>
-                                        </p:tgtEl>
-                                        <p:attrNameLst>
-                                          <p:attrName>style.visibility</p:attrName>
-                                        </p:attrNameLst>
-                                      </p:cBhvr>
-                                      <p:to>
-                                        <p:strVal val="visible"/>
-                                      </p:to>
-                                    </p:set>
-                                    <p:animEffect transition="in" filter="wipe(down)">
-                                      <p:cBhvr>
-                                        <p:cTn id="15" dur="500"/>
-                                        <p:tgtEl>
-                                          <p:spTgt spid="16">
-                                            <p:txEl>
-                                              <p:pRg st="1" end="1"/>
-                                            </p:txEl>
-                                          </p:spTgt>
+                                          <p:spTgt spid="13"/>
                                         </p:tgtEl>
                                       </p:cBhvr>
                                     </p:animEffect>
@@ -15613,36 +15256,32 @@
                     </p:cTn>
                   </p:par>
                   <p:par>
-                    <p:cTn id="16" fill="hold">
+                    <p:cTn id="8" fill="hold">
                       <p:stCondLst>
                         <p:cond delay="indefinite"/>
                       </p:stCondLst>
                       <p:childTnLst>
                         <p:par>
-                          <p:cTn id="17" fill="hold">
+                          <p:cTn id="9" fill="hold">
                             <p:stCondLst>
                               <p:cond delay="0"/>
                             </p:stCondLst>
                             <p:childTnLst>
                               <p:par>
-                                <p:cTn id="18" presetID="22" presetClass="entr" presetSubtype="4" fill="hold" nodeType="clickEffect">
+                                <p:cTn id="10" presetID="1" presetClass="entr" presetSubtype="0" fill="hold" nodeType="clickEffect">
                                   <p:stCondLst>
                                     <p:cond delay="0"/>
                                   </p:stCondLst>
                                   <p:childTnLst>
                                     <p:set>
                                       <p:cBhvr>
-                                        <p:cTn id="19" dur="1" fill="hold">
+                                        <p:cTn id="11" dur="1" fill="hold">
                                           <p:stCondLst>
                                             <p:cond delay="0"/>
                                           </p:stCondLst>
                                         </p:cTn>
                                         <p:tgtEl>
-                                          <p:spTgt spid="16">
-                                            <p:txEl>
-                                              <p:pRg st="2" end="2"/>
-                                            </p:txEl>
-                                          </p:spTgt>
+                                          <p:spTgt spid="3"/>
                                         </p:tgtEl>
                                         <p:attrNameLst>
                                           <p:attrName>style.visibility</p:attrName>
@@ -15652,18 +15291,6 @@
                                         <p:strVal val="visible"/>
                                       </p:to>
                                     </p:set>
-                                    <p:animEffect transition="in" filter="wipe(down)">
-                                      <p:cBhvr>
-                                        <p:cTn id="20" dur="500"/>
-                                        <p:tgtEl>
-                                          <p:spTgt spid="16">
-                                            <p:txEl>
-                                              <p:pRg st="2" end="2"/>
-                                            </p:txEl>
-                                          </p:spTgt>
-                                        </p:tgtEl>
-                                      </p:cBhvr>
-                                    </p:animEffect>
                                   </p:childTnLst>
                                 </p:cTn>
                               </p:par>
@@ -15717,54 +15344,6 @@
       </p:grpSpPr>
       <p:sp>
         <p:nvSpPr>
-          <p:cNvPr id="6" name="Rectangle 5"/>
-          <p:cNvSpPr/>
-          <p:nvPr/>
-        </p:nvSpPr>
-        <p:spPr>
-          <a:xfrm>
-            <a:off x="4920035" y="1456042"/>
-            <a:ext cx="4223965" cy="2855356"/>
-          </a:xfrm>
-          <a:prstGeom prst="rect">
-            <a:avLst/>
-          </a:prstGeom>
-          <a:solidFill>
-            <a:schemeClr val="bg1"/>
-          </a:solidFill>
-          <a:ln>
-            <a:solidFill>
-              <a:schemeClr val="bg1"/>
-            </a:solidFill>
-          </a:ln>
-        </p:spPr>
-        <p:style>
-          <a:lnRef idx="2">
-            <a:schemeClr val="accent1">
-              <a:shade val="50000"/>
-            </a:schemeClr>
-          </a:lnRef>
-          <a:fillRef idx="1">
-            <a:schemeClr val="accent1"/>
-          </a:fillRef>
-          <a:effectRef idx="0">
-            <a:schemeClr val="accent1"/>
-          </a:effectRef>
-          <a:fontRef idx="minor">
-            <a:schemeClr val="lt1"/>
-          </a:fontRef>
-        </p:style>
-        <p:txBody>
-          <a:bodyPr rtlCol="0" anchor="ctr"/>
-          <a:lstStyle/>
-          <a:p>
-            <a:pPr algn="ctr"/>
-            <a:endParaRPr lang="en-US"/>
-          </a:p>
-        </p:txBody>
-      </p:sp>
-      <p:sp>
-        <p:nvSpPr>
           <p:cNvPr id="10" name="Rectangle 9"/>
           <p:cNvSpPr/>
           <p:nvPr/>
@@ -15923,6 +15502,76 @@
       </p:sp>
       <p:sp>
         <p:nvSpPr>
+          <p:cNvPr id="18" name="Text Box 9"/>
+          <p:cNvSpPr txBox="1">
+            <a:spLocks noChangeArrowheads="1"/>
+          </p:cNvSpPr>
+          <p:nvPr/>
+        </p:nvSpPr>
+        <p:spPr bwMode="auto">
+          <a:xfrm>
+            <a:off x="1189918" y="1143000"/>
+            <a:ext cx="7649282" cy="769441"/>
+          </a:xfrm>
+          <a:prstGeom prst="rect">
+            <a:avLst/>
+          </a:prstGeom>
+          <a:noFill/>
+          <a:ln w="9525">
+            <a:noFill/>
+            <a:miter lim="800000"/>
+            <a:headEnd/>
+            <a:tailEnd/>
+          </a:ln>
+          <a:effectLst/>
+        </p:spPr>
+        <p:txBody>
+          <a:bodyPr wrap="square">
+            <a:spAutoFit/>
+          </a:bodyPr>
+          <a:lstStyle/>
+          <a:p>
+            <a:pPr algn="ctr"/>
+            <a:r>
+              <a:rPr lang="tr-TR" sz="2400" dirty="0" err="1" smtClean="0">
+                <a:latin typeface="Times New Roman" panose="02020603050405020304" pitchFamily="18" charset="0"/>
+                <a:cs typeface="Times New Roman" panose="02020603050405020304" pitchFamily="18" charset="0"/>
+              </a:rPr>
+              <a:t>Effect</a:t>
+            </a:r>
+            <a:r>
+              <a:rPr lang="tr-TR" sz="2400" dirty="0" smtClean="0">
+                <a:latin typeface="Times New Roman" panose="02020603050405020304" pitchFamily="18" charset="0"/>
+                <a:cs typeface="Times New Roman" panose="02020603050405020304" pitchFamily="18" charset="0"/>
+              </a:rPr>
+              <a:t> of </a:t>
+            </a:r>
+            <a:r>
+              <a:rPr lang="tr-TR" sz="2400" dirty="0" err="1" smtClean="0">
+                <a:latin typeface="Times New Roman" panose="02020603050405020304" pitchFamily="18" charset="0"/>
+                <a:cs typeface="Times New Roman" panose="02020603050405020304" pitchFamily="18" charset="0"/>
+              </a:rPr>
+              <a:t>interleaving</a:t>
+            </a:r>
+            <a:endParaRPr lang="en-US" sz="2400" dirty="0" smtClean="0">
+              <a:latin typeface="Times New Roman" panose="02020603050405020304" pitchFamily="18" charset="0"/>
+              <a:cs typeface="Times New Roman" panose="02020603050405020304" pitchFamily="18" charset="0"/>
+            </a:endParaRPr>
+          </a:p>
+          <a:p>
+            <a:pPr marL="800100" lvl="1" indent="-342900" algn="ctr">
+              <a:buFont typeface="Wingdings" panose="05000000000000000000" pitchFamily="2" charset="2"/>
+              <a:buChar char="ü"/>
+            </a:pPr>
+            <a:endParaRPr lang="en-US" sz="2000" b="1" dirty="0">
+              <a:latin typeface="Times New Roman" panose="02020603050405020304" pitchFamily="18" charset="0"/>
+              <a:cs typeface="Times New Roman" panose="02020603050405020304" pitchFamily="18" charset="0"/>
+            </a:endParaRPr>
+          </a:p>
+        </p:txBody>
+      </p:sp>
+      <p:sp>
+        <p:nvSpPr>
           <p:cNvPr id="9" name="TextBox 8"/>
           <p:cNvSpPr txBox="1"/>
           <p:nvPr/>
@@ -15945,20 +15594,34 @@
           <a:p>
             <a:pPr algn="ctr"/>
             <a:r>
-              <a:rPr lang="en-US" sz="3000" dirty="0" smtClean="0">
-                <a:latin typeface="Times New Roman" panose="02020603050405020304" pitchFamily="18" charset="0"/>
-                <a:cs typeface="Times New Roman" panose="02020603050405020304" pitchFamily="18" charset="0"/>
-              </a:rPr>
-              <a:t>DC Link Capacitor </a:t>
+              <a:rPr lang="tr-TR" sz="3000" dirty="0" smtClean="0">
+                <a:latin typeface="Times New Roman" panose="02020603050405020304" pitchFamily="18" charset="0"/>
+                <a:cs typeface="Times New Roman" panose="02020603050405020304" pitchFamily="18" charset="0"/>
+              </a:rPr>
+              <a:t>DC Link </a:t>
             </a:r>
             <a:r>
               <a:rPr lang="tr-TR" sz="3000" dirty="0" err="1" smtClean="0">
                 <a:latin typeface="Times New Roman" panose="02020603050405020304" pitchFamily="18" charset="0"/>
                 <a:cs typeface="Times New Roman" panose="02020603050405020304" pitchFamily="18" charset="0"/>
               </a:rPr>
+              <a:t>Capacitor</a:t>
+            </a:r>
+            <a:r>
+              <a:rPr lang="tr-TR" sz="3000" dirty="0" smtClean="0">
+                <a:latin typeface="Times New Roman" panose="02020603050405020304" pitchFamily="18" charset="0"/>
+                <a:cs typeface="Times New Roman" panose="02020603050405020304" pitchFamily="18" charset="0"/>
+              </a:rPr>
+              <a:t> </a:t>
+            </a:r>
+            <a:r>
+              <a:rPr lang="tr-TR" sz="3000" dirty="0" err="1" smtClean="0">
+                <a:latin typeface="Times New Roman" panose="02020603050405020304" pitchFamily="18" charset="0"/>
+                <a:cs typeface="Times New Roman" panose="02020603050405020304" pitchFamily="18" charset="0"/>
+              </a:rPr>
               <a:t>Selection</a:t>
             </a:r>
-            <a:endParaRPr lang="en-US" sz="3000" dirty="0">
+            <a:endParaRPr lang="tr-TR" sz="3000" dirty="0">
               <a:latin typeface="Times New Roman" panose="02020603050405020304" pitchFamily="18" charset="0"/>
               <a:cs typeface="Times New Roman" panose="02020603050405020304" pitchFamily="18" charset="0"/>
             </a:endParaRPr>
@@ -15967,7 +15630,7 @@
       </p:sp>
       <p:pic>
         <p:nvPicPr>
-          <p:cNvPr id="3" name="Picture 2"/>
+          <p:cNvPr id="16" name="Picture 15"/>
           <p:cNvPicPr>
             <a:picLocks noChangeAspect="1"/>
           </p:cNvPicPr>
@@ -15981,8 +15644,8 @@
         </p:blipFill>
         <p:spPr>
           <a:xfrm>
-            <a:off x="6017587" y="1456042"/>
-            <a:ext cx="2242093" cy="613565"/>
+            <a:off x="2071007" y="1752600"/>
+            <a:ext cx="5945768" cy="4400550"/>
           </a:xfrm>
           <a:prstGeom prst="rect">
             <a:avLst/>
@@ -15991,375 +15654,14 @@
       </p:pic>
       <p:pic>
         <p:nvPicPr>
-          <p:cNvPr id="4" name="Picture 3"/>
+          <p:cNvPr id="12" name="Picture 11"/>
           <p:cNvPicPr>
             <a:picLocks noChangeAspect="1"/>
           </p:cNvPicPr>
           <p:nvPr/>
         </p:nvPicPr>
         <p:blipFill>
-          <a:blip r:embed="rId3"/>
-          <a:stretch>
-            <a:fillRect/>
-          </a:stretch>
-        </p:blipFill>
-        <p:spPr>
-          <a:xfrm>
-            <a:off x="4867275" y="2593737"/>
-            <a:ext cx="4267200" cy="635745"/>
-          </a:xfrm>
-          <a:prstGeom prst="rect">
-            <a:avLst/>
-          </a:prstGeom>
-        </p:spPr>
-      </p:pic>
-      <p:pic>
-        <p:nvPicPr>
-          <p:cNvPr id="5" name="Picture 4"/>
-          <p:cNvPicPr>
-            <a:picLocks noChangeAspect="1"/>
-          </p:cNvPicPr>
-          <p:nvPr/>
-        </p:nvPicPr>
-        <p:blipFill>
-          <a:blip r:embed="rId4"/>
-          <a:stretch>
-            <a:fillRect/>
-          </a:stretch>
-        </p:blipFill>
-        <p:spPr>
-          <a:xfrm>
-            <a:off x="5804826" y="1971660"/>
-            <a:ext cx="2688179" cy="666669"/>
-          </a:xfrm>
-          <a:prstGeom prst="rect">
-            <a:avLst/>
-          </a:prstGeom>
-        </p:spPr>
-      </p:pic>
-      <p:pic>
-        <p:nvPicPr>
-          <p:cNvPr id="7" name="Picture 6"/>
-          <p:cNvPicPr>
-            <a:picLocks noChangeAspect="1"/>
-          </p:cNvPicPr>
-          <p:nvPr/>
-        </p:nvPicPr>
-        <p:blipFill>
-          <a:blip r:embed="rId5"/>
-          <a:stretch>
-            <a:fillRect/>
-          </a:stretch>
-        </p:blipFill>
-        <p:spPr>
-          <a:xfrm>
-            <a:off x="1096941" y="1540859"/>
-            <a:ext cx="3823094" cy="2232117"/>
-          </a:xfrm>
-          <a:prstGeom prst="rect">
-            <a:avLst/>
-          </a:prstGeom>
-        </p:spPr>
-      </p:pic>
-      <p:pic>
-        <p:nvPicPr>
-          <p:cNvPr id="8" name="Picture 7"/>
-          <p:cNvPicPr>
-            <a:picLocks noChangeAspect="1"/>
-          </p:cNvPicPr>
-          <p:nvPr/>
-        </p:nvPicPr>
-        <p:blipFill>
-          <a:blip r:embed="rId6"/>
-          <a:stretch>
-            <a:fillRect/>
-          </a:stretch>
-        </p:blipFill>
-        <p:spPr>
-          <a:xfrm>
-            <a:off x="5804826" y="3210432"/>
-            <a:ext cx="2721832" cy="1100966"/>
-          </a:xfrm>
-          <a:prstGeom prst="rect">
-            <a:avLst/>
-          </a:prstGeom>
-        </p:spPr>
-      </p:pic>
-      <p:sp>
-        <p:nvSpPr>
-          <p:cNvPr id="23" name="Text Box 9"/>
-          <p:cNvSpPr txBox="1">
-            <a:spLocks noChangeArrowheads="1"/>
-          </p:cNvSpPr>
-          <p:nvPr/>
-        </p:nvSpPr>
-        <p:spPr bwMode="auto">
-          <a:xfrm>
-            <a:off x="1397656" y="1138558"/>
-            <a:ext cx="3048000" cy="400110"/>
-          </a:xfrm>
-          <a:prstGeom prst="rect">
-            <a:avLst/>
-          </a:prstGeom>
-          <a:noFill/>
-          <a:ln w="9525">
-            <a:noFill/>
-            <a:miter lim="800000"/>
-            <a:headEnd/>
-            <a:tailEnd/>
-          </a:ln>
-          <a:effectLst/>
-        </p:spPr>
-        <p:txBody>
-          <a:bodyPr wrap="square">
-            <a:spAutoFit/>
-          </a:bodyPr>
-          <a:lstStyle/>
-          <a:p>
-            <a:pPr algn="ctr">
-              <a:spcAft>
-                <a:spcPts val="600"/>
-              </a:spcAft>
-            </a:pPr>
-            <a:r>
-              <a:rPr lang="tr-TR" sz="2000" dirty="0" smtClean="0">
-                <a:latin typeface="Times New Roman" panose="02020603050405020304" pitchFamily="18" charset="0"/>
-                <a:cs typeface="Times New Roman" panose="02020603050405020304" pitchFamily="18" charset="0"/>
-              </a:rPr>
-              <a:t>DC Link model</a:t>
-            </a:r>
-            <a:endParaRPr lang="en-US" sz="2000" dirty="0" smtClean="0">
-              <a:latin typeface="Times New Roman" panose="02020603050405020304" pitchFamily="18" charset="0"/>
-              <a:cs typeface="Times New Roman" panose="02020603050405020304" pitchFamily="18" charset="0"/>
-            </a:endParaRPr>
-          </a:p>
-        </p:txBody>
-      </p:sp>
-      <p:sp>
-        <p:nvSpPr>
-          <p:cNvPr id="18" name="Text Box 9"/>
-          <p:cNvSpPr txBox="1">
-            <a:spLocks noChangeArrowheads="1"/>
-          </p:cNvSpPr>
-          <p:nvPr/>
-        </p:nvSpPr>
-        <p:spPr bwMode="auto">
-          <a:xfrm>
-            <a:off x="5624916" y="1138558"/>
-            <a:ext cx="3048000" cy="400110"/>
-          </a:xfrm>
-          <a:prstGeom prst="rect">
-            <a:avLst/>
-          </a:prstGeom>
-          <a:noFill/>
-          <a:ln w="9525">
-            <a:noFill/>
-            <a:miter lim="800000"/>
-            <a:headEnd/>
-            <a:tailEnd/>
-          </a:ln>
-          <a:effectLst/>
-        </p:spPr>
-        <p:txBody>
-          <a:bodyPr wrap="square">
-            <a:spAutoFit/>
-          </a:bodyPr>
-          <a:lstStyle/>
-          <a:p>
-            <a:pPr algn="ctr">
-              <a:spcAft>
-                <a:spcPts val="600"/>
-              </a:spcAft>
-            </a:pPr>
-            <a:r>
-              <a:rPr lang="tr-TR" sz="2000" dirty="0" err="1" smtClean="0">
-                <a:latin typeface="Times New Roman" panose="02020603050405020304" pitchFamily="18" charset="0"/>
-                <a:cs typeface="Times New Roman" panose="02020603050405020304" pitchFamily="18" charset="0"/>
-              </a:rPr>
-              <a:t>Analytical</a:t>
-            </a:r>
-            <a:r>
-              <a:rPr lang="tr-TR" sz="2000" dirty="0" smtClean="0">
-                <a:latin typeface="Times New Roman" panose="02020603050405020304" pitchFamily="18" charset="0"/>
-                <a:cs typeface="Times New Roman" panose="02020603050405020304" pitchFamily="18" charset="0"/>
-              </a:rPr>
-              <a:t> model</a:t>
-            </a:r>
-            <a:endParaRPr lang="en-US" sz="2000" dirty="0" smtClean="0">
-              <a:latin typeface="Times New Roman" panose="02020603050405020304" pitchFamily="18" charset="0"/>
-              <a:cs typeface="Times New Roman" panose="02020603050405020304" pitchFamily="18" charset="0"/>
-            </a:endParaRPr>
-          </a:p>
-        </p:txBody>
-      </p:sp>
-      <p:sp>
-        <p:nvSpPr>
-          <p:cNvPr id="24" name="Text Box 9"/>
-          <p:cNvSpPr txBox="1">
-            <a:spLocks noChangeArrowheads="1"/>
-          </p:cNvSpPr>
-          <p:nvPr/>
-        </p:nvSpPr>
-        <p:spPr bwMode="auto">
-          <a:xfrm>
-            <a:off x="1422835" y="4065761"/>
-            <a:ext cx="3109509" cy="400110"/>
-          </a:xfrm>
-          <a:prstGeom prst="rect">
-            <a:avLst/>
-          </a:prstGeom>
-          <a:noFill/>
-          <a:ln w="9525">
-            <a:noFill/>
-            <a:miter lim="800000"/>
-            <a:headEnd/>
-            <a:tailEnd/>
-          </a:ln>
-          <a:effectLst/>
-        </p:spPr>
-        <p:txBody>
-          <a:bodyPr wrap="square">
-            <a:spAutoFit/>
-          </a:bodyPr>
-          <a:lstStyle/>
-          <a:p>
-            <a:pPr algn="ctr"/>
-            <a:r>
-              <a:rPr lang="en-US" sz="2000" b="1" dirty="0" smtClean="0">
-                <a:latin typeface="Times New Roman" panose="02020603050405020304" pitchFamily="18" charset="0"/>
-                <a:cs typeface="Times New Roman" panose="02020603050405020304" pitchFamily="18" charset="0"/>
-              </a:rPr>
-              <a:t>Critical parameters</a:t>
-            </a:r>
-          </a:p>
-        </p:txBody>
-      </p:sp>
-      <p:sp>
-        <p:nvSpPr>
-          <p:cNvPr id="25" name="Text Box 9"/>
-          <p:cNvSpPr txBox="1">
-            <a:spLocks noChangeArrowheads="1"/>
-          </p:cNvSpPr>
-          <p:nvPr/>
-        </p:nvSpPr>
-        <p:spPr bwMode="auto">
-          <a:xfrm>
-            <a:off x="1600200" y="4465871"/>
-            <a:ext cx="3913528" cy="2323713"/>
-          </a:xfrm>
-          <a:prstGeom prst="rect">
-            <a:avLst/>
-          </a:prstGeom>
-          <a:noFill/>
-          <a:ln w="9525">
-            <a:noFill/>
-            <a:miter lim="800000"/>
-            <a:headEnd/>
-            <a:tailEnd/>
-          </a:ln>
-          <a:effectLst/>
-        </p:spPr>
-        <p:txBody>
-          <a:bodyPr wrap="square">
-            <a:spAutoFit/>
-          </a:bodyPr>
-          <a:lstStyle/>
-          <a:p>
-            <a:pPr>
-              <a:spcAft>
-                <a:spcPts val="600"/>
-              </a:spcAft>
-            </a:pPr>
-            <a:r>
-              <a:rPr lang="en-US" sz="2000" dirty="0" smtClean="0">
-                <a:latin typeface="Times New Roman" panose="02020603050405020304" pitchFamily="18" charset="0"/>
-                <a:cs typeface="Times New Roman" panose="02020603050405020304" pitchFamily="18" charset="0"/>
-              </a:rPr>
-              <a:t>Capacitance per volume</a:t>
-            </a:r>
-          </a:p>
-          <a:p>
-            <a:pPr>
-              <a:spcAft>
-                <a:spcPts val="600"/>
-              </a:spcAft>
-            </a:pPr>
-            <a:r>
-              <a:rPr lang="en-US" sz="2000" dirty="0" smtClean="0">
-                <a:latin typeface="Times New Roman" panose="02020603050405020304" pitchFamily="18" charset="0"/>
-                <a:cs typeface="Times New Roman" panose="02020603050405020304" pitchFamily="18" charset="0"/>
-              </a:rPr>
-              <a:t>RMS current per volume</a:t>
-            </a:r>
-          </a:p>
-          <a:p>
-            <a:pPr>
-              <a:spcAft>
-                <a:spcPts val="600"/>
-              </a:spcAft>
-            </a:pPr>
-            <a:r>
-              <a:rPr lang="en-US" sz="2000" dirty="0" smtClean="0">
-                <a:latin typeface="Times New Roman" panose="02020603050405020304" pitchFamily="18" charset="0"/>
-                <a:cs typeface="Times New Roman" panose="02020603050405020304" pitchFamily="18" charset="0"/>
-              </a:rPr>
-              <a:t>Cost</a:t>
-            </a:r>
-          </a:p>
-          <a:p>
-            <a:pPr>
-              <a:spcAft>
-                <a:spcPts val="600"/>
-              </a:spcAft>
-            </a:pPr>
-            <a:r>
-              <a:rPr lang="en-US" sz="2000" dirty="0" smtClean="0">
-                <a:latin typeface="Times New Roman" panose="02020603050405020304" pitchFamily="18" charset="0"/>
-                <a:cs typeface="Times New Roman" panose="02020603050405020304" pitchFamily="18" charset="0"/>
-              </a:rPr>
-              <a:t>ESL &amp; ESR</a:t>
-            </a:r>
-          </a:p>
-          <a:p>
-            <a:pPr>
-              <a:spcAft>
-                <a:spcPts val="600"/>
-              </a:spcAft>
-            </a:pPr>
-            <a:r>
-              <a:rPr lang="en-US" sz="2000" dirty="0" smtClean="0">
-                <a:latin typeface="Times New Roman" panose="02020603050405020304" pitchFamily="18" charset="0"/>
-                <a:cs typeface="Times New Roman" panose="02020603050405020304" pitchFamily="18" charset="0"/>
-              </a:rPr>
-              <a:t>Reliability &amp; lifetime</a:t>
-            </a:r>
-          </a:p>
-          <a:p>
-            <a:pPr>
-              <a:spcAft>
-                <a:spcPts val="600"/>
-              </a:spcAft>
-            </a:pPr>
-            <a:r>
-              <a:rPr lang="en-US" sz="2000" dirty="0" smtClean="0">
-                <a:latin typeface="Times New Roman" panose="02020603050405020304" pitchFamily="18" charset="0"/>
-                <a:cs typeface="Times New Roman" panose="02020603050405020304" pitchFamily="18" charset="0"/>
-              </a:rPr>
-              <a:t>Mechanical durability</a:t>
-            </a:r>
-          </a:p>
-        </p:txBody>
-      </p:sp>
-      <p:pic>
-        <p:nvPicPr>
-          <p:cNvPr id="19" name="Picture 18"/>
-          <p:cNvPicPr>
-            <a:picLocks noChangeAspect="1"/>
-          </p:cNvPicPr>
-          <p:nvPr/>
-        </p:nvPicPr>
-        <p:blipFill>
-          <a:blip r:embed="rId7" cstate="print">
+          <a:blip r:embed="rId3" cstate="print">
             <a:extLst>
               <a:ext uri="{28A0092B-C50C-407E-A947-70E740481C1C}">
                 <a14:useLocalDpi xmlns:a14="http://schemas.microsoft.com/office/drawing/2010/main" val="0"/>
@@ -16382,14 +15684,14 @@
       </p:pic>
       <p:pic>
         <p:nvPicPr>
-          <p:cNvPr id="20" name="Picture 2" descr="C:\Users\Mesut\Desktop\aselsan sunum\aselsan sunum 10 ekim\aselsan sunum\cezmi bey\ODTU.png"/>
+          <p:cNvPr id="13" name="Picture 2" descr="C:\Users\Mesut\Desktop\aselsan sunum\aselsan sunum 10 ekim\aselsan sunum\cezmi bey\ODTU.png"/>
           <p:cNvPicPr>
             <a:picLocks noChangeAspect="1" noChangeArrowheads="1"/>
           </p:cNvPicPr>
           <p:nvPr/>
         </p:nvPicPr>
         <p:blipFill>
-          <a:blip r:embed="rId8" cstate="print">
+          <a:blip r:embed="rId4" cstate="print">
             <a:extLst>
               <a:ext uri="{28A0092B-C50C-407E-A947-70E740481C1C}">
                 <a14:useLocalDpi xmlns:a14="http://schemas.microsoft.com/office/drawing/2010/main" val="0"/>
@@ -16424,7 +15726,7 @@
     </p:spTree>
     <p:extLst>
       <p:ext uri="{BB962C8B-B14F-4D97-AF65-F5344CB8AC3E}">
-        <p14:creationId xmlns:p14="http://schemas.microsoft.com/office/powerpoint/2010/main" val="2406531876"/>
+        <p14:creationId xmlns:p14="http://schemas.microsoft.com/office/powerpoint/2010/main" val="897898180"/>
       </p:ext>
     </p:extLst>
   </p:cSld>
@@ -16452,7 +15754,7 @@
                             </p:stCondLst>
                             <p:childTnLst>
                               <p:par>
-                                <p:cTn id="5" presetID="10" presetClass="entr" presetSubtype="0" fill="hold" grpId="0" nodeType="clickEffect">
+                                <p:cTn id="5" presetID="1" presetClass="entr" presetSubtype="0" fill="hold" nodeType="clickEffect">
                                   <p:stCondLst>
                                     <p:cond delay="0"/>
                                   </p:stCondLst>
@@ -16465,7 +15767,7 @@
                                           </p:stCondLst>
                                         </p:cTn>
                                         <p:tgtEl>
-                                          <p:spTgt spid="23"/>
+                                          <p:spTgt spid="16"/>
                                         </p:tgtEl>
                                         <p:attrNameLst>
                                           <p:attrName>style.visibility</p:attrName>
@@ -16475,688 +15777,6 @@
                                         <p:strVal val="visible"/>
                                       </p:to>
                                     </p:set>
-                                    <p:animEffect transition="in" filter="fade">
-                                      <p:cBhvr>
-                                        <p:cTn id="7" dur="500"/>
-                                        <p:tgtEl>
-                                          <p:spTgt spid="23"/>
-                                        </p:tgtEl>
-                                      </p:cBhvr>
-                                    </p:animEffect>
-                                  </p:childTnLst>
-                                </p:cTn>
-                              </p:par>
-                              <p:par>
-                                <p:cTn id="8" presetID="10" presetClass="entr" presetSubtype="0" fill="hold" nodeType="withEffect">
-                                  <p:stCondLst>
-                                    <p:cond delay="0"/>
-                                  </p:stCondLst>
-                                  <p:childTnLst>
-                                    <p:set>
-                                      <p:cBhvr>
-                                        <p:cTn id="9" dur="1" fill="hold">
-                                          <p:stCondLst>
-                                            <p:cond delay="0"/>
-                                          </p:stCondLst>
-                                        </p:cTn>
-                                        <p:tgtEl>
-                                          <p:spTgt spid="7"/>
-                                        </p:tgtEl>
-                                        <p:attrNameLst>
-                                          <p:attrName>style.visibility</p:attrName>
-                                        </p:attrNameLst>
-                                      </p:cBhvr>
-                                      <p:to>
-                                        <p:strVal val="visible"/>
-                                      </p:to>
-                                    </p:set>
-                                    <p:animEffect transition="in" filter="fade">
-                                      <p:cBhvr>
-                                        <p:cTn id="10" dur="500"/>
-                                        <p:tgtEl>
-                                          <p:spTgt spid="7"/>
-                                        </p:tgtEl>
-                                      </p:cBhvr>
-                                    </p:animEffect>
-                                  </p:childTnLst>
-                                </p:cTn>
-                              </p:par>
-                            </p:childTnLst>
-                          </p:cTn>
-                        </p:par>
-                      </p:childTnLst>
-                    </p:cTn>
-                  </p:par>
-                  <p:par>
-                    <p:cTn id="11" fill="hold">
-                      <p:stCondLst>
-                        <p:cond delay="indefinite"/>
-                      </p:stCondLst>
-                      <p:childTnLst>
-                        <p:par>
-                          <p:cTn id="12" fill="hold">
-                            <p:stCondLst>
-                              <p:cond delay="0"/>
-                            </p:stCondLst>
-                            <p:childTnLst>
-                              <p:par>
-                                <p:cTn id="13" presetID="10" presetClass="entr" presetSubtype="0" fill="hold" grpId="0" nodeType="clickEffect">
-                                  <p:stCondLst>
-                                    <p:cond delay="0"/>
-                                  </p:stCondLst>
-                                  <p:childTnLst>
-                                    <p:set>
-                                      <p:cBhvr>
-                                        <p:cTn id="14" dur="1" fill="hold">
-                                          <p:stCondLst>
-                                            <p:cond delay="0"/>
-                                          </p:stCondLst>
-                                        </p:cTn>
-                                        <p:tgtEl>
-                                          <p:spTgt spid="18"/>
-                                        </p:tgtEl>
-                                        <p:attrNameLst>
-                                          <p:attrName>style.visibility</p:attrName>
-                                        </p:attrNameLst>
-                                      </p:cBhvr>
-                                      <p:to>
-                                        <p:strVal val="visible"/>
-                                      </p:to>
-                                    </p:set>
-                                    <p:animEffect transition="in" filter="fade">
-                                      <p:cBhvr>
-                                        <p:cTn id="15" dur="500"/>
-                                        <p:tgtEl>
-                                          <p:spTgt spid="18"/>
-                                        </p:tgtEl>
-                                      </p:cBhvr>
-                                    </p:animEffect>
-                                  </p:childTnLst>
-                                </p:cTn>
-                              </p:par>
-                              <p:par>
-                                <p:cTn id="16" presetID="10" presetClass="entr" presetSubtype="0" fill="hold" nodeType="withEffect">
-                                  <p:stCondLst>
-                                    <p:cond delay="0"/>
-                                  </p:stCondLst>
-                                  <p:childTnLst>
-                                    <p:set>
-                                      <p:cBhvr>
-                                        <p:cTn id="17" dur="1" fill="hold">
-                                          <p:stCondLst>
-                                            <p:cond delay="0"/>
-                                          </p:stCondLst>
-                                        </p:cTn>
-                                        <p:tgtEl>
-                                          <p:spTgt spid="3"/>
-                                        </p:tgtEl>
-                                        <p:attrNameLst>
-                                          <p:attrName>style.visibility</p:attrName>
-                                        </p:attrNameLst>
-                                      </p:cBhvr>
-                                      <p:to>
-                                        <p:strVal val="visible"/>
-                                      </p:to>
-                                    </p:set>
-                                    <p:animEffect transition="in" filter="fade">
-                                      <p:cBhvr>
-                                        <p:cTn id="18" dur="500"/>
-                                        <p:tgtEl>
-                                          <p:spTgt spid="3"/>
-                                        </p:tgtEl>
-                                      </p:cBhvr>
-                                    </p:animEffect>
-                                  </p:childTnLst>
-                                </p:cTn>
-                              </p:par>
-                              <p:par>
-                                <p:cTn id="19" presetID="10" presetClass="entr" presetSubtype="0" fill="hold" nodeType="withEffect">
-                                  <p:stCondLst>
-                                    <p:cond delay="0"/>
-                                  </p:stCondLst>
-                                  <p:childTnLst>
-                                    <p:set>
-                                      <p:cBhvr>
-                                        <p:cTn id="20" dur="1" fill="hold">
-                                          <p:stCondLst>
-                                            <p:cond delay="0"/>
-                                          </p:stCondLst>
-                                        </p:cTn>
-                                        <p:tgtEl>
-                                          <p:spTgt spid="5"/>
-                                        </p:tgtEl>
-                                        <p:attrNameLst>
-                                          <p:attrName>style.visibility</p:attrName>
-                                        </p:attrNameLst>
-                                      </p:cBhvr>
-                                      <p:to>
-                                        <p:strVal val="visible"/>
-                                      </p:to>
-                                    </p:set>
-                                    <p:animEffect transition="in" filter="fade">
-                                      <p:cBhvr>
-                                        <p:cTn id="21" dur="500"/>
-                                        <p:tgtEl>
-                                          <p:spTgt spid="5"/>
-                                        </p:tgtEl>
-                                      </p:cBhvr>
-                                    </p:animEffect>
-                                  </p:childTnLst>
-                                </p:cTn>
-                              </p:par>
-                              <p:par>
-                                <p:cTn id="22" presetID="10" presetClass="entr" presetSubtype="0" fill="hold" nodeType="withEffect">
-                                  <p:stCondLst>
-                                    <p:cond delay="0"/>
-                                  </p:stCondLst>
-                                  <p:childTnLst>
-                                    <p:set>
-                                      <p:cBhvr>
-                                        <p:cTn id="23" dur="1" fill="hold">
-                                          <p:stCondLst>
-                                            <p:cond delay="0"/>
-                                          </p:stCondLst>
-                                        </p:cTn>
-                                        <p:tgtEl>
-                                          <p:spTgt spid="4"/>
-                                        </p:tgtEl>
-                                        <p:attrNameLst>
-                                          <p:attrName>style.visibility</p:attrName>
-                                        </p:attrNameLst>
-                                      </p:cBhvr>
-                                      <p:to>
-                                        <p:strVal val="visible"/>
-                                      </p:to>
-                                    </p:set>
-                                    <p:animEffect transition="in" filter="fade">
-                                      <p:cBhvr>
-                                        <p:cTn id="24" dur="500"/>
-                                        <p:tgtEl>
-                                          <p:spTgt spid="4"/>
-                                        </p:tgtEl>
-                                      </p:cBhvr>
-                                    </p:animEffect>
-                                  </p:childTnLst>
-                                </p:cTn>
-                              </p:par>
-                              <p:par>
-                                <p:cTn id="25" presetID="10" presetClass="entr" presetSubtype="0" fill="hold" nodeType="withEffect">
-                                  <p:stCondLst>
-                                    <p:cond delay="0"/>
-                                  </p:stCondLst>
-                                  <p:childTnLst>
-                                    <p:set>
-                                      <p:cBhvr>
-                                        <p:cTn id="26" dur="1" fill="hold">
-                                          <p:stCondLst>
-                                            <p:cond delay="0"/>
-                                          </p:stCondLst>
-                                        </p:cTn>
-                                        <p:tgtEl>
-                                          <p:spTgt spid="8"/>
-                                        </p:tgtEl>
-                                        <p:attrNameLst>
-                                          <p:attrName>style.visibility</p:attrName>
-                                        </p:attrNameLst>
-                                      </p:cBhvr>
-                                      <p:to>
-                                        <p:strVal val="visible"/>
-                                      </p:to>
-                                    </p:set>
-                                    <p:animEffect transition="in" filter="fade">
-                                      <p:cBhvr>
-                                        <p:cTn id="27" dur="500"/>
-                                        <p:tgtEl>
-                                          <p:spTgt spid="8"/>
-                                        </p:tgtEl>
-                                      </p:cBhvr>
-                                    </p:animEffect>
-                                  </p:childTnLst>
-                                </p:cTn>
-                              </p:par>
-                              <p:par>
-                                <p:cTn id="28" presetID="10" presetClass="entr" presetSubtype="0" fill="hold" grpId="0" nodeType="withEffect">
-                                  <p:stCondLst>
-                                    <p:cond delay="0"/>
-                                  </p:stCondLst>
-                                  <p:childTnLst>
-                                    <p:set>
-                                      <p:cBhvr>
-                                        <p:cTn id="29" dur="1" fill="hold">
-                                          <p:stCondLst>
-                                            <p:cond delay="0"/>
-                                          </p:stCondLst>
-                                        </p:cTn>
-                                        <p:tgtEl>
-                                          <p:spTgt spid="6"/>
-                                        </p:tgtEl>
-                                        <p:attrNameLst>
-                                          <p:attrName>style.visibility</p:attrName>
-                                        </p:attrNameLst>
-                                      </p:cBhvr>
-                                      <p:to>
-                                        <p:strVal val="visible"/>
-                                      </p:to>
-                                    </p:set>
-                                    <p:animEffect transition="in" filter="fade">
-                                      <p:cBhvr>
-                                        <p:cTn id="30" dur="500"/>
-                                        <p:tgtEl>
-                                          <p:spTgt spid="6"/>
-                                        </p:tgtEl>
-                                      </p:cBhvr>
-                                    </p:animEffect>
-                                  </p:childTnLst>
-                                </p:cTn>
-                              </p:par>
-                            </p:childTnLst>
-                          </p:cTn>
-                        </p:par>
-                      </p:childTnLst>
-                    </p:cTn>
-                  </p:par>
-                  <p:par>
-                    <p:cTn id="31" fill="hold">
-                      <p:stCondLst>
-                        <p:cond delay="indefinite"/>
-                      </p:stCondLst>
-                      <p:childTnLst>
-                        <p:par>
-                          <p:cTn id="32" fill="hold">
-                            <p:stCondLst>
-                              <p:cond delay="0"/>
-                            </p:stCondLst>
-                            <p:childTnLst>
-                              <p:par>
-                                <p:cTn id="33" presetID="1" presetClass="entr" presetSubtype="0" fill="hold" grpId="0" nodeType="clickEffect">
-                                  <p:stCondLst>
-                                    <p:cond delay="0"/>
-                                  </p:stCondLst>
-                                  <p:childTnLst>
-                                    <p:set>
-                                      <p:cBhvr>
-                                        <p:cTn id="34" dur="1" fill="hold">
-                                          <p:stCondLst>
-                                            <p:cond delay="0"/>
-                                          </p:stCondLst>
-                                        </p:cTn>
-                                        <p:tgtEl>
-                                          <p:spTgt spid="24"/>
-                                        </p:tgtEl>
-                                        <p:attrNameLst>
-                                          <p:attrName>style.visibility</p:attrName>
-                                        </p:attrNameLst>
-                                      </p:cBhvr>
-                                      <p:to>
-                                        <p:strVal val="visible"/>
-                                      </p:to>
-                                    </p:set>
-                                  </p:childTnLst>
-                                </p:cTn>
-                              </p:par>
-                            </p:childTnLst>
-                          </p:cTn>
-                        </p:par>
-                      </p:childTnLst>
-                    </p:cTn>
-                  </p:par>
-                  <p:par>
-                    <p:cTn id="35" fill="hold">
-                      <p:stCondLst>
-                        <p:cond delay="indefinite"/>
-                      </p:stCondLst>
-                      <p:childTnLst>
-                        <p:par>
-                          <p:cTn id="36" fill="hold">
-                            <p:stCondLst>
-                              <p:cond delay="0"/>
-                            </p:stCondLst>
-                            <p:childTnLst>
-                              <p:par>
-                                <p:cTn id="37" presetID="10" presetClass="entr" presetSubtype="0" fill="hold" nodeType="clickEffect">
-                                  <p:stCondLst>
-                                    <p:cond delay="0"/>
-                                  </p:stCondLst>
-                                  <p:childTnLst>
-                                    <p:set>
-                                      <p:cBhvr>
-                                        <p:cTn id="38" dur="1" fill="hold">
-                                          <p:stCondLst>
-                                            <p:cond delay="0"/>
-                                          </p:stCondLst>
-                                        </p:cTn>
-                                        <p:tgtEl>
-                                          <p:spTgt spid="25">
-                                            <p:txEl>
-                                              <p:pRg st="0" end="0"/>
-                                            </p:txEl>
-                                          </p:spTgt>
-                                        </p:tgtEl>
-                                        <p:attrNameLst>
-                                          <p:attrName>style.visibility</p:attrName>
-                                        </p:attrNameLst>
-                                      </p:cBhvr>
-                                      <p:to>
-                                        <p:strVal val="visible"/>
-                                      </p:to>
-                                    </p:set>
-                                    <p:animEffect transition="in" filter="fade">
-                                      <p:cBhvr>
-                                        <p:cTn id="39" dur="500"/>
-                                        <p:tgtEl>
-                                          <p:spTgt spid="25">
-                                            <p:txEl>
-                                              <p:pRg st="0" end="0"/>
-                                            </p:txEl>
-                                          </p:spTgt>
-                                        </p:tgtEl>
-                                      </p:cBhvr>
-                                    </p:animEffect>
-                                  </p:childTnLst>
-                                </p:cTn>
-                              </p:par>
-                            </p:childTnLst>
-                          </p:cTn>
-                        </p:par>
-                      </p:childTnLst>
-                    </p:cTn>
-                  </p:par>
-                  <p:par>
-                    <p:cTn id="40" fill="hold">
-                      <p:stCondLst>
-                        <p:cond delay="indefinite"/>
-                      </p:stCondLst>
-                      <p:childTnLst>
-                        <p:par>
-                          <p:cTn id="41" fill="hold">
-                            <p:stCondLst>
-                              <p:cond delay="0"/>
-                            </p:stCondLst>
-                            <p:childTnLst>
-                              <p:par>
-                                <p:cTn id="42" presetID="10" presetClass="entr" presetSubtype="0" fill="hold" nodeType="clickEffect">
-                                  <p:stCondLst>
-                                    <p:cond delay="0"/>
-                                  </p:stCondLst>
-                                  <p:childTnLst>
-                                    <p:set>
-                                      <p:cBhvr>
-                                        <p:cTn id="43" dur="1" fill="hold">
-                                          <p:stCondLst>
-                                            <p:cond delay="0"/>
-                                          </p:stCondLst>
-                                        </p:cTn>
-                                        <p:tgtEl>
-                                          <p:spTgt spid="25">
-                                            <p:txEl>
-                                              <p:pRg st="1" end="1"/>
-                                            </p:txEl>
-                                          </p:spTgt>
-                                        </p:tgtEl>
-                                        <p:attrNameLst>
-                                          <p:attrName>style.visibility</p:attrName>
-                                        </p:attrNameLst>
-                                      </p:cBhvr>
-                                      <p:to>
-                                        <p:strVal val="visible"/>
-                                      </p:to>
-                                    </p:set>
-                                    <p:animEffect transition="in" filter="fade">
-                                      <p:cBhvr>
-                                        <p:cTn id="44" dur="500"/>
-                                        <p:tgtEl>
-                                          <p:spTgt spid="25">
-                                            <p:txEl>
-                                              <p:pRg st="1" end="1"/>
-                                            </p:txEl>
-                                          </p:spTgt>
-                                        </p:tgtEl>
-                                      </p:cBhvr>
-                                    </p:animEffect>
-                                  </p:childTnLst>
-                                </p:cTn>
-                              </p:par>
-                            </p:childTnLst>
-                          </p:cTn>
-                        </p:par>
-                      </p:childTnLst>
-                    </p:cTn>
-                  </p:par>
-                  <p:par>
-                    <p:cTn id="45" fill="hold">
-                      <p:stCondLst>
-                        <p:cond delay="indefinite"/>
-                      </p:stCondLst>
-                      <p:childTnLst>
-                        <p:par>
-                          <p:cTn id="46" fill="hold">
-                            <p:stCondLst>
-                              <p:cond delay="0"/>
-                            </p:stCondLst>
-                            <p:childTnLst>
-                              <p:par>
-                                <p:cTn id="47" presetID="10" presetClass="entr" presetSubtype="0" fill="hold" nodeType="clickEffect">
-                                  <p:stCondLst>
-                                    <p:cond delay="0"/>
-                                  </p:stCondLst>
-                                  <p:childTnLst>
-                                    <p:set>
-                                      <p:cBhvr>
-                                        <p:cTn id="48" dur="1" fill="hold">
-                                          <p:stCondLst>
-                                            <p:cond delay="0"/>
-                                          </p:stCondLst>
-                                        </p:cTn>
-                                        <p:tgtEl>
-                                          <p:spTgt spid="25">
-                                            <p:txEl>
-                                              <p:pRg st="2" end="2"/>
-                                            </p:txEl>
-                                          </p:spTgt>
-                                        </p:tgtEl>
-                                        <p:attrNameLst>
-                                          <p:attrName>style.visibility</p:attrName>
-                                        </p:attrNameLst>
-                                      </p:cBhvr>
-                                      <p:to>
-                                        <p:strVal val="visible"/>
-                                      </p:to>
-                                    </p:set>
-                                    <p:animEffect transition="in" filter="fade">
-                                      <p:cBhvr>
-                                        <p:cTn id="49" dur="500"/>
-                                        <p:tgtEl>
-                                          <p:spTgt spid="25">
-                                            <p:txEl>
-                                              <p:pRg st="2" end="2"/>
-                                            </p:txEl>
-                                          </p:spTgt>
-                                        </p:tgtEl>
-                                      </p:cBhvr>
-                                    </p:animEffect>
-                                  </p:childTnLst>
-                                </p:cTn>
-                              </p:par>
-                            </p:childTnLst>
-                          </p:cTn>
-                        </p:par>
-                      </p:childTnLst>
-                    </p:cTn>
-                  </p:par>
-                  <p:par>
-                    <p:cTn id="50" fill="hold">
-                      <p:stCondLst>
-                        <p:cond delay="indefinite"/>
-                      </p:stCondLst>
-                      <p:childTnLst>
-                        <p:par>
-                          <p:cTn id="51" fill="hold">
-                            <p:stCondLst>
-                              <p:cond delay="0"/>
-                            </p:stCondLst>
-                            <p:childTnLst>
-                              <p:par>
-                                <p:cTn id="52" presetID="10" presetClass="entr" presetSubtype="0" fill="hold" nodeType="clickEffect">
-                                  <p:stCondLst>
-                                    <p:cond delay="0"/>
-                                  </p:stCondLst>
-                                  <p:childTnLst>
-                                    <p:set>
-                                      <p:cBhvr>
-                                        <p:cTn id="53" dur="1" fill="hold">
-                                          <p:stCondLst>
-                                            <p:cond delay="0"/>
-                                          </p:stCondLst>
-                                        </p:cTn>
-                                        <p:tgtEl>
-                                          <p:spTgt spid="25">
-                                            <p:txEl>
-                                              <p:pRg st="3" end="3"/>
-                                            </p:txEl>
-                                          </p:spTgt>
-                                        </p:tgtEl>
-                                        <p:attrNameLst>
-                                          <p:attrName>style.visibility</p:attrName>
-                                        </p:attrNameLst>
-                                      </p:cBhvr>
-                                      <p:to>
-                                        <p:strVal val="visible"/>
-                                      </p:to>
-                                    </p:set>
-                                    <p:animEffect transition="in" filter="fade">
-                                      <p:cBhvr>
-                                        <p:cTn id="54" dur="500"/>
-                                        <p:tgtEl>
-                                          <p:spTgt spid="25">
-                                            <p:txEl>
-                                              <p:pRg st="3" end="3"/>
-                                            </p:txEl>
-                                          </p:spTgt>
-                                        </p:tgtEl>
-                                      </p:cBhvr>
-                                    </p:animEffect>
-                                  </p:childTnLst>
-                                </p:cTn>
-                              </p:par>
-                            </p:childTnLst>
-                          </p:cTn>
-                        </p:par>
-                      </p:childTnLst>
-                    </p:cTn>
-                  </p:par>
-                  <p:par>
-                    <p:cTn id="55" fill="hold">
-                      <p:stCondLst>
-                        <p:cond delay="indefinite"/>
-                      </p:stCondLst>
-                      <p:childTnLst>
-                        <p:par>
-                          <p:cTn id="56" fill="hold">
-                            <p:stCondLst>
-                              <p:cond delay="0"/>
-                            </p:stCondLst>
-                            <p:childTnLst>
-                              <p:par>
-                                <p:cTn id="57" presetID="10" presetClass="entr" presetSubtype="0" fill="hold" nodeType="clickEffect">
-                                  <p:stCondLst>
-                                    <p:cond delay="0"/>
-                                  </p:stCondLst>
-                                  <p:childTnLst>
-                                    <p:set>
-                                      <p:cBhvr>
-                                        <p:cTn id="58" dur="1" fill="hold">
-                                          <p:stCondLst>
-                                            <p:cond delay="0"/>
-                                          </p:stCondLst>
-                                        </p:cTn>
-                                        <p:tgtEl>
-                                          <p:spTgt spid="25">
-                                            <p:txEl>
-                                              <p:pRg st="4" end="4"/>
-                                            </p:txEl>
-                                          </p:spTgt>
-                                        </p:tgtEl>
-                                        <p:attrNameLst>
-                                          <p:attrName>style.visibility</p:attrName>
-                                        </p:attrNameLst>
-                                      </p:cBhvr>
-                                      <p:to>
-                                        <p:strVal val="visible"/>
-                                      </p:to>
-                                    </p:set>
-                                    <p:animEffect transition="in" filter="fade">
-                                      <p:cBhvr>
-                                        <p:cTn id="59" dur="500"/>
-                                        <p:tgtEl>
-                                          <p:spTgt spid="25">
-                                            <p:txEl>
-                                              <p:pRg st="4" end="4"/>
-                                            </p:txEl>
-                                          </p:spTgt>
-                                        </p:tgtEl>
-                                      </p:cBhvr>
-                                    </p:animEffect>
-                                  </p:childTnLst>
-                                </p:cTn>
-                              </p:par>
-                            </p:childTnLst>
-                          </p:cTn>
-                        </p:par>
-                      </p:childTnLst>
-                    </p:cTn>
-                  </p:par>
-                  <p:par>
-                    <p:cTn id="60" fill="hold">
-                      <p:stCondLst>
-                        <p:cond delay="indefinite"/>
-                      </p:stCondLst>
-                      <p:childTnLst>
-                        <p:par>
-                          <p:cTn id="61" fill="hold">
-                            <p:stCondLst>
-                              <p:cond delay="0"/>
-                            </p:stCondLst>
-                            <p:childTnLst>
-                              <p:par>
-                                <p:cTn id="62" presetID="10" presetClass="entr" presetSubtype="0" fill="hold" nodeType="clickEffect">
-                                  <p:stCondLst>
-                                    <p:cond delay="0"/>
-                                  </p:stCondLst>
-                                  <p:childTnLst>
-                                    <p:set>
-                                      <p:cBhvr>
-                                        <p:cTn id="63" dur="1" fill="hold">
-                                          <p:stCondLst>
-                                            <p:cond delay="0"/>
-                                          </p:stCondLst>
-                                        </p:cTn>
-                                        <p:tgtEl>
-                                          <p:spTgt spid="25">
-                                            <p:txEl>
-                                              <p:pRg st="5" end="5"/>
-                                            </p:txEl>
-                                          </p:spTgt>
-                                        </p:tgtEl>
-                                        <p:attrNameLst>
-                                          <p:attrName>style.visibility</p:attrName>
-                                        </p:attrNameLst>
-                                      </p:cBhvr>
-                                      <p:to>
-                                        <p:strVal val="visible"/>
-                                      </p:to>
-                                    </p:set>
-                                    <p:animEffect transition="in" filter="fade">
-                                      <p:cBhvr>
-                                        <p:cTn id="64" dur="500"/>
-                                        <p:tgtEl>
-                                          <p:spTgt spid="25">
-                                            <p:txEl>
-                                              <p:pRg st="5" end="5"/>
-                                            </p:txEl>
-                                          </p:spTgt>
-                                        </p:tgtEl>
-                                      </p:cBhvr>
-                                    </p:animEffect>
                                   </p:childTnLst>
                                 </p:cTn>
                               </p:par>
@@ -17187,12 +15807,6 @@
         </p:cTn>
       </p:par>
     </p:tnLst>
-    <p:bldLst>
-      <p:bldP spid="6" grpId="0" animBg="1"/>
-      <p:bldP spid="23" grpId="0"/>
-      <p:bldP spid="18" grpId="0"/>
-      <p:bldP spid="24" grpId="0"/>
-    </p:bldLst>
   </p:timing>
 </p:sld>
 </file>

--- a/ISIE 2017/sunum/ISIE2017_OralPres_Mesut_Uğur.pptx
+++ b/ISIE 2017/sunum/ISIE2017_OralPres_Mesut_Uğur.pptx
@@ -5,7 +5,7 @@
     <p:sldMasterId id="2147483804" r:id="rId1"/>
   </p:sldMasterIdLst>
   <p:notesMasterIdLst>
-    <p:notesMasterId r:id="rId17"/>
+    <p:notesMasterId r:id="rId18"/>
   </p:notesMasterIdLst>
   <p:sldIdLst>
     <p:sldId id="290" r:id="rId2"/>
@@ -16,13 +16,14 @@
     <p:sldId id="506" r:id="rId7"/>
     <p:sldId id="508" r:id="rId8"/>
     <p:sldId id="514" r:id="rId9"/>
-    <p:sldId id="517" r:id="rId10"/>
-    <p:sldId id="516" r:id="rId11"/>
-    <p:sldId id="507" r:id="rId12"/>
+    <p:sldId id="519" r:id="rId10"/>
+    <p:sldId id="520" r:id="rId11"/>
+    <p:sldId id="521" r:id="rId12"/>
     <p:sldId id="509" r:id="rId13"/>
-    <p:sldId id="518" r:id="rId14"/>
-    <p:sldId id="513" r:id="rId15"/>
-    <p:sldId id="493" r:id="rId16"/>
+    <p:sldId id="522" r:id="rId14"/>
+    <p:sldId id="518" r:id="rId15"/>
+    <p:sldId id="513" r:id="rId16"/>
+    <p:sldId id="493" r:id="rId17"/>
   </p:sldIdLst>
   <p:sldSz cx="9144000" cy="6858000" type="screen4x3"/>
   <p:notesSz cx="6858000" cy="9144000"/>
@@ -4313,8 +4314,8 @@
         </p:nvSpPr>
         <p:spPr bwMode="auto">
           <a:xfrm>
-            <a:off x="1189918" y="1143000"/>
-            <a:ext cx="7954082" cy="461665"/>
+            <a:off x="1189918" y="914400"/>
+            <a:ext cx="7649282" cy="523220"/>
           </a:xfrm>
           <a:prstGeom prst="rect">
             <a:avLst/>
@@ -4336,104 +4337,13 @@
           <a:p>
             <a:pPr algn="ctr"/>
             <a:r>
-              <a:rPr lang="tr-TR" sz="2400" dirty="0" smtClean="0">
-                <a:latin typeface="Times New Roman" panose="02020603050405020304" pitchFamily="18" charset="0"/>
-                <a:cs typeface="Times New Roman" panose="02020603050405020304" pitchFamily="18" charset="0"/>
-              </a:rPr>
-              <a:t>Optimum </a:t>
-            </a:r>
-            <a:r>
-              <a:rPr lang="tr-TR" sz="2400" dirty="0" err="1" smtClean="0">
-                <a:latin typeface="Times New Roman" panose="02020603050405020304" pitchFamily="18" charset="0"/>
-                <a:cs typeface="Times New Roman" panose="02020603050405020304" pitchFamily="18" charset="0"/>
-              </a:rPr>
-              <a:t>phase</a:t>
-            </a:r>
-            <a:r>
-              <a:rPr lang="tr-TR" sz="2400" dirty="0" smtClean="0">
-                <a:latin typeface="Times New Roman" panose="02020603050405020304" pitchFamily="18" charset="0"/>
-                <a:cs typeface="Times New Roman" panose="02020603050405020304" pitchFamily="18" charset="0"/>
-              </a:rPr>
-              <a:t> </a:t>
-            </a:r>
-            <a:r>
-              <a:rPr lang="tr-TR" sz="2400" dirty="0" err="1" smtClean="0">
-                <a:latin typeface="Times New Roman" panose="02020603050405020304" pitchFamily="18" charset="0"/>
-                <a:cs typeface="Times New Roman" panose="02020603050405020304" pitchFamily="18" charset="0"/>
-              </a:rPr>
-              <a:t>shift</a:t>
-            </a:r>
-            <a:r>
-              <a:rPr lang="tr-TR" sz="2400" dirty="0" smtClean="0">
-                <a:latin typeface="Times New Roman" panose="02020603050405020304" pitchFamily="18" charset="0"/>
-                <a:cs typeface="Times New Roman" panose="02020603050405020304" pitchFamily="18" charset="0"/>
-              </a:rPr>
-              <a:t> </a:t>
-            </a:r>
-            <a:r>
-              <a:rPr lang="tr-TR" sz="2400" dirty="0" err="1" smtClean="0">
-                <a:latin typeface="Times New Roman" panose="02020603050405020304" pitchFamily="18" charset="0"/>
-                <a:cs typeface="Times New Roman" panose="02020603050405020304" pitchFamily="18" charset="0"/>
-              </a:rPr>
-              <a:t>angle</a:t>
-            </a:r>
-            <a:r>
-              <a:rPr lang="tr-TR" sz="2400" dirty="0" smtClean="0">
-                <a:latin typeface="Times New Roman" panose="02020603050405020304" pitchFamily="18" charset="0"/>
-                <a:cs typeface="Times New Roman" panose="02020603050405020304" pitchFamily="18" charset="0"/>
-              </a:rPr>
-              <a:t> </a:t>
-            </a:r>
-            <a:r>
-              <a:rPr lang="tr-TR" sz="2400" dirty="0" err="1" smtClean="0">
-                <a:latin typeface="Times New Roman" panose="02020603050405020304" pitchFamily="18" charset="0"/>
-                <a:cs typeface="Times New Roman" panose="02020603050405020304" pitchFamily="18" charset="0"/>
-              </a:rPr>
-              <a:t>for</a:t>
-            </a:r>
-            <a:r>
-              <a:rPr lang="tr-TR" sz="2400" dirty="0" smtClean="0">
-                <a:latin typeface="Times New Roman" panose="02020603050405020304" pitchFamily="18" charset="0"/>
-                <a:cs typeface="Times New Roman" panose="02020603050405020304" pitchFamily="18" charset="0"/>
-              </a:rPr>
-              <a:t> </a:t>
-            </a:r>
-            <a:r>
-              <a:rPr lang="tr-TR" sz="2400" dirty="0" err="1" smtClean="0">
-                <a:latin typeface="Times New Roman" panose="02020603050405020304" pitchFamily="18" charset="0"/>
-                <a:cs typeface="Times New Roman" panose="02020603050405020304" pitchFamily="18" charset="0"/>
-              </a:rPr>
-              <a:t>different</a:t>
-            </a:r>
-            <a:r>
-              <a:rPr lang="tr-TR" sz="2400" dirty="0" smtClean="0">
-                <a:latin typeface="Times New Roman" panose="02020603050405020304" pitchFamily="18" charset="0"/>
-                <a:cs typeface="Times New Roman" panose="02020603050405020304" pitchFamily="18" charset="0"/>
-              </a:rPr>
-              <a:t> </a:t>
-            </a:r>
-            <a:r>
-              <a:rPr lang="tr-TR" sz="2400" dirty="0" err="1" smtClean="0">
-                <a:latin typeface="Times New Roman" panose="02020603050405020304" pitchFamily="18" charset="0"/>
-                <a:cs typeface="Times New Roman" panose="02020603050405020304" pitchFamily="18" charset="0"/>
-              </a:rPr>
-              <a:t>number</a:t>
-            </a:r>
-            <a:r>
-              <a:rPr lang="tr-TR" sz="2400" dirty="0" smtClean="0">
-                <a:latin typeface="Times New Roman" panose="02020603050405020304" pitchFamily="18" charset="0"/>
-                <a:cs typeface="Times New Roman" panose="02020603050405020304" pitchFamily="18" charset="0"/>
-              </a:rPr>
-              <a:t> of </a:t>
-            </a:r>
-            <a:r>
-              <a:rPr lang="tr-TR" sz="2400" dirty="0" err="1" smtClean="0">
-                <a:latin typeface="Times New Roman" panose="02020603050405020304" pitchFamily="18" charset="0"/>
-                <a:cs typeface="Times New Roman" panose="02020603050405020304" pitchFamily="18" charset="0"/>
-              </a:rPr>
-              <a:t>modules</a:t>
-            </a:r>
-            <a:endParaRPr lang="en-US" sz="2400" dirty="0" smtClean="0">
+              <a:rPr lang="en-US" sz="2800" u="sng" dirty="0" smtClean="0">
+                <a:latin typeface="Times New Roman" panose="02020603050405020304" pitchFamily="18" charset="0"/>
+                <a:cs typeface="Times New Roman" panose="02020603050405020304" pitchFamily="18" charset="0"/>
+              </a:rPr>
+              <a:t>Capacitor selection aspects</a:t>
+            </a:r>
+            <a:endParaRPr lang="en-US" sz="2800" u="sng" dirty="0" smtClean="0">
               <a:latin typeface="Times New Roman" panose="02020603050405020304" pitchFamily="18" charset="0"/>
               <a:cs typeface="Times New Roman" panose="02020603050405020304" pitchFamily="18" charset="0"/>
             </a:endParaRPr>
@@ -4464,32 +4374,32 @@
           <a:p>
             <a:pPr algn="ctr"/>
             <a:r>
+              <a:rPr lang="tr-TR" sz="3000" dirty="0">
+                <a:latin typeface="Times New Roman" panose="02020603050405020304" pitchFamily="18" charset="0"/>
+                <a:cs typeface="Times New Roman" panose="02020603050405020304" pitchFamily="18" charset="0"/>
+              </a:rPr>
+              <a:t>DC Link </a:t>
+            </a:r>
+            <a:r>
+              <a:rPr lang="tr-TR" sz="3000" dirty="0" err="1">
+                <a:latin typeface="Times New Roman" panose="02020603050405020304" pitchFamily="18" charset="0"/>
+                <a:cs typeface="Times New Roman" panose="02020603050405020304" pitchFamily="18" charset="0"/>
+              </a:rPr>
+              <a:t>Capacitor</a:t>
+            </a:r>
+            <a:r>
+              <a:rPr lang="tr-TR" sz="3000" dirty="0">
+                <a:latin typeface="Times New Roman" panose="02020603050405020304" pitchFamily="18" charset="0"/>
+                <a:cs typeface="Times New Roman" panose="02020603050405020304" pitchFamily="18" charset="0"/>
+              </a:rPr>
+              <a:t> </a:t>
+            </a:r>
+            <a:r>
               <a:rPr lang="tr-TR" sz="3000" dirty="0" smtClean="0">
                 <a:latin typeface="Times New Roman" panose="02020603050405020304" pitchFamily="18" charset="0"/>
                 <a:cs typeface="Times New Roman" panose="02020603050405020304" pitchFamily="18" charset="0"/>
               </a:rPr>
-              <a:t>DC Link </a:t>
-            </a:r>
-            <a:r>
-              <a:rPr lang="tr-TR" sz="3000" dirty="0" err="1" smtClean="0">
-                <a:latin typeface="Times New Roman" panose="02020603050405020304" pitchFamily="18" charset="0"/>
-                <a:cs typeface="Times New Roman" panose="02020603050405020304" pitchFamily="18" charset="0"/>
-              </a:rPr>
-              <a:t>Capacitor</a:t>
-            </a:r>
-            <a:r>
-              <a:rPr lang="tr-TR" sz="3000" dirty="0" smtClean="0">
-                <a:latin typeface="Times New Roman" panose="02020603050405020304" pitchFamily="18" charset="0"/>
-                <a:cs typeface="Times New Roman" panose="02020603050405020304" pitchFamily="18" charset="0"/>
-              </a:rPr>
-              <a:t> </a:t>
-            </a:r>
-            <a:r>
-              <a:rPr lang="tr-TR" sz="3000" dirty="0" err="1" smtClean="0">
-                <a:latin typeface="Times New Roman" panose="02020603050405020304" pitchFamily="18" charset="0"/>
-                <a:cs typeface="Times New Roman" panose="02020603050405020304" pitchFamily="18" charset="0"/>
-              </a:rPr>
-              <a:t>Selection</a:t>
+              <a:t>Evaluation</a:t>
             </a:r>
             <a:endParaRPr lang="tr-TR" sz="3000" dirty="0">
               <a:latin typeface="Times New Roman" panose="02020603050405020304" pitchFamily="18" charset="0"/>
@@ -4507,31 +4417,7 @@
           <p:nvPr/>
         </p:nvPicPr>
         <p:blipFill>
-          <a:blip r:embed="rId2"/>
-          <a:stretch>
-            <a:fillRect/>
-          </a:stretch>
-        </p:blipFill>
-        <p:spPr>
-          <a:xfrm>
-            <a:off x="1600250" y="1606163"/>
-            <a:ext cx="6887282" cy="4932749"/>
-          </a:xfrm>
-          <a:prstGeom prst="rect">
-            <a:avLst/>
-          </a:prstGeom>
-        </p:spPr>
-      </p:pic>
-      <p:pic>
-        <p:nvPicPr>
-          <p:cNvPr id="13" name="Picture 12"/>
-          <p:cNvPicPr>
-            <a:picLocks noChangeAspect="1"/>
-          </p:cNvPicPr>
-          <p:nvPr/>
-        </p:nvPicPr>
-        <p:blipFill>
-          <a:blip r:embed="rId3" cstate="print">
+          <a:blip r:embed="rId2" cstate="print">
             <a:extLst>
               <a:ext uri="{28A0092B-C50C-407E-A947-70E740481C1C}">
                 <a14:useLocalDpi xmlns:a14="http://schemas.microsoft.com/office/drawing/2010/main" val="0"/>
@@ -4561,7 +4447,7 @@
           <p:nvPr/>
         </p:nvPicPr>
         <p:blipFill>
-          <a:blip r:embed="rId4" cstate="print">
+          <a:blip r:embed="rId3" cstate="print">
             <a:extLst>
               <a:ext uri="{28A0092B-C50C-407E-A947-70E740481C1C}">
                 <a14:useLocalDpi xmlns:a14="http://schemas.microsoft.com/office/drawing/2010/main" val="0"/>
@@ -4593,10 +4479,944 @@
           </a:extLst>
         </p:spPr>
       </p:pic>
+      <p:sp>
+        <p:nvSpPr>
+          <p:cNvPr id="3" name="Rectangle 2"/>
+          <p:cNvSpPr/>
+          <p:nvPr/>
+        </p:nvSpPr>
+        <p:spPr>
+          <a:xfrm>
+            <a:off x="1076931" y="1437620"/>
+            <a:ext cx="4144083" cy="3785652"/>
+          </a:xfrm>
+          <a:prstGeom prst="rect">
+            <a:avLst/>
+          </a:prstGeom>
+        </p:spPr>
+        <p:txBody>
+          <a:bodyPr wrap="square">
+            <a:spAutoFit/>
+          </a:bodyPr>
+          <a:lstStyle/>
+          <a:p>
+            <a:r>
+              <a:rPr lang="en-US" sz="2000" dirty="0">
+                <a:solidFill>
+                  <a:srgbClr val="000000"/>
+                </a:solidFill>
+                <a:latin typeface="Times New Roman" panose="02020603050405020304" pitchFamily="18" charset="0"/>
+                <a:cs typeface="Times New Roman" panose="02020603050405020304" pitchFamily="18" charset="0"/>
+              </a:rPr>
+              <a:t>The basic </a:t>
+            </a:r>
+            <a:r>
+              <a:rPr lang="en-US" sz="2000" dirty="0" smtClean="0">
+                <a:solidFill>
+                  <a:srgbClr val="000000"/>
+                </a:solidFill>
+                <a:latin typeface="Times New Roman" panose="02020603050405020304" pitchFamily="18" charset="0"/>
+                <a:cs typeface="Times New Roman" panose="02020603050405020304" pitchFamily="18" charset="0"/>
+              </a:rPr>
+              <a:t>parameters</a:t>
+            </a:r>
+            <a:endParaRPr lang="tr-TR" sz="2000" dirty="0" smtClean="0">
+              <a:solidFill>
+                <a:srgbClr val="000000"/>
+              </a:solidFill>
+              <a:latin typeface="Times New Roman" panose="02020603050405020304" pitchFamily="18" charset="0"/>
+              <a:cs typeface="Times New Roman" panose="02020603050405020304" pitchFamily="18" charset="0"/>
+            </a:endParaRPr>
+          </a:p>
+          <a:p>
+            <a:r>
+              <a:rPr lang="en-US" sz="2000" i="1" dirty="0" smtClean="0">
+                <a:solidFill>
+                  <a:srgbClr val="000000"/>
+                </a:solidFill>
+                <a:latin typeface="Times New Roman" panose="02020603050405020304" pitchFamily="18" charset="0"/>
+                <a:cs typeface="Times New Roman" panose="02020603050405020304" pitchFamily="18" charset="0"/>
+              </a:rPr>
+              <a:t>• </a:t>
+            </a:r>
+            <a:r>
+              <a:rPr lang="en-US" sz="2000" b="1" dirty="0">
+                <a:solidFill>
+                  <a:srgbClr val="000000"/>
+                </a:solidFill>
+                <a:latin typeface="Times New Roman" panose="02020603050405020304" pitchFamily="18" charset="0"/>
+                <a:cs typeface="Times New Roman" panose="02020603050405020304" pitchFamily="18" charset="0"/>
+              </a:rPr>
+              <a:t>Capacitance</a:t>
+            </a:r>
+            <a:r>
+              <a:rPr lang="en-US" sz="2000" dirty="0">
+                <a:solidFill>
+                  <a:srgbClr val="000000"/>
+                </a:solidFill>
+                <a:latin typeface="Times New Roman" panose="02020603050405020304" pitchFamily="18" charset="0"/>
+                <a:cs typeface="Times New Roman" panose="02020603050405020304" pitchFamily="18" charset="0"/>
+              </a:rPr>
+              <a:t> </a:t>
+            </a:r>
+            <a:r>
+              <a:rPr lang="en-US" sz="2000" dirty="0" smtClean="0">
+                <a:solidFill>
+                  <a:srgbClr val="000000"/>
+                </a:solidFill>
+                <a:latin typeface="Times New Roman" panose="02020603050405020304" pitchFamily="18" charset="0"/>
+                <a:cs typeface="Times New Roman" panose="02020603050405020304" pitchFamily="18" charset="0"/>
+              </a:rPr>
+              <a:t>due </a:t>
+            </a:r>
+            <a:r>
+              <a:rPr lang="en-US" sz="2000" dirty="0">
+                <a:solidFill>
+                  <a:srgbClr val="000000"/>
+                </a:solidFill>
+                <a:latin typeface="Times New Roman" panose="02020603050405020304" pitchFamily="18" charset="0"/>
+                <a:cs typeface="Times New Roman" panose="02020603050405020304" pitchFamily="18" charset="0"/>
+              </a:rPr>
+              <a:t>to </a:t>
+            </a:r>
+            <a:r>
+              <a:rPr lang="en-US" sz="2000" dirty="0" smtClean="0">
+                <a:solidFill>
+                  <a:srgbClr val="000000"/>
+                </a:solidFill>
+                <a:latin typeface="Times New Roman" panose="02020603050405020304" pitchFamily="18" charset="0"/>
+                <a:cs typeface="Times New Roman" panose="02020603050405020304" pitchFamily="18" charset="0"/>
+              </a:rPr>
+              <a:t>voltage ripple</a:t>
+            </a:r>
+            <a:endParaRPr lang="tr-TR" sz="2000" dirty="0" smtClean="0">
+              <a:solidFill>
+                <a:srgbClr val="000000"/>
+              </a:solidFill>
+              <a:latin typeface="Times New Roman" panose="02020603050405020304" pitchFamily="18" charset="0"/>
+              <a:cs typeface="Times New Roman" panose="02020603050405020304" pitchFamily="18" charset="0"/>
+            </a:endParaRPr>
+          </a:p>
+          <a:p>
+            <a:r>
+              <a:rPr lang="en-US" sz="2000" i="1" dirty="0" smtClean="0">
+                <a:solidFill>
+                  <a:srgbClr val="000000"/>
+                </a:solidFill>
+                <a:latin typeface="Times New Roman" panose="02020603050405020304" pitchFamily="18" charset="0"/>
+                <a:cs typeface="Times New Roman" panose="02020603050405020304" pitchFamily="18" charset="0"/>
+              </a:rPr>
+              <a:t>• </a:t>
+            </a:r>
+            <a:r>
+              <a:rPr lang="en-US" sz="2000" b="1" dirty="0">
+                <a:solidFill>
+                  <a:srgbClr val="000000"/>
+                </a:solidFill>
+                <a:latin typeface="Times New Roman" panose="02020603050405020304" pitchFamily="18" charset="0"/>
+                <a:cs typeface="Times New Roman" panose="02020603050405020304" pitchFamily="18" charset="0"/>
+              </a:rPr>
+              <a:t>RMS current </a:t>
+            </a:r>
+            <a:r>
+              <a:rPr lang="en-US" sz="2000" dirty="0" smtClean="0">
+                <a:solidFill>
+                  <a:srgbClr val="000000"/>
+                </a:solidFill>
+                <a:latin typeface="Times New Roman" panose="02020603050405020304" pitchFamily="18" charset="0"/>
+                <a:cs typeface="Times New Roman" panose="02020603050405020304" pitchFamily="18" charset="0"/>
+              </a:rPr>
+              <a:t>due </a:t>
+            </a:r>
+            <a:r>
+              <a:rPr lang="en-US" sz="2000" dirty="0">
+                <a:solidFill>
+                  <a:srgbClr val="000000"/>
+                </a:solidFill>
+                <a:latin typeface="Times New Roman" panose="02020603050405020304" pitchFamily="18" charset="0"/>
+                <a:cs typeface="Times New Roman" panose="02020603050405020304" pitchFamily="18" charset="0"/>
+              </a:rPr>
+              <a:t>to </a:t>
+            </a:r>
+            <a:r>
+              <a:rPr lang="en-US" sz="2000" dirty="0" smtClean="0">
+                <a:solidFill>
+                  <a:srgbClr val="000000"/>
+                </a:solidFill>
+                <a:latin typeface="Times New Roman" panose="02020603050405020304" pitchFamily="18" charset="0"/>
+                <a:cs typeface="Times New Roman" panose="02020603050405020304" pitchFamily="18" charset="0"/>
+              </a:rPr>
+              <a:t>current ripple</a:t>
+            </a:r>
+            <a:endParaRPr lang="tr-TR" sz="2000" dirty="0" smtClean="0">
+              <a:solidFill>
+                <a:srgbClr val="000000"/>
+              </a:solidFill>
+              <a:latin typeface="Times New Roman" panose="02020603050405020304" pitchFamily="18" charset="0"/>
+              <a:cs typeface="Times New Roman" panose="02020603050405020304" pitchFamily="18" charset="0"/>
+            </a:endParaRPr>
+          </a:p>
+          <a:p>
+            <a:r>
+              <a:rPr lang="en-US" sz="2000" i="1" dirty="0" smtClean="0">
+                <a:solidFill>
+                  <a:srgbClr val="000000"/>
+                </a:solidFill>
+                <a:latin typeface="Times New Roman" panose="02020603050405020304" pitchFamily="18" charset="0"/>
+                <a:cs typeface="Times New Roman" panose="02020603050405020304" pitchFamily="18" charset="0"/>
+              </a:rPr>
+              <a:t>• </a:t>
+            </a:r>
+            <a:r>
+              <a:rPr lang="en-US" sz="2000" b="1" dirty="0">
+                <a:solidFill>
+                  <a:srgbClr val="000000"/>
+                </a:solidFill>
+                <a:latin typeface="Times New Roman" panose="02020603050405020304" pitchFamily="18" charset="0"/>
+                <a:cs typeface="Times New Roman" panose="02020603050405020304" pitchFamily="18" charset="0"/>
+              </a:rPr>
+              <a:t>Voltage</a:t>
+            </a:r>
+            <a:r>
+              <a:rPr lang="en-US" sz="2000" dirty="0">
+                <a:solidFill>
+                  <a:srgbClr val="000000"/>
+                </a:solidFill>
+                <a:latin typeface="Times New Roman" panose="02020603050405020304" pitchFamily="18" charset="0"/>
+                <a:cs typeface="Times New Roman" panose="02020603050405020304" pitchFamily="18" charset="0"/>
+              </a:rPr>
+              <a:t> </a:t>
+            </a:r>
+            <a:r>
+              <a:rPr lang="en-US" sz="2000" dirty="0" smtClean="0">
+                <a:solidFill>
+                  <a:srgbClr val="000000"/>
+                </a:solidFill>
+                <a:latin typeface="Times New Roman" panose="02020603050405020304" pitchFamily="18" charset="0"/>
+                <a:cs typeface="Times New Roman" panose="02020603050405020304" pitchFamily="18" charset="0"/>
+              </a:rPr>
+              <a:t>due </a:t>
+            </a:r>
+            <a:r>
+              <a:rPr lang="en-US" sz="2000" dirty="0">
+                <a:solidFill>
+                  <a:srgbClr val="000000"/>
+                </a:solidFill>
+                <a:latin typeface="Times New Roman" panose="02020603050405020304" pitchFamily="18" charset="0"/>
+                <a:cs typeface="Times New Roman" panose="02020603050405020304" pitchFamily="18" charset="0"/>
+              </a:rPr>
+              <a:t>to </a:t>
+            </a:r>
+            <a:r>
+              <a:rPr lang="en-US" sz="2000" dirty="0" smtClean="0">
+                <a:solidFill>
+                  <a:srgbClr val="000000"/>
+                </a:solidFill>
+                <a:latin typeface="Times New Roman" panose="02020603050405020304" pitchFamily="18" charset="0"/>
+                <a:cs typeface="Times New Roman" panose="02020603050405020304" pitchFamily="18" charset="0"/>
+              </a:rPr>
+              <a:t>topology</a:t>
+            </a:r>
+            <a:endParaRPr lang="tr-TR" sz="2000" dirty="0" smtClean="0">
+              <a:solidFill>
+                <a:srgbClr val="000000"/>
+              </a:solidFill>
+              <a:latin typeface="Times New Roman" panose="02020603050405020304" pitchFamily="18" charset="0"/>
+              <a:cs typeface="Times New Roman" panose="02020603050405020304" pitchFamily="18" charset="0"/>
+            </a:endParaRPr>
+          </a:p>
+          <a:p>
+            <a:r>
+              <a:rPr lang="en-US" sz="2000" dirty="0">
+                <a:solidFill>
+                  <a:srgbClr val="000000"/>
+                </a:solidFill>
+                <a:latin typeface="Times New Roman" panose="02020603050405020304" pitchFamily="18" charset="0"/>
+                <a:cs typeface="Times New Roman" panose="02020603050405020304" pitchFamily="18" charset="0"/>
+              </a:rPr>
+              <a:t/>
+            </a:r>
+            <a:br>
+              <a:rPr lang="en-US" sz="2000" dirty="0">
+                <a:solidFill>
+                  <a:srgbClr val="000000"/>
+                </a:solidFill>
+                <a:latin typeface="Times New Roman" panose="02020603050405020304" pitchFamily="18" charset="0"/>
+                <a:cs typeface="Times New Roman" panose="02020603050405020304" pitchFamily="18" charset="0"/>
+              </a:rPr>
+            </a:br>
+            <a:r>
+              <a:rPr lang="tr-TR" sz="2000" dirty="0" smtClean="0">
+                <a:solidFill>
+                  <a:srgbClr val="000000"/>
+                </a:solidFill>
+                <a:latin typeface="Times New Roman" panose="02020603050405020304" pitchFamily="18" charset="0"/>
+                <a:cs typeface="Times New Roman" panose="02020603050405020304" pitchFamily="18" charset="0"/>
+              </a:rPr>
+              <a:t>T</a:t>
+            </a:r>
+            <a:r>
+              <a:rPr lang="en-US" sz="2000" dirty="0" smtClean="0">
+                <a:solidFill>
+                  <a:srgbClr val="000000"/>
+                </a:solidFill>
+                <a:latin typeface="Times New Roman" panose="02020603050405020304" pitchFamily="18" charset="0"/>
+                <a:cs typeface="Times New Roman" panose="02020603050405020304" pitchFamily="18" charset="0"/>
+              </a:rPr>
+              <a:t>he </a:t>
+            </a:r>
+            <a:r>
+              <a:rPr lang="en-US" sz="2000" dirty="0">
+                <a:solidFill>
+                  <a:srgbClr val="000000"/>
+                </a:solidFill>
+                <a:latin typeface="Times New Roman" panose="02020603050405020304" pitchFamily="18" charset="0"/>
+                <a:cs typeface="Times New Roman" panose="02020603050405020304" pitchFamily="18" charset="0"/>
+              </a:rPr>
+              <a:t>major </a:t>
+            </a:r>
+            <a:r>
+              <a:rPr lang="en-US" sz="2000" dirty="0" smtClean="0">
+                <a:solidFill>
+                  <a:srgbClr val="000000"/>
+                </a:solidFill>
+                <a:latin typeface="Times New Roman" panose="02020603050405020304" pitchFamily="18" charset="0"/>
+                <a:cs typeface="Times New Roman" panose="02020603050405020304" pitchFamily="18" charset="0"/>
+              </a:rPr>
+              <a:t>concerns</a:t>
+            </a:r>
+            <a:endParaRPr lang="tr-TR" sz="2000" dirty="0" smtClean="0">
+              <a:solidFill>
+                <a:srgbClr val="000000"/>
+              </a:solidFill>
+              <a:latin typeface="Times New Roman" panose="02020603050405020304" pitchFamily="18" charset="0"/>
+              <a:cs typeface="Times New Roman" panose="02020603050405020304" pitchFamily="18" charset="0"/>
+            </a:endParaRPr>
+          </a:p>
+          <a:p>
+            <a:r>
+              <a:rPr lang="en-US" sz="2000" i="1" dirty="0" smtClean="0">
+                <a:solidFill>
+                  <a:srgbClr val="000000"/>
+                </a:solidFill>
+                <a:latin typeface="Times New Roman" panose="02020603050405020304" pitchFamily="18" charset="0"/>
+                <a:cs typeface="Times New Roman" panose="02020603050405020304" pitchFamily="18" charset="0"/>
+              </a:rPr>
+              <a:t>• </a:t>
+            </a:r>
+            <a:r>
+              <a:rPr lang="en-US" sz="2000" dirty="0">
+                <a:solidFill>
+                  <a:srgbClr val="000000"/>
+                </a:solidFill>
+                <a:latin typeface="Times New Roman" panose="02020603050405020304" pitchFamily="18" charset="0"/>
+                <a:cs typeface="Times New Roman" panose="02020603050405020304" pitchFamily="18" charset="0"/>
+              </a:rPr>
+              <a:t>High </a:t>
+            </a:r>
+            <a:r>
+              <a:rPr lang="en-US" sz="2000" dirty="0" smtClean="0">
+                <a:solidFill>
+                  <a:srgbClr val="000000"/>
+                </a:solidFill>
+                <a:latin typeface="Times New Roman" panose="02020603050405020304" pitchFamily="18" charset="0"/>
+                <a:cs typeface="Times New Roman" panose="02020603050405020304" pitchFamily="18" charset="0"/>
+              </a:rPr>
+              <a:t>power</a:t>
+            </a:r>
+            <a:r>
+              <a:rPr lang="tr-TR" sz="2000" dirty="0" smtClean="0">
+                <a:solidFill>
+                  <a:srgbClr val="000000"/>
+                </a:solidFill>
+                <a:latin typeface="Times New Roman" panose="02020603050405020304" pitchFamily="18" charset="0"/>
+                <a:cs typeface="Times New Roman" panose="02020603050405020304" pitchFamily="18" charset="0"/>
+              </a:rPr>
+              <a:t> </a:t>
+            </a:r>
+            <a:r>
+              <a:rPr lang="tr-TR" sz="2000" dirty="0" err="1" smtClean="0">
+                <a:solidFill>
+                  <a:srgbClr val="000000"/>
+                </a:solidFill>
+                <a:latin typeface="Times New Roman" panose="02020603050405020304" pitchFamily="18" charset="0"/>
+                <a:cs typeface="Times New Roman" panose="02020603050405020304" pitchFamily="18" charset="0"/>
+              </a:rPr>
+              <a:t>density</a:t>
+            </a:r>
+            <a:endParaRPr lang="tr-TR" sz="2000" dirty="0" smtClean="0">
+              <a:solidFill>
+                <a:srgbClr val="000000"/>
+              </a:solidFill>
+              <a:latin typeface="Times New Roman" panose="02020603050405020304" pitchFamily="18" charset="0"/>
+              <a:cs typeface="Times New Roman" panose="02020603050405020304" pitchFamily="18" charset="0"/>
+            </a:endParaRPr>
+          </a:p>
+          <a:p>
+            <a:r>
+              <a:rPr lang="en-US" sz="2000" i="1" dirty="0" smtClean="0">
+                <a:solidFill>
+                  <a:srgbClr val="000000"/>
+                </a:solidFill>
+                <a:latin typeface="Times New Roman" panose="02020603050405020304" pitchFamily="18" charset="0"/>
+                <a:cs typeface="Times New Roman" panose="02020603050405020304" pitchFamily="18" charset="0"/>
+              </a:rPr>
+              <a:t>• </a:t>
+            </a:r>
+            <a:r>
+              <a:rPr lang="en-US" sz="2000" dirty="0">
+                <a:solidFill>
+                  <a:srgbClr val="000000"/>
+                </a:solidFill>
+                <a:latin typeface="Times New Roman" panose="02020603050405020304" pitchFamily="18" charset="0"/>
+                <a:cs typeface="Times New Roman" panose="02020603050405020304" pitchFamily="18" charset="0"/>
+              </a:rPr>
+              <a:t>Low </a:t>
+            </a:r>
+            <a:r>
+              <a:rPr lang="en-US" sz="2000" dirty="0" smtClean="0">
+                <a:solidFill>
+                  <a:srgbClr val="000000"/>
+                </a:solidFill>
+                <a:latin typeface="Times New Roman" panose="02020603050405020304" pitchFamily="18" charset="0"/>
+                <a:cs typeface="Times New Roman" panose="02020603050405020304" pitchFamily="18" charset="0"/>
+              </a:rPr>
+              <a:t>height</a:t>
+            </a:r>
+            <a:endParaRPr lang="tr-TR" sz="2000" dirty="0" smtClean="0">
+              <a:solidFill>
+                <a:srgbClr val="000000"/>
+              </a:solidFill>
+              <a:latin typeface="Times New Roman" panose="02020603050405020304" pitchFamily="18" charset="0"/>
+              <a:cs typeface="Times New Roman" panose="02020603050405020304" pitchFamily="18" charset="0"/>
+            </a:endParaRPr>
+          </a:p>
+          <a:p>
+            <a:r>
+              <a:rPr lang="en-US" sz="2000" i="1" dirty="0" smtClean="0">
+                <a:solidFill>
+                  <a:srgbClr val="000000"/>
+                </a:solidFill>
+                <a:latin typeface="Times New Roman" panose="02020603050405020304" pitchFamily="18" charset="0"/>
+                <a:cs typeface="Times New Roman" panose="02020603050405020304" pitchFamily="18" charset="0"/>
+              </a:rPr>
+              <a:t>• </a:t>
+            </a:r>
+            <a:r>
+              <a:rPr lang="en-US" sz="2000" dirty="0">
+                <a:solidFill>
+                  <a:srgbClr val="000000"/>
+                </a:solidFill>
+                <a:latin typeface="Times New Roman" panose="02020603050405020304" pitchFamily="18" charset="0"/>
+                <a:cs typeface="Times New Roman" panose="02020603050405020304" pitchFamily="18" charset="0"/>
+              </a:rPr>
+              <a:t>Low </a:t>
+            </a:r>
+            <a:r>
+              <a:rPr lang="en-US" sz="2000" dirty="0" smtClean="0">
+                <a:solidFill>
+                  <a:srgbClr val="000000"/>
+                </a:solidFill>
+                <a:latin typeface="Times New Roman" panose="02020603050405020304" pitchFamily="18" charset="0"/>
+                <a:cs typeface="Times New Roman" panose="02020603050405020304" pitchFamily="18" charset="0"/>
+              </a:rPr>
+              <a:t>cost</a:t>
+            </a:r>
+            <a:endParaRPr lang="tr-TR" sz="2000" dirty="0" smtClean="0">
+              <a:solidFill>
+                <a:srgbClr val="000000"/>
+              </a:solidFill>
+              <a:latin typeface="Times New Roman" panose="02020603050405020304" pitchFamily="18" charset="0"/>
+              <a:cs typeface="Times New Roman" panose="02020603050405020304" pitchFamily="18" charset="0"/>
+            </a:endParaRPr>
+          </a:p>
+          <a:p>
+            <a:r>
+              <a:rPr lang="en-US" sz="2000" i="1" dirty="0" smtClean="0">
+                <a:solidFill>
+                  <a:srgbClr val="000000"/>
+                </a:solidFill>
+                <a:latin typeface="Times New Roman" panose="02020603050405020304" pitchFamily="18" charset="0"/>
+                <a:cs typeface="Times New Roman" panose="02020603050405020304" pitchFamily="18" charset="0"/>
+              </a:rPr>
+              <a:t>• </a:t>
+            </a:r>
+            <a:r>
+              <a:rPr lang="en-US" sz="2000" dirty="0">
+                <a:solidFill>
+                  <a:srgbClr val="000000"/>
+                </a:solidFill>
+                <a:latin typeface="Times New Roman" panose="02020603050405020304" pitchFamily="18" charset="0"/>
+                <a:cs typeface="Times New Roman" panose="02020603050405020304" pitchFamily="18" charset="0"/>
+              </a:rPr>
+              <a:t>Low temperature </a:t>
+            </a:r>
+            <a:r>
+              <a:rPr lang="en-US" sz="2000" dirty="0" smtClean="0">
+                <a:solidFill>
+                  <a:srgbClr val="000000"/>
+                </a:solidFill>
+                <a:latin typeface="Times New Roman" panose="02020603050405020304" pitchFamily="18" charset="0"/>
+                <a:cs typeface="Times New Roman" panose="02020603050405020304" pitchFamily="18" charset="0"/>
+              </a:rPr>
+              <a:t>sensitivity</a:t>
+            </a:r>
+            <a:endParaRPr lang="tr-TR" sz="2000" dirty="0" smtClean="0">
+              <a:solidFill>
+                <a:srgbClr val="000000"/>
+              </a:solidFill>
+              <a:latin typeface="Times New Roman" panose="02020603050405020304" pitchFamily="18" charset="0"/>
+              <a:cs typeface="Times New Roman" panose="02020603050405020304" pitchFamily="18" charset="0"/>
+            </a:endParaRPr>
+          </a:p>
+          <a:p>
+            <a:r>
+              <a:rPr lang="en-US" sz="2000" i="1" dirty="0" smtClean="0">
+                <a:solidFill>
+                  <a:srgbClr val="000000"/>
+                </a:solidFill>
+                <a:latin typeface="Times New Roman" panose="02020603050405020304" pitchFamily="18" charset="0"/>
+                <a:cs typeface="Times New Roman" panose="02020603050405020304" pitchFamily="18" charset="0"/>
+              </a:rPr>
+              <a:t>• </a:t>
+            </a:r>
+            <a:r>
+              <a:rPr lang="en-US" sz="2000" dirty="0">
+                <a:solidFill>
+                  <a:srgbClr val="000000"/>
+                </a:solidFill>
+                <a:latin typeface="Times New Roman" panose="02020603050405020304" pitchFamily="18" charset="0"/>
+                <a:cs typeface="Times New Roman" panose="02020603050405020304" pitchFamily="18" charset="0"/>
+              </a:rPr>
+              <a:t>Mechanical </a:t>
+            </a:r>
+            <a:r>
+              <a:rPr lang="en-US" sz="2000" dirty="0" smtClean="0">
+                <a:solidFill>
+                  <a:srgbClr val="000000"/>
+                </a:solidFill>
+                <a:latin typeface="Times New Roman" panose="02020603050405020304" pitchFamily="18" charset="0"/>
+                <a:cs typeface="Times New Roman" panose="02020603050405020304" pitchFamily="18" charset="0"/>
+              </a:rPr>
+              <a:t>durability</a:t>
+            </a:r>
+            <a:endParaRPr lang="tr-TR" sz="2000" dirty="0" smtClean="0">
+              <a:solidFill>
+                <a:srgbClr val="000000"/>
+              </a:solidFill>
+              <a:latin typeface="Times New Roman" panose="02020603050405020304" pitchFamily="18" charset="0"/>
+              <a:cs typeface="Times New Roman" panose="02020603050405020304" pitchFamily="18" charset="0"/>
+            </a:endParaRPr>
+          </a:p>
+          <a:p>
+            <a:r>
+              <a:rPr lang="en-US" sz="2000" i="1" dirty="0" smtClean="0">
+                <a:solidFill>
+                  <a:srgbClr val="000000"/>
+                </a:solidFill>
+                <a:latin typeface="Times New Roman" panose="02020603050405020304" pitchFamily="18" charset="0"/>
+                <a:cs typeface="Times New Roman" panose="02020603050405020304" pitchFamily="18" charset="0"/>
+              </a:rPr>
+              <a:t>• </a:t>
+            </a:r>
+            <a:r>
+              <a:rPr lang="tr-TR" sz="2000" dirty="0" err="1" smtClean="0">
+                <a:solidFill>
+                  <a:srgbClr val="000000"/>
+                </a:solidFill>
+                <a:latin typeface="Times New Roman" panose="02020603050405020304" pitchFamily="18" charset="0"/>
+                <a:cs typeface="Times New Roman" panose="02020603050405020304" pitchFamily="18" charset="0"/>
+              </a:rPr>
+              <a:t>Lifetime</a:t>
+            </a:r>
+            <a:endParaRPr lang="en-US" sz="2000" dirty="0">
+              <a:latin typeface="Times New Roman" panose="02020603050405020304" pitchFamily="18" charset="0"/>
+              <a:cs typeface="Times New Roman" panose="02020603050405020304" pitchFamily="18" charset="0"/>
+            </a:endParaRPr>
+          </a:p>
+        </p:txBody>
+      </p:sp>
+      <p:pic>
+        <p:nvPicPr>
+          <p:cNvPr id="4" name="Picture 3"/>
+          <p:cNvPicPr>
+            <a:picLocks noChangeAspect="1"/>
+          </p:cNvPicPr>
+          <p:nvPr/>
+        </p:nvPicPr>
+        <p:blipFill>
+          <a:blip r:embed="rId4"/>
+          <a:stretch>
+            <a:fillRect/>
+          </a:stretch>
+        </p:blipFill>
+        <p:spPr>
+          <a:xfrm rot="10800000">
+            <a:off x="1308011" y="5453387"/>
+            <a:ext cx="1143000" cy="1365717"/>
+          </a:xfrm>
+          <a:prstGeom prst="rect">
+            <a:avLst/>
+          </a:prstGeom>
+        </p:spPr>
+      </p:pic>
+      <p:sp>
+        <p:nvSpPr>
+          <p:cNvPr id="13" name="Text Box 9"/>
+          <p:cNvSpPr txBox="1">
+            <a:spLocks noChangeArrowheads="1"/>
+          </p:cNvSpPr>
+          <p:nvPr/>
+        </p:nvSpPr>
+        <p:spPr bwMode="auto">
+          <a:xfrm>
+            <a:off x="2402029" y="5675818"/>
+            <a:ext cx="3205097" cy="707886"/>
+          </a:xfrm>
+          <a:prstGeom prst="rect">
+            <a:avLst/>
+          </a:prstGeom>
+          <a:noFill/>
+          <a:ln w="9525">
+            <a:noFill/>
+            <a:miter lim="800000"/>
+            <a:headEnd/>
+            <a:tailEnd/>
+          </a:ln>
+          <a:effectLst/>
+        </p:spPr>
+        <p:txBody>
+          <a:bodyPr wrap="square">
+            <a:spAutoFit/>
+          </a:bodyPr>
+          <a:lstStyle/>
+          <a:p>
+            <a:pPr algn="ctr"/>
+            <a:r>
+              <a:rPr lang="en-US" sz="2000" dirty="0">
+                <a:latin typeface="Times New Roman" panose="02020603050405020304" pitchFamily="18" charset="0"/>
+                <a:cs typeface="Times New Roman" panose="02020603050405020304" pitchFamily="18" charset="0"/>
+              </a:rPr>
+              <a:t>Metallized Polypropylene Film Capacitors</a:t>
+            </a:r>
+            <a:endParaRPr lang="en-US" sz="2000" dirty="0" smtClean="0">
+              <a:latin typeface="Times New Roman" panose="02020603050405020304" pitchFamily="18" charset="0"/>
+              <a:cs typeface="Times New Roman" panose="02020603050405020304" pitchFamily="18" charset="0"/>
+            </a:endParaRPr>
+          </a:p>
+        </p:txBody>
+      </p:sp>
+      <p:sp>
+        <p:nvSpPr>
+          <p:cNvPr id="5" name="Rectangle 4"/>
+          <p:cNvSpPr/>
+          <p:nvPr/>
+        </p:nvSpPr>
+        <p:spPr>
+          <a:xfrm>
+            <a:off x="5638800" y="6598364"/>
+            <a:ext cx="3505200" cy="246221"/>
+          </a:xfrm>
+          <a:prstGeom prst="rect">
+            <a:avLst/>
+          </a:prstGeom>
+        </p:spPr>
+        <p:txBody>
+          <a:bodyPr wrap="square">
+            <a:spAutoFit/>
+          </a:bodyPr>
+          <a:lstStyle/>
+          <a:p>
+            <a:r>
+              <a:rPr lang="en-US" sz="1000" dirty="0"/>
+              <a:t>https://en.tdk.eu/inf/20/20/db/fc_2009/MKP_B32674_678.pdf</a:t>
+            </a:r>
+          </a:p>
+        </p:txBody>
+      </p:sp>
+      <p:pic>
+        <p:nvPicPr>
+          <p:cNvPr id="6" name="Picture 5"/>
+          <p:cNvPicPr>
+            <a:picLocks noChangeAspect="1"/>
+          </p:cNvPicPr>
+          <p:nvPr/>
+        </p:nvPicPr>
+        <p:blipFill rotWithShape="1">
+          <a:blip r:embed="rId5"/>
+          <a:srcRect r="22660"/>
+          <a:stretch/>
+        </p:blipFill>
+        <p:spPr>
+          <a:xfrm>
+            <a:off x="5055096" y="1582878"/>
+            <a:ext cx="3936504" cy="1413862"/>
+          </a:xfrm>
+          <a:prstGeom prst="rect">
+            <a:avLst/>
+          </a:prstGeom>
+        </p:spPr>
+      </p:pic>
+      <p:pic>
+        <p:nvPicPr>
+          <p:cNvPr id="8" name="Picture 7"/>
+          <p:cNvPicPr>
+            <a:picLocks noChangeAspect="1"/>
+          </p:cNvPicPr>
+          <p:nvPr/>
+        </p:nvPicPr>
+        <p:blipFill>
+          <a:blip r:embed="rId6"/>
+          <a:stretch>
+            <a:fillRect/>
+          </a:stretch>
+        </p:blipFill>
+        <p:spPr>
+          <a:xfrm>
+            <a:off x="5066583" y="3049731"/>
+            <a:ext cx="1497521" cy="1825336"/>
+          </a:xfrm>
+          <a:prstGeom prst="rect">
+            <a:avLst/>
+          </a:prstGeom>
+        </p:spPr>
+      </p:pic>
+      <p:pic>
+        <p:nvPicPr>
+          <p:cNvPr id="14" name="Picture 13"/>
+          <p:cNvPicPr>
+            <a:picLocks noChangeAspect="1"/>
+          </p:cNvPicPr>
+          <p:nvPr/>
+        </p:nvPicPr>
+        <p:blipFill>
+          <a:blip r:embed="rId7"/>
+          <a:stretch>
+            <a:fillRect/>
+          </a:stretch>
+        </p:blipFill>
+        <p:spPr>
+          <a:xfrm>
+            <a:off x="6702490" y="3141962"/>
+            <a:ext cx="2308648" cy="1374063"/>
+          </a:xfrm>
+          <a:prstGeom prst="rect">
+            <a:avLst/>
+          </a:prstGeom>
+        </p:spPr>
+      </p:pic>
+      <p:pic>
+        <p:nvPicPr>
+          <p:cNvPr id="17" name="Picture 16"/>
+          <p:cNvPicPr>
+            <a:picLocks noChangeAspect="1"/>
+          </p:cNvPicPr>
+          <p:nvPr/>
+        </p:nvPicPr>
+        <p:blipFill>
+          <a:blip r:embed="rId8"/>
+          <a:stretch>
+            <a:fillRect/>
+          </a:stretch>
+        </p:blipFill>
+        <p:spPr>
+          <a:xfrm>
+            <a:off x="5957445" y="4873331"/>
+            <a:ext cx="2286000" cy="1649767"/>
+          </a:xfrm>
+          <a:prstGeom prst="rect">
+            <a:avLst/>
+          </a:prstGeom>
+        </p:spPr>
+      </p:pic>
+      <p:sp>
+        <p:nvSpPr>
+          <p:cNvPr id="19" name="Oval 18"/>
+          <p:cNvSpPr/>
+          <p:nvPr/>
+        </p:nvSpPr>
+        <p:spPr>
+          <a:xfrm>
+            <a:off x="5106714" y="2361621"/>
+            <a:ext cx="303486" cy="252710"/>
+          </a:xfrm>
+          <a:prstGeom prst="ellipse">
+            <a:avLst/>
+          </a:prstGeom>
+          <a:noFill/>
+          <a:ln>
+            <a:solidFill>
+              <a:srgbClr val="F20000"/>
+            </a:solidFill>
+          </a:ln>
+        </p:spPr>
+        <p:style>
+          <a:lnRef idx="2">
+            <a:schemeClr val="accent1">
+              <a:shade val="50000"/>
+            </a:schemeClr>
+          </a:lnRef>
+          <a:fillRef idx="1">
+            <a:schemeClr val="accent1"/>
+          </a:fillRef>
+          <a:effectRef idx="0">
+            <a:schemeClr val="accent1"/>
+          </a:effectRef>
+          <a:fontRef idx="minor">
+            <a:schemeClr val="lt1"/>
+          </a:fontRef>
+        </p:style>
+        <p:txBody>
+          <a:bodyPr rtlCol="0" anchor="ctr"/>
+          <a:lstStyle/>
+          <a:p>
+            <a:pPr algn="ctr"/>
+            <a:endParaRPr lang="en-US"/>
+          </a:p>
+        </p:txBody>
+      </p:sp>
+      <p:sp>
+        <p:nvSpPr>
+          <p:cNvPr id="20" name="Oval 19"/>
+          <p:cNvSpPr/>
+          <p:nvPr/>
+        </p:nvSpPr>
+        <p:spPr>
+          <a:xfrm>
+            <a:off x="7772400" y="2375075"/>
+            <a:ext cx="303486" cy="252710"/>
+          </a:xfrm>
+          <a:prstGeom prst="ellipse">
+            <a:avLst/>
+          </a:prstGeom>
+          <a:noFill/>
+          <a:ln>
+            <a:solidFill>
+              <a:srgbClr val="F20000"/>
+            </a:solidFill>
+          </a:ln>
+        </p:spPr>
+        <p:style>
+          <a:lnRef idx="2">
+            <a:schemeClr val="accent1">
+              <a:shade val="50000"/>
+            </a:schemeClr>
+          </a:lnRef>
+          <a:fillRef idx="1">
+            <a:schemeClr val="accent1"/>
+          </a:fillRef>
+          <a:effectRef idx="0">
+            <a:schemeClr val="accent1"/>
+          </a:effectRef>
+          <a:fontRef idx="minor">
+            <a:schemeClr val="lt1"/>
+          </a:fontRef>
+        </p:style>
+        <p:txBody>
+          <a:bodyPr rtlCol="0" anchor="ctr"/>
+          <a:lstStyle/>
+          <a:p>
+            <a:pPr algn="ctr"/>
+            <a:endParaRPr lang="en-US"/>
+          </a:p>
+        </p:txBody>
+      </p:sp>
+      <p:sp>
+        <p:nvSpPr>
+          <p:cNvPr id="21" name="Oval 20"/>
+          <p:cNvSpPr/>
+          <p:nvPr/>
+        </p:nvSpPr>
+        <p:spPr>
+          <a:xfrm>
+            <a:off x="6605774" y="2226079"/>
+            <a:ext cx="633225" cy="252710"/>
+          </a:xfrm>
+          <a:prstGeom prst="ellipse">
+            <a:avLst/>
+          </a:prstGeom>
+          <a:noFill/>
+          <a:ln>
+            <a:solidFill>
+              <a:srgbClr val="F20000"/>
+            </a:solidFill>
+          </a:ln>
+        </p:spPr>
+        <p:style>
+          <a:lnRef idx="2">
+            <a:schemeClr val="accent1">
+              <a:shade val="50000"/>
+            </a:schemeClr>
+          </a:lnRef>
+          <a:fillRef idx="1">
+            <a:schemeClr val="accent1"/>
+          </a:fillRef>
+          <a:effectRef idx="0">
+            <a:schemeClr val="accent1"/>
+          </a:effectRef>
+          <a:fontRef idx="minor">
+            <a:schemeClr val="lt1"/>
+          </a:fontRef>
+        </p:style>
+        <p:txBody>
+          <a:bodyPr rtlCol="0" anchor="ctr"/>
+          <a:lstStyle/>
+          <a:p>
+            <a:pPr algn="ctr"/>
+            <a:endParaRPr lang="en-US"/>
+          </a:p>
+        </p:txBody>
+      </p:sp>
+      <p:sp>
+        <p:nvSpPr>
+          <p:cNvPr id="22" name="Oval 21"/>
+          <p:cNvSpPr/>
+          <p:nvPr/>
+        </p:nvSpPr>
+        <p:spPr>
+          <a:xfrm>
+            <a:off x="5410200" y="2679180"/>
+            <a:ext cx="1066800" cy="241360"/>
+          </a:xfrm>
+          <a:prstGeom prst="ellipse">
+            <a:avLst/>
+          </a:prstGeom>
+          <a:noFill/>
+          <a:ln>
+            <a:solidFill>
+              <a:srgbClr val="F20000"/>
+            </a:solidFill>
+          </a:ln>
+        </p:spPr>
+        <p:style>
+          <a:lnRef idx="2">
+            <a:schemeClr val="accent1">
+              <a:shade val="50000"/>
+            </a:schemeClr>
+          </a:lnRef>
+          <a:fillRef idx="1">
+            <a:schemeClr val="accent1"/>
+          </a:fillRef>
+          <a:effectRef idx="0">
+            <a:schemeClr val="accent1"/>
+          </a:effectRef>
+          <a:fontRef idx="minor">
+            <a:schemeClr val="lt1"/>
+          </a:fontRef>
+        </p:style>
+        <p:txBody>
+          <a:bodyPr rtlCol="0" anchor="ctr"/>
+          <a:lstStyle/>
+          <a:p>
+            <a:pPr algn="ctr"/>
+            <a:endParaRPr lang="en-US"/>
+          </a:p>
+        </p:txBody>
+      </p:sp>
     </p:spTree>
     <p:extLst>
       <p:ext uri="{BB962C8B-B14F-4D97-AF65-F5344CB8AC3E}">
-        <p14:creationId xmlns:p14="http://schemas.microsoft.com/office/powerpoint/2010/main" val="1645524433"/>
+        <p14:creationId xmlns:p14="http://schemas.microsoft.com/office/powerpoint/2010/main" val="2632191071"/>
       </p:ext>
     </p:extLst>
   </p:cSld>
@@ -4624,7 +5444,7 @@
                             </p:stCondLst>
                             <p:childTnLst>
                               <p:par>
-                                <p:cTn id="5" presetID="1" presetClass="entr" presetSubtype="0" fill="hold" nodeType="clickEffect">
+                                <p:cTn id="5" presetID="10" presetClass="entr" presetSubtype="0" fill="hold" nodeType="clickEffect">
                                   <p:stCondLst>
                                     <p:cond delay="0"/>
                                   </p:stCondLst>
@@ -4637,7 +5457,11 @@
                                           </p:stCondLst>
                                         </p:cTn>
                                         <p:tgtEl>
-                                          <p:spTgt spid="12"/>
+                                          <p:spTgt spid="3">
+                                            <p:txEl>
+                                              <p:pRg st="0" end="0"/>
+                                            </p:txEl>
+                                          </p:spTgt>
                                         </p:tgtEl>
                                         <p:attrNameLst>
                                           <p:attrName>style.visibility</p:attrName>
@@ -4647,6 +5471,854 @@
                                         <p:strVal val="visible"/>
                                       </p:to>
                                     </p:set>
+                                    <p:animEffect transition="in" filter="fade">
+                                      <p:cBhvr>
+                                        <p:cTn id="7" dur="500"/>
+                                        <p:tgtEl>
+                                          <p:spTgt spid="3">
+                                            <p:txEl>
+                                              <p:pRg st="0" end="0"/>
+                                            </p:txEl>
+                                          </p:spTgt>
+                                        </p:tgtEl>
+                                      </p:cBhvr>
+                                    </p:animEffect>
+                                  </p:childTnLst>
+                                </p:cTn>
+                              </p:par>
+                              <p:par>
+                                <p:cTn id="8" presetID="1" presetClass="entr" presetSubtype="0" fill="hold" nodeType="withEffect">
+                                  <p:stCondLst>
+                                    <p:cond delay="0"/>
+                                  </p:stCondLst>
+                                  <p:childTnLst>
+                                    <p:set>
+                                      <p:cBhvr>
+                                        <p:cTn id="9" dur="1" fill="hold">
+                                          <p:stCondLst>
+                                            <p:cond delay="0"/>
+                                          </p:stCondLst>
+                                        </p:cTn>
+                                        <p:tgtEl>
+                                          <p:spTgt spid="6"/>
+                                        </p:tgtEl>
+                                        <p:attrNameLst>
+                                          <p:attrName>style.visibility</p:attrName>
+                                        </p:attrNameLst>
+                                      </p:cBhvr>
+                                      <p:to>
+                                        <p:strVal val="visible"/>
+                                      </p:to>
+                                    </p:set>
+                                  </p:childTnLst>
+                                </p:cTn>
+                              </p:par>
+                            </p:childTnLst>
+                          </p:cTn>
+                        </p:par>
+                      </p:childTnLst>
+                    </p:cTn>
+                  </p:par>
+                  <p:par>
+                    <p:cTn id="10" fill="hold">
+                      <p:stCondLst>
+                        <p:cond delay="indefinite"/>
+                      </p:stCondLst>
+                      <p:childTnLst>
+                        <p:par>
+                          <p:cTn id="11" fill="hold">
+                            <p:stCondLst>
+                              <p:cond delay="0"/>
+                            </p:stCondLst>
+                            <p:childTnLst>
+                              <p:par>
+                                <p:cTn id="12" presetID="10" presetClass="entr" presetSubtype="0" fill="hold" nodeType="clickEffect">
+                                  <p:stCondLst>
+                                    <p:cond delay="0"/>
+                                  </p:stCondLst>
+                                  <p:childTnLst>
+                                    <p:set>
+                                      <p:cBhvr>
+                                        <p:cTn id="13" dur="1" fill="hold">
+                                          <p:stCondLst>
+                                            <p:cond delay="0"/>
+                                          </p:stCondLst>
+                                        </p:cTn>
+                                        <p:tgtEl>
+                                          <p:spTgt spid="3">
+                                            <p:txEl>
+                                              <p:pRg st="1" end="1"/>
+                                            </p:txEl>
+                                          </p:spTgt>
+                                        </p:tgtEl>
+                                        <p:attrNameLst>
+                                          <p:attrName>style.visibility</p:attrName>
+                                        </p:attrNameLst>
+                                      </p:cBhvr>
+                                      <p:to>
+                                        <p:strVal val="visible"/>
+                                      </p:to>
+                                    </p:set>
+                                    <p:animEffect transition="in" filter="fade">
+                                      <p:cBhvr>
+                                        <p:cTn id="14" dur="500"/>
+                                        <p:tgtEl>
+                                          <p:spTgt spid="3">
+                                            <p:txEl>
+                                              <p:pRg st="1" end="1"/>
+                                            </p:txEl>
+                                          </p:spTgt>
+                                        </p:tgtEl>
+                                      </p:cBhvr>
+                                    </p:animEffect>
+                                  </p:childTnLst>
+                                </p:cTn>
+                              </p:par>
+                              <p:par>
+                                <p:cTn id="15" presetID="10" presetClass="entr" presetSubtype="0" fill="hold" grpId="0" nodeType="withEffect">
+                                  <p:stCondLst>
+                                    <p:cond delay="0"/>
+                                  </p:stCondLst>
+                                  <p:childTnLst>
+                                    <p:set>
+                                      <p:cBhvr>
+                                        <p:cTn id="16" dur="1" fill="hold">
+                                          <p:stCondLst>
+                                            <p:cond delay="0"/>
+                                          </p:stCondLst>
+                                        </p:cTn>
+                                        <p:tgtEl>
+                                          <p:spTgt spid="19"/>
+                                        </p:tgtEl>
+                                        <p:attrNameLst>
+                                          <p:attrName>style.visibility</p:attrName>
+                                        </p:attrNameLst>
+                                      </p:cBhvr>
+                                      <p:to>
+                                        <p:strVal val="visible"/>
+                                      </p:to>
+                                    </p:set>
+                                    <p:animEffect transition="in" filter="fade">
+                                      <p:cBhvr>
+                                        <p:cTn id="17" dur="500"/>
+                                        <p:tgtEl>
+                                          <p:spTgt spid="19"/>
+                                        </p:tgtEl>
+                                      </p:cBhvr>
+                                    </p:animEffect>
+                                  </p:childTnLst>
+                                </p:cTn>
+                              </p:par>
+                            </p:childTnLst>
+                          </p:cTn>
+                        </p:par>
+                      </p:childTnLst>
+                    </p:cTn>
+                  </p:par>
+                  <p:par>
+                    <p:cTn id="18" fill="hold">
+                      <p:stCondLst>
+                        <p:cond delay="indefinite"/>
+                      </p:stCondLst>
+                      <p:childTnLst>
+                        <p:par>
+                          <p:cTn id="19" fill="hold">
+                            <p:stCondLst>
+                              <p:cond delay="0"/>
+                            </p:stCondLst>
+                            <p:childTnLst>
+                              <p:par>
+                                <p:cTn id="20" presetID="10" presetClass="entr" presetSubtype="0" fill="hold" nodeType="clickEffect">
+                                  <p:stCondLst>
+                                    <p:cond delay="0"/>
+                                  </p:stCondLst>
+                                  <p:childTnLst>
+                                    <p:set>
+                                      <p:cBhvr>
+                                        <p:cTn id="21" dur="1" fill="hold">
+                                          <p:stCondLst>
+                                            <p:cond delay="0"/>
+                                          </p:stCondLst>
+                                        </p:cTn>
+                                        <p:tgtEl>
+                                          <p:spTgt spid="3">
+                                            <p:txEl>
+                                              <p:pRg st="2" end="2"/>
+                                            </p:txEl>
+                                          </p:spTgt>
+                                        </p:tgtEl>
+                                        <p:attrNameLst>
+                                          <p:attrName>style.visibility</p:attrName>
+                                        </p:attrNameLst>
+                                      </p:cBhvr>
+                                      <p:to>
+                                        <p:strVal val="visible"/>
+                                      </p:to>
+                                    </p:set>
+                                    <p:animEffect transition="in" filter="fade">
+                                      <p:cBhvr>
+                                        <p:cTn id="22" dur="500"/>
+                                        <p:tgtEl>
+                                          <p:spTgt spid="3">
+                                            <p:txEl>
+                                              <p:pRg st="2" end="2"/>
+                                            </p:txEl>
+                                          </p:spTgt>
+                                        </p:tgtEl>
+                                      </p:cBhvr>
+                                    </p:animEffect>
+                                  </p:childTnLst>
+                                </p:cTn>
+                              </p:par>
+                              <p:par>
+                                <p:cTn id="23" presetID="10" presetClass="entr" presetSubtype="0" fill="hold" grpId="0" nodeType="withEffect">
+                                  <p:stCondLst>
+                                    <p:cond delay="0"/>
+                                  </p:stCondLst>
+                                  <p:childTnLst>
+                                    <p:set>
+                                      <p:cBhvr>
+                                        <p:cTn id="24" dur="1" fill="hold">
+                                          <p:stCondLst>
+                                            <p:cond delay="0"/>
+                                          </p:stCondLst>
+                                        </p:cTn>
+                                        <p:tgtEl>
+                                          <p:spTgt spid="20"/>
+                                        </p:tgtEl>
+                                        <p:attrNameLst>
+                                          <p:attrName>style.visibility</p:attrName>
+                                        </p:attrNameLst>
+                                      </p:cBhvr>
+                                      <p:to>
+                                        <p:strVal val="visible"/>
+                                      </p:to>
+                                    </p:set>
+                                    <p:animEffect transition="in" filter="fade">
+                                      <p:cBhvr>
+                                        <p:cTn id="25" dur="500"/>
+                                        <p:tgtEl>
+                                          <p:spTgt spid="20"/>
+                                        </p:tgtEl>
+                                      </p:cBhvr>
+                                    </p:animEffect>
+                                  </p:childTnLst>
+                                </p:cTn>
+                              </p:par>
+                            </p:childTnLst>
+                          </p:cTn>
+                        </p:par>
+                      </p:childTnLst>
+                    </p:cTn>
+                  </p:par>
+                  <p:par>
+                    <p:cTn id="26" fill="hold">
+                      <p:stCondLst>
+                        <p:cond delay="indefinite"/>
+                      </p:stCondLst>
+                      <p:childTnLst>
+                        <p:par>
+                          <p:cTn id="27" fill="hold">
+                            <p:stCondLst>
+                              <p:cond delay="0"/>
+                            </p:stCondLst>
+                            <p:childTnLst>
+                              <p:par>
+                                <p:cTn id="28" presetID="10" presetClass="entr" presetSubtype="0" fill="hold" nodeType="clickEffect">
+                                  <p:stCondLst>
+                                    <p:cond delay="0"/>
+                                  </p:stCondLst>
+                                  <p:childTnLst>
+                                    <p:set>
+                                      <p:cBhvr>
+                                        <p:cTn id="29" dur="1" fill="hold">
+                                          <p:stCondLst>
+                                            <p:cond delay="0"/>
+                                          </p:stCondLst>
+                                        </p:cTn>
+                                        <p:tgtEl>
+                                          <p:spTgt spid="3">
+                                            <p:txEl>
+                                              <p:pRg st="3" end="3"/>
+                                            </p:txEl>
+                                          </p:spTgt>
+                                        </p:tgtEl>
+                                        <p:attrNameLst>
+                                          <p:attrName>style.visibility</p:attrName>
+                                        </p:attrNameLst>
+                                      </p:cBhvr>
+                                      <p:to>
+                                        <p:strVal val="visible"/>
+                                      </p:to>
+                                    </p:set>
+                                    <p:animEffect transition="in" filter="fade">
+                                      <p:cBhvr>
+                                        <p:cTn id="30" dur="500"/>
+                                        <p:tgtEl>
+                                          <p:spTgt spid="3">
+                                            <p:txEl>
+                                              <p:pRg st="3" end="3"/>
+                                            </p:txEl>
+                                          </p:spTgt>
+                                        </p:tgtEl>
+                                      </p:cBhvr>
+                                    </p:animEffect>
+                                  </p:childTnLst>
+                                </p:cTn>
+                              </p:par>
+                              <p:par>
+                                <p:cTn id="31" presetID="10" presetClass="entr" presetSubtype="0" fill="hold" grpId="0" nodeType="withEffect">
+                                  <p:stCondLst>
+                                    <p:cond delay="0"/>
+                                  </p:stCondLst>
+                                  <p:childTnLst>
+                                    <p:set>
+                                      <p:cBhvr>
+                                        <p:cTn id="32" dur="1" fill="hold">
+                                          <p:stCondLst>
+                                            <p:cond delay="0"/>
+                                          </p:stCondLst>
+                                        </p:cTn>
+                                        <p:tgtEl>
+                                          <p:spTgt spid="21"/>
+                                        </p:tgtEl>
+                                        <p:attrNameLst>
+                                          <p:attrName>style.visibility</p:attrName>
+                                        </p:attrNameLst>
+                                      </p:cBhvr>
+                                      <p:to>
+                                        <p:strVal val="visible"/>
+                                      </p:to>
+                                    </p:set>
+                                    <p:animEffect transition="in" filter="fade">
+                                      <p:cBhvr>
+                                        <p:cTn id="33" dur="500"/>
+                                        <p:tgtEl>
+                                          <p:spTgt spid="21"/>
+                                        </p:tgtEl>
+                                      </p:cBhvr>
+                                    </p:animEffect>
+                                  </p:childTnLst>
+                                </p:cTn>
+                              </p:par>
+                            </p:childTnLst>
+                          </p:cTn>
+                        </p:par>
+                      </p:childTnLst>
+                    </p:cTn>
+                  </p:par>
+                  <p:par>
+                    <p:cTn id="34" fill="hold">
+                      <p:stCondLst>
+                        <p:cond delay="indefinite"/>
+                      </p:stCondLst>
+                      <p:childTnLst>
+                        <p:par>
+                          <p:cTn id="35" fill="hold">
+                            <p:stCondLst>
+                              <p:cond delay="0"/>
+                            </p:stCondLst>
+                            <p:childTnLst>
+                              <p:par>
+                                <p:cTn id="36" presetID="1" presetClass="entr" presetSubtype="0" fill="hold" nodeType="clickEffect">
+                                  <p:stCondLst>
+                                    <p:cond delay="0"/>
+                                  </p:stCondLst>
+                                  <p:childTnLst>
+                                    <p:set>
+                                      <p:cBhvr>
+                                        <p:cTn id="37" dur="1" fill="hold">
+                                          <p:stCondLst>
+                                            <p:cond delay="0"/>
+                                          </p:stCondLst>
+                                        </p:cTn>
+                                        <p:tgtEl>
+                                          <p:spTgt spid="3">
+                                            <p:txEl>
+                                              <p:pRg st="4" end="4"/>
+                                            </p:txEl>
+                                          </p:spTgt>
+                                        </p:tgtEl>
+                                        <p:attrNameLst>
+                                          <p:attrName>style.visibility</p:attrName>
+                                        </p:attrNameLst>
+                                      </p:cBhvr>
+                                      <p:to>
+                                        <p:strVal val="visible"/>
+                                      </p:to>
+                                    </p:set>
+                                  </p:childTnLst>
+                                </p:cTn>
+                              </p:par>
+                            </p:childTnLst>
+                          </p:cTn>
+                        </p:par>
+                      </p:childTnLst>
+                    </p:cTn>
+                  </p:par>
+                  <p:par>
+                    <p:cTn id="38" fill="hold">
+                      <p:stCondLst>
+                        <p:cond delay="indefinite"/>
+                      </p:stCondLst>
+                      <p:childTnLst>
+                        <p:par>
+                          <p:cTn id="39" fill="hold">
+                            <p:stCondLst>
+                              <p:cond delay="0"/>
+                            </p:stCondLst>
+                            <p:childTnLst>
+                              <p:par>
+                                <p:cTn id="40" presetID="10" presetClass="entr" presetSubtype="0" fill="hold" nodeType="clickEffect">
+                                  <p:stCondLst>
+                                    <p:cond delay="0"/>
+                                  </p:stCondLst>
+                                  <p:childTnLst>
+                                    <p:set>
+                                      <p:cBhvr>
+                                        <p:cTn id="41" dur="1" fill="hold">
+                                          <p:stCondLst>
+                                            <p:cond delay="0"/>
+                                          </p:stCondLst>
+                                        </p:cTn>
+                                        <p:tgtEl>
+                                          <p:spTgt spid="3">
+                                            <p:txEl>
+                                              <p:pRg st="5" end="5"/>
+                                            </p:txEl>
+                                          </p:spTgt>
+                                        </p:tgtEl>
+                                        <p:attrNameLst>
+                                          <p:attrName>style.visibility</p:attrName>
+                                        </p:attrNameLst>
+                                      </p:cBhvr>
+                                      <p:to>
+                                        <p:strVal val="visible"/>
+                                      </p:to>
+                                    </p:set>
+                                    <p:animEffect transition="in" filter="fade">
+                                      <p:cBhvr>
+                                        <p:cTn id="42" dur="500"/>
+                                        <p:tgtEl>
+                                          <p:spTgt spid="3">
+                                            <p:txEl>
+                                              <p:pRg st="5" end="5"/>
+                                            </p:txEl>
+                                          </p:spTgt>
+                                        </p:tgtEl>
+                                      </p:cBhvr>
+                                    </p:animEffect>
+                                  </p:childTnLst>
+                                </p:cTn>
+                              </p:par>
+                              <p:par>
+                                <p:cTn id="43" presetID="10" presetClass="entr" presetSubtype="0" fill="hold" nodeType="withEffect">
+                                  <p:stCondLst>
+                                    <p:cond delay="0"/>
+                                  </p:stCondLst>
+                                  <p:childTnLst>
+                                    <p:set>
+                                      <p:cBhvr>
+                                        <p:cTn id="44" dur="1" fill="hold">
+                                          <p:stCondLst>
+                                            <p:cond delay="0"/>
+                                          </p:stCondLst>
+                                        </p:cTn>
+                                        <p:tgtEl>
+                                          <p:spTgt spid="3">
+                                            <p:txEl>
+                                              <p:pRg st="6" end="6"/>
+                                            </p:txEl>
+                                          </p:spTgt>
+                                        </p:tgtEl>
+                                        <p:attrNameLst>
+                                          <p:attrName>style.visibility</p:attrName>
+                                        </p:attrNameLst>
+                                      </p:cBhvr>
+                                      <p:to>
+                                        <p:strVal val="visible"/>
+                                      </p:to>
+                                    </p:set>
+                                    <p:animEffect transition="in" filter="fade">
+                                      <p:cBhvr>
+                                        <p:cTn id="45" dur="500"/>
+                                        <p:tgtEl>
+                                          <p:spTgt spid="3">
+                                            <p:txEl>
+                                              <p:pRg st="6" end="6"/>
+                                            </p:txEl>
+                                          </p:spTgt>
+                                        </p:tgtEl>
+                                      </p:cBhvr>
+                                    </p:animEffect>
+                                  </p:childTnLst>
+                                </p:cTn>
+                              </p:par>
+                              <p:par>
+                                <p:cTn id="46" presetID="10" presetClass="entr" presetSubtype="0" fill="hold" grpId="0" nodeType="withEffect">
+                                  <p:stCondLst>
+                                    <p:cond delay="0"/>
+                                  </p:stCondLst>
+                                  <p:childTnLst>
+                                    <p:set>
+                                      <p:cBhvr>
+                                        <p:cTn id="47" dur="1" fill="hold">
+                                          <p:stCondLst>
+                                            <p:cond delay="0"/>
+                                          </p:stCondLst>
+                                        </p:cTn>
+                                        <p:tgtEl>
+                                          <p:spTgt spid="22"/>
+                                        </p:tgtEl>
+                                        <p:attrNameLst>
+                                          <p:attrName>style.visibility</p:attrName>
+                                        </p:attrNameLst>
+                                      </p:cBhvr>
+                                      <p:to>
+                                        <p:strVal val="visible"/>
+                                      </p:to>
+                                    </p:set>
+                                    <p:animEffect transition="in" filter="fade">
+                                      <p:cBhvr>
+                                        <p:cTn id="48" dur="500"/>
+                                        <p:tgtEl>
+                                          <p:spTgt spid="22"/>
+                                        </p:tgtEl>
+                                      </p:cBhvr>
+                                    </p:animEffect>
+                                  </p:childTnLst>
+                                </p:cTn>
+                              </p:par>
+                            </p:childTnLst>
+                          </p:cTn>
+                        </p:par>
+                      </p:childTnLst>
+                    </p:cTn>
+                  </p:par>
+                  <p:par>
+                    <p:cTn id="49" fill="hold">
+                      <p:stCondLst>
+                        <p:cond delay="indefinite"/>
+                      </p:stCondLst>
+                      <p:childTnLst>
+                        <p:par>
+                          <p:cTn id="50" fill="hold">
+                            <p:stCondLst>
+                              <p:cond delay="0"/>
+                            </p:stCondLst>
+                            <p:childTnLst>
+                              <p:par>
+                                <p:cTn id="51" presetID="10" presetClass="entr" presetSubtype="0" fill="hold" nodeType="clickEffect">
+                                  <p:stCondLst>
+                                    <p:cond delay="0"/>
+                                  </p:stCondLst>
+                                  <p:childTnLst>
+                                    <p:set>
+                                      <p:cBhvr>
+                                        <p:cTn id="52" dur="1" fill="hold">
+                                          <p:stCondLst>
+                                            <p:cond delay="0"/>
+                                          </p:stCondLst>
+                                        </p:cTn>
+                                        <p:tgtEl>
+                                          <p:spTgt spid="3">
+                                            <p:txEl>
+                                              <p:pRg st="7" end="7"/>
+                                            </p:txEl>
+                                          </p:spTgt>
+                                        </p:tgtEl>
+                                        <p:attrNameLst>
+                                          <p:attrName>style.visibility</p:attrName>
+                                        </p:attrNameLst>
+                                      </p:cBhvr>
+                                      <p:to>
+                                        <p:strVal val="visible"/>
+                                      </p:to>
+                                    </p:set>
+                                    <p:animEffect transition="in" filter="fade">
+                                      <p:cBhvr>
+                                        <p:cTn id="53" dur="500"/>
+                                        <p:tgtEl>
+                                          <p:spTgt spid="3">
+                                            <p:txEl>
+                                              <p:pRg st="7" end="7"/>
+                                            </p:txEl>
+                                          </p:spTgt>
+                                        </p:tgtEl>
+                                      </p:cBhvr>
+                                    </p:animEffect>
+                                  </p:childTnLst>
+                                </p:cTn>
+                              </p:par>
+                            </p:childTnLst>
+                          </p:cTn>
+                        </p:par>
+                      </p:childTnLst>
+                    </p:cTn>
+                  </p:par>
+                  <p:par>
+                    <p:cTn id="54" fill="hold">
+                      <p:stCondLst>
+                        <p:cond delay="indefinite"/>
+                      </p:stCondLst>
+                      <p:childTnLst>
+                        <p:par>
+                          <p:cTn id="55" fill="hold">
+                            <p:stCondLst>
+                              <p:cond delay="0"/>
+                            </p:stCondLst>
+                            <p:childTnLst>
+                              <p:par>
+                                <p:cTn id="56" presetID="10" presetClass="entr" presetSubtype="0" fill="hold" nodeType="clickEffect">
+                                  <p:stCondLst>
+                                    <p:cond delay="0"/>
+                                  </p:stCondLst>
+                                  <p:childTnLst>
+                                    <p:set>
+                                      <p:cBhvr>
+                                        <p:cTn id="57" dur="1" fill="hold">
+                                          <p:stCondLst>
+                                            <p:cond delay="0"/>
+                                          </p:stCondLst>
+                                        </p:cTn>
+                                        <p:tgtEl>
+                                          <p:spTgt spid="3">
+                                            <p:txEl>
+                                              <p:pRg st="8" end="8"/>
+                                            </p:txEl>
+                                          </p:spTgt>
+                                        </p:tgtEl>
+                                        <p:attrNameLst>
+                                          <p:attrName>style.visibility</p:attrName>
+                                        </p:attrNameLst>
+                                      </p:cBhvr>
+                                      <p:to>
+                                        <p:strVal val="visible"/>
+                                      </p:to>
+                                    </p:set>
+                                    <p:animEffect transition="in" filter="fade">
+                                      <p:cBhvr>
+                                        <p:cTn id="58" dur="500"/>
+                                        <p:tgtEl>
+                                          <p:spTgt spid="3">
+                                            <p:txEl>
+                                              <p:pRg st="8" end="8"/>
+                                            </p:txEl>
+                                          </p:spTgt>
+                                        </p:tgtEl>
+                                      </p:cBhvr>
+                                    </p:animEffect>
+                                  </p:childTnLst>
+                                </p:cTn>
+                              </p:par>
+                              <p:par>
+                                <p:cTn id="59" presetID="1" presetClass="entr" presetSubtype="0" fill="hold" nodeType="withEffect">
+                                  <p:stCondLst>
+                                    <p:cond delay="0"/>
+                                  </p:stCondLst>
+                                  <p:childTnLst>
+                                    <p:set>
+                                      <p:cBhvr>
+                                        <p:cTn id="60" dur="1" fill="hold">
+                                          <p:stCondLst>
+                                            <p:cond delay="0"/>
+                                          </p:stCondLst>
+                                        </p:cTn>
+                                        <p:tgtEl>
+                                          <p:spTgt spid="8"/>
+                                        </p:tgtEl>
+                                        <p:attrNameLst>
+                                          <p:attrName>style.visibility</p:attrName>
+                                        </p:attrNameLst>
+                                      </p:cBhvr>
+                                      <p:to>
+                                        <p:strVal val="visible"/>
+                                      </p:to>
+                                    </p:set>
+                                  </p:childTnLst>
+                                </p:cTn>
+                              </p:par>
+                              <p:par>
+                                <p:cTn id="61" presetID="1" presetClass="entr" presetSubtype="0" fill="hold" nodeType="withEffect">
+                                  <p:stCondLst>
+                                    <p:cond delay="0"/>
+                                  </p:stCondLst>
+                                  <p:childTnLst>
+                                    <p:set>
+                                      <p:cBhvr>
+                                        <p:cTn id="62" dur="1" fill="hold">
+                                          <p:stCondLst>
+                                            <p:cond delay="0"/>
+                                          </p:stCondLst>
+                                        </p:cTn>
+                                        <p:tgtEl>
+                                          <p:spTgt spid="14"/>
+                                        </p:tgtEl>
+                                        <p:attrNameLst>
+                                          <p:attrName>style.visibility</p:attrName>
+                                        </p:attrNameLst>
+                                      </p:cBhvr>
+                                      <p:to>
+                                        <p:strVal val="visible"/>
+                                      </p:to>
+                                    </p:set>
+                                  </p:childTnLst>
+                                </p:cTn>
+                              </p:par>
+                            </p:childTnLst>
+                          </p:cTn>
+                        </p:par>
+                      </p:childTnLst>
+                    </p:cTn>
+                  </p:par>
+                  <p:par>
+                    <p:cTn id="63" fill="hold">
+                      <p:stCondLst>
+                        <p:cond delay="indefinite"/>
+                      </p:stCondLst>
+                      <p:childTnLst>
+                        <p:par>
+                          <p:cTn id="64" fill="hold">
+                            <p:stCondLst>
+                              <p:cond delay="0"/>
+                            </p:stCondLst>
+                            <p:childTnLst>
+                              <p:par>
+                                <p:cTn id="65" presetID="10" presetClass="entr" presetSubtype="0" fill="hold" nodeType="clickEffect">
+                                  <p:stCondLst>
+                                    <p:cond delay="0"/>
+                                  </p:stCondLst>
+                                  <p:childTnLst>
+                                    <p:set>
+                                      <p:cBhvr>
+                                        <p:cTn id="66" dur="1" fill="hold">
+                                          <p:stCondLst>
+                                            <p:cond delay="0"/>
+                                          </p:stCondLst>
+                                        </p:cTn>
+                                        <p:tgtEl>
+                                          <p:spTgt spid="3">
+                                            <p:txEl>
+                                              <p:pRg st="9" end="9"/>
+                                            </p:txEl>
+                                          </p:spTgt>
+                                        </p:tgtEl>
+                                        <p:attrNameLst>
+                                          <p:attrName>style.visibility</p:attrName>
+                                        </p:attrNameLst>
+                                      </p:cBhvr>
+                                      <p:to>
+                                        <p:strVal val="visible"/>
+                                      </p:to>
+                                    </p:set>
+                                    <p:animEffect transition="in" filter="fade">
+                                      <p:cBhvr>
+                                        <p:cTn id="67" dur="500"/>
+                                        <p:tgtEl>
+                                          <p:spTgt spid="3">
+                                            <p:txEl>
+                                              <p:pRg st="9" end="9"/>
+                                            </p:txEl>
+                                          </p:spTgt>
+                                        </p:tgtEl>
+                                      </p:cBhvr>
+                                    </p:animEffect>
+                                  </p:childTnLst>
+                                </p:cTn>
+                              </p:par>
+                            </p:childTnLst>
+                          </p:cTn>
+                        </p:par>
+                      </p:childTnLst>
+                    </p:cTn>
+                  </p:par>
+                  <p:par>
+                    <p:cTn id="68" fill="hold">
+                      <p:stCondLst>
+                        <p:cond delay="indefinite"/>
+                      </p:stCondLst>
+                      <p:childTnLst>
+                        <p:par>
+                          <p:cTn id="69" fill="hold">
+                            <p:stCondLst>
+                              <p:cond delay="0"/>
+                            </p:stCondLst>
+                            <p:childTnLst>
+                              <p:par>
+                                <p:cTn id="70" presetID="10" presetClass="entr" presetSubtype="0" fill="hold" nodeType="clickEffect">
+                                  <p:stCondLst>
+                                    <p:cond delay="0"/>
+                                  </p:stCondLst>
+                                  <p:childTnLst>
+                                    <p:set>
+                                      <p:cBhvr>
+                                        <p:cTn id="71" dur="1" fill="hold">
+                                          <p:stCondLst>
+                                            <p:cond delay="0"/>
+                                          </p:stCondLst>
+                                        </p:cTn>
+                                        <p:tgtEl>
+                                          <p:spTgt spid="3">
+                                            <p:txEl>
+                                              <p:pRg st="10" end="10"/>
+                                            </p:txEl>
+                                          </p:spTgt>
+                                        </p:tgtEl>
+                                        <p:attrNameLst>
+                                          <p:attrName>style.visibility</p:attrName>
+                                        </p:attrNameLst>
+                                      </p:cBhvr>
+                                      <p:to>
+                                        <p:strVal val="visible"/>
+                                      </p:to>
+                                    </p:set>
+                                    <p:animEffect transition="in" filter="fade">
+                                      <p:cBhvr>
+                                        <p:cTn id="72" dur="500"/>
+                                        <p:tgtEl>
+                                          <p:spTgt spid="3">
+                                            <p:txEl>
+                                              <p:pRg st="10" end="10"/>
+                                            </p:txEl>
+                                          </p:spTgt>
+                                        </p:tgtEl>
+                                      </p:cBhvr>
+                                    </p:animEffect>
+                                  </p:childTnLst>
+                                </p:cTn>
+                              </p:par>
+                              <p:par>
+                                <p:cTn id="73" presetID="10" presetClass="entr" presetSubtype="0" fill="hold" nodeType="withEffect">
+                                  <p:stCondLst>
+                                    <p:cond delay="0"/>
+                                  </p:stCondLst>
+                                  <p:childTnLst>
+                                    <p:set>
+                                      <p:cBhvr>
+                                        <p:cTn id="74" dur="1" fill="hold">
+                                          <p:stCondLst>
+                                            <p:cond delay="0"/>
+                                          </p:stCondLst>
+                                        </p:cTn>
+                                        <p:tgtEl>
+                                          <p:spTgt spid="17"/>
+                                        </p:tgtEl>
+                                        <p:attrNameLst>
+                                          <p:attrName>style.visibility</p:attrName>
+                                        </p:attrNameLst>
+                                      </p:cBhvr>
+                                      <p:to>
+                                        <p:strVal val="visible"/>
+                                      </p:to>
+                                    </p:set>
+                                    <p:animEffect transition="in" filter="fade">
+                                      <p:cBhvr>
+                                        <p:cTn id="75" dur="500"/>
+                                        <p:tgtEl>
+                                          <p:spTgt spid="17"/>
+                                        </p:tgtEl>
+                                      </p:cBhvr>
+                                    </p:animEffect>
                                   </p:childTnLst>
                                 </p:cTn>
                               </p:par>
@@ -4677,6 +6349,12 @@
         </p:cTn>
       </p:par>
     </p:tnLst>
+    <p:bldLst>
+      <p:bldP spid="19" grpId="0" animBg="1"/>
+      <p:bldP spid="20" grpId="0" animBg="1"/>
+      <p:bldP spid="21" grpId="0" animBg="1"/>
+      <p:bldP spid="22" grpId="0" animBg="1"/>
+    </p:bldLst>
   </p:timing>
 </p:sld>
 </file>
@@ -4858,7 +6536,81 @@
       </p:sp>
       <p:sp>
         <p:nvSpPr>
-          <p:cNvPr id="12" name="TextBox 11"/>
+          <p:cNvPr id="18" name="Text Box 9"/>
+          <p:cNvSpPr txBox="1">
+            <a:spLocks noChangeArrowheads="1"/>
+          </p:cNvSpPr>
+          <p:nvPr/>
+        </p:nvSpPr>
+        <p:spPr bwMode="auto">
+          <a:xfrm>
+            <a:off x="1189918" y="979975"/>
+            <a:ext cx="7649282" cy="523220"/>
+          </a:xfrm>
+          <a:prstGeom prst="rect">
+            <a:avLst/>
+          </a:prstGeom>
+          <a:noFill/>
+          <a:ln w="9525">
+            <a:noFill/>
+            <a:miter lim="800000"/>
+            <a:headEnd/>
+            <a:tailEnd/>
+          </a:ln>
+          <a:effectLst/>
+        </p:spPr>
+        <p:txBody>
+          <a:bodyPr wrap="square">
+            <a:spAutoFit/>
+          </a:bodyPr>
+          <a:lstStyle/>
+          <a:p>
+            <a:pPr algn="ctr"/>
+            <a:r>
+              <a:rPr lang="tr-TR" sz="2800" u="sng" dirty="0" err="1" smtClean="0">
+                <a:latin typeface="Times New Roman" panose="02020603050405020304" pitchFamily="18" charset="0"/>
+                <a:cs typeface="Times New Roman" panose="02020603050405020304" pitchFamily="18" charset="0"/>
+              </a:rPr>
+              <a:t>Capacitor</a:t>
+            </a:r>
+            <a:r>
+              <a:rPr lang="tr-TR" sz="2800" u="sng" dirty="0" smtClean="0">
+                <a:latin typeface="Times New Roman" panose="02020603050405020304" pitchFamily="18" charset="0"/>
+                <a:cs typeface="Times New Roman" panose="02020603050405020304" pitchFamily="18" charset="0"/>
+              </a:rPr>
+              <a:t> </a:t>
+            </a:r>
+            <a:r>
+              <a:rPr lang="tr-TR" sz="2800" u="sng" dirty="0" err="1" smtClean="0">
+                <a:latin typeface="Times New Roman" panose="02020603050405020304" pitchFamily="18" charset="0"/>
+                <a:cs typeface="Times New Roman" panose="02020603050405020304" pitchFamily="18" charset="0"/>
+              </a:rPr>
+              <a:t>selection</a:t>
+            </a:r>
+            <a:r>
+              <a:rPr lang="tr-TR" sz="2800" u="sng" dirty="0" smtClean="0">
+                <a:latin typeface="Times New Roman" panose="02020603050405020304" pitchFamily="18" charset="0"/>
+                <a:cs typeface="Times New Roman" panose="02020603050405020304" pitchFamily="18" charset="0"/>
+              </a:rPr>
+              <a:t> </a:t>
+            </a:r>
+            <a:r>
+              <a:rPr lang="tr-TR" sz="2800" u="sng" dirty="0" err="1" smtClean="0">
+                <a:latin typeface="Times New Roman" panose="02020603050405020304" pitchFamily="18" charset="0"/>
+                <a:cs typeface="Times New Roman" panose="02020603050405020304" pitchFamily="18" charset="0"/>
+              </a:rPr>
+              <a:t>algorithm</a:t>
+            </a:r>
+            <a:endParaRPr lang="en-US" sz="2800" u="sng" dirty="0" smtClean="0">
+              <a:latin typeface="Times New Roman" panose="02020603050405020304" pitchFamily="18" charset="0"/>
+              <a:cs typeface="Times New Roman" panose="02020603050405020304" pitchFamily="18" charset="0"/>
+            </a:endParaRPr>
+          </a:p>
+        </p:txBody>
+      </p:sp>
+      <p:sp>
+        <p:nvSpPr>
+          <p:cNvPr id="9" name="TextBox 8"/>
           <p:cNvSpPr txBox="1"/>
           <p:nvPr/>
         </p:nvSpPr>
@@ -4880,32 +6632,32 @@
           <a:p>
             <a:pPr algn="ctr"/>
             <a:r>
+              <a:rPr lang="tr-TR" sz="3000" dirty="0">
+                <a:latin typeface="Times New Roman" panose="02020603050405020304" pitchFamily="18" charset="0"/>
+                <a:cs typeface="Times New Roman" panose="02020603050405020304" pitchFamily="18" charset="0"/>
+              </a:rPr>
+              <a:t>DC Link </a:t>
+            </a:r>
+            <a:r>
+              <a:rPr lang="tr-TR" sz="3000" dirty="0" err="1">
+                <a:latin typeface="Times New Roman" panose="02020603050405020304" pitchFamily="18" charset="0"/>
+                <a:cs typeface="Times New Roman" panose="02020603050405020304" pitchFamily="18" charset="0"/>
+              </a:rPr>
+              <a:t>Capacitor</a:t>
+            </a:r>
+            <a:r>
+              <a:rPr lang="tr-TR" sz="3000" dirty="0">
+                <a:latin typeface="Times New Roman" panose="02020603050405020304" pitchFamily="18" charset="0"/>
+                <a:cs typeface="Times New Roman" panose="02020603050405020304" pitchFamily="18" charset="0"/>
+              </a:rPr>
+              <a:t> </a:t>
+            </a:r>
+            <a:r>
               <a:rPr lang="tr-TR" sz="3000" dirty="0" smtClean="0">
                 <a:latin typeface="Times New Roman" panose="02020603050405020304" pitchFamily="18" charset="0"/>
                 <a:cs typeface="Times New Roman" panose="02020603050405020304" pitchFamily="18" charset="0"/>
               </a:rPr>
-              <a:t>DC Link </a:t>
-            </a:r>
-            <a:r>
-              <a:rPr lang="tr-TR" sz="3000" dirty="0" err="1" smtClean="0">
-                <a:latin typeface="Times New Roman" panose="02020603050405020304" pitchFamily="18" charset="0"/>
-                <a:cs typeface="Times New Roman" panose="02020603050405020304" pitchFamily="18" charset="0"/>
-              </a:rPr>
-              <a:t>Capacitor</a:t>
-            </a:r>
-            <a:r>
-              <a:rPr lang="tr-TR" sz="3000" dirty="0" smtClean="0">
-                <a:latin typeface="Times New Roman" panose="02020603050405020304" pitchFamily="18" charset="0"/>
-                <a:cs typeface="Times New Roman" panose="02020603050405020304" pitchFamily="18" charset="0"/>
-              </a:rPr>
-              <a:t> </a:t>
-            </a:r>
-            <a:r>
-              <a:rPr lang="tr-TR" sz="3000" dirty="0" err="1" smtClean="0">
-                <a:latin typeface="Times New Roman" panose="02020603050405020304" pitchFamily="18" charset="0"/>
-                <a:cs typeface="Times New Roman" panose="02020603050405020304" pitchFamily="18" charset="0"/>
-              </a:rPr>
-              <a:t>Selection</a:t>
+              <a:t>Evaluation</a:t>
             </a:r>
             <a:endParaRPr lang="tr-TR" sz="3000" dirty="0">
               <a:latin typeface="Times New Roman" panose="02020603050405020304" pitchFamily="18" charset="0"/>
@@ -4916,38 +6668,14 @@
       </p:sp>
       <p:pic>
         <p:nvPicPr>
-          <p:cNvPr id="19" name="Picture 18"/>
+          <p:cNvPr id="12" name="Picture 11"/>
           <p:cNvPicPr>
             <a:picLocks noChangeAspect="1"/>
           </p:cNvPicPr>
           <p:nvPr/>
         </p:nvPicPr>
         <p:blipFill>
-          <a:blip r:embed="rId2"/>
-          <a:stretch>
-            <a:fillRect/>
-          </a:stretch>
-        </p:blipFill>
-        <p:spPr>
-          <a:xfrm>
-            <a:off x="2275361" y="1249362"/>
-            <a:ext cx="5478396" cy="5289550"/>
-          </a:xfrm>
-          <a:prstGeom prst="rect">
-            <a:avLst/>
-          </a:prstGeom>
-        </p:spPr>
-      </p:pic>
-      <p:pic>
-        <p:nvPicPr>
-          <p:cNvPr id="9" name="Picture 8"/>
-          <p:cNvPicPr>
-            <a:picLocks noChangeAspect="1"/>
-          </p:cNvPicPr>
-          <p:nvPr/>
-        </p:nvPicPr>
-        <p:blipFill>
-          <a:blip r:embed="rId3" cstate="print">
+          <a:blip r:embed="rId2" cstate="print">
             <a:extLst>
               <a:ext uri="{28A0092B-C50C-407E-A947-70E740481C1C}">
                 <a14:useLocalDpi xmlns:a14="http://schemas.microsoft.com/office/drawing/2010/main" val="0"/>
@@ -4970,14 +6698,14 @@
       </p:pic>
       <p:pic>
         <p:nvPicPr>
-          <p:cNvPr id="13" name="Picture 2" descr="C:\Users\Mesut\Desktop\aselsan sunum\aselsan sunum 10 ekim\aselsan sunum\cezmi bey\ODTU.png"/>
+          <p:cNvPr id="16" name="Picture 2" descr="C:\Users\Mesut\Desktop\aselsan sunum\aselsan sunum 10 ekim\aselsan sunum\cezmi bey\ODTU.png"/>
           <p:cNvPicPr>
             <a:picLocks noChangeAspect="1" noChangeArrowheads="1"/>
           </p:cNvPicPr>
           <p:nvPr/>
         </p:nvPicPr>
         <p:blipFill>
-          <a:blip r:embed="rId4" cstate="print">
+          <a:blip r:embed="rId3" cstate="print">
             <a:extLst>
               <a:ext uri="{28A0092B-C50C-407E-A947-70E740481C1C}">
                 <a14:useLocalDpi xmlns:a14="http://schemas.microsoft.com/office/drawing/2010/main" val="0"/>
@@ -5009,10 +6737,34 @@
           </a:extLst>
         </p:spPr>
       </p:pic>
+      <p:pic>
+        <p:nvPicPr>
+          <p:cNvPr id="13" name="Picture 12"/>
+          <p:cNvPicPr>
+            <a:picLocks noChangeAspect="1"/>
+          </p:cNvPicPr>
+          <p:nvPr/>
+        </p:nvPicPr>
+        <p:blipFill>
+          <a:blip r:embed="rId4"/>
+          <a:stretch>
+            <a:fillRect/>
+          </a:stretch>
+        </p:blipFill>
+        <p:spPr>
+          <a:xfrm>
+            <a:off x="2317759" y="1568769"/>
+            <a:ext cx="5452263" cy="5264317"/>
+          </a:xfrm>
+          <a:prstGeom prst="rect">
+            <a:avLst/>
+          </a:prstGeom>
+        </p:spPr>
+      </p:pic>
     </p:spTree>
     <p:extLst>
       <p:ext uri="{BB962C8B-B14F-4D97-AF65-F5344CB8AC3E}">
-        <p14:creationId xmlns:p14="http://schemas.microsoft.com/office/powerpoint/2010/main" val="3946266199"/>
+        <p14:creationId xmlns:p14="http://schemas.microsoft.com/office/powerpoint/2010/main" val="843270525"/>
       </p:ext>
     </p:extLst>
   </p:cSld>
@@ -5040,7 +6792,7 @@
                             </p:stCondLst>
                             <p:childTnLst>
                               <p:par>
-                                <p:cTn id="5" presetID="10" presetClass="entr" presetSubtype="0" fill="hold" nodeType="clickEffect">
+                                <p:cTn id="5" presetID="6" presetClass="entr" presetSubtype="16" fill="hold" nodeType="clickEffect">
                                   <p:stCondLst>
                                     <p:cond delay="0"/>
                                   </p:stCondLst>
@@ -5053,7 +6805,7 @@
                                           </p:stCondLst>
                                         </p:cTn>
                                         <p:tgtEl>
-                                          <p:spTgt spid="19"/>
+                                          <p:spTgt spid="13"/>
                                         </p:tgtEl>
                                         <p:attrNameLst>
                                           <p:attrName>style.visibility</p:attrName>
@@ -5063,11 +6815,11 @@
                                         <p:strVal val="visible"/>
                                       </p:to>
                                     </p:set>
-                                    <p:animEffect transition="in" filter="fade">
+                                    <p:animEffect transition="in" filter="circle(in)">
                                       <p:cBhvr>
-                                        <p:cTn id="7" dur="500"/>
+                                        <p:cTn id="7" dur="2000"/>
                                         <p:tgtEl>
-                                          <p:spTgt spid="19"/>
+                                          <p:spTgt spid="13"/>
                                         </p:tgtEl>
                                       </p:cBhvr>
                                     </p:animEffect>
@@ -5319,375 +7071,6 @@
       </p:sp>
       <p:pic>
         <p:nvPicPr>
-          <p:cNvPr id="4" name="Picture 3"/>
-          <p:cNvPicPr>
-            <a:picLocks noChangeAspect="1"/>
-          </p:cNvPicPr>
-          <p:nvPr/>
-        </p:nvPicPr>
-        <p:blipFill>
-          <a:blip r:embed="rId2"/>
-          <a:stretch>
-            <a:fillRect/>
-          </a:stretch>
-        </p:blipFill>
-        <p:spPr>
-          <a:xfrm>
-            <a:off x="1397131" y="1285155"/>
-            <a:ext cx="3403469" cy="2717415"/>
-          </a:xfrm>
-          <a:prstGeom prst="rect">
-            <a:avLst/>
-          </a:prstGeom>
-        </p:spPr>
-      </p:pic>
-      <p:pic>
-        <p:nvPicPr>
-          <p:cNvPr id="5" name="Picture 4"/>
-          <p:cNvPicPr>
-            <a:picLocks noChangeAspect="1"/>
-          </p:cNvPicPr>
-          <p:nvPr/>
-        </p:nvPicPr>
-        <p:blipFill>
-          <a:blip r:embed="rId3"/>
-          <a:stretch>
-            <a:fillRect/>
-          </a:stretch>
-        </p:blipFill>
-        <p:spPr>
-          <a:xfrm>
-            <a:off x="5363721" y="1261044"/>
-            <a:ext cx="3586248" cy="2828904"/>
-          </a:xfrm>
-          <a:prstGeom prst="rect">
-            <a:avLst/>
-          </a:prstGeom>
-        </p:spPr>
-      </p:pic>
-      <p:sp>
-        <p:nvSpPr>
-          <p:cNvPr id="16" name="Text Box 9"/>
-          <p:cNvSpPr txBox="1">
-            <a:spLocks noChangeArrowheads="1"/>
-          </p:cNvSpPr>
-          <p:nvPr/>
-        </p:nvSpPr>
-        <p:spPr bwMode="auto">
-          <a:xfrm>
-            <a:off x="1723457" y="949551"/>
-            <a:ext cx="2928749" cy="338554"/>
-          </a:xfrm>
-          <a:prstGeom prst="rect">
-            <a:avLst/>
-          </a:prstGeom>
-          <a:noFill/>
-          <a:ln w="9525">
-            <a:noFill/>
-            <a:miter lim="800000"/>
-            <a:headEnd/>
-            <a:tailEnd/>
-          </a:ln>
-          <a:effectLst/>
-        </p:spPr>
-        <p:txBody>
-          <a:bodyPr wrap="square">
-            <a:spAutoFit/>
-          </a:bodyPr>
-          <a:lstStyle/>
-          <a:p>
-            <a:pPr algn="ctr"/>
-            <a:r>
-              <a:rPr lang="tr-TR" sz="1600" b="1" dirty="0" smtClean="0">
-                <a:latin typeface="Times New Roman" panose="02020603050405020304" pitchFamily="18" charset="0"/>
-                <a:cs typeface="Times New Roman" panose="02020603050405020304" pitchFamily="18" charset="0"/>
-              </a:rPr>
-              <a:t>RMS </a:t>
-            </a:r>
-            <a:r>
-              <a:rPr lang="tr-TR" sz="1600" b="1" dirty="0" err="1" smtClean="0">
-                <a:latin typeface="Times New Roman" panose="02020603050405020304" pitchFamily="18" charset="0"/>
-                <a:cs typeface="Times New Roman" panose="02020603050405020304" pitchFamily="18" charset="0"/>
-              </a:rPr>
-              <a:t>current</a:t>
-            </a:r>
-            <a:r>
-              <a:rPr lang="tr-TR" sz="1600" b="1" dirty="0" smtClean="0">
-                <a:latin typeface="Times New Roman" panose="02020603050405020304" pitchFamily="18" charset="0"/>
-                <a:cs typeface="Times New Roman" panose="02020603050405020304" pitchFamily="18" charset="0"/>
-              </a:rPr>
-              <a:t> </a:t>
-            </a:r>
-            <a:r>
-              <a:rPr lang="tr-TR" sz="1600" b="1" dirty="0" err="1" smtClean="0">
-                <a:latin typeface="Times New Roman" panose="02020603050405020304" pitchFamily="18" charset="0"/>
-                <a:cs typeface="Times New Roman" panose="02020603050405020304" pitchFamily="18" charset="0"/>
-              </a:rPr>
-              <a:t>vs</a:t>
-            </a:r>
-            <a:r>
-              <a:rPr lang="tr-TR" sz="1600" b="1" dirty="0" smtClean="0">
-                <a:latin typeface="Times New Roman" panose="02020603050405020304" pitchFamily="18" charset="0"/>
-                <a:cs typeface="Times New Roman" panose="02020603050405020304" pitchFamily="18" charset="0"/>
-              </a:rPr>
-              <a:t> </a:t>
-            </a:r>
-            <a:r>
-              <a:rPr lang="tr-TR" sz="1600" b="1" dirty="0" err="1" smtClean="0">
-                <a:latin typeface="Times New Roman" panose="02020603050405020304" pitchFamily="18" charset="0"/>
-                <a:cs typeface="Times New Roman" panose="02020603050405020304" pitchFamily="18" charset="0"/>
-              </a:rPr>
-              <a:t>m</a:t>
-            </a:r>
-            <a:r>
-              <a:rPr lang="tr-TR" sz="1600" b="1" baseline="-25000" dirty="0" err="1" smtClean="0">
-                <a:latin typeface="Times New Roman" panose="02020603050405020304" pitchFamily="18" charset="0"/>
-                <a:cs typeface="Times New Roman" panose="02020603050405020304" pitchFamily="18" charset="0"/>
-              </a:rPr>
-              <a:t>a</a:t>
-            </a:r>
-            <a:endParaRPr lang="en-US" sz="1600" b="1" baseline="-25000" dirty="0" smtClean="0">
-              <a:latin typeface="Times New Roman" panose="02020603050405020304" pitchFamily="18" charset="0"/>
-              <a:cs typeface="Times New Roman" panose="02020603050405020304" pitchFamily="18" charset="0"/>
-            </a:endParaRPr>
-          </a:p>
-        </p:txBody>
-      </p:sp>
-      <p:sp>
-        <p:nvSpPr>
-          <p:cNvPr id="17" name="Text Box 9"/>
-          <p:cNvSpPr txBox="1">
-            <a:spLocks noChangeArrowheads="1"/>
-          </p:cNvSpPr>
-          <p:nvPr/>
-        </p:nvSpPr>
-        <p:spPr bwMode="auto">
-          <a:xfrm>
-            <a:off x="5772742" y="955499"/>
-            <a:ext cx="2928749" cy="338554"/>
-          </a:xfrm>
-          <a:prstGeom prst="rect">
-            <a:avLst/>
-          </a:prstGeom>
-          <a:noFill/>
-          <a:ln w="9525">
-            <a:noFill/>
-            <a:miter lim="800000"/>
-            <a:headEnd/>
-            <a:tailEnd/>
-          </a:ln>
-          <a:effectLst/>
-        </p:spPr>
-        <p:txBody>
-          <a:bodyPr wrap="square">
-            <a:spAutoFit/>
-          </a:bodyPr>
-          <a:lstStyle/>
-          <a:p>
-            <a:pPr algn="ctr"/>
-            <a:r>
-              <a:rPr lang="tr-TR" sz="1600" b="1" dirty="0" err="1" smtClean="0">
-                <a:latin typeface="Times New Roman" panose="02020603050405020304" pitchFamily="18" charset="0"/>
-                <a:cs typeface="Times New Roman" panose="02020603050405020304" pitchFamily="18" charset="0"/>
-              </a:rPr>
-              <a:t>Capacitance</a:t>
-            </a:r>
-            <a:r>
-              <a:rPr lang="tr-TR" sz="1600" b="1" dirty="0" smtClean="0">
-                <a:latin typeface="Times New Roman" panose="02020603050405020304" pitchFamily="18" charset="0"/>
-                <a:cs typeface="Times New Roman" panose="02020603050405020304" pitchFamily="18" charset="0"/>
-              </a:rPr>
-              <a:t> </a:t>
-            </a:r>
-            <a:r>
-              <a:rPr lang="tr-TR" sz="1600" b="1" dirty="0" err="1" smtClean="0">
-                <a:latin typeface="Times New Roman" panose="02020603050405020304" pitchFamily="18" charset="0"/>
-                <a:cs typeface="Times New Roman" panose="02020603050405020304" pitchFamily="18" charset="0"/>
-              </a:rPr>
-              <a:t>vs</a:t>
-            </a:r>
-            <a:r>
-              <a:rPr lang="tr-TR" sz="1600" b="1" dirty="0" smtClean="0">
-                <a:latin typeface="Times New Roman" panose="02020603050405020304" pitchFamily="18" charset="0"/>
-                <a:cs typeface="Times New Roman" panose="02020603050405020304" pitchFamily="18" charset="0"/>
-              </a:rPr>
-              <a:t> </a:t>
-            </a:r>
-            <a:r>
-              <a:rPr lang="tr-TR" sz="1600" b="1" dirty="0" err="1" smtClean="0">
-                <a:latin typeface="Times New Roman" panose="02020603050405020304" pitchFamily="18" charset="0"/>
-                <a:cs typeface="Times New Roman" panose="02020603050405020304" pitchFamily="18" charset="0"/>
-              </a:rPr>
-              <a:t>f</a:t>
-            </a:r>
-            <a:r>
-              <a:rPr lang="tr-TR" sz="1600" b="1" baseline="-25000" dirty="0" err="1" smtClean="0">
-                <a:latin typeface="Times New Roman" panose="02020603050405020304" pitchFamily="18" charset="0"/>
-                <a:cs typeface="Times New Roman" panose="02020603050405020304" pitchFamily="18" charset="0"/>
-              </a:rPr>
-              <a:t>sw</a:t>
-            </a:r>
-            <a:endParaRPr lang="en-US" sz="1600" b="1" baseline="-25000" dirty="0" smtClean="0">
-              <a:latin typeface="Times New Roman" panose="02020603050405020304" pitchFamily="18" charset="0"/>
-              <a:cs typeface="Times New Roman" panose="02020603050405020304" pitchFamily="18" charset="0"/>
-            </a:endParaRPr>
-          </a:p>
-        </p:txBody>
-      </p:sp>
-      <p:sp>
-        <p:nvSpPr>
-          <p:cNvPr id="18" name="Text Box 9"/>
-          <p:cNvSpPr txBox="1">
-            <a:spLocks noChangeArrowheads="1"/>
-          </p:cNvSpPr>
-          <p:nvPr/>
-        </p:nvSpPr>
-        <p:spPr bwMode="auto">
-          <a:xfrm>
-            <a:off x="1200804" y="4054322"/>
-            <a:ext cx="7954082" cy="2708434"/>
-          </a:xfrm>
-          <a:prstGeom prst="rect">
-            <a:avLst/>
-          </a:prstGeom>
-          <a:noFill/>
-          <a:ln w="9525">
-            <a:noFill/>
-            <a:miter lim="800000"/>
-            <a:headEnd/>
-            <a:tailEnd/>
-          </a:ln>
-          <a:effectLst/>
-        </p:spPr>
-        <p:txBody>
-          <a:bodyPr wrap="square">
-            <a:spAutoFit/>
-          </a:bodyPr>
-          <a:lstStyle/>
-          <a:p>
-            <a:pPr algn="l">
-              <a:spcAft>
-                <a:spcPts val="600"/>
-              </a:spcAft>
-            </a:pPr>
-            <a:r>
-              <a:rPr lang="tr-TR" sz="2000" b="1" dirty="0" smtClean="0">
-                <a:latin typeface="Times New Roman" panose="02020603050405020304" pitchFamily="18" charset="0"/>
-                <a:cs typeface="Times New Roman" panose="02020603050405020304" pitchFamily="18" charset="0"/>
-              </a:rPr>
-              <a:t>Low voltage</a:t>
-            </a:r>
-          </a:p>
-          <a:p>
-            <a:pPr marL="342900" indent="-342900" algn="l">
-              <a:spcAft>
-                <a:spcPts val="600"/>
-              </a:spcAft>
-              <a:buFont typeface="Courier New" panose="02070309020205020404" pitchFamily="49" charset="0"/>
-              <a:buChar char="o"/>
-            </a:pPr>
-            <a:r>
-              <a:rPr lang="tr-TR" sz="2000" dirty="0" smtClean="0">
-                <a:latin typeface="Times New Roman" panose="02020603050405020304" pitchFamily="18" charset="0"/>
-                <a:cs typeface="Times New Roman" panose="02020603050405020304" pitchFamily="18" charset="0"/>
-              </a:rPr>
-              <a:t>Power density and cost is bad, superior thermal performance</a:t>
-            </a:r>
-          </a:p>
-          <a:p>
-            <a:pPr algn="l">
-              <a:spcAft>
-                <a:spcPts val="600"/>
-              </a:spcAft>
-            </a:pPr>
-            <a:r>
-              <a:rPr lang="tr-TR" sz="2000" b="1" dirty="0" smtClean="0">
-                <a:latin typeface="Times New Roman" panose="02020603050405020304" pitchFamily="18" charset="0"/>
-                <a:cs typeface="Times New Roman" panose="02020603050405020304" pitchFamily="18" charset="0"/>
-              </a:rPr>
-              <a:t>High voltage</a:t>
-            </a:r>
-          </a:p>
-          <a:p>
-            <a:pPr marL="342900" indent="-342900" algn="l">
-              <a:spcAft>
-                <a:spcPts val="600"/>
-              </a:spcAft>
-              <a:buFont typeface="Courier New" panose="02070309020205020404" pitchFamily="49" charset="0"/>
-              <a:buChar char="o"/>
-            </a:pPr>
-            <a:r>
-              <a:rPr lang="tr-TR" sz="2000" dirty="0" smtClean="0">
-                <a:latin typeface="Times New Roman" panose="02020603050405020304" pitchFamily="18" charset="0"/>
-                <a:cs typeface="Times New Roman" panose="02020603050405020304" pitchFamily="18" charset="0"/>
-              </a:rPr>
-              <a:t>Low capacitance yields high cost</a:t>
-            </a:r>
-          </a:p>
-          <a:p>
-            <a:pPr marL="342900" indent="-342900" algn="l">
-              <a:spcAft>
-                <a:spcPts val="600"/>
-              </a:spcAft>
-              <a:buFont typeface="Courier New" panose="02070309020205020404" pitchFamily="49" charset="0"/>
-              <a:buChar char="o"/>
-            </a:pPr>
-            <a:r>
-              <a:rPr lang="tr-TR" sz="2000" dirty="0" smtClean="0">
-                <a:latin typeface="Times New Roman" panose="02020603050405020304" pitchFamily="18" charset="0"/>
-                <a:cs typeface="Times New Roman" panose="02020603050405020304" pitchFamily="18" charset="0"/>
-              </a:rPr>
-              <a:t>High capacitance yields bad thermal performance</a:t>
-            </a:r>
-          </a:p>
-          <a:p>
-            <a:pPr algn="l">
-              <a:spcAft>
-                <a:spcPts val="600"/>
-              </a:spcAft>
-            </a:pPr>
-            <a:r>
-              <a:rPr lang="tr-TR" sz="2000" b="1" dirty="0" smtClean="0">
-                <a:latin typeface="Times New Roman" panose="02020603050405020304" pitchFamily="18" charset="0"/>
-                <a:cs typeface="Times New Roman" panose="02020603050405020304" pitchFamily="18" charset="0"/>
-              </a:rPr>
-              <a:t>Result:</a:t>
-            </a:r>
-          </a:p>
-          <a:p>
-            <a:pPr marL="342900" indent="-342900" algn="l">
-              <a:spcAft>
-                <a:spcPts val="600"/>
-              </a:spcAft>
-              <a:buFont typeface="Wingdings" panose="05000000000000000000" pitchFamily="2" charset="2"/>
-              <a:buChar char="ü"/>
-            </a:pPr>
-            <a:r>
-              <a:rPr lang="tr-TR" sz="2000" dirty="0" smtClean="0">
-                <a:latin typeface="Times New Roman" panose="02020603050405020304" pitchFamily="18" charset="0"/>
-                <a:cs typeface="Times New Roman" panose="02020603050405020304" pitchFamily="18" charset="0"/>
-              </a:rPr>
-              <a:t>4 25</a:t>
-            </a:r>
-            <a:r>
-              <a:rPr lang="el-GR" sz="2000" dirty="0" smtClean="0">
-                <a:latin typeface="Times New Roman" panose="02020603050405020304" pitchFamily="18" charset="0"/>
-                <a:cs typeface="Times New Roman" panose="02020603050405020304" pitchFamily="18" charset="0"/>
-              </a:rPr>
-              <a:t>μ</a:t>
-            </a:r>
-            <a:r>
-              <a:rPr lang="tr-TR" sz="2000" dirty="0" smtClean="0">
-                <a:latin typeface="Times New Roman" panose="02020603050405020304" pitchFamily="18" charset="0"/>
-                <a:cs typeface="Times New Roman" panose="02020603050405020304" pitchFamily="18" charset="0"/>
-              </a:rPr>
-              <a:t>F, 450V metal film capacitors connected in parallel</a:t>
-            </a:r>
-          </a:p>
-        </p:txBody>
-      </p:sp>
-      <p:pic>
-        <p:nvPicPr>
           <p:cNvPr id="13" name="Picture 12"/>
           <p:cNvPicPr>
             <a:picLocks noChangeAspect="1"/>
@@ -5695,7 +7078,7 @@
           <p:nvPr/>
         </p:nvPicPr>
         <p:blipFill>
-          <a:blip r:embed="rId4" cstate="print">
+          <a:blip r:embed="rId2" cstate="print">
             <a:extLst>
               <a:ext uri="{28A0092B-C50C-407E-A947-70E740481C1C}">
                 <a14:useLocalDpi xmlns:a14="http://schemas.microsoft.com/office/drawing/2010/main" val="0"/>
@@ -5725,7 +7108,7 @@
           <p:nvPr/>
         </p:nvPicPr>
         <p:blipFill>
-          <a:blip r:embed="rId5" cstate="print">
+          <a:blip r:embed="rId3" cstate="print">
             <a:extLst>
               <a:ext uri="{28A0092B-C50C-407E-A947-70E740481C1C}">
                 <a14:useLocalDpi xmlns:a14="http://schemas.microsoft.com/office/drawing/2010/main" val="0"/>
@@ -5757,6 +7140,2609 @@
           </a:extLst>
         </p:spPr>
       </p:pic>
+      <p:sp>
+        <p:nvSpPr>
+          <p:cNvPr id="20" name="Text Box 9"/>
+          <p:cNvSpPr txBox="1">
+            <a:spLocks noChangeArrowheads="1"/>
+          </p:cNvSpPr>
+          <p:nvPr/>
+        </p:nvSpPr>
+        <p:spPr bwMode="auto">
+          <a:xfrm>
+            <a:off x="1577451" y="3342545"/>
+            <a:ext cx="2928749" cy="400110"/>
+          </a:xfrm>
+          <a:prstGeom prst="rect">
+            <a:avLst/>
+          </a:prstGeom>
+          <a:noFill/>
+          <a:ln w="9525">
+            <a:noFill/>
+            <a:miter lim="800000"/>
+            <a:headEnd/>
+            <a:tailEnd/>
+          </a:ln>
+          <a:effectLst/>
+        </p:spPr>
+        <p:txBody>
+          <a:bodyPr wrap="square">
+            <a:spAutoFit/>
+          </a:bodyPr>
+          <a:lstStyle/>
+          <a:p>
+            <a:pPr algn="ctr"/>
+            <a:r>
+              <a:rPr lang="tr-TR" sz="2000" u="sng" dirty="0" smtClean="0">
+                <a:latin typeface="Times New Roman" panose="02020603050405020304" pitchFamily="18" charset="0"/>
+                <a:cs typeface="Times New Roman" panose="02020603050405020304" pitchFamily="18" charset="0"/>
+              </a:rPr>
+              <a:t>RMS </a:t>
+            </a:r>
+            <a:r>
+              <a:rPr lang="tr-TR" sz="2000" u="sng" dirty="0" err="1" smtClean="0">
+                <a:latin typeface="Times New Roman" panose="02020603050405020304" pitchFamily="18" charset="0"/>
+                <a:cs typeface="Times New Roman" panose="02020603050405020304" pitchFamily="18" charset="0"/>
+              </a:rPr>
+              <a:t>current</a:t>
+            </a:r>
+            <a:r>
+              <a:rPr lang="tr-TR" sz="2000" u="sng" dirty="0" smtClean="0">
+                <a:latin typeface="Times New Roman" panose="02020603050405020304" pitchFamily="18" charset="0"/>
+                <a:cs typeface="Times New Roman" panose="02020603050405020304" pitchFamily="18" charset="0"/>
+              </a:rPr>
+              <a:t> </a:t>
+            </a:r>
+            <a:r>
+              <a:rPr lang="tr-TR" sz="2000" u="sng" dirty="0" err="1" smtClean="0">
+                <a:latin typeface="Times New Roman" panose="02020603050405020304" pitchFamily="18" charset="0"/>
+                <a:cs typeface="Times New Roman" panose="02020603050405020304" pitchFamily="18" charset="0"/>
+              </a:rPr>
+              <a:t>vs</a:t>
+            </a:r>
+            <a:r>
+              <a:rPr lang="tr-TR" sz="2000" u="sng" dirty="0" smtClean="0">
+                <a:latin typeface="Times New Roman" panose="02020603050405020304" pitchFamily="18" charset="0"/>
+                <a:cs typeface="Times New Roman" panose="02020603050405020304" pitchFamily="18" charset="0"/>
+              </a:rPr>
+              <a:t> </a:t>
+            </a:r>
+            <a:r>
+              <a:rPr lang="tr-TR" sz="2000" u="sng" dirty="0" err="1" smtClean="0">
+                <a:latin typeface="Times New Roman" panose="02020603050405020304" pitchFamily="18" charset="0"/>
+                <a:cs typeface="Times New Roman" panose="02020603050405020304" pitchFamily="18" charset="0"/>
+              </a:rPr>
+              <a:t>m</a:t>
+            </a:r>
+            <a:r>
+              <a:rPr lang="tr-TR" sz="2000" u="sng" baseline="-25000" dirty="0" err="1" smtClean="0">
+                <a:latin typeface="Times New Roman" panose="02020603050405020304" pitchFamily="18" charset="0"/>
+                <a:cs typeface="Times New Roman" panose="02020603050405020304" pitchFamily="18" charset="0"/>
+              </a:rPr>
+              <a:t>a</a:t>
+            </a:r>
+            <a:endParaRPr lang="en-US" sz="2000" u="sng" baseline="-25000" dirty="0" smtClean="0">
+              <a:latin typeface="Times New Roman" panose="02020603050405020304" pitchFamily="18" charset="0"/>
+              <a:cs typeface="Times New Roman" panose="02020603050405020304" pitchFamily="18" charset="0"/>
+            </a:endParaRPr>
+          </a:p>
+        </p:txBody>
+      </p:sp>
+      <p:sp>
+        <p:nvSpPr>
+          <p:cNvPr id="21" name="Text Box 9"/>
+          <p:cNvSpPr txBox="1">
+            <a:spLocks noChangeArrowheads="1"/>
+          </p:cNvSpPr>
+          <p:nvPr/>
+        </p:nvSpPr>
+        <p:spPr bwMode="auto">
+          <a:xfrm>
+            <a:off x="5675724" y="3342545"/>
+            <a:ext cx="2928749" cy="400110"/>
+          </a:xfrm>
+          <a:prstGeom prst="rect">
+            <a:avLst/>
+          </a:prstGeom>
+          <a:noFill/>
+          <a:ln w="9525">
+            <a:noFill/>
+            <a:miter lim="800000"/>
+            <a:headEnd/>
+            <a:tailEnd/>
+          </a:ln>
+          <a:effectLst/>
+        </p:spPr>
+        <p:txBody>
+          <a:bodyPr wrap="square">
+            <a:spAutoFit/>
+          </a:bodyPr>
+          <a:lstStyle/>
+          <a:p>
+            <a:pPr algn="ctr"/>
+            <a:r>
+              <a:rPr lang="tr-TR" sz="2000" u="sng" dirty="0" err="1" smtClean="0">
+                <a:latin typeface="Times New Roman" panose="02020603050405020304" pitchFamily="18" charset="0"/>
+                <a:cs typeface="Times New Roman" panose="02020603050405020304" pitchFamily="18" charset="0"/>
+              </a:rPr>
+              <a:t>Capacitance</a:t>
+            </a:r>
+            <a:r>
+              <a:rPr lang="tr-TR" sz="2000" u="sng" dirty="0" smtClean="0">
+                <a:latin typeface="Times New Roman" panose="02020603050405020304" pitchFamily="18" charset="0"/>
+                <a:cs typeface="Times New Roman" panose="02020603050405020304" pitchFamily="18" charset="0"/>
+              </a:rPr>
+              <a:t> </a:t>
+            </a:r>
+            <a:r>
+              <a:rPr lang="tr-TR" sz="2000" u="sng" dirty="0" err="1" smtClean="0">
+                <a:latin typeface="Times New Roman" panose="02020603050405020304" pitchFamily="18" charset="0"/>
+                <a:cs typeface="Times New Roman" panose="02020603050405020304" pitchFamily="18" charset="0"/>
+              </a:rPr>
+              <a:t>vs</a:t>
+            </a:r>
+            <a:r>
+              <a:rPr lang="tr-TR" sz="2000" u="sng" dirty="0" smtClean="0">
+                <a:latin typeface="Times New Roman" panose="02020603050405020304" pitchFamily="18" charset="0"/>
+                <a:cs typeface="Times New Roman" panose="02020603050405020304" pitchFamily="18" charset="0"/>
+              </a:rPr>
+              <a:t> </a:t>
+            </a:r>
+            <a:r>
+              <a:rPr lang="tr-TR" sz="2000" u="sng" dirty="0" err="1" smtClean="0">
+                <a:latin typeface="Times New Roman" panose="02020603050405020304" pitchFamily="18" charset="0"/>
+                <a:cs typeface="Times New Roman" panose="02020603050405020304" pitchFamily="18" charset="0"/>
+              </a:rPr>
+              <a:t>f</a:t>
+            </a:r>
+            <a:r>
+              <a:rPr lang="tr-TR" sz="2000" u="sng" baseline="-25000" dirty="0" err="1" smtClean="0">
+                <a:latin typeface="Times New Roman" panose="02020603050405020304" pitchFamily="18" charset="0"/>
+                <a:cs typeface="Times New Roman" panose="02020603050405020304" pitchFamily="18" charset="0"/>
+              </a:rPr>
+              <a:t>sw</a:t>
+            </a:r>
+            <a:endParaRPr lang="en-US" sz="2000" u="sng" baseline="-25000" dirty="0" smtClean="0">
+              <a:latin typeface="Times New Roman" panose="02020603050405020304" pitchFamily="18" charset="0"/>
+              <a:cs typeface="Times New Roman" panose="02020603050405020304" pitchFamily="18" charset="0"/>
+            </a:endParaRPr>
+          </a:p>
+        </p:txBody>
+      </p:sp>
+      <p:pic>
+        <p:nvPicPr>
+          <p:cNvPr id="22" name="Picture 21"/>
+          <p:cNvPicPr>
+            <a:picLocks noChangeAspect="1"/>
+          </p:cNvPicPr>
+          <p:nvPr/>
+        </p:nvPicPr>
+        <p:blipFill>
+          <a:blip r:embed="rId4"/>
+          <a:stretch>
+            <a:fillRect/>
+          </a:stretch>
+        </p:blipFill>
+        <p:spPr>
+          <a:xfrm>
+            <a:off x="1112841" y="3785890"/>
+            <a:ext cx="3857970" cy="3080300"/>
+          </a:xfrm>
+          <a:prstGeom prst="rect">
+            <a:avLst/>
+          </a:prstGeom>
+        </p:spPr>
+      </p:pic>
+      <p:pic>
+        <p:nvPicPr>
+          <p:cNvPr id="23" name="Picture 22"/>
+          <p:cNvPicPr>
+            <a:picLocks noChangeAspect="1"/>
+          </p:cNvPicPr>
+          <p:nvPr/>
+        </p:nvPicPr>
+        <p:blipFill>
+          <a:blip r:embed="rId5"/>
+          <a:stretch>
+            <a:fillRect/>
+          </a:stretch>
+        </p:blipFill>
+        <p:spPr>
+          <a:xfrm>
+            <a:off x="5105400" y="3773065"/>
+            <a:ext cx="3937463" cy="3105949"/>
+          </a:xfrm>
+          <a:prstGeom prst="rect">
+            <a:avLst/>
+          </a:prstGeom>
+        </p:spPr>
+      </p:pic>
+      <p:graphicFrame>
+        <p:nvGraphicFramePr>
+          <p:cNvPr id="6" name="Table 5"/>
+          <p:cNvGraphicFramePr>
+            <a:graphicFrameLocks noGrp="1"/>
+          </p:cNvGraphicFramePr>
+          <p:nvPr>
+            <p:extLst>
+              <p:ext uri="{D42A27DB-BD31-4B8C-83A1-F6EECF244321}">
+                <p14:modId xmlns:p14="http://schemas.microsoft.com/office/powerpoint/2010/main" val="871005065"/>
+              </p:ext>
+            </p:extLst>
+          </p:nvPr>
+        </p:nvGraphicFramePr>
+        <p:xfrm>
+          <a:off x="2567390" y="1158642"/>
+          <a:ext cx="4953002" cy="1828800"/>
+        </p:xfrm>
+        <a:graphic>
+          <a:graphicData uri="http://schemas.openxmlformats.org/drawingml/2006/table">
+            <a:tbl>
+              <a:tblPr firstRow="1" bandRow="1">
+                <a:tableStyleId>{073A0DAA-6AF3-43AB-8588-CEC1D06C72B9}</a:tableStyleId>
+              </a:tblPr>
+              <a:tblGrid>
+                <a:gridCol w="1524002"/>
+                <a:gridCol w="990600"/>
+                <a:gridCol w="1447800"/>
+                <a:gridCol w="990600"/>
+              </a:tblGrid>
+              <a:tr h="202407">
+                <a:tc gridSpan="2">
+                  <a:txBody>
+                    <a:bodyPr/>
+                    <a:lstStyle/>
+                    <a:p>
+                      <a:pPr algn="ctr"/>
+                      <a:r>
+                        <a:rPr lang="tr-TR" sz="1400" i="0" u="none" dirty="0" smtClean="0">
+                          <a:solidFill>
+                            <a:schemeClr val="tx1"/>
+                          </a:solidFill>
+                          <a:latin typeface="Times New Roman" panose="02020603050405020304" pitchFamily="18" charset="0"/>
+                          <a:cs typeface="Times New Roman" panose="02020603050405020304" pitchFamily="18" charset="0"/>
+                        </a:rPr>
+                        <a:t>System </a:t>
+                      </a:r>
+                      <a:r>
+                        <a:rPr lang="tr-TR" sz="1400" i="0" u="none" dirty="0" err="1" smtClean="0">
+                          <a:solidFill>
+                            <a:schemeClr val="tx1"/>
+                          </a:solidFill>
+                          <a:latin typeface="Times New Roman" panose="02020603050405020304" pitchFamily="18" charset="0"/>
+                          <a:cs typeface="Times New Roman" panose="02020603050405020304" pitchFamily="18" charset="0"/>
+                        </a:rPr>
+                        <a:t>Parameters</a:t>
+                      </a:r>
+                      <a:endParaRPr lang="en-US" sz="1400" i="0" u="none" dirty="0">
+                        <a:solidFill>
+                          <a:schemeClr val="tx1"/>
+                        </a:solidFill>
+                        <a:latin typeface="Times New Roman" panose="02020603050405020304" pitchFamily="18" charset="0"/>
+                        <a:cs typeface="Times New Roman" panose="02020603050405020304" pitchFamily="18" charset="0"/>
+                      </a:endParaRPr>
+                    </a:p>
+                  </a:txBody>
+                  <a:tcPr>
+                    <a:lnL w="12700" cap="flat" cmpd="sng" algn="ctr">
+                      <a:solidFill>
+                        <a:schemeClr val="tx1"/>
+                      </a:solidFill>
+                      <a:prstDash val="solid"/>
+                      <a:round/>
+                      <a:headEnd type="none" w="med" len="med"/>
+                      <a:tailEnd type="none" w="med" len="med"/>
+                    </a:lnL>
+                    <a:lnR w="12700" cap="flat" cmpd="sng" algn="ctr">
+                      <a:solidFill>
+                        <a:schemeClr val="tx1"/>
+                      </a:solidFill>
+                      <a:prstDash val="solid"/>
+                      <a:round/>
+                      <a:headEnd type="none" w="med" len="med"/>
+                      <a:tailEnd type="none" w="med" len="med"/>
+                    </a:lnR>
+                    <a:lnT w="12700" cap="flat" cmpd="sng" algn="ctr">
+                      <a:solidFill>
+                        <a:schemeClr val="tx1"/>
+                      </a:solidFill>
+                      <a:prstDash val="solid"/>
+                      <a:round/>
+                      <a:headEnd type="none" w="med" len="med"/>
+                      <a:tailEnd type="none" w="med" len="med"/>
+                    </a:lnT>
+                    <a:lnB w="12700" cap="flat" cmpd="sng" algn="ctr">
+                      <a:solidFill>
+                        <a:schemeClr val="tx1"/>
+                      </a:solidFill>
+                      <a:prstDash val="solid"/>
+                      <a:round/>
+                      <a:headEnd type="none" w="med" len="med"/>
+                      <a:tailEnd type="none" w="med" len="med"/>
+                    </a:lnB>
+                    <a:lnTlToBr w="12700" cmpd="sng">
+                      <a:noFill/>
+                      <a:prstDash val="solid"/>
+                    </a:lnTlToBr>
+                    <a:lnBlToTr w="12700" cmpd="sng">
+                      <a:noFill/>
+                      <a:prstDash val="solid"/>
+                    </a:lnBlToTr>
+                    <a:solidFill>
+                      <a:schemeClr val="bg1"/>
+                    </a:solidFill>
+                  </a:tcPr>
+                </a:tc>
+                <a:tc hMerge="1">
+                  <a:txBody>
+                    <a:bodyPr/>
+                    <a:lstStyle/>
+                    <a:p>
+                      <a:endParaRPr lang="en-US" dirty="0"/>
+                    </a:p>
+                  </a:txBody>
+                  <a:tcPr/>
+                </a:tc>
+                <a:tc gridSpan="2">
+                  <a:txBody>
+                    <a:bodyPr/>
+                    <a:lstStyle/>
+                    <a:p>
+                      <a:pPr algn="ctr"/>
+                      <a:r>
+                        <a:rPr lang="tr-TR" sz="1400" i="0" u="none" dirty="0" err="1" smtClean="0">
+                          <a:solidFill>
+                            <a:schemeClr val="tx1"/>
+                          </a:solidFill>
+                          <a:latin typeface="Times New Roman" panose="02020603050405020304" pitchFamily="18" charset="0"/>
+                          <a:cs typeface="Times New Roman" panose="02020603050405020304" pitchFamily="18" charset="0"/>
+                        </a:rPr>
+                        <a:t>Constraints</a:t>
+                      </a:r>
+                      <a:endParaRPr lang="en-US" sz="1400" i="0" u="none" dirty="0">
+                        <a:solidFill>
+                          <a:schemeClr val="tx1"/>
+                        </a:solidFill>
+                        <a:latin typeface="Times New Roman" panose="02020603050405020304" pitchFamily="18" charset="0"/>
+                        <a:cs typeface="Times New Roman" panose="02020603050405020304" pitchFamily="18" charset="0"/>
+                      </a:endParaRPr>
+                    </a:p>
+                  </a:txBody>
+                  <a:tcPr>
+                    <a:lnL w="12700" cap="flat" cmpd="sng" algn="ctr">
+                      <a:solidFill>
+                        <a:schemeClr val="tx1"/>
+                      </a:solidFill>
+                      <a:prstDash val="solid"/>
+                      <a:round/>
+                      <a:headEnd type="none" w="med" len="med"/>
+                      <a:tailEnd type="none" w="med" len="med"/>
+                    </a:lnL>
+                    <a:lnR w="12700" cap="flat" cmpd="sng" algn="ctr">
+                      <a:solidFill>
+                        <a:schemeClr val="tx1"/>
+                      </a:solidFill>
+                      <a:prstDash val="solid"/>
+                      <a:round/>
+                      <a:headEnd type="none" w="med" len="med"/>
+                      <a:tailEnd type="none" w="med" len="med"/>
+                    </a:lnR>
+                    <a:lnT w="12700" cap="flat" cmpd="sng" algn="ctr">
+                      <a:solidFill>
+                        <a:schemeClr val="tx1"/>
+                      </a:solidFill>
+                      <a:prstDash val="solid"/>
+                      <a:round/>
+                      <a:headEnd type="none" w="med" len="med"/>
+                      <a:tailEnd type="none" w="med" len="med"/>
+                    </a:lnT>
+                    <a:lnB w="12700" cap="flat" cmpd="sng" algn="ctr">
+                      <a:solidFill>
+                        <a:schemeClr val="tx1"/>
+                      </a:solidFill>
+                      <a:prstDash val="solid"/>
+                      <a:round/>
+                      <a:headEnd type="none" w="med" len="med"/>
+                      <a:tailEnd type="none" w="med" len="med"/>
+                    </a:lnB>
+                    <a:lnTlToBr w="12700" cmpd="sng">
+                      <a:noFill/>
+                      <a:prstDash val="solid"/>
+                    </a:lnTlToBr>
+                    <a:lnBlToTr w="12700" cmpd="sng">
+                      <a:noFill/>
+                      <a:prstDash val="solid"/>
+                    </a:lnBlToTr>
+                    <a:solidFill>
+                      <a:schemeClr val="bg1"/>
+                    </a:solidFill>
+                  </a:tcPr>
+                </a:tc>
+                <a:tc hMerge="1">
+                  <a:txBody>
+                    <a:bodyPr/>
+                    <a:lstStyle/>
+                    <a:p>
+                      <a:endParaRPr lang="en-US" dirty="0"/>
+                    </a:p>
+                  </a:txBody>
+                  <a:tcPr/>
+                </a:tc>
+              </a:tr>
+              <a:tr h="212958">
+                <a:tc>
+                  <a:txBody>
+                    <a:bodyPr/>
+                    <a:lstStyle/>
+                    <a:p>
+                      <a:pPr algn="ctr"/>
+                      <a:r>
+                        <a:rPr lang="tr-TR" sz="1400" dirty="0" err="1" smtClean="0">
+                          <a:solidFill>
+                            <a:schemeClr val="tx1"/>
+                          </a:solidFill>
+                          <a:effectLst/>
+                          <a:latin typeface="Times New Roman" panose="02020603050405020304" pitchFamily="18" charset="0"/>
+                          <a:cs typeface="Times New Roman" panose="02020603050405020304" pitchFamily="18" charset="0"/>
+                        </a:rPr>
+                        <a:t>Power</a:t>
+                      </a:r>
+                      <a:r>
+                        <a:rPr lang="tr-TR" sz="1400" baseline="0" dirty="0" smtClean="0">
+                          <a:solidFill>
+                            <a:schemeClr val="tx1"/>
+                          </a:solidFill>
+                          <a:effectLst/>
+                          <a:latin typeface="Times New Roman" panose="02020603050405020304" pitchFamily="18" charset="0"/>
+                          <a:cs typeface="Times New Roman" panose="02020603050405020304" pitchFamily="18" charset="0"/>
+                        </a:rPr>
+                        <a:t> </a:t>
+                      </a:r>
+                      <a:r>
+                        <a:rPr lang="tr-TR" sz="1400" baseline="0" dirty="0" err="1" smtClean="0">
+                          <a:solidFill>
+                            <a:schemeClr val="tx1"/>
+                          </a:solidFill>
+                          <a:effectLst/>
+                          <a:latin typeface="Times New Roman" panose="02020603050405020304" pitchFamily="18" charset="0"/>
+                          <a:cs typeface="Times New Roman" panose="02020603050405020304" pitchFamily="18" charset="0"/>
+                        </a:rPr>
+                        <a:t>factor</a:t>
+                      </a:r>
+                      <a:endParaRPr lang="en-US" sz="1400" dirty="0">
+                        <a:solidFill>
+                          <a:schemeClr val="tx1"/>
+                        </a:solidFill>
+                        <a:effectLst/>
+                        <a:latin typeface="Times New Roman" panose="02020603050405020304" pitchFamily="18" charset="0"/>
+                        <a:cs typeface="Times New Roman" panose="02020603050405020304" pitchFamily="18" charset="0"/>
+                      </a:endParaRPr>
+                    </a:p>
+                  </a:txBody>
+                  <a:tcPr anchor="ctr">
+                    <a:lnL w="12700" cap="flat" cmpd="sng" algn="ctr">
+                      <a:solidFill>
+                        <a:schemeClr val="tx1"/>
+                      </a:solidFill>
+                      <a:prstDash val="solid"/>
+                      <a:round/>
+                      <a:headEnd type="none" w="med" len="med"/>
+                      <a:tailEnd type="none" w="med" len="med"/>
+                    </a:lnL>
+                    <a:lnR w="12700" cap="flat" cmpd="sng" algn="ctr">
+                      <a:solidFill>
+                        <a:schemeClr val="tx1"/>
+                      </a:solidFill>
+                      <a:prstDash val="solid"/>
+                      <a:round/>
+                      <a:headEnd type="none" w="med" len="med"/>
+                      <a:tailEnd type="none" w="med" len="med"/>
+                    </a:lnR>
+                    <a:lnT w="12700" cap="flat" cmpd="sng" algn="ctr">
+                      <a:solidFill>
+                        <a:schemeClr val="tx1"/>
+                      </a:solidFill>
+                      <a:prstDash val="solid"/>
+                      <a:round/>
+                      <a:headEnd type="none" w="med" len="med"/>
+                      <a:tailEnd type="none" w="med" len="med"/>
+                    </a:lnT>
+                    <a:lnB w="12700" cap="flat" cmpd="sng" algn="ctr">
+                      <a:solidFill>
+                        <a:schemeClr val="tx1"/>
+                      </a:solidFill>
+                      <a:prstDash val="solid"/>
+                      <a:round/>
+                      <a:headEnd type="none" w="med" len="med"/>
+                      <a:tailEnd type="none" w="med" len="med"/>
+                    </a:lnB>
+                    <a:lnTlToBr w="12700" cmpd="sng">
+                      <a:noFill/>
+                      <a:prstDash val="solid"/>
+                    </a:lnTlToBr>
+                    <a:lnBlToTr w="12700" cmpd="sng">
+                      <a:noFill/>
+                      <a:prstDash val="solid"/>
+                    </a:lnBlToTr>
+                    <a:solidFill>
+                      <a:schemeClr val="bg1"/>
+                    </a:solidFill>
+                  </a:tcPr>
+                </a:tc>
+                <a:tc>
+                  <a:txBody>
+                    <a:bodyPr/>
+                    <a:lstStyle/>
+                    <a:p>
+                      <a:pPr algn="ctr"/>
+                      <a:r>
+                        <a:rPr lang="tr-TR" sz="1400" dirty="0" smtClean="0">
+                          <a:solidFill>
+                            <a:schemeClr val="tx1"/>
+                          </a:solidFill>
+                          <a:latin typeface="Times New Roman" panose="02020603050405020304" pitchFamily="18" charset="0"/>
+                          <a:cs typeface="Times New Roman" panose="02020603050405020304" pitchFamily="18" charset="0"/>
+                        </a:rPr>
+                        <a:t>0.9</a:t>
+                      </a:r>
+                      <a:endParaRPr lang="en-US" sz="1400" dirty="0">
+                        <a:solidFill>
+                          <a:schemeClr val="tx1"/>
+                        </a:solidFill>
+                        <a:latin typeface="Times New Roman" panose="02020603050405020304" pitchFamily="18" charset="0"/>
+                        <a:cs typeface="Times New Roman" panose="02020603050405020304" pitchFamily="18" charset="0"/>
+                      </a:endParaRPr>
+                    </a:p>
+                  </a:txBody>
+                  <a:tcPr anchor="ctr">
+                    <a:lnL w="12700" cap="flat" cmpd="sng" algn="ctr">
+                      <a:solidFill>
+                        <a:schemeClr val="tx1"/>
+                      </a:solidFill>
+                      <a:prstDash val="solid"/>
+                      <a:round/>
+                      <a:headEnd type="none" w="med" len="med"/>
+                      <a:tailEnd type="none" w="med" len="med"/>
+                    </a:lnL>
+                    <a:lnR w="12700" cap="flat" cmpd="sng" algn="ctr">
+                      <a:solidFill>
+                        <a:schemeClr val="tx1"/>
+                      </a:solidFill>
+                      <a:prstDash val="solid"/>
+                      <a:round/>
+                      <a:headEnd type="none" w="med" len="med"/>
+                      <a:tailEnd type="none" w="med" len="med"/>
+                    </a:lnR>
+                    <a:lnT w="12700" cap="flat" cmpd="sng" algn="ctr">
+                      <a:solidFill>
+                        <a:schemeClr val="tx1"/>
+                      </a:solidFill>
+                      <a:prstDash val="solid"/>
+                      <a:round/>
+                      <a:headEnd type="none" w="med" len="med"/>
+                      <a:tailEnd type="none" w="med" len="med"/>
+                    </a:lnT>
+                    <a:lnB w="12700" cap="flat" cmpd="sng" algn="ctr">
+                      <a:solidFill>
+                        <a:schemeClr val="tx1"/>
+                      </a:solidFill>
+                      <a:prstDash val="solid"/>
+                      <a:round/>
+                      <a:headEnd type="none" w="med" len="med"/>
+                      <a:tailEnd type="none" w="med" len="med"/>
+                    </a:lnB>
+                    <a:lnTlToBr w="12700" cmpd="sng">
+                      <a:noFill/>
+                      <a:prstDash val="solid"/>
+                    </a:lnTlToBr>
+                    <a:lnBlToTr w="12700" cmpd="sng">
+                      <a:noFill/>
+                      <a:prstDash val="solid"/>
+                    </a:lnBlToTr>
+                    <a:solidFill>
+                      <a:schemeClr val="bg1"/>
+                    </a:solidFill>
+                  </a:tcPr>
+                </a:tc>
+                <a:tc>
+                  <a:txBody>
+                    <a:bodyPr/>
+                    <a:lstStyle/>
+                    <a:p>
+                      <a:pPr algn="ctr"/>
+                      <a:r>
+                        <a:rPr lang="en-US" sz="1400" b="0" i="0" dirty="0">
+                          <a:solidFill>
+                            <a:schemeClr val="tx1"/>
+                          </a:solidFill>
+                          <a:effectLst/>
+                          <a:latin typeface="Times New Roman" panose="02020603050405020304" pitchFamily="18" charset="0"/>
+                          <a:cs typeface="Times New Roman" panose="02020603050405020304" pitchFamily="18" charset="0"/>
+                        </a:rPr>
+                        <a:t>Power </a:t>
+                      </a:r>
+                      <a:r>
+                        <a:rPr lang="en-US" sz="1400" b="0" i="0" dirty="0" smtClean="0">
+                          <a:solidFill>
+                            <a:schemeClr val="tx1"/>
+                          </a:solidFill>
+                          <a:effectLst/>
+                          <a:latin typeface="Times New Roman" panose="02020603050405020304" pitchFamily="18" charset="0"/>
+                          <a:cs typeface="Times New Roman" panose="02020603050405020304" pitchFamily="18" charset="0"/>
+                        </a:rPr>
+                        <a:t>density</a:t>
+                      </a:r>
+                      <a:endParaRPr lang="en-US" sz="1400" dirty="0">
+                        <a:solidFill>
+                          <a:schemeClr val="tx1"/>
+                        </a:solidFill>
+                        <a:effectLst/>
+                        <a:latin typeface="Times New Roman" panose="02020603050405020304" pitchFamily="18" charset="0"/>
+                        <a:cs typeface="Times New Roman" panose="02020603050405020304" pitchFamily="18" charset="0"/>
+                      </a:endParaRPr>
+                    </a:p>
+                  </a:txBody>
+                  <a:tcPr anchor="ctr">
+                    <a:lnL w="12700" cap="flat" cmpd="sng" algn="ctr">
+                      <a:solidFill>
+                        <a:schemeClr val="tx1"/>
+                      </a:solidFill>
+                      <a:prstDash val="solid"/>
+                      <a:round/>
+                      <a:headEnd type="none" w="med" len="med"/>
+                      <a:tailEnd type="none" w="med" len="med"/>
+                    </a:lnL>
+                    <a:lnR w="12700" cap="flat" cmpd="sng" algn="ctr">
+                      <a:solidFill>
+                        <a:schemeClr val="tx1"/>
+                      </a:solidFill>
+                      <a:prstDash val="solid"/>
+                      <a:round/>
+                      <a:headEnd type="none" w="med" len="med"/>
+                      <a:tailEnd type="none" w="med" len="med"/>
+                    </a:lnR>
+                    <a:lnT w="12700" cap="flat" cmpd="sng" algn="ctr">
+                      <a:solidFill>
+                        <a:schemeClr val="tx1"/>
+                      </a:solidFill>
+                      <a:prstDash val="solid"/>
+                      <a:round/>
+                      <a:headEnd type="none" w="med" len="med"/>
+                      <a:tailEnd type="none" w="med" len="med"/>
+                    </a:lnT>
+                    <a:lnB w="12700" cap="flat" cmpd="sng" algn="ctr">
+                      <a:solidFill>
+                        <a:schemeClr val="tx1"/>
+                      </a:solidFill>
+                      <a:prstDash val="solid"/>
+                      <a:round/>
+                      <a:headEnd type="none" w="med" len="med"/>
+                      <a:tailEnd type="none" w="med" len="med"/>
+                    </a:lnB>
+                    <a:lnTlToBr w="12700" cmpd="sng">
+                      <a:noFill/>
+                      <a:prstDash val="solid"/>
+                    </a:lnTlToBr>
+                    <a:lnBlToTr w="12700" cmpd="sng">
+                      <a:noFill/>
+                      <a:prstDash val="solid"/>
+                    </a:lnBlToTr>
+                    <a:solidFill>
+                      <a:schemeClr val="bg1"/>
+                    </a:solidFill>
+                  </a:tcPr>
+                </a:tc>
+                <a:tc>
+                  <a:txBody>
+                    <a:bodyPr/>
+                    <a:lstStyle/>
+                    <a:p>
+                      <a:pPr marL="0" marR="0" lvl="0" indent="0" algn="ctr" defTabSz="914400" rtl="0" eaLnBrk="1" fontAlgn="auto" latinLnBrk="0" hangingPunct="1">
+                        <a:lnSpc>
+                          <a:spcPct val="100000"/>
+                        </a:lnSpc>
+                        <a:spcBef>
+                          <a:spcPts val="0"/>
+                        </a:spcBef>
+                        <a:spcAft>
+                          <a:spcPts val="0"/>
+                        </a:spcAft>
+                        <a:buClrTx/>
+                        <a:buSzTx/>
+                        <a:buFontTx/>
+                        <a:buNone/>
+                        <a:tabLst/>
+                        <a:defRPr/>
+                      </a:pPr>
+                      <a:r>
+                        <a:rPr lang="en-US" sz="1400" b="0" i="0" dirty="0" smtClean="0">
+                          <a:solidFill>
+                            <a:schemeClr val="tx1"/>
+                          </a:solidFill>
+                          <a:effectLst/>
+                          <a:latin typeface="Times New Roman" panose="02020603050405020304" pitchFamily="18" charset="0"/>
+                          <a:cs typeface="Times New Roman" panose="02020603050405020304" pitchFamily="18" charset="0"/>
+                        </a:rPr>
+                        <a:t>10W/cm</a:t>
+                      </a:r>
+                      <a:r>
+                        <a:rPr lang="en-US" sz="1400" b="0" i="0" baseline="30000" dirty="0" smtClean="0">
+                          <a:solidFill>
+                            <a:schemeClr val="tx1"/>
+                          </a:solidFill>
+                          <a:effectLst/>
+                          <a:latin typeface="Times New Roman" panose="02020603050405020304" pitchFamily="18" charset="0"/>
+                          <a:cs typeface="Times New Roman" panose="02020603050405020304" pitchFamily="18" charset="0"/>
+                        </a:rPr>
+                        <a:t>3</a:t>
+                      </a:r>
+                      <a:endParaRPr lang="en-US" sz="1400" baseline="30000" dirty="0" smtClean="0">
+                        <a:solidFill>
+                          <a:schemeClr val="tx1"/>
+                        </a:solidFill>
+                        <a:effectLst/>
+                        <a:latin typeface="Times New Roman" panose="02020603050405020304" pitchFamily="18" charset="0"/>
+                        <a:cs typeface="Times New Roman" panose="02020603050405020304" pitchFamily="18" charset="0"/>
+                      </a:endParaRPr>
+                    </a:p>
+                  </a:txBody>
+                  <a:tcPr>
+                    <a:lnL w="12700" cap="flat" cmpd="sng" algn="ctr">
+                      <a:solidFill>
+                        <a:schemeClr val="tx1"/>
+                      </a:solidFill>
+                      <a:prstDash val="solid"/>
+                      <a:round/>
+                      <a:headEnd type="none" w="med" len="med"/>
+                      <a:tailEnd type="none" w="med" len="med"/>
+                    </a:lnL>
+                    <a:lnR w="12700" cap="flat" cmpd="sng" algn="ctr">
+                      <a:solidFill>
+                        <a:schemeClr val="tx1"/>
+                      </a:solidFill>
+                      <a:prstDash val="solid"/>
+                      <a:round/>
+                      <a:headEnd type="none" w="med" len="med"/>
+                      <a:tailEnd type="none" w="med" len="med"/>
+                    </a:lnR>
+                    <a:lnT w="12700" cap="flat" cmpd="sng" algn="ctr">
+                      <a:solidFill>
+                        <a:schemeClr val="tx1"/>
+                      </a:solidFill>
+                      <a:prstDash val="solid"/>
+                      <a:round/>
+                      <a:headEnd type="none" w="med" len="med"/>
+                      <a:tailEnd type="none" w="med" len="med"/>
+                    </a:lnT>
+                    <a:lnB w="12700" cap="flat" cmpd="sng" algn="ctr">
+                      <a:solidFill>
+                        <a:schemeClr val="tx1"/>
+                      </a:solidFill>
+                      <a:prstDash val="solid"/>
+                      <a:round/>
+                      <a:headEnd type="none" w="med" len="med"/>
+                      <a:tailEnd type="none" w="med" len="med"/>
+                    </a:lnB>
+                    <a:lnTlToBr w="12700" cmpd="sng">
+                      <a:noFill/>
+                      <a:prstDash val="solid"/>
+                    </a:lnTlToBr>
+                    <a:lnBlToTr w="12700" cmpd="sng">
+                      <a:noFill/>
+                      <a:prstDash val="solid"/>
+                    </a:lnBlToTr>
+                    <a:solidFill>
+                      <a:schemeClr val="bg1"/>
+                    </a:solidFill>
+                  </a:tcPr>
+                </a:tc>
+              </a:tr>
+              <a:tr h="228506">
+                <a:tc>
+                  <a:txBody>
+                    <a:bodyPr/>
+                    <a:lstStyle/>
+                    <a:p>
+                      <a:pPr algn="ctr"/>
+                      <a:r>
+                        <a:rPr lang="en-US" sz="1400" b="0" i="0" dirty="0" err="1" smtClean="0">
+                          <a:solidFill>
+                            <a:schemeClr val="tx1"/>
+                          </a:solidFill>
+                          <a:effectLst/>
+                          <a:latin typeface="Times New Roman" panose="02020603050405020304" pitchFamily="18" charset="0"/>
+                          <a:cs typeface="Times New Roman" panose="02020603050405020304" pitchFamily="18" charset="0"/>
+                        </a:rPr>
+                        <a:t>V</a:t>
+                      </a:r>
+                      <a:r>
+                        <a:rPr lang="en-US" sz="1400" b="0" i="0" baseline="-25000" dirty="0" err="1" smtClean="0">
+                          <a:solidFill>
+                            <a:schemeClr val="tx1"/>
+                          </a:solidFill>
+                          <a:effectLst/>
+                          <a:latin typeface="Times New Roman" panose="02020603050405020304" pitchFamily="18" charset="0"/>
+                          <a:cs typeface="Times New Roman" panose="02020603050405020304" pitchFamily="18" charset="0"/>
+                        </a:rPr>
+                        <a:t>dc</a:t>
+                      </a:r>
+                      <a:endParaRPr lang="en-US" sz="1400" i="0" baseline="-25000" dirty="0">
+                        <a:solidFill>
+                          <a:schemeClr val="tx1"/>
+                        </a:solidFill>
+                        <a:effectLst/>
+                        <a:latin typeface="Times New Roman" panose="02020603050405020304" pitchFamily="18" charset="0"/>
+                        <a:cs typeface="Times New Roman" panose="02020603050405020304" pitchFamily="18" charset="0"/>
+                      </a:endParaRPr>
+                    </a:p>
+                  </a:txBody>
+                  <a:tcPr anchor="ctr">
+                    <a:lnL w="12700" cap="flat" cmpd="sng" algn="ctr">
+                      <a:solidFill>
+                        <a:schemeClr val="tx1"/>
+                      </a:solidFill>
+                      <a:prstDash val="solid"/>
+                      <a:round/>
+                      <a:headEnd type="none" w="med" len="med"/>
+                      <a:tailEnd type="none" w="med" len="med"/>
+                    </a:lnL>
+                    <a:lnR w="12700" cap="flat" cmpd="sng" algn="ctr">
+                      <a:solidFill>
+                        <a:schemeClr val="tx1"/>
+                      </a:solidFill>
+                      <a:prstDash val="solid"/>
+                      <a:round/>
+                      <a:headEnd type="none" w="med" len="med"/>
+                      <a:tailEnd type="none" w="med" len="med"/>
+                    </a:lnR>
+                    <a:lnT w="12700" cap="flat" cmpd="sng" algn="ctr">
+                      <a:solidFill>
+                        <a:schemeClr val="tx1"/>
+                      </a:solidFill>
+                      <a:prstDash val="solid"/>
+                      <a:round/>
+                      <a:headEnd type="none" w="med" len="med"/>
+                      <a:tailEnd type="none" w="med" len="med"/>
+                    </a:lnT>
+                    <a:lnB w="12700" cap="flat" cmpd="sng" algn="ctr">
+                      <a:solidFill>
+                        <a:schemeClr val="tx1"/>
+                      </a:solidFill>
+                      <a:prstDash val="solid"/>
+                      <a:round/>
+                      <a:headEnd type="none" w="med" len="med"/>
+                      <a:tailEnd type="none" w="med" len="med"/>
+                    </a:lnB>
+                    <a:lnTlToBr w="12700" cmpd="sng">
+                      <a:noFill/>
+                      <a:prstDash val="solid"/>
+                    </a:lnTlToBr>
+                    <a:lnBlToTr w="12700" cmpd="sng">
+                      <a:noFill/>
+                      <a:prstDash val="solid"/>
+                    </a:lnBlToTr>
+                    <a:solidFill>
+                      <a:schemeClr val="bg1"/>
+                    </a:solidFill>
+                  </a:tcPr>
+                </a:tc>
+                <a:tc>
+                  <a:txBody>
+                    <a:bodyPr/>
+                    <a:lstStyle/>
+                    <a:p>
+                      <a:pPr algn="ctr"/>
+                      <a:r>
+                        <a:rPr lang="en-US" sz="1400" b="0" i="0" dirty="0" smtClean="0">
+                          <a:solidFill>
+                            <a:schemeClr val="tx1"/>
+                          </a:solidFill>
+                          <a:effectLst/>
+                          <a:latin typeface="Times New Roman" panose="02020603050405020304" pitchFamily="18" charset="0"/>
+                          <a:cs typeface="Times New Roman" panose="02020603050405020304" pitchFamily="18" charset="0"/>
+                        </a:rPr>
+                        <a:t>400V </a:t>
+                      </a:r>
+                      <a:endParaRPr lang="en-US" sz="1400" dirty="0">
+                        <a:solidFill>
+                          <a:schemeClr val="tx1"/>
+                        </a:solidFill>
+                        <a:latin typeface="Times New Roman" panose="02020603050405020304" pitchFamily="18" charset="0"/>
+                        <a:cs typeface="Times New Roman" panose="02020603050405020304" pitchFamily="18" charset="0"/>
+                      </a:endParaRPr>
+                    </a:p>
+                  </a:txBody>
+                  <a:tcPr anchor="ctr">
+                    <a:lnL w="12700" cap="flat" cmpd="sng" algn="ctr">
+                      <a:solidFill>
+                        <a:schemeClr val="tx1"/>
+                      </a:solidFill>
+                      <a:prstDash val="solid"/>
+                      <a:round/>
+                      <a:headEnd type="none" w="med" len="med"/>
+                      <a:tailEnd type="none" w="med" len="med"/>
+                    </a:lnL>
+                    <a:lnR w="12700" cap="flat" cmpd="sng" algn="ctr">
+                      <a:solidFill>
+                        <a:schemeClr val="tx1"/>
+                      </a:solidFill>
+                      <a:prstDash val="solid"/>
+                      <a:round/>
+                      <a:headEnd type="none" w="med" len="med"/>
+                      <a:tailEnd type="none" w="med" len="med"/>
+                    </a:lnR>
+                    <a:lnT w="12700" cap="flat" cmpd="sng" algn="ctr">
+                      <a:solidFill>
+                        <a:schemeClr val="tx1"/>
+                      </a:solidFill>
+                      <a:prstDash val="solid"/>
+                      <a:round/>
+                      <a:headEnd type="none" w="med" len="med"/>
+                      <a:tailEnd type="none" w="med" len="med"/>
+                    </a:lnT>
+                    <a:lnB w="12700" cap="flat" cmpd="sng" algn="ctr">
+                      <a:solidFill>
+                        <a:schemeClr val="tx1"/>
+                      </a:solidFill>
+                      <a:prstDash val="solid"/>
+                      <a:round/>
+                      <a:headEnd type="none" w="med" len="med"/>
+                      <a:tailEnd type="none" w="med" len="med"/>
+                    </a:lnB>
+                    <a:lnTlToBr w="12700" cmpd="sng">
+                      <a:noFill/>
+                      <a:prstDash val="solid"/>
+                    </a:lnTlToBr>
+                    <a:lnBlToTr w="12700" cmpd="sng">
+                      <a:noFill/>
+                      <a:prstDash val="solid"/>
+                    </a:lnBlToTr>
+                    <a:solidFill>
+                      <a:schemeClr val="bg1"/>
+                    </a:solidFill>
+                  </a:tcPr>
+                </a:tc>
+                <a:tc>
+                  <a:txBody>
+                    <a:bodyPr/>
+                    <a:lstStyle/>
+                    <a:p>
+                      <a:pPr algn="ctr"/>
+                      <a:r>
+                        <a:rPr lang="en-US" sz="1400" b="0" i="0" dirty="0" smtClean="0">
+                          <a:solidFill>
+                            <a:schemeClr val="tx1"/>
+                          </a:solidFill>
+                          <a:effectLst/>
+                          <a:latin typeface="Times New Roman" panose="02020603050405020304" pitchFamily="18" charset="0"/>
+                          <a:cs typeface="Times New Roman" panose="02020603050405020304" pitchFamily="18" charset="0"/>
+                        </a:rPr>
+                        <a:t>Cost</a:t>
+                      </a:r>
+                      <a:endParaRPr lang="en-US" sz="1400" dirty="0">
+                        <a:solidFill>
+                          <a:schemeClr val="tx1"/>
+                        </a:solidFill>
+                        <a:effectLst/>
+                        <a:latin typeface="Times New Roman" panose="02020603050405020304" pitchFamily="18" charset="0"/>
+                        <a:cs typeface="Times New Roman" panose="02020603050405020304" pitchFamily="18" charset="0"/>
+                      </a:endParaRPr>
+                    </a:p>
+                  </a:txBody>
+                  <a:tcPr anchor="ctr">
+                    <a:lnL w="12700" cap="flat" cmpd="sng" algn="ctr">
+                      <a:solidFill>
+                        <a:schemeClr val="tx1"/>
+                      </a:solidFill>
+                      <a:prstDash val="solid"/>
+                      <a:round/>
+                      <a:headEnd type="none" w="med" len="med"/>
+                      <a:tailEnd type="none" w="med" len="med"/>
+                    </a:lnL>
+                    <a:lnR w="12700" cap="flat" cmpd="sng" algn="ctr">
+                      <a:solidFill>
+                        <a:schemeClr val="tx1"/>
+                      </a:solidFill>
+                      <a:prstDash val="solid"/>
+                      <a:round/>
+                      <a:headEnd type="none" w="med" len="med"/>
+                      <a:tailEnd type="none" w="med" len="med"/>
+                    </a:lnR>
+                    <a:lnT w="12700" cap="flat" cmpd="sng" algn="ctr">
+                      <a:solidFill>
+                        <a:schemeClr val="tx1"/>
+                      </a:solidFill>
+                      <a:prstDash val="solid"/>
+                      <a:round/>
+                      <a:headEnd type="none" w="med" len="med"/>
+                      <a:tailEnd type="none" w="med" len="med"/>
+                    </a:lnT>
+                    <a:lnB w="12700" cap="flat" cmpd="sng" algn="ctr">
+                      <a:solidFill>
+                        <a:schemeClr val="tx1"/>
+                      </a:solidFill>
+                      <a:prstDash val="solid"/>
+                      <a:round/>
+                      <a:headEnd type="none" w="med" len="med"/>
+                      <a:tailEnd type="none" w="med" len="med"/>
+                    </a:lnB>
+                    <a:lnTlToBr w="12700" cmpd="sng">
+                      <a:noFill/>
+                      <a:prstDash val="solid"/>
+                    </a:lnTlToBr>
+                    <a:lnBlToTr w="12700" cmpd="sng">
+                      <a:noFill/>
+                      <a:prstDash val="solid"/>
+                    </a:lnBlToTr>
+                    <a:solidFill>
+                      <a:schemeClr val="bg1"/>
+                    </a:solidFill>
+                  </a:tcPr>
+                </a:tc>
+                <a:tc>
+                  <a:txBody>
+                    <a:bodyPr/>
+                    <a:lstStyle/>
+                    <a:p>
+                      <a:pPr marL="0" marR="0" lvl="0" indent="0" algn="ctr" defTabSz="914400" rtl="0" eaLnBrk="1" fontAlgn="auto" latinLnBrk="0" hangingPunct="1">
+                        <a:lnSpc>
+                          <a:spcPct val="100000"/>
+                        </a:lnSpc>
+                        <a:spcBef>
+                          <a:spcPts val="0"/>
+                        </a:spcBef>
+                        <a:spcAft>
+                          <a:spcPts val="0"/>
+                        </a:spcAft>
+                        <a:buClrTx/>
+                        <a:buSzTx/>
+                        <a:buFontTx/>
+                        <a:buNone/>
+                        <a:tabLst/>
+                        <a:defRPr/>
+                      </a:pPr>
+                      <a:r>
+                        <a:rPr lang="en-US" sz="1400" b="0" i="0" dirty="0" smtClean="0">
+                          <a:solidFill>
+                            <a:schemeClr val="tx1"/>
+                          </a:solidFill>
+                          <a:effectLst/>
+                          <a:latin typeface="Times New Roman" panose="02020603050405020304" pitchFamily="18" charset="0"/>
+                          <a:cs typeface="Times New Roman" panose="02020603050405020304" pitchFamily="18" charset="0"/>
+                        </a:rPr>
+                        <a:t>35$</a:t>
+                      </a:r>
+                      <a:endParaRPr lang="en-US" sz="1400" dirty="0" smtClean="0">
+                        <a:solidFill>
+                          <a:schemeClr val="tx1"/>
+                        </a:solidFill>
+                        <a:effectLst/>
+                        <a:latin typeface="Times New Roman" panose="02020603050405020304" pitchFamily="18" charset="0"/>
+                        <a:cs typeface="Times New Roman" panose="02020603050405020304" pitchFamily="18" charset="0"/>
+                      </a:endParaRPr>
+                    </a:p>
+                  </a:txBody>
+                  <a:tcPr>
+                    <a:lnL w="12700" cap="flat" cmpd="sng" algn="ctr">
+                      <a:solidFill>
+                        <a:schemeClr val="tx1"/>
+                      </a:solidFill>
+                      <a:prstDash val="solid"/>
+                      <a:round/>
+                      <a:headEnd type="none" w="med" len="med"/>
+                      <a:tailEnd type="none" w="med" len="med"/>
+                    </a:lnL>
+                    <a:lnR w="12700" cap="flat" cmpd="sng" algn="ctr">
+                      <a:solidFill>
+                        <a:schemeClr val="tx1"/>
+                      </a:solidFill>
+                      <a:prstDash val="solid"/>
+                      <a:round/>
+                      <a:headEnd type="none" w="med" len="med"/>
+                      <a:tailEnd type="none" w="med" len="med"/>
+                    </a:lnR>
+                    <a:lnT w="12700" cap="flat" cmpd="sng" algn="ctr">
+                      <a:solidFill>
+                        <a:schemeClr val="tx1"/>
+                      </a:solidFill>
+                      <a:prstDash val="solid"/>
+                      <a:round/>
+                      <a:headEnd type="none" w="med" len="med"/>
+                      <a:tailEnd type="none" w="med" len="med"/>
+                    </a:lnT>
+                    <a:lnB w="12700" cap="flat" cmpd="sng" algn="ctr">
+                      <a:solidFill>
+                        <a:schemeClr val="tx1"/>
+                      </a:solidFill>
+                      <a:prstDash val="solid"/>
+                      <a:round/>
+                      <a:headEnd type="none" w="med" len="med"/>
+                      <a:tailEnd type="none" w="med" len="med"/>
+                    </a:lnB>
+                    <a:lnTlToBr w="12700" cmpd="sng">
+                      <a:noFill/>
+                      <a:prstDash val="solid"/>
+                    </a:lnTlToBr>
+                    <a:lnBlToTr w="12700" cmpd="sng">
+                      <a:noFill/>
+                      <a:prstDash val="solid"/>
+                    </a:lnBlToTr>
+                    <a:solidFill>
+                      <a:schemeClr val="bg1"/>
+                    </a:solidFill>
+                  </a:tcPr>
+                </a:tc>
+              </a:tr>
+              <a:tr h="228506">
+                <a:tc>
+                  <a:txBody>
+                    <a:bodyPr/>
+                    <a:lstStyle/>
+                    <a:p>
+                      <a:pPr algn="ctr"/>
+                      <a:r>
+                        <a:rPr lang="en-US" sz="1400" b="0" i="0" dirty="0">
+                          <a:solidFill>
+                            <a:schemeClr val="tx1"/>
+                          </a:solidFill>
+                          <a:effectLst/>
+                          <a:latin typeface="Times New Roman" panose="02020603050405020304" pitchFamily="18" charset="0"/>
+                          <a:cs typeface="Times New Roman" panose="02020603050405020304" pitchFamily="18" charset="0"/>
+                        </a:rPr>
+                        <a:t>Phase </a:t>
+                      </a:r>
+                      <a:r>
+                        <a:rPr lang="en-US" sz="1400" b="0" i="0" dirty="0" smtClean="0">
+                          <a:solidFill>
+                            <a:schemeClr val="tx1"/>
+                          </a:solidFill>
+                          <a:effectLst/>
+                          <a:latin typeface="Times New Roman" panose="02020603050405020304" pitchFamily="18" charset="0"/>
+                          <a:cs typeface="Times New Roman" panose="02020603050405020304" pitchFamily="18" charset="0"/>
+                        </a:rPr>
+                        <a:t>shift</a:t>
+                      </a:r>
+                      <a:endParaRPr lang="en-US" sz="1400" dirty="0">
+                        <a:solidFill>
+                          <a:schemeClr val="tx1"/>
+                        </a:solidFill>
+                        <a:effectLst/>
+                        <a:latin typeface="Times New Roman" panose="02020603050405020304" pitchFamily="18" charset="0"/>
+                        <a:cs typeface="Times New Roman" panose="02020603050405020304" pitchFamily="18" charset="0"/>
+                      </a:endParaRPr>
+                    </a:p>
+                  </a:txBody>
+                  <a:tcPr anchor="ctr">
+                    <a:lnL w="12700" cap="flat" cmpd="sng" algn="ctr">
+                      <a:solidFill>
+                        <a:schemeClr val="tx1"/>
+                      </a:solidFill>
+                      <a:prstDash val="solid"/>
+                      <a:round/>
+                      <a:headEnd type="none" w="med" len="med"/>
+                      <a:tailEnd type="none" w="med" len="med"/>
+                    </a:lnL>
+                    <a:lnR w="12700" cap="flat" cmpd="sng" algn="ctr">
+                      <a:solidFill>
+                        <a:schemeClr val="tx1"/>
+                      </a:solidFill>
+                      <a:prstDash val="solid"/>
+                      <a:round/>
+                      <a:headEnd type="none" w="med" len="med"/>
+                      <a:tailEnd type="none" w="med" len="med"/>
+                    </a:lnR>
+                    <a:lnT w="12700" cap="flat" cmpd="sng" algn="ctr">
+                      <a:solidFill>
+                        <a:schemeClr val="tx1"/>
+                      </a:solidFill>
+                      <a:prstDash val="solid"/>
+                      <a:round/>
+                      <a:headEnd type="none" w="med" len="med"/>
+                      <a:tailEnd type="none" w="med" len="med"/>
+                    </a:lnT>
+                    <a:lnB w="12700" cap="flat" cmpd="sng" algn="ctr">
+                      <a:solidFill>
+                        <a:schemeClr val="tx1"/>
+                      </a:solidFill>
+                      <a:prstDash val="solid"/>
+                      <a:round/>
+                      <a:headEnd type="none" w="med" len="med"/>
+                      <a:tailEnd type="none" w="med" len="med"/>
+                    </a:lnB>
+                    <a:lnTlToBr w="12700" cmpd="sng">
+                      <a:noFill/>
+                      <a:prstDash val="solid"/>
+                    </a:lnTlToBr>
+                    <a:lnBlToTr w="12700" cmpd="sng">
+                      <a:noFill/>
+                      <a:prstDash val="solid"/>
+                    </a:lnBlToTr>
+                    <a:solidFill>
+                      <a:schemeClr val="bg1"/>
+                    </a:solidFill>
+                  </a:tcPr>
+                </a:tc>
+                <a:tc>
+                  <a:txBody>
+                    <a:bodyPr/>
+                    <a:lstStyle/>
+                    <a:p>
+                      <a:pPr marL="0" marR="0" lvl="0" indent="0" algn="ctr" defTabSz="914400" rtl="0" eaLnBrk="1" fontAlgn="auto" latinLnBrk="0" hangingPunct="1">
+                        <a:lnSpc>
+                          <a:spcPct val="100000"/>
+                        </a:lnSpc>
+                        <a:spcBef>
+                          <a:spcPts val="0"/>
+                        </a:spcBef>
+                        <a:spcAft>
+                          <a:spcPts val="0"/>
+                        </a:spcAft>
+                        <a:buClrTx/>
+                        <a:buSzTx/>
+                        <a:buFontTx/>
+                        <a:buNone/>
+                        <a:tabLst/>
+                        <a:defRPr/>
+                      </a:pPr>
+                      <a:r>
+                        <a:rPr lang="en-US" sz="1400" b="0" i="0" dirty="0" smtClean="0">
+                          <a:solidFill>
+                            <a:schemeClr val="tx1"/>
+                          </a:solidFill>
+                          <a:effectLst/>
+                          <a:latin typeface="Times New Roman" panose="02020603050405020304" pitchFamily="18" charset="0"/>
+                          <a:cs typeface="Times New Roman" panose="02020603050405020304" pitchFamily="18" charset="0"/>
+                        </a:rPr>
+                        <a:t>90</a:t>
+                      </a:r>
+                      <a:r>
+                        <a:rPr lang="en-US" sz="1400" b="0" i="0" baseline="30000" dirty="0" smtClean="0">
+                          <a:solidFill>
+                            <a:schemeClr val="tx1"/>
+                          </a:solidFill>
+                          <a:effectLst/>
+                          <a:latin typeface="Times New Roman" panose="02020603050405020304" pitchFamily="18" charset="0"/>
+                          <a:cs typeface="Times New Roman" panose="02020603050405020304" pitchFamily="18" charset="0"/>
+                        </a:rPr>
+                        <a:t>0 </a:t>
+                      </a:r>
+                      <a:endParaRPr lang="en-US" sz="1400" baseline="30000" dirty="0" smtClean="0">
+                        <a:solidFill>
+                          <a:schemeClr val="tx1"/>
+                        </a:solidFill>
+                        <a:effectLst/>
+                        <a:latin typeface="Times New Roman" panose="02020603050405020304" pitchFamily="18" charset="0"/>
+                        <a:cs typeface="Times New Roman" panose="02020603050405020304" pitchFamily="18" charset="0"/>
+                      </a:endParaRPr>
+                    </a:p>
+                  </a:txBody>
+                  <a:tcPr anchor="ctr">
+                    <a:lnL w="12700" cap="flat" cmpd="sng" algn="ctr">
+                      <a:solidFill>
+                        <a:schemeClr val="tx1"/>
+                      </a:solidFill>
+                      <a:prstDash val="solid"/>
+                      <a:round/>
+                      <a:headEnd type="none" w="med" len="med"/>
+                      <a:tailEnd type="none" w="med" len="med"/>
+                    </a:lnL>
+                    <a:lnR w="12700" cap="flat" cmpd="sng" algn="ctr">
+                      <a:solidFill>
+                        <a:schemeClr val="tx1"/>
+                      </a:solidFill>
+                      <a:prstDash val="solid"/>
+                      <a:round/>
+                      <a:headEnd type="none" w="med" len="med"/>
+                      <a:tailEnd type="none" w="med" len="med"/>
+                    </a:lnR>
+                    <a:lnT w="12700" cap="flat" cmpd="sng" algn="ctr">
+                      <a:solidFill>
+                        <a:schemeClr val="tx1"/>
+                      </a:solidFill>
+                      <a:prstDash val="solid"/>
+                      <a:round/>
+                      <a:headEnd type="none" w="med" len="med"/>
+                      <a:tailEnd type="none" w="med" len="med"/>
+                    </a:lnT>
+                    <a:lnB w="12700" cap="flat" cmpd="sng" algn="ctr">
+                      <a:solidFill>
+                        <a:schemeClr val="tx1"/>
+                      </a:solidFill>
+                      <a:prstDash val="solid"/>
+                      <a:round/>
+                      <a:headEnd type="none" w="med" len="med"/>
+                      <a:tailEnd type="none" w="med" len="med"/>
+                    </a:lnB>
+                    <a:lnTlToBr w="12700" cmpd="sng">
+                      <a:noFill/>
+                      <a:prstDash val="solid"/>
+                    </a:lnTlToBr>
+                    <a:lnBlToTr w="12700" cmpd="sng">
+                      <a:noFill/>
+                      <a:prstDash val="solid"/>
+                    </a:lnBlToTr>
+                    <a:solidFill>
+                      <a:schemeClr val="bg1"/>
+                    </a:solidFill>
+                  </a:tcPr>
+                </a:tc>
+                <a:tc>
+                  <a:txBody>
+                    <a:bodyPr/>
+                    <a:lstStyle/>
+                    <a:p>
+                      <a:pPr algn="ctr"/>
+                      <a:r>
+                        <a:rPr lang="en-US" sz="1400" b="0" i="0" dirty="0" smtClean="0">
+                          <a:solidFill>
+                            <a:schemeClr val="tx1"/>
+                          </a:solidFill>
+                          <a:effectLst/>
+                          <a:latin typeface="Times New Roman" panose="02020603050405020304" pitchFamily="18" charset="0"/>
+                          <a:cs typeface="Times New Roman" panose="02020603050405020304" pitchFamily="18" charset="0"/>
+                        </a:rPr>
+                        <a:t>Height</a:t>
+                      </a:r>
+                      <a:endParaRPr lang="en-US" sz="1400" dirty="0">
+                        <a:solidFill>
+                          <a:schemeClr val="tx1"/>
+                        </a:solidFill>
+                        <a:effectLst/>
+                        <a:latin typeface="Times New Roman" panose="02020603050405020304" pitchFamily="18" charset="0"/>
+                        <a:cs typeface="Times New Roman" panose="02020603050405020304" pitchFamily="18" charset="0"/>
+                      </a:endParaRPr>
+                    </a:p>
+                  </a:txBody>
+                  <a:tcPr anchor="ctr">
+                    <a:lnL w="12700" cap="flat" cmpd="sng" algn="ctr">
+                      <a:solidFill>
+                        <a:schemeClr val="tx1"/>
+                      </a:solidFill>
+                      <a:prstDash val="solid"/>
+                      <a:round/>
+                      <a:headEnd type="none" w="med" len="med"/>
+                      <a:tailEnd type="none" w="med" len="med"/>
+                    </a:lnL>
+                    <a:lnR w="12700" cap="flat" cmpd="sng" algn="ctr">
+                      <a:solidFill>
+                        <a:schemeClr val="tx1"/>
+                      </a:solidFill>
+                      <a:prstDash val="solid"/>
+                      <a:round/>
+                      <a:headEnd type="none" w="med" len="med"/>
+                      <a:tailEnd type="none" w="med" len="med"/>
+                    </a:lnR>
+                    <a:lnT w="12700" cap="flat" cmpd="sng" algn="ctr">
+                      <a:solidFill>
+                        <a:schemeClr val="tx1"/>
+                      </a:solidFill>
+                      <a:prstDash val="solid"/>
+                      <a:round/>
+                      <a:headEnd type="none" w="med" len="med"/>
+                      <a:tailEnd type="none" w="med" len="med"/>
+                    </a:lnT>
+                    <a:lnB w="12700" cap="flat" cmpd="sng" algn="ctr">
+                      <a:solidFill>
+                        <a:schemeClr val="tx1"/>
+                      </a:solidFill>
+                      <a:prstDash val="solid"/>
+                      <a:round/>
+                      <a:headEnd type="none" w="med" len="med"/>
+                      <a:tailEnd type="none" w="med" len="med"/>
+                    </a:lnB>
+                    <a:lnTlToBr w="12700" cmpd="sng">
+                      <a:noFill/>
+                      <a:prstDash val="solid"/>
+                    </a:lnTlToBr>
+                    <a:lnBlToTr w="12700" cmpd="sng">
+                      <a:noFill/>
+                      <a:prstDash val="solid"/>
+                    </a:lnBlToTr>
+                    <a:solidFill>
+                      <a:schemeClr val="bg1"/>
+                    </a:solidFill>
+                  </a:tcPr>
+                </a:tc>
+                <a:tc>
+                  <a:txBody>
+                    <a:bodyPr/>
+                    <a:lstStyle/>
+                    <a:p>
+                      <a:pPr marL="0" marR="0" lvl="0" indent="0" algn="ctr" defTabSz="914400" rtl="0" eaLnBrk="1" fontAlgn="auto" latinLnBrk="0" hangingPunct="1">
+                        <a:lnSpc>
+                          <a:spcPct val="100000"/>
+                        </a:lnSpc>
+                        <a:spcBef>
+                          <a:spcPts val="0"/>
+                        </a:spcBef>
+                        <a:spcAft>
+                          <a:spcPts val="0"/>
+                        </a:spcAft>
+                        <a:buClrTx/>
+                        <a:buSzTx/>
+                        <a:buFontTx/>
+                        <a:buNone/>
+                        <a:tabLst/>
+                        <a:defRPr/>
+                      </a:pPr>
+                      <a:r>
+                        <a:rPr lang="en-US" sz="1400" b="0" i="0" dirty="0" smtClean="0">
+                          <a:solidFill>
+                            <a:schemeClr val="tx1"/>
+                          </a:solidFill>
+                          <a:effectLst/>
+                          <a:latin typeface="Times New Roman" panose="02020603050405020304" pitchFamily="18" charset="0"/>
+                          <a:cs typeface="Times New Roman" panose="02020603050405020304" pitchFamily="18" charset="0"/>
+                        </a:rPr>
+                        <a:t>35mm</a:t>
+                      </a:r>
+                      <a:endParaRPr lang="en-US" sz="1400" dirty="0" smtClean="0">
+                        <a:solidFill>
+                          <a:schemeClr val="tx1"/>
+                        </a:solidFill>
+                        <a:effectLst/>
+                        <a:latin typeface="Times New Roman" panose="02020603050405020304" pitchFamily="18" charset="0"/>
+                        <a:cs typeface="Times New Roman" panose="02020603050405020304" pitchFamily="18" charset="0"/>
+                      </a:endParaRPr>
+                    </a:p>
+                  </a:txBody>
+                  <a:tcPr>
+                    <a:lnL w="12700" cap="flat" cmpd="sng" algn="ctr">
+                      <a:solidFill>
+                        <a:schemeClr val="tx1"/>
+                      </a:solidFill>
+                      <a:prstDash val="solid"/>
+                      <a:round/>
+                      <a:headEnd type="none" w="med" len="med"/>
+                      <a:tailEnd type="none" w="med" len="med"/>
+                    </a:lnL>
+                    <a:lnR w="12700" cap="flat" cmpd="sng" algn="ctr">
+                      <a:solidFill>
+                        <a:schemeClr val="tx1"/>
+                      </a:solidFill>
+                      <a:prstDash val="solid"/>
+                      <a:round/>
+                      <a:headEnd type="none" w="med" len="med"/>
+                      <a:tailEnd type="none" w="med" len="med"/>
+                    </a:lnR>
+                    <a:lnT w="12700" cap="flat" cmpd="sng" algn="ctr">
+                      <a:solidFill>
+                        <a:schemeClr val="tx1"/>
+                      </a:solidFill>
+                      <a:prstDash val="solid"/>
+                      <a:round/>
+                      <a:headEnd type="none" w="med" len="med"/>
+                      <a:tailEnd type="none" w="med" len="med"/>
+                    </a:lnT>
+                    <a:lnB w="12700" cap="flat" cmpd="sng" algn="ctr">
+                      <a:solidFill>
+                        <a:schemeClr val="tx1"/>
+                      </a:solidFill>
+                      <a:prstDash val="solid"/>
+                      <a:round/>
+                      <a:headEnd type="none" w="med" len="med"/>
+                      <a:tailEnd type="none" w="med" len="med"/>
+                    </a:lnB>
+                    <a:lnTlToBr w="12700" cmpd="sng">
+                      <a:noFill/>
+                      <a:prstDash val="solid"/>
+                    </a:lnTlToBr>
+                    <a:lnBlToTr w="12700" cmpd="sng">
+                      <a:noFill/>
+                      <a:prstDash val="solid"/>
+                    </a:lnBlToTr>
+                    <a:solidFill>
+                      <a:schemeClr val="bg1"/>
+                    </a:solidFill>
+                  </a:tcPr>
+                </a:tc>
+              </a:tr>
+              <a:tr h="289158">
+                <a:tc>
+                  <a:txBody>
+                    <a:bodyPr/>
+                    <a:lstStyle/>
+                    <a:p>
+                      <a:pPr algn="ctr"/>
+                      <a:r>
+                        <a:rPr lang="en-US" sz="1400" b="0" i="0" dirty="0">
+                          <a:solidFill>
+                            <a:schemeClr val="tx1"/>
+                          </a:solidFill>
+                          <a:effectLst/>
+                          <a:latin typeface="Times New Roman" panose="02020603050405020304" pitchFamily="18" charset="0"/>
+                          <a:cs typeface="Times New Roman" panose="02020603050405020304" pitchFamily="18" charset="0"/>
+                        </a:rPr>
+                        <a:t>Power per </a:t>
+                      </a:r>
+                      <a:r>
+                        <a:rPr lang="en-US" sz="1400" b="0" i="0" dirty="0" smtClean="0">
+                          <a:solidFill>
+                            <a:schemeClr val="tx1"/>
+                          </a:solidFill>
+                          <a:effectLst/>
+                          <a:latin typeface="Times New Roman" panose="02020603050405020304" pitchFamily="18" charset="0"/>
+                          <a:cs typeface="Times New Roman" panose="02020603050405020304" pitchFamily="18" charset="0"/>
+                        </a:rPr>
+                        <a:t>module</a:t>
+                      </a:r>
+                      <a:endParaRPr lang="en-US" sz="1400" dirty="0">
+                        <a:solidFill>
+                          <a:schemeClr val="tx1"/>
+                        </a:solidFill>
+                        <a:effectLst/>
+                        <a:latin typeface="Times New Roman" panose="02020603050405020304" pitchFamily="18" charset="0"/>
+                        <a:cs typeface="Times New Roman" panose="02020603050405020304" pitchFamily="18" charset="0"/>
+                      </a:endParaRPr>
+                    </a:p>
+                  </a:txBody>
+                  <a:tcPr anchor="ctr">
+                    <a:lnL w="12700" cap="flat" cmpd="sng" algn="ctr">
+                      <a:solidFill>
+                        <a:schemeClr val="tx1"/>
+                      </a:solidFill>
+                      <a:prstDash val="solid"/>
+                      <a:round/>
+                      <a:headEnd type="none" w="med" len="med"/>
+                      <a:tailEnd type="none" w="med" len="med"/>
+                    </a:lnL>
+                    <a:lnR w="12700" cap="flat" cmpd="sng" algn="ctr">
+                      <a:solidFill>
+                        <a:schemeClr val="tx1"/>
+                      </a:solidFill>
+                      <a:prstDash val="solid"/>
+                      <a:round/>
+                      <a:headEnd type="none" w="med" len="med"/>
+                      <a:tailEnd type="none" w="med" len="med"/>
+                    </a:lnR>
+                    <a:lnT w="12700" cap="flat" cmpd="sng" algn="ctr">
+                      <a:solidFill>
+                        <a:schemeClr val="tx1"/>
+                      </a:solidFill>
+                      <a:prstDash val="solid"/>
+                      <a:round/>
+                      <a:headEnd type="none" w="med" len="med"/>
+                      <a:tailEnd type="none" w="med" len="med"/>
+                    </a:lnT>
+                    <a:lnB w="12700" cap="flat" cmpd="sng" algn="ctr">
+                      <a:solidFill>
+                        <a:schemeClr val="tx1"/>
+                      </a:solidFill>
+                      <a:prstDash val="solid"/>
+                      <a:round/>
+                      <a:headEnd type="none" w="med" len="med"/>
+                      <a:tailEnd type="none" w="med" len="med"/>
+                    </a:lnB>
+                    <a:lnTlToBr w="12700" cmpd="sng">
+                      <a:noFill/>
+                      <a:prstDash val="solid"/>
+                    </a:lnTlToBr>
+                    <a:lnBlToTr w="12700" cmpd="sng">
+                      <a:noFill/>
+                      <a:prstDash val="solid"/>
+                    </a:lnBlToTr>
+                    <a:solidFill>
+                      <a:schemeClr val="bg1"/>
+                    </a:solidFill>
+                  </a:tcPr>
+                </a:tc>
+                <a:tc>
+                  <a:txBody>
+                    <a:bodyPr/>
+                    <a:lstStyle/>
+                    <a:p>
+                      <a:pPr marL="0" marR="0" lvl="0" indent="0" algn="ctr" defTabSz="914400" rtl="0" eaLnBrk="1" fontAlgn="auto" latinLnBrk="0" hangingPunct="1">
+                        <a:lnSpc>
+                          <a:spcPct val="100000"/>
+                        </a:lnSpc>
+                        <a:spcBef>
+                          <a:spcPts val="0"/>
+                        </a:spcBef>
+                        <a:spcAft>
+                          <a:spcPts val="0"/>
+                        </a:spcAft>
+                        <a:buClrTx/>
+                        <a:buSzTx/>
+                        <a:buFontTx/>
+                        <a:buNone/>
+                        <a:tabLst/>
+                        <a:defRPr/>
+                      </a:pPr>
+                      <a:r>
+                        <a:rPr lang="en-US" sz="1400" b="0" i="0" dirty="0" smtClean="0">
+                          <a:solidFill>
+                            <a:schemeClr val="tx1"/>
+                          </a:solidFill>
+                          <a:effectLst/>
+                          <a:latin typeface="Times New Roman" panose="02020603050405020304" pitchFamily="18" charset="0"/>
+                          <a:cs typeface="Times New Roman" panose="02020603050405020304" pitchFamily="18" charset="0"/>
+                        </a:rPr>
+                        <a:t>2kW </a:t>
+                      </a:r>
+                      <a:endParaRPr lang="en-US" sz="1400" dirty="0" smtClean="0">
+                        <a:solidFill>
+                          <a:schemeClr val="tx1"/>
+                        </a:solidFill>
+                        <a:effectLst/>
+                        <a:latin typeface="Times New Roman" panose="02020603050405020304" pitchFamily="18" charset="0"/>
+                        <a:cs typeface="Times New Roman" panose="02020603050405020304" pitchFamily="18" charset="0"/>
+                      </a:endParaRPr>
+                    </a:p>
+                  </a:txBody>
+                  <a:tcPr anchor="ctr">
+                    <a:lnL w="12700" cap="flat" cmpd="sng" algn="ctr">
+                      <a:solidFill>
+                        <a:schemeClr val="tx1"/>
+                      </a:solidFill>
+                      <a:prstDash val="solid"/>
+                      <a:round/>
+                      <a:headEnd type="none" w="med" len="med"/>
+                      <a:tailEnd type="none" w="med" len="med"/>
+                    </a:lnL>
+                    <a:lnR w="12700" cap="flat" cmpd="sng" algn="ctr">
+                      <a:solidFill>
+                        <a:schemeClr val="tx1"/>
+                      </a:solidFill>
+                      <a:prstDash val="solid"/>
+                      <a:round/>
+                      <a:headEnd type="none" w="med" len="med"/>
+                      <a:tailEnd type="none" w="med" len="med"/>
+                    </a:lnR>
+                    <a:lnT w="12700" cap="flat" cmpd="sng" algn="ctr">
+                      <a:solidFill>
+                        <a:schemeClr val="tx1"/>
+                      </a:solidFill>
+                      <a:prstDash val="solid"/>
+                      <a:round/>
+                      <a:headEnd type="none" w="med" len="med"/>
+                      <a:tailEnd type="none" w="med" len="med"/>
+                    </a:lnT>
+                    <a:lnB w="12700" cap="flat" cmpd="sng" algn="ctr">
+                      <a:solidFill>
+                        <a:schemeClr val="tx1"/>
+                      </a:solidFill>
+                      <a:prstDash val="solid"/>
+                      <a:round/>
+                      <a:headEnd type="none" w="med" len="med"/>
+                      <a:tailEnd type="none" w="med" len="med"/>
+                    </a:lnB>
+                    <a:lnTlToBr w="12700" cmpd="sng">
+                      <a:noFill/>
+                      <a:prstDash val="solid"/>
+                    </a:lnTlToBr>
+                    <a:lnBlToTr w="12700" cmpd="sng">
+                      <a:noFill/>
+                      <a:prstDash val="solid"/>
+                    </a:lnBlToTr>
+                    <a:solidFill>
+                      <a:schemeClr val="bg1"/>
+                    </a:solidFill>
+                  </a:tcPr>
+                </a:tc>
+                <a:tc>
+                  <a:txBody>
+                    <a:bodyPr/>
+                    <a:lstStyle/>
+                    <a:p>
+                      <a:pPr algn="ctr"/>
+                      <a:r>
+                        <a:rPr lang="en-US" sz="1400" b="0" i="0" dirty="0">
+                          <a:solidFill>
+                            <a:schemeClr val="tx1"/>
+                          </a:solidFill>
+                          <a:effectLst/>
+                          <a:latin typeface="Times New Roman" panose="02020603050405020304" pitchFamily="18" charset="0"/>
+                          <a:cs typeface="Times New Roman" panose="02020603050405020304" pitchFamily="18" charset="0"/>
+                        </a:rPr>
+                        <a:t>Temp. </a:t>
+                      </a:r>
+                      <a:r>
+                        <a:rPr lang="en-US" sz="1400" b="0" i="0" dirty="0" smtClean="0">
+                          <a:solidFill>
+                            <a:schemeClr val="tx1"/>
+                          </a:solidFill>
+                          <a:effectLst/>
+                          <a:latin typeface="Times New Roman" panose="02020603050405020304" pitchFamily="18" charset="0"/>
+                          <a:cs typeface="Times New Roman" panose="02020603050405020304" pitchFamily="18" charset="0"/>
+                        </a:rPr>
+                        <a:t>rise</a:t>
+                      </a:r>
+                      <a:endParaRPr lang="en-US" sz="1400" dirty="0">
+                        <a:solidFill>
+                          <a:schemeClr val="tx1"/>
+                        </a:solidFill>
+                        <a:effectLst/>
+                        <a:latin typeface="Times New Roman" panose="02020603050405020304" pitchFamily="18" charset="0"/>
+                        <a:cs typeface="Times New Roman" panose="02020603050405020304" pitchFamily="18" charset="0"/>
+                      </a:endParaRPr>
+                    </a:p>
+                  </a:txBody>
+                  <a:tcPr anchor="ctr">
+                    <a:lnL w="12700" cap="flat" cmpd="sng" algn="ctr">
+                      <a:solidFill>
+                        <a:schemeClr val="tx1"/>
+                      </a:solidFill>
+                      <a:prstDash val="solid"/>
+                      <a:round/>
+                      <a:headEnd type="none" w="med" len="med"/>
+                      <a:tailEnd type="none" w="med" len="med"/>
+                    </a:lnL>
+                    <a:lnR w="12700" cap="flat" cmpd="sng" algn="ctr">
+                      <a:solidFill>
+                        <a:schemeClr val="tx1"/>
+                      </a:solidFill>
+                      <a:prstDash val="solid"/>
+                      <a:round/>
+                      <a:headEnd type="none" w="med" len="med"/>
+                      <a:tailEnd type="none" w="med" len="med"/>
+                    </a:lnR>
+                    <a:lnT w="12700" cap="flat" cmpd="sng" algn="ctr">
+                      <a:solidFill>
+                        <a:schemeClr val="tx1"/>
+                      </a:solidFill>
+                      <a:prstDash val="solid"/>
+                      <a:round/>
+                      <a:headEnd type="none" w="med" len="med"/>
+                      <a:tailEnd type="none" w="med" len="med"/>
+                    </a:lnT>
+                    <a:lnB w="12700" cap="flat" cmpd="sng" algn="ctr">
+                      <a:solidFill>
+                        <a:schemeClr val="tx1"/>
+                      </a:solidFill>
+                      <a:prstDash val="solid"/>
+                      <a:round/>
+                      <a:headEnd type="none" w="med" len="med"/>
+                      <a:tailEnd type="none" w="med" len="med"/>
+                    </a:lnB>
+                    <a:lnTlToBr w="12700" cmpd="sng">
+                      <a:noFill/>
+                      <a:prstDash val="solid"/>
+                    </a:lnTlToBr>
+                    <a:lnBlToTr w="12700" cmpd="sng">
+                      <a:noFill/>
+                      <a:prstDash val="solid"/>
+                    </a:lnBlToTr>
+                    <a:solidFill>
+                      <a:schemeClr val="bg1"/>
+                    </a:solidFill>
+                  </a:tcPr>
+                </a:tc>
+                <a:tc>
+                  <a:txBody>
+                    <a:bodyPr/>
+                    <a:lstStyle/>
+                    <a:p>
+                      <a:pPr marL="0" marR="0" lvl="0" indent="0" algn="ctr" defTabSz="914400" rtl="0" eaLnBrk="1" fontAlgn="auto" latinLnBrk="0" hangingPunct="1">
+                        <a:lnSpc>
+                          <a:spcPct val="100000"/>
+                        </a:lnSpc>
+                        <a:spcBef>
+                          <a:spcPts val="0"/>
+                        </a:spcBef>
+                        <a:spcAft>
+                          <a:spcPts val="0"/>
+                        </a:spcAft>
+                        <a:buClrTx/>
+                        <a:buSzTx/>
+                        <a:buFontTx/>
+                        <a:buNone/>
+                        <a:tabLst/>
+                        <a:defRPr/>
+                      </a:pPr>
+                      <a:r>
+                        <a:rPr lang="en-US" sz="1400" b="0" i="0" dirty="0" smtClean="0">
+                          <a:solidFill>
+                            <a:schemeClr val="tx1"/>
+                          </a:solidFill>
+                          <a:effectLst/>
+                          <a:latin typeface="Times New Roman" panose="02020603050405020304" pitchFamily="18" charset="0"/>
+                          <a:cs typeface="Times New Roman" panose="02020603050405020304" pitchFamily="18" charset="0"/>
+                        </a:rPr>
+                        <a:t>5 </a:t>
+                      </a:r>
+                      <a:r>
+                        <a:rPr lang="en-US" sz="1400" b="0" i="0" baseline="30000" dirty="0" smtClean="0">
+                          <a:solidFill>
+                            <a:schemeClr val="tx1"/>
+                          </a:solidFill>
+                          <a:effectLst/>
+                          <a:latin typeface="Times New Roman" panose="02020603050405020304" pitchFamily="18" charset="0"/>
+                          <a:cs typeface="Times New Roman" panose="02020603050405020304" pitchFamily="18" charset="0"/>
+                        </a:rPr>
+                        <a:t>0</a:t>
+                      </a:r>
+                      <a:r>
+                        <a:rPr lang="en-US" sz="1400" b="0" i="0" dirty="0" smtClean="0">
+                          <a:solidFill>
+                            <a:schemeClr val="tx1"/>
+                          </a:solidFill>
+                          <a:effectLst/>
+                          <a:latin typeface="Times New Roman" panose="02020603050405020304" pitchFamily="18" charset="0"/>
+                          <a:cs typeface="Times New Roman" panose="02020603050405020304" pitchFamily="18" charset="0"/>
+                        </a:rPr>
+                        <a:t>C</a:t>
+                      </a:r>
+                      <a:endParaRPr lang="en-US" sz="1400" dirty="0" smtClean="0">
+                        <a:solidFill>
+                          <a:schemeClr val="tx1"/>
+                        </a:solidFill>
+                        <a:effectLst/>
+                        <a:latin typeface="Times New Roman" panose="02020603050405020304" pitchFamily="18" charset="0"/>
+                        <a:cs typeface="Times New Roman" panose="02020603050405020304" pitchFamily="18" charset="0"/>
+                      </a:endParaRPr>
+                    </a:p>
+                  </a:txBody>
+                  <a:tcPr>
+                    <a:lnL w="12700" cap="flat" cmpd="sng" algn="ctr">
+                      <a:solidFill>
+                        <a:schemeClr val="tx1"/>
+                      </a:solidFill>
+                      <a:prstDash val="solid"/>
+                      <a:round/>
+                      <a:headEnd type="none" w="med" len="med"/>
+                      <a:tailEnd type="none" w="med" len="med"/>
+                    </a:lnL>
+                    <a:lnR w="12700" cap="flat" cmpd="sng" algn="ctr">
+                      <a:solidFill>
+                        <a:schemeClr val="tx1"/>
+                      </a:solidFill>
+                      <a:prstDash val="solid"/>
+                      <a:round/>
+                      <a:headEnd type="none" w="med" len="med"/>
+                      <a:tailEnd type="none" w="med" len="med"/>
+                    </a:lnR>
+                    <a:lnT w="12700" cap="flat" cmpd="sng" algn="ctr">
+                      <a:solidFill>
+                        <a:schemeClr val="tx1"/>
+                      </a:solidFill>
+                      <a:prstDash val="solid"/>
+                      <a:round/>
+                      <a:headEnd type="none" w="med" len="med"/>
+                      <a:tailEnd type="none" w="med" len="med"/>
+                    </a:lnT>
+                    <a:lnB w="12700" cap="flat" cmpd="sng" algn="ctr">
+                      <a:solidFill>
+                        <a:schemeClr val="tx1"/>
+                      </a:solidFill>
+                      <a:prstDash val="solid"/>
+                      <a:round/>
+                      <a:headEnd type="none" w="med" len="med"/>
+                      <a:tailEnd type="none" w="med" len="med"/>
+                    </a:lnB>
+                    <a:lnTlToBr w="12700" cmpd="sng">
+                      <a:noFill/>
+                      <a:prstDash val="solid"/>
+                    </a:lnTlToBr>
+                    <a:lnBlToTr w="12700" cmpd="sng">
+                      <a:noFill/>
+                      <a:prstDash val="solid"/>
+                    </a:lnBlToTr>
+                    <a:solidFill>
+                      <a:schemeClr val="bg1"/>
+                    </a:solidFill>
+                  </a:tcPr>
+                </a:tc>
+              </a:tr>
+              <a:tr h="280807">
+                <a:tc>
+                  <a:txBody>
+                    <a:bodyPr/>
+                    <a:lstStyle/>
+                    <a:p>
+                      <a:pPr algn="ctr"/>
+                      <a:r>
+                        <a:rPr lang="en-US" sz="1400" b="0" i="0" dirty="0">
+                          <a:solidFill>
+                            <a:schemeClr val="tx1"/>
+                          </a:solidFill>
+                          <a:effectLst/>
+                          <a:latin typeface="Times New Roman" panose="02020603050405020304" pitchFamily="18" charset="0"/>
+                          <a:cs typeface="Times New Roman" panose="02020603050405020304" pitchFamily="18" charset="0"/>
+                        </a:rPr>
+                        <a:t>Ambient temp. </a:t>
+                      </a:r>
+                      <a:endParaRPr lang="en-US" sz="1400" dirty="0">
+                        <a:solidFill>
+                          <a:schemeClr val="tx1"/>
+                        </a:solidFill>
+                        <a:effectLst/>
+                        <a:latin typeface="Times New Roman" panose="02020603050405020304" pitchFamily="18" charset="0"/>
+                        <a:cs typeface="Times New Roman" panose="02020603050405020304" pitchFamily="18" charset="0"/>
+                      </a:endParaRPr>
+                    </a:p>
+                  </a:txBody>
+                  <a:tcPr anchor="ctr">
+                    <a:lnL w="12700" cap="flat" cmpd="sng" algn="ctr">
+                      <a:solidFill>
+                        <a:schemeClr val="tx1"/>
+                      </a:solidFill>
+                      <a:prstDash val="solid"/>
+                      <a:round/>
+                      <a:headEnd type="none" w="med" len="med"/>
+                      <a:tailEnd type="none" w="med" len="med"/>
+                    </a:lnL>
+                    <a:lnR w="12700" cap="flat" cmpd="sng" algn="ctr">
+                      <a:solidFill>
+                        <a:schemeClr val="tx1"/>
+                      </a:solidFill>
+                      <a:prstDash val="solid"/>
+                      <a:round/>
+                      <a:headEnd type="none" w="med" len="med"/>
+                      <a:tailEnd type="none" w="med" len="med"/>
+                    </a:lnR>
+                    <a:lnT w="12700" cap="flat" cmpd="sng" algn="ctr">
+                      <a:solidFill>
+                        <a:schemeClr val="tx1"/>
+                      </a:solidFill>
+                      <a:prstDash val="solid"/>
+                      <a:round/>
+                      <a:headEnd type="none" w="med" len="med"/>
+                      <a:tailEnd type="none" w="med" len="med"/>
+                    </a:lnT>
+                    <a:lnB w="12700" cap="flat" cmpd="sng" algn="ctr">
+                      <a:solidFill>
+                        <a:schemeClr val="tx1"/>
+                      </a:solidFill>
+                      <a:prstDash val="solid"/>
+                      <a:round/>
+                      <a:headEnd type="none" w="med" len="med"/>
+                      <a:tailEnd type="none" w="med" len="med"/>
+                    </a:lnB>
+                    <a:lnTlToBr w="12700" cmpd="sng">
+                      <a:noFill/>
+                      <a:prstDash val="solid"/>
+                    </a:lnTlToBr>
+                    <a:lnBlToTr w="12700" cmpd="sng">
+                      <a:noFill/>
+                      <a:prstDash val="solid"/>
+                    </a:lnBlToTr>
+                    <a:solidFill>
+                      <a:schemeClr val="bg1"/>
+                    </a:solidFill>
+                  </a:tcPr>
+                </a:tc>
+                <a:tc>
+                  <a:txBody>
+                    <a:bodyPr/>
+                    <a:lstStyle/>
+                    <a:p>
+                      <a:pPr marL="0" marR="0" lvl="0" indent="0" algn="ctr" defTabSz="914400" rtl="0" eaLnBrk="1" fontAlgn="auto" latinLnBrk="0" hangingPunct="1">
+                        <a:lnSpc>
+                          <a:spcPct val="100000"/>
+                        </a:lnSpc>
+                        <a:spcBef>
+                          <a:spcPts val="0"/>
+                        </a:spcBef>
+                        <a:spcAft>
+                          <a:spcPts val="0"/>
+                        </a:spcAft>
+                        <a:buClrTx/>
+                        <a:buSzTx/>
+                        <a:buFontTx/>
+                        <a:buNone/>
+                        <a:tabLst/>
+                        <a:defRPr/>
+                      </a:pPr>
+                      <a:r>
+                        <a:rPr lang="en-US" sz="1400" b="0" i="0" dirty="0" smtClean="0">
+                          <a:solidFill>
+                            <a:schemeClr val="tx1"/>
+                          </a:solidFill>
+                          <a:effectLst/>
+                          <a:latin typeface="Times New Roman" panose="02020603050405020304" pitchFamily="18" charset="0"/>
+                          <a:cs typeface="Times New Roman" panose="02020603050405020304" pitchFamily="18" charset="0"/>
+                        </a:rPr>
+                        <a:t>40 </a:t>
+                      </a:r>
+                      <a:r>
+                        <a:rPr lang="en-US" sz="1400" b="0" i="0" baseline="30000" dirty="0" smtClean="0">
+                          <a:solidFill>
+                            <a:schemeClr val="tx1"/>
+                          </a:solidFill>
+                          <a:effectLst/>
+                          <a:latin typeface="Times New Roman" panose="02020603050405020304" pitchFamily="18" charset="0"/>
+                          <a:cs typeface="Times New Roman" panose="02020603050405020304" pitchFamily="18" charset="0"/>
+                        </a:rPr>
+                        <a:t>0</a:t>
+                      </a:r>
+                      <a:r>
+                        <a:rPr lang="en-US" sz="1400" b="0" i="0" dirty="0" smtClean="0">
+                          <a:solidFill>
+                            <a:schemeClr val="tx1"/>
+                          </a:solidFill>
+                          <a:effectLst/>
+                          <a:latin typeface="Times New Roman" panose="02020603050405020304" pitchFamily="18" charset="0"/>
+                          <a:cs typeface="Times New Roman" panose="02020603050405020304" pitchFamily="18" charset="0"/>
+                        </a:rPr>
+                        <a:t>C</a:t>
+                      </a:r>
+                      <a:endParaRPr lang="en-US" sz="1400" dirty="0" smtClean="0">
+                        <a:solidFill>
+                          <a:schemeClr val="tx1"/>
+                        </a:solidFill>
+                        <a:effectLst/>
+                        <a:latin typeface="Times New Roman" panose="02020603050405020304" pitchFamily="18" charset="0"/>
+                        <a:cs typeface="Times New Roman" panose="02020603050405020304" pitchFamily="18" charset="0"/>
+                      </a:endParaRPr>
+                    </a:p>
+                  </a:txBody>
+                  <a:tcPr anchor="ctr">
+                    <a:lnL w="12700" cap="flat" cmpd="sng" algn="ctr">
+                      <a:solidFill>
+                        <a:schemeClr val="tx1"/>
+                      </a:solidFill>
+                      <a:prstDash val="solid"/>
+                      <a:round/>
+                      <a:headEnd type="none" w="med" len="med"/>
+                      <a:tailEnd type="none" w="med" len="med"/>
+                    </a:lnL>
+                    <a:lnR w="12700" cap="flat" cmpd="sng" algn="ctr">
+                      <a:solidFill>
+                        <a:schemeClr val="tx1"/>
+                      </a:solidFill>
+                      <a:prstDash val="solid"/>
+                      <a:round/>
+                      <a:headEnd type="none" w="med" len="med"/>
+                      <a:tailEnd type="none" w="med" len="med"/>
+                    </a:lnR>
+                    <a:lnT w="12700" cap="flat" cmpd="sng" algn="ctr">
+                      <a:solidFill>
+                        <a:schemeClr val="tx1"/>
+                      </a:solidFill>
+                      <a:prstDash val="solid"/>
+                      <a:round/>
+                      <a:headEnd type="none" w="med" len="med"/>
+                      <a:tailEnd type="none" w="med" len="med"/>
+                    </a:lnT>
+                    <a:lnB w="12700" cap="flat" cmpd="sng" algn="ctr">
+                      <a:solidFill>
+                        <a:schemeClr val="tx1"/>
+                      </a:solidFill>
+                      <a:prstDash val="solid"/>
+                      <a:round/>
+                      <a:headEnd type="none" w="med" len="med"/>
+                      <a:tailEnd type="none" w="med" len="med"/>
+                    </a:lnB>
+                    <a:lnTlToBr w="12700" cmpd="sng">
+                      <a:noFill/>
+                      <a:prstDash val="solid"/>
+                    </a:lnTlToBr>
+                    <a:lnBlToTr w="12700" cmpd="sng">
+                      <a:noFill/>
+                      <a:prstDash val="solid"/>
+                    </a:lnBlToTr>
+                    <a:solidFill>
+                      <a:schemeClr val="bg1"/>
+                    </a:solidFill>
+                  </a:tcPr>
+                </a:tc>
+                <a:tc>
+                  <a:txBody>
+                    <a:bodyPr/>
+                    <a:lstStyle/>
+                    <a:p>
+                      <a:pPr algn="ctr"/>
+                      <a:r>
+                        <a:rPr lang="en-US" sz="1400" b="0" i="0" dirty="0" err="1" smtClean="0">
+                          <a:solidFill>
+                            <a:schemeClr val="tx1"/>
+                          </a:solidFill>
+                          <a:effectLst/>
+                          <a:latin typeface="Times New Roman" panose="02020603050405020304" pitchFamily="18" charset="0"/>
+                          <a:cs typeface="Times New Roman" panose="02020603050405020304" pitchFamily="18" charset="0"/>
+                        </a:rPr>
+                        <a:t>V</a:t>
+                      </a:r>
+                      <a:r>
+                        <a:rPr lang="en-US" sz="1400" b="0" i="0" baseline="-25000" dirty="0" err="1" smtClean="0">
+                          <a:solidFill>
+                            <a:schemeClr val="tx1"/>
+                          </a:solidFill>
+                          <a:effectLst/>
+                          <a:latin typeface="Times New Roman" panose="02020603050405020304" pitchFamily="18" charset="0"/>
+                          <a:cs typeface="Times New Roman" panose="02020603050405020304" pitchFamily="18" charset="0"/>
+                        </a:rPr>
+                        <a:t>dc</a:t>
+                      </a:r>
+                      <a:r>
+                        <a:rPr lang="tr-TR" sz="1400" b="0" i="0" baseline="-25000" dirty="0" smtClean="0">
+                          <a:solidFill>
+                            <a:schemeClr val="tx1"/>
+                          </a:solidFill>
+                          <a:effectLst/>
+                          <a:latin typeface="Times New Roman" panose="02020603050405020304" pitchFamily="18" charset="0"/>
+                          <a:cs typeface="Times New Roman" panose="02020603050405020304" pitchFamily="18" charset="0"/>
+                        </a:rPr>
+                        <a:t>,</a:t>
+                      </a:r>
+                      <a:r>
+                        <a:rPr lang="en-US" sz="1400" b="0" i="0" baseline="-25000" dirty="0" smtClean="0">
+                          <a:solidFill>
+                            <a:schemeClr val="tx1"/>
+                          </a:solidFill>
+                          <a:effectLst/>
+                          <a:latin typeface="Times New Roman" panose="02020603050405020304" pitchFamily="18" charset="0"/>
+                          <a:cs typeface="Times New Roman" panose="02020603050405020304" pitchFamily="18" charset="0"/>
+                        </a:rPr>
+                        <a:t>r</a:t>
+                      </a:r>
+                      <a:r>
+                        <a:rPr lang="tr-TR" sz="1400" b="0" i="0" baseline="-25000" dirty="0" smtClean="0">
+                          <a:solidFill>
+                            <a:schemeClr val="tx1"/>
+                          </a:solidFill>
+                          <a:effectLst/>
+                          <a:latin typeface="Times New Roman" panose="02020603050405020304" pitchFamily="18" charset="0"/>
+                          <a:cs typeface="Times New Roman" panose="02020603050405020304" pitchFamily="18" charset="0"/>
+                        </a:rPr>
+                        <a:t>,</a:t>
+                      </a:r>
+                      <a:r>
+                        <a:rPr lang="en-US" sz="1400" b="0" i="0" baseline="-25000" dirty="0" smtClean="0">
+                          <a:solidFill>
+                            <a:schemeClr val="tx1"/>
+                          </a:solidFill>
+                          <a:effectLst/>
+                          <a:latin typeface="Times New Roman" panose="02020603050405020304" pitchFamily="18" charset="0"/>
+                          <a:cs typeface="Times New Roman" panose="02020603050405020304" pitchFamily="18" charset="0"/>
+                        </a:rPr>
+                        <a:t>pp</a:t>
+                      </a:r>
+                      <a:endParaRPr lang="en-US" sz="1400" i="0" baseline="-25000" dirty="0">
+                        <a:solidFill>
+                          <a:schemeClr val="tx1"/>
+                        </a:solidFill>
+                        <a:effectLst/>
+                        <a:latin typeface="Times New Roman" panose="02020603050405020304" pitchFamily="18" charset="0"/>
+                        <a:cs typeface="Times New Roman" panose="02020603050405020304" pitchFamily="18" charset="0"/>
+                      </a:endParaRPr>
+                    </a:p>
+                  </a:txBody>
+                  <a:tcPr anchor="ctr">
+                    <a:lnL w="12700" cap="flat" cmpd="sng" algn="ctr">
+                      <a:solidFill>
+                        <a:schemeClr val="tx1"/>
+                      </a:solidFill>
+                      <a:prstDash val="solid"/>
+                      <a:round/>
+                      <a:headEnd type="none" w="med" len="med"/>
+                      <a:tailEnd type="none" w="med" len="med"/>
+                    </a:lnL>
+                    <a:lnR w="12700" cap="flat" cmpd="sng" algn="ctr">
+                      <a:solidFill>
+                        <a:schemeClr val="tx1"/>
+                      </a:solidFill>
+                      <a:prstDash val="solid"/>
+                      <a:round/>
+                      <a:headEnd type="none" w="med" len="med"/>
+                      <a:tailEnd type="none" w="med" len="med"/>
+                    </a:lnR>
+                    <a:lnT w="12700" cap="flat" cmpd="sng" algn="ctr">
+                      <a:solidFill>
+                        <a:schemeClr val="tx1"/>
+                      </a:solidFill>
+                      <a:prstDash val="solid"/>
+                      <a:round/>
+                      <a:headEnd type="none" w="med" len="med"/>
+                      <a:tailEnd type="none" w="med" len="med"/>
+                    </a:lnT>
+                    <a:lnB w="12700" cap="flat" cmpd="sng" algn="ctr">
+                      <a:solidFill>
+                        <a:schemeClr val="tx1"/>
+                      </a:solidFill>
+                      <a:prstDash val="solid"/>
+                      <a:round/>
+                      <a:headEnd type="none" w="med" len="med"/>
+                      <a:tailEnd type="none" w="med" len="med"/>
+                    </a:lnB>
+                    <a:lnTlToBr w="12700" cmpd="sng">
+                      <a:noFill/>
+                      <a:prstDash val="solid"/>
+                    </a:lnTlToBr>
+                    <a:lnBlToTr w="12700" cmpd="sng">
+                      <a:noFill/>
+                      <a:prstDash val="solid"/>
+                    </a:lnBlToTr>
+                    <a:solidFill>
+                      <a:schemeClr val="bg1"/>
+                    </a:solidFill>
+                  </a:tcPr>
+                </a:tc>
+                <a:tc>
+                  <a:txBody>
+                    <a:bodyPr/>
+                    <a:lstStyle/>
+                    <a:p>
+                      <a:pPr algn="ctr"/>
+                      <a:r>
+                        <a:rPr lang="en-US" sz="1400" b="0" i="0" dirty="0" smtClean="0">
+                          <a:solidFill>
+                            <a:schemeClr val="tx1"/>
+                          </a:solidFill>
+                          <a:effectLst/>
+                          <a:latin typeface="Times New Roman" panose="02020603050405020304" pitchFamily="18" charset="0"/>
+                          <a:cs typeface="Times New Roman" panose="02020603050405020304" pitchFamily="18" charset="0"/>
+                        </a:rPr>
+                        <a:t>1%</a:t>
+                      </a:r>
+                      <a:endParaRPr lang="en-US" sz="1400" dirty="0">
+                        <a:solidFill>
+                          <a:schemeClr val="tx1"/>
+                        </a:solidFill>
+                        <a:latin typeface="Times New Roman" panose="02020603050405020304" pitchFamily="18" charset="0"/>
+                        <a:cs typeface="Times New Roman" panose="02020603050405020304" pitchFamily="18" charset="0"/>
+                      </a:endParaRPr>
+                    </a:p>
+                  </a:txBody>
+                  <a:tcPr>
+                    <a:lnL w="12700" cap="flat" cmpd="sng" algn="ctr">
+                      <a:solidFill>
+                        <a:schemeClr val="tx1"/>
+                      </a:solidFill>
+                      <a:prstDash val="solid"/>
+                      <a:round/>
+                      <a:headEnd type="none" w="med" len="med"/>
+                      <a:tailEnd type="none" w="med" len="med"/>
+                    </a:lnL>
+                    <a:lnR w="12700" cap="flat" cmpd="sng" algn="ctr">
+                      <a:solidFill>
+                        <a:schemeClr val="tx1"/>
+                      </a:solidFill>
+                      <a:prstDash val="solid"/>
+                      <a:round/>
+                      <a:headEnd type="none" w="med" len="med"/>
+                      <a:tailEnd type="none" w="med" len="med"/>
+                    </a:lnR>
+                    <a:lnT w="12700" cap="flat" cmpd="sng" algn="ctr">
+                      <a:solidFill>
+                        <a:schemeClr val="tx1"/>
+                      </a:solidFill>
+                      <a:prstDash val="solid"/>
+                      <a:round/>
+                      <a:headEnd type="none" w="med" len="med"/>
+                      <a:tailEnd type="none" w="med" len="med"/>
+                    </a:lnT>
+                    <a:lnB w="12700" cap="flat" cmpd="sng" algn="ctr">
+                      <a:solidFill>
+                        <a:schemeClr val="tx1"/>
+                      </a:solidFill>
+                      <a:prstDash val="solid"/>
+                      <a:round/>
+                      <a:headEnd type="none" w="med" len="med"/>
+                      <a:tailEnd type="none" w="med" len="med"/>
+                    </a:lnB>
+                    <a:lnTlToBr w="12700" cmpd="sng">
+                      <a:noFill/>
+                      <a:prstDash val="solid"/>
+                    </a:lnTlToBr>
+                    <a:lnBlToTr w="12700" cmpd="sng">
+                      <a:noFill/>
+                      <a:prstDash val="solid"/>
+                    </a:lnBlToTr>
+                    <a:solidFill>
+                      <a:schemeClr val="bg1"/>
+                    </a:solidFill>
+                  </a:tcPr>
+                </a:tc>
+              </a:tr>
+            </a:tbl>
+          </a:graphicData>
+        </a:graphic>
+      </p:graphicFrame>
+      <p:sp>
+        <p:nvSpPr>
+          <p:cNvPr id="7" name="Oval 6"/>
+          <p:cNvSpPr/>
+          <p:nvPr/>
+        </p:nvSpPr>
+        <p:spPr>
+          <a:xfrm>
+            <a:off x="4114800" y="3810000"/>
+            <a:ext cx="228600" cy="252710"/>
+          </a:xfrm>
+          <a:prstGeom prst="ellipse">
+            <a:avLst/>
+          </a:prstGeom>
+          <a:noFill/>
+          <a:ln>
+            <a:solidFill>
+              <a:schemeClr val="tx1"/>
+            </a:solidFill>
+          </a:ln>
+        </p:spPr>
+        <p:style>
+          <a:lnRef idx="2">
+            <a:schemeClr val="accent1">
+              <a:shade val="50000"/>
+            </a:schemeClr>
+          </a:lnRef>
+          <a:fillRef idx="1">
+            <a:schemeClr val="accent1"/>
+          </a:fillRef>
+          <a:effectRef idx="0">
+            <a:schemeClr val="accent1"/>
+          </a:effectRef>
+          <a:fontRef idx="minor">
+            <a:schemeClr val="lt1"/>
+          </a:fontRef>
+        </p:style>
+        <p:txBody>
+          <a:bodyPr rtlCol="0" anchor="ctr"/>
+          <a:lstStyle/>
+          <a:p>
+            <a:pPr algn="ctr"/>
+            <a:endParaRPr lang="en-US"/>
+          </a:p>
+        </p:txBody>
+      </p:sp>
+      <p:cxnSp>
+        <p:nvCxnSpPr>
+          <p:cNvPr id="12" name="Straight Arrow Connector 11"/>
+          <p:cNvCxnSpPr/>
+          <p:nvPr/>
+        </p:nvCxnSpPr>
+        <p:spPr>
+          <a:xfrm flipV="1">
+            <a:off x="4038600" y="4062710"/>
+            <a:ext cx="152400" cy="356890"/>
+          </a:xfrm>
+          <a:prstGeom prst="straightConnector1">
+            <a:avLst/>
+          </a:prstGeom>
+          <a:ln w="19050">
+            <a:solidFill>
+              <a:schemeClr val="tx1"/>
+            </a:solidFill>
+            <a:tailEnd type="triangle"/>
+          </a:ln>
+        </p:spPr>
+        <p:style>
+          <a:lnRef idx="1">
+            <a:schemeClr val="accent1"/>
+          </a:lnRef>
+          <a:fillRef idx="0">
+            <a:schemeClr val="accent1"/>
+          </a:fillRef>
+          <a:effectRef idx="0">
+            <a:schemeClr val="accent1"/>
+          </a:effectRef>
+          <a:fontRef idx="minor">
+            <a:schemeClr val="tx1"/>
+          </a:fontRef>
+        </p:style>
+      </p:cxnSp>
+      <p:sp>
+        <p:nvSpPr>
+          <p:cNvPr id="24" name="Text Box 9"/>
+          <p:cNvSpPr txBox="1">
+            <a:spLocks noChangeArrowheads="1"/>
+          </p:cNvSpPr>
+          <p:nvPr/>
+        </p:nvSpPr>
+        <p:spPr bwMode="auto">
+          <a:xfrm>
+            <a:off x="3454329" y="4419600"/>
+            <a:ext cx="1168542" cy="584775"/>
+          </a:xfrm>
+          <a:prstGeom prst="rect">
+            <a:avLst/>
+          </a:prstGeom>
+          <a:noFill/>
+          <a:ln w="9525">
+            <a:noFill/>
+            <a:miter lim="800000"/>
+            <a:headEnd/>
+            <a:tailEnd/>
+          </a:ln>
+          <a:effectLst/>
+        </p:spPr>
+        <p:txBody>
+          <a:bodyPr wrap="square">
+            <a:spAutoFit/>
+          </a:bodyPr>
+          <a:lstStyle/>
+          <a:p>
+            <a:pPr algn="ctr"/>
+            <a:r>
+              <a:rPr lang="tr-TR" sz="1600" dirty="0" err="1" smtClean="0">
+                <a:latin typeface="Times New Roman" panose="02020603050405020304" pitchFamily="18" charset="0"/>
+                <a:cs typeface="Times New Roman" panose="02020603050405020304" pitchFamily="18" charset="0"/>
+              </a:rPr>
+              <a:t>Max</a:t>
+            </a:r>
+            <a:r>
+              <a:rPr lang="tr-TR" sz="1600" dirty="0" smtClean="0">
+                <a:latin typeface="Times New Roman" panose="02020603050405020304" pitchFamily="18" charset="0"/>
+                <a:cs typeface="Times New Roman" panose="02020603050405020304" pitchFamily="18" charset="0"/>
+              </a:rPr>
+              <a:t>. RMS </a:t>
+            </a:r>
+            <a:r>
+              <a:rPr lang="tr-TR" sz="1600" dirty="0" err="1" smtClean="0">
+                <a:latin typeface="Times New Roman" panose="02020603050405020304" pitchFamily="18" charset="0"/>
+                <a:cs typeface="Times New Roman" panose="02020603050405020304" pitchFamily="18" charset="0"/>
+              </a:rPr>
+              <a:t>current</a:t>
+            </a:r>
+            <a:endParaRPr lang="en-US" sz="1600" baseline="-25000" dirty="0" smtClean="0">
+              <a:latin typeface="Times New Roman" panose="02020603050405020304" pitchFamily="18" charset="0"/>
+              <a:cs typeface="Times New Roman" panose="02020603050405020304" pitchFamily="18" charset="0"/>
+            </a:endParaRPr>
+          </a:p>
+        </p:txBody>
+      </p:sp>
+      <p:cxnSp>
+        <p:nvCxnSpPr>
+          <p:cNvPr id="25" name="Straight Connector 24"/>
+          <p:cNvCxnSpPr/>
+          <p:nvPr/>
+        </p:nvCxnSpPr>
+        <p:spPr>
+          <a:xfrm>
+            <a:off x="6400800" y="4648200"/>
+            <a:ext cx="0" cy="1828800"/>
+          </a:xfrm>
+          <a:prstGeom prst="line">
+            <a:avLst/>
+          </a:prstGeom>
+          <a:ln w="28575">
+            <a:solidFill>
+              <a:srgbClr val="F20000"/>
+            </a:solidFill>
+            <a:prstDash val="dashDot"/>
+          </a:ln>
+        </p:spPr>
+        <p:style>
+          <a:lnRef idx="1">
+            <a:schemeClr val="accent1"/>
+          </a:lnRef>
+          <a:fillRef idx="0">
+            <a:schemeClr val="accent1"/>
+          </a:fillRef>
+          <a:effectRef idx="0">
+            <a:schemeClr val="accent1"/>
+          </a:effectRef>
+          <a:fontRef idx="minor">
+            <a:schemeClr val="tx1"/>
+          </a:fontRef>
+        </p:style>
+      </p:cxnSp>
+      <p:cxnSp>
+        <p:nvCxnSpPr>
+          <p:cNvPr id="27" name="Straight Arrow Connector 26"/>
+          <p:cNvCxnSpPr/>
+          <p:nvPr/>
+        </p:nvCxnSpPr>
+        <p:spPr>
+          <a:xfrm>
+            <a:off x="6400800" y="5943600"/>
+            <a:ext cx="304800" cy="0"/>
+          </a:xfrm>
+          <a:prstGeom prst="straightConnector1">
+            <a:avLst/>
+          </a:prstGeom>
+          <a:ln w="38100">
+            <a:solidFill>
+              <a:srgbClr val="F20000"/>
+            </a:solidFill>
+            <a:tailEnd type="triangle"/>
+          </a:ln>
+        </p:spPr>
+        <p:style>
+          <a:lnRef idx="1">
+            <a:schemeClr val="accent1"/>
+          </a:lnRef>
+          <a:fillRef idx="0">
+            <a:schemeClr val="accent1"/>
+          </a:fillRef>
+          <a:effectRef idx="0">
+            <a:schemeClr val="accent1"/>
+          </a:effectRef>
+          <a:fontRef idx="minor">
+            <a:schemeClr val="tx1"/>
+          </a:fontRef>
+        </p:style>
+      </p:cxnSp>
+      <p:sp>
+        <p:nvSpPr>
+          <p:cNvPr id="30" name="Text Box 9"/>
+          <p:cNvSpPr txBox="1">
+            <a:spLocks noChangeArrowheads="1"/>
+          </p:cNvSpPr>
+          <p:nvPr/>
+        </p:nvSpPr>
+        <p:spPr bwMode="auto">
+          <a:xfrm>
+            <a:off x="6686550" y="5614036"/>
+            <a:ext cx="2226657" cy="584775"/>
+          </a:xfrm>
+          <a:prstGeom prst="rect">
+            <a:avLst/>
+          </a:prstGeom>
+          <a:noFill/>
+          <a:ln w="9525">
+            <a:noFill/>
+            <a:miter lim="800000"/>
+            <a:headEnd/>
+            <a:tailEnd/>
+          </a:ln>
+          <a:effectLst/>
+        </p:spPr>
+        <p:txBody>
+          <a:bodyPr wrap="square">
+            <a:spAutoFit/>
+          </a:bodyPr>
+          <a:lstStyle/>
+          <a:p>
+            <a:r>
+              <a:rPr lang="tr-TR" sz="1600" dirty="0" err="1" smtClean="0">
+                <a:latin typeface="Times New Roman" panose="02020603050405020304" pitchFamily="18" charset="0"/>
+                <a:cs typeface="Times New Roman" panose="02020603050405020304" pitchFamily="18" charset="0"/>
+              </a:rPr>
+              <a:t>Only</a:t>
+            </a:r>
+            <a:r>
+              <a:rPr lang="tr-TR" sz="1600" dirty="0" smtClean="0">
+                <a:latin typeface="Times New Roman" panose="02020603050405020304" pitchFamily="18" charset="0"/>
+                <a:cs typeface="Times New Roman" panose="02020603050405020304" pitchFamily="18" charset="0"/>
+              </a:rPr>
+              <a:t> 30% </a:t>
+            </a:r>
+            <a:r>
+              <a:rPr lang="tr-TR" sz="1600" dirty="0" err="1" smtClean="0">
+                <a:latin typeface="Times New Roman" panose="02020603050405020304" pitchFamily="18" charset="0"/>
+                <a:cs typeface="Times New Roman" panose="02020603050405020304" pitchFamily="18" charset="0"/>
+              </a:rPr>
+              <a:t>reduction</a:t>
+            </a:r>
+            <a:r>
+              <a:rPr lang="tr-TR" sz="1600" dirty="0">
+                <a:latin typeface="Times New Roman" panose="02020603050405020304" pitchFamily="18" charset="0"/>
+                <a:cs typeface="Times New Roman" panose="02020603050405020304" pitchFamily="18" charset="0"/>
+              </a:rPr>
+              <a:t/>
+            </a:r>
+            <a:br>
+              <a:rPr lang="tr-TR" sz="1600" dirty="0">
+                <a:latin typeface="Times New Roman" panose="02020603050405020304" pitchFamily="18" charset="0"/>
+                <a:cs typeface="Times New Roman" panose="02020603050405020304" pitchFamily="18" charset="0"/>
+              </a:rPr>
+            </a:br>
+            <a:r>
+              <a:rPr lang="tr-TR" sz="1600" dirty="0" err="1" smtClean="0">
+                <a:latin typeface="Times New Roman" panose="02020603050405020304" pitchFamily="18" charset="0"/>
+                <a:cs typeface="Times New Roman" panose="02020603050405020304" pitchFamily="18" charset="0"/>
+              </a:rPr>
+              <a:t>from</a:t>
+            </a:r>
+            <a:r>
+              <a:rPr lang="tr-TR" sz="1600" dirty="0" smtClean="0">
+                <a:latin typeface="Times New Roman" panose="02020603050405020304" pitchFamily="18" charset="0"/>
+                <a:cs typeface="Times New Roman" panose="02020603050405020304" pitchFamily="18" charset="0"/>
+              </a:rPr>
+              <a:t> 100kHz </a:t>
+            </a:r>
+            <a:r>
+              <a:rPr lang="tr-TR" sz="1600" dirty="0" err="1" smtClean="0">
+                <a:latin typeface="Times New Roman" panose="02020603050405020304" pitchFamily="18" charset="0"/>
+                <a:cs typeface="Times New Roman" panose="02020603050405020304" pitchFamily="18" charset="0"/>
+              </a:rPr>
+              <a:t>to</a:t>
+            </a:r>
+            <a:r>
+              <a:rPr lang="tr-TR" sz="1600" dirty="0" smtClean="0">
+                <a:latin typeface="Times New Roman" panose="02020603050405020304" pitchFamily="18" charset="0"/>
+                <a:cs typeface="Times New Roman" panose="02020603050405020304" pitchFamily="18" charset="0"/>
+              </a:rPr>
+              <a:t> 200kHz</a:t>
+            </a:r>
+            <a:endParaRPr lang="en-US" sz="1600" baseline="-25000" dirty="0" smtClean="0">
+              <a:latin typeface="Times New Roman" panose="02020603050405020304" pitchFamily="18" charset="0"/>
+              <a:cs typeface="Times New Roman" panose="02020603050405020304" pitchFamily="18" charset="0"/>
+            </a:endParaRPr>
+          </a:p>
+        </p:txBody>
+      </p:sp>
     </p:spTree>
     <p:extLst>
       <p:ext uri="{BB962C8B-B14F-4D97-AF65-F5344CB8AC3E}">
@@ -5788,7 +9774,7 @@
                             </p:stCondLst>
                             <p:childTnLst>
                               <p:par>
-                                <p:cTn id="5" presetID="10" presetClass="entr" presetSubtype="0" fill="hold" grpId="0" nodeType="clickEffect">
+                                <p:cTn id="5" presetID="1" presetClass="entr" presetSubtype="0" fill="hold" nodeType="clickEffect">
                                   <p:stCondLst>
                                     <p:cond delay="0"/>
                                   </p:stCondLst>
@@ -5801,7 +9787,52 @@
                                           </p:stCondLst>
                                         </p:cTn>
                                         <p:tgtEl>
-                                          <p:spTgt spid="16"/>
+                                          <p:spTgt spid="6"/>
+                                        </p:tgtEl>
+                                        <p:attrNameLst>
+                                          <p:attrName>style.visibility</p:attrName>
+                                        </p:attrNameLst>
+                                      </p:cBhvr>
+                                      <p:to>
+                                        <p:strVal val="visible"/>
+                                      </p:to>
+                                    </p:set>
+                                  </p:childTnLst>
+                                </p:cTn>
+                              </p:par>
+                            </p:childTnLst>
+                          </p:cTn>
+                        </p:par>
+                      </p:childTnLst>
+                    </p:cTn>
+                  </p:par>
+                  <p:par>
+                    <p:cTn id="7" fill="hold">
+                      <p:stCondLst>
+                        <p:cond delay="indefinite"/>
+                      </p:stCondLst>
+                      <p:childTnLst>
+                        <p:par>
+                          <p:cTn id="8" fill="hold">
+                            <p:stCondLst>
+                              <p:cond delay="0"/>
+                            </p:stCondLst>
+                            <p:childTnLst>
+                              <p:par>
+                                <p:cTn id="9" presetID="10" presetClass="entr" presetSubtype="0" fill="hold" grpId="0" nodeType="clickEffect">
+                                  <p:stCondLst>
+                                    <p:cond delay="0"/>
+                                  </p:stCondLst>
+                                  <p:childTnLst>
+                                    <p:set>
+                                      <p:cBhvr>
+                                        <p:cTn id="10" dur="1" fill="hold">
+                                          <p:stCondLst>
+                                            <p:cond delay="0"/>
+                                          </p:stCondLst>
+                                        </p:cTn>
+                                        <p:tgtEl>
+                                          <p:spTgt spid="20"/>
                                         </p:tgtEl>
                                         <p:attrNameLst>
                                           <p:attrName>style.visibility</p:attrName>
@@ -5813,9 +9844,9 @@
                                     </p:set>
                                     <p:animEffect transition="in" filter="fade">
                                       <p:cBhvr>
-                                        <p:cTn id="7" dur="500"/>
+                                        <p:cTn id="11" dur="500"/>
                                         <p:tgtEl>
-                                          <p:spTgt spid="16"/>
+                                          <p:spTgt spid="20"/>
                                         </p:tgtEl>
                                       </p:cBhvr>
                                     </p:animEffect>
@@ -5823,20 +9854,20 @@
                                 </p:cTn>
                               </p:par>
                               <p:par>
-                                <p:cTn id="8" presetID="10" presetClass="entr" presetSubtype="0" fill="hold" nodeType="withEffect">
+                                <p:cTn id="12" presetID="10" presetClass="entr" presetSubtype="0" fill="hold" nodeType="withEffect">
                                   <p:stCondLst>
                                     <p:cond delay="0"/>
                                   </p:stCondLst>
                                   <p:childTnLst>
                                     <p:set>
                                       <p:cBhvr>
-                                        <p:cTn id="9" dur="1" fill="hold">
+                                        <p:cTn id="13" dur="1" fill="hold">
                                           <p:stCondLst>
                                             <p:cond delay="0"/>
                                           </p:stCondLst>
                                         </p:cTn>
                                         <p:tgtEl>
-                                          <p:spTgt spid="4"/>
+                                          <p:spTgt spid="22"/>
                                         </p:tgtEl>
                                         <p:attrNameLst>
                                           <p:attrName>style.visibility</p:attrName>
@@ -5848,9 +9879,9 @@
                                     </p:set>
                                     <p:animEffect transition="in" filter="fade">
                                       <p:cBhvr>
-                                        <p:cTn id="10" dur="500"/>
+                                        <p:cTn id="14" dur="500"/>
                                         <p:tgtEl>
-                                          <p:spTgt spid="4"/>
+                                          <p:spTgt spid="22"/>
                                         </p:tgtEl>
                                       </p:cBhvr>
                                     </p:animEffect>
@@ -5864,32 +9895,32 @@
                     </p:cTn>
                   </p:par>
                   <p:par>
-                    <p:cTn id="11" fill="hold">
+                    <p:cTn id="15" fill="hold">
                       <p:stCondLst>
                         <p:cond delay="indefinite"/>
                       </p:stCondLst>
                       <p:childTnLst>
                         <p:par>
-                          <p:cTn id="12" fill="hold">
+                          <p:cTn id="16" fill="hold">
                             <p:stCondLst>
                               <p:cond delay="0"/>
                             </p:stCondLst>
                             <p:childTnLst>
                               <p:par>
-                                <p:cTn id="13" presetID="10" presetClass="entr" presetSubtype="0" fill="hold" grpId="0" nodeType="clickEffect">
+                                <p:cTn id="17" presetID="10" presetClass="entr" presetSubtype="0" fill="hold" grpId="0" nodeType="clickEffect">
                                   <p:stCondLst>
                                     <p:cond delay="0"/>
                                   </p:stCondLst>
                                   <p:childTnLst>
                                     <p:set>
                                       <p:cBhvr>
-                                        <p:cTn id="14" dur="1" fill="hold">
+                                        <p:cTn id="18" dur="1" fill="hold">
                                           <p:stCondLst>
                                             <p:cond delay="0"/>
                                           </p:stCondLst>
                                         </p:cTn>
                                         <p:tgtEl>
-                                          <p:spTgt spid="17"/>
+                                          <p:spTgt spid="7"/>
                                         </p:tgtEl>
                                         <p:attrNameLst>
                                           <p:attrName>style.visibility</p:attrName>
@@ -5901,9 +9932,9 @@
                                     </p:set>
                                     <p:animEffect transition="in" filter="fade">
                                       <p:cBhvr>
-                                        <p:cTn id="15" dur="500"/>
+                                        <p:cTn id="19" dur="500"/>
                                         <p:tgtEl>
-                                          <p:spTgt spid="17"/>
+                                          <p:spTgt spid="7"/>
                                         </p:tgtEl>
                                       </p:cBhvr>
                                     </p:animEffect>
@@ -5911,20 +9942,20 @@
                                 </p:cTn>
                               </p:par>
                               <p:par>
-                                <p:cTn id="16" presetID="10" presetClass="entr" presetSubtype="0" fill="hold" nodeType="withEffect">
+                                <p:cTn id="20" presetID="10" presetClass="entr" presetSubtype="0" fill="hold" nodeType="withEffect">
                                   <p:stCondLst>
                                     <p:cond delay="0"/>
                                   </p:stCondLst>
                                   <p:childTnLst>
                                     <p:set>
                                       <p:cBhvr>
-                                        <p:cTn id="17" dur="1" fill="hold">
+                                        <p:cTn id="21" dur="1" fill="hold">
                                           <p:stCondLst>
                                             <p:cond delay="0"/>
                                           </p:stCondLst>
                                         </p:cTn>
                                         <p:tgtEl>
-                                          <p:spTgt spid="5"/>
+                                          <p:spTgt spid="12"/>
                                         </p:tgtEl>
                                         <p:attrNameLst>
                                           <p:attrName>style.visibility</p:attrName>
@@ -5936,9 +9967,44 @@
                                     </p:set>
                                     <p:animEffect transition="in" filter="fade">
                                       <p:cBhvr>
-                                        <p:cTn id="18" dur="500"/>
+                                        <p:cTn id="22" dur="500"/>
                                         <p:tgtEl>
-                                          <p:spTgt spid="5"/>
+                                          <p:spTgt spid="12"/>
+                                        </p:tgtEl>
+                                      </p:cBhvr>
+                                    </p:animEffect>
+                                  </p:childTnLst>
+                                </p:cTn>
+                              </p:par>
+                              <p:par>
+                                <p:cTn id="23" presetID="10" presetClass="entr" presetSubtype="0" fill="hold" grpId="0" nodeType="withEffect">
+                                  <p:stCondLst>
+                                    <p:cond delay="0"/>
+                                  </p:stCondLst>
+                                  <p:childTnLst>
+                                    <p:set>
+                                      <p:cBhvr>
+                                        <p:cTn id="24" dur="1" fill="hold">
+                                          <p:stCondLst>
+                                            <p:cond delay="0"/>
+                                          </p:stCondLst>
+                                        </p:cTn>
+                                        <p:tgtEl>
+                                          <p:spTgt spid="24"/>
+                                        </p:tgtEl>
+                                        <p:attrNameLst>
+                                          <p:attrName>style.visibility</p:attrName>
+                                        </p:attrNameLst>
+                                      </p:cBhvr>
+                                      <p:to>
+                                        <p:strVal val="visible"/>
+                                      </p:to>
+                                    </p:set>
+                                    <p:animEffect transition="in" filter="fade">
+                                      <p:cBhvr>
+                                        <p:cTn id="25" dur="500"/>
+                                        <p:tgtEl>
+                                          <p:spTgt spid="24"/>
                                         </p:tgtEl>
                                       </p:cBhvr>
                                     </p:animEffect>
@@ -5952,36 +10018,32 @@
                     </p:cTn>
                   </p:par>
                   <p:par>
-                    <p:cTn id="19" fill="hold">
+                    <p:cTn id="26" fill="hold">
                       <p:stCondLst>
                         <p:cond delay="indefinite"/>
                       </p:stCondLst>
                       <p:childTnLst>
                         <p:par>
-                          <p:cTn id="20" fill="hold">
+                          <p:cTn id="27" fill="hold">
                             <p:stCondLst>
                               <p:cond delay="0"/>
                             </p:stCondLst>
                             <p:childTnLst>
                               <p:par>
-                                <p:cTn id="21" presetID="10" presetClass="entr" presetSubtype="0" fill="hold" nodeType="clickEffect">
+                                <p:cTn id="28" presetID="10" presetClass="entr" presetSubtype="0" fill="hold" grpId="0" nodeType="clickEffect">
                                   <p:stCondLst>
                                     <p:cond delay="0"/>
                                   </p:stCondLst>
                                   <p:childTnLst>
                                     <p:set>
                                       <p:cBhvr>
-                                        <p:cTn id="22" dur="1" fill="hold">
+                                        <p:cTn id="29" dur="1" fill="hold">
                                           <p:stCondLst>
                                             <p:cond delay="0"/>
                                           </p:stCondLst>
                                         </p:cTn>
                                         <p:tgtEl>
-                                          <p:spTgt spid="18">
-                                            <p:txEl>
-                                              <p:pRg st="0" end="0"/>
-                                            </p:txEl>
-                                          </p:spTgt>
+                                          <p:spTgt spid="21"/>
                                         </p:tgtEl>
                                         <p:attrNameLst>
                                           <p:attrName>style.visibility</p:attrName>
@@ -5993,13 +10055,9 @@
                                     </p:set>
                                     <p:animEffect transition="in" filter="fade">
                                       <p:cBhvr>
-                                        <p:cTn id="23" dur="500"/>
+                                        <p:cTn id="30" dur="500"/>
                                         <p:tgtEl>
-                                          <p:spTgt spid="18">
-                                            <p:txEl>
-                                              <p:pRg st="0" end="0"/>
-                                            </p:txEl>
-                                          </p:spTgt>
+                                          <p:spTgt spid="21"/>
                                         </p:tgtEl>
                                       </p:cBhvr>
                                     </p:animEffect>
@@ -6007,24 +10065,20 @@
                                 </p:cTn>
                               </p:par>
                               <p:par>
-                                <p:cTn id="24" presetID="10" presetClass="entr" presetSubtype="0" fill="hold" nodeType="withEffect">
+                                <p:cTn id="31" presetID="10" presetClass="entr" presetSubtype="0" fill="hold" nodeType="withEffect">
                                   <p:stCondLst>
                                     <p:cond delay="0"/>
                                   </p:stCondLst>
                                   <p:childTnLst>
                                     <p:set>
                                       <p:cBhvr>
-                                        <p:cTn id="25" dur="1" fill="hold">
+                                        <p:cTn id="32" dur="1" fill="hold">
                                           <p:stCondLst>
                                             <p:cond delay="0"/>
                                           </p:stCondLst>
                                         </p:cTn>
                                         <p:tgtEl>
-                                          <p:spTgt spid="18">
-                                            <p:txEl>
-                                              <p:pRg st="1" end="1"/>
-                                            </p:txEl>
-                                          </p:spTgt>
+                                          <p:spTgt spid="23"/>
                                         </p:tgtEl>
                                         <p:attrNameLst>
                                           <p:attrName>style.visibility</p:attrName>
@@ -6036,13 +10090,9 @@
                                     </p:set>
                                     <p:animEffect transition="in" filter="fade">
                                       <p:cBhvr>
-                                        <p:cTn id="26" dur="500"/>
+                                        <p:cTn id="33" dur="500"/>
                                         <p:tgtEl>
-                                          <p:spTgt spid="18">
-                                            <p:txEl>
-                                              <p:pRg st="1" end="1"/>
-                                            </p:txEl>
-                                          </p:spTgt>
+                                          <p:spTgt spid="23"/>
                                         </p:tgtEl>
                                       </p:cBhvr>
                                     </p:animEffect>
@@ -6056,36 +10106,32 @@
                     </p:cTn>
                   </p:par>
                   <p:par>
-                    <p:cTn id="27" fill="hold">
+                    <p:cTn id="34" fill="hold">
                       <p:stCondLst>
                         <p:cond delay="indefinite"/>
                       </p:stCondLst>
                       <p:childTnLst>
                         <p:par>
-                          <p:cTn id="28" fill="hold">
+                          <p:cTn id="35" fill="hold">
                             <p:stCondLst>
                               <p:cond delay="0"/>
                             </p:stCondLst>
                             <p:childTnLst>
                               <p:par>
-                                <p:cTn id="29" presetID="10" presetClass="entr" presetSubtype="0" fill="hold" nodeType="clickEffect">
+                                <p:cTn id="36" presetID="10" presetClass="entr" presetSubtype="0" fill="hold" nodeType="clickEffect">
                                   <p:stCondLst>
                                     <p:cond delay="0"/>
                                   </p:stCondLst>
                                   <p:childTnLst>
                                     <p:set>
                                       <p:cBhvr>
-                                        <p:cTn id="30" dur="1" fill="hold">
+                                        <p:cTn id="37" dur="1" fill="hold">
                                           <p:stCondLst>
                                             <p:cond delay="0"/>
                                           </p:stCondLst>
                                         </p:cTn>
                                         <p:tgtEl>
-                                          <p:spTgt spid="18">
-                                            <p:txEl>
-                                              <p:pRg st="2" end="2"/>
-                                            </p:txEl>
-                                          </p:spTgt>
+                                          <p:spTgt spid="25"/>
                                         </p:tgtEl>
                                         <p:attrNameLst>
                                           <p:attrName>style.visibility</p:attrName>
@@ -6097,13 +10143,9 @@
                                     </p:set>
                                     <p:animEffect transition="in" filter="fade">
                                       <p:cBhvr>
-                                        <p:cTn id="31" dur="500"/>
+                                        <p:cTn id="38" dur="500"/>
                                         <p:tgtEl>
-                                          <p:spTgt spid="18">
-                                            <p:txEl>
-                                              <p:pRg st="2" end="2"/>
-                                            </p:txEl>
-                                          </p:spTgt>
+                                          <p:spTgt spid="25"/>
                                         </p:tgtEl>
                                       </p:cBhvr>
                                     </p:animEffect>
@@ -6111,24 +10153,20 @@
                                 </p:cTn>
                               </p:par>
                               <p:par>
-                                <p:cTn id="32" presetID="10" presetClass="entr" presetSubtype="0" fill="hold" nodeType="withEffect">
+                                <p:cTn id="39" presetID="10" presetClass="entr" presetSubtype="0" fill="hold" nodeType="withEffect">
                                   <p:stCondLst>
                                     <p:cond delay="0"/>
                                   </p:stCondLst>
                                   <p:childTnLst>
                                     <p:set>
                                       <p:cBhvr>
-                                        <p:cTn id="33" dur="1" fill="hold">
+                                        <p:cTn id="40" dur="1" fill="hold">
                                           <p:stCondLst>
                                             <p:cond delay="0"/>
                                           </p:stCondLst>
                                         </p:cTn>
                                         <p:tgtEl>
-                                          <p:spTgt spid="18">
-                                            <p:txEl>
-                                              <p:pRg st="3" end="3"/>
-                                            </p:txEl>
-                                          </p:spTgt>
+                                          <p:spTgt spid="27"/>
                                         </p:tgtEl>
                                         <p:attrNameLst>
                                           <p:attrName>style.visibility</p:attrName>
@@ -6140,13 +10178,9 @@
                                     </p:set>
                                     <p:animEffect transition="in" filter="fade">
                                       <p:cBhvr>
-                                        <p:cTn id="34" dur="500"/>
+                                        <p:cTn id="41" dur="500"/>
                                         <p:tgtEl>
-                                          <p:spTgt spid="18">
-                                            <p:txEl>
-                                              <p:pRg st="3" end="3"/>
-                                            </p:txEl>
-                                          </p:spTgt>
+                                          <p:spTgt spid="27"/>
                                         </p:tgtEl>
                                       </p:cBhvr>
                                     </p:animEffect>
@@ -6154,24 +10188,20 @@
                                 </p:cTn>
                               </p:par>
                               <p:par>
-                                <p:cTn id="35" presetID="10" presetClass="entr" presetSubtype="0" fill="hold" nodeType="withEffect">
+                                <p:cTn id="42" presetID="10" presetClass="entr" presetSubtype="0" fill="hold" grpId="0" nodeType="withEffect">
                                   <p:stCondLst>
                                     <p:cond delay="0"/>
                                   </p:stCondLst>
                                   <p:childTnLst>
                                     <p:set>
                                       <p:cBhvr>
-                                        <p:cTn id="36" dur="1" fill="hold">
+                                        <p:cTn id="43" dur="1" fill="hold">
                                           <p:stCondLst>
                                             <p:cond delay="0"/>
                                           </p:stCondLst>
                                         </p:cTn>
                                         <p:tgtEl>
-                                          <p:spTgt spid="18">
-                                            <p:txEl>
-                                              <p:pRg st="4" end="4"/>
-                                            </p:txEl>
-                                          </p:spTgt>
+                                          <p:spTgt spid="30"/>
                                         </p:tgtEl>
                                         <p:attrNameLst>
                                           <p:attrName>style.visibility</p:attrName>
@@ -6183,117 +10213,9 @@
                                     </p:set>
                                     <p:animEffect transition="in" filter="fade">
                                       <p:cBhvr>
-                                        <p:cTn id="37" dur="500"/>
+                                        <p:cTn id="44" dur="500"/>
                                         <p:tgtEl>
-                                          <p:spTgt spid="18">
-                                            <p:txEl>
-                                              <p:pRg st="4" end="4"/>
-                                            </p:txEl>
-                                          </p:spTgt>
-                                        </p:tgtEl>
-                                      </p:cBhvr>
-                                    </p:animEffect>
-                                  </p:childTnLst>
-                                </p:cTn>
-                              </p:par>
-                            </p:childTnLst>
-                          </p:cTn>
-                        </p:par>
-                      </p:childTnLst>
-                    </p:cTn>
-                  </p:par>
-                  <p:par>
-                    <p:cTn id="38" fill="hold">
-                      <p:stCondLst>
-                        <p:cond delay="indefinite"/>
-                      </p:stCondLst>
-                      <p:childTnLst>
-                        <p:par>
-                          <p:cTn id="39" fill="hold">
-                            <p:stCondLst>
-                              <p:cond delay="0"/>
-                            </p:stCondLst>
-                            <p:childTnLst>
-                              <p:par>
-                                <p:cTn id="40" presetID="10" presetClass="entr" presetSubtype="0" fill="hold" nodeType="clickEffect">
-                                  <p:stCondLst>
-                                    <p:cond delay="0"/>
-                                  </p:stCondLst>
-                                  <p:childTnLst>
-                                    <p:set>
-                                      <p:cBhvr>
-                                        <p:cTn id="41" dur="1" fill="hold">
-                                          <p:stCondLst>
-                                            <p:cond delay="0"/>
-                                          </p:stCondLst>
-                                        </p:cTn>
-                                        <p:tgtEl>
-                                          <p:spTgt spid="18">
-                                            <p:txEl>
-                                              <p:pRg st="5" end="5"/>
-                                            </p:txEl>
-                                          </p:spTgt>
-                                        </p:tgtEl>
-                                        <p:attrNameLst>
-                                          <p:attrName>style.visibility</p:attrName>
-                                        </p:attrNameLst>
-                                      </p:cBhvr>
-                                      <p:to>
-                                        <p:strVal val="visible"/>
-                                      </p:to>
-                                    </p:set>
-                                    <p:animEffect transition="in" filter="fade">
-                                      <p:cBhvr>
-                                        <p:cTn id="42" dur="500"/>
-                                        <p:tgtEl>
-                                          <p:spTgt spid="18">
-                                            <p:txEl>
-                                              <p:pRg st="5" end="5"/>
-                                            </p:txEl>
-                                          </p:spTgt>
-                                        </p:tgtEl>
-                                      </p:cBhvr>
-                                    </p:animEffect>
-                                  </p:childTnLst>
-                                </p:cTn>
-                              </p:par>
-                              <p:par>
-                                <p:cTn id="43" presetID="10" presetClass="entr" presetSubtype="0" fill="hold" nodeType="withEffect">
-                                  <p:stCondLst>
-                                    <p:cond delay="0"/>
-                                  </p:stCondLst>
-                                  <p:childTnLst>
-                                    <p:set>
-                                      <p:cBhvr>
-                                        <p:cTn id="44" dur="1" fill="hold">
-                                          <p:stCondLst>
-                                            <p:cond delay="0"/>
-                                          </p:stCondLst>
-                                        </p:cTn>
-                                        <p:tgtEl>
-                                          <p:spTgt spid="18">
-                                            <p:txEl>
-                                              <p:pRg st="6" end="6"/>
-                                            </p:txEl>
-                                          </p:spTgt>
-                                        </p:tgtEl>
-                                        <p:attrNameLst>
-                                          <p:attrName>style.visibility</p:attrName>
-                                        </p:attrNameLst>
-                                      </p:cBhvr>
-                                      <p:to>
-                                        <p:strVal val="visible"/>
-                                      </p:to>
-                                    </p:set>
-                                    <p:animEffect transition="in" filter="fade">
-                                      <p:cBhvr>
-                                        <p:cTn id="45" dur="500"/>
-                                        <p:tgtEl>
-                                          <p:spTgt spid="18">
-                                            <p:txEl>
-                                              <p:pRg st="6" end="6"/>
-                                            </p:txEl>
-                                          </p:spTgt>
+                                          <p:spTgt spid="30"/>
                                         </p:tgtEl>
                                       </p:cBhvr>
                                     </p:animEffect>
@@ -6328,8 +10250,11 @@
       </p:par>
     </p:tnLst>
     <p:bldLst>
-      <p:bldP spid="16" grpId="0"/>
-      <p:bldP spid="17" grpId="0"/>
+      <p:bldP spid="20" grpId="0"/>
+      <p:bldP spid="21" grpId="0"/>
+      <p:bldP spid="7" grpId="0" animBg="1"/>
+      <p:bldP spid="24" grpId="0"/>
+      <p:bldP spid="30" grpId="0"/>
     </p:bldLst>
   </p:timing>
 </p:sld>
@@ -6538,6 +10463,886 @@
                 <a:latin typeface="Times New Roman" panose="02020603050405020304" pitchFamily="18" charset="0"/>
                 <a:cs typeface="Times New Roman" panose="02020603050405020304" pitchFamily="18" charset="0"/>
               </a:rPr>
+              <a:t>Results</a:t>
+            </a:r>
+            <a:endParaRPr lang="tr-TR" sz="3000" dirty="0">
+              <a:latin typeface="Times New Roman" panose="02020603050405020304" pitchFamily="18" charset="0"/>
+              <a:cs typeface="Times New Roman" panose="02020603050405020304" pitchFamily="18" charset="0"/>
+            </a:endParaRPr>
+          </a:p>
+        </p:txBody>
+      </p:sp>
+      <p:sp>
+        <p:nvSpPr>
+          <p:cNvPr id="18" name="Text Box 9"/>
+          <p:cNvSpPr txBox="1">
+            <a:spLocks noChangeArrowheads="1"/>
+          </p:cNvSpPr>
+          <p:nvPr/>
+        </p:nvSpPr>
+        <p:spPr bwMode="auto">
+          <a:xfrm>
+            <a:off x="1168426" y="4311644"/>
+            <a:ext cx="7954082" cy="2554545"/>
+          </a:xfrm>
+          <a:prstGeom prst="rect">
+            <a:avLst/>
+          </a:prstGeom>
+          <a:noFill/>
+          <a:ln w="9525">
+            <a:noFill/>
+            <a:miter lim="800000"/>
+            <a:headEnd/>
+            <a:tailEnd/>
+          </a:ln>
+          <a:effectLst/>
+        </p:spPr>
+        <p:txBody>
+          <a:bodyPr wrap="square">
+            <a:spAutoFit/>
+          </a:bodyPr>
+          <a:lstStyle/>
+          <a:p>
+            <a:pPr algn="l">
+              <a:spcAft>
+                <a:spcPts val="400"/>
+              </a:spcAft>
+            </a:pPr>
+            <a:r>
+              <a:rPr lang="tr-TR" sz="2000" b="1" dirty="0" smtClean="0">
+                <a:latin typeface="Times New Roman" panose="02020603050405020304" pitchFamily="18" charset="0"/>
+                <a:cs typeface="Times New Roman" panose="02020603050405020304" pitchFamily="18" charset="0"/>
+              </a:rPr>
+              <a:t>Low voltage</a:t>
+            </a:r>
+          </a:p>
+          <a:p>
+            <a:pPr marL="342900" indent="-342900" algn="l">
+              <a:spcAft>
+                <a:spcPts val="400"/>
+              </a:spcAft>
+              <a:buFont typeface="Courier New" panose="02070309020205020404" pitchFamily="49" charset="0"/>
+              <a:buChar char="o"/>
+            </a:pPr>
+            <a:r>
+              <a:rPr lang="tr-TR" sz="2000" dirty="0" smtClean="0">
+                <a:latin typeface="Times New Roman" panose="02020603050405020304" pitchFamily="18" charset="0"/>
+                <a:cs typeface="Times New Roman" panose="02020603050405020304" pitchFamily="18" charset="0"/>
+              </a:rPr>
+              <a:t>Power density and cost is bad, superior thermal performance</a:t>
+            </a:r>
+          </a:p>
+          <a:p>
+            <a:pPr algn="l">
+              <a:spcAft>
+                <a:spcPts val="400"/>
+              </a:spcAft>
+            </a:pPr>
+            <a:r>
+              <a:rPr lang="tr-TR" sz="2000" b="1" dirty="0" smtClean="0">
+                <a:latin typeface="Times New Roman" panose="02020603050405020304" pitchFamily="18" charset="0"/>
+                <a:cs typeface="Times New Roman" panose="02020603050405020304" pitchFamily="18" charset="0"/>
+              </a:rPr>
+              <a:t>High voltage</a:t>
+            </a:r>
+          </a:p>
+          <a:p>
+            <a:pPr marL="342900" indent="-342900" algn="l">
+              <a:spcAft>
+                <a:spcPts val="400"/>
+              </a:spcAft>
+              <a:buFont typeface="Courier New" panose="02070309020205020404" pitchFamily="49" charset="0"/>
+              <a:buChar char="o"/>
+            </a:pPr>
+            <a:r>
+              <a:rPr lang="tr-TR" sz="2000" dirty="0" smtClean="0">
+                <a:latin typeface="Times New Roman" panose="02020603050405020304" pitchFamily="18" charset="0"/>
+                <a:cs typeface="Times New Roman" panose="02020603050405020304" pitchFamily="18" charset="0"/>
+              </a:rPr>
+              <a:t>Low capacitance yields high cost</a:t>
+            </a:r>
+          </a:p>
+          <a:p>
+            <a:pPr marL="342900" indent="-342900" algn="l">
+              <a:spcAft>
+                <a:spcPts val="400"/>
+              </a:spcAft>
+              <a:buFont typeface="Courier New" panose="02070309020205020404" pitchFamily="49" charset="0"/>
+              <a:buChar char="o"/>
+            </a:pPr>
+            <a:r>
+              <a:rPr lang="tr-TR" sz="2000" dirty="0" smtClean="0">
+                <a:latin typeface="Times New Roman" panose="02020603050405020304" pitchFamily="18" charset="0"/>
+                <a:cs typeface="Times New Roman" panose="02020603050405020304" pitchFamily="18" charset="0"/>
+              </a:rPr>
+              <a:t>High capacitance yields bad thermal performance</a:t>
+            </a:r>
+          </a:p>
+          <a:p>
+            <a:pPr algn="l">
+              <a:spcAft>
+                <a:spcPts val="400"/>
+              </a:spcAft>
+            </a:pPr>
+            <a:r>
+              <a:rPr lang="tr-TR" sz="2000" b="1" dirty="0" smtClean="0">
+                <a:latin typeface="Times New Roman" panose="02020603050405020304" pitchFamily="18" charset="0"/>
+                <a:cs typeface="Times New Roman" panose="02020603050405020304" pitchFamily="18" charset="0"/>
+              </a:rPr>
+              <a:t>Result:</a:t>
+            </a:r>
+          </a:p>
+          <a:p>
+            <a:pPr marL="342900" indent="-342900" algn="l">
+              <a:spcAft>
+                <a:spcPts val="400"/>
+              </a:spcAft>
+              <a:buFont typeface="Wingdings" panose="05000000000000000000" pitchFamily="2" charset="2"/>
+              <a:buChar char="ü"/>
+            </a:pPr>
+            <a:r>
+              <a:rPr lang="tr-TR" sz="2000" dirty="0" smtClean="0">
+                <a:latin typeface="Times New Roman" panose="02020603050405020304" pitchFamily="18" charset="0"/>
+                <a:cs typeface="Times New Roman" panose="02020603050405020304" pitchFamily="18" charset="0"/>
+              </a:rPr>
+              <a:t>4 25</a:t>
+            </a:r>
+            <a:r>
+              <a:rPr lang="el-GR" sz="2000" dirty="0" smtClean="0">
+                <a:latin typeface="Times New Roman" panose="02020603050405020304" pitchFamily="18" charset="0"/>
+                <a:cs typeface="Times New Roman" panose="02020603050405020304" pitchFamily="18" charset="0"/>
+              </a:rPr>
+              <a:t>μ</a:t>
+            </a:r>
+            <a:r>
+              <a:rPr lang="tr-TR" sz="2000" dirty="0" smtClean="0">
+                <a:latin typeface="Times New Roman" panose="02020603050405020304" pitchFamily="18" charset="0"/>
+                <a:cs typeface="Times New Roman" panose="02020603050405020304" pitchFamily="18" charset="0"/>
+              </a:rPr>
+              <a:t>F, 450V metal film capacitors connected in parallel</a:t>
+            </a:r>
+          </a:p>
+        </p:txBody>
+      </p:sp>
+      <p:pic>
+        <p:nvPicPr>
+          <p:cNvPr id="13" name="Picture 12"/>
+          <p:cNvPicPr>
+            <a:picLocks noChangeAspect="1"/>
+          </p:cNvPicPr>
+          <p:nvPr/>
+        </p:nvPicPr>
+        <p:blipFill>
+          <a:blip r:embed="rId2" cstate="print">
+            <a:extLst>
+              <a:ext uri="{28A0092B-C50C-407E-A947-70E740481C1C}">
+                <a14:useLocalDpi xmlns:a14="http://schemas.microsoft.com/office/drawing/2010/main" val="0"/>
+              </a:ext>
+            </a:extLst>
+          </a:blip>
+          <a:stretch>
+            <a:fillRect/>
+          </a:stretch>
+        </p:blipFill>
+        <p:spPr>
+          <a:xfrm rot="16200000">
+            <a:off x="-876200" y="5067199"/>
+            <a:ext cx="2759076" cy="549476"/>
+          </a:xfrm>
+          <a:prstGeom prst="rect">
+            <a:avLst/>
+          </a:prstGeom>
+        </p:spPr>
+      </p:pic>
+      <p:pic>
+        <p:nvPicPr>
+          <p:cNvPr id="19" name="Picture 2" descr="C:\Users\Mesut\Desktop\aselsan sunum\aselsan sunum 10 ekim\aselsan sunum\cezmi bey\ODTU.png"/>
+          <p:cNvPicPr>
+            <a:picLocks noChangeAspect="1" noChangeArrowheads="1"/>
+          </p:cNvPicPr>
+          <p:nvPr/>
+        </p:nvPicPr>
+        <p:blipFill>
+          <a:blip r:embed="rId3" cstate="print">
+            <a:extLst>
+              <a:ext uri="{28A0092B-C50C-407E-A947-70E740481C1C}">
+                <a14:useLocalDpi xmlns:a14="http://schemas.microsoft.com/office/drawing/2010/main" val="0"/>
+              </a:ext>
+            </a:extLst>
+          </a:blip>
+          <a:srcRect/>
+          <a:stretch>
+            <a:fillRect/>
+          </a:stretch>
+        </p:blipFill>
+        <p:spPr bwMode="auto">
+          <a:xfrm>
+            <a:off x="116458" y="163788"/>
+            <a:ext cx="779026" cy="650016"/>
+          </a:xfrm>
+          <a:prstGeom prst="rect">
+            <a:avLst/>
+          </a:prstGeom>
+          <a:noFill/>
+          <a:extLst>
+            <a:ext uri="{909E8E84-426E-40DD-AFC4-6F175D3DCCD1}">
+              <a14:hiddenFill xmlns:a14="http://schemas.microsoft.com/office/drawing/2010/main">
+                <a:solidFill>
+                  <a:srgbClr val="FFFFFF"/>
+                </a:solidFill>
+              </a14:hiddenFill>
+            </a:ext>
+          </a:extLst>
+        </p:spPr>
+      </p:pic>
+      <p:pic>
+        <p:nvPicPr>
+          <p:cNvPr id="3" name="Picture 2"/>
+          <p:cNvPicPr>
+            <a:picLocks noChangeAspect="1"/>
+          </p:cNvPicPr>
+          <p:nvPr/>
+        </p:nvPicPr>
+        <p:blipFill>
+          <a:blip r:embed="rId4"/>
+          <a:stretch>
+            <a:fillRect/>
+          </a:stretch>
+        </p:blipFill>
+        <p:spPr>
+          <a:xfrm>
+            <a:off x="4572000" y="1242398"/>
+            <a:ext cx="3300274" cy="3145446"/>
+          </a:xfrm>
+          <a:prstGeom prst="rect">
+            <a:avLst/>
+          </a:prstGeom>
+        </p:spPr>
+      </p:pic>
+      <p:pic>
+        <p:nvPicPr>
+          <p:cNvPr id="6" name="Picture 5"/>
+          <p:cNvPicPr>
+            <a:picLocks noChangeAspect="1"/>
+          </p:cNvPicPr>
+          <p:nvPr/>
+        </p:nvPicPr>
+        <p:blipFill rotWithShape="1">
+          <a:blip r:embed="rId5"/>
+          <a:srcRect r="2434"/>
+          <a:stretch/>
+        </p:blipFill>
+        <p:spPr>
+          <a:xfrm>
+            <a:off x="1295400" y="1424599"/>
+            <a:ext cx="3643203" cy="2943249"/>
+          </a:xfrm>
+          <a:prstGeom prst="rect">
+            <a:avLst/>
+          </a:prstGeom>
+        </p:spPr>
+      </p:pic>
+    </p:spTree>
+    <p:extLst>
+      <p:ext uri="{BB962C8B-B14F-4D97-AF65-F5344CB8AC3E}">
+        <p14:creationId xmlns:p14="http://schemas.microsoft.com/office/powerpoint/2010/main" val="1157514585"/>
+      </p:ext>
+    </p:extLst>
+  </p:cSld>
+  <p:clrMapOvr>
+    <a:masterClrMapping/>
+  </p:clrMapOvr>
+  <p:timing>
+    <p:tnLst>
+      <p:par>
+        <p:cTn id="1" dur="indefinite" restart="never" nodeType="tmRoot">
+          <p:childTnLst>
+            <p:seq concurrent="1" nextAc="seek">
+              <p:cTn id="2" dur="indefinite" nodeType="mainSeq">
+                <p:childTnLst>
+                  <p:par>
+                    <p:cTn id="3" fill="hold">
+                      <p:stCondLst>
+                        <p:cond delay="indefinite"/>
+                      </p:stCondLst>
+                      <p:childTnLst>
+                        <p:par>
+                          <p:cTn id="4" fill="hold">
+                            <p:stCondLst>
+                              <p:cond delay="0"/>
+                            </p:stCondLst>
+                            <p:childTnLst>
+                              <p:par>
+                                <p:cTn id="5" presetID="10" presetClass="entr" presetSubtype="0" fill="hold" nodeType="clickEffect">
+                                  <p:stCondLst>
+                                    <p:cond delay="0"/>
+                                  </p:stCondLst>
+                                  <p:childTnLst>
+                                    <p:set>
+                                      <p:cBhvr>
+                                        <p:cTn id="6" dur="1" fill="hold">
+                                          <p:stCondLst>
+                                            <p:cond delay="0"/>
+                                          </p:stCondLst>
+                                        </p:cTn>
+                                        <p:tgtEl>
+                                          <p:spTgt spid="18">
+                                            <p:txEl>
+                                              <p:pRg st="0" end="0"/>
+                                            </p:txEl>
+                                          </p:spTgt>
+                                        </p:tgtEl>
+                                        <p:attrNameLst>
+                                          <p:attrName>style.visibility</p:attrName>
+                                        </p:attrNameLst>
+                                      </p:cBhvr>
+                                      <p:to>
+                                        <p:strVal val="visible"/>
+                                      </p:to>
+                                    </p:set>
+                                    <p:animEffect transition="in" filter="fade">
+                                      <p:cBhvr>
+                                        <p:cTn id="7" dur="500"/>
+                                        <p:tgtEl>
+                                          <p:spTgt spid="18">
+                                            <p:txEl>
+                                              <p:pRg st="0" end="0"/>
+                                            </p:txEl>
+                                          </p:spTgt>
+                                        </p:tgtEl>
+                                      </p:cBhvr>
+                                    </p:animEffect>
+                                  </p:childTnLst>
+                                </p:cTn>
+                              </p:par>
+                              <p:par>
+                                <p:cTn id="8" presetID="10" presetClass="entr" presetSubtype="0" fill="hold" nodeType="withEffect">
+                                  <p:stCondLst>
+                                    <p:cond delay="0"/>
+                                  </p:stCondLst>
+                                  <p:childTnLst>
+                                    <p:set>
+                                      <p:cBhvr>
+                                        <p:cTn id="9" dur="1" fill="hold">
+                                          <p:stCondLst>
+                                            <p:cond delay="0"/>
+                                          </p:stCondLst>
+                                        </p:cTn>
+                                        <p:tgtEl>
+                                          <p:spTgt spid="18">
+                                            <p:txEl>
+                                              <p:pRg st="1" end="1"/>
+                                            </p:txEl>
+                                          </p:spTgt>
+                                        </p:tgtEl>
+                                        <p:attrNameLst>
+                                          <p:attrName>style.visibility</p:attrName>
+                                        </p:attrNameLst>
+                                      </p:cBhvr>
+                                      <p:to>
+                                        <p:strVal val="visible"/>
+                                      </p:to>
+                                    </p:set>
+                                    <p:animEffect transition="in" filter="fade">
+                                      <p:cBhvr>
+                                        <p:cTn id="10" dur="500"/>
+                                        <p:tgtEl>
+                                          <p:spTgt spid="18">
+                                            <p:txEl>
+                                              <p:pRg st="1" end="1"/>
+                                            </p:txEl>
+                                          </p:spTgt>
+                                        </p:tgtEl>
+                                      </p:cBhvr>
+                                    </p:animEffect>
+                                  </p:childTnLst>
+                                </p:cTn>
+                              </p:par>
+                            </p:childTnLst>
+                          </p:cTn>
+                        </p:par>
+                      </p:childTnLst>
+                    </p:cTn>
+                  </p:par>
+                  <p:par>
+                    <p:cTn id="11" fill="hold">
+                      <p:stCondLst>
+                        <p:cond delay="indefinite"/>
+                      </p:stCondLst>
+                      <p:childTnLst>
+                        <p:par>
+                          <p:cTn id="12" fill="hold">
+                            <p:stCondLst>
+                              <p:cond delay="0"/>
+                            </p:stCondLst>
+                            <p:childTnLst>
+                              <p:par>
+                                <p:cTn id="13" presetID="10" presetClass="entr" presetSubtype="0" fill="hold" nodeType="clickEffect">
+                                  <p:stCondLst>
+                                    <p:cond delay="0"/>
+                                  </p:stCondLst>
+                                  <p:childTnLst>
+                                    <p:set>
+                                      <p:cBhvr>
+                                        <p:cTn id="14" dur="1" fill="hold">
+                                          <p:stCondLst>
+                                            <p:cond delay="0"/>
+                                          </p:stCondLst>
+                                        </p:cTn>
+                                        <p:tgtEl>
+                                          <p:spTgt spid="18">
+                                            <p:txEl>
+                                              <p:pRg st="2" end="2"/>
+                                            </p:txEl>
+                                          </p:spTgt>
+                                        </p:tgtEl>
+                                        <p:attrNameLst>
+                                          <p:attrName>style.visibility</p:attrName>
+                                        </p:attrNameLst>
+                                      </p:cBhvr>
+                                      <p:to>
+                                        <p:strVal val="visible"/>
+                                      </p:to>
+                                    </p:set>
+                                    <p:animEffect transition="in" filter="fade">
+                                      <p:cBhvr>
+                                        <p:cTn id="15" dur="500"/>
+                                        <p:tgtEl>
+                                          <p:spTgt spid="18">
+                                            <p:txEl>
+                                              <p:pRg st="2" end="2"/>
+                                            </p:txEl>
+                                          </p:spTgt>
+                                        </p:tgtEl>
+                                      </p:cBhvr>
+                                    </p:animEffect>
+                                  </p:childTnLst>
+                                </p:cTn>
+                              </p:par>
+                              <p:par>
+                                <p:cTn id="16" presetID="10" presetClass="entr" presetSubtype="0" fill="hold" nodeType="withEffect">
+                                  <p:stCondLst>
+                                    <p:cond delay="0"/>
+                                  </p:stCondLst>
+                                  <p:childTnLst>
+                                    <p:set>
+                                      <p:cBhvr>
+                                        <p:cTn id="17" dur="1" fill="hold">
+                                          <p:stCondLst>
+                                            <p:cond delay="0"/>
+                                          </p:stCondLst>
+                                        </p:cTn>
+                                        <p:tgtEl>
+                                          <p:spTgt spid="18">
+                                            <p:txEl>
+                                              <p:pRg st="3" end="3"/>
+                                            </p:txEl>
+                                          </p:spTgt>
+                                        </p:tgtEl>
+                                        <p:attrNameLst>
+                                          <p:attrName>style.visibility</p:attrName>
+                                        </p:attrNameLst>
+                                      </p:cBhvr>
+                                      <p:to>
+                                        <p:strVal val="visible"/>
+                                      </p:to>
+                                    </p:set>
+                                    <p:animEffect transition="in" filter="fade">
+                                      <p:cBhvr>
+                                        <p:cTn id="18" dur="500"/>
+                                        <p:tgtEl>
+                                          <p:spTgt spid="18">
+                                            <p:txEl>
+                                              <p:pRg st="3" end="3"/>
+                                            </p:txEl>
+                                          </p:spTgt>
+                                        </p:tgtEl>
+                                      </p:cBhvr>
+                                    </p:animEffect>
+                                  </p:childTnLst>
+                                </p:cTn>
+                              </p:par>
+                              <p:par>
+                                <p:cTn id="19" presetID="10" presetClass="entr" presetSubtype="0" fill="hold" nodeType="withEffect">
+                                  <p:stCondLst>
+                                    <p:cond delay="0"/>
+                                  </p:stCondLst>
+                                  <p:childTnLst>
+                                    <p:set>
+                                      <p:cBhvr>
+                                        <p:cTn id="20" dur="1" fill="hold">
+                                          <p:stCondLst>
+                                            <p:cond delay="0"/>
+                                          </p:stCondLst>
+                                        </p:cTn>
+                                        <p:tgtEl>
+                                          <p:spTgt spid="18">
+                                            <p:txEl>
+                                              <p:pRg st="4" end="4"/>
+                                            </p:txEl>
+                                          </p:spTgt>
+                                        </p:tgtEl>
+                                        <p:attrNameLst>
+                                          <p:attrName>style.visibility</p:attrName>
+                                        </p:attrNameLst>
+                                      </p:cBhvr>
+                                      <p:to>
+                                        <p:strVal val="visible"/>
+                                      </p:to>
+                                    </p:set>
+                                    <p:animEffect transition="in" filter="fade">
+                                      <p:cBhvr>
+                                        <p:cTn id="21" dur="500"/>
+                                        <p:tgtEl>
+                                          <p:spTgt spid="18">
+                                            <p:txEl>
+                                              <p:pRg st="4" end="4"/>
+                                            </p:txEl>
+                                          </p:spTgt>
+                                        </p:tgtEl>
+                                      </p:cBhvr>
+                                    </p:animEffect>
+                                  </p:childTnLst>
+                                </p:cTn>
+                              </p:par>
+                            </p:childTnLst>
+                          </p:cTn>
+                        </p:par>
+                      </p:childTnLst>
+                    </p:cTn>
+                  </p:par>
+                  <p:par>
+                    <p:cTn id="22" fill="hold">
+                      <p:stCondLst>
+                        <p:cond delay="indefinite"/>
+                      </p:stCondLst>
+                      <p:childTnLst>
+                        <p:par>
+                          <p:cTn id="23" fill="hold">
+                            <p:stCondLst>
+                              <p:cond delay="0"/>
+                            </p:stCondLst>
+                            <p:childTnLst>
+                              <p:par>
+                                <p:cTn id="24" presetID="10" presetClass="entr" presetSubtype="0" fill="hold" nodeType="clickEffect">
+                                  <p:stCondLst>
+                                    <p:cond delay="0"/>
+                                  </p:stCondLst>
+                                  <p:childTnLst>
+                                    <p:set>
+                                      <p:cBhvr>
+                                        <p:cTn id="25" dur="1" fill="hold">
+                                          <p:stCondLst>
+                                            <p:cond delay="0"/>
+                                          </p:stCondLst>
+                                        </p:cTn>
+                                        <p:tgtEl>
+                                          <p:spTgt spid="18">
+                                            <p:txEl>
+                                              <p:pRg st="5" end="5"/>
+                                            </p:txEl>
+                                          </p:spTgt>
+                                        </p:tgtEl>
+                                        <p:attrNameLst>
+                                          <p:attrName>style.visibility</p:attrName>
+                                        </p:attrNameLst>
+                                      </p:cBhvr>
+                                      <p:to>
+                                        <p:strVal val="visible"/>
+                                      </p:to>
+                                    </p:set>
+                                    <p:animEffect transition="in" filter="fade">
+                                      <p:cBhvr>
+                                        <p:cTn id="26" dur="500"/>
+                                        <p:tgtEl>
+                                          <p:spTgt spid="18">
+                                            <p:txEl>
+                                              <p:pRg st="5" end="5"/>
+                                            </p:txEl>
+                                          </p:spTgt>
+                                        </p:tgtEl>
+                                      </p:cBhvr>
+                                    </p:animEffect>
+                                  </p:childTnLst>
+                                </p:cTn>
+                              </p:par>
+                              <p:par>
+                                <p:cTn id="27" presetID="10" presetClass="entr" presetSubtype="0" fill="hold" nodeType="withEffect">
+                                  <p:stCondLst>
+                                    <p:cond delay="0"/>
+                                  </p:stCondLst>
+                                  <p:childTnLst>
+                                    <p:set>
+                                      <p:cBhvr>
+                                        <p:cTn id="28" dur="1" fill="hold">
+                                          <p:stCondLst>
+                                            <p:cond delay="0"/>
+                                          </p:stCondLst>
+                                        </p:cTn>
+                                        <p:tgtEl>
+                                          <p:spTgt spid="18">
+                                            <p:txEl>
+                                              <p:pRg st="6" end="6"/>
+                                            </p:txEl>
+                                          </p:spTgt>
+                                        </p:tgtEl>
+                                        <p:attrNameLst>
+                                          <p:attrName>style.visibility</p:attrName>
+                                        </p:attrNameLst>
+                                      </p:cBhvr>
+                                      <p:to>
+                                        <p:strVal val="visible"/>
+                                      </p:to>
+                                    </p:set>
+                                    <p:animEffect transition="in" filter="fade">
+                                      <p:cBhvr>
+                                        <p:cTn id="29" dur="500"/>
+                                        <p:tgtEl>
+                                          <p:spTgt spid="18">
+                                            <p:txEl>
+                                              <p:pRg st="6" end="6"/>
+                                            </p:txEl>
+                                          </p:spTgt>
+                                        </p:tgtEl>
+                                      </p:cBhvr>
+                                    </p:animEffect>
+                                  </p:childTnLst>
+                                </p:cTn>
+                              </p:par>
+                            </p:childTnLst>
+                          </p:cTn>
+                        </p:par>
+                      </p:childTnLst>
+                    </p:cTn>
+                  </p:par>
+                </p:childTnLst>
+              </p:cTn>
+              <p:prevCondLst>
+                <p:cond evt="onPrev" delay="0">
+                  <p:tgtEl>
+                    <p:sldTgt/>
+                  </p:tgtEl>
+                </p:cond>
+              </p:prevCondLst>
+              <p:nextCondLst>
+                <p:cond evt="onNext" delay="0">
+                  <p:tgtEl>
+                    <p:sldTgt/>
+                  </p:tgtEl>
+                </p:cond>
+              </p:nextCondLst>
+            </p:seq>
+          </p:childTnLst>
+        </p:cTn>
+      </p:par>
+    </p:tnLst>
+  </p:timing>
+</p:sld>
+</file>
+
+<file path=ppt/slides/slide14.xml><?xml version="1.0" encoding="utf-8"?>
+<p:sld xmlns:a="http://schemas.openxmlformats.org/drawingml/2006/main" xmlns:r="http://schemas.openxmlformats.org/officeDocument/2006/relationships" xmlns:p="http://schemas.openxmlformats.org/presentationml/2006/main">
+  <p:cSld>
+    <p:spTree>
+      <p:nvGrpSpPr>
+        <p:cNvPr id="1" name=""/>
+        <p:cNvGrpSpPr/>
+        <p:nvPr/>
+      </p:nvGrpSpPr>
+      <p:grpSpPr>
+        <a:xfrm>
+          <a:off x="0" y="0"/>
+          <a:ext cx="0" cy="0"/>
+          <a:chOff x="0" y="0"/>
+          <a:chExt cx="0" cy="0"/>
+        </a:xfrm>
+      </p:grpSpPr>
+      <p:sp>
+        <p:nvSpPr>
+          <p:cNvPr id="10" name="Rectangle 9"/>
+          <p:cNvSpPr/>
+          <p:nvPr/>
+        </p:nvSpPr>
+        <p:spPr>
+          <a:xfrm>
+            <a:off x="0" y="12106"/>
+            <a:ext cx="1011942" cy="6854083"/>
+          </a:xfrm>
+          <a:prstGeom prst="rect">
+            <a:avLst/>
+          </a:prstGeom>
+          <a:gradFill flip="none" rotWithShape="1">
+            <a:gsLst>
+              <a:gs pos="50000">
+                <a:srgbClr val="D00000"/>
+              </a:gs>
+              <a:gs pos="0">
+                <a:srgbClr val="FF0000">
+                  <a:shade val="30000"/>
+                  <a:satMod val="115000"/>
+                </a:srgbClr>
+              </a:gs>
+              <a:gs pos="100000">
+                <a:schemeClr val="accent2">
+                  <a:lumMod val="60000"/>
+                  <a:lumOff val="40000"/>
+                </a:schemeClr>
+              </a:gs>
+            </a:gsLst>
+            <a:lin ang="5400000" scaled="1"/>
+            <a:tileRect/>
+          </a:gradFill>
+          <a:ln>
+            <a:noFill/>
+          </a:ln>
+        </p:spPr>
+        <p:style>
+          <a:lnRef idx="2">
+            <a:schemeClr val="accent1">
+              <a:shade val="50000"/>
+            </a:schemeClr>
+          </a:lnRef>
+          <a:fillRef idx="1">
+            <a:schemeClr val="accent1"/>
+          </a:fillRef>
+          <a:effectRef idx="0">
+            <a:schemeClr val="accent1"/>
+          </a:effectRef>
+          <a:fontRef idx="minor">
+            <a:schemeClr val="lt1"/>
+          </a:fontRef>
+        </p:style>
+        <p:txBody>
+          <a:bodyPr rtlCol="0" anchor="ctr"/>
+          <a:lstStyle/>
+          <a:p>
+            <a:pPr algn="ctr"/>
+            <a:endParaRPr lang="tr-TR"/>
+          </a:p>
+        </p:txBody>
+      </p:sp>
+      <p:cxnSp>
+        <p:nvCxnSpPr>
+          <p:cNvPr id="11" name="Straight Connector 10"/>
+          <p:cNvCxnSpPr/>
+          <p:nvPr/>
+        </p:nvCxnSpPr>
+        <p:spPr>
+          <a:xfrm>
+            <a:off x="1189918" y="838200"/>
+            <a:ext cx="7649282" cy="0"/>
+          </a:xfrm>
+          <a:prstGeom prst="line">
+            <a:avLst/>
+          </a:prstGeom>
+          <a:ln w="50800">
+            <a:solidFill>
+              <a:srgbClr val="F20000"/>
+            </a:solidFill>
+          </a:ln>
+        </p:spPr>
+        <p:style>
+          <a:lnRef idx="1">
+            <a:schemeClr val="accent1"/>
+          </a:lnRef>
+          <a:fillRef idx="0">
+            <a:schemeClr val="accent1"/>
+          </a:fillRef>
+          <a:effectRef idx="0">
+            <a:schemeClr val="accent1"/>
+          </a:effectRef>
+          <a:fontRef idx="minor">
+            <a:schemeClr val="tx1"/>
+          </a:fontRef>
+        </p:style>
+      </p:cxnSp>
+      <p:cxnSp>
+        <p:nvCxnSpPr>
+          <p:cNvPr id="15" name="Straight Connector 14"/>
+          <p:cNvCxnSpPr/>
+          <p:nvPr/>
+        </p:nvCxnSpPr>
+        <p:spPr>
+          <a:xfrm>
+            <a:off x="1189918" y="914400"/>
+            <a:ext cx="7649282" cy="0"/>
+          </a:xfrm>
+          <a:prstGeom prst="line">
+            <a:avLst/>
+          </a:prstGeom>
+          <a:ln w="19050">
+            <a:solidFill>
+              <a:srgbClr val="F20000"/>
+            </a:solidFill>
+          </a:ln>
+        </p:spPr>
+        <p:style>
+          <a:lnRef idx="1">
+            <a:schemeClr val="accent1"/>
+          </a:lnRef>
+          <a:fillRef idx="0">
+            <a:schemeClr val="accent1"/>
+          </a:fillRef>
+          <a:effectRef idx="0">
+            <a:schemeClr val="accent1"/>
+          </a:effectRef>
+          <a:fontRef idx="minor">
+            <a:schemeClr val="tx1"/>
+          </a:fontRef>
+        </p:style>
+      </p:cxnSp>
+      <p:sp>
+        <p:nvSpPr>
+          <p:cNvPr id="2" name="Slide Number Placeholder 1"/>
+          <p:cNvSpPr>
+            <a:spLocks noGrp="1"/>
+          </p:cNvSpPr>
+          <p:nvPr>
+            <p:ph type="sldNum" sz="quarter" idx="12"/>
+          </p:nvPr>
+        </p:nvSpPr>
+        <p:spPr/>
+        <p:txBody>
+          <a:bodyPr/>
+          <a:lstStyle/>
+          <a:p>
+            <a:fld id="{B6F15528-21DE-4FAA-801E-634DDDAF4B2B}" type="slidenum">
+              <a:rPr lang="en-US" smtClean="0"/>
+              <a:pPr/>
+              <a:t>14</a:t>
+            </a:fld>
+            <a:endParaRPr lang="en-US" dirty="0"/>
+          </a:p>
+        </p:txBody>
+      </p:sp>
+      <p:sp>
+        <p:nvSpPr>
+          <p:cNvPr id="9" name="TextBox 8"/>
+          <p:cNvSpPr txBox="1"/>
+          <p:nvPr/>
+        </p:nvSpPr>
+        <p:spPr>
+          <a:xfrm>
+            <a:off x="1386291" y="224135"/>
+            <a:ext cx="7315200" cy="553998"/>
+          </a:xfrm>
+          <a:prstGeom prst="rect">
+            <a:avLst/>
+          </a:prstGeom>
+          <a:noFill/>
+        </p:spPr>
+        <p:txBody>
+          <a:bodyPr wrap="square" rtlCol="0">
+            <a:spAutoFit/>
+          </a:bodyPr>
+          <a:lstStyle/>
+          <a:p>
+            <a:pPr algn="ctr"/>
+            <a:r>
+              <a:rPr lang="tr-TR" sz="3000" dirty="0" err="1" smtClean="0">
+                <a:latin typeface="Times New Roman" panose="02020603050405020304" pitchFamily="18" charset="0"/>
+                <a:cs typeface="Times New Roman" panose="02020603050405020304" pitchFamily="18" charset="0"/>
+              </a:rPr>
               <a:t>Conclusions</a:t>
             </a:r>
             <a:endParaRPr lang="tr-TR" sz="3000" dirty="0">
@@ -6589,7 +11394,7 @@
               <a:buChar char="q"/>
             </a:pPr>
             <a:r>
-              <a:rPr lang="tr-TR" sz="2000" b="1" dirty="0" smtClean="0">
+              <a:rPr lang="tr-TR" sz="2000" dirty="0" smtClean="0">
                 <a:solidFill>
                   <a:srgbClr val="F20000"/>
                 </a:solidFill>
@@ -6599,34 +11404,34 @@
               <a:t> </a:t>
             </a:r>
             <a:r>
-              <a:rPr lang="tr-TR" sz="2000" b="1" dirty="0" smtClean="0">
+              <a:rPr lang="tr-TR" sz="2000" dirty="0" smtClean="0">
                 <a:latin typeface="Times New Roman" panose="02020603050405020304" pitchFamily="18" charset="0"/>
                 <a:cs typeface="Times New Roman" panose="02020603050405020304" pitchFamily="18" charset="0"/>
               </a:rPr>
               <a:t>IMMD </a:t>
             </a:r>
             <a:r>
-              <a:rPr lang="tr-TR" sz="2000" b="1" dirty="0" err="1" smtClean="0">
+              <a:rPr lang="tr-TR" sz="2000" dirty="0" err="1" smtClean="0">
                 <a:latin typeface="Times New Roman" panose="02020603050405020304" pitchFamily="18" charset="0"/>
                 <a:cs typeface="Times New Roman" panose="02020603050405020304" pitchFamily="18" charset="0"/>
               </a:rPr>
               <a:t>bla</a:t>
             </a:r>
             <a:r>
-              <a:rPr lang="tr-TR" sz="2000" b="1" dirty="0" smtClean="0">
+              <a:rPr lang="tr-TR" sz="2000" dirty="0" smtClean="0">
                 <a:latin typeface="Times New Roman" panose="02020603050405020304" pitchFamily="18" charset="0"/>
                 <a:cs typeface="Times New Roman" panose="02020603050405020304" pitchFamily="18" charset="0"/>
               </a:rPr>
               <a:t> </a:t>
             </a:r>
             <a:r>
-              <a:rPr lang="tr-TR" sz="2000" b="1" dirty="0" err="1" smtClean="0">
+              <a:rPr lang="tr-TR" sz="2000" dirty="0" err="1" smtClean="0">
                 <a:latin typeface="Times New Roman" panose="02020603050405020304" pitchFamily="18" charset="0"/>
                 <a:cs typeface="Times New Roman" panose="02020603050405020304" pitchFamily="18" charset="0"/>
               </a:rPr>
               <a:t>bla</a:t>
             </a:r>
-            <a:endParaRPr lang="tr-TR" sz="2000" b="1" dirty="0" smtClean="0">
+            <a:endParaRPr lang="tr-TR" sz="2000" dirty="0" smtClean="0">
               <a:latin typeface="Times New Roman" panose="02020603050405020304" pitchFamily="18" charset="0"/>
               <a:cs typeface="Times New Roman" panose="02020603050405020304" pitchFamily="18" charset="0"/>
             </a:endParaRPr>
@@ -6643,7 +11448,7 @@
               <a:buChar char="q"/>
             </a:pPr>
             <a:r>
-              <a:rPr lang="tr-TR" sz="2000" b="1" dirty="0">
+              <a:rPr lang="tr-TR" sz="2000" dirty="0">
                 <a:solidFill>
                   <a:srgbClr val="F20000"/>
                 </a:solidFill>
@@ -6653,34 +11458,34 @@
               <a:t> </a:t>
             </a:r>
             <a:r>
-              <a:rPr lang="tr-TR" sz="2000" b="1" dirty="0">
+              <a:rPr lang="tr-TR" sz="2000" dirty="0">
                 <a:latin typeface="Times New Roman" panose="02020603050405020304" pitchFamily="18" charset="0"/>
                 <a:cs typeface="Times New Roman" panose="02020603050405020304" pitchFamily="18" charset="0"/>
               </a:rPr>
               <a:t>IMMD </a:t>
             </a:r>
             <a:r>
-              <a:rPr lang="tr-TR" sz="2000" b="1" dirty="0" err="1">
+              <a:rPr lang="tr-TR" sz="2000" dirty="0" err="1">
                 <a:latin typeface="Times New Roman" panose="02020603050405020304" pitchFamily="18" charset="0"/>
                 <a:cs typeface="Times New Roman" panose="02020603050405020304" pitchFamily="18" charset="0"/>
               </a:rPr>
               <a:t>bla</a:t>
             </a:r>
             <a:r>
-              <a:rPr lang="tr-TR" sz="2000" b="1" dirty="0">
+              <a:rPr lang="tr-TR" sz="2000" dirty="0">
                 <a:latin typeface="Times New Roman" panose="02020603050405020304" pitchFamily="18" charset="0"/>
                 <a:cs typeface="Times New Roman" panose="02020603050405020304" pitchFamily="18" charset="0"/>
               </a:rPr>
               <a:t> </a:t>
             </a:r>
             <a:r>
-              <a:rPr lang="tr-TR" sz="2000" b="1" dirty="0" err="1">
+              <a:rPr lang="tr-TR" sz="2000" dirty="0" err="1">
                 <a:latin typeface="Times New Roman" panose="02020603050405020304" pitchFamily="18" charset="0"/>
                 <a:cs typeface="Times New Roman" panose="02020603050405020304" pitchFamily="18" charset="0"/>
               </a:rPr>
               <a:t>bla</a:t>
             </a:r>
-            <a:endParaRPr lang="tr-TR" sz="2000" b="1" dirty="0">
+            <a:endParaRPr lang="tr-TR" sz="2000" dirty="0">
               <a:latin typeface="Times New Roman" panose="02020603050405020304" pitchFamily="18" charset="0"/>
               <a:cs typeface="Times New Roman" panose="02020603050405020304" pitchFamily="18" charset="0"/>
             </a:endParaRPr>
@@ -6697,7 +11502,7 @@
               <a:buChar char="q"/>
             </a:pPr>
             <a:r>
-              <a:rPr lang="tr-TR" sz="2000" b="1" dirty="0">
+              <a:rPr lang="tr-TR" sz="2000" dirty="0">
                 <a:solidFill>
                   <a:srgbClr val="F20000"/>
                 </a:solidFill>
@@ -6707,34 +11512,34 @@
               <a:t> </a:t>
             </a:r>
             <a:r>
-              <a:rPr lang="tr-TR" sz="2000" b="1" dirty="0">
+              <a:rPr lang="tr-TR" sz="2000" dirty="0">
                 <a:latin typeface="Times New Roman" panose="02020603050405020304" pitchFamily="18" charset="0"/>
                 <a:cs typeface="Times New Roman" panose="02020603050405020304" pitchFamily="18" charset="0"/>
               </a:rPr>
               <a:t>IMMD </a:t>
             </a:r>
             <a:r>
-              <a:rPr lang="tr-TR" sz="2000" b="1" dirty="0" err="1">
+              <a:rPr lang="tr-TR" sz="2000" dirty="0" err="1">
                 <a:latin typeface="Times New Roman" panose="02020603050405020304" pitchFamily="18" charset="0"/>
                 <a:cs typeface="Times New Roman" panose="02020603050405020304" pitchFamily="18" charset="0"/>
               </a:rPr>
               <a:t>bla</a:t>
             </a:r>
             <a:r>
-              <a:rPr lang="tr-TR" sz="2000" b="1" dirty="0">
+              <a:rPr lang="tr-TR" sz="2000" dirty="0">
                 <a:latin typeface="Times New Roman" panose="02020603050405020304" pitchFamily="18" charset="0"/>
                 <a:cs typeface="Times New Roman" panose="02020603050405020304" pitchFamily="18" charset="0"/>
               </a:rPr>
               <a:t> </a:t>
             </a:r>
             <a:r>
-              <a:rPr lang="tr-TR" sz="2000" b="1" dirty="0" err="1">
+              <a:rPr lang="tr-TR" sz="2000" dirty="0" err="1">
                 <a:latin typeface="Times New Roman" panose="02020603050405020304" pitchFamily="18" charset="0"/>
                 <a:cs typeface="Times New Roman" panose="02020603050405020304" pitchFamily="18" charset="0"/>
               </a:rPr>
               <a:t>bla</a:t>
             </a:r>
-            <a:endParaRPr lang="tr-TR" sz="2000" b="1" dirty="0">
+            <a:endParaRPr lang="tr-TR" sz="2000" dirty="0">
               <a:latin typeface="Times New Roman" panose="02020603050405020304" pitchFamily="18" charset="0"/>
               <a:cs typeface="Times New Roman" panose="02020603050405020304" pitchFamily="18" charset="0"/>
             </a:endParaRPr>
@@ -6751,7 +11556,7 @@
               <a:buChar char="q"/>
             </a:pPr>
             <a:r>
-              <a:rPr lang="tr-TR" sz="2000" b="1" dirty="0">
+              <a:rPr lang="tr-TR" sz="2000" dirty="0">
                 <a:solidFill>
                   <a:srgbClr val="F20000"/>
                 </a:solidFill>
@@ -6761,34 +11566,34 @@
               <a:t> </a:t>
             </a:r>
             <a:r>
-              <a:rPr lang="tr-TR" sz="2000" b="1" dirty="0">
+              <a:rPr lang="tr-TR" sz="2000" dirty="0">
                 <a:latin typeface="Times New Roman" panose="02020603050405020304" pitchFamily="18" charset="0"/>
                 <a:cs typeface="Times New Roman" panose="02020603050405020304" pitchFamily="18" charset="0"/>
               </a:rPr>
               <a:t>IMMD </a:t>
             </a:r>
             <a:r>
-              <a:rPr lang="tr-TR" sz="2000" b="1" dirty="0" err="1">
+              <a:rPr lang="tr-TR" sz="2000" dirty="0" err="1">
                 <a:latin typeface="Times New Roman" panose="02020603050405020304" pitchFamily="18" charset="0"/>
                 <a:cs typeface="Times New Roman" panose="02020603050405020304" pitchFamily="18" charset="0"/>
               </a:rPr>
               <a:t>bla</a:t>
             </a:r>
             <a:r>
-              <a:rPr lang="tr-TR" sz="2000" b="1" dirty="0">
+              <a:rPr lang="tr-TR" sz="2000" dirty="0">
                 <a:latin typeface="Times New Roman" panose="02020603050405020304" pitchFamily="18" charset="0"/>
                 <a:cs typeface="Times New Roman" panose="02020603050405020304" pitchFamily="18" charset="0"/>
               </a:rPr>
               <a:t> </a:t>
             </a:r>
             <a:r>
-              <a:rPr lang="tr-TR" sz="2000" b="1" dirty="0" err="1">
+              <a:rPr lang="tr-TR" sz="2000" dirty="0" err="1">
                 <a:latin typeface="Times New Roman" panose="02020603050405020304" pitchFamily="18" charset="0"/>
                 <a:cs typeface="Times New Roman" panose="02020603050405020304" pitchFamily="18" charset="0"/>
               </a:rPr>
               <a:t>bla</a:t>
             </a:r>
-            <a:endParaRPr lang="tr-TR" sz="2000" b="1" dirty="0">
+            <a:endParaRPr lang="tr-TR" sz="2000" dirty="0">
               <a:latin typeface="Times New Roman" panose="02020603050405020304" pitchFamily="18" charset="0"/>
               <a:cs typeface="Times New Roman" panose="02020603050405020304" pitchFamily="18" charset="0"/>
             </a:endParaRPr>
@@ -6805,7 +11610,7 @@
               <a:buChar char="q"/>
             </a:pPr>
             <a:r>
-              <a:rPr lang="tr-TR" sz="2000" b="1" dirty="0">
+              <a:rPr lang="tr-TR" sz="2000" dirty="0">
                 <a:solidFill>
                   <a:srgbClr val="F20000"/>
                 </a:solidFill>
@@ -6815,34 +11620,34 @@
               <a:t> </a:t>
             </a:r>
             <a:r>
-              <a:rPr lang="tr-TR" sz="2000" b="1" dirty="0">
+              <a:rPr lang="tr-TR" sz="2000" dirty="0">
                 <a:latin typeface="Times New Roman" panose="02020603050405020304" pitchFamily="18" charset="0"/>
                 <a:cs typeface="Times New Roman" panose="02020603050405020304" pitchFamily="18" charset="0"/>
               </a:rPr>
               <a:t>IMMD </a:t>
             </a:r>
             <a:r>
-              <a:rPr lang="tr-TR" sz="2000" b="1" dirty="0" err="1">
+              <a:rPr lang="tr-TR" sz="2000" dirty="0" err="1">
                 <a:latin typeface="Times New Roman" panose="02020603050405020304" pitchFamily="18" charset="0"/>
                 <a:cs typeface="Times New Roman" panose="02020603050405020304" pitchFamily="18" charset="0"/>
               </a:rPr>
               <a:t>bla</a:t>
             </a:r>
             <a:r>
-              <a:rPr lang="tr-TR" sz="2000" b="1" dirty="0">
+              <a:rPr lang="tr-TR" sz="2000" dirty="0">
                 <a:latin typeface="Times New Roman" panose="02020603050405020304" pitchFamily="18" charset="0"/>
                 <a:cs typeface="Times New Roman" panose="02020603050405020304" pitchFamily="18" charset="0"/>
               </a:rPr>
               <a:t> </a:t>
             </a:r>
             <a:r>
-              <a:rPr lang="tr-TR" sz="2000" b="1" dirty="0" err="1">
+              <a:rPr lang="tr-TR" sz="2000" dirty="0" err="1">
                 <a:latin typeface="Times New Roman" panose="02020603050405020304" pitchFamily="18" charset="0"/>
                 <a:cs typeface="Times New Roman" panose="02020603050405020304" pitchFamily="18" charset="0"/>
               </a:rPr>
               <a:t>bla</a:t>
             </a:r>
-            <a:endParaRPr lang="tr-TR" sz="2000" b="1" dirty="0">
+            <a:endParaRPr lang="tr-TR" sz="2000" dirty="0">
               <a:latin typeface="Times New Roman" panose="02020603050405020304" pitchFamily="18" charset="0"/>
               <a:cs typeface="Times New Roman" panose="02020603050405020304" pitchFamily="18" charset="0"/>
             </a:endParaRPr>
@@ -6855,7 +11660,7 @@
               <a:buFont typeface="Wingdings" panose="05000000000000000000" pitchFamily="2" charset="2"/>
               <a:buChar char="q"/>
             </a:pPr>
-            <a:endParaRPr lang="tr-TR" sz="2000" b="1" dirty="0" smtClean="0">
+            <a:endParaRPr lang="tr-TR" sz="2000" dirty="0" smtClean="0">
               <a:latin typeface="Times New Roman" panose="02020603050405020304" pitchFamily="18" charset="0"/>
               <a:cs typeface="Times New Roman" panose="02020603050405020304" pitchFamily="18" charset="0"/>
             </a:endParaRPr>
@@ -7281,7 +12086,7 @@
 </p:sld>
 </file>
 
-<file path=ppt/slides/slide14.xml><?xml version="1.0" encoding="utf-8"?>
+<file path=ppt/slides/slide15.xml><?xml version="1.0" encoding="utf-8"?>
 <p:sld xmlns:a="http://schemas.openxmlformats.org/drawingml/2006/main" xmlns:r="http://schemas.openxmlformats.org/officeDocument/2006/relationships" xmlns:p="http://schemas.openxmlformats.org/presentationml/2006/main">
   <p:cSld>
     <p:spTree>
@@ -7487,7 +12292,7 @@
             <a:fld id="{B6F15528-21DE-4FAA-801E-634DDDAF4B2B}" type="slidenum">
               <a:rPr lang="en-US" smtClean="0"/>
               <a:pPr/>
-              <a:t>14</a:t>
+              <a:t>15</a:t>
             </a:fld>
             <a:endParaRPr lang="en-US" dirty="0"/>
           </a:p>
@@ -7980,7 +12785,7 @@
 </p:sld>
 </file>
 
-<file path=ppt/slides/slide15.xml><?xml version="1.0" encoding="utf-8"?>
+<file path=ppt/slides/slide16.xml><?xml version="1.0" encoding="utf-8"?>
 <p:sld xmlns:a="http://schemas.openxmlformats.org/drawingml/2006/main" xmlns:r="http://schemas.openxmlformats.org/officeDocument/2006/relationships" xmlns:p="http://schemas.openxmlformats.org/presentationml/2006/main">
   <p:cSld>
     <p:spTree>
@@ -8149,7 +12954,7 @@
             <a:fld id="{B6F15528-21DE-4FAA-801E-634DDDAF4B2B}" type="slidenum">
               <a:rPr lang="en-US" smtClean="0"/>
               <a:pPr/>
-              <a:t>15</a:t>
+              <a:t>16</a:t>
             </a:fld>
             <a:endParaRPr lang="en-US" dirty="0"/>
           </a:p>
@@ -8795,7 +13600,7 @@
         </p:nvSpPr>
         <p:spPr>
           <a:xfrm>
-            <a:off x="1373427" y="1447800"/>
+            <a:off x="1373427" y="1698614"/>
             <a:ext cx="7282263" cy="3600986"/>
           </a:xfrm>
           <a:prstGeom prst="rect">
@@ -8823,17 +13628,6 @@
               </a:rPr>
               <a:t>Introduction</a:t>
             </a:r>
-            <a:r>
-              <a:rPr lang="tr-TR" sz="2400" dirty="0" smtClean="0">
-                <a:latin typeface="Times New Roman" panose="02020603050405020304" pitchFamily="18" charset="0"/>
-                <a:cs typeface="Times New Roman" panose="02020603050405020304" pitchFamily="18" charset="0"/>
-              </a:rPr>
-              <a:t> (1’) =&gt; 1 slayt</a:t>
-            </a:r>
-            <a:endParaRPr lang="en-US" sz="2400" dirty="0" smtClean="0">
-              <a:latin typeface="Times New Roman" panose="02020603050405020304" pitchFamily="18" charset="0"/>
-              <a:cs typeface="Times New Roman" panose="02020603050405020304" pitchFamily="18" charset="0"/>
-            </a:endParaRPr>
           </a:p>
           <a:p>
             <a:pPr marL="342900" indent="-342900">
@@ -8850,24 +13644,6 @@
               </a:rPr>
               <a:t>IMMD Technology Review</a:t>
             </a:r>
-            <a:r>
-              <a:rPr lang="tr-TR" sz="2400" dirty="0" smtClean="0">
-                <a:latin typeface="Times New Roman" panose="02020603050405020304" pitchFamily="18" charset="0"/>
-                <a:cs typeface="Times New Roman" panose="02020603050405020304" pitchFamily="18" charset="0"/>
-              </a:rPr>
-              <a:t> (2’) =&gt; </a:t>
-            </a:r>
-            <a:r>
-              <a:rPr lang="tr-TR" sz="2400" dirty="0" smtClean="0">
-                <a:latin typeface="Times New Roman" panose="02020603050405020304" pitchFamily="18" charset="0"/>
-                <a:cs typeface="Times New Roman" panose="02020603050405020304" pitchFamily="18" charset="0"/>
-              </a:rPr>
-              <a:t>2 slayt</a:t>
-            </a:r>
-            <a:endParaRPr lang="en-US" sz="2400" dirty="0" smtClean="0">
-              <a:latin typeface="Times New Roman" panose="02020603050405020304" pitchFamily="18" charset="0"/>
-              <a:cs typeface="Times New Roman" panose="02020603050405020304" pitchFamily="18" charset="0"/>
-            </a:endParaRPr>
           </a:p>
           <a:p>
             <a:pPr marL="342900" indent="-342900">
@@ -8884,31 +13660,6 @@
               </a:rPr>
               <a:t>DC Link Modeling</a:t>
             </a:r>
-            <a:r>
-              <a:rPr lang="tr-TR" sz="2400" dirty="0" smtClean="0">
-                <a:latin typeface="Times New Roman" panose="02020603050405020304" pitchFamily="18" charset="0"/>
-                <a:cs typeface="Times New Roman" panose="02020603050405020304" pitchFamily="18" charset="0"/>
-              </a:rPr>
-              <a:t> (2’) =&gt; </a:t>
-            </a:r>
-            <a:r>
-              <a:rPr lang="tr-TR" sz="2400" dirty="0" smtClean="0">
-                <a:latin typeface="Times New Roman" panose="02020603050405020304" pitchFamily="18" charset="0"/>
-                <a:cs typeface="Times New Roman" panose="02020603050405020304" pitchFamily="18" charset="0"/>
-              </a:rPr>
-              <a:t>3 </a:t>
-            </a:r>
-            <a:r>
-              <a:rPr lang="tr-TR" sz="2400" dirty="0" smtClean="0">
-                <a:latin typeface="Times New Roman" panose="02020603050405020304" pitchFamily="18" charset="0"/>
-                <a:cs typeface="Times New Roman" panose="02020603050405020304" pitchFamily="18" charset="0"/>
-              </a:rPr>
-              <a:t>slayt</a:t>
-            </a:r>
-            <a:endParaRPr lang="en-US" sz="2400" dirty="0" smtClean="0">
-              <a:latin typeface="Times New Roman" panose="02020603050405020304" pitchFamily="18" charset="0"/>
-              <a:cs typeface="Times New Roman" panose="02020603050405020304" pitchFamily="18" charset="0"/>
-            </a:endParaRPr>
           </a:p>
           <a:p>
             <a:pPr marL="342900" indent="-342900">
@@ -8925,17 +13676,6 @@
               </a:rPr>
               <a:t>DC Link Capacitor Evaluation</a:t>
             </a:r>
-            <a:r>
-              <a:rPr lang="tr-TR" sz="2400" dirty="0" smtClean="0">
-                <a:latin typeface="Times New Roman" panose="02020603050405020304" pitchFamily="18" charset="0"/>
-                <a:cs typeface="Times New Roman" panose="02020603050405020304" pitchFamily="18" charset="0"/>
-              </a:rPr>
-              <a:t> (2’) =&gt; 3 slayt</a:t>
-            </a:r>
-            <a:endParaRPr lang="en-US" sz="2400" dirty="0" smtClean="0">
-              <a:latin typeface="Times New Roman" panose="02020603050405020304" pitchFamily="18" charset="0"/>
-              <a:cs typeface="Times New Roman" panose="02020603050405020304" pitchFamily="18" charset="0"/>
-            </a:endParaRPr>
           </a:p>
           <a:p>
             <a:pPr marL="342900" indent="-342900">
@@ -8952,13 +13692,6 @@
               </a:rPr>
               <a:t>Results</a:t>
             </a:r>
-            <a:r>
-              <a:rPr lang="tr-TR" sz="2400" dirty="0" smtClean="0">
-                <a:latin typeface="Times New Roman" panose="02020603050405020304" pitchFamily="18" charset="0"/>
-                <a:cs typeface="Times New Roman" panose="02020603050405020304" pitchFamily="18" charset="0"/>
-              </a:rPr>
-              <a:t> (2’) =&gt; 2 slayt</a:t>
-            </a:r>
             <a:endParaRPr lang="en-US" sz="2400" dirty="0" smtClean="0">
               <a:latin typeface="Times New Roman" panose="02020603050405020304" pitchFamily="18" charset="0"/>
               <a:cs typeface="Times New Roman" panose="02020603050405020304" pitchFamily="18" charset="0"/>
@@ -8979,17 +13712,6 @@
               </a:rPr>
               <a:t>Conclusions</a:t>
             </a:r>
-            <a:r>
-              <a:rPr lang="tr-TR" sz="2400" dirty="0" smtClean="0">
-                <a:latin typeface="Times New Roman" panose="02020603050405020304" pitchFamily="18" charset="0"/>
-                <a:cs typeface="Times New Roman" panose="02020603050405020304" pitchFamily="18" charset="0"/>
-              </a:rPr>
-              <a:t> (1’) =&gt; 1 slayt</a:t>
-            </a:r>
-            <a:endParaRPr lang="en-US" sz="2400" dirty="0" smtClean="0">
-              <a:latin typeface="Times New Roman" panose="02020603050405020304" pitchFamily="18" charset="0"/>
-              <a:cs typeface="Times New Roman" panose="02020603050405020304" pitchFamily="18" charset="0"/>
-            </a:endParaRPr>
           </a:p>
           <a:p>
             <a:pPr marL="342900" indent="-342900">
@@ -9006,6 +13728,10 @@
               </a:rPr>
               <a:t>References</a:t>
             </a:r>
+            <a:endParaRPr lang="en-US" sz="2400" dirty="0" smtClean="0">
+              <a:latin typeface="Times New Roman" panose="02020603050405020304" pitchFamily="18" charset="0"/>
+              <a:cs typeface="Times New Roman" panose="02020603050405020304" pitchFamily="18" charset="0"/>
+            </a:endParaRPr>
           </a:p>
         </p:txBody>
       </p:sp>
@@ -11805,7 +16531,7 @@
         <p:spPr bwMode="auto">
           <a:xfrm>
             <a:off x="1295400" y="1510098"/>
-            <a:ext cx="7672691" cy="1938992"/>
+            <a:ext cx="7672691" cy="2092881"/>
           </a:xfrm>
           <a:prstGeom prst="rect">
             <a:avLst/>
@@ -11826,70 +16552,46 @@
           <a:lstStyle/>
           <a:p>
             <a:r>
-              <a:rPr lang="tr-TR" sz="2400" b="1" dirty="0" smtClean="0">
-                <a:latin typeface="Times New Roman" panose="02020603050405020304" pitchFamily="18" charset="0"/>
-                <a:cs typeface="Times New Roman" panose="02020603050405020304" pitchFamily="18" charset="0"/>
-              </a:rPr>
-              <a:t>S</a:t>
-            </a:r>
-            <a:r>
-              <a:rPr lang="en-US" sz="2400" b="1" dirty="0" smtClean="0">
-                <a:latin typeface="Times New Roman" panose="02020603050405020304" pitchFamily="18" charset="0"/>
-                <a:cs typeface="Times New Roman" panose="02020603050405020304" pitchFamily="18" charset="0"/>
-              </a:rPr>
-              <a:t>mall volume </a:t>
-            </a:r>
-            <a:r>
-              <a:rPr lang="tr-TR" sz="2400" b="1" dirty="0" smtClean="0">
-                <a:latin typeface="Times New Roman" panose="02020603050405020304" pitchFamily="18" charset="0"/>
-                <a:cs typeface="Times New Roman" panose="02020603050405020304" pitchFamily="18" charset="0"/>
-              </a:rPr>
-              <a:t>?</a:t>
-            </a:r>
-          </a:p>
-          <a:p>
-            <a:endParaRPr lang="tr-TR" sz="2400" b="1" dirty="0">
+              <a:rPr lang="en-US" sz="2600" dirty="0" smtClean="0">
+                <a:latin typeface="Times New Roman" panose="02020603050405020304" pitchFamily="18" charset="0"/>
+                <a:cs typeface="Times New Roman" panose="02020603050405020304" pitchFamily="18" charset="0"/>
+              </a:rPr>
+              <a:t>Small volume ?</a:t>
+            </a:r>
+          </a:p>
+          <a:p>
+            <a:endParaRPr lang="en-US" sz="2600" dirty="0" smtClean="0">
               <a:latin typeface="Times New Roman" panose="02020603050405020304" pitchFamily="18" charset="0"/>
               <a:cs typeface="Times New Roman" panose="02020603050405020304" pitchFamily="18" charset="0"/>
             </a:endParaRPr>
           </a:p>
           <a:p>
             <a:r>
-              <a:rPr lang="tr-TR" sz="2400" b="1" dirty="0" err="1" smtClean="0">
-                <a:latin typeface="Times New Roman" panose="02020603050405020304" pitchFamily="18" charset="0"/>
-                <a:cs typeface="Times New Roman" panose="02020603050405020304" pitchFamily="18" charset="0"/>
-              </a:rPr>
-              <a:t>Cooling</a:t>
-            </a:r>
-            <a:r>
-              <a:rPr lang="tr-TR" sz="2400" b="1" dirty="0" smtClean="0">
-                <a:latin typeface="Times New Roman" panose="02020603050405020304" pitchFamily="18" charset="0"/>
-                <a:cs typeface="Times New Roman" panose="02020603050405020304" pitchFamily="18" charset="0"/>
-              </a:rPr>
-              <a:t> ?</a:t>
-            </a:r>
-          </a:p>
-          <a:p>
-            <a:endParaRPr lang="tr-TR" sz="2400" b="1" dirty="0">
+              <a:rPr lang="en-US" sz="2600" dirty="0" smtClean="0">
+                <a:latin typeface="Times New Roman" panose="02020603050405020304" pitchFamily="18" charset="0"/>
+                <a:cs typeface="Times New Roman" panose="02020603050405020304" pitchFamily="18" charset="0"/>
+              </a:rPr>
+              <a:t>Cooling ?</a:t>
+            </a:r>
+          </a:p>
+          <a:p>
+            <a:endParaRPr lang="en-US" sz="2600" dirty="0" smtClean="0">
               <a:latin typeface="Times New Roman" panose="02020603050405020304" pitchFamily="18" charset="0"/>
               <a:cs typeface="Times New Roman" panose="02020603050405020304" pitchFamily="18" charset="0"/>
             </a:endParaRPr>
           </a:p>
           <a:p>
             <a:r>
-              <a:rPr lang="tr-TR" sz="2400" b="1" dirty="0" err="1" smtClean="0">
-                <a:latin typeface="Times New Roman" panose="02020603050405020304" pitchFamily="18" charset="0"/>
-                <a:cs typeface="Times New Roman" panose="02020603050405020304" pitchFamily="18" charset="0"/>
-              </a:rPr>
-              <a:t>Vibration</a:t>
-            </a:r>
-            <a:r>
-              <a:rPr lang="tr-TR" sz="2400" b="1" dirty="0" smtClean="0">
-                <a:latin typeface="Times New Roman" panose="02020603050405020304" pitchFamily="18" charset="0"/>
-                <a:cs typeface="Times New Roman" panose="02020603050405020304" pitchFamily="18" charset="0"/>
-              </a:rPr>
-              <a:t> ?</a:t>
-            </a:r>
+              <a:rPr lang="en-US" sz="2600" dirty="0" smtClean="0">
+                <a:latin typeface="Times New Roman" panose="02020603050405020304" pitchFamily="18" charset="0"/>
+                <a:cs typeface="Times New Roman" panose="02020603050405020304" pitchFamily="18" charset="0"/>
+              </a:rPr>
+              <a:t>Vibration ?</a:t>
+            </a:r>
+            <a:endParaRPr lang="en-US" sz="2600" dirty="0" smtClean="0">
+              <a:latin typeface="Times New Roman" panose="02020603050405020304" pitchFamily="18" charset="0"/>
+              <a:cs typeface="Times New Roman" panose="02020603050405020304" pitchFamily="18" charset="0"/>
+            </a:endParaRPr>
           </a:p>
         </p:txBody>
       </p:sp>
@@ -14760,9 +19462,354 @@
   <p:timing>
     <p:tnLst>
       <p:par>
-        <p:cTn id="1" dur="indefinite" restart="never" nodeType="tmRoot"/>
+        <p:cTn id="1" dur="indefinite" restart="never" nodeType="tmRoot">
+          <p:childTnLst>
+            <p:seq concurrent="1" nextAc="seek">
+              <p:cTn id="2" dur="indefinite" nodeType="mainSeq">
+                <p:childTnLst>
+                  <p:par>
+                    <p:cTn id="3" fill="hold">
+                      <p:stCondLst>
+                        <p:cond delay="indefinite"/>
+                      </p:stCondLst>
+                      <p:childTnLst>
+                        <p:par>
+                          <p:cTn id="4" fill="hold">
+                            <p:stCondLst>
+                              <p:cond delay="0"/>
+                            </p:stCondLst>
+                            <p:childTnLst>
+                              <p:par>
+                                <p:cTn id="5" presetID="1" presetClass="entr" presetSubtype="0" fill="hold" nodeType="clickEffect">
+                                  <p:stCondLst>
+                                    <p:cond delay="0"/>
+                                  </p:stCondLst>
+                                  <p:childTnLst>
+                                    <p:set>
+                                      <p:cBhvr>
+                                        <p:cTn id="6" dur="1" fill="hold">
+                                          <p:stCondLst>
+                                            <p:cond delay="0"/>
+                                          </p:stCondLst>
+                                        </p:cTn>
+                                        <p:tgtEl>
+                                          <p:spTgt spid="22"/>
+                                        </p:tgtEl>
+                                        <p:attrNameLst>
+                                          <p:attrName>style.visibility</p:attrName>
+                                        </p:attrNameLst>
+                                      </p:cBhvr>
+                                      <p:to>
+                                        <p:strVal val="visible"/>
+                                      </p:to>
+                                    </p:set>
+                                  </p:childTnLst>
+                                </p:cTn>
+                              </p:par>
+                              <p:par>
+                                <p:cTn id="7" presetID="1" presetClass="entr" presetSubtype="0" fill="hold" grpId="0" nodeType="withEffect">
+                                  <p:stCondLst>
+                                    <p:cond delay="0"/>
+                                  </p:stCondLst>
+                                  <p:childTnLst>
+                                    <p:set>
+                                      <p:cBhvr>
+                                        <p:cTn id="8" dur="1" fill="hold">
+                                          <p:stCondLst>
+                                            <p:cond delay="0"/>
+                                          </p:stCondLst>
+                                        </p:cTn>
+                                        <p:tgtEl>
+                                          <p:spTgt spid="18"/>
+                                        </p:tgtEl>
+                                        <p:attrNameLst>
+                                          <p:attrName>style.visibility</p:attrName>
+                                        </p:attrNameLst>
+                                      </p:cBhvr>
+                                      <p:to>
+                                        <p:strVal val="visible"/>
+                                      </p:to>
+                                    </p:set>
+                                  </p:childTnLst>
+                                </p:cTn>
+                              </p:par>
+                            </p:childTnLst>
+                          </p:cTn>
+                        </p:par>
+                      </p:childTnLst>
+                    </p:cTn>
+                  </p:par>
+                  <p:par>
+                    <p:cTn id="9" fill="hold">
+                      <p:stCondLst>
+                        <p:cond delay="indefinite"/>
+                      </p:stCondLst>
+                      <p:childTnLst>
+                        <p:par>
+                          <p:cTn id="10" fill="hold">
+                            <p:stCondLst>
+                              <p:cond delay="0"/>
+                            </p:stCondLst>
+                            <p:childTnLst>
+                              <p:par>
+                                <p:cTn id="11" presetID="10" presetClass="entr" presetSubtype="0" fill="hold" nodeType="clickEffect">
+                                  <p:stCondLst>
+                                    <p:cond delay="0"/>
+                                  </p:stCondLst>
+                                  <p:childTnLst>
+                                    <p:set>
+                                      <p:cBhvr>
+                                        <p:cTn id="12" dur="1" fill="hold">
+                                          <p:stCondLst>
+                                            <p:cond delay="0"/>
+                                          </p:stCondLst>
+                                        </p:cTn>
+                                        <p:tgtEl>
+                                          <p:spTgt spid="3"/>
+                                        </p:tgtEl>
+                                        <p:attrNameLst>
+                                          <p:attrName>style.visibility</p:attrName>
+                                        </p:attrNameLst>
+                                      </p:cBhvr>
+                                      <p:to>
+                                        <p:strVal val="visible"/>
+                                      </p:to>
+                                    </p:set>
+                                    <p:animEffect transition="in" filter="fade">
+                                      <p:cBhvr>
+                                        <p:cTn id="13" dur="500"/>
+                                        <p:tgtEl>
+                                          <p:spTgt spid="3"/>
+                                        </p:tgtEl>
+                                      </p:cBhvr>
+                                    </p:animEffect>
+                                  </p:childTnLst>
+                                </p:cTn>
+                              </p:par>
+                            </p:childTnLst>
+                          </p:cTn>
+                        </p:par>
+                      </p:childTnLst>
+                    </p:cTn>
+                  </p:par>
+                  <p:par>
+                    <p:cTn id="14" fill="hold">
+                      <p:stCondLst>
+                        <p:cond delay="indefinite"/>
+                      </p:stCondLst>
+                      <p:childTnLst>
+                        <p:par>
+                          <p:cTn id="15" fill="hold">
+                            <p:stCondLst>
+                              <p:cond delay="0"/>
+                            </p:stCondLst>
+                            <p:childTnLst>
+                              <p:par>
+                                <p:cTn id="16" presetID="10" presetClass="entr" presetSubtype="0" fill="hold" nodeType="clickEffect">
+                                  <p:stCondLst>
+                                    <p:cond delay="0"/>
+                                  </p:stCondLst>
+                                  <p:childTnLst>
+                                    <p:set>
+                                      <p:cBhvr>
+                                        <p:cTn id="17" dur="1" fill="hold">
+                                          <p:stCondLst>
+                                            <p:cond delay="0"/>
+                                          </p:stCondLst>
+                                        </p:cTn>
+                                        <p:tgtEl>
+                                          <p:spTgt spid="4"/>
+                                        </p:tgtEl>
+                                        <p:attrNameLst>
+                                          <p:attrName>style.visibility</p:attrName>
+                                        </p:attrNameLst>
+                                      </p:cBhvr>
+                                      <p:to>
+                                        <p:strVal val="visible"/>
+                                      </p:to>
+                                    </p:set>
+                                    <p:animEffect transition="in" filter="fade">
+                                      <p:cBhvr>
+                                        <p:cTn id="18" dur="500"/>
+                                        <p:tgtEl>
+                                          <p:spTgt spid="4"/>
+                                        </p:tgtEl>
+                                      </p:cBhvr>
+                                    </p:animEffect>
+                                  </p:childTnLst>
+                                </p:cTn>
+                              </p:par>
+                            </p:childTnLst>
+                          </p:cTn>
+                        </p:par>
+                      </p:childTnLst>
+                    </p:cTn>
+                  </p:par>
+                  <p:par>
+                    <p:cTn id="19" fill="hold">
+                      <p:stCondLst>
+                        <p:cond delay="indefinite"/>
+                      </p:stCondLst>
+                      <p:childTnLst>
+                        <p:par>
+                          <p:cTn id="20" fill="hold">
+                            <p:stCondLst>
+                              <p:cond delay="0"/>
+                            </p:stCondLst>
+                            <p:childTnLst>
+                              <p:par>
+                                <p:cTn id="21" presetID="10" presetClass="entr" presetSubtype="0" fill="hold" nodeType="clickEffect">
+                                  <p:stCondLst>
+                                    <p:cond delay="0"/>
+                                  </p:stCondLst>
+                                  <p:childTnLst>
+                                    <p:set>
+                                      <p:cBhvr>
+                                        <p:cTn id="22" dur="1" fill="hold">
+                                          <p:stCondLst>
+                                            <p:cond delay="0"/>
+                                          </p:stCondLst>
+                                        </p:cTn>
+                                        <p:tgtEl>
+                                          <p:spTgt spid="5"/>
+                                        </p:tgtEl>
+                                        <p:attrNameLst>
+                                          <p:attrName>style.visibility</p:attrName>
+                                        </p:attrNameLst>
+                                      </p:cBhvr>
+                                      <p:to>
+                                        <p:strVal val="visible"/>
+                                      </p:to>
+                                    </p:set>
+                                    <p:animEffect transition="in" filter="fade">
+                                      <p:cBhvr>
+                                        <p:cTn id="23" dur="500"/>
+                                        <p:tgtEl>
+                                          <p:spTgt spid="5"/>
+                                        </p:tgtEl>
+                                      </p:cBhvr>
+                                    </p:animEffect>
+                                  </p:childTnLst>
+                                </p:cTn>
+                              </p:par>
+                            </p:childTnLst>
+                          </p:cTn>
+                        </p:par>
+                      </p:childTnLst>
+                    </p:cTn>
+                  </p:par>
+                  <p:par>
+                    <p:cTn id="24" fill="hold">
+                      <p:stCondLst>
+                        <p:cond delay="indefinite"/>
+                      </p:stCondLst>
+                      <p:childTnLst>
+                        <p:par>
+                          <p:cTn id="25" fill="hold">
+                            <p:stCondLst>
+                              <p:cond delay="0"/>
+                            </p:stCondLst>
+                            <p:childTnLst>
+                              <p:par>
+                                <p:cTn id="26" presetID="10" presetClass="entr" presetSubtype="0" fill="hold" nodeType="clickEffect">
+                                  <p:stCondLst>
+                                    <p:cond delay="0"/>
+                                  </p:stCondLst>
+                                  <p:childTnLst>
+                                    <p:set>
+                                      <p:cBhvr>
+                                        <p:cTn id="27" dur="1" fill="hold">
+                                          <p:stCondLst>
+                                            <p:cond delay="0"/>
+                                          </p:stCondLst>
+                                        </p:cTn>
+                                        <p:tgtEl>
+                                          <p:spTgt spid="8"/>
+                                        </p:tgtEl>
+                                        <p:attrNameLst>
+                                          <p:attrName>style.visibility</p:attrName>
+                                        </p:attrNameLst>
+                                      </p:cBhvr>
+                                      <p:to>
+                                        <p:strVal val="visible"/>
+                                      </p:to>
+                                    </p:set>
+                                    <p:animEffect transition="in" filter="fade">
+                                      <p:cBhvr>
+                                        <p:cTn id="28" dur="500"/>
+                                        <p:tgtEl>
+                                          <p:spTgt spid="8"/>
+                                        </p:tgtEl>
+                                      </p:cBhvr>
+                                    </p:animEffect>
+                                  </p:childTnLst>
+                                </p:cTn>
+                              </p:par>
+                              <p:par>
+                                <p:cTn id="29" presetID="10" presetClass="entr" presetSubtype="0" fill="hold" nodeType="withEffect">
+                                  <p:stCondLst>
+                                    <p:cond delay="0"/>
+                                  </p:stCondLst>
+                                  <p:childTnLst>
+                                    <p:set>
+                                      <p:cBhvr>
+                                        <p:cTn id="30" dur="1" fill="hold">
+                                          <p:stCondLst>
+                                            <p:cond delay="0"/>
+                                          </p:stCondLst>
+                                        </p:cTn>
+                                        <p:tgtEl>
+                                          <p:spTgt spid="12"/>
+                                        </p:tgtEl>
+                                        <p:attrNameLst>
+                                          <p:attrName>style.visibility</p:attrName>
+                                        </p:attrNameLst>
+                                      </p:cBhvr>
+                                      <p:to>
+                                        <p:strVal val="visible"/>
+                                      </p:to>
+                                    </p:set>
+                                    <p:animEffect transition="in" filter="fade">
+                                      <p:cBhvr>
+                                        <p:cTn id="31" dur="500"/>
+                                        <p:tgtEl>
+                                          <p:spTgt spid="12"/>
+                                        </p:tgtEl>
+                                      </p:cBhvr>
+                                    </p:animEffect>
+                                  </p:childTnLst>
+                                </p:cTn>
+                              </p:par>
+                            </p:childTnLst>
+                          </p:cTn>
+                        </p:par>
+                      </p:childTnLst>
+                    </p:cTn>
+                  </p:par>
+                </p:childTnLst>
+              </p:cTn>
+              <p:prevCondLst>
+                <p:cond evt="onPrev" delay="0">
+                  <p:tgtEl>
+                    <p:sldTgt/>
+                  </p:tgtEl>
+                </p:cond>
+              </p:prevCondLst>
+              <p:nextCondLst>
+                <p:cond evt="onNext" delay="0">
+                  <p:tgtEl>
+                    <p:sldTgt/>
+                  </p:tgtEl>
+                </p:cond>
+              </p:nextCondLst>
+            </p:seq>
+          </p:childTnLst>
+        </p:cTn>
       </p:par>
     </p:tnLst>
+    <p:bldLst>
+      <p:bldP spid="18" grpId="0"/>
+    </p:bldLst>
   </p:timing>
 </p:sld>
 </file>
@@ -14953,7 +20000,7 @@
         <p:spPr bwMode="auto">
           <a:xfrm>
             <a:off x="1189918" y="1143000"/>
-            <a:ext cx="7649282" cy="461665"/>
+            <a:ext cx="7649282" cy="523220"/>
           </a:xfrm>
           <a:prstGeom prst="rect">
             <a:avLst/>
@@ -14975,27 +20022,13 @@
           <a:p>
             <a:pPr algn="ctr"/>
             <a:r>
-              <a:rPr lang="tr-TR" sz="2400" dirty="0" err="1" smtClean="0">
-                <a:latin typeface="Times New Roman" panose="02020603050405020304" pitchFamily="18" charset="0"/>
-                <a:cs typeface="Times New Roman" panose="02020603050405020304" pitchFamily="18" charset="0"/>
-              </a:rPr>
-              <a:t>Effect</a:t>
-            </a:r>
-            <a:r>
-              <a:rPr lang="tr-TR" sz="2400" dirty="0" smtClean="0">
-                <a:latin typeface="Times New Roman" panose="02020603050405020304" pitchFamily="18" charset="0"/>
-                <a:cs typeface="Times New Roman" panose="02020603050405020304" pitchFamily="18" charset="0"/>
-              </a:rPr>
-              <a:t> of </a:t>
-            </a:r>
-            <a:r>
-              <a:rPr lang="tr-TR" sz="2400" dirty="0" err="1" smtClean="0">
-                <a:latin typeface="Times New Roman" panose="02020603050405020304" pitchFamily="18" charset="0"/>
-                <a:cs typeface="Times New Roman" panose="02020603050405020304" pitchFamily="18" charset="0"/>
-              </a:rPr>
-              <a:t>interleaving</a:t>
-            </a:r>
-            <a:endParaRPr lang="en-US" sz="2400" dirty="0" smtClean="0">
+              <a:rPr lang="en-US" sz="2800" u="sng" dirty="0" smtClean="0">
+                <a:latin typeface="Times New Roman" panose="02020603050405020304" pitchFamily="18" charset="0"/>
+                <a:cs typeface="Times New Roman" panose="02020603050405020304" pitchFamily="18" charset="0"/>
+              </a:rPr>
+              <a:t>Effect of interleaving</a:t>
+            </a:r>
+            <a:endParaRPr lang="en-US" sz="2800" u="sng" dirty="0" smtClean="0">
               <a:latin typeface="Times New Roman" panose="02020603050405020304" pitchFamily="18" charset="0"/>
               <a:cs typeface="Times New Roman" panose="02020603050405020304" pitchFamily="18" charset="0"/>
             </a:endParaRPr>
@@ -15037,21 +20070,7 @@
                 <a:latin typeface="Times New Roman" panose="02020603050405020304" pitchFamily="18" charset="0"/>
                 <a:cs typeface="Times New Roman" panose="02020603050405020304" pitchFamily="18" charset="0"/>
               </a:rPr>
-              <a:t>Capacitor</a:t>
-            </a:r>
-            <a:r>
-              <a:rPr lang="tr-TR" sz="3000" dirty="0" smtClean="0">
-                <a:latin typeface="Times New Roman" panose="02020603050405020304" pitchFamily="18" charset="0"/>
-                <a:cs typeface="Times New Roman" panose="02020603050405020304" pitchFamily="18" charset="0"/>
-              </a:rPr>
-              <a:t> </a:t>
-            </a:r>
-            <a:r>
-              <a:rPr lang="tr-TR" sz="3000" dirty="0" err="1" smtClean="0">
-                <a:latin typeface="Times New Roman" panose="02020603050405020304" pitchFamily="18" charset="0"/>
-                <a:cs typeface="Times New Roman" panose="02020603050405020304" pitchFamily="18" charset="0"/>
-              </a:rPr>
-              <a:t>Selection</a:t>
+              <a:t>Modeling</a:t>
             </a:r>
             <a:endParaRPr lang="tr-TR" sz="3000" dirty="0">
               <a:latin typeface="Times New Roman" panose="02020603050405020304" pitchFamily="18" charset="0"/>
@@ -15060,59 +20079,6 @@
           </a:p>
         </p:txBody>
       </p:sp>
-      <p:pic>
-        <p:nvPicPr>
-          <p:cNvPr id="3" name="Picture 2"/>
-          <p:cNvPicPr>
-            <a:picLocks noChangeAspect="1"/>
-          </p:cNvPicPr>
-          <p:nvPr/>
-        </p:nvPicPr>
-        <p:blipFill rotWithShape="1">
-          <a:blip r:embed="rId2">
-            <a:extLst>
-              <a:ext uri="{28A0092B-C50C-407E-A947-70E740481C1C}">
-                <a14:useLocalDpi xmlns:a14="http://schemas.microsoft.com/office/drawing/2010/main" val="0"/>
-              </a:ext>
-            </a:extLst>
-          </a:blip>
-          <a:srcRect l="3894" t="47420"/>
-          <a:stretch/>
-        </p:blipFill>
-        <p:spPr>
-          <a:xfrm>
-            <a:off x="1151818" y="2207792"/>
-            <a:ext cx="5142683" cy="2462710"/>
-          </a:xfrm>
-          <a:prstGeom prst="rect">
-            <a:avLst/>
-          </a:prstGeom>
-        </p:spPr>
-      </p:pic>
-      <p:pic>
-        <p:nvPicPr>
-          <p:cNvPr id="13" name="Picture 12"/>
-          <p:cNvPicPr>
-            <a:picLocks noChangeAspect="1"/>
-          </p:cNvPicPr>
-          <p:nvPr/>
-        </p:nvPicPr>
-        <p:blipFill>
-          <a:blip r:embed="rId3"/>
-          <a:stretch>
-            <a:fillRect/>
-          </a:stretch>
-        </p:blipFill>
-        <p:spPr>
-          <a:xfrm>
-            <a:off x="6255919" y="1904415"/>
-            <a:ext cx="2728161" cy="3761671"/>
-          </a:xfrm>
-          <a:prstGeom prst="rect">
-            <a:avLst/>
-          </a:prstGeom>
-        </p:spPr>
-      </p:pic>
       <p:pic>
         <p:nvPicPr>
           <p:cNvPr id="12" name="Picture 11"/>
@@ -15122,7 +20088,7 @@
           <p:nvPr/>
         </p:nvPicPr>
         <p:blipFill>
-          <a:blip r:embed="rId4" cstate="print">
+          <a:blip r:embed="rId2" cstate="print">
             <a:extLst>
               <a:ext uri="{28A0092B-C50C-407E-A947-70E740481C1C}">
                 <a14:useLocalDpi xmlns:a14="http://schemas.microsoft.com/office/drawing/2010/main" val="0"/>
@@ -15152,7 +20118,7 @@
           <p:nvPr/>
         </p:nvPicPr>
         <p:blipFill>
-          <a:blip r:embed="rId5" cstate="print">
+          <a:blip r:embed="rId3" cstate="print">
             <a:extLst>
               <a:ext uri="{28A0092B-C50C-407E-A947-70E740481C1C}">
                 <a14:useLocalDpi xmlns:a14="http://schemas.microsoft.com/office/drawing/2010/main" val="0"/>
@@ -15184,6 +20150,384 @@
           </a:extLst>
         </p:spPr>
       </p:pic>
+      <p:pic>
+        <p:nvPicPr>
+          <p:cNvPr id="4" name="Picture 3"/>
+          <p:cNvPicPr>
+            <a:picLocks noChangeAspect="1"/>
+          </p:cNvPicPr>
+          <p:nvPr/>
+        </p:nvPicPr>
+        <p:blipFill>
+          <a:blip r:embed="rId4" cstate="print">
+            <a:extLst>
+              <a:ext uri="{28A0092B-C50C-407E-A947-70E740481C1C}">
+                <a14:useLocalDpi xmlns:a14="http://schemas.microsoft.com/office/drawing/2010/main" val="0"/>
+              </a:ext>
+            </a:extLst>
+          </a:blip>
+          <a:stretch>
+            <a:fillRect/>
+          </a:stretch>
+        </p:blipFill>
+        <p:spPr>
+          <a:xfrm>
+            <a:off x="1120351" y="2003992"/>
+            <a:ext cx="3614590" cy="2870309"/>
+          </a:xfrm>
+          <a:prstGeom prst="rect">
+            <a:avLst/>
+          </a:prstGeom>
+        </p:spPr>
+      </p:pic>
+      <p:pic>
+        <p:nvPicPr>
+          <p:cNvPr id="5" name="Picture 4"/>
+          <p:cNvPicPr>
+            <a:picLocks noChangeAspect="1"/>
+          </p:cNvPicPr>
+          <p:nvPr/>
+        </p:nvPicPr>
+        <p:blipFill>
+          <a:blip r:embed="rId5" cstate="print">
+            <a:extLst>
+              <a:ext uri="{28A0092B-C50C-407E-A947-70E740481C1C}">
+                <a14:useLocalDpi xmlns:a14="http://schemas.microsoft.com/office/drawing/2010/main" val="0"/>
+              </a:ext>
+            </a:extLst>
+          </a:blip>
+          <a:stretch>
+            <a:fillRect/>
+          </a:stretch>
+        </p:blipFill>
+        <p:spPr>
+          <a:xfrm>
+            <a:off x="4843350" y="1622417"/>
+            <a:ext cx="4273472" cy="3443633"/>
+          </a:xfrm>
+          <a:prstGeom prst="rect">
+            <a:avLst/>
+          </a:prstGeom>
+        </p:spPr>
+      </p:pic>
+      <mc:AlternateContent xmlns:mc="http://schemas.openxmlformats.org/markup-compatibility/2006">
+        <mc:Choice xmlns:a14="http://schemas.microsoft.com/office/drawing/2010/main" Requires="a14">
+          <p:sp>
+            <p:nvSpPr>
+              <p:cNvPr id="17" name="Text Box 9"/>
+              <p:cNvSpPr txBox="1">
+                <a:spLocks noChangeArrowheads="1"/>
+              </p:cNvSpPr>
+              <p:nvPr/>
+            </p:nvSpPr>
+            <p:spPr bwMode="auto">
+              <a:xfrm>
+                <a:off x="1006676" y="5224811"/>
+                <a:ext cx="8137324" cy="1185324"/>
+              </a:xfrm>
+              <a:prstGeom prst="rect">
+                <a:avLst/>
+              </a:prstGeom>
+              <a:noFill/>
+              <a:ln w="9525">
+                <a:noFill/>
+                <a:miter lim="800000"/>
+                <a:headEnd/>
+                <a:tailEnd/>
+              </a:ln>
+              <a:effectLst/>
+            </p:spPr>
+            <p:txBody>
+              <a:bodyPr wrap="square">
+                <a:spAutoFit/>
+              </a:bodyPr>
+              <a:lstStyle/>
+              <a:p>
+                <a:pPr marL="342900" indent="-342900">
+                  <a:lnSpc>
+                    <a:spcPct val="150000"/>
+                  </a:lnSpc>
+                  <a:buFont typeface="Courier New" panose="02070309020205020404" pitchFamily="49" charset="0"/>
+                  <a:buChar char="o"/>
+                </a:pPr>
+                <a:r>
+                  <a:rPr lang="en-US" sz="2000" dirty="0" smtClean="0">
+                    <a:latin typeface="Times New Roman" panose="02020603050405020304" pitchFamily="18" charset="0"/>
+                    <a:cs typeface="Times New Roman" panose="02020603050405020304" pitchFamily="18" charset="0"/>
+                  </a:rPr>
+                  <a:t>Minimum RMS current is achieved at </a:t>
+                </a:r>
+                <a14:m>
+                  <m:oMath xmlns:m="http://schemas.openxmlformats.org/officeDocument/2006/math">
+                    <m:f>
+                      <m:fPr>
+                        <m:ctrlPr>
+                          <a:rPr lang="en-US" sz="2000" b="1" smtClean="0">
+                            <a:latin typeface="Cambria Math" panose="02040503050406030204" pitchFamily="18" charset="0"/>
+                            <a:cs typeface="Times New Roman" panose="02020603050405020304" pitchFamily="18" charset="0"/>
+                          </a:rPr>
+                        </m:ctrlPr>
+                      </m:fPr>
+                      <m:num>
+                        <m:r>
+                          <a:rPr lang="en-US" sz="2000" b="1" i="0">
+                            <a:latin typeface="Cambria Math" panose="02040503050406030204" pitchFamily="18" charset="0"/>
+                            <a:cs typeface="Times New Roman" panose="02020603050405020304" pitchFamily="18" charset="0"/>
+                          </a:rPr>
+                          <m:t>𝟐</m:t>
+                        </m:r>
+                        <m:r>
+                          <a:rPr lang="en-US" sz="2000" b="1" i="0">
+                            <a:latin typeface="Cambria Math" panose="02040503050406030204" pitchFamily="18" charset="0"/>
+                            <a:cs typeface="Times New Roman" panose="02020603050405020304" pitchFamily="18" charset="0"/>
+                          </a:rPr>
+                          <m:t>𝛑</m:t>
+                        </m:r>
+                        <m:r>
+                          <a:rPr lang="en-US" sz="2000" b="1" i="0">
+                            <a:latin typeface="Cambria Math" panose="02040503050406030204" pitchFamily="18" charset="0"/>
+                            <a:ea typeface="Cambria Math" panose="02040503050406030204" pitchFamily="18" charset="0"/>
+                            <a:cs typeface="Times New Roman" panose="02020603050405020304" pitchFamily="18" charset="0"/>
+                          </a:rPr>
+                          <m:t>±</m:t>
+                        </m:r>
+                        <m:f>
+                          <m:fPr>
+                            <m:type m:val="skw"/>
+                            <m:ctrlPr>
+                              <a:rPr lang="en-US" sz="2000" b="1">
+                                <a:latin typeface="Cambria Math" panose="02040503050406030204" pitchFamily="18" charset="0"/>
+                                <a:ea typeface="Cambria Math" panose="02040503050406030204" pitchFamily="18" charset="0"/>
+                                <a:cs typeface="Times New Roman" panose="02020603050405020304" pitchFamily="18" charset="0"/>
+                              </a:rPr>
+                            </m:ctrlPr>
+                          </m:fPr>
+                          <m:num>
+                            <m:r>
+                              <a:rPr lang="en-US" sz="2000" b="1" i="0">
+                                <a:latin typeface="Cambria Math" panose="02040503050406030204" pitchFamily="18" charset="0"/>
+                                <a:cs typeface="Times New Roman" panose="02020603050405020304" pitchFamily="18" charset="0"/>
+                              </a:rPr>
+                              <m:t>𝛑</m:t>
+                            </m:r>
+                          </m:num>
+                          <m:den>
+                            <m:r>
+                              <a:rPr lang="en-US" sz="2000" b="1" i="0">
+                                <a:latin typeface="Cambria Math" panose="02040503050406030204" pitchFamily="18" charset="0"/>
+                                <a:ea typeface="Cambria Math" panose="02040503050406030204" pitchFamily="18" charset="0"/>
+                                <a:cs typeface="Times New Roman" panose="02020603050405020304" pitchFamily="18" charset="0"/>
+                              </a:rPr>
+                              <m:t>𝟑</m:t>
+                            </m:r>
+                          </m:den>
+                        </m:f>
+                      </m:num>
+                      <m:den>
+                        <m:r>
+                          <a:rPr lang="en-US" sz="2000" b="1" i="0" smtClean="0">
+                            <a:latin typeface="Cambria Math" panose="02040503050406030204" pitchFamily="18" charset="0"/>
+                            <a:cs typeface="Times New Roman" panose="02020603050405020304" pitchFamily="18" charset="0"/>
+                          </a:rPr>
+                          <m:t>𝐧</m:t>
+                        </m:r>
+                      </m:den>
+                    </m:f>
+                  </m:oMath>
+                </a14:m>
+                <a:r>
+                  <a:rPr lang="en-US" sz="2000" b="1" dirty="0" smtClean="0">
+                    <a:latin typeface="Times New Roman" panose="02020603050405020304" pitchFamily="18" charset="0"/>
+                    <a:cs typeface="Times New Roman" panose="02020603050405020304" pitchFamily="18" charset="0"/>
+                  </a:rPr>
+                  <a:t> </a:t>
+                </a:r>
+                <a:r>
+                  <a:rPr lang="en-US" sz="2000" dirty="0" smtClean="0">
+                    <a:latin typeface="Times New Roman" panose="02020603050405020304" pitchFamily="18" charset="0"/>
+                    <a:cs typeface="Times New Roman" panose="02020603050405020304" pitchFamily="18" charset="0"/>
+                  </a:rPr>
+                  <a:t>for even number of modules</a:t>
+                </a:r>
+                <a:endParaRPr lang="en-US" sz="2000" dirty="0" smtClean="0">
+                  <a:latin typeface="Times New Roman" panose="02020603050405020304" pitchFamily="18" charset="0"/>
+                  <a:cs typeface="Times New Roman" panose="02020603050405020304" pitchFamily="18" charset="0"/>
+                </a:endParaRPr>
+              </a:p>
+              <a:p>
+                <a:pPr marL="342900" indent="-342900">
+                  <a:lnSpc>
+                    <a:spcPct val="150000"/>
+                  </a:lnSpc>
+                  <a:buFont typeface="Courier New" panose="02070309020205020404" pitchFamily="49" charset="0"/>
+                  <a:buChar char="o"/>
+                </a:pPr>
+                <a:r>
+                  <a:rPr lang="tr-TR" sz="2000" dirty="0" err="1" smtClean="0">
+                    <a:latin typeface="Times New Roman" panose="02020603050405020304" pitchFamily="18" charset="0"/>
+                    <a:cs typeface="Times New Roman" panose="02020603050405020304" pitchFamily="18" charset="0"/>
+                  </a:rPr>
+                  <a:t>It</a:t>
+                </a:r>
+                <a:r>
+                  <a:rPr lang="tr-TR" sz="2000" dirty="0" smtClean="0">
+                    <a:latin typeface="Times New Roman" panose="02020603050405020304" pitchFamily="18" charset="0"/>
+                    <a:cs typeface="Times New Roman" panose="02020603050405020304" pitchFamily="18" charset="0"/>
+                  </a:rPr>
+                  <a:t> is not </a:t>
+                </a:r>
+                <a:r>
+                  <a:rPr lang="tr-TR" sz="2000" dirty="0" err="1" smtClean="0">
+                    <a:latin typeface="Times New Roman" panose="02020603050405020304" pitchFamily="18" charset="0"/>
+                    <a:cs typeface="Times New Roman" panose="02020603050405020304" pitchFamily="18" charset="0"/>
+                  </a:rPr>
+                  <a:t>practical</a:t>
+                </a:r>
+                <a:r>
+                  <a:rPr lang="tr-TR" sz="2000" dirty="0" smtClean="0">
+                    <a:latin typeface="Times New Roman" panose="02020603050405020304" pitchFamily="18" charset="0"/>
+                    <a:cs typeface="Times New Roman" panose="02020603050405020304" pitchFamily="18" charset="0"/>
+                  </a:rPr>
+                  <a:t> </a:t>
+                </a:r>
+                <a:r>
+                  <a:rPr lang="tr-TR" sz="2000" dirty="0" err="1" smtClean="0">
+                    <a:latin typeface="Times New Roman" panose="02020603050405020304" pitchFamily="18" charset="0"/>
+                    <a:cs typeface="Times New Roman" panose="02020603050405020304" pitchFamily="18" charset="0"/>
+                  </a:rPr>
+                  <a:t>to</a:t>
+                </a:r>
+                <a:r>
+                  <a:rPr lang="tr-TR" sz="2000" dirty="0" smtClean="0">
+                    <a:latin typeface="Times New Roman" panose="02020603050405020304" pitchFamily="18" charset="0"/>
+                    <a:cs typeface="Times New Roman" panose="02020603050405020304" pitchFamily="18" charset="0"/>
+                  </a:rPr>
+                  <a:t> </a:t>
+                </a:r>
+                <a:r>
+                  <a:rPr lang="tr-TR" sz="2000" dirty="0" err="1" smtClean="0">
+                    <a:latin typeface="Times New Roman" panose="02020603050405020304" pitchFamily="18" charset="0"/>
+                    <a:cs typeface="Times New Roman" panose="02020603050405020304" pitchFamily="18" charset="0"/>
+                  </a:rPr>
+                  <a:t>use</a:t>
+                </a:r>
+                <a:r>
+                  <a:rPr lang="tr-TR" sz="2000" dirty="0" smtClean="0">
+                    <a:latin typeface="Times New Roman" panose="02020603050405020304" pitchFamily="18" charset="0"/>
+                    <a:cs typeface="Times New Roman" panose="02020603050405020304" pitchFamily="18" charset="0"/>
+                  </a:rPr>
+                  <a:t> </a:t>
+                </a:r>
+                <a:r>
+                  <a:rPr lang="tr-TR" sz="2000" dirty="0" err="1" smtClean="0">
+                    <a:latin typeface="Times New Roman" panose="02020603050405020304" pitchFamily="18" charset="0"/>
+                    <a:cs typeface="Times New Roman" panose="02020603050405020304" pitchFamily="18" charset="0"/>
+                  </a:rPr>
+                  <a:t>number</a:t>
+                </a:r>
+                <a:r>
+                  <a:rPr lang="tr-TR" sz="2000" dirty="0" smtClean="0">
+                    <a:latin typeface="Times New Roman" panose="02020603050405020304" pitchFamily="18" charset="0"/>
+                    <a:cs typeface="Times New Roman" panose="02020603050405020304" pitchFamily="18" charset="0"/>
+                  </a:rPr>
+                  <a:t> of </a:t>
+                </a:r>
+                <a:r>
+                  <a:rPr lang="tr-TR" sz="2000" dirty="0" err="1" smtClean="0">
+                    <a:latin typeface="Times New Roman" panose="02020603050405020304" pitchFamily="18" charset="0"/>
+                    <a:cs typeface="Times New Roman" panose="02020603050405020304" pitchFamily="18" charset="0"/>
+                  </a:rPr>
+                  <a:t>modules</a:t>
+                </a:r>
+                <a:r>
+                  <a:rPr lang="tr-TR" sz="2000" dirty="0" smtClean="0">
+                    <a:latin typeface="Times New Roman" panose="02020603050405020304" pitchFamily="18" charset="0"/>
+                    <a:cs typeface="Times New Roman" panose="02020603050405020304" pitchFamily="18" charset="0"/>
+                  </a:rPr>
+                  <a:t> </a:t>
+                </a:r>
+                <a:r>
+                  <a:rPr lang="tr-TR" sz="2000" dirty="0" err="1" smtClean="0">
+                    <a:latin typeface="Times New Roman" panose="02020603050405020304" pitchFamily="18" charset="0"/>
+                    <a:cs typeface="Times New Roman" panose="02020603050405020304" pitchFamily="18" charset="0"/>
+                  </a:rPr>
+                  <a:t>higer</a:t>
+                </a:r>
+                <a:r>
+                  <a:rPr lang="tr-TR" sz="2000" dirty="0" smtClean="0">
+                    <a:latin typeface="Times New Roman" panose="02020603050405020304" pitchFamily="18" charset="0"/>
+                    <a:cs typeface="Times New Roman" panose="02020603050405020304" pitchFamily="18" charset="0"/>
+                  </a:rPr>
+                  <a:t> </a:t>
+                </a:r>
+                <a:r>
+                  <a:rPr lang="tr-TR" sz="2000" dirty="0" err="1" smtClean="0">
+                    <a:latin typeface="Times New Roman" panose="02020603050405020304" pitchFamily="18" charset="0"/>
+                    <a:cs typeface="Times New Roman" panose="02020603050405020304" pitchFamily="18" charset="0"/>
+                  </a:rPr>
+                  <a:t>than</a:t>
+                </a:r>
+                <a:r>
+                  <a:rPr lang="tr-TR" sz="2000" dirty="0" smtClean="0">
+                    <a:latin typeface="Times New Roman" panose="02020603050405020304" pitchFamily="18" charset="0"/>
+                    <a:cs typeface="Times New Roman" panose="02020603050405020304" pitchFamily="18" charset="0"/>
+                  </a:rPr>
+                  <a:t> 4</a:t>
+                </a:r>
+                <a:endParaRPr lang="en-US" sz="2000" b="1" dirty="0" smtClean="0">
+                  <a:latin typeface="Times New Roman" panose="02020603050405020304" pitchFamily="18" charset="0"/>
+                  <a:cs typeface="Times New Roman" panose="02020603050405020304" pitchFamily="18" charset="0"/>
+                </a:endParaRPr>
+              </a:p>
+            </p:txBody>
+          </p:sp>
+        </mc:Choice>
+        <mc:Fallback>
+          <p:sp>
+            <p:nvSpPr>
+              <p:cNvPr id="17" name="Text Box 9"/>
+              <p:cNvSpPr txBox="1">
+                <a:spLocks noRot="1" noChangeAspect="1" noMove="1" noResize="1" noEditPoints="1" noAdjustHandles="1" noChangeArrowheads="1" noChangeShapeType="1" noTextEdit="1"/>
+              </p:cNvSpPr>
+              <p:nvPr/>
+            </p:nvSpPr>
+            <p:spPr bwMode="auto">
+              <a:xfrm>
+                <a:off x="1006676" y="5224811"/>
+                <a:ext cx="8137324" cy="1185324"/>
+              </a:xfrm>
+              <a:prstGeom prst="rect">
+                <a:avLst/>
+              </a:prstGeom>
+              <a:blipFill rotWithShape="0">
+                <a:blip r:embed="rId6"/>
+                <a:stretch>
+                  <a:fillRect l="-674" b="-9231"/>
+                </a:stretch>
+              </a:blipFill>
+              <a:ln w="9525">
+                <a:noFill/>
+                <a:miter lim="800000"/>
+                <a:headEnd/>
+                <a:tailEnd/>
+              </a:ln>
+              <a:effectLst/>
+            </p:spPr>
+            <p:txBody>
+              <a:bodyPr/>
+              <a:lstStyle/>
+              <a:p>
+                <a:r>
+                  <a:rPr lang="en-US">
+                    <a:noFill/>
+                  </a:rPr>
+                  <a:t> </a:t>
+                </a:r>
+              </a:p>
+            </p:txBody>
+          </p:sp>
+        </mc:Fallback>
+      </mc:AlternateContent>
     </p:spTree>
     <p:extLst>
       <p:ext uri="{BB962C8B-B14F-4D97-AF65-F5344CB8AC3E}">
@@ -15228,7 +20572,7 @@
                                           </p:stCondLst>
                                         </p:cTn>
                                         <p:tgtEl>
-                                          <p:spTgt spid="13"/>
+                                          <p:spTgt spid="4"/>
                                         </p:tgtEl>
                                         <p:attrNameLst>
                                           <p:attrName>style.visibility</p:attrName>
@@ -15242,7 +20586,7 @@
                                       <p:cBhvr>
                                         <p:cTn id="7" dur="500"/>
                                         <p:tgtEl>
-                                          <p:spTgt spid="13"/>
+                                          <p:spTgt spid="4"/>
                                         </p:tgtEl>
                                       </p:cBhvr>
                                     </p:animEffect>
@@ -15268,7 +20612,7 @@
                             </p:stCondLst>
                             <p:childTnLst>
                               <p:par>
-                                <p:cTn id="10" presetID="1" presetClass="entr" presetSubtype="0" fill="hold" nodeType="clickEffect">
+                                <p:cTn id="10" presetID="6" presetClass="entr" presetSubtype="16" fill="hold" nodeType="clickEffect">
                                   <p:stCondLst>
                                     <p:cond delay="0"/>
                                   </p:stCondLst>
@@ -15281,7 +20625,7 @@
                                           </p:stCondLst>
                                         </p:cTn>
                                         <p:tgtEl>
-                                          <p:spTgt spid="3"/>
+                                          <p:spTgt spid="5"/>
                                         </p:tgtEl>
                                         <p:attrNameLst>
                                           <p:attrName>style.visibility</p:attrName>
@@ -15291,6 +20635,136 @@
                                         <p:strVal val="visible"/>
                                       </p:to>
                                     </p:set>
+                                    <p:animEffect transition="in" filter="circle(in)">
+                                      <p:cBhvr>
+                                        <p:cTn id="12" dur="2000"/>
+                                        <p:tgtEl>
+                                          <p:spTgt spid="5"/>
+                                        </p:tgtEl>
+                                      </p:cBhvr>
+                                    </p:animEffect>
+                                  </p:childTnLst>
+                                </p:cTn>
+                              </p:par>
+                            </p:childTnLst>
+                          </p:cTn>
+                        </p:par>
+                      </p:childTnLst>
+                    </p:cTn>
+                  </p:par>
+                  <p:par>
+                    <p:cTn id="13" fill="hold">
+                      <p:stCondLst>
+                        <p:cond delay="indefinite"/>
+                      </p:stCondLst>
+                      <p:childTnLst>
+                        <p:par>
+                          <p:cTn id="14" fill="hold">
+                            <p:stCondLst>
+                              <p:cond delay="0"/>
+                            </p:stCondLst>
+                            <p:childTnLst>
+                              <p:par>
+                                <p:cTn id="15" presetID="10" presetClass="entr" presetSubtype="0" fill="hold" nodeType="clickEffect">
+                                  <p:stCondLst>
+                                    <p:cond delay="0"/>
+                                  </p:stCondLst>
+                                  <p:childTnLst>
+                                    <p:set>
+                                      <p:cBhvr>
+                                        <p:cTn id="16" dur="1" fill="hold">
+                                          <p:stCondLst>
+                                            <p:cond delay="0"/>
+                                          </p:stCondLst>
+                                        </p:cTn>
+                                        <p:tgtEl>
+                                          <p:spTgt spid="17">
+                                            <p:txEl>
+                                              <p:pRg st="0" end="0"/>
+                                            </p:txEl>
+                                          </p:spTgt>
+                                        </p:tgtEl>
+                                        <p:attrNameLst>
+                                          <p:attrName>style.visibility</p:attrName>
+                                        </p:attrNameLst>
+                                      </p:cBhvr>
+                                      <p:to>
+                                        <p:strVal val="visible"/>
+                                      </p:to>
+                                    </p:set>
+                                    <p:animEffect transition="in" filter="fade">
+                                      <p:cBhvr>
+                                        <p:cTn id="17" dur="500"/>
+                                        <p:tgtEl>
+                                          <p:spTgt spid="17">
+                                            <p:txEl>
+                                              <p:pRg st="0" end="0"/>
+                                            </p:txEl>
+                                          </p:spTgt>
+                                        </p:tgtEl>
+                                      </p:cBhvr>
+                                    </p:animEffect>
+                                  </p:childTnLst>
+                                </p:cTn>
+                              </p:par>
+                            </p:childTnLst>
+                          </p:cTn>
+                        </p:par>
+                      </p:childTnLst>
+                    </p:cTn>
+                  </p:par>
+                  <p:par>
+                    <p:cTn id="18" fill="hold">
+                      <p:stCondLst>
+                        <p:cond delay="indefinite"/>
+                      </p:stCondLst>
+                      <p:childTnLst>
+                        <p:par>
+                          <p:cTn id="19" fill="hold">
+                            <p:stCondLst>
+                              <p:cond delay="0"/>
+                            </p:stCondLst>
+                            <p:childTnLst>
+                              <p:par>
+                                <p:cTn id="20" presetID="10" presetClass="entr" presetSubtype="0" fill="hold" nodeType="clickEffect">
+                                  <p:stCondLst>
+                                    <p:cond delay="0"/>
+                                  </p:stCondLst>
+                                  <p:childTnLst>
+                                    <p:set>
+                                      <p:cBhvr>
+                                        <p:cTn id="21" dur="1" fill="hold">
+                                          <p:stCondLst>
+                                            <p:cond delay="0"/>
+                                          </p:stCondLst>
+                                        </p:cTn>
+                                        <p:tgtEl>
+                                          <p:spTgt spid="17">
+                                            <p:txEl>
+                                              <p:pRg st="1" end="1"/>
+                                            </p:txEl>
+                                          </p:spTgt>
+                                        </p:tgtEl>
+                                        <p:attrNameLst>
+                                          <p:attrName>style.visibility</p:attrName>
+                                        </p:attrNameLst>
+                                      </p:cBhvr>
+                                      <p:to>
+                                        <p:strVal val="visible"/>
+                                      </p:to>
+                                    </p:set>
+                                    <p:animEffect transition="in" filter="fade">
+                                      <p:cBhvr>
+                                        <p:cTn id="22" dur="500"/>
+                                        <p:tgtEl>
+                                          <p:spTgt spid="17">
+                                            <p:txEl>
+                                              <p:pRg st="1" end="1"/>
+                                            </p:txEl>
+                                          </p:spTgt>
+                                        </p:tgtEl>
+                                      </p:cBhvr>
+                                    </p:animEffect>
                                   </p:childTnLst>
                                 </p:cTn>
                               </p:par>
@@ -15511,7 +20985,7 @@
         <p:spPr bwMode="auto">
           <a:xfrm>
             <a:off x="1189918" y="1143000"/>
-            <a:ext cx="7649282" cy="769441"/>
+            <a:ext cx="7649282" cy="523220"/>
           </a:xfrm>
           <a:prstGeom prst="rect">
             <a:avLst/>
@@ -15533,37 +21007,34 @@
           <a:p>
             <a:pPr algn="ctr"/>
             <a:r>
-              <a:rPr lang="tr-TR" sz="2400" dirty="0" err="1" smtClean="0">
-                <a:latin typeface="Times New Roman" panose="02020603050405020304" pitchFamily="18" charset="0"/>
-                <a:cs typeface="Times New Roman" panose="02020603050405020304" pitchFamily="18" charset="0"/>
-              </a:rPr>
-              <a:t>Effect</a:t>
-            </a:r>
-            <a:r>
-              <a:rPr lang="tr-TR" sz="2400" dirty="0" smtClean="0">
-                <a:latin typeface="Times New Roman" panose="02020603050405020304" pitchFamily="18" charset="0"/>
-                <a:cs typeface="Times New Roman" panose="02020603050405020304" pitchFamily="18" charset="0"/>
-              </a:rPr>
-              <a:t> of </a:t>
-            </a:r>
-            <a:r>
-              <a:rPr lang="tr-TR" sz="2400" dirty="0" err="1" smtClean="0">
-                <a:latin typeface="Times New Roman" panose="02020603050405020304" pitchFamily="18" charset="0"/>
-                <a:cs typeface="Times New Roman" panose="02020603050405020304" pitchFamily="18" charset="0"/>
-              </a:rPr>
-              <a:t>interleaving</a:t>
-            </a:r>
-            <a:endParaRPr lang="en-US" sz="2400" dirty="0" smtClean="0">
-              <a:latin typeface="Times New Roman" panose="02020603050405020304" pitchFamily="18" charset="0"/>
-              <a:cs typeface="Times New Roman" panose="02020603050405020304" pitchFamily="18" charset="0"/>
-            </a:endParaRPr>
-          </a:p>
-          <a:p>
-            <a:pPr marL="800100" lvl="1" indent="-342900" algn="ctr">
-              <a:buFont typeface="Wingdings" panose="05000000000000000000" pitchFamily="2" charset="2"/>
-              <a:buChar char="ü"/>
-            </a:pPr>
-            <a:endParaRPr lang="en-US" sz="2000" b="1" dirty="0">
+              <a:rPr lang="tr-TR" sz="2800" u="sng" dirty="0" smtClean="0">
+                <a:latin typeface="Times New Roman" panose="02020603050405020304" pitchFamily="18" charset="0"/>
+                <a:cs typeface="Times New Roman" panose="02020603050405020304" pitchFamily="18" charset="0"/>
+              </a:rPr>
+              <a:t>DC Link </a:t>
+            </a:r>
+            <a:r>
+              <a:rPr lang="tr-TR" sz="2800" u="sng" dirty="0" err="1" smtClean="0">
+                <a:latin typeface="Times New Roman" panose="02020603050405020304" pitchFamily="18" charset="0"/>
+                <a:cs typeface="Times New Roman" panose="02020603050405020304" pitchFamily="18" charset="0"/>
+              </a:rPr>
+              <a:t>capacitor</a:t>
+            </a:r>
+            <a:r>
+              <a:rPr lang="tr-TR" sz="2800" u="sng" dirty="0" smtClean="0">
+                <a:latin typeface="Times New Roman" panose="02020603050405020304" pitchFamily="18" charset="0"/>
+                <a:cs typeface="Times New Roman" panose="02020603050405020304" pitchFamily="18" charset="0"/>
+              </a:rPr>
+              <a:t> </a:t>
+            </a:r>
+            <a:r>
+              <a:rPr lang="tr-TR" sz="2800" u="sng" dirty="0" err="1" smtClean="0">
+                <a:latin typeface="Times New Roman" panose="02020603050405020304" pitchFamily="18" charset="0"/>
+                <a:cs typeface="Times New Roman" panose="02020603050405020304" pitchFamily="18" charset="0"/>
+              </a:rPr>
+              <a:t>types</a:t>
+            </a:r>
+            <a:endParaRPr lang="en-US" sz="2800" u="sng" dirty="0" smtClean="0">
               <a:latin typeface="Times New Roman" panose="02020603050405020304" pitchFamily="18" charset="0"/>
               <a:cs typeface="Times New Roman" panose="02020603050405020304" pitchFamily="18" charset="0"/>
             </a:endParaRPr>
@@ -15594,32 +21065,32 @@
           <a:p>
             <a:pPr algn="ctr"/>
             <a:r>
+              <a:rPr lang="tr-TR" sz="3000" dirty="0">
+                <a:latin typeface="Times New Roman" panose="02020603050405020304" pitchFamily="18" charset="0"/>
+                <a:cs typeface="Times New Roman" panose="02020603050405020304" pitchFamily="18" charset="0"/>
+              </a:rPr>
+              <a:t>DC Link </a:t>
+            </a:r>
+            <a:r>
+              <a:rPr lang="tr-TR" sz="3000" dirty="0" err="1">
+                <a:latin typeface="Times New Roman" panose="02020603050405020304" pitchFamily="18" charset="0"/>
+                <a:cs typeface="Times New Roman" panose="02020603050405020304" pitchFamily="18" charset="0"/>
+              </a:rPr>
+              <a:t>Capacitor</a:t>
+            </a:r>
+            <a:r>
+              <a:rPr lang="tr-TR" sz="3000" dirty="0">
+                <a:latin typeface="Times New Roman" panose="02020603050405020304" pitchFamily="18" charset="0"/>
+                <a:cs typeface="Times New Roman" panose="02020603050405020304" pitchFamily="18" charset="0"/>
+              </a:rPr>
+              <a:t> </a:t>
+            </a:r>
+            <a:r>
               <a:rPr lang="tr-TR" sz="3000" dirty="0" smtClean="0">
                 <a:latin typeface="Times New Roman" panose="02020603050405020304" pitchFamily="18" charset="0"/>
                 <a:cs typeface="Times New Roman" panose="02020603050405020304" pitchFamily="18" charset="0"/>
               </a:rPr>
-              <a:t>DC Link </a:t>
-            </a:r>
-            <a:r>
-              <a:rPr lang="tr-TR" sz="3000" dirty="0" err="1" smtClean="0">
-                <a:latin typeface="Times New Roman" panose="02020603050405020304" pitchFamily="18" charset="0"/>
-                <a:cs typeface="Times New Roman" panose="02020603050405020304" pitchFamily="18" charset="0"/>
-              </a:rPr>
-              <a:t>Capacitor</a:t>
-            </a:r>
-            <a:r>
-              <a:rPr lang="tr-TR" sz="3000" dirty="0" smtClean="0">
-                <a:latin typeface="Times New Roman" panose="02020603050405020304" pitchFamily="18" charset="0"/>
-                <a:cs typeface="Times New Roman" panose="02020603050405020304" pitchFamily="18" charset="0"/>
-              </a:rPr>
-              <a:t> </a:t>
-            </a:r>
-            <a:r>
-              <a:rPr lang="tr-TR" sz="3000" dirty="0" err="1" smtClean="0">
-                <a:latin typeface="Times New Roman" panose="02020603050405020304" pitchFamily="18" charset="0"/>
-                <a:cs typeface="Times New Roman" panose="02020603050405020304" pitchFamily="18" charset="0"/>
-              </a:rPr>
-              <a:t>Selection</a:t>
+              <a:t>Evaluation</a:t>
             </a:r>
             <a:endParaRPr lang="tr-TR" sz="3000" dirty="0">
               <a:latin typeface="Times New Roman" panose="02020603050405020304" pitchFamily="18" charset="0"/>
@@ -15628,30 +21099,6 @@
           </a:p>
         </p:txBody>
       </p:sp>
-      <p:pic>
-        <p:nvPicPr>
-          <p:cNvPr id="16" name="Picture 15"/>
-          <p:cNvPicPr>
-            <a:picLocks noChangeAspect="1"/>
-          </p:cNvPicPr>
-          <p:nvPr/>
-        </p:nvPicPr>
-        <p:blipFill>
-          <a:blip r:embed="rId2"/>
-          <a:stretch>
-            <a:fillRect/>
-          </a:stretch>
-        </p:blipFill>
-        <p:spPr>
-          <a:xfrm>
-            <a:off x="2071007" y="1752600"/>
-            <a:ext cx="5945768" cy="4400550"/>
-          </a:xfrm>
-          <a:prstGeom prst="rect">
-            <a:avLst/>
-          </a:prstGeom>
-        </p:spPr>
-      </p:pic>
       <p:pic>
         <p:nvPicPr>
           <p:cNvPr id="12" name="Picture 11"/>
@@ -15661,7 +21108,7 @@
           <p:nvPr/>
         </p:nvPicPr>
         <p:blipFill>
-          <a:blip r:embed="rId3" cstate="print">
+          <a:blip r:embed="rId2" cstate="print">
             <a:extLst>
               <a:ext uri="{28A0092B-C50C-407E-A947-70E740481C1C}">
                 <a14:useLocalDpi xmlns:a14="http://schemas.microsoft.com/office/drawing/2010/main" val="0"/>
@@ -15684,14 +21131,14 @@
       </p:pic>
       <p:pic>
         <p:nvPicPr>
-          <p:cNvPr id="13" name="Picture 2" descr="C:\Users\Mesut\Desktop\aselsan sunum\aselsan sunum 10 ekim\aselsan sunum\cezmi bey\ODTU.png"/>
+          <p:cNvPr id="16" name="Picture 2" descr="C:\Users\Mesut\Desktop\aselsan sunum\aselsan sunum 10 ekim\aselsan sunum\cezmi bey\ODTU.png"/>
           <p:cNvPicPr>
             <a:picLocks noChangeAspect="1" noChangeArrowheads="1"/>
           </p:cNvPicPr>
           <p:nvPr/>
         </p:nvPicPr>
         <p:blipFill>
-          <a:blip r:embed="rId4" cstate="print">
+          <a:blip r:embed="rId3" cstate="print">
             <a:extLst>
               <a:ext uri="{28A0092B-C50C-407E-A947-70E740481C1C}">
                 <a14:useLocalDpi xmlns:a14="http://schemas.microsoft.com/office/drawing/2010/main" val="0"/>
@@ -15723,10 +21170,34 @@
           </a:extLst>
         </p:spPr>
       </p:pic>
+      <p:pic>
+        <p:nvPicPr>
+          <p:cNvPr id="3" name="Picture 2"/>
+          <p:cNvPicPr>
+            <a:picLocks noChangeAspect="1"/>
+          </p:cNvPicPr>
+          <p:nvPr/>
+        </p:nvPicPr>
+        <p:blipFill>
+          <a:blip r:embed="rId4"/>
+          <a:stretch>
+            <a:fillRect/>
+          </a:stretch>
+        </p:blipFill>
+        <p:spPr>
+          <a:xfrm>
+            <a:off x="2632942" y="2286000"/>
+            <a:ext cx="4763233" cy="2898935"/>
+          </a:xfrm>
+          <a:prstGeom prst="rect">
+            <a:avLst/>
+          </a:prstGeom>
+        </p:spPr>
+      </p:pic>
     </p:spTree>
     <p:extLst>
       <p:ext uri="{BB962C8B-B14F-4D97-AF65-F5344CB8AC3E}">
-        <p14:creationId xmlns:p14="http://schemas.microsoft.com/office/powerpoint/2010/main" val="897898180"/>
+        <p14:creationId xmlns:p14="http://schemas.microsoft.com/office/powerpoint/2010/main" val="1890863854"/>
       </p:ext>
     </p:extLst>
   </p:cSld>
@@ -15736,75 +21207,7 @@
   <p:timing>
     <p:tnLst>
       <p:par>
-        <p:cTn id="1" dur="indefinite" restart="never" nodeType="tmRoot">
-          <p:childTnLst>
-            <p:seq concurrent="1" nextAc="seek">
-              <p:cTn id="2" dur="indefinite" nodeType="mainSeq">
-                <p:childTnLst>
-                  <p:par>
-                    <p:cTn id="3" fill="hold">
-                      <p:stCondLst>
-                        <p:cond delay="indefinite"/>
-                      </p:stCondLst>
-                      <p:childTnLst>
-                        <p:par>
-                          <p:cTn id="4" fill="hold">
-                            <p:stCondLst>
-                              <p:cond delay="0"/>
-                            </p:stCondLst>
-                            <p:childTnLst>
-                              <p:par>
-                                <p:cTn id="5" presetID="1" presetClass="entr" presetSubtype="0" fill="hold" nodeType="clickEffect">
-                                  <p:stCondLst>
-                                    <p:cond delay="0"/>
-                                  </p:stCondLst>
-                                  <p:childTnLst>
-                                    <p:set>
-                                      <p:cBhvr>
-                                        <p:cTn id="6" dur="1" fill="hold">
-                                          <p:stCondLst>
-                                            <p:cond delay="0"/>
-                                          </p:stCondLst>
-                                        </p:cTn>
-                                        <p:tgtEl>
-                                          <p:spTgt spid="16"/>
-                                        </p:tgtEl>
-                                        <p:attrNameLst>
-                                          <p:attrName>style.visibility</p:attrName>
-                                        </p:attrNameLst>
-                                      </p:cBhvr>
-                                      <p:to>
-                                        <p:strVal val="visible"/>
-                                      </p:to>
-                                    </p:set>
-                                  </p:childTnLst>
-                                </p:cTn>
-                              </p:par>
-                            </p:childTnLst>
-                          </p:cTn>
-                        </p:par>
-                      </p:childTnLst>
-                    </p:cTn>
-                  </p:par>
-                </p:childTnLst>
-              </p:cTn>
-              <p:prevCondLst>
-                <p:cond evt="onPrev" delay="0">
-                  <p:tgtEl>
-                    <p:sldTgt/>
-                  </p:tgtEl>
-                </p:cond>
-              </p:prevCondLst>
-              <p:nextCondLst>
-                <p:cond evt="onNext" delay="0">
-                  <p:tgtEl>
-                    <p:sldTgt/>
-                  </p:tgtEl>
-                </p:cond>
-              </p:nextCondLst>
-            </p:seq>
-          </p:childTnLst>
-        </p:cTn>
+        <p:cTn id="1" dur="indefinite" restart="never" nodeType="tmRoot"/>
       </p:par>
     </p:tnLst>
   </p:timing>

--- a/ISIE 2017/sunum/ISIE2017_OralPres_Mesut_Uğur.pptx
+++ b/ISIE 2017/sunum/ISIE2017_OralPres_Mesut_Uğur.pptx
@@ -223,7 +223,7 @@
           <a:p>
             <a:fld id="{D1C008C1-D970-43BD-9678-58985B84B3B0}" type="datetimeFigureOut">
               <a:rPr lang="tr-TR" smtClean="0"/>
-              <a:t>01.06.2017</a:t>
+              <a:t>04.06.2017</a:t>
             </a:fld>
             <a:endParaRPr lang="tr-TR"/>
           </a:p>
@@ -840,7 +840,7 @@
           <a:p>
             <a:fld id="{D275723C-A363-4114-BE18-3E9589C2B9C2}" type="datetime1">
               <a:rPr lang="en-US" smtClean="0"/>
-              <a:t>6/1/2017</a:t>
+              <a:t>6/4/2017</a:t>
             </a:fld>
             <a:endParaRPr lang="en-US" dirty="0"/>
           </a:p>
@@ -1011,7 +1011,7 @@
           <a:p>
             <a:fld id="{C5592633-93A2-4DB7-B3D8-5F6714E7EFEC}" type="datetime1">
               <a:rPr lang="en-US" smtClean="0"/>
-              <a:t>6/1/2017</a:t>
+              <a:t>6/4/2017</a:t>
             </a:fld>
             <a:endParaRPr lang="en-US" dirty="0"/>
           </a:p>
@@ -1192,7 +1192,7 @@
           <a:p>
             <a:fld id="{6F760D8D-AE05-4AF5-8666-75C48EA7B609}" type="datetime1">
               <a:rPr lang="en-US" smtClean="0"/>
-              <a:t>6/1/2017</a:t>
+              <a:t>6/4/2017</a:t>
             </a:fld>
             <a:endParaRPr lang="en-US" dirty="0"/>
           </a:p>
@@ -1363,7 +1363,7 @@
           <a:p>
             <a:fld id="{6D87B8C0-62AE-47C8-A8EF-FC863B0F06E5}" type="datetime1">
               <a:rPr lang="en-US" smtClean="0"/>
-              <a:t>6/1/2017</a:t>
+              <a:t>6/4/2017</a:t>
             </a:fld>
             <a:endParaRPr lang="en-US" dirty="0"/>
           </a:p>
@@ -1610,7 +1610,7 @@
           <a:p>
             <a:fld id="{A76C8472-C309-40FA-8240-FF6234B7F0D0}" type="datetime1">
               <a:rPr lang="en-US" smtClean="0"/>
-              <a:t>6/1/2017</a:t>
+              <a:t>6/4/2017</a:t>
             </a:fld>
             <a:endParaRPr lang="en-US" dirty="0"/>
           </a:p>
@@ -1899,7 +1899,7 @@
           <a:p>
             <a:fld id="{33196F6B-6F2E-418E-A1A6-2F06576F6EF7}" type="datetime1">
               <a:rPr lang="en-US" smtClean="0"/>
-              <a:t>6/1/2017</a:t>
+              <a:t>6/4/2017</a:t>
             </a:fld>
             <a:endParaRPr lang="en-US" dirty="0"/>
           </a:p>
@@ -2322,7 +2322,7 @@
           <a:p>
             <a:fld id="{D09CD6EC-2E00-46F1-9BD2-E1865A200410}" type="datetime1">
               <a:rPr lang="en-US" smtClean="0"/>
-              <a:t>6/1/2017</a:t>
+              <a:t>6/4/2017</a:t>
             </a:fld>
             <a:endParaRPr lang="en-US" dirty="0"/>
           </a:p>
@@ -2441,7 +2441,7 @@
           <a:p>
             <a:fld id="{C40B9E5A-6330-4749-ACDB-FB892FCFE6A5}" type="datetime1">
               <a:rPr lang="en-US" smtClean="0"/>
-              <a:t>6/1/2017</a:t>
+              <a:t>6/4/2017</a:t>
             </a:fld>
             <a:endParaRPr lang="en-US" dirty="0"/>
           </a:p>
@@ -2537,7 +2537,7 @@
           <a:p>
             <a:fld id="{1C181CB3-A768-4AD8-A97F-12E47CC1200D}" type="datetime1">
               <a:rPr lang="en-US" smtClean="0"/>
-              <a:t>6/1/2017</a:t>
+              <a:t>6/4/2017</a:t>
             </a:fld>
             <a:endParaRPr lang="en-US" dirty="0"/>
           </a:p>
@@ -2815,7 +2815,7 @@
           <a:p>
             <a:fld id="{AF3D8106-484C-46C6-8BE9-348BFA7F2DCB}" type="datetime1">
               <a:rPr lang="en-US" smtClean="0"/>
-              <a:t>6/1/2017</a:t>
+              <a:t>6/4/2017</a:t>
             </a:fld>
             <a:endParaRPr lang="en-US" dirty="0"/>
           </a:p>
@@ -3069,7 +3069,7 @@
           <a:p>
             <a:fld id="{F2A57B0D-110E-4AAD-9411-DA6CB39E8776}" type="datetime1">
               <a:rPr lang="en-US" smtClean="0"/>
-              <a:t>6/1/2017</a:t>
+              <a:t>6/4/2017</a:t>
             </a:fld>
             <a:endParaRPr lang="en-US" dirty="0"/>
           </a:p>
@@ -3302,7 +3302,7 @@
           <a:p>
             <a:fld id="{FB4B5B0E-55D6-4DAA-879D-58BBFFC7379B}" type="datetime1">
               <a:rPr lang="en-US" smtClean="0"/>
-              <a:t>6/1/2017</a:t>
+              <a:t>6/4/2017</a:t>
             </a:fld>
             <a:endParaRPr lang="en-US" dirty="0"/>
           </a:p>
@@ -4343,10 +4343,6 @@
               </a:rPr>
               <a:t>Capacitor selection aspects</a:t>
             </a:r>
-            <a:endParaRPr lang="en-US" sz="2800" u="sng" dirty="0" smtClean="0">
-              <a:latin typeface="Times New Roman" panose="02020603050405020304" pitchFamily="18" charset="0"/>
-              <a:cs typeface="Times New Roman" panose="02020603050405020304" pitchFamily="18" charset="0"/>
-            </a:endParaRPr>
           </a:p>
         </p:txBody>
       </p:sp>
@@ -10482,8 +10478,8 @@
         </p:nvSpPr>
         <p:spPr bwMode="auto">
           <a:xfrm>
-            <a:off x="1168426" y="4311644"/>
-            <a:ext cx="7954082" cy="2554545"/>
+            <a:off x="6348263" y="1149613"/>
+            <a:ext cx="2633964" cy="636072"/>
           </a:xfrm>
           <a:prstGeom prst="rect">
             <a:avLst/>
@@ -10509,27 +10505,32 @@
               </a:spcAft>
             </a:pPr>
             <a:r>
-              <a:rPr lang="tr-TR" sz="2000" b="1" dirty="0" smtClean="0">
-                <a:latin typeface="Times New Roman" panose="02020603050405020304" pitchFamily="18" charset="0"/>
-                <a:cs typeface="Times New Roman" panose="02020603050405020304" pitchFamily="18" charset="0"/>
-              </a:rPr>
-              <a:t>Low voltage</a:t>
-            </a:r>
-          </a:p>
-          <a:p>
-            <a:pPr marL="342900" indent="-342900" algn="l">
-              <a:spcAft>
-                <a:spcPts val="400"/>
-              </a:spcAft>
-              <a:buFont typeface="Courier New" panose="02070309020205020404" pitchFamily="49" charset="0"/>
-              <a:buChar char="o"/>
-            </a:pPr>
-            <a:r>
-              <a:rPr lang="tr-TR" sz="2000" dirty="0" smtClean="0">
-                <a:latin typeface="Times New Roman" panose="02020603050405020304" pitchFamily="18" charset="0"/>
-                <a:cs typeface="Times New Roman" panose="02020603050405020304" pitchFamily="18" charset="0"/>
-              </a:rPr>
-              <a:t>Power density and cost is bad, superior thermal performance</a:t>
+              <a:rPr lang="tr-TR" sz="1600" dirty="0" smtClean="0">
+                <a:latin typeface="Times New Roman" panose="02020603050405020304" pitchFamily="18" charset="0"/>
+                <a:cs typeface="Times New Roman" panose="02020603050405020304" pitchFamily="18" charset="0"/>
+              </a:rPr>
+              <a:t>10 </a:t>
+            </a:r>
+            <a:r>
+              <a:rPr lang="el-GR" sz="1600" dirty="0" smtClean="0">
+                <a:latin typeface="Times New Roman" panose="02020603050405020304" pitchFamily="18" charset="0"/>
+                <a:cs typeface="Times New Roman" panose="02020603050405020304" pitchFamily="18" charset="0"/>
+              </a:rPr>
+              <a:t>μ</a:t>
+            </a:r>
+            <a:r>
+              <a:rPr lang="tr-TR" sz="1600" dirty="0" smtClean="0">
+                <a:latin typeface="Times New Roman" panose="02020603050405020304" pitchFamily="18" charset="0"/>
+                <a:cs typeface="Times New Roman" panose="02020603050405020304" pitchFamily="18" charset="0"/>
+              </a:rPr>
+              <a:t>F, </a:t>
+            </a:r>
+            <a:r>
+              <a:rPr lang="tr-TR" sz="1600" dirty="0" smtClean="0">
+                <a:latin typeface="Times New Roman" panose="02020603050405020304" pitchFamily="18" charset="0"/>
+                <a:cs typeface="Times New Roman" panose="02020603050405020304" pitchFamily="18" charset="0"/>
+              </a:rPr>
+              <a:t>300 V</a:t>
             </a:r>
           </a:p>
           <a:p>
@@ -10539,88 +10540,16 @@
               </a:spcAft>
             </a:pPr>
             <a:r>
-              <a:rPr lang="tr-TR" sz="2000" b="1" dirty="0" smtClean="0">
-                <a:latin typeface="Times New Roman" panose="02020603050405020304" pitchFamily="18" charset="0"/>
-                <a:cs typeface="Times New Roman" panose="02020603050405020304" pitchFamily="18" charset="0"/>
-              </a:rPr>
-              <a:t>High voltage</a:t>
-            </a:r>
-          </a:p>
-          <a:p>
-            <a:pPr marL="342900" indent="-342900" algn="l">
-              <a:spcAft>
-                <a:spcPts val="400"/>
-              </a:spcAft>
-              <a:buFont typeface="Courier New" panose="02070309020205020404" pitchFamily="49" charset="0"/>
-              <a:buChar char="o"/>
-            </a:pPr>
-            <a:r>
-              <a:rPr lang="tr-TR" sz="2000" dirty="0" smtClean="0">
-                <a:latin typeface="Times New Roman" panose="02020603050405020304" pitchFamily="18" charset="0"/>
-                <a:cs typeface="Times New Roman" panose="02020603050405020304" pitchFamily="18" charset="0"/>
-              </a:rPr>
-              <a:t>Low capacitance yields high cost</a:t>
-            </a:r>
-          </a:p>
-          <a:p>
-            <a:pPr marL="342900" indent="-342900" algn="l">
-              <a:spcAft>
-                <a:spcPts val="400"/>
-              </a:spcAft>
-              <a:buFont typeface="Courier New" panose="02070309020205020404" pitchFamily="49" charset="0"/>
-              <a:buChar char="o"/>
-            </a:pPr>
-            <a:r>
-              <a:rPr lang="tr-TR" sz="2000" dirty="0" smtClean="0">
-                <a:latin typeface="Times New Roman" panose="02020603050405020304" pitchFamily="18" charset="0"/>
-                <a:cs typeface="Times New Roman" panose="02020603050405020304" pitchFamily="18" charset="0"/>
-              </a:rPr>
-              <a:t>High capacitance yields bad thermal performance</a:t>
-            </a:r>
-          </a:p>
-          <a:p>
-            <a:pPr algn="l">
-              <a:spcAft>
-                <a:spcPts val="400"/>
-              </a:spcAft>
-            </a:pPr>
-            <a:r>
-              <a:rPr lang="tr-TR" sz="2000" b="1" dirty="0" smtClean="0">
-                <a:latin typeface="Times New Roman" panose="02020603050405020304" pitchFamily="18" charset="0"/>
-                <a:cs typeface="Times New Roman" panose="02020603050405020304" pitchFamily="18" charset="0"/>
-              </a:rPr>
-              <a:t>Result:</a:t>
-            </a:r>
-          </a:p>
-          <a:p>
-            <a:pPr marL="342900" indent="-342900" algn="l">
-              <a:spcAft>
-                <a:spcPts val="400"/>
-              </a:spcAft>
-              <a:buFont typeface="Wingdings" panose="05000000000000000000" pitchFamily="2" charset="2"/>
-              <a:buChar char="ü"/>
-            </a:pPr>
-            <a:r>
-              <a:rPr lang="tr-TR" sz="2000" dirty="0" smtClean="0">
-                <a:latin typeface="Times New Roman" panose="02020603050405020304" pitchFamily="18" charset="0"/>
-                <a:cs typeface="Times New Roman" panose="02020603050405020304" pitchFamily="18" charset="0"/>
-              </a:rPr>
-              <a:t>4 25</a:t>
-            </a:r>
-            <a:r>
-              <a:rPr lang="el-GR" sz="2000" dirty="0" smtClean="0">
-                <a:latin typeface="Times New Roman" panose="02020603050405020304" pitchFamily="18" charset="0"/>
-                <a:cs typeface="Times New Roman" panose="02020603050405020304" pitchFamily="18" charset="0"/>
-              </a:rPr>
-              <a:t>μ</a:t>
-            </a:r>
-            <a:r>
-              <a:rPr lang="tr-TR" sz="2000" dirty="0" smtClean="0">
-                <a:latin typeface="Times New Roman" panose="02020603050405020304" pitchFamily="18" charset="0"/>
-                <a:cs typeface="Times New Roman" panose="02020603050405020304" pitchFamily="18" charset="0"/>
-              </a:rPr>
-              <a:t>F, 450V metal film capacitors connected in parallel</a:t>
-            </a:r>
+              <a:rPr lang="tr-TR" sz="1600" dirty="0" smtClean="0">
+                <a:latin typeface="Times New Roman" panose="02020603050405020304" pitchFamily="18" charset="0"/>
+                <a:cs typeface="Times New Roman" panose="02020603050405020304" pitchFamily="18" charset="0"/>
+              </a:rPr>
+              <a:t>2s, 10p</a:t>
+            </a:r>
+            <a:endParaRPr lang="tr-TR" sz="1600" dirty="0" smtClean="0">
+              <a:latin typeface="Times New Roman" panose="02020603050405020304" pitchFamily="18" charset="0"/>
+              <a:cs typeface="Times New Roman" panose="02020603050405020304" pitchFamily="18" charset="0"/>
+            </a:endParaRPr>
           </a:p>
         </p:txBody>
       </p:sp>
@@ -10697,22 +10626,28 @@
       </p:pic>
       <p:pic>
         <p:nvPicPr>
-          <p:cNvPr id="3" name="Picture 2"/>
+          <p:cNvPr id="31" name="Picture 30"/>
           <p:cNvPicPr>
             <a:picLocks noChangeAspect="1"/>
           </p:cNvPicPr>
           <p:nvPr/>
         </p:nvPicPr>
         <p:blipFill>
-          <a:blip r:embed="rId4"/>
+          <a:blip r:embed="rId4" cstate="print">
+            <a:extLst>
+              <a:ext uri="{28A0092B-C50C-407E-A947-70E740481C1C}">
+                <a14:useLocalDpi xmlns:a14="http://schemas.microsoft.com/office/drawing/2010/main" val="0"/>
+              </a:ext>
+            </a:extLst>
+          </a:blip>
           <a:stretch>
             <a:fillRect/>
           </a:stretch>
         </p:blipFill>
         <p:spPr>
           <a:xfrm>
-            <a:off x="4572000" y="1242398"/>
-            <a:ext cx="3300274" cy="3145446"/>
+            <a:off x="1220683" y="1360206"/>
+            <a:ext cx="485058" cy="485058"/>
           </a:xfrm>
           <a:prstGeom prst="rect">
             <a:avLst/>
@@ -10721,27 +10656,1726 @@
       </p:pic>
       <p:pic>
         <p:nvPicPr>
-          <p:cNvPr id="6" name="Picture 5"/>
+          <p:cNvPr id="32" name="Picture 31"/>
           <p:cNvPicPr>
             <a:picLocks noChangeAspect="1"/>
           </p:cNvPicPr>
           <p:nvPr/>
         </p:nvPicPr>
-        <p:blipFill rotWithShape="1">
-          <a:blip r:embed="rId5"/>
-          <a:srcRect r="2434"/>
-          <a:stretch/>
+        <p:blipFill>
+          <a:blip r:embed="rId4" cstate="print">
+            <a:extLst>
+              <a:ext uri="{28A0092B-C50C-407E-A947-70E740481C1C}">
+                <a14:useLocalDpi xmlns:a14="http://schemas.microsoft.com/office/drawing/2010/main" val="0"/>
+              </a:ext>
+            </a:extLst>
+          </a:blip>
+          <a:stretch>
+            <a:fillRect/>
+          </a:stretch>
         </p:blipFill>
         <p:spPr>
           <a:xfrm>
-            <a:off x="1295400" y="1424599"/>
-            <a:ext cx="3643203" cy="2943249"/>
+            <a:off x="1747151" y="1360206"/>
+            <a:ext cx="485058" cy="485058"/>
           </a:xfrm>
           <a:prstGeom prst="rect">
             <a:avLst/>
           </a:prstGeom>
         </p:spPr>
       </p:pic>
+      <p:pic>
+        <p:nvPicPr>
+          <p:cNvPr id="33" name="Picture 32"/>
+          <p:cNvPicPr>
+            <a:picLocks noChangeAspect="1"/>
+          </p:cNvPicPr>
+          <p:nvPr/>
+        </p:nvPicPr>
+        <p:blipFill>
+          <a:blip r:embed="rId4" cstate="print">
+            <a:extLst>
+              <a:ext uri="{28A0092B-C50C-407E-A947-70E740481C1C}">
+                <a14:useLocalDpi xmlns:a14="http://schemas.microsoft.com/office/drawing/2010/main" val="0"/>
+              </a:ext>
+            </a:extLst>
+          </a:blip>
+          <a:stretch>
+            <a:fillRect/>
+          </a:stretch>
+        </p:blipFill>
+        <p:spPr>
+          <a:xfrm>
+            <a:off x="2797127" y="1405043"/>
+            <a:ext cx="485058" cy="485058"/>
+          </a:xfrm>
+          <a:prstGeom prst="rect">
+            <a:avLst/>
+          </a:prstGeom>
+        </p:spPr>
+      </p:pic>
+      <p:pic>
+        <p:nvPicPr>
+          <p:cNvPr id="34" name="Picture 33"/>
+          <p:cNvPicPr>
+            <a:picLocks noChangeAspect="1"/>
+          </p:cNvPicPr>
+          <p:nvPr/>
+        </p:nvPicPr>
+        <p:blipFill>
+          <a:blip r:embed="rId4" cstate="print">
+            <a:extLst>
+              <a:ext uri="{28A0092B-C50C-407E-A947-70E740481C1C}">
+                <a14:useLocalDpi xmlns:a14="http://schemas.microsoft.com/office/drawing/2010/main" val="0"/>
+              </a:ext>
+            </a:extLst>
+          </a:blip>
+          <a:stretch>
+            <a:fillRect/>
+          </a:stretch>
+        </p:blipFill>
+        <p:spPr>
+          <a:xfrm>
+            <a:off x="3323434" y="1405043"/>
+            <a:ext cx="485058" cy="485058"/>
+          </a:xfrm>
+          <a:prstGeom prst="rect">
+            <a:avLst/>
+          </a:prstGeom>
+        </p:spPr>
+      </p:pic>
+      <p:pic>
+        <p:nvPicPr>
+          <p:cNvPr id="35" name="Picture 34"/>
+          <p:cNvPicPr>
+            <a:picLocks noChangeAspect="1"/>
+          </p:cNvPicPr>
+          <p:nvPr/>
+        </p:nvPicPr>
+        <p:blipFill>
+          <a:blip r:embed="rId4" cstate="print">
+            <a:extLst>
+              <a:ext uri="{28A0092B-C50C-407E-A947-70E740481C1C}">
+                <a14:useLocalDpi xmlns:a14="http://schemas.microsoft.com/office/drawing/2010/main" val="0"/>
+              </a:ext>
+            </a:extLst>
+          </a:blip>
+          <a:stretch>
+            <a:fillRect/>
+          </a:stretch>
+        </p:blipFill>
+        <p:spPr>
+          <a:xfrm>
+            <a:off x="2276651" y="1391602"/>
+            <a:ext cx="485058" cy="485058"/>
+          </a:xfrm>
+          <a:prstGeom prst="rect">
+            <a:avLst/>
+          </a:prstGeom>
+        </p:spPr>
+      </p:pic>
+      <p:pic>
+        <p:nvPicPr>
+          <p:cNvPr id="37" name="Picture 36"/>
+          <p:cNvPicPr>
+            <a:picLocks noChangeAspect="1"/>
+          </p:cNvPicPr>
+          <p:nvPr/>
+        </p:nvPicPr>
+        <p:blipFill>
+          <a:blip r:embed="rId4" cstate="print">
+            <a:extLst>
+              <a:ext uri="{28A0092B-C50C-407E-A947-70E740481C1C}">
+                <a14:useLocalDpi xmlns:a14="http://schemas.microsoft.com/office/drawing/2010/main" val="0"/>
+              </a:ext>
+            </a:extLst>
+          </a:blip>
+          <a:stretch>
+            <a:fillRect/>
+          </a:stretch>
+        </p:blipFill>
+        <p:spPr>
+          <a:xfrm>
+            <a:off x="3808616" y="1390963"/>
+            <a:ext cx="485058" cy="485058"/>
+          </a:xfrm>
+          <a:prstGeom prst="rect">
+            <a:avLst/>
+          </a:prstGeom>
+        </p:spPr>
+      </p:pic>
+      <p:pic>
+        <p:nvPicPr>
+          <p:cNvPr id="38" name="Picture 37"/>
+          <p:cNvPicPr>
+            <a:picLocks noChangeAspect="1"/>
+          </p:cNvPicPr>
+          <p:nvPr/>
+        </p:nvPicPr>
+        <p:blipFill>
+          <a:blip r:embed="rId4" cstate="print">
+            <a:extLst>
+              <a:ext uri="{28A0092B-C50C-407E-A947-70E740481C1C}">
+                <a14:useLocalDpi xmlns:a14="http://schemas.microsoft.com/office/drawing/2010/main" val="0"/>
+              </a:ext>
+            </a:extLst>
+          </a:blip>
+          <a:stretch>
+            <a:fillRect/>
+          </a:stretch>
+        </p:blipFill>
+        <p:spPr>
+          <a:xfrm>
+            <a:off x="4286798" y="1365327"/>
+            <a:ext cx="485058" cy="485058"/>
+          </a:xfrm>
+          <a:prstGeom prst="rect">
+            <a:avLst/>
+          </a:prstGeom>
+        </p:spPr>
+      </p:pic>
+      <p:pic>
+        <p:nvPicPr>
+          <p:cNvPr id="39" name="Picture 38"/>
+          <p:cNvPicPr>
+            <a:picLocks noChangeAspect="1"/>
+          </p:cNvPicPr>
+          <p:nvPr/>
+        </p:nvPicPr>
+        <p:blipFill>
+          <a:blip r:embed="rId4" cstate="print">
+            <a:extLst>
+              <a:ext uri="{28A0092B-C50C-407E-A947-70E740481C1C}">
+                <a14:useLocalDpi xmlns:a14="http://schemas.microsoft.com/office/drawing/2010/main" val="0"/>
+              </a:ext>
+            </a:extLst>
+          </a:blip>
+          <a:stretch>
+            <a:fillRect/>
+          </a:stretch>
+        </p:blipFill>
+        <p:spPr>
+          <a:xfrm>
+            <a:off x="4778856" y="1381514"/>
+            <a:ext cx="485058" cy="485058"/>
+          </a:xfrm>
+          <a:prstGeom prst="rect">
+            <a:avLst/>
+          </a:prstGeom>
+        </p:spPr>
+      </p:pic>
+      <p:pic>
+        <p:nvPicPr>
+          <p:cNvPr id="40" name="Picture 39"/>
+          <p:cNvPicPr>
+            <a:picLocks noChangeAspect="1"/>
+          </p:cNvPicPr>
+          <p:nvPr/>
+        </p:nvPicPr>
+        <p:blipFill>
+          <a:blip r:embed="rId4" cstate="print">
+            <a:extLst>
+              <a:ext uri="{28A0092B-C50C-407E-A947-70E740481C1C}">
+                <a14:useLocalDpi xmlns:a14="http://schemas.microsoft.com/office/drawing/2010/main" val="0"/>
+              </a:ext>
+            </a:extLst>
+          </a:blip>
+          <a:stretch>
+            <a:fillRect/>
+          </a:stretch>
+        </p:blipFill>
+        <p:spPr>
+          <a:xfrm>
+            <a:off x="5270914" y="1413106"/>
+            <a:ext cx="485058" cy="485058"/>
+          </a:xfrm>
+          <a:prstGeom prst="rect">
+            <a:avLst/>
+          </a:prstGeom>
+        </p:spPr>
+      </p:pic>
+      <p:pic>
+        <p:nvPicPr>
+          <p:cNvPr id="41" name="Picture 40"/>
+          <p:cNvPicPr>
+            <a:picLocks noChangeAspect="1"/>
+          </p:cNvPicPr>
+          <p:nvPr/>
+        </p:nvPicPr>
+        <p:blipFill>
+          <a:blip r:embed="rId4" cstate="print">
+            <a:extLst>
+              <a:ext uri="{28A0092B-C50C-407E-A947-70E740481C1C}">
+                <a14:useLocalDpi xmlns:a14="http://schemas.microsoft.com/office/drawing/2010/main" val="0"/>
+              </a:ext>
+            </a:extLst>
+          </a:blip>
+          <a:stretch>
+            <a:fillRect/>
+          </a:stretch>
+        </p:blipFill>
+        <p:spPr>
+          <a:xfrm>
+            <a:off x="5758557" y="1401869"/>
+            <a:ext cx="485058" cy="485058"/>
+          </a:xfrm>
+          <a:prstGeom prst="rect">
+            <a:avLst/>
+          </a:prstGeom>
+        </p:spPr>
+      </p:pic>
+      <p:pic>
+        <p:nvPicPr>
+          <p:cNvPr id="43" name="Picture 42"/>
+          <p:cNvPicPr>
+            <a:picLocks noChangeAspect="1"/>
+          </p:cNvPicPr>
+          <p:nvPr/>
+        </p:nvPicPr>
+        <p:blipFill>
+          <a:blip r:embed="rId4" cstate="print">
+            <a:extLst>
+              <a:ext uri="{28A0092B-C50C-407E-A947-70E740481C1C}">
+                <a14:useLocalDpi xmlns:a14="http://schemas.microsoft.com/office/drawing/2010/main" val="0"/>
+              </a:ext>
+            </a:extLst>
+          </a:blip>
+          <a:stretch>
+            <a:fillRect/>
+          </a:stretch>
+        </p:blipFill>
+        <p:spPr>
+          <a:xfrm>
+            <a:off x="1176241" y="1856001"/>
+            <a:ext cx="485058" cy="485058"/>
+          </a:xfrm>
+          <a:prstGeom prst="rect">
+            <a:avLst/>
+          </a:prstGeom>
+        </p:spPr>
+      </p:pic>
+      <p:pic>
+        <p:nvPicPr>
+          <p:cNvPr id="44" name="Picture 43"/>
+          <p:cNvPicPr>
+            <a:picLocks noChangeAspect="1"/>
+          </p:cNvPicPr>
+          <p:nvPr/>
+        </p:nvPicPr>
+        <p:blipFill>
+          <a:blip r:embed="rId4" cstate="print">
+            <a:extLst>
+              <a:ext uri="{28A0092B-C50C-407E-A947-70E740481C1C}">
+                <a14:useLocalDpi xmlns:a14="http://schemas.microsoft.com/office/drawing/2010/main" val="0"/>
+              </a:ext>
+            </a:extLst>
+          </a:blip>
+          <a:stretch>
+            <a:fillRect/>
+          </a:stretch>
+        </p:blipFill>
+        <p:spPr>
+          <a:xfrm>
+            <a:off x="1702709" y="1856001"/>
+            <a:ext cx="485058" cy="485058"/>
+          </a:xfrm>
+          <a:prstGeom prst="rect">
+            <a:avLst/>
+          </a:prstGeom>
+        </p:spPr>
+      </p:pic>
+      <p:pic>
+        <p:nvPicPr>
+          <p:cNvPr id="45" name="Picture 44"/>
+          <p:cNvPicPr>
+            <a:picLocks noChangeAspect="1"/>
+          </p:cNvPicPr>
+          <p:nvPr/>
+        </p:nvPicPr>
+        <p:blipFill>
+          <a:blip r:embed="rId4" cstate="print">
+            <a:extLst>
+              <a:ext uri="{28A0092B-C50C-407E-A947-70E740481C1C}">
+                <a14:useLocalDpi xmlns:a14="http://schemas.microsoft.com/office/drawing/2010/main" val="0"/>
+              </a:ext>
+            </a:extLst>
+          </a:blip>
+          <a:stretch>
+            <a:fillRect/>
+          </a:stretch>
+        </p:blipFill>
+        <p:spPr>
+          <a:xfrm>
+            <a:off x="2752685" y="1900838"/>
+            <a:ext cx="485058" cy="485058"/>
+          </a:xfrm>
+          <a:prstGeom prst="rect">
+            <a:avLst/>
+          </a:prstGeom>
+        </p:spPr>
+      </p:pic>
+      <p:pic>
+        <p:nvPicPr>
+          <p:cNvPr id="46" name="Picture 45"/>
+          <p:cNvPicPr>
+            <a:picLocks noChangeAspect="1"/>
+          </p:cNvPicPr>
+          <p:nvPr/>
+        </p:nvPicPr>
+        <p:blipFill>
+          <a:blip r:embed="rId4" cstate="print">
+            <a:extLst>
+              <a:ext uri="{28A0092B-C50C-407E-A947-70E740481C1C}">
+                <a14:useLocalDpi xmlns:a14="http://schemas.microsoft.com/office/drawing/2010/main" val="0"/>
+              </a:ext>
+            </a:extLst>
+          </a:blip>
+          <a:stretch>
+            <a:fillRect/>
+          </a:stretch>
+        </p:blipFill>
+        <p:spPr>
+          <a:xfrm>
+            <a:off x="3278992" y="1900838"/>
+            <a:ext cx="485058" cy="485058"/>
+          </a:xfrm>
+          <a:prstGeom prst="rect">
+            <a:avLst/>
+          </a:prstGeom>
+        </p:spPr>
+      </p:pic>
+      <p:pic>
+        <p:nvPicPr>
+          <p:cNvPr id="47" name="Picture 46"/>
+          <p:cNvPicPr>
+            <a:picLocks noChangeAspect="1"/>
+          </p:cNvPicPr>
+          <p:nvPr/>
+        </p:nvPicPr>
+        <p:blipFill>
+          <a:blip r:embed="rId4" cstate="print">
+            <a:extLst>
+              <a:ext uri="{28A0092B-C50C-407E-A947-70E740481C1C}">
+                <a14:useLocalDpi xmlns:a14="http://schemas.microsoft.com/office/drawing/2010/main" val="0"/>
+              </a:ext>
+            </a:extLst>
+          </a:blip>
+          <a:stretch>
+            <a:fillRect/>
+          </a:stretch>
+        </p:blipFill>
+        <p:spPr>
+          <a:xfrm>
+            <a:off x="2232209" y="1887397"/>
+            <a:ext cx="485058" cy="485058"/>
+          </a:xfrm>
+          <a:prstGeom prst="rect">
+            <a:avLst/>
+          </a:prstGeom>
+        </p:spPr>
+      </p:pic>
+      <p:pic>
+        <p:nvPicPr>
+          <p:cNvPr id="48" name="Picture 47"/>
+          <p:cNvPicPr>
+            <a:picLocks noChangeAspect="1"/>
+          </p:cNvPicPr>
+          <p:nvPr/>
+        </p:nvPicPr>
+        <p:blipFill>
+          <a:blip r:embed="rId4" cstate="print">
+            <a:extLst>
+              <a:ext uri="{28A0092B-C50C-407E-A947-70E740481C1C}">
+                <a14:useLocalDpi xmlns:a14="http://schemas.microsoft.com/office/drawing/2010/main" val="0"/>
+              </a:ext>
+            </a:extLst>
+          </a:blip>
+          <a:stretch>
+            <a:fillRect/>
+          </a:stretch>
+        </p:blipFill>
+        <p:spPr>
+          <a:xfrm>
+            <a:off x="3764174" y="1886758"/>
+            <a:ext cx="485058" cy="485058"/>
+          </a:xfrm>
+          <a:prstGeom prst="rect">
+            <a:avLst/>
+          </a:prstGeom>
+        </p:spPr>
+      </p:pic>
+      <p:pic>
+        <p:nvPicPr>
+          <p:cNvPr id="49" name="Picture 48"/>
+          <p:cNvPicPr>
+            <a:picLocks noChangeAspect="1"/>
+          </p:cNvPicPr>
+          <p:nvPr/>
+        </p:nvPicPr>
+        <p:blipFill>
+          <a:blip r:embed="rId4" cstate="print">
+            <a:extLst>
+              <a:ext uri="{28A0092B-C50C-407E-A947-70E740481C1C}">
+                <a14:useLocalDpi xmlns:a14="http://schemas.microsoft.com/office/drawing/2010/main" val="0"/>
+              </a:ext>
+            </a:extLst>
+          </a:blip>
+          <a:stretch>
+            <a:fillRect/>
+          </a:stretch>
+        </p:blipFill>
+        <p:spPr>
+          <a:xfrm>
+            <a:off x="4242356" y="1861122"/>
+            <a:ext cx="485058" cy="485058"/>
+          </a:xfrm>
+          <a:prstGeom prst="rect">
+            <a:avLst/>
+          </a:prstGeom>
+        </p:spPr>
+      </p:pic>
+      <p:pic>
+        <p:nvPicPr>
+          <p:cNvPr id="50" name="Picture 49"/>
+          <p:cNvPicPr>
+            <a:picLocks noChangeAspect="1"/>
+          </p:cNvPicPr>
+          <p:nvPr/>
+        </p:nvPicPr>
+        <p:blipFill>
+          <a:blip r:embed="rId4" cstate="print">
+            <a:extLst>
+              <a:ext uri="{28A0092B-C50C-407E-A947-70E740481C1C}">
+                <a14:useLocalDpi xmlns:a14="http://schemas.microsoft.com/office/drawing/2010/main" val="0"/>
+              </a:ext>
+            </a:extLst>
+          </a:blip>
+          <a:stretch>
+            <a:fillRect/>
+          </a:stretch>
+        </p:blipFill>
+        <p:spPr>
+          <a:xfrm>
+            <a:off x="4734414" y="1877309"/>
+            <a:ext cx="485058" cy="485058"/>
+          </a:xfrm>
+          <a:prstGeom prst="rect">
+            <a:avLst/>
+          </a:prstGeom>
+        </p:spPr>
+      </p:pic>
+      <p:pic>
+        <p:nvPicPr>
+          <p:cNvPr id="51" name="Picture 50"/>
+          <p:cNvPicPr>
+            <a:picLocks noChangeAspect="1"/>
+          </p:cNvPicPr>
+          <p:nvPr/>
+        </p:nvPicPr>
+        <p:blipFill>
+          <a:blip r:embed="rId4" cstate="print">
+            <a:extLst>
+              <a:ext uri="{28A0092B-C50C-407E-A947-70E740481C1C}">
+                <a14:useLocalDpi xmlns:a14="http://schemas.microsoft.com/office/drawing/2010/main" val="0"/>
+              </a:ext>
+            </a:extLst>
+          </a:blip>
+          <a:stretch>
+            <a:fillRect/>
+          </a:stretch>
+        </p:blipFill>
+        <p:spPr>
+          <a:xfrm>
+            <a:off x="5226472" y="1908901"/>
+            <a:ext cx="485058" cy="485058"/>
+          </a:xfrm>
+          <a:prstGeom prst="rect">
+            <a:avLst/>
+          </a:prstGeom>
+        </p:spPr>
+      </p:pic>
+      <p:pic>
+        <p:nvPicPr>
+          <p:cNvPr id="52" name="Picture 51"/>
+          <p:cNvPicPr>
+            <a:picLocks noChangeAspect="1"/>
+          </p:cNvPicPr>
+          <p:nvPr/>
+        </p:nvPicPr>
+        <p:blipFill>
+          <a:blip r:embed="rId4" cstate="print">
+            <a:extLst>
+              <a:ext uri="{28A0092B-C50C-407E-A947-70E740481C1C}">
+                <a14:useLocalDpi xmlns:a14="http://schemas.microsoft.com/office/drawing/2010/main" val="0"/>
+              </a:ext>
+            </a:extLst>
+          </a:blip>
+          <a:stretch>
+            <a:fillRect/>
+          </a:stretch>
+        </p:blipFill>
+        <p:spPr>
+          <a:xfrm>
+            <a:off x="5714115" y="1897664"/>
+            <a:ext cx="485058" cy="485058"/>
+          </a:xfrm>
+          <a:prstGeom prst="rect">
+            <a:avLst/>
+          </a:prstGeom>
+        </p:spPr>
+      </p:pic>
+      <p:sp>
+        <p:nvSpPr>
+          <p:cNvPr id="53" name="Text Box 9"/>
+          <p:cNvSpPr txBox="1">
+            <a:spLocks noChangeArrowheads="1"/>
+          </p:cNvSpPr>
+          <p:nvPr/>
+        </p:nvSpPr>
+        <p:spPr bwMode="auto">
+          <a:xfrm>
+            <a:off x="6350176" y="1832533"/>
+            <a:ext cx="2539647" cy="697627"/>
+          </a:xfrm>
+          <a:prstGeom prst="rect">
+            <a:avLst/>
+          </a:prstGeom>
+          <a:noFill/>
+          <a:ln w="9525">
+            <a:noFill/>
+            <a:miter lim="800000"/>
+            <a:headEnd/>
+            <a:tailEnd/>
+          </a:ln>
+          <a:effectLst/>
+        </p:spPr>
+        <p:txBody>
+          <a:bodyPr wrap="square">
+            <a:spAutoFit/>
+          </a:bodyPr>
+          <a:lstStyle/>
+          <a:p>
+            <a:pPr marL="285750" indent="-285750" algn="l">
+              <a:spcAft>
+                <a:spcPts val="400"/>
+              </a:spcAft>
+              <a:buFont typeface="Wingdings" panose="05000000000000000000" pitchFamily="2" charset="2"/>
+              <a:buChar char="v"/>
+            </a:pPr>
+            <a:r>
+              <a:rPr lang="tr-TR" dirty="0" smtClean="0">
+                <a:latin typeface="Times New Roman" panose="02020603050405020304" pitchFamily="18" charset="0"/>
+                <a:cs typeface="Times New Roman" panose="02020603050405020304" pitchFamily="18" charset="0"/>
+              </a:rPr>
+              <a:t>High </a:t>
+            </a:r>
+            <a:r>
+              <a:rPr lang="tr-TR" dirty="0" err="1" smtClean="0">
+                <a:latin typeface="Times New Roman" panose="02020603050405020304" pitchFamily="18" charset="0"/>
+                <a:cs typeface="Times New Roman" panose="02020603050405020304" pitchFamily="18" charset="0"/>
+              </a:rPr>
+              <a:t>cost</a:t>
+            </a:r>
+            <a:endParaRPr lang="tr-TR" dirty="0" smtClean="0">
+              <a:latin typeface="Times New Roman" panose="02020603050405020304" pitchFamily="18" charset="0"/>
+              <a:cs typeface="Times New Roman" panose="02020603050405020304" pitchFamily="18" charset="0"/>
+            </a:endParaRPr>
+          </a:p>
+          <a:p>
+            <a:pPr marL="285750" indent="-285750" algn="l">
+              <a:spcAft>
+                <a:spcPts val="400"/>
+              </a:spcAft>
+              <a:buFont typeface="Wingdings" panose="05000000000000000000" pitchFamily="2" charset="2"/>
+              <a:buChar char="v"/>
+            </a:pPr>
+            <a:r>
+              <a:rPr lang="tr-TR" dirty="0" err="1" smtClean="0">
+                <a:latin typeface="Times New Roman" panose="02020603050405020304" pitchFamily="18" charset="0"/>
+                <a:cs typeface="Times New Roman" panose="02020603050405020304" pitchFamily="18" charset="0"/>
+              </a:rPr>
+              <a:t>Low</a:t>
+            </a:r>
+            <a:r>
+              <a:rPr lang="tr-TR" dirty="0" smtClean="0">
+                <a:latin typeface="Times New Roman" panose="02020603050405020304" pitchFamily="18" charset="0"/>
+                <a:cs typeface="Times New Roman" panose="02020603050405020304" pitchFamily="18" charset="0"/>
+              </a:rPr>
+              <a:t> </a:t>
+            </a:r>
+            <a:r>
+              <a:rPr lang="tr-TR" dirty="0" err="1" smtClean="0">
+                <a:latin typeface="Times New Roman" panose="02020603050405020304" pitchFamily="18" charset="0"/>
+                <a:cs typeface="Times New Roman" panose="02020603050405020304" pitchFamily="18" charset="0"/>
+              </a:rPr>
+              <a:t>power</a:t>
+            </a:r>
+            <a:r>
+              <a:rPr lang="tr-TR" dirty="0" smtClean="0">
+                <a:latin typeface="Times New Roman" panose="02020603050405020304" pitchFamily="18" charset="0"/>
+                <a:cs typeface="Times New Roman" panose="02020603050405020304" pitchFamily="18" charset="0"/>
+              </a:rPr>
+              <a:t> </a:t>
+            </a:r>
+            <a:r>
+              <a:rPr lang="tr-TR" dirty="0" err="1" smtClean="0">
+                <a:latin typeface="Times New Roman" panose="02020603050405020304" pitchFamily="18" charset="0"/>
+                <a:cs typeface="Times New Roman" panose="02020603050405020304" pitchFamily="18" charset="0"/>
+              </a:rPr>
+              <a:t>density</a:t>
+            </a:r>
+            <a:endParaRPr lang="tr-TR" dirty="0" smtClean="0">
+              <a:latin typeface="Times New Roman" panose="02020603050405020304" pitchFamily="18" charset="0"/>
+              <a:cs typeface="Times New Roman" panose="02020603050405020304" pitchFamily="18" charset="0"/>
+            </a:endParaRPr>
+          </a:p>
+        </p:txBody>
+      </p:sp>
+      <p:pic>
+        <p:nvPicPr>
+          <p:cNvPr id="5" name="Picture 4"/>
+          <p:cNvPicPr>
+            <a:picLocks noChangeAspect="1"/>
+          </p:cNvPicPr>
+          <p:nvPr/>
+        </p:nvPicPr>
+        <p:blipFill>
+          <a:blip r:embed="rId5" cstate="print">
+            <a:extLst>
+              <a:ext uri="{28A0092B-C50C-407E-A947-70E740481C1C}">
+                <a14:useLocalDpi xmlns:a14="http://schemas.microsoft.com/office/drawing/2010/main" val="0"/>
+              </a:ext>
+            </a:extLst>
+          </a:blip>
+          <a:stretch>
+            <a:fillRect/>
+          </a:stretch>
+        </p:blipFill>
+        <p:spPr>
+          <a:xfrm>
+            <a:off x="1160611" y="2902141"/>
+            <a:ext cx="688171" cy="688171"/>
+          </a:xfrm>
+          <a:prstGeom prst="rect">
+            <a:avLst/>
+          </a:prstGeom>
+        </p:spPr>
+      </p:pic>
+      <p:pic>
+        <p:nvPicPr>
+          <p:cNvPr id="55" name="Picture 54"/>
+          <p:cNvPicPr>
+            <a:picLocks noChangeAspect="1"/>
+          </p:cNvPicPr>
+          <p:nvPr/>
+        </p:nvPicPr>
+        <p:blipFill>
+          <a:blip r:embed="rId5" cstate="print">
+            <a:extLst>
+              <a:ext uri="{28A0092B-C50C-407E-A947-70E740481C1C}">
+                <a14:useLocalDpi xmlns:a14="http://schemas.microsoft.com/office/drawing/2010/main" val="0"/>
+              </a:ext>
+            </a:extLst>
+          </a:blip>
+          <a:stretch>
+            <a:fillRect/>
+          </a:stretch>
+        </p:blipFill>
+        <p:spPr>
+          <a:xfrm>
+            <a:off x="1894904" y="2878093"/>
+            <a:ext cx="688171" cy="688171"/>
+          </a:xfrm>
+          <a:prstGeom prst="rect">
+            <a:avLst/>
+          </a:prstGeom>
+        </p:spPr>
+      </p:pic>
+      <p:pic>
+        <p:nvPicPr>
+          <p:cNvPr id="56" name="Picture 55"/>
+          <p:cNvPicPr>
+            <a:picLocks noChangeAspect="1"/>
+          </p:cNvPicPr>
+          <p:nvPr/>
+        </p:nvPicPr>
+        <p:blipFill>
+          <a:blip r:embed="rId5" cstate="print">
+            <a:extLst>
+              <a:ext uri="{28A0092B-C50C-407E-A947-70E740481C1C}">
+                <a14:useLocalDpi xmlns:a14="http://schemas.microsoft.com/office/drawing/2010/main" val="0"/>
+              </a:ext>
+            </a:extLst>
+          </a:blip>
+          <a:stretch>
+            <a:fillRect/>
+          </a:stretch>
+        </p:blipFill>
+        <p:spPr>
+          <a:xfrm>
+            <a:off x="2651556" y="2945085"/>
+            <a:ext cx="688171" cy="688171"/>
+          </a:xfrm>
+          <a:prstGeom prst="rect">
+            <a:avLst/>
+          </a:prstGeom>
+        </p:spPr>
+      </p:pic>
+      <p:pic>
+        <p:nvPicPr>
+          <p:cNvPr id="57" name="Picture 56"/>
+          <p:cNvPicPr>
+            <a:picLocks noChangeAspect="1"/>
+          </p:cNvPicPr>
+          <p:nvPr/>
+        </p:nvPicPr>
+        <p:blipFill>
+          <a:blip r:embed="rId5" cstate="print">
+            <a:extLst>
+              <a:ext uri="{28A0092B-C50C-407E-A947-70E740481C1C}">
+                <a14:useLocalDpi xmlns:a14="http://schemas.microsoft.com/office/drawing/2010/main" val="0"/>
+              </a:ext>
+            </a:extLst>
+          </a:blip>
+          <a:stretch>
+            <a:fillRect/>
+          </a:stretch>
+        </p:blipFill>
+        <p:spPr>
+          <a:xfrm>
+            <a:off x="1160610" y="3650380"/>
+            <a:ext cx="688171" cy="688171"/>
+          </a:xfrm>
+          <a:prstGeom prst="rect">
+            <a:avLst/>
+          </a:prstGeom>
+        </p:spPr>
+      </p:pic>
+      <p:pic>
+        <p:nvPicPr>
+          <p:cNvPr id="58" name="Picture 57"/>
+          <p:cNvPicPr>
+            <a:picLocks noChangeAspect="1"/>
+          </p:cNvPicPr>
+          <p:nvPr/>
+        </p:nvPicPr>
+        <p:blipFill>
+          <a:blip r:embed="rId5" cstate="print">
+            <a:extLst>
+              <a:ext uri="{28A0092B-C50C-407E-A947-70E740481C1C}">
+                <a14:useLocalDpi xmlns:a14="http://schemas.microsoft.com/office/drawing/2010/main" val="0"/>
+              </a:ext>
+            </a:extLst>
+          </a:blip>
+          <a:stretch>
+            <a:fillRect/>
+          </a:stretch>
+        </p:blipFill>
+        <p:spPr>
+          <a:xfrm>
+            <a:off x="1895176" y="3641861"/>
+            <a:ext cx="688171" cy="688171"/>
+          </a:xfrm>
+          <a:prstGeom prst="rect">
+            <a:avLst/>
+          </a:prstGeom>
+        </p:spPr>
+      </p:pic>
+      <p:pic>
+        <p:nvPicPr>
+          <p:cNvPr id="59" name="Picture 58"/>
+          <p:cNvPicPr>
+            <a:picLocks noChangeAspect="1"/>
+          </p:cNvPicPr>
+          <p:nvPr/>
+        </p:nvPicPr>
+        <p:blipFill>
+          <a:blip r:embed="rId5" cstate="print">
+            <a:extLst>
+              <a:ext uri="{28A0092B-C50C-407E-A947-70E740481C1C}">
+                <a14:useLocalDpi xmlns:a14="http://schemas.microsoft.com/office/drawing/2010/main" val="0"/>
+              </a:ext>
+            </a:extLst>
+          </a:blip>
+          <a:stretch>
+            <a:fillRect/>
+          </a:stretch>
+        </p:blipFill>
+        <p:spPr>
+          <a:xfrm>
+            <a:off x="2634425" y="3681743"/>
+            <a:ext cx="688171" cy="688171"/>
+          </a:xfrm>
+          <a:prstGeom prst="rect">
+            <a:avLst/>
+          </a:prstGeom>
+        </p:spPr>
+      </p:pic>
+      <p:sp>
+        <p:nvSpPr>
+          <p:cNvPr id="60" name="Text Box 9"/>
+          <p:cNvSpPr txBox="1">
+            <a:spLocks noChangeArrowheads="1"/>
+          </p:cNvSpPr>
+          <p:nvPr/>
+        </p:nvSpPr>
+        <p:spPr bwMode="auto">
+          <a:xfrm>
+            <a:off x="3415337" y="2782766"/>
+            <a:ext cx="1330118" cy="636072"/>
+          </a:xfrm>
+          <a:prstGeom prst="rect">
+            <a:avLst/>
+          </a:prstGeom>
+          <a:noFill/>
+          <a:ln w="9525">
+            <a:noFill/>
+            <a:miter lim="800000"/>
+            <a:headEnd/>
+            <a:tailEnd/>
+          </a:ln>
+          <a:effectLst/>
+        </p:spPr>
+        <p:txBody>
+          <a:bodyPr wrap="square">
+            <a:spAutoFit/>
+          </a:bodyPr>
+          <a:lstStyle/>
+          <a:p>
+            <a:pPr algn="l">
+              <a:spcAft>
+                <a:spcPts val="400"/>
+              </a:spcAft>
+            </a:pPr>
+            <a:r>
+              <a:rPr lang="tr-TR" sz="1600" dirty="0">
+                <a:latin typeface="Times New Roman" panose="02020603050405020304" pitchFamily="18" charset="0"/>
+                <a:cs typeface="Times New Roman" panose="02020603050405020304" pitchFamily="18" charset="0"/>
+              </a:rPr>
+              <a:t>4</a:t>
+            </a:r>
+            <a:r>
+              <a:rPr lang="tr-TR" sz="1600" dirty="0" smtClean="0">
+                <a:latin typeface="Times New Roman" panose="02020603050405020304" pitchFamily="18" charset="0"/>
+                <a:cs typeface="Times New Roman" panose="02020603050405020304" pitchFamily="18" charset="0"/>
+              </a:rPr>
+              <a:t>0 </a:t>
+            </a:r>
+            <a:r>
+              <a:rPr lang="el-GR" sz="1600" dirty="0" smtClean="0">
+                <a:latin typeface="Times New Roman" panose="02020603050405020304" pitchFamily="18" charset="0"/>
+                <a:cs typeface="Times New Roman" panose="02020603050405020304" pitchFamily="18" charset="0"/>
+              </a:rPr>
+              <a:t>μ</a:t>
+            </a:r>
+            <a:r>
+              <a:rPr lang="tr-TR" sz="1600" dirty="0" smtClean="0">
+                <a:latin typeface="Times New Roman" panose="02020603050405020304" pitchFamily="18" charset="0"/>
+                <a:cs typeface="Times New Roman" panose="02020603050405020304" pitchFamily="18" charset="0"/>
+              </a:rPr>
+              <a:t>F, </a:t>
+            </a:r>
+            <a:r>
+              <a:rPr lang="tr-TR" sz="1600" dirty="0" smtClean="0">
+                <a:latin typeface="Times New Roman" panose="02020603050405020304" pitchFamily="18" charset="0"/>
+                <a:cs typeface="Times New Roman" panose="02020603050405020304" pitchFamily="18" charset="0"/>
+              </a:rPr>
+              <a:t>300 V</a:t>
+            </a:r>
+          </a:p>
+          <a:p>
+            <a:pPr algn="l">
+              <a:spcAft>
+                <a:spcPts val="400"/>
+              </a:spcAft>
+            </a:pPr>
+            <a:r>
+              <a:rPr lang="tr-TR" sz="1600" dirty="0" smtClean="0">
+                <a:latin typeface="Times New Roman" panose="02020603050405020304" pitchFamily="18" charset="0"/>
+                <a:cs typeface="Times New Roman" panose="02020603050405020304" pitchFamily="18" charset="0"/>
+              </a:rPr>
+              <a:t>2s, 3p</a:t>
+            </a:r>
+            <a:endParaRPr lang="tr-TR" sz="1600" dirty="0" smtClean="0">
+              <a:latin typeface="Times New Roman" panose="02020603050405020304" pitchFamily="18" charset="0"/>
+              <a:cs typeface="Times New Roman" panose="02020603050405020304" pitchFamily="18" charset="0"/>
+            </a:endParaRPr>
+          </a:p>
+        </p:txBody>
+      </p:sp>
+      <p:sp>
+        <p:nvSpPr>
+          <p:cNvPr id="61" name="Text Box 9"/>
+          <p:cNvSpPr txBox="1">
+            <a:spLocks noChangeArrowheads="1"/>
+          </p:cNvSpPr>
+          <p:nvPr/>
+        </p:nvSpPr>
+        <p:spPr bwMode="auto">
+          <a:xfrm>
+            <a:off x="3381951" y="3451690"/>
+            <a:ext cx="2513898" cy="1025922"/>
+          </a:xfrm>
+          <a:prstGeom prst="rect">
+            <a:avLst/>
+          </a:prstGeom>
+          <a:noFill/>
+          <a:ln w="9525">
+            <a:noFill/>
+            <a:miter lim="800000"/>
+            <a:headEnd/>
+            <a:tailEnd/>
+          </a:ln>
+          <a:effectLst/>
+        </p:spPr>
+        <p:txBody>
+          <a:bodyPr wrap="square">
+            <a:spAutoFit/>
+          </a:bodyPr>
+          <a:lstStyle/>
+          <a:p>
+            <a:pPr marL="285750" indent="-285750" algn="l">
+              <a:spcAft>
+                <a:spcPts val="400"/>
+              </a:spcAft>
+              <a:buFont typeface="Wingdings" panose="05000000000000000000" pitchFamily="2" charset="2"/>
+              <a:buChar char="v"/>
+            </a:pPr>
+            <a:r>
+              <a:rPr lang="tr-TR" dirty="0" err="1" smtClean="0">
+                <a:latin typeface="Times New Roman" panose="02020603050405020304" pitchFamily="18" charset="0"/>
+                <a:cs typeface="Times New Roman" panose="02020603050405020304" pitchFamily="18" charset="0"/>
+              </a:rPr>
+              <a:t>Moderate</a:t>
+            </a:r>
+            <a:r>
+              <a:rPr lang="tr-TR" dirty="0" smtClean="0">
+                <a:latin typeface="Times New Roman" panose="02020603050405020304" pitchFamily="18" charset="0"/>
+                <a:cs typeface="Times New Roman" panose="02020603050405020304" pitchFamily="18" charset="0"/>
+              </a:rPr>
+              <a:t> </a:t>
+            </a:r>
+            <a:r>
+              <a:rPr lang="tr-TR" dirty="0" err="1" smtClean="0">
+                <a:latin typeface="Times New Roman" panose="02020603050405020304" pitchFamily="18" charset="0"/>
+                <a:cs typeface="Times New Roman" panose="02020603050405020304" pitchFamily="18" charset="0"/>
+              </a:rPr>
+              <a:t>cost</a:t>
+            </a:r>
+            <a:endParaRPr lang="tr-TR" dirty="0" smtClean="0">
+              <a:latin typeface="Times New Roman" panose="02020603050405020304" pitchFamily="18" charset="0"/>
+              <a:cs typeface="Times New Roman" panose="02020603050405020304" pitchFamily="18" charset="0"/>
+            </a:endParaRPr>
+          </a:p>
+          <a:p>
+            <a:pPr marL="285750" indent="-285750" algn="l">
+              <a:spcAft>
+                <a:spcPts val="400"/>
+              </a:spcAft>
+              <a:buFont typeface="Wingdings" panose="05000000000000000000" pitchFamily="2" charset="2"/>
+              <a:buChar char="v"/>
+            </a:pPr>
+            <a:r>
+              <a:rPr lang="tr-TR" dirty="0" err="1" smtClean="0">
+                <a:latin typeface="Times New Roman" panose="02020603050405020304" pitchFamily="18" charset="0"/>
+                <a:cs typeface="Times New Roman" panose="02020603050405020304" pitchFamily="18" charset="0"/>
+              </a:rPr>
+              <a:t>Low</a:t>
+            </a:r>
+            <a:r>
+              <a:rPr lang="tr-TR" dirty="0" smtClean="0">
+                <a:latin typeface="Times New Roman" panose="02020603050405020304" pitchFamily="18" charset="0"/>
+                <a:cs typeface="Times New Roman" panose="02020603050405020304" pitchFamily="18" charset="0"/>
+              </a:rPr>
+              <a:t> </a:t>
+            </a:r>
+            <a:r>
+              <a:rPr lang="tr-TR" dirty="0" err="1" smtClean="0">
+                <a:latin typeface="Times New Roman" panose="02020603050405020304" pitchFamily="18" charset="0"/>
+                <a:cs typeface="Times New Roman" panose="02020603050405020304" pitchFamily="18" charset="0"/>
+              </a:rPr>
+              <a:t>power</a:t>
+            </a:r>
+            <a:r>
+              <a:rPr lang="tr-TR" dirty="0" smtClean="0">
+                <a:latin typeface="Times New Roman" panose="02020603050405020304" pitchFamily="18" charset="0"/>
+                <a:cs typeface="Times New Roman" panose="02020603050405020304" pitchFamily="18" charset="0"/>
+              </a:rPr>
+              <a:t> </a:t>
+            </a:r>
+            <a:r>
+              <a:rPr lang="tr-TR" dirty="0" err="1" smtClean="0">
+                <a:latin typeface="Times New Roman" panose="02020603050405020304" pitchFamily="18" charset="0"/>
+                <a:cs typeface="Times New Roman" panose="02020603050405020304" pitchFamily="18" charset="0"/>
+              </a:rPr>
+              <a:t>density</a:t>
+            </a:r>
+            <a:endParaRPr lang="tr-TR" dirty="0" smtClean="0">
+              <a:latin typeface="Times New Roman" panose="02020603050405020304" pitchFamily="18" charset="0"/>
+              <a:cs typeface="Times New Roman" panose="02020603050405020304" pitchFamily="18" charset="0"/>
+            </a:endParaRPr>
+          </a:p>
+          <a:p>
+            <a:pPr marL="285750" indent="-285750" algn="l">
+              <a:spcAft>
+                <a:spcPts val="400"/>
+              </a:spcAft>
+              <a:buFont typeface="Wingdings" panose="05000000000000000000" pitchFamily="2" charset="2"/>
+              <a:buChar char="v"/>
+            </a:pPr>
+            <a:r>
+              <a:rPr lang="tr-TR" dirty="0" err="1" smtClean="0">
+                <a:latin typeface="Times New Roman" panose="02020603050405020304" pitchFamily="18" charset="0"/>
+                <a:cs typeface="Times New Roman" panose="02020603050405020304" pitchFamily="18" charset="0"/>
+              </a:rPr>
+              <a:t>Height</a:t>
+            </a:r>
+            <a:endParaRPr lang="tr-TR" dirty="0" smtClean="0">
+              <a:latin typeface="Times New Roman" panose="02020603050405020304" pitchFamily="18" charset="0"/>
+              <a:cs typeface="Times New Roman" panose="02020603050405020304" pitchFamily="18" charset="0"/>
+            </a:endParaRPr>
+          </a:p>
+        </p:txBody>
+      </p:sp>
+      <p:pic>
+        <p:nvPicPr>
+          <p:cNvPr id="62" name="Picture 61"/>
+          <p:cNvPicPr>
+            <a:picLocks noChangeAspect="1"/>
+          </p:cNvPicPr>
+          <p:nvPr/>
+        </p:nvPicPr>
+        <p:blipFill>
+          <a:blip r:embed="rId6" cstate="print">
+            <a:extLst>
+              <a:ext uri="{28A0092B-C50C-407E-A947-70E740481C1C}">
+                <a14:useLocalDpi xmlns:a14="http://schemas.microsoft.com/office/drawing/2010/main" val="0"/>
+              </a:ext>
+            </a:extLst>
+          </a:blip>
+          <a:stretch>
+            <a:fillRect/>
+          </a:stretch>
+        </p:blipFill>
+        <p:spPr>
+          <a:xfrm>
+            <a:off x="5545061" y="3100802"/>
+            <a:ext cx="790293" cy="790293"/>
+          </a:xfrm>
+          <a:prstGeom prst="rect">
+            <a:avLst/>
+          </a:prstGeom>
+        </p:spPr>
+      </p:pic>
+      <p:pic>
+        <p:nvPicPr>
+          <p:cNvPr id="63" name="Picture 62"/>
+          <p:cNvPicPr>
+            <a:picLocks noChangeAspect="1"/>
+          </p:cNvPicPr>
+          <p:nvPr/>
+        </p:nvPicPr>
+        <p:blipFill>
+          <a:blip r:embed="rId7" cstate="print">
+            <a:extLst>
+              <a:ext uri="{28A0092B-C50C-407E-A947-70E740481C1C}">
+                <a14:useLocalDpi xmlns:a14="http://schemas.microsoft.com/office/drawing/2010/main" val="0"/>
+              </a:ext>
+            </a:extLst>
+          </a:blip>
+          <a:stretch>
+            <a:fillRect/>
+          </a:stretch>
+        </p:blipFill>
+        <p:spPr>
+          <a:xfrm>
+            <a:off x="6351302" y="3101069"/>
+            <a:ext cx="758068" cy="758068"/>
+          </a:xfrm>
+          <a:prstGeom prst="rect">
+            <a:avLst/>
+          </a:prstGeom>
+        </p:spPr>
+      </p:pic>
+      <p:sp>
+        <p:nvSpPr>
+          <p:cNvPr id="64" name="Text Box 9"/>
+          <p:cNvSpPr txBox="1">
+            <a:spLocks noChangeArrowheads="1"/>
+          </p:cNvSpPr>
+          <p:nvPr/>
+        </p:nvSpPr>
+        <p:spPr bwMode="auto">
+          <a:xfrm>
+            <a:off x="7134960" y="2764147"/>
+            <a:ext cx="1421244" cy="636072"/>
+          </a:xfrm>
+          <a:prstGeom prst="rect">
+            <a:avLst/>
+          </a:prstGeom>
+          <a:noFill/>
+          <a:ln w="9525">
+            <a:noFill/>
+            <a:miter lim="800000"/>
+            <a:headEnd/>
+            <a:tailEnd/>
+          </a:ln>
+          <a:effectLst/>
+        </p:spPr>
+        <p:txBody>
+          <a:bodyPr wrap="square">
+            <a:spAutoFit/>
+          </a:bodyPr>
+          <a:lstStyle/>
+          <a:p>
+            <a:pPr algn="l">
+              <a:spcAft>
+                <a:spcPts val="400"/>
+              </a:spcAft>
+            </a:pPr>
+            <a:r>
+              <a:rPr lang="tr-TR" sz="1600" dirty="0">
+                <a:latin typeface="Times New Roman" panose="02020603050405020304" pitchFamily="18" charset="0"/>
+                <a:cs typeface="Times New Roman" panose="02020603050405020304" pitchFamily="18" charset="0"/>
+              </a:rPr>
+              <a:t>4</a:t>
+            </a:r>
+            <a:r>
+              <a:rPr lang="tr-TR" sz="1600" dirty="0" smtClean="0">
+                <a:latin typeface="Times New Roman" panose="02020603050405020304" pitchFamily="18" charset="0"/>
+                <a:cs typeface="Times New Roman" panose="02020603050405020304" pitchFamily="18" charset="0"/>
+              </a:rPr>
+              <a:t>0 </a:t>
+            </a:r>
+            <a:r>
+              <a:rPr lang="el-GR" sz="1600" dirty="0" smtClean="0">
+                <a:latin typeface="Times New Roman" panose="02020603050405020304" pitchFamily="18" charset="0"/>
+                <a:cs typeface="Times New Roman" panose="02020603050405020304" pitchFamily="18" charset="0"/>
+              </a:rPr>
+              <a:t>μ</a:t>
+            </a:r>
+            <a:r>
+              <a:rPr lang="tr-TR" sz="1600" dirty="0" smtClean="0">
+                <a:latin typeface="Times New Roman" panose="02020603050405020304" pitchFamily="18" charset="0"/>
+                <a:cs typeface="Times New Roman" panose="02020603050405020304" pitchFamily="18" charset="0"/>
+              </a:rPr>
+              <a:t>F, </a:t>
+            </a:r>
+            <a:r>
+              <a:rPr lang="tr-TR" sz="1600" dirty="0" smtClean="0">
+                <a:latin typeface="Times New Roman" panose="02020603050405020304" pitchFamily="18" charset="0"/>
+                <a:cs typeface="Times New Roman" panose="02020603050405020304" pitchFamily="18" charset="0"/>
+              </a:rPr>
+              <a:t>450 V</a:t>
+            </a:r>
+          </a:p>
+          <a:p>
+            <a:pPr algn="l">
+              <a:spcAft>
+                <a:spcPts val="400"/>
+              </a:spcAft>
+            </a:pPr>
+            <a:r>
+              <a:rPr lang="tr-TR" sz="1600" dirty="0" smtClean="0">
+                <a:latin typeface="Times New Roman" panose="02020603050405020304" pitchFamily="18" charset="0"/>
+                <a:cs typeface="Times New Roman" panose="02020603050405020304" pitchFamily="18" charset="0"/>
+              </a:rPr>
+              <a:t>1s, 2p</a:t>
+            </a:r>
+            <a:endParaRPr lang="tr-TR" sz="1600" dirty="0" smtClean="0">
+              <a:latin typeface="Times New Roman" panose="02020603050405020304" pitchFamily="18" charset="0"/>
+              <a:cs typeface="Times New Roman" panose="02020603050405020304" pitchFamily="18" charset="0"/>
+            </a:endParaRPr>
+          </a:p>
+        </p:txBody>
+      </p:sp>
+      <p:sp>
+        <p:nvSpPr>
+          <p:cNvPr id="65" name="Text Box 9"/>
+          <p:cNvSpPr txBox="1">
+            <a:spLocks noChangeArrowheads="1"/>
+          </p:cNvSpPr>
+          <p:nvPr/>
+        </p:nvSpPr>
+        <p:spPr bwMode="auto">
+          <a:xfrm>
+            <a:off x="7152108" y="3380482"/>
+            <a:ext cx="2064834" cy="697627"/>
+          </a:xfrm>
+          <a:prstGeom prst="rect">
+            <a:avLst/>
+          </a:prstGeom>
+          <a:noFill/>
+          <a:ln w="9525">
+            <a:noFill/>
+            <a:miter lim="800000"/>
+            <a:headEnd/>
+            <a:tailEnd/>
+          </a:ln>
+          <a:effectLst/>
+        </p:spPr>
+        <p:txBody>
+          <a:bodyPr wrap="square">
+            <a:spAutoFit/>
+          </a:bodyPr>
+          <a:lstStyle/>
+          <a:p>
+            <a:pPr marL="285750" indent="-285750" algn="l">
+              <a:spcAft>
+                <a:spcPts val="400"/>
+              </a:spcAft>
+              <a:buFont typeface="Wingdings" panose="05000000000000000000" pitchFamily="2" charset="2"/>
+              <a:buChar char="v"/>
+            </a:pPr>
+            <a:r>
+              <a:rPr lang="tr-TR" dirty="0" err="1" smtClean="0">
+                <a:latin typeface="Times New Roman" panose="02020603050405020304" pitchFamily="18" charset="0"/>
+                <a:cs typeface="Times New Roman" panose="02020603050405020304" pitchFamily="18" charset="0"/>
+              </a:rPr>
+              <a:t>Height</a:t>
+            </a:r>
+            <a:endParaRPr lang="tr-TR" dirty="0" smtClean="0">
+              <a:latin typeface="Times New Roman" panose="02020603050405020304" pitchFamily="18" charset="0"/>
+              <a:cs typeface="Times New Roman" panose="02020603050405020304" pitchFamily="18" charset="0"/>
+            </a:endParaRPr>
+          </a:p>
+          <a:p>
+            <a:pPr marL="285750" indent="-285750" algn="l">
+              <a:spcAft>
+                <a:spcPts val="400"/>
+              </a:spcAft>
+              <a:buFont typeface="Wingdings" panose="05000000000000000000" pitchFamily="2" charset="2"/>
+              <a:buChar char="v"/>
+            </a:pPr>
+            <a:r>
+              <a:rPr lang="tr-TR" dirty="0" smtClean="0">
+                <a:latin typeface="Times New Roman" panose="02020603050405020304" pitchFamily="18" charset="0"/>
+                <a:cs typeface="Times New Roman" panose="02020603050405020304" pitchFamily="18" charset="0"/>
+              </a:rPr>
+              <a:t>High </a:t>
+            </a:r>
+            <a:r>
+              <a:rPr lang="tr-TR" dirty="0" err="1" smtClean="0">
+                <a:latin typeface="Times New Roman" panose="02020603050405020304" pitchFamily="18" charset="0"/>
+                <a:cs typeface="Times New Roman" panose="02020603050405020304" pitchFamily="18" charset="0"/>
+              </a:rPr>
+              <a:t>temp</a:t>
+            </a:r>
+            <a:r>
+              <a:rPr lang="tr-TR" dirty="0" smtClean="0">
+                <a:latin typeface="Times New Roman" panose="02020603050405020304" pitchFamily="18" charset="0"/>
+                <a:cs typeface="Times New Roman" panose="02020603050405020304" pitchFamily="18" charset="0"/>
+              </a:rPr>
+              <a:t>. </a:t>
+            </a:r>
+            <a:r>
+              <a:rPr lang="tr-TR" dirty="0" err="1" smtClean="0">
+                <a:latin typeface="Times New Roman" panose="02020603050405020304" pitchFamily="18" charset="0"/>
+                <a:cs typeface="Times New Roman" panose="02020603050405020304" pitchFamily="18" charset="0"/>
+              </a:rPr>
+              <a:t>rise</a:t>
+            </a:r>
+            <a:endParaRPr lang="tr-TR" dirty="0" smtClean="0">
+              <a:latin typeface="Times New Roman" panose="02020603050405020304" pitchFamily="18" charset="0"/>
+              <a:cs typeface="Times New Roman" panose="02020603050405020304" pitchFamily="18" charset="0"/>
+            </a:endParaRPr>
+          </a:p>
+        </p:txBody>
+      </p:sp>
+      <p:pic>
+        <p:nvPicPr>
+          <p:cNvPr id="66" name="Picture 65"/>
+          <p:cNvPicPr>
+            <a:picLocks noChangeAspect="1"/>
+          </p:cNvPicPr>
+          <p:nvPr/>
+        </p:nvPicPr>
+        <p:blipFill>
+          <a:blip r:embed="rId8" cstate="print">
+            <a:extLst>
+              <a:ext uri="{28A0092B-C50C-407E-A947-70E740481C1C}">
+                <a14:useLocalDpi xmlns:a14="http://schemas.microsoft.com/office/drawing/2010/main" val="0"/>
+              </a:ext>
+            </a:extLst>
+          </a:blip>
+          <a:stretch>
+            <a:fillRect/>
+          </a:stretch>
+        </p:blipFill>
+        <p:spPr>
+          <a:xfrm>
+            <a:off x="1351085" y="4840911"/>
+            <a:ext cx="914191" cy="914191"/>
+          </a:xfrm>
+          <a:prstGeom prst="rect">
+            <a:avLst/>
+          </a:prstGeom>
+        </p:spPr>
+      </p:pic>
+      <p:pic>
+        <p:nvPicPr>
+          <p:cNvPr id="67" name="Picture 66"/>
+          <p:cNvPicPr>
+            <a:picLocks noChangeAspect="1"/>
+          </p:cNvPicPr>
+          <p:nvPr/>
+        </p:nvPicPr>
+        <p:blipFill>
+          <a:blip r:embed="rId8" cstate="print">
+            <a:extLst>
+              <a:ext uri="{28A0092B-C50C-407E-A947-70E740481C1C}">
+                <a14:useLocalDpi xmlns:a14="http://schemas.microsoft.com/office/drawing/2010/main" val="0"/>
+              </a:ext>
+            </a:extLst>
+          </a:blip>
+          <a:stretch>
+            <a:fillRect/>
+          </a:stretch>
+        </p:blipFill>
+        <p:spPr>
+          <a:xfrm>
+            <a:off x="2354857" y="4844434"/>
+            <a:ext cx="914191" cy="914191"/>
+          </a:xfrm>
+          <a:prstGeom prst="rect">
+            <a:avLst/>
+          </a:prstGeom>
+        </p:spPr>
+      </p:pic>
+      <p:pic>
+        <p:nvPicPr>
+          <p:cNvPr id="68" name="Picture 67"/>
+          <p:cNvPicPr>
+            <a:picLocks noChangeAspect="1"/>
+          </p:cNvPicPr>
+          <p:nvPr/>
+        </p:nvPicPr>
+        <p:blipFill>
+          <a:blip r:embed="rId8" cstate="print">
+            <a:extLst>
+              <a:ext uri="{28A0092B-C50C-407E-A947-70E740481C1C}">
+                <a14:useLocalDpi xmlns:a14="http://schemas.microsoft.com/office/drawing/2010/main" val="0"/>
+              </a:ext>
+            </a:extLst>
+          </a:blip>
+          <a:stretch>
+            <a:fillRect/>
+          </a:stretch>
+        </p:blipFill>
+        <p:spPr>
+          <a:xfrm>
+            <a:off x="4282639" y="4830536"/>
+            <a:ext cx="914191" cy="914191"/>
+          </a:xfrm>
+          <a:prstGeom prst="rect">
+            <a:avLst/>
+          </a:prstGeom>
+        </p:spPr>
+      </p:pic>
+      <p:pic>
+        <p:nvPicPr>
+          <p:cNvPr id="69" name="Picture 68"/>
+          <p:cNvPicPr>
+            <a:picLocks noChangeAspect="1"/>
+          </p:cNvPicPr>
+          <p:nvPr/>
+        </p:nvPicPr>
+        <p:blipFill>
+          <a:blip r:embed="rId8" cstate="print">
+            <a:extLst>
+              <a:ext uri="{28A0092B-C50C-407E-A947-70E740481C1C}">
+                <a14:useLocalDpi xmlns:a14="http://schemas.microsoft.com/office/drawing/2010/main" val="0"/>
+              </a:ext>
+            </a:extLst>
+          </a:blip>
+          <a:stretch>
+            <a:fillRect/>
+          </a:stretch>
+        </p:blipFill>
+        <p:spPr>
+          <a:xfrm>
+            <a:off x="3326211" y="4840912"/>
+            <a:ext cx="914191" cy="914191"/>
+          </a:xfrm>
+          <a:prstGeom prst="rect">
+            <a:avLst/>
+          </a:prstGeom>
+        </p:spPr>
+      </p:pic>
+      <p:sp>
+        <p:nvSpPr>
+          <p:cNvPr id="70" name="Text Box 9"/>
+          <p:cNvSpPr txBox="1">
+            <a:spLocks noChangeArrowheads="1"/>
+          </p:cNvSpPr>
+          <p:nvPr/>
+        </p:nvSpPr>
+        <p:spPr bwMode="auto">
+          <a:xfrm>
+            <a:off x="2324803" y="5886877"/>
+            <a:ext cx="2633964" cy="759182"/>
+          </a:xfrm>
+          <a:prstGeom prst="rect">
+            <a:avLst/>
+          </a:prstGeom>
+          <a:noFill/>
+          <a:ln w="9525">
+            <a:noFill/>
+            <a:miter lim="800000"/>
+            <a:headEnd/>
+            <a:tailEnd/>
+          </a:ln>
+          <a:effectLst/>
+        </p:spPr>
+        <p:txBody>
+          <a:bodyPr wrap="square">
+            <a:spAutoFit/>
+          </a:bodyPr>
+          <a:lstStyle/>
+          <a:p>
+            <a:pPr algn="l">
+              <a:spcAft>
+                <a:spcPts val="400"/>
+              </a:spcAft>
+            </a:pPr>
+            <a:r>
+              <a:rPr lang="tr-TR" sz="2000" dirty="0" smtClean="0">
+                <a:latin typeface="Times New Roman" panose="02020603050405020304" pitchFamily="18" charset="0"/>
+                <a:cs typeface="Times New Roman" panose="02020603050405020304" pitchFamily="18" charset="0"/>
+              </a:rPr>
+              <a:t>20 </a:t>
+            </a:r>
+            <a:r>
+              <a:rPr lang="el-GR" sz="2000" dirty="0" smtClean="0">
+                <a:latin typeface="Times New Roman" panose="02020603050405020304" pitchFamily="18" charset="0"/>
+                <a:cs typeface="Times New Roman" panose="02020603050405020304" pitchFamily="18" charset="0"/>
+              </a:rPr>
+              <a:t>μ</a:t>
+            </a:r>
+            <a:r>
+              <a:rPr lang="tr-TR" sz="2000" dirty="0" smtClean="0">
+                <a:latin typeface="Times New Roman" panose="02020603050405020304" pitchFamily="18" charset="0"/>
+                <a:cs typeface="Times New Roman" panose="02020603050405020304" pitchFamily="18" charset="0"/>
+              </a:rPr>
+              <a:t>F, </a:t>
+            </a:r>
+            <a:r>
+              <a:rPr lang="tr-TR" sz="2000" dirty="0" smtClean="0">
+                <a:latin typeface="Times New Roman" panose="02020603050405020304" pitchFamily="18" charset="0"/>
+                <a:cs typeface="Times New Roman" panose="02020603050405020304" pitchFamily="18" charset="0"/>
+              </a:rPr>
+              <a:t>450 V</a:t>
+            </a:r>
+          </a:p>
+          <a:p>
+            <a:pPr algn="l">
+              <a:spcAft>
+                <a:spcPts val="400"/>
+              </a:spcAft>
+            </a:pPr>
+            <a:r>
+              <a:rPr lang="tr-TR" sz="2000" dirty="0" smtClean="0">
+                <a:latin typeface="Times New Roman" panose="02020603050405020304" pitchFamily="18" charset="0"/>
+                <a:cs typeface="Times New Roman" panose="02020603050405020304" pitchFamily="18" charset="0"/>
+              </a:rPr>
+              <a:t>2s, 2p</a:t>
+            </a:r>
+            <a:endParaRPr lang="tr-TR" sz="2000" dirty="0" smtClean="0">
+              <a:latin typeface="Times New Roman" panose="02020603050405020304" pitchFamily="18" charset="0"/>
+              <a:cs typeface="Times New Roman" panose="02020603050405020304" pitchFamily="18" charset="0"/>
+            </a:endParaRPr>
+          </a:p>
+        </p:txBody>
+      </p:sp>
+      <p:sp>
+        <p:nvSpPr>
+          <p:cNvPr id="73" name="Text Box 9"/>
+          <p:cNvSpPr txBox="1">
+            <a:spLocks noChangeArrowheads="1"/>
+          </p:cNvSpPr>
+          <p:nvPr/>
+        </p:nvSpPr>
+        <p:spPr bwMode="auto">
+          <a:xfrm>
+            <a:off x="5467667" y="4996241"/>
+            <a:ext cx="2513898" cy="1477328"/>
+          </a:xfrm>
+          <a:prstGeom prst="rect">
+            <a:avLst/>
+          </a:prstGeom>
+          <a:noFill/>
+          <a:ln w="9525">
+            <a:noFill/>
+            <a:miter lim="800000"/>
+            <a:headEnd/>
+            <a:tailEnd/>
+          </a:ln>
+          <a:effectLst/>
+        </p:spPr>
+        <p:txBody>
+          <a:bodyPr wrap="square">
+            <a:spAutoFit/>
+          </a:bodyPr>
+          <a:lstStyle/>
+          <a:p>
+            <a:pPr marL="285750" indent="-285750" algn="l">
+              <a:spcAft>
+                <a:spcPts val="400"/>
+              </a:spcAft>
+              <a:buFont typeface="Wingdings" panose="05000000000000000000" pitchFamily="2" charset="2"/>
+              <a:buChar char="ü"/>
+            </a:pPr>
+            <a:r>
+              <a:rPr lang="tr-TR" sz="2000" dirty="0" smtClean="0">
+                <a:latin typeface="Times New Roman" panose="02020603050405020304" pitchFamily="18" charset="0"/>
+                <a:cs typeface="Times New Roman" panose="02020603050405020304" pitchFamily="18" charset="0"/>
+              </a:rPr>
+              <a:t>High </a:t>
+            </a:r>
+            <a:r>
+              <a:rPr lang="tr-TR" sz="2000" dirty="0" err="1" smtClean="0">
+                <a:latin typeface="Times New Roman" panose="02020603050405020304" pitchFamily="18" charset="0"/>
+                <a:cs typeface="Times New Roman" panose="02020603050405020304" pitchFamily="18" charset="0"/>
+              </a:rPr>
+              <a:t>power</a:t>
+            </a:r>
+            <a:r>
+              <a:rPr lang="tr-TR" sz="2000" dirty="0" smtClean="0">
+                <a:latin typeface="Times New Roman" panose="02020603050405020304" pitchFamily="18" charset="0"/>
+                <a:cs typeface="Times New Roman" panose="02020603050405020304" pitchFamily="18" charset="0"/>
+              </a:rPr>
+              <a:t> </a:t>
+            </a:r>
+            <a:r>
+              <a:rPr lang="tr-TR" sz="2000" dirty="0" err="1" smtClean="0">
+                <a:latin typeface="Times New Roman" panose="02020603050405020304" pitchFamily="18" charset="0"/>
+                <a:cs typeface="Times New Roman" panose="02020603050405020304" pitchFamily="18" charset="0"/>
+              </a:rPr>
+              <a:t>density</a:t>
+            </a:r>
+            <a:endParaRPr lang="tr-TR" sz="2000" dirty="0" smtClean="0">
+              <a:latin typeface="Times New Roman" panose="02020603050405020304" pitchFamily="18" charset="0"/>
+              <a:cs typeface="Times New Roman" panose="02020603050405020304" pitchFamily="18" charset="0"/>
+            </a:endParaRPr>
+          </a:p>
+          <a:p>
+            <a:pPr marL="285750" indent="-285750" algn="l">
+              <a:spcAft>
+                <a:spcPts val="400"/>
+              </a:spcAft>
+              <a:buFont typeface="Wingdings" panose="05000000000000000000" pitchFamily="2" charset="2"/>
+              <a:buChar char="ü"/>
+            </a:pPr>
+            <a:r>
+              <a:rPr lang="tr-TR" sz="2000" dirty="0" err="1" smtClean="0">
+                <a:latin typeface="Times New Roman" panose="02020603050405020304" pitchFamily="18" charset="0"/>
+                <a:cs typeface="Times New Roman" panose="02020603050405020304" pitchFamily="18" charset="0"/>
+              </a:rPr>
+              <a:t>Low</a:t>
+            </a:r>
+            <a:r>
+              <a:rPr lang="tr-TR" sz="2000" dirty="0" smtClean="0">
+                <a:latin typeface="Times New Roman" panose="02020603050405020304" pitchFamily="18" charset="0"/>
+                <a:cs typeface="Times New Roman" panose="02020603050405020304" pitchFamily="18" charset="0"/>
+              </a:rPr>
+              <a:t> </a:t>
+            </a:r>
+            <a:r>
+              <a:rPr lang="tr-TR" sz="2000" dirty="0" err="1" smtClean="0">
+                <a:latin typeface="Times New Roman" panose="02020603050405020304" pitchFamily="18" charset="0"/>
+                <a:cs typeface="Times New Roman" panose="02020603050405020304" pitchFamily="18" charset="0"/>
+              </a:rPr>
+              <a:t>cost</a:t>
+            </a:r>
+            <a:endParaRPr lang="tr-TR" sz="2000" dirty="0" smtClean="0">
+              <a:latin typeface="Times New Roman" panose="02020603050405020304" pitchFamily="18" charset="0"/>
+              <a:cs typeface="Times New Roman" panose="02020603050405020304" pitchFamily="18" charset="0"/>
+            </a:endParaRPr>
+          </a:p>
+          <a:p>
+            <a:pPr marL="285750" indent="-285750" algn="l">
+              <a:spcAft>
+                <a:spcPts val="400"/>
+              </a:spcAft>
+              <a:buFont typeface="Wingdings" panose="05000000000000000000" pitchFamily="2" charset="2"/>
+              <a:buChar char="ü"/>
+            </a:pPr>
+            <a:r>
+              <a:rPr lang="tr-TR" sz="2000" dirty="0" err="1" smtClean="0">
+                <a:latin typeface="Times New Roman" panose="02020603050405020304" pitchFamily="18" charset="0"/>
+                <a:cs typeface="Times New Roman" panose="02020603050405020304" pitchFamily="18" charset="0"/>
+              </a:rPr>
+              <a:t>Low</a:t>
+            </a:r>
+            <a:r>
+              <a:rPr lang="tr-TR" sz="2000" dirty="0" smtClean="0">
+                <a:latin typeface="Times New Roman" panose="02020603050405020304" pitchFamily="18" charset="0"/>
+                <a:cs typeface="Times New Roman" panose="02020603050405020304" pitchFamily="18" charset="0"/>
+              </a:rPr>
+              <a:t> </a:t>
+            </a:r>
+            <a:r>
+              <a:rPr lang="tr-TR" sz="2000" dirty="0" err="1" smtClean="0">
+                <a:latin typeface="Times New Roman" panose="02020603050405020304" pitchFamily="18" charset="0"/>
+                <a:cs typeface="Times New Roman" panose="02020603050405020304" pitchFamily="18" charset="0"/>
+              </a:rPr>
+              <a:t>height</a:t>
+            </a:r>
+            <a:endParaRPr lang="tr-TR" sz="2000" dirty="0" smtClean="0">
+              <a:latin typeface="Times New Roman" panose="02020603050405020304" pitchFamily="18" charset="0"/>
+              <a:cs typeface="Times New Roman" panose="02020603050405020304" pitchFamily="18" charset="0"/>
+            </a:endParaRPr>
+          </a:p>
+          <a:p>
+            <a:pPr marL="285750" indent="-285750" algn="l">
+              <a:spcAft>
+                <a:spcPts val="400"/>
+              </a:spcAft>
+              <a:buFont typeface="Wingdings" panose="05000000000000000000" pitchFamily="2" charset="2"/>
+              <a:buChar char="ü"/>
+            </a:pPr>
+            <a:r>
+              <a:rPr lang="tr-TR" sz="2000" dirty="0" err="1" smtClean="0">
+                <a:latin typeface="Times New Roman" panose="02020603050405020304" pitchFamily="18" charset="0"/>
+                <a:cs typeface="Times New Roman" panose="02020603050405020304" pitchFamily="18" charset="0"/>
+              </a:rPr>
+              <a:t>Low</a:t>
+            </a:r>
+            <a:r>
+              <a:rPr lang="tr-TR" sz="2000" dirty="0" smtClean="0">
+                <a:latin typeface="Times New Roman" panose="02020603050405020304" pitchFamily="18" charset="0"/>
+                <a:cs typeface="Times New Roman" panose="02020603050405020304" pitchFamily="18" charset="0"/>
+              </a:rPr>
+              <a:t> </a:t>
+            </a:r>
+            <a:r>
+              <a:rPr lang="tr-TR" sz="2000" dirty="0" err="1" smtClean="0">
+                <a:latin typeface="Times New Roman" panose="02020603050405020304" pitchFamily="18" charset="0"/>
+                <a:cs typeface="Times New Roman" panose="02020603050405020304" pitchFamily="18" charset="0"/>
+              </a:rPr>
+              <a:t>temp</a:t>
+            </a:r>
+            <a:r>
+              <a:rPr lang="tr-TR" sz="2000" dirty="0" smtClean="0">
+                <a:latin typeface="Times New Roman" panose="02020603050405020304" pitchFamily="18" charset="0"/>
+                <a:cs typeface="Times New Roman" panose="02020603050405020304" pitchFamily="18" charset="0"/>
+              </a:rPr>
+              <a:t>. </a:t>
+            </a:r>
+            <a:r>
+              <a:rPr lang="tr-TR" sz="2000" dirty="0" err="1" smtClean="0">
+                <a:latin typeface="Times New Roman" panose="02020603050405020304" pitchFamily="18" charset="0"/>
+                <a:cs typeface="Times New Roman" panose="02020603050405020304" pitchFamily="18" charset="0"/>
+              </a:rPr>
+              <a:t>rise</a:t>
+            </a:r>
+            <a:endParaRPr lang="tr-TR" sz="2000" dirty="0" smtClean="0">
+              <a:latin typeface="Times New Roman" panose="02020603050405020304" pitchFamily="18" charset="0"/>
+              <a:cs typeface="Times New Roman" panose="02020603050405020304" pitchFamily="18" charset="0"/>
+            </a:endParaRPr>
+          </a:p>
+        </p:txBody>
+      </p:sp>
     </p:spTree>
     <p:extLst>
       <p:ext uri="{BB962C8B-B14F-4D97-AF65-F5344CB8AC3E}">
@@ -10764,6 +12398,9 @@
                     <p:cTn id="3" fill="hold">
                       <p:stCondLst>
                         <p:cond delay="indefinite"/>
+                        <p:cond evt="onBegin" delay="0">
+                          <p:tn val="2"/>
+                        </p:cond>
                       </p:stCondLst>
                       <p:childTnLst>
                         <p:par>
@@ -10773,7 +12410,7 @@
                             </p:stCondLst>
                             <p:childTnLst>
                               <p:par>
-                                <p:cTn id="5" presetID="10" presetClass="entr" presetSubtype="0" fill="hold" nodeType="clickEffect">
+                                <p:cTn id="5" presetID="10" presetClass="entr" presetSubtype="0" fill="hold" nodeType="withEffect">
                                   <p:stCondLst>
                                     <p:cond delay="0"/>
                                   </p:stCondLst>
@@ -10858,39 +12495,279 @@
                                   </p:childTnLst>
                                 </p:cTn>
                               </p:par>
-                            </p:childTnLst>
-                          </p:cTn>
-                        </p:par>
-                      </p:childTnLst>
-                    </p:cTn>
-                  </p:par>
-                  <p:par>
-                    <p:cTn id="11" fill="hold">
-                      <p:stCondLst>
-                        <p:cond delay="indefinite"/>
-                      </p:stCondLst>
-                      <p:childTnLst>
-                        <p:par>
-                          <p:cTn id="12" fill="hold">
-                            <p:stCondLst>
-                              <p:cond delay="0"/>
-                            </p:stCondLst>
-                            <p:childTnLst>
                               <p:par>
-                                <p:cTn id="13" presetID="10" presetClass="entr" presetSubtype="0" fill="hold" nodeType="clickEffect">
+                                <p:cTn id="11" presetID="10" presetClass="entr" presetSubtype="0" fill="hold" nodeType="withEffect">
                                   <p:stCondLst>
                                     <p:cond delay="0"/>
                                   </p:stCondLst>
                                   <p:childTnLst>
                                     <p:set>
                                       <p:cBhvr>
-                                        <p:cTn id="14" dur="1" fill="hold">
+                                        <p:cTn id="12" dur="1" fill="hold">
                                           <p:stCondLst>
                                             <p:cond delay="0"/>
                                           </p:stCondLst>
                                         </p:cTn>
                                         <p:tgtEl>
-                                          <p:spTgt spid="18">
+                                          <p:spTgt spid="53">
+                                            <p:txEl>
+                                              <p:pRg st="0" end="0"/>
+                                            </p:txEl>
+                                          </p:spTgt>
+                                        </p:tgtEl>
+                                        <p:attrNameLst>
+                                          <p:attrName>style.visibility</p:attrName>
+                                        </p:attrNameLst>
+                                      </p:cBhvr>
+                                      <p:to>
+                                        <p:strVal val="visible"/>
+                                      </p:to>
+                                    </p:set>
+                                    <p:animEffect transition="in" filter="fade">
+                                      <p:cBhvr>
+                                        <p:cTn id="13" dur="500"/>
+                                        <p:tgtEl>
+                                          <p:spTgt spid="53">
+                                            <p:txEl>
+                                              <p:pRg st="0" end="0"/>
+                                            </p:txEl>
+                                          </p:spTgt>
+                                        </p:tgtEl>
+                                      </p:cBhvr>
+                                    </p:animEffect>
+                                  </p:childTnLst>
+                                </p:cTn>
+                              </p:par>
+                              <p:par>
+                                <p:cTn id="14" presetID="10" presetClass="entr" presetSubtype="0" fill="hold" nodeType="withEffect">
+                                  <p:stCondLst>
+                                    <p:cond delay="0"/>
+                                  </p:stCondLst>
+                                  <p:childTnLst>
+                                    <p:set>
+                                      <p:cBhvr>
+                                        <p:cTn id="15" dur="1" fill="hold">
+                                          <p:stCondLst>
+                                            <p:cond delay="0"/>
+                                          </p:stCondLst>
+                                        </p:cTn>
+                                        <p:tgtEl>
+                                          <p:spTgt spid="53">
+                                            <p:txEl>
+                                              <p:pRg st="1" end="1"/>
+                                            </p:txEl>
+                                          </p:spTgt>
+                                        </p:tgtEl>
+                                        <p:attrNameLst>
+                                          <p:attrName>style.visibility</p:attrName>
+                                        </p:attrNameLst>
+                                      </p:cBhvr>
+                                      <p:to>
+                                        <p:strVal val="visible"/>
+                                      </p:to>
+                                    </p:set>
+                                    <p:animEffect transition="in" filter="fade">
+                                      <p:cBhvr>
+                                        <p:cTn id="16" dur="500"/>
+                                        <p:tgtEl>
+                                          <p:spTgt spid="53">
+                                            <p:txEl>
+                                              <p:pRg st="1" end="1"/>
+                                            </p:txEl>
+                                          </p:spTgt>
+                                        </p:tgtEl>
+                                      </p:cBhvr>
+                                    </p:animEffect>
+                                  </p:childTnLst>
+                                </p:cTn>
+                              </p:par>
+                              <p:par>
+                                <p:cTn id="17" presetID="10" presetClass="entr" presetSubtype="0" fill="hold" nodeType="withEffect">
+                                  <p:stCondLst>
+                                    <p:cond delay="0"/>
+                                  </p:stCondLst>
+                                  <p:childTnLst>
+                                    <p:set>
+                                      <p:cBhvr>
+                                        <p:cTn id="18" dur="1" fill="hold">
+                                          <p:stCondLst>
+                                            <p:cond delay="0"/>
+                                          </p:stCondLst>
+                                        </p:cTn>
+                                        <p:tgtEl>
+                                          <p:spTgt spid="60">
+                                            <p:txEl>
+                                              <p:pRg st="0" end="0"/>
+                                            </p:txEl>
+                                          </p:spTgt>
+                                        </p:tgtEl>
+                                        <p:attrNameLst>
+                                          <p:attrName>style.visibility</p:attrName>
+                                        </p:attrNameLst>
+                                      </p:cBhvr>
+                                      <p:to>
+                                        <p:strVal val="visible"/>
+                                      </p:to>
+                                    </p:set>
+                                    <p:animEffect transition="in" filter="fade">
+                                      <p:cBhvr>
+                                        <p:cTn id="19" dur="500"/>
+                                        <p:tgtEl>
+                                          <p:spTgt spid="60">
+                                            <p:txEl>
+                                              <p:pRg st="0" end="0"/>
+                                            </p:txEl>
+                                          </p:spTgt>
+                                        </p:tgtEl>
+                                      </p:cBhvr>
+                                    </p:animEffect>
+                                  </p:childTnLst>
+                                </p:cTn>
+                              </p:par>
+                              <p:par>
+                                <p:cTn id="20" presetID="10" presetClass="entr" presetSubtype="0" fill="hold" nodeType="withEffect">
+                                  <p:stCondLst>
+                                    <p:cond delay="0"/>
+                                  </p:stCondLst>
+                                  <p:childTnLst>
+                                    <p:set>
+                                      <p:cBhvr>
+                                        <p:cTn id="21" dur="1" fill="hold">
+                                          <p:stCondLst>
+                                            <p:cond delay="0"/>
+                                          </p:stCondLst>
+                                        </p:cTn>
+                                        <p:tgtEl>
+                                          <p:spTgt spid="60">
+                                            <p:txEl>
+                                              <p:pRg st="1" end="1"/>
+                                            </p:txEl>
+                                          </p:spTgt>
+                                        </p:tgtEl>
+                                        <p:attrNameLst>
+                                          <p:attrName>style.visibility</p:attrName>
+                                        </p:attrNameLst>
+                                      </p:cBhvr>
+                                      <p:to>
+                                        <p:strVal val="visible"/>
+                                      </p:to>
+                                    </p:set>
+                                    <p:animEffect transition="in" filter="fade">
+                                      <p:cBhvr>
+                                        <p:cTn id="22" dur="500"/>
+                                        <p:tgtEl>
+                                          <p:spTgt spid="60">
+                                            <p:txEl>
+                                              <p:pRg st="1" end="1"/>
+                                            </p:txEl>
+                                          </p:spTgt>
+                                        </p:tgtEl>
+                                      </p:cBhvr>
+                                    </p:animEffect>
+                                  </p:childTnLst>
+                                </p:cTn>
+                              </p:par>
+                              <p:par>
+                                <p:cTn id="23" presetID="10" presetClass="entr" presetSubtype="0" fill="hold" nodeType="withEffect">
+                                  <p:stCondLst>
+                                    <p:cond delay="0"/>
+                                  </p:stCondLst>
+                                  <p:childTnLst>
+                                    <p:set>
+                                      <p:cBhvr>
+                                        <p:cTn id="24" dur="1" fill="hold">
+                                          <p:stCondLst>
+                                            <p:cond delay="0"/>
+                                          </p:stCondLst>
+                                        </p:cTn>
+                                        <p:tgtEl>
+                                          <p:spTgt spid="61">
+                                            <p:txEl>
+                                              <p:pRg st="0" end="0"/>
+                                            </p:txEl>
+                                          </p:spTgt>
+                                        </p:tgtEl>
+                                        <p:attrNameLst>
+                                          <p:attrName>style.visibility</p:attrName>
+                                        </p:attrNameLst>
+                                      </p:cBhvr>
+                                      <p:to>
+                                        <p:strVal val="visible"/>
+                                      </p:to>
+                                    </p:set>
+                                    <p:animEffect transition="in" filter="fade">
+                                      <p:cBhvr>
+                                        <p:cTn id="25" dur="500"/>
+                                        <p:tgtEl>
+                                          <p:spTgt spid="61">
+                                            <p:txEl>
+                                              <p:pRg st="0" end="0"/>
+                                            </p:txEl>
+                                          </p:spTgt>
+                                        </p:tgtEl>
+                                      </p:cBhvr>
+                                    </p:animEffect>
+                                  </p:childTnLst>
+                                </p:cTn>
+                              </p:par>
+                              <p:par>
+                                <p:cTn id="26" presetID="10" presetClass="entr" presetSubtype="0" fill="hold" nodeType="withEffect">
+                                  <p:stCondLst>
+                                    <p:cond delay="0"/>
+                                  </p:stCondLst>
+                                  <p:childTnLst>
+                                    <p:set>
+                                      <p:cBhvr>
+                                        <p:cTn id="27" dur="1" fill="hold">
+                                          <p:stCondLst>
+                                            <p:cond delay="0"/>
+                                          </p:stCondLst>
+                                        </p:cTn>
+                                        <p:tgtEl>
+                                          <p:spTgt spid="61">
+                                            <p:txEl>
+                                              <p:pRg st="1" end="1"/>
+                                            </p:txEl>
+                                          </p:spTgt>
+                                        </p:tgtEl>
+                                        <p:attrNameLst>
+                                          <p:attrName>style.visibility</p:attrName>
+                                        </p:attrNameLst>
+                                      </p:cBhvr>
+                                      <p:to>
+                                        <p:strVal val="visible"/>
+                                      </p:to>
+                                    </p:set>
+                                    <p:animEffect transition="in" filter="fade">
+                                      <p:cBhvr>
+                                        <p:cTn id="28" dur="500"/>
+                                        <p:tgtEl>
+                                          <p:spTgt spid="61">
+                                            <p:txEl>
+                                              <p:pRg st="1" end="1"/>
+                                            </p:txEl>
+                                          </p:spTgt>
+                                        </p:tgtEl>
+                                      </p:cBhvr>
+                                    </p:animEffect>
+                                  </p:childTnLst>
+                                </p:cTn>
+                              </p:par>
+                              <p:par>
+                                <p:cTn id="29" presetID="10" presetClass="entr" presetSubtype="0" fill="hold" nodeType="withEffect">
+                                  <p:stCondLst>
+                                    <p:cond delay="0"/>
+                                  </p:stCondLst>
+                                  <p:childTnLst>
+                                    <p:set>
+                                      <p:cBhvr>
+                                        <p:cTn id="30" dur="1" fill="hold">
+                                          <p:stCondLst>
+                                            <p:cond delay="0"/>
+                                          </p:stCondLst>
+                                        </p:cTn>
+                                        <p:tgtEl>
+                                          <p:spTgt spid="61">
                                             <p:txEl>
                                               <p:pRg st="2" end="2"/>
                                             </p:txEl>
@@ -10906,9 +12783,9 @@
                                     </p:set>
                                     <p:animEffect transition="in" filter="fade">
                                       <p:cBhvr>
-                                        <p:cTn id="15" dur="500"/>
+                                        <p:cTn id="31" dur="500"/>
                                         <p:tgtEl>
-                                          <p:spTgt spid="18">
+                                          <p:spTgt spid="61">
                                             <p:txEl>
                                               <p:pRg st="2" end="2"/>
                                             </p:txEl>
@@ -10920,20 +12797,407 @@
                                 </p:cTn>
                               </p:par>
                               <p:par>
-                                <p:cTn id="16" presetID="10" presetClass="entr" presetSubtype="0" fill="hold" nodeType="withEffect">
+                                <p:cTn id="32" presetID="10" presetClass="entr" presetSubtype="0" fill="hold" nodeType="withEffect">
                                   <p:stCondLst>
                                     <p:cond delay="0"/>
                                   </p:stCondLst>
                                   <p:childTnLst>
                                     <p:set>
                                       <p:cBhvr>
-                                        <p:cTn id="17" dur="1" fill="hold">
+                                        <p:cTn id="33" dur="1" fill="hold">
                                           <p:stCondLst>
                                             <p:cond delay="0"/>
                                           </p:stCondLst>
                                         </p:cTn>
                                         <p:tgtEl>
-                                          <p:spTgt spid="18">
+                                          <p:spTgt spid="64">
+                                            <p:txEl>
+                                              <p:pRg st="0" end="0"/>
+                                            </p:txEl>
+                                          </p:spTgt>
+                                        </p:tgtEl>
+                                        <p:attrNameLst>
+                                          <p:attrName>style.visibility</p:attrName>
+                                        </p:attrNameLst>
+                                      </p:cBhvr>
+                                      <p:to>
+                                        <p:strVal val="visible"/>
+                                      </p:to>
+                                    </p:set>
+                                    <p:animEffect transition="in" filter="fade">
+                                      <p:cBhvr>
+                                        <p:cTn id="34" dur="500"/>
+                                        <p:tgtEl>
+                                          <p:spTgt spid="64">
+                                            <p:txEl>
+                                              <p:pRg st="0" end="0"/>
+                                            </p:txEl>
+                                          </p:spTgt>
+                                        </p:tgtEl>
+                                      </p:cBhvr>
+                                    </p:animEffect>
+                                  </p:childTnLst>
+                                </p:cTn>
+                              </p:par>
+                              <p:par>
+                                <p:cTn id="35" presetID="10" presetClass="entr" presetSubtype="0" fill="hold" nodeType="withEffect">
+                                  <p:stCondLst>
+                                    <p:cond delay="0"/>
+                                  </p:stCondLst>
+                                  <p:childTnLst>
+                                    <p:set>
+                                      <p:cBhvr>
+                                        <p:cTn id="36" dur="1" fill="hold">
+                                          <p:stCondLst>
+                                            <p:cond delay="0"/>
+                                          </p:stCondLst>
+                                        </p:cTn>
+                                        <p:tgtEl>
+                                          <p:spTgt spid="64">
+                                            <p:txEl>
+                                              <p:pRg st="1" end="1"/>
+                                            </p:txEl>
+                                          </p:spTgt>
+                                        </p:tgtEl>
+                                        <p:attrNameLst>
+                                          <p:attrName>style.visibility</p:attrName>
+                                        </p:attrNameLst>
+                                      </p:cBhvr>
+                                      <p:to>
+                                        <p:strVal val="visible"/>
+                                      </p:to>
+                                    </p:set>
+                                    <p:animEffect transition="in" filter="fade">
+                                      <p:cBhvr>
+                                        <p:cTn id="37" dur="500"/>
+                                        <p:tgtEl>
+                                          <p:spTgt spid="64">
+                                            <p:txEl>
+                                              <p:pRg st="1" end="1"/>
+                                            </p:txEl>
+                                          </p:spTgt>
+                                        </p:tgtEl>
+                                      </p:cBhvr>
+                                    </p:animEffect>
+                                  </p:childTnLst>
+                                </p:cTn>
+                              </p:par>
+                              <p:par>
+                                <p:cTn id="38" presetID="10" presetClass="entr" presetSubtype="0" fill="hold" nodeType="withEffect">
+                                  <p:stCondLst>
+                                    <p:cond delay="0"/>
+                                  </p:stCondLst>
+                                  <p:childTnLst>
+                                    <p:set>
+                                      <p:cBhvr>
+                                        <p:cTn id="39" dur="1" fill="hold">
+                                          <p:stCondLst>
+                                            <p:cond delay="0"/>
+                                          </p:stCondLst>
+                                        </p:cTn>
+                                        <p:tgtEl>
+                                          <p:spTgt spid="65">
+                                            <p:txEl>
+                                              <p:pRg st="0" end="0"/>
+                                            </p:txEl>
+                                          </p:spTgt>
+                                        </p:tgtEl>
+                                        <p:attrNameLst>
+                                          <p:attrName>style.visibility</p:attrName>
+                                        </p:attrNameLst>
+                                      </p:cBhvr>
+                                      <p:to>
+                                        <p:strVal val="visible"/>
+                                      </p:to>
+                                    </p:set>
+                                    <p:animEffect transition="in" filter="fade">
+                                      <p:cBhvr>
+                                        <p:cTn id="40" dur="500"/>
+                                        <p:tgtEl>
+                                          <p:spTgt spid="65">
+                                            <p:txEl>
+                                              <p:pRg st="0" end="0"/>
+                                            </p:txEl>
+                                          </p:spTgt>
+                                        </p:tgtEl>
+                                      </p:cBhvr>
+                                    </p:animEffect>
+                                  </p:childTnLst>
+                                </p:cTn>
+                              </p:par>
+                              <p:par>
+                                <p:cTn id="41" presetID="10" presetClass="entr" presetSubtype="0" fill="hold" nodeType="withEffect">
+                                  <p:stCondLst>
+                                    <p:cond delay="0"/>
+                                  </p:stCondLst>
+                                  <p:childTnLst>
+                                    <p:set>
+                                      <p:cBhvr>
+                                        <p:cTn id="42" dur="1" fill="hold">
+                                          <p:stCondLst>
+                                            <p:cond delay="0"/>
+                                          </p:stCondLst>
+                                        </p:cTn>
+                                        <p:tgtEl>
+                                          <p:spTgt spid="65">
+                                            <p:txEl>
+                                              <p:pRg st="1" end="1"/>
+                                            </p:txEl>
+                                          </p:spTgt>
+                                        </p:tgtEl>
+                                        <p:attrNameLst>
+                                          <p:attrName>style.visibility</p:attrName>
+                                        </p:attrNameLst>
+                                      </p:cBhvr>
+                                      <p:to>
+                                        <p:strVal val="visible"/>
+                                      </p:to>
+                                    </p:set>
+                                    <p:animEffect transition="in" filter="fade">
+                                      <p:cBhvr>
+                                        <p:cTn id="43" dur="500"/>
+                                        <p:tgtEl>
+                                          <p:spTgt spid="65">
+                                            <p:txEl>
+                                              <p:pRg st="1" end="1"/>
+                                            </p:txEl>
+                                          </p:spTgt>
+                                        </p:tgtEl>
+                                      </p:cBhvr>
+                                    </p:animEffect>
+                                  </p:childTnLst>
+                                </p:cTn>
+                              </p:par>
+                              <p:par>
+                                <p:cTn id="44" presetID="10" presetClass="entr" presetSubtype="0" fill="hold" nodeType="withEffect">
+                                  <p:stCondLst>
+                                    <p:cond delay="0"/>
+                                  </p:stCondLst>
+                                  <p:childTnLst>
+                                    <p:set>
+                                      <p:cBhvr>
+                                        <p:cTn id="45" dur="1" fill="hold">
+                                          <p:stCondLst>
+                                            <p:cond delay="0"/>
+                                          </p:stCondLst>
+                                        </p:cTn>
+                                        <p:tgtEl>
+                                          <p:spTgt spid="70">
+                                            <p:txEl>
+                                              <p:pRg st="0" end="0"/>
+                                            </p:txEl>
+                                          </p:spTgt>
+                                        </p:tgtEl>
+                                        <p:attrNameLst>
+                                          <p:attrName>style.visibility</p:attrName>
+                                        </p:attrNameLst>
+                                      </p:cBhvr>
+                                      <p:to>
+                                        <p:strVal val="visible"/>
+                                      </p:to>
+                                    </p:set>
+                                    <p:animEffect transition="in" filter="fade">
+                                      <p:cBhvr>
+                                        <p:cTn id="46" dur="500"/>
+                                        <p:tgtEl>
+                                          <p:spTgt spid="70">
+                                            <p:txEl>
+                                              <p:pRg st="0" end="0"/>
+                                            </p:txEl>
+                                          </p:spTgt>
+                                        </p:tgtEl>
+                                      </p:cBhvr>
+                                    </p:animEffect>
+                                  </p:childTnLst>
+                                </p:cTn>
+                              </p:par>
+                              <p:par>
+                                <p:cTn id="47" presetID="10" presetClass="entr" presetSubtype="0" fill="hold" nodeType="withEffect">
+                                  <p:stCondLst>
+                                    <p:cond delay="0"/>
+                                  </p:stCondLst>
+                                  <p:childTnLst>
+                                    <p:set>
+                                      <p:cBhvr>
+                                        <p:cTn id="48" dur="1" fill="hold">
+                                          <p:stCondLst>
+                                            <p:cond delay="0"/>
+                                          </p:stCondLst>
+                                        </p:cTn>
+                                        <p:tgtEl>
+                                          <p:spTgt spid="70">
+                                            <p:txEl>
+                                              <p:pRg st="1" end="1"/>
+                                            </p:txEl>
+                                          </p:spTgt>
+                                        </p:tgtEl>
+                                        <p:attrNameLst>
+                                          <p:attrName>style.visibility</p:attrName>
+                                        </p:attrNameLst>
+                                      </p:cBhvr>
+                                      <p:to>
+                                        <p:strVal val="visible"/>
+                                      </p:to>
+                                    </p:set>
+                                    <p:animEffect transition="in" filter="fade">
+                                      <p:cBhvr>
+                                        <p:cTn id="49" dur="500"/>
+                                        <p:tgtEl>
+                                          <p:spTgt spid="70">
+                                            <p:txEl>
+                                              <p:pRg st="1" end="1"/>
+                                            </p:txEl>
+                                          </p:spTgt>
+                                        </p:tgtEl>
+                                      </p:cBhvr>
+                                    </p:animEffect>
+                                  </p:childTnLst>
+                                </p:cTn>
+                              </p:par>
+                              <p:par>
+                                <p:cTn id="50" presetID="10" presetClass="entr" presetSubtype="0" fill="hold" nodeType="withEffect">
+                                  <p:stCondLst>
+                                    <p:cond delay="0"/>
+                                  </p:stCondLst>
+                                  <p:childTnLst>
+                                    <p:set>
+                                      <p:cBhvr>
+                                        <p:cTn id="51" dur="1" fill="hold">
+                                          <p:stCondLst>
+                                            <p:cond delay="0"/>
+                                          </p:stCondLst>
+                                        </p:cTn>
+                                        <p:tgtEl>
+                                          <p:spTgt spid="73">
+                                            <p:txEl>
+                                              <p:pRg st="0" end="0"/>
+                                            </p:txEl>
+                                          </p:spTgt>
+                                        </p:tgtEl>
+                                        <p:attrNameLst>
+                                          <p:attrName>style.visibility</p:attrName>
+                                        </p:attrNameLst>
+                                      </p:cBhvr>
+                                      <p:to>
+                                        <p:strVal val="visible"/>
+                                      </p:to>
+                                    </p:set>
+                                    <p:animEffect transition="in" filter="fade">
+                                      <p:cBhvr>
+                                        <p:cTn id="52" dur="500"/>
+                                        <p:tgtEl>
+                                          <p:spTgt spid="73">
+                                            <p:txEl>
+                                              <p:pRg st="0" end="0"/>
+                                            </p:txEl>
+                                          </p:spTgt>
+                                        </p:tgtEl>
+                                      </p:cBhvr>
+                                    </p:animEffect>
+                                  </p:childTnLst>
+                                </p:cTn>
+                              </p:par>
+                              <p:par>
+                                <p:cTn id="53" presetID="10" presetClass="entr" presetSubtype="0" fill="hold" nodeType="withEffect">
+                                  <p:stCondLst>
+                                    <p:cond delay="0"/>
+                                  </p:stCondLst>
+                                  <p:childTnLst>
+                                    <p:set>
+                                      <p:cBhvr>
+                                        <p:cTn id="54" dur="1" fill="hold">
+                                          <p:stCondLst>
+                                            <p:cond delay="0"/>
+                                          </p:stCondLst>
+                                        </p:cTn>
+                                        <p:tgtEl>
+                                          <p:spTgt spid="73">
+                                            <p:txEl>
+                                              <p:pRg st="1" end="1"/>
+                                            </p:txEl>
+                                          </p:spTgt>
+                                        </p:tgtEl>
+                                        <p:attrNameLst>
+                                          <p:attrName>style.visibility</p:attrName>
+                                        </p:attrNameLst>
+                                      </p:cBhvr>
+                                      <p:to>
+                                        <p:strVal val="visible"/>
+                                      </p:to>
+                                    </p:set>
+                                    <p:animEffect transition="in" filter="fade">
+                                      <p:cBhvr>
+                                        <p:cTn id="55" dur="500"/>
+                                        <p:tgtEl>
+                                          <p:spTgt spid="73">
+                                            <p:txEl>
+                                              <p:pRg st="1" end="1"/>
+                                            </p:txEl>
+                                          </p:spTgt>
+                                        </p:tgtEl>
+                                      </p:cBhvr>
+                                    </p:animEffect>
+                                  </p:childTnLst>
+                                </p:cTn>
+                              </p:par>
+                              <p:par>
+                                <p:cTn id="56" presetID="10" presetClass="entr" presetSubtype="0" fill="hold" nodeType="withEffect">
+                                  <p:stCondLst>
+                                    <p:cond delay="0"/>
+                                  </p:stCondLst>
+                                  <p:childTnLst>
+                                    <p:set>
+                                      <p:cBhvr>
+                                        <p:cTn id="57" dur="1" fill="hold">
+                                          <p:stCondLst>
+                                            <p:cond delay="0"/>
+                                          </p:stCondLst>
+                                        </p:cTn>
+                                        <p:tgtEl>
+                                          <p:spTgt spid="73">
+                                            <p:txEl>
+                                              <p:pRg st="2" end="2"/>
+                                            </p:txEl>
+                                          </p:spTgt>
+                                        </p:tgtEl>
+                                        <p:attrNameLst>
+                                          <p:attrName>style.visibility</p:attrName>
+                                        </p:attrNameLst>
+                                      </p:cBhvr>
+                                      <p:to>
+                                        <p:strVal val="visible"/>
+                                      </p:to>
+                                    </p:set>
+                                    <p:animEffect transition="in" filter="fade">
+                                      <p:cBhvr>
+                                        <p:cTn id="58" dur="500"/>
+                                        <p:tgtEl>
+                                          <p:spTgt spid="73">
+                                            <p:txEl>
+                                              <p:pRg st="2" end="2"/>
+                                            </p:txEl>
+                                          </p:spTgt>
+                                        </p:tgtEl>
+                                      </p:cBhvr>
+                                    </p:animEffect>
+                                  </p:childTnLst>
+                                </p:cTn>
+                              </p:par>
+                              <p:par>
+                                <p:cTn id="59" presetID="10" presetClass="entr" presetSubtype="0" fill="hold" nodeType="withEffect">
+                                  <p:stCondLst>
+                                    <p:cond delay="0"/>
+                                  </p:stCondLst>
+                                  <p:childTnLst>
+                                    <p:set>
+                                      <p:cBhvr>
+                                        <p:cTn id="60" dur="1" fill="hold">
+                                          <p:stCondLst>
+                                            <p:cond delay="0"/>
+                                          </p:stCondLst>
+                                        </p:cTn>
+                                        <p:tgtEl>
+                                          <p:spTgt spid="73">
                                             <p:txEl>
                                               <p:pRg st="3" end="3"/>
                                             </p:txEl>
@@ -10949,158 +13213,11 @@
                                     </p:set>
                                     <p:animEffect transition="in" filter="fade">
                                       <p:cBhvr>
-                                        <p:cTn id="18" dur="500"/>
+                                        <p:cTn id="61" dur="500"/>
                                         <p:tgtEl>
-                                          <p:spTgt spid="18">
+                                          <p:spTgt spid="73">
                                             <p:txEl>
                                               <p:pRg st="3" end="3"/>
-                                            </p:txEl>
-                                          </p:spTgt>
-                                        </p:tgtEl>
-                                      </p:cBhvr>
-                                    </p:animEffect>
-                                  </p:childTnLst>
-                                </p:cTn>
-                              </p:par>
-                              <p:par>
-                                <p:cTn id="19" presetID="10" presetClass="entr" presetSubtype="0" fill="hold" nodeType="withEffect">
-                                  <p:stCondLst>
-                                    <p:cond delay="0"/>
-                                  </p:stCondLst>
-                                  <p:childTnLst>
-                                    <p:set>
-                                      <p:cBhvr>
-                                        <p:cTn id="20" dur="1" fill="hold">
-                                          <p:stCondLst>
-                                            <p:cond delay="0"/>
-                                          </p:stCondLst>
-                                        </p:cTn>
-                                        <p:tgtEl>
-                                          <p:spTgt spid="18">
-                                            <p:txEl>
-                                              <p:pRg st="4" end="4"/>
-                                            </p:txEl>
-                                          </p:spTgt>
-                                        </p:tgtEl>
-                                        <p:attrNameLst>
-                                          <p:attrName>style.visibility</p:attrName>
-                                        </p:attrNameLst>
-                                      </p:cBhvr>
-                                      <p:to>
-                                        <p:strVal val="visible"/>
-                                      </p:to>
-                                    </p:set>
-                                    <p:animEffect transition="in" filter="fade">
-                                      <p:cBhvr>
-                                        <p:cTn id="21" dur="500"/>
-                                        <p:tgtEl>
-                                          <p:spTgt spid="18">
-                                            <p:txEl>
-                                              <p:pRg st="4" end="4"/>
-                                            </p:txEl>
-                                          </p:spTgt>
-                                        </p:tgtEl>
-                                      </p:cBhvr>
-                                    </p:animEffect>
-                                  </p:childTnLst>
-                                </p:cTn>
-                              </p:par>
-                            </p:childTnLst>
-                          </p:cTn>
-                        </p:par>
-                      </p:childTnLst>
-                    </p:cTn>
-                  </p:par>
-                  <p:par>
-                    <p:cTn id="22" fill="hold">
-                      <p:stCondLst>
-                        <p:cond delay="indefinite"/>
-                      </p:stCondLst>
-                      <p:childTnLst>
-                        <p:par>
-                          <p:cTn id="23" fill="hold">
-                            <p:stCondLst>
-                              <p:cond delay="0"/>
-                            </p:stCondLst>
-                            <p:childTnLst>
-                              <p:par>
-                                <p:cTn id="24" presetID="10" presetClass="entr" presetSubtype="0" fill="hold" nodeType="clickEffect">
-                                  <p:stCondLst>
-                                    <p:cond delay="0"/>
-                                  </p:stCondLst>
-                                  <p:childTnLst>
-                                    <p:set>
-                                      <p:cBhvr>
-                                        <p:cTn id="25" dur="1" fill="hold">
-                                          <p:stCondLst>
-                                            <p:cond delay="0"/>
-                                          </p:stCondLst>
-                                        </p:cTn>
-                                        <p:tgtEl>
-                                          <p:spTgt spid="18">
-                                            <p:txEl>
-                                              <p:pRg st="5" end="5"/>
-                                            </p:txEl>
-                                          </p:spTgt>
-                                        </p:tgtEl>
-                                        <p:attrNameLst>
-                                          <p:attrName>style.visibility</p:attrName>
-                                        </p:attrNameLst>
-                                      </p:cBhvr>
-                                      <p:to>
-                                        <p:strVal val="visible"/>
-                                      </p:to>
-                                    </p:set>
-                                    <p:animEffect transition="in" filter="fade">
-                                      <p:cBhvr>
-                                        <p:cTn id="26" dur="500"/>
-                                        <p:tgtEl>
-                                          <p:spTgt spid="18">
-                                            <p:txEl>
-                                              <p:pRg st="5" end="5"/>
-                                            </p:txEl>
-                                          </p:spTgt>
-                                        </p:tgtEl>
-                                      </p:cBhvr>
-                                    </p:animEffect>
-                                  </p:childTnLst>
-                                </p:cTn>
-                              </p:par>
-                              <p:par>
-                                <p:cTn id="27" presetID="10" presetClass="entr" presetSubtype="0" fill="hold" nodeType="withEffect">
-                                  <p:stCondLst>
-                                    <p:cond delay="0"/>
-                                  </p:stCondLst>
-                                  <p:childTnLst>
-                                    <p:set>
-                                      <p:cBhvr>
-                                        <p:cTn id="28" dur="1" fill="hold">
-                                          <p:stCondLst>
-                                            <p:cond delay="0"/>
-                                          </p:stCondLst>
-                                        </p:cTn>
-                                        <p:tgtEl>
-                                          <p:spTgt spid="18">
-                                            <p:txEl>
-                                              <p:pRg st="6" end="6"/>
-                                            </p:txEl>
-                                          </p:spTgt>
-                                        </p:tgtEl>
-                                        <p:attrNameLst>
-                                          <p:attrName>style.visibility</p:attrName>
-                                        </p:attrNameLst>
-                                      </p:cBhvr>
-                                      <p:to>
-                                        <p:strVal val="visible"/>
-                                      </p:to>
-                                    </p:set>
-                                    <p:animEffect transition="in" filter="fade">
-                                      <p:cBhvr>
-                                        <p:cTn id="29" dur="500"/>
-                                        <p:tgtEl>
-                                          <p:spTgt spid="18">
-                                            <p:txEl>
-                                              <p:pRg st="6" end="6"/>
                                             </p:txEl>
                                           </p:spTgt>
                                         </p:tgtEl>
@@ -11362,8 +13479,8 @@
         </p:nvSpPr>
         <p:spPr bwMode="auto">
           <a:xfrm>
-            <a:off x="1189918" y="1447800"/>
-            <a:ext cx="7954082" cy="3093154"/>
+            <a:off x="1166472" y="990600"/>
+            <a:ext cx="7954082" cy="5632311"/>
           </a:xfrm>
           <a:prstGeom prst="rect">
             <a:avLst/>
@@ -11384,286 +13501,232 @@
           <a:lstStyle/>
           <a:p>
             <a:pPr marL="342900" indent="-342900" algn="l">
-              <a:lnSpc>
-                <a:spcPct val="150000"/>
-              </a:lnSpc>
-              <a:spcAft>
-                <a:spcPts val="600"/>
-              </a:spcAft>
               <a:buFont typeface="Wingdings" panose="05000000000000000000" pitchFamily="2" charset="2"/>
               <a:buChar char="q"/>
             </a:pPr>
             <a:r>
-              <a:rPr lang="tr-TR" sz="2000" dirty="0" smtClean="0">
-                <a:solidFill>
-                  <a:srgbClr val="F20000"/>
-                </a:solidFill>
-                <a:latin typeface="Times New Roman" panose="02020603050405020304" pitchFamily="18" charset="0"/>
-                <a:cs typeface="Times New Roman" panose="02020603050405020304" pitchFamily="18" charset="0"/>
-              </a:rPr>
-              <a:t> </a:t>
-            </a:r>
-            <a:r>
-              <a:rPr lang="tr-TR" sz="2000" dirty="0" smtClean="0">
-                <a:latin typeface="Times New Roman" panose="02020603050405020304" pitchFamily="18" charset="0"/>
-                <a:cs typeface="Times New Roman" panose="02020603050405020304" pitchFamily="18" charset="0"/>
-              </a:rPr>
-              <a:t>IMMD </a:t>
-            </a:r>
-            <a:r>
-              <a:rPr lang="tr-TR" sz="2000" dirty="0" err="1" smtClean="0">
-                <a:latin typeface="Times New Roman" panose="02020603050405020304" pitchFamily="18" charset="0"/>
-                <a:cs typeface="Times New Roman" panose="02020603050405020304" pitchFamily="18" charset="0"/>
-              </a:rPr>
-              <a:t>bla</a:t>
-            </a:r>
-            <a:r>
-              <a:rPr lang="tr-TR" sz="2000" dirty="0" smtClean="0">
-                <a:latin typeface="Times New Roman" panose="02020603050405020304" pitchFamily="18" charset="0"/>
-                <a:cs typeface="Times New Roman" panose="02020603050405020304" pitchFamily="18" charset="0"/>
-              </a:rPr>
-              <a:t> </a:t>
-            </a:r>
-            <a:r>
-              <a:rPr lang="tr-TR" sz="2000" dirty="0" err="1" smtClean="0">
-                <a:latin typeface="Times New Roman" panose="02020603050405020304" pitchFamily="18" charset="0"/>
-                <a:cs typeface="Times New Roman" panose="02020603050405020304" pitchFamily="18" charset="0"/>
-              </a:rPr>
-              <a:t>bla</a:t>
-            </a:r>
-            <a:endParaRPr lang="tr-TR" sz="2000" dirty="0" smtClean="0">
+              <a:rPr lang="en-US" sz="2000" dirty="0" smtClean="0">
+                <a:latin typeface="Times New Roman" panose="02020603050405020304" pitchFamily="18" charset="0"/>
+                <a:cs typeface="Times New Roman" panose="02020603050405020304" pitchFamily="18" charset="0"/>
+              </a:rPr>
+              <a:t>Integrated modular motor drives</a:t>
+            </a:r>
+          </a:p>
+          <a:p>
+            <a:pPr marL="800100" lvl="1" indent="-342900">
+              <a:buFont typeface="Wingdings" panose="05000000000000000000" pitchFamily="2" charset="2"/>
+              <a:buChar char="ü"/>
+            </a:pPr>
+            <a:r>
+              <a:rPr lang="en-US" sz="2000" dirty="0" smtClean="0">
+                <a:latin typeface="Times New Roman" panose="02020603050405020304" pitchFamily="18" charset="0"/>
+                <a:cs typeface="Times New Roman" panose="02020603050405020304" pitchFamily="18" charset="0"/>
+              </a:rPr>
+              <a:t>Advantages and challenges</a:t>
+            </a:r>
+          </a:p>
+          <a:p>
+            <a:pPr marL="800100" lvl="1" indent="-342900">
+              <a:buFont typeface="Wingdings" panose="05000000000000000000" pitchFamily="2" charset="2"/>
+              <a:buChar char="ü"/>
+            </a:pPr>
+            <a:endParaRPr lang="en-US" sz="2000" dirty="0" smtClean="0">
               <a:latin typeface="Times New Roman" panose="02020603050405020304" pitchFamily="18" charset="0"/>
               <a:cs typeface="Times New Roman" panose="02020603050405020304" pitchFamily="18" charset="0"/>
             </a:endParaRPr>
           </a:p>
           <a:p>
             <a:pPr marL="342900" indent="-342900">
-              <a:lnSpc>
-                <a:spcPct val="150000"/>
-              </a:lnSpc>
-              <a:spcAft>
-                <a:spcPts val="600"/>
-              </a:spcAft>
               <a:buFont typeface="Wingdings" panose="05000000000000000000" pitchFamily="2" charset="2"/>
               <a:buChar char="q"/>
             </a:pPr>
             <a:r>
-              <a:rPr lang="tr-TR" sz="2000" dirty="0">
-                <a:solidFill>
-                  <a:srgbClr val="F20000"/>
-                </a:solidFill>
-                <a:latin typeface="Times New Roman" panose="02020603050405020304" pitchFamily="18" charset="0"/>
-                <a:cs typeface="Times New Roman" panose="02020603050405020304" pitchFamily="18" charset="0"/>
-              </a:rPr>
-              <a:t> </a:t>
-            </a:r>
-            <a:r>
-              <a:rPr lang="tr-TR" sz="2000" dirty="0">
-                <a:latin typeface="Times New Roman" panose="02020603050405020304" pitchFamily="18" charset="0"/>
-                <a:cs typeface="Times New Roman" panose="02020603050405020304" pitchFamily="18" charset="0"/>
-              </a:rPr>
-              <a:t>IMMD </a:t>
-            </a:r>
-            <a:r>
-              <a:rPr lang="tr-TR" sz="2000" dirty="0" err="1">
-                <a:latin typeface="Times New Roman" panose="02020603050405020304" pitchFamily="18" charset="0"/>
-                <a:cs typeface="Times New Roman" panose="02020603050405020304" pitchFamily="18" charset="0"/>
-              </a:rPr>
-              <a:t>bla</a:t>
-            </a:r>
-            <a:r>
-              <a:rPr lang="tr-TR" sz="2000" dirty="0">
-                <a:latin typeface="Times New Roman" panose="02020603050405020304" pitchFamily="18" charset="0"/>
-                <a:cs typeface="Times New Roman" panose="02020603050405020304" pitchFamily="18" charset="0"/>
-              </a:rPr>
-              <a:t> </a:t>
-            </a:r>
-            <a:r>
-              <a:rPr lang="tr-TR" sz="2000" dirty="0" err="1">
-                <a:latin typeface="Times New Roman" panose="02020603050405020304" pitchFamily="18" charset="0"/>
-                <a:cs typeface="Times New Roman" panose="02020603050405020304" pitchFamily="18" charset="0"/>
-              </a:rPr>
-              <a:t>bla</a:t>
-            </a:r>
-            <a:endParaRPr lang="tr-TR" sz="2000" dirty="0">
+              <a:rPr lang="en-US" sz="2000" dirty="0" smtClean="0">
+                <a:latin typeface="Times New Roman" panose="02020603050405020304" pitchFamily="18" charset="0"/>
+                <a:cs typeface="Times New Roman" panose="02020603050405020304" pitchFamily="18" charset="0"/>
+              </a:rPr>
+              <a:t>Volume reduction challenge</a:t>
+            </a:r>
+          </a:p>
+          <a:p>
+            <a:pPr marL="800100" lvl="1" indent="-342900">
+              <a:buFont typeface="Wingdings" panose="05000000000000000000" pitchFamily="2" charset="2"/>
+              <a:buChar char="ü"/>
+            </a:pPr>
+            <a:r>
+              <a:rPr lang="en-US" sz="2000" dirty="0" smtClean="0">
+                <a:latin typeface="Times New Roman" panose="02020603050405020304" pitchFamily="18" charset="0"/>
+                <a:cs typeface="Times New Roman" panose="02020603050405020304" pitchFamily="18" charset="0"/>
+              </a:rPr>
+              <a:t>DC link capacitor size optimization</a:t>
+            </a:r>
+          </a:p>
+          <a:p>
+            <a:pPr marL="800100" lvl="1" indent="-342900">
+              <a:buFont typeface="Wingdings" panose="05000000000000000000" pitchFamily="2" charset="2"/>
+              <a:buChar char="ü"/>
+            </a:pPr>
+            <a:endParaRPr lang="en-US" sz="2000" dirty="0" smtClean="0">
               <a:latin typeface="Times New Roman" panose="02020603050405020304" pitchFamily="18" charset="0"/>
               <a:cs typeface="Times New Roman" panose="02020603050405020304" pitchFamily="18" charset="0"/>
             </a:endParaRPr>
           </a:p>
           <a:p>
             <a:pPr marL="342900" indent="-342900">
-              <a:lnSpc>
-                <a:spcPct val="150000"/>
-              </a:lnSpc>
-              <a:spcAft>
-                <a:spcPts val="600"/>
-              </a:spcAft>
               <a:buFont typeface="Wingdings" panose="05000000000000000000" pitchFamily="2" charset="2"/>
               <a:buChar char="q"/>
             </a:pPr>
             <a:r>
-              <a:rPr lang="tr-TR" sz="2000" dirty="0">
-                <a:solidFill>
-                  <a:srgbClr val="F20000"/>
-                </a:solidFill>
-                <a:latin typeface="Times New Roman" panose="02020603050405020304" pitchFamily="18" charset="0"/>
-                <a:cs typeface="Times New Roman" panose="02020603050405020304" pitchFamily="18" charset="0"/>
-              </a:rPr>
-              <a:t> </a:t>
-            </a:r>
-            <a:r>
-              <a:rPr lang="tr-TR" sz="2000" dirty="0">
-                <a:latin typeface="Times New Roman" panose="02020603050405020304" pitchFamily="18" charset="0"/>
-                <a:cs typeface="Times New Roman" panose="02020603050405020304" pitchFamily="18" charset="0"/>
-              </a:rPr>
-              <a:t>IMMD </a:t>
-            </a:r>
-            <a:r>
-              <a:rPr lang="tr-TR" sz="2000" dirty="0" err="1">
-                <a:latin typeface="Times New Roman" panose="02020603050405020304" pitchFamily="18" charset="0"/>
-                <a:cs typeface="Times New Roman" panose="02020603050405020304" pitchFamily="18" charset="0"/>
-              </a:rPr>
-              <a:t>bla</a:t>
-            </a:r>
-            <a:r>
-              <a:rPr lang="tr-TR" sz="2000" dirty="0">
-                <a:latin typeface="Times New Roman" panose="02020603050405020304" pitchFamily="18" charset="0"/>
-                <a:cs typeface="Times New Roman" panose="02020603050405020304" pitchFamily="18" charset="0"/>
-              </a:rPr>
-              <a:t> </a:t>
-            </a:r>
-            <a:r>
-              <a:rPr lang="tr-TR" sz="2000" dirty="0" err="1">
-                <a:latin typeface="Times New Roman" panose="02020603050405020304" pitchFamily="18" charset="0"/>
-                <a:cs typeface="Times New Roman" panose="02020603050405020304" pitchFamily="18" charset="0"/>
-              </a:rPr>
-              <a:t>bla</a:t>
-            </a:r>
-            <a:endParaRPr lang="tr-TR" sz="2000" dirty="0">
+              <a:rPr lang="en-US" sz="2000" dirty="0" smtClean="0">
+                <a:latin typeface="Times New Roman" panose="02020603050405020304" pitchFamily="18" charset="0"/>
+                <a:cs typeface="Times New Roman" panose="02020603050405020304" pitchFamily="18" charset="0"/>
+              </a:rPr>
+              <a:t>DC Link model of an IMMD</a:t>
+            </a:r>
+          </a:p>
+          <a:p>
+            <a:pPr marL="800100" lvl="1" indent="-342900">
+              <a:buFont typeface="Wingdings" panose="05000000000000000000" pitchFamily="2" charset="2"/>
+              <a:buChar char="ü"/>
+            </a:pPr>
+            <a:r>
+              <a:rPr lang="en-US" sz="2000" dirty="0" smtClean="0">
+                <a:latin typeface="Times New Roman" panose="02020603050405020304" pitchFamily="18" charset="0"/>
+                <a:cs typeface="Times New Roman" panose="02020603050405020304" pitchFamily="18" charset="0"/>
+              </a:rPr>
+              <a:t>Critical parameters</a:t>
+            </a:r>
+          </a:p>
+          <a:p>
+            <a:pPr marL="800100" lvl="1" indent="-342900">
+              <a:buFont typeface="Wingdings" panose="05000000000000000000" pitchFamily="2" charset="2"/>
+              <a:buChar char="ü"/>
+            </a:pPr>
+            <a:r>
+              <a:rPr lang="en-US" sz="2000" dirty="0" smtClean="0">
+                <a:latin typeface="Times New Roman" panose="02020603050405020304" pitchFamily="18" charset="0"/>
+                <a:cs typeface="Times New Roman" panose="02020603050405020304" pitchFamily="18" charset="0"/>
+              </a:rPr>
+              <a:t>Analytical model</a:t>
+            </a:r>
+          </a:p>
+          <a:p>
+            <a:pPr marL="800100" lvl="1" indent="-342900">
+              <a:buFont typeface="Wingdings" panose="05000000000000000000" pitchFamily="2" charset="2"/>
+              <a:buChar char="ü"/>
+            </a:pPr>
+            <a:endParaRPr lang="en-US" sz="2000" dirty="0" smtClean="0">
               <a:latin typeface="Times New Roman" panose="02020603050405020304" pitchFamily="18" charset="0"/>
               <a:cs typeface="Times New Roman" panose="02020603050405020304" pitchFamily="18" charset="0"/>
             </a:endParaRPr>
           </a:p>
           <a:p>
             <a:pPr marL="342900" indent="-342900">
-              <a:lnSpc>
-                <a:spcPct val="150000"/>
-              </a:lnSpc>
-              <a:spcAft>
-                <a:spcPts val="600"/>
-              </a:spcAft>
               <a:buFont typeface="Wingdings" panose="05000000000000000000" pitchFamily="2" charset="2"/>
               <a:buChar char="q"/>
             </a:pPr>
             <a:r>
-              <a:rPr lang="tr-TR" sz="2000" dirty="0">
-                <a:solidFill>
-                  <a:srgbClr val="F20000"/>
-                </a:solidFill>
+              <a:rPr lang="en-US" sz="2000" dirty="0" smtClean="0">
+                <a:latin typeface="Times New Roman" panose="02020603050405020304" pitchFamily="18" charset="0"/>
+                <a:cs typeface="Times New Roman" panose="02020603050405020304" pitchFamily="18" charset="0"/>
+              </a:rPr>
+              <a:t>Interleaving</a:t>
+            </a:r>
+          </a:p>
+          <a:p>
+            <a:pPr marL="800100" lvl="1" indent="-342900">
+              <a:buFont typeface="Wingdings" panose="05000000000000000000" pitchFamily="2" charset="2"/>
+              <a:buChar char="ü"/>
+            </a:pPr>
+            <a:r>
+              <a:rPr lang="en-US" sz="2000" dirty="0" smtClean="0">
+                <a:latin typeface="Times New Roman" panose="02020603050405020304" pitchFamily="18" charset="0"/>
+                <a:cs typeface="Times New Roman" panose="02020603050405020304" pitchFamily="18" charset="0"/>
+              </a:rPr>
+              <a:t>Optimum phase shift angle</a:t>
+            </a:r>
+          </a:p>
+          <a:p>
+            <a:pPr marL="800100" lvl="1" indent="-342900">
+              <a:buFont typeface="Wingdings" panose="05000000000000000000" pitchFamily="2" charset="2"/>
+              <a:buChar char="ü"/>
+            </a:pPr>
+            <a:r>
+              <a:rPr lang="en-US" sz="2000" dirty="0" smtClean="0">
+                <a:latin typeface="Times New Roman" panose="02020603050405020304" pitchFamily="18" charset="0"/>
+                <a:cs typeface="Times New Roman" panose="02020603050405020304" pitchFamily="18" charset="0"/>
+              </a:rPr>
+              <a:t>Optimum number of modules</a:t>
+            </a:r>
+            <a:r>
+              <a:rPr lang="en-US" sz="2000" dirty="0" smtClean="0">
                 <a:latin typeface="Times New Roman" panose="02020603050405020304" pitchFamily="18" charset="0"/>
                 <a:cs typeface="Times New Roman" panose="02020603050405020304" pitchFamily="18" charset="0"/>
               </a:rPr>
               <a:t> </a:t>
             </a:r>
-            <a:r>
-              <a:rPr lang="tr-TR" sz="2000" dirty="0">
-                <a:latin typeface="Times New Roman" panose="02020603050405020304" pitchFamily="18" charset="0"/>
-                <a:cs typeface="Times New Roman" panose="02020603050405020304" pitchFamily="18" charset="0"/>
-              </a:rPr>
-              <a:t>IMMD </a:t>
-            </a:r>
-            <a:r>
-              <a:rPr lang="tr-TR" sz="2000" dirty="0" err="1">
-                <a:latin typeface="Times New Roman" panose="02020603050405020304" pitchFamily="18" charset="0"/>
-                <a:cs typeface="Times New Roman" panose="02020603050405020304" pitchFamily="18" charset="0"/>
-              </a:rPr>
-              <a:t>bla</a:t>
-            </a:r>
-            <a:r>
-              <a:rPr lang="tr-TR" sz="2000" dirty="0">
-                <a:latin typeface="Times New Roman" panose="02020603050405020304" pitchFamily="18" charset="0"/>
-                <a:cs typeface="Times New Roman" panose="02020603050405020304" pitchFamily="18" charset="0"/>
-              </a:rPr>
-              <a:t> </a:t>
-            </a:r>
-            <a:r>
-              <a:rPr lang="tr-TR" sz="2000" dirty="0" err="1">
-                <a:latin typeface="Times New Roman" panose="02020603050405020304" pitchFamily="18" charset="0"/>
-                <a:cs typeface="Times New Roman" panose="02020603050405020304" pitchFamily="18" charset="0"/>
-              </a:rPr>
-              <a:t>bla</a:t>
-            </a:r>
-            <a:endParaRPr lang="tr-TR" sz="2000" dirty="0">
+          </a:p>
+          <a:p>
+            <a:pPr marL="800100" lvl="1" indent="-342900">
+              <a:buFont typeface="Wingdings" panose="05000000000000000000" pitchFamily="2" charset="2"/>
+              <a:buChar char="ü"/>
+            </a:pPr>
+            <a:endParaRPr lang="en-US" sz="2000" dirty="0" smtClean="0">
               <a:latin typeface="Times New Roman" panose="02020603050405020304" pitchFamily="18" charset="0"/>
               <a:cs typeface="Times New Roman" panose="02020603050405020304" pitchFamily="18" charset="0"/>
             </a:endParaRPr>
           </a:p>
           <a:p>
             <a:pPr marL="342900" indent="-342900">
-              <a:lnSpc>
-                <a:spcPct val="150000"/>
-              </a:lnSpc>
-              <a:spcAft>
-                <a:spcPts val="600"/>
-              </a:spcAft>
               <a:buFont typeface="Wingdings" panose="05000000000000000000" pitchFamily="2" charset="2"/>
               <a:buChar char="q"/>
             </a:pPr>
             <a:r>
-              <a:rPr lang="tr-TR" sz="2000" dirty="0">
-                <a:solidFill>
-                  <a:srgbClr val="F20000"/>
-                </a:solidFill>
-                <a:latin typeface="Times New Roman" panose="02020603050405020304" pitchFamily="18" charset="0"/>
-                <a:cs typeface="Times New Roman" panose="02020603050405020304" pitchFamily="18" charset="0"/>
-              </a:rPr>
-              <a:t> </a:t>
-            </a:r>
-            <a:r>
-              <a:rPr lang="tr-TR" sz="2000" dirty="0">
-                <a:latin typeface="Times New Roman" panose="02020603050405020304" pitchFamily="18" charset="0"/>
-                <a:cs typeface="Times New Roman" panose="02020603050405020304" pitchFamily="18" charset="0"/>
-              </a:rPr>
-              <a:t>IMMD </a:t>
-            </a:r>
-            <a:r>
-              <a:rPr lang="tr-TR" sz="2000" dirty="0" err="1">
-                <a:latin typeface="Times New Roman" panose="02020603050405020304" pitchFamily="18" charset="0"/>
-                <a:cs typeface="Times New Roman" panose="02020603050405020304" pitchFamily="18" charset="0"/>
-              </a:rPr>
-              <a:t>bla</a:t>
-            </a:r>
-            <a:r>
-              <a:rPr lang="tr-TR" sz="2000" dirty="0">
-                <a:latin typeface="Times New Roman" panose="02020603050405020304" pitchFamily="18" charset="0"/>
-                <a:cs typeface="Times New Roman" panose="02020603050405020304" pitchFamily="18" charset="0"/>
-              </a:rPr>
-              <a:t> </a:t>
-            </a:r>
-            <a:r>
-              <a:rPr lang="tr-TR" sz="2000" dirty="0" err="1">
-                <a:latin typeface="Times New Roman" panose="02020603050405020304" pitchFamily="18" charset="0"/>
-                <a:cs typeface="Times New Roman" panose="02020603050405020304" pitchFamily="18" charset="0"/>
-              </a:rPr>
-              <a:t>bla</a:t>
-            </a:r>
-            <a:endParaRPr lang="tr-TR" sz="2000" dirty="0">
-              <a:latin typeface="Times New Roman" panose="02020603050405020304" pitchFamily="18" charset="0"/>
-              <a:cs typeface="Times New Roman" panose="02020603050405020304" pitchFamily="18" charset="0"/>
-            </a:endParaRPr>
-          </a:p>
-          <a:p>
-            <a:pPr marL="342900" indent="-342900" algn="l">
-              <a:spcAft>
-                <a:spcPts val="600"/>
-              </a:spcAft>
+              <a:rPr lang="en-US" sz="2000" dirty="0" smtClean="0">
+                <a:latin typeface="Times New Roman" panose="02020603050405020304" pitchFamily="18" charset="0"/>
+                <a:cs typeface="Times New Roman" panose="02020603050405020304" pitchFamily="18" charset="0"/>
+              </a:rPr>
+              <a:t>Capacitor selection algorithm</a:t>
+            </a:r>
+          </a:p>
+          <a:p>
+            <a:pPr marL="800100" lvl="1" indent="-342900">
               <a:buFont typeface="Wingdings" panose="05000000000000000000" pitchFamily="2" charset="2"/>
-              <a:buChar char="q"/>
+              <a:buChar char="ü"/>
             </a:pPr>
-            <a:endParaRPr lang="tr-TR" sz="2000" dirty="0" smtClean="0">
-              <a:latin typeface="Times New Roman" panose="02020603050405020304" pitchFamily="18" charset="0"/>
-              <a:cs typeface="Times New Roman" panose="02020603050405020304" pitchFamily="18" charset="0"/>
-            </a:endParaRPr>
+            <a:r>
+              <a:rPr lang="en-US" sz="2000" dirty="0" smtClean="0">
+                <a:latin typeface="Times New Roman" panose="02020603050405020304" pitchFamily="18" charset="0"/>
+                <a:cs typeface="Times New Roman" panose="02020603050405020304" pitchFamily="18" charset="0"/>
+              </a:rPr>
+              <a:t>Film capacitors =&gt; datasheet parameters</a:t>
+            </a:r>
+          </a:p>
+          <a:p>
+            <a:pPr marL="800100" lvl="1" indent="-342900">
+              <a:buFont typeface="Wingdings" panose="05000000000000000000" pitchFamily="2" charset="2"/>
+              <a:buChar char="ü"/>
+            </a:pPr>
+            <a:r>
+              <a:rPr lang="en-US" sz="2000" dirty="0" smtClean="0">
+                <a:latin typeface="Times New Roman" panose="02020603050405020304" pitchFamily="18" charset="0"/>
+                <a:cs typeface="Times New Roman" panose="02020603050405020304" pitchFamily="18" charset="0"/>
+              </a:rPr>
+              <a:t>Critical switching frequency</a:t>
+            </a:r>
+          </a:p>
+          <a:p>
+            <a:pPr marL="800100" lvl="1" indent="-342900">
+              <a:buFont typeface="Wingdings" panose="05000000000000000000" pitchFamily="2" charset="2"/>
+              <a:buChar char="ü"/>
+            </a:pPr>
+            <a:r>
+              <a:rPr lang="en-US" sz="2000" dirty="0" smtClean="0">
+                <a:latin typeface="Times New Roman" panose="02020603050405020304" pitchFamily="18" charset="0"/>
+                <a:cs typeface="Times New Roman" panose="02020603050405020304" pitchFamily="18" charset="0"/>
+              </a:rPr>
+              <a:t>Case results =&gt; optimum combination</a:t>
+            </a:r>
           </a:p>
         </p:txBody>
       </p:sp>
@@ -11906,7 +13969,7 @@
                                         <p:tgtEl>
                                           <p:spTgt spid="12">
                                             <p:txEl>
-                                              <p:pRg st="2" end="2"/>
+                                              <p:pRg st="3" end="3"/>
                                             </p:txEl>
                                           </p:spTgt>
                                         </p:tgtEl>
@@ -11924,7 +13987,7 @@
                                         <p:tgtEl>
                                           <p:spTgt spid="12">
                                             <p:txEl>
-                                              <p:pRg st="2" end="2"/>
+                                              <p:pRg st="3" end="3"/>
                                             </p:txEl>
                                           </p:spTgt>
                                         </p:tgtEl>
@@ -11967,7 +14030,7 @@
                                         <p:tgtEl>
                                           <p:spTgt spid="12">
                                             <p:txEl>
-                                              <p:pRg st="3" end="3"/>
+                                              <p:pRg st="4" end="4"/>
                                             </p:txEl>
                                           </p:spTgt>
                                         </p:tgtEl>
@@ -11985,7 +14048,7 @@
                                         <p:tgtEl>
                                           <p:spTgt spid="12">
                                             <p:txEl>
-                                              <p:pRg st="3" end="3"/>
+                                              <p:pRg st="4" end="4"/>
                                             </p:txEl>
                                           </p:spTgt>
                                         </p:tgtEl>
@@ -12028,7 +14091,7 @@
                                         <p:tgtEl>
                                           <p:spTgt spid="12">
                                             <p:txEl>
-                                              <p:pRg st="4" end="4"/>
+                                              <p:pRg st="6" end="6"/>
                                             </p:txEl>
                                           </p:spTgt>
                                         </p:tgtEl>
@@ -12046,7 +14109,556 @@
                                         <p:tgtEl>
                                           <p:spTgt spid="12">
                                             <p:txEl>
-                                              <p:pRg st="4" end="4"/>
+                                              <p:pRg st="6" end="6"/>
+                                            </p:txEl>
+                                          </p:spTgt>
+                                        </p:tgtEl>
+                                      </p:cBhvr>
+                                    </p:animEffect>
+                                  </p:childTnLst>
+                                </p:cTn>
+                              </p:par>
+                            </p:childTnLst>
+                          </p:cTn>
+                        </p:par>
+                      </p:childTnLst>
+                    </p:cTn>
+                  </p:par>
+                  <p:par>
+                    <p:cTn id="28" fill="hold">
+                      <p:stCondLst>
+                        <p:cond delay="indefinite"/>
+                      </p:stCondLst>
+                      <p:childTnLst>
+                        <p:par>
+                          <p:cTn id="29" fill="hold">
+                            <p:stCondLst>
+                              <p:cond delay="0"/>
+                            </p:stCondLst>
+                            <p:childTnLst>
+                              <p:par>
+                                <p:cTn id="30" presetID="10" presetClass="entr" presetSubtype="0" fill="hold" nodeType="clickEffect">
+                                  <p:stCondLst>
+                                    <p:cond delay="0"/>
+                                  </p:stCondLst>
+                                  <p:childTnLst>
+                                    <p:set>
+                                      <p:cBhvr>
+                                        <p:cTn id="31" dur="1" fill="hold">
+                                          <p:stCondLst>
+                                            <p:cond delay="0"/>
+                                          </p:stCondLst>
+                                        </p:cTn>
+                                        <p:tgtEl>
+                                          <p:spTgt spid="12">
+                                            <p:txEl>
+                                              <p:pRg st="7" end="7"/>
+                                            </p:txEl>
+                                          </p:spTgt>
+                                        </p:tgtEl>
+                                        <p:attrNameLst>
+                                          <p:attrName>style.visibility</p:attrName>
+                                        </p:attrNameLst>
+                                      </p:cBhvr>
+                                      <p:to>
+                                        <p:strVal val="visible"/>
+                                      </p:to>
+                                    </p:set>
+                                    <p:animEffect transition="in" filter="fade">
+                                      <p:cBhvr>
+                                        <p:cTn id="32" dur="500"/>
+                                        <p:tgtEl>
+                                          <p:spTgt spid="12">
+                                            <p:txEl>
+                                              <p:pRg st="7" end="7"/>
+                                            </p:txEl>
+                                          </p:spTgt>
+                                        </p:tgtEl>
+                                      </p:cBhvr>
+                                    </p:animEffect>
+                                  </p:childTnLst>
+                                </p:cTn>
+                              </p:par>
+                            </p:childTnLst>
+                          </p:cTn>
+                        </p:par>
+                      </p:childTnLst>
+                    </p:cTn>
+                  </p:par>
+                  <p:par>
+                    <p:cTn id="33" fill="hold">
+                      <p:stCondLst>
+                        <p:cond delay="indefinite"/>
+                      </p:stCondLst>
+                      <p:childTnLst>
+                        <p:par>
+                          <p:cTn id="34" fill="hold">
+                            <p:stCondLst>
+                              <p:cond delay="0"/>
+                            </p:stCondLst>
+                            <p:childTnLst>
+                              <p:par>
+                                <p:cTn id="35" presetID="10" presetClass="entr" presetSubtype="0" fill="hold" nodeType="clickEffect">
+                                  <p:stCondLst>
+                                    <p:cond delay="0"/>
+                                  </p:stCondLst>
+                                  <p:childTnLst>
+                                    <p:set>
+                                      <p:cBhvr>
+                                        <p:cTn id="36" dur="1" fill="hold">
+                                          <p:stCondLst>
+                                            <p:cond delay="0"/>
+                                          </p:stCondLst>
+                                        </p:cTn>
+                                        <p:tgtEl>
+                                          <p:spTgt spid="12">
+                                            <p:txEl>
+                                              <p:pRg st="8" end="8"/>
+                                            </p:txEl>
+                                          </p:spTgt>
+                                        </p:tgtEl>
+                                        <p:attrNameLst>
+                                          <p:attrName>style.visibility</p:attrName>
+                                        </p:attrNameLst>
+                                      </p:cBhvr>
+                                      <p:to>
+                                        <p:strVal val="visible"/>
+                                      </p:to>
+                                    </p:set>
+                                    <p:animEffect transition="in" filter="fade">
+                                      <p:cBhvr>
+                                        <p:cTn id="37" dur="500"/>
+                                        <p:tgtEl>
+                                          <p:spTgt spid="12">
+                                            <p:txEl>
+                                              <p:pRg st="8" end="8"/>
+                                            </p:txEl>
+                                          </p:spTgt>
+                                        </p:tgtEl>
+                                      </p:cBhvr>
+                                    </p:animEffect>
+                                  </p:childTnLst>
+                                </p:cTn>
+                              </p:par>
+                            </p:childTnLst>
+                          </p:cTn>
+                        </p:par>
+                      </p:childTnLst>
+                    </p:cTn>
+                  </p:par>
+                  <p:par>
+                    <p:cTn id="38" fill="hold">
+                      <p:stCondLst>
+                        <p:cond delay="indefinite"/>
+                      </p:stCondLst>
+                      <p:childTnLst>
+                        <p:par>
+                          <p:cTn id="39" fill="hold">
+                            <p:stCondLst>
+                              <p:cond delay="0"/>
+                            </p:stCondLst>
+                            <p:childTnLst>
+                              <p:par>
+                                <p:cTn id="40" presetID="10" presetClass="entr" presetSubtype="0" fill="hold" nodeType="clickEffect">
+                                  <p:stCondLst>
+                                    <p:cond delay="0"/>
+                                  </p:stCondLst>
+                                  <p:childTnLst>
+                                    <p:set>
+                                      <p:cBhvr>
+                                        <p:cTn id="41" dur="1" fill="hold">
+                                          <p:stCondLst>
+                                            <p:cond delay="0"/>
+                                          </p:stCondLst>
+                                        </p:cTn>
+                                        <p:tgtEl>
+                                          <p:spTgt spid="12">
+                                            <p:txEl>
+                                              <p:pRg st="10" end="10"/>
+                                            </p:txEl>
+                                          </p:spTgt>
+                                        </p:tgtEl>
+                                        <p:attrNameLst>
+                                          <p:attrName>style.visibility</p:attrName>
+                                        </p:attrNameLst>
+                                      </p:cBhvr>
+                                      <p:to>
+                                        <p:strVal val="visible"/>
+                                      </p:to>
+                                    </p:set>
+                                    <p:animEffect transition="in" filter="fade">
+                                      <p:cBhvr>
+                                        <p:cTn id="42" dur="500"/>
+                                        <p:tgtEl>
+                                          <p:spTgt spid="12">
+                                            <p:txEl>
+                                              <p:pRg st="10" end="10"/>
+                                            </p:txEl>
+                                          </p:spTgt>
+                                        </p:tgtEl>
+                                      </p:cBhvr>
+                                    </p:animEffect>
+                                  </p:childTnLst>
+                                </p:cTn>
+                              </p:par>
+                            </p:childTnLst>
+                          </p:cTn>
+                        </p:par>
+                      </p:childTnLst>
+                    </p:cTn>
+                  </p:par>
+                  <p:par>
+                    <p:cTn id="43" fill="hold">
+                      <p:stCondLst>
+                        <p:cond delay="indefinite"/>
+                      </p:stCondLst>
+                      <p:childTnLst>
+                        <p:par>
+                          <p:cTn id="44" fill="hold">
+                            <p:stCondLst>
+                              <p:cond delay="0"/>
+                            </p:stCondLst>
+                            <p:childTnLst>
+                              <p:par>
+                                <p:cTn id="45" presetID="10" presetClass="entr" presetSubtype="0" fill="hold" nodeType="clickEffect">
+                                  <p:stCondLst>
+                                    <p:cond delay="0"/>
+                                  </p:stCondLst>
+                                  <p:childTnLst>
+                                    <p:set>
+                                      <p:cBhvr>
+                                        <p:cTn id="46" dur="1" fill="hold">
+                                          <p:stCondLst>
+                                            <p:cond delay="0"/>
+                                          </p:stCondLst>
+                                        </p:cTn>
+                                        <p:tgtEl>
+                                          <p:spTgt spid="12">
+                                            <p:txEl>
+                                              <p:pRg st="11" end="11"/>
+                                            </p:txEl>
+                                          </p:spTgt>
+                                        </p:tgtEl>
+                                        <p:attrNameLst>
+                                          <p:attrName>style.visibility</p:attrName>
+                                        </p:attrNameLst>
+                                      </p:cBhvr>
+                                      <p:to>
+                                        <p:strVal val="visible"/>
+                                      </p:to>
+                                    </p:set>
+                                    <p:animEffect transition="in" filter="fade">
+                                      <p:cBhvr>
+                                        <p:cTn id="47" dur="500"/>
+                                        <p:tgtEl>
+                                          <p:spTgt spid="12">
+                                            <p:txEl>
+                                              <p:pRg st="11" end="11"/>
+                                            </p:txEl>
+                                          </p:spTgt>
+                                        </p:tgtEl>
+                                      </p:cBhvr>
+                                    </p:animEffect>
+                                  </p:childTnLst>
+                                </p:cTn>
+                              </p:par>
+                            </p:childTnLst>
+                          </p:cTn>
+                        </p:par>
+                      </p:childTnLst>
+                    </p:cTn>
+                  </p:par>
+                  <p:par>
+                    <p:cTn id="48" fill="hold">
+                      <p:stCondLst>
+                        <p:cond delay="indefinite"/>
+                      </p:stCondLst>
+                      <p:childTnLst>
+                        <p:par>
+                          <p:cTn id="49" fill="hold">
+                            <p:stCondLst>
+                              <p:cond delay="0"/>
+                            </p:stCondLst>
+                            <p:childTnLst>
+                              <p:par>
+                                <p:cTn id="50" presetID="10" presetClass="entr" presetSubtype="0" fill="hold" nodeType="clickEffect">
+                                  <p:stCondLst>
+                                    <p:cond delay="0"/>
+                                  </p:stCondLst>
+                                  <p:childTnLst>
+                                    <p:set>
+                                      <p:cBhvr>
+                                        <p:cTn id="51" dur="1" fill="hold">
+                                          <p:stCondLst>
+                                            <p:cond delay="0"/>
+                                          </p:stCondLst>
+                                        </p:cTn>
+                                        <p:tgtEl>
+                                          <p:spTgt spid="12">
+                                            <p:txEl>
+                                              <p:pRg st="12" end="12"/>
+                                            </p:txEl>
+                                          </p:spTgt>
+                                        </p:tgtEl>
+                                        <p:attrNameLst>
+                                          <p:attrName>style.visibility</p:attrName>
+                                        </p:attrNameLst>
+                                      </p:cBhvr>
+                                      <p:to>
+                                        <p:strVal val="visible"/>
+                                      </p:to>
+                                    </p:set>
+                                    <p:animEffect transition="in" filter="fade">
+                                      <p:cBhvr>
+                                        <p:cTn id="52" dur="500"/>
+                                        <p:tgtEl>
+                                          <p:spTgt spid="12">
+                                            <p:txEl>
+                                              <p:pRg st="12" end="12"/>
+                                            </p:txEl>
+                                          </p:spTgt>
+                                        </p:tgtEl>
+                                      </p:cBhvr>
+                                    </p:animEffect>
+                                  </p:childTnLst>
+                                </p:cTn>
+                              </p:par>
+                            </p:childTnLst>
+                          </p:cTn>
+                        </p:par>
+                      </p:childTnLst>
+                    </p:cTn>
+                  </p:par>
+                  <p:par>
+                    <p:cTn id="53" fill="hold">
+                      <p:stCondLst>
+                        <p:cond delay="indefinite"/>
+                      </p:stCondLst>
+                      <p:childTnLst>
+                        <p:par>
+                          <p:cTn id="54" fill="hold">
+                            <p:stCondLst>
+                              <p:cond delay="0"/>
+                            </p:stCondLst>
+                            <p:childTnLst>
+                              <p:par>
+                                <p:cTn id="55" presetID="10" presetClass="entr" presetSubtype="0" fill="hold" nodeType="clickEffect">
+                                  <p:stCondLst>
+                                    <p:cond delay="0"/>
+                                  </p:stCondLst>
+                                  <p:childTnLst>
+                                    <p:set>
+                                      <p:cBhvr>
+                                        <p:cTn id="56" dur="1" fill="hold">
+                                          <p:stCondLst>
+                                            <p:cond delay="0"/>
+                                          </p:stCondLst>
+                                        </p:cTn>
+                                        <p:tgtEl>
+                                          <p:spTgt spid="12">
+                                            <p:txEl>
+                                              <p:pRg st="14" end="14"/>
+                                            </p:txEl>
+                                          </p:spTgt>
+                                        </p:tgtEl>
+                                        <p:attrNameLst>
+                                          <p:attrName>style.visibility</p:attrName>
+                                        </p:attrNameLst>
+                                      </p:cBhvr>
+                                      <p:to>
+                                        <p:strVal val="visible"/>
+                                      </p:to>
+                                    </p:set>
+                                    <p:animEffect transition="in" filter="fade">
+                                      <p:cBhvr>
+                                        <p:cTn id="57" dur="500"/>
+                                        <p:tgtEl>
+                                          <p:spTgt spid="12">
+                                            <p:txEl>
+                                              <p:pRg st="14" end="14"/>
+                                            </p:txEl>
+                                          </p:spTgt>
+                                        </p:tgtEl>
+                                      </p:cBhvr>
+                                    </p:animEffect>
+                                  </p:childTnLst>
+                                </p:cTn>
+                              </p:par>
+                            </p:childTnLst>
+                          </p:cTn>
+                        </p:par>
+                      </p:childTnLst>
+                    </p:cTn>
+                  </p:par>
+                  <p:par>
+                    <p:cTn id="58" fill="hold">
+                      <p:stCondLst>
+                        <p:cond delay="indefinite"/>
+                      </p:stCondLst>
+                      <p:childTnLst>
+                        <p:par>
+                          <p:cTn id="59" fill="hold">
+                            <p:stCondLst>
+                              <p:cond delay="0"/>
+                            </p:stCondLst>
+                            <p:childTnLst>
+                              <p:par>
+                                <p:cTn id="60" presetID="10" presetClass="entr" presetSubtype="0" fill="hold" nodeType="clickEffect">
+                                  <p:stCondLst>
+                                    <p:cond delay="0"/>
+                                  </p:stCondLst>
+                                  <p:childTnLst>
+                                    <p:set>
+                                      <p:cBhvr>
+                                        <p:cTn id="61" dur="1" fill="hold">
+                                          <p:stCondLst>
+                                            <p:cond delay="0"/>
+                                          </p:stCondLst>
+                                        </p:cTn>
+                                        <p:tgtEl>
+                                          <p:spTgt spid="12">
+                                            <p:txEl>
+                                              <p:pRg st="15" end="15"/>
+                                            </p:txEl>
+                                          </p:spTgt>
+                                        </p:tgtEl>
+                                        <p:attrNameLst>
+                                          <p:attrName>style.visibility</p:attrName>
+                                        </p:attrNameLst>
+                                      </p:cBhvr>
+                                      <p:to>
+                                        <p:strVal val="visible"/>
+                                      </p:to>
+                                    </p:set>
+                                    <p:animEffect transition="in" filter="fade">
+                                      <p:cBhvr>
+                                        <p:cTn id="62" dur="500"/>
+                                        <p:tgtEl>
+                                          <p:spTgt spid="12">
+                                            <p:txEl>
+                                              <p:pRg st="15" end="15"/>
+                                            </p:txEl>
+                                          </p:spTgt>
+                                        </p:tgtEl>
+                                      </p:cBhvr>
+                                    </p:animEffect>
+                                  </p:childTnLst>
+                                </p:cTn>
+                              </p:par>
+                            </p:childTnLst>
+                          </p:cTn>
+                        </p:par>
+                      </p:childTnLst>
+                    </p:cTn>
+                  </p:par>
+                  <p:par>
+                    <p:cTn id="63" fill="hold">
+                      <p:stCondLst>
+                        <p:cond delay="indefinite"/>
+                      </p:stCondLst>
+                      <p:childTnLst>
+                        <p:par>
+                          <p:cTn id="64" fill="hold">
+                            <p:stCondLst>
+                              <p:cond delay="0"/>
+                            </p:stCondLst>
+                            <p:childTnLst>
+                              <p:par>
+                                <p:cTn id="65" presetID="10" presetClass="entr" presetSubtype="0" fill="hold" nodeType="clickEffect">
+                                  <p:stCondLst>
+                                    <p:cond delay="0"/>
+                                  </p:stCondLst>
+                                  <p:childTnLst>
+                                    <p:set>
+                                      <p:cBhvr>
+                                        <p:cTn id="66" dur="1" fill="hold">
+                                          <p:stCondLst>
+                                            <p:cond delay="0"/>
+                                          </p:stCondLst>
+                                        </p:cTn>
+                                        <p:tgtEl>
+                                          <p:spTgt spid="12">
+                                            <p:txEl>
+                                              <p:pRg st="16" end="16"/>
+                                            </p:txEl>
+                                          </p:spTgt>
+                                        </p:tgtEl>
+                                        <p:attrNameLst>
+                                          <p:attrName>style.visibility</p:attrName>
+                                        </p:attrNameLst>
+                                      </p:cBhvr>
+                                      <p:to>
+                                        <p:strVal val="visible"/>
+                                      </p:to>
+                                    </p:set>
+                                    <p:animEffect transition="in" filter="fade">
+                                      <p:cBhvr>
+                                        <p:cTn id="67" dur="500"/>
+                                        <p:tgtEl>
+                                          <p:spTgt spid="12">
+                                            <p:txEl>
+                                              <p:pRg st="16" end="16"/>
+                                            </p:txEl>
+                                          </p:spTgt>
+                                        </p:tgtEl>
+                                      </p:cBhvr>
+                                    </p:animEffect>
+                                  </p:childTnLst>
+                                </p:cTn>
+                              </p:par>
+                            </p:childTnLst>
+                          </p:cTn>
+                        </p:par>
+                      </p:childTnLst>
+                    </p:cTn>
+                  </p:par>
+                  <p:par>
+                    <p:cTn id="68" fill="hold">
+                      <p:stCondLst>
+                        <p:cond delay="indefinite"/>
+                      </p:stCondLst>
+                      <p:childTnLst>
+                        <p:par>
+                          <p:cTn id="69" fill="hold">
+                            <p:stCondLst>
+                              <p:cond delay="0"/>
+                            </p:stCondLst>
+                            <p:childTnLst>
+                              <p:par>
+                                <p:cTn id="70" presetID="10" presetClass="entr" presetSubtype="0" fill="hold" nodeType="clickEffect">
+                                  <p:stCondLst>
+                                    <p:cond delay="0"/>
+                                  </p:stCondLst>
+                                  <p:childTnLst>
+                                    <p:set>
+                                      <p:cBhvr>
+                                        <p:cTn id="71" dur="1" fill="hold">
+                                          <p:stCondLst>
+                                            <p:cond delay="0"/>
+                                          </p:stCondLst>
+                                        </p:cTn>
+                                        <p:tgtEl>
+                                          <p:spTgt spid="12">
+                                            <p:txEl>
+                                              <p:pRg st="17" end="17"/>
+                                            </p:txEl>
+                                          </p:spTgt>
+                                        </p:tgtEl>
+                                        <p:attrNameLst>
+                                          <p:attrName>style.visibility</p:attrName>
+                                        </p:attrNameLst>
+                                      </p:cBhvr>
+                                      <p:to>
+                                        <p:strVal val="visible"/>
+                                      </p:to>
+                                    </p:set>
+                                    <p:animEffect transition="in" filter="fade">
+                                      <p:cBhvr>
+                                        <p:cTn id="72" dur="500"/>
+                                        <p:tgtEl>
+                                          <p:spTgt spid="12">
+                                            <p:txEl>
+                                              <p:pRg st="17" end="17"/>
                                             </p:txEl>
                                           </p:spTgt>
                                         </p:tgtEl>
@@ -12308,8 +14920,8 @@
         </p:nvSpPr>
         <p:spPr bwMode="auto">
           <a:xfrm>
-            <a:off x="1164518" y="1371600"/>
-            <a:ext cx="7300509" cy="5047536"/>
+            <a:off x="1189918" y="1308814"/>
+            <a:ext cx="7903282" cy="5047536"/>
           </a:xfrm>
           <a:prstGeom prst="rect">
             <a:avLst/>
@@ -12334,61 +14946,103 @@
                 <a:spcPts val="1200"/>
               </a:spcAft>
               <a:buFont typeface="+mj-lt"/>
-              <a:buAutoNum type="arabicPeriod"/>
+              <a:buAutoNum type="romanUcPeriod"/>
             </a:pPr>
             <a:r>
-              <a:rPr lang="en-US" sz="1600" dirty="0" smtClean="0"/>
+              <a:rPr lang="en-US" sz="1600" dirty="0" smtClean="0">
+                <a:latin typeface="Times New Roman" panose="02020603050405020304" pitchFamily="18" charset="0"/>
+                <a:cs typeface="Times New Roman" panose="02020603050405020304" pitchFamily="18" charset="0"/>
+              </a:rPr>
               <a:t>G</a:t>
             </a:r>
             <a:r>
-              <a:rPr lang="en-US" sz="1600" dirty="0"/>
+              <a:rPr lang="en-US" sz="1600" dirty="0">
+                <a:latin typeface="Times New Roman" panose="02020603050405020304" pitchFamily="18" charset="0"/>
+                <a:cs typeface="Times New Roman" panose="02020603050405020304" pitchFamily="18" charset="0"/>
+              </a:rPr>
               <a:t>. Lo </a:t>
             </a:r>
             <a:r>
-              <a:rPr lang="en-US" sz="1600" dirty="0" err="1"/>
+              <a:rPr lang="en-US" sz="1600" dirty="0" err="1">
+                <a:latin typeface="Times New Roman" panose="02020603050405020304" pitchFamily="18" charset="0"/>
+                <a:cs typeface="Times New Roman" panose="02020603050405020304" pitchFamily="18" charset="0"/>
+              </a:rPr>
               <a:t>Calzo</a:t>
             </a:r>
             <a:r>
-              <a:rPr lang="en-US" sz="1600" dirty="0"/>
+              <a:rPr lang="en-US" sz="1600" dirty="0">
+                <a:latin typeface="Times New Roman" panose="02020603050405020304" pitchFamily="18" charset="0"/>
+                <a:cs typeface="Times New Roman" panose="02020603050405020304" pitchFamily="18" charset="0"/>
+              </a:rPr>
               <a:t> </a:t>
             </a:r>
             <a:r>
-              <a:rPr lang="en-US" sz="1600" i="1" dirty="0"/>
+              <a:rPr lang="en-US" sz="1600" i="1" dirty="0">
+                <a:latin typeface="Times New Roman" panose="02020603050405020304" pitchFamily="18" charset="0"/>
+                <a:cs typeface="Times New Roman" panose="02020603050405020304" pitchFamily="18" charset="0"/>
+              </a:rPr>
               <a:t>et al.</a:t>
             </a:r>
             <a:r>
-              <a:rPr lang="en-US" sz="1600" dirty="0"/>
+              <a:rPr lang="en-US" sz="1600" dirty="0">
+                <a:latin typeface="Times New Roman" panose="02020603050405020304" pitchFamily="18" charset="0"/>
+                <a:cs typeface="Times New Roman" panose="02020603050405020304" pitchFamily="18" charset="0"/>
+              </a:rPr>
               <a:t>, “</a:t>
             </a:r>
             <a:r>
-              <a:rPr lang="en-US" sz="1600" b="1" dirty="0"/>
+              <a:rPr lang="en-US" sz="1600" b="1" dirty="0">
+                <a:latin typeface="Times New Roman" panose="02020603050405020304" pitchFamily="18" charset="0"/>
+                <a:cs typeface="Times New Roman" panose="02020603050405020304" pitchFamily="18" charset="0"/>
+              </a:rPr>
               <a:t>Integrated motor drives: state of the art and future trends</a:t>
             </a:r>
             <a:r>
-              <a:rPr lang="en-US" sz="1600" dirty="0"/>
+              <a:rPr lang="en-US" sz="1600" dirty="0">
+                <a:latin typeface="Times New Roman" panose="02020603050405020304" pitchFamily="18" charset="0"/>
+                <a:cs typeface="Times New Roman" panose="02020603050405020304" pitchFamily="18" charset="0"/>
+              </a:rPr>
               <a:t>,” </a:t>
             </a:r>
             <a:r>
-              <a:rPr lang="en-US" sz="1600" i="1" dirty="0"/>
+              <a:rPr lang="en-US" sz="1600" i="1" dirty="0">
+                <a:latin typeface="Times New Roman" panose="02020603050405020304" pitchFamily="18" charset="0"/>
+                <a:cs typeface="Times New Roman" panose="02020603050405020304" pitchFamily="18" charset="0"/>
+              </a:rPr>
               <a:t>IET </a:t>
             </a:r>
             <a:r>
-              <a:rPr lang="en-US" sz="1600" i="1" dirty="0" err="1"/>
+              <a:rPr lang="en-US" sz="1600" i="1" dirty="0" err="1">
+                <a:latin typeface="Times New Roman" panose="02020603050405020304" pitchFamily="18" charset="0"/>
+                <a:cs typeface="Times New Roman" panose="02020603050405020304" pitchFamily="18" charset="0"/>
+              </a:rPr>
               <a:t>Electr</a:t>
             </a:r>
             <a:r>
-              <a:rPr lang="en-US" sz="1600" i="1" dirty="0"/>
+              <a:rPr lang="en-US" sz="1600" i="1" dirty="0">
+                <a:latin typeface="Times New Roman" panose="02020603050405020304" pitchFamily="18" charset="0"/>
+                <a:cs typeface="Times New Roman" panose="02020603050405020304" pitchFamily="18" charset="0"/>
+              </a:rPr>
               <a:t>. Power Appl.</a:t>
             </a:r>
             <a:r>
-              <a:rPr lang="en-US" sz="1600" dirty="0"/>
+              <a:rPr lang="en-US" sz="1600" dirty="0">
+                <a:latin typeface="Times New Roman" panose="02020603050405020304" pitchFamily="18" charset="0"/>
+                <a:cs typeface="Times New Roman" panose="02020603050405020304" pitchFamily="18" charset="0"/>
+              </a:rPr>
               <a:t>, vol. 10, no. 8, pp. 757–771, Sep. 2016</a:t>
             </a:r>
             <a:r>
-              <a:rPr lang="en-US" sz="1600" dirty="0" smtClean="0"/>
+              <a:rPr lang="en-US" sz="1600" dirty="0" smtClean="0">
+                <a:latin typeface="Times New Roman" panose="02020603050405020304" pitchFamily="18" charset="0"/>
+                <a:cs typeface="Times New Roman" panose="02020603050405020304" pitchFamily="18" charset="0"/>
+              </a:rPr>
               <a:t>.</a:t>
             </a:r>
-            <a:endParaRPr lang="tr-TR" sz="1600" dirty="0" smtClean="0"/>
+            <a:endParaRPr lang="tr-TR" sz="1600" dirty="0" smtClean="0">
+              <a:latin typeface="Times New Roman" panose="02020603050405020304" pitchFamily="18" charset="0"/>
+              <a:cs typeface="Times New Roman" panose="02020603050405020304" pitchFamily="18" charset="0"/>
+            </a:endParaRPr>
           </a:p>
           <a:p>
             <a:pPr marL="514350" indent="-514350" algn="l" defTabSz="4389438">
@@ -12396,37 +15050,61 @@
                 <a:spcPts val="1200"/>
               </a:spcAft>
               <a:buFont typeface="+mj-lt"/>
-              <a:buAutoNum type="arabicPeriod"/>
+              <a:buAutoNum type="romanUcPeriod"/>
             </a:pPr>
             <a:r>
-              <a:rPr lang="en-US" sz="1600" dirty="0" smtClean="0"/>
+              <a:rPr lang="en-US" sz="1600" dirty="0" smtClean="0">
+                <a:latin typeface="Times New Roman" panose="02020603050405020304" pitchFamily="18" charset="0"/>
+                <a:cs typeface="Times New Roman" panose="02020603050405020304" pitchFamily="18" charset="0"/>
+              </a:rPr>
               <a:t>J</a:t>
             </a:r>
             <a:r>
-              <a:rPr lang="en-US" sz="1600" dirty="0"/>
+              <a:rPr lang="en-US" sz="1600" dirty="0">
+                <a:latin typeface="Times New Roman" panose="02020603050405020304" pitchFamily="18" charset="0"/>
+                <a:cs typeface="Times New Roman" panose="02020603050405020304" pitchFamily="18" charset="0"/>
+              </a:rPr>
               <a:t>. Wang, Y. Li, and Y. Han, “</a:t>
             </a:r>
             <a:r>
-              <a:rPr lang="en-US" sz="1600" b="1" dirty="0"/>
+              <a:rPr lang="en-US" sz="1600" b="1" dirty="0">
+                <a:latin typeface="Times New Roman" panose="02020603050405020304" pitchFamily="18" charset="0"/>
+                <a:cs typeface="Times New Roman" panose="02020603050405020304" pitchFamily="18" charset="0"/>
+              </a:rPr>
               <a:t>Integrated Modular Motor Drive Design With GaN Power FETs</a:t>
             </a:r>
             <a:r>
-              <a:rPr lang="en-US" sz="1600" dirty="0"/>
+              <a:rPr lang="en-US" sz="1600" dirty="0">
+                <a:latin typeface="Times New Roman" panose="02020603050405020304" pitchFamily="18" charset="0"/>
+                <a:cs typeface="Times New Roman" panose="02020603050405020304" pitchFamily="18" charset="0"/>
+              </a:rPr>
               <a:t>,” </a:t>
             </a:r>
             <a:r>
-              <a:rPr lang="en-US" sz="1600" i="1" dirty="0"/>
+              <a:rPr lang="en-US" sz="1600" i="1" dirty="0">
+                <a:latin typeface="Times New Roman" panose="02020603050405020304" pitchFamily="18" charset="0"/>
+                <a:cs typeface="Times New Roman" panose="02020603050405020304" pitchFamily="18" charset="0"/>
+              </a:rPr>
               <a:t>IEEE Trans. Ind. Appl.</a:t>
             </a:r>
             <a:r>
-              <a:rPr lang="en-US" sz="1600" dirty="0"/>
+              <a:rPr lang="en-US" sz="1600" dirty="0">
+                <a:latin typeface="Times New Roman" panose="02020603050405020304" pitchFamily="18" charset="0"/>
+                <a:cs typeface="Times New Roman" panose="02020603050405020304" pitchFamily="18" charset="0"/>
+              </a:rPr>
               <a:t>, vol. 51, no. c, pp. 3198–3207, 2015</a:t>
             </a:r>
             <a:r>
-              <a:rPr lang="en-US" sz="1600" dirty="0" smtClean="0"/>
+              <a:rPr lang="en-US" sz="1600" dirty="0" smtClean="0">
+                <a:latin typeface="Times New Roman" panose="02020603050405020304" pitchFamily="18" charset="0"/>
+                <a:cs typeface="Times New Roman" panose="02020603050405020304" pitchFamily="18" charset="0"/>
+              </a:rPr>
               <a:t>.</a:t>
             </a:r>
-            <a:endParaRPr lang="tr-TR" sz="1600" dirty="0" smtClean="0"/>
+            <a:endParaRPr lang="tr-TR" sz="1600" dirty="0" smtClean="0">
+              <a:latin typeface="Times New Roman" panose="02020603050405020304" pitchFamily="18" charset="0"/>
+              <a:cs typeface="Times New Roman" panose="02020603050405020304" pitchFamily="18" charset="0"/>
+            </a:endParaRPr>
           </a:p>
           <a:p>
             <a:pPr marL="514350" indent="-514350" algn="l" defTabSz="4389438">
@@ -12434,77 +15112,131 @@
                 <a:spcPts val="1200"/>
               </a:spcAft>
               <a:buFont typeface="+mj-lt"/>
-              <a:buAutoNum type="arabicPeriod"/>
+              <a:buAutoNum type="romanUcPeriod"/>
             </a:pPr>
             <a:r>
-              <a:rPr lang="en-US" sz="1600" dirty="0" smtClean="0"/>
+              <a:rPr lang="en-US" sz="1600" dirty="0" smtClean="0">
+                <a:latin typeface="Times New Roman" panose="02020603050405020304" pitchFamily="18" charset="0"/>
+                <a:cs typeface="Times New Roman" panose="02020603050405020304" pitchFamily="18" charset="0"/>
+              </a:rPr>
               <a:t>J</a:t>
             </a:r>
             <a:r>
-              <a:rPr lang="en-US" sz="1600" dirty="0"/>
+              <a:rPr lang="en-US" sz="1600" dirty="0">
+                <a:latin typeface="Times New Roman" panose="02020603050405020304" pitchFamily="18" charset="0"/>
+                <a:cs typeface="Times New Roman" panose="02020603050405020304" pitchFamily="18" charset="0"/>
+              </a:rPr>
               <a:t>. J. </a:t>
             </a:r>
             <a:r>
-              <a:rPr lang="en-US" sz="1600" dirty="0" err="1"/>
+              <a:rPr lang="en-US" sz="1600" dirty="0" err="1">
+                <a:latin typeface="Times New Roman" panose="02020603050405020304" pitchFamily="18" charset="0"/>
+                <a:cs typeface="Times New Roman" panose="02020603050405020304" pitchFamily="18" charset="0"/>
+              </a:rPr>
               <a:t>Wolmarans</a:t>
             </a:r>
             <a:r>
-              <a:rPr lang="en-US" sz="1600" dirty="0"/>
+              <a:rPr lang="en-US" sz="1600" dirty="0">
+                <a:latin typeface="Times New Roman" panose="02020603050405020304" pitchFamily="18" charset="0"/>
+                <a:cs typeface="Times New Roman" panose="02020603050405020304" pitchFamily="18" charset="0"/>
+              </a:rPr>
               <a:t>, M. B. Gerber, H. </a:t>
             </a:r>
             <a:r>
-              <a:rPr lang="en-US" sz="1600" dirty="0" err="1"/>
+              <a:rPr lang="en-US" sz="1600" dirty="0" err="1">
+                <a:latin typeface="Times New Roman" panose="02020603050405020304" pitchFamily="18" charset="0"/>
+                <a:cs typeface="Times New Roman" panose="02020603050405020304" pitchFamily="18" charset="0"/>
+              </a:rPr>
               <a:t>Polinder</a:t>
             </a:r>
             <a:r>
-              <a:rPr lang="en-US" sz="1600" dirty="0"/>
+              <a:rPr lang="en-US" sz="1600" dirty="0">
+                <a:latin typeface="Times New Roman" panose="02020603050405020304" pitchFamily="18" charset="0"/>
+                <a:cs typeface="Times New Roman" panose="02020603050405020304" pitchFamily="18" charset="0"/>
+              </a:rPr>
               <a:t>, S. W. H. De </a:t>
             </a:r>
             <a:r>
-              <a:rPr lang="en-US" sz="1600" dirty="0" err="1"/>
+              <a:rPr lang="en-US" sz="1600" dirty="0" err="1">
+                <a:latin typeface="Times New Roman" panose="02020603050405020304" pitchFamily="18" charset="0"/>
+                <a:cs typeface="Times New Roman" panose="02020603050405020304" pitchFamily="18" charset="0"/>
+              </a:rPr>
               <a:t>Haan</a:t>
             </a:r>
             <a:r>
-              <a:rPr lang="en-US" sz="1600" dirty="0"/>
+              <a:rPr lang="en-US" sz="1600" dirty="0">
+                <a:latin typeface="Times New Roman" panose="02020603050405020304" pitchFamily="18" charset="0"/>
+                <a:cs typeface="Times New Roman" panose="02020603050405020304" pitchFamily="18" charset="0"/>
+              </a:rPr>
               <a:t>, J. A. Ferreira, and D. </a:t>
             </a:r>
             <a:r>
-              <a:rPr lang="en-US" sz="1600" dirty="0" err="1"/>
+              <a:rPr lang="en-US" sz="1600" dirty="0" err="1">
+                <a:latin typeface="Times New Roman" panose="02020603050405020304" pitchFamily="18" charset="0"/>
+                <a:cs typeface="Times New Roman" panose="02020603050405020304" pitchFamily="18" charset="0"/>
+              </a:rPr>
               <a:t>Clarenbach</a:t>
             </a:r>
             <a:r>
-              <a:rPr lang="en-US" sz="1600" dirty="0"/>
+              <a:rPr lang="en-US" sz="1600" dirty="0">
+                <a:latin typeface="Times New Roman" panose="02020603050405020304" pitchFamily="18" charset="0"/>
+                <a:cs typeface="Times New Roman" panose="02020603050405020304" pitchFamily="18" charset="0"/>
+              </a:rPr>
               <a:t>, “</a:t>
             </a:r>
             <a:r>
-              <a:rPr lang="en-US" sz="1600" b="1" dirty="0"/>
+              <a:rPr lang="en-US" sz="1600" b="1" dirty="0">
+                <a:latin typeface="Times New Roman" panose="02020603050405020304" pitchFamily="18" charset="0"/>
+                <a:cs typeface="Times New Roman" panose="02020603050405020304" pitchFamily="18" charset="0"/>
+              </a:rPr>
               <a:t>A 50kW integrated fault tolerant permanent magnet machine and motor drive</a:t>
             </a:r>
             <a:r>
-              <a:rPr lang="en-US" sz="1600" dirty="0"/>
+              <a:rPr lang="en-US" sz="1600" dirty="0">
+                <a:latin typeface="Times New Roman" panose="02020603050405020304" pitchFamily="18" charset="0"/>
+                <a:cs typeface="Times New Roman" panose="02020603050405020304" pitchFamily="18" charset="0"/>
+              </a:rPr>
               <a:t>,” </a:t>
             </a:r>
             <a:r>
-              <a:rPr lang="en-US" sz="1600" i="1" dirty="0"/>
+              <a:rPr lang="en-US" sz="1600" i="1" dirty="0">
+                <a:latin typeface="Times New Roman" panose="02020603050405020304" pitchFamily="18" charset="0"/>
+                <a:cs typeface="Times New Roman" panose="02020603050405020304" pitchFamily="18" charset="0"/>
+              </a:rPr>
               <a:t>PESC Rec. - IEEE </a:t>
             </a:r>
             <a:r>
-              <a:rPr lang="en-US" sz="1600" i="1" dirty="0" err="1"/>
+              <a:rPr lang="en-US" sz="1600" i="1" dirty="0" err="1">
+                <a:latin typeface="Times New Roman" panose="02020603050405020304" pitchFamily="18" charset="0"/>
+                <a:cs typeface="Times New Roman" panose="02020603050405020304" pitchFamily="18" charset="0"/>
+              </a:rPr>
               <a:t>Annu</a:t>
             </a:r>
             <a:r>
-              <a:rPr lang="en-US" sz="1600" i="1" dirty="0"/>
+              <a:rPr lang="en-US" sz="1600" i="1" dirty="0">
+                <a:latin typeface="Times New Roman" panose="02020603050405020304" pitchFamily="18" charset="0"/>
+                <a:cs typeface="Times New Roman" panose="02020603050405020304" pitchFamily="18" charset="0"/>
+              </a:rPr>
               <a:t>. Power Electron. Spec. Conf.</a:t>
             </a:r>
             <a:r>
-              <a:rPr lang="en-US" sz="1600" dirty="0"/>
+              <a:rPr lang="en-US" sz="1600" dirty="0">
+                <a:latin typeface="Times New Roman" panose="02020603050405020304" pitchFamily="18" charset="0"/>
+                <a:cs typeface="Times New Roman" panose="02020603050405020304" pitchFamily="18" charset="0"/>
+              </a:rPr>
               <a:t>, pp. 345–351, 2008</a:t>
             </a:r>
             <a:r>
-              <a:rPr lang="en-US" sz="1600" dirty="0" smtClean="0"/>
+              <a:rPr lang="en-US" sz="1600" dirty="0" smtClean="0">
+                <a:latin typeface="Times New Roman" panose="02020603050405020304" pitchFamily="18" charset="0"/>
+                <a:cs typeface="Times New Roman" panose="02020603050405020304" pitchFamily="18" charset="0"/>
+              </a:rPr>
               <a:t>.</a:t>
             </a:r>
-            <a:endParaRPr lang="tr-TR" sz="1600" dirty="0" smtClean="0"/>
+            <a:endParaRPr lang="tr-TR" sz="1600" dirty="0" smtClean="0">
+              <a:latin typeface="Times New Roman" panose="02020603050405020304" pitchFamily="18" charset="0"/>
+              <a:cs typeface="Times New Roman" panose="02020603050405020304" pitchFamily="18" charset="0"/>
+            </a:endParaRPr>
           </a:p>
           <a:p>
             <a:pPr marL="514350" indent="-514350" defTabSz="4389438">
@@ -12512,53 +15244,89 @@
                 <a:spcPts val="1200"/>
               </a:spcAft>
               <a:buFont typeface="+mj-lt"/>
-              <a:buAutoNum type="arabicPeriod"/>
+              <a:buAutoNum type="romanUcPeriod"/>
             </a:pPr>
             <a:r>
-              <a:rPr lang="en-US" sz="1600" dirty="0" smtClean="0"/>
+              <a:rPr lang="en-US" sz="1600" dirty="0" smtClean="0">
+                <a:latin typeface="Times New Roman" panose="02020603050405020304" pitchFamily="18" charset="0"/>
+                <a:cs typeface="Times New Roman" panose="02020603050405020304" pitchFamily="18" charset="0"/>
+              </a:rPr>
               <a:t>N</a:t>
             </a:r>
             <a:r>
-              <a:rPr lang="en-US" sz="1600" dirty="0"/>
+              <a:rPr lang="en-US" sz="1600" dirty="0">
+                <a:latin typeface="Times New Roman" panose="02020603050405020304" pitchFamily="18" charset="0"/>
+                <a:cs typeface="Times New Roman" panose="02020603050405020304" pitchFamily="18" charset="0"/>
+              </a:rPr>
               <a:t>. R. Brown, T. M. </a:t>
             </a:r>
             <a:r>
-              <a:rPr lang="en-US" sz="1600" dirty="0" err="1"/>
+              <a:rPr lang="en-US" sz="1600" dirty="0" err="1">
+                <a:latin typeface="Times New Roman" panose="02020603050405020304" pitchFamily="18" charset="0"/>
+                <a:cs typeface="Times New Roman" panose="02020603050405020304" pitchFamily="18" charset="0"/>
+              </a:rPr>
               <a:t>Jahns</a:t>
             </a:r>
             <a:r>
-              <a:rPr lang="en-US" sz="1600" dirty="0"/>
+              <a:rPr lang="en-US" sz="1600" dirty="0">
+                <a:latin typeface="Times New Roman" panose="02020603050405020304" pitchFamily="18" charset="0"/>
+                <a:cs typeface="Times New Roman" panose="02020603050405020304" pitchFamily="18" charset="0"/>
+              </a:rPr>
               <a:t>, and R. D. Lorenz, “</a:t>
             </a:r>
             <a:r>
-              <a:rPr lang="en-US" sz="1600" b="1" dirty="0"/>
+              <a:rPr lang="en-US" sz="1600" b="1" dirty="0">
+                <a:latin typeface="Times New Roman" panose="02020603050405020304" pitchFamily="18" charset="0"/>
+                <a:cs typeface="Times New Roman" panose="02020603050405020304" pitchFamily="18" charset="0"/>
+              </a:rPr>
               <a:t>Power Converter Design for an Integrated Modular Motor Drive</a:t>
             </a:r>
             <a:r>
-              <a:rPr lang="en-US" sz="1600" dirty="0"/>
+              <a:rPr lang="en-US" sz="1600" dirty="0">
+                <a:latin typeface="Times New Roman" panose="02020603050405020304" pitchFamily="18" charset="0"/>
+                <a:cs typeface="Times New Roman" panose="02020603050405020304" pitchFamily="18" charset="0"/>
+              </a:rPr>
               <a:t>,” </a:t>
             </a:r>
             <a:r>
-              <a:rPr lang="en-US" sz="1600" i="1" dirty="0"/>
+              <a:rPr lang="en-US" sz="1600" i="1" dirty="0">
+                <a:latin typeface="Times New Roman" panose="02020603050405020304" pitchFamily="18" charset="0"/>
+                <a:cs typeface="Times New Roman" panose="02020603050405020304" pitchFamily="18" charset="0"/>
+              </a:rPr>
               <a:t>Ind. Appl. Conf. 2007. 42nd IAS </a:t>
             </a:r>
             <a:r>
-              <a:rPr lang="en-US" sz="1600" i="1" dirty="0" err="1"/>
+              <a:rPr lang="en-US" sz="1600" i="1" dirty="0" err="1">
+                <a:latin typeface="Times New Roman" panose="02020603050405020304" pitchFamily="18" charset="0"/>
+                <a:cs typeface="Times New Roman" panose="02020603050405020304" pitchFamily="18" charset="0"/>
+              </a:rPr>
               <a:t>Annu</a:t>
             </a:r>
             <a:r>
-              <a:rPr lang="en-US" sz="1600" i="1" dirty="0"/>
+              <a:rPr lang="en-US" sz="1600" i="1" dirty="0">
+                <a:latin typeface="Times New Roman" panose="02020603050405020304" pitchFamily="18" charset="0"/>
+                <a:cs typeface="Times New Roman" panose="02020603050405020304" pitchFamily="18" charset="0"/>
+              </a:rPr>
               <a:t>. Meet. Conf. Rec. 2007 IEEE</a:t>
             </a:r>
             <a:r>
-              <a:rPr lang="en-US" sz="1600" dirty="0"/>
+              <a:rPr lang="en-US" sz="1600" dirty="0">
+                <a:latin typeface="Times New Roman" panose="02020603050405020304" pitchFamily="18" charset="0"/>
+                <a:cs typeface="Times New Roman" panose="02020603050405020304" pitchFamily="18" charset="0"/>
+              </a:rPr>
               <a:t>, pp. 1322–1328, 2007</a:t>
             </a:r>
             <a:r>
-              <a:rPr lang="en-US" sz="1600" dirty="0" smtClean="0"/>
+              <a:rPr lang="en-US" sz="1600" dirty="0" smtClean="0">
+                <a:latin typeface="Times New Roman" panose="02020603050405020304" pitchFamily="18" charset="0"/>
+                <a:cs typeface="Times New Roman" panose="02020603050405020304" pitchFamily="18" charset="0"/>
+              </a:rPr>
               <a:t>.</a:t>
             </a:r>
-            <a:endParaRPr lang="tr-TR" sz="1600" dirty="0" smtClean="0"/>
+            <a:endParaRPr lang="tr-TR" sz="1600" dirty="0" smtClean="0">
+              <a:latin typeface="Times New Roman" panose="02020603050405020304" pitchFamily="18" charset="0"/>
+              <a:cs typeface="Times New Roman" panose="02020603050405020304" pitchFamily="18" charset="0"/>
+            </a:endParaRPr>
           </a:p>
           <a:p>
             <a:pPr marL="514350" indent="-514350" defTabSz="4389438">
@@ -12566,77 +15334,131 @@
                 <a:spcPts val="1200"/>
               </a:spcAft>
               <a:buFont typeface="+mj-lt"/>
-              <a:buAutoNum type="arabicPeriod"/>
+              <a:buAutoNum type="romanUcPeriod"/>
             </a:pPr>
             <a:r>
-              <a:rPr lang="en-US" sz="1600" dirty="0" smtClean="0"/>
+              <a:rPr lang="en-US" sz="1600" dirty="0" smtClean="0">
+                <a:latin typeface="Times New Roman" panose="02020603050405020304" pitchFamily="18" charset="0"/>
+                <a:cs typeface="Times New Roman" panose="02020603050405020304" pitchFamily="18" charset="0"/>
+              </a:rPr>
               <a:t>S</a:t>
             </a:r>
             <a:r>
-              <a:rPr lang="en-US" sz="1600" dirty="0"/>
+              <a:rPr lang="en-US" sz="1600" dirty="0">
+                <a:latin typeface="Times New Roman" panose="02020603050405020304" pitchFamily="18" charset="0"/>
+                <a:cs typeface="Times New Roman" panose="02020603050405020304" pitchFamily="18" charset="0"/>
+              </a:rPr>
               <a:t>. M. Lambert, B. C. </a:t>
             </a:r>
             <a:r>
-              <a:rPr lang="en-US" sz="1600" dirty="0" err="1"/>
+              <a:rPr lang="en-US" sz="1600" dirty="0" err="1">
+                <a:latin typeface="Times New Roman" panose="02020603050405020304" pitchFamily="18" charset="0"/>
+                <a:cs typeface="Times New Roman" panose="02020603050405020304" pitchFamily="18" charset="0"/>
+              </a:rPr>
               <a:t>Mecrow</a:t>
             </a:r>
             <a:r>
-              <a:rPr lang="en-US" sz="1600" dirty="0"/>
+              <a:rPr lang="en-US" sz="1600" dirty="0">
+                <a:latin typeface="Times New Roman" panose="02020603050405020304" pitchFamily="18" charset="0"/>
+                <a:cs typeface="Times New Roman" panose="02020603050405020304" pitchFamily="18" charset="0"/>
+              </a:rPr>
               <a:t>, R. </a:t>
             </a:r>
             <a:r>
-              <a:rPr lang="en-US" sz="1600" dirty="0" err="1"/>
+              <a:rPr lang="en-US" sz="1600" dirty="0" err="1">
+                <a:latin typeface="Times New Roman" panose="02020603050405020304" pitchFamily="18" charset="0"/>
+                <a:cs typeface="Times New Roman" panose="02020603050405020304" pitchFamily="18" charset="0"/>
+              </a:rPr>
               <a:t>Abebe</a:t>
             </a:r>
             <a:r>
-              <a:rPr lang="en-US" sz="1600" dirty="0"/>
+              <a:rPr lang="en-US" sz="1600" dirty="0">
+                <a:latin typeface="Times New Roman" panose="02020603050405020304" pitchFamily="18" charset="0"/>
+                <a:cs typeface="Times New Roman" panose="02020603050405020304" pitchFamily="18" charset="0"/>
+              </a:rPr>
               <a:t>, G. </a:t>
             </a:r>
             <a:r>
-              <a:rPr lang="en-US" sz="1600" dirty="0" err="1"/>
+              <a:rPr lang="en-US" sz="1600" dirty="0" err="1">
+                <a:latin typeface="Times New Roman" panose="02020603050405020304" pitchFamily="18" charset="0"/>
+                <a:cs typeface="Times New Roman" panose="02020603050405020304" pitchFamily="18" charset="0"/>
+              </a:rPr>
               <a:t>Vakil</a:t>
             </a:r>
             <a:r>
-              <a:rPr lang="en-US" sz="1600" dirty="0"/>
+              <a:rPr lang="en-US" sz="1600" dirty="0">
+                <a:latin typeface="Times New Roman" panose="02020603050405020304" pitchFamily="18" charset="0"/>
+                <a:cs typeface="Times New Roman" panose="02020603050405020304" pitchFamily="18" charset="0"/>
+              </a:rPr>
               <a:t>, and C. M. Johnson, “</a:t>
             </a:r>
             <a:r>
-              <a:rPr lang="en-US" sz="1600" b="1" dirty="0"/>
+              <a:rPr lang="en-US" sz="1600" b="1" dirty="0">
+                <a:latin typeface="Times New Roman" panose="02020603050405020304" pitchFamily="18" charset="0"/>
+                <a:cs typeface="Times New Roman" panose="02020603050405020304" pitchFamily="18" charset="0"/>
+              </a:rPr>
               <a:t>Integrated Drives for Transport - A Review of the Enabling Electronics Technology</a:t>
             </a:r>
             <a:r>
-              <a:rPr lang="en-US" sz="1600" dirty="0"/>
+              <a:rPr lang="en-US" sz="1600" dirty="0">
+                <a:latin typeface="Times New Roman" panose="02020603050405020304" pitchFamily="18" charset="0"/>
+                <a:cs typeface="Times New Roman" panose="02020603050405020304" pitchFamily="18" charset="0"/>
+              </a:rPr>
               <a:t>,” </a:t>
             </a:r>
             <a:r>
-              <a:rPr lang="en-US" sz="1600" i="1" dirty="0"/>
+              <a:rPr lang="en-US" sz="1600" i="1" dirty="0">
+                <a:latin typeface="Times New Roman" panose="02020603050405020304" pitchFamily="18" charset="0"/>
+                <a:cs typeface="Times New Roman" panose="02020603050405020304" pitchFamily="18" charset="0"/>
+              </a:rPr>
               <a:t>IEEE </a:t>
             </a:r>
             <a:r>
-              <a:rPr lang="en-US" sz="1600" i="1" dirty="0" err="1"/>
+              <a:rPr lang="en-US" sz="1600" i="1" dirty="0" err="1">
+                <a:latin typeface="Times New Roman" panose="02020603050405020304" pitchFamily="18" charset="0"/>
+                <a:cs typeface="Times New Roman" panose="02020603050405020304" pitchFamily="18" charset="0"/>
+              </a:rPr>
               <a:t>Veh</a:t>
             </a:r>
             <a:r>
-              <a:rPr lang="en-US" sz="1600" i="1" dirty="0"/>
+              <a:rPr lang="en-US" sz="1600" i="1" dirty="0">
+                <a:latin typeface="Times New Roman" panose="02020603050405020304" pitchFamily="18" charset="0"/>
+                <a:cs typeface="Times New Roman" panose="02020603050405020304" pitchFamily="18" charset="0"/>
+              </a:rPr>
               <a:t>. Power </a:t>
             </a:r>
             <a:r>
-              <a:rPr lang="en-US" sz="1600" i="1" dirty="0" err="1"/>
+              <a:rPr lang="en-US" sz="1600" i="1" dirty="0" err="1">
+                <a:latin typeface="Times New Roman" panose="02020603050405020304" pitchFamily="18" charset="0"/>
+                <a:cs typeface="Times New Roman" panose="02020603050405020304" pitchFamily="18" charset="0"/>
+              </a:rPr>
               <a:t>Propuls</a:t>
             </a:r>
             <a:r>
-              <a:rPr lang="en-US" sz="1600" i="1" dirty="0"/>
+              <a:rPr lang="en-US" sz="1600" i="1" dirty="0">
+                <a:latin typeface="Times New Roman" panose="02020603050405020304" pitchFamily="18" charset="0"/>
+                <a:cs typeface="Times New Roman" panose="02020603050405020304" pitchFamily="18" charset="0"/>
+              </a:rPr>
               <a:t>. Conf.</a:t>
             </a:r>
             <a:r>
-              <a:rPr lang="en-US" sz="1600" dirty="0"/>
+              <a:rPr lang="en-US" sz="1600" dirty="0">
+                <a:latin typeface="Times New Roman" panose="02020603050405020304" pitchFamily="18" charset="0"/>
+                <a:cs typeface="Times New Roman" panose="02020603050405020304" pitchFamily="18" charset="0"/>
+              </a:rPr>
               <a:t>, pp. 1–6, 2015</a:t>
             </a:r>
             <a:r>
-              <a:rPr lang="en-US" sz="1600" dirty="0" smtClean="0"/>
+              <a:rPr lang="en-US" sz="1600" dirty="0" smtClean="0">
+                <a:latin typeface="Times New Roman" panose="02020603050405020304" pitchFamily="18" charset="0"/>
+                <a:cs typeface="Times New Roman" panose="02020603050405020304" pitchFamily="18" charset="0"/>
+              </a:rPr>
               <a:t>.</a:t>
             </a:r>
-            <a:endParaRPr lang="tr-TR" sz="1600" dirty="0" smtClean="0"/>
+            <a:endParaRPr lang="tr-TR" sz="1600" dirty="0" smtClean="0">
+              <a:latin typeface="Times New Roman" panose="02020603050405020304" pitchFamily="18" charset="0"/>
+              <a:cs typeface="Times New Roman" panose="02020603050405020304" pitchFamily="18" charset="0"/>
+            </a:endParaRPr>
           </a:p>
           <a:p>
             <a:pPr marL="514350" indent="-514350" defTabSz="4389438">
@@ -12644,53 +15466,89 @@
                 <a:spcPts val="1200"/>
               </a:spcAft>
               <a:buFont typeface="+mj-lt"/>
-              <a:buAutoNum type="arabicPeriod"/>
+              <a:buAutoNum type="romanUcPeriod"/>
             </a:pPr>
             <a:r>
-              <a:rPr lang="en-US" sz="1600" dirty="0" smtClean="0"/>
+              <a:rPr lang="en-US" sz="1600" dirty="0" smtClean="0">
+                <a:latin typeface="Times New Roman" panose="02020603050405020304" pitchFamily="18" charset="0"/>
+                <a:cs typeface="Times New Roman" panose="02020603050405020304" pitchFamily="18" charset="0"/>
+              </a:rPr>
               <a:t>A</a:t>
             </a:r>
             <a:r>
-              <a:rPr lang="en-US" sz="1600" dirty="0"/>
+              <a:rPr lang="en-US" sz="1600" dirty="0">
+                <a:latin typeface="Times New Roman" panose="02020603050405020304" pitchFamily="18" charset="0"/>
+                <a:cs typeface="Times New Roman" panose="02020603050405020304" pitchFamily="18" charset="0"/>
+              </a:rPr>
               <a:t>. </a:t>
             </a:r>
             <a:r>
-              <a:rPr lang="en-US" sz="1600" dirty="0" err="1"/>
+              <a:rPr lang="en-US" sz="1600" dirty="0" err="1">
+                <a:latin typeface="Times New Roman" panose="02020603050405020304" pitchFamily="18" charset="0"/>
+                <a:cs typeface="Times New Roman" panose="02020603050405020304" pitchFamily="18" charset="0"/>
+              </a:rPr>
               <a:t>Shea</a:t>
             </a:r>
             <a:r>
-              <a:rPr lang="en-US" sz="1600" dirty="0"/>
+              <a:rPr lang="en-US" sz="1600" dirty="0">
+                <a:latin typeface="Times New Roman" panose="02020603050405020304" pitchFamily="18" charset="0"/>
+                <a:cs typeface="Times New Roman" panose="02020603050405020304" pitchFamily="18" charset="0"/>
+              </a:rPr>
               <a:t> and T. M. </a:t>
             </a:r>
             <a:r>
-              <a:rPr lang="en-US" sz="1600" dirty="0" err="1"/>
+              <a:rPr lang="en-US" sz="1600" dirty="0" err="1">
+                <a:latin typeface="Times New Roman" panose="02020603050405020304" pitchFamily="18" charset="0"/>
+                <a:cs typeface="Times New Roman" panose="02020603050405020304" pitchFamily="18" charset="0"/>
+              </a:rPr>
               <a:t>Jahns</a:t>
             </a:r>
             <a:r>
-              <a:rPr lang="en-US" sz="1600" dirty="0"/>
+              <a:rPr lang="en-US" sz="1600" dirty="0">
+                <a:latin typeface="Times New Roman" panose="02020603050405020304" pitchFamily="18" charset="0"/>
+                <a:cs typeface="Times New Roman" panose="02020603050405020304" pitchFamily="18" charset="0"/>
+              </a:rPr>
               <a:t>, “</a:t>
             </a:r>
             <a:r>
-              <a:rPr lang="en-US" sz="1600" b="1" dirty="0"/>
+              <a:rPr lang="en-US" sz="1600" b="1" dirty="0">
+                <a:latin typeface="Times New Roman" panose="02020603050405020304" pitchFamily="18" charset="0"/>
+                <a:cs typeface="Times New Roman" panose="02020603050405020304" pitchFamily="18" charset="0"/>
+              </a:rPr>
               <a:t>Hardware integration for an integrated modular motor drive including distributed control</a:t>
             </a:r>
             <a:r>
-              <a:rPr lang="en-US" sz="1600" dirty="0"/>
+              <a:rPr lang="en-US" sz="1600" dirty="0">
+                <a:latin typeface="Times New Roman" panose="02020603050405020304" pitchFamily="18" charset="0"/>
+                <a:cs typeface="Times New Roman" panose="02020603050405020304" pitchFamily="18" charset="0"/>
+              </a:rPr>
               <a:t>,” in </a:t>
             </a:r>
             <a:r>
-              <a:rPr lang="en-US" sz="1600" i="1" dirty="0"/>
+              <a:rPr lang="en-US" sz="1600" i="1" dirty="0">
+                <a:latin typeface="Times New Roman" panose="02020603050405020304" pitchFamily="18" charset="0"/>
+                <a:cs typeface="Times New Roman" panose="02020603050405020304" pitchFamily="18" charset="0"/>
+              </a:rPr>
               <a:t>2014 IEEE Energy Conversion Congress and Exposition (ECCE)</a:t>
             </a:r>
             <a:r>
-              <a:rPr lang="en-US" sz="1600" dirty="0"/>
+              <a:rPr lang="en-US" sz="1600" dirty="0">
+                <a:latin typeface="Times New Roman" panose="02020603050405020304" pitchFamily="18" charset="0"/>
+                <a:cs typeface="Times New Roman" panose="02020603050405020304" pitchFamily="18" charset="0"/>
+              </a:rPr>
               <a:t>, 2014, pp. 4881–4887</a:t>
             </a:r>
             <a:r>
-              <a:rPr lang="en-US" sz="1600" dirty="0" smtClean="0"/>
+              <a:rPr lang="en-US" sz="1600" dirty="0" smtClean="0">
+                <a:latin typeface="Times New Roman" panose="02020603050405020304" pitchFamily="18" charset="0"/>
+                <a:cs typeface="Times New Roman" panose="02020603050405020304" pitchFamily="18" charset="0"/>
+              </a:rPr>
               <a:t>.</a:t>
             </a:r>
-            <a:endParaRPr lang="tr-TR" sz="1600" dirty="0" smtClean="0"/>
+            <a:endParaRPr lang="tr-TR" sz="1600" dirty="0" smtClean="0">
+              <a:latin typeface="Times New Roman" panose="02020603050405020304" pitchFamily="18" charset="0"/>
+              <a:cs typeface="Times New Roman" panose="02020603050405020304" pitchFamily="18" charset="0"/>
+            </a:endParaRPr>
           </a:p>
         </p:txBody>
       </p:sp>
@@ -13692,10 +16550,6 @@
               </a:rPr>
               <a:t>Results</a:t>
             </a:r>
-            <a:endParaRPr lang="en-US" sz="2400" dirty="0" smtClean="0">
-              <a:latin typeface="Times New Roman" panose="02020603050405020304" pitchFamily="18" charset="0"/>
-              <a:cs typeface="Times New Roman" panose="02020603050405020304" pitchFamily="18" charset="0"/>
-            </a:endParaRPr>
           </a:p>
           <a:p>
             <a:pPr marL="342900" indent="-342900">
@@ -13728,10 +16582,6 @@
               </a:rPr>
               <a:t>References</a:t>
             </a:r>
-            <a:endParaRPr lang="en-US" sz="2400" dirty="0" smtClean="0">
-              <a:latin typeface="Times New Roman" panose="02020603050405020304" pitchFamily="18" charset="0"/>
-              <a:cs typeface="Times New Roman" panose="02020603050405020304" pitchFamily="18" charset="0"/>
-            </a:endParaRPr>
           </a:p>
         </p:txBody>
       </p:sp>
@@ -14185,14 +17035,7 @@
                 <a:latin typeface="Times New Roman" panose="02020603050405020304" pitchFamily="18" charset="0"/>
                 <a:cs typeface="Times New Roman" panose="02020603050405020304" pitchFamily="18" charset="0"/>
               </a:rPr>
-              <a:t> to the </a:t>
-            </a:r>
-            <a:r>
-              <a:rPr lang="en-US" sz="2000" dirty="0" smtClean="0">
-                <a:latin typeface="Times New Roman" panose="02020603050405020304" pitchFamily="18" charset="0"/>
-                <a:cs typeface="Times New Roman" panose="02020603050405020304" pitchFamily="18" charset="0"/>
-              </a:rPr>
-              <a:t>motor</a:t>
+              <a:t> to the motor</a:t>
             </a:r>
             <a:endParaRPr lang="tr-TR" sz="2000" dirty="0" smtClean="0">
               <a:latin typeface="Times New Roman" panose="02020603050405020304" pitchFamily="18" charset="0"/>
@@ -16588,10 +19431,6 @@
               </a:rPr>
               <a:t>Vibration ?</a:t>
             </a:r>
-            <a:endParaRPr lang="en-US" sz="2600" dirty="0" smtClean="0">
-              <a:latin typeface="Times New Roman" panose="02020603050405020304" pitchFamily="18" charset="0"/>
-              <a:cs typeface="Times New Roman" panose="02020603050405020304" pitchFamily="18" charset="0"/>
-            </a:endParaRPr>
           </a:p>
         </p:txBody>
       </p:sp>
@@ -16826,21 +19665,7 @@
                 <a:latin typeface="Times New Roman" panose="02020603050405020304" pitchFamily="18" charset="0"/>
                 <a:cs typeface="Times New Roman" panose="02020603050405020304" pitchFamily="18" charset="0"/>
               </a:rPr>
-              <a:t>Low </a:t>
-            </a:r>
-            <a:r>
-              <a:rPr lang="en-US" sz="2000" dirty="0" smtClean="0">
-                <a:latin typeface="Times New Roman" panose="02020603050405020304" pitchFamily="18" charset="0"/>
-                <a:cs typeface="Times New Roman" panose="02020603050405020304" pitchFamily="18" charset="0"/>
-              </a:rPr>
-              <a:t>loss</a:t>
-            </a:r>
-            <a:r>
-              <a:rPr lang="en-US" sz="2000" dirty="0" smtClean="0">
-                <a:latin typeface="Times New Roman" panose="02020603050405020304" pitchFamily="18" charset="0"/>
-                <a:cs typeface="Times New Roman" panose="02020603050405020304" pitchFamily="18" charset="0"/>
-              </a:rPr>
-              <a:t>: </a:t>
+              <a:t>Low loss: </a:t>
             </a:r>
             <a:r>
               <a:rPr lang="en-US" sz="2000" b="1" dirty="0" smtClean="0">
@@ -16936,14 +19761,7 @@
                 <a:latin typeface="Times New Roman" panose="02020603050405020304" pitchFamily="18" charset="0"/>
                 <a:cs typeface="Times New Roman" panose="02020603050405020304" pitchFamily="18" charset="0"/>
               </a:rPr>
-              <a:t>Gallium Nitride (GaN</a:t>
-            </a:r>
-            <a:r>
-              <a:rPr lang="en-US" sz="2800" u="sng" dirty="0" smtClean="0">
-                <a:latin typeface="Times New Roman" panose="02020603050405020304" pitchFamily="18" charset="0"/>
-                <a:cs typeface="Times New Roman" panose="02020603050405020304" pitchFamily="18" charset="0"/>
-              </a:rPr>
-              <a:t>)</a:t>
+              <a:t>Gallium Nitride (GaN)</a:t>
             </a:r>
             <a:endParaRPr lang="en-US" sz="2800" u="sng" dirty="0">
               <a:latin typeface="Times New Roman" panose="02020603050405020304" pitchFamily="18" charset="0"/>
@@ -18078,14 +20896,7 @@
                 <a:latin typeface="Times New Roman" panose="02020603050405020304" pitchFamily="18" charset="0"/>
                 <a:cs typeface="Times New Roman" panose="02020603050405020304" pitchFamily="18" charset="0"/>
               </a:rPr>
-              <a:t>RMS </a:t>
-            </a:r>
-            <a:r>
-              <a:rPr lang="en-US" sz="2400" dirty="0" smtClean="0">
-                <a:latin typeface="Times New Roman" panose="02020603050405020304" pitchFamily="18" charset="0"/>
-                <a:cs typeface="Times New Roman" panose="02020603050405020304" pitchFamily="18" charset="0"/>
-              </a:rPr>
-              <a:t>current</a:t>
+              <a:t>RMS current</a:t>
             </a:r>
             <a:endParaRPr lang="tr-TR" sz="2400" dirty="0" smtClean="0">
               <a:latin typeface="Times New Roman" panose="02020603050405020304" pitchFamily="18" charset="0"/>
@@ -18135,14 +20946,7 @@
                 <a:latin typeface="Times New Roman" panose="02020603050405020304" pitchFamily="18" charset="0"/>
                 <a:cs typeface="Times New Roman" panose="02020603050405020304" pitchFamily="18" charset="0"/>
               </a:rPr>
-              <a:t>Reliability </a:t>
-            </a:r>
-            <a:r>
-              <a:rPr lang="en-US" sz="2400" dirty="0" smtClean="0">
-                <a:latin typeface="Times New Roman" panose="02020603050405020304" pitchFamily="18" charset="0"/>
-                <a:cs typeface="Times New Roman" panose="02020603050405020304" pitchFamily="18" charset="0"/>
-              </a:rPr>
-              <a:t>&amp; lifetime</a:t>
+              <a:t>Reliability &amp; lifetime</a:t>
             </a:r>
           </a:p>
           <a:p>
@@ -20028,10 +22832,6 @@
               </a:rPr>
               <a:t>Effect of interleaving</a:t>
             </a:r>
-            <a:endParaRPr lang="en-US" sz="2800" u="sng" dirty="0" smtClean="0">
-              <a:latin typeface="Times New Roman" panose="02020603050405020304" pitchFamily="18" charset="0"/>
-              <a:cs typeface="Times New Roman" panose="02020603050405020304" pitchFamily="18" charset="0"/>
-            </a:endParaRPr>
           </a:p>
         </p:txBody>
       </p:sp>
@@ -20210,8 +23010,8 @@
           </a:prstGeom>
         </p:spPr>
       </p:pic>
-      <mc:AlternateContent xmlns:mc="http://schemas.openxmlformats.org/markup-compatibility/2006">
-        <mc:Choice xmlns:a14="http://schemas.microsoft.com/office/drawing/2010/main" Requires="a14">
+      <mc:AlternateContent xmlns:mc="http://schemas.openxmlformats.org/markup-compatibility/2006" xmlns:a14="http://schemas.microsoft.com/office/drawing/2010/main">
+        <mc:Choice Requires="a14">
           <p:sp>
             <p:nvSpPr>
               <p:cNvPr id="17" name="Text Box 9"/>
@@ -20262,7 +23062,7 @@
                     <m:f>
                       <m:fPr>
                         <m:ctrlPr>
-                          <a:rPr lang="en-US" sz="2000" b="1" smtClean="0">
+                          <a:rPr lang="en-US" sz="2000" b="1" i="1" smtClean="0">
                             <a:latin typeface="Cambria Math" panose="02040503050406030204" pitchFamily="18" charset="0"/>
                             <a:cs typeface="Times New Roman" panose="02020603050405020304" pitchFamily="18" charset="0"/>
                           </a:rPr>
@@ -20295,7 +23095,7 @@
                           <m:fPr>
                             <m:type m:val="skw"/>
                             <m:ctrlPr>
-                              <a:rPr lang="en-US" sz="2000" b="1">
+                              <a:rPr lang="en-US" sz="2000" b="1" i="1">
                                 <a:latin typeface="Cambria Math" panose="02040503050406030204" pitchFamily="18" charset="0"/>
                                 <a:ea typeface="Cambria Math" panose="02040503050406030204" pitchFamily="18" charset="0"/>
                                 <a:cs typeface="Times New Roman" panose="02020603050405020304" pitchFamily="18" charset="0"/>
@@ -20349,10 +23149,6 @@
                   </a:rPr>
                   <a:t>for even number of modules</a:t>
                 </a:r>
-                <a:endParaRPr lang="en-US" sz="2000" dirty="0" smtClean="0">
-                  <a:latin typeface="Times New Roman" panose="02020603050405020304" pitchFamily="18" charset="0"/>
-                  <a:cs typeface="Times New Roman" panose="02020603050405020304" pitchFamily="18" charset="0"/>
-                </a:endParaRPr>
               </a:p>
               <a:p>
                 <a:pPr marL="342900" indent="-342900">
@@ -20482,7 +23278,7 @@
             </p:txBody>
           </p:sp>
         </mc:Choice>
-        <mc:Fallback>
+        <mc:Fallback xmlns="">
           <p:sp>
             <p:nvSpPr>
               <p:cNvPr id="17" name="Text Box 9"/>

--- a/ISIE 2017/sunum/ISIE2017_OralPres_Mesut_Uğur.pptx
+++ b/ISIE 2017/sunum/ISIE2017_OralPres_Mesut_Uğur.pptx
@@ -223,7 +223,7 @@
           <a:p>
             <a:fld id="{D1C008C1-D970-43BD-9678-58985B84B3B0}" type="datetimeFigureOut">
               <a:rPr lang="tr-TR" smtClean="0"/>
-              <a:t>04.06.2017</a:t>
+              <a:t>10.06.2017</a:t>
             </a:fld>
             <a:endParaRPr lang="tr-TR"/>
           </a:p>
@@ -840,7 +840,7 @@
           <a:p>
             <a:fld id="{D275723C-A363-4114-BE18-3E9589C2B9C2}" type="datetime1">
               <a:rPr lang="en-US" smtClean="0"/>
-              <a:t>6/4/2017</a:t>
+              <a:t>6/10/2017</a:t>
             </a:fld>
             <a:endParaRPr lang="en-US" dirty="0"/>
           </a:p>
@@ -1011,7 +1011,7 @@
           <a:p>
             <a:fld id="{C5592633-93A2-4DB7-B3D8-5F6714E7EFEC}" type="datetime1">
               <a:rPr lang="en-US" smtClean="0"/>
-              <a:t>6/4/2017</a:t>
+              <a:t>6/10/2017</a:t>
             </a:fld>
             <a:endParaRPr lang="en-US" dirty="0"/>
           </a:p>
@@ -1192,7 +1192,7 @@
           <a:p>
             <a:fld id="{6F760D8D-AE05-4AF5-8666-75C48EA7B609}" type="datetime1">
               <a:rPr lang="en-US" smtClean="0"/>
-              <a:t>6/4/2017</a:t>
+              <a:t>6/10/2017</a:t>
             </a:fld>
             <a:endParaRPr lang="en-US" dirty="0"/>
           </a:p>
@@ -1363,7 +1363,7 @@
           <a:p>
             <a:fld id="{6D87B8C0-62AE-47C8-A8EF-FC863B0F06E5}" type="datetime1">
               <a:rPr lang="en-US" smtClean="0"/>
-              <a:t>6/4/2017</a:t>
+              <a:t>6/10/2017</a:t>
             </a:fld>
             <a:endParaRPr lang="en-US" dirty="0"/>
           </a:p>
@@ -1610,7 +1610,7 @@
           <a:p>
             <a:fld id="{A76C8472-C309-40FA-8240-FF6234B7F0D0}" type="datetime1">
               <a:rPr lang="en-US" smtClean="0"/>
-              <a:t>6/4/2017</a:t>
+              <a:t>6/10/2017</a:t>
             </a:fld>
             <a:endParaRPr lang="en-US" dirty="0"/>
           </a:p>
@@ -1899,7 +1899,7 @@
           <a:p>
             <a:fld id="{33196F6B-6F2E-418E-A1A6-2F06576F6EF7}" type="datetime1">
               <a:rPr lang="en-US" smtClean="0"/>
-              <a:t>6/4/2017</a:t>
+              <a:t>6/10/2017</a:t>
             </a:fld>
             <a:endParaRPr lang="en-US" dirty="0"/>
           </a:p>
@@ -2322,7 +2322,7 @@
           <a:p>
             <a:fld id="{D09CD6EC-2E00-46F1-9BD2-E1865A200410}" type="datetime1">
               <a:rPr lang="en-US" smtClean="0"/>
-              <a:t>6/4/2017</a:t>
+              <a:t>6/10/2017</a:t>
             </a:fld>
             <a:endParaRPr lang="en-US" dirty="0"/>
           </a:p>
@@ -2441,7 +2441,7 @@
           <a:p>
             <a:fld id="{C40B9E5A-6330-4749-ACDB-FB892FCFE6A5}" type="datetime1">
               <a:rPr lang="en-US" smtClean="0"/>
-              <a:t>6/4/2017</a:t>
+              <a:t>6/10/2017</a:t>
             </a:fld>
             <a:endParaRPr lang="en-US" dirty="0"/>
           </a:p>
@@ -2537,7 +2537,7 @@
           <a:p>
             <a:fld id="{1C181CB3-A768-4AD8-A97F-12E47CC1200D}" type="datetime1">
               <a:rPr lang="en-US" smtClean="0"/>
-              <a:t>6/4/2017</a:t>
+              <a:t>6/10/2017</a:t>
             </a:fld>
             <a:endParaRPr lang="en-US" dirty="0"/>
           </a:p>
@@ -2815,7 +2815,7 @@
           <a:p>
             <a:fld id="{AF3D8106-484C-46C6-8BE9-348BFA7F2DCB}" type="datetime1">
               <a:rPr lang="en-US" smtClean="0"/>
-              <a:t>6/4/2017</a:t>
+              <a:t>6/10/2017</a:t>
             </a:fld>
             <a:endParaRPr lang="en-US" dirty="0"/>
           </a:p>
@@ -3069,7 +3069,7 @@
           <a:p>
             <a:fld id="{F2A57B0D-110E-4AAD-9411-DA6CB39E8776}" type="datetime1">
               <a:rPr lang="en-US" smtClean="0"/>
-              <a:t>6/4/2017</a:t>
+              <a:t>6/10/2017</a:t>
             </a:fld>
             <a:endParaRPr lang="en-US" dirty="0"/>
           </a:p>
@@ -3302,7 +3302,7 @@
           <a:p>
             <a:fld id="{FB4B5B0E-55D6-4DAA-879D-58BBFFC7379B}" type="datetime1">
               <a:rPr lang="en-US" smtClean="0"/>
-              <a:t>6/4/2017</a:t>
+              <a:t>6/10/2017</a:t>
             </a:fld>
             <a:endParaRPr lang="en-US" dirty="0"/>
           </a:p>
@@ -10523,14 +10523,7 @@
                 <a:latin typeface="Times New Roman" panose="02020603050405020304" pitchFamily="18" charset="0"/>
                 <a:cs typeface="Times New Roman" panose="02020603050405020304" pitchFamily="18" charset="0"/>
               </a:rPr>
-              <a:t>F, </a:t>
-            </a:r>
-            <a:r>
-              <a:rPr lang="tr-TR" sz="1600" dirty="0" smtClean="0">
-                <a:latin typeface="Times New Roman" panose="02020603050405020304" pitchFamily="18" charset="0"/>
-                <a:cs typeface="Times New Roman" panose="02020603050405020304" pitchFamily="18" charset="0"/>
-              </a:rPr>
-              <a:t>300 V</a:t>
+              <a:t>F, 300 V</a:t>
             </a:r>
           </a:p>
           <a:p>
@@ -10546,10 +10539,6 @@
               </a:rPr>
               <a:t>2s, 10p</a:t>
             </a:r>
-            <a:endParaRPr lang="tr-TR" sz="1600" dirty="0" smtClean="0">
-              <a:latin typeface="Times New Roman" panose="02020603050405020304" pitchFamily="18" charset="0"/>
-              <a:cs typeface="Times New Roman" panose="02020603050405020304" pitchFamily="18" charset="0"/>
-            </a:endParaRPr>
           </a:p>
         </p:txBody>
       </p:sp>
@@ -11573,14 +11562,7 @@
                 <a:latin typeface="Times New Roman" panose="02020603050405020304" pitchFamily="18" charset="0"/>
                 <a:cs typeface="Times New Roman" panose="02020603050405020304" pitchFamily="18" charset="0"/>
               </a:rPr>
-              <a:t>F, </a:t>
-            </a:r>
-            <a:r>
-              <a:rPr lang="tr-TR" sz="1600" dirty="0" smtClean="0">
-                <a:latin typeface="Times New Roman" panose="02020603050405020304" pitchFamily="18" charset="0"/>
-                <a:cs typeface="Times New Roman" panose="02020603050405020304" pitchFamily="18" charset="0"/>
-              </a:rPr>
-              <a:t>300 V</a:t>
+              <a:t>F, 300 V</a:t>
             </a:r>
           </a:p>
           <a:p>
@@ -11596,10 +11578,6 @@
               </a:rPr>
               <a:t>2s, 3p</a:t>
             </a:r>
-            <a:endParaRPr lang="tr-TR" sz="1600" dirty="0" smtClean="0">
-              <a:latin typeface="Times New Roman" panose="02020603050405020304" pitchFamily="18" charset="0"/>
-              <a:cs typeface="Times New Roman" panose="02020603050405020304" pitchFamily="18" charset="0"/>
-            </a:endParaRPr>
           </a:p>
         </p:txBody>
       </p:sp>
@@ -11859,14 +11837,7 @@
                 <a:latin typeface="Times New Roman" panose="02020603050405020304" pitchFamily="18" charset="0"/>
                 <a:cs typeface="Times New Roman" panose="02020603050405020304" pitchFamily="18" charset="0"/>
               </a:rPr>
-              <a:t>F, </a:t>
-            </a:r>
-            <a:r>
-              <a:rPr lang="tr-TR" sz="1600" dirty="0" smtClean="0">
-                <a:latin typeface="Times New Roman" panose="02020603050405020304" pitchFamily="18" charset="0"/>
-                <a:cs typeface="Times New Roman" panose="02020603050405020304" pitchFamily="18" charset="0"/>
-              </a:rPr>
-              <a:t>450 V</a:t>
+              <a:t>F, 450 V</a:t>
             </a:r>
           </a:p>
           <a:p>
@@ -11882,10 +11853,6 @@
               </a:rPr>
               <a:t>1s, 2p</a:t>
             </a:r>
-            <a:endParaRPr lang="tr-TR" sz="1600" dirty="0" smtClean="0">
-              <a:latin typeface="Times New Roman" panose="02020603050405020304" pitchFamily="18" charset="0"/>
-              <a:cs typeface="Times New Roman" panose="02020603050405020304" pitchFamily="18" charset="0"/>
-            </a:endParaRPr>
           </a:p>
         </p:txBody>
       </p:sp>
@@ -12157,14 +12124,7 @@
                 <a:latin typeface="Times New Roman" panose="02020603050405020304" pitchFamily="18" charset="0"/>
                 <a:cs typeface="Times New Roman" panose="02020603050405020304" pitchFamily="18" charset="0"/>
               </a:rPr>
-              <a:t>F, </a:t>
-            </a:r>
-            <a:r>
-              <a:rPr lang="tr-TR" sz="2000" dirty="0" smtClean="0">
-                <a:latin typeface="Times New Roman" panose="02020603050405020304" pitchFamily="18" charset="0"/>
-                <a:cs typeface="Times New Roman" panose="02020603050405020304" pitchFamily="18" charset="0"/>
-              </a:rPr>
-              <a:t>450 V</a:t>
+              <a:t>F, 450 V</a:t>
             </a:r>
           </a:p>
           <a:p>
@@ -12178,7 +12138,21 @@
                 <a:latin typeface="Times New Roman" panose="02020603050405020304" pitchFamily="18" charset="0"/>
                 <a:cs typeface="Times New Roman" panose="02020603050405020304" pitchFamily="18" charset="0"/>
               </a:rPr>
-              <a:t>2s, 2p</a:t>
+              <a:t>1s</a:t>
+            </a:r>
+            <a:r>
+              <a:rPr lang="tr-TR" sz="2000" dirty="0" smtClean="0">
+                <a:latin typeface="Times New Roman" panose="02020603050405020304" pitchFamily="18" charset="0"/>
+                <a:cs typeface="Times New Roman" panose="02020603050405020304" pitchFamily="18" charset="0"/>
+              </a:rPr>
+              <a:t>, </a:t>
+            </a:r>
+            <a:r>
+              <a:rPr lang="tr-TR" sz="2000" dirty="0" smtClean="0">
+                <a:latin typeface="Times New Roman" panose="02020603050405020304" pitchFamily="18" charset="0"/>
+                <a:cs typeface="Times New Roman" panose="02020603050405020304" pitchFamily="18" charset="0"/>
+              </a:rPr>
+              <a:t>4p</a:t>
             </a:r>
             <a:endParaRPr lang="tr-TR" sz="2000" dirty="0" smtClean="0">
               <a:latin typeface="Times New Roman" panose="02020603050405020304" pitchFamily="18" charset="0"/>
@@ -12398,9 +12372,6 @@
                     <p:cTn id="3" fill="hold">
                       <p:stCondLst>
                         <p:cond delay="indefinite"/>
-                        <p:cond evt="onBegin" delay="0">
-                          <p:tn val="2"/>
-                        </p:cond>
                       </p:stCondLst>
                       <p:childTnLst>
                         <p:par>
@@ -12410,7 +12381,7 @@
                             </p:stCondLst>
                             <p:childTnLst>
                               <p:par>
-                                <p:cTn id="5" presetID="10" presetClass="entr" presetSubtype="0" fill="hold" nodeType="withEffect">
+                                <p:cTn id="5" presetID="10" presetClass="entr" presetSubtype="0" fill="hold" nodeType="clickEffect">
                                   <p:stCondLst>
                                     <p:cond delay="0"/>
                                   </p:stCondLst>
@@ -12423,11 +12394,7 @@
                                           </p:stCondLst>
                                         </p:cTn>
                                         <p:tgtEl>
-                                          <p:spTgt spid="18">
-                                            <p:txEl>
-                                              <p:pRg st="0" end="0"/>
-                                            </p:txEl>
-                                          </p:spTgt>
+                                          <p:spTgt spid="31"/>
                                         </p:tgtEl>
                                         <p:attrNameLst>
                                           <p:attrName>style.visibility</p:attrName>
@@ -12441,11 +12408,7 @@
                                       <p:cBhvr>
                                         <p:cTn id="7" dur="500"/>
                                         <p:tgtEl>
-                                          <p:spTgt spid="18">
-                                            <p:txEl>
-                                              <p:pRg st="0" end="0"/>
-                                            </p:txEl>
-                                          </p:spTgt>
+                                          <p:spTgt spid="31"/>
                                         </p:tgtEl>
                                       </p:cBhvr>
                                     </p:animEffect>
@@ -12466,11 +12429,7 @@
                                           </p:stCondLst>
                                         </p:cTn>
                                         <p:tgtEl>
-                                          <p:spTgt spid="18">
-                                            <p:txEl>
-                                              <p:pRg st="1" end="1"/>
-                                            </p:txEl>
-                                          </p:spTgt>
+                                          <p:spTgt spid="32"/>
                                         </p:tgtEl>
                                         <p:attrNameLst>
                                           <p:attrName>style.visibility</p:attrName>
@@ -12484,11 +12443,7 @@
                                       <p:cBhvr>
                                         <p:cTn id="10" dur="500"/>
                                         <p:tgtEl>
-                                          <p:spTgt spid="18">
-                                            <p:txEl>
-                                              <p:pRg st="1" end="1"/>
-                                            </p:txEl>
-                                          </p:spTgt>
+                                          <p:spTgt spid="32"/>
                                         </p:tgtEl>
                                       </p:cBhvr>
                                     </p:animEffect>
@@ -12509,11 +12464,7 @@
                                           </p:stCondLst>
                                         </p:cTn>
                                         <p:tgtEl>
-                                          <p:spTgt spid="53">
-                                            <p:txEl>
-                                              <p:pRg st="0" end="0"/>
-                                            </p:txEl>
-                                          </p:spTgt>
+                                          <p:spTgt spid="33"/>
                                         </p:tgtEl>
                                         <p:attrNameLst>
                                           <p:attrName>style.visibility</p:attrName>
@@ -12527,11 +12478,7 @@
                                       <p:cBhvr>
                                         <p:cTn id="13" dur="500"/>
                                         <p:tgtEl>
-                                          <p:spTgt spid="53">
-                                            <p:txEl>
-                                              <p:pRg st="0" end="0"/>
-                                            </p:txEl>
-                                          </p:spTgt>
+                                          <p:spTgt spid="33"/>
                                         </p:tgtEl>
                                       </p:cBhvr>
                                     </p:animEffect>
@@ -12552,11 +12499,7 @@
                                           </p:stCondLst>
                                         </p:cTn>
                                         <p:tgtEl>
-                                          <p:spTgt spid="53">
-                                            <p:txEl>
-                                              <p:pRg st="1" end="1"/>
-                                            </p:txEl>
-                                          </p:spTgt>
+                                          <p:spTgt spid="34"/>
                                         </p:tgtEl>
                                         <p:attrNameLst>
                                           <p:attrName>style.visibility</p:attrName>
@@ -12570,11 +12513,7 @@
                                       <p:cBhvr>
                                         <p:cTn id="16" dur="500"/>
                                         <p:tgtEl>
-                                          <p:spTgt spid="53">
-                                            <p:txEl>
-                                              <p:pRg st="1" end="1"/>
-                                            </p:txEl>
-                                          </p:spTgt>
+                                          <p:spTgt spid="34"/>
                                         </p:tgtEl>
                                       </p:cBhvr>
                                     </p:animEffect>
@@ -12595,11 +12534,7 @@
                                           </p:stCondLst>
                                         </p:cTn>
                                         <p:tgtEl>
-                                          <p:spTgt spid="60">
-                                            <p:txEl>
-                                              <p:pRg st="0" end="0"/>
-                                            </p:txEl>
-                                          </p:spTgt>
+                                          <p:spTgt spid="35"/>
                                         </p:tgtEl>
                                         <p:attrNameLst>
                                           <p:attrName>style.visibility</p:attrName>
@@ -12613,11 +12548,7 @@
                                       <p:cBhvr>
                                         <p:cTn id="19" dur="500"/>
                                         <p:tgtEl>
-                                          <p:spTgt spid="60">
-                                            <p:txEl>
-                                              <p:pRg st="0" end="0"/>
-                                            </p:txEl>
-                                          </p:spTgt>
+                                          <p:spTgt spid="35"/>
                                         </p:tgtEl>
                                       </p:cBhvr>
                                     </p:animEffect>
@@ -12638,11 +12569,7 @@
                                           </p:stCondLst>
                                         </p:cTn>
                                         <p:tgtEl>
-                                          <p:spTgt spid="60">
-                                            <p:txEl>
-                                              <p:pRg st="1" end="1"/>
-                                            </p:txEl>
-                                          </p:spTgt>
+                                          <p:spTgt spid="37"/>
                                         </p:tgtEl>
                                         <p:attrNameLst>
                                           <p:attrName>style.visibility</p:attrName>
@@ -12656,11 +12583,7 @@
                                       <p:cBhvr>
                                         <p:cTn id="22" dur="500"/>
                                         <p:tgtEl>
-                                          <p:spTgt spid="60">
-                                            <p:txEl>
-                                              <p:pRg st="1" end="1"/>
-                                            </p:txEl>
-                                          </p:spTgt>
+                                          <p:spTgt spid="37"/>
                                         </p:tgtEl>
                                       </p:cBhvr>
                                     </p:animEffect>
@@ -12681,11 +12604,7 @@
                                           </p:stCondLst>
                                         </p:cTn>
                                         <p:tgtEl>
-                                          <p:spTgt spid="61">
-                                            <p:txEl>
-                                              <p:pRg st="0" end="0"/>
-                                            </p:txEl>
-                                          </p:spTgt>
+                                          <p:spTgt spid="38"/>
                                         </p:tgtEl>
                                         <p:attrNameLst>
                                           <p:attrName>style.visibility</p:attrName>
@@ -12699,11 +12618,7 @@
                                       <p:cBhvr>
                                         <p:cTn id="25" dur="500"/>
                                         <p:tgtEl>
-                                          <p:spTgt spid="61">
-                                            <p:txEl>
-                                              <p:pRg st="0" end="0"/>
-                                            </p:txEl>
-                                          </p:spTgt>
+                                          <p:spTgt spid="38"/>
                                         </p:tgtEl>
                                       </p:cBhvr>
                                     </p:animEffect>
@@ -12724,11 +12639,7 @@
                                           </p:stCondLst>
                                         </p:cTn>
                                         <p:tgtEl>
-                                          <p:spTgt spid="61">
-                                            <p:txEl>
-                                              <p:pRg st="1" end="1"/>
-                                            </p:txEl>
-                                          </p:spTgt>
+                                          <p:spTgt spid="39"/>
                                         </p:tgtEl>
                                         <p:attrNameLst>
                                           <p:attrName>style.visibility</p:attrName>
@@ -12742,11 +12653,7 @@
                                       <p:cBhvr>
                                         <p:cTn id="28" dur="500"/>
                                         <p:tgtEl>
-                                          <p:spTgt spid="61">
-                                            <p:txEl>
-                                              <p:pRg st="1" end="1"/>
-                                            </p:txEl>
-                                          </p:spTgt>
+                                          <p:spTgt spid="39"/>
                                         </p:tgtEl>
                                       </p:cBhvr>
                                     </p:animEffect>
@@ -12767,11 +12674,7 @@
                                           </p:stCondLst>
                                         </p:cTn>
                                         <p:tgtEl>
-                                          <p:spTgt spid="61">
-                                            <p:txEl>
-                                              <p:pRg st="2" end="2"/>
-                                            </p:txEl>
-                                          </p:spTgt>
+                                          <p:spTgt spid="40"/>
                                         </p:tgtEl>
                                         <p:attrNameLst>
                                           <p:attrName>style.visibility</p:attrName>
@@ -12785,11 +12688,7 @@
                                       <p:cBhvr>
                                         <p:cTn id="31" dur="500"/>
                                         <p:tgtEl>
-                                          <p:spTgt spid="61">
-                                            <p:txEl>
-                                              <p:pRg st="2" end="2"/>
-                                            </p:txEl>
-                                          </p:spTgt>
+                                          <p:spTgt spid="40"/>
                                         </p:tgtEl>
                                       </p:cBhvr>
                                     </p:animEffect>
@@ -12810,11 +12709,7 @@
                                           </p:stCondLst>
                                         </p:cTn>
                                         <p:tgtEl>
-                                          <p:spTgt spid="64">
-                                            <p:txEl>
-                                              <p:pRg st="0" end="0"/>
-                                            </p:txEl>
-                                          </p:spTgt>
+                                          <p:spTgt spid="41"/>
                                         </p:tgtEl>
                                         <p:attrNameLst>
                                           <p:attrName>style.visibility</p:attrName>
@@ -12828,11 +12723,7 @@
                                       <p:cBhvr>
                                         <p:cTn id="34" dur="500"/>
                                         <p:tgtEl>
-                                          <p:spTgt spid="64">
-                                            <p:txEl>
-                                              <p:pRg st="0" end="0"/>
-                                            </p:txEl>
-                                          </p:spTgt>
+                                          <p:spTgt spid="41"/>
                                         </p:tgtEl>
                                       </p:cBhvr>
                                     </p:animEffect>
@@ -12853,11 +12744,7 @@
                                           </p:stCondLst>
                                         </p:cTn>
                                         <p:tgtEl>
-                                          <p:spTgt spid="64">
-                                            <p:txEl>
-                                              <p:pRg st="1" end="1"/>
-                                            </p:txEl>
-                                          </p:spTgt>
+                                          <p:spTgt spid="43"/>
                                         </p:tgtEl>
                                         <p:attrNameLst>
                                           <p:attrName>style.visibility</p:attrName>
@@ -12871,11 +12758,7 @@
                                       <p:cBhvr>
                                         <p:cTn id="37" dur="500"/>
                                         <p:tgtEl>
-                                          <p:spTgt spid="64">
-                                            <p:txEl>
-                                              <p:pRg st="1" end="1"/>
-                                            </p:txEl>
-                                          </p:spTgt>
+                                          <p:spTgt spid="43"/>
                                         </p:tgtEl>
                                       </p:cBhvr>
                                     </p:animEffect>
@@ -12896,11 +12779,7 @@
                                           </p:stCondLst>
                                         </p:cTn>
                                         <p:tgtEl>
-                                          <p:spTgt spid="65">
-                                            <p:txEl>
-                                              <p:pRg st="0" end="0"/>
-                                            </p:txEl>
-                                          </p:spTgt>
+                                          <p:spTgt spid="44"/>
                                         </p:tgtEl>
                                         <p:attrNameLst>
                                           <p:attrName>style.visibility</p:attrName>
@@ -12914,11 +12793,7 @@
                                       <p:cBhvr>
                                         <p:cTn id="40" dur="500"/>
                                         <p:tgtEl>
-                                          <p:spTgt spid="65">
-                                            <p:txEl>
-                                              <p:pRg st="0" end="0"/>
-                                            </p:txEl>
-                                          </p:spTgt>
+                                          <p:spTgt spid="44"/>
                                         </p:tgtEl>
                                       </p:cBhvr>
                                     </p:animEffect>
@@ -12939,11 +12814,7 @@
                                           </p:stCondLst>
                                         </p:cTn>
                                         <p:tgtEl>
-                                          <p:spTgt spid="65">
-                                            <p:txEl>
-                                              <p:pRg st="1" end="1"/>
-                                            </p:txEl>
-                                          </p:spTgt>
+                                          <p:spTgt spid="45"/>
                                         </p:tgtEl>
                                         <p:attrNameLst>
                                           <p:attrName>style.visibility</p:attrName>
@@ -12957,11 +12828,7 @@
                                       <p:cBhvr>
                                         <p:cTn id="43" dur="500"/>
                                         <p:tgtEl>
-                                          <p:spTgt spid="65">
-                                            <p:txEl>
-                                              <p:pRg st="1" end="1"/>
-                                            </p:txEl>
-                                          </p:spTgt>
+                                          <p:spTgt spid="45"/>
                                         </p:tgtEl>
                                       </p:cBhvr>
                                     </p:animEffect>
@@ -12982,11 +12849,7 @@
                                           </p:stCondLst>
                                         </p:cTn>
                                         <p:tgtEl>
-                                          <p:spTgt spid="70">
-                                            <p:txEl>
-                                              <p:pRg st="0" end="0"/>
-                                            </p:txEl>
-                                          </p:spTgt>
+                                          <p:spTgt spid="46"/>
                                         </p:tgtEl>
                                         <p:attrNameLst>
                                           <p:attrName>style.visibility</p:attrName>
@@ -13000,11 +12863,7 @@
                                       <p:cBhvr>
                                         <p:cTn id="46" dur="500"/>
                                         <p:tgtEl>
-                                          <p:spTgt spid="70">
-                                            <p:txEl>
-                                              <p:pRg st="0" end="0"/>
-                                            </p:txEl>
-                                          </p:spTgt>
+                                          <p:spTgt spid="46"/>
                                         </p:tgtEl>
                                       </p:cBhvr>
                                     </p:animEffect>
@@ -13025,11 +12884,7 @@
                                           </p:stCondLst>
                                         </p:cTn>
                                         <p:tgtEl>
-                                          <p:spTgt spid="70">
-                                            <p:txEl>
-                                              <p:pRg st="1" end="1"/>
-                                            </p:txEl>
-                                          </p:spTgt>
+                                          <p:spTgt spid="47"/>
                                         </p:tgtEl>
                                         <p:attrNameLst>
                                           <p:attrName>style.visibility</p:attrName>
@@ -13043,11 +12898,7 @@
                                       <p:cBhvr>
                                         <p:cTn id="49" dur="500"/>
                                         <p:tgtEl>
-                                          <p:spTgt spid="70">
-                                            <p:txEl>
-                                              <p:pRg st="1" end="1"/>
-                                            </p:txEl>
-                                          </p:spTgt>
+                                          <p:spTgt spid="47"/>
                                         </p:tgtEl>
                                       </p:cBhvr>
                                     </p:animEffect>
@@ -13068,11 +12919,7 @@
                                           </p:stCondLst>
                                         </p:cTn>
                                         <p:tgtEl>
-                                          <p:spTgt spid="73">
-                                            <p:txEl>
-                                              <p:pRg st="0" end="0"/>
-                                            </p:txEl>
-                                          </p:spTgt>
+                                          <p:spTgt spid="48"/>
                                         </p:tgtEl>
                                         <p:attrNameLst>
                                           <p:attrName>style.visibility</p:attrName>
@@ -13086,11 +12933,7 @@
                                       <p:cBhvr>
                                         <p:cTn id="52" dur="500"/>
                                         <p:tgtEl>
-                                          <p:spTgt spid="73">
-                                            <p:txEl>
-                                              <p:pRg st="0" end="0"/>
-                                            </p:txEl>
-                                          </p:spTgt>
+                                          <p:spTgt spid="48"/>
                                         </p:tgtEl>
                                       </p:cBhvr>
                                     </p:animEffect>
@@ -13111,11 +12954,7 @@
                                           </p:stCondLst>
                                         </p:cTn>
                                         <p:tgtEl>
-                                          <p:spTgt spid="73">
-                                            <p:txEl>
-                                              <p:pRg st="1" end="1"/>
-                                            </p:txEl>
-                                          </p:spTgt>
+                                          <p:spTgt spid="49"/>
                                         </p:tgtEl>
                                         <p:attrNameLst>
                                           <p:attrName>style.visibility</p:attrName>
@@ -13129,11 +12968,7 @@
                                       <p:cBhvr>
                                         <p:cTn id="55" dur="500"/>
                                         <p:tgtEl>
-                                          <p:spTgt spid="73">
-                                            <p:txEl>
-                                              <p:pRg st="1" end="1"/>
-                                            </p:txEl>
-                                          </p:spTgt>
+                                          <p:spTgt spid="49"/>
                                         </p:tgtEl>
                                       </p:cBhvr>
                                     </p:animEffect>
@@ -13154,11 +12989,7 @@
                                           </p:stCondLst>
                                         </p:cTn>
                                         <p:tgtEl>
-                                          <p:spTgt spid="73">
-                                            <p:txEl>
-                                              <p:pRg st="2" end="2"/>
-                                            </p:txEl>
-                                          </p:spTgt>
+                                          <p:spTgt spid="50"/>
                                         </p:tgtEl>
                                         <p:attrNameLst>
                                           <p:attrName>style.visibility</p:attrName>
@@ -13172,11 +13003,7 @@
                                       <p:cBhvr>
                                         <p:cTn id="58" dur="500"/>
                                         <p:tgtEl>
-                                          <p:spTgt spid="73">
-                                            <p:txEl>
-                                              <p:pRg st="2" end="2"/>
-                                            </p:txEl>
-                                          </p:spTgt>
+                                          <p:spTgt spid="50"/>
                                         </p:tgtEl>
                                       </p:cBhvr>
                                     </p:animEffect>
@@ -13197,11 +13024,7 @@
                                           </p:stCondLst>
                                         </p:cTn>
                                         <p:tgtEl>
-                                          <p:spTgt spid="73">
-                                            <p:txEl>
-                                              <p:pRg st="3" end="3"/>
-                                            </p:txEl>
-                                          </p:spTgt>
+                                          <p:spTgt spid="51"/>
                                         </p:tgtEl>
                                         <p:attrNameLst>
                                           <p:attrName>style.visibility</p:attrName>
@@ -13215,11 +13038,868 @@
                                       <p:cBhvr>
                                         <p:cTn id="61" dur="500"/>
                                         <p:tgtEl>
-                                          <p:spTgt spid="73">
-                                            <p:txEl>
-                                              <p:pRg st="3" end="3"/>
-                                            </p:txEl>
-                                          </p:spTgt>
+                                          <p:spTgt spid="51"/>
+                                        </p:tgtEl>
+                                      </p:cBhvr>
+                                    </p:animEffect>
+                                  </p:childTnLst>
+                                </p:cTn>
+                              </p:par>
+                              <p:par>
+                                <p:cTn id="62" presetID="10" presetClass="entr" presetSubtype="0" fill="hold" nodeType="withEffect">
+                                  <p:stCondLst>
+                                    <p:cond delay="0"/>
+                                  </p:stCondLst>
+                                  <p:childTnLst>
+                                    <p:set>
+                                      <p:cBhvr>
+                                        <p:cTn id="63" dur="1" fill="hold">
+                                          <p:stCondLst>
+                                            <p:cond delay="0"/>
+                                          </p:stCondLst>
+                                        </p:cTn>
+                                        <p:tgtEl>
+                                          <p:spTgt spid="52"/>
+                                        </p:tgtEl>
+                                        <p:attrNameLst>
+                                          <p:attrName>style.visibility</p:attrName>
+                                        </p:attrNameLst>
+                                      </p:cBhvr>
+                                      <p:to>
+                                        <p:strVal val="visible"/>
+                                      </p:to>
+                                    </p:set>
+                                    <p:animEffect transition="in" filter="fade">
+                                      <p:cBhvr>
+                                        <p:cTn id="64" dur="500"/>
+                                        <p:tgtEl>
+                                          <p:spTgt spid="52"/>
+                                        </p:tgtEl>
+                                      </p:cBhvr>
+                                    </p:animEffect>
+                                  </p:childTnLst>
+                                </p:cTn>
+                              </p:par>
+                              <p:par>
+                                <p:cTn id="65" presetID="10" presetClass="entr" presetSubtype="0" fill="hold" grpId="0" nodeType="withEffect">
+                                  <p:stCondLst>
+                                    <p:cond delay="0"/>
+                                  </p:stCondLst>
+                                  <p:childTnLst>
+                                    <p:set>
+                                      <p:cBhvr>
+                                        <p:cTn id="66" dur="1" fill="hold">
+                                          <p:stCondLst>
+                                            <p:cond delay="0"/>
+                                          </p:stCondLst>
+                                        </p:cTn>
+                                        <p:tgtEl>
+                                          <p:spTgt spid="18"/>
+                                        </p:tgtEl>
+                                        <p:attrNameLst>
+                                          <p:attrName>style.visibility</p:attrName>
+                                        </p:attrNameLst>
+                                      </p:cBhvr>
+                                      <p:to>
+                                        <p:strVal val="visible"/>
+                                      </p:to>
+                                    </p:set>
+                                    <p:animEffect transition="in" filter="fade">
+                                      <p:cBhvr>
+                                        <p:cTn id="67" dur="500"/>
+                                        <p:tgtEl>
+                                          <p:spTgt spid="18"/>
+                                        </p:tgtEl>
+                                      </p:cBhvr>
+                                    </p:animEffect>
+                                  </p:childTnLst>
+                                </p:cTn>
+                              </p:par>
+                            </p:childTnLst>
+                          </p:cTn>
+                        </p:par>
+                      </p:childTnLst>
+                    </p:cTn>
+                  </p:par>
+                  <p:par>
+                    <p:cTn id="68" fill="hold">
+                      <p:stCondLst>
+                        <p:cond delay="indefinite"/>
+                      </p:stCondLst>
+                      <p:childTnLst>
+                        <p:par>
+                          <p:cTn id="69" fill="hold">
+                            <p:stCondLst>
+                              <p:cond delay="0"/>
+                            </p:stCondLst>
+                            <p:childTnLst>
+                              <p:par>
+                                <p:cTn id="70" presetID="10" presetClass="entr" presetSubtype="0" fill="hold" grpId="0" nodeType="clickEffect">
+                                  <p:stCondLst>
+                                    <p:cond delay="0"/>
+                                  </p:stCondLst>
+                                  <p:childTnLst>
+                                    <p:set>
+                                      <p:cBhvr>
+                                        <p:cTn id="71" dur="1" fill="hold">
+                                          <p:stCondLst>
+                                            <p:cond delay="0"/>
+                                          </p:stCondLst>
+                                        </p:cTn>
+                                        <p:tgtEl>
+                                          <p:spTgt spid="53"/>
+                                        </p:tgtEl>
+                                        <p:attrNameLst>
+                                          <p:attrName>style.visibility</p:attrName>
+                                        </p:attrNameLst>
+                                      </p:cBhvr>
+                                      <p:to>
+                                        <p:strVal val="visible"/>
+                                      </p:to>
+                                    </p:set>
+                                    <p:animEffect transition="in" filter="fade">
+                                      <p:cBhvr>
+                                        <p:cTn id="72" dur="500"/>
+                                        <p:tgtEl>
+                                          <p:spTgt spid="53"/>
+                                        </p:tgtEl>
+                                      </p:cBhvr>
+                                    </p:animEffect>
+                                  </p:childTnLst>
+                                </p:cTn>
+                              </p:par>
+                            </p:childTnLst>
+                          </p:cTn>
+                        </p:par>
+                      </p:childTnLst>
+                    </p:cTn>
+                  </p:par>
+                  <p:par>
+                    <p:cTn id="73" fill="hold">
+                      <p:stCondLst>
+                        <p:cond delay="indefinite"/>
+                      </p:stCondLst>
+                      <p:childTnLst>
+                        <p:par>
+                          <p:cTn id="74" fill="hold">
+                            <p:stCondLst>
+                              <p:cond delay="0"/>
+                            </p:stCondLst>
+                            <p:childTnLst>
+                              <p:par>
+                                <p:cTn id="75" presetID="10" presetClass="entr" presetSubtype="0" fill="hold" nodeType="clickEffect">
+                                  <p:stCondLst>
+                                    <p:cond delay="0"/>
+                                  </p:stCondLst>
+                                  <p:childTnLst>
+                                    <p:set>
+                                      <p:cBhvr>
+                                        <p:cTn id="76" dur="1" fill="hold">
+                                          <p:stCondLst>
+                                            <p:cond delay="0"/>
+                                          </p:stCondLst>
+                                        </p:cTn>
+                                        <p:tgtEl>
+                                          <p:spTgt spid="5"/>
+                                        </p:tgtEl>
+                                        <p:attrNameLst>
+                                          <p:attrName>style.visibility</p:attrName>
+                                        </p:attrNameLst>
+                                      </p:cBhvr>
+                                      <p:to>
+                                        <p:strVal val="visible"/>
+                                      </p:to>
+                                    </p:set>
+                                    <p:animEffect transition="in" filter="fade">
+                                      <p:cBhvr>
+                                        <p:cTn id="77" dur="500"/>
+                                        <p:tgtEl>
+                                          <p:spTgt spid="5"/>
+                                        </p:tgtEl>
+                                      </p:cBhvr>
+                                    </p:animEffect>
+                                  </p:childTnLst>
+                                </p:cTn>
+                              </p:par>
+                              <p:par>
+                                <p:cTn id="78" presetID="10" presetClass="entr" presetSubtype="0" fill="hold" nodeType="withEffect">
+                                  <p:stCondLst>
+                                    <p:cond delay="0"/>
+                                  </p:stCondLst>
+                                  <p:childTnLst>
+                                    <p:set>
+                                      <p:cBhvr>
+                                        <p:cTn id="79" dur="1" fill="hold">
+                                          <p:stCondLst>
+                                            <p:cond delay="0"/>
+                                          </p:stCondLst>
+                                        </p:cTn>
+                                        <p:tgtEl>
+                                          <p:spTgt spid="55"/>
+                                        </p:tgtEl>
+                                        <p:attrNameLst>
+                                          <p:attrName>style.visibility</p:attrName>
+                                        </p:attrNameLst>
+                                      </p:cBhvr>
+                                      <p:to>
+                                        <p:strVal val="visible"/>
+                                      </p:to>
+                                    </p:set>
+                                    <p:animEffect transition="in" filter="fade">
+                                      <p:cBhvr>
+                                        <p:cTn id="80" dur="500"/>
+                                        <p:tgtEl>
+                                          <p:spTgt spid="55"/>
+                                        </p:tgtEl>
+                                      </p:cBhvr>
+                                    </p:animEffect>
+                                  </p:childTnLst>
+                                </p:cTn>
+                              </p:par>
+                              <p:par>
+                                <p:cTn id="81" presetID="10" presetClass="entr" presetSubtype="0" fill="hold" nodeType="withEffect">
+                                  <p:stCondLst>
+                                    <p:cond delay="0"/>
+                                  </p:stCondLst>
+                                  <p:childTnLst>
+                                    <p:set>
+                                      <p:cBhvr>
+                                        <p:cTn id="82" dur="1" fill="hold">
+                                          <p:stCondLst>
+                                            <p:cond delay="0"/>
+                                          </p:stCondLst>
+                                        </p:cTn>
+                                        <p:tgtEl>
+                                          <p:spTgt spid="56"/>
+                                        </p:tgtEl>
+                                        <p:attrNameLst>
+                                          <p:attrName>style.visibility</p:attrName>
+                                        </p:attrNameLst>
+                                      </p:cBhvr>
+                                      <p:to>
+                                        <p:strVal val="visible"/>
+                                      </p:to>
+                                    </p:set>
+                                    <p:animEffect transition="in" filter="fade">
+                                      <p:cBhvr>
+                                        <p:cTn id="83" dur="500"/>
+                                        <p:tgtEl>
+                                          <p:spTgt spid="56"/>
+                                        </p:tgtEl>
+                                      </p:cBhvr>
+                                    </p:animEffect>
+                                  </p:childTnLst>
+                                </p:cTn>
+                              </p:par>
+                              <p:par>
+                                <p:cTn id="84" presetID="10" presetClass="entr" presetSubtype="0" fill="hold" nodeType="withEffect">
+                                  <p:stCondLst>
+                                    <p:cond delay="0"/>
+                                  </p:stCondLst>
+                                  <p:childTnLst>
+                                    <p:set>
+                                      <p:cBhvr>
+                                        <p:cTn id="85" dur="1" fill="hold">
+                                          <p:stCondLst>
+                                            <p:cond delay="0"/>
+                                          </p:stCondLst>
+                                        </p:cTn>
+                                        <p:tgtEl>
+                                          <p:spTgt spid="57"/>
+                                        </p:tgtEl>
+                                        <p:attrNameLst>
+                                          <p:attrName>style.visibility</p:attrName>
+                                        </p:attrNameLst>
+                                      </p:cBhvr>
+                                      <p:to>
+                                        <p:strVal val="visible"/>
+                                      </p:to>
+                                    </p:set>
+                                    <p:animEffect transition="in" filter="fade">
+                                      <p:cBhvr>
+                                        <p:cTn id="86" dur="500"/>
+                                        <p:tgtEl>
+                                          <p:spTgt spid="57"/>
+                                        </p:tgtEl>
+                                      </p:cBhvr>
+                                    </p:animEffect>
+                                  </p:childTnLst>
+                                </p:cTn>
+                              </p:par>
+                              <p:par>
+                                <p:cTn id="87" presetID="10" presetClass="entr" presetSubtype="0" fill="hold" nodeType="withEffect">
+                                  <p:stCondLst>
+                                    <p:cond delay="0"/>
+                                  </p:stCondLst>
+                                  <p:childTnLst>
+                                    <p:set>
+                                      <p:cBhvr>
+                                        <p:cTn id="88" dur="1" fill="hold">
+                                          <p:stCondLst>
+                                            <p:cond delay="0"/>
+                                          </p:stCondLst>
+                                        </p:cTn>
+                                        <p:tgtEl>
+                                          <p:spTgt spid="58"/>
+                                        </p:tgtEl>
+                                        <p:attrNameLst>
+                                          <p:attrName>style.visibility</p:attrName>
+                                        </p:attrNameLst>
+                                      </p:cBhvr>
+                                      <p:to>
+                                        <p:strVal val="visible"/>
+                                      </p:to>
+                                    </p:set>
+                                    <p:animEffect transition="in" filter="fade">
+                                      <p:cBhvr>
+                                        <p:cTn id="89" dur="500"/>
+                                        <p:tgtEl>
+                                          <p:spTgt spid="58"/>
+                                        </p:tgtEl>
+                                      </p:cBhvr>
+                                    </p:animEffect>
+                                  </p:childTnLst>
+                                </p:cTn>
+                              </p:par>
+                              <p:par>
+                                <p:cTn id="90" presetID="10" presetClass="entr" presetSubtype="0" fill="hold" nodeType="withEffect">
+                                  <p:stCondLst>
+                                    <p:cond delay="0"/>
+                                  </p:stCondLst>
+                                  <p:childTnLst>
+                                    <p:set>
+                                      <p:cBhvr>
+                                        <p:cTn id="91" dur="1" fill="hold">
+                                          <p:stCondLst>
+                                            <p:cond delay="0"/>
+                                          </p:stCondLst>
+                                        </p:cTn>
+                                        <p:tgtEl>
+                                          <p:spTgt spid="59"/>
+                                        </p:tgtEl>
+                                        <p:attrNameLst>
+                                          <p:attrName>style.visibility</p:attrName>
+                                        </p:attrNameLst>
+                                      </p:cBhvr>
+                                      <p:to>
+                                        <p:strVal val="visible"/>
+                                      </p:to>
+                                    </p:set>
+                                    <p:animEffect transition="in" filter="fade">
+                                      <p:cBhvr>
+                                        <p:cTn id="92" dur="500"/>
+                                        <p:tgtEl>
+                                          <p:spTgt spid="59"/>
+                                        </p:tgtEl>
+                                      </p:cBhvr>
+                                    </p:animEffect>
+                                  </p:childTnLst>
+                                </p:cTn>
+                              </p:par>
+                              <p:par>
+                                <p:cTn id="93" presetID="10" presetClass="entr" presetSubtype="0" fill="hold" grpId="0" nodeType="withEffect">
+                                  <p:stCondLst>
+                                    <p:cond delay="0"/>
+                                  </p:stCondLst>
+                                  <p:childTnLst>
+                                    <p:set>
+                                      <p:cBhvr>
+                                        <p:cTn id="94" dur="1" fill="hold">
+                                          <p:stCondLst>
+                                            <p:cond delay="0"/>
+                                          </p:stCondLst>
+                                        </p:cTn>
+                                        <p:tgtEl>
+                                          <p:spTgt spid="60"/>
+                                        </p:tgtEl>
+                                        <p:attrNameLst>
+                                          <p:attrName>style.visibility</p:attrName>
+                                        </p:attrNameLst>
+                                      </p:cBhvr>
+                                      <p:to>
+                                        <p:strVal val="visible"/>
+                                      </p:to>
+                                    </p:set>
+                                    <p:animEffect transition="in" filter="fade">
+                                      <p:cBhvr>
+                                        <p:cTn id="95" dur="500"/>
+                                        <p:tgtEl>
+                                          <p:spTgt spid="60"/>
+                                        </p:tgtEl>
+                                      </p:cBhvr>
+                                    </p:animEffect>
+                                  </p:childTnLst>
+                                </p:cTn>
+                              </p:par>
+                            </p:childTnLst>
+                          </p:cTn>
+                        </p:par>
+                      </p:childTnLst>
+                    </p:cTn>
+                  </p:par>
+                  <p:par>
+                    <p:cTn id="96" fill="hold">
+                      <p:stCondLst>
+                        <p:cond delay="indefinite"/>
+                      </p:stCondLst>
+                      <p:childTnLst>
+                        <p:par>
+                          <p:cTn id="97" fill="hold">
+                            <p:stCondLst>
+                              <p:cond delay="0"/>
+                            </p:stCondLst>
+                            <p:childTnLst>
+                              <p:par>
+                                <p:cTn id="98" presetID="10" presetClass="entr" presetSubtype="0" fill="hold" grpId="0" nodeType="clickEffect">
+                                  <p:stCondLst>
+                                    <p:cond delay="0"/>
+                                  </p:stCondLst>
+                                  <p:childTnLst>
+                                    <p:set>
+                                      <p:cBhvr>
+                                        <p:cTn id="99" dur="1" fill="hold">
+                                          <p:stCondLst>
+                                            <p:cond delay="0"/>
+                                          </p:stCondLst>
+                                        </p:cTn>
+                                        <p:tgtEl>
+                                          <p:spTgt spid="61"/>
+                                        </p:tgtEl>
+                                        <p:attrNameLst>
+                                          <p:attrName>style.visibility</p:attrName>
+                                        </p:attrNameLst>
+                                      </p:cBhvr>
+                                      <p:to>
+                                        <p:strVal val="visible"/>
+                                      </p:to>
+                                    </p:set>
+                                    <p:animEffect transition="in" filter="fade">
+                                      <p:cBhvr>
+                                        <p:cTn id="100" dur="500"/>
+                                        <p:tgtEl>
+                                          <p:spTgt spid="61"/>
+                                        </p:tgtEl>
+                                      </p:cBhvr>
+                                    </p:animEffect>
+                                  </p:childTnLst>
+                                </p:cTn>
+                              </p:par>
+                            </p:childTnLst>
+                          </p:cTn>
+                        </p:par>
+                      </p:childTnLst>
+                    </p:cTn>
+                  </p:par>
+                  <p:par>
+                    <p:cTn id="101" fill="hold">
+                      <p:stCondLst>
+                        <p:cond delay="indefinite"/>
+                      </p:stCondLst>
+                      <p:childTnLst>
+                        <p:par>
+                          <p:cTn id="102" fill="hold">
+                            <p:stCondLst>
+                              <p:cond delay="0"/>
+                            </p:stCondLst>
+                            <p:childTnLst>
+                              <p:par>
+                                <p:cTn id="103" presetID="10" presetClass="entr" presetSubtype="0" fill="hold" nodeType="clickEffect">
+                                  <p:stCondLst>
+                                    <p:cond delay="0"/>
+                                  </p:stCondLst>
+                                  <p:childTnLst>
+                                    <p:set>
+                                      <p:cBhvr>
+                                        <p:cTn id="104" dur="1" fill="hold">
+                                          <p:stCondLst>
+                                            <p:cond delay="0"/>
+                                          </p:stCondLst>
+                                        </p:cTn>
+                                        <p:tgtEl>
+                                          <p:spTgt spid="62"/>
+                                        </p:tgtEl>
+                                        <p:attrNameLst>
+                                          <p:attrName>style.visibility</p:attrName>
+                                        </p:attrNameLst>
+                                      </p:cBhvr>
+                                      <p:to>
+                                        <p:strVal val="visible"/>
+                                      </p:to>
+                                    </p:set>
+                                    <p:animEffect transition="in" filter="fade">
+                                      <p:cBhvr>
+                                        <p:cTn id="105" dur="500"/>
+                                        <p:tgtEl>
+                                          <p:spTgt spid="62"/>
+                                        </p:tgtEl>
+                                      </p:cBhvr>
+                                    </p:animEffect>
+                                  </p:childTnLst>
+                                </p:cTn>
+                              </p:par>
+                              <p:par>
+                                <p:cTn id="106" presetID="10" presetClass="entr" presetSubtype="0" fill="hold" nodeType="withEffect">
+                                  <p:stCondLst>
+                                    <p:cond delay="0"/>
+                                  </p:stCondLst>
+                                  <p:childTnLst>
+                                    <p:set>
+                                      <p:cBhvr>
+                                        <p:cTn id="107" dur="1" fill="hold">
+                                          <p:stCondLst>
+                                            <p:cond delay="0"/>
+                                          </p:stCondLst>
+                                        </p:cTn>
+                                        <p:tgtEl>
+                                          <p:spTgt spid="63"/>
+                                        </p:tgtEl>
+                                        <p:attrNameLst>
+                                          <p:attrName>style.visibility</p:attrName>
+                                        </p:attrNameLst>
+                                      </p:cBhvr>
+                                      <p:to>
+                                        <p:strVal val="visible"/>
+                                      </p:to>
+                                    </p:set>
+                                    <p:animEffect transition="in" filter="fade">
+                                      <p:cBhvr>
+                                        <p:cTn id="108" dur="500"/>
+                                        <p:tgtEl>
+                                          <p:spTgt spid="63"/>
+                                        </p:tgtEl>
+                                      </p:cBhvr>
+                                    </p:animEffect>
+                                  </p:childTnLst>
+                                </p:cTn>
+                              </p:par>
+                              <p:par>
+                                <p:cTn id="109" presetID="10" presetClass="entr" presetSubtype="0" fill="hold" grpId="0" nodeType="withEffect">
+                                  <p:stCondLst>
+                                    <p:cond delay="0"/>
+                                  </p:stCondLst>
+                                  <p:childTnLst>
+                                    <p:set>
+                                      <p:cBhvr>
+                                        <p:cTn id="110" dur="1" fill="hold">
+                                          <p:stCondLst>
+                                            <p:cond delay="0"/>
+                                          </p:stCondLst>
+                                        </p:cTn>
+                                        <p:tgtEl>
+                                          <p:spTgt spid="64"/>
+                                        </p:tgtEl>
+                                        <p:attrNameLst>
+                                          <p:attrName>style.visibility</p:attrName>
+                                        </p:attrNameLst>
+                                      </p:cBhvr>
+                                      <p:to>
+                                        <p:strVal val="visible"/>
+                                      </p:to>
+                                    </p:set>
+                                    <p:animEffect transition="in" filter="fade">
+                                      <p:cBhvr>
+                                        <p:cTn id="111" dur="500"/>
+                                        <p:tgtEl>
+                                          <p:spTgt spid="64"/>
+                                        </p:tgtEl>
+                                      </p:cBhvr>
+                                    </p:animEffect>
+                                  </p:childTnLst>
+                                </p:cTn>
+                              </p:par>
+                            </p:childTnLst>
+                          </p:cTn>
+                        </p:par>
+                      </p:childTnLst>
+                    </p:cTn>
+                  </p:par>
+                  <p:par>
+                    <p:cTn id="112" fill="hold">
+                      <p:stCondLst>
+                        <p:cond delay="indefinite"/>
+                      </p:stCondLst>
+                      <p:childTnLst>
+                        <p:par>
+                          <p:cTn id="113" fill="hold">
+                            <p:stCondLst>
+                              <p:cond delay="0"/>
+                            </p:stCondLst>
+                            <p:childTnLst>
+                              <p:par>
+                                <p:cTn id="114" presetID="10" presetClass="entr" presetSubtype="0" fill="hold" grpId="0" nodeType="clickEffect">
+                                  <p:stCondLst>
+                                    <p:cond delay="0"/>
+                                  </p:stCondLst>
+                                  <p:childTnLst>
+                                    <p:set>
+                                      <p:cBhvr>
+                                        <p:cTn id="115" dur="1" fill="hold">
+                                          <p:stCondLst>
+                                            <p:cond delay="0"/>
+                                          </p:stCondLst>
+                                        </p:cTn>
+                                        <p:tgtEl>
+                                          <p:spTgt spid="65"/>
+                                        </p:tgtEl>
+                                        <p:attrNameLst>
+                                          <p:attrName>style.visibility</p:attrName>
+                                        </p:attrNameLst>
+                                      </p:cBhvr>
+                                      <p:to>
+                                        <p:strVal val="visible"/>
+                                      </p:to>
+                                    </p:set>
+                                    <p:animEffect transition="in" filter="fade">
+                                      <p:cBhvr>
+                                        <p:cTn id="116" dur="500"/>
+                                        <p:tgtEl>
+                                          <p:spTgt spid="65"/>
+                                        </p:tgtEl>
+                                      </p:cBhvr>
+                                    </p:animEffect>
+                                  </p:childTnLst>
+                                </p:cTn>
+                              </p:par>
+                            </p:childTnLst>
+                          </p:cTn>
+                        </p:par>
+                      </p:childTnLst>
+                    </p:cTn>
+                  </p:par>
+                  <p:par>
+                    <p:cTn id="117" fill="hold">
+                      <p:stCondLst>
+                        <p:cond delay="indefinite"/>
+                      </p:stCondLst>
+                      <p:childTnLst>
+                        <p:par>
+                          <p:cTn id="118" fill="hold">
+                            <p:stCondLst>
+                              <p:cond delay="0"/>
+                            </p:stCondLst>
+                            <p:childTnLst>
+                              <p:par>
+                                <p:cTn id="119" presetID="10" presetClass="entr" presetSubtype="0" fill="hold" nodeType="clickEffect">
+                                  <p:stCondLst>
+                                    <p:cond delay="0"/>
+                                  </p:stCondLst>
+                                  <p:childTnLst>
+                                    <p:set>
+                                      <p:cBhvr>
+                                        <p:cTn id="120" dur="1" fill="hold">
+                                          <p:stCondLst>
+                                            <p:cond delay="0"/>
+                                          </p:stCondLst>
+                                        </p:cTn>
+                                        <p:tgtEl>
+                                          <p:spTgt spid="66"/>
+                                        </p:tgtEl>
+                                        <p:attrNameLst>
+                                          <p:attrName>style.visibility</p:attrName>
+                                        </p:attrNameLst>
+                                      </p:cBhvr>
+                                      <p:to>
+                                        <p:strVal val="visible"/>
+                                      </p:to>
+                                    </p:set>
+                                    <p:animEffect transition="in" filter="fade">
+                                      <p:cBhvr>
+                                        <p:cTn id="121" dur="500"/>
+                                        <p:tgtEl>
+                                          <p:spTgt spid="66"/>
+                                        </p:tgtEl>
+                                      </p:cBhvr>
+                                    </p:animEffect>
+                                  </p:childTnLst>
+                                </p:cTn>
+                              </p:par>
+                              <p:par>
+                                <p:cTn id="122" presetID="10" presetClass="entr" presetSubtype="0" fill="hold" nodeType="withEffect">
+                                  <p:stCondLst>
+                                    <p:cond delay="0"/>
+                                  </p:stCondLst>
+                                  <p:childTnLst>
+                                    <p:set>
+                                      <p:cBhvr>
+                                        <p:cTn id="123" dur="1" fill="hold">
+                                          <p:stCondLst>
+                                            <p:cond delay="0"/>
+                                          </p:stCondLst>
+                                        </p:cTn>
+                                        <p:tgtEl>
+                                          <p:spTgt spid="67"/>
+                                        </p:tgtEl>
+                                        <p:attrNameLst>
+                                          <p:attrName>style.visibility</p:attrName>
+                                        </p:attrNameLst>
+                                      </p:cBhvr>
+                                      <p:to>
+                                        <p:strVal val="visible"/>
+                                      </p:to>
+                                    </p:set>
+                                    <p:animEffect transition="in" filter="fade">
+                                      <p:cBhvr>
+                                        <p:cTn id="124" dur="500"/>
+                                        <p:tgtEl>
+                                          <p:spTgt spid="67"/>
+                                        </p:tgtEl>
+                                      </p:cBhvr>
+                                    </p:animEffect>
+                                  </p:childTnLst>
+                                </p:cTn>
+                              </p:par>
+                              <p:par>
+                                <p:cTn id="125" presetID="10" presetClass="entr" presetSubtype="0" fill="hold" nodeType="withEffect">
+                                  <p:stCondLst>
+                                    <p:cond delay="0"/>
+                                  </p:stCondLst>
+                                  <p:childTnLst>
+                                    <p:set>
+                                      <p:cBhvr>
+                                        <p:cTn id="126" dur="1" fill="hold">
+                                          <p:stCondLst>
+                                            <p:cond delay="0"/>
+                                          </p:stCondLst>
+                                        </p:cTn>
+                                        <p:tgtEl>
+                                          <p:spTgt spid="69"/>
+                                        </p:tgtEl>
+                                        <p:attrNameLst>
+                                          <p:attrName>style.visibility</p:attrName>
+                                        </p:attrNameLst>
+                                      </p:cBhvr>
+                                      <p:to>
+                                        <p:strVal val="visible"/>
+                                      </p:to>
+                                    </p:set>
+                                    <p:animEffect transition="in" filter="fade">
+                                      <p:cBhvr>
+                                        <p:cTn id="127" dur="500"/>
+                                        <p:tgtEl>
+                                          <p:spTgt spid="69"/>
+                                        </p:tgtEl>
+                                      </p:cBhvr>
+                                    </p:animEffect>
+                                  </p:childTnLst>
+                                </p:cTn>
+                              </p:par>
+                              <p:par>
+                                <p:cTn id="128" presetID="10" presetClass="entr" presetSubtype="0" fill="hold" nodeType="withEffect">
+                                  <p:stCondLst>
+                                    <p:cond delay="0"/>
+                                  </p:stCondLst>
+                                  <p:childTnLst>
+                                    <p:set>
+                                      <p:cBhvr>
+                                        <p:cTn id="129" dur="1" fill="hold">
+                                          <p:stCondLst>
+                                            <p:cond delay="0"/>
+                                          </p:stCondLst>
+                                        </p:cTn>
+                                        <p:tgtEl>
+                                          <p:spTgt spid="68"/>
+                                        </p:tgtEl>
+                                        <p:attrNameLst>
+                                          <p:attrName>style.visibility</p:attrName>
+                                        </p:attrNameLst>
+                                      </p:cBhvr>
+                                      <p:to>
+                                        <p:strVal val="visible"/>
+                                      </p:to>
+                                    </p:set>
+                                    <p:animEffect transition="in" filter="fade">
+                                      <p:cBhvr>
+                                        <p:cTn id="130" dur="500"/>
+                                        <p:tgtEl>
+                                          <p:spTgt spid="68"/>
+                                        </p:tgtEl>
+                                      </p:cBhvr>
+                                    </p:animEffect>
+                                  </p:childTnLst>
+                                </p:cTn>
+                              </p:par>
+                              <p:par>
+                                <p:cTn id="131" presetID="10" presetClass="entr" presetSubtype="0" fill="hold" grpId="0" nodeType="withEffect">
+                                  <p:stCondLst>
+                                    <p:cond delay="0"/>
+                                  </p:stCondLst>
+                                  <p:childTnLst>
+                                    <p:set>
+                                      <p:cBhvr>
+                                        <p:cTn id="132" dur="1" fill="hold">
+                                          <p:stCondLst>
+                                            <p:cond delay="0"/>
+                                          </p:stCondLst>
+                                        </p:cTn>
+                                        <p:tgtEl>
+                                          <p:spTgt spid="70"/>
+                                        </p:tgtEl>
+                                        <p:attrNameLst>
+                                          <p:attrName>style.visibility</p:attrName>
+                                        </p:attrNameLst>
+                                      </p:cBhvr>
+                                      <p:to>
+                                        <p:strVal val="visible"/>
+                                      </p:to>
+                                    </p:set>
+                                    <p:animEffect transition="in" filter="fade">
+                                      <p:cBhvr>
+                                        <p:cTn id="133" dur="500"/>
+                                        <p:tgtEl>
+                                          <p:spTgt spid="70"/>
+                                        </p:tgtEl>
+                                      </p:cBhvr>
+                                    </p:animEffect>
+                                  </p:childTnLst>
+                                </p:cTn>
+                              </p:par>
+                            </p:childTnLst>
+                          </p:cTn>
+                        </p:par>
+                      </p:childTnLst>
+                    </p:cTn>
+                  </p:par>
+                  <p:par>
+                    <p:cTn id="134" fill="hold">
+                      <p:stCondLst>
+                        <p:cond delay="indefinite"/>
+                      </p:stCondLst>
+                      <p:childTnLst>
+                        <p:par>
+                          <p:cTn id="135" fill="hold">
+                            <p:stCondLst>
+                              <p:cond delay="0"/>
+                            </p:stCondLst>
+                            <p:childTnLst>
+                              <p:par>
+                                <p:cTn id="136" presetID="10" presetClass="entr" presetSubtype="0" fill="hold" grpId="0" nodeType="clickEffect">
+                                  <p:stCondLst>
+                                    <p:cond delay="0"/>
+                                  </p:stCondLst>
+                                  <p:childTnLst>
+                                    <p:set>
+                                      <p:cBhvr>
+                                        <p:cTn id="137" dur="1" fill="hold">
+                                          <p:stCondLst>
+                                            <p:cond delay="0"/>
+                                          </p:stCondLst>
+                                        </p:cTn>
+                                        <p:tgtEl>
+                                          <p:spTgt spid="73"/>
+                                        </p:tgtEl>
+                                        <p:attrNameLst>
+                                          <p:attrName>style.visibility</p:attrName>
+                                        </p:attrNameLst>
+                                      </p:cBhvr>
+                                      <p:to>
+                                        <p:strVal val="visible"/>
+                                      </p:to>
+                                    </p:set>
+                                    <p:animEffect transition="in" filter="fade">
+                                      <p:cBhvr>
+                                        <p:cTn id="138" dur="500"/>
+                                        <p:tgtEl>
+                                          <p:spTgt spid="73"/>
                                         </p:tgtEl>
                                       </p:cBhvr>
                                     </p:animEffect>
@@ -13253,6 +13933,16 @@
         </p:cTn>
       </p:par>
     </p:tnLst>
+    <p:bldLst>
+      <p:bldP spid="18" grpId="0"/>
+      <p:bldP spid="53" grpId="0"/>
+      <p:bldP spid="60" grpId="0"/>
+      <p:bldP spid="61" grpId="0"/>
+      <p:bldP spid="64" grpId="0"/>
+      <p:bldP spid="65" grpId="0"/>
+      <p:bldP spid="70" grpId="0"/>
+      <p:bldP spid="73" grpId="0"/>
+    </p:bldLst>
   </p:timing>
 </p:sld>
 </file>
@@ -13656,14 +14346,7 @@
                 <a:latin typeface="Times New Roman" panose="02020603050405020304" pitchFamily="18" charset="0"/>
                 <a:cs typeface="Times New Roman" panose="02020603050405020304" pitchFamily="18" charset="0"/>
               </a:rPr>
-              <a:t>Optimum number of modules</a:t>
-            </a:r>
-            <a:r>
-              <a:rPr lang="en-US" sz="2000" dirty="0" smtClean="0">
-                <a:latin typeface="Times New Roman" panose="02020603050405020304" pitchFamily="18" charset="0"/>
-                <a:cs typeface="Times New Roman" panose="02020603050405020304" pitchFamily="18" charset="0"/>
-              </a:rPr>
-              <a:t> </a:t>
+              <a:t>Optimum number of modules </a:t>
             </a:r>
           </a:p>
           <a:p>

--- a/ISIE 2017/sunum/ISIE2017_OralPres_Mesut_Uğur.pptx
+++ b/ISIE 2017/sunum/ISIE2017_OralPres_Mesut_Uğur.pptx
@@ -12138,26 +12138,8 @@
                 <a:latin typeface="Times New Roman" panose="02020603050405020304" pitchFamily="18" charset="0"/>
                 <a:cs typeface="Times New Roman" panose="02020603050405020304" pitchFamily="18" charset="0"/>
               </a:rPr>
-              <a:t>1s</a:t>
-            </a:r>
-            <a:r>
-              <a:rPr lang="tr-TR" sz="2000" dirty="0" smtClean="0">
-                <a:latin typeface="Times New Roman" panose="02020603050405020304" pitchFamily="18" charset="0"/>
-                <a:cs typeface="Times New Roman" panose="02020603050405020304" pitchFamily="18" charset="0"/>
-              </a:rPr>
-              <a:t>, </a:t>
-            </a:r>
-            <a:r>
-              <a:rPr lang="tr-TR" sz="2000" dirty="0" smtClean="0">
-                <a:latin typeface="Times New Roman" panose="02020603050405020304" pitchFamily="18" charset="0"/>
-                <a:cs typeface="Times New Roman" panose="02020603050405020304" pitchFamily="18" charset="0"/>
-              </a:rPr>
-              <a:t>4p</a:t>
-            </a:r>
-            <a:endParaRPr lang="tr-TR" sz="2000" dirty="0" smtClean="0">
-              <a:latin typeface="Times New Roman" panose="02020603050405020304" pitchFamily="18" charset="0"/>
-              <a:cs typeface="Times New Roman" panose="02020603050405020304" pitchFamily="18" charset="0"/>
-            </a:endParaRPr>
+              <a:t>1s, 4p</a:t>
+            </a:r>
           </a:p>
         </p:txBody>
       </p:sp>
@@ -19809,6 +19791,32 @@
 <file path=ppt/slides/slide5.xml><?xml version="1.0" encoding="utf-8"?>
 <p:sld xmlns:a="http://schemas.openxmlformats.org/drawingml/2006/main" xmlns:r="http://schemas.openxmlformats.org/officeDocument/2006/relationships" xmlns:p="http://schemas.openxmlformats.org/presentationml/2006/main">
   <p:cSld>
+    <p:bg>
+      <p:bgPr>
+        <a:gradFill flip="none" rotWithShape="1">
+          <a:gsLst>
+            <a:gs pos="11000">
+              <a:schemeClr val="bg1">
+                <a:alpha val="34000"/>
+              </a:schemeClr>
+            </a:gs>
+            <a:gs pos="0">
+              <a:schemeClr val="bg1">
+                <a:lumMod val="95000"/>
+              </a:schemeClr>
+            </a:gs>
+            <a:gs pos="100000">
+              <a:schemeClr val="bg1">
+                <a:lumMod val="95000"/>
+              </a:schemeClr>
+            </a:gs>
+          </a:gsLst>
+          <a:lin ang="5400000" scaled="1"/>
+          <a:tileRect/>
+        </a:gradFill>
+        <a:effectLst/>
+      </p:bgPr>
+    </p:bg>
     <p:spTree>
       <p:nvGrpSpPr>
         <p:cNvPr id="1" name=""/>
@@ -20138,6 +20146,7 @@
           <a:prstGeom prst="rect">
             <a:avLst/>
           </a:prstGeom>
+          <a:noFill/>
         </p:spPr>
       </p:pic>
       <p:pic>

--- a/ISIE 2017/sunum/ISIE2017_OralPres_Mesut_Uğur.pptx
+++ b/ISIE 2017/sunum/ISIE2017_OralPres_Mesut_Uğur.pptx
@@ -5,7 +5,7 @@
     <p:sldMasterId id="2147483804" r:id="rId1"/>
   </p:sldMasterIdLst>
   <p:notesMasterIdLst>
-    <p:notesMasterId r:id="rId18"/>
+    <p:notesMasterId r:id="rId19"/>
   </p:notesMasterIdLst>
   <p:sldIdLst>
     <p:sldId id="290" r:id="rId2"/>
@@ -22,8 +22,9 @@
     <p:sldId id="509" r:id="rId13"/>
     <p:sldId id="522" r:id="rId14"/>
     <p:sldId id="518" r:id="rId15"/>
-    <p:sldId id="513" r:id="rId16"/>
-    <p:sldId id="493" r:id="rId17"/>
+    <p:sldId id="523" r:id="rId16"/>
+    <p:sldId id="513" r:id="rId17"/>
+    <p:sldId id="493" r:id="rId18"/>
   </p:sldIdLst>
   <p:sldSz cx="9144000" cy="6858000" type="screen4x3"/>
   <p:notesSz cx="6858000" cy="9144000"/>
@@ -223,7 +224,7 @@
           <a:p>
             <a:fld id="{D1C008C1-D970-43BD-9678-58985B84B3B0}" type="datetimeFigureOut">
               <a:rPr lang="tr-TR" smtClean="0"/>
-              <a:t>10.06.2017</a:t>
+              <a:t>14.06.2017</a:t>
             </a:fld>
             <a:endParaRPr lang="tr-TR"/>
           </a:p>
@@ -840,7 +841,7 @@
           <a:p>
             <a:fld id="{D275723C-A363-4114-BE18-3E9589C2B9C2}" type="datetime1">
               <a:rPr lang="en-US" smtClean="0"/>
-              <a:t>6/10/2017</a:t>
+              <a:t>6/14/2017</a:t>
             </a:fld>
             <a:endParaRPr lang="en-US" dirty="0"/>
           </a:p>
@@ -1011,7 +1012,7 @@
           <a:p>
             <a:fld id="{C5592633-93A2-4DB7-B3D8-5F6714E7EFEC}" type="datetime1">
               <a:rPr lang="en-US" smtClean="0"/>
-              <a:t>6/10/2017</a:t>
+              <a:t>6/14/2017</a:t>
             </a:fld>
             <a:endParaRPr lang="en-US" dirty="0"/>
           </a:p>
@@ -1192,7 +1193,7 @@
           <a:p>
             <a:fld id="{6F760D8D-AE05-4AF5-8666-75C48EA7B609}" type="datetime1">
               <a:rPr lang="en-US" smtClean="0"/>
-              <a:t>6/10/2017</a:t>
+              <a:t>6/14/2017</a:t>
             </a:fld>
             <a:endParaRPr lang="en-US" dirty="0"/>
           </a:p>
@@ -1363,7 +1364,7 @@
           <a:p>
             <a:fld id="{6D87B8C0-62AE-47C8-A8EF-FC863B0F06E5}" type="datetime1">
               <a:rPr lang="en-US" smtClean="0"/>
-              <a:t>6/10/2017</a:t>
+              <a:t>6/14/2017</a:t>
             </a:fld>
             <a:endParaRPr lang="en-US" dirty="0"/>
           </a:p>
@@ -1610,7 +1611,7 @@
           <a:p>
             <a:fld id="{A76C8472-C309-40FA-8240-FF6234B7F0D0}" type="datetime1">
               <a:rPr lang="en-US" smtClean="0"/>
-              <a:t>6/10/2017</a:t>
+              <a:t>6/14/2017</a:t>
             </a:fld>
             <a:endParaRPr lang="en-US" dirty="0"/>
           </a:p>
@@ -1899,7 +1900,7 @@
           <a:p>
             <a:fld id="{33196F6B-6F2E-418E-A1A6-2F06576F6EF7}" type="datetime1">
               <a:rPr lang="en-US" smtClean="0"/>
-              <a:t>6/10/2017</a:t>
+              <a:t>6/14/2017</a:t>
             </a:fld>
             <a:endParaRPr lang="en-US" dirty="0"/>
           </a:p>
@@ -2322,7 +2323,7 @@
           <a:p>
             <a:fld id="{D09CD6EC-2E00-46F1-9BD2-E1865A200410}" type="datetime1">
               <a:rPr lang="en-US" smtClean="0"/>
-              <a:t>6/10/2017</a:t>
+              <a:t>6/14/2017</a:t>
             </a:fld>
             <a:endParaRPr lang="en-US" dirty="0"/>
           </a:p>
@@ -2441,7 +2442,7 @@
           <a:p>
             <a:fld id="{C40B9E5A-6330-4749-ACDB-FB892FCFE6A5}" type="datetime1">
               <a:rPr lang="en-US" smtClean="0"/>
-              <a:t>6/10/2017</a:t>
+              <a:t>6/14/2017</a:t>
             </a:fld>
             <a:endParaRPr lang="en-US" dirty="0"/>
           </a:p>
@@ -2537,7 +2538,7 @@
           <a:p>
             <a:fld id="{1C181CB3-A768-4AD8-A97F-12E47CC1200D}" type="datetime1">
               <a:rPr lang="en-US" smtClean="0"/>
-              <a:t>6/10/2017</a:t>
+              <a:t>6/14/2017</a:t>
             </a:fld>
             <a:endParaRPr lang="en-US" dirty="0"/>
           </a:p>
@@ -2815,7 +2816,7 @@
           <a:p>
             <a:fld id="{AF3D8106-484C-46C6-8BE9-348BFA7F2DCB}" type="datetime1">
               <a:rPr lang="en-US" smtClean="0"/>
-              <a:t>6/10/2017</a:t>
+              <a:t>6/14/2017</a:t>
             </a:fld>
             <a:endParaRPr lang="en-US" dirty="0"/>
           </a:p>
@@ -3069,7 +3070,7 @@
           <a:p>
             <a:fld id="{F2A57B0D-110E-4AAD-9411-DA6CB39E8776}" type="datetime1">
               <a:rPr lang="en-US" smtClean="0"/>
-              <a:t>6/10/2017</a:t>
+              <a:t>6/14/2017</a:t>
             </a:fld>
             <a:endParaRPr lang="en-US" dirty="0"/>
           </a:p>
@@ -3302,7 +3303,7 @@
           <a:p>
             <a:fld id="{FB4B5B0E-55D6-4DAA-879D-58BBFFC7379B}" type="datetime1">
               <a:rPr lang="en-US" smtClean="0"/>
-              <a:t>6/10/2017</a:t>
+              <a:t>6/14/2017</a:t>
             </a:fld>
             <a:endParaRPr lang="en-US" dirty="0"/>
           </a:p>
@@ -3941,8 +3942,12 @@
                 <a:latin typeface="Times New Roman" panose="02020603050405020304" pitchFamily="18" charset="0"/>
                 <a:cs typeface="Times New Roman" panose="02020603050405020304" pitchFamily="18" charset="0"/>
               </a:rPr>
-              <a:t>20/06/2017</a:t>
-            </a:r>
+              <a:t>21.06.2017</a:t>
+            </a:r>
+            <a:endParaRPr lang="tr-TR" sz="2400" dirty="0" smtClean="0">
+              <a:latin typeface="Times New Roman" panose="02020603050405020304" pitchFamily="18" charset="0"/>
+              <a:cs typeface="Times New Roman" panose="02020603050405020304" pitchFamily="18" charset="0"/>
+            </a:endParaRPr>
           </a:p>
         </p:txBody>
       </p:sp>
@@ -14141,260 +14146,6 @@
           </a:p>
         </p:txBody>
       </p:sp>
-      <p:sp>
-        <p:nvSpPr>
-          <p:cNvPr id="12" name="Text Box 9"/>
-          <p:cNvSpPr txBox="1">
-            <a:spLocks noChangeArrowheads="1"/>
-          </p:cNvSpPr>
-          <p:nvPr/>
-        </p:nvSpPr>
-        <p:spPr bwMode="auto">
-          <a:xfrm>
-            <a:off x="1166472" y="990600"/>
-            <a:ext cx="7954082" cy="5632311"/>
-          </a:xfrm>
-          <a:prstGeom prst="rect">
-            <a:avLst/>
-          </a:prstGeom>
-          <a:noFill/>
-          <a:ln w="9525">
-            <a:noFill/>
-            <a:miter lim="800000"/>
-            <a:headEnd/>
-            <a:tailEnd/>
-          </a:ln>
-          <a:effectLst/>
-        </p:spPr>
-        <p:txBody>
-          <a:bodyPr wrap="square">
-            <a:spAutoFit/>
-          </a:bodyPr>
-          <a:lstStyle/>
-          <a:p>
-            <a:pPr marL="342900" indent="-342900" algn="l">
-              <a:buFont typeface="Wingdings" panose="05000000000000000000" pitchFamily="2" charset="2"/>
-              <a:buChar char="q"/>
-            </a:pPr>
-            <a:r>
-              <a:rPr lang="en-US" sz="2000" dirty="0" smtClean="0">
-                <a:latin typeface="Times New Roman" panose="02020603050405020304" pitchFamily="18" charset="0"/>
-                <a:cs typeface="Times New Roman" panose="02020603050405020304" pitchFamily="18" charset="0"/>
-              </a:rPr>
-              <a:t>Integrated modular motor drives</a:t>
-            </a:r>
-          </a:p>
-          <a:p>
-            <a:pPr marL="800100" lvl="1" indent="-342900">
-              <a:buFont typeface="Wingdings" panose="05000000000000000000" pitchFamily="2" charset="2"/>
-              <a:buChar char="ü"/>
-            </a:pPr>
-            <a:r>
-              <a:rPr lang="en-US" sz="2000" dirty="0" smtClean="0">
-                <a:latin typeface="Times New Roman" panose="02020603050405020304" pitchFamily="18" charset="0"/>
-                <a:cs typeface="Times New Roman" panose="02020603050405020304" pitchFamily="18" charset="0"/>
-              </a:rPr>
-              <a:t>Advantages and challenges</a:t>
-            </a:r>
-          </a:p>
-          <a:p>
-            <a:pPr marL="800100" lvl="1" indent="-342900">
-              <a:buFont typeface="Wingdings" panose="05000000000000000000" pitchFamily="2" charset="2"/>
-              <a:buChar char="ü"/>
-            </a:pPr>
-            <a:endParaRPr lang="en-US" sz="2000" dirty="0" smtClean="0">
-              <a:latin typeface="Times New Roman" panose="02020603050405020304" pitchFamily="18" charset="0"/>
-              <a:cs typeface="Times New Roman" panose="02020603050405020304" pitchFamily="18" charset="0"/>
-            </a:endParaRPr>
-          </a:p>
-          <a:p>
-            <a:pPr marL="342900" indent="-342900">
-              <a:buFont typeface="Wingdings" panose="05000000000000000000" pitchFamily="2" charset="2"/>
-              <a:buChar char="q"/>
-            </a:pPr>
-            <a:r>
-              <a:rPr lang="en-US" sz="2000" dirty="0" smtClean="0">
-                <a:latin typeface="Times New Roman" panose="02020603050405020304" pitchFamily="18" charset="0"/>
-                <a:cs typeface="Times New Roman" panose="02020603050405020304" pitchFamily="18" charset="0"/>
-              </a:rPr>
-              <a:t>Volume reduction challenge</a:t>
-            </a:r>
-          </a:p>
-          <a:p>
-            <a:pPr marL="800100" lvl="1" indent="-342900">
-              <a:buFont typeface="Wingdings" panose="05000000000000000000" pitchFamily="2" charset="2"/>
-              <a:buChar char="ü"/>
-            </a:pPr>
-            <a:r>
-              <a:rPr lang="en-US" sz="2000" dirty="0" smtClean="0">
-                <a:latin typeface="Times New Roman" panose="02020603050405020304" pitchFamily="18" charset="0"/>
-                <a:cs typeface="Times New Roman" panose="02020603050405020304" pitchFamily="18" charset="0"/>
-              </a:rPr>
-              <a:t>DC link capacitor size optimization</a:t>
-            </a:r>
-          </a:p>
-          <a:p>
-            <a:pPr marL="800100" lvl="1" indent="-342900">
-              <a:buFont typeface="Wingdings" panose="05000000000000000000" pitchFamily="2" charset="2"/>
-              <a:buChar char="ü"/>
-            </a:pPr>
-            <a:endParaRPr lang="en-US" sz="2000" dirty="0" smtClean="0">
-              <a:latin typeface="Times New Roman" panose="02020603050405020304" pitchFamily="18" charset="0"/>
-              <a:cs typeface="Times New Roman" panose="02020603050405020304" pitchFamily="18" charset="0"/>
-            </a:endParaRPr>
-          </a:p>
-          <a:p>
-            <a:pPr marL="342900" indent="-342900">
-              <a:buFont typeface="Wingdings" panose="05000000000000000000" pitchFamily="2" charset="2"/>
-              <a:buChar char="q"/>
-            </a:pPr>
-            <a:r>
-              <a:rPr lang="en-US" sz="2000" dirty="0" smtClean="0">
-                <a:latin typeface="Times New Roman" panose="02020603050405020304" pitchFamily="18" charset="0"/>
-                <a:cs typeface="Times New Roman" panose="02020603050405020304" pitchFamily="18" charset="0"/>
-              </a:rPr>
-              <a:t>DC Link model of an IMMD</a:t>
-            </a:r>
-          </a:p>
-          <a:p>
-            <a:pPr marL="800100" lvl="1" indent="-342900">
-              <a:buFont typeface="Wingdings" panose="05000000000000000000" pitchFamily="2" charset="2"/>
-              <a:buChar char="ü"/>
-            </a:pPr>
-            <a:r>
-              <a:rPr lang="en-US" sz="2000" dirty="0" smtClean="0">
-                <a:latin typeface="Times New Roman" panose="02020603050405020304" pitchFamily="18" charset="0"/>
-                <a:cs typeface="Times New Roman" panose="02020603050405020304" pitchFamily="18" charset="0"/>
-              </a:rPr>
-              <a:t>Critical parameters</a:t>
-            </a:r>
-          </a:p>
-          <a:p>
-            <a:pPr marL="800100" lvl="1" indent="-342900">
-              <a:buFont typeface="Wingdings" panose="05000000000000000000" pitchFamily="2" charset="2"/>
-              <a:buChar char="ü"/>
-            </a:pPr>
-            <a:r>
-              <a:rPr lang="en-US" sz="2000" dirty="0" smtClean="0">
-                <a:latin typeface="Times New Roman" panose="02020603050405020304" pitchFamily="18" charset="0"/>
-                <a:cs typeface="Times New Roman" panose="02020603050405020304" pitchFamily="18" charset="0"/>
-              </a:rPr>
-              <a:t>Analytical model</a:t>
-            </a:r>
-          </a:p>
-          <a:p>
-            <a:pPr marL="800100" lvl="1" indent="-342900">
-              <a:buFont typeface="Wingdings" panose="05000000000000000000" pitchFamily="2" charset="2"/>
-              <a:buChar char="ü"/>
-            </a:pPr>
-            <a:endParaRPr lang="en-US" sz="2000" dirty="0" smtClean="0">
-              <a:latin typeface="Times New Roman" panose="02020603050405020304" pitchFamily="18" charset="0"/>
-              <a:cs typeface="Times New Roman" panose="02020603050405020304" pitchFamily="18" charset="0"/>
-            </a:endParaRPr>
-          </a:p>
-          <a:p>
-            <a:pPr marL="342900" indent="-342900">
-              <a:buFont typeface="Wingdings" panose="05000000000000000000" pitchFamily="2" charset="2"/>
-              <a:buChar char="q"/>
-            </a:pPr>
-            <a:r>
-              <a:rPr lang="en-US" sz="2000" dirty="0" smtClean="0">
-                <a:latin typeface="Times New Roman" panose="02020603050405020304" pitchFamily="18" charset="0"/>
-                <a:cs typeface="Times New Roman" panose="02020603050405020304" pitchFamily="18" charset="0"/>
-              </a:rPr>
-              <a:t>Interleaving</a:t>
-            </a:r>
-          </a:p>
-          <a:p>
-            <a:pPr marL="800100" lvl="1" indent="-342900">
-              <a:buFont typeface="Wingdings" panose="05000000000000000000" pitchFamily="2" charset="2"/>
-              <a:buChar char="ü"/>
-            </a:pPr>
-            <a:r>
-              <a:rPr lang="en-US" sz="2000" dirty="0" smtClean="0">
-                <a:latin typeface="Times New Roman" panose="02020603050405020304" pitchFamily="18" charset="0"/>
-                <a:cs typeface="Times New Roman" panose="02020603050405020304" pitchFamily="18" charset="0"/>
-              </a:rPr>
-              <a:t>Optimum phase shift angle</a:t>
-            </a:r>
-          </a:p>
-          <a:p>
-            <a:pPr marL="800100" lvl="1" indent="-342900">
-              <a:buFont typeface="Wingdings" panose="05000000000000000000" pitchFamily="2" charset="2"/>
-              <a:buChar char="ü"/>
-            </a:pPr>
-            <a:r>
-              <a:rPr lang="en-US" sz="2000" dirty="0" smtClean="0">
-                <a:latin typeface="Times New Roman" panose="02020603050405020304" pitchFamily="18" charset="0"/>
-                <a:cs typeface="Times New Roman" panose="02020603050405020304" pitchFamily="18" charset="0"/>
-              </a:rPr>
-              <a:t>Optimum number of modules </a:t>
-            </a:r>
-          </a:p>
-          <a:p>
-            <a:pPr marL="800100" lvl="1" indent="-342900">
-              <a:buFont typeface="Wingdings" panose="05000000000000000000" pitchFamily="2" charset="2"/>
-              <a:buChar char="ü"/>
-            </a:pPr>
-            <a:endParaRPr lang="en-US" sz="2000" dirty="0" smtClean="0">
-              <a:latin typeface="Times New Roman" panose="02020603050405020304" pitchFamily="18" charset="0"/>
-              <a:cs typeface="Times New Roman" panose="02020603050405020304" pitchFamily="18" charset="0"/>
-            </a:endParaRPr>
-          </a:p>
-          <a:p>
-            <a:pPr marL="342900" indent="-342900">
-              <a:buFont typeface="Wingdings" panose="05000000000000000000" pitchFamily="2" charset="2"/>
-              <a:buChar char="q"/>
-            </a:pPr>
-            <a:r>
-              <a:rPr lang="en-US" sz="2000" dirty="0" smtClean="0">
-                <a:latin typeface="Times New Roman" panose="02020603050405020304" pitchFamily="18" charset="0"/>
-                <a:cs typeface="Times New Roman" panose="02020603050405020304" pitchFamily="18" charset="0"/>
-              </a:rPr>
-              <a:t>Capacitor selection algorithm</a:t>
-            </a:r>
-          </a:p>
-          <a:p>
-            <a:pPr marL="800100" lvl="1" indent="-342900">
-              <a:buFont typeface="Wingdings" panose="05000000000000000000" pitchFamily="2" charset="2"/>
-              <a:buChar char="ü"/>
-            </a:pPr>
-            <a:r>
-              <a:rPr lang="en-US" sz="2000" dirty="0" smtClean="0">
-                <a:latin typeface="Times New Roman" panose="02020603050405020304" pitchFamily="18" charset="0"/>
-                <a:cs typeface="Times New Roman" panose="02020603050405020304" pitchFamily="18" charset="0"/>
-              </a:rPr>
-              <a:t>Film capacitors =&gt; datasheet parameters</a:t>
-            </a:r>
-          </a:p>
-          <a:p>
-            <a:pPr marL="800100" lvl="1" indent="-342900">
-              <a:buFont typeface="Wingdings" panose="05000000000000000000" pitchFamily="2" charset="2"/>
-              <a:buChar char="ü"/>
-            </a:pPr>
-            <a:r>
-              <a:rPr lang="en-US" sz="2000" dirty="0" smtClean="0">
-                <a:latin typeface="Times New Roman" panose="02020603050405020304" pitchFamily="18" charset="0"/>
-                <a:cs typeface="Times New Roman" panose="02020603050405020304" pitchFamily="18" charset="0"/>
-              </a:rPr>
-              <a:t>Critical switching frequency</a:t>
-            </a:r>
-          </a:p>
-          <a:p>
-            <a:pPr marL="800100" lvl="1" indent="-342900">
-              <a:buFont typeface="Wingdings" panose="05000000000000000000" pitchFamily="2" charset="2"/>
-              <a:buChar char="ü"/>
-            </a:pPr>
-            <a:r>
-              <a:rPr lang="en-US" sz="2000" dirty="0" smtClean="0">
-                <a:latin typeface="Times New Roman" panose="02020603050405020304" pitchFamily="18" charset="0"/>
-                <a:cs typeface="Times New Roman" panose="02020603050405020304" pitchFamily="18" charset="0"/>
-              </a:rPr>
-              <a:t>Case results =&gt; optimum combination</a:t>
-            </a:r>
-          </a:p>
-        </p:txBody>
-      </p:sp>
       <p:pic>
         <p:nvPicPr>
           <p:cNvPr id="13" name="Picture 12"/>
@@ -14466,6 +14217,688 @@
           </a:extLst>
         </p:spPr>
       </p:pic>
+      <p:pic>
+        <p:nvPicPr>
+          <p:cNvPr id="16" name="Picture 15"/>
+          <p:cNvPicPr>
+            <a:picLocks noChangeAspect="1"/>
+          </p:cNvPicPr>
+          <p:nvPr/>
+        </p:nvPicPr>
+        <p:blipFill>
+          <a:blip r:embed="rId4" cstate="print">
+            <a:extLst>
+              <a:ext uri="{28A0092B-C50C-407E-A947-70E740481C1C}">
+                <a14:useLocalDpi xmlns:a14="http://schemas.microsoft.com/office/drawing/2010/main" val="0"/>
+              </a:ext>
+            </a:extLst>
+          </a:blip>
+          <a:stretch>
+            <a:fillRect/>
+          </a:stretch>
+        </p:blipFill>
+        <p:spPr>
+          <a:xfrm>
+            <a:off x="1189918" y="1143000"/>
+            <a:ext cx="2367859" cy="1914525"/>
+          </a:xfrm>
+          <a:prstGeom prst="rect">
+            <a:avLst/>
+          </a:prstGeom>
+        </p:spPr>
+      </p:pic>
+      <p:sp>
+        <p:nvSpPr>
+          <p:cNvPr id="17" name="Text Box 9"/>
+          <p:cNvSpPr txBox="1">
+            <a:spLocks noChangeArrowheads="1"/>
+          </p:cNvSpPr>
+          <p:nvPr/>
+        </p:nvSpPr>
+        <p:spPr bwMode="auto">
+          <a:xfrm>
+            <a:off x="1295400" y="3208314"/>
+            <a:ext cx="2262377" cy="461665"/>
+          </a:xfrm>
+          <a:prstGeom prst="rect">
+            <a:avLst/>
+          </a:prstGeom>
+          <a:noFill/>
+          <a:ln w="9525">
+            <a:noFill/>
+            <a:miter lim="800000"/>
+            <a:headEnd/>
+            <a:tailEnd/>
+          </a:ln>
+          <a:effectLst/>
+        </p:spPr>
+        <p:txBody>
+          <a:bodyPr wrap="square">
+            <a:spAutoFit/>
+          </a:bodyPr>
+          <a:lstStyle/>
+          <a:p>
+            <a:pPr algn="ctr">
+              <a:spcAft>
+                <a:spcPts val="400"/>
+              </a:spcAft>
+            </a:pPr>
+            <a:r>
+              <a:rPr lang="tr-TR" sz="2400" dirty="0" err="1" smtClean="0">
+                <a:latin typeface="Times New Roman" panose="02020603050405020304" pitchFamily="18" charset="0"/>
+                <a:cs typeface="Times New Roman" panose="02020603050405020304" pitchFamily="18" charset="0"/>
+              </a:rPr>
+              <a:t>Power</a:t>
+            </a:r>
+            <a:r>
+              <a:rPr lang="tr-TR" sz="2400" dirty="0" smtClean="0">
+                <a:latin typeface="Times New Roman" panose="02020603050405020304" pitchFamily="18" charset="0"/>
+                <a:cs typeface="Times New Roman" panose="02020603050405020304" pitchFamily="18" charset="0"/>
+              </a:rPr>
+              <a:t> </a:t>
+            </a:r>
+            <a:r>
+              <a:rPr lang="tr-TR" sz="2400" dirty="0" err="1" smtClean="0">
+                <a:latin typeface="Times New Roman" panose="02020603050405020304" pitchFamily="18" charset="0"/>
+                <a:cs typeface="Times New Roman" panose="02020603050405020304" pitchFamily="18" charset="0"/>
+              </a:rPr>
+              <a:t>density</a:t>
+            </a:r>
+            <a:r>
+              <a:rPr lang="tr-TR" sz="2400" dirty="0" smtClean="0">
+                <a:latin typeface="Times New Roman" panose="02020603050405020304" pitchFamily="18" charset="0"/>
+                <a:cs typeface="Times New Roman" panose="02020603050405020304" pitchFamily="18" charset="0"/>
+              </a:rPr>
+              <a:t> !</a:t>
+            </a:r>
+            <a:endParaRPr lang="tr-TR" sz="2400" dirty="0" smtClean="0">
+              <a:latin typeface="Times New Roman" panose="02020603050405020304" pitchFamily="18" charset="0"/>
+              <a:cs typeface="Times New Roman" panose="02020603050405020304" pitchFamily="18" charset="0"/>
+            </a:endParaRPr>
+          </a:p>
+        </p:txBody>
+      </p:sp>
+      <p:sp>
+        <p:nvSpPr>
+          <p:cNvPr id="18" name="Text Box 9"/>
+          <p:cNvSpPr txBox="1">
+            <a:spLocks noChangeArrowheads="1"/>
+          </p:cNvSpPr>
+          <p:nvPr/>
+        </p:nvSpPr>
+        <p:spPr bwMode="auto">
+          <a:xfrm>
+            <a:off x="3843215" y="1240619"/>
+            <a:ext cx="5300785" cy="820738"/>
+          </a:xfrm>
+          <a:prstGeom prst="rect">
+            <a:avLst/>
+          </a:prstGeom>
+          <a:noFill/>
+          <a:ln w="9525">
+            <a:noFill/>
+            <a:miter lim="800000"/>
+            <a:headEnd/>
+            <a:tailEnd/>
+          </a:ln>
+          <a:effectLst/>
+        </p:spPr>
+        <p:txBody>
+          <a:bodyPr wrap="square">
+            <a:spAutoFit/>
+          </a:bodyPr>
+          <a:lstStyle/>
+          <a:p>
+            <a:pPr algn="l">
+              <a:spcAft>
+                <a:spcPts val="400"/>
+              </a:spcAft>
+            </a:pPr>
+            <a:r>
+              <a:rPr lang="tr-TR" sz="2200" dirty="0" smtClean="0">
+                <a:latin typeface="Times New Roman" panose="02020603050405020304" pitchFamily="18" charset="0"/>
+                <a:cs typeface="Times New Roman" panose="02020603050405020304" pitchFamily="18" charset="0"/>
+              </a:rPr>
+              <a:t>Size </a:t>
+            </a:r>
+            <a:r>
+              <a:rPr lang="tr-TR" sz="2200" dirty="0" err="1" smtClean="0">
+                <a:latin typeface="Times New Roman" panose="02020603050405020304" pitchFamily="18" charset="0"/>
+                <a:cs typeface="Times New Roman" panose="02020603050405020304" pitchFamily="18" charset="0"/>
+              </a:rPr>
+              <a:t>reduction</a:t>
+            </a:r>
+            <a:r>
+              <a:rPr lang="tr-TR" sz="2200" dirty="0" smtClean="0">
+                <a:latin typeface="Times New Roman" panose="02020603050405020304" pitchFamily="18" charset="0"/>
+                <a:cs typeface="Times New Roman" panose="02020603050405020304" pitchFamily="18" charset="0"/>
+              </a:rPr>
+              <a:t> </a:t>
+            </a:r>
+            <a:r>
+              <a:rPr lang="tr-TR" sz="2200" dirty="0" err="1" smtClean="0">
+                <a:latin typeface="Times New Roman" panose="02020603050405020304" pitchFamily="18" charset="0"/>
+                <a:cs typeface="Times New Roman" panose="02020603050405020304" pitchFamily="18" charset="0"/>
+              </a:rPr>
+              <a:t>challenge</a:t>
+            </a:r>
+            <a:r>
+              <a:rPr lang="tr-TR" sz="2200" dirty="0" smtClean="0">
+                <a:latin typeface="Times New Roman" panose="02020603050405020304" pitchFamily="18" charset="0"/>
+                <a:cs typeface="Times New Roman" panose="02020603050405020304" pitchFamily="18" charset="0"/>
+              </a:rPr>
+              <a:t> </a:t>
+            </a:r>
+          </a:p>
+          <a:p>
+            <a:pPr>
+              <a:spcAft>
+                <a:spcPts val="400"/>
+              </a:spcAft>
+            </a:pPr>
+            <a:r>
+              <a:rPr lang="tr-TR" sz="2200" dirty="0" err="1">
+                <a:latin typeface="Times New Roman" panose="02020603050405020304" pitchFamily="18" charset="0"/>
+                <a:cs typeface="Times New Roman" panose="02020603050405020304" pitchFamily="18" charset="0"/>
+              </a:rPr>
+              <a:t>Passive</a:t>
+            </a:r>
+            <a:r>
+              <a:rPr lang="tr-TR" sz="2200" dirty="0">
+                <a:latin typeface="Times New Roman" panose="02020603050405020304" pitchFamily="18" charset="0"/>
+                <a:cs typeface="Times New Roman" panose="02020603050405020304" pitchFamily="18" charset="0"/>
+              </a:rPr>
+              <a:t> </a:t>
+            </a:r>
+            <a:r>
+              <a:rPr lang="tr-TR" sz="2200" dirty="0" err="1" smtClean="0">
+                <a:latin typeface="Times New Roman" panose="02020603050405020304" pitchFamily="18" charset="0"/>
+                <a:cs typeface="Times New Roman" panose="02020603050405020304" pitchFamily="18" charset="0"/>
+              </a:rPr>
+              <a:t>components</a:t>
+            </a:r>
+            <a:r>
+              <a:rPr lang="tr-TR" sz="2200" dirty="0" smtClean="0">
+                <a:latin typeface="Times New Roman" panose="02020603050405020304" pitchFamily="18" charset="0"/>
+                <a:cs typeface="Times New Roman" panose="02020603050405020304" pitchFamily="18" charset="0"/>
+              </a:rPr>
+              <a:t> </a:t>
+            </a:r>
+            <a:r>
+              <a:rPr lang="tr-TR" sz="2200" dirty="0" err="1" smtClean="0">
+                <a:latin typeface="Times New Roman" panose="02020603050405020304" pitchFamily="18" charset="0"/>
+                <a:cs typeface="Times New Roman" panose="02020603050405020304" pitchFamily="18" charset="0"/>
+              </a:rPr>
+              <a:t>and</a:t>
+            </a:r>
+            <a:r>
+              <a:rPr lang="tr-TR" sz="2200" dirty="0" smtClean="0">
+                <a:latin typeface="Times New Roman" panose="02020603050405020304" pitchFamily="18" charset="0"/>
+                <a:cs typeface="Times New Roman" panose="02020603050405020304" pitchFamily="18" charset="0"/>
+              </a:rPr>
+              <a:t> </a:t>
+            </a:r>
+            <a:r>
+              <a:rPr lang="tr-TR" sz="2200" dirty="0" err="1" smtClean="0">
+                <a:latin typeface="Times New Roman" panose="02020603050405020304" pitchFamily="18" charset="0"/>
+                <a:cs typeface="Times New Roman" panose="02020603050405020304" pitchFamily="18" charset="0"/>
+              </a:rPr>
+              <a:t>heatsink</a:t>
+            </a:r>
+            <a:endParaRPr lang="tr-TR" sz="2200" dirty="0">
+              <a:latin typeface="Times New Roman" panose="02020603050405020304" pitchFamily="18" charset="0"/>
+              <a:cs typeface="Times New Roman" panose="02020603050405020304" pitchFamily="18" charset="0"/>
+            </a:endParaRPr>
+          </a:p>
+        </p:txBody>
+      </p:sp>
+      <p:sp>
+        <p:nvSpPr>
+          <p:cNvPr id="20" name="Text Box 9"/>
+          <p:cNvSpPr txBox="1">
+            <a:spLocks noChangeArrowheads="1"/>
+          </p:cNvSpPr>
+          <p:nvPr/>
+        </p:nvSpPr>
+        <p:spPr bwMode="auto">
+          <a:xfrm>
+            <a:off x="3843215" y="2493083"/>
+            <a:ext cx="5300785" cy="820738"/>
+          </a:xfrm>
+          <a:prstGeom prst="rect">
+            <a:avLst/>
+          </a:prstGeom>
+          <a:noFill/>
+          <a:ln w="9525">
+            <a:noFill/>
+            <a:miter lim="800000"/>
+            <a:headEnd/>
+            <a:tailEnd/>
+          </a:ln>
+          <a:effectLst/>
+        </p:spPr>
+        <p:txBody>
+          <a:bodyPr wrap="square">
+            <a:spAutoFit/>
+          </a:bodyPr>
+          <a:lstStyle/>
+          <a:p>
+            <a:pPr algn="l">
+              <a:spcAft>
+                <a:spcPts val="400"/>
+              </a:spcAft>
+            </a:pPr>
+            <a:r>
+              <a:rPr lang="tr-TR" sz="2200" dirty="0" smtClean="0">
+                <a:latin typeface="Times New Roman" panose="02020603050405020304" pitchFamily="18" charset="0"/>
+                <a:cs typeface="Times New Roman" panose="02020603050405020304" pitchFamily="18" charset="0"/>
+              </a:rPr>
+              <a:t>GaN </a:t>
+            </a:r>
+            <a:r>
+              <a:rPr lang="tr-TR" sz="2200" dirty="0" err="1" smtClean="0">
+                <a:latin typeface="Times New Roman" panose="02020603050405020304" pitchFamily="18" charset="0"/>
+                <a:cs typeface="Times New Roman" panose="02020603050405020304" pitchFamily="18" charset="0"/>
+              </a:rPr>
+              <a:t>FETs</a:t>
+            </a:r>
+            <a:endParaRPr lang="tr-TR" sz="2200" dirty="0" smtClean="0">
+              <a:latin typeface="Times New Roman" panose="02020603050405020304" pitchFamily="18" charset="0"/>
+              <a:cs typeface="Times New Roman" panose="02020603050405020304" pitchFamily="18" charset="0"/>
+            </a:endParaRPr>
+          </a:p>
+          <a:p>
+            <a:pPr>
+              <a:spcAft>
+                <a:spcPts val="400"/>
+              </a:spcAft>
+            </a:pPr>
+            <a:r>
+              <a:rPr lang="tr-TR" sz="2200" dirty="0" smtClean="0">
+                <a:latin typeface="Times New Roman" panose="02020603050405020304" pitchFamily="18" charset="0"/>
+                <a:cs typeface="Times New Roman" panose="02020603050405020304" pitchFamily="18" charset="0"/>
+              </a:rPr>
+              <a:t>Optimize </a:t>
+            </a:r>
+            <a:r>
+              <a:rPr lang="tr-TR" sz="2200" dirty="0" err="1" smtClean="0">
+                <a:latin typeface="Times New Roman" panose="02020603050405020304" pitchFamily="18" charset="0"/>
+                <a:cs typeface="Times New Roman" panose="02020603050405020304" pitchFamily="18" charset="0"/>
+              </a:rPr>
+              <a:t>the</a:t>
+            </a:r>
+            <a:r>
+              <a:rPr lang="tr-TR" sz="2200" dirty="0" smtClean="0">
+                <a:latin typeface="Times New Roman" panose="02020603050405020304" pitchFamily="18" charset="0"/>
+                <a:cs typeface="Times New Roman" panose="02020603050405020304" pitchFamily="18" charset="0"/>
+              </a:rPr>
+              <a:t> DC </a:t>
+            </a:r>
+            <a:r>
+              <a:rPr lang="tr-TR" sz="2200" dirty="0" err="1" smtClean="0">
+                <a:latin typeface="Times New Roman" panose="02020603050405020304" pitchFamily="18" charset="0"/>
+                <a:cs typeface="Times New Roman" panose="02020603050405020304" pitchFamily="18" charset="0"/>
+              </a:rPr>
+              <a:t>bus</a:t>
+            </a:r>
+            <a:r>
+              <a:rPr lang="tr-TR" sz="2200" dirty="0" smtClean="0">
+                <a:latin typeface="Times New Roman" panose="02020603050405020304" pitchFamily="18" charset="0"/>
+                <a:cs typeface="Times New Roman" panose="02020603050405020304" pitchFamily="18" charset="0"/>
+              </a:rPr>
+              <a:t> </a:t>
+            </a:r>
+            <a:r>
+              <a:rPr lang="tr-TR" sz="2200" dirty="0" err="1" smtClean="0">
+                <a:latin typeface="Times New Roman" panose="02020603050405020304" pitchFamily="18" charset="0"/>
+                <a:cs typeface="Times New Roman" panose="02020603050405020304" pitchFamily="18" charset="0"/>
+              </a:rPr>
+              <a:t>capacitor</a:t>
+            </a:r>
+            <a:r>
+              <a:rPr lang="tr-TR" sz="2200" dirty="0" smtClean="0">
+                <a:latin typeface="Times New Roman" panose="02020603050405020304" pitchFamily="18" charset="0"/>
+                <a:cs typeface="Times New Roman" panose="02020603050405020304" pitchFamily="18" charset="0"/>
+              </a:rPr>
+              <a:t> bank</a:t>
+            </a:r>
+            <a:endParaRPr lang="tr-TR" sz="2200" dirty="0">
+              <a:latin typeface="Times New Roman" panose="02020603050405020304" pitchFamily="18" charset="0"/>
+              <a:cs typeface="Times New Roman" panose="02020603050405020304" pitchFamily="18" charset="0"/>
+            </a:endParaRPr>
+          </a:p>
+        </p:txBody>
+      </p:sp>
+      <p:sp>
+        <p:nvSpPr>
+          <p:cNvPr id="21" name="Text Box 9"/>
+          <p:cNvSpPr txBox="1">
+            <a:spLocks noChangeArrowheads="1"/>
+          </p:cNvSpPr>
+          <p:nvPr/>
+        </p:nvSpPr>
+        <p:spPr bwMode="auto">
+          <a:xfrm>
+            <a:off x="3843215" y="3546561"/>
+            <a:ext cx="5300785" cy="820738"/>
+          </a:xfrm>
+          <a:prstGeom prst="rect">
+            <a:avLst/>
+          </a:prstGeom>
+          <a:noFill/>
+          <a:ln w="9525">
+            <a:noFill/>
+            <a:miter lim="800000"/>
+            <a:headEnd/>
+            <a:tailEnd/>
+          </a:ln>
+          <a:effectLst/>
+        </p:spPr>
+        <p:txBody>
+          <a:bodyPr wrap="square">
+            <a:spAutoFit/>
+          </a:bodyPr>
+          <a:lstStyle/>
+          <a:p>
+            <a:pPr algn="l">
+              <a:spcAft>
+                <a:spcPts val="400"/>
+              </a:spcAft>
+            </a:pPr>
+            <a:r>
+              <a:rPr lang="tr-TR" sz="2200" dirty="0" smtClean="0">
+                <a:latin typeface="Times New Roman" panose="02020603050405020304" pitchFamily="18" charset="0"/>
+                <a:cs typeface="Times New Roman" panose="02020603050405020304" pitchFamily="18" charset="0"/>
+              </a:rPr>
+              <a:t>Interleaving is </a:t>
+            </a:r>
+            <a:r>
+              <a:rPr lang="tr-TR" sz="2200" dirty="0" err="1" smtClean="0">
+                <a:latin typeface="Times New Roman" panose="02020603050405020304" pitchFamily="18" charset="0"/>
+                <a:cs typeface="Times New Roman" panose="02020603050405020304" pitchFamily="18" charset="0"/>
+              </a:rPr>
+              <a:t>applicable</a:t>
+            </a:r>
+            <a:endParaRPr lang="tr-TR" sz="2200" dirty="0" smtClean="0">
+              <a:latin typeface="Times New Roman" panose="02020603050405020304" pitchFamily="18" charset="0"/>
+              <a:cs typeface="Times New Roman" panose="02020603050405020304" pitchFamily="18" charset="0"/>
+            </a:endParaRPr>
+          </a:p>
+          <a:p>
+            <a:pPr algn="l">
+              <a:spcAft>
+                <a:spcPts val="400"/>
+              </a:spcAft>
+            </a:pPr>
+            <a:r>
+              <a:rPr lang="tr-TR" sz="2200" dirty="0" smtClean="0">
+                <a:latin typeface="Times New Roman" panose="02020603050405020304" pitchFamily="18" charset="0"/>
+                <a:cs typeface="Times New Roman" panose="02020603050405020304" pitchFamily="18" charset="0"/>
+              </a:rPr>
+              <a:t>Optimum </a:t>
+            </a:r>
+            <a:r>
+              <a:rPr lang="tr-TR" sz="2200" dirty="0" err="1" smtClean="0">
+                <a:latin typeface="Times New Roman" panose="02020603050405020304" pitchFamily="18" charset="0"/>
+                <a:cs typeface="Times New Roman" panose="02020603050405020304" pitchFamily="18" charset="0"/>
+              </a:rPr>
+              <a:t>number</a:t>
+            </a:r>
+            <a:r>
+              <a:rPr lang="tr-TR" sz="2200" dirty="0" smtClean="0">
+                <a:latin typeface="Times New Roman" panose="02020603050405020304" pitchFamily="18" charset="0"/>
+                <a:cs typeface="Times New Roman" panose="02020603050405020304" pitchFamily="18" charset="0"/>
+              </a:rPr>
+              <a:t> of </a:t>
+            </a:r>
+            <a:r>
+              <a:rPr lang="tr-TR" sz="2200" dirty="0" err="1" smtClean="0">
+                <a:latin typeface="Times New Roman" panose="02020603050405020304" pitchFamily="18" charset="0"/>
+                <a:cs typeface="Times New Roman" panose="02020603050405020304" pitchFamily="18" charset="0"/>
+              </a:rPr>
+              <a:t>modules</a:t>
+            </a:r>
+            <a:endParaRPr lang="tr-TR" sz="2200" dirty="0">
+              <a:latin typeface="Times New Roman" panose="02020603050405020304" pitchFamily="18" charset="0"/>
+              <a:cs typeface="Times New Roman" panose="02020603050405020304" pitchFamily="18" charset="0"/>
+            </a:endParaRPr>
+          </a:p>
+        </p:txBody>
+      </p:sp>
+      <p:sp>
+        <p:nvSpPr>
+          <p:cNvPr id="22" name="Text Box 9"/>
+          <p:cNvSpPr txBox="1">
+            <a:spLocks noChangeArrowheads="1"/>
+          </p:cNvSpPr>
+          <p:nvPr/>
+        </p:nvSpPr>
+        <p:spPr bwMode="auto">
+          <a:xfrm>
+            <a:off x="3843215" y="4600039"/>
+            <a:ext cx="5300785" cy="1210588"/>
+          </a:xfrm>
+          <a:prstGeom prst="rect">
+            <a:avLst/>
+          </a:prstGeom>
+          <a:noFill/>
+          <a:ln w="9525">
+            <a:noFill/>
+            <a:miter lim="800000"/>
+            <a:headEnd/>
+            <a:tailEnd/>
+          </a:ln>
+          <a:effectLst/>
+        </p:spPr>
+        <p:txBody>
+          <a:bodyPr wrap="square">
+            <a:spAutoFit/>
+          </a:bodyPr>
+          <a:lstStyle/>
+          <a:p>
+            <a:pPr algn="l">
+              <a:spcAft>
+                <a:spcPts val="400"/>
+              </a:spcAft>
+            </a:pPr>
+            <a:r>
+              <a:rPr lang="tr-TR" sz="2200" dirty="0" smtClean="0">
+                <a:latin typeface="Times New Roman" panose="02020603050405020304" pitchFamily="18" charset="0"/>
+                <a:cs typeface="Times New Roman" panose="02020603050405020304" pitchFamily="18" charset="0"/>
+              </a:rPr>
+              <a:t>Film </a:t>
+            </a:r>
+            <a:r>
+              <a:rPr lang="tr-TR" sz="2200" dirty="0" err="1" smtClean="0">
+                <a:latin typeface="Times New Roman" panose="02020603050405020304" pitchFamily="18" charset="0"/>
+                <a:cs typeface="Times New Roman" panose="02020603050405020304" pitchFamily="18" charset="0"/>
+              </a:rPr>
+              <a:t>capacitors</a:t>
+            </a:r>
+            <a:r>
+              <a:rPr lang="tr-TR" sz="2200" dirty="0" smtClean="0">
+                <a:latin typeface="Times New Roman" panose="02020603050405020304" pitchFamily="18" charset="0"/>
+                <a:cs typeface="Times New Roman" panose="02020603050405020304" pitchFamily="18" charset="0"/>
+              </a:rPr>
+              <a:t> </a:t>
+            </a:r>
+            <a:r>
+              <a:rPr lang="tr-TR" sz="2200" dirty="0" err="1" smtClean="0">
+                <a:latin typeface="Times New Roman" panose="02020603050405020304" pitchFamily="18" charset="0"/>
+                <a:cs typeface="Times New Roman" panose="02020603050405020304" pitchFamily="18" charset="0"/>
+              </a:rPr>
+              <a:t>are</a:t>
+            </a:r>
+            <a:r>
+              <a:rPr lang="tr-TR" sz="2200" dirty="0" smtClean="0">
+                <a:latin typeface="Times New Roman" panose="02020603050405020304" pitchFamily="18" charset="0"/>
+                <a:cs typeface="Times New Roman" panose="02020603050405020304" pitchFamily="18" charset="0"/>
+              </a:rPr>
+              <a:t> </a:t>
+            </a:r>
+            <a:r>
+              <a:rPr lang="tr-TR" sz="2200" dirty="0" err="1" smtClean="0">
+                <a:latin typeface="Times New Roman" panose="02020603050405020304" pitchFamily="18" charset="0"/>
+                <a:cs typeface="Times New Roman" panose="02020603050405020304" pitchFamily="18" charset="0"/>
+              </a:rPr>
+              <a:t>suitable</a:t>
+            </a:r>
+            <a:endParaRPr lang="tr-TR" sz="2200" dirty="0" smtClean="0">
+              <a:latin typeface="Times New Roman" panose="02020603050405020304" pitchFamily="18" charset="0"/>
+              <a:cs typeface="Times New Roman" panose="02020603050405020304" pitchFamily="18" charset="0"/>
+            </a:endParaRPr>
+          </a:p>
+          <a:p>
+            <a:pPr algn="l">
+              <a:spcAft>
+                <a:spcPts val="400"/>
+              </a:spcAft>
+            </a:pPr>
+            <a:r>
+              <a:rPr lang="tr-TR" sz="2200" dirty="0" err="1" smtClean="0">
+                <a:latin typeface="Times New Roman" panose="02020603050405020304" pitchFamily="18" charset="0"/>
+                <a:cs typeface="Times New Roman" panose="02020603050405020304" pitchFamily="18" charset="0"/>
+              </a:rPr>
+              <a:t>Consider</a:t>
+            </a:r>
+            <a:r>
+              <a:rPr lang="tr-TR" sz="2200" dirty="0" smtClean="0">
+                <a:latin typeface="Times New Roman" panose="02020603050405020304" pitchFamily="18" charset="0"/>
+                <a:cs typeface="Times New Roman" panose="02020603050405020304" pitchFamily="18" charset="0"/>
+              </a:rPr>
+              <a:t> </a:t>
+            </a:r>
+            <a:r>
+              <a:rPr lang="tr-TR" sz="2200" dirty="0" err="1" smtClean="0">
+                <a:latin typeface="Times New Roman" panose="02020603050405020304" pitchFamily="18" charset="0"/>
+                <a:cs typeface="Times New Roman" panose="02020603050405020304" pitchFamily="18" charset="0"/>
+              </a:rPr>
+              <a:t>all</a:t>
+            </a:r>
+            <a:r>
+              <a:rPr lang="tr-TR" sz="2200" dirty="0" smtClean="0">
+                <a:latin typeface="Times New Roman" panose="02020603050405020304" pitchFamily="18" charset="0"/>
+                <a:cs typeface="Times New Roman" panose="02020603050405020304" pitchFamily="18" charset="0"/>
+              </a:rPr>
+              <a:t> </a:t>
+            </a:r>
+            <a:r>
+              <a:rPr lang="tr-TR" sz="2200" dirty="0" err="1" smtClean="0">
+                <a:latin typeface="Times New Roman" panose="02020603050405020304" pitchFamily="18" charset="0"/>
+                <a:cs typeface="Times New Roman" panose="02020603050405020304" pitchFamily="18" charset="0"/>
+              </a:rPr>
+              <a:t>the</a:t>
+            </a:r>
+            <a:r>
+              <a:rPr lang="tr-TR" sz="2200" dirty="0" smtClean="0">
+                <a:latin typeface="Times New Roman" panose="02020603050405020304" pitchFamily="18" charset="0"/>
+                <a:cs typeface="Times New Roman" panose="02020603050405020304" pitchFamily="18" charset="0"/>
+              </a:rPr>
+              <a:t> </a:t>
+            </a:r>
+            <a:r>
+              <a:rPr lang="tr-TR" sz="2200" dirty="0" err="1" smtClean="0">
+                <a:latin typeface="Times New Roman" panose="02020603050405020304" pitchFamily="18" charset="0"/>
+                <a:cs typeface="Times New Roman" panose="02020603050405020304" pitchFamily="18" charset="0"/>
+              </a:rPr>
+              <a:t>aspects</a:t>
+            </a:r>
+            <a:endParaRPr lang="tr-TR" sz="2200" dirty="0" smtClean="0">
+              <a:latin typeface="Times New Roman" panose="02020603050405020304" pitchFamily="18" charset="0"/>
+              <a:cs typeface="Times New Roman" panose="02020603050405020304" pitchFamily="18" charset="0"/>
+            </a:endParaRPr>
+          </a:p>
+          <a:p>
+            <a:pPr algn="l">
+              <a:spcAft>
+                <a:spcPts val="400"/>
+              </a:spcAft>
+            </a:pPr>
+            <a:r>
+              <a:rPr lang="tr-TR" sz="2200" dirty="0" err="1" smtClean="0">
+                <a:latin typeface="Times New Roman" panose="02020603050405020304" pitchFamily="18" charset="0"/>
+                <a:cs typeface="Times New Roman" panose="02020603050405020304" pitchFamily="18" charset="0"/>
+              </a:rPr>
+              <a:t>Switching</a:t>
+            </a:r>
+            <a:r>
+              <a:rPr lang="tr-TR" sz="2200" dirty="0" smtClean="0">
+                <a:latin typeface="Times New Roman" panose="02020603050405020304" pitchFamily="18" charset="0"/>
+                <a:cs typeface="Times New Roman" panose="02020603050405020304" pitchFamily="18" charset="0"/>
+              </a:rPr>
+              <a:t> </a:t>
+            </a:r>
+            <a:r>
+              <a:rPr lang="tr-TR" sz="2200" dirty="0" err="1" smtClean="0">
+                <a:latin typeface="Times New Roman" panose="02020603050405020304" pitchFamily="18" charset="0"/>
+                <a:cs typeface="Times New Roman" panose="02020603050405020304" pitchFamily="18" charset="0"/>
+              </a:rPr>
+              <a:t>frequency</a:t>
+            </a:r>
+            <a:r>
+              <a:rPr lang="tr-TR" sz="2200" dirty="0" smtClean="0">
+                <a:latin typeface="Times New Roman" panose="02020603050405020304" pitchFamily="18" charset="0"/>
+                <a:cs typeface="Times New Roman" panose="02020603050405020304" pitchFamily="18" charset="0"/>
+              </a:rPr>
+              <a:t> limit</a:t>
+            </a:r>
+            <a:endParaRPr lang="tr-TR" sz="2200" dirty="0">
+              <a:latin typeface="Times New Roman" panose="02020603050405020304" pitchFamily="18" charset="0"/>
+              <a:cs typeface="Times New Roman" panose="02020603050405020304" pitchFamily="18" charset="0"/>
+            </a:endParaRPr>
+          </a:p>
+        </p:txBody>
+      </p:sp>
+      <p:sp>
+        <p:nvSpPr>
+          <p:cNvPr id="23" name="Text Box 9"/>
+          <p:cNvSpPr txBox="1">
+            <a:spLocks noChangeArrowheads="1"/>
+          </p:cNvSpPr>
+          <p:nvPr/>
+        </p:nvSpPr>
+        <p:spPr bwMode="auto">
+          <a:xfrm>
+            <a:off x="1252415" y="6272392"/>
+            <a:ext cx="5300785" cy="430887"/>
+          </a:xfrm>
+          <a:prstGeom prst="rect">
+            <a:avLst/>
+          </a:prstGeom>
+          <a:noFill/>
+          <a:ln w="9525">
+            <a:noFill/>
+            <a:miter lim="800000"/>
+            <a:headEnd/>
+            <a:tailEnd/>
+          </a:ln>
+          <a:effectLst/>
+        </p:spPr>
+        <p:txBody>
+          <a:bodyPr wrap="square">
+            <a:spAutoFit/>
+          </a:bodyPr>
+          <a:lstStyle/>
+          <a:p>
+            <a:pPr algn="l">
+              <a:spcAft>
+                <a:spcPts val="400"/>
+              </a:spcAft>
+            </a:pPr>
+            <a:r>
+              <a:rPr lang="tr-TR" sz="2200" dirty="0" smtClean="0">
+                <a:latin typeface="Times New Roman" panose="02020603050405020304" pitchFamily="18" charset="0"/>
+                <a:cs typeface="Times New Roman" panose="02020603050405020304" pitchFamily="18" charset="0"/>
+              </a:rPr>
+              <a:t>Sonuçlarla ilgili yorumlar</a:t>
+            </a:r>
+            <a:endParaRPr lang="tr-TR" sz="2200" dirty="0">
+              <a:latin typeface="Times New Roman" panose="02020603050405020304" pitchFamily="18" charset="0"/>
+              <a:cs typeface="Times New Roman" panose="02020603050405020304" pitchFamily="18" charset="0"/>
+            </a:endParaRPr>
+          </a:p>
+        </p:txBody>
+      </p:sp>
     </p:spTree>
     <p:extLst>
       <p:ext uri="{BB962C8B-B14F-4D97-AF65-F5344CB8AC3E}">
@@ -14479,884 +14912,7 @@
   <p:timing>
     <p:tnLst>
       <p:par>
-        <p:cTn id="1" dur="indefinite" restart="never" nodeType="tmRoot">
-          <p:childTnLst>
-            <p:seq concurrent="1" nextAc="seek">
-              <p:cTn id="2" dur="indefinite" nodeType="mainSeq">
-                <p:childTnLst>
-                  <p:par>
-                    <p:cTn id="3" fill="hold">
-                      <p:stCondLst>
-                        <p:cond delay="indefinite"/>
-                      </p:stCondLst>
-                      <p:childTnLst>
-                        <p:par>
-                          <p:cTn id="4" fill="hold">
-                            <p:stCondLst>
-                              <p:cond delay="0"/>
-                            </p:stCondLst>
-                            <p:childTnLst>
-                              <p:par>
-                                <p:cTn id="5" presetID="10" presetClass="entr" presetSubtype="0" fill="hold" nodeType="clickEffect">
-                                  <p:stCondLst>
-                                    <p:cond delay="0"/>
-                                  </p:stCondLst>
-                                  <p:childTnLst>
-                                    <p:set>
-                                      <p:cBhvr>
-                                        <p:cTn id="6" dur="1" fill="hold">
-                                          <p:stCondLst>
-                                            <p:cond delay="0"/>
-                                          </p:stCondLst>
-                                        </p:cTn>
-                                        <p:tgtEl>
-                                          <p:spTgt spid="12">
-                                            <p:txEl>
-                                              <p:pRg st="0" end="0"/>
-                                            </p:txEl>
-                                          </p:spTgt>
-                                        </p:tgtEl>
-                                        <p:attrNameLst>
-                                          <p:attrName>style.visibility</p:attrName>
-                                        </p:attrNameLst>
-                                      </p:cBhvr>
-                                      <p:to>
-                                        <p:strVal val="visible"/>
-                                      </p:to>
-                                    </p:set>
-                                    <p:animEffect transition="in" filter="fade">
-                                      <p:cBhvr>
-                                        <p:cTn id="7" dur="500"/>
-                                        <p:tgtEl>
-                                          <p:spTgt spid="12">
-                                            <p:txEl>
-                                              <p:pRg st="0" end="0"/>
-                                            </p:txEl>
-                                          </p:spTgt>
-                                        </p:tgtEl>
-                                      </p:cBhvr>
-                                    </p:animEffect>
-                                  </p:childTnLst>
-                                </p:cTn>
-                              </p:par>
-                            </p:childTnLst>
-                          </p:cTn>
-                        </p:par>
-                      </p:childTnLst>
-                    </p:cTn>
-                  </p:par>
-                  <p:par>
-                    <p:cTn id="8" fill="hold">
-                      <p:stCondLst>
-                        <p:cond delay="indefinite"/>
-                      </p:stCondLst>
-                      <p:childTnLst>
-                        <p:par>
-                          <p:cTn id="9" fill="hold">
-                            <p:stCondLst>
-                              <p:cond delay="0"/>
-                            </p:stCondLst>
-                            <p:childTnLst>
-                              <p:par>
-                                <p:cTn id="10" presetID="10" presetClass="entr" presetSubtype="0" fill="hold" nodeType="clickEffect">
-                                  <p:stCondLst>
-                                    <p:cond delay="0"/>
-                                  </p:stCondLst>
-                                  <p:childTnLst>
-                                    <p:set>
-                                      <p:cBhvr>
-                                        <p:cTn id="11" dur="1" fill="hold">
-                                          <p:stCondLst>
-                                            <p:cond delay="0"/>
-                                          </p:stCondLst>
-                                        </p:cTn>
-                                        <p:tgtEl>
-                                          <p:spTgt spid="12">
-                                            <p:txEl>
-                                              <p:pRg st="1" end="1"/>
-                                            </p:txEl>
-                                          </p:spTgt>
-                                        </p:tgtEl>
-                                        <p:attrNameLst>
-                                          <p:attrName>style.visibility</p:attrName>
-                                        </p:attrNameLst>
-                                      </p:cBhvr>
-                                      <p:to>
-                                        <p:strVal val="visible"/>
-                                      </p:to>
-                                    </p:set>
-                                    <p:animEffect transition="in" filter="fade">
-                                      <p:cBhvr>
-                                        <p:cTn id="12" dur="500"/>
-                                        <p:tgtEl>
-                                          <p:spTgt spid="12">
-                                            <p:txEl>
-                                              <p:pRg st="1" end="1"/>
-                                            </p:txEl>
-                                          </p:spTgt>
-                                        </p:tgtEl>
-                                      </p:cBhvr>
-                                    </p:animEffect>
-                                  </p:childTnLst>
-                                </p:cTn>
-                              </p:par>
-                            </p:childTnLst>
-                          </p:cTn>
-                        </p:par>
-                      </p:childTnLst>
-                    </p:cTn>
-                  </p:par>
-                  <p:par>
-                    <p:cTn id="13" fill="hold">
-                      <p:stCondLst>
-                        <p:cond delay="indefinite"/>
-                      </p:stCondLst>
-                      <p:childTnLst>
-                        <p:par>
-                          <p:cTn id="14" fill="hold">
-                            <p:stCondLst>
-                              <p:cond delay="0"/>
-                            </p:stCondLst>
-                            <p:childTnLst>
-                              <p:par>
-                                <p:cTn id="15" presetID="10" presetClass="entr" presetSubtype="0" fill="hold" nodeType="clickEffect">
-                                  <p:stCondLst>
-                                    <p:cond delay="0"/>
-                                  </p:stCondLst>
-                                  <p:childTnLst>
-                                    <p:set>
-                                      <p:cBhvr>
-                                        <p:cTn id="16" dur="1" fill="hold">
-                                          <p:stCondLst>
-                                            <p:cond delay="0"/>
-                                          </p:stCondLst>
-                                        </p:cTn>
-                                        <p:tgtEl>
-                                          <p:spTgt spid="12">
-                                            <p:txEl>
-                                              <p:pRg st="3" end="3"/>
-                                            </p:txEl>
-                                          </p:spTgt>
-                                        </p:tgtEl>
-                                        <p:attrNameLst>
-                                          <p:attrName>style.visibility</p:attrName>
-                                        </p:attrNameLst>
-                                      </p:cBhvr>
-                                      <p:to>
-                                        <p:strVal val="visible"/>
-                                      </p:to>
-                                    </p:set>
-                                    <p:animEffect transition="in" filter="fade">
-                                      <p:cBhvr>
-                                        <p:cTn id="17" dur="500"/>
-                                        <p:tgtEl>
-                                          <p:spTgt spid="12">
-                                            <p:txEl>
-                                              <p:pRg st="3" end="3"/>
-                                            </p:txEl>
-                                          </p:spTgt>
-                                        </p:tgtEl>
-                                      </p:cBhvr>
-                                    </p:animEffect>
-                                  </p:childTnLst>
-                                </p:cTn>
-                              </p:par>
-                            </p:childTnLst>
-                          </p:cTn>
-                        </p:par>
-                      </p:childTnLst>
-                    </p:cTn>
-                  </p:par>
-                  <p:par>
-                    <p:cTn id="18" fill="hold">
-                      <p:stCondLst>
-                        <p:cond delay="indefinite"/>
-                      </p:stCondLst>
-                      <p:childTnLst>
-                        <p:par>
-                          <p:cTn id="19" fill="hold">
-                            <p:stCondLst>
-                              <p:cond delay="0"/>
-                            </p:stCondLst>
-                            <p:childTnLst>
-                              <p:par>
-                                <p:cTn id="20" presetID="10" presetClass="entr" presetSubtype="0" fill="hold" nodeType="clickEffect">
-                                  <p:stCondLst>
-                                    <p:cond delay="0"/>
-                                  </p:stCondLst>
-                                  <p:childTnLst>
-                                    <p:set>
-                                      <p:cBhvr>
-                                        <p:cTn id="21" dur="1" fill="hold">
-                                          <p:stCondLst>
-                                            <p:cond delay="0"/>
-                                          </p:stCondLst>
-                                        </p:cTn>
-                                        <p:tgtEl>
-                                          <p:spTgt spid="12">
-                                            <p:txEl>
-                                              <p:pRg st="4" end="4"/>
-                                            </p:txEl>
-                                          </p:spTgt>
-                                        </p:tgtEl>
-                                        <p:attrNameLst>
-                                          <p:attrName>style.visibility</p:attrName>
-                                        </p:attrNameLst>
-                                      </p:cBhvr>
-                                      <p:to>
-                                        <p:strVal val="visible"/>
-                                      </p:to>
-                                    </p:set>
-                                    <p:animEffect transition="in" filter="fade">
-                                      <p:cBhvr>
-                                        <p:cTn id="22" dur="500"/>
-                                        <p:tgtEl>
-                                          <p:spTgt spid="12">
-                                            <p:txEl>
-                                              <p:pRg st="4" end="4"/>
-                                            </p:txEl>
-                                          </p:spTgt>
-                                        </p:tgtEl>
-                                      </p:cBhvr>
-                                    </p:animEffect>
-                                  </p:childTnLst>
-                                </p:cTn>
-                              </p:par>
-                            </p:childTnLst>
-                          </p:cTn>
-                        </p:par>
-                      </p:childTnLst>
-                    </p:cTn>
-                  </p:par>
-                  <p:par>
-                    <p:cTn id="23" fill="hold">
-                      <p:stCondLst>
-                        <p:cond delay="indefinite"/>
-                      </p:stCondLst>
-                      <p:childTnLst>
-                        <p:par>
-                          <p:cTn id="24" fill="hold">
-                            <p:stCondLst>
-                              <p:cond delay="0"/>
-                            </p:stCondLst>
-                            <p:childTnLst>
-                              <p:par>
-                                <p:cTn id="25" presetID="10" presetClass="entr" presetSubtype="0" fill="hold" nodeType="clickEffect">
-                                  <p:stCondLst>
-                                    <p:cond delay="0"/>
-                                  </p:stCondLst>
-                                  <p:childTnLst>
-                                    <p:set>
-                                      <p:cBhvr>
-                                        <p:cTn id="26" dur="1" fill="hold">
-                                          <p:stCondLst>
-                                            <p:cond delay="0"/>
-                                          </p:stCondLst>
-                                        </p:cTn>
-                                        <p:tgtEl>
-                                          <p:spTgt spid="12">
-                                            <p:txEl>
-                                              <p:pRg st="6" end="6"/>
-                                            </p:txEl>
-                                          </p:spTgt>
-                                        </p:tgtEl>
-                                        <p:attrNameLst>
-                                          <p:attrName>style.visibility</p:attrName>
-                                        </p:attrNameLst>
-                                      </p:cBhvr>
-                                      <p:to>
-                                        <p:strVal val="visible"/>
-                                      </p:to>
-                                    </p:set>
-                                    <p:animEffect transition="in" filter="fade">
-                                      <p:cBhvr>
-                                        <p:cTn id="27" dur="500"/>
-                                        <p:tgtEl>
-                                          <p:spTgt spid="12">
-                                            <p:txEl>
-                                              <p:pRg st="6" end="6"/>
-                                            </p:txEl>
-                                          </p:spTgt>
-                                        </p:tgtEl>
-                                      </p:cBhvr>
-                                    </p:animEffect>
-                                  </p:childTnLst>
-                                </p:cTn>
-                              </p:par>
-                            </p:childTnLst>
-                          </p:cTn>
-                        </p:par>
-                      </p:childTnLst>
-                    </p:cTn>
-                  </p:par>
-                  <p:par>
-                    <p:cTn id="28" fill="hold">
-                      <p:stCondLst>
-                        <p:cond delay="indefinite"/>
-                      </p:stCondLst>
-                      <p:childTnLst>
-                        <p:par>
-                          <p:cTn id="29" fill="hold">
-                            <p:stCondLst>
-                              <p:cond delay="0"/>
-                            </p:stCondLst>
-                            <p:childTnLst>
-                              <p:par>
-                                <p:cTn id="30" presetID="10" presetClass="entr" presetSubtype="0" fill="hold" nodeType="clickEffect">
-                                  <p:stCondLst>
-                                    <p:cond delay="0"/>
-                                  </p:stCondLst>
-                                  <p:childTnLst>
-                                    <p:set>
-                                      <p:cBhvr>
-                                        <p:cTn id="31" dur="1" fill="hold">
-                                          <p:stCondLst>
-                                            <p:cond delay="0"/>
-                                          </p:stCondLst>
-                                        </p:cTn>
-                                        <p:tgtEl>
-                                          <p:spTgt spid="12">
-                                            <p:txEl>
-                                              <p:pRg st="7" end="7"/>
-                                            </p:txEl>
-                                          </p:spTgt>
-                                        </p:tgtEl>
-                                        <p:attrNameLst>
-                                          <p:attrName>style.visibility</p:attrName>
-                                        </p:attrNameLst>
-                                      </p:cBhvr>
-                                      <p:to>
-                                        <p:strVal val="visible"/>
-                                      </p:to>
-                                    </p:set>
-                                    <p:animEffect transition="in" filter="fade">
-                                      <p:cBhvr>
-                                        <p:cTn id="32" dur="500"/>
-                                        <p:tgtEl>
-                                          <p:spTgt spid="12">
-                                            <p:txEl>
-                                              <p:pRg st="7" end="7"/>
-                                            </p:txEl>
-                                          </p:spTgt>
-                                        </p:tgtEl>
-                                      </p:cBhvr>
-                                    </p:animEffect>
-                                  </p:childTnLst>
-                                </p:cTn>
-                              </p:par>
-                            </p:childTnLst>
-                          </p:cTn>
-                        </p:par>
-                      </p:childTnLst>
-                    </p:cTn>
-                  </p:par>
-                  <p:par>
-                    <p:cTn id="33" fill="hold">
-                      <p:stCondLst>
-                        <p:cond delay="indefinite"/>
-                      </p:stCondLst>
-                      <p:childTnLst>
-                        <p:par>
-                          <p:cTn id="34" fill="hold">
-                            <p:stCondLst>
-                              <p:cond delay="0"/>
-                            </p:stCondLst>
-                            <p:childTnLst>
-                              <p:par>
-                                <p:cTn id="35" presetID="10" presetClass="entr" presetSubtype="0" fill="hold" nodeType="clickEffect">
-                                  <p:stCondLst>
-                                    <p:cond delay="0"/>
-                                  </p:stCondLst>
-                                  <p:childTnLst>
-                                    <p:set>
-                                      <p:cBhvr>
-                                        <p:cTn id="36" dur="1" fill="hold">
-                                          <p:stCondLst>
-                                            <p:cond delay="0"/>
-                                          </p:stCondLst>
-                                        </p:cTn>
-                                        <p:tgtEl>
-                                          <p:spTgt spid="12">
-                                            <p:txEl>
-                                              <p:pRg st="8" end="8"/>
-                                            </p:txEl>
-                                          </p:spTgt>
-                                        </p:tgtEl>
-                                        <p:attrNameLst>
-                                          <p:attrName>style.visibility</p:attrName>
-                                        </p:attrNameLst>
-                                      </p:cBhvr>
-                                      <p:to>
-                                        <p:strVal val="visible"/>
-                                      </p:to>
-                                    </p:set>
-                                    <p:animEffect transition="in" filter="fade">
-                                      <p:cBhvr>
-                                        <p:cTn id="37" dur="500"/>
-                                        <p:tgtEl>
-                                          <p:spTgt spid="12">
-                                            <p:txEl>
-                                              <p:pRg st="8" end="8"/>
-                                            </p:txEl>
-                                          </p:spTgt>
-                                        </p:tgtEl>
-                                      </p:cBhvr>
-                                    </p:animEffect>
-                                  </p:childTnLst>
-                                </p:cTn>
-                              </p:par>
-                            </p:childTnLst>
-                          </p:cTn>
-                        </p:par>
-                      </p:childTnLst>
-                    </p:cTn>
-                  </p:par>
-                  <p:par>
-                    <p:cTn id="38" fill="hold">
-                      <p:stCondLst>
-                        <p:cond delay="indefinite"/>
-                      </p:stCondLst>
-                      <p:childTnLst>
-                        <p:par>
-                          <p:cTn id="39" fill="hold">
-                            <p:stCondLst>
-                              <p:cond delay="0"/>
-                            </p:stCondLst>
-                            <p:childTnLst>
-                              <p:par>
-                                <p:cTn id="40" presetID="10" presetClass="entr" presetSubtype="0" fill="hold" nodeType="clickEffect">
-                                  <p:stCondLst>
-                                    <p:cond delay="0"/>
-                                  </p:stCondLst>
-                                  <p:childTnLst>
-                                    <p:set>
-                                      <p:cBhvr>
-                                        <p:cTn id="41" dur="1" fill="hold">
-                                          <p:stCondLst>
-                                            <p:cond delay="0"/>
-                                          </p:stCondLst>
-                                        </p:cTn>
-                                        <p:tgtEl>
-                                          <p:spTgt spid="12">
-                                            <p:txEl>
-                                              <p:pRg st="10" end="10"/>
-                                            </p:txEl>
-                                          </p:spTgt>
-                                        </p:tgtEl>
-                                        <p:attrNameLst>
-                                          <p:attrName>style.visibility</p:attrName>
-                                        </p:attrNameLst>
-                                      </p:cBhvr>
-                                      <p:to>
-                                        <p:strVal val="visible"/>
-                                      </p:to>
-                                    </p:set>
-                                    <p:animEffect transition="in" filter="fade">
-                                      <p:cBhvr>
-                                        <p:cTn id="42" dur="500"/>
-                                        <p:tgtEl>
-                                          <p:spTgt spid="12">
-                                            <p:txEl>
-                                              <p:pRg st="10" end="10"/>
-                                            </p:txEl>
-                                          </p:spTgt>
-                                        </p:tgtEl>
-                                      </p:cBhvr>
-                                    </p:animEffect>
-                                  </p:childTnLst>
-                                </p:cTn>
-                              </p:par>
-                            </p:childTnLst>
-                          </p:cTn>
-                        </p:par>
-                      </p:childTnLst>
-                    </p:cTn>
-                  </p:par>
-                  <p:par>
-                    <p:cTn id="43" fill="hold">
-                      <p:stCondLst>
-                        <p:cond delay="indefinite"/>
-                      </p:stCondLst>
-                      <p:childTnLst>
-                        <p:par>
-                          <p:cTn id="44" fill="hold">
-                            <p:stCondLst>
-                              <p:cond delay="0"/>
-                            </p:stCondLst>
-                            <p:childTnLst>
-                              <p:par>
-                                <p:cTn id="45" presetID="10" presetClass="entr" presetSubtype="0" fill="hold" nodeType="clickEffect">
-                                  <p:stCondLst>
-                                    <p:cond delay="0"/>
-                                  </p:stCondLst>
-                                  <p:childTnLst>
-                                    <p:set>
-                                      <p:cBhvr>
-                                        <p:cTn id="46" dur="1" fill="hold">
-                                          <p:stCondLst>
-                                            <p:cond delay="0"/>
-                                          </p:stCondLst>
-                                        </p:cTn>
-                                        <p:tgtEl>
-                                          <p:spTgt spid="12">
-                                            <p:txEl>
-                                              <p:pRg st="11" end="11"/>
-                                            </p:txEl>
-                                          </p:spTgt>
-                                        </p:tgtEl>
-                                        <p:attrNameLst>
-                                          <p:attrName>style.visibility</p:attrName>
-                                        </p:attrNameLst>
-                                      </p:cBhvr>
-                                      <p:to>
-                                        <p:strVal val="visible"/>
-                                      </p:to>
-                                    </p:set>
-                                    <p:animEffect transition="in" filter="fade">
-                                      <p:cBhvr>
-                                        <p:cTn id="47" dur="500"/>
-                                        <p:tgtEl>
-                                          <p:spTgt spid="12">
-                                            <p:txEl>
-                                              <p:pRg st="11" end="11"/>
-                                            </p:txEl>
-                                          </p:spTgt>
-                                        </p:tgtEl>
-                                      </p:cBhvr>
-                                    </p:animEffect>
-                                  </p:childTnLst>
-                                </p:cTn>
-                              </p:par>
-                            </p:childTnLst>
-                          </p:cTn>
-                        </p:par>
-                      </p:childTnLst>
-                    </p:cTn>
-                  </p:par>
-                  <p:par>
-                    <p:cTn id="48" fill="hold">
-                      <p:stCondLst>
-                        <p:cond delay="indefinite"/>
-                      </p:stCondLst>
-                      <p:childTnLst>
-                        <p:par>
-                          <p:cTn id="49" fill="hold">
-                            <p:stCondLst>
-                              <p:cond delay="0"/>
-                            </p:stCondLst>
-                            <p:childTnLst>
-                              <p:par>
-                                <p:cTn id="50" presetID="10" presetClass="entr" presetSubtype="0" fill="hold" nodeType="clickEffect">
-                                  <p:stCondLst>
-                                    <p:cond delay="0"/>
-                                  </p:stCondLst>
-                                  <p:childTnLst>
-                                    <p:set>
-                                      <p:cBhvr>
-                                        <p:cTn id="51" dur="1" fill="hold">
-                                          <p:stCondLst>
-                                            <p:cond delay="0"/>
-                                          </p:stCondLst>
-                                        </p:cTn>
-                                        <p:tgtEl>
-                                          <p:spTgt spid="12">
-                                            <p:txEl>
-                                              <p:pRg st="12" end="12"/>
-                                            </p:txEl>
-                                          </p:spTgt>
-                                        </p:tgtEl>
-                                        <p:attrNameLst>
-                                          <p:attrName>style.visibility</p:attrName>
-                                        </p:attrNameLst>
-                                      </p:cBhvr>
-                                      <p:to>
-                                        <p:strVal val="visible"/>
-                                      </p:to>
-                                    </p:set>
-                                    <p:animEffect transition="in" filter="fade">
-                                      <p:cBhvr>
-                                        <p:cTn id="52" dur="500"/>
-                                        <p:tgtEl>
-                                          <p:spTgt spid="12">
-                                            <p:txEl>
-                                              <p:pRg st="12" end="12"/>
-                                            </p:txEl>
-                                          </p:spTgt>
-                                        </p:tgtEl>
-                                      </p:cBhvr>
-                                    </p:animEffect>
-                                  </p:childTnLst>
-                                </p:cTn>
-                              </p:par>
-                            </p:childTnLst>
-                          </p:cTn>
-                        </p:par>
-                      </p:childTnLst>
-                    </p:cTn>
-                  </p:par>
-                  <p:par>
-                    <p:cTn id="53" fill="hold">
-                      <p:stCondLst>
-                        <p:cond delay="indefinite"/>
-                      </p:stCondLst>
-                      <p:childTnLst>
-                        <p:par>
-                          <p:cTn id="54" fill="hold">
-                            <p:stCondLst>
-                              <p:cond delay="0"/>
-                            </p:stCondLst>
-                            <p:childTnLst>
-                              <p:par>
-                                <p:cTn id="55" presetID="10" presetClass="entr" presetSubtype="0" fill="hold" nodeType="clickEffect">
-                                  <p:stCondLst>
-                                    <p:cond delay="0"/>
-                                  </p:stCondLst>
-                                  <p:childTnLst>
-                                    <p:set>
-                                      <p:cBhvr>
-                                        <p:cTn id="56" dur="1" fill="hold">
-                                          <p:stCondLst>
-                                            <p:cond delay="0"/>
-                                          </p:stCondLst>
-                                        </p:cTn>
-                                        <p:tgtEl>
-                                          <p:spTgt spid="12">
-                                            <p:txEl>
-                                              <p:pRg st="14" end="14"/>
-                                            </p:txEl>
-                                          </p:spTgt>
-                                        </p:tgtEl>
-                                        <p:attrNameLst>
-                                          <p:attrName>style.visibility</p:attrName>
-                                        </p:attrNameLst>
-                                      </p:cBhvr>
-                                      <p:to>
-                                        <p:strVal val="visible"/>
-                                      </p:to>
-                                    </p:set>
-                                    <p:animEffect transition="in" filter="fade">
-                                      <p:cBhvr>
-                                        <p:cTn id="57" dur="500"/>
-                                        <p:tgtEl>
-                                          <p:spTgt spid="12">
-                                            <p:txEl>
-                                              <p:pRg st="14" end="14"/>
-                                            </p:txEl>
-                                          </p:spTgt>
-                                        </p:tgtEl>
-                                      </p:cBhvr>
-                                    </p:animEffect>
-                                  </p:childTnLst>
-                                </p:cTn>
-                              </p:par>
-                            </p:childTnLst>
-                          </p:cTn>
-                        </p:par>
-                      </p:childTnLst>
-                    </p:cTn>
-                  </p:par>
-                  <p:par>
-                    <p:cTn id="58" fill="hold">
-                      <p:stCondLst>
-                        <p:cond delay="indefinite"/>
-                      </p:stCondLst>
-                      <p:childTnLst>
-                        <p:par>
-                          <p:cTn id="59" fill="hold">
-                            <p:stCondLst>
-                              <p:cond delay="0"/>
-                            </p:stCondLst>
-                            <p:childTnLst>
-                              <p:par>
-                                <p:cTn id="60" presetID="10" presetClass="entr" presetSubtype="0" fill="hold" nodeType="clickEffect">
-                                  <p:stCondLst>
-                                    <p:cond delay="0"/>
-                                  </p:stCondLst>
-                                  <p:childTnLst>
-                                    <p:set>
-                                      <p:cBhvr>
-                                        <p:cTn id="61" dur="1" fill="hold">
-                                          <p:stCondLst>
-                                            <p:cond delay="0"/>
-                                          </p:stCondLst>
-                                        </p:cTn>
-                                        <p:tgtEl>
-                                          <p:spTgt spid="12">
-                                            <p:txEl>
-                                              <p:pRg st="15" end="15"/>
-                                            </p:txEl>
-                                          </p:spTgt>
-                                        </p:tgtEl>
-                                        <p:attrNameLst>
-                                          <p:attrName>style.visibility</p:attrName>
-                                        </p:attrNameLst>
-                                      </p:cBhvr>
-                                      <p:to>
-                                        <p:strVal val="visible"/>
-                                      </p:to>
-                                    </p:set>
-                                    <p:animEffect transition="in" filter="fade">
-                                      <p:cBhvr>
-                                        <p:cTn id="62" dur="500"/>
-                                        <p:tgtEl>
-                                          <p:spTgt spid="12">
-                                            <p:txEl>
-                                              <p:pRg st="15" end="15"/>
-                                            </p:txEl>
-                                          </p:spTgt>
-                                        </p:tgtEl>
-                                      </p:cBhvr>
-                                    </p:animEffect>
-                                  </p:childTnLst>
-                                </p:cTn>
-                              </p:par>
-                            </p:childTnLst>
-                          </p:cTn>
-                        </p:par>
-                      </p:childTnLst>
-                    </p:cTn>
-                  </p:par>
-                  <p:par>
-                    <p:cTn id="63" fill="hold">
-                      <p:stCondLst>
-                        <p:cond delay="indefinite"/>
-                      </p:stCondLst>
-                      <p:childTnLst>
-                        <p:par>
-                          <p:cTn id="64" fill="hold">
-                            <p:stCondLst>
-                              <p:cond delay="0"/>
-                            </p:stCondLst>
-                            <p:childTnLst>
-                              <p:par>
-                                <p:cTn id="65" presetID="10" presetClass="entr" presetSubtype="0" fill="hold" nodeType="clickEffect">
-                                  <p:stCondLst>
-                                    <p:cond delay="0"/>
-                                  </p:stCondLst>
-                                  <p:childTnLst>
-                                    <p:set>
-                                      <p:cBhvr>
-                                        <p:cTn id="66" dur="1" fill="hold">
-                                          <p:stCondLst>
-                                            <p:cond delay="0"/>
-                                          </p:stCondLst>
-                                        </p:cTn>
-                                        <p:tgtEl>
-                                          <p:spTgt spid="12">
-                                            <p:txEl>
-                                              <p:pRg st="16" end="16"/>
-                                            </p:txEl>
-                                          </p:spTgt>
-                                        </p:tgtEl>
-                                        <p:attrNameLst>
-                                          <p:attrName>style.visibility</p:attrName>
-                                        </p:attrNameLst>
-                                      </p:cBhvr>
-                                      <p:to>
-                                        <p:strVal val="visible"/>
-                                      </p:to>
-                                    </p:set>
-                                    <p:animEffect transition="in" filter="fade">
-                                      <p:cBhvr>
-                                        <p:cTn id="67" dur="500"/>
-                                        <p:tgtEl>
-                                          <p:spTgt spid="12">
-                                            <p:txEl>
-                                              <p:pRg st="16" end="16"/>
-                                            </p:txEl>
-                                          </p:spTgt>
-                                        </p:tgtEl>
-                                      </p:cBhvr>
-                                    </p:animEffect>
-                                  </p:childTnLst>
-                                </p:cTn>
-                              </p:par>
-                            </p:childTnLst>
-                          </p:cTn>
-                        </p:par>
-                      </p:childTnLst>
-                    </p:cTn>
-                  </p:par>
-                  <p:par>
-                    <p:cTn id="68" fill="hold">
-                      <p:stCondLst>
-                        <p:cond delay="indefinite"/>
-                      </p:stCondLst>
-                      <p:childTnLst>
-                        <p:par>
-                          <p:cTn id="69" fill="hold">
-                            <p:stCondLst>
-                              <p:cond delay="0"/>
-                            </p:stCondLst>
-                            <p:childTnLst>
-                              <p:par>
-                                <p:cTn id="70" presetID="10" presetClass="entr" presetSubtype="0" fill="hold" nodeType="clickEffect">
-                                  <p:stCondLst>
-                                    <p:cond delay="0"/>
-                                  </p:stCondLst>
-                                  <p:childTnLst>
-                                    <p:set>
-                                      <p:cBhvr>
-                                        <p:cTn id="71" dur="1" fill="hold">
-                                          <p:stCondLst>
-                                            <p:cond delay="0"/>
-                                          </p:stCondLst>
-                                        </p:cTn>
-                                        <p:tgtEl>
-                                          <p:spTgt spid="12">
-                                            <p:txEl>
-                                              <p:pRg st="17" end="17"/>
-                                            </p:txEl>
-                                          </p:spTgt>
-                                        </p:tgtEl>
-                                        <p:attrNameLst>
-                                          <p:attrName>style.visibility</p:attrName>
-                                        </p:attrNameLst>
-                                      </p:cBhvr>
-                                      <p:to>
-                                        <p:strVal val="visible"/>
-                                      </p:to>
-                                    </p:set>
-                                    <p:animEffect transition="in" filter="fade">
-                                      <p:cBhvr>
-                                        <p:cTn id="72" dur="500"/>
-                                        <p:tgtEl>
-                                          <p:spTgt spid="12">
-                                            <p:txEl>
-                                              <p:pRg st="17" end="17"/>
-                                            </p:txEl>
-                                          </p:spTgt>
-                                        </p:tgtEl>
-                                      </p:cBhvr>
-                                    </p:animEffect>
-                                  </p:childTnLst>
-                                </p:cTn>
-                              </p:par>
-                            </p:childTnLst>
-                          </p:cTn>
-                        </p:par>
-                      </p:childTnLst>
-                    </p:cTn>
-                  </p:par>
-                </p:childTnLst>
-              </p:cTn>
-              <p:prevCondLst>
-                <p:cond evt="onPrev" delay="0">
-                  <p:tgtEl>
-                    <p:sldTgt/>
-                  </p:tgtEl>
-                </p:cond>
-              </p:prevCondLst>
-              <p:nextCondLst>
-                <p:cond evt="onNext" delay="0">
-                  <p:tgtEl>
-                    <p:sldTgt/>
-                  </p:tgtEl>
-                </p:cond>
-              </p:nextCondLst>
-            </p:seq>
-          </p:childTnLst>
-        </p:cTn>
+        <p:cTn id="1" dur="indefinite" restart="never" nodeType="tmRoot"/>
       </p:par>
     </p:tnLst>
   </p:timing>
@@ -15479,6 +15035,1440 @@
           </a:fontRef>
         </p:style>
       </p:cxnSp>
+      <p:cxnSp>
+        <p:nvCxnSpPr>
+          <p:cNvPr id="15" name="Straight Connector 14"/>
+          <p:cNvCxnSpPr/>
+          <p:nvPr/>
+        </p:nvCxnSpPr>
+        <p:spPr>
+          <a:xfrm>
+            <a:off x="1189918" y="914400"/>
+            <a:ext cx="7649282" cy="0"/>
+          </a:xfrm>
+          <a:prstGeom prst="line">
+            <a:avLst/>
+          </a:prstGeom>
+          <a:ln w="19050">
+            <a:solidFill>
+              <a:srgbClr val="F20000"/>
+            </a:solidFill>
+          </a:ln>
+        </p:spPr>
+        <p:style>
+          <a:lnRef idx="1">
+            <a:schemeClr val="accent1"/>
+          </a:lnRef>
+          <a:fillRef idx="0">
+            <a:schemeClr val="accent1"/>
+          </a:fillRef>
+          <a:effectRef idx="0">
+            <a:schemeClr val="accent1"/>
+          </a:effectRef>
+          <a:fontRef idx="minor">
+            <a:schemeClr val="tx1"/>
+          </a:fontRef>
+        </p:style>
+      </p:cxnSp>
+      <p:sp>
+        <p:nvSpPr>
+          <p:cNvPr id="2" name="Slide Number Placeholder 1"/>
+          <p:cNvSpPr>
+            <a:spLocks noGrp="1"/>
+          </p:cNvSpPr>
+          <p:nvPr>
+            <p:ph type="sldNum" sz="quarter" idx="12"/>
+          </p:nvPr>
+        </p:nvSpPr>
+        <p:spPr/>
+        <p:txBody>
+          <a:bodyPr/>
+          <a:lstStyle/>
+          <a:p>
+            <a:fld id="{B6F15528-21DE-4FAA-801E-634DDDAF4B2B}" type="slidenum">
+              <a:rPr lang="en-US" smtClean="0"/>
+              <a:pPr/>
+              <a:t>15</a:t>
+            </a:fld>
+            <a:endParaRPr lang="en-US" dirty="0"/>
+          </a:p>
+        </p:txBody>
+      </p:sp>
+      <p:sp>
+        <p:nvSpPr>
+          <p:cNvPr id="9" name="TextBox 8"/>
+          <p:cNvSpPr txBox="1"/>
+          <p:nvPr/>
+        </p:nvSpPr>
+        <p:spPr>
+          <a:xfrm>
+            <a:off x="1386291" y="224135"/>
+            <a:ext cx="7315200" cy="553998"/>
+          </a:xfrm>
+          <a:prstGeom prst="rect">
+            <a:avLst/>
+          </a:prstGeom>
+          <a:noFill/>
+        </p:spPr>
+        <p:txBody>
+          <a:bodyPr wrap="square" rtlCol="0">
+            <a:spAutoFit/>
+          </a:bodyPr>
+          <a:lstStyle/>
+          <a:p>
+            <a:pPr algn="ctr"/>
+            <a:r>
+              <a:rPr lang="tr-TR" sz="3000" dirty="0" err="1" smtClean="0">
+                <a:latin typeface="Times New Roman" panose="02020603050405020304" pitchFamily="18" charset="0"/>
+                <a:cs typeface="Times New Roman" panose="02020603050405020304" pitchFamily="18" charset="0"/>
+              </a:rPr>
+              <a:t>Conclusions</a:t>
+            </a:r>
+            <a:endParaRPr lang="tr-TR" sz="3000" dirty="0">
+              <a:latin typeface="Times New Roman" panose="02020603050405020304" pitchFamily="18" charset="0"/>
+              <a:cs typeface="Times New Roman" panose="02020603050405020304" pitchFamily="18" charset="0"/>
+            </a:endParaRPr>
+          </a:p>
+        </p:txBody>
+      </p:sp>
+      <p:sp>
+        <p:nvSpPr>
+          <p:cNvPr id="12" name="Text Box 9"/>
+          <p:cNvSpPr txBox="1">
+            <a:spLocks noChangeArrowheads="1"/>
+          </p:cNvSpPr>
+          <p:nvPr/>
+        </p:nvSpPr>
+        <p:spPr bwMode="auto">
+          <a:xfrm>
+            <a:off x="1166472" y="990600"/>
+            <a:ext cx="7954082" cy="5632311"/>
+          </a:xfrm>
+          <a:prstGeom prst="rect">
+            <a:avLst/>
+          </a:prstGeom>
+          <a:noFill/>
+          <a:ln w="9525">
+            <a:noFill/>
+            <a:miter lim="800000"/>
+            <a:headEnd/>
+            <a:tailEnd/>
+          </a:ln>
+          <a:effectLst/>
+        </p:spPr>
+        <p:txBody>
+          <a:bodyPr wrap="square">
+            <a:spAutoFit/>
+          </a:bodyPr>
+          <a:lstStyle/>
+          <a:p>
+            <a:pPr marL="342900" indent="-342900" algn="l">
+              <a:buFont typeface="Wingdings" panose="05000000000000000000" pitchFamily="2" charset="2"/>
+              <a:buChar char="q"/>
+            </a:pPr>
+            <a:r>
+              <a:rPr lang="en-US" sz="2000" dirty="0" smtClean="0">
+                <a:latin typeface="Times New Roman" panose="02020603050405020304" pitchFamily="18" charset="0"/>
+                <a:cs typeface="Times New Roman" panose="02020603050405020304" pitchFamily="18" charset="0"/>
+              </a:rPr>
+              <a:t>Integrated modular motor drives</a:t>
+            </a:r>
+          </a:p>
+          <a:p>
+            <a:pPr marL="800100" lvl="1" indent="-342900">
+              <a:buFont typeface="Wingdings" panose="05000000000000000000" pitchFamily="2" charset="2"/>
+              <a:buChar char="ü"/>
+            </a:pPr>
+            <a:r>
+              <a:rPr lang="en-US" sz="2000" dirty="0" smtClean="0">
+                <a:latin typeface="Times New Roman" panose="02020603050405020304" pitchFamily="18" charset="0"/>
+                <a:cs typeface="Times New Roman" panose="02020603050405020304" pitchFamily="18" charset="0"/>
+              </a:rPr>
+              <a:t>Advantages and challenges</a:t>
+            </a:r>
+          </a:p>
+          <a:p>
+            <a:pPr marL="800100" lvl="1" indent="-342900">
+              <a:buFont typeface="Wingdings" panose="05000000000000000000" pitchFamily="2" charset="2"/>
+              <a:buChar char="ü"/>
+            </a:pPr>
+            <a:endParaRPr lang="en-US" sz="2000" dirty="0" smtClean="0">
+              <a:latin typeface="Times New Roman" panose="02020603050405020304" pitchFamily="18" charset="0"/>
+              <a:cs typeface="Times New Roman" panose="02020603050405020304" pitchFamily="18" charset="0"/>
+            </a:endParaRPr>
+          </a:p>
+          <a:p>
+            <a:pPr marL="342900" indent="-342900">
+              <a:buFont typeface="Wingdings" panose="05000000000000000000" pitchFamily="2" charset="2"/>
+              <a:buChar char="q"/>
+            </a:pPr>
+            <a:r>
+              <a:rPr lang="en-US" sz="2000" dirty="0" smtClean="0">
+                <a:latin typeface="Times New Roman" panose="02020603050405020304" pitchFamily="18" charset="0"/>
+                <a:cs typeface="Times New Roman" panose="02020603050405020304" pitchFamily="18" charset="0"/>
+              </a:rPr>
+              <a:t>Volume reduction challenge</a:t>
+            </a:r>
+          </a:p>
+          <a:p>
+            <a:pPr marL="800100" lvl="1" indent="-342900">
+              <a:buFont typeface="Wingdings" panose="05000000000000000000" pitchFamily="2" charset="2"/>
+              <a:buChar char="ü"/>
+            </a:pPr>
+            <a:r>
+              <a:rPr lang="en-US" sz="2000" dirty="0" smtClean="0">
+                <a:latin typeface="Times New Roman" panose="02020603050405020304" pitchFamily="18" charset="0"/>
+                <a:cs typeface="Times New Roman" panose="02020603050405020304" pitchFamily="18" charset="0"/>
+              </a:rPr>
+              <a:t>DC link capacitor size optimization</a:t>
+            </a:r>
+          </a:p>
+          <a:p>
+            <a:pPr marL="800100" lvl="1" indent="-342900">
+              <a:buFont typeface="Wingdings" panose="05000000000000000000" pitchFamily="2" charset="2"/>
+              <a:buChar char="ü"/>
+            </a:pPr>
+            <a:endParaRPr lang="en-US" sz="2000" dirty="0" smtClean="0">
+              <a:latin typeface="Times New Roman" panose="02020603050405020304" pitchFamily="18" charset="0"/>
+              <a:cs typeface="Times New Roman" panose="02020603050405020304" pitchFamily="18" charset="0"/>
+            </a:endParaRPr>
+          </a:p>
+          <a:p>
+            <a:pPr marL="342900" indent="-342900">
+              <a:buFont typeface="Wingdings" panose="05000000000000000000" pitchFamily="2" charset="2"/>
+              <a:buChar char="q"/>
+            </a:pPr>
+            <a:r>
+              <a:rPr lang="en-US" sz="2000" dirty="0" smtClean="0">
+                <a:latin typeface="Times New Roman" panose="02020603050405020304" pitchFamily="18" charset="0"/>
+                <a:cs typeface="Times New Roman" panose="02020603050405020304" pitchFamily="18" charset="0"/>
+              </a:rPr>
+              <a:t>DC Link model of an IMMD</a:t>
+            </a:r>
+          </a:p>
+          <a:p>
+            <a:pPr marL="800100" lvl="1" indent="-342900">
+              <a:buFont typeface="Wingdings" panose="05000000000000000000" pitchFamily="2" charset="2"/>
+              <a:buChar char="ü"/>
+            </a:pPr>
+            <a:r>
+              <a:rPr lang="en-US" sz="2000" dirty="0" smtClean="0">
+                <a:latin typeface="Times New Roman" panose="02020603050405020304" pitchFamily="18" charset="0"/>
+                <a:cs typeface="Times New Roman" panose="02020603050405020304" pitchFamily="18" charset="0"/>
+              </a:rPr>
+              <a:t>Critical parameters</a:t>
+            </a:r>
+          </a:p>
+          <a:p>
+            <a:pPr marL="800100" lvl="1" indent="-342900">
+              <a:buFont typeface="Wingdings" panose="05000000000000000000" pitchFamily="2" charset="2"/>
+              <a:buChar char="ü"/>
+            </a:pPr>
+            <a:r>
+              <a:rPr lang="en-US" sz="2000" dirty="0" smtClean="0">
+                <a:latin typeface="Times New Roman" panose="02020603050405020304" pitchFamily="18" charset="0"/>
+                <a:cs typeface="Times New Roman" panose="02020603050405020304" pitchFamily="18" charset="0"/>
+              </a:rPr>
+              <a:t>Analytical model</a:t>
+            </a:r>
+          </a:p>
+          <a:p>
+            <a:pPr marL="800100" lvl="1" indent="-342900">
+              <a:buFont typeface="Wingdings" panose="05000000000000000000" pitchFamily="2" charset="2"/>
+              <a:buChar char="ü"/>
+            </a:pPr>
+            <a:endParaRPr lang="en-US" sz="2000" dirty="0" smtClean="0">
+              <a:latin typeface="Times New Roman" panose="02020603050405020304" pitchFamily="18" charset="0"/>
+              <a:cs typeface="Times New Roman" panose="02020603050405020304" pitchFamily="18" charset="0"/>
+            </a:endParaRPr>
+          </a:p>
+          <a:p>
+            <a:pPr marL="342900" indent="-342900">
+              <a:buFont typeface="Wingdings" panose="05000000000000000000" pitchFamily="2" charset="2"/>
+              <a:buChar char="q"/>
+            </a:pPr>
+            <a:r>
+              <a:rPr lang="en-US" sz="2000" dirty="0" smtClean="0">
+                <a:latin typeface="Times New Roman" panose="02020603050405020304" pitchFamily="18" charset="0"/>
+                <a:cs typeface="Times New Roman" panose="02020603050405020304" pitchFamily="18" charset="0"/>
+              </a:rPr>
+              <a:t>Interleaving</a:t>
+            </a:r>
+          </a:p>
+          <a:p>
+            <a:pPr marL="800100" lvl="1" indent="-342900">
+              <a:buFont typeface="Wingdings" panose="05000000000000000000" pitchFamily="2" charset="2"/>
+              <a:buChar char="ü"/>
+            </a:pPr>
+            <a:r>
+              <a:rPr lang="en-US" sz="2000" dirty="0" smtClean="0">
+                <a:latin typeface="Times New Roman" panose="02020603050405020304" pitchFamily="18" charset="0"/>
+                <a:cs typeface="Times New Roman" panose="02020603050405020304" pitchFamily="18" charset="0"/>
+              </a:rPr>
+              <a:t>Optimum phase shift angle</a:t>
+            </a:r>
+          </a:p>
+          <a:p>
+            <a:pPr marL="800100" lvl="1" indent="-342900">
+              <a:buFont typeface="Wingdings" panose="05000000000000000000" pitchFamily="2" charset="2"/>
+              <a:buChar char="ü"/>
+            </a:pPr>
+            <a:r>
+              <a:rPr lang="en-US" sz="2000" dirty="0" smtClean="0">
+                <a:latin typeface="Times New Roman" panose="02020603050405020304" pitchFamily="18" charset="0"/>
+                <a:cs typeface="Times New Roman" panose="02020603050405020304" pitchFamily="18" charset="0"/>
+              </a:rPr>
+              <a:t>Optimum number of modules </a:t>
+            </a:r>
+          </a:p>
+          <a:p>
+            <a:pPr marL="800100" lvl="1" indent="-342900">
+              <a:buFont typeface="Wingdings" panose="05000000000000000000" pitchFamily="2" charset="2"/>
+              <a:buChar char="ü"/>
+            </a:pPr>
+            <a:endParaRPr lang="en-US" sz="2000" dirty="0" smtClean="0">
+              <a:latin typeface="Times New Roman" panose="02020603050405020304" pitchFamily="18" charset="0"/>
+              <a:cs typeface="Times New Roman" panose="02020603050405020304" pitchFamily="18" charset="0"/>
+            </a:endParaRPr>
+          </a:p>
+          <a:p>
+            <a:pPr marL="342900" indent="-342900">
+              <a:buFont typeface="Wingdings" panose="05000000000000000000" pitchFamily="2" charset="2"/>
+              <a:buChar char="q"/>
+            </a:pPr>
+            <a:r>
+              <a:rPr lang="en-US" sz="2000" dirty="0" smtClean="0">
+                <a:latin typeface="Times New Roman" panose="02020603050405020304" pitchFamily="18" charset="0"/>
+                <a:cs typeface="Times New Roman" panose="02020603050405020304" pitchFamily="18" charset="0"/>
+              </a:rPr>
+              <a:t>Capacitor selection algorithm</a:t>
+            </a:r>
+          </a:p>
+          <a:p>
+            <a:pPr marL="800100" lvl="1" indent="-342900">
+              <a:buFont typeface="Wingdings" panose="05000000000000000000" pitchFamily="2" charset="2"/>
+              <a:buChar char="ü"/>
+            </a:pPr>
+            <a:r>
+              <a:rPr lang="en-US" sz="2000" dirty="0" smtClean="0">
+                <a:latin typeface="Times New Roman" panose="02020603050405020304" pitchFamily="18" charset="0"/>
+                <a:cs typeface="Times New Roman" panose="02020603050405020304" pitchFamily="18" charset="0"/>
+              </a:rPr>
+              <a:t>Film capacitors =&gt; datasheet parameters</a:t>
+            </a:r>
+          </a:p>
+          <a:p>
+            <a:pPr marL="800100" lvl="1" indent="-342900">
+              <a:buFont typeface="Wingdings" panose="05000000000000000000" pitchFamily="2" charset="2"/>
+              <a:buChar char="ü"/>
+            </a:pPr>
+            <a:r>
+              <a:rPr lang="en-US" sz="2000" dirty="0" smtClean="0">
+                <a:latin typeface="Times New Roman" panose="02020603050405020304" pitchFamily="18" charset="0"/>
+                <a:cs typeface="Times New Roman" panose="02020603050405020304" pitchFamily="18" charset="0"/>
+              </a:rPr>
+              <a:t>Critical switching frequency</a:t>
+            </a:r>
+          </a:p>
+          <a:p>
+            <a:pPr marL="800100" lvl="1" indent="-342900">
+              <a:buFont typeface="Wingdings" panose="05000000000000000000" pitchFamily="2" charset="2"/>
+              <a:buChar char="ü"/>
+            </a:pPr>
+            <a:r>
+              <a:rPr lang="en-US" sz="2000" dirty="0" smtClean="0">
+                <a:latin typeface="Times New Roman" panose="02020603050405020304" pitchFamily="18" charset="0"/>
+                <a:cs typeface="Times New Roman" panose="02020603050405020304" pitchFamily="18" charset="0"/>
+              </a:rPr>
+              <a:t>Case results =&gt; optimum combination</a:t>
+            </a:r>
+          </a:p>
+        </p:txBody>
+      </p:sp>
+      <p:pic>
+        <p:nvPicPr>
+          <p:cNvPr id="13" name="Picture 12"/>
+          <p:cNvPicPr>
+            <a:picLocks noChangeAspect="1"/>
+          </p:cNvPicPr>
+          <p:nvPr/>
+        </p:nvPicPr>
+        <p:blipFill>
+          <a:blip r:embed="rId2" cstate="print">
+            <a:extLst>
+              <a:ext uri="{28A0092B-C50C-407E-A947-70E740481C1C}">
+                <a14:useLocalDpi xmlns:a14="http://schemas.microsoft.com/office/drawing/2010/main" val="0"/>
+              </a:ext>
+            </a:extLst>
+          </a:blip>
+          <a:stretch>
+            <a:fillRect/>
+          </a:stretch>
+        </p:blipFill>
+        <p:spPr>
+          <a:xfrm rot="16200000">
+            <a:off x="-876200" y="5067199"/>
+            <a:ext cx="2759076" cy="549476"/>
+          </a:xfrm>
+          <a:prstGeom prst="rect">
+            <a:avLst/>
+          </a:prstGeom>
+        </p:spPr>
+      </p:pic>
+      <p:pic>
+        <p:nvPicPr>
+          <p:cNvPr id="14" name="Picture 2" descr="C:\Users\Mesut\Desktop\aselsan sunum\aselsan sunum 10 ekim\aselsan sunum\cezmi bey\ODTU.png"/>
+          <p:cNvPicPr>
+            <a:picLocks noChangeAspect="1" noChangeArrowheads="1"/>
+          </p:cNvPicPr>
+          <p:nvPr/>
+        </p:nvPicPr>
+        <p:blipFill>
+          <a:blip r:embed="rId3" cstate="print">
+            <a:extLst>
+              <a:ext uri="{28A0092B-C50C-407E-A947-70E740481C1C}">
+                <a14:useLocalDpi xmlns:a14="http://schemas.microsoft.com/office/drawing/2010/main" val="0"/>
+              </a:ext>
+            </a:extLst>
+          </a:blip>
+          <a:srcRect/>
+          <a:stretch>
+            <a:fillRect/>
+          </a:stretch>
+        </p:blipFill>
+        <p:spPr bwMode="auto">
+          <a:xfrm>
+            <a:off x="116458" y="163788"/>
+            <a:ext cx="779026" cy="650016"/>
+          </a:xfrm>
+          <a:prstGeom prst="rect">
+            <a:avLst/>
+          </a:prstGeom>
+          <a:noFill/>
+          <a:extLst>
+            <a:ext uri="{909E8E84-426E-40DD-AFC4-6F175D3DCCD1}">
+              <a14:hiddenFill xmlns:a14="http://schemas.microsoft.com/office/drawing/2010/main">
+                <a:solidFill>
+                  <a:srgbClr val="FFFFFF"/>
+                </a:solidFill>
+              </a14:hiddenFill>
+            </a:ext>
+          </a:extLst>
+        </p:spPr>
+      </p:pic>
+    </p:spTree>
+    <p:extLst>
+      <p:ext uri="{BB962C8B-B14F-4D97-AF65-F5344CB8AC3E}">
+        <p14:creationId xmlns:p14="http://schemas.microsoft.com/office/powerpoint/2010/main" val="1973010309"/>
+      </p:ext>
+    </p:extLst>
+  </p:cSld>
+  <p:clrMapOvr>
+    <a:masterClrMapping/>
+  </p:clrMapOvr>
+  <p:timing>
+    <p:tnLst>
+      <p:par>
+        <p:cTn id="1" dur="indefinite" restart="never" nodeType="tmRoot">
+          <p:childTnLst>
+            <p:seq concurrent="1" nextAc="seek">
+              <p:cTn id="2" dur="indefinite" nodeType="mainSeq">
+                <p:childTnLst>
+                  <p:par>
+                    <p:cTn id="3" fill="hold">
+                      <p:stCondLst>
+                        <p:cond delay="indefinite"/>
+                      </p:stCondLst>
+                      <p:childTnLst>
+                        <p:par>
+                          <p:cTn id="4" fill="hold">
+                            <p:stCondLst>
+                              <p:cond delay="0"/>
+                            </p:stCondLst>
+                            <p:childTnLst>
+                              <p:par>
+                                <p:cTn id="5" presetID="10" presetClass="entr" presetSubtype="0" fill="hold" nodeType="clickEffect">
+                                  <p:stCondLst>
+                                    <p:cond delay="0"/>
+                                  </p:stCondLst>
+                                  <p:childTnLst>
+                                    <p:set>
+                                      <p:cBhvr>
+                                        <p:cTn id="6" dur="1" fill="hold">
+                                          <p:stCondLst>
+                                            <p:cond delay="0"/>
+                                          </p:stCondLst>
+                                        </p:cTn>
+                                        <p:tgtEl>
+                                          <p:spTgt spid="12">
+                                            <p:txEl>
+                                              <p:pRg st="0" end="0"/>
+                                            </p:txEl>
+                                          </p:spTgt>
+                                        </p:tgtEl>
+                                        <p:attrNameLst>
+                                          <p:attrName>style.visibility</p:attrName>
+                                        </p:attrNameLst>
+                                      </p:cBhvr>
+                                      <p:to>
+                                        <p:strVal val="visible"/>
+                                      </p:to>
+                                    </p:set>
+                                    <p:animEffect transition="in" filter="fade">
+                                      <p:cBhvr>
+                                        <p:cTn id="7" dur="500"/>
+                                        <p:tgtEl>
+                                          <p:spTgt spid="12">
+                                            <p:txEl>
+                                              <p:pRg st="0" end="0"/>
+                                            </p:txEl>
+                                          </p:spTgt>
+                                        </p:tgtEl>
+                                      </p:cBhvr>
+                                    </p:animEffect>
+                                  </p:childTnLst>
+                                </p:cTn>
+                              </p:par>
+                            </p:childTnLst>
+                          </p:cTn>
+                        </p:par>
+                      </p:childTnLst>
+                    </p:cTn>
+                  </p:par>
+                  <p:par>
+                    <p:cTn id="8" fill="hold">
+                      <p:stCondLst>
+                        <p:cond delay="indefinite"/>
+                      </p:stCondLst>
+                      <p:childTnLst>
+                        <p:par>
+                          <p:cTn id="9" fill="hold">
+                            <p:stCondLst>
+                              <p:cond delay="0"/>
+                            </p:stCondLst>
+                            <p:childTnLst>
+                              <p:par>
+                                <p:cTn id="10" presetID="10" presetClass="entr" presetSubtype="0" fill="hold" nodeType="clickEffect">
+                                  <p:stCondLst>
+                                    <p:cond delay="0"/>
+                                  </p:stCondLst>
+                                  <p:childTnLst>
+                                    <p:set>
+                                      <p:cBhvr>
+                                        <p:cTn id="11" dur="1" fill="hold">
+                                          <p:stCondLst>
+                                            <p:cond delay="0"/>
+                                          </p:stCondLst>
+                                        </p:cTn>
+                                        <p:tgtEl>
+                                          <p:spTgt spid="12">
+                                            <p:txEl>
+                                              <p:pRg st="1" end="1"/>
+                                            </p:txEl>
+                                          </p:spTgt>
+                                        </p:tgtEl>
+                                        <p:attrNameLst>
+                                          <p:attrName>style.visibility</p:attrName>
+                                        </p:attrNameLst>
+                                      </p:cBhvr>
+                                      <p:to>
+                                        <p:strVal val="visible"/>
+                                      </p:to>
+                                    </p:set>
+                                    <p:animEffect transition="in" filter="fade">
+                                      <p:cBhvr>
+                                        <p:cTn id="12" dur="500"/>
+                                        <p:tgtEl>
+                                          <p:spTgt spid="12">
+                                            <p:txEl>
+                                              <p:pRg st="1" end="1"/>
+                                            </p:txEl>
+                                          </p:spTgt>
+                                        </p:tgtEl>
+                                      </p:cBhvr>
+                                    </p:animEffect>
+                                  </p:childTnLst>
+                                </p:cTn>
+                              </p:par>
+                            </p:childTnLst>
+                          </p:cTn>
+                        </p:par>
+                      </p:childTnLst>
+                    </p:cTn>
+                  </p:par>
+                  <p:par>
+                    <p:cTn id="13" fill="hold">
+                      <p:stCondLst>
+                        <p:cond delay="indefinite"/>
+                      </p:stCondLst>
+                      <p:childTnLst>
+                        <p:par>
+                          <p:cTn id="14" fill="hold">
+                            <p:stCondLst>
+                              <p:cond delay="0"/>
+                            </p:stCondLst>
+                            <p:childTnLst>
+                              <p:par>
+                                <p:cTn id="15" presetID="10" presetClass="entr" presetSubtype="0" fill="hold" nodeType="clickEffect">
+                                  <p:stCondLst>
+                                    <p:cond delay="0"/>
+                                  </p:stCondLst>
+                                  <p:childTnLst>
+                                    <p:set>
+                                      <p:cBhvr>
+                                        <p:cTn id="16" dur="1" fill="hold">
+                                          <p:stCondLst>
+                                            <p:cond delay="0"/>
+                                          </p:stCondLst>
+                                        </p:cTn>
+                                        <p:tgtEl>
+                                          <p:spTgt spid="12">
+                                            <p:txEl>
+                                              <p:pRg st="3" end="3"/>
+                                            </p:txEl>
+                                          </p:spTgt>
+                                        </p:tgtEl>
+                                        <p:attrNameLst>
+                                          <p:attrName>style.visibility</p:attrName>
+                                        </p:attrNameLst>
+                                      </p:cBhvr>
+                                      <p:to>
+                                        <p:strVal val="visible"/>
+                                      </p:to>
+                                    </p:set>
+                                    <p:animEffect transition="in" filter="fade">
+                                      <p:cBhvr>
+                                        <p:cTn id="17" dur="500"/>
+                                        <p:tgtEl>
+                                          <p:spTgt spid="12">
+                                            <p:txEl>
+                                              <p:pRg st="3" end="3"/>
+                                            </p:txEl>
+                                          </p:spTgt>
+                                        </p:tgtEl>
+                                      </p:cBhvr>
+                                    </p:animEffect>
+                                  </p:childTnLst>
+                                </p:cTn>
+                              </p:par>
+                            </p:childTnLst>
+                          </p:cTn>
+                        </p:par>
+                      </p:childTnLst>
+                    </p:cTn>
+                  </p:par>
+                  <p:par>
+                    <p:cTn id="18" fill="hold">
+                      <p:stCondLst>
+                        <p:cond delay="indefinite"/>
+                      </p:stCondLst>
+                      <p:childTnLst>
+                        <p:par>
+                          <p:cTn id="19" fill="hold">
+                            <p:stCondLst>
+                              <p:cond delay="0"/>
+                            </p:stCondLst>
+                            <p:childTnLst>
+                              <p:par>
+                                <p:cTn id="20" presetID="10" presetClass="entr" presetSubtype="0" fill="hold" nodeType="clickEffect">
+                                  <p:stCondLst>
+                                    <p:cond delay="0"/>
+                                  </p:stCondLst>
+                                  <p:childTnLst>
+                                    <p:set>
+                                      <p:cBhvr>
+                                        <p:cTn id="21" dur="1" fill="hold">
+                                          <p:stCondLst>
+                                            <p:cond delay="0"/>
+                                          </p:stCondLst>
+                                        </p:cTn>
+                                        <p:tgtEl>
+                                          <p:spTgt spid="12">
+                                            <p:txEl>
+                                              <p:pRg st="4" end="4"/>
+                                            </p:txEl>
+                                          </p:spTgt>
+                                        </p:tgtEl>
+                                        <p:attrNameLst>
+                                          <p:attrName>style.visibility</p:attrName>
+                                        </p:attrNameLst>
+                                      </p:cBhvr>
+                                      <p:to>
+                                        <p:strVal val="visible"/>
+                                      </p:to>
+                                    </p:set>
+                                    <p:animEffect transition="in" filter="fade">
+                                      <p:cBhvr>
+                                        <p:cTn id="22" dur="500"/>
+                                        <p:tgtEl>
+                                          <p:spTgt spid="12">
+                                            <p:txEl>
+                                              <p:pRg st="4" end="4"/>
+                                            </p:txEl>
+                                          </p:spTgt>
+                                        </p:tgtEl>
+                                      </p:cBhvr>
+                                    </p:animEffect>
+                                  </p:childTnLst>
+                                </p:cTn>
+                              </p:par>
+                            </p:childTnLst>
+                          </p:cTn>
+                        </p:par>
+                      </p:childTnLst>
+                    </p:cTn>
+                  </p:par>
+                  <p:par>
+                    <p:cTn id="23" fill="hold">
+                      <p:stCondLst>
+                        <p:cond delay="indefinite"/>
+                      </p:stCondLst>
+                      <p:childTnLst>
+                        <p:par>
+                          <p:cTn id="24" fill="hold">
+                            <p:stCondLst>
+                              <p:cond delay="0"/>
+                            </p:stCondLst>
+                            <p:childTnLst>
+                              <p:par>
+                                <p:cTn id="25" presetID="10" presetClass="entr" presetSubtype="0" fill="hold" nodeType="clickEffect">
+                                  <p:stCondLst>
+                                    <p:cond delay="0"/>
+                                  </p:stCondLst>
+                                  <p:childTnLst>
+                                    <p:set>
+                                      <p:cBhvr>
+                                        <p:cTn id="26" dur="1" fill="hold">
+                                          <p:stCondLst>
+                                            <p:cond delay="0"/>
+                                          </p:stCondLst>
+                                        </p:cTn>
+                                        <p:tgtEl>
+                                          <p:spTgt spid="12">
+                                            <p:txEl>
+                                              <p:pRg st="6" end="6"/>
+                                            </p:txEl>
+                                          </p:spTgt>
+                                        </p:tgtEl>
+                                        <p:attrNameLst>
+                                          <p:attrName>style.visibility</p:attrName>
+                                        </p:attrNameLst>
+                                      </p:cBhvr>
+                                      <p:to>
+                                        <p:strVal val="visible"/>
+                                      </p:to>
+                                    </p:set>
+                                    <p:animEffect transition="in" filter="fade">
+                                      <p:cBhvr>
+                                        <p:cTn id="27" dur="500"/>
+                                        <p:tgtEl>
+                                          <p:spTgt spid="12">
+                                            <p:txEl>
+                                              <p:pRg st="6" end="6"/>
+                                            </p:txEl>
+                                          </p:spTgt>
+                                        </p:tgtEl>
+                                      </p:cBhvr>
+                                    </p:animEffect>
+                                  </p:childTnLst>
+                                </p:cTn>
+                              </p:par>
+                            </p:childTnLst>
+                          </p:cTn>
+                        </p:par>
+                      </p:childTnLst>
+                    </p:cTn>
+                  </p:par>
+                  <p:par>
+                    <p:cTn id="28" fill="hold">
+                      <p:stCondLst>
+                        <p:cond delay="indefinite"/>
+                      </p:stCondLst>
+                      <p:childTnLst>
+                        <p:par>
+                          <p:cTn id="29" fill="hold">
+                            <p:stCondLst>
+                              <p:cond delay="0"/>
+                            </p:stCondLst>
+                            <p:childTnLst>
+                              <p:par>
+                                <p:cTn id="30" presetID="10" presetClass="entr" presetSubtype="0" fill="hold" nodeType="clickEffect">
+                                  <p:stCondLst>
+                                    <p:cond delay="0"/>
+                                  </p:stCondLst>
+                                  <p:childTnLst>
+                                    <p:set>
+                                      <p:cBhvr>
+                                        <p:cTn id="31" dur="1" fill="hold">
+                                          <p:stCondLst>
+                                            <p:cond delay="0"/>
+                                          </p:stCondLst>
+                                        </p:cTn>
+                                        <p:tgtEl>
+                                          <p:spTgt spid="12">
+                                            <p:txEl>
+                                              <p:pRg st="7" end="7"/>
+                                            </p:txEl>
+                                          </p:spTgt>
+                                        </p:tgtEl>
+                                        <p:attrNameLst>
+                                          <p:attrName>style.visibility</p:attrName>
+                                        </p:attrNameLst>
+                                      </p:cBhvr>
+                                      <p:to>
+                                        <p:strVal val="visible"/>
+                                      </p:to>
+                                    </p:set>
+                                    <p:animEffect transition="in" filter="fade">
+                                      <p:cBhvr>
+                                        <p:cTn id="32" dur="500"/>
+                                        <p:tgtEl>
+                                          <p:spTgt spid="12">
+                                            <p:txEl>
+                                              <p:pRg st="7" end="7"/>
+                                            </p:txEl>
+                                          </p:spTgt>
+                                        </p:tgtEl>
+                                      </p:cBhvr>
+                                    </p:animEffect>
+                                  </p:childTnLst>
+                                </p:cTn>
+                              </p:par>
+                            </p:childTnLst>
+                          </p:cTn>
+                        </p:par>
+                      </p:childTnLst>
+                    </p:cTn>
+                  </p:par>
+                  <p:par>
+                    <p:cTn id="33" fill="hold">
+                      <p:stCondLst>
+                        <p:cond delay="indefinite"/>
+                      </p:stCondLst>
+                      <p:childTnLst>
+                        <p:par>
+                          <p:cTn id="34" fill="hold">
+                            <p:stCondLst>
+                              <p:cond delay="0"/>
+                            </p:stCondLst>
+                            <p:childTnLst>
+                              <p:par>
+                                <p:cTn id="35" presetID="10" presetClass="entr" presetSubtype="0" fill="hold" nodeType="clickEffect">
+                                  <p:stCondLst>
+                                    <p:cond delay="0"/>
+                                  </p:stCondLst>
+                                  <p:childTnLst>
+                                    <p:set>
+                                      <p:cBhvr>
+                                        <p:cTn id="36" dur="1" fill="hold">
+                                          <p:stCondLst>
+                                            <p:cond delay="0"/>
+                                          </p:stCondLst>
+                                        </p:cTn>
+                                        <p:tgtEl>
+                                          <p:spTgt spid="12">
+                                            <p:txEl>
+                                              <p:pRg st="8" end="8"/>
+                                            </p:txEl>
+                                          </p:spTgt>
+                                        </p:tgtEl>
+                                        <p:attrNameLst>
+                                          <p:attrName>style.visibility</p:attrName>
+                                        </p:attrNameLst>
+                                      </p:cBhvr>
+                                      <p:to>
+                                        <p:strVal val="visible"/>
+                                      </p:to>
+                                    </p:set>
+                                    <p:animEffect transition="in" filter="fade">
+                                      <p:cBhvr>
+                                        <p:cTn id="37" dur="500"/>
+                                        <p:tgtEl>
+                                          <p:spTgt spid="12">
+                                            <p:txEl>
+                                              <p:pRg st="8" end="8"/>
+                                            </p:txEl>
+                                          </p:spTgt>
+                                        </p:tgtEl>
+                                      </p:cBhvr>
+                                    </p:animEffect>
+                                  </p:childTnLst>
+                                </p:cTn>
+                              </p:par>
+                            </p:childTnLst>
+                          </p:cTn>
+                        </p:par>
+                      </p:childTnLst>
+                    </p:cTn>
+                  </p:par>
+                  <p:par>
+                    <p:cTn id="38" fill="hold">
+                      <p:stCondLst>
+                        <p:cond delay="indefinite"/>
+                      </p:stCondLst>
+                      <p:childTnLst>
+                        <p:par>
+                          <p:cTn id="39" fill="hold">
+                            <p:stCondLst>
+                              <p:cond delay="0"/>
+                            </p:stCondLst>
+                            <p:childTnLst>
+                              <p:par>
+                                <p:cTn id="40" presetID="10" presetClass="entr" presetSubtype="0" fill="hold" nodeType="clickEffect">
+                                  <p:stCondLst>
+                                    <p:cond delay="0"/>
+                                  </p:stCondLst>
+                                  <p:childTnLst>
+                                    <p:set>
+                                      <p:cBhvr>
+                                        <p:cTn id="41" dur="1" fill="hold">
+                                          <p:stCondLst>
+                                            <p:cond delay="0"/>
+                                          </p:stCondLst>
+                                        </p:cTn>
+                                        <p:tgtEl>
+                                          <p:spTgt spid="12">
+                                            <p:txEl>
+                                              <p:pRg st="10" end="10"/>
+                                            </p:txEl>
+                                          </p:spTgt>
+                                        </p:tgtEl>
+                                        <p:attrNameLst>
+                                          <p:attrName>style.visibility</p:attrName>
+                                        </p:attrNameLst>
+                                      </p:cBhvr>
+                                      <p:to>
+                                        <p:strVal val="visible"/>
+                                      </p:to>
+                                    </p:set>
+                                    <p:animEffect transition="in" filter="fade">
+                                      <p:cBhvr>
+                                        <p:cTn id="42" dur="500"/>
+                                        <p:tgtEl>
+                                          <p:spTgt spid="12">
+                                            <p:txEl>
+                                              <p:pRg st="10" end="10"/>
+                                            </p:txEl>
+                                          </p:spTgt>
+                                        </p:tgtEl>
+                                      </p:cBhvr>
+                                    </p:animEffect>
+                                  </p:childTnLst>
+                                </p:cTn>
+                              </p:par>
+                            </p:childTnLst>
+                          </p:cTn>
+                        </p:par>
+                      </p:childTnLst>
+                    </p:cTn>
+                  </p:par>
+                  <p:par>
+                    <p:cTn id="43" fill="hold">
+                      <p:stCondLst>
+                        <p:cond delay="indefinite"/>
+                      </p:stCondLst>
+                      <p:childTnLst>
+                        <p:par>
+                          <p:cTn id="44" fill="hold">
+                            <p:stCondLst>
+                              <p:cond delay="0"/>
+                            </p:stCondLst>
+                            <p:childTnLst>
+                              <p:par>
+                                <p:cTn id="45" presetID="10" presetClass="entr" presetSubtype="0" fill="hold" nodeType="clickEffect">
+                                  <p:stCondLst>
+                                    <p:cond delay="0"/>
+                                  </p:stCondLst>
+                                  <p:childTnLst>
+                                    <p:set>
+                                      <p:cBhvr>
+                                        <p:cTn id="46" dur="1" fill="hold">
+                                          <p:stCondLst>
+                                            <p:cond delay="0"/>
+                                          </p:stCondLst>
+                                        </p:cTn>
+                                        <p:tgtEl>
+                                          <p:spTgt spid="12">
+                                            <p:txEl>
+                                              <p:pRg st="11" end="11"/>
+                                            </p:txEl>
+                                          </p:spTgt>
+                                        </p:tgtEl>
+                                        <p:attrNameLst>
+                                          <p:attrName>style.visibility</p:attrName>
+                                        </p:attrNameLst>
+                                      </p:cBhvr>
+                                      <p:to>
+                                        <p:strVal val="visible"/>
+                                      </p:to>
+                                    </p:set>
+                                    <p:animEffect transition="in" filter="fade">
+                                      <p:cBhvr>
+                                        <p:cTn id="47" dur="500"/>
+                                        <p:tgtEl>
+                                          <p:spTgt spid="12">
+                                            <p:txEl>
+                                              <p:pRg st="11" end="11"/>
+                                            </p:txEl>
+                                          </p:spTgt>
+                                        </p:tgtEl>
+                                      </p:cBhvr>
+                                    </p:animEffect>
+                                  </p:childTnLst>
+                                </p:cTn>
+                              </p:par>
+                            </p:childTnLst>
+                          </p:cTn>
+                        </p:par>
+                      </p:childTnLst>
+                    </p:cTn>
+                  </p:par>
+                  <p:par>
+                    <p:cTn id="48" fill="hold">
+                      <p:stCondLst>
+                        <p:cond delay="indefinite"/>
+                      </p:stCondLst>
+                      <p:childTnLst>
+                        <p:par>
+                          <p:cTn id="49" fill="hold">
+                            <p:stCondLst>
+                              <p:cond delay="0"/>
+                            </p:stCondLst>
+                            <p:childTnLst>
+                              <p:par>
+                                <p:cTn id="50" presetID="10" presetClass="entr" presetSubtype="0" fill="hold" nodeType="clickEffect">
+                                  <p:stCondLst>
+                                    <p:cond delay="0"/>
+                                  </p:stCondLst>
+                                  <p:childTnLst>
+                                    <p:set>
+                                      <p:cBhvr>
+                                        <p:cTn id="51" dur="1" fill="hold">
+                                          <p:stCondLst>
+                                            <p:cond delay="0"/>
+                                          </p:stCondLst>
+                                        </p:cTn>
+                                        <p:tgtEl>
+                                          <p:spTgt spid="12">
+                                            <p:txEl>
+                                              <p:pRg st="12" end="12"/>
+                                            </p:txEl>
+                                          </p:spTgt>
+                                        </p:tgtEl>
+                                        <p:attrNameLst>
+                                          <p:attrName>style.visibility</p:attrName>
+                                        </p:attrNameLst>
+                                      </p:cBhvr>
+                                      <p:to>
+                                        <p:strVal val="visible"/>
+                                      </p:to>
+                                    </p:set>
+                                    <p:animEffect transition="in" filter="fade">
+                                      <p:cBhvr>
+                                        <p:cTn id="52" dur="500"/>
+                                        <p:tgtEl>
+                                          <p:spTgt spid="12">
+                                            <p:txEl>
+                                              <p:pRg st="12" end="12"/>
+                                            </p:txEl>
+                                          </p:spTgt>
+                                        </p:tgtEl>
+                                      </p:cBhvr>
+                                    </p:animEffect>
+                                  </p:childTnLst>
+                                </p:cTn>
+                              </p:par>
+                            </p:childTnLst>
+                          </p:cTn>
+                        </p:par>
+                      </p:childTnLst>
+                    </p:cTn>
+                  </p:par>
+                  <p:par>
+                    <p:cTn id="53" fill="hold">
+                      <p:stCondLst>
+                        <p:cond delay="indefinite"/>
+                      </p:stCondLst>
+                      <p:childTnLst>
+                        <p:par>
+                          <p:cTn id="54" fill="hold">
+                            <p:stCondLst>
+                              <p:cond delay="0"/>
+                            </p:stCondLst>
+                            <p:childTnLst>
+                              <p:par>
+                                <p:cTn id="55" presetID="10" presetClass="entr" presetSubtype="0" fill="hold" nodeType="clickEffect">
+                                  <p:stCondLst>
+                                    <p:cond delay="0"/>
+                                  </p:stCondLst>
+                                  <p:childTnLst>
+                                    <p:set>
+                                      <p:cBhvr>
+                                        <p:cTn id="56" dur="1" fill="hold">
+                                          <p:stCondLst>
+                                            <p:cond delay="0"/>
+                                          </p:stCondLst>
+                                        </p:cTn>
+                                        <p:tgtEl>
+                                          <p:spTgt spid="12">
+                                            <p:txEl>
+                                              <p:pRg st="14" end="14"/>
+                                            </p:txEl>
+                                          </p:spTgt>
+                                        </p:tgtEl>
+                                        <p:attrNameLst>
+                                          <p:attrName>style.visibility</p:attrName>
+                                        </p:attrNameLst>
+                                      </p:cBhvr>
+                                      <p:to>
+                                        <p:strVal val="visible"/>
+                                      </p:to>
+                                    </p:set>
+                                    <p:animEffect transition="in" filter="fade">
+                                      <p:cBhvr>
+                                        <p:cTn id="57" dur="500"/>
+                                        <p:tgtEl>
+                                          <p:spTgt spid="12">
+                                            <p:txEl>
+                                              <p:pRg st="14" end="14"/>
+                                            </p:txEl>
+                                          </p:spTgt>
+                                        </p:tgtEl>
+                                      </p:cBhvr>
+                                    </p:animEffect>
+                                  </p:childTnLst>
+                                </p:cTn>
+                              </p:par>
+                            </p:childTnLst>
+                          </p:cTn>
+                        </p:par>
+                      </p:childTnLst>
+                    </p:cTn>
+                  </p:par>
+                  <p:par>
+                    <p:cTn id="58" fill="hold">
+                      <p:stCondLst>
+                        <p:cond delay="indefinite"/>
+                      </p:stCondLst>
+                      <p:childTnLst>
+                        <p:par>
+                          <p:cTn id="59" fill="hold">
+                            <p:stCondLst>
+                              <p:cond delay="0"/>
+                            </p:stCondLst>
+                            <p:childTnLst>
+                              <p:par>
+                                <p:cTn id="60" presetID="10" presetClass="entr" presetSubtype="0" fill="hold" nodeType="clickEffect">
+                                  <p:stCondLst>
+                                    <p:cond delay="0"/>
+                                  </p:stCondLst>
+                                  <p:childTnLst>
+                                    <p:set>
+                                      <p:cBhvr>
+                                        <p:cTn id="61" dur="1" fill="hold">
+                                          <p:stCondLst>
+                                            <p:cond delay="0"/>
+                                          </p:stCondLst>
+                                        </p:cTn>
+                                        <p:tgtEl>
+                                          <p:spTgt spid="12">
+                                            <p:txEl>
+                                              <p:pRg st="15" end="15"/>
+                                            </p:txEl>
+                                          </p:spTgt>
+                                        </p:tgtEl>
+                                        <p:attrNameLst>
+                                          <p:attrName>style.visibility</p:attrName>
+                                        </p:attrNameLst>
+                                      </p:cBhvr>
+                                      <p:to>
+                                        <p:strVal val="visible"/>
+                                      </p:to>
+                                    </p:set>
+                                    <p:animEffect transition="in" filter="fade">
+                                      <p:cBhvr>
+                                        <p:cTn id="62" dur="500"/>
+                                        <p:tgtEl>
+                                          <p:spTgt spid="12">
+                                            <p:txEl>
+                                              <p:pRg st="15" end="15"/>
+                                            </p:txEl>
+                                          </p:spTgt>
+                                        </p:tgtEl>
+                                      </p:cBhvr>
+                                    </p:animEffect>
+                                  </p:childTnLst>
+                                </p:cTn>
+                              </p:par>
+                            </p:childTnLst>
+                          </p:cTn>
+                        </p:par>
+                      </p:childTnLst>
+                    </p:cTn>
+                  </p:par>
+                  <p:par>
+                    <p:cTn id="63" fill="hold">
+                      <p:stCondLst>
+                        <p:cond delay="indefinite"/>
+                      </p:stCondLst>
+                      <p:childTnLst>
+                        <p:par>
+                          <p:cTn id="64" fill="hold">
+                            <p:stCondLst>
+                              <p:cond delay="0"/>
+                            </p:stCondLst>
+                            <p:childTnLst>
+                              <p:par>
+                                <p:cTn id="65" presetID="10" presetClass="entr" presetSubtype="0" fill="hold" nodeType="clickEffect">
+                                  <p:stCondLst>
+                                    <p:cond delay="0"/>
+                                  </p:stCondLst>
+                                  <p:childTnLst>
+                                    <p:set>
+                                      <p:cBhvr>
+                                        <p:cTn id="66" dur="1" fill="hold">
+                                          <p:stCondLst>
+                                            <p:cond delay="0"/>
+                                          </p:stCondLst>
+                                        </p:cTn>
+                                        <p:tgtEl>
+                                          <p:spTgt spid="12">
+                                            <p:txEl>
+                                              <p:pRg st="16" end="16"/>
+                                            </p:txEl>
+                                          </p:spTgt>
+                                        </p:tgtEl>
+                                        <p:attrNameLst>
+                                          <p:attrName>style.visibility</p:attrName>
+                                        </p:attrNameLst>
+                                      </p:cBhvr>
+                                      <p:to>
+                                        <p:strVal val="visible"/>
+                                      </p:to>
+                                    </p:set>
+                                    <p:animEffect transition="in" filter="fade">
+                                      <p:cBhvr>
+                                        <p:cTn id="67" dur="500"/>
+                                        <p:tgtEl>
+                                          <p:spTgt spid="12">
+                                            <p:txEl>
+                                              <p:pRg st="16" end="16"/>
+                                            </p:txEl>
+                                          </p:spTgt>
+                                        </p:tgtEl>
+                                      </p:cBhvr>
+                                    </p:animEffect>
+                                  </p:childTnLst>
+                                </p:cTn>
+                              </p:par>
+                            </p:childTnLst>
+                          </p:cTn>
+                        </p:par>
+                      </p:childTnLst>
+                    </p:cTn>
+                  </p:par>
+                  <p:par>
+                    <p:cTn id="68" fill="hold">
+                      <p:stCondLst>
+                        <p:cond delay="indefinite"/>
+                      </p:stCondLst>
+                      <p:childTnLst>
+                        <p:par>
+                          <p:cTn id="69" fill="hold">
+                            <p:stCondLst>
+                              <p:cond delay="0"/>
+                            </p:stCondLst>
+                            <p:childTnLst>
+                              <p:par>
+                                <p:cTn id="70" presetID="10" presetClass="entr" presetSubtype="0" fill="hold" nodeType="clickEffect">
+                                  <p:stCondLst>
+                                    <p:cond delay="0"/>
+                                  </p:stCondLst>
+                                  <p:childTnLst>
+                                    <p:set>
+                                      <p:cBhvr>
+                                        <p:cTn id="71" dur="1" fill="hold">
+                                          <p:stCondLst>
+                                            <p:cond delay="0"/>
+                                          </p:stCondLst>
+                                        </p:cTn>
+                                        <p:tgtEl>
+                                          <p:spTgt spid="12">
+                                            <p:txEl>
+                                              <p:pRg st="17" end="17"/>
+                                            </p:txEl>
+                                          </p:spTgt>
+                                        </p:tgtEl>
+                                        <p:attrNameLst>
+                                          <p:attrName>style.visibility</p:attrName>
+                                        </p:attrNameLst>
+                                      </p:cBhvr>
+                                      <p:to>
+                                        <p:strVal val="visible"/>
+                                      </p:to>
+                                    </p:set>
+                                    <p:animEffect transition="in" filter="fade">
+                                      <p:cBhvr>
+                                        <p:cTn id="72" dur="500"/>
+                                        <p:tgtEl>
+                                          <p:spTgt spid="12">
+                                            <p:txEl>
+                                              <p:pRg st="17" end="17"/>
+                                            </p:txEl>
+                                          </p:spTgt>
+                                        </p:tgtEl>
+                                      </p:cBhvr>
+                                    </p:animEffect>
+                                  </p:childTnLst>
+                                </p:cTn>
+                              </p:par>
+                            </p:childTnLst>
+                          </p:cTn>
+                        </p:par>
+                      </p:childTnLst>
+                    </p:cTn>
+                  </p:par>
+                </p:childTnLst>
+              </p:cTn>
+              <p:prevCondLst>
+                <p:cond evt="onPrev" delay="0">
+                  <p:tgtEl>
+                    <p:sldTgt/>
+                  </p:tgtEl>
+                </p:cond>
+              </p:prevCondLst>
+              <p:nextCondLst>
+                <p:cond evt="onNext" delay="0">
+                  <p:tgtEl>
+                    <p:sldTgt/>
+                  </p:tgtEl>
+                </p:cond>
+              </p:nextCondLst>
+            </p:seq>
+          </p:childTnLst>
+        </p:cTn>
+      </p:par>
+    </p:tnLst>
+  </p:timing>
+</p:sld>
+</file>
+
+<file path=ppt/slides/slide16.xml><?xml version="1.0" encoding="utf-8"?>
+<p:sld xmlns:a="http://schemas.openxmlformats.org/drawingml/2006/main" xmlns:r="http://schemas.openxmlformats.org/officeDocument/2006/relationships" xmlns:p="http://schemas.openxmlformats.org/presentationml/2006/main">
+  <p:cSld>
+    <p:spTree>
+      <p:nvGrpSpPr>
+        <p:cNvPr id="1" name=""/>
+        <p:cNvGrpSpPr/>
+        <p:nvPr/>
+      </p:nvGrpSpPr>
+      <p:grpSpPr>
+        <a:xfrm>
+          <a:off x="0" y="0"/>
+          <a:ext cx="0" cy="0"/>
+          <a:chOff x="0" y="0"/>
+          <a:chExt cx="0" cy="0"/>
+        </a:xfrm>
+      </p:grpSpPr>
+      <p:sp>
+        <p:nvSpPr>
+          <p:cNvPr id="10" name="Rectangle 9"/>
+          <p:cNvSpPr/>
+          <p:nvPr/>
+        </p:nvSpPr>
+        <p:spPr>
+          <a:xfrm>
+            <a:off x="0" y="12106"/>
+            <a:ext cx="1011942" cy="6854083"/>
+          </a:xfrm>
+          <a:prstGeom prst="rect">
+            <a:avLst/>
+          </a:prstGeom>
+          <a:gradFill flip="none" rotWithShape="1">
+            <a:gsLst>
+              <a:gs pos="50000">
+                <a:srgbClr val="D00000"/>
+              </a:gs>
+              <a:gs pos="0">
+                <a:srgbClr val="FF0000">
+                  <a:shade val="30000"/>
+                  <a:satMod val="115000"/>
+                </a:srgbClr>
+              </a:gs>
+              <a:gs pos="100000">
+                <a:schemeClr val="accent2">
+                  <a:lumMod val="60000"/>
+                  <a:lumOff val="40000"/>
+                </a:schemeClr>
+              </a:gs>
+            </a:gsLst>
+            <a:lin ang="5400000" scaled="1"/>
+            <a:tileRect/>
+          </a:gradFill>
+          <a:ln>
+            <a:noFill/>
+          </a:ln>
+        </p:spPr>
+        <p:style>
+          <a:lnRef idx="2">
+            <a:schemeClr val="accent1">
+              <a:shade val="50000"/>
+            </a:schemeClr>
+          </a:lnRef>
+          <a:fillRef idx="1">
+            <a:schemeClr val="accent1"/>
+          </a:fillRef>
+          <a:effectRef idx="0">
+            <a:schemeClr val="accent1"/>
+          </a:effectRef>
+          <a:fontRef idx="minor">
+            <a:schemeClr val="lt1"/>
+          </a:fontRef>
+        </p:style>
+        <p:txBody>
+          <a:bodyPr rtlCol="0" anchor="ctr"/>
+          <a:lstStyle/>
+          <a:p>
+            <a:pPr algn="ctr"/>
+            <a:endParaRPr lang="tr-TR"/>
+          </a:p>
+        </p:txBody>
+      </p:sp>
+      <p:cxnSp>
+        <p:nvCxnSpPr>
+          <p:cNvPr id="11" name="Straight Connector 10"/>
+          <p:cNvCxnSpPr/>
+          <p:nvPr/>
+        </p:nvCxnSpPr>
+        <p:spPr>
+          <a:xfrm>
+            <a:off x="1189918" y="838200"/>
+            <a:ext cx="7649282" cy="0"/>
+          </a:xfrm>
+          <a:prstGeom prst="line">
+            <a:avLst/>
+          </a:prstGeom>
+          <a:ln w="50800">
+            <a:solidFill>
+              <a:srgbClr val="F20000"/>
+            </a:solidFill>
+          </a:ln>
+        </p:spPr>
+        <p:style>
+          <a:lnRef idx="1">
+            <a:schemeClr val="accent1"/>
+          </a:lnRef>
+          <a:fillRef idx="0">
+            <a:schemeClr val="accent1"/>
+          </a:fillRef>
+          <a:effectRef idx="0">
+            <a:schemeClr val="accent1"/>
+          </a:effectRef>
+          <a:fontRef idx="minor">
+            <a:schemeClr val="tx1"/>
+          </a:fontRef>
+        </p:style>
+      </p:cxnSp>
       <p:sp>
         <p:nvSpPr>
           <p:cNvPr id="13" name="TextBox 12"/>
@@ -15569,7 +16559,7 @@
             <a:fld id="{B6F15528-21DE-4FAA-801E-634DDDAF4B2B}" type="slidenum">
               <a:rPr lang="en-US" smtClean="0"/>
               <a:pPr/>
-              <a:t>15</a:t>
+              <a:t>16</a:t>
             </a:fld>
             <a:endParaRPr lang="en-US" dirty="0"/>
           </a:p>
@@ -16308,7 +17298,7 @@
 </p:sld>
 </file>
 
-<file path=ppt/slides/slide16.xml><?xml version="1.0" encoding="utf-8"?>
+<file path=ppt/slides/slide17.xml><?xml version="1.0" encoding="utf-8"?>
 <p:sld xmlns:a="http://schemas.openxmlformats.org/drawingml/2006/main" xmlns:r="http://schemas.openxmlformats.org/officeDocument/2006/relationships" xmlns:p="http://schemas.openxmlformats.org/presentationml/2006/main">
   <p:cSld>
     <p:spTree>
@@ -16477,7 +17467,7 @@
             <a:fld id="{B6F15528-21DE-4FAA-801E-634DDDAF4B2B}" type="slidenum">
               <a:rPr lang="en-US" smtClean="0"/>
               <a:pPr/>
-              <a:t>16</a:t>
+              <a:t>17</a:t>
             </a:fld>
             <a:endParaRPr lang="en-US" dirty="0"/>
           </a:p>
@@ -20322,18 +21312,11 @@
               <a:buChar char="ü"/>
             </a:pPr>
             <a:r>
-              <a:rPr lang="tr-TR" sz="2000" b="1" dirty="0" smtClean="0">
-                <a:latin typeface="Times New Roman" panose="02020603050405020304" pitchFamily="18" charset="0"/>
-                <a:cs typeface="Times New Roman" panose="02020603050405020304" pitchFamily="18" charset="0"/>
-              </a:rPr>
-              <a:t>W</a:t>
-            </a:r>
-            <a:r>
               <a:rPr lang="en-US" sz="2000" b="1" dirty="0" smtClean="0">
                 <a:latin typeface="Times New Roman" panose="02020603050405020304" pitchFamily="18" charset="0"/>
                 <a:cs typeface="Times New Roman" panose="02020603050405020304" pitchFamily="18" charset="0"/>
               </a:rPr>
-              <a:t>ide band-gap (WBG) </a:t>
+              <a:t>Wide band-gap (WBG) </a:t>
             </a:r>
             <a:r>
               <a:rPr lang="en-US" sz="2000" dirty="0" smtClean="0">
@@ -20342,10 +21325,6 @@
               </a:rPr>
               <a:t>power semiconductor devices</a:t>
             </a:r>
-            <a:endParaRPr lang="tr-TR" sz="2000" dirty="0" smtClean="0">
-              <a:latin typeface="Times New Roman" panose="02020603050405020304" pitchFamily="18" charset="0"/>
-              <a:cs typeface="Times New Roman" panose="02020603050405020304" pitchFamily="18" charset="0"/>
-            </a:endParaRPr>
           </a:p>
           <a:p>
             <a:pPr marL="342900" indent="-342900" algn="l">
@@ -20373,10 +21352,6 @@
               </a:rPr>
               <a:t>size is reduced</a:t>
             </a:r>
-            <a:endParaRPr lang="tr-TR" sz="2000" dirty="0">
-              <a:latin typeface="Times New Roman" panose="02020603050405020304" pitchFamily="18" charset="0"/>
-              <a:cs typeface="Times New Roman" panose="02020603050405020304" pitchFamily="18" charset="0"/>
-            </a:endParaRPr>
           </a:p>
           <a:p>
             <a:pPr marL="342900" indent="-342900" algn="l">
@@ -20388,21 +21363,7 @@
                 <a:latin typeface="Times New Roman" panose="02020603050405020304" pitchFamily="18" charset="0"/>
                 <a:cs typeface="Times New Roman" panose="02020603050405020304" pitchFamily="18" charset="0"/>
               </a:rPr>
-              <a:t>High </a:t>
-            </a:r>
-            <a:r>
-              <a:rPr lang="tr-TR" sz="2000" dirty="0" err="1" smtClean="0">
-                <a:latin typeface="Times New Roman" panose="02020603050405020304" pitchFamily="18" charset="0"/>
-                <a:cs typeface="Times New Roman" panose="02020603050405020304" pitchFamily="18" charset="0"/>
-              </a:rPr>
-              <a:t>speed</a:t>
-            </a:r>
-            <a:r>
-              <a:rPr lang="en-US" sz="2000" dirty="0" smtClean="0">
-                <a:latin typeface="Times New Roman" panose="02020603050405020304" pitchFamily="18" charset="0"/>
-                <a:cs typeface="Times New Roman" panose="02020603050405020304" pitchFamily="18" charset="0"/>
-              </a:rPr>
-              <a:t>: </a:t>
+              <a:t>High speed: </a:t>
             </a:r>
             <a:r>
               <a:rPr lang="en-US" sz="2000" b="1" dirty="0" smtClean="0">
@@ -23495,7 +24456,7 @@
         </p:nvSpPr>
         <p:spPr bwMode="auto">
           <a:xfrm>
-            <a:off x="1189918" y="1143000"/>
+            <a:off x="1189918" y="930599"/>
             <a:ext cx="7649282" cy="523220"/>
           </a:xfrm>
           <a:prstGeom prst="rect">
@@ -23664,7 +24625,7 @@
         </p:blipFill>
         <p:spPr>
           <a:xfrm>
-            <a:off x="1120351" y="2003992"/>
+            <a:off x="1189918" y="1634451"/>
             <a:ext cx="3614590" cy="2870309"/>
           </a:xfrm>
           <a:prstGeom prst="rect">
@@ -23694,7 +24655,7 @@
         </p:blipFill>
         <p:spPr>
           <a:xfrm>
-            <a:off x="4843350" y="1622417"/>
+            <a:off x="4833581" y="1347790"/>
             <a:ext cx="4273472" cy="3443633"/>
           </a:xfrm>
           <a:prstGeom prst="rect">
@@ -23702,8 +24663,8 @@
           </a:prstGeom>
         </p:spPr>
       </p:pic>
-      <mc:AlternateContent xmlns:mc="http://schemas.openxmlformats.org/markup-compatibility/2006" xmlns:a14="http://schemas.microsoft.com/office/drawing/2010/main">
-        <mc:Choice Requires="a14">
+      <mc:AlternateContent xmlns:mc="http://schemas.openxmlformats.org/markup-compatibility/2006">
+        <mc:Choice xmlns:a14="http://schemas.microsoft.com/office/drawing/2010/main" Requires="a14">
           <p:sp>
             <p:nvSpPr>
               <p:cNvPr id="17" name="Text Box 9"/>
@@ -23714,8 +24675,8 @@
             </p:nvSpPr>
             <p:spPr bwMode="auto">
               <a:xfrm>
-                <a:off x="1006676" y="5224811"/>
-                <a:ext cx="8137324" cy="1185324"/>
+                <a:off x="945897" y="4821298"/>
+                <a:ext cx="8137324" cy="1630575"/>
               </a:xfrm>
               <a:prstGeom prst="rect">
                 <a:avLst/>
@@ -23743,7 +24704,7 @@
                   <a:buChar char="o"/>
                 </a:pPr>
                 <a:r>
-                  <a:rPr lang="en-US" sz="2000" dirty="0" smtClean="0">
+                  <a:rPr lang="en-US" sz="2300" dirty="0" smtClean="0">
                     <a:latin typeface="Times New Roman" panose="02020603050405020304" pitchFamily="18" charset="0"/>
                     <a:cs typeface="Times New Roman" panose="02020603050405020304" pitchFamily="18" charset="0"/>
                   </a:rPr>
@@ -23754,7 +24715,7 @@
                     <m:f>
                       <m:fPr>
                         <m:ctrlPr>
-                          <a:rPr lang="en-US" sz="2000" b="1" i="1" smtClean="0">
+                          <a:rPr lang="en-US" sz="2800" b="1" i="1" smtClean="0">
                             <a:latin typeface="Cambria Math" panose="02040503050406030204" pitchFamily="18" charset="0"/>
                             <a:cs typeface="Times New Roman" panose="02020603050405020304" pitchFamily="18" charset="0"/>
                           </a:rPr>
@@ -23762,21 +24723,21 @@
                       </m:fPr>
                       <m:num>
                         <m:r>
-                          <a:rPr lang="en-US" sz="2000" b="1" i="0">
+                          <a:rPr lang="en-US" sz="2800" b="1" i="0">
                             <a:latin typeface="Cambria Math" panose="02040503050406030204" pitchFamily="18" charset="0"/>
                             <a:cs typeface="Times New Roman" panose="02020603050405020304" pitchFamily="18" charset="0"/>
                           </a:rPr>
                           <m:t>𝟐</m:t>
                         </m:r>
                         <m:r>
-                          <a:rPr lang="en-US" sz="2000" b="1" i="0">
+                          <a:rPr lang="en-US" sz="2800" b="1" i="0">
                             <a:latin typeface="Cambria Math" panose="02040503050406030204" pitchFamily="18" charset="0"/>
                             <a:cs typeface="Times New Roman" panose="02020603050405020304" pitchFamily="18" charset="0"/>
                           </a:rPr>
                           <m:t>𝛑</m:t>
                         </m:r>
                         <m:r>
-                          <a:rPr lang="en-US" sz="2000" b="1" i="0">
+                          <a:rPr lang="en-US" sz="2800" b="1" i="0">
                             <a:latin typeface="Cambria Math" panose="02040503050406030204" pitchFamily="18" charset="0"/>
                             <a:ea typeface="Cambria Math" panose="02040503050406030204" pitchFamily="18" charset="0"/>
                             <a:cs typeface="Times New Roman" panose="02020603050405020304" pitchFamily="18" charset="0"/>
@@ -23787,7 +24748,7 @@
                           <m:fPr>
                             <m:type m:val="skw"/>
                             <m:ctrlPr>
-                              <a:rPr lang="en-US" sz="2000" b="1" i="1">
+                              <a:rPr lang="en-US" sz="2800" b="1" i="1">
                                 <a:latin typeface="Cambria Math" panose="02040503050406030204" pitchFamily="18" charset="0"/>
                                 <a:ea typeface="Cambria Math" panose="02040503050406030204" pitchFamily="18" charset="0"/>
                                 <a:cs typeface="Times New Roman" panose="02020603050405020304" pitchFamily="18" charset="0"/>
@@ -23796,7 +24757,7 @@
                           </m:fPr>
                           <m:num>
                             <m:r>
-                              <a:rPr lang="en-US" sz="2000" b="1" i="0">
+                              <a:rPr lang="en-US" sz="2800" b="1" i="0">
                                 <a:latin typeface="Cambria Math" panose="02040503050406030204" pitchFamily="18" charset="0"/>
                                 <a:cs typeface="Times New Roman" panose="02020603050405020304" pitchFamily="18" charset="0"/>
                               </a:rPr>
@@ -23805,7 +24766,7 @@
                           </m:num>
                           <m:den>
                             <m:r>
-                              <a:rPr lang="en-US" sz="2000" b="1" i="0">
+                              <a:rPr lang="en-US" sz="2800" b="1" i="0">
                                 <a:latin typeface="Cambria Math" panose="02040503050406030204" pitchFamily="18" charset="0"/>
                                 <a:ea typeface="Cambria Math" panose="02040503050406030204" pitchFamily="18" charset="0"/>
                                 <a:cs typeface="Times New Roman" panose="02020603050405020304" pitchFamily="18" charset="0"/>
@@ -23817,7 +24778,7 @@
                       </m:num>
                       <m:den>
                         <m:r>
-                          <a:rPr lang="en-US" sz="2000" b="1" i="0" smtClean="0">
+                          <a:rPr lang="en-US" sz="2800" b="1" i="0" smtClean="0">
                             <a:latin typeface="Cambria Math" panose="02040503050406030204" pitchFamily="18" charset="0"/>
                             <a:cs typeface="Times New Roman" panose="02020603050405020304" pitchFamily="18" charset="0"/>
                           </a:rPr>
@@ -23828,19 +24789,30 @@
                   </m:oMath>
                 </a14:m>
                 <a:r>
-                  <a:rPr lang="en-US" sz="2000" b="1" dirty="0" smtClean="0">
+                  <a:rPr lang="en-US" sz="2400" b="1" dirty="0" smtClean="0">
                     <a:latin typeface="Times New Roman" panose="02020603050405020304" pitchFamily="18" charset="0"/>
                     <a:cs typeface="Times New Roman" panose="02020603050405020304" pitchFamily="18" charset="0"/>
                   </a:rPr>
                   <a:t> </a:t>
                 </a:r>
                 <a:r>
-                  <a:rPr lang="en-US" sz="2000" dirty="0" smtClean="0">
+                  <a:rPr lang="en-US" sz="2300" dirty="0" smtClean="0">
                     <a:latin typeface="Times New Roman" panose="02020603050405020304" pitchFamily="18" charset="0"/>
                     <a:cs typeface="Times New Roman" panose="02020603050405020304" pitchFamily="18" charset="0"/>
                   </a:rPr>
-                  <a:t>for even number of modules</a:t>
+                  <a:t>for even </a:t>
                 </a:r>
+                <a:r>
+                  <a:rPr lang="en-US" sz="2300" dirty="0" smtClean="0">
+                    <a:latin typeface="Times New Roman" panose="02020603050405020304" pitchFamily="18" charset="0"/>
+                    <a:cs typeface="Times New Roman" panose="02020603050405020304" pitchFamily="18" charset="0"/>
+                  </a:rPr>
+                  <a:t>number</a:t>
+                </a:r>
+                <a:endParaRPr lang="tr-TR" sz="2300" dirty="0" smtClean="0">
+                  <a:latin typeface="Times New Roman" panose="02020603050405020304" pitchFamily="18" charset="0"/>
+                  <a:cs typeface="Times New Roman" panose="02020603050405020304" pitchFamily="18" charset="0"/>
+                </a:endParaRPr>
               </a:p>
               <a:p>
                 <a:pPr marL="342900" indent="-342900">
@@ -23851,118 +24823,132 @@
                   <a:buChar char="o"/>
                 </a:pPr>
                 <a:r>
-                  <a:rPr lang="tr-TR" sz="2000" dirty="0" err="1" smtClean="0">
+                  <a:rPr lang="tr-TR" sz="2300" dirty="0" err="1" smtClean="0">
                     <a:latin typeface="Times New Roman" panose="02020603050405020304" pitchFamily="18" charset="0"/>
                     <a:cs typeface="Times New Roman" panose="02020603050405020304" pitchFamily="18" charset="0"/>
                   </a:rPr>
                   <a:t>It</a:t>
                 </a:r>
                 <a:r>
-                  <a:rPr lang="tr-TR" sz="2000" dirty="0" smtClean="0">
+                  <a:rPr lang="tr-TR" sz="2300" dirty="0" smtClean="0">
                     <a:latin typeface="Times New Roman" panose="02020603050405020304" pitchFamily="18" charset="0"/>
                     <a:cs typeface="Times New Roman" panose="02020603050405020304" pitchFamily="18" charset="0"/>
                   </a:rPr>
-                  <a:t> is not </a:t>
+                  <a:t> </a:t>
                 </a:r>
                 <a:r>
-                  <a:rPr lang="tr-TR" sz="2000" dirty="0" err="1" smtClean="0">
+                  <a:rPr lang="tr-TR" sz="2300" dirty="0" smtClean="0">
+                    <a:latin typeface="Times New Roman" panose="02020603050405020304" pitchFamily="18" charset="0"/>
+                    <a:cs typeface="Times New Roman" panose="02020603050405020304" pitchFamily="18" charset="0"/>
+                  </a:rPr>
+                  <a:t>is </a:t>
+                </a:r>
+                <a:r>
+                  <a:rPr lang="tr-TR" sz="2500" b="1" dirty="0" smtClean="0">
+                    <a:latin typeface="Times New Roman" panose="02020603050405020304" pitchFamily="18" charset="0"/>
+                    <a:cs typeface="Times New Roman" panose="02020603050405020304" pitchFamily="18" charset="0"/>
+                  </a:rPr>
+                  <a:t>not </a:t>
+                </a:r>
+                <a:r>
+                  <a:rPr lang="tr-TR" sz="2500" b="1" dirty="0" err="1" smtClean="0">
                     <a:latin typeface="Times New Roman" panose="02020603050405020304" pitchFamily="18" charset="0"/>
                     <a:cs typeface="Times New Roman" panose="02020603050405020304" pitchFamily="18" charset="0"/>
                   </a:rPr>
                   <a:t>practical</a:t>
                 </a:r>
                 <a:r>
-                  <a:rPr lang="tr-TR" sz="2000" dirty="0" smtClean="0">
+                  <a:rPr lang="tr-TR" sz="2500" b="1" dirty="0" smtClean="0">
                     <a:latin typeface="Times New Roman" panose="02020603050405020304" pitchFamily="18" charset="0"/>
                     <a:cs typeface="Times New Roman" panose="02020603050405020304" pitchFamily="18" charset="0"/>
                   </a:rPr>
                   <a:t> </a:t>
                 </a:r>
                 <a:r>
-                  <a:rPr lang="tr-TR" sz="2000" dirty="0" err="1" smtClean="0">
+                  <a:rPr lang="tr-TR" sz="2300" dirty="0" err="1" smtClean="0">
                     <a:latin typeface="Times New Roman" panose="02020603050405020304" pitchFamily="18" charset="0"/>
                     <a:cs typeface="Times New Roman" panose="02020603050405020304" pitchFamily="18" charset="0"/>
                   </a:rPr>
                   <a:t>to</a:t>
                 </a:r>
                 <a:r>
-                  <a:rPr lang="tr-TR" sz="2000" dirty="0" smtClean="0">
+                  <a:rPr lang="tr-TR" sz="2300" dirty="0" smtClean="0">
                     <a:latin typeface="Times New Roman" panose="02020603050405020304" pitchFamily="18" charset="0"/>
                     <a:cs typeface="Times New Roman" panose="02020603050405020304" pitchFamily="18" charset="0"/>
                   </a:rPr>
                   <a:t> </a:t>
                 </a:r>
                 <a:r>
-                  <a:rPr lang="tr-TR" sz="2000" dirty="0" err="1" smtClean="0">
+                  <a:rPr lang="tr-TR" sz="2300" dirty="0" err="1" smtClean="0">
                     <a:latin typeface="Times New Roman" panose="02020603050405020304" pitchFamily="18" charset="0"/>
                     <a:cs typeface="Times New Roman" panose="02020603050405020304" pitchFamily="18" charset="0"/>
                   </a:rPr>
                   <a:t>use</a:t>
                 </a:r>
                 <a:r>
-                  <a:rPr lang="tr-TR" sz="2000" dirty="0" smtClean="0">
+                  <a:rPr lang="tr-TR" sz="2300" dirty="0" smtClean="0">
                     <a:latin typeface="Times New Roman" panose="02020603050405020304" pitchFamily="18" charset="0"/>
                     <a:cs typeface="Times New Roman" panose="02020603050405020304" pitchFamily="18" charset="0"/>
                   </a:rPr>
                   <a:t> </a:t>
                 </a:r>
                 <a:r>
-                  <a:rPr lang="tr-TR" sz="2000" dirty="0" err="1" smtClean="0">
+                  <a:rPr lang="tr-TR" sz="2300" dirty="0" err="1" smtClean="0">
                     <a:latin typeface="Times New Roman" panose="02020603050405020304" pitchFamily="18" charset="0"/>
                     <a:cs typeface="Times New Roman" panose="02020603050405020304" pitchFamily="18" charset="0"/>
                   </a:rPr>
                   <a:t>number</a:t>
                 </a:r>
                 <a:r>
-                  <a:rPr lang="tr-TR" sz="2000" dirty="0" smtClean="0">
+                  <a:rPr lang="tr-TR" sz="2300" dirty="0" smtClean="0">
                     <a:latin typeface="Times New Roman" panose="02020603050405020304" pitchFamily="18" charset="0"/>
                     <a:cs typeface="Times New Roman" panose="02020603050405020304" pitchFamily="18" charset="0"/>
                   </a:rPr>
                   <a:t> of </a:t>
                 </a:r>
                 <a:r>
-                  <a:rPr lang="tr-TR" sz="2000" dirty="0" err="1" smtClean="0">
+                  <a:rPr lang="tr-TR" sz="2300" dirty="0" err="1" smtClean="0">
                     <a:latin typeface="Times New Roman" panose="02020603050405020304" pitchFamily="18" charset="0"/>
                     <a:cs typeface="Times New Roman" panose="02020603050405020304" pitchFamily="18" charset="0"/>
                   </a:rPr>
                   <a:t>modules</a:t>
                 </a:r>
                 <a:r>
-                  <a:rPr lang="tr-TR" sz="2000" dirty="0" smtClean="0">
+                  <a:rPr lang="tr-TR" sz="2300" dirty="0" smtClean="0">
                     <a:latin typeface="Times New Roman" panose="02020603050405020304" pitchFamily="18" charset="0"/>
                     <a:cs typeface="Times New Roman" panose="02020603050405020304" pitchFamily="18" charset="0"/>
                   </a:rPr>
                   <a:t> </a:t>
                 </a:r>
                 <a:r>
-                  <a:rPr lang="tr-TR" sz="2000" dirty="0" err="1" smtClean="0">
+                  <a:rPr lang="tr-TR" sz="2500" b="1" dirty="0" err="1" smtClean="0">
                     <a:latin typeface="Times New Roman" panose="02020603050405020304" pitchFamily="18" charset="0"/>
                     <a:cs typeface="Times New Roman" panose="02020603050405020304" pitchFamily="18" charset="0"/>
                   </a:rPr>
-                  <a:t>higer</a:t>
+                  <a:t>higher</a:t>
                 </a:r>
                 <a:r>
-                  <a:rPr lang="tr-TR" sz="2000" dirty="0" smtClean="0">
+                  <a:rPr lang="tr-TR" sz="2500" b="1" dirty="0" smtClean="0">
                     <a:latin typeface="Times New Roman" panose="02020603050405020304" pitchFamily="18" charset="0"/>
                     <a:cs typeface="Times New Roman" panose="02020603050405020304" pitchFamily="18" charset="0"/>
                   </a:rPr>
                   <a:t> </a:t>
                 </a:r>
                 <a:r>
-                  <a:rPr lang="tr-TR" sz="2000" dirty="0" err="1" smtClean="0">
+                  <a:rPr lang="tr-TR" sz="2500" b="1" dirty="0" err="1" smtClean="0">
                     <a:latin typeface="Times New Roman" panose="02020603050405020304" pitchFamily="18" charset="0"/>
                     <a:cs typeface="Times New Roman" panose="02020603050405020304" pitchFamily="18" charset="0"/>
                   </a:rPr>
                   <a:t>than</a:t>
                 </a:r>
                 <a:r>
-                  <a:rPr lang="tr-TR" sz="2000" dirty="0" smtClean="0">
+                  <a:rPr lang="tr-TR" sz="2500" b="1" dirty="0" smtClean="0">
                     <a:latin typeface="Times New Roman" panose="02020603050405020304" pitchFamily="18" charset="0"/>
                     <a:cs typeface="Times New Roman" panose="02020603050405020304" pitchFamily="18" charset="0"/>
                   </a:rPr>
                   <a:t> 4</a:t>
                 </a:r>
-                <a:endParaRPr lang="en-US" sz="2000" b="1" dirty="0" smtClean="0">
+                <a:endParaRPr lang="en-US" sz="2500" b="1" dirty="0" smtClean="0">
                   <a:latin typeface="Times New Roman" panose="02020603050405020304" pitchFamily="18" charset="0"/>
                   <a:cs typeface="Times New Roman" panose="02020603050405020304" pitchFamily="18" charset="0"/>
                 </a:endParaRPr>
@@ -23970,7 +24956,7 @@
             </p:txBody>
           </p:sp>
         </mc:Choice>
-        <mc:Fallback xmlns="">
+        <mc:Fallback>
           <p:sp>
             <p:nvSpPr>
               <p:cNvPr id="17" name="Text Box 9"/>
@@ -23981,8 +24967,8 @@
             </p:nvSpPr>
             <p:spPr bwMode="auto">
               <a:xfrm>
-                <a:off x="1006676" y="5224811"/>
-                <a:ext cx="8137324" cy="1185324"/>
+                <a:off x="945897" y="4821298"/>
+                <a:ext cx="8137324" cy="1630575"/>
               </a:xfrm>
               <a:prstGeom prst="rect">
                 <a:avLst/>
@@ -23990,7 +24976,7 @@
               <a:blipFill rotWithShape="0">
                 <a:blip r:embed="rId6"/>
                 <a:stretch>
-                  <a:fillRect l="-674" b="-9231"/>
+                  <a:fillRect l="-899" b="-3745"/>
                 </a:stretch>
               </a:blipFill>
               <a:ln w="9525">
@@ -24472,7 +25458,7 @@
         </p:nvSpPr>
         <p:spPr bwMode="auto">
           <a:xfrm>
-            <a:off x="1189918" y="1143000"/>
+            <a:off x="1189918" y="989147"/>
             <a:ext cx="7649282" cy="523220"/>
           </a:xfrm>
           <a:prstGeom prst="rect">
@@ -24660,28 +25646,567 @@
       </p:pic>
       <p:pic>
         <p:nvPicPr>
-          <p:cNvPr id="3" name="Picture 2"/>
+          <p:cNvPr id="5" name="Picture 4"/>
+          <p:cNvPicPr>
+            <a:picLocks noChangeAspect="1"/>
+          </p:cNvPicPr>
+          <p:nvPr/>
+        </p:nvPicPr>
+        <p:blipFill rotWithShape="1">
+          <a:blip r:embed="rId4">
+            <a:extLst>
+              <a:ext uri="{28A0092B-C50C-407E-A947-70E740481C1C}">
+                <a14:useLocalDpi xmlns:a14="http://schemas.microsoft.com/office/drawing/2010/main" val="0"/>
+              </a:ext>
+            </a:extLst>
+          </a:blip>
+          <a:srcRect l="16193" r="20210"/>
+          <a:stretch/>
+        </p:blipFill>
+        <p:spPr>
+          <a:xfrm>
+            <a:off x="1159569" y="1208888"/>
+            <a:ext cx="2006202" cy="1971612"/>
+          </a:xfrm>
+          <a:prstGeom prst="rect">
+            <a:avLst/>
+          </a:prstGeom>
+        </p:spPr>
+      </p:pic>
+      <p:pic>
+        <p:nvPicPr>
+          <p:cNvPr id="14" name="Picture 13"/>
           <p:cNvPicPr>
             <a:picLocks noChangeAspect="1"/>
           </p:cNvPicPr>
           <p:nvPr/>
         </p:nvPicPr>
         <p:blipFill>
-          <a:blip r:embed="rId4"/>
+          <a:blip r:embed="rId5"/>
+          <a:stretch>
+            <a:fillRect/>
+          </a:stretch>
+        </p:blipFill>
+        <p:spPr>
+          <a:xfrm rot="10800000">
+            <a:off x="1522579" y="3400240"/>
+            <a:ext cx="1365237" cy="1631258"/>
+          </a:xfrm>
+          <a:prstGeom prst="rect">
+            <a:avLst/>
+          </a:prstGeom>
+        </p:spPr>
+      </p:pic>
+      <p:pic>
+        <p:nvPicPr>
+          <p:cNvPr id="6" name="Picture 5"/>
+          <p:cNvPicPr>
+            <a:picLocks noChangeAspect="1"/>
+          </p:cNvPicPr>
+          <p:nvPr/>
+        </p:nvPicPr>
+        <p:blipFill rotWithShape="1">
+          <a:blip r:embed="rId6">
+            <a:extLst>
+              <a:ext uri="{28A0092B-C50C-407E-A947-70E740481C1C}">
+                <a14:useLocalDpi xmlns:a14="http://schemas.microsoft.com/office/drawing/2010/main" val="0"/>
+              </a:ext>
+            </a:extLst>
+          </a:blip>
+          <a:srcRect t="6666" r="40769" b="6666"/>
+          <a:stretch/>
+        </p:blipFill>
+        <p:spPr>
+          <a:xfrm>
+            <a:off x="1129834" y="5323110"/>
+            <a:ext cx="2035937" cy="1374919"/>
+          </a:xfrm>
+          <a:prstGeom prst="rect">
+            <a:avLst/>
+          </a:prstGeom>
+        </p:spPr>
+      </p:pic>
+      <p:pic>
+        <p:nvPicPr>
+          <p:cNvPr id="7" name="Picture 6"/>
+          <p:cNvPicPr>
+            <a:picLocks noChangeAspect="1"/>
+          </p:cNvPicPr>
+          <p:nvPr/>
+        </p:nvPicPr>
+        <p:blipFill>
+          <a:blip r:embed="rId7" cstate="print">
+            <a:extLst>
+              <a:ext uri="{28A0092B-C50C-407E-A947-70E740481C1C}">
+                <a14:useLocalDpi xmlns:a14="http://schemas.microsoft.com/office/drawing/2010/main" val="0"/>
+              </a:ext>
+            </a:extLst>
+          </a:blip>
           <a:stretch>
             <a:fillRect/>
           </a:stretch>
         </p:blipFill>
         <p:spPr>
           <a:xfrm>
-            <a:off x="2632942" y="2286000"/>
-            <a:ext cx="4763233" cy="2898935"/>
+            <a:off x="3702463" y="2403683"/>
+            <a:ext cx="477430" cy="671156"/>
           </a:xfrm>
           <a:prstGeom prst="rect">
             <a:avLst/>
           </a:prstGeom>
         </p:spPr>
       </p:pic>
+      <p:pic>
+        <p:nvPicPr>
+          <p:cNvPr id="8" name="Picture 7"/>
+          <p:cNvPicPr>
+            <a:picLocks noChangeAspect="1"/>
+          </p:cNvPicPr>
+          <p:nvPr/>
+        </p:nvPicPr>
+        <p:blipFill>
+          <a:blip r:embed="rId8" cstate="print">
+            <a:extLst>
+              <a:ext uri="{28A0092B-C50C-407E-A947-70E740481C1C}">
+                <a14:useLocalDpi xmlns:a14="http://schemas.microsoft.com/office/drawing/2010/main" val="0"/>
+              </a:ext>
+            </a:extLst>
+          </a:blip>
+          <a:stretch>
+            <a:fillRect/>
+          </a:stretch>
+        </p:blipFill>
+        <p:spPr>
+          <a:xfrm>
+            <a:off x="3476522" y="3995042"/>
+            <a:ext cx="1145995" cy="852333"/>
+          </a:xfrm>
+          <a:prstGeom prst="rect">
+            <a:avLst/>
+          </a:prstGeom>
+        </p:spPr>
+      </p:pic>
+      <p:pic>
+        <p:nvPicPr>
+          <p:cNvPr id="19" name="Picture 18"/>
+          <p:cNvPicPr>
+            <a:picLocks noChangeAspect="1"/>
+          </p:cNvPicPr>
+          <p:nvPr/>
+        </p:nvPicPr>
+        <p:blipFill rotWithShape="1">
+          <a:blip r:embed="rId9" cstate="print">
+            <a:extLst>
+              <a:ext uri="{28A0092B-C50C-407E-A947-70E740481C1C}">
+                <a14:useLocalDpi xmlns:a14="http://schemas.microsoft.com/office/drawing/2010/main" val="0"/>
+              </a:ext>
+            </a:extLst>
+          </a:blip>
+          <a:srcRect l="12564" r="14092"/>
+          <a:stretch/>
+        </p:blipFill>
+        <p:spPr>
+          <a:xfrm>
+            <a:off x="7651864" y="2440666"/>
+            <a:ext cx="858500" cy="677666"/>
+          </a:xfrm>
+          <a:prstGeom prst="rect">
+            <a:avLst/>
+          </a:prstGeom>
+        </p:spPr>
+      </p:pic>
+      <p:pic>
+        <p:nvPicPr>
+          <p:cNvPr id="20" name="Picture 19"/>
+          <p:cNvPicPr>
+            <a:picLocks noChangeAspect="1"/>
+          </p:cNvPicPr>
+          <p:nvPr/>
+        </p:nvPicPr>
+        <p:blipFill rotWithShape="1">
+          <a:blip r:embed="rId10">
+            <a:extLst>
+              <a:ext uri="{28A0092B-C50C-407E-A947-70E740481C1C}">
+                <a14:useLocalDpi xmlns:a14="http://schemas.microsoft.com/office/drawing/2010/main" val="0"/>
+              </a:ext>
+            </a:extLst>
+          </a:blip>
+          <a:srcRect l="13429" r="13429" b="22222"/>
+          <a:stretch/>
+        </p:blipFill>
+        <p:spPr>
+          <a:xfrm>
+            <a:off x="6835404" y="4008841"/>
+            <a:ext cx="1690591" cy="739634"/>
+          </a:xfrm>
+          <a:prstGeom prst="rect">
+            <a:avLst/>
+          </a:prstGeom>
+        </p:spPr>
+      </p:pic>
+      <p:pic>
+        <p:nvPicPr>
+          <p:cNvPr id="21" name="Picture 20"/>
+          <p:cNvPicPr>
+            <a:picLocks noChangeAspect="1"/>
+          </p:cNvPicPr>
+          <p:nvPr/>
+        </p:nvPicPr>
+        <p:blipFill rotWithShape="1">
+          <a:blip r:embed="rId11">
+            <a:extLst>
+              <a:ext uri="{28A0092B-C50C-407E-A947-70E740481C1C}">
+                <a14:useLocalDpi xmlns:a14="http://schemas.microsoft.com/office/drawing/2010/main" val="0"/>
+              </a:ext>
+            </a:extLst>
+          </a:blip>
+          <a:srcRect l="9832" t="6364" r="1464" b="35455"/>
+          <a:stretch/>
+        </p:blipFill>
+        <p:spPr>
+          <a:xfrm>
+            <a:off x="4580289" y="2342876"/>
+            <a:ext cx="2669221" cy="805802"/>
+          </a:xfrm>
+          <a:prstGeom prst="rect">
+            <a:avLst/>
+          </a:prstGeom>
+        </p:spPr>
+      </p:pic>
+      <p:pic>
+        <p:nvPicPr>
+          <p:cNvPr id="22" name="Picture 21"/>
+          <p:cNvPicPr>
+            <a:picLocks noChangeAspect="1"/>
+          </p:cNvPicPr>
+          <p:nvPr/>
+        </p:nvPicPr>
+        <p:blipFill>
+          <a:blip r:embed="rId12">
+            <a:extLst>
+              <a:ext uri="{28A0092B-C50C-407E-A947-70E740481C1C}">
+                <a14:useLocalDpi xmlns:a14="http://schemas.microsoft.com/office/drawing/2010/main" val="0"/>
+              </a:ext>
+            </a:extLst>
+          </a:blip>
+          <a:stretch>
+            <a:fillRect/>
+          </a:stretch>
+        </p:blipFill>
+        <p:spPr>
+          <a:xfrm>
+            <a:off x="4867188" y="5769603"/>
+            <a:ext cx="1094837" cy="870893"/>
+          </a:xfrm>
+          <a:prstGeom prst="rect">
+            <a:avLst/>
+          </a:prstGeom>
+        </p:spPr>
+      </p:pic>
+      <p:pic>
+        <p:nvPicPr>
+          <p:cNvPr id="23" name="Picture 22"/>
+          <p:cNvPicPr>
+            <a:picLocks noChangeAspect="1"/>
+          </p:cNvPicPr>
+          <p:nvPr/>
+        </p:nvPicPr>
+        <p:blipFill>
+          <a:blip r:embed="rId13" cstate="print">
+            <a:extLst>
+              <a:ext uri="{28A0092B-C50C-407E-A947-70E740481C1C}">
+                <a14:useLocalDpi xmlns:a14="http://schemas.microsoft.com/office/drawing/2010/main" val="0"/>
+              </a:ext>
+            </a:extLst>
+          </a:blip>
+          <a:stretch>
+            <a:fillRect/>
+          </a:stretch>
+        </p:blipFill>
+        <p:spPr>
+          <a:xfrm>
+            <a:off x="5221518" y="3801901"/>
+            <a:ext cx="1191824" cy="1112369"/>
+          </a:xfrm>
+          <a:prstGeom prst="rect">
+            <a:avLst/>
+          </a:prstGeom>
+        </p:spPr>
+      </p:pic>
+      <p:pic>
+        <p:nvPicPr>
+          <p:cNvPr id="24" name="Picture 23"/>
+          <p:cNvPicPr>
+            <a:picLocks noChangeAspect="1"/>
+          </p:cNvPicPr>
+          <p:nvPr/>
+        </p:nvPicPr>
+        <p:blipFill rotWithShape="1">
+          <a:blip r:embed="rId14" cstate="print">
+            <a:extLst>
+              <a:ext uri="{28A0092B-C50C-407E-A947-70E740481C1C}">
+                <a14:useLocalDpi xmlns:a14="http://schemas.microsoft.com/office/drawing/2010/main" val="0"/>
+              </a:ext>
+            </a:extLst>
+          </a:blip>
+          <a:srcRect l="12286" t="12667" r="3144" b="10000"/>
+          <a:stretch/>
+        </p:blipFill>
+        <p:spPr>
+          <a:xfrm>
+            <a:off x="6438900" y="5738952"/>
+            <a:ext cx="2362200" cy="925727"/>
+          </a:xfrm>
+          <a:prstGeom prst="rect">
+            <a:avLst/>
+          </a:prstGeom>
+        </p:spPr>
+      </p:pic>
+      <p:pic>
+        <p:nvPicPr>
+          <p:cNvPr id="25" name="Picture 24"/>
+          <p:cNvPicPr>
+            <a:picLocks noChangeAspect="1"/>
+          </p:cNvPicPr>
+          <p:nvPr/>
+        </p:nvPicPr>
+        <p:blipFill>
+          <a:blip r:embed="rId7" cstate="print">
+            <a:extLst>
+              <a:ext uri="{28A0092B-C50C-407E-A947-70E740481C1C}">
+                <a14:useLocalDpi xmlns:a14="http://schemas.microsoft.com/office/drawing/2010/main" val="0"/>
+              </a:ext>
+            </a:extLst>
+          </a:blip>
+          <a:stretch>
+            <a:fillRect/>
+          </a:stretch>
+        </p:blipFill>
+        <p:spPr>
+          <a:xfrm>
+            <a:off x="3702463" y="5850582"/>
+            <a:ext cx="477430" cy="671156"/>
+          </a:xfrm>
+          <a:prstGeom prst="rect">
+            <a:avLst/>
+          </a:prstGeom>
+        </p:spPr>
+      </p:pic>
+      <p:sp>
+        <p:nvSpPr>
+          <p:cNvPr id="26" name="Text Box 9"/>
+          <p:cNvSpPr txBox="1">
+            <a:spLocks noChangeArrowheads="1"/>
+          </p:cNvSpPr>
+          <p:nvPr/>
+        </p:nvSpPr>
+        <p:spPr bwMode="auto">
+          <a:xfrm>
+            <a:off x="3276600" y="3259846"/>
+            <a:ext cx="5867398" cy="430887"/>
+          </a:xfrm>
+          <a:prstGeom prst="rect">
+            <a:avLst/>
+          </a:prstGeom>
+          <a:noFill/>
+          <a:ln w="9525">
+            <a:noFill/>
+            <a:miter lim="800000"/>
+            <a:headEnd/>
+            <a:tailEnd/>
+          </a:ln>
+          <a:effectLst/>
+        </p:spPr>
+        <p:txBody>
+          <a:bodyPr wrap="square">
+            <a:spAutoFit/>
+          </a:bodyPr>
+          <a:lstStyle/>
+          <a:p>
+            <a:pPr algn="ctr"/>
+            <a:r>
+              <a:rPr lang="en-US" sz="2200" dirty="0">
+                <a:latin typeface="Times New Roman" panose="02020603050405020304" pitchFamily="18" charset="0"/>
+                <a:cs typeface="Times New Roman" panose="02020603050405020304" pitchFamily="18" charset="0"/>
+              </a:rPr>
+              <a:t>Metallized Polypropylene Film Capacitors</a:t>
+            </a:r>
+            <a:endParaRPr lang="en-US" sz="2200" dirty="0" smtClean="0">
+              <a:latin typeface="Times New Roman" panose="02020603050405020304" pitchFamily="18" charset="0"/>
+              <a:cs typeface="Times New Roman" panose="02020603050405020304" pitchFamily="18" charset="0"/>
+            </a:endParaRPr>
+          </a:p>
+        </p:txBody>
+      </p:sp>
+      <p:sp>
+        <p:nvSpPr>
+          <p:cNvPr id="27" name="Text Box 9"/>
+          <p:cNvSpPr txBox="1">
+            <a:spLocks noChangeArrowheads="1"/>
+          </p:cNvSpPr>
+          <p:nvPr/>
+        </p:nvSpPr>
+        <p:spPr bwMode="auto">
+          <a:xfrm>
+            <a:off x="3276600" y="1556428"/>
+            <a:ext cx="5867399" cy="430887"/>
+          </a:xfrm>
+          <a:prstGeom prst="rect">
+            <a:avLst/>
+          </a:prstGeom>
+          <a:noFill/>
+          <a:ln w="9525">
+            <a:noFill/>
+            <a:miter lim="800000"/>
+            <a:headEnd/>
+            <a:tailEnd/>
+          </a:ln>
+          <a:effectLst/>
+        </p:spPr>
+        <p:txBody>
+          <a:bodyPr wrap="square">
+            <a:spAutoFit/>
+          </a:bodyPr>
+          <a:lstStyle/>
+          <a:p>
+            <a:pPr algn="ctr"/>
+            <a:r>
+              <a:rPr lang="tr-TR" sz="2200" dirty="0" err="1" smtClean="0">
+                <a:latin typeface="Times New Roman" panose="02020603050405020304" pitchFamily="18" charset="0"/>
+                <a:cs typeface="Times New Roman" panose="02020603050405020304" pitchFamily="18" charset="0"/>
+              </a:rPr>
+              <a:t>Aluminum</a:t>
+            </a:r>
+            <a:r>
+              <a:rPr lang="tr-TR" sz="2200" dirty="0" smtClean="0">
+                <a:latin typeface="Times New Roman" panose="02020603050405020304" pitchFamily="18" charset="0"/>
+                <a:cs typeface="Times New Roman" panose="02020603050405020304" pitchFamily="18" charset="0"/>
+              </a:rPr>
+              <a:t> </a:t>
+            </a:r>
+            <a:r>
+              <a:rPr lang="tr-TR" sz="2200" dirty="0" err="1">
+                <a:latin typeface="Times New Roman" panose="02020603050405020304" pitchFamily="18" charset="0"/>
+                <a:cs typeface="Times New Roman" panose="02020603050405020304" pitchFamily="18" charset="0"/>
+              </a:rPr>
+              <a:t>E</a:t>
+            </a:r>
+            <a:r>
+              <a:rPr lang="tr-TR" sz="2200" dirty="0" err="1" smtClean="0">
+                <a:latin typeface="Times New Roman" panose="02020603050405020304" pitchFamily="18" charset="0"/>
+                <a:cs typeface="Times New Roman" panose="02020603050405020304" pitchFamily="18" charset="0"/>
+              </a:rPr>
+              <a:t>lectrolytic</a:t>
+            </a:r>
+            <a:r>
+              <a:rPr lang="tr-TR" sz="2200" dirty="0" smtClean="0">
+                <a:latin typeface="Times New Roman" panose="02020603050405020304" pitchFamily="18" charset="0"/>
+                <a:cs typeface="Times New Roman" panose="02020603050405020304" pitchFamily="18" charset="0"/>
+              </a:rPr>
+              <a:t> </a:t>
+            </a:r>
+            <a:r>
+              <a:rPr lang="tr-TR" sz="2200" dirty="0" err="1" smtClean="0">
+                <a:latin typeface="Times New Roman" panose="02020603050405020304" pitchFamily="18" charset="0"/>
+                <a:cs typeface="Times New Roman" panose="02020603050405020304" pitchFamily="18" charset="0"/>
+              </a:rPr>
+              <a:t>Capacitors</a:t>
+            </a:r>
+            <a:endParaRPr lang="en-US" sz="2200" dirty="0" smtClean="0">
+              <a:latin typeface="Times New Roman" panose="02020603050405020304" pitchFamily="18" charset="0"/>
+              <a:cs typeface="Times New Roman" panose="02020603050405020304" pitchFamily="18" charset="0"/>
+            </a:endParaRPr>
+          </a:p>
+        </p:txBody>
+      </p:sp>
+      <p:sp>
+        <p:nvSpPr>
+          <p:cNvPr id="30" name="Text Box 9"/>
+          <p:cNvSpPr txBox="1">
+            <a:spLocks noChangeArrowheads="1"/>
+          </p:cNvSpPr>
+          <p:nvPr/>
+        </p:nvSpPr>
+        <p:spPr bwMode="auto">
+          <a:xfrm>
+            <a:off x="3276600" y="5126493"/>
+            <a:ext cx="5867398" cy="430887"/>
+          </a:xfrm>
+          <a:prstGeom prst="rect">
+            <a:avLst/>
+          </a:prstGeom>
+          <a:noFill/>
+          <a:ln w="9525">
+            <a:noFill/>
+            <a:miter lim="800000"/>
+            <a:headEnd/>
+            <a:tailEnd/>
+          </a:ln>
+          <a:effectLst/>
+        </p:spPr>
+        <p:txBody>
+          <a:bodyPr wrap="square">
+            <a:spAutoFit/>
+          </a:bodyPr>
+          <a:lstStyle/>
+          <a:p>
+            <a:pPr algn="ctr"/>
+            <a:r>
+              <a:rPr lang="tr-TR" sz="2200" dirty="0" smtClean="0">
+                <a:latin typeface="Times New Roman" panose="02020603050405020304" pitchFamily="18" charset="0"/>
+                <a:cs typeface="Times New Roman" panose="02020603050405020304" pitchFamily="18" charset="0"/>
+              </a:rPr>
+              <a:t>Multi-</a:t>
+            </a:r>
+            <a:r>
+              <a:rPr lang="tr-TR" sz="2200" dirty="0" err="1" smtClean="0">
+                <a:latin typeface="Times New Roman" panose="02020603050405020304" pitchFamily="18" charset="0"/>
+                <a:cs typeface="Times New Roman" panose="02020603050405020304" pitchFamily="18" charset="0"/>
+              </a:rPr>
+              <a:t>Layer</a:t>
+            </a:r>
+            <a:r>
+              <a:rPr lang="tr-TR" sz="2200" dirty="0" smtClean="0">
+                <a:latin typeface="Times New Roman" panose="02020603050405020304" pitchFamily="18" charset="0"/>
+                <a:cs typeface="Times New Roman" panose="02020603050405020304" pitchFamily="18" charset="0"/>
+              </a:rPr>
+              <a:t> </a:t>
+            </a:r>
+            <a:r>
+              <a:rPr lang="tr-TR" sz="2200" dirty="0" err="1" smtClean="0">
+                <a:latin typeface="Times New Roman" panose="02020603050405020304" pitchFamily="18" charset="0"/>
+                <a:cs typeface="Times New Roman" panose="02020603050405020304" pitchFamily="18" charset="0"/>
+              </a:rPr>
+              <a:t>Ceramic</a:t>
+            </a:r>
+            <a:r>
+              <a:rPr lang="tr-TR" sz="2200" dirty="0" smtClean="0">
+                <a:latin typeface="Times New Roman" panose="02020603050405020304" pitchFamily="18" charset="0"/>
+                <a:cs typeface="Times New Roman" panose="02020603050405020304" pitchFamily="18" charset="0"/>
+              </a:rPr>
+              <a:t> </a:t>
+            </a:r>
+            <a:r>
+              <a:rPr lang="tr-TR" sz="2200" dirty="0" err="1" smtClean="0">
+                <a:latin typeface="Times New Roman" panose="02020603050405020304" pitchFamily="18" charset="0"/>
+                <a:cs typeface="Times New Roman" panose="02020603050405020304" pitchFamily="18" charset="0"/>
+              </a:rPr>
+              <a:t>Capacitors</a:t>
+            </a:r>
+            <a:r>
+              <a:rPr lang="tr-TR" sz="2200" dirty="0" smtClean="0">
+                <a:latin typeface="Times New Roman" panose="02020603050405020304" pitchFamily="18" charset="0"/>
+                <a:cs typeface="Times New Roman" panose="02020603050405020304" pitchFamily="18" charset="0"/>
+              </a:rPr>
+              <a:t> (MLLC)</a:t>
+            </a:r>
+            <a:endParaRPr lang="en-US" sz="2200" dirty="0" smtClean="0">
+              <a:latin typeface="Times New Roman" panose="02020603050405020304" pitchFamily="18" charset="0"/>
+              <a:cs typeface="Times New Roman" panose="02020603050405020304" pitchFamily="18" charset="0"/>
+            </a:endParaRPr>
+          </a:p>
+        </p:txBody>
+      </p:sp>
     </p:spTree>
     <p:extLst>
       <p:ext uri="{BB962C8B-B14F-4D97-AF65-F5344CB8AC3E}">
@@ -24695,9 +26220,640 @@
   <p:timing>
     <p:tnLst>
       <p:par>
-        <p:cTn id="1" dur="indefinite" restart="never" nodeType="tmRoot"/>
+        <p:cTn id="1" dur="indefinite" restart="never" nodeType="tmRoot">
+          <p:childTnLst>
+            <p:seq concurrent="1" nextAc="seek">
+              <p:cTn id="2" dur="indefinite" nodeType="mainSeq">
+                <p:childTnLst>
+                  <p:par>
+                    <p:cTn id="3" fill="hold">
+                      <p:stCondLst>
+                        <p:cond delay="indefinite"/>
+                      </p:stCondLst>
+                      <p:childTnLst>
+                        <p:par>
+                          <p:cTn id="4" fill="hold">
+                            <p:stCondLst>
+                              <p:cond delay="0"/>
+                            </p:stCondLst>
+                            <p:childTnLst>
+                              <p:par>
+                                <p:cTn id="5" presetID="1" presetClass="entr" presetSubtype="0" fill="hold" nodeType="clickEffect">
+                                  <p:stCondLst>
+                                    <p:cond delay="0"/>
+                                  </p:stCondLst>
+                                  <p:childTnLst>
+                                    <p:set>
+                                      <p:cBhvr>
+                                        <p:cTn id="6" dur="1" fill="hold">
+                                          <p:stCondLst>
+                                            <p:cond delay="0"/>
+                                          </p:stCondLst>
+                                        </p:cTn>
+                                        <p:tgtEl>
+                                          <p:spTgt spid="5"/>
+                                        </p:tgtEl>
+                                        <p:attrNameLst>
+                                          <p:attrName>style.visibility</p:attrName>
+                                        </p:attrNameLst>
+                                      </p:cBhvr>
+                                      <p:to>
+                                        <p:strVal val="visible"/>
+                                      </p:to>
+                                    </p:set>
+                                  </p:childTnLst>
+                                </p:cTn>
+                              </p:par>
+                              <p:par>
+                                <p:cTn id="7" presetID="1" presetClass="entr" presetSubtype="0" fill="hold" grpId="0" nodeType="withEffect">
+                                  <p:stCondLst>
+                                    <p:cond delay="0"/>
+                                  </p:stCondLst>
+                                  <p:childTnLst>
+                                    <p:set>
+                                      <p:cBhvr>
+                                        <p:cTn id="8" dur="1" fill="hold">
+                                          <p:stCondLst>
+                                            <p:cond delay="0"/>
+                                          </p:stCondLst>
+                                        </p:cTn>
+                                        <p:tgtEl>
+                                          <p:spTgt spid="27"/>
+                                        </p:tgtEl>
+                                        <p:attrNameLst>
+                                          <p:attrName>style.visibility</p:attrName>
+                                        </p:attrNameLst>
+                                      </p:cBhvr>
+                                      <p:to>
+                                        <p:strVal val="visible"/>
+                                      </p:to>
+                                    </p:set>
+                                  </p:childTnLst>
+                                </p:cTn>
+                              </p:par>
+                            </p:childTnLst>
+                          </p:cTn>
+                        </p:par>
+                      </p:childTnLst>
+                    </p:cTn>
+                  </p:par>
+                  <p:par>
+                    <p:cTn id="9" fill="hold">
+                      <p:stCondLst>
+                        <p:cond delay="indefinite"/>
+                      </p:stCondLst>
+                      <p:childTnLst>
+                        <p:par>
+                          <p:cTn id="10" fill="hold">
+                            <p:stCondLst>
+                              <p:cond delay="0"/>
+                            </p:stCondLst>
+                            <p:childTnLst>
+                              <p:par>
+                                <p:cTn id="11" presetID="1" presetClass="entr" presetSubtype="0" fill="hold" nodeType="clickEffect">
+                                  <p:stCondLst>
+                                    <p:cond delay="0"/>
+                                  </p:stCondLst>
+                                  <p:childTnLst>
+                                    <p:set>
+                                      <p:cBhvr>
+                                        <p:cTn id="12" dur="1" fill="hold">
+                                          <p:stCondLst>
+                                            <p:cond delay="0"/>
+                                          </p:stCondLst>
+                                        </p:cTn>
+                                        <p:tgtEl>
+                                          <p:spTgt spid="14"/>
+                                        </p:tgtEl>
+                                        <p:attrNameLst>
+                                          <p:attrName>style.visibility</p:attrName>
+                                        </p:attrNameLst>
+                                      </p:cBhvr>
+                                      <p:to>
+                                        <p:strVal val="visible"/>
+                                      </p:to>
+                                    </p:set>
+                                  </p:childTnLst>
+                                </p:cTn>
+                              </p:par>
+                              <p:par>
+                                <p:cTn id="13" presetID="1" presetClass="entr" presetSubtype="0" fill="hold" grpId="0" nodeType="withEffect">
+                                  <p:stCondLst>
+                                    <p:cond delay="0"/>
+                                  </p:stCondLst>
+                                  <p:childTnLst>
+                                    <p:set>
+                                      <p:cBhvr>
+                                        <p:cTn id="14" dur="1" fill="hold">
+                                          <p:stCondLst>
+                                            <p:cond delay="0"/>
+                                          </p:stCondLst>
+                                        </p:cTn>
+                                        <p:tgtEl>
+                                          <p:spTgt spid="26"/>
+                                        </p:tgtEl>
+                                        <p:attrNameLst>
+                                          <p:attrName>style.visibility</p:attrName>
+                                        </p:attrNameLst>
+                                      </p:cBhvr>
+                                      <p:to>
+                                        <p:strVal val="visible"/>
+                                      </p:to>
+                                    </p:set>
+                                  </p:childTnLst>
+                                </p:cTn>
+                              </p:par>
+                            </p:childTnLst>
+                          </p:cTn>
+                        </p:par>
+                      </p:childTnLst>
+                    </p:cTn>
+                  </p:par>
+                  <p:par>
+                    <p:cTn id="15" fill="hold">
+                      <p:stCondLst>
+                        <p:cond delay="indefinite"/>
+                      </p:stCondLst>
+                      <p:childTnLst>
+                        <p:par>
+                          <p:cTn id="16" fill="hold">
+                            <p:stCondLst>
+                              <p:cond delay="0"/>
+                            </p:stCondLst>
+                            <p:childTnLst>
+                              <p:par>
+                                <p:cTn id="17" presetID="1" presetClass="entr" presetSubtype="0" fill="hold" nodeType="clickEffect">
+                                  <p:stCondLst>
+                                    <p:cond delay="0"/>
+                                  </p:stCondLst>
+                                  <p:childTnLst>
+                                    <p:set>
+                                      <p:cBhvr>
+                                        <p:cTn id="18" dur="1" fill="hold">
+                                          <p:stCondLst>
+                                            <p:cond delay="0"/>
+                                          </p:stCondLst>
+                                        </p:cTn>
+                                        <p:tgtEl>
+                                          <p:spTgt spid="6"/>
+                                        </p:tgtEl>
+                                        <p:attrNameLst>
+                                          <p:attrName>style.visibility</p:attrName>
+                                        </p:attrNameLst>
+                                      </p:cBhvr>
+                                      <p:to>
+                                        <p:strVal val="visible"/>
+                                      </p:to>
+                                    </p:set>
+                                  </p:childTnLst>
+                                </p:cTn>
+                              </p:par>
+                              <p:par>
+                                <p:cTn id="19" presetID="1" presetClass="entr" presetSubtype="0" fill="hold" grpId="0" nodeType="withEffect">
+                                  <p:stCondLst>
+                                    <p:cond delay="0"/>
+                                  </p:stCondLst>
+                                  <p:childTnLst>
+                                    <p:set>
+                                      <p:cBhvr>
+                                        <p:cTn id="20" dur="1" fill="hold">
+                                          <p:stCondLst>
+                                            <p:cond delay="0"/>
+                                          </p:stCondLst>
+                                        </p:cTn>
+                                        <p:tgtEl>
+                                          <p:spTgt spid="30"/>
+                                        </p:tgtEl>
+                                        <p:attrNameLst>
+                                          <p:attrName>style.visibility</p:attrName>
+                                        </p:attrNameLst>
+                                      </p:cBhvr>
+                                      <p:to>
+                                        <p:strVal val="visible"/>
+                                      </p:to>
+                                    </p:set>
+                                  </p:childTnLst>
+                                </p:cTn>
+                              </p:par>
+                            </p:childTnLst>
+                          </p:cTn>
+                        </p:par>
+                      </p:childTnLst>
+                    </p:cTn>
+                  </p:par>
+                  <p:par>
+                    <p:cTn id="21" fill="hold">
+                      <p:stCondLst>
+                        <p:cond delay="indefinite"/>
+                      </p:stCondLst>
+                      <p:childTnLst>
+                        <p:par>
+                          <p:cTn id="22" fill="hold">
+                            <p:stCondLst>
+                              <p:cond delay="0"/>
+                            </p:stCondLst>
+                            <p:childTnLst>
+                              <p:par>
+                                <p:cTn id="23" presetID="10" presetClass="entr" presetSubtype="0" fill="hold" nodeType="clickEffect">
+                                  <p:stCondLst>
+                                    <p:cond delay="0"/>
+                                  </p:stCondLst>
+                                  <p:childTnLst>
+                                    <p:set>
+                                      <p:cBhvr>
+                                        <p:cTn id="24" dur="1" fill="hold">
+                                          <p:stCondLst>
+                                            <p:cond delay="0"/>
+                                          </p:stCondLst>
+                                        </p:cTn>
+                                        <p:tgtEl>
+                                          <p:spTgt spid="7"/>
+                                        </p:tgtEl>
+                                        <p:attrNameLst>
+                                          <p:attrName>style.visibility</p:attrName>
+                                        </p:attrNameLst>
+                                      </p:cBhvr>
+                                      <p:to>
+                                        <p:strVal val="visible"/>
+                                      </p:to>
+                                    </p:set>
+                                    <p:animEffect transition="in" filter="fade">
+                                      <p:cBhvr>
+                                        <p:cTn id="25" dur="500"/>
+                                        <p:tgtEl>
+                                          <p:spTgt spid="7"/>
+                                        </p:tgtEl>
+                                      </p:cBhvr>
+                                    </p:animEffect>
+                                  </p:childTnLst>
+                                </p:cTn>
+                              </p:par>
+                              <p:par>
+                                <p:cTn id="26" presetID="10" presetClass="entr" presetSubtype="0" fill="hold" nodeType="withEffect">
+                                  <p:stCondLst>
+                                    <p:cond delay="0"/>
+                                  </p:stCondLst>
+                                  <p:childTnLst>
+                                    <p:set>
+                                      <p:cBhvr>
+                                        <p:cTn id="27" dur="1" fill="hold">
+                                          <p:stCondLst>
+                                            <p:cond delay="0"/>
+                                          </p:stCondLst>
+                                        </p:cTn>
+                                        <p:tgtEl>
+                                          <p:spTgt spid="21"/>
+                                        </p:tgtEl>
+                                        <p:attrNameLst>
+                                          <p:attrName>style.visibility</p:attrName>
+                                        </p:attrNameLst>
+                                      </p:cBhvr>
+                                      <p:to>
+                                        <p:strVal val="visible"/>
+                                      </p:to>
+                                    </p:set>
+                                    <p:animEffect transition="in" filter="fade">
+                                      <p:cBhvr>
+                                        <p:cTn id="28" dur="500"/>
+                                        <p:tgtEl>
+                                          <p:spTgt spid="21"/>
+                                        </p:tgtEl>
+                                      </p:cBhvr>
+                                    </p:animEffect>
+                                  </p:childTnLst>
+                                </p:cTn>
+                              </p:par>
+                              <p:par>
+                                <p:cTn id="29" presetID="10" presetClass="entr" presetSubtype="0" fill="hold" nodeType="withEffect">
+                                  <p:stCondLst>
+                                    <p:cond delay="0"/>
+                                  </p:stCondLst>
+                                  <p:childTnLst>
+                                    <p:set>
+                                      <p:cBhvr>
+                                        <p:cTn id="30" dur="1" fill="hold">
+                                          <p:stCondLst>
+                                            <p:cond delay="0"/>
+                                          </p:stCondLst>
+                                        </p:cTn>
+                                        <p:tgtEl>
+                                          <p:spTgt spid="19"/>
+                                        </p:tgtEl>
+                                        <p:attrNameLst>
+                                          <p:attrName>style.visibility</p:attrName>
+                                        </p:attrNameLst>
+                                      </p:cBhvr>
+                                      <p:to>
+                                        <p:strVal val="visible"/>
+                                      </p:to>
+                                    </p:set>
+                                    <p:animEffect transition="in" filter="fade">
+                                      <p:cBhvr>
+                                        <p:cTn id="31" dur="500"/>
+                                        <p:tgtEl>
+                                          <p:spTgt spid="19"/>
+                                        </p:tgtEl>
+                                      </p:cBhvr>
+                                    </p:animEffect>
+                                  </p:childTnLst>
+                                </p:cTn>
+                              </p:par>
+                            </p:childTnLst>
+                          </p:cTn>
+                        </p:par>
+                      </p:childTnLst>
+                    </p:cTn>
+                  </p:par>
+                  <p:par>
+                    <p:cTn id="32" fill="hold">
+                      <p:stCondLst>
+                        <p:cond delay="indefinite"/>
+                      </p:stCondLst>
+                      <p:childTnLst>
+                        <p:par>
+                          <p:cTn id="33" fill="hold">
+                            <p:stCondLst>
+                              <p:cond delay="0"/>
+                            </p:stCondLst>
+                            <p:childTnLst>
+                              <p:par>
+                                <p:cTn id="34" presetID="10" presetClass="entr" presetSubtype="0" fill="hold" nodeType="clickEffect">
+                                  <p:stCondLst>
+                                    <p:cond delay="0"/>
+                                  </p:stCondLst>
+                                  <p:childTnLst>
+                                    <p:set>
+                                      <p:cBhvr>
+                                        <p:cTn id="35" dur="1" fill="hold">
+                                          <p:stCondLst>
+                                            <p:cond delay="0"/>
+                                          </p:stCondLst>
+                                        </p:cTn>
+                                        <p:tgtEl>
+                                          <p:spTgt spid="8"/>
+                                        </p:tgtEl>
+                                        <p:attrNameLst>
+                                          <p:attrName>style.visibility</p:attrName>
+                                        </p:attrNameLst>
+                                      </p:cBhvr>
+                                      <p:to>
+                                        <p:strVal val="visible"/>
+                                      </p:to>
+                                    </p:set>
+                                    <p:animEffect transition="in" filter="fade">
+                                      <p:cBhvr>
+                                        <p:cTn id="36" dur="500"/>
+                                        <p:tgtEl>
+                                          <p:spTgt spid="8"/>
+                                        </p:tgtEl>
+                                      </p:cBhvr>
+                                    </p:animEffect>
+                                  </p:childTnLst>
+                                </p:cTn>
+                              </p:par>
+                              <p:par>
+                                <p:cTn id="37" presetID="10" presetClass="entr" presetSubtype="0" fill="hold" nodeType="withEffect">
+                                  <p:stCondLst>
+                                    <p:cond delay="0"/>
+                                  </p:stCondLst>
+                                  <p:childTnLst>
+                                    <p:set>
+                                      <p:cBhvr>
+                                        <p:cTn id="38" dur="1" fill="hold">
+                                          <p:stCondLst>
+                                            <p:cond delay="0"/>
+                                          </p:stCondLst>
+                                        </p:cTn>
+                                        <p:tgtEl>
+                                          <p:spTgt spid="23"/>
+                                        </p:tgtEl>
+                                        <p:attrNameLst>
+                                          <p:attrName>style.visibility</p:attrName>
+                                        </p:attrNameLst>
+                                      </p:cBhvr>
+                                      <p:to>
+                                        <p:strVal val="visible"/>
+                                      </p:to>
+                                    </p:set>
+                                    <p:animEffect transition="in" filter="fade">
+                                      <p:cBhvr>
+                                        <p:cTn id="39" dur="500"/>
+                                        <p:tgtEl>
+                                          <p:spTgt spid="23"/>
+                                        </p:tgtEl>
+                                      </p:cBhvr>
+                                    </p:animEffect>
+                                  </p:childTnLst>
+                                </p:cTn>
+                              </p:par>
+                              <p:par>
+                                <p:cTn id="40" presetID="10" presetClass="entr" presetSubtype="0" fill="hold" nodeType="withEffect">
+                                  <p:stCondLst>
+                                    <p:cond delay="0"/>
+                                  </p:stCondLst>
+                                  <p:childTnLst>
+                                    <p:set>
+                                      <p:cBhvr>
+                                        <p:cTn id="41" dur="1" fill="hold">
+                                          <p:stCondLst>
+                                            <p:cond delay="0"/>
+                                          </p:stCondLst>
+                                        </p:cTn>
+                                        <p:tgtEl>
+                                          <p:spTgt spid="20"/>
+                                        </p:tgtEl>
+                                        <p:attrNameLst>
+                                          <p:attrName>style.visibility</p:attrName>
+                                        </p:attrNameLst>
+                                      </p:cBhvr>
+                                      <p:to>
+                                        <p:strVal val="visible"/>
+                                      </p:to>
+                                    </p:set>
+                                    <p:animEffect transition="in" filter="fade">
+                                      <p:cBhvr>
+                                        <p:cTn id="42" dur="500"/>
+                                        <p:tgtEl>
+                                          <p:spTgt spid="20"/>
+                                        </p:tgtEl>
+                                      </p:cBhvr>
+                                    </p:animEffect>
+                                  </p:childTnLst>
+                                </p:cTn>
+                              </p:par>
+                            </p:childTnLst>
+                          </p:cTn>
+                        </p:par>
+                      </p:childTnLst>
+                    </p:cTn>
+                  </p:par>
+                  <p:par>
+                    <p:cTn id="43" fill="hold">
+                      <p:stCondLst>
+                        <p:cond delay="indefinite"/>
+                      </p:stCondLst>
+                      <p:childTnLst>
+                        <p:par>
+                          <p:cTn id="44" fill="hold">
+                            <p:stCondLst>
+                              <p:cond delay="0"/>
+                            </p:stCondLst>
+                            <p:childTnLst>
+                              <p:par>
+                                <p:cTn id="45" presetID="10" presetClass="entr" presetSubtype="0" fill="hold" nodeType="clickEffect">
+                                  <p:stCondLst>
+                                    <p:cond delay="0"/>
+                                  </p:stCondLst>
+                                  <p:childTnLst>
+                                    <p:set>
+                                      <p:cBhvr>
+                                        <p:cTn id="46" dur="1" fill="hold">
+                                          <p:stCondLst>
+                                            <p:cond delay="0"/>
+                                          </p:stCondLst>
+                                        </p:cTn>
+                                        <p:tgtEl>
+                                          <p:spTgt spid="25"/>
+                                        </p:tgtEl>
+                                        <p:attrNameLst>
+                                          <p:attrName>style.visibility</p:attrName>
+                                        </p:attrNameLst>
+                                      </p:cBhvr>
+                                      <p:to>
+                                        <p:strVal val="visible"/>
+                                      </p:to>
+                                    </p:set>
+                                    <p:animEffect transition="in" filter="fade">
+                                      <p:cBhvr>
+                                        <p:cTn id="47" dur="500"/>
+                                        <p:tgtEl>
+                                          <p:spTgt spid="25"/>
+                                        </p:tgtEl>
+                                      </p:cBhvr>
+                                    </p:animEffect>
+                                  </p:childTnLst>
+                                </p:cTn>
+                              </p:par>
+                              <p:par>
+                                <p:cTn id="48" presetID="10" presetClass="entr" presetSubtype="0" fill="hold" nodeType="withEffect">
+                                  <p:stCondLst>
+                                    <p:cond delay="0"/>
+                                  </p:stCondLst>
+                                  <p:childTnLst>
+                                    <p:set>
+                                      <p:cBhvr>
+                                        <p:cTn id="49" dur="1" fill="hold">
+                                          <p:stCondLst>
+                                            <p:cond delay="0"/>
+                                          </p:stCondLst>
+                                        </p:cTn>
+                                        <p:tgtEl>
+                                          <p:spTgt spid="22"/>
+                                        </p:tgtEl>
+                                        <p:attrNameLst>
+                                          <p:attrName>style.visibility</p:attrName>
+                                        </p:attrNameLst>
+                                      </p:cBhvr>
+                                      <p:to>
+                                        <p:strVal val="visible"/>
+                                      </p:to>
+                                    </p:set>
+                                    <p:animEffect transition="in" filter="fade">
+                                      <p:cBhvr>
+                                        <p:cTn id="50" dur="500"/>
+                                        <p:tgtEl>
+                                          <p:spTgt spid="22"/>
+                                        </p:tgtEl>
+                                      </p:cBhvr>
+                                    </p:animEffect>
+                                  </p:childTnLst>
+                                </p:cTn>
+                              </p:par>
+                            </p:childTnLst>
+                          </p:cTn>
+                        </p:par>
+                      </p:childTnLst>
+                    </p:cTn>
+                  </p:par>
+                  <p:par>
+                    <p:cTn id="51" fill="hold">
+                      <p:stCondLst>
+                        <p:cond delay="indefinite"/>
+                      </p:stCondLst>
+                      <p:childTnLst>
+                        <p:par>
+                          <p:cTn id="52" fill="hold">
+                            <p:stCondLst>
+                              <p:cond delay="0"/>
+                            </p:stCondLst>
+                            <p:childTnLst>
+                              <p:par>
+                                <p:cTn id="53" presetID="10" presetClass="entr" presetSubtype="0" fill="hold" nodeType="clickEffect">
+                                  <p:stCondLst>
+                                    <p:cond delay="0"/>
+                                  </p:stCondLst>
+                                  <p:childTnLst>
+                                    <p:set>
+                                      <p:cBhvr>
+                                        <p:cTn id="54" dur="1" fill="hold">
+                                          <p:stCondLst>
+                                            <p:cond delay="0"/>
+                                          </p:stCondLst>
+                                        </p:cTn>
+                                        <p:tgtEl>
+                                          <p:spTgt spid="24"/>
+                                        </p:tgtEl>
+                                        <p:attrNameLst>
+                                          <p:attrName>style.visibility</p:attrName>
+                                        </p:attrNameLst>
+                                      </p:cBhvr>
+                                      <p:to>
+                                        <p:strVal val="visible"/>
+                                      </p:to>
+                                    </p:set>
+                                    <p:animEffect transition="in" filter="fade">
+                                      <p:cBhvr>
+                                        <p:cTn id="55" dur="500"/>
+                                        <p:tgtEl>
+                                          <p:spTgt spid="24"/>
+                                        </p:tgtEl>
+                                      </p:cBhvr>
+                                    </p:animEffect>
+                                  </p:childTnLst>
+                                </p:cTn>
+                              </p:par>
+                            </p:childTnLst>
+                          </p:cTn>
+                        </p:par>
+                      </p:childTnLst>
+                    </p:cTn>
+                  </p:par>
+                </p:childTnLst>
+              </p:cTn>
+              <p:prevCondLst>
+                <p:cond evt="onPrev" delay="0">
+                  <p:tgtEl>
+                    <p:sldTgt/>
+                  </p:tgtEl>
+                </p:cond>
+              </p:prevCondLst>
+              <p:nextCondLst>
+                <p:cond evt="onNext" delay="0">
+                  <p:tgtEl>
+                    <p:sldTgt/>
+                  </p:tgtEl>
+                </p:cond>
+              </p:nextCondLst>
+            </p:seq>
+          </p:childTnLst>
+        </p:cTn>
       </p:par>
     </p:tnLst>
+    <p:bldLst>
+      <p:bldP spid="26" grpId="0"/>
+      <p:bldP spid="27" grpId="0"/>
+      <p:bldP spid="30" grpId="0"/>
+    </p:bldLst>
   </p:timing>
 </p:sld>
 </file>

--- a/ISIE 2017/sunum/ISIE2017_OralPres_Mesut_Uğur.pptx
+++ b/ISIE 2017/sunum/ISIE2017_OralPres_Mesut_Uğur.pptx
@@ -5,7 +5,7 @@
     <p:sldMasterId id="2147483804" r:id="rId1"/>
   </p:sldMasterIdLst>
   <p:notesMasterIdLst>
-    <p:notesMasterId r:id="rId19"/>
+    <p:notesMasterId r:id="rId18"/>
   </p:notesMasterIdLst>
   <p:sldIdLst>
     <p:sldId id="290" r:id="rId2"/>
@@ -22,9 +22,8 @@
     <p:sldId id="509" r:id="rId13"/>
     <p:sldId id="522" r:id="rId14"/>
     <p:sldId id="518" r:id="rId15"/>
-    <p:sldId id="523" r:id="rId16"/>
-    <p:sldId id="513" r:id="rId17"/>
-    <p:sldId id="493" r:id="rId18"/>
+    <p:sldId id="513" r:id="rId16"/>
+    <p:sldId id="493" r:id="rId17"/>
   </p:sldIdLst>
   <p:sldSz cx="9144000" cy="6858000" type="screen4x3"/>
   <p:notesSz cx="6858000" cy="9144000"/>
@@ -224,7 +223,7 @@
           <a:p>
             <a:fld id="{D1C008C1-D970-43BD-9678-58985B84B3B0}" type="datetimeFigureOut">
               <a:rPr lang="tr-TR" smtClean="0"/>
-              <a:t>14.06.2017</a:t>
+              <a:t>15.6.2017</a:t>
             </a:fld>
             <a:endParaRPr lang="tr-TR"/>
           </a:p>
@@ -841,7 +840,7 @@
           <a:p>
             <a:fld id="{D275723C-A363-4114-BE18-3E9589C2B9C2}" type="datetime1">
               <a:rPr lang="en-US" smtClean="0"/>
-              <a:t>6/14/2017</a:t>
+              <a:t>6/15/2017</a:t>
             </a:fld>
             <a:endParaRPr lang="en-US" dirty="0"/>
           </a:p>
@@ -1012,7 +1011,7 @@
           <a:p>
             <a:fld id="{C5592633-93A2-4DB7-B3D8-5F6714E7EFEC}" type="datetime1">
               <a:rPr lang="en-US" smtClean="0"/>
-              <a:t>6/14/2017</a:t>
+              <a:t>6/15/2017</a:t>
             </a:fld>
             <a:endParaRPr lang="en-US" dirty="0"/>
           </a:p>
@@ -1193,7 +1192,7 @@
           <a:p>
             <a:fld id="{6F760D8D-AE05-4AF5-8666-75C48EA7B609}" type="datetime1">
               <a:rPr lang="en-US" smtClean="0"/>
-              <a:t>6/14/2017</a:t>
+              <a:t>6/15/2017</a:t>
             </a:fld>
             <a:endParaRPr lang="en-US" dirty="0"/>
           </a:p>
@@ -1364,7 +1363,7 @@
           <a:p>
             <a:fld id="{6D87B8C0-62AE-47C8-A8EF-FC863B0F06E5}" type="datetime1">
               <a:rPr lang="en-US" smtClean="0"/>
-              <a:t>6/14/2017</a:t>
+              <a:t>6/15/2017</a:t>
             </a:fld>
             <a:endParaRPr lang="en-US" dirty="0"/>
           </a:p>
@@ -1611,7 +1610,7 @@
           <a:p>
             <a:fld id="{A76C8472-C309-40FA-8240-FF6234B7F0D0}" type="datetime1">
               <a:rPr lang="en-US" smtClean="0"/>
-              <a:t>6/14/2017</a:t>
+              <a:t>6/15/2017</a:t>
             </a:fld>
             <a:endParaRPr lang="en-US" dirty="0"/>
           </a:p>
@@ -1900,7 +1899,7 @@
           <a:p>
             <a:fld id="{33196F6B-6F2E-418E-A1A6-2F06576F6EF7}" type="datetime1">
               <a:rPr lang="en-US" smtClean="0"/>
-              <a:t>6/14/2017</a:t>
+              <a:t>6/15/2017</a:t>
             </a:fld>
             <a:endParaRPr lang="en-US" dirty="0"/>
           </a:p>
@@ -2323,7 +2322,7 @@
           <a:p>
             <a:fld id="{D09CD6EC-2E00-46F1-9BD2-E1865A200410}" type="datetime1">
               <a:rPr lang="en-US" smtClean="0"/>
-              <a:t>6/14/2017</a:t>
+              <a:t>6/15/2017</a:t>
             </a:fld>
             <a:endParaRPr lang="en-US" dirty="0"/>
           </a:p>
@@ -2442,7 +2441,7 @@
           <a:p>
             <a:fld id="{C40B9E5A-6330-4749-ACDB-FB892FCFE6A5}" type="datetime1">
               <a:rPr lang="en-US" smtClean="0"/>
-              <a:t>6/14/2017</a:t>
+              <a:t>6/15/2017</a:t>
             </a:fld>
             <a:endParaRPr lang="en-US" dirty="0"/>
           </a:p>
@@ -2538,7 +2537,7 @@
           <a:p>
             <a:fld id="{1C181CB3-A768-4AD8-A97F-12E47CC1200D}" type="datetime1">
               <a:rPr lang="en-US" smtClean="0"/>
-              <a:t>6/14/2017</a:t>
+              <a:t>6/15/2017</a:t>
             </a:fld>
             <a:endParaRPr lang="en-US" dirty="0"/>
           </a:p>
@@ -2816,7 +2815,7 @@
           <a:p>
             <a:fld id="{AF3D8106-484C-46C6-8BE9-348BFA7F2DCB}" type="datetime1">
               <a:rPr lang="en-US" smtClean="0"/>
-              <a:t>6/14/2017</a:t>
+              <a:t>6/15/2017</a:t>
             </a:fld>
             <a:endParaRPr lang="en-US" dirty="0"/>
           </a:p>
@@ -3070,7 +3069,7 @@
           <a:p>
             <a:fld id="{F2A57B0D-110E-4AAD-9411-DA6CB39E8776}" type="datetime1">
               <a:rPr lang="en-US" smtClean="0"/>
-              <a:t>6/14/2017</a:t>
+              <a:t>6/15/2017</a:t>
             </a:fld>
             <a:endParaRPr lang="en-US" dirty="0"/>
           </a:p>
@@ -3303,7 +3302,7 @@
           <a:p>
             <a:fld id="{FB4B5B0E-55D6-4DAA-879D-58BBFFC7379B}" type="datetime1">
               <a:rPr lang="en-US" smtClean="0"/>
-              <a:t>6/14/2017</a:t>
+              <a:t>6/15/2017</a:t>
             </a:fld>
             <a:endParaRPr lang="en-US" dirty="0"/>
           </a:p>
@@ -3944,10 +3943,6 @@
               </a:rPr>
               <a:t>21.06.2017</a:t>
             </a:r>
-            <a:endParaRPr lang="tr-TR" sz="2400" dirty="0" smtClean="0">
-              <a:latin typeface="Times New Roman" panose="02020603050405020304" pitchFamily="18" charset="0"/>
-              <a:cs typeface="Times New Roman" panose="02020603050405020304" pitchFamily="18" charset="0"/>
-            </a:endParaRPr>
           </a:p>
         </p:txBody>
       </p:sp>
@@ -14239,8 +14234,8 @@
         </p:blipFill>
         <p:spPr>
           <a:xfrm>
-            <a:off x="1189918" y="1143000"/>
-            <a:ext cx="2367859" cy="1914525"/>
+            <a:off x="4990808" y="1352347"/>
+            <a:ext cx="3848392" cy="3111605"/>
           </a:xfrm>
           <a:prstGeom prst="rect">
             <a:avLst/>
@@ -14249,7 +14244,7 @@
       </p:pic>
       <p:sp>
         <p:nvSpPr>
-          <p:cNvPr id="17" name="Text Box 9"/>
+          <p:cNvPr id="18" name="Text Box 9"/>
           <p:cNvSpPr txBox="1">
             <a:spLocks noChangeArrowheads="1"/>
           </p:cNvSpPr>
@@ -14257,8 +14252,8 @@
         </p:nvSpPr>
         <p:spPr bwMode="auto">
           <a:xfrm>
-            <a:off x="1295400" y="3208314"/>
-            <a:ext cx="2262377" cy="461665"/>
+            <a:off x="1258355" y="1530932"/>
+            <a:ext cx="3886200" cy="1908215"/>
           </a:xfrm>
           <a:prstGeom prst="rect">
             <a:avLst/>
@@ -14278,49 +14273,89 @@
           </a:bodyPr>
           <a:lstStyle/>
           <a:p>
-            <a:pPr algn="ctr">
+            <a:pPr marL="342900" indent="-342900">
+              <a:lnSpc>
+                <a:spcPct val="150000"/>
+              </a:lnSpc>
               <a:spcAft>
-                <a:spcPts val="400"/>
+                <a:spcPts val="600"/>
               </a:spcAft>
+              <a:buFont typeface="Wingdings" panose="05000000000000000000" pitchFamily="2" charset="2"/>
+              <a:buChar char="q"/>
             </a:pPr>
             <a:r>
-              <a:rPr lang="tr-TR" sz="2400" dirty="0" err="1" smtClean="0">
-                <a:latin typeface="Times New Roman" panose="02020603050405020304" pitchFamily="18" charset="0"/>
-                <a:cs typeface="Times New Roman" panose="02020603050405020304" pitchFamily="18" charset="0"/>
-              </a:rPr>
-              <a:t>Power</a:t>
+              <a:rPr lang="tr-TR" sz="2400" dirty="0">
+                <a:latin typeface="Times New Roman" panose="02020603050405020304" pitchFamily="18" charset="0"/>
+                <a:cs typeface="Times New Roman" panose="02020603050405020304" pitchFamily="18" charset="0"/>
+              </a:rPr>
+              <a:t>Power density </a:t>
             </a:r>
             <a:r>
               <a:rPr lang="tr-TR" sz="2400" dirty="0" smtClean="0">
                 <a:latin typeface="Times New Roman" panose="02020603050405020304" pitchFamily="18" charset="0"/>
                 <a:cs typeface="Times New Roman" panose="02020603050405020304" pitchFamily="18" charset="0"/>
               </a:rPr>
-              <a:t> </a:t>
-            </a:r>
-            <a:r>
-              <a:rPr lang="tr-TR" sz="2400" dirty="0" err="1" smtClean="0">
-                <a:latin typeface="Times New Roman" panose="02020603050405020304" pitchFamily="18" charset="0"/>
-                <a:cs typeface="Times New Roman" panose="02020603050405020304" pitchFamily="18" charset="0"/>
-              </a:rPr>
-              <a:t>density</a:t>
-            </a:r>
+              <a:t>!</a:t>
+            </a:r>
+          </a:p>
+          <a:p>
+            <a:pPr marL="342900" indent="-342900">
+              <a:lnSpc>
+                <a:spcPct val="150000"/>
+              </a:lnSpc>
+              <a:spcAft>
+                <a:spcPts val="600"/>
+              </a:spcAft>
+              <a:buFont typeface="Wingdings" panose="05000000000000000000" pitchFamily="2" charset="2"/>
+              <a:buChar char="q"/>
+            </a:pPr>
             <a:r>
               <a:rPr lang="tr-TR" sz="2400" dirty="0" smtClean="0">
                 <a:latin typeface="Times New Roman" panose="02020603050405020304" pitchFamily="18" charset="0"/>
                 <a:cs typeface="Times New Roman" panose="02020603050405020304" pitchFamily="18" charset="0"/>
               </a:rPr>
-              <a:t> !</a:t>
+              <a:t>Size </a:t>
+            </a:r>
+            <a:r>
+              <a:rPr lang="tr-TR" sz="2400" dirty="0" smtClean="0">
+                <a:latin typeface="Times New Roman" panose="02020603050405020304" pitchFamily="18" charset="0"/>
+                <a:cs typeface="Times New Roman" panose="02020603050405020304" pitchFamily="18" charset="0"/>
+              </a:rPr>
+              <a:t>reduction challenge </a:t>
             </a:r>
             <a:endParaRPr lang="tr-TR" sz="2400" dirty="0" smtClean="0">
               <a:latin typeface="Times New Roman" panose="02020603050405020304" pitchFamily="18" charset="0"/>
               <a:cs typeface="Times New Roman" panose="02020603050405020304" pitchFamily="18" charset="0"/>
             </a:endParaRPr>
           </a:p>
+          <a:p>
+            <a:pPr marL="342900" indent="-342900">
+              <a:lnSpc>
+                <a:spcPct val="150000"/>
+              </a:lnSpc>
+              <a:spcAft>
+                <a:spcPts val="600"/>
+              </a:spcAft>
+              <a:buFont typeface="Wingdings" panose="05000000000000000000" pitchFamily="2" charset="2"/>
+              <a:buChar char="q"/>
+            </a:pPr>
+            <a:r>
+              <a:rPr lang="tr-TR" sz="2400" dirty="0" smtClean="0">
+                <a:latin typeface="Times New Roman" panose="02020603050405020304" pitchFamily="18" charset="0"/>
+                <a:cs typeface="Times New Roman" panose="02020603050405020304" pitchFamily="18" charset="0"/>
+              </a:rPr>
+              <a:t>DC bus capacitor bank</a:t>
+            </a:r>
+            <a:endParaRPr lang="tr-TR" sz="2400" dirty="0">
+              <a:latin typeface="Times New Roman" panose="02020603050405020304" pitchFamily="18" charset="0"/>
+              <a:cs typeface="Times New Roman" panose="02020603050405020304" pitchFamily="18" charset="0"/>
+            </a:endParaRPr>
+          </a:p>
         </p:txBody>
       </p:sp>
       <p:sp>
         <p:nvSpPr>
-          <p:cNvPr id="18" name="Text Box 9"/>
+          <p:cNvPr id="19" name="Text Box 9"/>
           <p:cNvSpPr txBox="1">
             <a:spLocks noChangeArrowheads="1"/>
           </p:cNvSpPr>
@@ -14328,8 +14363,8 @@
         </p:nvSpPr>
         <p:spPr bwMode="auto">
           <a:xfrm>
-            <a:off x="3843215" y="1240619"/>
-            <a:ext cx="5300785" cy="820738"/>
+            <a:off x="1258355" y="3717983"/>
+            <a:ext cx="6271591" cy="1908215"/>
           </a:xfrm>
           <a:prstGeom prst="rect">
             <a:avLst/>
@@ -14349,550 +14384,62 @@
           </a:bodyPr>
           <a:lstStyle/>
           <a:p>
-            <a:pPr algn="l">
+            <a:pPr marL="342900" indent="-342900">
+              <a:lnSpc>
+                <a:spcPct val="150000"/>
+              </a:lnSpc>
               <a:spcAft>
-                <a:spcPts val="400"/>
+                <a:spcPts val="600"/>
               </a:spcAft>
+              <a:buFont typeface="Wingdings" panose="05000000000000000000" pitchFamily="2" charset="2"/>
+              <a:buChar char="q"/>
             </a:pPr>
             <a:r>
-              <a:rPr lang="tr-TR" sz="2200" dirty="0" smtClean="0">
-                <a:latin typeface="Times New Roman" panose="02020603050405020304" pitchFamily="18" charset="0"/>
-                <a:cs typeface="Times New Roman" panose="02020603050405020304" pitchFamily="18" charset="0"/>
-              </a:rPr>
-              <a:t>Size </a:t>
-            </a:r>
-            <a:r>
-              <a:rPr lang="tr-TR" sz="2200" dirty="0" err="1" smtClean="0">
-                <a:latin typeface="Times New Roman" panose="02020603050405020304" pitchFamily="18" charset="0"/>
-                <a:cs typeface="Times New Roman" panose="02020603050405020304" pitchFamily="18" charset="0"/>
-              </a:rPr>
-              <a:t>reduction</a:t>
-            </a:r>
-            <a:r>
-              <a:rPr lang="tr-TR" sz="2200" dirty="0" smtClean="0">
-                <a:latin typeface="Times New Roman" panose="02020603050405020304" pitchFamily="18" charset="0"/>
-                <a:cs typeface="Times New Roman" panose="02020603050405020304" pitchFamily="18" charset="0"/>
-              </a:rPr>
-              <a:t> </a:t>
-            </a:r>
-            <a:r>
-              <a:rPr lang="tr-TR" sz="2200" dirty="0" err="1" smtClean="0">
-                <a:latin typeface="Times New Roman" panose="02020603050405020304" pitchFamily="18" charset="0"/>
-                <a:cs typeface="Times New Roman" panose="02020603050405020304" pitchFamily="18" charset="0"/>
-              </a:rPr>
-              <a:t>challenge</a:t>
-            </a:r>
-            <a:r>
-              <a:rPr lang="tr-TR" sz="2200" dirty="0" smtClean="0">
-                <a:latin typeface="Times New Roman" panose="02020603050405020304" pitchFamily="18" charset="0"/>
-                <a:cs typeface="Times New Roman" panose="02020603050405020304" pitchFamily="18" charset="0"/>
-              </a:rPr>
-              <a:t> </a:t>
-            </a:r>
-          </a:p>
-          <a:p>
-            <a:pPr>
+              <a:rPr lang="tr-TR" sz="2400" dirty="0" smtClean="0">
+                <a:latin typeface="Times New Roman" panose="02020603050405020304" pitchFamily="18" charset="0"/>
+                <a:cs typeface="Times New Roman" panose="02020603050405020304" pitchFamily="18" charset="0"/>
+              </a:rPr>
+              <a:t>Effect of interleaving</a:t>
+            </a:r>
+          </a:p>
+          <a:p>
+            <a:pPr marL="342900" indent="-342900">
+              <a:lnSpc>
+                <a:spcPct val="150000"/>
+              </a:lnSpc>
               <a:spcAft>
-                <a:spcPts val="400"/>
+                <a:spcPts val="600"/>
               </a:spcAft>
+              <a:buFont typeface="Wingdings" panose="05000000000000000000" pitchFamily="2" charset="2"/>
+              <a:buChar char="q"/>
             </a:pPr>
             <a:r>
-              <a:rPr lang="tr-TR" sz="2200" dirty="0" err="1">
-                <a:latin typeface="Times New Roman" panose="02020603050405020304" pitchFamily="18" charset="0"/>
-                <a:cs typeface="Times New Roman" panose="02020603050405020304" pitchFamily="18" charset="0"/>
-              </a:rPr>
-              <a:t>Passive</a:t>
-            </a:r>
-            <a:r>
-              <a:rPr lang="tr-TR" sz="2200" dirty="0">
-                <a:latin typeface="Times New Roman" panose="02020603050405020304" pitchFamily="18" charset="0"/>
-                <a:cs typeface="Times New Roman" panose="02020603050405020304" pitchFamily="18" charset="0"/>
-              </a:rPr>
-              <a:t> </a:t>
-            </a:r>
-            <a:r>
-              <a:rPr lang="tr-TR" sz="2200" dirty="0" err="1" smtClean="0">
-                <a:latin typeface="Times New Roman" panose="02020603050405020304" pitchFamily="18" charset="0"/>
-                <a:cs typeface="Times New Roman" panose="02020603050405020304" pitchFamily="18" charset="0"/>
-              </a:rPr>
-              <a:t>components</a:t>
-            </a:r>
-            <a:r>
-              <a:rPr lang="tr-TR" sz="2200" dirty="0" smtClean="0">
-                <a:latin typeface="Times New Roman" panose="02020603050405020304" pitchFamily="18" charset="0"/>
-                <a:cs typeface="Times New Roman" panose="02020603050405020304" pitchFamily="18" charset="0"/>
-              </a:rPr>
-              <a:t> </a:t>
-            </a:r>
-            <a:r>
-              <a:rPr lang="tr-TR" sz="2200" dirty="0" err="1" smtClean="0">
-                <a:latin typeface="Times New Roman" panose="02020603050405020304" pitchFamily="18" charset="0"/>
-                <a:cs typeface="Times New Roman" panose="02020603050405020304" pitchFamily="18" charset="0"/>
-              </a:rPr>
-              <a:t>and</a:t>
-            </a:r>
-            <a:r>
-              <a:rPr lang="tr-TR" sz="2200" dirty="0" smtClean="0">
-                <a:latin typeface="Times New Roman" panose="02020603050405020304" pitchFamily="18" charset="0"/>
-                <a:cs typeface="Times New Roman" panose="02020603050405020304" pitchFamily="18" charset="0"/>
-              </a:rPr>
-              <a:t> </a:t>
-            </a:r>
-            <a:r>
-              <a:rPr lang="tr-TR" sz="2200" dirty="0" err="1" smtClean="0">
-                <a:latin typeface="Times New Roman" panose="02020603050405020304" pitchFamily="18" charset="0"/>
-                <a:cs typeface="Times New Roman" panose="02020603050405020304" pitchFamily="18" charset="0"/>
-              </a:rPr>
-              <a:t>heatsink</a:t>
-            </a:r>
-            <a:endParaRPr lang="tr-TR" sz="2200" dirty="0">
-              <a:latin typeface="Times New Roman" panose="02020603050405020304" pitchFamily="18" charset="0"/>
-              <a:cs typeface="Times New Roman" panose="02020603050405020304" pitchFamily="18" charset="0"/>
-            </a:endParaRPr>
-          </a:p>
-        </p:txBody>
-      </p:sp>
-      <p:sp>
-        <p:nvSpPr>
-          <p:cNvPr id="20" name="Text Box 9"/>
-          <p:cNvSpPr txBox="1">
-            <a:spLocks noChangeArrowheads="1"/>
-          </p:cNvSpPr>
-          <p:nvPr/>
-        </p:nvSpPr>
-        <p:spPr bwMode="auto">
-          <a:xfrm>
-            <a:off x="3843215" y="2493083"/>
-            <a:ext cx="5300785" cy="820738"/>
-          </a:xfrm>
-          <a:prstGeom prst="rect">
-            <a:avLst/>
-          </a:prstGeom>
-          <a:noFill/>
-          <a:ln w="9525">
-            <a:noFill/>
-            <a:miter lim="800000"/>
-            <a:headEnd/>
-            <a:tailEnd/>
-          </a:ln>
-          <a:effectLst/>
-        </p:spPr>
-        <p:txBody>
-          <a:bodyPr wrap="square">
-            <a:spAutoFit/>
-          </a:bodyPr>
-          <a:lstStyle/>
-          <a:p>
-            <a:pPr algn="l">
+              <a:rPr lang="tr-TR" sz="2400" dirty="0" smtClean="0">
+                <a:latin typeface="Times New Roman" panose="02020603050405020304" pitchFamily="18" charset="0"/>
+                <a:cs typeface="Times New Roman" panose="02020603050405020304" pitchFamily="18" charset="0"/>
+              </a:rPr>
+              <a:t>Capacitor selection tool</a:t>
+            </a:r>
+          </a:p>
+          <a:p>
+            <a:pPr marL="342900" indent="-342900">
+              <a:lnSpc>
+                <a:spcPct val="150000"/>
+              </a:lnSpc>
               <a:spcAft>
-                <a:spcPts val="400"/>
+                <a:spcPts val="600"/>
               </a:spcAft>
+              <a:buFont typeface="Wingdings" panose="05000000000000000000" pitchFamily="2" charset="2"/>
+              <a:buChar char="q"/>
             </a:pPr>
             <a:r>
-              <a:rPr lang="tr-TR" sz="2200" dirty="0" smtClean="0">
-                <a:latin typeface="Times New Roman" panose="02020603050405020304" pitchFamily="18" charset="0"/>
-                <a:cs typeface="Times New Roman" panose="02020603050405020304" pitchFamily="18" charset="0"/>
-              </a:rPr>
-              <a:t>GaN </a:t>
-            </a:r>
-            <a:r>
-              <a:rPr lang="tr-TR" sz="2200" dirty="0" err="1" smtClean="0">
-                <a:latin typeface="Times New Roman" panose="02020603050405020304" pitchFamily="18" charset="0"/>
-                <a:cs typeface="Times New Roman" panose="02020603050405020304" pitchFamily="18" charset="0"/>
-              </a:rPr>
-              <a:t>FETs</a:t>
-            </a:r>
-            <a:endParaRPr lang="tr-TR" sz="2200" dirty="0" smtClean="0">
-              <a:latin typeface="Times New Roman" panose="02020603050405020304" pitchFamily="18" charset="0"/>
-              <a:cs typeface="Times New Roman" panose="02020603050405020304" pitchFamily="18" charset="0"/>
-            </a:endParaRPr>
-          </a:p>
-          <a:p>
-            <a:pPr>
-              <a:spcAft>
-                <a:spcPts val="400"/>
-              </a:spcAft>
-            </a:pPr>
-            <a:r>
-              <a:rPr lang="tr-TR" sz="2200" dirty="0" smtClean="0">
-                <a:latin typeface="Times New Roman" panose="02020603050405020304" pitchFamily="18" charset="0"/>
-                <a:cs typeface="Times New Roman" panose="02020603050405020304" pitchFamily="18" charset="0"/>
-              </a:rPr>
-              <a:t>Optimize </a:t>
-            </a:r>
-            <a:r>
-              <a:rPr lang="tr-TR" sz="2200" dirty="0" err="1" smtClean="0">
-                <a:latin typeface="Times New Roman" panose="02020603050405020304" pitchFamily="18" charset="0"/>
-                <a:cs typeface="Times New Roman" panose="02020603050405020304" pitchFamily="18" charset="0"/>
-              </a:rPr>
-              <a:t>the</a:t>
-            </a:r>
-            <a:r>
-              <a:rPr lang="tr-TR" sz="2200" dirty="0" smtClean="0">
-                <a:latin typeface="Times New Roman" panose="02020603050405020304" pitchFamily="18" charset="0"/>
-                <a:cs typeface="Times New Roman" panose="02020603050405020304" pitchFamily="18" charset="0"/>
-              </a:rPr>
-              <a:t> DC </a:t>
-            </a:r>
-            <a:r>
-              <a:rPr lang="tr-TR" sz="2200" dirty="0" err="1" smtClean="0">
-                <a:latin typeface="Times New Roman" panose="02020603050405020304" pitchFamily="18" charset="0"/>
-                <a:cs typeface="Times New Roman" panose="02020603050405020304" pitchFamily="18" charset="0"/>
-              </a:rPr>
-              <a:t>bus</a:t>
-            </a:r>
-            <a:r>
-              <a:rPr lang="tr-TR" sz="2200" dirty="0" smtClean="0">
-                <a:latin typeface="Times New Roman" panose="02020603050405020304" pitchFamily="18" charset="0"/>
-                <a:cs typeface="Times New Roman" panose="02020603050405020304" pitchFamily="18" charset="0"/>
-              </a:rPr>
-              <a:t> </a:t>
-            </a:r>
-            <a:r>
-              <a:rPr lang="tr-TR" sz="2200" dirty="0" err="1" smtClean="0">
-                <a:latin typeface="Times New Roman" panose="02020603050405020304" pitchFamily="18" charset="0"/>
-                <a:cs typeface="Times New Roman" panose="02020603050405020304" pitchFamily="18" charset="0"/>
-              </a:rPr>
-              <a:t>capacitor</a:t>
-            </a:r>
-            <a:r>
-              <a:rPr lang="tr-TR" sz="2200" dirty="0" smtClean="0">
-                <a:latin typeface="Times New Roman" panose="02020603050405020304" pitchFamily="18" charset="0"/>
-                <a:cs typeface="Times New Roman" panose="02020603050405020304" pitchFamily="18" charset="0"/>
-              </a:rPr>
-              <a:t> bank</a:t>
-            </a:r>
-            <a:endParaRPr lang="tr-TR" sz="2200" dirty="0">
-              <a:latin typeface="Times New Roman" panose="02020603050405020304" pitchFamily="18" charset="0"/>
-              <a:cs typeface="Times New Roman" panose="02020603050405020304" pitchFamily="18" charset="0"/>
-            </a:endParaRPr>
-          </a:p>
-        </p:txBody>
-      </p:sp>
-      <p:sp>
-        <p:nvSpPr>
-          <p:cNvPr id="21" name="Text Box 9"/>
-          <p:cNvSpPr txBox="1">
-            <a:spLocks noChangeArrowheads="1"/>
-          </p:cNvSpPr>
-          <p:nvPr/>
-        </p:nvSpPr>
-        <p:spPr bwMode="auto">
-          <a:xfrm>
-            <a:off x="3843215" y="3546561"/>
-            <a:ext cx="5300785" cy="820738"/>
-          </a:xfrm>
-          <a:prstGeom prst="rect">
-            <a:avLst/>
-          </a:prstGeom>
-          <a:noFill/>
-          <a:ln w="9525">
-            <a:noFill/>
-            <a:miter lim="800000"/>
-            <a:headEnd/>
-            <a:tailEnd/>
-          </a:ln>
-          <a:effectLst/>
-        </p:spPr>
-        <p:txBody>
-          <a:bodyPr wrap="square">
-            <a:spAutoFit/>
-          </a:bodyPr>
-          <a:lstStyle/>
-          <a:p>
-            <a:pPr algn="l">
-              <a:spcAft>
-                <a:spcPts val="400"/>
-              </a:spcAft>
-            </a:pPr>
-            <a:r>
-              <a:rPr lang="tr-TR" sz="2200" dirty="0" smtClean="0">
-                <a:latin typeface="Times New Roman" panose="02020603050405020304" pitchFamily="18" charset="0"/>
-                <a:cs typeface="Times New Roman" panose="02020603050405020304" pitchFamily="18" charset="0"/>
-              </a:rPr>
-              <a:t>Interleaving is </a:t>
-            </a:r>
-            <a:r>
-              <a:rPr lang="tr-TR" sz="2200" dirty="0" err="1" smtClean="0">
-                <a:latin typeface="Times New Roman" panose="02020603050405020304" pitchFamily="18" charset="0"/>
-                <a:cs typeface="Times New Roman" panose="02020603050405020304" pitchFamily="18" charset="0"/>
-              </a:rPr>
-              <a:t>applicable</a:t>
-            </a:r>
-            <a:endParaRPr lang="tr-TR" sz="2200" dirty="0" smtClean="0">
-              <a:latin typeface="Times New Roman" panose="02020603050405020304" pitchFamily="18" charset="0"/>
-              <a:cs typeface="Times New Roman" panose="02020603050405020304" pitchFamily="18" charset="0"/>
-            </a:endParaRPr>
-          </a:p>
-          <a:p>
-            <a:pPr algn="l">
-              <a:spcAft>
-                <a:spcPts val="400"/>
-              </a:spcAft>
-            </a:pPr>
-            <a:r>
-              <a:rPr lang="tr-TR" sz="2200" dirty="0" smtClean="0">
-                <a:latin typeface="Times New Roman" panose="02020603050405020304" pitchFamily="18" charset="0"/>
-                <a:cs typeface="Times New Roman" panose="02020603050405020304" pitchFamily="18" charset="0"/>
-              </a:rPr>
-              <a:t>Optimum </a:t>
-            </a:r>
-            <a:r>
-              <a:rPr lang="tr-TR" sz="2200" dirty="0" err="1" smtClean="0">
-                <a:latin typeface="Times New Roman" panose="02020603050405020304" pitchFamily="18" charset="0"/>
-                <a:cs typeface="Times New Roman" panose="02020603050405020304" pitchFamily="18" charset="0"/>
-              </a:rPr>
-              <a:t>number</a:t>
-            </a:r>
-            <a:r>
-              <a:rPr lang="tr-TR" sz="2200" dirty="0" smtClean="0">
-                <a:latin typeface="Times New Roman" panose="02020603050405020304" pitchFamily="18" charset="0"/>
-                <a:cs typeface="Times New Roman" panose="02020603050405020304" pitchFamily="18" charset="0"/>
-              </a:rPr>
-              <a:t> of </a:t>
-            </a:r>
-            <a:r>
-              <a:rPr lang="tr-TR" sz="2200" dirty="0" err="1" smtClean="0">
-                <a:latin typeface="Times New Roman" panose="02020603050405020304" pitchFamily="18" charset="0"/>
-                <a:cs typeface="Times New Roman" panose="02020603050405020304" pitchFamily="18" charset="0"/>
-              </a:rPr>
-              <a:t>modules</a:t>
-            </a:r>
-            <a:endParaRPr lang="tr-TR" sz="2200" dirty="0">
-              <a:latin typeface="Times New Roman" panose="02020603050405020304" pitchFamily="18" charset="0"/>
-              <a:cs typeface="Times New Roman" panose="02020603050405020304" pitchFamily="18" charset="0"/>
-            </a:endParaRPr>
-          </a:p>
-        </p:txBody>
-      </p:sp>
-      <p:sp>
-        <p:nvSpPr>
-          <p:cNvPr id="22" name="Text Box 9"/>
-          <p:cNvSpPr txBox="1">
-            <a:spLocks noChangeArrowheads="1"/>
-          </p:cNvSpPr>
-          <p:nvPr/>
-        </p:nvSpPr>
-        <p:spPr bwMode="auto">
-          <a:xfrm>
-            <a:off x="3843215" y="4600039"/>
-            <a:ext cx="5300785" cy="1210588"/>
-          </a:xfrm>
-          <a:prstGeom prst="rect">
-            <a:avLst/>
-          </a:prstGeom>
-          <a:noFill/>
-          <a:ln w="9525">
-            <a:noFill/>
-            <a:miter lim="800000"/>
-            <a:headEnd/>
-            <a:tailEnd/>
-          </a:ln>
-          <a:effectLst/>
-        </p:spPr>
-        <p:txBody>
-          <a:bodyPr wrap="square">
-            <a:spAutoFit/>
-          </a:bodyPr>
-          <a:lstStyle/>
-          <a:p>
-            <a:pPr algn="l">
-              <a:spcAft>
-                <a:spcPts val="400"/>
-              </a:spcAft>
-            </a:pPr>
-            <a:r>
-              <a:rPr lang="tr-TR" sz="2200" dirty="0" smtClean="0">
-                <a:latin typeface="Times New Roman" panose="02020603050405020304" pitchFamily="18" charset="0"/>
-                <a:cs typeface="Times New Roman" panose="02020603050405020304" pitchFamily="18" charset="0"/>
-              </a:rPr>
-              <a:t>Film </a:t>
-            </a:r>
-            <a:r>
-              <a:rPr lang="tr-TR" sz="2200" dirty="0" err="1" smtClean="0">
-                <a:latin typeface="Times New Roman" panose="02020603050405020304" pitchFamily="18" charset="0"/>
-                <a:cs typeface="Times New Roman" panose="02020603050405020304" pitchFamily="18" charset="0"/>
-              </a:rPr>
-              <a:t>capacitors</a:t>
-            </a:r>
-            <a:r>
-              <a:rPr lang="tr-TR" sz="2200" dirty="0" smtClean="0">
-                <a:latin typeface="Times New Roman" panose="02020603050405020304" pitchFamily="18" charset="0"/>
-                <a:cs typeface="Times New Roman" panose="02020603050405020304" pitchFamily="18" charset="0"/>
-              </a:rPr>
-              <a:t> </a:t>
-            </a:r>
-            <a:r>
-              <a:rPr lang="tr-TR" sz="2200" dirty="0" err="1" smtClean="0">
-                <a:latin typeface="Times New Roman" panose="02020603050405020304" pitchFamily="18" charset="0"/>
-                <a:cs typeface="Times New Roman" panose="02020603050405020304" pitchFamily="18" charset="0"/>
-              </a:rPr>
-              <a:t>are</a:t>
-            </a:r>
-            <a:r>
-              <a:rPr lang="tr-TR" sz="2200" dirty="0" smtClean="0">
-                <a:latin typeface="Times New Roman" panose="02020603050405020304" pitchFamily="18" charset="0"/>
-                <a:cs typeface="Times New Roman" panose="02020603050405020304" pitchFamily="18" charset="0"/>
-              </a:rPr>
-              <a:t> </a:t>
-            </a:r>
-            <a:r>
-              <a:rPr lang="tr-TR" sz="2200" dirty="0" err="1" smtClean="0">
-                <a:latin typeface="Times New Roman" panose="02020603050405020304" pitchFamily="18" charset="0"/>
-                <a:cs typeface="Times New Roman" panose="02020603050405020304" pitchFamily="18" charset="0"/>
-              </a:rPr>
-              <a:t>suitable</a:t>
-            </a:r>
-            <a:endParaRPr lang="tr-TR" sz="2200" dirty="0" smtClean="0">
-              <a:latin typeface="Times New Roman" panose="02020603050405020304" pitchFamily="18" charset="0"/>
-              <a:cs typeface="Times New Roman" panose="02020603050405020304" pitchFamily="18" charset="0"/>
-            </a:endParaRPr>
-          </a:p>
-          <a:p>
-            <a:pPr algn="l">
-              <a:spcAft>
-                <a:spcPts val="400"/>
-              </a:spcAft>
-            </a:pPr>
-            <a:r>
-              <a:rPr lang="tr-TR" sz="2200" dirty="0" err="1" smtClean="0">
-                <a:latin typeface="Times New Roman" panose="02020603050405020304" pitchFamily="18" charset="0"/>
-                <a:cs typeface="Times New Roman" panose="02020603050405020304" pitchFamily="18" charset="0"/>
-              </a:rPr>
-              <a:t>Consider</a:t>
-            </a:r>
-            <a:r>
-              <a:rPr lang="tr-TR" sz="2200" dirty="0" smtClean="0">
-                <a:latin typeface="Times New Roman" panose="02020603050405020304" pitchFamily="18" charset="0"/>
-                <a:cs typeface="Times New Roman" panose="02020603050405020304" pitchFamily="18" charset="0"/>
-              </a:rPr>
-              <a:t> </a:t>
-            </a:r>
-            <a:r>
-              <a:rPr lang="tr-TR" sz="2200" dirty="0" err="1" smtClean="0">
-                <a:latin typeface="Times New Roman" panose="02020603050405020304" pitchFamily="18" charset="0"/>
-                <a:cs typeface="Times New Roman" panose="02020603050405020304" pitchFamily="18" charset="0"/>
-              </a:rPr>
-              <a:t>all</a:t>
-            </a:r>
-            <a:r>
-              <a:rPr lang="tr-TR" sz="2200" dirty="0" smtClean="0">
-                <a:latin typeface="Times New Roman" panose="02020603050405020304" pitchFamily="18" charset="0"/>
-                <a:cs typeface="Times New Roman" panose="02020603050405020304" pitchFamily="18" charset="0"/>
-              </a:rPr>
-              <a:t> </a:t>
-            </a:r>
-            <a:r>
-              <a:rPr lang="tr-TR" sz="2200" dirty="0" err="1" smtClean="0">
-                <a:latin typeface="Times New Roman" panose="02020603050405020304" pitchFamily="18" charset="0"/>
-                <a:cs typeface="Times New Roman" panose="02020603050405020304" pitchFamily="18" charset="0"/>
-              </a:rPr>
-              <a:t>the</a:t>
-            </a:r>
-            <a:r>
-              <a:rPr lang="tr-TR" sz="2200" dirty="0" smtClean="0">
-                <a:latin typeface="Times New Roman" panose="02020603050405020304" pitchFamily="18" charset="0"/>
-                <a:cs typeface="Times New Roman" panose="02020603050405020304" pitchFamily="18" charset="0"/>
-              </a:rPr>
-              <a:t> </a:t>
-            </a:r>
-            <a:r>
-              <a:rPr lang="tr-TR" sz="2200" dirty="0" err="1" smtClean="0">
-                <a:latin typeface="Times New Roman" panose="02020603050405020304" pitchFamily="18" charset="0"/>
-                <a:cs typeface="Times New Roman" panose="02020603050405020304" pitchFamily="18" charset="0"/>
-              </a:rPr>
-              <a:t>aspects</a:t>
-            </a:r>
-            <a:endParaRPr lang="tr-TR" sz="2200" dirty="0" smtClean="0">
-              <a:latin typeface="Times New Roman" panose="02020603050405020304" pitchFamily="18" charset="0"/>
-              <a:cs typeface="Times New Roman" panose="02020603050405020304" pitchFamily="18" charset="0"/>
-            </a:endParaRPr>
-          </a:p>
-          <a:p>
-            <a:pPr algn="l">
-              <a:spcAft>
-                <a:spcPts val="400"/>
-              </a:spcAft>
-            </a:pPr>
-            <a:r>
-              <a:rPr lang="tr-TR" sz="2200" dirty="0" err="1" smtClean="0">
-                <a:latin typeface="Times New Roman" panose="02020603050405020304" pitchFamily="18" charset="0"/>
-                <a:cs typeface="Times New Roman" panose="02020603050405020304" pitchFamily="18" charset="0"/>
-              </a:rPr>
-              <a:t>Switching</a:t>
-            </a:r>
-            <a:r>
-              <a:rPr lang="tr-TR" sz="2200" dirty="0" smtClean="0">
-                <a:latin typeface="Times New Roman" panose="02020603050405020304" pitchFamily="18" charset="0"/>
-                <a:cs typeface="Times New Roman" panose="02020603050405020304" pitchFamily="18" charset="0"/>
-              </a:rPr>
-              <a:t> </a:t>
-            </a:r>
-            <a:r>
-              <a:rPr lang="tr-TR" sz="2200" dirty="0" err="1" smtClean="0">
-                <a:latin typeface="Times New Roman" panose="02020603050405020304" pitchFamily="18" charset="0"/>
-                <a:cs typeface="Times New Roman" panose="02020603050405020304" pitchFamily="18" charset="0"/>
-              </a:rPr>
-              <a:t>frequency</a:t>
-            </a:r>
-            <a:r>
-              <a:rPr lang="tr-TR" sz="2200" dirty="0" smtClean="0">
-                <a:latin typeface="Times New Roman" panose="02020603050405020304" pitchFamily="18" charset="0"/>
-                <a:cs typeface="Times New Roman" panose="02020603050405020304" pitchFamily="18" charset="0"/>
-              </a:rPr>
-              <a:t> limit</a:t>
-            </a:r>
-            <a:endParaRPr lang="tr-TR" sz="2200" dirty="0">
-              <a:latin typeface="Times New Roman" panose="02020603050405020304" pitchFamily="18" charset="0"/>
-              <a:cs typeface="Times New Roman" panose="02020603050405020304" pitchFamily="18" charset="0"/>
-            </a:endParaRPr>
-          </a:p>
-        </p:txBody>
-      </p:sp>
-      <p:sp>
-        <p:nvSpPr>
-          <p:cNvPr id="23" name="Text Box 9"/>
-          <p:cNvSpPr txBox="1">
-            <a:spLocks noChangeArrowheads="1"/>
-          </p:cNvSpPr>
-          <p:nvPr/>
-        </p:nvSpPr>
-        <p:spPr bwMode="auto">
-          <a:xfrm>
-            <a:off x="1252415" y="6272392"/>
-            <a:ext cx="5300785" cy="430887"/>
-          </a:xfrm>
-          <a:prstGeom prst="rect">
-            <a:avLst/>
-          </a:prstGeom>
-          <a:noFill/>
-          <a:ln w="9525">
-            <a:noFill/>
-            <a:miter lim="800000"/>
-            <a:headEnd/>
-            <a:tailEnd/>
-          </a:ln>
-          <a:effectLst/>
-        </p:spPr>
-        <p:txBody>
-          <a:bodyPr wrap="square">
-            <a:spAutoFit/>
-          </a:bodyPr>
-          <a:lstStyle/>
-          <a:p>
-            <a:pPr algn="l">
-              <a:spcAft>
-                <a:spcPts val="400"/>
-              </a:spcAft>
-            </a:pPr>
-            <a:r>
-              <a:rPr lang="tr-TR" sz="2200" dirty="0" smtClean="0">
-                <a:latin typeface="Times New Roman" panose="02020603050405020304" pitchFamily="18" charset="0"/>
-                <a:cs typeface="Times New Roman" panose="02020603050405020304" pitchFamily="18" charset="0"/>
-              </a:rPr>
-              <a:t>Sonuçlarla ilgili yorumlar</a:t>
-            </a:r>
-            <a:endParaRPr lang="tr-TR" sz="2200" dirty="0">
+              <a:rPr lang="tr-TR" sz="2400" dirty="0" smtClean="0">
+                <a:latin typeface="Times New Roman" panose="02020603050405020304" pitchFamily="18" charset="0"/>
+                <a:cs typeface="Times New Roman" panose="02020603050405020304" pitchFamily="18" charset="0"/>
+              </a:rPr>
+              <a:t>Electrical, thermal and economical aspects !</a:t>
+            </a:r>
+            <a:endParaRPr lang="tr-TR" sz="2400" dirty="0" smtClean="0">
               <a:latin typeface="Times New Roman" panose="02020603050405020304" pitchFamily="18" charset="0"/>
               <a:cs typeface="Times New Roman" panose="02020603050405020304" pitchFamily="18" charset="0"/>
             </a:endParaRPr>
@@ -14912,7 +14459,495 @@
   <p:timing>
     <p:tnLst>
       <p:par>
-        <p:cTn id="1" dur="indefinite" restart="never" nodeType="tmRoot"/>
+        <p:cTn id="1" dur="indefinite" restart="never" nodeType="tmRoot">
+          <p:childTnLst>
+            <p:seq concurrent="1" nextAc="seek">
+              <p:cTn id="2" dur="indefinite" nodeType="mainSeq">
+                <p:childTnLst>
+                  <p:par>
+                    <p:cTn id="3" fill="hold">
+                      <p:stCondLst>
+                        <p:cond delay="indefinite"/>
+                      </p:stCondLst>
+                      <p:childTnLst>
+                        <p:par>
+                          <p:cTn id="4" fill="hold">
+                            <p:stCondLst>
+                              <p:cond delay="0"/>
+                            </p:stCondLst>
+                            <p:childTnLst>
+                              <p:par>
+                                <p:cTn id="5" presetID="1" presetClass="entr" presetSubtype="0" fill="hold" nodeType="clickEffect">
+                                  <p:stCondLst>
+                                    <p:cond delay="0"/>
+                                  </p:stCondLst>
+                                  <p:childTnLst>
+                                    <p:set>
+                                      <p:cBhvr>
+                                        <p:cTn id="6" dur="1" fill="hold">
+                                          <p:stCondLst>
+                                            <p:cond delay="0"/>
+                                          </p:stCondLst>
+                                        </p:cTn>
+                                        <p:tgtEl>
+                                          <p:spTgt spid="16"/>
+                                        </p:tgtEl>
+                                        <p:attrNameLst>
+                                          <p:attrName>style.visibility</p:attrName>
+                                        </p:attrNameLst>
+                                      </p:cBhvr>
+                                      <p:to>
+                                        <p:strVal val="visible"/>
+                                      </p:to>
+                                    </p:set>
+                                  </p:childTnLst>
+                                </p:cTn>
+                              </p:par>
+                            </p:childTnLst>
+                          </p:cTn>
+                        </p:par>
+                      </p:childTnLst>
+                    </p:cTn>
+                  </p:par>
+                  <p:par>
+                    <p:cTn id="7" fill="hold">
+                      <p:stCondLst>
+                        <p:cond delay="indefinite"/>
+                      </p:stCondLst>
+                      <p:childTnLst>
+                        <p:par>
+                          <p:cTn id="8" fill="hold">
+                            <p:stCondLst>
+                              <p:cond delay="0"/>
+                            </p:stCondLst>
+                            <p:childTnLst>
+                              <p:par>
+                                <p:cTn id="9" presetID="10" presetClass="entr" presetSubtype="0" fill="hold" nodeType="clickEffect">
+                                  <p:stCondLst>
+                                    <p:cond delay="0"/>
+                                  </p:stCondLst>
+                                  <p:childTnLst>
+                                    <p:set>
+                                      <p:cBhvr>
+                                        <p:cTn id="10" dur="1" fill="hold">
+                                          <p:stCondLst>
+                                            <p:cond delay="0"/>
+                                          </p:stCondLst>
+                                        </p:cTn>
+                                        <p:tgtEl>
+                                          <p:spTgt spid="18">
+                                            <p:txEl>
+                                              <p:pRg st="0" end="0"/>
+                                            </p:txEl>
+                                          </p:spTgt>
+                                        </p:tgtEl>
+                                        <p:attrNameLst>
+                                          <p:attrName>style.visibility</p:attrName>
+                                        </p:attrNameLst>
+                                      </p:cBhvr>
+                                      <p:to>
+                                        <p:strVal val="visible"/>
+                                      </p:to>
+                                    </p:set>
+                                    <p:animEffect transition="in" filter="fade">
+                                      <p:cBhvr>
+                                        <p:cTn id="11" dur="500"/>
+                                        <p:tgtEl>
+                                          <p:spTgt spid="18">
+                                            <p:txEl>
+                                              <p:pRg st="0" end="0"/>
+                                            </p:txEl>
+                                          </p:spTgt>
+                                        </p:tgtEl>
+                                      </p:cBhvr>
+                                    </p:animEffect>
+                                  </p:childTnLst>
+                                </p:cTn>
+                              </p:par>
+                            </p:childTnLst>
+                          </p:cTn>
+                        </p:par>
+                      </p:childTnLst>
+                    </p:cTn>
+                  </p:par>
+                  <p:par>
+                    <p:cTn id="12" fill="hold">
+                      <p:stCondLst>
+                        <p:cond delay="indefinite"/>
+                      </p:stCondLst>
+                      <p:childTnLst>
+                        <p:par>
+                          <p:cTn id="13" fill="hold">
+                            <p:stCondLst>
+                              <p:cond delay="0"/>
+                            </p:stCondLst>
+                            <p:childTnLst>
+                              <p:par>
+                                <p:cTn id="14" presetID="10" presetClass="entr" presetSubtype="0" fill="hold" nodeType="clickEffect">
+                                  <p:stCondLst>
+                                    <p:cond delay="0"/>
+                                  </p:stCondLst>
+                                  <p:childTnLst>
+                                    <p:set>
+                                      <p:cBhvr>
+                                        <p:cTn id="15" dur="1" fill="hold">
+                                          <p:stCondLst>
+                                            <p:cond delay="0"/>
+                                          </p:stCondLst>
+                                        </p:cTn>
+                                        <p:tgtEl>
+                                          <p:spTgt spid="18">
+                                            <p:txEl>
+                                              <p:pRg st="1" end="1"/>
+                                            </p:txEl>
+                                          </p:spTgt>
+                                        </p:tgtEl>
+                                        <p:attrNameLst>
+                                          <p:attrName>style.visibility</p:attrName>
+                                        </p:attrNameLst>
+                                      </p:cBhvr>
+                                      <p:to>
+                                        <p:strVal val="visible"/>
+                                      </p:to>
+                                    </p:set>
+                                    <p:animEffect transition="in" filter="fade">
+                                      <p:cBhvr>
+                                        <p:cTn id="16" dur="500"/>
+                                        <p:tgtEl>
+                                          <p:spTgt spid="18">
+                                            <p:txEl>
+                                              <p:pRg st="1" end="1"/>
+                                            </p:txEl>
+                                          </p:spTgt>
+                                        </p:tgtEl>
+                                      </p:cBhvr>
+                                    </p:animEffect>
+                                  </p:childTnLst>
+                                </p:cTn>
+                              </p:par>
+                            </p:childTnLst>
+                          </p:cTn>
+                        </p:par>
+                      </p:childTnLst>
+                    </p:cTn>
+                  </p:par>
+                  <p:par>
+                    <p:cTn id="17" fill="hold">
+                      <p:stCondLst>
+                        <p:cond delay="indefinite"/>
+                      </p:stCondLst>
+                      <p:childTnLst>
+                        <p:par>
+                          <p:cTn id="18" fill="hold">
+                            <p:stCondLst>
+                              <p:cond delay="0"/>
+                            </p:stCondLst>
+                            <p:childTnLst>
+                              <p:par>
+                                <p:cTn id="19" presetID="10" presetClass="entr" presetSubtype="0" fill="hold" nodeType="clickEffect">
+                                  <p:stCondLst>
+                                    <p:cond delay="0"/>
+                                  </p:stCondLst>
+                                  <p:childTnLst>
+                                    <p:set>
+                                      <p:cBhvr>
+                                        <p:cTn id="20" dur="1" fill="hold">
+                                          <p:stCondLst>
+                                            <p:cond delay="0"/>
+                                          </p:stCondLst>
+                                        </p:cTn>
+                                        <p:tgtEl>
+                                          <p:spTgt spid="18">
+                                            <p:txEl>
+                                              <p:pRg st="2" end="2"/>
+                                            </p:txEl>
+                                          </p:spTgt>
+                                        </p:tgtEl>
+                                        <p:attrNameLst>
+                                          <p:attrName>style.visibility</p:attrName>
+                                        </p:attrNameLst>
+                                      </p:cBhvr>
+                                      <p:to>
+                                        <p:strVal val="visible"/>
+                                      </p:to>
+                                    </p:set>
+                                    <p:animEffect transition="in" filter="fade">
+                                      <p:cBhvr>
+                                        <p:cTn id="21" dur="500"/>
+                                        <p:tgtEl>
+                                          <p:spTgt spid="18">
+                                            <p:txEl>
+                                              <p:pRg st="2" end="2"/>
+                                            </p:txEl>
+                                          </p:spTgt>
+                                        </p:tgtEl>
+                                      </p:cBhvr>
+                                    </p:animEffect>
+                                  </p:childTnLst>
+                                </p:cTn>
+                              </p:par>
+                            </p:childTnLst>
+                          </p:cTn>
+                        </p:par>
+                      </p:childTnLst>
+                    </p:cTn>
+                  </p:par>
+                  <p:par>
+                    <p:cTn id="22" fill="hold">
+                      <p:stCondLst>
+                        <p:cond delay="indefinite"/>
+                      </p:stCondLst>
+                      <p:childTnLst>
+                        <p:par>
+                          <p:cTn id="23" fill="hold">
+                            <p:stCondLst>
+                              <p:cond delay="0"/>
+                            </p:stCondLst>
+                            <p:childTnLst>
+                              <p:par>
+                                <p:cTn id="24" presetID="10" presetClass="entr" presetSubtype="0" fill="hold" nodeType="clickEffect">
+                                  <p:stCondLst>
+                                    <p:cond delay="0"/>
+                                  </p:stCondLst>
+                                  <p:childTnLst>
+                                    <p:set>
+                                      <p:cBhvr>
+                                        <p:cTn id="25" dur="1" fill="hold">
+                                          <p:stCondLst>
+                                            <p:cond delay="0"/>
+                                          </p:stCondLst>
+                                        </p:cTn>
+                                        <p:tgtEl>
+                                          <p:spTgt spid="19">
+                                            <p:txEl>
+                                              <p:pRg st="0" end="0"/>
+                                            </p:txEl>
+                                          </p:spTgt>
+                                        </p:tgtEl>
+                                        <p:attrNameLst>
+                                          <p:attrName>style.visibility</p:attrName>
+                                        </p:attrNameLst>
+                                      </p:cBhvr>
+                                      <p:to>
+                                        <p:strVal val="visible"/>
+                                      </p:to>
+                                    </p:set>
+                                    <p:animEffect transition="in" filter="fade">
+                                      <p:cBhvr>
+                                        <p:cTn id="26" dur="500"/>
+                                        <p:tgtEl>
+                                          <p:spTgt spid="19">
+                                            <p:txEl>
+                                              <p:pRg st="0" end="0"/>
+                                            </p:txEl>
+                                          </p:spTgt>
+                                        </p:tgtEl>
+                                      </p:cBhvr>
+                                    </p:animEffect>
+                                  </p:childTnLst>
+                                </p:cTn>
+                              </p:par>
+                            </p:childTnLst>
+                          </p:cTn>
+                        </p:par>
+                      </p:childTnLst>
+                    </p:cTn>
+                  </p:par>
+                  <p:par>
+                    <p:cTn id="27" fill="hold">
+                      <p:stCondLst>
+                        <p:cond delay="indefinite"/>
+                      </p:stCondLst>
+                      <p:childTnLst>
+                        <p:par>
+                          <p:cTn id="28" fill="hold">
+                            <p:stCondLst>
+                              <p:cond delay="0"/>
+                            </p:stCondLst>
+                            <p:childTnLst>
+                              <p:par>
+                                <p:cTn id="29" presetID="10" presetClass="entr" presetSubtype="0" fill="hold" nodeType="clickEffect">
+                                  <p:stCondLst>
+                                    <p:cond delay="0"/>
+                                  </p:stCondLst>
+                                  <p:childTnLst>
+                                    <p:set>
+                                      <p:cBhvr>
+                                        <p:cTn id="30" dur="1" fill="hold">
+                                          <p:stCondLst>
+                                            <p:cond delay="0"/>
+                                          </p:stCondLst>
+                                        </p:cTn>
+                                        <p:tgtEl>
+                                          <p:spTgt spid="19">
+                                            <p:txEl>
+                                              <p:pRg st="1" end="1"/>
+                                            </p:txEl>
+                                          </p:spTgt>
+                                        </p:tgtEl>
+                                        <p:attrNameLst>
+                                          <p:attrName>style.visibility</p:attrName>
+                                        </p:attrNameLst>
+                                      </p:cBhvr>
+                                      <p:to>
+                                        <p:strVal val="visible"/>
+                                      </p:to>
+                                    </p:set>
+                                    <p:animEffect transition="in" filter="fade">
+                                      <p:cBhvr>
+                                        <p:cTn id="31" dur="500"/>
+                                        <p:tgtEl>
+                                          <p:spTgt spid="19">
+                                            <p:txEl>
+                                              <p:pRg st="1" end="1"/>
+                                            </p:txEl>
+                                          </p:spTgt>
+                                        </p:tgtEl>
+                                      </p:cBhvr>
+                                    </p:animEffect>
+                                  </p:childTnLst>
+                                </p:cTn>
+                              </p:par>
+                            </p:childTnLst>
+                          </p:cTn>
+                        </p:par>
+                      </p:childTnLst>
+                    </p:cTn>
+                  </p:par>
+                  <p:par>
+                    <p:cTn id="32" fill="hold">
+                      <p:stCondLst>
+                        <p:cond delay="indefinite"/>
+                      </p:stCondLst>
+                      <p:childTnLst>
+                        <p:par>
+                          <p:cTn id="33" fill="hold">
+                            <p:stCondLst>
+                              <p:cond delay="0"/>
+                            </p:stCondLst>
+                            <p:childTnLst>
+                              <p:par>
+                                <p:cTn id="34" presetID="42" presetClass="entr" presetSubtype="0" fill="hold" nodeType="clickEffect">
+                                  <p:stCondLst>
+                                    <p:cond delay="0"/>
+                                  </p:stCondLst>
+                                  <p:childTnLst>
+                                    <p:set>
+                                      <p:cBhvr>
+                                        <p:cTn id="35" dur="1" fill="hold">
+                                          <p:stCondLst>
+                                            <p:cond delay="0"/>
+                                          </p:stCondLst>
+                                        </p:cTn>
+                                        <p:tgtEl>
+                                          <p:spTgt spid="19">
+                                            <p:txEl>
+                                              <p:pRg st="2" end="2"/>
+                                            </p:txEl>
+                                          </p:spTgt>
+                                        </p:tgtEl>
+                                        <p:attrNameLst>
+                                          <p:attrName>style.visibility</p:attrName>
+                                        </p:attrNameLst>
+                                      </p:cBhvr>
+                                      <p:to>
+                                        <p:strVal val="visible"/>
+                                      </p:to>
+                                    </p:set>
+                                    <p:animEffect transition="in" filter="fade">
+                                      <p:cBhvr>
+                                        <p:cTn id="36" dur="2000"/>
+                                        <p:tgtEl>
+                                          <p:spTgt spid="19">
+                                            <p:txEl>
+                                              <p:pRg st="2" end="2"/>
+                                            </p:txEl>
+                                          </p:spTgt>
+                                        </p:tgtEl>
+                                      </p:cBhvr>
+                                    </p:animEffect>
+                                    <p:anim calcmode="lin" valueType="num">
+                                      <p:cBhvr>
+                                        <p:cTn id="37" dur="2000" fill="hold"/>
+                                        <p:tgtEl>
+                                          <p:spTgt spid="19">
+                                            <p:txEl>
+                                              <p:pRg st="2" end="2"/>
+                                            </p:txEl>
+                                          </p:spTgt>
+                                        </p:tgtEl>
+                                        <p:attrNameLst>
+                                          <p:attrName>ppt_x</p:attrName>
+                                        </p:attrNameLst>
+                                      </p:cBhvr>
+                                      <p:tavLst>
+                                        <p:tav tm="0">
+                                          <p:val>
+                                            <p:strVal val="#ppt_x"/>
+                                          </p:val>
+                                        </p:tav>
+                                        <p:tav tm="100000">
+                                          <p:val>
+                                            <p:strVal val="#ppt_x"/>
+                                          </p:val>
+                                        </p:tav>
+                                      </p:tavLst>
+                                    </p:anim>
+                                    <p:anim calcmode="lin" valueType="num">
+                                      <p:cBhvr>
+                                        <p:cTn id="38" dur="2000" fill="hold"/>
+                                        <p:tgtEl>
+                                          <p:spTgt spid="19">
+                                            <p:txEl>
+                                              <p:pRg st="2" end="2"/>
+                                            </p:txEl>
+                                          </p:spTgt>
+                                        </p:tgtEl>
+                                        <p:attrNameLst>
+                                          <p:attrName>ppt_y</p:attrName>
+                                        </p:attrNameLst>
+                                      </p:cBhvr>
+                                      <p:tavLst>
+                                        <p:tav tm="0">
+                                          <p:val>
+                                            <p:strVal val="#ppt_y+.1"/>
+                                          </p:val>
+                                        </p:tav>
+                                        <p:tav tm="100000">
+                                          <p:val>
+                                            <p:strVal val="#ppt_y"/>
+                                          </p:val>
+                                        </p:tav>
+                                      </p:tavLst>
+                                    </p:anim>
+                                  </p:childTnLst>
+                                </p:cTn>
+                              </p:par>
+                            </p:childTnLst>
+                          </p:cTn>
+                        </p:par>
+                      </p:childTnLst>
+                    </p:cTn>
+                  </p:par>
+                </p:childTnLst>
+              </p:cTn>
+              <p:prevCondLst>
+                <p:cond evt="onPrev" delay="0">
+                  <p:tgtEl>
+                    <p:sldTgt/>
+                  </p:tgtEl>
+                </p:cond>
+              </p:prevCondLst>
+              <p:nextCondLst>
+                <p:cond evt="onNext" delay="0">
+                  <p:tgtEl>
+                    <p:sldTgt/>
+                  </p:tgtEl>
+                </p:cond>
+              </p:nextCondLst>
+            </p:seq>
+          </p:childTnLst>
+        </p:cTn>
       </p:par>
     </p:tnLst>
   </p:timing>
@@ -15035,1440 +15070,6 @@
           </a:fontRef>
         </p:style>
       </p:cxnSp>
-      <p:cxnSp>
-        <p:nvCxnSpPr>
-          <p:cNvPr id="15" name="Straight Connector 14"/>
-          <p:cNvCxnSpPr/>
-          <p:nvPr/>
-        </p:nvCxnSpPr>
-        <p:spPr>
-          <a:xfrm>
-            <a:off x="1189918" y="914400"/>
-            <a:ext cx="7649282" cy="0"/>
-          </a:xfrm>
-          <a:prstGeom prst="line">
-            <a:avLst/>
-          </a:prstGeom>
-          <a:ln w="19050">
-            <a:solidFill>
-              <a:srgbClr val="F20000"/>
-            </a:solidFill>
-          </a:ln>
-        </p:spPr>
-        <p:style>
-          <a:lnRef idx="1">
-            <a:schemeClr val="accent1"/>
-          </a:lnRef>
-          <a:fillRef idx="0">
-            <a:schemeClr val="accent1"/>
-          </a:fillRef>
-          <a:effectRef idx="0">
-            <a:schemeClr val="accent1"/>
-          </a:effectRef>
-          <a:fontRef idx="minor">
-            <a:schemeClr val="tx1"/>
-          </a:fontRef>
-        </p:style>
-      </p:cxnSp>
-      <p:sp>
-        <p:nvSpPr>
-          <p:cNvPr id="2" name="Slide Number Placeholder 1"/>
-          <p:cNvSpPr>
-            <a:spLocks noGrp="1"/>
-          </p:cNvSpPr>
-          <p:nvPr>
-            <p:ph type="sldNum" sz="quarter" idx="12"/>
-          </p:nvPr>
-        </p:nvSpPr>
-        <p:spPr/>
-        <p:txBody>
-          <a:bodyPr/>
-          <a:lstStyle/>
-          <a:p>
-            <a:fld id="{B6F15528-21DE-4FAA-801E-634DDDAF4B2B}" type="slidenum">
-              <a:rPr lang="en-US" smtClean="0"/>
-              <a:pPr/>
-              <a:t>15</a:t>
-            </a:fld>
-            <a:endParaRPr lang="en-US" dirty="0"/>
-          </a:p>
-        </p:txBody>
-      </p:sp>
-      <p:sp>
-        <p:nvSpPr>
-          <p:cNvPr id="9" name="TextBox 8"/>
-          <p:cNvSpPr txBox="1"/>
-          <p:nvPr/>
-        </p:nvSpPr>
-        <p:spPr>
-          <a:xfrm>
-            <a:off x="1386291" y="224135"/>
-            <a:ext cx="7315200" cy="553998"/>
-          </a:xfrm>
-          <a:prstGeom prst="rect">
-            <a:avLst/>
-          </a:prstGeom>
-          <a:noFill/>
-        </p:spPr>
-        <p:txBody>
-          <a:bodyPr wrap="square" rtlCol="0">
-            <a:spAutoFit/>
-          </a:bodyPr>
-          <a:lstStyle/>
-          <a:p>
-            <a:pPr algn="ctr"/>
-            <a:r>
-              <a:rPr lang="tr-TR" sz="3000" dirty="0" err="1" smtClean="0">
-                <a:latin typeface="Times New Roman" panose="02020603050405020304" pitchFamily="18" charset="0"/>
-                <a:cs typeface="Times New Roman" panose="02020603050405020304" pitchFamily="18" charset="0"/>
-              </a:rPr>
-              <a:t>Conclusions</a:t>
-            </a:r>
-            <a:endParaRPr lang="tr-TR" sz="3000" dirty="0">
-              <a:latin typeface="Times New Roman" panose="02020603050405020304" pitchFamily="18" charset="0"/>
-              <a:cs typeface="Times New Roman" panose="02020603050405020304" pitchFamily="18" charset="0"/>
-            </a:endParaRPr>
-          </a:p>
-        </p:txBody>
-      </p:sp>
-      <p:sp>
-        <p:nvSpPr>
-          <p:cNvPr id="12" name="Text Box 9"/>
-          <p:cNvSpPr txBox="1">
-            <a:spLocks noChangeArrowheads="1"/>
-          </p:cNvSpPr>
-          <p:nvPr/>
-        </p:nvSpPr>
-        <p:spPr bwMode="auto">
-          <a:xfrm>
-            <a:off x="1166472" y="990600"/>
-            <a:ext cx="7954082" cy="5632311"/>
-          </a:xfrm>
-          <a:prstGeom prst="rect">
-            <a:avLst/>
-          </a:prstGeom>
-          <a:noFill/>
-          <a:ln w="9525">
-            <a:noFill/>
-            <a:miter lim="800000"/>
-            <a:headEnd/>
-            <a:tailEnd/>
-          </a:ln>
-          <a:effectLst/>
-        </p:spPr>
-        <p:txBody>
-          <a:bodyPr wrap="square">
-            <a:spAutoFit/>
-          </a:bodyPr>
-          <a:lstStyle/>
-          <a:p>
-            <a:pPr marL="342900" indent="-342900" algn="l">
-              <a:buFont typeface="Wingdings" panose="05000000000000000000" pitchFamily="2" charset="2"/>
-              <a:buChar char="q"/>
-            </a:pPr>
-            <a:r>
-              <a:rPr lang="en-US" sz="2000" dirty="0" smtClean="0">
-                <a:latin typeface="Times New Roman" panose="02020603050405020304" pitchFamily="18" charset="0"/>
-                <a:cs typeface="Times New Roman" panose="02020603050405020304" pitchFamily="18" charset="0"/>
-              </a:rPr>
-              <a:t>Integrated modular motor drives</a:t>
-            </a:r>
-          </a:p>
-          <a:p>
-            <a:pPr marL="800100" lvl="1" indent="-342900">
-              <a:buFont typeface="Wingdings" panose="05000000000000000000" pitchFamily="2" charset="2"/>
-              <a:buChar char="ü"/>
-            </a:pPr>
-            <a:r>
-              <a:rPr lang="en-US" sz="2000" dirty="0" smtClean="0">
-                <a:latin typeface="Times New Roman" panose="02020603050405020304" pitchFamily="18" charset="0"/>
-                <a:cs typeface="Times New Roman" panose="02020603050405020304" pitchFamily="18" charset="0"/>
-              </a:rPr>
-              <a:t>Advantages and challenges</a:t>
-            </a:r>
-          </a:p>
-          <a:p>
-            <a:pPr marL="800100" lvl="1" indent="-342900">
-              <a:buFont typeface="Wingdings" panose="05000000000000000000" pitchFamily="2" charset="2"/>
-              <a:buChar char="ü"/>
-            </a:pPr>
-            <a:endParaRPr lang="en-US" sz="2000" dirty="0" smtClean="0">
-              <a:latin typeface="Times New Roman" panose="02020603050405020304" pitchFamily="18" charset="0"/>
-              <a:cs typeface="Times New Roman" panose="02020603050405020304" pitchFamily="18" charset="0"/>
-            </a:endParaRPr>
-          </a:p>
-          <a:p>
-            <a:pPr marL="342900" indent="-342900">
-              <a:buFont typeface="Wingdings" panose="05000000000000000000" pitchFamily="2" charset="2"/>
-              <a:buChar char="q"/>
-            </a:pPr>
-            <a:r>
-              <a:rPr lang="en-US" sz="2000" dirty="0" smtClean="0">
-                <a:latin typeface="Times New Roman" panose="02020603050405020304" pitchFamily="18" charset="0"/>
-                <a:cs typeface="Times New Roman" panose="02020603050405020304" pitchFamily="18" charset="0"/>
-              </a:rPr>
-              <a:t>Volume reduction challenge</a:t>
-            </a:r>
-          </a:p>
-          <a:p>
-            <a:pPr marL="800100" lvl="1" indent="-342900">
-              <a:buFont typeface="Wingdings" panose="05000000000000000000" pitchFamily="2" charset="2"/>
-              <a:buChar char="ü"/>
-            </a:pPr>
-            <a:r>
-              <a:rPr lang="en-US" sz="2000" dirty="0" smtClean="0">
-                <a:latin typeface="Times New Roman" panose="02020603050405020304" pitchFamily="18" charset="0"/>
-                <a:cs typeface="Times New Roman" panose="02020603050405020304" pitchFamily="18" charset="0"/>
-              </a:rPr>
-              <a:t>DC link capacitor size optimization</a:t>
-            </a:r>
-          </a:p>
-          <a:p>
-            <a:pPr marL="800100" lvl="1" indent="-342900">
-              <a:buFont typeface="Wingdings" panose="05000000000000000000" pitchFamily="2" charset="2"/>
-              <a:buChar char="ü"/>
-            </a:pPr>
-            <a:endParaRPr lang="en-US" sz="2000" dirty="0" smtClean="0">
-              <a:latin typeface="Times New Roman" panose="02020603050405020304" pitchFamily="18" charset="0"/>
-              <a:cs typeface="Times New Roman" panose="02020603050405020304" pitchFamily="18" charset="0"/>
-            </a:endParaRPr>
-          </a:p>
-          <a:p>
-            <a:pPr marL="342900" indent="-342900">
-              <a:buFont typeface="Wingdings" panose="05000000000000000000" pitchFamily="2" charset="2"/>
-              <a:buChar char="q"/>
-            </a:pPr>
-            <a:r>
-              <a:rPr lang="en-US" sz="2000" dirty="0" smtClean="0">
-                <a:latin typeface="Times New Roman" panose="02020603050405020304" pitchFamily="18" charset="0"/>
-                <a:cs typeface="Times New Roman" panose="02020603050405020304" pitchFamily="18" charset="0"/>
-              </a:rPr>
-              <a:t>DC Link model of an IMMD</a:t>
-            </a:r>
-          </a:p>
-          <a:p>
-            <a:pPr marL="800100" lvl="1" indent="-342900">
-              <a:buFont typeface="Wingdings" panose="05000000000000000000" pitchFamily="2" charset="2"/>
-              <a:buChar char="ü"/>
-            </a:pPr>
-            <a:r>
-              <a:rPr lang="en-US" sz="2000" dirty="0" smtClean="0">
-                <a:latin typeface="Times New Roman" panose="02020603050405020304" pitchFamily="18" charset="0"/>
-                <a:cs typeface="Times New Roman" panose="02020603050405020304" pitchFamily="18" charset="0"/>
-              </a:rPr>
-              <a:t>Critical parameters</a:t>
-            </a:r>
-          </a:p>
-          <a:p>
-            <a:pPr marL="800100" lvl="1" indent="-342900">
-              <a:buFont typeface="Wingdings" panose="05000000000000000000" pitchFamily="2" charset="2"/>
-              <a:buChar char="ü"/>
-            </a:pPr>
-            <a:r>
-              <a:rPr lang="en-US" sz="2000" dirty="0" smtClean="0">
-                <a:latin typeface="Times New Roman" panose="02020603050405020304" pitchFamily="18" charset="0"/>
-                <a:cs typeface="Times New Roman" panose="02020603050405020304" pitchFamily="18" charset="0"/>
-              </a:rPr>
-              <a:t>Analytical model</a:t>
-            </a:r>
-          </a:p>
-          <a:p>
-            <a:pPr marL="800100" lvl="1" indent="-342900">
-              <a:buFont typeface="Wingdings" panose="05000000000000000000" pitchFamily="2" charset="2"/>
-              <a:buChar char="ü"/>
-            </a:pPr>
-            <a:endParaRPr lang="en-US" sz="2000" dirty="0" smtClean="0">
-              <a:latin typeface="Times New Roman" panose="02020603050405020304" pitchFamily="18" charset="0"/>
-              <a:cs typeface="Times New Roman" panose="02020603050405020304" pitchFamily="18" charset="0"/>
-            </a:endParaRPr>
-          </a:p>
-          <a:p>
-            <a:pPr marL="342900" indent="-342900">
-              <a:buFont typeface="Wingdings" panose="05000000000000000000" pitchFamily="2" charset="2"/>
-              <a:buChar char="q"/>
-            </a:pPr>
-            <a:r>
-              <a:rPr lang="en-US" sz="2000" dirty="0" smtClean="0">
-                <a:latin typeface="Times New Roman" panose="02020603050405020304" pitchFamily="18" charset="0"/>
-                <a:cs typeface="Times New Roman" panose="02020603050405020304" pitchFamily="18" charset="0"/>
-              </a:rPr>
-              <a:t>Interleaving</a:t>
-            </a:r>
-          </a:p>
-          <a:p>
-            <a:pPr marL="800100" lvl="1" indent="-342900">
-              <a:buFont typeface="Wingdings" panose="05000000000000000000" pitchFamily="2" charset="2"/>
-              <a:buChar char="ü"/>
-            </a:pPr>
-            <a:r>
-              <a:rPr lang="en-US" sz="2000" dirty="0" smtClean="0">
-                <a:latin typeface="Times New Roman" panose="02020603050405020304" pitchFamily="18" charset="0"/>
-                <a:cs typeface="Times New Roman" panose="02020603050405020304" pitchFamily="18" charset="0"/>
-              </a:rPr>
-              <a:t>Optimum phase shift angle</a:t>
-            </a:r>
-          </a:p>
-          <a:p>
-            <a:pPr marL="800100" lvl="1" indent="-342900">
-              <a:buFont typeface="Wingdings" panose="05000000000000000000" pitchFamily="2" charset="2"/>
-              <a:buChar char="ü"/>
-            </a:pPr>
-            <a:r>
-              <a:rPr lang="en-US" sz="2000" dirty="0" smtClean="0">
-                <a:latin typeface="Times New Roman" panose="02020603050405020304" pitchFamily="18" charset="0"/>
-                <a:cs typeface="Times New Roman" panose="02020603050405020304" pitchFamily="18" charset="0"/>
-              </a:rPr>
-              <a:t>Optimum number of modules </a:t>
-            </a:r>
-          </a:p>
-          <a:p>
-            <a:pPr marL="800100" lvl="1" indent="-342900">
-              <a:buFont typeface="Wingdings" panose="05000000000000000000" pitchFamily="2" charset="2"/>
-              <a:buChar char="ü"/>
-            </a:pPr>
-            <a:endParaRPr lang="en-US" sz="2000" dirty="0" smtClean="0">
-              <a:latin typeface="Times New Roman" panose="02020603050405020304" pitchFamily="18" charset="0"/>
-              <a:cs typeface="Times New Roman" panose="02020603050405020304" pitchFamily="18" charset="0"/>
-            </a:endParaRPr>
-          </a:p>
-          <a:p>
-            <a:pPr marL="342900" indent="-342900">
-              <a:buFont typeface="Wingdings" panose="05000000000000000000" pitchFamily="2" charset="2"/>
-              <a:buChar char="q"/>
-            </a:pPr>
-            <a:r>
-              <a:rPr lang="en-US" sz="2000" dirty="0" smtClean="0">
-                <a:latin typeface="Times New Roman" panose="02020603050405020304" pitchFamily="18" charset="0"/>
-                <a:cs typeface="Times New Roman" panose="02020603050405020304" pitchFamily="18" charset="0"/>
-              </a:rPr>
-              <a:t>Capacitor selection algorithm</a:t>
-            </a:r>
-          </a:p>
-          <a:p>
-            <a:pPr marL="800100" lvl="1" indent="-342900">
-              <a:buFont typeface="Wingdings" panose="05000000000000000000" pitchFamily="2" charset="2"/>
-              <a:buChar char="ü"/>
-            </a:pPr>
-            <a:r>
-              <a:rPr lang="en-US" sz="2000" dirty="0" smtClean="0">
-                <a:latin typeface="Times New Roman" panose="02020603050405020304" pitchFamily="18" charset="0"/>
-                <a:cs typeface="Times New Roman" panose="02020603050405020304" pitchFamily="18" charset="0"/>
-              </a:rPr>
-              <a:t>Film capacitors =&gt; datasheet parameters</a:t>
-            </a:r>
-          </a:p>
-          <a:p>
-            <a:pPr marL="800100" lvl="1" indent="-342900">
-              <a:buFont typeface="Wingdings" panose="05000000000000000000" pitchFamily="2" charset="2"/>
-              <a:buChar char="ü"/>
-            </a:pPr>
-            <a:r>
-              <a:rPr lang="en-US" sz="2000" dirty="0" smtClean="0">
-                <a:latin typeface="Times New Roman" panose="02020603050405020304" pitchFamily="18" charset="0"/>
-                <a:cs typeface="Times New Roman" panose="02020603050405020304" pitchFamily="18" charset="0"/>
-              </a:rPr>
-              <a:t>Critical switching frequency</a:t>
-            </a:r>
-          </a:p>
-          <a:p>
-            <a:pPr marL="800100" lvl="1" indent="-342900">
-              <a:buFont typeface="Wingdings" panose="05000000000000000000" pitchFamily="2" charset="2"/>
-              <a:buChar char="ü"/>
-            </a:pPr>
-            <a:r>
-              <a:rPr lang="en-US" sz="2000" dirty="0" smtClean="0">
-                <a:latin typeface="Times New Roman" panose="02020603050405020304" pitchFamily="18" charset="0"/>
-                <a:cs typeface="Times New Roman" panose="02020603050405020304" pitchFamily="18" charset="0"/>
-              </a:rPr>
-              <a:t>Case results =&gt; optimum combination</a:t>
-            </a:r>
-          </a:p>
-        </p:txBody>
-      </p:sp>
-      <p:pic>
-        <p:nvPicPr>
-          <p:cNvPr id="13" name="Picture 12"/>
-          <p:cNvPicPr>
-            <a:picLocks noChangeAspect="1"/>
-          </p:cNvPicPr>
-          <p:nvPr/>
-        </p:nvPicPr>
-        <p:blipFill>
-          <a:blip r:embed="rId2" cstate="print">
-            <a:extLst>
-              <a:ext uri="{28A0092B-C50C-407E-A947-70E740481C1C}">
-                <a14:useLocalDpi xmlns:a14="http://schemas.microsoft.com/office/drawing/2010/main" val="0"/>
-              </a:ext>
-            </a:extLst>
-          </a:blip>
-          <a:stretch>
-            <a:fillRect/>
-          </a:stretch>
-        </p:blipFill>
-        <p:spPr>
-          <a:xfrm rot="16200000">
-            <a:off x="-876200" y="5067199"/>
-            <a:ext cx="2759076" cy="549476"/>
-          </a:xfrm>
-          <a:prstGeom prst="rect">
-            <a:avLst/>
-          </a:prstGeom>
-        </p:spPr>
-      </p:pic>
-      <p:pic>
-        <p:nvPicPr>
-          <p:cNvPr id="14" name="Picture 2" descr="C:\Users\Mesut\Desktop\aselsan sunum\aselsan sunum 10 ekim\aselsan sunum\cezmi bey\ODTU.png"/>
-          <p:cNvPicPr>
-            <a:picLocks noChangeAspect="1" noChangeArrowheads="1"/>
-          </p:cNvPicPr>
-          <p:nvPr/>
-        </p:nvPicPr>
-        <p:blipFill>
-          <a:blip r:embed="rId3" cstate="print">
-            <a:extLst>
-              <a:ext uri="{28A0092B-C50C-407E-A947-70E740481C1C}">
-                <a14:useLocalDpi xmlns:a14="http://schemas.microsoft.com/office/drawing/2010/main" val="0"/>
-              </a:ext>
-            </a:extLst>
-          </a:blip>
-          <a:srcRect/>
-          <a:stretch>
-            <a:fillRect/>
-          </a:stretch>
-        </p:blipFill>
-        <p:spPr bwMode="auto">
-          <a:xfrm>
-            <a:off x="116458" y="163788"/>
-            <a:ext cx="779026" cy="650016"/>
-          </a:xfrm>
-          <a:prstGeom prst="rect">
-            <a:avLst/>
-          </a:prstGeom>
-          <a:noFill/>
-          <a:extLst>
-            <a:ext uri="{909E8E84-426E-40DD-AFC4-6F175D3DCCD1}">
-              <a14:hiddenFill xmlns:a14="http://schemas.microsoft.com/office/drawing/2010/main">
-                <a:solidFill>
-                  <a:srgbClr val="FFFFFF"/>
-                </a:solidFill>
-              </a14:hiddenFill>
-            </a:ext>
-          </a:extLst>
-        </p:spPr>
-      </p:pic>
-    </p:spTree>
-    <p:extLst>
-      <p:ext uri="{BB962C8B-B14F-4D97-AF65-F5344CB8AC3E}">
-        <p14:creationId xmlns:p14="http://schemas.microsoft.com/office/powerpoint/2010/main" val="1973010309"/>
-      </p:ext>
-    </p:extLst>
-  </p:cSld>
-  <p:clrMapOvr>
-    <a:masterClrMapping/>
-  </p:clrMapOvr>
-  <p:timing>
-    <p:tnLst>
-      <p:par>
-        <p:cTn id="1" dur="indefinite" restart="never" nodeType="tmRoot">
-          <p:childTnLst>
-            <p:seq concurrent="1" nextAc="seek">
-              <p:cTn id="2" dur="indefinite" nodeType="mainSeq">
-                <p:childTnLst>
-                  <p:par>
-                    <p:cTn id="3" fill="hold">
-                      <p:stCondLst>
-                        <p:cond delay="indefinite"/>
-                      </p:stCondLst>
-                      <p:childTnLst>
-                        <p:par>
-                          <p:cTn id="4" fill="hold">
-                            <p:stCondLst>
-                              <p:cond delay="0"/>
-                            </p:stCondLst>
-                            <p:childTnLst>
-                              <p:par>
-                                <p:cTn id="5" presetID="10" presetClass="entr" presetSubtype="0" fill="hold" nodeType="clickEffect">
-                                  <p:stCondLst>
-                                    <p:cond delay="0"/>
-                                  </p:stCondLst>
-                                  <p:childTnLst>
-                                    <p:set>
-                                      <p:cBhvr>
-                                        <p:cTn id="6" dur="1" fill="hold">
-                                          <p:stCondLst>
-                                            <p:cond delay="0"/>
-                                          </p:stCondLst>
-                                        </p:cTn>
-                                        <p:tgtEl>
-                                          <p:spTgt spid="12">
-                                            <p:txEl>
-                                              <p:pRg st="0" end="0"/>
-                                            </p:txEl>
-                                          </p:spTgt>
-                                        </p:tgtEl>
-                                        <p:attrNameLst>
-                                          <p:attrName>style.visibility</p:attrName>
-                                        </p:attrNameLst>
-                                      </p:cBhvr>
-                                      <p:to>
-                                        <p:strVal val="visible"/>
-                                      </p:to>
-                                    </p:set>
-                                    <p:animEffect transition="in" filter="fade">
-                                      <p:cBhvr>
-                                        <p:cTn id="7" dur="500"/>
-                                        <p:tgtEl>
-                                          <p:spTgt spid="12">
-                                            <p:txEl>
-                                              <p:pRg st="0" end="0"/>
-                                            </p:txEl>
-                                          </p:spTgt>
-                                        </p:tgtEl>
-                                      </p:cBhvr>
-                                    </p:animEffect>
-                                  </p:childTnLst>
-                                </p:cTn>
-                              </p:par>
-                            </p:childTnLst>
-                          </p:cTn>
-                        </p:par>
-                      </p:childTnLst>
-                    </p:cTn>
-                  </p:par>
-                  <p:par>
-                    <p:cTn id="8" fill="hold">
-                      <p:stCondLst>
-                        <p:cond delay="indefinite"/>
-                      </p:stCondLst>
-                      <p:childTnLst>
-                        <p:par>
-                          <p:cTn id="9" fill="hold">
-                            <p:stCondLst>
-                              <p:cond delay="0"/>
-                            </p:stCondLst>
-                            <p:childTnLst>
-                              <p:par>
-                                <p:cTn id="10" presetID="10" presetClass="entr" presetSubtype="0" fill="hold" nodeType="clickEffect">
-                                  <p:stCondLst>
-                                    <p:cond delay="0"/>
-                                  </p:stCondLst>
-                                  <p:childTnLst>
-                                    <p:set>
-                                      <p:cBhvr>
-                                        <p:cTn id="11" dur="1" fill="hold">
-                                          <p:stCondLst>
-                                            <p:cond delay="0"/>
-                                          </p:stCondLst>
-                                        </p:cTn>
-                                        <p:tgtEl>
-                                          <p:spTgt spid="12">
-                                            <p:txEl>
-                                              <p:pRg st="1" end="1"/>
-                                            </p:txEl>
-                                          </p:spTgt>
-                                        </p:tgtEl>
-                                        <p:attrNameLst>
-                                          <p:attrName>style.visibility</p:attrName>
-                                        </p:attrNameLst>
-                                      </p:cBhvr>
-                                      <p:to>
-                                        <p:strVal val="visible"/>
-                                      </p:to>
-                                    </p:set>
-                                    <p:animEffect transition="in" filter="fade">
-                                      <p:cBhvr>
-                                        <p:cTn id="12" dur="500"/>
-                                        <p:tgtEl>
-                                          <p:spTgt spid="12">
-                                            <p:txEl>
-                                              <p:pRg st="1" end="1"/>
-                                            </p:txEl>
-                                          </p:spTgt>
-                                        </p:tgtEl>
-                                      </p:cBhvr>
-                                    </p:animEffect>
-                                  </p:childTnLst>
-                                </p:cTn>
-                              </p:par>
-                            </p:childTnLst>
-                          </p:cTn>
-                        </p:par>
-                      </p:childTnLst>
-                    </p:cTn>
-                  </p:par>
-                  <p:par>
-                    <p:cTn id="13" fill="hold">
-                      <p:stCondLst>
-                        <p:cond delay="indefinite"/>
-                      </p:stCondLst>
-                      <p:childTnLst>
-                        <p:par>
-                          <p:cTn id="14" fill="hold">
-                            <p:stCondLst>
-                              <p:cond delay="0"/>
-                            </p:stCondLst>
-                            <p:childTnLst>
-                              <p:par>
-                                <p:cTn id="15" presetID="10" presetClass="entr" presetSubtype="0" fill="hold" nodeType="clickEffect">
-                                  <p:stCondLst>
-                                    <p:cond delay="0"/>
-                                  </p:stCondLst>
-                                  <p:childTnLst>
-                                    <p:set>
-                                      <p:cBhvr>
-                                        <p:cTn id="16" dur="1" fill="hold">
-                                          <p:stCondLst>
-                                            <p:cond delay="0"/>
-                                          </p:stCondLst>
-                                        </p:cTn>
-                                        <p:tgtEl>
-                                          <p:spTgt spid="12">
-                                            <p:txEl>
-                                              <p:pRg st="3" end="3"/>
-                                            </p:txEl>
-                                          </p:spTgt>
-                                        </p:tgtEl>
-                                        <p:attrNameLst>
-                                          <p:attrName>style.visibility</p:attrName>
-                                        </p:attrNameLst>
-                                      </p:cBhvr>
-                                      <p:to>
-                                        <p:strVal val="visible"/>
-                                      </p:to>
-                                    </p:set>
-                                    <p:animEffect transition="in" filter="fade">
-                                      <p:cBhvr>
-                                        <p:cTn id="17" dur="500"/>
-                                        <p:tgtEl>
-                                          <p:spTgt spid="12">
-                                            <p:txEl>
-                                              <p:pRg st="3" end="3"/>
-                                            </p:txEl>
-                                          </p:spTgt>
-                                        </p:tgtEl>
-                                      </p:cBhvr>
-                                    </p:animEffect>
-                                  </p:childTnLst>
-                                </p:cTn>
-                              </p:par>
-                            </p:childTnLst>
-                          </p:cTn>
-                        </p:par>
-                      </p:childTnLst>
-                    </p:cTn>
-                  </p:par>
-                  <p:par>
-                    <p:cTn id="18" fill="hold">
-                      <p:stCondLst>
-                        <p:cond delay="indefinite"/>
-                      </p:stCondLst>
-                      <p:childTnLst>
-                        <p:par>
-                          <p:cTn id="19" fill="hold">
-                            <p:stCondLst>
-                              <p:cond delay="0"/>
-                            </p:stCondLst>
-                            <p:childTnLst>
-                              <p:par>
-                                <p:cTn id="20" presetID="10" presetClass="entr" presetSubtype="0" fill="hold" nodeType="clickEffect">
-                                  <p:stCondLst>
-                                    <p:cond delay="0"/>
-                                  </p:stCondLst>
-                                  <p:childTnLst>
-                                    <p:set>
-                                      <p:cBhvr>
-                                        <p:cTn id="21" dur="1" fill="hold">
-                                          <p:stCondLst>
-                                            <p:cond delay="0"/>
-                                          </p:stCondLst>
-                                        </p:cTn>
-                                        <p:tgtEl>
-                                          <p:spTgt spid="12">
-                                            <p:txEl>
-                                              <p:pRg st="4" end="4"/>
-                                            </p:txEl>
-                                          </p:spTgt>
-                                        </p:tgtEl>
-                                        <p:attrNameLst>
-                                          <p:attrName>style.visibility</p:attrName>
-                                        </p:attrNameLst>
-                                      </p:cBhvr>
-                                      <p:to>
-                                        <p:strVal val="visible"/>
-                                      </p:to>
-                                    </p:set>
-                                    <p:animEffect transition="in" filter="fade">
-                                      <p:cBhvr>
-                                        <p:cTn id="22" dur="500"/>
-                                        <p:tgtEl>
-                                          <p:spTgt spid="12">
-                                            <p:txEl>
-                                              <p:pRg st="4" end="4"/>
-                                            </p:txEl>
-                                          </p:spTgt>
-                                        </p:tgtEl>
-                                      </p:cBhvr>
-                                    </p:animEffect>
-                                  </p:childTnLst>
-                                </p:cTn>
-                              </p:par>
-                            </p:childTnLst>
-                          </p:cTn>
-                        </p:par>
-                      </p:childTnLst>
-                    </p:cTn>
-                  </p:par>
-                  <p:par>
-                    <p:cTn id="23" fill="hold">
-                      <p:stCondLst>
-                        <p:cond delay="indefinite"/>
-                      </p:stCondLst>
-                      <p:childTnLst>
-                        <p:par>
-                          <p:cTn id="24" fill="hold">
-                            <p:stCondLst>
-                              <p:cond delay="0"/>
-                            </p:stCondLst>
-                            <p:childTnLst>
-                              <p:par>
-                                <p:cTn id="25" presetID="10" presetClass="entr" presetSubtype="0" fill="hold" nodeType="clickEffect">
-                                  <p:stCondLst>
-                                    <p:cond delay="0"/>
-                                  </p:stCondLst>
-                                  <p:childTnLst>
-                                    <p:set>
-                                      <p:cBhvr>
-                                        <p:cTn id="26" dur="1" fill="hold">
-                                          <p:stCondLst>
-                                            <p:cond delay="0"/>
-                                          </p:stCondLst>
-                                        </p:cTn>
-                                        <p:tgtEl>
-                                          <p:spTgt spid="12">
-                                            <p:txEl>
-                                              <p:pRg st="6" end="6"/>
-                                            </p:txEl>
-                                          </p:spTgt>
-                                        </p:tgtEl>
-                                        <p:attrNameLst>
-                                          <p:attrName>style.visibility</p:attrName>
-                                        </p:attrNameLst>
-                                      </p:cBhvr>
-                                      <p:to>
-                                        <p:strVal val="visible"/>
-                                      </p:to>
-                                    </p:set>
-                                    <p:animEffect transition="in" filter="fade">
-                                      <p:cBhvr>
-                                        <p:cTn id="27" dur="500"/>
-                                        <p:tgtEl>
-                                          <p:spTgt spid="12">
-                                            <p:txEl>
-                                              <p:pRg st="6" end="6"/>
-                                            </p:txEl>
-                                          </p:spTgt>
-                                        </p:tgtEl>
-                                      </p:cBhvr>
-                                    </p:animEffect>
-                                  </p:childTnLst>
-                                </p:cTn>
-                              </p:par>
-                            </p:childTnLst>
-                          </p:cTn>
-                        </p:par>
-                      </p:childTnLst>
-                    </p:cTn>
-                  </p:par>
-                  <p:par>
-                    <p:cTn id="28" fill="hold">
-                      <p:stCondLst>
-                        <p:cond delay="indefinite"/>
-                      </p:stCondLst>
-                      <p:childTnLst>
-                        <p:par>
-                          <p:cTn id="29" fill="hold">
-                            <p:stCondLst>
-                              <p:cond delay="0"/>
-                            </p:stCondLst>
-                            <p:childTnLst>
-                              <p:par>
-                                <p:cTn id="30" presetID="10" presetClass="entr" presetSubtype="0" fill="hold" nodeType="clickEffect">
-                                  <p:stCondLst>
-                                    <p:cond delay="0"/>
-                                  </p:stCondLst>
-                                  <p:childTnLst>
-                                    <p:set>
-                                      <p:cBhvr>
-                                        <p:cTn id="31" dur="1" fill="hold">
-                                          <p:stCondLst>
-                                            <p:cond delay="0"/>
-                                          </p:stCondLst>
-                                        </p:cTn>
-                                        <p:tgtEl>
-                                          <p:spTgt spid="12">
-                                            <p:txEl>
-                                              <p:pRg st="7" end="7"/>
-                                            </p:txEl>
-                                          </p:spTgt>
-                                        </p:tgtEl>
-                                        <p:attrNameLst>
-                                          <p:attrName>style.visibility</p:attrName>
-                                        </p:attrNameLst>
-                                      </p:cBhvr>
-                                      <p:to>
-                                        <p:strVal val="visible"/>
-                                      </p:to>
-                                    </p:set>
-                                    <p:animEffect transition="in" filter="fade">
-                                      <p:cBhvr>
-                                        <p:cTn id="32" dur="500"/>
-                                        <p:tgtEl>
-                                          <p:spTgt spid="12">
-                                            <p:txEl>
-                                              <p:pRg st="7" end="7"/>
-                                            </p:txEl>
-                                          </p:spTgt>
-                                        </p:tgtEl>
-                                      </p:cBhvr>
-                                    </p:animEffect>
-                                  </p:childTnLst>
-                                </p:cTn>
-                              </p:par>
-                            </p:childTnLst>
-                          </p:cTn>
-                        </p:par>
-                      </p:childTnLst>
-                    </p:cTn>
-                  </p:par>
-                  <p:par>
-                    <p:cTn id="33" fill="hold">
-                      <p:stCondLst>
-                        <p:cond delay="indefinite"/>
-                      </p:stCondLst>
-                      <p:childTnLst>
-                        <p:par>
-                          <p:cTn id="34" fill="hold">
-                            <p:stCondLst>
-                              <p:cond delay="0"/>
-                            </p:stCondLst>
-                            <p:childTnLst>
-                              <p:par>
-                                <p:cTn id="35" presetID="10" presetClass="entr" presetSubtype="0" fill="hold" nodeType="clickEffect">
-                                  <p:stCondLst>
-                                    <p:cond delay="0"/>
-                                  </p:stCondLst>
-                                  <p:childTnLst>
-                                    <p:set>
-                                      <p:cBhvr>
-                                        <p:cTn id="36" dur="1" fill="hold">
-                                          <p:stCondLst>
-                                            <p:cond delay="0"/>
-                                          </p:stCondLst>
-                                        </p:cTn>
-                                        <p:tgtEl>
-                                          <p:spTgt spid="12">
-                                            <p:txEl>
-                                              <p:pRg st="8" end="8"/>
-                                            </p:txEl>
-                                          </p:spTgt>
-                                        </p:tgtEl>
-                                        <p:attrNameLst>
-                                          <p:attrName>style.visibility</p:attrName>
-                                        </p:attrNameLst>
-                                      </p:cBhvr>
-                                      <p:to>
-                                        <p:strVal val="visible"/>
-                                      </p:to>
-                                    </p:set>
-                                    <p:animEffect transition="in" filter="fade">
-                                      <p:cBhvr>
-                                        <p:cTn id="37" dur="500"/>
-                                        <p:tgtEl>
-                                          <p:spTgt spid="12">
-                                            <p:txEl>
-                                              <p:pRg st="8" end="8"/>
-                                            </p:txEl>
-                                          </p:spTgt>
-                                        </p:tgtEl>
-                                      </p:cBhvr>
-                                    </p:animEffect>
-                                  </p:childTnLst>
-                                </p:cTn>
-                              </p:par>
-                            </p:childTnLst>
-                          </p:cTn>
-                        </p:par>
-                      </p:childTnLst>
-                    </p:cTn>
-                  </p:par>
-                  <p:par>
-                    <p:cTn id="38" fill="hold">
-                      <p:stCondLst>
-                        <p:cond delay="indefinite"/>
-                      </p:stCondLst>
-                      <p:childTnLst>
-                        <p:par>
-                          <p:cTn id="39" fill="hold">
-                            <p:stCondLst>
-                              <p:cond delay="0"/>
-                            </p:stCondLst>
-                            <p:childTnLst>
-                              <p:par>
-                                <p:cTn id="40" presetID="10" presetClass="entr" presetSubtype="0" fill="hold" nodeType="clickEffect">
-                                  <p:stCondLst>
-                                    <p:cond delay="0"/>
-                                  </p:stCondLst>
-                                  <p:childTnLst>
-                                    <p:set>
-                                      <p:cBhvr>
-                                        <p:cTn id="41" dur="1" fill="hold">
-                                          <p:stCondLst>
-                                            <p:cond delay="0"/>
-                                          </p:stCondLst>
-                                        </p:cTn>
-                                        <p:tgtEl>
-                                          <p:spTgt spid="12">
-                                            <p:txEl>
-                                              <p:pRg st="10" end="10"/>
-                                            </p:txEl>
-                                          </p:spTgt>
-                                        </p:tgtEl>
-                                        <p:attrNameLst>
-                                          <p:attrName>style.visibility</p:attrName>
-                                        </p:attrNameLst>
-                                      </p:cBhvr>
-                                      <p:to>
-                                        <p:strVal val="visible"/>
-                                      </p:to>
-                                    </p:set>
-                                    <p:animEffect transition="in" filter="fade">
-                                      <p:cBhvr>
-                                        <p:cTn id="42" dur="500"/>
-                                        <p:tgtEl>
-                                          <p:spTgt spid="12">
-                                            <p:txEl>
-                                              <p:pRg st="10" end="10"/>
-                                            </p:txEl>
-                                          </p:spTgt>
-                                        </p:tgtEl>
-                                      </p:cBhvr>
-                                    </p:animEffect>
-                                  </p:childTnLst>
-                                </p:cTn>
-                              </p:par>
-                            </p:childTnLst>
-                          </p:cTn>
-                        </p:par>
-                      </p:childTnLst>
-                    </p:cTn>
-                  </p:par>
-                  <p:par>
-                    <p:cTn id="43" fill="hold">
-                      <p:stCondLst>
-                        <p:cond delay="indefinite"/>
-                      </p:stCondLst>
-                      <p:childTnLst>
-                        <p:par>
-                          <p:cTn id="44" fill="hold">
-                            <p:stCondLst>
-                              <p:cond delay="0"/>
-                            </p:stCondLst>
-                            <p:childTnLst>
-                              <p:par>
-                                <p:cTn id="45" presetID="10" presetClass="entr" presetSubtype="0" fill="hold" nodeType="clickEffect">
-                                  <p:stCondLst>
-                                    <p:cond delay="0"/>
-                                  </p:stCondLst>
-                                  <p:childTnLst>
-                                    <p:set>
-                                      <p:cBhvr>
-                                        <p:cTn id="46" dur="1" fill="hold">
-                                          <p:stCondLst>
-                                            <p:cond delay="0"/>
-                                          </p:stCondLst>
-                                        </p:cTn>
-                                        <p:tgtEl>
-                                          <p:spTgt spid="12">
-                                            <p:txEl>
-                                              <p:pRg st="11" end="11"/>
-                                            </p:txEl>
-                                          </p:spTgt>
-                                        </p:tgtEl>
-                                        <p:attrNameLst>
-                                          <p:attrName>style.visibility</p:attrName>
-                                        </p:attrNameLst>
-                                      </p:cBhvr>
-                                      <p:to>
-                                        <p:strVal val="visible"/>
-                                      </p:to>
-                                    </p:set>
-                                    <p:animEffect transition="in" filter="fade">
-                                      <p:cBhvr>
-                                        <p:cTn id="47" dur="500"/>
-                                        <p:tgtEl>
-                                          <p:spTgt spid="12">
-                                            <p:txEl>
-                                              <p:pRg st="11" end="11"/>
-                                            </p:txEl>
-                                          </p:spTgt>
-                                        </p:tgtEl>
-                                      </p:cBhvr>
-                                    </p:animEffect>
-                                  </p:childTnLst>
-                                </p:cTn>
-                              </p:par>
-                            </p:childTnLst>
-                          </p:cTn>
-                        </p:par>
-                      </p:childTnLst>
-                    </p:cTn>
-                  </p:par>
-                  <p:par>
-                    <p:cTn id="48" fill="hold">
-                      <p:stCondLst>
-                        <p:cond delay="indefinite"/>
-                      </p:stCondLst>
-                      <p:childTnLst>
-                        <p:par>
-                          <p:cTn id="49" fill="hold">
-                            <p:stCondLst>
-                              <p:cond delay="0"/>
-                            </p:stCondLst>
-                            <p:childTnLst>
-                              <p:par>
-                                <p:cTn id="50" presetID="10" presetClass="entr" presetSubtype="0" fill="hold" nodeType="clickEffect">
-                                  <p:stCondLst>
-                                    <p:cond delay="0"/>
-                                  </p:stCondLst>
-                                  <p:childTnLst>
-                                    <p:set>
-                                      <p:cBhvr>
-                                        <p:cTn id="51" dur="1" fill="hold">
-                                          <p:stCondLst>
-                                            <p:cond delay="0"/>
-                                          </p:stCondLst>
-                                        </p:cTn>
-                                        <p:tgtEl>
-                                          <p:spTgt spid="12">
-                                            <p:txEl>
-                                              <p:pRg st="12" end="12"/>
-                                            </p:txEl>
-                                          </p:spTgt>
-                                        </p:tgtEl>
-                                        <p:attrNameLst>
-                                          <p:attrName>style.visibility</p:attrName>
-                                        </p:attrNameLst>
-                                      </p:cBhvr>
-                                      <p:to>
-                                        <p:strVal val="visible"/>
-                                      </p:to>
-                                    </p:set>
-                                    <p:animEffect transition="in" filter="fade">
-                                      <p:cBhvr>
-                                        <p:cTn id="52" dur="500"/>
-                                        <p:tgtEl>
-                                          <p:spTgt spid="12">
-                                            <p:txEl>
-                                              <p:pRg st="12" end="12"/>
-                                            </p:txEl>
-                                          </p:spTgt>
-                                        </p:tgtEl>
-                                      </p:cBhvr>
-                                    </p:animEffect>
-                                  </p:childTnLst>
-                                </p:cTn>
-                              </p:par>
-                            </p:childTnLst>
-                          </p:cTn>
-                        </p:par>
-                      </p:childTnLst>
-                    </p:cTn>
-                  </p:par>
-                  <p:par>
-                    <p:cTn id="53" fill="hold">
-                      <p:stCondLst>
-                        <p:cond delay="indefinite"/>
-                      </p:stCondLst>
-                      <p:childTnLst>
-                        <p:par>
-                          <p:cTn id="54" fill="hold">
-                            <p:stCondLst>
-                              <p:cond delay="0"/>
-                            </p:stCondLst>
-                            <p:childTnLst>
-                              <p:par>
-                                <p:cTn id="55" presetID="10" presetClass="entr" presetSubtype="0" fill="hold" nodeType="clickEffect">
-                                  <p:stCondLst>
-                                    <p:cond delay="0"/>
-                                  </p:stCondLst>
-                                  <p:childTnLst>
-                                    <p:set>
-                                      <p:cBhvr>
-                                        <p:cTn id="56" dur="1" fill="hold">
-                                          <p:stCondLst>
-                                            <p:cond delay="0"/>
-                                          </p:stCondLst>
-                                        </p:cTn>
-                                        <p:tgtEl>
-                                          <p:spTgt spid="12">
-                                            <p:txEl>
-                                              <p:pRg st="14" end="14"/>
-                                            </p:txEl>
-                                          </p:spTgt>
-                                        </p:tgtEl>
-                                        <p:attrNameLst>
-                                          <p:attrName>style.visibility</p:attrName>
-                                        </p:attrNameLst>
-                                      </p:cBhvr>
-                                      <p:to>
-                                        <p:strVal val="visible"/>
-                                      </p:to>
-                                    </p:set>
-                                    <p:animEffect transition="in" filter="fade">
-                                      <p:cBhvr>
-                                        <p:cTn id="57" dur="500"/>
-                                        <p:tgtEl>
-                                          <p:spTgt spid="12">
-                                            <p:txEl>
-                                              <p:pRg st="14" end="14"/>
-                                            </p:txEl>
-                                          </p:spTgt>
-                                        </p:tgtEl>
-                                      </p:cBhvr>
-                                    </p:animEffect>
-                                  </p:childTnLst>
-                                </p:cTn>
-                              </p:par>
-                            </p:childTnLst>
-                          </p:cTn>
-                        </p:par>
-                      </p:childTnLst>
-                    </p:cTn>
-                  </p:par>
-                  <p:par>
-                    <p:cTn id="58" fill="hold">
-                      <p:stCondLst>
-                        <p:cond delay="indefinite"/>
-                      </p:stCondLst>
-                      <p:childTnLst>
-                        <p:par>
-                          <p:cTn id="59" fill="hold">
-                            <p:stCondLst>
-                              <p:cond delay="0"/>
-                            </p:stCondLst>
-                            <p:childTnLst>
-                              <p:par>
-                                <p:cTn id="60" presetID="10" presetClass="entr" presetSubtype="0" fill="hold" nodeType="clickEffect">
-                                  <p:stCondLst>
-                                    <p:cond delay="0"/>
-                                  </p:stCondLst>
-                                  <p:childTnLst>
-                                    <p:set>
-                                      <p:cBhvr>
-                                        <p:cTn id="61" dur="1" fill="hold">
-                                          <p:stCondLst>
-                                            <p:cond delay="0"/>
-                                          </p:stCondLst>
-                                        </p:cTn>
-                                        <p:tgtEl>
-                                          <p:spTgt spid="12">
-                                            <p:txEl>
-                                              <p:pRg st="15" end="15"/>
-                                            </p:txEl>
-                                          </p:spTgt>
-                                        </p:tgtEl>
-                                        <p:attrNameLst>
-                                          <p:attrName>style.visibility</p:attrName>
-                                        </p:attrNameLst>
-                                      </p:cBhvr>
-                                      <p:to>
-                                        <p:strVal val="visible"/>
-                                      </p:to>
-                                    </p:set>
-                                    <p:animEffect transition="in" filter="fade">
-                                      <p:cBhvr>
-                                        <p:cTn id="62" dur="500"/>
-                                        <p:tgtEl>
-                                          <p:spTgt spid="12">
-                                            <p:txEl>
-                                              <p:pRg st="15" end="15"/>
-                                            </p:txEl>
-                                          </p:spTgt>
-                                        </p:tgtEl>
-                                      </p:cBhvr>
-                                    </p:animEffect>
-                                  </p:childTnLst>
-                                </p:cTn>
-                              </p:par>
-                            </p:childTnLst>
-                          </p:cTn>
-                        </p:par>
-                      </p:childTnLst>
-                    </p:cTn>
-                  </p:par>
-                  <p:par>
-                    <p:cTn id="63" fill="hold">
-                      <p:stCondLst>
-                        <p:cond delay="indefinite"/>
-                      </p:stCondLst>
-                      <p:childTnLst>
-                        <p:par>
-                          <p:cTn id="64" fill="hold">
-                            <p:stCondLst>
-                              <p:cond delay="0"/>
-                            </p:stCondLst>
-                            <p:childTnLst>
-                              <p:par>
-                                <p:cTn id="65" presetID="10" presetClass="entr" presetSubtype="0" fill="hold" nodeType="clickEffect">
-                                  <p:stCondLst>
-                                    <p:cond delay="0"/>
-                                  </p:stCondLst>
-                                  <p:childTnLst>
-                                    <p:set>
-                                      <p:cBhvr>
-                                        <p:cTn id="66" dur="1" fill="hold">
-                                          <p:stCondLst>
-                                            <p:cond delay="0"/>
-                                          </p:stCondLst>
-                                        </p:cTn>
-                                        <p:tgtEl>
-                                          <p:spTgt spid="12">
-                                            <p:txEl>
-                                              <p:pRg st="16" end="16"/>
-                                            </p:txEl>
-                                          </p:spTgt>
-                                        </p:tgtEl>
-                                        <p:attrNameLst>
-                                          <p:attrName>style.visibility</p:attrName>
-                                        </p:attrNameLst>
-                                      </p:cBhvr>
-                                      <p:to>
-                                        <p:strVal val="visible"/>
-                                      </p:to>
-                                    </p:set>
-                                    <p:animEffect transition="in" filter="fade">
-                                      <p:cBhvr>
-                                        <p:cTn id="67" dur="500"/>
-                                        <p:tgtEl>
-                                          <p:spTgt spid="12">
-                                            <p:txEl>
-                                              <p:pRg st="16" end="16"/>
-                                            </p:txEl>
-                                          </p:spTgt>
-                                        </p:tgtEl>
-                                      </p:cBhvr>
-                                    </p:animEffect>
-                                  </p:childTnLst>
-                                </p:cTn>
-                              </p:par>
-                            </p:childTnLst>
-                          </p:cTn>
-                        </p:par>
-                      </p:childTnLst>
-                    </p:cTn>
-                  </p:par>
-                  <p:par>
-                    <p:cTn id="68" fill="hold">
-                      <p:stCondLst>
-                        <p:cond delay="indefinite"/>
-                      </p:stCondLst>
-                      <p:childTnLst>
-                        <p:par>
-                          <p:cTn id="69" fill="hold">
-                            <p:stCondLst>
-                              <p:cond delay="0"/>
-                            </p:stCondLst>
-                            <p:childTnLst>
-                              <p:par>
-                                <p:cTn id="70" presetID="10" presetClass="entr" presetSubtype="0" fill="hold" nodeType="clickEffect">
-                                  <p:stCondLst>
-                                    <p:cond delay="0"/>
-                                  </p:stCondLst>
-                                  <p:childTnLst>
-                                    <p:set>
-                                      <p:cBhvr>
-                                        <p:cTn id="71" dur="1" fill="hold">
-                                          <p:stCondLst>
-                                            <p:cond delay="0"/>
-                                          </p:stCondLst>
-                                        </p:cTn>
-                                        <p:tgtEl>
-                                          <p:spTgt spid="12">
-                                            <p:txEl>
-                                              <p:pRg st="17" end="17"/>
-                                            </p:txEl>
-                                          </p:spTgt>
-                                        </p:tgtEl>
-                                        <p:attrNameLst>
-                                          <p:attrName>style.visibility</p:attrName>
-                                        </p:attrNameLst>
-                                      </p:cBhvr>
-                                      <p:to>
-                                        <p:strVal val="visible"/>
-                                      </p:to>
-                                    </p:set>
-                                    <p:animEffect transition="in" filter="fade">
-                                      <p:cBhvr>
-                                        <p:cTn id="72" dur="500"/>
-                                        <p:tgtEl>
-                                          <p:spTgt spid="12">
-                                            <p:txEl>
-                                              <p:pRg st="17" end="17"/>
-                                            </p:txEl>
-                                          </p:spTgt>
-                                        </p:tgtEl>
-                                      </p:cBhvr>
-                                    </p:animEffect>
-                                  </p:childTnLst>
-                                </p:cTn>
-                              </p:par>
-                            </p:childTnLst>
-                          </p:cTn>
-                        </p:par>
-                      </p:childTnLst>
-                    </p:cTn>
-                  </p:par>
-                </p:childTnLst>
-              </p:cTn>
-              <p:prevCondLst>
-                <p:cond evt="onPrev" delay="0">
-                  <p:tgtEl>
-                    <p:sldTgt/>
-                  </p:tgtEl>
-                </p:cond>
-              </p:prevCondLst>
-              <p:nextCondLst>
-                <p:cond evt="onNext" delay="0">
-                  <p:tgtEl>
-                    <p:sldTgt/>
-                  </p:tgtEl>
-                </p:cond>
-              </p:nextCondLst>
-            </p:seq>
-          </p:childTnLst>
-        </p:cTn>
-      </p:par>
-    </p:tnLst>
-  </p:timing>
-</p:sld>
-</file>
-
-<file path=ppt/slides/slide16.xml><?xml version="1.0" encoding="utf-8"?>
-<p:sld xmlns:a="http://schemas.openxmlformats.org/drawingml/2006/main" xmlns:r="http://schemas.openxmlformats.org/officeDocument/2006/relationships" xmlns:p="http://schemas.openxmlformats.org/presentationml/2006/main">
-  <p:cSld>
-    <p:spTree>
-      <p:nvGrpSpPr>
-        <p:cNvPr id="1" name=""/>
-        <p:cNvGrpSpPr/>
-        <p:nvPr/>
-      </p:nvGrpSpPr>
-      <p:grpSpPr>
-        <a:xfrm>
-          <a:off x="0" y="0"/>
-          <a:ext cx="0" cy="0"/>
-          <a:chOff x="0" y="0"/>
-          <a:chExt cx="0" cy="0"/>
-        </a:xfrm>
-      </p:grpSpPr>
-      <p:sp>
-        <p:nvSpPr>
-          <p:cNvPr id="10" name="Rectangle 9"/>
-          <p:cNvSpPr/>
-          <p:nvPr/>
-        </p:nvSpPr>
-        <p:spPr>
-          <a:xfrm>
-            <a:off x="0" y="12106"/>
-            <a:ext cx="1011942" cy="6854083"/>
-          </a:xfrm>
-          <a:prstGeom prst="rect">
-            <a:avLst/>
-          </a:prstGeom>
-          <a:gradFill flip="none" rotWithShape="1">
-            <a:gsLst>
-              <a:gs pos="50000">
-                <a:srgbClr val="D00000"/>
-              </a:gs>
-              <a:gs pos="0">
-                <a:srgbClr val="FF0000">
-                  <a:shade val="30000"/>
-                  <a:satMod val="115000"/>
-                </a:srgbClr>
-              </a:gs>
-              <a:gs pos="100000">
-                <a:schemeClr val="accent2">
-                  <a:lumMod val="60000"/>
-                  <a:lumOff val="40000"/>
-                </a:schemeClr>
-              </a:gs>
-            </a:gsLst>
-            <a:lin ang="5400000" scaled="1"/>
-            <a:tileRect/>
-          </a:gradFill>
-          <a:ln>
-            <a:noFill/>
-          </a:ln>
-        </p:spPr>
-        <p:style>
-          <a:lnRef idx="2">
-            <a:schemeClr val="accent1">
-              <a:shade val="50000"/>
-            </a:schemeClr>
-          </a:lnRef>
-          <a:fillRef idx="1">
-            <a:schemeClr val="accent1"/>
-          </a:fillRef>
-          <a:effectRef idx="0">
-            <a:schemeClr val="accent1"/>
-          </a:effectRef>
-          <a:fontRef idx="minor">
-            <a:schemeClr val="lt1"/>
-          </a:fontRef>
-        </p:style>
-        <p:txBody>
-          <a:bodyPr rtlCol="0" anchor="ctr"/>
-          <a:lstStyle/>
-          <a:p>
-            <a:pPr algn="ctr"/>
-            <a:endParaRPr lang="tr-TR"/>
-          </a:p>
-        </p:txBody>
-      </p:sp>
-      <p:cxnSp>
-        <p:nvCxnSpPr>
-          <p:cNvPr id="11" name="Straight Connector 10"/>
-          <p:cNvCxnSpPr/>
-          <p:nvPr/>
-        </p:nvCxnSpPr>
-        <p:spPr>
-          <a:xfrm>
-            <a:off x="1189918" y="838200"/>
-            <a:ext cx="7649282" cy="0"/>
-          </a:xfrm>
-          <a:prstGeom prst="line">
-            <a:avLst/>
-          </a:prstGeom>
-          <a:ln w="50800">
-            <a:solidFill>
-              <a:srgbClr val="F20000"/>
-            </a:solidFill>
-          </a:ln>
-        </p:spPr>
-        <p:style>
-          <a:lnRef idx="1">
-            <a:schemeClr val="accent1"/>
-          </a:lnRef>
-          <a:fillRef idx="0">
-            <a:schemeClr val="accent1"/>
-          </a:fillRef>
-          <a:effectRef idx="0">
-            <a:schemeClr val="accent1"/>
-          </a:effectRef>
-          <a:fontRef idx="minor">
-            <a:schemeClr val="tx1"/>
-          </a:fontRef>
-        </p:style>
-      </p:cxnSp>
       <p:sp>
         <p:nvSpPr>
           <p:cNvPr id="13" name="TextBox 12"/>
@@ -16559,7 +15160,7 @@
             <a:fld id="{B6F15528-21DE-4FAA-801E-634DDDAF4B2B}" type="slidenum">
               <a:rPr lang="en-US" smtClean="0"/>
               <a:pPr/>
-              <a:t>16</a:t>
+              <a:t>15</a:t>
             </a:fld>
             <a:endParaRPr lang="en-US" dirty="0"/>
           </a:p>
@@ -17298,7 +15899,7 @@
 </p:sld>
 </file>
 
-<file path=ppt/slides/slide17.xml><?xml version="1.0" encoding="utf-8"?>
+<file path=ppt/slides/slide16.xml><?xml version="1.0" encoding="utf-8"?>
 <p:sld xmlns:a="http://schemas.openxmlformats.org/drawingml/2006/main" xmlns:r="http://schemas.openxmlformats.org/officeDocument/2006/relationships" xmlns:p="http://schemas.openxmlformats.org/presentationml/2006/main">
   <p:cSld>
     <p:spTree>
@@ -17467,7 +16068,7 @@
             <a:fld id="{B6F15528-21DE-4FAA-801E-634DDDAF4B2B}" type="slidenum">
               <a:rPr lang="en-US" smtClean="0"/>
               <a:pPr/>
-              <a:t>17</a:t>
+              <a:t>16</a:t>
             </a:fld>
             <a:endParaRPr lang="en-US" dirty="0"/>
           </a:p>
@@ -24663,8 +23264,8 @@
           </a:prstGeom>
         </p:spPr>
       </p:pic>
-      <mc:AlternateContent xmlns:mc="http://schemas.openxmlformats.org/markup-compatibility/2006">
-        <mc:Choice xmlns:a14="http://schemas.microsoft.com/office/drawing/2010/main" Requires="a14">
+      <mc:AlternateContent xmlns:mc="http://schemas.openxmlformats.org/markup-compatibility/2006" xmlns:a14="http://schemas.microsoft.com/office/drawing/2010/main">
+        <mc:Choice Requires="a14">
           <p:sp>
             <p:nvSpPr>
               <p:cNvPr id="17" name="Text Box 9"/>
@@ -24800,14 +23401,7 @@
                     <a:latin typeface="Times New Roman" panose="02020603050405020304" pitchFamily="18" charset="0"/>
                     <a:cs typeface="Times New Roman" panose="02020603050405020304" pitchFamily="18" charset="0"/>
                   </a:rPr>
-                  <a:t>for even </a:t>
-                </a:r>
-                <a:r>
-                  <a:rPr lang="en-US" sz="2300" dirty="0" smtClean="0">
-                    <a:latin typeface="Times New Roman" panose="02020603050405020304" pitchFamily="18" charset="0"/>
-                    <a:cs typeface="Times New Roman" panose="02020603050405020304" pitchFamily="18" charset="0"/>
-                  </a:rPr>
-                  <a:t>number</a:t>
+                  <a:t>for even number</a:t>
                 </a:r>
                 <a:endParaRPr lang="tr-TR" sz="2300" dirty="0" smtClean="0">
                   <a:latin typeface="Times New Roman" panose="02020603050405020304" pitchFamily="18" charset="0"/>
@@ -24834,14 +23428,7 @@
                     <a:latin typeface="Times New Roman" panose="02020603050405020304" pitchFamily="18" charset="0"/>
                     <a:cs typeface="Times New Roman" panose="02020603050405020304" pitchFamily="18" charset="0"/>
                   </a:rPr>
-                  <a:t> </a:t>
-                </a:r>
-                <a:r>
-                  <a:rPr lang="tr-TR" sz="2300" dirty="0" smtClean="0">
-                    <a:latin typeface="Times New Roman" panose="02020603050405020304" pitchFamily="18" charset="0"/>
-                    <a:cs typeface="Times New Roman" panose="02020603050405020304" pitchFamily="18" charset="0"/>
-                  </a:rPr>
-                  <a:t>is </a:t>
+                  <a:t> is </a:t>
                 </a:r>
                 <a:r>
                   <a:rPr lang="tr-TR" sz="2500" b="1" dirty="0" smtClean="0">
@@ -24956,7 +23543,7 @@
             </p:txBody>
           </p:sp>
         </mc:Choice>
-        <mc:Fallback>
+        <mc:Fallback xmlns="">
           <p:sp>
             <p:nvSpPr>
               <p:cNvPr id="17" name="Text Box 9"/>
@@ -25748,7 +24335,7 @@
         </p:blipFill>
         <p:spPr>
           <a:xfrm>
-            <a:off x="3702463" y="2403683"/>
+            <a:off x="4519282" y="2288817"/>
             <a:ext cx="477430" cy="671156"/>
           </a:xfrm>
           <a:prstGeom prst="rect">
@@ -25778,37 +24365,8 @@
         </p:blipFill>
         <p:spPr>
           <a:xfrm>
-            <a:off x="3476522" y="3995042"/>
-            <a:ext cx="1145995" cy="852333"/>
-          </a:xfrm>
-          <a:prstGeom prst="rect">
-            <a:avLst/>
-          </a:prstGeom>
-        </p:spPr>
-      </p:pic>
-      <p:pic>
-        <p:nvPicPr>
-          <p:cNvPr id="19" name="Picture 18"/>
-          <p:cNvPicPr>
-            <a:picLocks noChangeAspect="1"/>
-          </p:cNvPicPr>
-          <p:nvPr/>
-        </p:nvPicPr>
-        <p:blipFill rotWithShape="1">
-          <a:blip r:embed="rId9" cstate="print">
-            <a:extLst>
-              <a:ext uri="{28A0092B-C50C-407E-A947-70E740481C1C}">
-                <a14:useLocalDpi xmlns:a14="http://schemas.microsoft.com/office/drawing/2010/main" val="0"/>
-              </a:ext>
-            </a:extLst>
-          </a:blip>
-          <a:srcRect l="12564" r="14092"/>
-          <a:stretch/>
-        </p:blipFill>
-        <p:spPr>
-          <a:xfrm>
-            <a:off x="7651864" y="2440666"/>
-            <a:ext cx="858500" cy="677666"/>
+            <a:off x="4015202" y="3874985"/>
+            <a:ext cx="1485591" cy="1104907"/>
           </a:xfrm>
           <a:prstGeom prst="rect">
             <a:avLst/>
@@ -25824,7 +24382,7 @@
           <p:nvPr/>
         </p:nvPicPr>
         <p:blipFill rotWithShape="1">
-          <a:blip r:embed="rId10">
+          <a:blip r:embed="rId9">
             <a:extLst>
               <a:ext uri="{28A0092B-C50C-407E-A947-70E740481C1C}">
                 <a14:useLocalDpi xmlns:a14="http://schemas.microsoft.com/office/drawing/2010/main" val="0"/>
@@ -25836,8 +24394,8 @@
         </p:blipFill>
         <p:spPr>
           <a:xfrm>
-            <a:off x="6835404" y="4008841"/>
-            <a:ext cx="1690591" cy="739634"/>
+            <a:off x="6141701" y="3990606"/>
+            <a:ext cx="2111231" cy="923664"/>
           </a:xfrm>
           <a:prstGeom prst="rect">
             <a:avLst/>
@@ -25853,7 +24411,7 @@
           <p:nvPr/>
         </p:nvPicPr>
         <p:blipFill rotWithShape="1">
-          <a:blip r:embed="rId11">
+          <a:blip r:embed="rId10">
             <a:extLst>
               <a:ext uri="{28A0092B-C50C-407E-A947-70E740481C1C}">
                 <a14:useLocalDpi xmlns:a14="http://schemas.microsoft.com/office/drawing/2010/main" val="0"/>
@@ -25865,7 +24423,7 @@
         </p:blipFill>
         <p:spPr>
           <a:xfrm>
-            <a:off x="4580289" y="2342876"/>
+            <a:off x="5862705" y="2178730"/>
             <a:ext cx="2669221" cy="805802"/>
           </a:xfrm>
           <a:prstGeom prst="rect">
@@ -25882,7 +24440,7 @@
           <p:nvPr/>
         </p:nvPicPr>
         <p:blipFill>
-          <a:blip r:embed="rId12">
+          <a:blip r:embed="rId11">
             <a:extLst>
               <a:ext uri="{28A0092B-C50C-407E-A947-70E740481C1C}">
                 <a14:useLocalDpi xmlns:a14="http://schemas.microsoft.com/office/drawing/2010/main" val="0"/>
@@ -25895,38 +24453,8 @@
         </p:blipFill>
         <p:spPr>
           <a:xfrm>
-            <a:off x="4867188" y="5769603"/>
-            <a:ext cx="1094837" cy="870893"/>
-          </a:xfrm>
-          <a:prstGeom prst="rect">
-            <a:avLst/>
-          </a:prstGeom>
-        </p:spPr>
-      </p:pic>
-      <p:pic>
-        <p:nvPicPr>
-          <p:cNvPr id="23" name="Picture 22"/>
-          <p:cNvPicPr>
-            <a:picLocks noChangeAspect="1"/>
-          </p:cNvPicPr>
-          <p:nvPr/>
-        </p:nvPicPr>
-        <p:blipFill>
-          <a:blip r:embed="rId13" cstate="print">
-            <a:extLst>
-              <a:ext uri="{28A0092B-C50C-407E-A947-70E740481C1C}">
-                <a14:useLocalDpi xmlns:a14="http://schemas.microsoft.com/office/drawing/2010/main" val="0"/>
-              </a:ext>
-            </a:extLst>
-          </a:blip>
-          <a:stretch>
-            <a:fillRect/>
-          </a:stretch>
-        </p:blipFill>
-        <p:spPr>
-          <a:xfrm>
-            <a:off x="5221518" y="3801901"/>
-            <a:ext cx="1191824" cy="1112369"/>
+            <a:off x="4056530" y="5643830"/>
+            <a:ext cx="1402933" cy="1115969"/>
           </a:xfrm>
           <a:prstGeom prst="rect">
             <a:avLst/>
@@ -25942,7 +24470,7 @@
           <p:nvPr/>
         </p:nvPicPr>
         <p:blipFill rotWithShape="1">
-          <a:blip r:embed="rId14" cstate="print">
+          <a:blip r:embed="rId12" cstate="print">
             <a:extLst>
               <a:ext uri="{28A0092B-C50C-407E-A947-70E740481C1C}">
                 <a14:useLocalDpi xmlns:a14="http://schemas.microsoft.com/office/drawing/2010/main" val="0"/>
@@ -25954,38 +24482,8 @@
         </p:blipFill>
         <p:spPr>
           <a:xfrm>
-            <a:off x="6438900" y="5738952"/>
-            <a:ext cx="2362200" cy="925727"/>
-          </a:xfrm>
-          <a:prstGeom prst="rect">
-            <a:avLst/>
-          </a:prstGeom>
-        </p:spPr>
-      </p:pic>
-      <p:pic>
-        <p:nvPicPr>
-          <p:cNvPr id="25" name="Picture 24"/>
-          <p:cNvPicPr>
-            <a:picLocks noChangeAspect="1"/>
-          </p:cNvPicPr>
-          <p:nvPr/>
-        </p:nvPicPr>
-        <p:blipFill>
-          <a:blip r:embed="rId7" cstate="print">
-            <a:extLst>
-              <a:ext uri="{28A0092B-C50C-407E-A947-70E740481C1C}">
-                <a14:useLocalDpi xmlns:a14="http://schemas.microsoft.com/office/drawing/2010/main" val="0"/>
-              </a:ext>
-            </a:extLst>
-          </a:blip>
-          <a:stretch>
-            <a:fillRect/>
-          </a:stretch>
-        </p:blipFill>
-        <p:spPr>
-          <a:xfrm>
-            <a:off x="3702463" y="5850582"/>
-            <a:ext cx="477430" cy="671156"/>
+            <a:off x="6169410" y="5688837"/>
+            <a:ext cx="2866176" cy="1123231"/>
           </a:xfrm>
           <a:prstGeom prst="rect">
             <a:avLst/>
@@ -26523,21 +25021,39 @@
                                   </p:childTnLst>
                                 </p:cTn>
                               </p:par>
+                            </p:childTnLst>
+                          </p:cTn>
+                        </p:par>
+                      </p:childTnLst>
+                    </p:cTn>
+                  </p:par>
+                  <p:par>
+                    <p:cTn id="29" fill="hold">
+                      <p:stCondLst>
+                        <p:cond delay="indefinite"/>
+                      </p:stCondLst>
+                      <p:childTnLst>
+                        <p:par>
+                          <p:cTn id="30" fill="hold">
+                            <p:stCondLst>
+                              <p:cond delay="0"/>
+                            </p:stCondLst>
+                            <p:childTnLst>
                               <p:par>
-                                <p:cTn id="29" presetID="10" presetClass="entr" presetSubtype="0" fill="hold" nodeType="withEffect">
+                                <p:cTn id="31" presetID="10" presetClass="entr" presetSubtype="0" fill="hold" nodeType="clickEffect">
                                   <p:stCondLst>
                                     <p:cond delay="0"/>
                                   </p:stCondLst>
                                   <p:childTnLst>
                                     <p:set>
                                       <p:cBhvr>
-                                        <p:cTn id="30" dur="1" fill="hold">
+                                        <p:cTn id="32" dur="1" fill="hold">
                                           <p:stCondLst>
                                             <p:cond delay="0"/>
                                           </p:stCondLst>
                                         </p:cTn>
                                         <p:tgtEl>
-                                          <p:spTgt spid="19"/>
+                                          <p:spTgt spid="8"/>
                                         </p:tgtEl>
                                         <p:attrNameLst>
                                           <p:attrName>style.visibility</p:attrName>
@@ -26549,9 +25065,44 @@
                                     </p:set>
                                     <p:animEffect transition="in" filter="fade">
                                       <p:cBhvr>
-                                        <p:cTn id="31" dur="500"/>
-                                        <p:tgtEl>
-                                          <p:spTgt spid="19"/>
+                                        <p:cTn id="33" dur="500"/>
+                                        <p:tgtEl>
+                                          <p:spTgt spid="8"/>
+                                        </p:tgtEl>
+                                      </p:cBhvr>
+                                    </p:animEffect>
+                                  </p:childTnLst>
+                                </p:cTn>
+                              </p:par>
+                              <p:par>
+                                <p:cTn id="34" presetID="10" presetClass="entr" presetSubtype="0" fill="hold" nodeType="withEffect">
+                                  <p:stCondLst>
+                                    <p:cond delay="0"/>
+                                  </p:stCondLst>
+                                  <p:childTnLst>
+                                    <p:set>
+                                      <p:cBhvr>
+                                        <p:cTn id="35" dur="1" fill="hold">
+                                          <p:stCondLst>
+                                            <p:cond delay="0"/>
+                                          </p:stCondLst>
+                                        </p:cTn>
+                                        <p:tgtEl>
+                                          <p:spTgt spid="20"/>
+                                        </p:tgtEl>
+                                        <p:attrNameLst>
+                                          <p:attrName>style.visibility</p:attrName>
+                                        </p:attrNameLst>
+                                      </p:cBhvr>
+                                      <p:to>
+                                        <p:strVal val="visible"/>
+                                      </p:to>
+                                    </p:set>
+                                    <p:animEffect transition="in" filter="fade">
+                                      <p:cBhvr>
+                                        <p:cTn id="36" dur="500"/>
+                                        <p:tgtEl>
+                                          <p:spTgt spid="20"/>
                                         </p:tgtEl>
                                       </p:cBhvr>
                                     </p:animEffect>
@@ -26565,32 +25116,32 @@
                     </p:cTn>
                   </p:par>
                   <p:par>
-                    <p:cTn id="32" fill="hold">
+                    <p:cTn id="37" fill="hold">
                       <p:stCondLst>
                         <p:cond delay="indefinite"/>
                       </p:stCondLst>
                       <p:childTnLst>
                         <p:par>
-                          <p:cTn id="33" fill="hold">
+                          <p:cTn id="38" fill="hold">
                             <p:stCondLst>
                               <p:cond delay="0"/>
                             </p:stCondLst>
                             <p:childTnLst>
                               <p:par>
-                                <p:cTn id="34" presetID="10" presetClass="entr" presetSubtype="0" fill="hold" nodeType="clickEffect">
+                                <p:cTn id="39" presetID="10" presetClass="entr" presetSubtype="0" fill="hold" nodeType="clickEffect">
                                   <p:stCondLst>
                                     <p:cond delay="0"/>
                                   </p:stCondLst>
                                   <p:childTnLst>
                                     <p:set>
                                       <p:cBhvr>
-                                        <p:cTn id="35" dur="1" fill="hold">
+                                        <p:cTn id="40" dur="1" fill="hold">
                                           <p:stCondLst>
                                             <p:cond delay="0"/>
                                           </p:stCondLst>
                                         </p:cTn>
                                         <p:tgtEl>
-                                          <p:spTgt spid="8"/>
+                                          <p:spTgt spid="22"/>
                                         </p:tgtEl>
                                         <p:attrNameLst>
                                           <p:attrName>style.visibility</p:attrName>
@@ -26602,9 +25153,9 @@
                                     </p:set>
                                     <p:animEffect transition="in" filter="fade">
                                       <p:cBhvr>
-                                        <p:cTn id="36" dur="500"/>
-                                        <p:tgtEl>
-                                          <p:spTgt spid="8"/>
+                                        <p:cTn id="41" dur="500"/>
+                                        <p:tgtEl>
+                                          <p:spTgt spid="22"/>
                                         </p:tgtEl>
                                       </p:cBhvr>
                                     </p:animEffect>
@@ -26612,20 +25163,20 @@
                                 </p:cTn>
                               </p:par>
                               <p:par>
-                                <p:cTn id="37" presetID="10" presetClass="entr" presetSubtype="0" fill="hold" nodeType="withEffect">
+                                <p:cTn id="42" presetID="10" presetClass="entr" presetSubtype="0" fill="hold" nodeType="withEffect">
                                   <p:stCondLst>
                                     <p:cond delay="0"/>
                                   </p:stCondLst>
                                   <p:childTnLst>
                                     <p:set>
                                       <p:cBhvr>
-                                        <p:cTn id="38" dur="1" fill="hold">
+                                        <p:cTn id="43" dur="1" fill="hold">
                                           <p:stCondLst>
                                             <p:cond delay="0"/>
                                           </p:stCondLst>
                                         </p:cTn>
                                         <p:tgtEl>
-                                          <p:spTgt spid="23"/>
+                                          <p:spTgt spid="24"/>
                                         </p:tgtEl>
                                         <p:attrNameLst>
                                           <p:attrName>style.visibility</p:attrName>
@@ -26637,183 +25188,7 @@
                                     </p:set>
                                     <p:animEffect transition="in" filter="fade">
                                       <p:cBhvr>
-                                        <p:cTn id="39" dur="500"/>
-                                        <p:tgtEl>
-                                          <p:spTgt spid="23"/>
-                                        </p:tgtEl>
-                                      </p:cBhvr>
-                                    </p:animEffect>
-                                  </p:childTnLst>
-                                </p:cTn>
-                              </p:par>
-                              <p:par>
-                                <p:cTn id="40" presetID="10" presetClass="entr" presetSubtype="0" fill="hold" nodeType="withEffect">
-                                  <p:stCondLst>
-                                    <p:cond delay="0"/>
-                                  </p:stCondLst>
-                                  <p:childTnLst>
-                                    <p:set>
-                                      <p:cBhvr>
-                                        <p:cTn id="41" dur="1" fill="hold">
-                                          <p:stCondLst>
-                                            <p:cond delay="0"/>
-                                          </p:stCondLst>
-                                        </p:cTn>
-                                        <p:tgtEl>
-                                          <p:spTgt spid="20"/>
-                                        </p:tgtEl>
-                                        <p:attrNameLst>
-                                          <p:attrName>style.visibility</p:attrName>
-                                        </p:attrNameLst>
-                                      </p:cBhvr>
-                                      <p:to>
-                                        <p:strVal val="visible"/>
-                                      </p:to>
-                                    </p:set>
-                                    <p:animEffect transition="in" filter="fade">
-                                      <p:cBhvr>
-                                        <p:cTn id="42" dur="500"/>
-                                        <p:tgtEl>
-                                          <p:spTgt spid="20"/>
-                                        </p:tgtEl>
-                                      </p:cBhvr>
-                                    </p:animEffect>
-                                  </p:childTnLst>
-                                </p:cTn>
-                              </p:par>
-                            </p:childTnLst>
-                          </p:cTn>
-                        </p:par>
-                      </p:childTnLst>
-                    </p:cTn>
-                  </p:par>
-                  <p:par>
-                    <p:cTn id="43" fill="hold">
-                      <p:stCondLst>
-                        <p:cond delay="indefinite"/>
-                      </p:stCondLst>
-                      <p:childTnLst>
-                        <p:par>
-                          <p:cTn id="44" fill="hold">
-                            <p:stCondLst>
-                              <p:cond delay="0"/>
-                            </p:stCondLst>
-                            <p:childTnLst>
-                              <p:par>
-                                <p:cTn id="45" presetID="10" presetClass="entr" presetSubtype="0" fill="hold" nodeType="clickEffect">
-                                  <p:stCondLst>
-                                    <p:cond delay="0"/>
-                                  </p:stCondLst>
-                                  <p:childTnLst>
-                                    <p:set>
-                                      <p:cBhvr>
-                                        <p:cTn id="46" dur="1" fill="hold">
-                                          <p:stCondLst>
-                                            <p:cond delay="0"/>
-                                          </p:stCondLst>
-                                        </p:cTn>
-                                        <p:tgtEl>
-                                          <p:spTgt spid="25"/>
-                                        </p:tgtEl>
-                                        <p:attrNameLst>
-                                          <p:attrName>style.visibility</p:attrName>
-                                        </p:attrNameLst>
-                                      </p:cBhvr>
-                                      <p:to>
-                                        <p:strVal val="visible"/>
-                                      </p:to>
-                                    </p:set>
-                                    <p:animEffect transition="in" filter="fade">
-                                      <p:cBhvr>
-                                        <p:cTn id="47" dur="500"/>
-                                        <p:tgtEl>
-                                          <p:spTgt spid="25"/>
-                                        </p:tgtEl>
-                                      </p:cBhvr>
-                                    </p:animEffect>
-                                  </p:childTnLst>
-                                </p:cTn>
-                              </p:par>
-                              <p:par>
-                                <p:cTn id="48" presetID="10" presetClass="entr" presetSubtype="0" fill="hold" nodeType="withEffect">
-                                  <p:stCondLst>
-                                    <p:cond delay="0"/>
-                                  </p:stCondLst>
-                                  <p:childTnLst>
-                                    <p:set>
-                                      <p:cBhvr>
-                                        <p:cTn id="49" dur="1" fill="hold">
-                                          <p:stCondLst>
-                                            <p:cond delay="0"/>
-                                          </p:stCondLst>
-                                        </p:cTn>
-                                        <p:tgtEl>
-                                          <p:spTgt spid="22"/>
-                                        </p:tgtEl>
-                                        <p:attrNameLst>
-                                          <p:attrName>style.visibility</p:attrName>
-                                        </p:attrNameLst>
-                                      </p:cBhvr>
-                                      <p:to>
-                                        <p:strVal val="visible"/>
-                                      </p:to>
-                                    </p:set>
-                                    <p:animEffect transition="in" filter="fade">
-                                      <p:cBhvr>
-                                        <p:cTn id="50" dur="500"/>
-                                        <p:tgtEl>
-                                          <p:spTgt spid="22"/>
-                                        </p:tgtEl>
-                                      </p:cBhvr>
-                                    </p:animEffect>
-                                  </p:childTnLst>
-                                </p:cTn>
-                              </p:par>
-                            </p:childTnLst>
-                          </p:cTn>
-                        </p:par>
-                      </p:childTnLst>
-                    </p:cTn>
-                  </p:par>
-                  <p:par>
-                    <p:cTn id="51" fill="hold">
-                      <p:stCondLst>
-                        <p:cond delay="indefinite"/>
-                      </p:stCondLst>
-                      <p:childTnLst>
-                        <p:par>
-                          <p:cTn id="52" fill="hold">
-                            <p:stCondLst>
-                              <p:cond delay="0"/>
-                            </p:stCondLst>
-                            <p:childTnLst>
-                              <p:par>
-                                <p:cTn id="53" presetID="10" presetClass="entr" presetSubtype="0" fill="hold" nodeType="clickEffect">
-                                  <p:stCondLst>
-                                    <p:cond delay="0"/>
-                                  </p:stCondLst>
-                                  <p:childTnLst>
-                                    <p:set>
-                                      <p:cBhvr>
-                                        <p:cTn id="54" dur="1" fill="hold">
-                                          <p:stCondLst>
-                                            <p:cond delay="0"/>
-                                          </p:stCondLst>
-                                        </p:cTn>
-                                        <p:tgtEl>
-                                          <p:spTgt spid="24"/>
-                                        </p:tgtEl>
-                                        <p:attrNameLst>
-                                          <p:attrName>style.visibility</p:attrName>
-                                        </p:attrNameLst>
-                                      </p:cBhvr>
-                                      <p:to>
-                                        <p:strVal val="visible"/>
-                                      </p:to>
-                                    </p:set>
-                                    <p:animEffect transition="in" filter="fade">
-                                      <p:cBhvr>
-                                        <p:cTn id="55" dur="500"/>
+                                        <p:cTn id="44" dur="500"/>
                                         <p:tgtEl>
                                           <p:spTgt spid="24"/>
                                         </p:tgtEl>
